--- a/docs/Presentazione.pptx
+++ b/docs/Presentazione.pptx
@@ -118,6 +118,11 @@
       </a:defRPr>
     </a:lvl9pPr>
   </p:defaultTextStyle>
+  <p:extLst>
+    <p:ext uri="{EFAFB233-063F-42B5-8137-9DF3F51BA10A}">
+      <p15:sldGuideLst xmlns:p15="http://schemas.microsoft.com/office/powerpoint/2012/main"/>
+    </p:ext>
+  </p:extLst>
 </p:presentation>
 </file>
 
@@ -143,7 +148,7 @@
           <p:cNvPr id="2" name="Titolo 1">
             <a:extLst>
               <a:ext uri="{FF2B5EF4-FFF2-40B4-BE49-F238E27FC236}">
-                <a16:creationId xmlns:a16="http://schemas.microsoft.com/office/drawing/2014/main" id="{B50EF3DC-80FB-4250-83DA-100E4D11F3B6}"/>
+                <a16:creationId xmlns:a16="http://schemas.microsoft.com/office/drawing/2014/main" xmlns="" id="{B50EF3DC-80FB-4250-83DA-100E4D11F3B6}"/>
               </a:ext>
             </a:extLst>
           </p:cNvPr>
@@ -180,7 +185,7 @@
           <p:cNvPr id="3" name="Sottotitolo 2">
             <a:extLst>
               <a:ext uri="{FF2B5EF4-FFF2-40B4-BE49-F238E27FC236}">
-                <a16:creationId xmlns:a16="http://schemas.microsoft.com/office/drawing/2014/main" id="{F9EF43FE-52A1-42C9-916D-ED37FAAF6A10}"/>
+                <a16:creationId xmlns:a16="http://schemas.microsoft.com/office/drawing/2014/main" xmlns="" id="{F9EF43FE-52A1-42C9-916D-ED37FAAF6A10}"/>
               </a:ext>
             </a:extLst>
           </p:cNvPr>
@@ -250,7 +255,7 @@
           <p:cNvPr id="4" name="Segnaposto data 3">
             <a:extLst>
               <a:ext uri="{FF2B5EF4-FFF2-40B4-BE49-F238E27FC236}">
-                <a16:creationId xmlns:a16="http://schemas.microsoft.com/office/drawing/2014/main" id="{A8335D81-7182-4491-86EC-72B65FB99C12}"/>
+                <a16:creationId xmlns:a16="http://schemas.microsoft.com/office/drawing/2014/main" xmlns="" id="{A8335D81-7182-4491-86EC-72B65FB99C12}"/>
               </a:ext>
             </a:extLst>
           </p:cNvPr>
@@ -268,7 +273,7 @@
           <a:p>
             <a:fld id="{CCCB5B76-26A8-42F6-9A12-0999A40069CD}" type="datetimeFigureOut">
               <a:rPr lang="it-IT" smtClean="0"/>
-              <a:t>17/05/2019</a:t>
+              <a:t>17/05/19</a:t>
             </a:fld>
             <a:endParaRPr lang="it-IT"/>
           </a:p>
@@ -279,7 +284,7 @@
           <p:cNvPr id="5" name="Segnaposto piè di pagina 4">
             <a:extLst>
               <a:ext uri="{FF2B5EF4-FFF2-40B4-BE49-F238E27FC236}">
-                <a16:creationId xmlns:a16="http://schemas.microsoft.com/office/drawing/2014/main" id="{949BCC1E-E431-465D-B474-EBE4EA1B7746}"/>
+                <a16:creationId xmlns:a16="http://schemas.microsoft.com/office/drawing/2014/main" xmlns="" id="{949BCC1E-E431-465D-B474-EBE4EA1B7746}"/>
               </a:ext>
             </a:extLst>
           </p:cNvPr>
@@ -304,7 +309,7 @@
           <p:cNvPr id="6" name="Segnaposto numero diapositiva 5">
             <a:extLst>
               <a:ext uri="{FF2B5EF4-FFF2-40B4-BE49-F238E27FC236}">
-                <a16:creationId xmlns:a16="http://schemas.microsoft.com/office/drawing/2014/main" id="{C8BD9E7D-7B83-46FD-AD07-9419CF0C5DC2}"/>
+                <a16:creationId xmlns:a16="http://schemas.microsoft.com/office/drawing/2014/main" xmlns="" id="{C8BD9E7D-7B83-46FD-AD07-9419CF0C5DC2}"/>
               </a:ext>
             </a:extLst>
           </p:cNvPr>
@@ -322,7 +327,7 @@
           <a:p>
             <a:fld id="{2D002975-1739-42E0-8F8C-09979F93B4A7}" type="slidenum">
               <a:rPr lang="it-IT" smtClean="0"/>
-              <a:t>‹N›</a:t>
+              <a:t>‹#›</a:t>
             </a:fld>
             <a:endParaRPr lang="it-IT"/>
           </a:p>
@@ -363,7 +368,7 @@
           <p:cNvPr id="2" name="Titolo 1">
             <a:extLst>
               <a:ext uri="{FF2B5EF4-FFF2-40B4-BE49-F238E27FC236}">
-                <a16:creationId xmlns:a16="http://schemas.microsoft.com/office/drawing/2014/main" id="{D669118A-8ED9-42D0-B1DA-E5BF83803B4D}"/>
+                <a16:creationId xmlns:a16="http://schemas.microsoft.com/office/drawing/2014/main" xmlns="" id="{D669118A-8ED9-42D0-B1DA-E5BF83803B4D}"/>
               </a:ext>
             </a:extLst>
           </p:cNvPr>
@@ -391,7 +396,7 @@
           <p:cNvPr id="3" name="Segnaposto testo verticale 2">
             <a:extLst>
               <a:ext uri="{FF2B5EF4-FFF2-40B4-BE49-F238E27FC236}">
-                <a16:creationId xmlns:a16="http://schemas.microsoft.com/office/drawing/2014/main" id="{0A4564C2-867B-4493-B444-6A21D3653C71}"/>
+                <a16:creationId xmlns:a16="http://schemas.microsoft.com/office/drawing/2014/main" xmlns="" id="{0A4564C2-867B-4493-B444-6A21D3653C71}"/>
               </a:ext>
             </a:extLst>
           </p:cNvPr>
@@ -448,7 +453,7 @@
           <p:cNvPr id="4" name="Segnaposto data 3">
             <a:extLst>
               <a:ext uri="{FF2B5EF4-FFF2-40B4-BE49-F238E27FC236}">
-                <a16:creationId xmlns:a16="http://schemas.microsoft.com/office/drawing/2014/main" id="{17D248BF-DD62-499D-A261-989EAD8F6D96}"/>
+                <a16:creationId xmlns:a16="http://schemas.microsoft.com/office/drawing/2014/main" xmlns="" id="{17D248BF-DD62-499D-A261-989EAD8F6D96}"/>
               </a:ext>
             </a:extLst>
           </p:cNvPr>
@@ -466,7 +471,7 @@
           <a:p>
             <a:fld id="{CCCB5B76-26A8-42F6-9A12-0999A40069CD}" type="datetimeFigureOut">
               <a:rPr lang="it-IT" smtClean="0"/>
-              <a:t>17/05/2019</a:t>
+              <a:t>17/05/19</a:t>
             </a:fld>
             <a:endParaRPr lang="it-IT"/>
           </a:p>
@@ -477,7 +482,7 @@
           <p:cNvPr id="5" name="Segnaposto piè di pagina 4">
             <a:extLst>
               <a:ext uri="{FF2B5EF4-FFF2-40B4-BE49-F238E27FC236}">
-                <a16:creationId xmlns:a16="http://schemas.microsoft.com/office/drawing/2014/main" id="{12F462F1-A4EA-4F24-8FB4-D760D96C86D2}"/>
+                <a16:creationId xmlns:a16="http://schemas.microsoft.com/office/drawing/2014/main" xmlns="" id="{12F462F1-A4EA-4F24-8FB4-D760D96C86D2}"/>
               </a:ext>
             </a:extLst>
           </p:cNvPr>
@@ -502,7 +507,7 @@
           <p:cNvPr id="6" name="Segnaposto numero diapositiva 5">
             <a:extLst>
               <a:ext uri="{FF2B5EF4-FFF2-40B4-BE49-F238E27FC236}">
-                <a16:creationId xmlns:a16="http://schemas.microsoft.com/office/drawing/2014/main" id="{B8E84705-F1C6-4E08-A2AE-8ABBD25354EE}"/>
+                <a16:creationId xmlns:a16="http://schemas.microsoft.com/office/drawing/2014/main" xmlns="" id="{B8E84705-F1C6-4E08-A2AE-8ABBD25354EE}"/>
               </a:ext>
             </a:extLst>
           </p:cNvPr>
@@ -520,7 +525,7 @@
           <a:p>
             <a:fld id="{2D002975-1739-42E0-8F8C-09979F93B4A7}" type="slidenum">
               <a:rPr lang="it-IT" smtClean="0"/>
-              <a:t>‹N›</a:t>
+              <a:t>‹#›</a:t>
             </a:fld>
             <a:endParaRPr lang="it-IT"/>
           </a:p>
@@ -561,7 +566,7 @@
           <p:cNvPr id="2" name="Titolo verticale 1">
             <a:extLst>
               <a:ext uri="{FF2B5EF4-FFF2-40B4-BE49-F238E27FC236}">
-                <a16:creationId xmlns:a16="http://schemas.microsoft.com/office/drawing/2014/main" id="{EEB65F0C-9B32-4091-804E-E760D914B4F8}"/>
+                <a16:creationId xmlns:a16="http://schemas.microsoft.com/office/drawing/2014/main" xmlns="" id="{EEB65F0C-9B32-4091-804E-E760D914B4F8}"/>
               </a:ext>
             </a:extLst>
           </p:cNvPr>
@@ -594,7 +599,7 @@
           <p:cNvPr id="3" name="Segnaposto testo verticale 2">
             <a:extLst>
               <a:ext uri="{FF2B5EF4-FFF2-40B4-BE49-F238E27FC236}">
-                <a16:creationId xmlns:a16="http://schemas.microsoft.com/office/drawing/2014/main" id="{F4BDEC74-F962-49CD-8B87-83EC48542CF3}"/>
+                <a16:creationId xmlns:a16="http://schemas.microsoft.com/office/drawing/2014/main" xmlns="" id="{F4BDEC74-F962-49CD-8B87-83EC48542CF3}"/>
               </a:ext>
             </a:extLst>
           </p:cNvPr>
@@ -656,7 +661,7 @@
           <p:cNvPr id="4" name="Segnaposto data 3">
             <a:extLst>
               <a:ext uri="{FF2B5EF4-FFF2-40B4-BE49-F238E27FC236}">
-                <a16:creationId xmlns:a16="http://schemas.microsoft.com/office/drawing/2014/main" id="{0974D8ED-23F4-407F-89A4-D8E22DB4D67A}"/>
+                <a16:creationId xmlns:a16="http://schemas.microsoft.com/office/drawing/2014/main" xmlns="" id="{0974D8ED-23F4-407F-89A4-D8E22DB4D67A}"/>
               </a:ext>
             </a:extLst>
           </p:cNvPr>
@@ -674,7 +679,7 @@
           <a:p>
             <a:fld id="{CCCB5B76-26A8-42F6-9A12-0999A40069CD}" type="datetimeFigureOut">
               <a:rPr lang="it-IT" smtClean="0"/>
-              <a:t>17/05/2019</a:t>
+              <a:t>17/05/19</a:t>
             </a:fld>
             <a:endParaRPr lang="it-IT"/>
           </a:p>
@@ -685,7 +690,7 @@
           <p:cNvPr id="5" name="Segnaposto piè di pagina 4">
             <a:extLst>
               <a:ext uri="{FF2B5EF4-FFF2-40B4-BE49-F238E27FC236}">
-                <a16:creationId xmlns:a16="http://schemas.microsoft.com/office/drawing/2014/main" id="{8B92139C-26C8-42DC-AB61-F9AB0D95C7BE}"/>
+                <a16:creationId xmlns:a16="http://schemas.microsoft.com/office/drawing/2014/main" xmlns="" id="{8B92139C-26C8-42DC-AB61-F9AB0D95C7BE}"/>
               </a:ext>
             </a:extLst>
           </p:cNvPr>
@@ -710,7 +715,7 @@
           <p:cNvPr id="6" name="Segnaposto numero diapositiva 5">
             <a:extLst>
               <a:ext uri="{FF2B5EF4-FFF2-40B4-BE49-F238E27FC236}">
-                <a16:creationId xmlns:a16="http://schemas.microsoft.com/office/drawing/2014/main" id="{31619DC9-9BD6-4F30-8EC7-D289D26C7141}"/>
+                <a16:creationId xmlns:a16="http://schemas.microsoft.com/office/drawing/2014/main" xmlns="" id="{31619DC9-9BD6-4F30-8EC7-D289D26C7141}"/>
               </a:ext>
             </a:extLst>
           </p:cNvPr>
@@ -728,7 +733,7 @@
           <a:p>
             <a:fld id="{2D002975-1739-42E0-8F8C-09979F93B4A7}" type="slidenum">
               <a:rPr lang="it-IT" smtClean="0"/>
-              <a:t>‹N›</a:t>
+              <a:t>‹#›</a:t>
             </a:fld>
             <a:endParaRPr lang="it-IT"/>
           </a:p>
@@ -769,7 +774,7 @@
           <p:cNvPr id="2" name="Titolo 1">
             <a:extLst>
               <a:ext uri="{FF2B5EF4-FFF2-40B4-BE49-F238E27FC236}">
-                <a16:creationId xmlns:a16="http://schemas.microsoft.com/office/drawing/2014/main" id="{5FA93295-CD5A-46DE-A88B-720873D0BD53}"/>
+                <a16:creationId xmlns:a16="http://schemas.microsoft.com/office/drawing/2014/main" xmlns="" id="{5FA93295-CD5A-46DE-A88B-720873D0BD53}"/>
               </a:ext>
             </a:extLst>
           </p:cNvPr>
@@ -797,7 +802,7 @@
           <p:cNvPr id="3" name="Segnaposto contenuto 2">
             <a:extLst>
               <a:ext uri="{FF2B5EF4-FFF2-40B4-BE49-F238E27FC236}">
-                <a16:creationId xmlns:a16="http://schemas.microsoft.com/office/drawing/2014/main" id="{2CB9FCF7-F594-4FA1-A9C0-B0C141D91F2E}"/>
+                <a16:creationId xmlns:a16="http://schemas.microsoft.com/office/drawing/2014/main" xmlns="" id="{2CB9FCF7-F594-4FA1-A9C0-B0C141D91F2E}"/>
               </a:ext>
             </a:extLst>
           </p:cNvPr>
@@ -854,7 +859,7 @@
           <p:cNvPr id="4" name="Segnaposto data 3">
             <a:extLst>
               <a:ext uri="{FF2B5EF4-FFF2-40B4-BE49-F238E27FC236}">
-                <a16:creationId xmlns:a16="http://schemas.microsoft.com/office/drawing/2014/main" id="{00A61E80-D1D8-472E-A839-56741184ADB6}"/>
+                <a16:creationId xmlns:a16="http://schemas.microsoft.com/office/drawing/2014/main" xmlns="" id="{00A61E80-D1D8-472E-A839-56741184ADB6}"/>
               </a:ext>
             </a:extLst>
           </p:cNvPr>
@@ -872,7 +877,7 @@
           <a:p>
             <a:fld id="{CCCB5B76-26A8-42F6-9A12-0999A40069CD}" type="datetimeFigureOut">
               <a:rPr lang="it-IT" smtClean="0"/>
-              <a:t>17/05/2019</a:t>
+              <a:t>17/05/19</a:t>
             </a:fld>
             <a:endParaRPr lang="it-IT"/>
           </a:p>
@@ -883,7 +888,7 @@
           <p:cNvPr id="5" name="Segnaposto piè di pagina 4">
             <a:extLst>
               <a:ext uri="{FF2B5EF4-FFF2-40B4-BE49-F238E27FC236}">
-                <a16:creationId xmlns:a16="http://schemas.microsoft.com/office/drawing/2014/main" id="{D18B8331-38D5-4D98-B525-684F0F796D83}"/>
+                <a16:creationId xmlns:a16="http://schemas.microsoft.com/office/drawing/2014/main" xmlns="" id="{D18B8331-38D5-4D98-B525-684F0F796D83}"/>
               </a:ext>
             </a:extLst>
           </p:cNvPr>
@@ -908,7 +913,7 @@
           <p:cNvPr id="6" name="Segnaposto numero diapositiva 5">
             <a:extLst>
               <a:ext uri="{FF2B5EF4-FFF2-40B4-BE49-F238E27FC236}">
-                <a16:creationId xmlns:a16="http://schemas.microsoft.com/office/drawing/2014/main" id="{7F849B10-2045-43B4-97B7-2373AED3E796}"/>
+                <a16:creationId xmlns:a16="http://schemas.microsoft.com/office/drawing/2014/main" xmlns="" id="{7F849B10-2045-43B4-97B7-2373AED3E796}"/>
               </a:ext>
             </a:extLst>
           </p:cNvPr>
@@ -926,7 +931,7 @@
           <a:p>
             <a:fld id="{2D002975-1739-42E0-8F8C-09979F93B4A7}" type="slidenum">
               <a:rPr lang="it-IT" smtClean="0"/>
-              <a:t>‹N›</a:t>
+              <a:t>‹#›</a:t>
             </a:fld>
             <a:endParaRPr lang="it-IT"/>
           </a:p>
@@ -967,7 +972,7 @@
           <p:cNvPr id="2" name="Titolo 1">
             <a:extLst>
               <a:ext uri="{FF2B5EF4-FFF2-40B4-BE49-F238E27FC236}">
-                <a16:creationId xmlns:a16="http://schemas.microsoft.com/office/drawing/2014/main" id="{BB9C6E41-45C5-42F7-9D7A-86F0A0AE9079}"/>
+                <a16:creationId xmlns:a16="http://schemas.microsoft.com/office/drawing/2014/main" xmlns="" id="{BB9C6E41-45C5-42F7-9D7A-86F0A0AE9079}"/>
               </a:ext>
             </a:extLst>
           </p:cNvPr>
@@ -1004,7 +1009,7 @@
           <p:cNvPr id="3" name="Segnaposto testo 2">
             <a:extLst>
               <a:ext uri="{FF2B5EF4-FFF2-40B4-BE49-F238E27FC236}">
-                <a16:creationId xmlns:a16="http://schemas.microsoft.com/office/drawing/2014/main" id="{53AC4970-C09D-490B-885B-5C8BD3DBCA13}"/>
+                <a16:creationId xmlns:a16="http://schemas.microsoft.com/office/drawing/2014/main" xmlns="" id="{53AC4970-C09D-490B-885B-5C8BD3DBCA13}"/>
               </a:ext>
             </a:extLst>
           </p:cNvPr>
@@ -1129,7 +1134,7 @@
           <p:cNvPr id="4" name="Segnaposto data 3">
             <a:extLst>
               <a:ext uri="{FF2B5EF4-FFF2-40B4-BE49-F238E27FC236}">
-                <a16:creationId xmlns:a16="http://schemas.microsoft.com/office/drawing/2014/main" id="{EF09D452-500E-4483-8EC7-2D7874989003}"/>
+                <a16:creationId xmlns:a16="http://schemas.microsoft.com/office/drawing/2014/main" xmlns="" id="{EF09D452-500E-4483-8EC7-2D7874989003}"/>
               </a:ext>
             </a:extLst>
           </p:cNvPr>
@@ -1147,7 +1152,7 @@
           <a:p>
             <a:fld id="{CCCB5B76-26A8-42F6-9A12-0999A40069CD}" type="datetimeFigureOut">
               <a:rPr lang="it-IT" smtClean="0"/>
-              <a:t>17/05/2019</a:t>
+              <a:t>17/05/19</a:t>
             </a:fld>
             <a:endParaRPr lang="it-IT"/>
           </a:p>
@@ -1158,7 +1163,7 @@
           <p:cNvPr id="5" name="Segnaposto piè di pagina 4">
             <a:extLst>
               <a:ext uri="{FF2B5EF4-FFF2-40B4-BE49-F238E27FC236}">
-                <a16:creationId xmlns:a16="http://schemas.microsoft.com/office/drawing/2014/main" id="{56F4F267-68D7-47F0-8A1D-9B2DBC7B2C11}"/>
+                <a16:creationId xmlns:a16="http://schemas.microsoft.com/office/drawing/2014/main" xmlns="" id="{56F4F267-68D7-47F0-8A1D-9B2DBC7B2C11}"/>
               </a:ext>
             </a:extLst>
           </p:cNvPr>
@@ -1183,7 +1188,7 @@
           <p:cNvPr id="6" name="Segnaposto numero diapositiva 5">
             <a:extLst>
               <a:ext uri="{FF2B5EF4-FFF2-40B4-BE49-F238E27FC236}">
-                <a16:creationId xmlns:a16="http://schemas.microsoft.com/office/drawing/2014/main" id="{15EF6F86-7218-4ED3-9B9B-D2C06BBFFEF2}"/>
+                <a16:creationId xmlns:a16="http://schemas.microsoft.com/office/drawing/2014/main" xmlns="" id="{15EF6F86-7218-4ED3-9B9B-D2C06BBFFEF2}"/>
               </a:ext>
             </a:extLst>
           </p:cNvPr>
@@ -1201,7 +1206,7 @@
           <a:p>
             <a:fld id="{2D002975-1739-42E0-8F8C-09979F93B4A7}" type="slidenum">
               <a:rPr lang="it-IT" smtClean="0"/>
-              <a:t>‹N›</a:t>
+              <a:t>‹#›</a:t>
             </a:fld>
             <a:endParaRPr lang="it-IT"/>
           </a:p>
@@ -1242,7 +1247,7 @@
           <p:cNvPr id="2" name="Titolo 1">
             <a:extLst>
               <a:ext uri="{FF2B5EF4-FFF2-40B4-BE49-F238E27FC236}">
-                <a16:creationId xmlns:a16="http://schemas.microsoft.com/office/drawing/2014/main" id="{992AD3AD-0208-45B2-87BD-E138857C7B1B}"/>
+                <a16:creationId xmlns:a16="http://schemas.microsoft.com/office/drawing/2014/main" xmlns="" id="{992AD3AD-0208-45B2-87BD-E138857C7B1B}"/>
               </a:ext>
             </a:extLst>
           </p:cNvPr>
@@ -1270,7 +1275,7 @@
           <p:cNvPr id="3" name="Segnaposto contenuto 2">
             <a:extLst>
               <a:ext uri="{FF2B5EF4-FFF2-40B4-BE49-F238E27FC236}">
-                <a16:creationId xmlns:a16="http://schemas.microsoft.com/office/drawing/2014/main" id="{7F1F9008-7D96-4E94-BF81-8BCDA3EB6009}"/>
+                <a16:creationId xmlns:a16="http://schemas.microsoft.com/office/drawing/2014/main" xmlns="" id="{7F1F9008-7D96-4E94-BF81-8BCDA3EB6009}"/>
               </a:ext>
             </a:extLst>
           </p:cNvPr>
@@ -1332,7 +1337,7 @@
           <p:cNvPr id="4" name="Segnaposto contenuto 3">
             <a:extLst>
               <a:ext uri="{FF2B5EF4-FFF2-40B4-BE49-F238E27FC236}">
-                <a16:creationId xmlns:a16="http://schemas.microsoft.com/office/drawing/2014/main" id="{44DC7EEA-E1E7-4C24-BED0-B50FB2461089}"/>
+                <a16:creationId xmlns:a16="http://schemas.microsoft.com/office/drawing/2014/main" xmlns="" id="{44DC7EEA-E1E7-4C24-BED0-B50FB2461089}"/>
               </a:ext>
             </a:extLst>
           </p:cNvPr>
@@ -1394,7 +1399,7 @@
           <p:cNvPr id="5" name="Segnaposto data 4">
             <a:extLst>
               <a:ext uri="{FF2B5EF4-FFF2-40B4-BE49-F238E27FC236}">
-                <a16:creationId xmlns:a16="http://schemas.microsoft.com/office/drawing/2014/main" id="{F2443DB9-8555-4DB7-B0F1-35F05A0CCD65}"/>
+                <a16:creationId xmlns:a16="http://schemas.microsoft.com/office/drawing/2014/main" xmlns="" id="{F2443DB9-8555-4DB7-B0F1-35F05A0CCD65}"/>
               </a:ext>
             </a:extLst>
           </p:cNvPr>
@@ -1412,7 +1417,7 @@
           <a:p>
             <a:fld id="{CCCB5B76-26A8-42F6-9A12-0999A40069CD}" type="datetimeFigureOut">
               <a:rPr lang="it-IT" smtClean="0"/>
-              <a:t>17/05/2019</a:t>
+              <a:t>17/05/19</a:t>
             </a:fld>
             <a:endParaRPr lang="it-IT"/>
           </a:p>
@@ -1423,7 +1428,7 @@
           <p:cNvPr id="6" name="Segnaposto piè di pagina 5">
             <a:extLst>
               <a:ext uri="{FF2B5EF4-FFF2-40B4-BE49-F238E27FC236}">
-                <a16:creationId xmlns:a16="http://schemas.microsoft.com/office/drawing/2014/main" id="{DF151F14-132B-4A2F-A7A6-5D50252F1591}"/>
+                <a16:creationId xmlns:a16="http://schemas.microsoft.com/office/drawing/2014/main" xmlns="" id="{DF151F14-132B-4A2F-A7A6-5D50252F1591}"/>
               </a:ext>
             </a:extLst>
           </p:cNvPr>
@@ -1448,7 +1453,7 @@
           <p:cNvPr id="7" name="Segnaposto numero diapositiva 6">
             <a:extLst>
               <a:ext uri="{FF2B5EF4-FFF2-40B4-BE49-F238E27FC236}">
-                <a16:creationId xmlns:a16="http://schemas.microsoft.com/office/drawing/2014/main" id="{B31AD17B-0F44-41D5-8BCF-BB6022E7CD3A}"/>
+                <a16:creationId xmlns:a16="http://schemas.microsoft.com/office/drawing/2014/main" xmlns="" id="{B31AD17B-0F44-41D5-8BCF-BB6022E7CD3A}"/>
               </a:ext>
             </a:extLst>
           </p:cNvPr>
@@ -1466,7 +1471,7 @@
           <a:p>
             <a:fld id="{2D002975-1739-42E0-8F8C-09979F93B4A7}" type="slidenum">
               <a:rPr lang="it-IT" smtClean="0"/>
-              <a:t>‹N›</a:t>
+              <a:t>‹#›</a:t>
             </a:fld>
             <a:endParaRPr lang="it-IT"/>
           </a:p>
@@ -1507,7 +1512,7 @@
           <p:cNvPr id="2" name="Titolo 1">
             <a:extLst>
               <a:ext uri="{FF2B5EF4-FFF2-40B4-BE49-F238E27FC236}">
-                <a16:creationId xmlns:a16="http://schemas.microsoft.com/office/drawing/2014/main" id="{78C9234F-CEA1-4255-B1F4-8DD0E9470D5A}"/>
+                <a16:creationId xmlns:a16="http://schemas.microsoft.com/office/drawing/2014/main" xmlns="" id="{78C9234F-CEA1-4255-B1F4-8DD0E9470D5A}"/>
               </a:ext>
             </a:extLst>
           </p:cNvPr>
@@ -1540,7 +1545,7 @@
           <p:cNvPr id="3" name="Segnaposto testo 2">
             <a:extLst>
               <a:ext uri="{FF2B5EF4-FFF2-40B4-BE49-F238E27FC236}">
-                <a16:creationId xmlns:a16="http://schemas.microsoft.com/office/drawing/2014/main" id="{FAF6C5AE-CBCF-4CD8-BF7E-62BC1BDB08BD}"/>
+                <a16:creationId xmlns:a16="http://schemas.microsoft.com/office/drawing/2014/main" xmlns="" id="{FAF6C5AE-CBCF-4CD8-BF7E-62BC1BDB08BD}"/>
               </a:ext>
             </a:extLst>
           </p:cNvPr>
@@ -1611,7 +1616,7 @@
           <p:cNvPr id="4" name="Segnaposto contenuto 3">
             <a:extLst>
               <a:ext uri="{FF2B5EF4-FFF2-40B4-BE49-F238E27FC236}">
-                <a16:creationId xmlns:a16="http://schemas.microsoft.com/office/drawing/2014/main" id="{F83DFD4A-B068-4E49-9E68-3DC030EB9EC6}"/>
+                <a16:creationId xmlns:a16="http://schemas.microsoft.com/office/drawing/2014/main" xmlns="" id="{F83DFD4A-B068-4E49-9E68-3DC030EB9EC6}"/>
               </a:ext>
             </a:extLst>
           </p:cNvPr>
@@ -1673,7 +1678,7 @@
           <p:cNvPr id="5" name="Segnaposto testo 4">
             <a:extLst>
               <a:ext uri="{FF2B5EF4-FFF2-40B4-BE49-F238E27FC236}">
-                <a16:creationId xmlns:a16="http://schemas.microsoft.com/office/drawing/2014/main" id="{407517C3-4285-4A55-AD09-81F5330AE86A}"/>
+                <a16:creationId xmlns:a16="http://schemas.microsoft.com/office/drawing/2014/main" xmlns="" id="{407517C3-4285-4A55-AD09-81F5330AE86A}"/>
               </a:ext>
             </a:extLst>
           </p:cNvPr>
@@ -1744,7 +1749,7 @@
           <p:cNvPr id="6" name="Segnaposto contenuto 5">
             <a:extLst>
               <a:ext uri="{FF2B5EF4-FFF2-40B4-BE49-F238E27FC236}">
-                <a16:creationId xmlns:a16="http://schemas.microsoft.com/office/drawing/2014/main" id="{2AF1BCBA-42CA-45E2-8E59-5300BA89A4FB}"/>
+                <a16:creationId xmlns:a16="http://schemas.microsoft.com/office/drawing/2014/main" xmlns="" id="{2AF1BCBA-42CA-45E2-8E59-5300BA89A4FB}"/>
               </a:ext>
             </a:extLst>
           </p:cNvPr>
@@ -1806,7 +1811,7 @@
           <p:cNvPr id="7" name="Segnaposto data 6">
             <a:extLst>
               <a:ext uri="{FF2B5EF4-FFF2-40B4-BE49-F238E27FC236}">
-                <a16:creationId xmlns:a16="http://schemas.microsoft.com/office/drawing/2014/main" id="{05FF0A63-4A9B-4DF1-8F4E-25CD6F302CF5}"/>
+                <a16:creationId xmlns:a16="http://schemas.microsoft.com/office/drawing/2014/main" xmlns="" id="{05FF0A63-4A9B-4DF1-8F4E-25CD6F302CF5}"/>
               </a:ext>
             </a:extLst>
           </p:cNvPr>
@@ -1824,7 +1829,7 @@
           <a:p>
             <a:fld id="{CCCB5B76-26A8-42F6-9A12-0999A40069CD}" type="datetimeFigureOut">
               <a:rPr lang="it-IT" smtClean="0"/>
-              <a:t>17/05/2019</a:t>
+              <a:t>17/05/19</a:t>
             </a:fld>
             <a:endParaRPr lang="it-IT"/>
           </a:p>
@@ -1835,7 +1840,7 @@
           <p:cNvPr id="8" name="Segnaposto piè di pagina 7">
             <a:extLst>
               <a:ext uri="{FF2B5EF4-FFF2-40B4-BE49-F238E27FC236}">
-                <a16:creationId xmlns:a16="http://schemas.microsoft.com/office/drawing/2014/main" id="{848B7858-968E-4A55-B4B6-3736FA11F2AF}"/>
+                <a16:creationId xmlns:a16="http://schemas.microsoft.com/office/drawing/2014/main" xmlns="" id="{848B7858-968E-4A55-B4B6-3736FA11F2AF}"/>
               </a:ext>
             </a:extLst>
           </p:cNvPr>
@@ -1860,7 +1865,7 @@
           <p:cNvPr id="9" name="Segnaposto numero diapositiva 8">
             <a:extLst>
               <a:ext uri="{FF2B5EF4-FFF2-40B4-BE49-F238E27FC236}">
-                <a16:creationId xmlns:a16="http://schemas.microsoft.com/office/drawing/2014/main" id="{D8FC8B3F-F196-4F5C-B346-8E34F38FE9B3}"/>
+                <a16:creationId xmlns:a16="http://schemas.microsoft.com/office/drawing/2014/main" xmlns="" id="{D8FC8B3F-F196-4F5C-B346-8E34F38FE9B3}"/>
               </a:ext>
             </a:extLst>
           </p:cNvPr>
@@ -1878,7 +1883,7 @@
           <a:p>
             <a:fld id="{2D002975-1739-42E0-8F8C-09979F93B4A7}" type="slidenum">
               <a:rPr lang="it-IT" smtClean="0"/>
-              <a:t>‹N›</a:t>
+              <a:t>‹#›</a:t>
             </a:fld>
             <a:endParaRPr lang="it-IT"/>
           </a:p>
@@ -1919,7 +1924,7 @@
           <p:cNvPr id="2" name="Titolo 1">
             <a:extLst>
               <a:ext uri="{FF2B5EF4-FFF2-40B4-BE49-F238E27FC236}">
-                <a16:creationId xmlns:a16="http://schemas.microsoft.com/office/drawing/2014/main" id="{70B078C6-14DB-4455-B0C4-1D3688A7F3A5}"/>
+                <a16:creationId xmlns:a16="http://schemas.microsoft.com/office/drawing/2014/main" xmlns="" id="{70B078C6-14DB-4455-B0C4-1D3688A7F3A5}"/>
               </a:ext>
             </a:extLst>
           </p:cNvPr>
@@ -1947,7 +1952,7 @@
           <p:cNvPr id="3" name="Segnaposto data 2">
             <a:extLst>
               <a:ext uri="{FF2B5EF4-FFF2-40B4-BE49-F238E27FC236}">
-                <a16:creationId xmlns:a16="http://schemas.microsoft.com/office/drawing/2014/main" id="{239348EC-E575-4961-9560-383FB453DD22}"/>
+                <a16:creationId xmlns:a16="http://schemas.microsoft.com/office/drawing/2014/main" xmlns="" id="{239348EC-E575-4961-9560-383FB453DD22}"/>
               </a:ext>
             </a:extLst>
           </p:cNvPr>
@@ -1965,7 +1970,7 @@
           <a:p>
             <a:fld id="{CCCB5B76-26A8-42F6-9A12-0999A40069CD}" type="datetimeFigureOut">
               <a:rPr lang="it-IT" smtClean="0"/>
-              <a:t>17/05/2019</a:t>
+              <a:t>17/05/19</a:t>
             </a:fld>
             <a:endParaRPr lang="it-IT"/>
           </a:p>
@@ -1976,7 +1981,7 @@
           <p:cNvPr id="4" name="Segnaposto piè di pagina 3">
             <a:extLst>
               <a:ext uri="{FF2B5EF4-FFF2-40B4-BE49-F238E27FC236}">
-                <a16:creationId xmlns:a16="http://schemas.microsoft.com/office/drawing/2014/main" id="{DB2951FE-984B-4E79-97EC-EEFC9589075B}"/>
+                <a16:creationId xmlns:a16="http://schemas.microsoft.com/office/drawing/2014/main" xmlns="" id="{DB2951FE-984B-4E79-97EC-EEFC9589075B}"/>
               </a:ext>
             </a:extLst>
           </p:cNvPr>
@@ -2001,7 +2006,7 @@
           <p:cNvPr id="5" name="Segnaposto numero diapositiva 4">
             <a:extLst>
               <a:ext uri="{FF2B5EF4-FFF2-40B4-BE49-F238E27FC236}">
-                <a16:creationId xmlns:a16="http://schemas.microsoft.com/office/drawing/2014/main" id="{5A9F71E6-93C3-41B9-A654-70D474DE959F}"/>
+                <a16:creationId xmlns:a16="http://schemas.microsoft.com/office/drawing/2014/main" xmlns="" id="{5A9F71E6-93C3-41B9-A654-70D474DE959F}"/>
               </a:ext>
             </a:extLst>
           </p:cNvPr>
@@ -2019,7 +2024,7 @@
           <a:p>
             <a:fld id="{2D002975-1739-42E0-8F8C-09979F93B4A7}" type="slidenum">
               <a:rPr lang="it-IT" smtClean="0"/>
-              <a:t>‹N›</a:t>
+              <a:t>‹#›</a:t>
             </a:fld>
             <a:endParaRPr lang="it-IT"/>
           </a:p>
@@ -2060,7 +2065,7 @@
           <p:cNvPr id="2" name="Segnaposto data 1">
             <a:extLst>
               <a:ext uri="{FF2B5EF4-FFF2-40B4-BE49-F238E27FC236}">
-                <a16:creationId xmlns:a16="http://schemas.microsoft.com/office/drawing/2014/main" id="{19AEE9AF-3696-4C54-B7E6-EAC24C15DCA7}"/>
+                <a16:creationId xmlns:a16="http://schemas.microsoft.com/office/drawing/2014/main" xmlns="" id="{19AEE9AF-3696-4C54-B7E6-EAC24C15DCA7}"/>
               </a:ext>
             </a:extLst>
           </p:cNvPr>
@@ -2078,7 +2083,7 @@
           <a:p>
             <a:fld id="{CCCB5B76-26A8-42F6-9A12-0999A40069CD}" type="datetimeFigureOut">
               <a:rPr lang="it-IT" smtClean="0"/>
-              <a:t>17/05/2019</a:t>
+              <a:t>17/05/19</a:t>
             </a:fld>
             <a:endParaRPr lang="it-IT"/>
           </a:p>
@@ -2089,7 +2094,7 @@
           <p:cNvPr id="3" name="Segnaposto piè di pagina 2">
             <a:extLst>
               <a:ext uri="{FF2B5EF4-FFF2-40B4-BE49-F238E27FC236}">
-                <a16:creationId xmlns:a16="http://schemas.microsoft.com/office/drawing/2014/main" id="{B60A8576-0C9C-4749-BE9D-ECB60244C2BF}"/>
+                <a16:creationId xmlns:a16="http://schemas.microsoft.com/office/drawing/2014/main" xmlns="" id="{B60A8576-0C9C-4749-BE9D-ECB60244C2BF}"/>
               </a:ext>
             </a:extLst>
           </p:cNvPr>
@@ -2114,7 +2119,7 @@
           <p:cNvPr id="4" name="Segnaposto numero diapositiva 3">
             <a:extLst>
               <a:ext uri="{FF2B5EF4-FFF2-40B4-BE49-F238E27FC236}">
-                <a16:creationId xmlns:a16="http://schemas.microsoft.com/office/drawing/2014/main" id="{E25EC337-4883-4705-84EE-C79051E55186}"/>
+                <a16:creationId xmlns:a16="http://schemas.microsoft.com/office/drawing/2014/main" xmlns="" id="{E25EC337-4883-4705-84EE-C79051E55186}"/>
               </a:ext>
             </a:extLst>
           </p:cNvPr>
@@ -2132,7 +2137,7 @@
           <a:p>
             <a:fld id="{2D002975-1739-42E0-8F8C-09979F93B4A7}" type="slidenum">
               <a:rPr lang="it-IT" smtClean="0"/>
-              <a:t>‹N›</a:t>
+              <a:t>‹#›</a:t>
             </a:fld>
             <a:endParaRPr lang="it-IT"/>
           </a:p>
@@ -2173,7 +2178,7 @@
           <p:cNvPr id="2" name="Titolo 1">
             <a:extLst>
               <a:ext uri="{FF2B5EF4-FFF2-40B4-BE49-F238E27FC236}">
-                <a16:creationId xmlns:a16="http://schemas.microsoft.com/office/drawing/2014/main" id="{4E595591-7053-4382-B888-D7B92F85104D}"/>
+                <a16:creationId xmlns:a16="http://schemas.microsoft.com/office/drawing/2014/main" xmlns="" id="{4E595591-7053-4382-B888-D7B92F85104D}"/>
               </a:ext>
             </a:extLst>
           </p:cNvPr>
@@ -2210,7 +2215,7 @@
           <p:cNvPr id="3" name="Segnaposto contenuto 2">
             <a:extLst>
               <a:ext uri="{FF2B5EF4-FFF2-40B4-BE49-F238E27FC236}">
-                <a16:creationId xmlns:a16="http://schemas.microsoft.com/office/drawing/2014/main" id="{39B1D97C-A5AB-4332-B603-FF101A6FB252}"/>
+                <a16:creationId xmlns:a16="http://schemas.microsoft.com/office/drawing/2014/main" xmlns="" id="{39B1D97C-A5AB-4332-B603-FF101A6FB252}"/>
               </a:ext>
             </a:extLst>
           </p:cNvPr>
@@ -2300,7 +2305,7 @@
           <p:cNvPr id="4" name="Segnaposto testo 3">
             <a:extLst>
               <a:ext uri="{FF2B5EF4-FFF2-40B4-BE49-F238E27FC236}">
-                <a16:creationId xmlns:a16="http://schemas.microsoft.com/office/drawing/2014/main" id="{C3BD985E-BA52-400F-8DAE-3ECA510CFE9A}"/>
+                <a16:creationId xmlns:a16="http://schemas.microsoft.com/office/drawing/2014/main" xmlns="" id="{C3BD985E-BA52-400F-8DAE-3ECA510CFE9A}"/>
               </a:ext>
             </a:extLst>
           </p:cNvPr>
@@ -2371,7 +2376,7 @@
           <p:cNvPr id="5" name="Segnaposto data 4">
             <a:extLst>
               <a:ext uri="{FF2B5EF4-FFF2-40B4-BE49-F238E27FC236}">
-                <a16:creationId xmlns:a16="http://schemas.microsoft.com/office/drawing/2014/main" id="{E094A379-81E8-44D8-87B9-789786E8F866}"/>
+                <a16:creationId xmlns:a16="http://schemas.microsoft.com/office/drawing/2014/main" xmlns="" id="{E094A379-81E8-44D8-87B9-789786E8F866}"/>
               </a:ext>
             </a:extLst>
           </p:cNvPr>
@@ -2389,7 +2394,7 @@
           <a:p>
             <a:fld id="{CCCB5B76-26A8-42F6-9A12-0999A40069CD}" type="datetimeFigureOut">
               <a:rPr lang="it-IT" smtClean="0"/>
-              <a:t>17/05/2019</a:t>
+              <a:t>17/05/19</a:t>
             </a:fld>
             <a:endParaRPr lang="it-IT"/>
           </a:p>
@@ -2400,7 +2405,7 @@
           <p:cNvPr id="6" name="Segnaposto piè di pagina 5">
             <a:extLst>
               <a:ext uri="{FF2B5EF4-FFF2-40B4-BE49-F238E27FC236}">
-                <a16:creationId xmlns:a16="http://schemas.microsoft.com/office/drawing/2014/main" id="{98A586C3-A572-4A3C-AF3C-B7385F9F277B}"/>
+                <a16:creationId xmlns:a16="http://schemas.microsoft.com/office/drawing/2014/main" xmlns="" id="{98A586C3-A572-4A3C-AF3C-B7385F9F277B}"/>
               </a:ext>
             </a:extLst>
           </p:cNvPr>
@@ -2425,7 +2430,7 @@
           <p:cNvPr id="7" name="Segnaposto numero diapositiva 6">
             <a:extLst>
               <a:ext uri="{FF2B5EF4-FFF2-40B4-BE49-F238E27FC236}">
-                <a16:creationId xmlns:a16="http://schemas.microsoft.com/office/drawing/2014/main" id="{C27EF36D-E3E7-4DFE-BB9F-B6FA80F5D719}"/>
+                <a16:creationId xmlns:a16="http://schemas.microsoft.com/office/drawing/2014/main" xmlns="" id="{C27EF36D-E3E7-4DFE-BB9F-B6FA80F5D719}"/>
               </a:ext>
             </a:extLst>
           </p:cNvPr>
@@ -2443,7 +2448,7 @@
           <a:p>
             <a:fld id="{2D002975-1739-42E0-8F8C-09979F93B4A7}" type="slidenum">
               <a:rPr lang="it-IT" smtClean="0"/>
-              <a:t>‹N›</a:t>
+              <a:t>‹#›</a:t>
             </a:fld>
             <a:endParaRPr lang="it-IT"/>
           </a:p>
@@ -2484,7 +2489,7 @@
           <p:cNvPr id="2" name="Titolo 1">
             <a:extLst>
               <a:ext uri="{FF2B5EF4-FFF2-40B4-BE49-F238E27FC236}">
-                <a16:creationId xmlns:a16="http://schemas.microsoft.com/office/drawing/2014/main" id="{EC3D0E0B-0E7A-40C7-82C6-50185F7CE13E}"/>
+                <a16:creationId xmlns:a16="http://schemas.microsoft.com/office/drawing/2014/main" xmlns="" id="{EC3D0E0B-0E7A-40C7-82C6-50185F7CE13E}"/>
               </a:ext>
             </a:extLst>
           </p:cNvPr>
@@ -2521,7 +2526,7 @@
           <p:cNvPr id="3" name="Segnaposto immagine 2">
             <a:extLst>
               <a:ext uri="{FF2B5EF4-FFF2-40B4-BE49-F238E27FC236}">
-                <a16:creationId xmlns:a16="http://schemas.microsoft.com/office/drawing/2014/main" id="{AA27A592-C9B7-429C-8BBF-CB5A02A8C316}"/>
+                <a16:creationId xmlns:a16="http://schemas.microsoft.com/office/drawing/2014/main" xmlns="" id="{AA27A592-C9B7-429C-8BBF-CB5A02A8C316}"/>
               </a:ext>
             </a:extLst>
           </p:cNvPr>
@@ -2588,7 +2593,7 @@
           <p:cNvPr id="4" name="Segnaposto testo 3">
             <a:extLst>
               <a:ext uri="{FF2B5EF4-FFF2-40B4-BE49-F238E27FC236}">
-                <a16:creationId xmlns:a16="http://schemas.microsoft.com/office/drawing/2014/main" id="{8B440E61-56DF-46CB-8207-663B0541F137}"/>
+                <a16:creationId xmlns:a16="http://schemas.microsoft.com/office/drawing/2014/main" xmlns="" id="{8B440E61-56DF-46CB-8207-663B0541F137}"/>
               </a:ext>
             </a:extLst>
           </p:cNvPr>
@@ -2659,7 +2664,7 @@
           <p:cNvPr id="5" name="Segnaposto data 4">
             <a:extLst>
               <a:ext uri="{FF2B5EF4-FFF2-40B4-BE49-F238E27FC236}">
-                <a16:creationId xmlns:a16="http://schemas.microsoft.com/office/drawing/2014/main" id="{54948C46-175E-4423-A46C-BC6FC9C4A38C}"/>
+                <a16:creationId xmlns:a16="http://schemas.microsoft.com/office/drawing/2014/main" xmlns="" id="{54948C46-175E-4423-A46C-BC6FC9C4A38C}"/>
               </a:ext>
             </a:extLst>
           </p:cNvPr>
@@ -2677,7 +2682,7 @@
           <a:p>
             <a:fld id="{CCCB5B76-26A8-42F6-9A12-0999A40069CD}" type="datetimeFigureOut">
               <a:rPr lang="it-IT" smtClean="0"/>
-              <a:t>17/05/2019</a:t>
+              <a:t>17/05/19</a:t>
             </a:fld>
             <a:endParaRPr lang="it-IT"/>
           </a:p>
@@ -2688,7 +2693,7 @@
           <p:cNvPr id="6" name="Segnaposto piè di pagina 5">
             <a:extLst>
               <a:ext uri="{FF2B5EF4-FFF2-40B4-BE49-F238E27FC236}">
-                <a16:creationId xmlns:a16="http://schemas.microsoft.com/office/drawing/2014/main" id="{9CD84824-5CD1-40D7-AD81-8AAA55C23B79}"/>
+                <a16:creationId xmlns:a16="http://schemas.microsoft.com/office/drawing/2014/main" xmlns="" id="{9CD84824-5CD1-40D7-AD81-8AAA55C23B79}"/>
               </a:ext>
             </a:extLst>
           </p:cNvPr>
@@ -2713,7 +2718,7 @@
           <p:cNvPr id="7" name="Segnaposto numero diapositiva 6">
             <a:extLst>
               <a:ext uri="{FF2B5EF4-FFF2-40B4-BE49-F238E27FC236}">
-                <a16:creationId xmlns:a16="http://schemas.microsoft.com/office/drawing/2014/main" id="{9A2D9B16-A2DA-4484-9C60-9216ADB6317C}"/>
+                <a16:creationId xmlns:a16="http://schemas.microsoft.com/office/drawing/2014/main" xmlns="" id="{9A2D9B16-A2DA-4484-9C60-9216ADB6317C}"/>
               </a:ext>
             </a:extLst>
           </p:cNvPr>
@@ -2731,7 +2736,7 @@
           <a:p>
             <a:fld id="{2D002975-1739-42E0-8F8C-09979F93B4A7}" type="slidenum">
               <a:rPr lang="it-IT" smtClean="0"/>
-              <a:t>‹N›</a:t>
+              <a:t>‹#›</a:t>
             </a:fld>
             <a:endParaRPr lang="it-IT"/>
           </a:p>
@@ -2777,7 +2782,7 @@
           <p:cNvPr id="2" name="Segnaposto titolo 1">
             <a:extLst>
               <a:ext uri="{FF2B5EF4-FFF2-40B4-BE49-F238E27FC236}">
-                <a16:creationId xmlns:a16="http://schemas.microsoft.com/office/drawing/2014/main" id="{2DDC7ABB-DA8C-4D92-8AFB-9014863025CF}"/>
+                <a16:creationId xmlns:a16="http://schemas.microsoft.com/office/drawing/2014/main" xmlns="" id="{2DDC7ABB-DA8C-4D92-8AFB-9014863025CF}"/>
               </a:ext>
             </a:extLst>
           </p:cNvPr>
@@ -2815,7 +2820,7 @@
           <p:cNvPr id="3" name="Segnaposto testo 2">
             <a:extLst>
               <a:ext uri="{FF2B5EF4-FFF2-40B4-BE49-F238E27FC236}">
-                <a16:creationId xmlns:a16="http://schemas.microsoft.com/office/drawing/2014/main" id="{7382AC52-C2E1-4D76-A9AD-B08BF56125B4}"/>
+                <a16:creationId xmlns:a16="http://schemas.microsoft.com/office/drawing/2014/main" xmlns="" id="{7382AC52-C2E1-4D76-A9AD-B08BF56125B4}"/>
               </a:ext>
             </a:extLst>
           </p:cNvPr>
@@ -2882,7 +2887,7 @@
           <p:cNvPr id="4" name="Segnaposto data 3">
             <a:extLst>
               <a:ext uri="{FF2B5EF4-FFF2-40B4-BE49-F238E27FC236}">
-                <a16:creationId xmlns:a16="http://schemas.microsoft.com/office/drawing/2014/main" id="{A9EDAE65-5DB1-44B0-9C06-3F188EC22C70}"/>
+                <a16:creationId xmlns:a16="http://schemas.microsoft.com/office/drawing/2014/main" xmlns="" id="{A9EDAE65-5DB1-44B0-9C06-3F188EC22C70}"/>
               </a:ext>
             </a:extLst>
           </p:cNvPr>
@@ -2918,7 +2923,7 @@
           <a:p>
             <a:fld id="{CCCB5B76-26A8-42F6-9A12-0999A40069CD}" type="datetimeFigureOut">
               <a:rPr lang="it-IT" smtClean="0"/>
-              <a:t>17/05/2019</a:t>
+              <a:t>17/05/19</a:t>
             </a:fld>
             <a:endParaRPr lang="it-IT"/>
           </a:p>
@@ -2929,7 +2934,7 @@
           <p:cNvPr id="5" name="Segnaposto piè di pagina 4">
             <a:extLst>
               <a:ext uri="{FF2B5EF4-FFF2-40B4-BE49-F238E27FC236}">
-                <a16:creationId xmlns:a16="http://schemas.microsoft.com/office/drawing/2014/main" id="{937E9D7D-F374-4EAA-9D95-7306A03FAE8A}"/>
+                <a16:creationId xmlns:a16="http://schemas.microsoft.com/office/drawing/2014/main" xmlns="" id="{937E9D7D-F374-4EAA-9D95-7306A03FAE8A}"/>
               </a:ext>
             </a:extLst>
           </p:cNvPr>
@@ -2972,7 +2977,7 @@
           <p:cNvPr id="6" name="Segnaposto numero diapositiva 5">
             <a:extLst>
               <a:ext uri="{FF2B5EF4-FFF2-40B4-BE49-F238E27FC236}">
-                <a16:creationId xmlns:a16="http://schemas.microsoft.com/office/drawing/2014/main" id="{B891B4CB-1460-4438-99B2-5802180AEBE3}"/>
+                <a16:creationId xmlns:a16="http://schemas.microsoft.com/office/drawing/2014/main" xmlns="" id="{B891B4CB-1460-4438-99B2-5802180AEBE3}"/>
               </a:ext>
             </a:extLst>
           </p:cNvPr>
@@ -3008,7 +3013,7 @@
           <a:p>
             <a:fld id="{2D002975-1739-42E0-8F8C-09979F93B4A7}" type="slidenum">
               <a:rPr lang="it-IT" smtClean="0"/>
-              <a:t>‹N›</a:t>
+              <a:t>‹#›</a:t>
             </a:fld>
             <a:endParaRPr lang="it-IT"/>
           </a:p>
@@ -3340,7 +3345,7 @@
           <p:cNvPr id="2" name="Titolo 1">
             <a:extLst>
               <a:ext uri="{FF2B5EF4-FFF2-40B4-BE49-F238E27FC236}">
-                <a16:creationId xmlns:a16="http://schemas.microsoft.com/office/drawing/2014/main" id="{DC819C9D-5B7B-409E-BD06-011C6FA5ACF3}"/>
+                <a16:creationId xmlns:a16="http://schemas.microsoft.com/office/drawing/2014/main" xmlns="" id="{DC819C9D-5B7B-409E-BD06-011C6FA5ACF3}"/>
               </a:ext>
             </a:extLst>
           </p:cNvPr>
@@ -3368,7 +3373,7 @@
           <p:cNvPr id="3" name="Sottotitolo 2">
             <a:extLst>
               <a:ext uri="{FF2B5EF4-FFF2-40B4-BE49-F238E27FC236}">
-                <a16:creationId xmlns:a16="http://schemas.microsoft.com/office/drawing/2014/main" id="{DAF301C5-7BA3-4362-B14A-08EF430B929E}"/>
+                <a16:creationId xmlns:a16="http://schemas.microsoft.com/office/drawing/2014/main" xmlns="" id="{DAF301C5-7BA3-4362-B14A-08EF430B929E}"/>
               </a:ext>
             </a:extLst>
           </p:cNvPr>
@@ -3458,7 +3463,7 @@
           <p:cNvPr id="2" name="Titolo 1">
             <a:extLst>
               <a:ext uri="{FF2B5EF4-FFF2-40B4-BE49-F238E27FC236}">
-                <a16:creationId xmlns:a16="http://schemas.microsoft.com/office/drawing/2014/main" id="{D3E6C80D-A389-41E6-B725-547142420645}"/>
+                <a16:creationId xmlns:a16="http://schemas.microsoft.com/office/drawing/2014/main" xmlns="" id="{D3E6C80D-A389-41E6-B725-547142420645}"/>
               </a:ext>
             </a:extLst>
           </p:cNvPr>
@@ -3486,7 +3491,7 @@
           <p:cNvPr id="5" name="Segnaposto contenuto 4">
             <a:extLst>
               <a:ext uri="{FF2B5EF4-FFF2-40B4-BE49-F238E27FC236}">
-                <a16:creationId xmlns:a16="http://schemas.microsoft.com/office/drawing/2014/main" id="{89BEF299-2FBB-4AD7-B12B-277B491D1320}"/>
+                <a16:creationId xmlns:a16="http://schemas.microsoft.com/office/drawing/2014/main" xmlns="" id="{89BEF299-2FBB-4AD7-B12B-277B491D1320}"/>
               </a:ext>
             </a:extLst>
           </p:cNvPr>
@@ -3551,7 +3556,7 @@
           <p:cNvPr id="2" name="Titolo 1">
             <a:extLst>
               <a:ext uri="{FF2B5EF4-FFF2-40B4-BE49-F238E27FC236}">
-                <a16:creationId xmlns:a16="http://schemas.microsoft.com/office/drawing/2014/main" id="{D70C237B-26A8-4EB3-B603-9D655672C037}"/>
+                <a16:creationId xmlns:a16="http://schemas.microsoft.com/office/drawing/2014/main" xmlns="" id="{D70C237B-26A8-4EB3-B603-9D655672C037}"/>
               </a:ext>
             </a:extLst>
           </p:cNvPr>
@@ -3579,7 +3584,7 @@
           <p:cNvPr id="5" name="Segnaposto contenuto 4">
             <a:extLst>
               <a:ext uri="{FF2B5EF4-FFF2-40B4-BE49-F238E27FC236}">
-                <a16:creationId xmlns:a16="http://schemas.microsoft.com/office/drawing/2014/main" id="{AFB23F10-9226-426B-9B87-E3512A6D6482}"/>
+                <a16:creationId xmlns:a16="http://schemas.microsoft.com/office/drawing/2014/main" xmlns="" id="{AFB23F10-9226-426B-9B87-E3512A6D6482}"/>
               </a:ext>
             </a:extLst>
           </p:cNvPr>
@@ -3614,7 +3619,7 @@
           <p:cNvPr id="7" name="Immagine 6">
             <a:extLst>
               <a:ext uri="{FF2B5EF4-FFF2-40B4-BE49-F238E27FC236}">
-                <a16:creationId xmlns:a16="http://schemas.microsoft.com/office/drawing/2014/main" id="{377FFCB1-C733-4798-92B9-0C1CD5C87A8F}"/>
+                <a16:creationId xmlns:a16="http://schemas.microsoft.com/office/drawing/2014/main" xmlns="" id="{377FFCB1-C733-4798-92B9-0C1CD5C87A8F}"/>
               </a:ext>
             </a:extLst>
           </p:cNvPr>
@@ -3679,7 +3684,7 @@
           <p:cNvPr id="2" name="Titolo 1">
             <a:extLst>
               <a:ext uri="{FF2B5EF4-FFF2-40B4-BE49-F238E27FC236}">
-                <a16:creationId xmlns:a16="http://schemas.microsoft.com/office/drawing/2014/main" id="{0FBAD031-EEFB-48A8-8068-88B6B23EB44F}"/>
+                <a16:creationId xmlns:a16="http://schemas.microsoft.com/office/drawing/2014/main" xmlns="" id="{0FBAD031-EEFB-48A8-8068-88B6B23EB44F}"/>
               </a:ext>
             </a:extLst>
           </p:cNvPr>
@@ -3707,7 +3712,7 @@
           <p:cNvPr id="5" name="Segnaposto contenuto 4">
             <a:extLst>
               <a:ext uri="{FF2B5EF4-FFF2-40B4-BE49-F238E27FC236}">
-                <a16:creationId xmlns:a16="http://schemas.microsoft.com/office/drawing/2014/main" id="{C2BCEC0A-31D7-4B3E-BF1F-1A3B9D3A7231}"/>
+                <a16:creationId xmlns:a16="http://schemas.microsoft.com/office/drawing/2014/main" xmlns="" id="{C2BCEC0A-31D7-4B3E-BF1F-1A3B9D3A7231}"/>
               </a:ext>
             </a:extLst>
           </p:cNvPr>
@@ -3772,7 +3777,7 @@
           <p:cNvPr id="2" name="Titolo 1">
             <a:extLst>
               <a:ext uri="{FF2B5EF4-FFF2-40B4-BE49-F238E27FC236}">
-                <a16:creationId xmlns:a16="http://schemas.microsoft.com/office/drawing/2014/main" id="{D9DB1A45-7BDA-497D-8B17-A436CE5839CC}"/>
+                <a16:creationId xmlns:a16="http://schemas.microsoft.com/office/drawing/2014/main" xmlns="" id="{D9DB1A45-7BDA-497D-8B17-A436CE5839CC}"/>
               </a:ext>
             </a:extLst>
           </p:cNvPr>
@@ -3800,7 +3805,7 @@
           <p:cNvPr id="3" name="Segnaposto contenuto 2">
             <a:extLst>
               <a:ext uri="{FF2B5EF4-FFF2-40B4-BE49-F238E27FC236}">
-                <a16:creationId xmlns:a16="http://schemas.microsoft.com/office/drawing/2014/main" id="{8455C13B-AAA1-4CB0-A85F-80610FAFB468}"/>
+                <a16:creationId xmlns:a16="http://schemas.microsoft.com/office/drawing/2014/main" xmlns="" id="{8455C13B-AAA1-4CB0-A85F-80610FAFB468}"/>
               </a:ext>
             </a:extLst>
           </p:cNvPr>
@@ -3855,7 +3860,7 @@
           <p:cNvPr id="2" name="Titolo 1">
             <a:extLst>
               <a:ext uri="{FF2B5EF4-FFF2-40B4-BE49-F238E27FC236}">
-                <a16:creationId xmlns:a16="http://schemas.microsoft.com/office/drawing/2014/main" id="{3F0FD37A-1D5D-455E-952B-8DE034811EEA}"/>
+                <a16:creationId xmlns:a16="http://schemas.microsoft.com/office/drawing/2014/main" xmlns="" id="{3F0FD37A-1D5D-455E-952B-8DE034811EEA}"/>
               </a:ext>
             </a:extLst>
           </p:cNvPr>
@@ -3883,7 +3888,7 @@
           <p:cNvPr id="3" name="Segnaposto contenuto 2">
             <a:extLst>
               <a:ext uri="{FF2B5EF4-FFF2-40B4-BE49-F238E27FC236}">
-                <a16:creationId xmlns:a16="http://schemas.microsoft.com/office/drawing/2014/main" id="{1593BB8D-6234-4254-B769-11C59281A250}"/>
+                <a16:creationId xmlns:a16="http://schemas.microsoft.com/office/drawing/2014/main" xmlns="" id="{1593BB8D-6234-4254-B769-11C59281A250}"/>
               </a:ext>
             </a:extLst>
           </p:cNvPr>
@@ -3938,7 +3943,7 @@
           <p:cNvPr id="2" name="Titolo 1">
             <a:extLst>
               <a:ext uri="{FF2B5EF4-FFF2-40B4-BE49-F238E27FC236}">
-                <a16:creationId xmlns:a16="http://schemas.microsoft.com/office/drawing/2014/main" id="{3147DEAE-8114-4FD8-A8DA-73F55ED7CD7E}"/>
+                <a16:creationId xmlns:a16="http://schemas.microsoft.com/office/drawing/2014/main" xmlns="" id="{3147DEAE-8114-4FD8-A8DA-73F55ED7CD7E}"/>
               </a:ext>
             </a:extLst>
           </p:cNvPr>
@@ -3966,7 +3971,7 @@
           <p:cNvPr id="3" name="Segnaposto contenuto 2">
             <a:extLst>
               <a:ext uri="{FF2B5EF4-FFF2-40B4-BE49-F238E27FC236}">
-                <a16:creationId xmlns:a16="http://schemas.microsoft.com/office/drawing/2014/main" id="{D8CAC4C4-2D40-4ECB-87B0-7E1EC66DE40F}"/>
+                <a16:creationId xmlns:a16="http://schemas.microsoft.com/office/drawing/2014/main" xmlns="" id="{D8CAC4C4-2D40-4ECB-87B0-7E1EC66DE40F}"/>
               </a:ext>
             </a:extLst>
           </p:cNvPr>
@@ -4021,7 +4026,7 @@
           <p:cNvPr id="2" name="Titolo 1">
             <a:extLst>
               <a:ext uri="{FF2B5EF4-FFF2-40B4-BE49-F238E27FC236}">
-                <a16:creationId xmlns:a16="http://schemas.microsoft.com/office/drawing/2014/main" id="{FCC74F81-6BA1-4DD4-85AD-9D61D66957AC}"/>
+                <a16:creationId xmlns:a16="http://schemas.microsoft.com/office/drawing/2014/main" xmlns="" id="{FCC74F81-6BA1-4DD4-85AD-9D61D66957AC}"/>
               </a:ext>
             </a:extLst>
           </p:cNvPr>
@@ -4049,7 +4054,7 @@
           <p:cNvPr id="3" name="Segnaposto contenuto 2">
             <a:extLst>
               <a:ext uri="{FF2B5EF4-FFF2-40B4-BE49-F238E27FC236}">
-                <a16:creationId xmlns:a16="http://schemas.microsoft.com/office/drawing/2014/main" id="{B8855BF4-926B-4FA2-90F8-9D90D8DC8582}"/>
+                <a16:creationId xmlns:a16="http://schemas.microsoft.com/office/drawing/2014/main" xmlns="" id="{B8855BF4-926B-4FA2-90F8-9D90D8DC8582}"/>
               </a:ext>
             </a:extLst>
           </p:cNvPr>
@@ -4104,7 +4109,7 @@
           <p:cNvPr id="2" name="Titolo 1">
             <a:extLst>
               <a:ext uri="{FF2B5EF4-FFF2-40B4-BE49-F238E27FC236}">
-                <a16:creationId xmlns:a16="http://schemas.microsoft.com/office/drawing/2014/main" id="{E99A97A5-E608-4718-A91E-2A348FCB2968}"/>
+                <a16:creationId xmlns:a16="http://schemas.microsoft.com/office/drawing/2014/main" xmlns="" id="{E99A97A5-E608-4718-A91E-2A348FCB2968}"/>
               </a:ext>
             </a:extLst>
           </p:cNvPr>
@@ -4121,8 +4126,8 @@
           <a:lstStyle/>
           <a:p>
             <a:r>
-              <a:rPr lang="it-IT" dirty="0" err="1"/>
-              <a:t>Informazoini</a:t>
+              <a:rPr lang="it-IT" dirty="0" smtClean="0"/>
+              <a:t>Informazioni</a:t>
             </a:r>
             <a:endParaRPr lang="it-IT" dirty="0"/>
           </a:p>
@@ -4133,7 +4138,7 @@
           <p:cNvPr id="3" name="Segnaposto contenuto 2">
             <a:extLst>
               <a:ext uri="{FF2B5EF4-FFF2-40B4-BE49-F238E27FC236}">
-                <a16:creationId xmlns:a16="http://schemas.microsoft.com/office/drawing/2014/main" id="{09AA9676-F8CE-403E-8283-2152B4C28269}"/>
+                <a16:creationId xmlns:a16="http://schemas.microsoft.com/office/drawing/2014/main" xmlns="" id="{09AA9676-F8CE-403E-8283-2152B4C28269}"/>
               </a:ext>
             </a:extLst>
           </p:cNvPr>
@@ -4188,7 +4193,7 @@
           <p:cNvPr id="2" name="Titolo 1">
             <a:extLst>
               <a:ext uri="{FF2B5EF4-FFF2-40B4-BE49-F238E27FC236}">
-                <a16:creationId xmlns:a16="http://schemas.microsoft.com/office/drawing/2014/main" id="{ABD397D9-B961-4B23-97BC-B19692FB03F4}"/>
+                <a16:creationId xmlns:a16="http://schemas.microsoft.com/office/drawing/2014/main" xmlns="" id="{ABD397D9-B961-4B23-97BC-B19692FB03F4}"/>
               </a:ext>
             </a:extLst>
           </p:cNvPr>
@@ -4216,7 +4221,7 @@
           <p:cNvPr id="3" name="Segnaposto contenuto 2">
             <a:extLst>
               <a:ext uri="{FF2B5EF4-FFF2-40B4-BE49-F238E27FC236}">
-                <a16:creationId xmlns:a16="http://schemas.microsoft.com/office/drawing/2014/main" id="{40E87D02-6AC6-4ED3-9205-EA03554CBC61}"/>
+                <a16:creationId xmlns:a16="http://schemas.microsoft.com/office/drawing/2014/main" xmlns="" id="{40E87D02-6AC6-4ED3-9205-EA03554CBC61}"/>
               </a:ext>
             </a:extLst>
           </p:cNvPr>
@@ -4271,7 +4276,7 @@
           <p:cNvPr id="2" name="Titolo 1">
             <a:extLst>
               <a:ext uri="{FF2B5EF4-FFF2-40B4-BE49-F238E27FC236}">
-                <a16:creationId xmlns:a16="http://schemas.microsoft.com/office/drawing/2014/main" id="{A6E38D85-D74D-48A5-902A-B40522E1AF5F}"/>
+                <a16:creationId xmlns:a16="http://schemas.microsoft.com/office/drawing/2014/main" xmlns="" id="{A6E38D85-D74D-48A5-902A-B40522E1AF5F}"/>
               </a:ext>
             </a:extLst>
           </p:cNvPr>
@@ -4299,7 +4304,7 @@
           <p:cNvPr id="3" name="Segnaposto contenuto 2">
             <a:extLst>
               <a:ext uri="{FF2B5EF4-FFF2-40B4-BE49-F238E27FC236}">
-                <a16:creationId xmlns:a16="http://schemas.microsoft.com/office/drawing/2014/main" id="{ED48A7F1-701A-410A-BCF6-C3F66DF3BABA}"/>
+                <a16:creationId xmlns:a16="http://schemas.microsoft.com/office/drawing/2014/main" xmlns="" id="{ED48A7F1-701A-410A-BCF6-C3F66DF3BABA}"/>
               </a:ext>
             </a:extLst>
           </p:cNvPr>
@@ -4331,8 +4336,19 @@
           <a:p>
             <a:r>
               <a:rPr lang="it-IT" dirty="0"/>
-              <a:t>Drone DJI Tello</a:t>
-            </a:r>
+              <a:t>Drone DJI </a:t>
+            </a:r>
+            <a:r>
+              <a:rPr lang="it-IT" dirty="0" smtClean="0"/>
+              <a:t>Tello</a:t>
+            </a:r>
+          </a:p>
+          <a:p>
+            <a:r>
+              <a:rPr lang="it-IT" dirty="0" smtClean="0"/>
+              <a:t>Pc</a:t>
+            </a:r>
+            <a:endParaRPr lang="it-IT" dirty="0"/>
           </a:p>
           <a:p>
             <a:endParaRPr lang="it-IT" dirty="0"/>
@@ -4374,7 +4390,7 @@
           <p:cNvPr id="2" name="Titolo 1">
             <a:extLst>
               <a:ext uri="{FF2B5EF4-FFF2-40B4-BE49-F238E27FC236}">
-                <a16:creationId xmlns:a16="http://schemas.microsoft.com/office/drawing/2014/main" id="{5DCB6089-6698-4FF3-8E7C-468499D5272F}"/>
+                <a16:creationId xmlns:a16="http://schemas.microsoft.com/office/drawing/2014/main" xmlns="" id="{5DCB6089-6698-4FF3-8E7C-468499D5272F}"/>
               </a:ext>
             </a:extLst>
           </p:cNvPr>
@@ -4402,7 +4418,7 @@
           <p:cNvPr id="5" name="Segnaposto contenuto 4">
             <a:extLst>
               <a:ext uri="{FF2B5EF4-FFF2-40B4-BE49-F238E27FC236}">
-                <a16:creationId xmlns:a16="http://schemas.microsoft.com/office/drawing/2014/main" id="{2024D221-4227-4982-B329-6FA439C39E60}"/>
+                <a16:creationId xmlns:a16="http://schemas.microsoft.com/office/drawing/2014/main" xmlns="" id="{2024D221-4227-4982-B329-6FA439C39E60}"/>
               </a:ext>
             </a:extLst>
           </p:cNvPr>
@@ -4467,7 +4483,7 @@
           <p:cNvPr id="2" name="Titolo 1">
             <a:extLst>
               <a:ext uri="{FF2B5EF4-FFF2-40B4-BE49-F238E27FC236}">
-                <a16:creationId xmlns:a16="http://schemas.microsoft.com/office/drawing/2014/main" id="{B24D6D05-F2B5-4AE7-A004-8AE7B1DF8774}"/>
+                <a16:creationId xmlns:a16="http://schemas.microsoft.com/office/drawing/2014/main" xmlns="" id="{B24D6D05-F2B5-4AE7-A004-8AE7B1DF8774}"/>
               </a:ext>
             </a:extLst>
           </p:cNvPr>
@@ -4495,7 +4511,7 @@
           <p:cNvPr id="5" name="Segnaposto contenuto 4">
             <a:extLst>
               <a:ext uri="{FF2B5EF4-FFF2-40B4-BE49-F238E27FC236}">
-                <a16:creationId xmlns:a16="http://schemas.microsoft.com/office/drawing/2014/main" id="{E51A0314-859A-4C53-AC34-872FE7B05A4B}"/>
+                <a16:creationId xmlns:a16="http://schemas.microsoft.com/office/drawing/2014/main" xmlns="" id="{E51A0314-859A-4C53-AC34-872FE7B05A4B}"/>
               </a:ext>
             </a:extLst>
           </p:cNvPr>
@@ -4560,7 +4576,7 @@
           <p:cNvPr id="2" name="Titolo 1">
             <a:extLst>
               <a:ext uri="{FF2B5EF4-FFF2-40B4-BE49-F238E27FC236}">
-                <a16:creationId xmlns:a16="http://schemas.microsoft.com/office/drawing/2014/main" id="{86131B77-2CAB-4ABE-AB1C-9583BFF5E162}"/>
+                <a16:creationId xmlns:a16="http://schemas.microsoft.com/office/drawing/2014/main" xmlns="" id="{86131B77-2CAB-4ABE-AB1C-9583BFF5E162}"/>
               </a:ext>
             </a:extLst>
           </p:cNvPr>
@@ -4593,7 +4609,7 @@
           <p:cNvPr id="5" name="Segnaposto contenuto 4">
             <a:extLst>
               <a:ext uri="{FF2B5EF4-FFF2-40B4-BE49-F238E27FC236}">
-                <a16:creationId xmlns:a16="http://schemas.microsoft.com/office/drawing/2014/main" id="{6A174CF4-11F1-4BAA-875B-EDED8D6A440E}"/>
+                <a16:creationId xmlns:a16="http://schemas.microsoft.com/office/drawing/2014/main" xmlns="" id="{6A174CF4-11F1-4BAA-875B-EDED8D6A440E}"/>
               </a:ext>
             </a:extLst>
           </p:cNvPr>
@@ -4658,7 +4674,7 @@
           <p:cNvPr id="2" name="Titolo 1">
             <a:extLst>
               <a:ext uri="{FF2B5EF4-FFF2-40B4-BE49-F238E27FC236}">
-                <a16:creationId xmlns:a16="http://schemas.microsoft.com/office/drawing/2014/main" id="{29F3462E-E528-4BBD-8846-4D531BF5AB5C}"/>
+                <a16:creationId xmlns:a16="http://schemas.microsoft.com/office/drawing/2014/main" xmlns="" id="{29F3462E-E528-4BBD-8846-4D531BF5AB5C}"/>
               </a:ext>
             </a:extLst>
           </p:cNvPr>
@@ -4686,7 +4702,7 @@
           <p:cNvPr id="7" name="Segnaposto contenuto 6">
             <a:extLst>
               <a:ext uri="{FF2B5EF4-FFF2-40B4-BE49-F238E27FC236}">
-                <a16:creationId xmlns:a16="http://schemas.microsoft.com/office/drawing/2014/main" id="{19FA45B5-E851-41B4-854D-8E333E2A9711}"/>
+                <a16:creationId xmlns:a16="http://schemas.microsoft.com/office/drawing/2014/main" xmlns="" id="{19FA45B5-E851-41B4-854D-8E333E2A9711}"/>
               </a:ext>
             </a:extLst>
           </p:cNvPr>

--- a/docs/Presentazione.pptx
+++ b/docs/Presentazione.pptx
@@ -16,10 +16,12 @@
     <p:sldId id="271" r:id="rId10"/>
     <p:sldId id="263" r:id="rId11"/>
     <p:sldId id="264" r:id="rId12"/>
-    <p:sldId id="265" r:id="rId13"/>
-    <p:sldId id="267" r:id="rId14"/>
-    <p:sldId id="266" r:id="rId15"/>
-    <p:sldId id="268" r:id="rId16"/>
+    <p:sldId id="272" r:id="rId13"/>
+    <p:sldId id="273" r:id="rId14"/>
+    <p:sldId id="265" r:id="rId15"/>
+    <p:sldId id="267" r:id="rId16"/>
+    <p:sldId id="266" r:id="rId17"/>
+    <p:sldId id="268" r:id="rId18"/>
   </p:sldIdLst>
   <p:sldSz cx="12192000" cy="6858000"/>
   <p:notesSz cx="6858000" cy="9144000"/>
@@ -148,7 +150,7 @@
           <p:cNvPr id="2" name="Titolo 1">
             <a:extLst>
               <a:ext uri="{FF2B5EF4-FFF2-40B4-BE49-F238E27FC236}">
-                <a16:creationId xmlns:a16="http://schemas.microsoft.com/office/drawing/2014/main" xmlns="" id="{B50EF3DC-80FB-4250-83DA-100E4D11F3B6}"/>
+                <a16:creationId xmlns:a16="http://schemas.microsoft.com/office/drawing/2014/main" id="{B50EF3DC-80FB-4250-83DA-100E4D11F3B6}"/>
               </a:ext>
             </a:extLst>
           </p:cNvPr>
@@ -185,7 +187,7 @@
           <p:cNvPr id="3" name="Sottotitolo 2">
             <a:extLst>
               <a:ext uri="{FF2B5EF4-FFF2-40B4-BE49-F238E27FC236}">
-                <a16:creationId xmlns:a16="http://schemas.microsoft.com/office/drawing/2014/main" xmlns="" id="{F9EF43FE-52A1-42C9-916D-ED37FAAF6A10}"/>
+                <a16:creationId xmlns:a16="http://schemas.microsoft.com/office/drawing/2014/main" id="{F9EF43FE-52A1-42C9-916D-ED37FAAF6A10}"/>
               </a:ext>
             </a:extLst>
           </p:cNvPr>
@@ -255,7 +257,7 @@
           <p:cNvPr id="4" name="Segnaposto data 3">
             <a:extLst>
               <a:ext uri="{FF2B5EF4-FFF2-40B4-BE49-F238E27FC236}">
-                <a16:creationId xmlns:a16="http://schemas.microsoft.com/office/drawing/2014/main" xmlns="" id="{A8335D81-7182-4491-86EC-72B65FB99C12}"/>
+                <a16:creationId xmlns:a16="http://schemas.microsoft.com/office/drawing/2014/main" id="{A8335D81-7182-4491-86EC-72B65FB99C12}"/>
               </a:ext>
             </a:extLst>
           </p:cNvPr>
@@ -273,7 +275,7 @@
           <a:p>
             <a:fld id="{CCCB5B76-26A8-42F6-9A12-0999A40069CD}" type="datetimeFigureOut">
               <a:rPr lang="it-IT" smtClean="0"/>
-              <a:t>17/05/19</a:t>
+              <a:t>20/05/2019</a:t>
             </a:fld>
             <a:endParaRPr lang="it-IT"/>
           </a:p>
@@ -284,7 +286,7 @@
           <p:cNvPr id="5" name="Segnaposto piè di pagina 4">
             <a:extLst>
               <a:ext uri="{FF2B5EF4-FFF2-40B4-BE49-F238E27FC236}">
-                <a16:creationId xmlns:a16="http://schemas.microsoft.com/office/drawing/2014/main" xmlns="" id="{949BCC1E-E431-465D-B474-EBE4EA1B7746}"/>
+                <a16:creationId xmlns:a16="http://schemas.microsoft.com/office/drawing/2014/main" id="{949BCC1E-E431-465D-B474-EBE4EA1B7746}"/>
               </a:ext>
             </a:extLst>
           </p:cNvPr>
@@ -309,7 +311,7 @@
           <p:cNvPr id="6" name="Segnaposto numero diapositiva 5">
             <a:extLst>
               <a:ext uri="{FF2B5EF4-FFF2-40B4-BE49-F238E27FC236}">
-                <a16:creationId xmlns:a16="http://schemas.microsoft.com/office/drawing/2014/main" xmlns="" id="{C8BD9E7D-7B83-46FD-AD07-9419CF0C5DC2}"/>
+                <a16:creationId xmlns:a16="http://schemas.microsoft.com/office/drawing/2014/main" id="{C8BD9E7D-7B83-46FD-AD07-9419CF0C5DC2}"/>
               </a:ext>
             </a:extLst>
           </p:cNvPr>
@@ -327,7 +329,7 @@
           <a:p>
             <a:fld id="{2D002975-1739-42E0-8F8C-09979F93B4A7}" type="slidenum">
               <a:rPr lang="it-IT" smtClean="0"/>
-              <a:t>‹#›</a:t>
+              <a:t>‹N›</a:t>
             </a:fld>
             <a:endParaRPr lang="it-IT"/>
           </a:p>
@@ -368,7 +370,7 @@
           <p:cNvPr id="2" name="Titolo 1">
             <a:extLst>
               <a:ext uri="{FF2B5EF4-FFF2-40B4-BE49-F238E27FC236}">
-                <a16:creationId xmlns:a16="http://schemas.microsoft.com/office/drawing/2014/main" xmlns="" id="{D669118A-8ED9-42D0-B1DA-E5BF83803B4D}"/>
+                <a16:creationId xmlns:a16="http://schemas.microsoft.com/office/drawing/2014/main" id="{D669118A-8ED9-42D0-B1DA-E5BF83803B4D}"/>
               </a:ext>
             </a:extLst>
           </p:cNvPr>
@@ -396,7 +398,7 @@
           <p:cNvPr id="3" name="Segnaposto testo verticale 2">
             <a:extLst>
               <a:ext uri="{FF2B5EF4-FFF2-40B4-BE49-F238E27FC236}">
-                <a16:creationId xmlns:a16="http://schemas.microsoft.com/office/drawing/2014/main" xmlns="" id="{0A4564C2-867B-4493-B444-6A21D3653C71}"/>
+                <a16:creationId xmlns:a16="http://schemas.microsoft.com/office/drawing/2014/main" id="{0A4564C2-867B-4493-B444-6A21D3653C71}"/>
               </a:ext>
             </a:extLst>
           </p:cNvPr>
@@ -453,7 +455,7 @@
           <p:cNvPr id="4" name="Segnaposto data 3">
             <a:extLst>
               <a:ext uri="{FF2B5EF4-FFF2-40B4-BE49-F238E27FC236}">
-                <a16:creationId xmlns:a16="http://schemas.microsoft.com/office/drawing/2014/main" xmlns="" id="{17D248BF-DD62-499D-A261-989EAD8F6D96}"/>
+                <a16:creationId xmlns:a16="http://schemas.microsoft.com/office/drawing/2014/main" id="{17D248BF-DD62-499D-A261-989EAD8F6D96}"/>
               </a:ext>
             </a:extLst>
           </p:cNvPr>
@@ -471,7 +473,7 @@
           <a:p>
             <a:fld id="{CCCB5B76-26A8-42F6-9A12-0999A40069CD}" type="datetimeFigureOut">
               <a:rPr lang="it-IT" smtClean="0"/>
-              <a:t>17/05/19</a:t>
+              <a:t>20/05/2019</a:t>
             </a:fld>
             <a:endParaRPr lang="it-IT"/>
           </a:p>
@@ -482,7 +484,7 @@
           <p:cNvPr id="5" name="Segnaposto piè di pagina 4">
             <a:extLst>
               <a:ext uri="{FF2B5EF4-FFF2-40B4-BE49-F238E27FC236}">
-                <a16:creationId xmlns:a16="http://schemas.microsoft.com/office/drawing/2014/main" xmlns="" id="{12F462F1-A4EA-4F24-8FB4-D760D96C86D2}"/>
+                <a16:creationId xmlns:a16="http://schemas.microsoft.com/office/drawing/2014/main" id="{12F462F1-A4EA-4F24-8FB4-D760D96C86D2}"/>
               </a:ext>
             </a:extLst>
           </p:cNvPr>
@@ -507,7 +509,7 @@
           <p:cNvPr id="6" name="Segnaposto numero diapositiva 5">
             <a:extLst>
               <a:ext uri="{FF2B5EF4-FFF2-40B4-BE49-F238E27FC236}">
-                <a16:creationId xmlns:a16="http://schemas.microsoft.com/office/drawing/2014/main" xmlns="" id="{B8E84705-F1C6-4E08-A2AE-8ABBD25354EE}"/>
+                <a16:creationId xmlns:a16="http://schemas.microsoft.com/office/drawing/2014/main" id="{B8E84705-F1C6-4E08-A2AE-8ABBD25354EE}"/>
               </a:ext>
             </a:extLst>
           </p:cNvPr>
@@ -525,7 +527,7 @@
           <a:p>
             <a:fld id="{2D002975-1739-42E0-8F8C-09979F93B4A7}" type="slidenum">
               <a:rPr lang="it-IT" smtClean="0"/>
-              <a:t>‹#›</a:t>
+              <a:t>‹N›</a:t>
             </a:fld>
             <a:endParaRPr lang="it-IT"/>
           </a:p>
@@ -566,7 +568,7 @@
           <p:cNvPr id="2" name="Titolo verticale 1">
             <a:extLst>
               <a:ext uri="{FF2B5EF4-FFF2-40B4-BE49-F238E27FC236}">
-                <a16:creationId xmlns:a16="http://schemas.microsoft.com/office/drawing/2014/main" xmlns="" id="{EEB65F0C-9B32-4091-804E-E760D914B4F8}"/>
+                <a16:creationId xmlns:a16="http://schemas.microsoft.com/office/drawing/2014/main" id="{EEB65F0C-9B32-4091-804E-E760D914B4F8}"/>
               </a:ext>
             </a:extLst>
           </p:cNvPr>
@@ -599,7 +601,7 @@
           <p:cNvPr id="3" name="Segnaposto testo verticale 2">
             <a:extLst>
               <a:ext uri="{FF2B5EF4-FFF2-40B4-BE49-F238E27FC236}">
-                <a16:creationId xmlns:a16="http://schemas.microsoft.com/office/drawing/2014/main" xmlns="" id="{F4BDEC74-F962-49CD-8B87-83EC48542CF3}"/>
+                <a16:creationId xmlns:a16="http://schemas.microsoft.com/office/drawing/2014/main" id="{F4BDEC74-F962-49CD-8B87-83EC48542CF3}"/>
               </a:ext>
             </a:extLst>
           </p:cNvPr>
@@ -661,7 +663,7 @@
           <p:cNvPr id="4" name="Segnaposto data 3">
             <a:extLst>
               <a:ext uri="{FF2B5EF4-FFF2-40B4-BE49-F238E27FC236}">
-                <a16:creationId xmlns:a16="http://schemas.microsoft.com/office/drawing/2014/main" xmlns="" id="{0974D8ED-23F4-407F-89A4-D8E22DB4D67A}"/>
+                <a16:creationId xmlns:a16="http://schemas.microsoft.com/office/drawing/2014/main" id="{0974D8ED-23F4-407F-89A4-D8E22DB4D67A}"/>
               </a:ext>
             </a:extLst>
           </p:cNvPr>
@@ -679,7 +681,7 @@
           <a:p>
             <a:fld id="{CCCB5B76-26A8-42F6-9A12-0999A40069CD}" type="datetimeFigureOut">
               <a:rPr lang="it-IT" smtClean="0"/>
-              <a:t>17/05/19</a:t>
+              <a:t>20/05/2019</a:t>
             </a:fld>
             <a:endParaRPr lang="it-IT"/>
           </a:p>
@@ -690,7 +692,7 @@
           <p:cNvPr id="5" name="Segnaposto piè di pagina 4">
             <a:extLst>
               <a:ext uri="{FF2B5EF4-FFF2-40B4-BE49-F238E27FC236}">
-                <a16:creationId xmlns:a16="http://schemas.microsoft.com/office/drawing/2014/main" xmlns="" id="{8B92139C-26C8-42DC-AB61-F9AB0D95C7BE}"/>
+                <a16:creationId xmlns:a16="http://schemas.microsoft.com/office/drawing/2014/main" id="{8B92139C-26C8-42DC-AB61-F9AB0D95C7BE}"/>
               </a:ext>
             </a:extLst>
           </p:cNvPr>
@@ -715,7 +717,7 @@
           <p:cNvPr id="6" name="Segnaposto numero diapositiva 5">
             <a:extLst>
               <a:ext uri="{FF2B5EF4-FFF2-40B4-BE49-F238E27FC236}">
-                <a16:creationId xmlns:a16="http://schemas.microsoft.com/office/drawing/2014/main" xmlns="" id="{31619DC9-9BD6-4F30-8EC7-D289D26C7141}"/>
+                <a16:creationId xmlns:a16="http://schemas.microsoft.com/office/drawing/2014/main" id="{31619DC9-9BD6-4F30-8EC7-D289D26C7141}"/>
               </a:ext>
             </a:extLst>
           </p:cNvPr>
@@ -733,7 +735,7 @@
           <a:p>
             <a:fld id="{2D002975-1739-42E0-8F8C-09979F93B4A7}" type="slidenum">
               <a:rPr lang="it-IT" smtClean="0"/>
-              <a:t>‹#›</a:t>
+              <a:t>‹N›</a:t>
             </a:fld>
             <a:endParaRPr lang="it-IT"/>
           </a:p>
@@ -774,7 +776,7 @@
           <p:cNvPr id="2" name="Titolo 1">
             <a:extLst>
               <a:ext uri="{FF2B5EF4-FFF2-40B4-BE49-F238E27FC236}">
-                <a16:creationId xmlns:a16="http://schemas.microsoft.com/office/drawing/2014/main" xmlns="" id="{5FA93295-CD5A-46DE-A88B-720873D0BD53}"/>
+                <a16:creationId xmlns:a16="http://schemas.microsoft.com/office/drawing/2014/main" id="{5FA93295-CD5A-46DE-A88B-720873D0BD53}"/>
               </a:ext>
             </a:extLst>
           </p:cNvPr>
@@ -802,7 +804,7 @@
           <p:cNvPr id="3" name="Segnaposto contenuto 2">
             <a:extLst>
               <a:ext uri="{FF2B5EF4-FFF2-40B4-BE49-F238E27FC236}">
-                <a16:creationId xmlns:a16="http://schemas.microsoft.com/office/drawing/2014/main" xmlns="" id="{2CB9FCF7-F594-4FA1-A9C0-B0C141D91F2E}"/>
+                <a16:creationId xmlns:a16="http://schemas.microsoft.com/office/drawing/2014/main" id="{2CB9FCF7-F594-4FA1-A9C0-B0C141D91F2E}"/>
               </a:ext>
             </a:extLst>
           </p:cNvPr>
@@ -859,7 +861,7 @@
           <p:cNvPr id="4" name="Segnaposto data 3">
             <a:extLst>
               <a:ext uri="{FF2B5EF4-FFF2-40B4-BE49-F238E27FC236}">
-                <a16:creationId xmlns:a16="http://schemas.microsoft.com/office/drawing/2014/main" xmlns="" id="{00A61E80-D1D8-472E-A839-56741184ADB6}"/>
+                <a16:creationId xmlns:a16="http://schemas.microsoft.com/office/drawing/2014/main" id="{00A61E80-D1D8-472E-A839-56741184ADB6}"/>
               </a:ext>
             </a:extLst>
           </p:cNvPr>
@@ -877,7 +879,7 @@
           <a:p>
             <a:fld id="{CCCB5B76-26A8-42F6-9A12-0999A40069CD}" type="datetimeFigureOut">
               <a:rPr lang="it-IT" smtClean="0"/>
-              <a:t>17/05/19</a:t>
+              <a:t>20/05/2019</a:t>
             </a:fld>
             <a:endParaRPr lang="it-IT"/>
           </a:p>
@@ -888,7 +890,7 @@
           <p:cNvPr id="5" name="Segnaposto piè di pagina 4">
             <a:extLst>
               <a:ext uri="{FF2B5EF4-FFF2-40B4-BE49-F238E27FC236}">
-                <a16:creationId xmlns:a16="http://schemas.microsoft.com/office/drawing/2014/main" xmlns="" id="{D18B8331-38D5-4D98-B525-684F0F796D83}"/>
+                <a16:creationId xmlns:a16="http://schemas.microsoft.com/office/drawing/2014/main" id="{D18B8331-38D5-4D98-B525-684F0F796D83}"/>
               </a:ext>
             </a:extLst>
           </p:cNvPr>
@@ -913,7 +915,7 @@
           <p:cNvPr id="6" name="Segnaposto numero diapositiva 5">
             <a:extLst>
               <a:ext uri="{FF2B5EF4-FFF2-40B4-BE49-F238E27FC236}">
-                <a16:creationId xmlns:a16="http://schemas.microsoft.com/office/drawing/2014/main" xmlns="" id="{7F849B10-2045-43B4-97B7-2373AED3E796}"/>
+                <a16:creationId xmlns:a16="http://schemas.microsoft.com/office/drawing/2014/main" id="{7F849B10-2045-43B4-97B7-2373AED3E796}"/>
               </a:ext>
             </a:extLst>
           </p:cNvPr>
@@ -931,7 +933,7 @@
           <a:p>
             <a:fld id="{2D002975-1739-42E0-8F8C-09979F93B4A7}" type="slidenum">
               <a:rPr lang="it-IT" smtClean="0"/>
-              <a:t>‹#›</a:t>
+              <a:t>‹N›</a:t>
             </a:fld>
             <a:endParaRPr lang="it-IT"/>
           </a:p>
@@ -972,7 +974,7 @@
           <p:cNvPr id="2" name="Titolo 1">
             <a:extLst>
               <a:ext uri="{FF2B5EF4-FFF2-40B4-BE49-F238E27FC236}">
-                <a16:creationId xmlns:a16="http://schemas.microsoft.com/office/drawing/2014/main" xmlns="" id="{BB9C6E41-45C5-42F7-9D7A-86F0A0AE9079}"/>
+                <a16:creationId xmlns:a16="http://schemas.microsoft.com/office/drawing/2014/main" id="{BB9C6E41-45C5-42F7-9D7A-86F0A0AE9079}"/>
               </a:ext>
             </a:extLst>
           </p:cNvPr>
@@ -1009,7 +1011,7 @@
           <p:cNvPr id="3" name="Segnaposto testo 2">
             <a:extLst>
               <a:ext uri="{FF2B5EF4-FFF2-40B4-BE49-F238E27FC236}">
-                <a16:creationId xmlns:a16="http://schemas.microsoft.com/office/drawing/2014/main" xmlns="" id="{53AC4970-C09D-490B-885B-5C8BD3DBCA13}"/>
+                <a16:creationId xmlns:a16="http://schemas.microsoft.com/office/drawing/2014/main" id="{53AC4970-C09D-490B-885B-5C8BD3DBCA13}"/>
               </a:ext>
             </a:extLst>
           </p:cNvPr>
@@ -1134,7 +1136,7 @@
           <p:cNvPr id="4" name="Segnaposto data 3">
             <a:extLst>
               <a:ext uri="{FF2B5EF4-FFF2-40B4-BE49-F238E27FC236}">
-                <a16:creationId xmlns:a16="http://schemas.microsoft.com/office/drawing/2014/main" xmlns="" id="{EF09D452-500E-4483-8EC7-2D7874989003}"/>
+                <a16:creationId xmlns:a16="http://schemas.microsoft.com/office/drawing/2014/main" id="{EF09D452-500E-4483-8EC7-2D7874989003}"/>
               </a:ext>
             </a:extLst>
           </p:cNvPr>
@@ -1152,7 +1154,7 @@
           <a:p>
             <a:fld id="{CCCB5B76-26A8-42F6-9A12-0999A40069CD}" type="datetimeFigureOut">
               <a:rPr lang="it-IT" smtClean="0"/>
-              <a:t>17/05/19</a:t>
+              <a:t>20/05/2019</a:t>
             </a:fld>
             <a:endParaRPr lang="it-IT"/>
           </a:p>
@@ -1163,7 +1165,7 @@
           <p:cNvPr id="5" name="Segnaposto piè di pagina 4">
             <a:extLst>
               <a:ext uri="{FF2B5EF4-FFF2-40B4-BE49-F238E27FC236}">
-                <a16:creationId xmlns:a16="http://schemas.microsoft.com/office/drawing/2014/main" xmlns="" id="{56F4F267-68D7-47F0-8A1D-9B2DBC7B2C11}"/>
+                <a16:creationId xmlns:a16="http://schemas.microsoft.com/office/drawing/2014/main" id="{56F4F267-68D7-47F0-8A1D-9B2DBC7B2C11}"/>
               </a:ext>
             </a:extLst>
           </p:cNvPr>
@@ -1188,7 +1190,7 @@
           <p:cNvPr id="6" name="Segnaposto numero diapositiva 5">
             <a:extLst>
               <a:ext uri="{FF2B5EF4-FFF2-40B4-BE49-F238E27FC236}">
-                <a16:creationId xmlns:a16="http://schemas.microsoft.com/office/drawing/2014/main" xmlns="" id="{15EF6F86-7218-4ED3-9B9B-D2C06BBFFEF2}"/>
+                <a16:creationId xmlns:a16="http://schemas.microsoft.com/office/drawing/2014/main" id="{15EF6F86-7218-4ED3-9B9B-D2C06BBFFEF2}"/>
               </a:ext>
             </a:extLst>
           </p:cNvPr>
@@ -1206,7 +1208,7 @@
           <a:p>
             <a:fld id="{2D002975-1739-42E0-8F8C-09979F93B4A7}" type="slidenum">
               <a:rPr lang="it-IT" smtClean="0"/>
-              <a:t>‹#›</a:t>
+              <a:t>‹N›</a:t>
             </a:fld>
             <a:endParaRPr lang="it-IT"/>
           </a:p>
@@ -1247,7 +1249,7 @@
           <p:cNvPr id="2" name="Titolo 1">
             <a:extLst>
               <a:ext uri="{FF2B5EF4-FFF2-40B4-BE49-F238E27FC236}">
-                <a16:creationId xmlns:a16="http://schemas.microsoft.com/office/drawing/2014/main" xmlns="" id="{992AD3AD-0208-45B2-87BD-E138857C7B1B}"/>
+                <a16:creationId xmlns:a16="http://schemas.microsoft.com/office/drawing/2014/main" id="{992AD3AD-0208-45B2-87BD-E138857C7B1B}"/>
               </a:ext>
             </a:extLst>
           </p:cNvPr>
@@ -1275,7 +1277,7 @@
           <p:cNvPr id="3" name="Segnaposto contenuto 2">
             <a:extLst>
               <a:ext uri="{FF2B5EF4-FFF2-40B4-BE49-F238E27FC236}">
-                <a16:creationId xmlns:a16="http://schemas.microsoft.com/office/drawing/2014/main" xmlns="" id="{7F1F9008-7D96-4E94-BF81-8BCDA3EB6009}"/>
+                <a16:creationId xmlns:a16="http://schemas.microsoft.com/office/drawing/2014/main" id="{7F1F9008-7D96-4E94-BF81-8BCDA3EB6009}"/>
               </a:ext>
             </a:extLst>
           </p:cNvPr>
@@ -1337,7 +1339,7 @@
           <p:cNvPr id="4" name="Segnaposto contenuto 3">
             <a:extLst>
               <a:ext uri="{FF2B5EF4-FFF2-40B4-BE49-F238E27FC236}">
-                <a16:creationId xmlns:a16="http://schemas.microsoft.com/office/drawing/2014/main" xmlns="" id="{44DC7EEA-E1E7-4C24-BED0-B50FB2461089}"/>
+                <a16:creationId xmlns:a16="http://schemas.microsoft.com/office/drawing/2014/main" id="{44DC7EEA-E1E7-4C24-BED0-B50FB2461089}"/>
               </a:ext>
             </a:extLst>
           </p:cNvPr>
@@ -1399,7 +1401,7 @@
           <p:cNvPr id="5" name="Segnaposto data 4">
             <a:extLst>
               <a:ext uri="{FF2B5EF4-FFF2-40B4-BE49-F238E27FC236}">
-                <a16:creationId xmlns:a16="http://schemas.microsoft.com/office/drawing/2014/main" xmlns="" id="{F2443DB9-8555-4DB7-B0F1-35F05A0CCD65}"/>
+                <a16:creationId xmlns:a16="http://schemas.microsoft.com/office/drawing/2014/main" id="{F2443DB9-8555-4DB7-B0F1-35F05A0CCD65}"/>
               </a:ext>
             </a:extLst>
           </p:cNvPr>
@@ -1417,7 +1419,7 @@
           <a:p>
             <a:fld id="{CCCB5B76-26A8-42F6-9A12-0999A40069CD}" type="datetimeFigureOut">
               <a:rPr lang="it-IT" smtClean="0"/>
-              <a:t>17/05/19</a:t>
+              <a:t>20/05/2019</a:t>
             </a:fld>
             <a:endParaRPr lang="it-IT"/>
           </a:p>
@@ -1428,7 +1430,7 @@
           <p:cNvPr id="6" name="Segnaposto piè di pagina 5">
             <a:extLst>
               <a:ext uri="{FF2B5EF4-FFF2-40B4-BE49-F238E27FC236}">
-                <a16:creationId xmlns:a16="http://schemas.microsoft.com/office/drawing/2014/main" xmlns="" id="{DF151F14-132B-4A2F-A7A6-5D50252F1591}"/>
+                <a16:creationId xmlns:a16="http://schemas.microsoft.com/office/drawing/2014/main" id="{DF151F14-132B-4A2F-A7A6-5D50252F1591}"/>
               </a:ext>
             </a:extLst>
           </p:cNvPr>
@@ -1453,7 +1455,7 @@
           <p:cNvPr id="7" name="Segnaposto numero diapositiva 6">
             <a:extLst>
               <a:ext uri="{FF2B5EF4-FFF2-40B4-BE49-F238E27FC236}">
-                <a16:creationId xmlns:a16="http://schemas.microsoft.com/office/drawing/2014/main" xmlns="" id="{B31AD17B-0F44-41D5-8BCF-BB6022E7CD3A}"/>
+                <a16:creationId xmlns:a16="http://schemas.microsoft.com/office/drawing/2014/main" id="{B31AD17B-0F44-41D5-8BCF-BB6022E7CD3A}"/>
               </a:ext>
             </a:extLst>
           </p:cNvPr>
@@ -1471,7 +1473,7 @@
           <a:p>
             <a:fld id="{2D002975-1739-42E0-8F8C-09979F93B4A7}" type="slidenum">
               <a:rPr lang="it-IT" smtClean="0"/>
-              <a:t>‹#›</a:t>
+              <a:t>‹N›</a:t>
             </a:fld>
             <a:endParaRPr lang="it-IT"/>
           </a:p>
@@ -1512,7 +1514,7 @@
           <p:cNvPr id="2" name="Titolo 1">
             <a:extLst>
               <a:ext uri="{FF2B5EF4-FFF2-40B4-BE49-F238E27FC236}">
-                <a16:creationId xmlns:a16="http://schemas.microsoft.com/office/drawing/2014/main" xmlns="" id="{78C9234F-CEA1-4255-B1F4-8DD0E9470D5A}"/>
+                <a16:creationId xmlns:a16="http://schemas.microsoft.com/office/drawing/2014/main" id="{78C9234F-CEA1-4255-B1F4-8DD0E9470D5A}"/>
               </a:ext>
             </a:extLst>
           </p:cNvPr>
@@ -1545,7 +1547,7 @@
           <p:cNvPr id="3" name="Segnaposto testo 2">
             <a:extLst>
               <a:ext uri="{FF2B5EF4-FFF2-40B4-BE49-F238E27FC236}">
-                <a16:creationId xmlns:a16="http://schemas.microsoft.com/office/drawing/2014/main" xmlns="" id="{FAF6C5AE-CBCF-4CD8-BF7E-62BC1BDB08BD}"/>
+                <a16:creationId xmlns:a16="http://schemas.microsoft.com/office/drawing/2014/main" id="{FAF6C5AE-CBCF-4CD8-BF7E-62BC1BDB08BD}"/>
               </a:ext>
             </a:extLst>
           </p:cNvPr>
@@ -1616,7 +1618,7 @@
           <p:cNvPr id="4" name="Segnaposto contenuto 3">
             <a:extLst>
               <a:ext uri="{FF2B5EF4-FFF2-40B4-BE49-F238E27FC236}">
-                <a16:creationId xmlns:a16="http://schemas.microsoft.com/office/drawing/2014/main" xmlns="" id="{F83DFD4A-B068-4E49-9E68-3DC030EB9EC6}"/>
+                <a16:creationId xmlns:a16="http://schemas.microsoft.com/office/drawing/2014/main" id="{F83DFD4A-B068-4E49-9E68-3DC030EB9EC6}"/>
               </a:ext>
             </a:extLst>
           </p:cNvPr>
@@ -1678,7 +1680,7 @@
           <p:cNvPr id="5" name="Segnaposto testo 4">
             <a:extLst>
               <a:ext uri="{FF2B5EF4-FFF2-40B4-BE49-F238E27FC236}">
-                <a16:creationId xmlns:a16="http://schemas.microsoft.com/office/drawing/2014/main" xmlns="" id="{407517C3-4285-4A55-AD09-81F5330AE86A}"/>
+                <a16:creationId xmlns:a16="http://schemas.microsoft.com/office/drawing/2014/main" id="{407517C3-4285-4A55-AD09-81F5330AE86A}"/>
               </a:ext>
             </a:extLst>
           </p:cNvPr>
@@ -1749,7 +1751,7 @@
           <p:cNvPr id="6" name="Segnaposto contenuto 5">
             <a:extLst>
               <a:ext uri="{FF2B5EF4-FFF2-40B4-BE49-F238E27FC236}">
-                <a16:creationId xmlns:a16="http://schemas.microsoft.com/office/drawing/2014/main" xmlns="" id="{2AF1BCBA-42CA-45E2-8E59-5300BA89A4FB}"/>
+                <a16:creationId xmlns:a16="http://schemas.microsoft.com/office/drawing/2014/main" id="{2AF1BCBA-42CA-45E2-8E59-5300BA89A4FB}"/>
               </a:ext>
             </a:extLst>
           </p:cNvPr>
@@ -1811,7 +1813,7 @@
           <p:cNvPr id="7" name="Segnaposto data 6">
             <a:extLst>
               <a:ext uri="{FF2B5EF4-FFF2-40B4-BE49-F238E27FC236}">
-                <a16:creationId xmlns:a16="http://schemas.microsoft.com/office/drawing/2014/main" xmlns="" id="{05FF0A63-4A9B-4DF1-8F4E-25CD6F302CF5}"/>
+                <a16:creationId xmlns:a16="http://schemas.microsoft.com/office/drawing/2014/main" id="{05FF0A63-4A9B-4DF1-8F4E-25CD6F302CF5}"/>
               </a:ext>
             </a:extLst>
           </p:cNvPr>
@@ -1829,7 +1831,7 @@
           <a:p>
             <a:fld id="{CCCB5B76-26A8-42F6-9A12-0999A40069CD}" type="datetimeFigureOut">
               <a:rPr lang="it-IT" smtClean="0"/>
-              <a:t>17/05/19</a:t>
+              <a:t>20/05/2019</a:t>
             </a:fld>
             <a:endParaRPr lang="it-IT"/>
           </a:p>
@@ -1840,7 +1842,7 @@
           <p:cNvPr id="8" name="Segnaposto piè di pagina 7">
             <a:extLst>
               <a:ext uri="{FF2B5EF4-FFF2-40B4-BE49-F238E27FC236}">
-                <a16:creationId xmlns:a16="http://schemas.microsoft.com/office/drawing/2014/main" xmlns="" id="{848B7858-968E-4A55-B4B6-3736FA11F2AF}"/>
+                <a16:creationId xmlns:a16="http://schemas.microsoft.com/office/drawing/2014/main" id="{848B7858-968E-4A55-B4B6-3736FA11F2AF}"/>
               </a:ext>
             </a:extLst>
           </p:cNvPr>
@@ -1865,7 +1867,7 @@
           <p:cNvPr id="9" name="Segnaposto numero diapositiva 8">
             <a:extLst>
               <a:ext uri="{FF2B5EF4-FFF2-40B4-BE49-F238E27FC236}">
-                <a16:creationId xmlns:a16="http://schemas.microsoft.com/office/drawing/2014/main" xmlns="" id="{D8FC8B3F-F196-4F5C-B346-8E34F38FE9B3}"/>
+                <a16:creationId xmlns:a16="http://schemas.microsoft.com/office/drawing/2014/main" id="{D8FC8B3F-F196-4F5C-B346-8E34F38FE9B3}"/>
               </a:ext>
             </a:extLst>
           </p:cNvPr>
@@ -1883,7 +1885,7 @@
           <a:p>
             <a:fld id="{2D002975-1739-42E0-8F8C-09979F93B4A7}" type="slidenum">
               <a:rPr lang="it-IT" smtClean="0"/>
-              <a:t>‹#›</a:t>
+              <a:t>‹N›</a:t>
             </a:fld>
             <a:endParaRPr lang="it-IT"/>
           </a:p>
@@ -1924,7 +1926,7 @@
           <p:cNvPr id="2" name="Titolo 1">
             <a:extLst>
               <a:ext uri="{FF2B5EF4-FFF2-40B4-BE49-F238E27FC236}">
-                <a16:creationId xmlns:a16="http://schemas.microsoft.com/office/drawing/2014/main" xmlns="" id="{70B078C6-14DB-4455-B0C4-1D3688A7F3A5}"/>
+                <a16:creationId xmlns:a16="http://schemas.microsoft.com/office/drawing/2014/main" id="{70B078C6-14DB-4455-B0C4-1D3688A7F3A5}"/>
               </a:ext>
             </a:extLst>
           </p:cNvPr>
@@ -1952,7 +1954,7 @@
           <p:cNvPr id="3" name="Segnaposto data 2">
             <a:extLst>
               <a:ext uri="{FF2B5EF4-FFF2-40B4-BE49-F238E27FC236}">
-                <a16:creationId xmlns:a16="http://schemas.microsoft.com/office/drawing/2014/main" xmlns="" id="{239348EC-E575-4961-9560-383FB453DD22}"/>
+                <a16:creationId xmlns:a16="http://schemas.microsoft.com/office/drawing/2014/main" id="{239348EC-E575-4961-9560-383FB453DD22}"/>
               </a:ext>
             </a:extLst>
           </p:cNvPr>
@@ -1970,7 +1972,7 @@
           <a:p>
             <a:fld id="{CCCB5B76-26A8-42F6-9A12-0999A40069CD}" type="datetimeFigureOut">
               <a:rPr lang="it-IT" smtClean="0"/>
-              <a:t>17/05/19</a:t>
+              <a:t>20/05/2019</a:t>
             </a:fld>
             <a:endParaRPr lang="it-IT"/>
           </a:p>
@@ -1981,7 +1983,7 @@
           <p:cNvPr id="4" name="Segnaposto piè di pagina 3">
             <a:extLst>
               <a:ext uri="{FF2B5EF4-FFF2-40B4-BE49-F238E27FC236}">
-                <a16:creationId xmlns:a16="http://schemas.microsoft.com/office/drawing/2014/main" xmlns="" id="{DB2951FE-984B-4E79-97EC-EEFC9589075B}"/>
+                <a16:creationId xmlns:a16="http://schemas.microsoft.com/office/drawing/2014/main" id="{DB2951FE-984B-4E79-97EC-EEFC9589075B}"/>
               </a:ext>
             </a:extLst>
           </p:cNvPr>
@@ -2006,7 +2008,7 @@
           <p:cNvPr id="5" name="Segnaposto numero diapositiva 4">
             <a:extLst>
               <a:ext uri="{FF2B5EF4-FFF2-40B4-BE49-F238E27FC236}">
-                <a16:creationId xmlns:a16="http://schemas.microsoft.com/office/drawing/2014/main" xmlns="" id="{5A9F71E6-93C3-41B9-A654-70D474DE959F}"/>
+                <a16:creationId xmlns:a16="http://schemas.microsoft.com/office/drawing/2014/main" id="{5A9F71E6-93C3-41B9-A654-70D474DE959F}"/>
               </a:ext>
             </a:extLst>
           </p:cNvPr>
@@ -2024,7 +2026,7 @@
           <a:p>
             <a:fld id="{2D002975-1739-42E0-8F8C-09979F93B4A7}" type="slidenum">
               <a:rPr lang="it-IT" smtClean="0"/>
-              <a:t>‹#›</a:t>
+              <a:t>‹N›</a:t>
             </a:fld>
             <a:endParaRPr lang="it-IT"/>
           </a:p>
@@ -2065,7 +2067,7 @@
           <p:cNvPr id="2" name="Segnaposto data 1">
             <a:extLst>
               <a:ext uri="{FF2B5EF4-FFF2-40B4-BE49-F238E27FC236}">
-                <a16:creationId xmlns:a16="http://schemas.microsoft.com/office/drawing/2014/main" xmlns="" id="{19AEE9AF-3696-4C54-B7E6-EAC24C15DCA7}"/>
+                <a16:creationId xmlns:a16="http://schemas.microsoft.com/office/drawing/2014/main" id="{19AEE9AF-3696-4C54-B7E6-EAC24C15DCA7}"/>
               </a:ext>
             </a:extLst>
           </p:cNvPr>
@@ -2083,7 +2085,7 @@
           <a:p>
             <a:fld id="{CCCB5B76-26A8-42F6-9A12-0999A40069CD}" type="datetimeFigureOut">
               <a:rPr lang="it-IT" smtClean="0"/>
-              <a:t>17/05/19</a:t>
+              <a:t>20/05/2019</a:t>
             </a:fld>
             <a:endParaRPr lang="it-IT"/>
           </a:p>
@@ -2094,7 +2096,7 @@
           <p:cNvPr id="3" name="Segnaposto piè di pagina 2">
             <a:extLst>
               <a:ext uri="{FF2B5EF4-FFF2-40B4-BE49-F238E27FC236}">
-                <a16:creationId xmlns:a16="http://schemas.microsoft.com/office/drawing/2014/main" xmlns="" id="{B60A8576-0C9C-4749-BE9D-ECB60244C2BF}"/>
+                <a16:creationId xmlns:a16="http://schemas.microsoft.com/office/drawing/2014/main" id="{B60A8576-0C9C-4749-BE9D-ECB60244C2BF}"/>
               </a:ext>
             </a:extLst>
           </p:cNvPr>
@@ -2119,7 +2121,7 @@
           <p:cNvPr id="4" name="Segnaposto numero diapositiva 3">
             <a:extLst>
               <a:ext uri="{FF2B5EF4-FFF2-40B4-BE49-F238E27FC236}">
-                <a16:creationId xmlns:a16="http://schemas.microsoft.com/office/drawing/2014/main" xmlns="" id="{E25EC337-4883-4705-84EE-C79051E55186}"/>
+                <a16:creationId xmlns:a16="http://schemas.microsoft.com/office/drawing/2014/main" id="{E25EC337-4883-4705-84EE-C79051E55186}"/>
               </a:ext>
             </a:extLst>
           </p:cNvPr>
@@ -2137,7 +2139,7 @@
           <a:p>
             <a:fld id="{2D002975-1739-42E0-8F8C-09979F93B4A7}" type="slidenum">
               <a:rPr lang="it-IT" smtClean="0"/>
-              <a:t>‹#›</a:t>
+              <a:t>‹N›</a:t>
             </a:fld>
             <a:endParaRPr lang="it-IT"/>
           </a:p>
@@ -2178,7 +2180,7 @@
           <p:cNvPr id="2" name="Titolo 1">
             <a:extLst>
               <a:ext uri="{FF2B5EF4-FFF2-40B4-BE49-F238E27FC236}">
-                <a16:creationId xmlns:a16="http://schemas.microsoft.com/office/drawing/2014/main" xmlns="" id="{4E595591-7053-4382-B888-D7B92F85104D}"/>
+                <a16:creationId xmlns:a16="http://schemas.microsoft.com/office/drawing/2014/main" id="{4E595591-7053-4382-B888-D7B92F85104D}"/>
               </a:ext>
             </a:extLst>
           </p:cNvPr>
@@ -2215,7 +2217,7 @@
           <p:cNvPr id="3" name="Segnaposto contenuto 2">
             <a:extLst>
               <a:ext uri="{FF2B5EF4-FFF2-40B4-BE49-F238E27FC236}">
-                <a16:creationId xmlns:a16="http://schemas.microsoft.com/office/drawing/2014/main" xmlns="" id="{39B1D97C-A5AB-4332-B603-FF101A6FB252}"/>
+                <a16:creationId xmlns:a16="http://schemas.microsoft.com/office/drawing/2014/main" id="{39B1D97C-A5AB-4332-B603-FF101A6FB252}"/>
               </a:ext>
             </a:extLst>
           </p:cNvPr>
@@ -2305,7 +2307,7 @@
           <p:cNvPr id="4" name="Segnaposto testo 3">
             <a:extLst>
               <a:ext uri="{FF2B5EF4-FFF2-40B4-BE49-F238E27FC236}">
-                <a16:creationId xmlns:a16="http://schemas.microsoft.com/office/drawing/2014/main" xmlns="" id="{C3BD985E-BA52-400F-8DAE-3ECA510CFE9A}"/>
+                <a16:creationId xmlns:a16="http://schemas.microsoft.com/office/drawing/2014/main" id="{C3BD985E-BA52-400F-8DAE-3ECA510CFE9A}"/>
               </a:ext>
             </a:extLst>
           </p:cNvPr>
@@ -2376,7 +2378,7 @@
           <p:cNvPr id="5" name="Segnaposto data 4">
             <a:extLst>
               <a:ext uri="{FF2B5EF4-FFF2-40B4-BE49-F238E27FC236}">
-                <a16:creationId xmlns:a16="http://schemas.microsoft.com/office/drawing/2014/main" xmlns="" id="{E094A379-81E8-44D8-87B9-789786E8F866}"/>
+                <a16:creationId xmlns:a16="http://schemas.microsoft.com/office/drawing/2014/main" id="{E094A379-81E8-44D8-87B9-789786E8F866}"/>
               </a:ext>
             </a:extLst>
           </p:cNvPr>
@@ -2394,7 +2396,7 @@
           <a:p>
             <a:fld id="{CCCB5B76-26A8-42F6-9A12-0999A40069CD}" type="datetimeFigureOut">
               <a:rPr lang="it-IT" smtClean="0"/>
-              <a:t>17/05/19</a:t>
+              <a:t>20/05/2019</a:t>
             </a:fld>
             <a:endParaRPr lang="it-IT"/>
           </a:p>
@@ -2405,7 +2407,7 @@
           <p:cNvPr id="6" name="Segnaposto piè di pagina 5">
             <a:extLst>
               <a:ext uri="{FF2B5EF4-FFF2-40B4-BE49-F238E27FC236}">
-                <a16:creationId xmlns:a16="http://schemas.microsoft.com/office/drawing/2014/main" xmlns="" id="{98A586C3-A572-4A3C-AF3C-B7385F9F277B}"/>
+                <a16:creationId xmlns:a16="http://schemas.microsoft.com/office/drawing/2014/main" id="{98A586C3-A572-4A3C-AF3C-B7385F9F277B}"/>
               </a:ext>
             </a:extLst>
           </p:cNvPr>
@@ -2430,7 +2432,7 @@
           <p:cNvPr id="7" name="Segnaposto numero diapositiva 6">
             <a:extLst>
               <a:ext uri="{FF2B5EF4-FFF2-40B4-BE49-F238E27FC236}">
-                <a16:creationId xmlns:a16="http://schemas.microsoft.com/office/drawing/2014/main" xmlns="" id="{C27EF36D-E3E7-4DFE-BB9F-B6FA80F5D719}"/>
+                <a16:creationId xmlns:a16="http://schemas.microsoft.com/office/drawing/2014/main" id="{C27EF36D-E3E7-4DFE-BB9F-B6FA80F5D719}"/>
               </a:ext>
             </a:extLst>
           </p:cNvPr>
@@ -2448,7 +2450,7 @@
           <a:p>
             <a:fld id="{2D002975-1739-42E0-8F8C-09979F93B4A7}" type="slidenum">
               <a:rPr lang="it-IT" smtClean="0"/>
-              <a:t>‹#›</a:t>
+              <a:t>‹N›</a:t>
             </a:fld>
             <a:endParaRPr lang="it-IT"/>
           </a:p>
@@ -2489,7 +2491,7 @@
           <p:cNvPr id="2" name="Titolo 1">
             <a:extLst>
               <a:ext uri="{FF2B5EF4-FFF2-40B4-BE49-F238E27FC236}">
-                <a16:creationId xmlns:a16="http://schemas.microsoft.com/office/drawing/2014/main" xmlns="" id="{EC3D0E0B-0E7A-40C7-82C6-50185F7CE13E}"/>
+                <a16:creationId xmlns:a16="http://schemas.microsoft.com/office/drawing/2014/main" id="{EC3D0E0B-0E7A-40C7-82C6-50185F7CE13E}"/>
               </a:ext>
             </a:extLst>
           </p:cNvPr>
@@ -2526,7 +2528,7 @@
           <p:cNvPr id="3" name="Segnaposto immagine 2">
             <a:extLst>
               <a:ext uri="{FF2B5EF4-FFF2-40B4-BE49-F238E27FC236}">
-                <a16:creationId xmlns:a16="http://schemas.microsoft.com/office/drawing/2014/main" xmlns="" id="{AA27A592-C9B7-429C-8BBF-CB5A02A8C316}"/>
+                <a16:creationId xmlns:a16="http://schemas.microsoft.com/office/drawing/2014/main" id="{AA27A592-C9B7-429C-8BBF-CB5A02A8C316}"/>
               </a:ext>
             </a:extLst>
           </p:cNvPr>
@@ -2593,7 +2595,7 @@
           <p:cNvPr id="4" name="Segnaposto testo 3">
             <a:extLst>
               <a:ext uri="{FF2B5EF4-FFF2-40B4-BE49-F238E27FC236}">
-                <a16:creationId xmlns:a16="http://schemas.microsoft.com/office/drawing/2014/main" xmlns="" id="{8B440E61-56DF-46CB-8207-663B0541F137}"/>
+                <a16:creationId xmlns:a16="http://schemas.microsoft.com/office/drawing/2014/main" id="{8B440E61-56DF-46CB-8207-663B0541F137}"/>
               </a:ext>
             </a:extLst>
           </p:cNvPr>
@@ -2664,7 +2666,7 @@
           <p:cNvPr id="5" name="Segnaposto data 4">
             <a:extLst>
               <a:ext uri="{FF2B5EF4-FFF2-40B4-BE49-F238E27FC236}">
-                <a16:creationId xmlns:a16="http://schemas.microsoft.com/office/drawing/2014/main" xmlns="" id="{54948C46-175E-4423-A46C-BC6FC9C4A38C}"/>
+                <a16:creationId xmlns:a16="http://schemas.microsoft.com/office/drawing/2014/main" id="{54948C46-175E-4423-A46C-BC6FC9C4A38C}"/>
               </a:ext>
             </a:extLst>
           </p:cNvPr>
@@ -2682,7 +2684,7 @@
           <a:p>
             <a:fld id="{CCCB5B76-26A8-42F6-9A12-0999A40069CD}" type="datetimeFigureOut">
               <a:rPr lang="it-IT" smtClean="0"/>
-              <a:t>17/05/19</a:t>
+              <a:t>20/05/2019</a:t>
             </a:fld>
             <a:endParaRPr lang="it-IT"/>
           </a:p>
@@ -2693,7 +2695,7 @@
           <p:cNvPr id="6" name="Segnaposto piè di pagina 5">
             <a:extLst>
               <a:ext uri="{FF2B5EF4-FFF2-40B4-BE49-F238E27FC236}">
-                <a16:creationId xmlns:a16="http://schemas.microsoft.com/office/drawing/2014/main" xmlns="" id="{9CD84824-5CD1-40D7-AD81-8AAA55C23B79}"/>
+                <a16:creationId xmlns:a16="http://schemas.microsoft.com/office/drawing/2014/main" id="{9CD84824-5CD1-40D7-AD81-8AAA55C23B79}"/>
               </a:ext>
             </a:extLst>
           </p:cNvPr>
@@ -2718,7 +2720,7 @@
           <p:cNvPr id="7" name="Segnaposto numero diapositiva 6">
             <a:extLst>
               <a:ext uri="{FF2B5EF4-FFF2-40B4-BE49-F238E27FC236}">
-                <a16:creationId xmlns:a16="http://schemas.microsoft.com/office/drawing/2014/main" xmlns="" id="{9A2D9B16-A2DA-4484-9C60-9216ADB6317C}"/>
+                <a16:creationId xmlns:a16="http://schemas.microsoft.com/office/drawing/2014/main" id="{9A2D9B16-A2DA-4484-9C60-9216ADB6317C}"/>
               </a:ext>
             </a:extLst>
           </p:cNvPr>
@@ -2736,7 +2738,7 @@
           <a:p>
             <a:fld id="{2D002975-1739-42E0-8F8C-09979F93B4A7}" type="slidenum">
               <a:rPr lang="it-IT" smtClean="0"/>
-              <a:t>‹#›</a:t>
+              <a:t>‹N›</a:t>
             </a:fld>
             <a:endParaRPr lang="it-IT"/>
           </a:p>
@@ -2782,7 +2784,7 @@
           <p:cNvPr id="2" name="Segnaposto titolo 1">
             <a:extLst>
               <a:ext uri="{FF2B5EF4-FFF2-40B4-BE49-F238E27FC236}">
-                <a16:creationId xmlns:a16="http://schemas.microsoft.com/office/drawing/2014/main" xmlns="" id="{2DDC7ABB-DA8C-4D92-8AFB-9014863025CF}"/>
+                <a16:creationId xmlns:a16="http://schemas.microsoft.com/office/drawing/2014/main" id="{2DDC7ABB-DA8C-4D92-8AFB-9014863025CF}"/>
               </a:ext>
             </a:extLst>
           </p:cNvPr>
@@ -2820,7 +2822,7 @@
           <p:cNvPr id="3" name="Segnaposto testo 2">
             <a:extLst>
               <a:ext uri="{FF2B5EF4-FFF2-40B4-BE49-F238E27FC236}">
-                <a16:creationId xmlns:a16="http://schemas.microsoft.com/office/drawing/2014/main" xmlns="" id="{7382AC52-C2E1-4D76-A9AD-B08BF56125B4}"/>
+                <a16:creationId xmlns:a16="http://schemas.microsoft.com/office/drawing/2014/main" id="{7382AC52-C2E1-4D76-A9AD-B08BF56125B4}"/>
               </a:ext>
             </a:extLst>
           </p:cNvPr>
@@ -2887,7 +2889,7 @@
           <p:cNvPr id="4" name="Segnaposto data 3">
             <a:extLst>
               <a:ext uri="{FF2B5EF4-FFF2-40B4-BE49-F238E27FC236}">
-                <a16:creationId xmlns:a16="http://schemas.microsoft.com/office/drawing/2014/main" xmlns="" id="{A9EDAE65-5DB1-44B0-9C06-3F188EC22C70}"/>
+                <a16:creationId xmlns:a16="http://schemas.microsoft.com/office/drawing/2014/main" id="{A9EDAE65-5DB1-44B0-9C06-3F188EC22C70}"/>
               </a:ext>
             </a:extLst>
           </p:cNvPr>
@@ -2923,7 +2925,7 @@
           <a:p>
             <a:fld id="{CCCB5B76-26A8-42F6-9A12-0999A40069CD}" type="datetimeFigureOut">
               <a:rPr lang="it-IT" smtClean="0"/>
-              <a:t>17/05/19</a:t>
+              <a:t>20/05/2019</a:t>
             </a:fld>
             <a:endParaRPr lang="it-IT"/>
           </a:p>
@@ -2934,7 +2936,7 @@
           <p:cNvPr id="5" name="Segnaposto piè di pagina 4">
             <a:extLst>
               <a:ext uri="{FF2B5EF4-FFF2-40B4-BE49-F238E27FC236}">
-                <a16:creationId xmlns:a16="http://schemas.microsoft.com/office/drawing/2014/main" xmlns="" id="{937E9D7D-F374-4EAA-9D95-7306A03FAE8A}"/>
+                <a16:creationId xmlns:a16="http://schemas.microsoft.com/office/drawing/2014/main" id="{937E9D7D-F374-4EAA-9D95-7306A03FAE8A}"/>
               </a:ext>
             </a:extLst>
           </p:cNvPr>
@@ -2977,7 +2979,7 @@
           <p:cNvPr id="6" name="Segnaposto numero diapositiva 5">
             <a:extLst>
               <a:ext uri="{FF2B5EF4-FFF2-40B4-BE49-F238E27FC236}">
-                <a16:creationId xmlns:a16="http://schemas.microsoft.com/office/drawing/2014/main" xmlns="" id="{B891B4CB-1460-4438-99B2-5802180AEBE3}"/>
+                <a16:creationId xmlns:a16="http://schemas.microsoft.com/office/drawing/2014/main" id="{B891B4CB-1460-4438-99B2-5802180AEBE3}"/>
               </a:ext>
             </a:extLst>
           </p:cNvPr>
@@ -3013,7 +3015,7 @@
           <a:p>
             <a:fld id="{2D002975-1739-42E0-8F8C-09979F93B4A7}" type="slidenum">
               <a:rPr lang="it-IT" smtClean="0"/>
-              <a:t>‹#›</a:t>
+              <a:t>‹N›</a:t>
             </a:fld>
             <a:endParaRPr lang="it-IT"/>
           </a:p>
@@ -3345,7 +3347,7 @@
           <p:cNvPr id="2" name="Titolo 1">
             <a:extLst>
               <a:ext uri="{FF2B5EF4-FFF2-40B4-BE49-F238E27FC236}">
-                <a16:creationId xmlns:a16="http://schemas.microsoft.com/office/drawing/2014/main" xmlns="" id="{DC819C9D-5B7B-409E-BD06-011C6FA5ACF3}"/>
+                <a16:creationId xmlns:a16="http://schemas.microsoft.com/office/drawing/2014/main" id="{DC819C9D-5B7B-409E-BD06-011C6FA5ACF3}"/>
               </a:ext>
             </a:extLst>
           </p:cNvPr>
@@ -3373,7 +3375,7 @@
           <p:cNvPr id="3" name="Sottotitolo 2">
             <a:extLst>
               <a:ext uri="{FF2B5EF4-FFF2-40B4-BE49-F238E27FC236}">
-                <a16:creationId xmlns:a16="http://schemas.microsoft.com/office/drawing/2014/main" xmlns="" id="{DAF301C5-7BA3-4362-B14A-08EF430B929E}"/>
+                <a16:creationId xmlns:a16="http://schemas.microsoft.com/office/drawing/2014/main" id="{DAF301C5-7BA3-4362-B14A-08EF430B929E}"/>
               </a:ext>
             </a:extLst>
           </p:cNvPr>
@@ -3463,7 +3465,7 @@
           <p:cNvPr id="2" name="Titolo 1">
             <a:extLst>
               <a:ext uri="{FF2B5EF4-FFF2-40B4-BE49-F238E27FC236}">
-                <a16:creationId xmlns:a16="http://schemas.microsoft.com/office/drawing/2014/main" xmlns="" id="{D3E6C80D-A389-41E6-B725-547142420645}"/>
+                <a16:creationId xmlns:a16="http://schemas.microsoft.com/office/drawing/2014/main" id="{D3E6C80D-A389-41E6-B725-547142420645}"/>
               </a:ext>
             </a:extLst>
           </p:cNvPr>
@@ -3491,7 +3493,7 @@
           <p:cNvPr id="5" name="Segnaposto contenuto 4">
             <a:extLst>
               <a:ext uri="{FF2B5EF4-FFF2-40B4-BE49-F238E27FC236}">
-                <a16:creationId xmlns:a16="http://schemas.microsoft.com/office/drawing/2014/main" xmlns="" id="{89BEF299-2FBB-4AD7-B12B-277B491D1320}"/>
+                <a16:creationId xmlns:a16="http://schemas.microsoft.com/office/drawing/2014/main" id="{89BEF299-2FBB-4AD7-B12B-277B491D1320}"/>
               </a:ext>
             </a:extLst>
           </p:cNvPr>
@@ -3556,7 +3558,7 @@
           <p:cNvPr id="2" name="Titolo 1">
             <a:extLst>
               <a:ext uri="{FF2B5EF4-FFF2-40B4-BE49-F238E27FC236}">
-                <a16:creationId xmlns:a16="http://schemas.microsoft.com/office/drawing/2014/main" xmlns="" id="{D70C237B-26A8-4EB3-B603-9D655672C037}"/>
+                <a16:creationId xmlns:a16="http://schemas.microsoft.com/office/drawing/2014/main" id="{D70C237B-26A8-4EB3-B603-9D655672C037}"/>
               </a:ext>
             </a:extLst>
           </p:cNvPr>
@@ -3567,14 +3569,19 @@
             <p:ph type="title"/>
           </p:nvPr>
         </p:nvSpPr>
-        <p:spPr/>
+        <p:spPr>
+          <a:xfrm>
+            <a:off x="838200" y="365125"/>
+            <a:ext cx="10515600" cy="978483"/>
+          </a:xfrm>
+        </p:spPr>
         <p:txBody>
           <a:bodyPr/>
           <a:lstStyle/>
           <a:p>
             <a:r>
               <a:rPr lang="it-IT" dirty="0"/>
-              <a:t>Design delle interfacce</a:t>
+              <a:t>Design delle interfacce – Drone Simulator</a:t>
             </a:r>
           </a:p>
         </p:txBody>
@@ -3584,7 +3591,7 @@
           <p:cNvPr id="5" name="Segnaposto contenuto 4">
             <a:extLst>
               <a:ext uri="{FF2B5EF4-FFF2-40B4-BE49-F238E27FC236}">
-                <a16:creationId xmlns:a16="http://schemas.microsoft.com/office/drawing/2014/main" xmlns="" id="{AFB23F10-9226-426B-9B87-E3512A6D6482}"/>
+                <a16:creationId xmlns:a16="http://schemas.microsoft.com/office/drawing/2014/main" id="{AFB23F10-9226-426B-9B87-E3512A6D6482}"/>
               </a:ext>
             </a:extLst>
           </p:cNvPr>
@@ -3619,7 +3626,7 @@
           <p:cNvPr id="7" name="Immagine 6">
             <a:extLst>
               <a:ext uri="{FF2B5EF4-FFF2-40B4-BE49-F238E27FC236}">
-                <a16:creationId xmlns:a16="http://schemas.microsoft.com/office/drawing/2014/main" xmlns="" id="{377FFCB1-C733-4798-92B9-0C1CD5C87A8F}"/>
+                <a16:creationId xmlns:a16="http://schemas.microsoft.com/office/drawing/2014/main" id="{377FFCB1-C733-4798-92B9-0C1CD5C87A8F}"/>
               </a:ext>
             </a:extLst>
           </p:cNvPr>
@@ -3684,7 +3691,7 @@
           <p:cNvPr id="2" name="Titolo 1">
             <a:extLst>
               <a:ext uri="{FF2B5EF4-FFF2-40B4-BE49-F238E27FC236}">
-                <a16:creationId xmlns:a16="http://schemas.microsoft.com/office/drawing/2014/main" xmlns="" id="{0FBAD031-EEFB-48A8-8068-88B6B23EB44F}"/>
+                <a16:creationId xmlns:a16="http://schemas.microsoft.com/office/drawing/2014/main" id="{87A88537-FE71-4182-914B-B253DD7EF891}"/>
               </a:ext>
             </a:extLst>
           </p:cNvPr>
@@ -3695,33 +3702,36 @@
             <p:ph type="title"/>
           </p:nvPr>
         </p:nvSpPr>
-        <p:spPr/>
+        <p:spPr>
+          <a:xfrm>
+            <a:off x="838200" y="365126"/>
+            <a:ext cx="10515600" cy="989290"/>
+          </a:xfrm>
+        </p:spPr>
         <p:txBody>
           <a:bodyPr/>
           <a:lstStyle/>
           <a:p>
             <a:r>
               <a:rPr lang="it-IT" dirty="0"/>
-              <a:t>Design Procedurale</a:t>
+              <a:t>Design delle interfacce – Drone Controller</a:t>
             </a:r>
           </a:p>
         </p:txBody>
       </p:sp>
       <p:pic>
         <p:nvPicPr>
-          <p:cNvPr id="5" name="Segnaposto contenuto 4">
-            <a:extLst>
-              <a:ext uri="{FF2B5EF4-FFF2-40B4-BE49-F238E27FC236}">
-                <a16:creationId xmlns:a16="http://schemas.microsoft.com/office/drawing/2014/main" xmlns="" id="{C2BCEC0A-31D7-4B3E-BF1F-1A3B9D3A7231}"/>
+          <p:cNvPr id="17" name="Immagine 16">
+            <a:extLst>
+              <a:ext uri="{FF2B5EF4-FFF2-40B4-BE49-F238E27FC236}">
+                <a16:creationId xmlns:a16="http://schemas.microsoft.com/office/drawing/2014/main" id="{AA5F4238-039B-481D-9834-FC6DA5D9E730}"/>
               </a:ext>
             </a:extLst>
           </p:cNvPr>
           <p:cNvPicPr>
-            <a:picLocks noGrp="1" noChangeAspect="1"/>
+            <a:picLocks noChangeAspect="1"/>
           </p:cNvPicPr>
-          <p:nvPr>
-            <p:ph idx="1"/>
-          </p:nvPr>
+          <p:nvPr/>
         </p:nvPicPr>
         <p:blipFill>
           <a:blip r:embed="rId2">
@@ -3737,15 +3747,54 @@
         </p:blipFill>
         <p:spPr>
           <a:xfrm>
-            <a:off x="1663959" y="1276545"/>
-            <a:ext cx="8864081" cy="5333472"/>
+            <a:off x="907990" y="1186709"/>
+            <a:ext cx="4221215" cy="5455259"/>
           </a:xfrm>
+          <a:prstGeom prst="rect">
+            <a:avLst/>
+          </a:prstGeom>
+        </p:spPr>
+      </p:pic>
+      <p:pic>
+        <p:nvPicPr>
+          <p:cNvPr id="19" name="Immagine 18">
+            <a:extLst>
+              <a:ext uri="{FF2B5EF4-FFF2-40B4-BE49-F238E27FC236}">
+                <a16:creationId xmlns:a16="http://schemas.microsoft.com/office/drawing/2014/main" id="{86BCE2A6-F3D9-48C8-AF35-7BC91D07DBA5}"/>
+              </a:ext>
+            </a:extLst>
+          </p:cNvPr>
+          <p:cNvPicPr>
+            <a:picLocks noChangeAspect="1"/>
+          </p:cNvPicPr>
+          <p:nvPr/>
+        </p:nvPicPr>
+        <p:blipFill>
+          <a:blip r:embed="rId3">
+            <a:extLst>
+              <a:ext uri="{28A0092B-C50C-407E-A947-70E740481C1C}">
+                <a14:useLocalDpi xmlns:a14="http://schemas.microsoft.com/office/drawing/2010/main" val="0"/>
+              </a:ext>
+            </a:extLst>
+          </a:blip>
+          <a:stretch>
+            <a:fillRect/>
+          </a:stretch>
+        </p:blipFill>
+        <p:spPr>
+          <a:xfrm>
+            <a:off x="7132585" y="1205761"/>
+            <a:ext cx="4221215" cy="5435671"/>
+          </a:xfrm>
+          <a:prstGeom prst="rect">
+            <a:avLst/>
+          </a:prstGeom>
         </p:spPr>
       </p:pic>
     </p:spTree>
     <p:extLst>
       <p:ext uri="{BB962C8B-B14F-4D97-AF65-F5344CB8AC3E}">
-        <p14:creationId xmlns:p14="http://schemas.microsoft.com/office/powerpoint/2010/main" val="1823152659"/>
+        <p14:creationId xmlns:p14="http://schemas.microsoft.com/office/powerpoint/2010/main" val="495675415"/>
       </p:ext>
     </p:extLst>
   </p:cSld>
@@ -3777,7 +3826,7 @@
           <p:cNvPr id="2" name="Titolo 1">
             <a:extLst>
               <a:ext uri="{FF2B5EF4-FFF2-40B4-BE49-F238E27FC236}">
-                <a16:creationId xmlns:a16="http://schemas.microsoft.com/office/drawing/2014/main" xmlns="" id="{D9DB1A45-7BDA-497D-8B17-A436CE5839CC}"/>
+                <a16:creationId xmlns:a16="http://schemas.microsoft.com/office/drawing/2014/main" id="{87A88537-FE71-4182-914B-B253DD7EF891}"/>
               </a:ext>
             </a:extLst>
           </p:cNvPr>
@@ -3788,47 +3837,99 @@
             <p:ph type="title"/>
           </p:nvPr>
         </p:nvSpPr>
-        <p:spPr/>
+        <p:spPr>
+          <a:xfrm>
+            <a:off x="838200" y="365126"/>
+            <a:ext cx="10515600" cy="989290"/>
+          </a:xfrm>
+        </p:spPr>
         <p:txBody>
           <a:bodyPr/>
           <a:lstStyle/>
           <a:p>
             <a:r>
               <a:rPr lang="it-IT" dirty="0"/>
-              <a:t>Implementazione - Drone Controller</a:t>
-            </a:r>
-          </a:p>
-        </p:txBody>
-      </p:sp>
-      <p:sp>
-        <p:nvSpPr>
-          <p:cNvPr id="3" name="Segnaposto contenuto 2">
-            <a:extLst>
-              <a:ext uri="{FF2B5EF4-FFF2-40B4-BE49-F238E27FC236}">
-                <a16:creationId xmlns:a16="http://schemas.microsoft.com/office/drawing/2014/main" xmlns="" id="{8455C13B-AAA1-4CB0-A85F-80610FAFB468}"/>
-              </a:ext>
-            </a:extLst>
-          </p:cNvPr>
-          <p:cNvSpPr>
-            <a:spLocks noGrp="1"/>
-          </p:cNvSpPr>
-          <p:nvPr>
-            <p:ph idx="1"/>
-          </p:nvPr>
-        </p:nvSpPr>
-        <p:spPr/>
-        <p:txBody>
-          <a:bodyPr/>
-          <a:lstStyle/>
-          <a:p>
-            <a:endParaRPr lang="it-IT"/>
-          </a:p>
-        </p:txBody>
-      </p:sp>
+              <a:t>Design delle interfacce – Drone Controller</a:t>
+            </a:r>
+          </a:p>
+        </p:txBody>
+      </p:sp>
+      <p:pic>
+        <p:nvPicPr>
+          <p:cNvPr id="4" name="Immagine 3">
+            <a:extLst>
+              <a:ext uri="{FF2B5EF4-FFF2-40B4-BE49-F238E27FC236}">
+                <a16:creationId xmlns:a16="http://schemas.microsoft.com/office/drawing/2014/main" id="{376D29CB-CAF9-4C2C-9894-4E914985B4B3}"/>
+              </a:ext>
+            </a:extLst>
+          </p:cNvPr>
+          <p:cNvPicPr>
+            <a:picLocks noChangeAspect="1"/>
+          </p:cNvPicPr>
+          <p:nvPr/>
+        </p:nvPicPr>
+        <p:blipFill>
+          <a:blip r:embed="rId2">
+            <a:extLst>
+              <a:ext uri="{28A0092B-C50C-407E-A947-70E740481C1C}">
+                <a14:useLocalDpi xmlns:a14="http://schemas.microsoft.com/office/drawing/2010/main" val="0"/>
+              </a:ext>
+            </a:extLst>
+          </a:blip>
+          <a:stretch>
+            <a:fillRect/>
+          </a:stretch>
+        </p:blipFill>
+        <p:spPr>
+          <a:xfrm>
+            <a:off x="838200" y="1177182"/>
+            <a:ext cx="4105848" cy="5315692"/>
+          </a:xfrm>
+          <a:prstGeom prst="rect">
+            <a:avLst/>
+          </a:prstGeom>
+        </p:spPr>
+      </p:pic>
+      <p:pic>
+        <p:nvPicPr>
+          <p:cNvPr id="6" name="Immagine 5">
+            <a:extLst>
+              <a:ext uri="{FF2B5EF4-FFF2-40B4-BE49-F238E27FC236}">
+                <a16:creationId xmlns:a16="http://schemas.microsoft.com/office/drawing/2014/main" id="{A0391625-E6C9-480E-A99F-531EEF0CE470}"/>
+              </a:ext>
+            </a:extLst>
+          </p:cNvPr>
+          <p:cNvPicPr>
+            <a:picLocks noChangeAspect="1"/>
+          </p:cNvPicPr>
+          <p:nvPr/>
+        </p:nvPicPr>
+        <p:blipFill>
+          <a:blip r:embed="rId3">
+            <a:extLst>
+              <a:ext uri="{28A0092B-C50C-407E-A947-70E740481C1C}">
+                <a14:useLocalDpi xmlns:a14="http://schemas.microsoft.com/office/drawing/2010/main" val="0"/>
+              </a:ext>
+            </a:extLst>
+          </a:blip>
+          <a:stretch>
+            <a:fillRect/>
+          </a:stretch>
+        </p:blipFill>
+        <p:spPr>
+          <a:xfrm>
+            <a:off x="7247952" y="1177182"/>
+            <a:ext cx="4105848" cy="5296639"/>
+          </a:xfrm>
+          <a:prstGeom prst="rect">
+            <a:avLst/>
+          </a:prstGeom>
+        </p:spPr>
+      </p:pic>
     </p:spTree>
     <p:extLst>
       <p:ext uri="{BB962C8B-B14F-4D97-AF65-F5344CB8AC3E}">
-        <p14:creationId xmlns:p14="http://schemas.microsoft.com/office/powerpoint/2010/main" val="96611309"/>
+        <p14:creationId xmlns:p14="http://schemas.microsoft.com/office/powerpoint/2010/main" val="1245264189"/>
       </p:ext>
     </p:extLst>
   </p:cSld>
@@ -3860,7 +3961,7 @@
           <p:cNvPr id="2" name="Titolo 1">
             <a:extLst>
               <a:ext uri="{FF2B5EF4-FFF2-40B4-BE49-F238E27FC236}">
-                <a16:creationId xmlns:a16="http://schemas.microsoft.com/office/drawing/2014/main" xmlns="" id="{3F0FD37A-1D5D-455E-952B-8DE034811EEA}"/>
+                <a16:creationId xmlns:a16="http://schemas.microsoft.com/office/drawing/2014/main" id="{0FBAD031-EEFB-48A8-8068-88B6B23EB44F}"/>
               </a:ext>
             </a:extLst>
           </p:cNvPr>
@@ -3878,40 +3979,50 @@
           <a:p>
             <a:r>
               <a:rPr lang="it-IT" dirty="0"/>
-              <a:t>Implementazione - Drone Simulator</a:t>
-            </a:r>
-          </a:p>
-        </p:txBody>
-      </p:sp>
-      <p:sp>
-        <p:nvSpPr>
-          <p:cNvPr id="3" name="Segnaposto contenuto 2">
-            <a:extLst>
-              <a:ext uri="{FF2B5EF4-FFF2-40B4-BE49-F238E27FC236}">
-                <a16:creationId xmlns:a16="http://schemas.microsoft.com/office/drawing/2014/main" xmlns="" id="{1593BB8D-6234-4254-B769-11C59281A250}"/>
-              </a:ext>
-            </a:extLst>
-          </p:cNvPr>
-          <p:cNvSpPr>
-            <a:spLocks noGrp="1"/>
-          </p:cNvSpPr>
+              <a:t>Design Procedurale</a:t>
+            </a:r>
+          </a:p>
+        </p:txBody>
+      </p:sp>
+      <p:pic>
+        <p:nvPicPr>
+          <p:cNvPr id="5" name="Segnaposto contenuto 4">
+            <a:extLst>
+              <a:ext uri="{FF2B5EF4-FFF2-40B4-BE49-F238E27FC236}">
+                <a16:creationId xmlns:a16="http://schemas.microsoft.com/office/drawing/2014/main" id="{C2BCEC0A-31D7-4B3E-BF1F-1A3B9D3A7231}"/>
+              </a:ext>
+            </a:extLst>
+          </p:cNvPr>
+          <p:cNvPicPr>
+            <a:picLocks noGrp="1" noChangeAspect="1"/>
+          </p:cNvPicPr>
           <p:nvPr>
             <p:ph idx="1"/>
           </p:nvPr>
-        </p:nvSpPr>
-        <p:spPr/>
-        <p:txBody>
-          <a:bodyPr/>
-          <a:lstStyle/>
-          <a:p>
-            <a:endParaRPr lang="it-IT"/>
-          </a:p>
-        </p:txBody>
-      </p:sp>
+        </p:nvPicPr>
+        <p:blipFill>
+          <a:blip r:embed="rId2">
+            <a:extLst>
+              <a:ext uri="{28A0092B-C50C-407E-A947-70E740481C1C}">
+                <a14:useLocalDpi xmlns:a14="http://schemas.microsoft.com/office/drawing/2010/main" val="0"/>
+              </a:ext>
+            </a:extLst>
+          </a:blip>
+          <a:stretch>
+            <a:fillRect/>
+          </a:stretch>
+        </p:blipFill>
+        <p:spPr>
+          <a:xfrm>
+            <a:off x="1663959" y="1276545"/>
+            <a:ext cx="8864081" cy="5333472"/>
+          </a:xfrm>
+        </p:spPr>
+      </p:pic>
     </p:spTree>
     <p:extLst>
       <p:ext uri="{BB962C8B-B14F-4D97-AF65-F5344CB8AC3E}">
-        <p14:creationId xmlns:p14="http://schemas.microsoft.com/office/powerpoint/2010/main" val="889728263"/>
+        <p14:creationId xmlns:p14="http://schemas.microsoft.com/office/powerpoint/2010/main" val="1823152659"/>
       </p:ext>
     </p:extLst>
   </p:cSld>
@@ -3943,7 +4054,173 @@
           <p:cNvPr id="2" name="Titolo 1">
             <a:extLst>
               <a:ext uri="{FF2B5EF4-FFF2-40B4-BE49-F238E27FC236}">
-                <a16:creationId xmlns:a16="http://schemas.microsoft.com/office/drawing/2014/main" xmlns="" id="{3147DEAE-8114-4FD8-A8DA-73F55ED7CD7E}"/>
+                <a16:creationId xmlns:a16="http://schemas.microsoft.com/office/drawing/2014/main" id="{D9DB1A45-7BDA-497D-8B17-A436CE5839CC}"/>
+              </a:ext>
+            </a:extLst>
+          </p:cNvPr>
+          <p:cNvSpPr>
+            <a:spLocks noGrp="1"/>
+          </p:cNvSpPr>
+          <p:nvPr>
+            <p:ph type="title"/>
+          </p:nvPr>
+        </p:nvSpPr>
+        <p:spPr/>
+        <p:txBody>
+          <a:bodyPr/>
+          <a:lstStyle/>
+          <a:p>
+            <a:r>
+              <a:rPr lang="it-IT" dirty="0"/>
+              <a:t>Implementazione - Drone Controller</a:t>
+            </a:r>
+          </a:p>
+        </p:txBody>
+      </p:sp>
+      <p:sp>
+        <p:nvSpPr>
+          <p:cNvPr id="3" name="Segnaposto contenuto 2">
+            <a:extLst>
+              <a:ext uri="{FF2B5EF4-FFF2-40B4-BE49-F238E27FC236}">
+                <a16:creationId xmlns:a16="http://schemas.microsoft.com/office/drawing/2014/main" id="{8455C13B-AAA1-4CB0-A85F-80610FAFB468}"/>
+              </a:ext>
+            </a:extLst>
+          </p:cNvPr>
+          <p:cNvSpPr>
+            <a:spLocks noGrp="1"/>
+          </p:cNvSpPr>
+          <p:nvPr>
+            <p:ph idx="1"/>
+          </p:nvPr>
+        </p:nvSpPr>
+        <p:spPr/>
+        <p:txBody>
+          <a:bodyPr/>
+          <a:lstStyle/>
+          <a:p>
+            <a:endParaRPr lang="it-IT" dirty="0"/>
+          </a:p>
+        </p:txBody>
+      </p:sp>
+    </p:spTree>
+    <p:extLst>
+      <p:ext uri="{BB962C8B-B14F-4D97-AF65-F5344CB8AC3E}">
+        <p14:creationId xmlns:p14="http://schemas.microsoft.com/office/powerpoint/2010/main" val="96611309"/>
+      </p:ext>
+    </p:extLst>
+  </p:cSld>
+  <p:clrMapOvr>
+    <a:masterClrMapping/>
+  </p:clrMapOvr>
+</p:sld>
+</file>
+
+<file path=ppt/slides/slide16.xml><?xml version="1.0" encoding="utf-8"?>
+<p:sld xmlns:a="http://schemas.openxmlformats.org/drawingml/2006/main" xmlns:r="http://schemas.openxmlformats.org/officeDocument/2006/relationships" xmlns:p="http://schemas.openxmlformats.org/presentationml/2006/main">
+  <p:cSld>
+    <p:spTree>
+      <p:nvGrpSpPr>
+        <p:cNvPr id="1" name=""/>
+        <p:cNvGrpSpPr/>
+        <p:nvPr/>
+      </p:nvGrpSpPr>
+      <p:grpSpPr>
+        <a:xfrm>
+          <a:off x="0" y="0"/>
+          <a:ext cx="0" cy="0"/>
+          <a:chOff x="0" y="0"/>
+          <a:chExt cx="0" cy="0"/>
+        </a:xfrm>
+      </p:grpSpPr>
+      <p:sp>
+        <p:nvSpPr>
+          <p:cNvPr id="2" name="Titolo 1">
+            <a:extLst>
+              <a:ext uri="{FF2B5EF4-FFF2-40B4-BE49-F238E27FC236}">
+                <a16:creationId xmlns:a16="http://schemas.microsoft.com/office/drawing/2014/main" id="{3F0FD37A-1D5D-455E-952B-8DE034811EEA}"/>
+              </a:ext>
+            </a:extLst>
+          </p:cNvPr>
+          <p:cNvSpPr>
+            <a:spLocks noGrp="1"/>
+          </p:cNvSpPr>
+          <p:nvPr>
+            <p:ph type="title"/>
+          </p:nvPr>
+        </p:nvSpPr>
+        <p:spPr/>
+        <p:txBody>
+          <a:bodyPr/>
+          <a:lstStyle/>
+          <a:p>
+            <a:r>
+              <a:rPr lang="it-IT" dirty="0"/>
+              <a:t>Implementazione - Drone Simulator</a:t>
+            </a:r>
+          </a:p>
+        </p:txBody>
+      </p:sp>
+      <p:sp>
+        <p:nvSpPr>
+          <p:cNvPr id="3" name="Segnaposto contenuto 2">
+            <a:extLst>
+              <a:ext uri="{FF2B5EF4-FFF2-40B4-BE49-F238E27FC236}">
+                <a16:creationId xmlns:a16="http://schemas.microsoft.com/office/drawing/2014/main" id="{1593BB8D-6234-4254-B769-11C59281A250}"/>
+              </a:ext>
+            </a:extLst>
+          </p:cNvPr>
+          <p:cNvSpPr>
+            <a:spLocks noGrp="1"/>
+          </p:cNvSpPr>
+          <p:nvPr>
+            <p:ph idx="1"/>
+          </p:nvPr>
+        </p:nvSpPr>
+        <p:spPr/>
+        <p:txBody>
+          <a:bodyPr/>
+          <a:lstStyle/>
+          <a:p>
+            <a:endParaRPr lang="it-IT"/>
+          </a:p>
+        </p:txBody>
+      </p:sp>
+    </p:spTree>
+    <p:extLst>
+      <p:ext uri="{BB962C8B-B14F-4D97-AF65-F5344CB8AC3E}">
+        <p14:creationId xmlns:p14="http://schemas.microsoft.com/office/powerpoint/2010/main" val="889728263"/>
+      </p:ext>
+    </p:extLst>
+  </p:cSld>
+  <p:clrMapOvr>
+    <a:masterClrMapping/>
+  </p:clrMapOvr>
+</p:sld>
+</file>
+
+<file path=ppt/slides/slide17.xml><?xml version="1.0" encoding="utf-8"?>
+<p:sld xmlns:a="http://schemas.openxmlformats.org/drawingml/2006/main" xmlns:r="http://schemas.openxmlformats.org/officeDocument/2006/relationships" xmlns:p="http://schemas.openxmlformats.org/presentationml/2006/main">
+  <p:cSld>
+    <p:spTree>
+      <p:nvGrpSpPr>
+        <p:cNvPr id="1" name=""/>
+        <p:cNvGrpSpPr/>
+        <p:nvPr/>
+      </p:nvGrpSpPr>
+      <p:grpSpPr>
+        <a:xfrm>
+          <a:off x="0" y="0"/>
+          <a:ext cx="0" cy="0"/>
+          <a:chOff x="0" y="0"/>
+          <a:chExt cx="0" cy="0"/>
+        </a:xfrm>
+      </p:grpSpPr>
+      <p:sp>
+        <p:nvSpPr>
+          <p:cNvPr id="2" name="Titolo 1">
+            <a:extLst>
+              <a:ext uri="{FF2B5EF4-FFF2-40B4-BE49-F238E27FC236}">
+                <a16:creationId xmlns:a16="http://schemas.microsoft.com/office/drawing/2014/main" id="{3147DEAE-8114-4FD8-A8DA-73F55ED7CD7E}"/>
               </a:ext>
             </a:extLst>
           </p:cNvPr>
@@ -3971,7 +4248,7 @@
           <p:cNvPr id="3" name="Segnaposto contenuto 2">
             <a:extLst>
               <a:ext uri="{FF2B5EF4-FFF2-40B4-BE49-F238E27FC236}">
-                <a16:creationId xmlns:a16="http://schemas.microsoft.com/office/drawing/2014/main" xmlns="" id="{D8CAC4C4-2D40-4ECB-87B0-7E1EC66DE40F}"/>
+                <a16:creationId xmlns:a16="http://schemas.microsoft.com/office/drawing/2014/main" id="{D8CAC4C4-2D40-4ECB-87B0-7E1EC66DE40F}"/>
               </a:ext>
             </a:extLst>
           </p:cNvPr>
@@ -4026,7 +4303,7 @@
           <p:cNvPr id="2" name="Titolo 1">
             <a:extLst>
               <a:ext uri="{FF2B5EF4-FFF2-40B4-BE49-F238E27FC236}">
-                <a16:creationId xmlns:a16="http://schemas.microsoft.com/office/drawing/2014/main" xmlns="" id="{FCC74F81-6BA1-4DD4-85AD-9D61D66957AC}"/>
+                <a16:creationId xmlns:a16="http://schemas.microsoft.com/office/drawing/2014/main" id="{FCC74F81-6BA1-4DD4-85AD-9D61D66957AC}"/>
               </a:ext>
             </a:extLst>
           </p:cNvPr>
@@ -4037,7 +4314,12 @@
             <p:ph type="title"/>
           </p:nvPr>
         </p:nvSpPr>
-        <p:spPr/>
+        <p:spPr>
+          <a:xfrm>
+            <a:off x="838200" y="365125"/>
+            <a:ext cx="10515600" cy="854075"/>
+          </a:xfrm>
+        </p:spPr>
         <p:txBody>
           <a:bodyPr/>
           <a:lstStyle/>
@@ -4054,7 +4336,7 @@
           <p:cNvPr id="3" name="Segnaposto contenuto 2">
             <a:extLst>
               <a:ext uri="{FF2B5EF4-FFF2-40B4-BE49-F238E27FC236}">
-                <a16:creationId xmlns:a16="http://schemas.microsoft.com/office/drawing/2014/main" xmlns="" id="{B8855BF4-926B-4FA2-90F8-9D90D8DC8582}"/>
+                <a16:creationId xmlns:a16="http://schemas.microsoft.com/office/drawing/2014/main" id="{B8855BF4-926B-4FA2-90F8-9D90D8DC8582}"/>
               </a:ext>
             </a:extLst>
           </p:cNvPr>
@@ -4065,10 +4347,57 @@
             <p:ph idx="1"/>
           </p:nvPr>
         </p:nvSpPr>
-        <p:spPr/>
-        <p:txBody>
-          <a:bodyPr/>
-          <a:lstStyle/>
+        <p:spPr>
+          <a:xfrm>
+            <a:off x="838200" y="1219200"/>
+            <a:ext cx="10515600" cy="4957763"/>
+          </a:xfrm>
+        </p:spPr>
+        <p:txBody>
+          <a:bodyPr/>
+          <a:lstStyle/>
+          <a:p>
+            <a:r>
+              <a:rPr lang="it-IT" dirty="0"/>
+              <a:t>Informazioni </a:t>
+            </a:r>
+          </a:p>
+          <a:p>
+            <a:r>
+              <a:rPr lang="it-IT" dirty="0"/>
+              <a:t>Scopo </a:t>
+            </a:r>
+          </a:p>
+          <a:p>
+            <a:r>
+              <a:rPr lang="it-IT" dirty="0"/>
+              <a:t>Analisi</a:t>
+            </a:r>
+          </a:p>
+          <a:p>
+            <a:r>
+              <a:rPr lang="it-IT" dirty="0"/>
+              <a:t>Gantt</a:t>
+            </a:r>
+          </a:p>
+          <a:p>
+            <a:r>
+              <a:rPr lang="it-IT" dirty="0"/>
+              <a:t>Progettazione</a:t>
+            </a:r>
+          </a:p>
+          <a:p>
+            <a:r>
+              <a:rPr lang="it-IT" dirty="0"/>
+              <a:t>Implementazione</a:t>
+            </a:r>
+          </a:p>
+          <a:p>
+            <a:r>
+              <a:rPr lang="it-IT" dirty="0"/>
+              <a:t>Conclusioni</a:t>
+            </a:r>
+          </a:p>
           <a:p>
             <a:endParaRPr lang="it-IT" dirty="0"/>
           </a:p>
@@ -4109,7 +4438,7 @@
           <p:cNvPr id="2" name="Titolo 1">
             <a:extLst>
               <a:ext uri="{FF2B5EF4-FFF2-40B4-BE49-F238E27FC236}">
-                <a16:creationId xmlns:a16="http://schemas.microsoft.com/office/drawing/2014/main" xmlns="" id="{E99A97A5-E608-4718-A91E-2A348FCB2968}"/>
+                <a16:creationId xmlns:a16="http://schemas.microsoft.com/office/drawing/2014/main" id="{E99A97A5-E608-4718-A91E-2A348FCB2968}"/>
               </a:ext>
             </a:extLst>
           </p:cNvPr>
@@ -4126,10 +4455,9 @@
           <a:lstStyle/>
           <a:p>
             <a:r>
-              <a:rPr lang="it-IT" dirty="0" smtClean="0"/>
+              <a:rPr lang="it-IT" dirty="0"/>
               <a:t>Informazioni</a:t>
             </a:r>
-            <a:endParaRPr lang="it-IT" dirty="0"/>
           </a:p>
         </p:txBody>
       </p:sp>
@@ -4138,7 +4466,7 @@
           <p:cNvPr id="3" name="Segnaposto contenuto 2">
             <a:extLst>
               <a:ext uri="{FF2B5EF4-FFF2-40B4-BE49-F238E27FC236}">
-                <a16:creationId xmlns:a16="http://schemas.microsoft.com/office/drawing/2014/main" xmlns="" id="{09AA9676-F8CE-403E-8283-2152B4C28269}"/>
+                <a16:creationId xmlns:a16="http://schemas.microsoft.com/office/drawing/2014/main" id="{09AA9676-F8CE-403E-8283-2152B4C28269}"/>
               </a:ext>
             </a:extLst>
           </p:cNvPr>
@@ -4193,7 +4521,7 @@
           <p:cNvPr id="2" name="Titolo 1">
             <a:extLst>
               <a:ext uri="{FF2B5EF4-FFF2-40B4-BE49-F238E27FC236}">
-                <a16:creationId xmlns:a16="http://schemas.microsoft.com/office/drawing/2014/main" xmlns="" id="{ABD397D9-B961-4B23-97BC-B19692FB03F4}"/>
+                <a16:creationId xmlns:a16="http://schemas.microsoft.com/office/drawing/2014/main" id="{ABD397D9-B961-4B23-97BC-B19692FB03F4}"/>
               </a:ext>
             </a:extLst>
           </p:cNvPr>
@@ -4221,7 +4549,7 @@
           <p:cNvPr id="3" name="Segnaposto contenuto 2">
             <a:extLst>
               <a:ext uri="{FF2B5EF4-FFF2-40B4-BE49-F238E27FC236}">
-                <a16:creationId xmlns:a16="http://schemas.microsoft.com/office/drawing/2014/main" xmlns="" id="{40E87D02-6AC6-4ED3-9205-EA03554CBC61}"/>
+                <a16:creationId xmlns:a16="http://schemas.microsoft.com/office/drawing/2014/main" id="{40E87D02-6AC6-4ED3-9205-EA03554CBC61}"/>
               </a:ext>
             </a:extLst>
           </p:cNvPr>
@@ -4237,7 +4565,27 @@
           <a:bodyPr/>
           <a:lstStyle/>
           <a:p>
-            <a:endParaRPr lang="it-IT"/>
+            <a:r>
+              <a:rPr lang="it-IT" dirty="0"/>
+              <a:t>Creazione di un sistema di controllo per il drone DJI Tello</a:t>
+            </a:r>
+          </a:p>
+          <a:p>
+            <a:r>
+              <a:rPr lang="it-IT" dirty="0"/>
+              <a:t>Uso del sensore </a:t>
+            </a:r>
+            <a:r>
+              <a:rPr lang="it-IT" dirty="0" err="1"/>
+              <a:t>LeapMotion</a:t>
+            </a:r>
+            <a:r>
+              <a:rPr lang="it-IT" dirty="0"/>
+              <a:t> </a:t>
+            </a:r>
+          </a:p>
+          <a:p>
+            <a:endParaRPr lang="it-IT" dirty="0"/>
           </a:p>
         </p:txBody>
       </p:sp>
@@ -4276,7 +4624,7 @@
           <p:cNvPr id="2" name="Titolo 1">
             <a:extLst>
               <a:ext uri="{FF2B5EF4-FFF2-40B4-BE49-F238E27FC236}">
-                <a16:creationId xmlns:a16="http://schemas.microsoft.com/office/drawing/2014/main" xmlns="" id="{A6E38D85-D74D-48A5-902A-B40522E1AF5F}"/>
+                <a16:creationId xmlns:a16="http://schemas.microsoft.com/office/drawing/2014/main" id="{A6E38D85-D74D-48A5-902A-B40522E1AF5F}"/>
               </a:ext>
             </a:extLst>
           </p:cNvPr>
@@ -4304,7 +4652,7 @@
           <p:cNvPr id="3" name="Segnaposto contenuto 2">
             <a:extLst>
               <a:ext uri="{FF2B5EF4-FFF2-40B4-BE49-F238E27FC236}">
-                <a16:creationId xmlns:a16="http://schemas.microsoft.com/office/drawing/2014/main" xmlns="" id="{ED48A7F1-701A-410A-BCF6-C3F66DF3BABA}"/>
+                <a16:creationId xmlns:a16="http://schemas.microsoft.com/office/drawing/2014/main" id="{ED48A7F1-701A-410A-BCF6-C3F66DF3BABA}"/>
               </a:ext>
             </a:extLst>
           </p:cNvPr>
@@ -4336,19 +4684,14 @@
           <a:p>
             <a:r>
               <a:rPr lang="it-IT" dirty="0"/>
-              <a:t>Drone DJI </a:t>
-            </a:r>
-            <a:r>
-              <a:rPr lang="it-IT" dirty="0" smtClean="0"/>
-              <a:t>Tello</a:t>
-            </a:r>
-          </a:p>
-          <a:p>
-            <a:r>
-              <a:rPr lang="it-IT" dirty="0" smtClean="0"/>
+              <a:t>Drone DJI Tello</a:t>
+            </a:r>
+          </a:p>
+          <a:p>
+            <a:r>
+              <a:rPr lang="it-IT" dirty="0"/>
               <a:t>Pc</a:t>
             </a:r>
-            <a:endParaRPr lang="it-IT" dirty="0"/>
           </a:p>
           <a:p>
             <a:endParaRPr lang="it-IT" dirty="0"/>
@@ -4390,7 +4733,7 @@
           <p:cNvPr id="2" name="Titolo 1">
             <a:extLst>
               <a:ext uri="{FF2B5EF4-FFF2-40B4-BE49-F238E27FC236}">
-                <a16:creationId xmlns:a16="http://schemas.microsoft.com/office/drawing/2014/main" xmlns="" id="{5DCB6089-6698-4FF3-8E7C-468499D5272F}"/>
+                <a16:creationId xmlns:a16="http://schemas.microsoft.com/office/drawing/2014/main" id="{5DCB6089-6698-4FF3-8E7C-468499D5272F}"/>
               </a:ext>
             </a:extLst>
           </p:cNvPr>
@@ -4418,7 +4761,7 @@
           <p:cNvPr id="5" name="Segnaposto contenuto 4">
             <a:extLst>
               <a:ext uri="{FF2B5EF4-FFF2-40B4-BE49-F238E27FC236}">
-                <a16:creationId xmlns:a16="http://schemas.microsoft.com/office/drawing/2014/main" xmlns="" id="{2024D221-4227-4982-B329-6FA439C39E60}"/>
+                <a16:creationId xmlns:a16="http://schemas.microsoft.com/office/drawing/2014/main" id="{2024D221-4227-4982-B329-6FA439C39E60}"/>
               </a:ext>
             </a:extLst>
           </p:cNvPr>
@@ -4483,7 +4826,7 @@
           <p:cNvPr id="2" name="Titolo 1">
             <a:extLst>
               <a:ext uri="{FF2B5EF4-FFF2-40B4-BE49-F238E27FC236}">
-                <a16:creationId xmlns:a16="http://schemas.microsoft.com/office/drawing/2014/main" xmlns="" id="{B24D6D05-F2B5-4AE7-A004-8AE7B1DF8774}"/>
+                <a16:creationId xmlns:a16="http://schemas.microsoft.com/office/drawing/2014/main" id="{B24D6D05-F2B5-4AE7-A004-8AE7B1DF8774}"/>
               </a:ext>
             </a:extLst>
           </p:cNvPr>
@@ -4511,7 +4854,7 @@
           <p:cNvPr id="5" name="Segnaposto contenuto 4">
             <a:extLst>
               <a:ext uri="{FF2B5EF4-FFF2-40B4-BE49-F238E27FC236}">
-                <a16:creationId xmlns:a16="http://schemas.microsoft.com/office/drawing/2014/main" xmlns="" id="{E51A0314-859A-4C53-AC34-872FE7B05A4B}"/>
+                <a16:creationId xmlns:a16="http://schemas.microsoft.com/office/drawing/2014/main" id="{E51A0314-859A-4C53-AC34-872FE7B05A4B}"/>
               </a:ext>
             </a:extLst>
           </p:cNvPr>
@@ -4576,7 +4919,7 @@
           <p:cNvPr id="2" name="Titolo 1">
             <a:extLst>
               <a:ext uri="{FF2B5EF4-FFF2-40B4-BE49-F238E27FC236}">
-                <a16:creationId xmlns:a16="http://schemas.microsoft.com/office/drawing/2014/main" xmlns="" id="{86131B77-2CAB-4ABE-AB1C-9583BFF5E162}"/>
+                <a16:creationId xmlns:a16="http://schemas.microsoft.com/office/drawing/2014/main" id="{86131B77-2CAB-4ABE-AB1C-9583BFF5E162}"/>
               </a:ext>
             </a:extLst>
           </p:cNvPr>
@@ -4599,7 +4942,7 @@
           <a:p>
             <a:r>
               <a:rPr lang="it-IT" dirty="0"/>
-              <a:t>Architettura del sistema</a:t>
+              <a:t>Architettura del sistema - DroneController</a:t>
             </a:r>
           </a:p>
         </p:txBody>
@@ -4609,7 +4952,7 @@
           <p:cNvPr id="5" name="Segnaposto contenuto 4">
             <a:extLst>
               <a:ext uri="{FF2B5EF4-FFF2-40B4-BE49-F238E27FC236}">
-                <a16:creationId xmlns:a16="http://schemas.microsoft.com/office/drawing/2014/main" xmlns="" id="{6A174CF4-11F1-4BAA-875B-EDED8D6A440E}"/>
+                <a16:creationId xmlns:a16="http://schemas.microsoft.com/office/drawing/2014/main" id="{6A174CF4-11F1-4BAA-875B-EDED8D6A440E}"/>
               </a:ext>
             </a:extLst>
           </p:cNvPr>
@@ -4674,7 +5017,7 @@
           <p:cNvPr id="2" name="Titolo 1">
             <a:extLst>
               <a:ext uri="{FF2B5EF4-FFF2-40B4-BE49-F238E27FC236}">
-                <a16:creationId xmlns:a16="http://schemas.microsoft.com/office/drawing/2014/main" xmlns="" id="{29F3462E-E528-4BBD-8846-4D531BF5AB5C}"/>
+                <a16:creationId xmlns:a16="http://schemas.microsoft.com/office/drawing/2014/main" id="{29F3462E-E528-4BBD-8846-4D531BF5AB5C}"/>
               </a:ext>
             </a:extLst>
           </p:cNvPr>
@@ -4685,14 +5028,19 @@
             <p:ph type="title"/>
           </p:nvPr>
         </p:nvSpPr>
-        <p:spPr/>
+        <p:spPr>
+          <a:xfrm>
+            <a:off x="838200" y="365125"/>
+            <a:ext cx="10515600" cy="1015806"/>
+          </a:xfrm>
+        </p:spPr>
         <p:txBody>
           <a:bodyPr/>
           <a:lstStyle/>
           <a:p>
             <a:r>
               <a:rPr lang="it-IT" dirty="0"/>
-              <a:t>Architettura del sistema</a:t>
+              <a:t>Architettura del sistema - DroneSimulator</a:t>
             </a:r>
           </a:p>
         </p:txBody>
@@ -4702,7 +5050,7 @@
           <p:cNvPr id="7" name="Segnaposto contenuto 6">
             <a:extLst>
               <a:ext uri="{FF2B5EF4-FFF2-40B4-BE49-F238E27FC236}">
-                <a16:creationId xmlns:a16="http://schemas.microsoft.com/office/drawing/2014/main" xmlns="" id="{19FA45B5-E851-41B4-854D-8E333E2A9711}"/>
+                <a16:creationId xmlns:a16="http://schemas.microsoft.com/office/drawing/2014/main" id="{19FA45B5-E851-41B4-854D-8E333E2A9711}"/>
               </a:ext>
             </a:extLst>
           </p:cNvPr>
@@ -4727,8 +5075,8 @@
         </p:blipFill>
         <p:spPr>
           <a:xfrm>
-            <a:off x="2286000" y="1311706"/>
-            <a:ext cx="7585788" cy="5355023"/>
+            <a:off x="2206744" y="1147666"/>
+            <a:ext cx="7778512" cy="5491073"/>
           </a:xfrm>
         </p:spPr>
       </p:pic>

--- a/docs/Presentazione.pptx
+++ b/docs/Presentazione.pptx
@@ -4,6 +4,9 @@
   <p:sldMasterIdLst>
     <p:sldMasterId id="2147483648" r:id="rId1"/>
   </p:sldMasterIdLst>
+  <p:notesMasterIdLst>
+    <p:notesMasterId r:id="rId19"/>
+  </p:notesMasterIdLst>
   <p:sldIdLst>
     <p:sldId id="256" r:id="rId2"/>
     <p:sldId id="257" r:id="rId3"/>
@@ -126,6 +129,1046 @@
     </p:ext>
   </p:extLst>
 </p:presentation>
+</file>
+
+<file path=ppt/notesMasters/notesMaster1.xml><?xml version="1.0" encoding="utf-8"?>
+<p:notesMaster xmlns:a="http://schemas.openxmlformats.org/drawingml/2006/main" xmlns:r="http://schemas.openxmlformats.org/officeDocument/2006/relationships" xmlns:p="http://schemas.openxmlformats.org/presentationml/2006/main">
+  <p:cSld>
+    <p:bg>
+      <p:bgRef idx="1001">
+        <a:schemeClr val="bg1"/>
+      </p:bgRef>
+    </p:bg>
+    <p:spTree>
+      <p:nvGrpSpPr>
+        <p:cNvPr id="1" name=""/>
+        <p:cNvGrpSpPr/>
+        <p:nvPr/>
+      </p:nvGrpSpPr>
+      <p:grpSpPr>
+        <a:xfrm>
+          <a:off x="0" y="0"/>
+          <a:ext cx="0" cy="0"/>
+          <a:chOff x="0" y="0"/>
+          <a:chExt cx="0" cy="0"/>
+        </a:xfrm>
+      </p:grpSpPr>
+      <p:sp>
+        <p:nvSpPr>
+          <p:cNvPr id="2" name="Segnaposto intestazione 1"/>
+          <p:cNvSpPr>
+            <a:spLocks noGrp="1"/>
+          </p:cNvSpPr>
+          <p:nvPr>
+            <p:ph type="hdr" sz="quarter"/>
+          </p:nvPr>
+        </p:nvSpPr>
+        <p:spPr>
+          <a:xfrm>
+            <a:off x="0" y="0"/>
+            <a:ext cx="2971800" cy="458788"/>
+          </a:xfrm>
+          <a:prstGeom prst="rect">
+            <a:avLst/>
+          </a:prstGeom>
+        </p:spPr>
+        <p:txBody>
+          <a:bodyPr vert="horz" lIns="91440" tIns="45720" rIns="91440" bIns="45720" rtlCol="0"/>
+          <a:lstStyle>
+            <a:lvl1pPr algn="l">
+              <a:defRPr sz="1200"/>
+            </a:lvl1pPr>
+          </a:lstStyle>
+          <a:p>
+            <a:endParaRPr lang="it-IT"/>
+          </a:p>
+        </p:txBody>
+      </p:sp>
+      <p:sp>
+        <p:nvSpPr>
+          <p:cNvPr id="3" name="Segnaposto data 2"/>
+          <p:cNvSpPr>
+            <a:spLocks noGrp="1"/>
+          </p:cNvSpPr>
+          <p:nvPr>
+            <p:ph type="dt" idx="1"/>
+          </p:nvPr>
+        </p:nvSpPr>
+        <p:spPr>
+          <a:xfrm>
+            <a:off x="3884613" y="0"/>
+            <a:ext cx="2971800" cy="458788"/>
+          </a:xfrm>
+          <a:prstGeom prst="rect">
+            <a:avLst/>
+          </a:prstGeom>
+        </p:spPr>
+        <p:txBody>
+          <a:bodyPr vert="horz" lIns="91440" tIns="45720" rIns="91440" bIns="45720" rtlCol="0"/>
+          <a:lstStyle>
+            <a:lvl1pPr algn="r">
+              <a:defRPr sz="1200"/>
+            </a:lvl1pPr>
+          </a:lstStyle>
+          <a:p>
+            <a:fld id="{8A9EE55C-5AE2-4ACB-970B-5216BC93BA06}" type="datetimeFigureOut">
+              <a:rPr lang="it-IT" smtClean="0"/>
+              <a:t>20/05/2019</a:t>
+            </a:fld>
+            <a:endParaRPr lang="it-IT"/>
+          </a:p>
+        </p:txBody>
+      </p:sp>
+      <p:sp>
+        <p:nvSpPr>
+          <p:cNvPr id="4" name="Segnaposto immagine diapositiva 3"/>
+          <p:cNvSpPr>
+            <a:spLocks noGrp="1" noRot="1" noChangeAspect="1"/>
+          </p:cNvSpPr>
+          <p:nvPr>
+            <p:ph type="sldImg" idx="2"/>
+          </p:nvPr>
+        </p:nvSpPr>
+        <p:spPr>
+          <a:xfrm>
+            <a:off x="685800" y="1143000"/>
+            <a:ext cx="5486400" cy="3086100"/>
+          </a:xfrm>
+          <a:prstGeom prst="rect">
+            <a:avLst/>
+          </a:prstGeom>
+          <a:noFill/>
+          <a:ln w="12700">
+            <a:solidFill>
+              <a:prstClr val="black"/>
+            </a:solidFill>
+          </a:ln>
+        </p:spPr>
+        <p:txBody>
+          <a:bodyPr vert="horz" lIns="91440" tIns="45720" rIns="91440" bIns="45720" rtlCol="0" anchor="ctr"/>
+          <a:lstStyle/>
+          <a:p>
+            <a:endParaRPr lang="it-IT"/>
+          </a:p>
+        </p:txBody>
+      </p:sp>
+      <p:sp>
+        <p:nvSpPr>
+          <p:cNvPr id="5" name="Segnaposto note 4"/>
+          <p:cNvSpPr>
+            <a:spLocks noGrp="1"/>
+          </p:cNvSpPr>
+          <p:nvPr>
+            <p:ph type="body" sz="quarter" idx="3"/>
+          </p:nvPr>
+        </p:nvSpPr>
+        <p:spPr>
+          <a:xfrm>
+            <a:off x="685800" y="4400550"/>
+            <a:ext cx="5486400" cy="3600450"/>
+          </a:xfrm>
+          <a:prstGeom prst="rect">
+            <a:avLst/>
+          </a:prstGeom>
+        </p:spPr>
+        <p:txBody>
+          <a:bodyPr vert="horz" lIns="91440" tIns="45720" rIns="91440" bIns="45720" rtlCol="0"/>
+          <a:lstStyle/>
+          <a:p>
+            <a:pPr lvl="0"/>
+            <a:r>
+              <a:rPr lang="it-IT"/>
+              <a:t>Fare clic per modificare gli stili del testo dello schema</a:t>
+            </a:r>
+          </a:p>
+          <a:p>
+            <a:pPr lvl="1"/>
+            <a:r>
+              <a:rPr lang="it-IT"/>
+              <a:t>Secondo livello</a:t>
+            </a:r>
+          </a:p>
+          <a:p>
+            <a:pPr lvl="2"/>
+            <a:r>
+              <a:rPr lang="it-IT"/>
+              <a:t>Terzo livello</a:t>
+            </a:r>
+          </a:p>
+          <a:p>
+            <a:pPr lvl="3"/>
+            <a:r>
+              <a:rPr lang="it-IT"/>
+              <a:t>Quarto livello</a:t>
+            </a:r>
+          </a:p>
+          <a:p>
+            <a:pPr lvl="4"/>
+            <a:r>
+              <a:rPr lang="it-IT"/>
+              <a:t>Quinto livello</a:t>
+            </a:r>
+          </a:p>
+        </p:txBody>
+      </p:sp>
+      <p:sp>
+        <p:nvSpPr>
+          <p:cNvPr id="6" name="Segnaposto piè di pagina 5"/>
+          <p:cNvSpPr>
+            <a:spLocks noGrp="1"/>
+          </p:cNvSpPr>
+          <p:nvPr>
+            <p:ph type="ftr" sz="quarter" idx="4"/>
+          </p:nvPr>
+        </p:nvSpPr>
+        <p:spPr>
+          <a:xfrm>
+            <a:off x="0" y="8685213"/>
+            <a:ext cx="2971800" cy="458787"/>
+          </a:xfrm>
+          <a:prstGeom prst="rect">
+            <a:avLst/>
+          </a:prstGeom>
+        </p:spPr>
+        <p:txBody>
+          <a:bodyPr vert="horz" lIns="91440" tIns="45720" rIns="91440" bIns="45720" rtlCol="0" anchor="b"/>
+          <a:lstStyle>
+            <a:lvl1pPr algn="l">
+              <a:defRPr sz="1200"/>
+            </a:lvl1pPr>
+          </a:lstStyle>
+          <a:p>
+            <a:endParaRPr lang="it-IT"/>
+          </a:p>
+        </p:txBody>
+      </p:sp>
+      <p:sp>
+        <p:nvSpPr>
+          <p:cNvPr id="7" name="Segnaposto numero diapositiva 6"/>
+          <p:cNvSpPr>
+            <a:spLocks noGrp="1"/>
+          </p:cNvSpPr>
+          <p:nvPr>
+            <p:ph type="sldNum" sz="quarter" idx="5"/>
+          </p:nvPr>
+        </p:nvSpPr>
+        <p:spPr>
+          <a:xfrm>
+            <a:off x="3884613" y="8685213"/>
+            <a:ext cx="2971800" cy="458787"/>
+          </a:xfrm>
+          <a:prstGeom prst="rect">
+            <a:avLst/>
+          </a:prstGeom>
+        </p:spPr>
+        <p:txBody>
+          <a:bodyPr vert="horz" lIns="91440" tIns="45720" rIns="91440" bIns="45720" rtlCol="0" anchor="b"/>
+          <a:lstStyle>
+            <a:lvl1pPr algn="r">
+              <a:defRPr sz="1200"/>
+            </a:lvl1pPr>
+          </a:lstStyle>
+          <a:p>
+            <a:fld id="{1A2372DB-15AD-4D1B-981A-0C557383DB34}" type="slidenum">
+              <a:rPr lang="it-IT" smtClean="0"/>
+              <a:t>‹N›</a:t>
+            </a:fld>
+            <a:endParaRPr lang="it-IT"/>
+          </a:p>
+        </p:txBody>
+      </p:sp>
+    </p:spTree>
+    <p:extLst>
+      <p:ext uri="{BB962C8B-B14F-4D97-AF65-F5344CB8AC3E}">
+        <p14:creationId xmlns:p14="http://schemas.microsoft.com/office/powerpoint/2010/main" val="2175268665"/>
+      </p:ext>
+    </p:extLst>
+  </p:cSld>
+  <p:clrMap bg1="lt1" tx1="dk1" bg2="lt2" tx2="dk2" accent1="accent1" accent2="accent2" accent3="accent3" accent4="accent4" accent5="accent5" accent6="accent6" hlink="hlink" folHlink="folHlink"/>
+  <p:notesStyle>
+    <a:lvl1pPr marL="0" algn="l" defTabSz="914400" rtl="0" eaLnBrk="1" latinLnBrk="0" hangingPunct="1">
+      <a:defRPr sz="1200" kern="1200">
+        <a:solidFill>
+          <a:schemeClr val="tx1"/>
+        </a:solidFill>
+        <a:latin typeface="+mn-lt"/>
+        <a:ea typeface="+mn-ea"/>
+        <a:cs typeface="+mn-cs"/>
+      </a:defRPr>
+    </a:lvl1pPr>
+    <a:lvl2pPr marL="457200" algn="l" defTabSz="914400" rtl="0" eaLnBrk="1" latinLnBrk="0" hangingPunct="1">
+      <a:defRPr sz="1200" kern="1200">
+        <a:solidFill>
+          <a:schemeClr val="tx1"/>
+        </a:solidFill>
+        <a:latin typeface="+mn-lt"/>
+        <a:ea typeface="+mn-ea"/>
+        <a:cs typeface="+mn-cs"/>
+      </a:defRPr>
+    </a:lvl2pPr>
+    <a:lvl3pPr marL="914400" algn="l" defTabSz="914400" rtl="0" eaLnBrk="1" latinLnBrk="0" hangingPunct="1">
+      <a:defRPr sz="1200" kern="1200">
+        <a:solidFill>
+          <a:schemeClr val="tx1"/>
+        </a:solidFill>
+        <a:latin typeface="+mn-lt"/>
+        <a:ea typeface="+mn-ea"/>
+        <a:cs typeface="+mn-cs"/>
+      </a:defRPr>
+    </a:lvl3pPr>
+    <a:lvl4pPr marL="1371600" algn="l" defTabSz="914400" rtl="0" eaLnBrk="1" latinLnBrk="0" hangingPunct="1">
+      <a:defRPr sz="1200" kern="1200">
+        <a:solidFill>
+          <a:schemeClr val="tx1"/>
+        </a:solidFill>
+        <a:latin typeface="+mn-lt"/>
+        <a:ea typeface="+mn-ea"/>
+        <a:cs typeface="+mn-cs"/>
+      </a:defRPr>
+    </a:lvl4pPr>
+    <a:lvl5pPr marL="1828800" algn="l" defTabSz="914400" rtl="0" eaLnBrk="1" latinLnBrk="0" hangingPunct="1">
+      <a:defRPr sz="1200" kern="1200">
+        <a:solidFill>
+          <a:schemeClr val="tx1"/>
+        </a:solidFill>
+        <a:latin typeface="+mn-lt"/>
+        <a:ea typeface="+mn-ea"/>
+        <a:cs typeface="+mn-cs"/>
+      </a:defRPr>
+    </a:lvl5pPr>
+    <a:lvl6pPr marL="2286000" algn="l" defTabSz="914400" rtl="0" eaLnBrk="1" latinLnBrk="0" hangingPunct="1">
+      <a:defRPr sz="1200" kern="1200">
+        <a:solidFill>
+          <a:schemeClr val="tx1"/>
+        </a:solidFill>
+        <a:latin typeface="+mn-lt"/>
+        <a:ea typeface="+mn-ea"/>
+        <a:cs typeface="+mn-cs"/>
+      </a:defRPr>
+    </a:lvl6pPr>
+    <a:lvl7pPr marL="2743200" algn="l" defTabSz="914400" rtl="0" eaLnBrk="1" latinLnBrk="0" hangingPunct="1">
+      <a:defRPr sz="1200" kern="1200">
+        <a:solidFill>
+          <a:schemeClr val="tx1"/>
+        </a:solidFill>
+        <a:latin typeface="+mn-lt"/>
+        <a:ea typeface="+mn-ea"/>
+        <a:cs typeface="+mn-cs"/>
+      </a:defRPr>
+    </a:lvl7pPr>
+    <a:lvl8pPr marL="3200400" algn="l" defTabSz="914400" rtl="0" eaLnBrk="1" latinLnBrk="0" hangingPunct="1">
+      <a:defRPr sz="1200" kern="1200">
+        <a:solidFill>
+          <a:schemeClr val="tx1"/>
+        </a:solidFill>
+        <a:latin typeface="+mn-lt"/>
+        <a:ea typeface="+mn-ea"/>
+        <a:cs typeface="+mn-cs"/>
+      </a:defRPr>
+    </a:lvl8pPr>
+    <a:lvl9pPr marL="3657600" algn="l" defTabSz="914400" rtl="0" eaLnBrk="1" latinLnBrk="0" hangingPunct="1">
+      <a:defRPr sz="1200" kern="1200">
+        <a:solidFill>
+          <a:schemeClr val="tx1"/>
+        </a:solidFill>
+        <a:latin typeface="+mn-lt"/>
+        <a:ea typeface="+mn-ea"/>
+        <a:cs typeface="+mn-cs"/>
+      </a:defRPr>
+    </a:lvl9pPr>
+  </p:notesStyle>
+</p:notesMaster>
+</file>
+
+<file path=ppt/notesSlides/notesSlide1.xml><?xml version="1.0" encoding="utf-8"?>
+<p:notes xmlns:a="http://schemas.openxmlformats.org/drawingml/2006/main" xmlns:r="http://schemas.openxmlformats.org/officeDocument/2006/relationships" xmlns:p="http://schemas.openxmlformats.org/presentationml/2006/main">
+  <p:cSld>
+    <p:spTree>
+      <p:nvGrpSpPr>
+        <p:cNvPr id="1" name=""/>
+        <p:cNvGrpSpPr/>
+        <p:nvPr/>
+      </p:nvGrpSpPr>
+      <p:grpSpPr>
+        <a:xfrm>
+          <a:off x="0" y="0"/>
+          <a:ext cx="0" cy="0"/>
+          <a:chOff x="0" y="0"/>
+          <a:chExt cx="0" cy="0"/>
+        </a:xfrm>
+      </p:grpSpPr>
+      <p:sp>
+        <p:nvSpPr>
+          <p:cNvPr id="2" name="Segnaposto immagine diapositiva 1"/>
+          <p:cNvSpPr>
+            <a:spLocks noGrp="1" noRot="1" noChangeAspect="1"/>
+          </p:cNvSpPr>
+          <p:nvPr>
+            <p:ph type="sldImg"/>
+          </p:nvPr>
+        </p:nvSpPr>
+        <p:spPr/>
+      </p:sp>
+      <p:sp>
+        <p:nvSpPr>
+          <p:cNvPr id="3" name="Segnaposto note 2"/>
+          <p:cNvSpPr>
+            <a:spLocks noGrp="1"/>
+          </p:cNvSpPr>
+          <p:nvPr>
+            <p:ph type="body" idx="1"/>
+          </p:nvPr>
+        </p:nvSpPr>
+        <p:spPr/>
+        <p:txBody>
+          <a:bodyPr/>
+          <a:lstStyle/>
+          <a:p>
+            <a:r>
+              <a:rPr lang="it-IT" sz="1200" b="0" i="0" kern="1200" dirty="0">
+                <a:solidFill>
+                  <a:schemeClr val="tx1"/>
+                </a:solidFill>
+                <a:effectLst/>
+                <a:latin typeface="+mn-lt"/>
+                <a:ea typeface="+mn-ea"/>
+                <a:cs typeface="+mn-cs"/>
+              </a:rPr>
+              <a:t>Sul lato sinistro si può vedere il sensore ed il controller che fanno da client, successivamente i dati rilevati verranno mandati attraverso un </a:t>
+            </a:r>
+            <a:r>
+              <a:rPr lang="it-IT" sz="1200" b="0" i="0" kern="1200" dirty="0" err="1">
+                <a:solidFill>
+                  <a:schemeClr val="tx1"/>
+                </a:solidFill>
+                <a:effectLst/>
+                <a:latin typeface="+mn-lt"/>
+                <a:ea typeface="+mn-ea"/>
+                <a:cs typeface="+mn-cs"/>
+              </a:rPr>
+              <a:t>socket</a:t>
+            </a:r>
+            <a:r>
+              <a:rPr lang="it-IT" sz="1200" b="0" i="0" kern="1200" dirty="0">
+                <a:solidFill>
+                  <a:schemeClr val="tx1"/>
+                </a:solidFill>
+                <a:effectLst/>
+                <a:latin typeface="+mn-lt"/>
+                <a:ea typeface="+mn-ea"/>
+                <a:cs typeface="+mn-cs"/>
+              </a:rPr>
+              <a:t> UDP in Java al Simulatore oppure al Drone stesso.</a:t>
+            </a:r>
+            <a:endParaRPr lang="it-IT" dirty="0"/>
+          </a:p>
+        </p:txBody>
+      </p:sp>
+      <p:sp>
+        <p:nvSpPr>
+          <p:cNvPr id="4" name="Segnaposto numero diapositiva 3"/>
+          <p:cNvSpPr>
+            <a:spLocks noGrp="1"/>
+          </p:cNvSpPr>
+          <p:nvPr>
+            <p:ph type="sldNum" sz="quarter" idx="5"/>
+          </p:nvPr>
+        </p:nvSpPr>
+        <p:spPr/>
+        <p:txBody>
+          <a:bodyPr/>
+          <a:lstStyle/>
+          <a:p>
+            <a:fld id="{1A2372DB-15AD-4D1B-981A-0C557383DB34}" type="slidenum">
+              <a:rPr lang="it-IT" smtClean="0"/>
+              <a:t>10</a:t>
+            </a:fld>
+            <a:endParaRPr lang="it-IT"/>
+          </a:p>
+        </p:txBody>
+      </p:sp>
+    </p:spTree>
+    <p:extLst>
+      <p:ext uri="{BB962C8B-B14F-4D97-AF65-F5344CB8AC3E}">
+        <p14:creationId xmlns:p14="http://schemas.microsoft.com/office/powerpoint/2010/main" val="2194634026"/>
+      </p:ext>
+    </p:extLst>
+  </p:cSld>
+  <p:clrMapOvr>
+    <a:masterClrMapping/>
+  </p:clrMapOvr>
+</p:notes>
+</file>
+
+<file path=ppt/notesSlides/notesSlide2.xml><?xml version="1.0" encoding="utf-8"?>
+<p:notes xmlns:a="http://schemas.openxmlformats.org/drawingml/2006/main" xmlns:r="http://schemas.openxmlformats.org/officeDocument/2006/relationships" xmlns:p="http://schemas.openxmlformats.org/presentationml/2006/main">
+  <p:cSld>
+    <p:spTree>
+      <p:nvGrpSpPr>
+        <p:cNvPr id="1" name=""/>
+        <p:cNvGrpSpPr/>
+        <p:nvPr/>
+      </p:nvGrpSpPr>
+      <p:grpSpPr>
+        <a:xfrm>
+          <a:off x="0" y="0"/>
+          <a:ext cx="0" cy="0"/>
+          <a:chOff x="0" y="0"/>
+          <a:chExt cx="0" cy="0"/>
+        </a:xfrm>
+      </p:grpSpPr>
+      <p:sp>
+        <p:nvSpPr>
+          <p:cNvPr id="2" name="Segnaposto immagine diapositiva 1"/>
+          <p:cNvSpPr>
+            <a:spLocks noGrp="1" noRot="1" noChangeAspect="1"/>
+          </p:cNvSpPr>
+          <p:nvPr>
+            <p:ph type="sldImg"/>
+          </p:nvPr>
+        </p:nvSpPr>
+        <p:spPr/>
+      </p:sp>
+      <p:sp>
+        <p:nvSpPr>
+          <p:cNvPr id="3" name="Segnaposto note 2"/>
+          <p:cNvSpPr>
+            <a:spLocks noGrp="1"/>
+          </p:cNvSpPr>
+          <p:nvPr>
+            <p:ph type="body" idx="1"/>
+          </p:nvPr>
+        </p:nvSpPr>
+        <p:spPr/>
+        <p:txBody>
+          <a:bodyPr/>
+          <a:lstStyle/>
+          <a:p>
+            <a:endParaRPr lang="it-IT" dirty="0"/>
+          </a:p>
+        </p:txBody>
+      </p:sp>
+      <p:sp>
+        <p:nvSpPr>
+          <p:cNvPr id="4" name="Segnaposto numero diapositiva 3"/>
+          <p:cNvSpPr>
+            <a:spLocks noGrp="1"/>
+          </p:cNvSpPr>
+          <p:nvPr>
+            <p:ph type="sldNum" sz="quarter" idx="5"/>
+          </p:nvPr>
+        </p:nvSpPr>
+        <p:spPr/>
+        <p:txBody>
+          <a:bodyPr/>
+          <a:lstStyle/>
+          <a:p>
+            <a:fld id="{1A2372DB-15AD-4D1B-981A-0C557383DB34}" type="slidenum">
+              <a:rPr lang="it-IT" smtClean="0"/>
+              <a:t>11</a:t>
+            </a:fld>
+            <a:endParaRPr lang="it-IT"/>
+          </a:p>
+        </p:txBody>
+      </p:sp>
+    </p:spTree>
+    <p:extLst>
+      <p:ext uri="{BB962C8B-B14F-4D97-AF65-F5344CB8AC3E}">
+        <p14:creationId xmlns:p14="http://schemas.microsoft.com/office/powerpoint/2010/main" val="2448854457"/>
+      </p:ext>
+    </p:extLst>
+  </p:cSld>
+  <p:clrMapOvr>
+    <a:masterClrMapping/>
+  </p:clrMapOvr>
+</p:notes>
+</file>
+
+<file path=ppt/notesSlides/notesSlide3.xml><?xml version="1.0" encoding="utf-8"?>
+<p:notes xmlns:a="http://schemas.openxmlformats.org/drawingml/2006/main" xmlns:r="http://schemas.openxmlformats.org/officeDocument/2006/relationships" xmlns:p="http://schemas.openxmlformats.org/presentationml/2006/main">
+  <p:cSld>
+    <p:spTree>
+      <p:nvGrpSpPr>
+        <p:cNvPr id="1" name=""/>
+        <p:cNvGrpSpPr/>
+        <p:nvPr/>
+      </p:nvGrpSpPr>
+      <p:grpSpPr>
+        <a:xfrm>
+          <a:off x="0" y="0"/>
+          <a:ext cx="0" cy="0"/>
+          <a:chOff x="0" y="0"/>
+          <a:chExt cx="0" cy="0"/>
+        </a:xfrm>
+      </p:grpSpPr>
+      <p:sp>
+        <p:nvSpPr>
+          <p:cNvPr id="2" name="Segnaposto immagine diapositiva 1"/>
+          <p:cNvSpPr>
+            <a:spLocks noGrp="1" noRot="1" noChangeAspect="1"/>
+          </p:cNvSpPr>
+          <p:nvPr>
+            <p:ph type="sldImg"/>
+          </p:nvPr>
+        </p:nvSpPr>
+        <p:spPr/>
+      </p:sp>
+      <p:sp>
+        <p:nvSpPr>
+          <p:cNvPr id="3" name="Segnaposto note 2"/>
+          <p:cNvSpPr>
+            <a:spLocks noGrp="1"/>
+          </p:cNvSpPr>
+          <p:nvPr>
+            <p:ph type="body" idx="1"/>
+          </p:nvPr>
+        </p:nvSpPr>
+        <p:spPr/>
+        <p:txBody>
+          <a:bodyPr/>
+          <a:lstStyle/>
+          <a:p>
+            <a:r>
+              <a:rPr lang="it-IT" dirty="0"/>
+              <a:t>Log: </a:t>
+            </a:r>
+          </a:p>
+          <a:p>
+            <a:pPr marL="0" marR="0" lvl="0" indent="0" algn="l" defTabSz="914400" rtl="0" eaLnBrk="1" fontAlgn="auto" latinLnBrk="0" hangingPunct="1">
+              <a:lnSpc>
+                <a:spcPct val="100000"/>
+              </a:lnSpc>
+              <a:spcBef>
+                <a:spcPts val="0"/>
+              </a:spcBef>
+              <a:spcAft>
+                <a:spcPts val="0"/>
+              </a:spcAft>
+              <a:buClrTx/>
+              <a:buSzTx/>
+              <a:buFontTx/>
+              <a:buNone/>
+              <a:tabLst/>
+              <a:defRPr/>
+            </a:pPr>
+            <a:r>
+              <a:rPr lang="it-IT" sz="1200" b="0" i="0" kern="1200" dirty="0" err="1">
+                <a:solidFill>
+                  <a:schemeClr val="tx1"/>
+                </a:solidFill>
+                <a:effectLst/>
+                <a:latin typeface="+mn-lt"/>
+                <a:ea typeface="+mn-ea"/>
+                <a:cs typeface="+mn-cs"/>
+              </a:rPr>
+              <a:t>Textarea</a:t>
+            </a:r>
+            <a:r>
+              <a:rPr lang="it-IT" sz="1200" b="0" i="0" kern="1200" dirty="0">
+                <a:solidFill>
+                  <a:schemeClr val="tx1"/>
+                </a:solidFill>
+                <a:effectLst/>
+                <a:latin typeface="+mn-lt"/>
+                <a:ea typeface="+mn-ea"/>
+                <a:cs typeface="+mn-cs"/>
+              </a:rPr>
+              <a:t> che permette di leggere direttamente dalla GUI i log</a:t>
+            </a:r>
+          </a:p>
+          <a:p>
+            <a:pPr marL="0" marR="0" lvl="0" indent="0" algn="l" defTabSz="914400" rtl="0" eaLnBrk="1" fontAlgn="auto" latinLnBrk="0" hangingPunct="1">
+              <a:lnSpc>
+                <a:spcPct val="100000"/>
+              </a:lnSpc>
+              <a:spcBef>
+                <a:spcPts val="0"/>
+              </a:spcBef>
+              <a:spcAft>
+                <a:spcPts val="0"/>
+              </a:spcAft>
+              <a:buClrTx/>
+              <a:buSzTx/>
+              <a:buFontTx/>
+              <a:buNone/>
+              <a:tabLst/>
+              <a:defRPr/>
+            </a:pPr>
+            <a:endParaRPr lang="it-IT" sz="1200" b="0" i="0" kern="1200" dirty="0">
+              <a:solidFill>
+                <a:schemeClr val="tx1"/>
+              </a:solidFill>
+              <a:effectLst/>
+              <a:latin typeface="+mn-lt"/>
+              <a:ea typeface="+mn-ea"/>
+              <a:cs typeface="+mn-cs"/>
+            </a:endParaRPr>
+          </a:p>
+          <a:p>
+            <a:pPr marL="0" marR="0" lvl="0" indent="0" algn="l" defTabSz="914400" rtl="0" eaLnBrk="1" fontAlgn="auto" latinLnBrk="0" hangingPunct="1">
+              <a:lnSpc>
+                <a:spcPct val="100000"/>
+              </a:lnSpc>
+              <a:spcBef>
+                <a:spcPts val="0"/>
+              </a:spcBef>
+              <a:spcAft>
+                <a:spcPts val="0"/>
+              </a:spcAft>
+              <a:buClrTx/>
+              <a:buSzTx/>
+              <a:buFontTx/>
+              <a:buNone/>
+              <a:tabLst/>
+              <a:defRPr/>
+            </a:pPr>
+            <a:r>
+              <a:rPr lang="it-IT" sz="1200" b="0" i="0" kern="1200" dirty="0">
+                <a:solidFill>
+                  <a:schemeClr val="tx1"/>
+                </a:solidFill>
+                <a:effectLst/>
+                <a:latin typeface="+mn-lt"/>
+                <a:ea typeface="+mn-ea"/>
+                <a:cs typeface="+mn-cs"/>
+              </a:rPr>
+              <a:t>Comandi rapidi:</a:t>
+            </a:r>
+          </a:p>
+          <a:p>
+            <a:pPr marL="0" marR="0" lvl="0" indent="0" algn="l" defTabSz="914400" rtl="0" eaLnBrk="1" fontAlgn="auto" latinLnBrk="0" hangingPunct="1">
+              <a:lnSpc>
+                <a:spcPct val="100000"/>
+              </a:lnSpc>
+              <a:spcBef>
+                <a:spcPts val="0"/>
+              </a:spcBef>
+              <a:spcAft>
+                <a:spcPts val="0"/>
+              </a:spcAft>
+              <a:buClrTx/>
+              <a:buSzTx/>
+              <a:buFontTx/>
+              <a:buNone/>
+              <a:tabLst/>
+              <a:defRPr/>
+            </a:pPr>
+            <a:r>
+              <a:rPr lang="it-IT" sz="1200" b="0" i="0" kern="1200" dirty="0">
+                <a:solidFill>
+                  <a:schemeClr val="tx1"/>
+                </a:solidFill>
+                <a:effectLst/>
+                <a:latin typeface="+mn-lt"/>
+                <a:ea typeface="+mn-ea"/>
+                <a:cs typeface="+mn-cs"/>
+              </a:rPr>
+              <a:t>Serie di pulsanti che permettono di guidare il drone a distanza senza utilizzare il controller </a:t>
+            </a:r>
+            <a:r>
+              <a:rPr lang="it-IT" sz="1200" b="0" i="0" kern="1200" dirty="0" err="1">
+                <a:solidFill>
+                  <a:schemeClr val="tx1"/>
+                </a:solidFill>
+                <a:effectLst/>
+                <a:latin typeface="+mn-lt"/>
+                <a:ea typeface="+mn-ea"/>
+                <a:cs typeface="+mn-cs"/>
+              </a:rPr>
+              <a:t>Leap</a:t>
+            </a:r>
+            <a:r>
+              <a:rPr lang="it-IT" sz="1200" b="0" i="0" kern="1200" dirty="0">
+                <a:solidFill>
+                  <a:schemeClr val="tx1"/>
+                </a:solidFill>
+                <a:effectLst/>
+                <a:latin typeface="+mn-lt"/>
+                <a:ea typeface="+mn-ea"/>
+                <a:cs typeface="+mn-cs"/>
+              </a:rPr>
+              <a:t> Motion</a:t>
+            </a:r>
+          </a:p>
+          <a:p>
+            <a:pPr marL="0" marR="0" lvl="0" indent="0" algn="l" defTabSz="914400" rtl="0" eaLnBrk="1" fontAlgn="auto" latinLnBrk="0" hangingPunct="1">
+              <a:lnSpc>
+                <a:spcPct val="100000"/>
+              </a:lnSpc>
+              <a:spcBef>
+                <a:spcPts val="0"/>
+              </a:spcBef>
+              <a:spcAft>
+                <a:spcPts val="0"/>
+              </a:spcAft>
+              <a:buClrTx/>
+              <a:buSzTx/>
+              <a:buFontTx/>
+              <a:buNone/>
+              <a:tabLst/>
+              <a:defRPr/>
+            </a:pPr>
+            <a:endParaRPr lang="it-IT" sz="1200" b="0" i="0" kern="1200" dirty="0">
+              <a:solidFill>
+                <a:schemeClr val="tx1"/>
+              </a:solidFill>
+              <a:effectLst/>
+              <a:latin typeface="+mn-lt"/>
+              <a:ea typeface="+mn-ea"/>
+              <a:cs typeface="+mn-cs"/>
+            </a:endParaRPr>
+          </a:p>
+          <a:p>
+            <a:endParaRPr lang="it-IT" dirty="0"/>
+          </a:p>
+        </p:txBody>
+      </p:sp>
+      <p:sp>
+        <p:nvSpPr>
+          <p:cNvPr id="4" name="Segnaposto numero diapositiva 3"/>
+          <p:cNvSpPr>
+            <a:spLocks noGrp="1"/>
+          </p:cNvSpPr>
+          <p:nvPr>
+            <p:ph type="sldNum" sz="quarter" idx="5"/>
+          </p:nvPr>
+        </p:nvSpPr>
+        <p:spPr/>
+        <p:txBody>
+          <a:bodyPr/>
+          <a:lstStyle/>
+          <a:p>
+            <a:fld id="{1A2372DB-15AD-4D1B-981A-0C557383DB34}" type="slidenum">
+              <a:rPr lang="it-IT" smtClean="0"/>
+              <a:t>12</a:t>
+            </a:fld>
+            <a:endParaRPr lang="it-IT"/>
+          </a:p>
+        </p:txBody>
+      </p:sp>
+    </p:spTree>
+    <p:extLst>
+      <p:ext uri="{BB962C8B-B14F-4D97-AF65-F5344CB8AC3E}">
+        <p14:creationId xmlns:p14="http://schemas.microsoft.com/office/powerpoint/2010/main" val="3933145752"/>
+      </p:ext>
+    </p:extLst>
+  </p:cSld>
+  <p:clrMapOvr>
+    <a:masterClrMapping/>
+  </p:clrMapOvr>
+</p:notes>
+</file>
+
+<file path=ppt/notesSlides/notesSlide4.xml><?xml version="1.0" encoding="utf-8"?>
+<p:notes xmlns:a="http://schemas.openxmlformats.org/drawingml/2006/main" xmlns:r="http://schemas.openxmlformats.org/officeDocument/2006/relationships" xmlns:p="http://schemas.openxmlformats.org/presentationml/2006/main">
+  <p:cSld>
+    <p:spTree>
+      <p:nvGrpSpPr>
+        <p:cNvPr id="1" name=""/>
+        <p:cNvGrpSpPr/>
+        <p:nvPr/>
+      </p:nvGrpSpPr>
+      <p:grpSpPr>
+        <a:xfrm>
+          <a:off x="0" y="0"/>
+          <a:ext cx="0" cy="0"/>
+          <a:chOff x="0" y="0"/>
+          <a:chExt cx="0" cy="0"/>
+        </a:xfrm>
+      </p:grpSpPr>
+      <p:sp>
+        <p:nvSpPr>
+          <p:cNvPr id="2" name="Segnaposto immagine diapositiva 1"/>
+          <p:cNvSpPr>
+            <a:spLocks noGrp="1" noRot="1" noChangeAspect="1"/>
+          </p:cNvSpPr>
+          <p:nvPr>
+            <p:ph type="sldImg"/>
+          </p:nvPr>
+        </p:nvSpPr>
+        <p:spPr/>
+      </p:sp>
+      <p:sp>
+        <p:nvSpPr>
+          <p:cNvPr id="3" name="Segnaposto note 2"/>
+          <p:cNvSpPr>
+            <a:spLocks noGrp="1"/>
+          </p:cNvSpPr>
+          <p:nvPr>
+            <p:ph type="body" idx="1"/>
+          </p:nvPr>
+        </p:nvSpPr>
+        <p:spPr/>
+        <p:txBody>
+          <a:bodyPr/>
+          <a:lstStyle/>
+          <a:p>
+            <a:r>
+              <a:rPr lang="it-IT" dirty="0"/>
+              <a:t>Recording:</a:t>
+            </a:r>
+          </a:p>
+          <a:p>
+            <a:pPr marL="0" marR="0" lvl="0" indent="0" algn="l" defTabSz="914400" rtl="0" eaLnBrk="1" fontAlgn="auto" latinLnBrk="0" hangingPunct="1">
+              <a:lnSpc>
+                <a:spcPct val="100000"/>
+              </a:lnSpc>
+              <a:spcBef>
+                <a:spcPts val="0"/>
+              </a:spcBef>
+              <a:spcAft>
+                <a:spcPts val="0"/>
+              </a:spcAft>
+              <a:buClrTx/>
+              <a:buSzTx/>
+              <a:buFontTx/>
+              <a:buNone/>
+              <a:tabLst/>
+              <a:defRPr/>
+            </a:pPr>
+            <a:r>
+              <a:rPr lang="it-IT" sz="1200" b="0" i="0" kern="1200" dirty="0">
+                <a:solidFill>
+                  <a:schemeClr val="tx1"/>
+                </a:solidFill>
+                <a:effectLst/>
+                <a:latin typeface="+mn-lt"/>
+                <a:ea typeface="+mn-ea"/>
+                <a:cs typeface="+mn-cs"/>
+              </a:rPr>
+              <a:t>Pulsanti che permettono di iniziare/finire una registrazione ed un selettore che permette di selezionare il file di registrazione per poi eseguirlo</a:t>
+            </a:r>
+          </a:p>
+          <a:p>
+            <a:endParaRPr lang="it-IT" dirty="0"/>
+          </a:p>
+          <a:p>
+            <a:endParaRPr lang="it-IT" dirty="0"/>
+          </a:p>
+          <a:p>
+            <a:r>
+              <a:rPr lang="it-IT" dirty="0"/>
+              <a:t>Settings:</a:t>
+            </a:r>
+          </a:p>
+          <a:p>
+            <a:pPr marL="0" marR="0" lvl="0" indent="0" algn="l" defTabSz="914400" rtl="0" eaLnBrk="1" fontAlgn="auto" latinLnBrk="0" hangingPunct="1">
+              <a:lnSpc>
+                <a:spcPct val="100000"/>
+              </a:lnSpc>
+              <a:spcBef>
+                <a:spcPts val="0"/>
+              </a:spcBef>
+              <a:spcAft>
+                <a:spcPts val="0"/>
+              </a:spcAft>
+              <a:buClrTx/>
+              <a:buSzTx/>
+              <a:buFontTx/>
+              <a:buNone/>
+              <a:tabLst/>
+              <a:defRPr/>
+            </a:pPr>
+            <a:r>
+              <a:rPr lang="it-IT" sz="1200" b="0" i="0" kern="1200" dirty="0">
+                <a:solidFill>
+                  <a:schemeClr val="tx1"/>
+                </a:solidFill>
+                <a:effectLst/>
+                <a:latin typeface="+mn-lt"/>
+                <a:ea typeface="+mn-ea"/>
+                <a:cs typeface="+mn-cs"/>
+              </a:rPr>
+              <a:t>Una tabella che mostra il nome dei ogni opzione presente nel file di </a:t>
+            </a:r>
+            <a:r>
+              <a:rPr lang="it-IT" sz="1200" b="0" i="0" kern="1200" dirty="0" err="1">
+                <a:solidFill>
+                  <a:schemeClr val="tx1"/>
+                </a:solidFill>
+                <a:effectLst/>
+                <a:latin typeface="+mn-lt"/>
+                <a:ea typeface="+mn-ea"/>
+                <a:cs typeface="+mn-cs"/>
+              </a:rPr>
+              <a:t>config</a:t>
+            </a:r>
+            <a:r>
+              <a:rPr lang="it-IT" sz="1200" b="0" i="0" kern="1200" dirty="0">
+                <a:solidFill>
+                  <a:schemeClr val="tx1"/>
+                </a:solidFill>
+                <a:effectLst/>
+                <a:latin typeface="+mn-lt"/>
+                <a:ea typeface="+mn-ea"/>
+                <a:cs typeface="+mn-cs"/>
+              </a:rPr>
+              <a:t> e delle </a:t>
+            </a:r>
+            <a:r>
+              <a:rPr lang="it-IT" sz="1200" b="0" i="0" kern="1200" dirty="0" err="1">
+                <a:solidFill>
+                  <a:schemeClr val="tx1"/>
+                </a:solidFill>
+                <a:effectLst/>
+                <a:latin typeface="+mn-lt"/>
+                <a:ea typeface="+mn-ea"/>
+                <a:cs typeface="+mn-cs"/>
+              </a:rPr>
+              <a:t>textbox</a:t>
+            </a:r>
+            <a:r>
+              <a:rPr lang="it-IT" sz="1200" b="0" i="0" kern="1200" dirty="0">
+                <a:solidFill>
+                  <a:schemeClr val="tx1"/>
+                </a:solidFill>
+                <a:effectLst/>
+                <a:latin typeface="+mn-lt"/>
+                <a:ea typeface="+mn-ea"/>
+                <a:cs typeface="+mn-cs"/>
+              </a:rPr>
+              <a:t> affianco ad ogni label che permettono di leggere/scrivere l'impostazione salvata su file</a:t>
+            </a:r>
+          </a:p>
+          <a:p>
+            <a:endParaRPr lang="it-IT" dirty="0"/>
+          </a:p>
+        </p:txBody>
+      </p:sp>
+      <p:sp>
+        <p:nvSpPr>
+          <p:cNvPr id="4" name="Segnaposto numero diapositiva 3"/>
+          <p:cNvSpPr>
+            <a:spLocks noGrp="1"/>
+          </p:cNvSpPr>
+          <p:nvPr>
+            <p:ph type="sldNum" sz="quarter" idx="5"/>
+          </p:nvPr>
+        </p:nvSpPr>
+        <p:spPr/>
+        <p:txBody>
+          <a:bodyPr/>
+          <a:lstStyle/>
+          <a:p>
+            <a:fld id="{1A2372DB-15AD-4D1B-981A-0C557383DB34}" type="slidenum">
+              <a:rPr lang="it-IT" smtClean="0"/>
+              <a:t>13</a:t>
+            </a:fld>
+            <a:endParaRPr lang="it-IT"/>
+          </a:p>
+        </p:txBody>
+      </p:sp>
+    </p:spTree>
+    <p:extLst>
+      <p:ext uri="{BB962C8B-B14F-4D97-AF65-F5344CB8AC3E}">
+        <p14:creationId xmlns:p14="http://schemas.microsoft.com/office/powerpoint/2010/main" val="1444663505"/>
+      </p:ext>
+    </p:extLst>
+  </p:cSld>
+  <p:clrMapOvr>
+    <a:masterClrMapping/>
+  </p:clrMapOvr>
+</p:notes>
 </file>
 
 <file path=ppt/slideLayouts/slideLayout1.xml><?xml version="1.0" encoding="utf-8"?>
@@ -3505,7 +4548,7 @@
           </p:nvPr>
         </p:nvPicPr>
         <p:blipFill>
-          <a:blip r:embed="rId2">
+          <a:blip r:embed="rId3">
             <a:extLst>
               <a:ext uri="{28A0092B-C50C-407E-A947-70E740481C1C}">
                 <a14:useLocalDpi xmlns:a14="http://schemas.microsoft.com/office/drawing/2010/main" val="0"/>
@@ -3603,7 +4646,7 @@
           </p:nvPr>
         </p:nvPicPr>
         <p:blipFill>
-          <a:blip r:embed="rId2">
+          <a:blip r:embed="rId3">
             <a:extLst>
               <a:ext uri="{28A0092B-C50C-407E-A947-70E740481C1C}">
                 <a14:useLocalDpi xmlns:a14="http://schemas.microsoft.com/office/drawing/2010/main" val="0"/>
@@ -3636,7 +4679,7 @@
           <p:nvPr/>
         </p:nvPicPr>
         <p:blipFill rotWithShape="1">
-          <a:blip r:embed="rId3">
+          <a:blip r:embed="rId4">
             <a:extLst>
               <a:ext uri="{28A0092B-C50C-407E-A947-70E740481C1C}">
                 <a14:useLocalDpi xmlns:a14="http://schemas.microsoft.com/office/drawing/2010/main" val="0"/>
@@ -3734,7 +4777,7 @@
           <p:nvPr/>
         </p:nvPicPr>
         <p:blipFill>
-          <a:blip r:embed="rId2">
+          <a:blip r:embed="rId3">
             <a:extLst>
               <a:ext uri="{28A0092B-C50C-407E-A947-70E740481C1C}">
                 <a14:useLocalDpi xmlns:a14="http://schemas.microsoft.com/office/drawing/2010/main" val="0"/>
@@ -3770,7 +4813,7 @@
           <p:nvPr/>
         </p:nvPicPr>
         <p:blipFill>
-          <a:blip r:embed="rId3">
+          <a:blip r:embed="rId4">
             <a:extLst>
               <a:ext uri="{28A0092B-C50C-407E-A947-70E740481C1C}">
                 <a14:useLocalDpi xmlns:a14="http://schemas.microsoft.com/office/drawing/2010/main" val="0"/>
@@ -3869,7 +4912,7 @@
           <p:nvPr/>
         </p:nvPicPr>
         <p:blipFill>
-          <a:blip r:embed="rId2">
+          <a:blip r:embed="rId3">
             <a:extLst>
               <a:ext uri="{28A0092B-C50C-407E-A947-70E740481C1C}">
                 <a14:useLocalDpi xmlns:a14="http://schemas.microsoft.com/office/drawing/2010/main" val="0"/>
@@ -3905,7 +4948,7 @@
           <p:nvPr/>
         </p:nvPicPr>
         <p:blipFill>
-          <a:blip r:embed="rId3">
+          <a:blip r:embed="rId4">
             <a:extLst>
               <a:ext uri="{28A0092B-C50C-407E-A947-70E740481C1C}">
                 <a14:useLocalDpi xmlns:a14="http://schemas.microsoft.com/office/drawing/2010/main" val="0"/>
@@ -5386,4 +6429,299 @@
     </a:ext>
   </a:extLst>
 </a:theme>
+</file>
+
+<file path=ppt/theme/theme2.xml><?xml version="1.0" encoding="utf-8"?>
+<a:theme xmlns:a="http://schemas.openxmlformats.org/drawingml/2006/main" name="Tema di Office">
+  <a:themeElements>
+    <a:clrScheme name="Office">
+      <a:dk1>
+        <a:sysClr val="windowText" lastClr="000000"/>
+      </a:dk1>
+      <a:lt1>
+        <a:sysClr val="window" lastClr="FFFFFF"/>
+      </a:lt1>
+      <a:dk2>
+        <a:srgbClr val="44546A"/>
+      </a:dk2>
+      <a:lt2>
+        <a:srgbClr val="E7E6E6"/>
+      </a:lt2>
+      <a:accent1>
+        <a:srgbClr val="4472C4"/>
+      </a:accent1>
+      <a:accent2>
+        <a:srgbClr val="ED7D31"/>
+      </a:accent2>
+      <a:accent3>
+        <a:srgbClr val="A5A5A5"/>
+      </a:accent3>
+      <a:accent4>
+        <a:srgbClr val="FFC000"/>
+      </a:accent4>
+      <a:accent5>
+        <a:srgbClr val="5B9BD5"/>
+      </a:accent5>
+      <a:accent6>
+        <a:srgbClr val="70AD47"/>
+      </a:accent6>
+      <a:hlink>
+        <a:srgbClr val="0563C1"/>
+      </a:hlink>
+      <a:folHlink>
+        <a:srgbClr val="954F72"/>
+      </a:folHlink>
+    </a:clrScheme>
+    <a:fontScheme name="Office">
+      <a:majorFont>
+        <a:latin typeface="Calibri Light" panose="020F0302020204030204"/>
+        <a:ea typeface=""/>
+        <a:cs typeface=""/>
+        <a:font script="Jpan" typeface="游ゴシック Light"/>
+        <a:font script="Hang" typeface="맑은 고딕"/>
+        <a:font script="Hans" typeface="等线 Light"/>
+        <a:font script="Hant" typeface="新細明體"/>
+        <a:font script="Arab" typeface="Times New Roman"/>
+        <a:font script="Hebr" typeface="Times New Roman"/>
+        <a:font script="Thai" typeface="Angsana New"/>
+        <a:font script="Ethi" typeface="Nyala"/>
+        <a:font script="Beng" typeface="Vrinda"/>
+        <a:font script="Gujr" typeface="Shruti"/>
+        <a:font script="Khmr" typeface="MoolBoran"/>
+        <a:font script="Knda" typeface="Tunga"/>
+        <a:font script="Guru" typeface="Raavi"/>
+        <a:font script="Cans" typeface="Euphemia"/>
+        <a:font script="Cher" typeface="Plantagenet Cherokee"/>
+        <a:font script="Yiii" typeface="Microsoft Yi Baiti"/>
+        <a:font script="Tibt" typeface="Microsoft Himalaya"/>
+        <a:font script="Thaa" typeface="MV Boli"/>
+        <a:font script="Deva" typeface="Mangal"/>
+        <a:font script="Telu" typeface="Gautami"/>
+        <a:font script="Taml" typeface="Latha"/>
+        <a:font script="Syrc" typeface="Estrangelo Edessa"/>
+        <a:font script="Orya" typeface="Kalinga"/>
+        <a:font script="Mlym" typeface="Kartika"/>
+        <a:font script="Laoo" typeface="DokChampa"/>
+        <a:font script="Sinh" typeface="Iskoola Pota"/>
+        <a:font script="Mong" typeface="Mongolian Baiti"/>
+        <a:font script="Viet" typeface="Times New Roman"/>
+        <a:font script="Uigh" typeface="Microsoft Uighur"/>
+        <a:font script="Geor" typeface="Sylfaen"/>
+        <a:font script="Armn" typeface="Arial"/>
+        <a:font script="Bugi" typeface="Leelawadee UI"/>
+        <a:font script="Bopo" typeface="Microsoft JhengHei"/>
+        <a:font script="Java" typeface="Javanese Text"/>
+        <a:font script="Lisu" typeface="Segoe UI"/>
+        <a:font script="Mymr" typeface="Myanmar Text"/>
+        <a:font script="Nkoo" typeface="Ebrima"/>
+        <a:font script="Olck" typeface="Nirmala UI"/>
+        <a:font script="Osma" typeface="Ebrima"/>
+        <a:font script="Phag" typeface="Phagspa"/>
+        <a:font script="Syrn" typeface="Estrangelo Edessa"/>
+        <a:font script="Syrj" typeface="Estrangelo Edessa"/>
+        <a:font script="Syre" typeface="Estrangelo Edessa"/>
+        <a:font script="Sora" typeface="Nirmala UI"/>
+        <a:font script="Tale" typeface="Microsoft Tai Le"/>
+        <a:font script="Talu" typeface="Microsoft New Tai Lue"/>
+        <a:font script="Tfng" typeface="Ebrima"/>
+      </a:majorFont>
+      <a:minorFont>
+        <a:latin typeface="Calibri" panose="020F0502020204030204"/>
+        <a:ea typeface=""/>
+        <a:cs typeface=""/>
+        <a:font script="Jpan" typeface="游ゴシック"/>
+        <a:font script="Hang" typeface="맑은 고딕"/>
+        <a:font script="Hans" typeface="等线"/>
+        <a:font script="Hant" typeface="新細明體"/>
+        <a:font script="Arab" typeface="Arial"/>
+        <a:font script="Hebr" typeface="Arial"/>
+        <a:font script="Thai" typeface="Cordia New"/>
+        <a:font script="Ethi" typeface="Nyala"/>
+        <a:font script="Beng" typeface="Vrinda"/>
+        <a:font script="Gujr" typeface="Shruti"/>
+        <a:font script="Khmr" typeface="DaunPenh"/>
+        <a:font script="Knda" typeface="Tunga"/>
+        <a:font script="Guru" typeface="Raavi"/>
+        <a:font script="Cans" typeface="Euphemia"/>
+        <a:font script="Cher" typeface="Plantagenet Cherokee"/>
+        <a:font script="Yiii" typeface="Microsoft Yi Baiti"/>
+        <a:font script="Tibt" typeface="Microsoft Himalaya"/>
+        <a:font script="Thaa" typeface="MV Boli"/>
+        <a:font script="Deva" typeface="Mangal"/>
+        <a:font script="Telu" typeface="Gautami"/>
+        <a:font script="Taml" typeface="Latha"/>
+        <a:font script="Syrc" typeface="Estrangelo Edessa"/>
+        <a:font script="Orya" typeface="Kalinga"/>
+        <a:font script="Mlym" typeface="Kartika"/>
+        <a:font script="Laoo" typeface="DokChampa"/>
+        <a:font script="Sinh" typeface="Iskoola Pota"/>
+        <a:font script="Mong" typeface="Mongolian Baiti"/>
+        <a:font script="Viet" typeface="Arial"/>
+        <a:font script="Uigh" typeface="Microsoft Uighur"/>
+        <a:font script="Geor" typeface="Sylfaen"/>
+        <a:font script="Armn" typeface="Arial"/>
+        <a:font script="Bugi" typeface="Leelawadee UI"/>
+        <a:font script="Bopo" typeface="Microsoft JhengHei"/>
+        <a:font script="Java" typeface="Javanese Text"/>
+        <a:font script="Lisu" typeface="Segoe UI"/>
+        <a:font script="Mymr" typeface="Myanmar Text"/>
+        <a:font script="Nkoo" typeface="Ebrima"/>
+        <a:font script="Olck" typeface="Nirmala UI"/>
+        <a:font script="Osma" typeface="Ebrima"/>
+        <a:font script="Phag" typeface="Phagspa"/>
+        <a:font script="Syrn" typeface="Estrangelo Edessa"/>
+        <a:font script="Syrj" typeface="Estrangelo Edessa"/>
+        <a:font script="Syre" typeface="Estrangelo Edessa"/>
+        <a:font script="Sora" typeface="Nirmala UI"/>
+        <a:font script="Tale" typeface="Microsoft Tai Le"/>
+        <a:font script="Talu" typeface="Microsoft New Tai Lue"/>
+        <a:font script="Tfng" typeface="Ebrima"/>
+      </a:minorFont>
+    </a:fontScheme>
+    <a:fmtScheme name="Office">
+      <a:fillStyleLst>
+        <a:solidFill>
+          <a:schemeClr val="phClr"/>
+        </a:solidFill>
+        <a:gradFill rotWithShape="1">
+          <a:gsLst>
+            <a:gs pos="0">
+              <a:schemeClr val="phClr">
+                <a:lumMod val="110000"/>
+                <a:satMod val="105000"/>
+                <a:tint val="67000"/>
+              </a:schemeClr>
+            </a:gs>
+            <a:gs pos="50000">
+              <a:schemeClr val="phClr">
+                <a:lumMod val="105000"/>
+                <a:satMod val="103000"/>
+                <a:tint val="73000"/>
+              </a:schemeClr>
+            </a:gs>
+            <a:gs pos="100000">
+              <a:schemeClr val="phClr">
+                <a:lumMod val="105000"/>
+                <a:satMod val="109000"/>
+                <a:tint val="81000"/>
+              </a:schemeClr>
+            </a:gs>
+          </a:gsLst>
+          <a:lin ang="5400000" scaled="0"/>
+        </a:gradFill>
+        <a:gradFill rotWithShape="1">
+          <a:gsLst>
+            <a:gs pos="0">
+              <a:schemeClr val="phClr">
+                <a:satMod val="103000"/>
+                <a:lumMod val="102000"/>
+                <a:tint val="94000"/>
+              </a:schemeClr>
+            </a:gs>
+            <a:gs pos="50000">
+              <a:schemeClr val="phClr">
+                <a:satMod val="110000"/>
+                <a:lumMod val="100000"/>
+                <a:shade val="100000"/>
+              </a:schemeClr>
+            </a:gs>
+            <a:gs pos="100000">
+              <a:schemeClr val="phClr">
+                <a:lumMod val="99000"/>
+                <a:satMod val="120000"/>
+                <a:shade val="78000"/>
+              </a:schemeClr>
+            </a:gs>
+          </a:gsLst>
+          <a:lin ang="5400000" scaled="0"/>
+        </a:gradFill>
+      </a:fillStyleLst>
+      <a:lnStyleLst>
+        <a:ln w="6350" cap="flat" cmpd="sng" algn="ctr">
+          <a:solidFill>
+            <a:schemeClr val="phClr"/>
+          </a:solidFill>
+          <a:prstDash val="solid"/>
+          <a:miter lim="800000"/>
+        </a:ln>
+        <a:ln w="12700" cap="flat" cmpd="sng" algn="ctr">
+          <a:solidFill>
+            <a:schemeClr val="phClr"/>
+          </a:solidFill>
+          <a:prstDash val="solid"/>
+          <a:miter lim="800000"/>
+        </a:ln>
+        <a:ln w="19050" cap="flat" cmpd="sng" algn="ctr">
+          <a:solidFill>
+            <a:schemeClr val="phClr"/>
+          </a:solidFill>
+          <a:prstDash val="solid"/>
+          <a:miter lim="800000"/>
+        </a:ln>
+      </a:lnStyleLst>
+      <a:effectStyleLst>
+        <a:effectStyle>
+          <a:effectLst/>
+        </a:effectStyle>
+        <a:effectStyle>
+          <a:effectLst/>
+        </a:effectStyle>
+        <a:effectStyle>
+          <a:effectLst>
+            <a:outerShdw blurRad="57150" dist="19050" dir="5400000" algn="ctr" rotWithShape="0">
+              <a:srgbClr val="000000">
+                <a:alpha val="63000"/>
+              </a:srgbClr>
+            </a:outerShdw>
+          </a:effectLst>
+        </a:effectStyle>
+      </a:effectStyleLst>
+      <a:bgFillStyleLst>
+        <a:solidFill>
+          <a:schemeClr val="phClr"/>
+        </a:solidFill>
+        <a:solidFill>
+          <a:schemeClr val="phClr">
+            <a:tint val="95000"/>
+            <a:satMod val="170000"/>
+          </a:schemeClr>
+        </a:solidFill>
+        <a:gradFill rotWithShape="1">
+          <a:gsLst>
+            <a:gs pos="0">
+              <a:schemeClr val="phClr">
+                <a:tint val="93000"/>
+                <a:satMod val="150000"/>
+                <a:shade val="98000"/>
+                <a:lumMod val="102000"/>
+              </a:schemeClr>
+            </a:gs>
+            <a:gs pos="50000">
+              <a:schemeClr val="phClr">
+                <a:tint val="98000"/>
+                <a:satMod val="130000"/>
+                <a:shade val="90000"/>
+                <a:lumMod val="103000"/>
+              </a:schemeClr>
+            </a:gs>
+            <a:gs pos="100000">
+              <a:schemeClr val="phClr">
+                <a:shade val="63000"/>
+                <a:satMod val="120000"/>
+              </a:schemeClr>
+            </a:gs>
+          </a:gsLst>
+          <a:lin ang="5400000" scaled="0"/>
+        </a:gradFill>
+      </a:bgFillStyleLst>
+    </a:fmtScheme>
+  </a:themeElements>
+  <a:objectDefaults/>
+  <a:extraClrSchemeLst/>
+  <a:extLst>
+    <a:ext uri="{05A4C25C-085E-4340-85A3-A5531E510DB2}">
+      <thm15:themeFamily xmlns:thm15="http://schemas.microsoft.com/office/thememl/2012/main" name="Office Theme" id="{62F939B6-93AF-4DB8-9C6B-D6C7DFDC589F}" vid="{4A3C46E8-61CC-4603-A589-7422A47A8E4A}"/>
+    </a:ext>
+  </a:extLst>
+</a:theme>
 </file>
--- a/docs/Presentazione.pptx
+++ b/docs/Presentazione.pptx
@@ -180,7 +180,7 @@
             </a:lvl1pPr>
           </a:lstStyle>
           <a:p>
-            <a:endParaRPr lang="it-IT"/>
+            <a:endParaRPr lang="it-IT" dirty="0"/>
           </a:p>
         </p:txBody>
       </p:sp>
@@ -213,9 +213,9 @@
           <a:p>
             <a:fld id="{8A9EE55C-5AE2-4ACB-970B-5216BC93BA06}" type="datetimeFigureOut">
               <a:rPr lang="it-IT" smtClean="0"/>
-              <a:t>20/05/2019</a:t>
+              <a:t>22/05/2019</a:t>
             </a:fld>
-            <a:endParaRPr lang="it-IT"/>
+            <a:endParaRPr lang="it-IT" dirty="0"/>
           </a:p>
         </p:txBody>
       </p:sp>
@@ -248,7 +248,7 @@
           <a:bodyPr vert="horz" lIns="91440" tIns="45720" rIns="91440" bIns="45720" rtlCol="0" anchor="ctr"/>
           <a:lstStyle/>
           <a:p>
-            <a:endParaRPr lang="it-IT"/>
+            <a:endParaRPr lang="it-IT" dirty="0"/>
           </a:p>
         </p:txBody>
       </p:sp>
@@ -338,7 +338,7 @@
             </a:lvl1pPr>
           </a:lstStyle>
           <a:p>
-            <a:endParaRPr lang="it-IT"/>
+            <a:endParaRPr lang="it-IT" dirty="0"/>
           </a:p>
         </p:txBody>
       </p:sp>
@@ -373,7 +373,7 @@
               <a:rPr lang="it-IT" smtClean="0"/>
               <a:t>‹N›</a:t>
             </a:fld>
-            <a:endParaRPr lang="it-IT"/>
+            <a:endParaRPr lang="it-IT" dirty="0"/>
           </a:p>
         </p:txBody>
       </p:sp>
@@ -1318,9 +1318,9 @@
           <a:p>
             <a:fld id="{CCCB5B76-26A8-42F6-9A12-0999A40069CD}" type="datetimeFigureOut">
               <a:rPr lang="it-IT" smtClean="0"/>
-              <a:t>20/05/2019</a:t>
+              <a:t>22/05/2019</a:t>
             </a:fld>
-            <a:endParaRPr lang="it-IT"/>
+            <a:endParaRPr lang="it-IT" dirty="0"/>
           </a:p>
         </p:txBody>
       </p:sp>
@@ -1345,7 +1345,7 @@
           <a:bodyPr/>
           <a:lstStyle/>
           <a:p>
-            <a:endParaRPr lang="it-IT"/>
+            <a:endParaRPr lang="it-IT" dirty="0"/>
           </a:p>
         </p:txBody>
       </p:sp>
@@ -1374,7 +1374,7 @@
               <a:rPr lang="it-IT" smtClean="0"/>
               <a:t>‹N›</a:t>
             </a:fld>
-            <a:endParaRPr lang="it-IT"/>
+            <a:endParaRPr lang="it-IT" dirty="0"/>
           </a:p>
         </p:txBody>
       </p:sp>
@@ -1516,9 +1516,9 @@
           <a:p>
             <a:fld id="{CCCB5B76-26A8-42F6-9A12-0999A40069CD}" type="datetimeFigureOut">
               <a:rPr lang="it-IT" smtClean="0"/>
-              <a:t>20/05/2019</a:t>
+              <a:t>22/05/2019</a:t>
             </a:fld>
-            <a:endParaRPr lang="it-IT"/>
+            <a:endParaRPr lang="it-IT" dirty="0"/>
           </a:p>
         </p:txBody>
       </p:sp>
@@ -1543,7 +1543,7 @@
           <a:bodyPr/>
           <a:lstStyle/>
           <a:p>
-            <a:endParaRPr lang="it-IT"/>
+            <a:endParaRPr lang="it-IT" dirty="0"/>
           </a:p>
         </p:txBody>
       </p:sp>
@@ -1572,7 +1572,7 @@
               <a:rPr lang="it-IT" smtClean="0"/>
               <a:t>‹N›</a:t>
             </a:fld>
-            <a:endParaRPr lang="it-IT"/>
+            <a:endParaRPr lang="it-IT" dirty="0"/>
           </a:p>
         </p:txBody>
       </p:sp>
@@ -1724,9 +1724,9 @@
           <a:p>
             <a:fld id="{CCCB5B76-26A8-42F6-9A12-0999A40069CD}" type="datetimeFigureOut">
               <a:rPr lang="it-IT" smtClean="0"/>
-              <a:t>20/05/2019</a:t>
+              <a:t>22/05/2019</a:t>
             </a:fld>
-            <a:endParaRPr lang="it-IT"/>
+            <a:endParaRPr lang="it-IT" dirty="0"/>
           </a:p>
         </p:txBody>
       </p:sp>
@@ -1751,7 +1751,7 @@
           <a:bodyPr/>
           <a:lstStyle/>
           <a:p>
-            <a:endParaRPr lang="it-IT"/>
+            <a:endParaRPr lang="it-IT" dirty="0"/>
           </a:p>
         </p:txBody>
       </p:sp>
@@ -1780,7 +1780,7 @@
               <a:rPr lang="it-IT" smtClean="0"/>
               <a:t>‹N›</a:t>
             </a:fld>
-            <a:endParaRPr lang="it-IT"/>
+            <a:endParaRPr lang="it-IT" dirty="0"/>
           </a:p>
         </p:txBody>
       </p:sp>
@@ -1922,9 +1922,9 @@
           <a:p>
             <a:fld id="{CCCB5B76-26A8-42F6-9A12-0999A40069CD}" type="datetimeFigureOut">
               <a:rPr lang="it-IT" smtClean="0"/>
-              <a:t>20/05/2019</a:t>
+              <a:t>22/05/2019</a:t>
             </a:fld>
-            <a:endParaRPr lang="it-IT"/>
+            <a:endParaRPr lang="it-IT" dirty="0"/>
           </a:p>
         </p:txBody>
       </p:sp>
@@ -1949,7 +1949,7 @@
           <a:bodyPr/>
           <a:lstStyle/>
           <a:p>
-            <a:endParaRPr lang="it-IT"/>
+            <a:endParaRPr lang="it-IT" dirty="0"/>
           </a:p>
         </p:txBody>
       </p:sp>
@@ -1978,7 +1978,7 @@
               <a:rPr lang="it-IT" smtClean="0"/>
               <a:t>‹N›</a:t>
             </a:fld>
-            <a:endParaRPr lang="it-IT"/>
+            <a:endParaRPr lang="it-IT" dirty="0"/>
           </a:p>
         </p:txBody>
       </p:sp>
@@ -2197,9 +2197,9 @@
           <a:p>
             <a:fld id="{CCCB5B76-26A8-42F6-9A12-0999A40069CD}" type="datetimeFigureOut">
               <a:rPr lang="it-IT" smtClean="0"/>
-              <a:t>20/05/2019</a:t>
+              <a:t>22/05/2019</a:t>
             </a:fld>
-            <a:endParaRPr lang="it-IT"/>
+            <a:endParaRPr lang="it-IT" dirty="0"/>
           </a:p>
         </p:txBody>
       </p:sp>
@@ -2224,7 +2224,7 @@
           <a:bodyPr/>
           <a:lstStyle/>
           <a:p>
-            <a:endParaRPr lang="it-IT"/>
+            <a:endParaRPr lang="it-IT" dirty="0"/>
           </a:p>
         </p:txBody>
       </p:sp>
@@ -2253,7 +2253,7 @@
               <a:rPr lang="it-IT" smtClean="0"/>
               <a:t>‹N›</a:t>
             </a:fld>
-            <a:endParaRPr lang="it-IT"/>
+            <a:endParaRPr lang="it-IT" dirty="0"/>
           </a:p>
         </p:txBody>
       </p:sp>
@@ -2462,9 +2462,9 @@
           <a:p>
             <a:fld id="{CCCB5B76-26A8-42F6-9A12-0999A40069CD}" type="datetimeFigureOut">
               <a:rPr lang="it-IT" smtClean="0"/>
-              <a:t>20/05/2019</a:t>
+              <a:t>22/05/2019</a:t>
             </a:fld>
-            <a:endParaRPr lang="it-IT"/>
+            <a:endParaRPr lang="it-IT" dirty="0"/>
           </a:p>
         </p:txBody>
       </p:sp>
@@ -2489,7 +2489,7 @@
           <a:bodyPr/>
           <a:lstStyle/>
           <a:p>
-            <a:endParaRPr lang="it-IT"/>
+            <a:endParaRPr lang="it-IT" dirty="0"/>
           </a:p>
         </p:txBody>
       </p:sp>
@@ -2518,7 +2518,7 @@
               <a:rPr lang="it-IT" smtClean="0"/>
               <a:t>‹N›</a:t>
             </a:fld>
-            <a:endParaRPr lang="it-IT"/>
+            <a:endParaRPr lang="it-IT" dirty="0"/>
           </a:p>
         </p:txBody>
       </p:sp>
@@ -2874,9 +2874,9 @@
           <a:p>
             <a:fld id="{CCCB5B76-26A8-42F6-9A12-0999A40069CD}" type="datetimeFigureOut">
               <a:rPr lang="it-IT" smtClean="0"/>
-              <a:t>20/05/2019</a:t>
+              <a:t>22/05/2019</a:t>
             </a:fld>
-            <a:endParaRPr lang="it-IT"/>
+            <a:endParaRPr lang="it-IT" dirty="0"/>
           </a:p>
         </p:txBody>
       </p:sp>
@@ -2901,7 +2901,7 @@
           <a:bodyPr/>
           <a:lstStyle/>
           <a:p>
-            <a:endParaRPr lang="it-IT"/>
+            <a:endParaRPr lang="it-IT" dirty="0"/>
           </a:p>
         </p:txBody>
       </p:sp>
@@ -2930,7 +2930,7 @@
               <a:rPr lang="it-IT" smtClean="0"/>
               <a:t>‹N›</a:t>
             </a:fld>
-            <a:endParaRPr lang="it-IT"/>
+            <a:endParaRPr lang="it-IT" dirty="0"/>
           </a:p>
         </p:txBody>
       </p:sp>
@@ -3015,9 +3015,9 @@
           <a:p>
             <a:fld id="{CCCB5B76-26A8-42F6-9A12-0999A40069CD}" type="datetimeFigureOut">
               <a:rPr lang="it-IT" smtClean="0"/>
-              <a:t>20/05/2019</a:t>
+              <a:t>22/05/2019</a:t>
             </a:fld>
-            <a:endParaRPr lang="it-IT"/>
+            <a:endParaRPr lang="it-IT" dirty="0"/>
           </a:p>
         </p:txBody>
       </p:sp>
@@ -3042,7 +3042,7 @@
           <a:bodyPr/>
           <a:lstStyle/>
           <a:p>
-            <a:endParaRPr lang="it-IT"/>
+            <a:endParaRPr lang="it-IT" dirty="0"/>
           </a:p>
         </p:txBody>
       </p:sp>
@@ -3071,7 +3071,7 @@
               <a:rPr lang="it-IT" smtClean="0"/>
               <a:t>‹N›</a:t>
             </a:fld>
-            <a:endParaRPr lang="it-IT"/>
+            <a:endParaRPr lang="it-IT" dirty="0"/>
           </a:p>
         </p:txBody>
       </p:sp>
@@ -3128,9 +3128,9 @@
           <a:p>
             <a:fld id="{CCCB5B76-26A8-42F6-9A12-0999A40069CD}" type="datetimeFigureOut">
               <a:rPr lang="it-IT" smtClean="0"/>
-              <a:t>20/05/2019</a:t>
+              <a:t>22/05/2019</a:t>
             </a:fld>
-            <a:endParaRPr lang="it-IT"/>
+            <a:endParaRPr lang="it-IT" dirty="0"/>
           </a:p>
         </p:txBody>
       </p:sp>
@@ -3155,7 +3155,7 @@
           <a:bodyPr/>
           <a:lstStyle/>
           <a:p>
-            <a:endParaRPr lang="it-IT"/>
+            <a:endParaRPr lang="it-IT" dirty="0"/>
           </a:p>
         </p:txBody>
       </p:sp>
@@ -3184,7 +3184,7 @@
               <a:rPr lang="it-IT" smtClean="0"/>
               <a:t>‹N›</a:t>
             </a:fld>
-            <a:endParaRPr lang="it-IT"/>
+            <a:endParaRPr lang="it-IT" dirty="0"/>
           </a:p>
         </p:txBody>
       </p:sp>
@@ -3439,9 +3439,9 @@
           <a:p>
             <a:fld id="{CCCB5B76-26A8-42F6-9A12-0999A40069CD}" type="datetimeFigureOut">
               <a:rPr lang="it-IT" smtClean="0"/>
-              <a:t>20/05/2019</a:t>
+              <a:t>22/05/2019</a:t>
             </a:fld>
-            <a:endParaRPr lang="it-IT"/>
+            <a:endParaRPr lang="it-IT" dirty="0"/>
           </a:p>
         </p:txBody>
       </p:sp>
@@ -3466,7 +3466,7 @@
           <a:bodyPr/>
           <a:lstStyle/>
           <a:p>
-            <a:endParaRPr lang="it-IT"/>
+            <a:endParaRPr lang="it-IT" dirty="0"/>
           </a:p>
         </p:txBody>
       </p:sp>
@@ -3495,7 +3495,7 @@
               <a:rPr lang="it-IT" smtClean="0"/>
               <a:t>‹N›</a:t>
             </a:fld>
-            <a:endParaRPr lang="it-IT"/>
+            <a:endParaRPr lang="it-IT" dirty="0"/>
           </a:p>
         </p:txBody>
       </p:sp>
@@ -3629,7 +3629,7 @@
             </a:lvl9pPr>
           </a:lstStyle>
           <a:p>
-            <a:endParaRPr lang="it-IT"/>
+            <a:endParaRPr lang="it-IT" dirty="0"/>
           </a:p>
         </p:txBody>
       </p:sp>
@@ -3727,9 +3727,9 @@
           <a:p>
             <a:fld id="{CCCB5B76-26A8-42F6-9A12-0999A40069CD}" type="datetimeFigureOut">
               <a:rPr lang="it-IT" smtClean="0"/>
-              <a:t>20/05/2019</a:t>
+              <a:t>22/05/2019</a:t>
             </a:fld>
-            <a:endParaRPr lang="it-IT"/>
+            <a:endParaRPr lang="it-IT" dirty="0"/>
           </a:p>
         </p:txBody>
       </p:sp>
@@ -3754,7 +3754,7 @@
           <a:bodyPr/>
           <a:lstStyle/>
           <a:p>
-            <a:endParaRPr lang="it-IT"/>
+            <a:endParaRPr lang="it-IT" dirty="0"/>
           </a:p>
         </p:txBody>
       </p:sp>
@@ -3783,7 +3783,7 @@
               <a:rPr lang="it-IT" smtClean="0"/>
               <a:t>‹N›</a:t>
             </a:fld>
-            <a:endParaRPr lang="it-IT"/>
+            <a:endParaRPr lang="it-IT" dirty="0"/>
           </a:p>
         </p:txBody>
       </p:sp>
@@ -3968,9 +3968,9 @@
           <a:p>
             <a:fld id="{CCCB5B76-26A8-42F6-9A12-0999A40069CD}" type="datetimeFigureOut">
               <a:rPr lang="it-IT" smtClean="0"/>
-              <a:t>20/05/2019</a:t>
+              <a:t>22/05/2019</a:t>
             </a:fld>
-            <a:endParaRPr lang="it-IT"/>
+            <a:endParaRPr lang="it-IT" dirty="0"/>
           </a:p>
         </p:txBody>
       </p:sp>
@@ -4013,7 +4013,7 @@
             </a:lvl1pPr>
           </a:lstStyle>
           <a:p>
-            <a:endParaRPr lang="it-IT"/>
+            <a:endParaRPr lang="it-IT" dirty="0"/>
           </a:p>
         </p:txBody>
       </p:sp>
@@ -4060,7 +4060,7 @@
               <a:rPr lang="it-IT" smtClean="0"/>
               <a:t>‹N›</a:t>
             </a:fld>
-            <a:endParaRPr lang="it-IT"/>
+            <a:endParaRPr lang="it-IT" dirty="0"/>
           </a:p>
         </p:txBody>
       </p:sp>
@@ -5224,7 +5224,7 @@
           <a:bodyPr/>
           <a:lstStyle/>
           <a:p>
-            <a:endParaRPr lang="it-IT"/>
+            <a:endParaRPr lang="it-IT" dirty="0"/>
           </a:p>
         </p:txBody>
       </p:sp>
@@ -5307,7 +5307,7 @@
           <a:bodyPr/>
           <a:lstStyle/>
           <a:p>
-            <a:endParaRPr lang="it-IT"/>
+            <a:endParaRPr lang="it-IT" dirty="0"/>
           </a:p>
         </p:txBody>
       </p:sp>

--- a/docs/Presentazione.pptx
+++ b/docs/Presentazione.pptx
@@ -5,26 +5,28 @@
     <p:sldMasterId id="2147483648" r:id="rId1"/>
   </p:sldMasterIdLst>
   <p:notesMasterIdLst>
-    <p:notesMasterId r:id="rId19"/>
+    <p:notesMasterId r:id="rId21"/>
   </p:notesMasterIdLst>
   <p:sldIdLst>
     <p:sldId id="256" r:id="rId2"/>
     <p:sldId id="257" r:id="rId3"/>
-    <p:sldId id="258" r:id="rId4"/>
-    <p:sldId id="269" r:id="rId5"/>
-    <p:sldId id="259" r:id="rId6"/>
-    <p:sldId id="260" r:id="rId7"/>
-    <p:sldId id="270" r:id="rId8"/>
-    <p:sldId id="262" r:id="rId9"/>
-    <p:sldId id="271" r:id="rId10"/>
-    <p:sldId id="263" r:id="rId11"/>
-    <p:sldId id="264" r:id="rId12"/>
-    <p:sldId id="272" r:id="rId13"/>
-    <p:sldId id="273" r:id="rId14"/>
-    <p:sldId id="265" r:id="rId15"/>
-    <p:sldId id="267" r:id="rId16"/>
-    <p:sldId id="266" r:id="rId17"/>
-    <p:sldId id="268" r:id="rId18"/>
+    <p:sldId id="269" r:id="rId4"/>
+    <p:sldId id="259" r:id="rId5"/>
+    <p:sldId id="260" r:id="rId6"/>
+    <p:sldId id="270" r:id="rId7"/>
+    <p:sldId id="262" r:id="rId8"/>
+    <p:sldId id="271" r:id="rId9"/>
+    <p:sldId id="263" r:id="rId10"/>
+    <p:sldId id="264" r:id="rId11"/>
+    <p:sldId id="272" r:id="rId12"/>
+    <p:sldId id="273" r:id="rId13"/>
+    <p:sldId id="265" r:id="rId14"/>
+    <p:sldId id="267" r:id="rId15"/>
+    <p:sldId id="276" r:id="rId16"/>
+    <p:sldId id="277" r:id="rId17"/>
+    <p:sldId id="266" r:id="rId18"/>
+    <p:sldId id="275" r:id="rId19"/>
+    <p:sldId id="274" r:id="rId20"/>
   </p:sldIdLst>
   <p:sldSz cx="12192000" cy="6858000"/>
   <p:notesSz cx="6858000" cy="9144000"/>
@@ -581,7 +583,7 @@
           <a:p>
             <a:fld id="{1A2372DB-15AD-4D1B-981A-0C557383DB34}" type="slidenum">
               <a:rPr lang="it-IT" smtClean="0"/>
-              <a:t>10</a:t>
+              <a:t>9</a:t>
             </a:fld>
             <a:endParaRPr lang="it-IT"/>
           </a:p>
@@ -665,7 +667,7 @@
           <a:p>
             <a:fld id="{1A2372DB-15AD-4D1B-981A-0C557383DB34}" type="slidenum">
               <a:rPr lang="it-IT" smtClean="0"/>
-              <a:t>11</a:t>
+              <a:t>10</a:t>
             </a:fld>
             <a:endParaRPr lang="it-IT"/>
           </a:p>
@@ -940,7 +942,7 @@
           <a:p>
             <a:fld id="{1A2372DB-15AD-4D1B-981A-0C557383DB34}" type="slidenum">
               <a:rPr lang="it-IT" smtClean="0"/>
-              <a:t>12</a:t>
+              <a:t>11</a:t>
             </a:fld>
             <a:endParaRPr lang="it-IT"/>
           </a:p>
@@ -1152,7 +1154,7 @@
           <a:p>
             <a:fld id="{1A2372DB-15AD-4D1B-981A-0C557383DB34}" type="slidenum">
               <a:rPr lang="it-IT" smtClean="0"/>
-              <a:t>13</a:t>
+              <a:t>12</a:t>
             </a:fld>
             <a:endParaRPr lang="it-IT"/>
           </a:p>
@@ -4508,99 +4510,6 @@
           <p:cNvPr id="2" name="Titolo 1">
             <a:extLst>
               <a:ext uri="{FF2B5EF4-FFF2-40B4-BE49-F238E27FC236}">
-                <a16:creationId xmlns:a16="http://schemas.microsoft.com/office/drawing/2014/main" id="{D3E6C80D-A389-41E6-B725-547142420645}"/>
-              </a:ext>
-            </a:extLst>
-          </p:cNvPr>
-          <p:cNvSpPr>
-            <a:spLocks noGrp="1"/>
-          </p:cNvSpPr>
-          <p:nvPr>
-            <p:ph type="title"/>
-          </p:nvPr>
-        </p:nvSpPr>
-        <p:spPr/>
-        <p:txBody>
-          <a:bodyPr/>
-          <a:lstStyle/>
-          <a:p>
-            <a:r>
-              <a:rPr lang="it-IT" dirty="0"/>
-              <a:t>Schema Logico</a:t>
-            </a:r>
-          </a:p>
-        </p:txBody>
-      </p:sp>
-      <p:pic>
-        <p:nvPicPr>
-          <p:cNvPr id="5" name="Segnaposto contenuto 4">
-            <a:extLst>
-              <a:ext uri="{FF2B5EF4-FFF2-40B4-BE49-F238E27FC236}">
-                <a16:creationId xmlns:a16="http://schemas.microsoft.com/office/drawing/2014/main" id="{89BEF299-2FBB-4AD7-B12B-277B491D1320}"/>
-              </a:ext>
-            </a:extLst>
-          </p:cNvPr>
-          <p:cNvPicPr>
-            <a:picLocks noGrp="1" noChangeAspect="1"/>
-          </p:cNvPicPr>
-          <p:nvPr>
-            <p:ph idx="1"/>
-          </p:nvPr>
-        </p:nvPicPr>
-        <p:blipFill>
-          <a:blip r:embed="rId3">
-            <a:extLst>
-              <a:ext uri="{28A0092B-C50C-407E-A947-70E740481C1C}">
-                <a14:useLocalDpi xmlns:a14="http://schemas.microsoft.com/office/drawing/2010/main" val="0"/>
-              </a:ext>
-            </a:extLst>
-          </a:blip>
-          <a:stretch>
-            <a:fillRect/>
-          </a:stretch>
-        </p:blipFill>
-        <p:spPr>
-          <a:xfrm>
-            <a:off x="1922107" y="1463114"/>
-            <a:ext cx="8276252" cy="5032857"/>
-          </a:xfrm>
-        </p:spPr>
-      </p:pic>
-    </p:spTree>
-    <p:extLst>
-      <p:ext uri="{BB962C8B-B14F-4D97-AF65-F5344CB8AC3E}">
-        <p14:creationId xmlns:p14="http://schemas.microsoft.com/office/powerpoint/2010/main" val="389895582"/>
-      </p:ext>
-    </p:extLst>
-  </p:cSld>
-  <p:clrMapOvr>
-    <a:masterClrMapping/>
-  </p:clrMapOvr>
-</p:sld>
-</file>
-
-<file path=ppt/slides/slide11.xml><?xml version="1.0" encoding="utf-8"?>
-<p:sld xmlns:a="http://schemas.openxmlformats.org/drawingml/2006/main" xmlns:r="http://schemas.openxmlformats.org/officeDocument/2006/relationships" xmlns:p="http://schemas.openxmlformats.org/presentationml/2006/main">
-  <p:cSld>
-    <p:spTree>
-      <p:nvGrpSpPr>
-        <p:cNvPr id="1" name=""/>
-        <p:cNvGrpSpPr/>
-        <p:nvPr/>
-      </p:nvGrpSpPr>
-      <p:grpSpPr>
-        <a:xfrm>
-          <a:off x="0" y="0"/>
-          <a:ext cx="0" cy="0"/>
-          <a:chOff x="0" y="0"/>
-          <a:chExt cx="0" cy="0"/>
-        </a:xfrm>
-      </p:grpSpPr>
-      <p:sp>
-        <p:nvSpPr>
-          <p:cNvPr id="2" name="Titolo 1">
-            <a:extLst>
-              <a:ext uri="{FF2B5EF4-FFF2-40B4-BE49-F238E27FC236}">
                 <a16:creationId xmlns:a16="http://schemas.microsoft.com/office/drawing/2014/main" id="{D70C237B-26A8-4EB3-B603-9D655672C037}"/>
               </a:ext>
             </a:extLst>
@@ -4712,7 +4621,7 @@
 </p:sld>
 </file>
 
-<file path=ppt/slides/slide12.xml><?xml version="1.0" encoding="utf-8"?>
+<file path=ppt/slides/slide11.xml><?xml version="1.0" encoding="utf-8"?>
 <p:sld xmlns:a="http://schemas.openxmlformats.org/drawingml/2006/main" xmlns:r="http://schemas.openxmlformats.org/officeDocument/2006/relationships" xmlns:p="http://schemas.openxmlformats.org/presentationml/2006/main">
   <p:cSld>
     <p:spTree>
@@ -4847,7 +4756,7 @@
 </p:sld>
 </file>
 
-<file path=ppt/slides/slide13.xml><?xml version="1.0" encoding="utf-8"?>
+<file path=ppt/slides/slide12.xml><?xml version="1.0" encoding="utf-8"?>
 <p:sld xmlns:a="http://schemas.openxmlformats.org/drawingml/2006/main" xmlns:r="http://schemas.openxmlformats.org/officeDocument/2006/relationships" xmlns:p="http://schemas.openxmlformats.org/presentationml/2006/main">
   <p:cSld>
     <p:spTree>
@@ -4982,6 +4891,99 @@
 </p:sld>
 </file>
 
+<file path=ppt/slides/slide13.xml><?xml version="1.0" encoding="utf-8"?>
+<p:sld xmlns:a="http://schemas.openxmlformats.org/drawingml/2006/main" xmlns:r="http://schemas.openxmlformats.org/officeDocument/2006/relationships" xmlns:p="http://schemas.openxmlformats.org/presentationml/2006/main">
+  <p:cSld>
+    <p:spTree>
+      <p:nvGrpSpPr>
+        <p:cNvPr id="1" name=""/>
+        <p:cNvGrpSpPr/>
+        <p:nvPr/>
+      </p:nvGrpSpPr>
+      <p:grpSpPr>
+        <a:xfrm>
+          <a:off x="0" y="0"/>
+          <a:ext cx="0" cy="0"/>
+          <a:chOff x="0" y="0"/>
+          <a:chExt cx="0" cy="0"/>
+        </a:xfrm>
+      </p:grpSpPr>
+      <p:sp>
+        <p:nvSpPr>
+          <p:cNvPr id="2" name="Titolo 1">
+            <a:extLst>
+              <a:ext uri="{FF2B5EF4-FFF2-40B4-BE49-F238E27FC236}">
+                <a16:creationId xmlns:a16="http://schemas.microsoft.com/office/drawing/2014/main" id="{0FBAD031-EEFB-48A8-8068-88B6B23EB44F}"/>
+              </a:ext>
+            </a:extLst>
+          </p:cNvPr>
+          <p:cNvSpPr>
+            <a:spLocks noGrp="1"/>
+          </p:cNvSpPr>
+          <p:nvPr>
+            <p:ph type="title"/>
+          </p:nvPr>
+        </p:nvSpPr>
+        <p:spPr/>
+        <p:txBody>
+          <a:bodyPr/>
+          <a:lstStyle/>
+          <a:p>
+            <a:r>
+              <a:rPr lang="it-IT" dirty="0"/>
+              <a:t>Design Procedurale</a:t>
+            </a:r>
+          </a:p>
+        </p:txBody>
+      </p:sp>
+      <p:pic>
+        <p:nvPicPr>
+          <p:cNvPr id="5" name="Segnaposto contenuto 4">
+            <a:extLst>
+              <a:ext uri="{FF2B5EF4-FFF2-40B4-BE49-F238E27FC236}">
+                <a16:creationId xmlns:a16="http://schemas.microsoft.com/office/drawing/2014/main" id="{C2BCEC0A-31D7-4B3E-BF1F-1A3B9D3A7231}"/>
+              </a:ext>
+            </a:extLst>
+          </p:cNvPr>
+          <p:cNvPicPr>
+            <a:picLocks noGrp="1" noChangeAspect="1"/>
+          </p:cNvPicPr>
+          <p:nvPr>
+            <p:ph idx="1"/>
+          </p:nvPr>
+        </p:nvPicPr>
+        <p:blipFill>
+          <a:blip r:embed="rId2">
+            <a:extLst>
+              <a:ext uri="{28A0092B-C50C-407E-A947-70E740481C1C}">
+                <a14:useLocalDpi xmlns:a14="http://schemas.microsoft.com/office/drawing/2010/main" val="0"/>
+              </a:ext>
+            </a:extLst>
+          </a:blip>
+          <a:stretch>
+            <a:fillRect/>
+          </a:stretch>
+        </p:blipFill>
+        <p:spPr>
+          <a:xfrm>
+            <a:off x="1663959" y="1276545"/>
+            <a:ext cx="8864081" cy="5333472"/>
+          </a:xfrm>
+        </p:spPr>
+      </p:pic>
+    </p:spTree>
+    <p:extLst>
+      <p:ext uri="{BB962C8B-B14F-4D97-AF65-F5344CB8AC3E}">
+        <p14:creationId xmlns:p14="http://schemas.microsoft.com/office/powerpoint/2010/main" val="1823152659"/>
+      </p:ext>
+    </p:extLst>
+  </p:cSld>
+  <p:clrMapOvr>
+    <a:masterClrMapping/>
+  </p:clrMapOvr>
+</p:sld>
+</file>
+
 <file path=ppt/slides/slide14.xml><?xml version="1.0" encoding="utf-8"?>
 <p:sld xmlns:a="http://schemas.openxmlformats.org/drawingml/2006/main" xmlns:r="http://schemas.openxmlformats.org/officeDocument/2006/relationships" xmlns:p="http://schemas.openxmlformats.org/presentationml/2006/main">
   <p:cSld>
@@ -5004,7 +5006,7 @@
           <p:cNvPr id="2" name="Titolo 1">
             <a:extLst>
               <a:ext uri="{FF2B5EF4-FFF2-40B4-BE49-F238E27FC236}">
-                <a16:creationId xmlns:a16="http://schemas.microsoft.com/office/drawing/2014/main" id="{0FBAD031-EEFB-48A8-8068-88B6B23EB44F}"/>
+                <a16:creationId xmlns:a16="http://schemas.microsoft.com/office/drawing/2014/main" id="{D9DB1A45-7BDA-497D-8B17-A436CE5839CC}"/>
               </a:ext>
             </a:extLst>
           </p:cNvPr>
@@ -5021,51 +5023,77 @@
           <a:lstStyle/>
           <a:p>
             <a:r>
-              <a:rPr lang="it-IT" dirty="0"/>
-              <a:t>Design Procedurale</a:t>
-            </a:r>
-          </a:p>
-        </p:txBody>
-      </p:sp>
-      <p:pic>
-        <p:nvPicPr>
-          <p:cNvPr id="5" name="Segnaposto contenuto 4">
-            <a:extLst>
-              <a:ext uri="{FF2B5EF4-FFF2-40B4-BE49-F238E27FC236}">
-                <a16:creationId xmlns:a16="http://schemas.microsoft.com/office/drawing/2014/main" id="{C2BCEC0A-31D7-4B3E-BF1F-1A3B9D3A7231}"/>
-              </a:ext>
-            </a:extLst>
-          </p:cNvPr>
-          <p:cNvPicPr>
-            <a:picLocks noGrp="1" noChangeAspect="1"/>
-          </p:cNvPicPr>
+              <a:rPr lang="it-IT" dirty="0" smtClean="0"/>
+              <a:t>Drone controller - DroneController </a:t>
+            </a:r>
+            <a:endParaRPr lang="it-IT" dirty="0"/>
+          </a:p>
+        </p:txBody>
+      </p:sp>
+      <p:sp>
+        <p:nvSpPr>
+          <p:cNvPr id="3" name="Segnaposto contenuto 2">
+            <a:extLst>
+              <a:ext uri="{FF2B5EF4-FFF2-40B4-BE49-F238E27FC236}">
+                <a16:creationId xmlns:a16="http://schemas.microsoft.com/office/drawing/2014/main" id="{8455C13B-AAA1-4CB0-A85F-80610FAFB468}"/>
+              </a:ext>
+            </a:extLst>
+          </p:cNvPr>
+          <p:cNvSpPr>
+            <a:spLocks noGrp="1"/>
+          </p:cNvSpPr>
           <p:nvPr>
             <p:ph idx="1"/>
           </p:nvPr>
-        </p:nvPicPr>
-        <p:blipFill>
-          <a:blip r:embed="rId2">
-            <a:extLst>
-              <a:ext uri="{28A0092B-C50C-407E-A947-70E740481C1C}">
-                <a14:useLocalDpi xmlns:a14="http://schemas.microsoft.com/office/drawing/2010/main" val="0"/>
-              </a:ext>
-            </a:extLst>
-          </a:blip>
-          <a:stretch>
-            <a:fillRect/>
-          </a:stretch>
-        </p:blipFill>
-        <p:spPr>
-          <a:xfrm>
-            <a:off x="1663959" y="1276545"/>
-            <a:ext cx="8864081" cy="5333472"/>
-          </a:xfrm>
-        </p:spPr>
-      </p:pic>
+        </p:nvSpPr>
+        <p:spPr/>
+        <p:txBody>
+          <a:bodyPr/>
+          <a:lstStyle/>
+          <a:p>
+            <a:r>
+              <a:rPr lang="it-IT" dirty="0" smtClean="0"/>
+              <a:t>Permette di leggere i comandi della mano dal  Sensore </a:t>
+            </a:r>
+            <a:r>
+              <a:rPr lang="it-IT" dirty="0" err="1" smtClean="0"/>
+              <a:t>LeapMotion</a:t>
+            </a:r>
+            <a:r>
+              <a:rPr lang="it-IT" dirty="0" smtClean="0"/>
+              <a:t>.</a:t>
+            </a:r>
+          </a:p>
+          <a:p>
+            <a:endParaRPr lang="it-IT" dirty="0"/>
+          </a:p>
+          <a:p>
+            <a:r>
+              <a:rPr lang="it-IT" dirty="0" smtClean="0"/>
+              <a:t>I valori vengono mandati alla classe </a:t>
+            </a:r>
+            <a:r>
+              <a:rPr lang="it-IT" dirty="0" err="1" smtClean="0"/>
+              <a:t>CommandManager</a:t>
+            </a:r>
+            <a:endParaRPr lang="it-IT" dirty="0" smtClean="0"/>
+          </a:p>
+          <a:p>
+            <a:endParaRPr lang="it-IT" dirty="0"/>
+          </a:p>
+          <a:p>
+            <a:r>
+              <a:rPr lang="it-IT" dirty="0" smtClean="0"/>
+              <a:t>Controllo altezza e rollio con mano sinistra e movimento con mano destra.</a:t>
+            </a:r>
+            <a:endParaRPr lang="it-IT" dirty="0"/>
+          </a:p>
+        </p:txBody>
+      </p:sp>
     </p:spTree>
     <p:extLst>
       <p:ext uri="{BB962C8B-B14F-4D97-AF65-F5344CB8AC3E}">
-        <p14:creationId xmlns:p14="http://schemas.microsoft.com/office/powerpoint/2010/main" val="1823152659"/>
+        <p14:creationId xmlns:p14="http://schemas.microsoft.com/office/powerpoint/2010/main" val="96611309"/>
       </p:ext>
     </p:extLst>
   </p:cSld>
@@ -5114,9 +5142,18 @@
           <a:lstStyle/>
           <a:p>
             <a:r>
-              <a:rPr lang="it-IT" dirty="0"/>
-              <a:t>Implementazione - Drone Controller</a:t>
-            </a:r>
+              <a:rPr lang="it-IT" dirty="0" smtClean="0"/>
+              <a:t>Drone controller - </a:t>
+            </a:r>
+            <a:r>
+              <a:rPr lang="it-IT" dirty="0" err="1" smtClean="0"/>
+              <a:t>DroneControllerMonitor</a:t>
+            </a:r>
+            <a:r>
+              <a:rPr lang="it-IT" dirty="0" smtClean="0"/>
+              <a:t> </a:t>
+            </a:r>
+            <a:endParaRPr lang="it-IT" dirty="0"/>
           </a:p>
         </p:txBody>
       </p:sp>
@@ -5141,6 +5178,39 @@
           <a:bodyPr/>
           <a:lstStyle/>
           <a:p>
+            <a:r>
+              <a:rPr lang="it-IT" dirty="0" smtClean="0"/>
+              <a:t>GUI del controller, contiene le </a:t>
+            </a:r>
+            <a:r>
+              <a:rPr lang="it-IT" dirty="0" err="1" smtClean="0"/>
+              <a:t>view</a:t>
+            </a:r>
+            <a:r>
+              <a:rPr lang="it-IT" dirty="0" smtClean="0"/>
+              <a:t> per usare il drone senz</a:t>
+            </a:r>
+            <a:r>
+              <a:rPr lang="it-IT" dirty="0" smtClean="0"/>
+              <a:t>a il sensore </a:t>
+            </a:r>
+            <a:r>
+              <a:rPr lang="it-IT" dirty="0" err="1" smtClean="0"/>
+              <a:t>LeapMotion</a:t>
+            </a:r>
+            <a:r>
+              <a:rPr lang="it-IT" dirty="0" smtClean="0"/>
+              <a:t>.</a:t>
+            </a:r>
+          </a:p>
+          <a:p>
+            <a:endParaRPr lang="it-IT" dirty="0"/>
+          </a:p>
+          <a:p>
+            <a:r>
+              <a:rPr lang="it-IT" dirty="0" smtClean="0"/>
+              <a:t>Permette di vedere i log del drone, mandare comandi singoli, impostare file di configurazione e riprodurre e registrare un volo.</a:t>
+            </a:r>
             <a:endParaRPr lang="it-IT" dirty="0"/>
           </a:p>
         </p:txBody>
@@ -5148,7 +5218,7 @@
     </p:spTree>
     <p:extLst>
       <p:ext uri="{BB962C8B-B14F-4D97-AF65-F5344CB8AC3E}">
-        <p14:creationId xmlns:p14="http://schemas.microsoft.com/office/powerpoint/2010/main" val="96611309"/>
+        <p14:creationId xmlns:p14="http://schemas.microsoft.com/office/powerpoint/2010/main" val="281161654"/>
       </p:ext>
     </p:extLst>
   </p:cSld>
@@ -5180,7 +5250,7 @@
           <p:cNvPr id="2" name="Titolo 1">
             <a:extLst>
               <a:ext uri="{FF2B5EF4-FFF2-40B4-BE49-F238E27FC236}">
-                <a16:creationId xmlns:a16="http://schemas.microsoft.com/office/drawing/2014/main" id="{3F0FD37A-1D5D-455E-952B-8DE034811EEA}"/>
+                <a16:creationId xmlns:a16="http://schemas.microsoft.com/office/drawing/2014/main" id="{D9DB1A45-7BDA-497D-8B17-A436CE5839CC}"/>
               </a:ext>
             </a:extLst>
           </p:cNvPr>
@@ -5197,9 +5267,18 @@
           <a:lstStyle/>
           <a:p>
             <a:r>
-              <a:rPr lang="it-IT" dirty="0"/>
-              <a:t>Implementazione - Drone Simulator</a:t>
-            </a:r>
+              <a:rPr lang="it-IT" dirty="0" smtClean="0"/>
+              <a:t>Drone controller - </a:t>
+            </a:r>
+            <a:r>
+              <a:rPr lang="it-IT" dirty="0" err="1" smtClean="0"/>
+              <a:t>CommandManager</a:t>
+            </a:r>
+            <a:r>
+              <a:rPr lang="it-IT" dirty="0" smtClean="0"/>
+              <a:t> </a:t>
+            </a:r>
+            <a:endParaRPr lang="it-IT" dirty="0"/>
           </a:p>
         </p:txBody>
       </p:sp>
@@ -5208,7 +5287,7 @@
           <p:cNvPr id="3" name="Segnaposto contenuto 2">
             <a:extLst>
               <a:ext uri="{FF2B5EF4-FFF2-40B4-BE49-F238E27FC236}">
-                <a16:creationId xmlns:a16="http://schemas.microsoft.com/office/drawing/2014/main" id="{1593BB8D-6234-4254-B769-11C59281A250}"/>
+                <a16:creationId xmlns:a16="http://schemas.microsoft.com/office/drawing/2014/main" id="{8455C13B-AAA1-4CB0-A85F-80610FAFB468}"/>
               </a:ext>
             </a:extLst>
           </p:cNvPr>
@@ -5224,6 +5303,23 @@
           <a:bodyPr/>
           <a:lstStyle/>
           <a:p>
+            <a:r>
+              <a:rPr lang="it-IT" dirty="0" smtClean="0"/>
+              <a:t>Classe usata per l’invio dei comandi e la ricezione delle risposte del drone.</a:t>
+            </a:r>
+          </a:p>
+          <a:p>
+            <a:endParaRPr lang="it-IT" dirty="0"/>
+          </a:p>
+          <a:p>
+            <a:r>
+              <a:rPr lang="it-IT" dirty="0" smtClean="0"/>
+              <a:t>Usato da DroneController e </a:t>
+            </a:r>
+            <a:r>
+              <a:rPr lang="it-IT" dirty="0" err="1" smtClean="0"/>
+              <a:t>DroneControllerMonitor</a:t>
+            </a:r>
             <a:endParaRPr lang="it-IT" dirty="0"/>
           </a:p>
         </p:txBody>
@@ -5231,7 +5327,7 @@
     </p:spTree>
     <p:extLst>
       <p:ext uri="{BB962C8B-B14F-4D97-AF65-F5344CB8AC3E}">
-        <p14:creationId xmlns:p14="http://schemas.microsoft.com/office/powerpoint/2010/main" val="889728263"/>
+        <p14:creationId xmlns:p14="http://schemas.microsoft.com/office/powerpoint/2010/main" val="1976589331"/>
       </p:ext>
     </p:extLst>
   </p:cSld>
@@ -5263,7 +5359,7 @@
           <p:cNvPr id="2" name="Titolo 1">
             <a:extLst>
               <a:ext uri="{FF2B5EF4-FFF2-40B4-BE49-F238E27FC236}">
-                <a16:creationId xmlns:a16="http://schemas.microsoft.com/office/drawing/2014/main" id="{3147DEAE-8114-4FD8-A8DA-73F55ED7CD7E}"/>
+                <a16:creationId xmlns:a16="http://schemas.microsoft.com/office/drawing/2014/main" id="{3F0FD37A-1D5D-455E-952B-8DE034811EEA}"/>
               </a:ext>
             </a:extLst>
           </p:cNvPr>
@@ -5280,9 +5376,10 @@
           <a:lstStyle/>
           <a:p>
             <a:r>
-              <a:rPr lang="it-IT" dirty="0"/>
-              <a:t>Conclusioni</a:t>
-            </a:r>
+              <a:rPr lang="it-IT" dirty="0" smtClean="0"/>
+              <a:t>Drone Simulator - Simulator</a:t>
+            </a:r>
+            <a:endParaRPr lang="it-IT" dirty="0"/>
           </a:p>
         </p:txBody>
       </p:sp>
@@ -5291,7 +5388,7 @@
           <p:cNvPr id="3" name="Segnaposto contenuto 2">
             <a:extLst>
               <a:ext uri="{FF2B5EF4-FFF2-40B4-BE49-F238E27FC236}">
-                <a16:creationId xmlns:a16="http://schemas.microsoft.com/office/drawing/2014/main" id="{D8CAC4C4-2D40-4ECB-87B0-7E1EC66DE40F}"/>
+                <a16:creationId xmlns:a16="http://schemas.microsoft.com/office/drawing/2014/main" id="{1593BB8D-6234-4254-B769-11C59281A250}"/>
               </a:ext>
             </a:extLst>
           </p:cNvPr>
@@ -5307,6 +5404,35 @@
           <a:bodyPr/>
           <a:lstStyle/>
           <a:p>
+            <a:r>
+              <a:rPr lang="it-IT" dirty="0" smtClean="0"/>
+              <a:t>Riceve i comandi in entrata dal sensore </a:t>
+            </a:r>
+            <a:r>
+              <a:rPr lang="it-IT" dirty="0" err="1" smtClean="0"/>
+              <a:t>LeapMotion</a:t>
+            </a:r>
+            <a:r>
+              <a:rPr lang="it-IT" dirty="0" smtClean="0"/>
+              <a:t>.</a:t>
+            </a:r>
+          </a:p>
+          <a:p>
+            <a:endParaRPr lang="it-IT" dirty="0"/>
+          </a:p>
+          <a:p>
+            <a:r>
+              <a:rPr lang="it-IT" dirty="0" smtClean="0"/>
+              <a:t>Inoltro dei comandi verso la classe </a:t>
+            </a:r>
+            <a:r>
+              <a:rPr lang="it-IT" dirty="0" err="1" smtClean="0"/>
+              <a:t>CommandReader</a:t>
+            </a:r>
+            <a:r>
+              <a:rPr lang="it-IT" dirty="0" smtClean="0"/>
+              <a:t>.</a:t>
+            </a:r>
             <a:endParaRPr lang="it-IT" dirty="0"/>
           </a:p>
         </p:txBody>
@@ -5314,7 +5440,250 @@
     </p:spTree>
     <p:extLst>
       <p:ext uri="{BB962C8B-B14F-4D97-AF65-F5344CB8AC3E}">
-        <p14:creationId xmlns:p14="http://schemas.microsoft.com/office/powerpoint/2010/main" val="1415341047"/>
+        <p14:creationId xmlns:p14="http://schemas.microsoft.com/office/powerpoint/2010/main" val="889728263"/>
+      </p:ext>
+    </p:extLst>
+  </p:cSld>
+  <p:clrMapOvr>
+    <a:masterClrMapping/>
+  </p:clrMapOvr>
+</p:sld>
+</file>
+
+<file path=ppt/slides/slide18.xml><?xml version="1.0" encoding="utf-8"?>
+<p:sld xmlns:a="http://schemas.openxmlformats.org/drawingml/2006/main" xmlns:r="http://schemas.openxmlformats.org/officeDocument/2006/relationships" xmlns:p="http://schemas.openxmlformats.org/presentationml/2006/main">
+  <p:cSld>
+    <p:spTree>
+      <p:nvGrpSpPr>
+        <p:cNvPr id="1" name=""/>
+        <p:cNvGrpSpPr/>
+        <p:nvPr/>
+      </p:nvGrpSpPr>
+      <p:grpSpPr>
+        <a:xfrm>
+          <a:off x="0" y="0"/>
+          <a:ext cx="0" cy="0"/>
+          <a:chOff x="0" y="0"/>
+          <a:chExt cx="0" cy="0"/>
+        </a:xfrm>
+      </p:grpSpPr>
+      <p:sp>
+        <p:nvSpPr>
+          <p:cNvPr id="2" name="Titolo 1">
+            <a:extLst>
+              <a:ext uri="{FF2B5EF4-FFF2-40B4-BE49-F238E27FC236}">
+                <a16:creationId xmlns:a16="http://schemas.microsoft.com/office/drawing/2014/main" id="{3F0FD37A-1D5D-455E-952B-8DE034811EEA}"/>
+              </a:ext>
+            </a:extLst>
+          </p:cNvPr>
+          <p:cNvSpPr>
+            <a:spLocks noGrp="1"/>
+          </p:cNvSpPr>
+          <p:nvPr>
+            <p:ph type="title"/>
+          </p:nvPr>
+        </p:nvSpPr>
+        <p:spPr/>
+        <p:txBody>
+          <a:bodyPr/>
+          <a:lstStyle/>
+          <a:p>
+            <a:r>
+              <a:rPr lang="it-IT" dirty="0" smtClean="0"/>
+              <a:t>Drone Simulator - </a:t>
+            </a:r>
+            <a:r>
+              <a:rPr lang="it-IT" dirty="0" err="1" smtClean="0"/>
+              <a:t>CommandReader</a:t>
+            </a:r>
+            <a:endParaRPr lang="it-IT" dirty="0"/>
+          </a:p>
+        </p:txBody>
+      </p:sp>
+      <p:sp>
+        <p:nvSpPr>
+          <p:cNvPr id="3" name="Segnaposto contenuto 2">
+            <a:extLst>
+              <a:ext uri="{FF2B5EF4-FFF2-40B4-BE49-F238E27FC236}">
+                <a16:creationId xmlns:a16="http://schemas.microsoft.com/office/drawing/2014/main" id="{1593BB8D-6234-4254-B769-11C59281A250}"/>
+              </a:ext>
+            </a:extLst>
+          </p:cNvPr>
+          <p:cNvSpPr>
+            <a:spLocks noGrp="1"/>
+          </p:cNvSpPr>
+          <p:nvPr>
+            <p:ph idx="1"/>
+          </p:nvPr>
+        </p:nvSpPr>
+        <p:spPr/>
+        <p:txBody>
+          <a:bodyPr/>
+          <a:lstStyle/>
+          <a:p>
+            <a:r>
+              <a:rPr lang="it-IT" dirty="0" smtClean="0"/>
+              <a:t>Riceve i comandi dalla classe Simulator.</a:t>
+            </a:r>
+          </a:p>
+          <a:p>
+            <a:endParaRPr lang="it-IT" dirty="0" smtClean="0"/>
+          </a:p>
+          <a:p>
+            <a:r>
+              <a:rPr lang="it-IT" dirty="0" smtClean="0"/>
+              <a:t>Simula i comandi della SDK di Tello. </a:t>
+            </a:r>
+          </a:p>
+          <a:p>
+            <a:endParaRPr lang="it-IT" dirty="0"/>
+          </a:p>
+          <a:p>
+            <a:r>
+              <a:rPr lang="it-IT" dirty="0" smtClean="0"/>
+              <a:t>Aggiorna le variabili contenenti informazioni su</a:t>
+            </a:r>
+            <a:br>
+              <a:rPr lang="it-IT" dirty="0" smtClean="0"/>
+            </a:br>
+            <a:r>
+              <a:rPr lang="it-IT" dirty="0" smtClean="0"/>
+              <a:t>Posizione e rotazione del drone.</a:t>
+            </a:r>
+            <a:endParaRPr lang="it-IT" dirty="0"/>
+          </a:p>
+        </p:txBody>
+      </p:sp>
+    </p:spTree>
+    <p:extLst>
+      <p:ext uri="{BB962C8B-B14F-4D97-AF65-F5344CB8AC3E}">
+        <p14:creationId xmlns:p14="http://schemas.microsoft.com/office/powerpoint/2010/main" val="156223483"/>
+      </p:ext>
+    </p:extLst>
+  </p:cSld>
+  <p:clrMapOvr>
+    <a:masterClrMapping/>
+  </p:clrMapOvr>
+</p:sld>
+</file>
+
+<file path=ppt/slides/slide19.xml><?xml version="1.0" encoding="utf-8"?>
+<p:sld xmlns:a="http://schemas.openxmlformats.org/drawingml/2006/main" xmlns:r="http://schemas.openxmlformats.org/officeDocument/2006/relationships" xmlns:p="http://schemas.openxmlformats.org/presentationml/2006/main">
+  <p:cSld>
+    <p:spTree>
+      <p:nvGrpSpPr>
+        <p:cNvPr id="1" name=""/>
+        <p:cNvGrpSpPr/>
+        <p:nvPr/>
+      </p:nvGrpSpPr>
+      <p:grpSpPr>
+        <a:xfrm>
+          <a:off x="0" y="0"/>
+          <a:ext cx="0" cy="0"/>
+          <a:chOff x="0" y="0"/>
+          <a:chExt cx="0" cy="0"/>
+        </a:xfrm>
+      </p:grpSpPr>
+      <p:sp>
+        <p:nvSpPr>
+          <p:cNvPr id="2" name="Titolo 1">
+            <a:extLst>
+              <a:ext uri="{FF2B5EF4-FFF2-40B4-BE49-F238E27FC236}">
+                <a16:creationId xmlns:a16="http://schemas.microsoft.com/office/drawing/2014/main" id="{3F0FD37A-1D5D-455E-952B-8DE034811EEA}"/>
+              </a:ext>
+            </a:extLst>
+          </p:cNvPr>
+          <p:cNvSpPr>
+            <a:spLocks noGrp="1"/>
+          </p:cNvSpPr>
+          <p:nvPr>
+            <p:ph type="title"/>
+          </p:nvPr>
+        </p:nvSpPr>
+        <p:spPr/>
+        <p:txBody>
+          <a:bodyPr/>
+          <a:lstStyle/>
+          <a:p>
+            <a:r>
+              <a:rPr lang="it-IT" dirty="0" smtClean="0"/>
+              <a:t>Drone Simulator - </a:t>
+            </a:r>
+            <a:r>
+              <a:rPr lang="it-IT" dirty="0" err="1" smtClean="0"/>
+              <a:t>TelloChartFrame</a:t>
+            </a:r>
+            <a:endParaRPr lang="it-IT" dirty="0"/>
+          </a:p>
+        </p:txBody>
+      </p:sp>
+      <p:sp>
+        <p:nvSpPr>
+          <p:cNvPr id="3" name="Segnaposto contenuto 2">
+            <a:extLst>
+              <a:ext uri="{FF2B5EF4-FFF2-40B4-BE49-F238E27FC236}">
+                <a16:creationId xmlns:a16="http://schemas.microsoft.com/office/drawing/2014/main" id="{1593BB8D-6234-4254-B769-11C59281A250}"/>
+              </a:ext>
+            </a:extLst>
+          </p:cNvPr>
+          <p:cNvSpPr>
+            <a:spLocks noGrp="1"/>
+          </p:cNvSpPr>
+          <p:nvPr>
+            <p:ph idx="1"/>
+          </p:nvPr>
+        </p:nvSpPr>
+        <p:spPr/>
+        <p:txBody>
+          <a:bodyPr/>
+          <a:lstStyle/>
+          <a:p>
+            <a:r>
+              <a:rPr lang="it-IT" dirty="0" smtClean="0"/>
+              <a:t>Mostra i dati del drone contenuti nella classe Simulator in un </a:t>
+            </a:r>
+            <a:r>
+              <a:rPr lang="it-IT" dirty="0" err="1" smtClean="0"/>
+              <a:t>Jframe</a:t>
+            </a:r>
+            <a:r>
+              <a:rPr lang="it-IT" dirty="0" smtClean="0"/>
+              <a:t>.</a:t>
+            </a:r>
+          </a:p>
+          <a:p>
+            <a:endParaRPr lang="it-IT" dirty="0"/>
+          </a:p>
+          <a:p>
+            <a:r>
+              <a:rPr lang="it-IT" dirty="0" smtClean="0"/>
+              <a:t>Grafici posizione dall’alto e di profilo e di rotazione.</a:t>
+            </a:r>
+          </a:p>
+          <a:p>
+            <a:endParaRPr lang="it-IT" dirty="0"/>
+          </a:p>
+          <a:p>
+            <a:r>
+              <a:rPr lang="it-IT" dirty="0" smtClean="0"/>
+              <a:t>Uso della libreria </a:t>
+            </a:r>
+            <a:r>
+              <a:rPr lang="it-IT" dirty="0" err="1" smtClean="0"/>
+              <a:t>JFreeChart</a:t>
+            </a:r>
+            <a:r>
+              <a:rPr lang="it-IT" dirty="0" smtClean="0"/>
+              <a:t> per la creazione dei grafici.</a:t>
+            </a:r>
+            <a:endParaRPr lang="it-IT" dirty="0"/>
+          </a:p>
+        </p:txBody>
+      </p:sp>
+    </p:spTree>
+    <p:extLst>
+      <p:ext uri="{BB962C8B-B14F-4D97-AF65-F5344CB8AC3E}">
+        <p14:creationId xmlns:p14="http://schemas.microsoft.com/office/powerpoint/2010/main" val="3045248137"/>
       </p:ext>
     </p:extLst>
   </p:cSld>
@@ -5401,15 +5770,10 @@
           <a:lstStyle/>
           <a:p>
             <a:r>
-              <a:rPr lang="it-IT" dirty="0"/>
-              <a:t>Informazioni </a:t>
-            </a:r>
-          </a:p>
-          <a:p>
-            <a:r>
-              <a:rPr lang="it-IT" dirty="0"/>
+              <a:rPr lang="it-IT" dirty="0" smtClean="0"/>
               <a:t>Scopo </a:t>
             </a:r>
+            <a:endParaRPr lang="it-IT" dirty="0"/>
           </a:p>
           <a:p>
             <a:r>
@@ -5431,17 +5795,9 @@
           </a:p>
           <a:p>
             <a:r>
-              <a:rPr lang="it-IT" dirty="0"/>
+              <a:rPr lang="it-IT" dirty="0" smtClean="0"/>
               <a:t>Implementazione</a:t>
             </a:r>
-          </a:p>
-          <a:p>
-            <a:r>
-              <a:rPr lang="it-IT" dirty="0"/>
-              <a:t>Conclusioni</a:t>
-            </a:r>
-          </a:p>
-          <a:p>
             <a:endParaRPr lang="it-IT" dirty="0"/>
           </a:p>
         </p:txBody>
@@ -5481,7 +5837,7 @@
           <p:cNvPr id="2" name="Titolo 1">
             <a:extLst>
               <a:ext uri="{FF2B5EF4-FFF2-40B4-BE49-F238E27FC236}">
-                <a16:creationId xmlns:a16="http://schemas.microsoft.com/office/drawing/2014/main" id="{E99A97A5-E608-4718-A91E-2A348FCB2968}"/>
+                <a16:creationId xmlns:a16="http://schemas.microsoft.com/office/drawing/2014/main" id="{ABD397D9-B961-4B23-97BC-B19692FB03F4}"/>
               </a:ext>
             </a:extLst>
           </p:cNvPr>
@@ -5499,7 +5855,7 @@
           <a:p>
             <a:r>
               <a:rPr lang="it-IT" dirty="0"/>
-              <a:t>Informazioni</a:t>
+              <a:t>Scopo</a:t>
             </a:r>
           </a:p>
         </p:txBody>
@@ -5509,7 +5865,7 @@
           <p:cNvPr id="3" name="Segnaposto contenuto 2">
             <a:extLst>
               <a:ext uri="{FF2B5EF4-FFF2-40B4-BE49-F238E27FC236}">
-                <a16:creationId xmlns:a16="http://schemas.microsoft.com/office/drawing/2014/main" id="{09AA9676-F8CE-403E-8283-2152B4C28269}"/>
+                <a16:creationId xmlns:a16="http://schemas.microsoft.com/office/drawing/2014/main" id="{40E87D02-6AC6-4ED3-9205-EA03554CBC61}"/>
               </a:ext>
             </a:extLst>
           </p:cNvPr>
@@ -5525,14 +5881,34 @@
           <a:bodyPr/>
           <a:lstStyle/>
           <a:p>
-            <a:endParaRPr lang="it-IT"/>
+            <a:r>
+              <a:rPr lang="it-IT" dirty="0"/>
+              <a:t>Creazione di un sistema di controllo per il drone DJI Tello</a:t>
+            </a:r>
+          </a:p>
+          <a:p>
+            <a:r>
+              <a:rPr lang="it-IT" dirty="0"/>
+              <a:t>Uso del sensore </a:t>
+            </a:r>
+            <a:r>
+              <a:rPr lang="it-IT" dirty="0" err="1"/>
+              <a:t>LeapMotion</a:t>
+            </a:r>
+            <a:r>
+              <a:rPr lang="it-IT" dirty="0"/>
+              <a:t> </a:t>
+            </a:r>
+          </a:p>
+          <a:p>
+            <a:endParaRPr lang="it-IT" dirty="0"/>
           </a:p>
         </p:txBody>
       </p:sp>
     </p:spTree>
     <p:extLst>
       <p:ext uri="{BB962C8B-B14F-4D97-AF65-F5344CB8AC3E}">
-        <p14:creationId xmlns:p14="http://schemas.microsoft.com/office/powerpoint/2010/main" val="1293173216"/>
+        <p14:creationId xmlns:p14="http://schemas.microsoft.com/office/powerpoint/2010/main" val="3035399364"/>
       </p:ext>
     </p:extLst>
   </p:cSld>
@@ -5564,7 +5940,7 @@
           <p:cNvPr id="2" name="Titolo 1">
             <a:extLst>
               <a:ext uri="{FF2B5EF4-FFF2-40B4-BE49-F238E27FC236}">
-                <a16:creationId xmlns:a16="http://schemas.microsoft.com/office/drawing/2014/main" id="{ABD397D9-B961-4B23-97BC-B19692FB03F4}"/>
+                <a16:creationId xmlns:a16="http://schemas.microsoft.com/office/drawing/2014/main" id="{A6E38D85-D74D-48A5-902A-B40522E1AF5F}"/>
               </a:ext>
             </a:extLst>
           </p:cNvPr>
@@ -5582,7 +5958,7 @@
           <a:p>
             <a:r>
               <a:rPr lang="it-IT" dirty="0"/>
-              <a:t>Scopo</a:t>
+              <a:t>Analisi dei mezzi</a:t>
             </a:r>
           </a:p>
         </p:txBody>
@@ -5592,7 +5968,7 @@
           <p:cNvPr id="3" name="Segnaposto contenuto 2">
             <a:extLst>
               <a:ext uri="{FF2B5EF4-FFF2-40B4-BE49-F238E27FC236}">
-                <a16:creationId xmlns:a16="http://schemas.microsoft.com/office/drawing/2014/main" id="{40E87D02-6AC6-4ED3-9205-EA03554CBC61}"/>
+                <a16:creationId xmlns:a16="http://schemas.microsoft.com/office/drawing/2014/main" id="{ED48A7F1-701A-410A-BCF6-C3F66DF3BABA}"/>
               </a:ext>
             </a:extLst>
           </p:cNvPr>
@@ -5610,21 +5986,27 @@
           <a:p>
             <a:r>
               <a:rPr lang="it-IT" dirty="0"/>
-              <a:t>Creazione di un sistema di controllo per il drone DJI Tello</a:t>
-            </a:r>
-          </a:p>
-          <a:p>
+              <a:t>Sensore </a:t>
+            </a:r>
+            <a:r>
+              <a:rPr lang="it-IT" dirty="0" err="1"/>
+              <a:t>Leap</a:t>
+            </a:r>
             <a:r>
               <a:rPr lang="it-IT" dirty="0"/>
-              <a:t>Uso del sensore </a:t>
-            </a:r>
-            <a:r>
-              <a:rPr lang="it-IT" dirty="0" err="1"/>
-              <a:t>LeapMotion</a:t>
-            </a:r>
+              <a:t> Motion</a:t>
+            </a:r>
+          </a:p>
+          <a:p>
             <a:r>
               <a:rPr lang="it-IT" dirty="0"/>
-              <a:t> </a:t>
+              <a:t>Drone DJI Tello</a:t>
+            </a:r>
+          </a:p>
+          <a:p>
+            <a:r>
+              <a:rPr lang="it-IT" dirty="0"/>
+              <a:t>Pc</a:t>
             </a:r>
           </a:p>
           <a:p>
@@ -5635,7 +6017,7 @@
     </p:spTree>
     <p:extLst>
       <p:ext uri="{BB962C8B-B14F-4D97-AF65-F5344CB8AC3E}">
-        <p14:creationId xmlns:p14="http://schemas.microsoft.com/office/powerpoint/2010/main" val="3035399364"/>
+        <p14:creationId xmlns:p14="http://schemas.microsoft.com/office/powerpoint/2010/main" val="832984200"/>
       </p:ext>
     </p:extLst>
   </p:cSld>
@@ -5667,7 +6049,7 @@
           <p:cNvPr id="2" name="Titolo 1">
             <a:extLst>
               <a:ext uri="{FF2B5EF4-FFF2-40B4-BE49-F238E27FC236}">
-                <a16:creationId xmlns:a16="http://schemas.microsoft.com/office/drawing/2014/main" id="{A6E38D85-D74D-48A5-902A-B40522E1AF5F}"/>
+                <a16:creationId xmlns:a16="http://schemas.microsoft.com/office/drawing/2014/main" id="{5DCB6089-6698-4FF3-8E7C-468499D5272F}"/>
               </a:ext>
             </a:extLst>
           </p:cNvPr>
@@ -5685,66 +6067,50 @@
           <a:p>
             <a:r>
               <a:rPr lang="it-IT" dirty="0"/>
-              <a:t>Analisi dei mezzi</a:t>
-            </a:r>
-          </a:p>
-        </p:txBody>
-      </p:sp>
-      <p:sp>
-        <p:nvSpPr>
-          <p:cNvPr id="3" name="Segnaposto contenuto 2">
-            <a:extLst>
-              <a:ext uri="{FF2B5EF4-FFF2-40B4-BE49-F238E27FC236}">
-                <a16:creationId xmlns:a16="http://schemas.microsoft.com/office/drawing/2014/main" id="{ED48A7F1-701A-410A-BCF6-C3F66DF3BABA}"/>
-              </a:ext>
-            </a:extLst>
-          </p:cNvPr>
-          <p:cNvSpPr>
-            <a:spLocks noGrp="1"/>
-          </p:cNvSpPr>
+              <a:t>Gantt Preventivo</a:t>
+            </a:r>
+          </a:p>
+        </p:txBody>
+      </p:sp>
+      <p:pic>
+        <p:nvPicPr>
+          <p:cNvPr id="5" name="Segnaposto contenuto 4">
+            <a:extLst>
+              <a:ext uri="{FF2B5EF4-FFF2-40B4-BE49-F238E27FC236}">
+                <a16:creationId xmlns:a16="http://schemas.microsoft.com/office/drawing/2014/main" id="{2024D221-4227-4982-B329-6FA439C39E60}"/>
+              </a:ext>
+            </a:extLst>
+          </p:cNvPr>
+          <p:cNvPicPr>
+            <a:picLocks noGrp="1" noChangeAspect="1"/>
+          </p:cNvPicPr>
           <p:nvPr>
             <p:ph idx="1"/>
           </p:nvPr>
-        </p:nvSpPr>
-        <p:spPr/>
-        <p:txBody>
-          <a:bodyPr/>
-          <a:lstStyle/>
-          <a:p>
-            <a:r>
-              <a:rPr lang="it-IT" dirty="0"/>
-              <a:t>Sensore </a:t>
-            </a:r>
-            <a:r>
-              <a:rPr lang="it-IT" dirty="0" err="1"/>
-              <a:t>Leap</a:t>
-            </a:r>
-            <a:r>
-              <a:rPr lang="it-IT" dirty="0"/>
-              <a:t> Motion</a:t>
-            </a:r>
-          </a:p>
-          <a:p>
-            <a:r>
-              <a:rPr lang="it-IT" dirty="0"/>
-              <a:t>Drone DJI Tello</a:t>
-            </a:r>
-          </a:p>
-          <a:p>
-            <a:r>
-              <a:rPr lang="it-IT" dirty="0"/>
-              <a:t>Pc</a:t>
-            </a:r>
-          </a:p>
-          <a:p>
-            <a:endParaRPr lang="it-IT" dirty="0"/>
-          </a:p>
-        </p:txBody>
-      </p:sp>
+        </p:nvPicPr>
+        <p:blipFill>
+          <a:blip r:embed="rId2">
+            <a:extLst>
+              <a:ext uri="{28A0092B-C50C-407E-A947-70E740481C1C}">
+                <a14:useLocalDpi xmlns:a14="http://schemas.microsoft.com/office/drawing/2010/main" val="0"/>
+              </a:ext>
+            </a:extLst>
+          </a:blip>
+          <a:stretch>
+            <a:fillRect/>
+          </a:stretch>
+        </p:blipFill>
+        <p:spPr>
+          <a:xfrm>
+            <a:off x="838200" y="1535312"/>
+            <a:ext cx="10515600" cy="4931965"/>
+          </a:xfrm>
+        </p:spPr>
+      </p:pic>
     </p:spTree>
     <p:extLst>
       <p:ext uri="{BB962C8B-B14F-4D97-AF65-F5344CB8AC3E}">
-        <p14:creationId xmlns:p14="http://schemas.microsoft.com/office/powerpoint/2010/main" val="832984200"/>
+        <p14:creationId xmlns:p14="http://schemas.microsoft.com/office/powerpoint/2010/main" val="3571388666"/>
       </p:ext>
     </p:extLst>
   </p:cSld>
@@ -5776,7 +6142,7 @@
           <p:cNvPr id="2" name="Titolo 1">
             <a:extLst>
               <a:ext uri="{FF2B5EF4-FFF2-40B4-BE49-F238E27FC236}">
-                <a16:creationId xmlns:a16="http://schemas.microsoft.com/office/drawing/2014/main" id="{5DCB6089-6698-4FF3-8E7C-468499D5272F}"/>
+                <a16:creationId xmlns:a16="http://schemas.microsoft.com/office/drawing/2014/main" id="{B24D6D05-F2B5-4AE7-A004-8AE7B1DF8774}"/>
               </a:ext>
             </a:extLst>
           </p:cNvPr>
@@ -5794,7 +6160,7 @@
           <a:p>
             <a:r>
               <a:rPr lang="it-IT" dirty="0"/>
-              <a:t>Gantt Preventivo</a:t>
+              <a:t>Gantt Consuntivo</a:t>
             </a:r>
           </a:p>
         </p:txBody>
@@ -5804,7 +6170,7 @@
           <p:cNvPr id="5" name="Segnaposto contenuto 4">
             <a:extLst>
               <a:ext uri="{FF2B5EF4-FFF2-40B4-BE49-F238E27FC236}">
-                <a16:creationId xmlns:a16="http://schemas.microsoft.com/office/drawing/2014/main" id="{2024D221-4227-4982-B329-6FA439C39E60}"/>
+                <a16:creationId xmlns:a16="http://schemas.microsoft.com/office/drawing/2014/main" id="{E51A0314-859A-4C53-AC34-872FE7B05A4B}"/>
               </a:ext>
             </a:extLst>
           </p:cNvPr>
@@ -5829,15 +6195,15 @@
         </p:blipFill>
         <p:spPr>
           <a:xfrm>
-            <a:off x="838200" y="1535312"/>
-            <a:ext cx="10515600" cy="4931965"/>
+            <a:off x="838199" y="1533574"/>
+            <a:ext cx="10515599" cy="4935440"/>
           </a:xfrm>
         </p:spPr>
       </p:pic>
     </p:spTree>
     <p:extLst>
       <p:ext uri="{BB962C8B-B14F-4D97-AF65-F5344CB8AC3E}">
-        <p14:creationId xmlns:p14="http://schemas.microsoft.com/office/powerpoint/2010/main" val="3571388666"/>
+        <p14:creationId xmlns:p14="http://schemas.microsoft.com/office/powerpoint/2010/main" val="3691366332"/>
       </p:ext>
     </p:extLst>
   </p:cSld>
@@ -5869,7 +6235,7 @@
           <p:cNvPr id="2" name="Titolo 1">
             <a:extLst>
               <a:ext uri="{FF2B5EF4-FFF2-40B4-BE49-F238E27FC236}">
-                <a16:creationId xmlns:a16="http://schemas.microsoft.com/office/drawing/2014/main" id="{B24D6D05-F2B5-4AE7-A004-8AE7B1DF8774}"/>
+                <a16:creationId xmlns:a16="http://schemas.microsoft.com/office/drawing/2014/main" id="{86131B77-2CAB-4ABE-AB1C-9583BFF5E162}"/>
               </a:ext>
             </a:extLst>
           </p:cNvPr>
@@ -5880,14 +6246,19 @@
             <p:ph type="title"/>
           </p:nvPr>
         </p:nvSpPr>
-        <p:spPr/>
+        <p:spPr>
+          <a:xfrm>
+            <a:off x="838200" y="365125"/>
+            <a:ext cx="10515600" cy="1034467"/>
+          </a:xfrm>
+        </p:spPr>
         <p:txBody>
           <a:bodyPr/>
           <a:lstStyle/>
           <a:p>
             <a:r>
               <a:rPr lang="it-IT" dirty="0"/>
-              <a:t>Gantt Consuntivo</a:t>
+              <a:t>Architettura del sistema - DroneController</a:t>
             </a:r>
           </a:p>
         </p:txBody>
@@ -5897,7 +6268,7 @@
           <p:cNvPr id="5" name="Segnaposto contenuto 4">
             <a:extLst>
               <a:ext uri="{FF2B5EF4-FFF2-40B4-BE49-F238E27FC236}">
-                <a16:creationId xmlns:a16="http://schemas.microsoft.com/office/drawing/2014/main" id="{E51A0314-859A-4C53-AC34-872FE7B05A4B}"/>
+                <a16:creationId xmlns:a16="http://schemas.microsoft.com/office/drawing/2014/main" id="{6A174CF4-11F1-4BAA-875B-EDED8D6A440E}"/>
               </a:ext>
             </a:extLst>
           </p:cNvPr>
@@ -5922,15 +6293,15 @@
         </p:blipFill>
         <p:spPr>
           <a:xfrm>
-            <a:off x="838199" y="1533574"/>
-            <a:ext cx="10515599" cy="4935440"/>
+            <a:off x="1387928" y="1129487"/>
+            <a:ext cx="9416143" cy="5560562"/>
           </a:xfrm>
         </p:spPr>
       </p:pic>
     </p:spTree>
     <p:extLst>
       <p:ext uri="{BB962C8B-B14F-4D97-AF65-F5344CB8AC3E}">
-        <p14:creationId xmlns:p14="http://schemas.microsoft.com/office/powerpoint/2010/main" val="3691366332"/>
+        <p14:creationId xmlns:p14="http://schemas.microsoft.com/office/powerpoint/2010/main" val="2359387926"/>
       </p:ext>
     </p:extLst>
   </p:cSld>
@@ -5962,7 +6333,7 @@
           <p:cNvPr id="2" name="Titolo 1">
             <a:extLst>
               <a:ext uri="{FF2B5EF4-FFF2-40B4-BE49-F238E27FC236}">
-                <a16:creationId xmlns:a16="http://schemas.microsoft.com/office/drawing/2014/main" id="{86131B77-2CAB-4ABE-AB1C-9583BFF5E162}"/>
+                <a16:creationId xmlns:a16="http://schemas.microsoft.com/office/drawing/2014/main" id="{29F3462E-E528-4BBD-8846-4D531BF5AB5C}"/>
               </a:ext>
             </a:extLst>
           </p:cNvPr>
@@ -5976,7 +6347,7 @@
         <p:spPr>
           <a:xfrm>
             <a:off x="838200" y="365125"/>
-            <a:ext cx="10515600" cy="1034467"/>
+            <a:ext cx="10515600" cy="1015806"/>
           </a:xfrm>
         </p:spPr>
         <p:txBody>
@@ -5985,17 +6356,17 @@
           <a:p>
             <a:r>
               <a:rPr lang="it-IT" dirty="0"/>
-              <a:t>Architettura del sistema - DroneController</a:t>
+              <a:t>Architettura del sistema - DroneSimulator</a:t>
             </a:r>
           </a:p>
         </p:txBody>
       </p:sp>
       <p:pic>
         <p:nvPicPr>
-          <p:cNvPr id="5" name="Segnaposto contenuto 4">
-            <a:extLst>
-              <a:ext uri="{FF2B5EF4-FFF2-40B4-BE49-F238E27FC236}">
-                <a16:creationId xmlns:a16="http://schemas.microsoft.com/office/drawing/2014/main" id="{6A174CF4-11F1-4BAA-875B-EDED8D6A440E}"/>
+          <p:cNvPr id="7" name="Segnaposto contenuto 6">
+            <a:extLst>
+              <a:ext uri="{FF2B5EF4-FFF2-40B4-BE49-F238E27FC236}">
+                <a16:creationId xmlns:a16="http://schemas.microsoft.com/office/drawing/2014/main" id="{19FA45B5-E851-41B4-854D-8E333E2A9711}"/>
               </a:ext>
             </a:extLst>
           </p:cNvPr>
@@ -6020,15 +6391,15 @@
         </p:blipFill>
         <p:spPr>
           <a:xfrm>
-            <a:off x="1387928" y="1129487"/>
-            <a:ext cx="9416143" cy="5560562"/>
+            <a:off x="2206744" y="1147666"/>
+            <a:ext cx="7778512" cy="5491073"/>
           </a:xfrm>
         </p:spPr>
       </p:pic>
     </p:spTree>
     <p:extLst>
       <p:ext uri="{BB962C8B-B14F-4D97-AF65-F5344CB8AC3E}">
-        <p14:creationId xmlns:p14="http://schemas.microsoft.com/office/powerpoint/2010/main" val="2359387926"/>
+        <p14:creationId xmlns:p14="http://schemas.microsoft.com/office/powerpoint/2010/main" val="14717307"/>
       </p:ext>
     </p:extLst>
   </p:cSld>
@@ -6060,7 +6431,7 @@
           <p:cNvPr id="2" name="Titolo 1">
             <a:extLst>
               <a:ext uri="{FF2B5EF4-FFF2-40B4-BE49-F238E27FC236}">
-                <a16:creationId xmlns:a16="http://schemas.microsoft.com/office/drawing/2014/main" id="{29F3462E-E528-4BBD-8846-4D531BF5AB5C}"/>
+                <a16:creationId xmlns:a16="http://schemas.microsoft.com/office/drawing/2014/main" id="{D3E6C80D-A389-41E6-B725-547142420645}"/>
               </a:ext>
             </a:extLst>
           </p:cNvPr>
@@ -6071,29 +6442,24 @@
             <p:ph type="title"/>
           </p:nvPr>
         </p:nvSpPr>
-        <p:spPr>
-          <a:xfrm>
-            <a:off x="838200" y="365125"/>
-            <a:ext cx="10515600" cy="1015806"/>
-          </a:xfrm>
-        </p:spPr>
+        <p:spPr/>
         <p:txBody>
           <a:bodyPr/>
           <a:lstStyle/>
           <a:p>
             <a:r>
               <a:rPr lang="it-IT" dirty="0"/>
-              <a:t>Architettura del sistema - DroneSimulator</a:t>
+              <a:t>Schema Logico</a:t>
             </a:r>
           </a:p>
         </p:txBody>
       </p:sp>
       <p:pic>
         <p:nvPicPr>
-          <p:cNvPr id="7" name="Segnaposto contenuto 6">
-            <a:extLst>
-              <a:ext uri="{FF2B5EF4-FFF2-40B4-BE49-F238E27FC236}">
-                <a16:creationId xmlns:a16="http://schemas.microsoft.com/office/drawing/2014/main" id="{19FA45B5-E851-41B4-854D-8E333E2A9711}"/>
+          <p:cNvPr id="5" name="Segnaposto contenuto 4">
+            <a:extLst>
+              <a:ext uri="{FF2B5EF4-FFF2-40B4-BE49-F238E27FC236}">
+                <a16:creationId xmlns:a16="http://schemas.microsoft.com/office/drawing/2014/main" id="{89BEF299-2FBB-4AD7-B12B-277B491D1320}"/>
               </a:ext>
             </a:extLst>
           </p:cNvPr>
@@ -6105,7 +6471,7 @@
           </p:nvPr>
         </p:nvPicPr>
         <p:blipFill>
-          <a:blip r:embed="rId2">
+          <a:blip r:embed="rId3">
             <a:extLst>
               <a:ext uri="{28A0092B-C50C-407E-A947-70E740481C1C}">
                 <a14:useLocalDpi xmlns:a14="http://schemas.microsoft.com/office/drawing/2010/main" val="0"/>
@@ -6118,15 +6484,15 @@
         </p:blipFill>
         <p:spPr>
           <a:xfrm>
-            <a:off x="2206744" y="1147666"/>
-            <a:ext cx="7778512" cy="5491073"/>
+            <a:off x="1922107" y="1463114"/>
+            <a:ext cx="8276252" cy="5032857"/>
           </a:xfrm>
         </p:spPr>
       </p:pic>
     </p:spTree>
     <p:extLst>
       <p:ext uri="{BB962C8B-B14F-4D97-AF65-F5344CB8AC3E}">
-        <p14:creationId xmlns:p14="http://schemas.microsoft.com/office/powerpoint/2010/main" val="14717307"/>
+        <p14:creationId xmlns:p14="http://schemas.microsoft.com/office/powerpoint/2010/main" val="389895582"/>
       </p:ext>
     </p:extLst>
   </p:cSld>

--- a/docs/Presentazione.pptx
+++ b/docs/Presentazione.pptx
@@ -5,7 +5,7 @@
     <p:sldMasterId id="2147483648" r:id="rId1"/>
   </p:sldMasterIdLst>
   <p:notesMasterIdLst>
-    <p:notesMasterId r:id="rId21"/>
+    <p:notesMasterId r:id="rId23"/>
   </p:notesMasterIdLst>
   <p:sldIdLst>
     <p:sldId id="256" r:id="rId2"/>
@@ -24,9 +24,11 @@
     <p:sldId id="267" r:id="rId15"/>
     <p:sldId id="276" r:id="rId16"/>
     <p:sldId id="277" r:id="rId17"/>
-    <p:sldId id="266" r:id="rId18"/>
-    <p:sldId id="275" r:id="rId19"/>
-    <p:sldId id="274" r:id="rId20"/>
+    <p:sldId id="278" r:id="rId18"/>
+    <p:sldId id="266" r:id="rId19"/>
+    <p:sldId id="275" r:id="rId20"/>
+    <p:sldId id="274" r:id="rId21"/>
+    <p:sldId id="279" r:id="rId22"/>
   </p:sldIdLst>
   <p:sldSz cx="12192000" cy="6858000"/>
   <p:notesSz cx="6858000" cy="9144000"/>
@@ -527,7 +529,7 @@
           <a:lstStyle/>
           <a:p>
             <a:r>
-              <a:rPr lang="it-IT" sz="1200" b="0" i="0" kern="1200" dirty="0">
+              <a:rPr lang="it-IT" sz="1200" b="0" i="0" kern="1200" dirty="0" smtClean="0">
                 <a:solidFill>
                   <a:schemeClr val="tx1"/>
                 </a:solidFill>
@@ -536,31 +538,7 @@
                 <a:ea typeface="+mn-ea"/>
                 <a:cs typeface="+mn-cs"/>
               </a:rPr>
-              <a:t>Sul lato sinistro si può vedere il sensore ed il controller che fanno da client, successivamente i dati rilevati verranno mandati attraverso un </a:t>
-            </a:r>
-            <a:r>
-              <a:rPr lang="it-IT" sz="1200" b="0" i="0" kern="1200" dirty="0" err="1">
-                <a:solidFill>
-                  <a:schemeClr val="tx1"/>
-                </a:solidFill>
-                <a:effectLst/>
-                <a:latin typeface="+mn-lt"/>
-                <a:ea typeface="+mn-ea"/>
-                <a:cs typeface="+mn-cs"/>
-              </a:rPr>
-              <a:t>socket</a:t>
-            </a:r>
-            <a:r>
-              <a:rPr lang="it-IT" sz="1200" b="0" i="0" kern="1200" dirty="0">
-                <a:solidFill>
-                  <a:schemeClr val="tx1"/>
-                </a:solidFill>
-                <a:effectLst/>
-                <a:latin typeface="+mn-lt"/>
-                <a:ea typeface="+mn-ea"/>
-                <a:cs typeface="+mn-cs"/>
-              </a:rPr>
-              <a:t> UDP in Java al Simulatore oppure al Drone stesso.</a:t>
+              <a:t>.</a:t>
             </a:r>
             <a:endParaRPr lang="it-IT" dirty="0"/>
           </a:p>
@@ -730,169 +708,6 @@
           <a:bodyPr/>
           <a:lstStyle/>
           <a:p>
-            <a:r>
-              <a:rPr lang="it-IT" dirty="0"/>
-              <a:t>Log: </a:t>
-            </a:r>
-          </a:p>
-          <a:p>
-            <a:pPr marL="0" marR="0" lvl="0" indent="0" algn="l" defTabSz="914400" rtl="0" eaLnBrk="1" fontAlgn="auto" latinLnBrk="0" hangingPunct="1">
-              <a:lnSpc>
-                <a:spcPct val="100000"/>
-              </a:lnSpc>
-              <a:spcBef>
-                <a:spcPts val="0"/>
-              </a:spcBef>
-              <a:spcAft>
-                <a:spcPts val="0"/>
-              </a:spcAft>
-              <a:buClrTx/>
-              <a:buSzTx/>
-              <a:buFontTx/>
-              <a:buNone/>
-              <a:tabLst/>
-              <a:defRPr/>
-            </a:pPr>
-            <a:r>
-              <a:rPr lang="it-IT" sz="1200" b="0" i="0" kern="1200" dirty="0" err="1">
-                <a:solidFill>
-                  <a:schemeClr val="tx1"/>
-                </a:solidFill>
-                <a:effectLst/>
-                <a:latin typeface="+mn-lt"/>
-                <a:ea typeface="+mn-ea"/>
-                <a:cs typeface="+mn-cs"/>
-              </a:rPr>
-              <a:t>Textarea</a:t>
-            </a:r>
-            <a:r>
-              <a:rPr lang="it-IT" sz="1200" b="0" i="0" kern="1200" dirty="0">
-                <a:solidFill>
-                  <a:schemeClr val="tx1"/>
-                </a:solidFill>
-                <a:effectLst/>
-                <a:latin typeface="+mn-lt"/>
-                <a:ea typeface="+mn-ea"/>
-                <a:cs typeface="+mn-cs"/>
-              </a:rPr>
-              <a:t> che permette di leggere direttamente dalla GUI i log</a:t>
-            </a:r>
-          </a:p>
-          <a:p>
-            <a:pPr marL="0" marR="0" lvl="0" indent="0" algn="l" defTabSz="914400" rtl="0" eaLnBrk="1" fontAlgn="auto" latinLnBrk="0" hangingPunct="1">
-              <a:lnSpc>
-                <a:spcPct val="100000"/>
-              </a:lnSpc>
-              <a:spcBef>
-                <a:spcPts val="0"/>
-              </a:spcBef>
-              <a:spcAft>
-                <a:spcPts val="0"/>
-              </a:spcAft>
-              <a:buClrTx/>
-              <a:buSzTx/>
-              <a:buFontTx/>
-              <a:buNone/>
-              <a:tabLst/>
-              <a:defRPr/>
-            </a:pPr>
-            <a:endParaRPr lang="it-IT" sz="1200" b="0" i="0" kern="1200" dirty="0">
-              <a:solidFill>
-                <a:schemeClr val="tx1"/>
-              </a:solidFill>
-              <a:effectLst/>
-              <a:latin typeface="+mn-lt"/>
-              <a:ea typeface="+mn-ea"/>
-              <a:cs typeface="+mn-cs"/>
-            </a:endParaRPr>
-          </a:p>
-          <a:p>
-            <a:pPr marL="0" marR="0" lvl="0" indent="0" algn="l" defTabSz="914400" rtl="0" eaLnBrk="1" fontAlgn="auto" latinLnBrk="0" hangingPunct="1">
-              <a:lnSpc>
-                <a:spcPct val="100000"/>
-              </a:lnSpc>
-              <a:spcBef>
-                <a:spcPts val="0"/>
-              </a:spcBef>
-              <a:spcAft>
-                <a:spcPts val="0"/>
-              </a:spcAft>
-              <a:buClrTx/>
-              <a:buSzTx/>
-              <a:buFontTx/>
-              <a:buNone/>
-              <a:tabLst/>
-              <a:defRPr/>
-            </a:pPr>
-            <a:r>
-              <a:rPr lang="it-IT" sz="1200" b="0" i="0" kern="1200" dirty="0">
-                <a:solidFill>
-                  <a:schemeClr val="tx1"/>
-                </a:solidFill>
-                <a:effectLst/>
-                <a:latin typeface="+mn-lt"/>
-                <a:ea typeface="+mn-ea"/>
-                <a:cs typeface="+mn-cs"/>
-              </a:rPr>
-              <a:t>Comandi rapidi:</a:t>
-            </a:r>
-          </a:p>
-          <a:p>
-            <a:pPr marL="0" marR="0" lvl="0" indent="0" algn="l" defTabSz="914400" rtl="0" eaLnBrk="1" fontAlgn="auto" latinLnBrk="0" hangingPunct="1">
-              <a:lnSpc>
-                <a:spcPct val="100000"/>
-              </a:lnSpc>
-              <a:spcBef>
-                <a:spcPts val="0"/>
-              </a:spcBef>
-              <a:spcAft>
-                <a:spcPts val="0"/>
-              </a:spcAft>
-              <a:buClrTx/>
-              <a:buSzTx/>
-              <a:buFontTx/>
-              <a:buNone/>
-              <a:tabLst/>
-              <a:defRPr/>
-            </a:pPr>
-            <a:r>
-              <a:rPr lang="it-IT" sz="1200" b="0" i="0" kern="1200" dirty="0">
-                <a:solidFill>
-                  <a:schemeClr val="tx1"/>
-                </a:solidFill>
-                <a:effectLst/>
-                <a:latin typeface="+mn-lt"/>
-                <a:ea typeface="+mn-ea"/>
-                <a:cs typeface="+mn-cs"/>
-              </a:rPr>
-              <a:t>Serie di pulsanti che permettono di guidare il drone a distanza senza utilizzare il controller </a:t>
-            </a:r>
-            <a:r>
-              <a:rPr lang="it-IT" sz="1200" b="0" i="0" kern="1200" dirty="0" err="1">
-                <a:solidFill>
-                  <a:schemeClr val="tx1"/>
-                </a:solidFill>
-                <a:effectLst/>
-                <a:latin typeface="+mn-lt"/>
-                <a:ea typeface="+mn-ea"/>
-                <a:cs typeface="+mn-cs"/>
-              </a:rPr>
-              <a:t>Leap</a:t>
-            </a:r>
-            <a:r>
-              <a:rPr lang="it-IT" sz="1200" b="0" i="0" kern="1200" dirty="0">
-                <a:solidFill>
-                  <a:schemeClr val="tx1"/>
-                </a:solidFill>
-                <a:effectLst/>
-                <a:latin typeface="+mn-lt"/>
-                <a:ea typeface="+mn-ea"/>
-                <a:cs typeface="+mn-cs"/>
-              </a:rPr>
-              <a:t> Motion</a:t>
-            </a:r>
-          </a:p>
-          <a:p>
             <a:pPr marL="0" marR="0" lvl="0" indent="0" algn="l" defTabSz="914400" rtl="0" eaLnBrk="1" fontAlgn="auto" latinLnBrk="0" hangingPunct="1">
               <a:lnSpc>
                 <a:spcPct val="100000"/>
@@ -1005,134 +820,6 @@
           <a:bodyPr/>
           <a:lstStyle/>
           <a:p>
-            <a:r>
-              <a:rPr lang="it-IT" dirty="0"/>
-              <a:t>Recording:</a:t>
-            </a:r>
-          </a:p>
-          <a:p>
-            <a:pPr marL="0" marR="0" lvl="0" indent="0" algn="l" defTabSz="914400" rtl="0" eaLnBrk="1" fontAlgn="auto" latinLnBrk="0" hangingPunct="1">
-              <a:lnSpc>
-                <a:spcPct val="100000"/>
-              </a:lnSpc>
-              <a:spcBef>
-                <a:spcPts val="0"/>
-              </a:spcBef>
-              <a:spcAft>
-                <a:spcPts val="0"/>
-              </a:spcAft>
-              <a:buClrTx/>
-              <a:buSzTx/>
-              <a:buFontTx/>
-              <a:buNone/>
-              <a:tabLst/>
-              <a:defRPr/>
-            </a:pPr>
-            <a:r>
-              <a:rPr lang="it-IT" sz="1200" b="0" i="0" kern="1200" dirty="0">
-                <a:solidFill>
-                  <a:schemeClr val="tx1"/>
-                </a:solidFill>
-                <a:effectLst/>
-                <a:latin typeface="+mn-lt"/>
-                <a:ea typeface="+mn-ea"/>
-                <a:cs typeface="+mn-cs"/>
-              </a:rPr>
-              <a:t>Pulsanti che permettono di iniziare/finire una registrazione ed un selettore che permette di selezionare il file di registrazione per poi eseguirlo</a:t>
-            </a:r>
-          </a:p>
-          <a:p>
-            <a:endParaRPr lang="it-IT" dirty="0"/>
-          </a:p>
-          <a:p>
-            <a:endParaRPr lang="it-IT" dirty="0"/>
-          </a:p>
-          <a:p>
-            <a:r>
-              <a:rPr lang="it-IT" dirty="0"/>
-              <a:t>Settings:</a:t>
-            </a:r>
-          </a:p>
-          <a:p>
-            <a:pPr marL="0" marR="0" lvl="0" indent="0" algn="l" defTabSz="914400" rtl="0" eaLnBrk="1" fontAlgn="auto" latinLnBrk="0" hangingPunct="1">
-              <a:lnSpc>
-                <a:spcPct val="100000"/>
-              </a:lnSpc>
-              <a:spcBef>
-                <a:spcPts val="0"/>
-              </a:spcBef>
-              <a:spcAft>
-                <a:spcPts val="0"/>
-              </a:spcAft>
-              <a:buClrTx/>
-              <a:buSzTx/>
-              <a:buFontTx/>
-              <a:buNone/>
-              <a:tabLst/>
-              <a:defRPr/>
-            </a:pPr>
-            <a:r>
-              <a:rPr lang="it-IT" sz="1200" b="0" i="0" kern="1200" dirty="0">
-                <a:solidFill>
-                  <a:schemeClr val="tx1"/>
-                </a:solidFill>
-                <a:effectLst/>
-                <a:latin typeface="+mn-lt"/>
-                <a:ea typeface="+mn-ea"/>
-                <a:cs typeface="+mn-cs"/>
-              </a:rPr>
-              <a:t>Una tabella che mostra il nome dei ogni opzione presente nel file di </a:t>
-            </a:r>
-            <a:r>
-              <a:rPr lang="it-IT" sz="1200" b="0" i="0" kern="1200" dirty="0" err="1">
-                <a:solidFill>
-                  <a:schemeClr val="tx1"/>
-                </a:solidFill>
-                <a:effectLst/>
-                <a:latin typeface="+mn-lt"/>
-                <a:ea typeface="+mn-ea"/>
-                <a:cs typeface="+mn-cs"/>
-              </a:rPr>
-              <a:t>config</a:t>
-            </a:r>
-            <a:r>
-              <a:rPr lang="it-IT" sz="1200" b="0" i="0" kern="1200" dirty="0">
-                <a:solidFill>
-                  <a:schemeClr val="tx1"/>
-                </a:solidFill>
-                <a:effectLst/>
-                <a:latin typeface="+mn-lt"/>
-                <a:ea typeface="+mn-ea"/>
-                <a:cs typeface="+mn-cs"/>
-              </a:rPr>
-              <a:t> e delle </a:t>
-            </a:r>
-            <a:r>
-              <a:rPr lang="it-IT" sz="1200" b="0" i="0" kern="1200" dirty="0" err="1">
-                <a:solidFill>
-                  <a:schemeClr val="tx1"/>
-                </a:solidFill>
-                <a:effectLst/>
-                <a:latin typeface="+mn-lt"/>
-                <a:ea typeface="+mn-ea"/>
-                <a:cs typeface="+mn-cs"/>
-              </a:rPr>
-              <a:t>textbox</a:t>
-            </a:r>
-            <a:r>
-              <a:rPr lang="it-IT" sz="1200" b="0" i="0" kern="1200" dirty="0">
-                <a:solidFill>
-                  <a:schemeClr val="tx1"/>
-                </a:solidFill>
-                <a:effectLst/>
-                <a:latin typeface="+mn-lt"/>
-                <a:ea typeface="+mn-ea"/>
-                <a:cs typeface="+mn-cs"/>
-              </a:rPr>
-              <a:t> affianco ad ogni label che permettono di leggere/scrivere l'impostazione salvata su file</a:t>
-            </a:r>
-          </a:p>
-          <a:p>
             <a:endParaRPr lang="it-IT" dirty="0"/>
           </a:p>
         </p:txBody>
@@ -1164,6 +851,90 @@
     <p:extLst>
       <p:ext uri="{BB962C8B-B14F-4D97-AF65-F5344CB8AC3E}">
         <p14:creationId xmlns:p14="http://schemas.microsoft.com/office/powerpoint/2010/main" val="1444663505"/>
+      </p:ext>
+    </p:extLst>
+  </p:cSld>
+  <p:clrMapOvr>
+    <a:masterClrMapping/>
+  </p:clrMapOvr>
+</p:notes>
+</file>
+
+<file path=ppt/notesSlides/notesSlide5.xml><?xml version="1.0" encoding="utf-8"?>
+<p:notes xmlns:a="http://schemas.openxmlformats.org/drawingml/2006/main" xmlns:r="http://schemas.openxmlformats.org/officeDocument/2006/relationships" xmlns:p="http://schemas.openxmlformats.org/presentationml/2006/main">
+  <p:cSld>
+    <p:spTree>
+      <p:nvGrpSpPr>
+        <p:cNvPr id="1" name=""/>
+        <p:cNvGrpSpPr/>
+        <p:nvPr/>
+      </p:nvGrpSpPr>
+      <p:grpSpPr>
+        <a:xfrm>
+          <a:off x="0" y="0"/>
+          <a:ext cx="0" cy="0"/>
+          <a:chOff x="0" y="0"/>
+          <a:chExt cx="0" cy="0"/>
+        </a:xfrm>
+      </p:grpSpPr>
+      <p:sp>
+        <p:nvSpPr>
+          <p:cNvPr id="2" name="Segnaposto immagine diapositiva 1"/>
+          <p:cNvSpPr>
+            <a:spLocks noGrp="1" noRot="1" noChangeAspect="1"/>
+          </p:cNvSpPr>
+          <p:nvPr>
+            <p:ph type="sldImg"/>
+          </p:nvPr>
+        </p:nvSpPr>
+        <p:spPr/>
+      </p:sp>
+      <p:sp>
+        <p:nvSpPr>
+          <p:cNvPr id="3" name="Segnaposto note 2"/>
+          <p:cNvSpPr>
+            <a:spLocks noGrp="1"/>
+          </p:cNvSpPr>
+          <p:nvPr>
+            <p:ph type="body" idx="1"/>
+          </p:nvPr>
+        </p:nvSpPr>
+        <p:spPr/>
+        <p:txBody>
+          <a:bodyPr/>
+          <a:lstStyle/>
+          <a:p>
+            <a:endParaRPr lang="en-US" dirty="0"/>
+          </a:p>
+        </p:txBody>
+      </p:sp>
+      <p:sp>
+        <p:nvSpPr>
+          <p:cNvPr id="4" name="Segnaposto numero diapositiva 3"/>
+          <p:cNvSpPr>
+            <a:spLocks noGrp="1"/>
+          </p:cNvSpPr>
+          <p:nvPr>
+            <p:ph type="sldNum" sz="quarter" idx="10"/>
+          </p:nvPr>
+        </p:nvSpPr>
+        <p:spPr/>
+        <p:txBody>
+          <a:bodyPr/>
+          <a:lstStyle/>
+          <a:p>
+            <a:fld id="{1A2372DB-15AD-4D1B-981A-0C557383DB34}" type="slidenum">
+              <a:rPr lang="it-IT" smtClean="0"/>
+              <a:t>21</a:t>
+            </a:fld>
+            <a:endParaRPr lang="it-IT" dirty="0"/>
+          </a:p>
+        </p:txBody>
+      </p:sp>
+    </p:spTree>
+    <p:extLst>
+      <p:ext uri="{BB962C8B-B14F-4D97-AF65-F5344CB8AC3E}">
+        <p14:creationId xmlns:p14="http://schemas.microsoft.com/office/powerpoint/2010/main" val="3931316339"/>
       </p:ext>
     </p:extLst>
   </p:cSld>
@@ -5377,7 +5148,11 @@
           <a:p>
             <a:r>
               <a:rPr lang="it-IT" dirty="0" smtClean="0"/>
-              <a:t>Drone Simulator - Simulator</a:t>
+              <a:t>Drone Controller - </a:t>
+            </a:r>
+            <a:r>
+              <a:rPr lang="it-IT" dirty="0" err="1" smtClean="0"/>
+              <a:t>Recording</a:t>
             </a:r>
             <a:endParaRPr lang="it-IT" dirty="0"/>
           </a:p>
@@ -5406,41 +5181,25 @@
           <a:p>
             <a:r>
               <a:rPr lang="it-IT" dirty="0" smtClean="0"/>
-              <a:t>Riceve i comandi in entrata dal sensore </a:t>
-            </a:r>
-            <a:r>
-              <a:rPr lang="it-IT" dirty="0" err="1" smtClean="0"/>
-              <a:t>LeapMotion</a:t>
-            </a:r>
+              <a:t>Creazione di un buffer di comandi e salvataggio su file.</a:t>
+            </a:r>
+          </a:p>
+          <a:p>
+            <a:endParaRPr lang="it-IT" dirty="0"/>
+          </a:p>
+          <a:p>
             <a:r>
               <a:rPr lang="it-IT" dirty="0" smtClean="0"/>
-              <a:t>.</a:t>
-            </a:r>
-          </a:p>
-          <a:p>
-            <a:endParaRPr lang="it-IT" dirty="0"/>
-          </a:p>
-          <a:p>
-            <a:r>
-              <a:rPr lang="it-IT" dirty="0" smtClean="0"/>
-              <a:t>Inoltro dei comandi verso la classe </a:t>
-            </a:r>
-            <a:r>
-              <a:rPr lang="it-IT" dirty="0" err="1" smtClean="0"/>
-              <a:t>CommandReader</a:t>
-            </a:r>
-            <a:r>
-              <a:rPr lang="it-IT" dirty="0" smtClean="0"/>
-              <a:t>.</a:t>
-            </a:r>
-            <a:endParaRPr lang="it-IT" dirty="0"/>
+              <a:t>La classe DroneController esegue il buffer salvato.</a:t>
+            </a:r>
+            <a:endParaRPr lang="it-IT" dirty="0" smtClean="0"/>
           </a:p>
         </p:txBody>
       </p:sp>
     </p:spTree>
     <p:extLst>
       <p:ext uri="{BB962C8B-B14F-4D97-AF65-F5344CB8AC3E}">
-        <p14:creationId xmlns:p14="http://schemas.microsoft.com/office/powerpoint/2010/main" val="889728263"/>
+        <p14:creationId xmlns:p14="http://schemas.microsoft.com/office/powerpoint/2010/main" val="3511285365"/>
       </p:ext>
     </p:extLst>
   </p:cSld>
@@ -5490,65 +5249,61 @@
           <a:p>
             <a:r>
               <a:rPr lang="it-IT" dirty="0" smtClean="0"/>
-              <a:t>Drone Simulator - </a:t>
+              <a:t>Drone Simulator - Simulator</a:t>
+            </a:r>
+            <a:endParaRPr lang="it-IT" dirty="0"/>
+          </a:p>
+        </p:txBody>
+      </p:sp>
+      <p:sp>
+        <p:nvSpPr>
+          <p:cNvPr id="3" name="Segnaposto contenuto 2">
+            <a:extLst>
+              <a:ext uri="{FF2B5EF4-FFF2-40B4-BE49-F238E27FC236}">
+                <a16:creationId xmlns:a16="http://schemas.microsoft.com/office/drawing/2014/main" id="{1593BB8D-6234-4254-B769-11C59281A250}"/>
+              </a:ext>
+            </a:extLst>
+          </p:cNvPr>
+          <p:cNvSpPr>
+            <a:spLocks noGrp="1"/>
+          </p:cNvSpPr>
+          <p:nvPr>
+            <p:ph idx="1"/>
+          </p:nvPr>
+        </p:nvSpPr>
+        <p:spPr/>
+        <p:txBody>
+          <a:bodyPr/>
+          <a:lstStyle/>
+          <a:p>
+            <a:r>
+              <a:rPr lang="it-IT" dirty="0" smtClean="0"/>
+              <a:t>Riceve i comandi in entrata dal sensore </a:t>
+            </a:r>
+            <a:r>
+              <a:rPr lang="it-IT" dirty="0" err="1" smtClean="0"/>
+              <a:t>LeapMotion</a:t>
+            </a:r>
+            <a:r>
+              <a:rPr lang="it-IT" dirty="0" smtClean="0"/>
+              <a:t>.</a:t>
+            </a:r>
+          </a:p>
+          <a:p>
+            <a:endParaRPr lang="it-IT" dirty="0"/>
+          </a:p>
+          <a:p>
+            <a:r>
+              <a:rPr lang="it-IT" dirty="0" smtClean="0"/>
+              <a:t>Inoltro dei comandi verso la classe </a:t>
             </a:r>
             <a:r>
               <a:rPr lang="it-IT" dirty="0" err="1" smtClean="0"/>
               <a:t>CommandReader</a:t>
             </a:r>
-            <a:endParaRPr lang="it-IT" dirty="0"/>
-          </a:p>
-        </p:txBody>
-      </p:sp>
-      <p:sp>
-        <p:nvSpPr>
-          <p:cNvPr id="3" name="Segnaposto contenuto 2">
-            <a:extLst>
-              <a:ext uri="{FF2B5EF4-FFF2-40B4-BE49-F238E27FC236}">
-                <a16:creationId xmlns:a16="http://schemas.microsoft.com/office/drawing/2014/main" id="{1593BB8D-6234-4254-B769-11C59281A250}"/>
-              </a:ext>
-            </a:extLst>
-          </p:cNvPr>
-          <p:cNvSpPr>
-            <a:spLocks noGrp="1"/>
-          </p:cNvSpPr>
-          <p:nvPr>
-            <p:ph idx="1"/>
-          </p:nvPr>
-        </p:nvSpPr>
-        <p:spPr/>
-        <p:txBody>
-          <a:bodyPr/>
-          <a:lstStyle/>
-          <a:p>
             <a:r>
               <a:rPr lang="it-IT" dirty="0" smtClean="0"/>
-              <a:t>Riceve i comandi dalla classe Simulator.</a:t>
-            </a:r>
-          </a:p>
-          <a:p>
-            <a:endParaRPr lang="it-IT" dirty="0" smtClean="0"/>
-          </a:p>
-          <a:p>
-            <a:r>
-              <a:rPr lang="it-IT" dirty="0" smtClean="0"/>
-              <a:t>Simula i comandi della SDK di Tello. </a:t>
-            </a:r>
-          </a:p>
-          <a:p>
-            <a:endParaRPr lang="it-IT" dirty="0"/>
-          </a:p>
-          <a:p>
-            <a:r>
-              <a:rPr lang="it-IT" dirty="0" smtClean="0"/>
-              <a:t>Aggiorna le variabili contenenti informazioni su</a:t>
-            </a:r>
-            <a:br>
-              <a:rPr lang="it-IT" dirty="0" smtClean="0"/>
-            </a:br>
-            <a:r>
-              <a:rPr lang="it-IT" dirty="0" smtClean="0"/>
-              <a:t>Posizione e rotazione del drone.</a:t>
+              <a:t>.</a:t>
             </a:r>
             <a:endParaRPr lang="it-IT" dirty="0"/>
           </a:p>
@@ -5557,7 +5312,7 @@
     </p:spTree>
     <p:extLst>
       <p:ext uri="{BB962C8B-B14F-4D97-AF65-F5344CB8AC3E}">
-        <p14:creationId xmlns:p14="http://schemas.microsoft.com/office/powerpoint/2010/main" val="156223483"/>
+        <p14:creationId xmlns:p14="http://schemas.microsoft.com/office/powerpoint/2010/main" val="889728263"/>
       </p:ext>
     </p:extLst>
   </p:cSld>
@@ -5611,7 +5366,7 @@
             </a:r>
             <a:r>
               <a:rPr lang="it-IT" dirty="0" err="1" smtClean="0"/>
-              <a:t>TelloChartFrame</a:t>
+              <a:t>CommandReader</a:t>
             </a:r>
             <a:endParaRPr lang="it-IT" dirty="0"/>
           </a:p>
@@ -5640,15 +5395,16 @@
           <a:p>
             <a:r>
               <a:rPr lang="it-IT" dirty="0" smtClean="0"/>
-              <a:t>Mostra i dati del drone contenuti nella classe Simulator in un </a:t>
-            </a:r>
-            <a:r>
-              <a:rPr lang="it-IT" dirty="0" err="1" smtClean="0"/>
-              <a:t>Jframe</a:t>
-            </a:r>
+              <a:t>Riceve i comandi dalla classe Simulator.</a:t>
+            </a:r>
+          </a:p>
+          <a:p>
+            <a:endParaRPr lang="it-IT" dirty="0" smtClean="0"/>
+          </a:p>
+          <a:p>
             <a:r>
               <a:rPr lang="it-IT" dirty="0" smtClean="0"/>
-              <a:t>.</a:t>
+              <a:t>Simula i comandi della SDK di Tello. </a:t>
             </a:r>
           </a:p>
           <a:p>
@@ -5657,24 +5413,14 @@
           <a:p>
             <a:r>
               <a:rPr lang="it-IT" dirty="0" smtClean="0"/>
-              <a:t>Grafici posizione dall’alto e di profilo e di rotazione.</a:t>
-            </a:r>
-          </a:p>
-          <a:p>
-            <a:endParaRPr lang="it-IT" dirty="0"/>
-          </a:p>
-          <a:p>
-            <a:r>
+              <a:t>Aggiorna le variabili contenenti informazioni su</a:t>
+            </a:r>
+            <a:br>
               <a:rPr lang="it-IT" dirty="0" smtClean="0"/>
-              <a:t>Uso della libreria </a:t>
-            </a:r>
-            <a:r>
-              <a:rPr lang="it-IT" dirty="0" err="1" smtClean="0"/>
-              <a:t>JFreeChart</a:t>
-            </a:r>
+            </a:br>
             <a:r>
               <a:rPr lang="it-IT" dirty="0" smtClean="0"/>
-              <a:t> per la creazione dei grafici.</a:t>
+              <a:t>Posizione e rotazione del drone.</a:t>
             </a:r>
             <a:endParaRPr lang="it-IT" dirty="0"/>
           </a:p>
@@ -5683,7 +5429,7 @@
     </p:spTree>
     <p:extLst>
       <p:ext uri="{BB962C8B-B14F-4D97-AF65-F5344CB8AC3E}">
-        <p14:creationId xmlns:p14="http://schemas.microsoft.com/office/powerpoint/2010/main" val="3045248137"/>
+        <p14:creationId xmlns:p14="http://schemas.microsoft.com/office/powerpoint/2010/main" val="156223483"/>
       </p:ext>
     </p:extLst>
   </p:cSld>
@@ -5815,6 +5561,214 @@
 </p:sld>
 </file>
 
+<file path=ppt/slides/slide20.xml><?xml version="1.0" encoding="utf-8"?>
+<p:sld xmlns:a="http://schemas.openxmlformats.org/drawingml/2006/main" xmlns:r="http://schemas.openxmlformats.org/officeDocument/2006/relationships" xmlns:p="http://schemas.openxmlformats.org/presentationml/2006/main">
+  <p:cSld>
+    <p:spTree>
+      <p:nvGrpSpPr>
+        <p:cNvPr id="1" name=""/>
+        <p:cNvGrpSpPr/>
+        <p:nvPr/>
+      </p:nvGrpSpPr>
+      <p:grpSpPr>
+        <a:xfrm>
+          <a:off x="0" y="0"/>
+          <a:ext cx="0" cy="0"/>
+          <a:chOff x="0" y="0"/>
+          <a:chExt cx="0" cy="0"/>
+        </a:xfrm>
+      </p:grpSpPr>
+      <p:sp>
+        <p:nvSpPr>
+          <p:cNvPr id="2" name="Titolo 1">
+            <a:extLst>
+              <a:ext uri="{FF2B5EF4-FFF2-40B4-BE49-F238E27FC236}">
+                <a16:creationId xmlns:a16="http://schemas.microsoft.com/office/drawing/2014/main" id="{3F0FD37A-1D5D-455E-952B-8DE034811EEA}"/>
+              </a:ext>
+            </a:extLst>
+          </p:cNvPr>
+          <p:cNvSpPr>
+            <a:spLocks noGrp="1"/>
+          </p:cNvSpPr>
+          <p:nvPr>
+            <p:ph type="title"/>
+          </p:nvPr>
+        </p:nvSpPr>
+        <p:spPr/>
+        <p:txBody>
+          <a:bodyPr/>
+          <a:lstStyle/>
+          <a:p>
+            <a:r>
+              <a:rPr lang="it-IT" dirty="0" smtClean="0"/>
+              <a:t>Drone Simulator - </a:t>
+            </a:r>
+            <a:r>
+              <a:rPr lang="it-IT" dirty="0" err="1" smtClean="0"/>
+              <a:t>TelloChartFrame</a:t>
+            </a:r>
+            <a:endParaRPr lang="it-IT" dirty="0"/>
+          </a:p>
+        </p:txBody>
+      </p:sp>
+      <p:sp>
+        <p:nvSpPr>
+          <p:cNvPr id="3" name="Segnaposto contenuto 2">
+            <a:extLst>
+              <a:ext uri="{FF2B5EF4-FFF2-40B4-BE49-F238E27FC236}">
+                <a16:creationId xmlns:a16="http://schemas.microsoft.com/office/drawing/2014/main" id="{1593BB8D-6234-4254-B769-11C59281A250}"/>
+              </a:ext>
+            </a:extLst>
+          </p:cNvPr>
+          <p:cNvSpPr>
+            <a:spLocks noGrp="1"/>
+          </p:cNvSpPr>
+          <p:nvPr>
+            <p:ph idx="1"/>
+          </p:nvPr>
+        </p:nvSpPr>
+        <p:spPr/>
+        <p:txBody>
+          <a:bodyPr/>
+          <a:lstStyle/>
+          <a:p>
+            <a:r>
+              <a:rPr lang="it-IT" dirty="0" smtClean="0"/>
+              <a:t>Mostra i dati del drone contenuti nella classe Simulator in un </a:t>
+            </a:r>
+            <a:r>
+              <a:rPr lang="it-IT" dirty="0" err="1" smtClean="0"/>
+              <a:t>Jframe</a:t>
+            </a:r>
+            <a:r>
+              <a:rPr lang="it-IT" dirty="0" smtClean="0"/>
+              <a:t>.</a:t>
+            </a:r>
+          </a:p>
+          <a:p>
+            <a:endParaRPr lang="it-IT" dirty="0"/>
+          </a:p>
+          <a:p>
+            <a:r>
+              <a:rPr lang="it-IT" dirty="0" smtClean="0"/>
+              <a:t>Grafici posizione dall’alto e di profilo e di rotazione.</a:t>
+            </a:r>
+          </a:p>
+          <a:p>
+            <a:endParaRPr lang="it-IT" dirty="0"/>
+          </a:p>
+          <a:p>
+            <a:r>
+              <a:rPr lang="it-IT" dirty="0" smtClean="0"/>
+              <a:t>Uso della libreria </a:t>
+            </a:r>
+            <a:r>
+              <a:rPr lang="it-IT" dirty="0" err="1" smtClean="0"/>
+              <a:t>JFreeChart</a:t>
+            </a:r>
+            <a:r>
+              <a:rPr lang="it-IT" dirty="0" smtClean="0"/>
+              <a:t> per la creazione dei grafici.</a:t>
+            </a:r>
+            <a:endParaRPr lang="it-IT" dirty="0"/>
+          </a:p>
+        </p:txBody>
+      </p:sp>
+    </p:spTree>
+    <p:extLst>
+      <p:ext uri="{BB962C8B-B14F-4D97-AF65-F5344CB8AC3E}">
+        <p14:creationId xmlns:p14="http://schemas.microsoft.com/office/powerpoint/2010/main" val="3045248137"/>
+      </p:ext>
+    </p:extLst>
+  </p:cSld>
+  <p:clrMapOvr>
+    <a:masterClrMapping/>
+  </p:clrMapOvr>
+</p:sld>
+</file>
+
+<file path=ppt/slides/slide21.xml><?xml version="1.0" encoding="utf-8"?>
+<p:sld xmlns:a="http://schemas.openxmlformats.org/drawingml/2006/main" xmlns:r="http://schemas.openxmlformats.org/officeDocument/2006/relationships" xmlns:p="http://schemas.openxmlformats.org/presentationml/2006/main">
+  <p:cSld>
+    <p:spTree>
+      <p:nvGrpSpPr>
+        <p:cNvPr id="1" name=""/>
+        <p:cNvGrpSpPr/>
+        <p:nvPr/>
+      </p:nvGrpSpPr>
+      <p:grpSpPr>
+        <a:xfrm>
+          <a:off x="0" y="0"/>
+          <a:ext cx="0" cy="0"/>
+          <a:chOff x="0" y="0"/>
+          <a:chExt cx="0" cy="0"/>
+        </a:xfrm>
+      </p:grpSpPr>
+      <p:sp>
+        <p:nvSpPr>
+          <p:cNvPr id="2" name="Titolo 1"/>
+          <p:cNvSpPr>
+            <a:spLocks noGrp="1"/>
+          </p:cNvSpPr>
+          <p:nvPr>
+            <p:ph type="title"/>
+          </p:nvPr>
+        </p:nvSpPr>
+        <p:spPr/>
+        <p:txBody>
+          <a:bodyPr/>
+          <a:lstStyle/>
+          <a:p>
+            <a:r>
+              <a:rPr lang="it-IT" dirty="0" smtClean="0"/>
+              <a:t>Conclusione</a:t>
+            </a:r>
+            <a:endParaRPr lang="en-US" dirty="0"/>
+          </a:p>
+        </p:txBody>
+      </p:sp>
+      <p:pic>
+        <p:nvPicPr>
+          <p:cNvPr id="4" name="Segnaposto contenuto 3"/>
+          <p:cNvPicPr>
+            <a:picLocks noGrp="1" noChangeAspect="1"/>
+          </p:cNvPicPr>
+          <p:nvPr>
+            <p:ph idx="1"/>
+          </p:nvPr>
+        </p:nvPicPr>
+        <p:blipFill>
+          <a:blip r:embed="rId3">
+            <a:extLst>
+              <a:ext uri="{28A0092B-C50C-407E-A947-70E740481C1C}">
+                <a14:useLocalDpi xmlns:a14="http://schemas.microsoft.com/office/drawing/2010/main" val="0"/>
+              </a:ext>
+            </a:extLst>
+          </a:blip>
+          <a:stretch>
+            <a:fillRect/>
+          </a:stretch>
+        </p:blipFill>
+        <p:spPr>
+          <a:xfrm>
+            <a:off x="2765719" y="1825625"/>
+            <a:ext cx="6660562" cy="4351338"/>
+          </a:xfrm>
+        </p:spPr>
+      </p:pic>
+    </p:spTree>
+    <p:extLst>
+      <p:ext uri="{BB962C8B-B14F-4D97-AF65-F5344CB8AC3E}">
+        <p14:creationId xmlns:p14="http://schemas.microsoft.com/office/powerpoint/2010/main" val="548227546"/>
+      </p:ext>
+    </p:extLst>
+  </p:cSld>
+  <p:clrMapOvr>
+    <a:masterClrMapping/>
+  </p:clrMapOvr>
+</p:sld>
+</file>
+
 <file path=ppt/slides/slide3.xml><?xml version="1.0" encoding="utf-8"?>
 <p:sld xmlns:a="http://schemas.openxmlformats.org/drawingml/2006/main" xmlns:r="http://schemas.openxmlformats.org/officeDocument/2006/relationships" xmlns:p="http://schemas.openxmlformats.org/presentationml/2006/main">
   <p:cSld>
@@ -5883,13 +5837,25 @@
           <a:p>
             <a:r>
               <a:rPr lang="it-IT" dirty="0"/>
-              <a:t>Creazione di un sistema di controllo per il drone DJI Tello</a:t>
-            </a:r>
-          </a:p>
-          <a:p>
+              <a:t>Creazione di un sistema di controllo per il drone DJI </a:t>
+            </a:r>
+            <a:r>
+              <a:rPr lang="it-IT" dirty="0" smtClean="0"/>
+              <a:t>Tello.</a:t>
+            </a:r>
+            <a:endParaRPr lang="it-IT" dirty="0"/>
+          </a:p>
+          <a:p>
+            <a:endParaRPr lang="it-IT" dirty="0" smtClean="0"/>
+          </a:p>
+          <a:p>
+            <a:r>
+              <a:rPr lang="it-IT" dirty="0" smtClean="0"/>
+              <a:t>Uso </a:t>
+            </a:r>
             <a:r>
               <a:rPr lang="it-IT" dirty="0"/>
-              <a:t>Uso del sensore </a:t>
+              <a:t>del sensore </a:t>
             </a:r>
             <a:r>
               <a:rPr lang="it-IT" dirty="0" err="1"/>
@@ -5899,6 +5865,20 @@
               <a:rPr lang="it-IT" dirty="0"/>
               <a:t> </a:t>
             </a:r>
+            <a:r>
+              <a:rPr lang="it-IT" dirty="0" smtClean="0"/>
+              <a:t>che legge i valori dalle mani per trasformarli in comandi per il drone.</a:t>
+            </a:r>
+          </a:p>
+          <a:p>
+            <a:endParaRPr lang="it-IT" dirty="0"/>
+          </a:p>
+          <a:p>
+            <a:r>
+              <a:rPr lang="it-IT" dirty="0" smtClean="0"/>
+              <a:t>Riproduzione dei valori di posizione e rotazione del drone all’interno di un frame.</a:t>
+            </a:r>
+            <a:endParaRPr lang="it-IT" dirty="0"/>
           </a:p>
           <a:p>
             <a:endParaRPr lang="it-IT" dirty="0"/>
@@ -6005,9 +5985,62 @@
           </a:p>
           <a:p>
             <a:r>
-              <a:rPr lang="it-IT" dirty="0"/>
+              <a:rPr lang="it-IT" dirty="0" smtClean="0"/>
               <a:t>Pc</a:t>
             </a:r>
+          </a:p>
+          <a:p>
+            <a:pPr lvl="1"/>
+            <a:r>
+              <a:rPr lang="it-IT" dirty="0" smtClean="0"/>
+              <a:t>Apple </a:t>
+            </a:r>
+            <a:r>
+              <a:rPr lang="it-IT" dirty="0" err="1" smtClean="0"/>
+              <a:t>MacBook</a:t>
+            </a:r>
+            <a:r>
+              <a:rPr lang="it-IT" dirty="0" smtClean="0"/>
+              <a:t> Pro 2015 con OSX Mojave</a:t>
+            </a:r>
+          </a:p>
+          <a:p>
+            <a:pPr lvl="1"/>
+            <a:r>
+              <a:rPr lang="en-US" dirty="0"/>
+              <a:t>Asus </a:t>
+            </a:r>
+            <a:r>
+              <a:rPr lang="en-US" dirty="0" err="1"/>
+              <a:t>VivoBook</a:t>
+            </a:r>
+            <a:r>
+              <a:rPr lang="en-US" dirty="0"/>
+              <a:t> Pro 2018 con Windows 10</a:t>
+            </a:r>
+            <a:r>
+              <a:rPr lang="en-US" dirty="0" smtClean="0"/>
+              <a:t>.</a:t>
+            </a:r>
+          </a:p>
+          <a:p>
+            <a:pPr lvl="1"/>
+            <a:r>
+              <a:rPr lang="en-US" dirty="0"/>
+              <a:t>Asus ROG GL702VM con Windows 10</a:t>
+            </a:r>
+            <a:r>
+              <a:rPr lang="en-US" dirty="0" smtClean="0"/>
+              <a:t>.</a:t>
+            </a:r>
+          </a:p>
+          <a:p>
+            <a:pPr lvl="1" algn="just"/>
+            <a:r>
+              <a:rPr lang="en-US" dirty="0"/>
+              <a:t>HP Pavilion CS-0800NZ con Linux Ubuntu 19.04.</a:t>
+            </a:r>
+            <a:endParaRPr lang="it-IT" dirty="0"/>
           </a:p>
           <a:p>
             <a:endParaRPr lang="it-IT" dirty="0"/>

--- a/docs/Presentazione.pptx
+++ b/docs/Presentazione.pptx
@@ -6,7 +6,7 @@
     <p:sldMasterId id="2147483661" r:id="rId2"/>
   </p:sldMasterIdLst>
   <p:notesMasterIdLst>
-    <p:notesMasterId r:id="rId26"/>
+    <p:notesMasterId r:id="rId27"/>
   </p:notesMasterIdLst>
   <p:sldIdLst>
     <p:sldId id="256" r:id="rId3"/>
@@ -18,20 +18,21 @@
     <p:sldId id="266" r:id="rId9"/>
     <p:sldId id="267" r:id="rId10"/>
     <p:sldId id="268" r:id="rId11"/>
-    <p:sldId id="269" r:id="rId12"/>
-    <p:sldId id="270" r:id="rId13"/>
-    <p:sldId id="271" r:id="rId14"/>
-    <p:sldId id="272" r:id="rId15"/>
-    <p:sldId id="273" r:id="rId16"/>
-    <p:sldId id="274" r:id="rId17"/>
-    <p:sldId id="279" r:id="rId18"/>
-    <p:sldId id="280" r:id="rId19"/>
-    <p:sldId id="281" r:id="rId20"/>
-    <p:sldId id="282" r:id="rId21"/>
-    <p:sldId id="283" r:id="rId22"/>
-    <p:sldId id="284" r:id="rId23"/>
-    <p:sldId id="285" r:id="rId24"/>
-    <p:sldId id="278" r:id="rId25"/>
+    <p:sldId id="286" r:id="rId12"/>
+    <p:sldId id="269" r:id="rId13"/>
+    <p:sldId id="270" r:id="rId14"/>
+    <p:sldId id="271" r:id="rId15"/>
+    <p:sldId id="272" r:id="rId16"/>
+    <p:sldId id="273" r:id="rId17"/>
+    <p:sldId id="274" r:id="rId18"/>
+    <p:sldId id="279" r:id="rId19"/>
+    <p:sldId id="280" r:id="rId20"/>
+    <p:sldId id="281" r:id="rId21"/>
+    <p:sldId id="282" r:id="rId22"/>
+    <p:sldId id="283" r:id="rId23"/>
+    <p:sldId id="284" r:id="rId24"/>
+    <p:sldId id="285" r:id="rId25"/>
+    <p:sldId id="278" r:id="rId26"/>
   </p:sldIdLst>
   <p:sldSz cx="9144000" cy="5143500" type="screen16x9"/>
   <p:notesSz cx="6858000" cy="9144000"/>
@@ -152,6 +153,7 @@
           <p14:sldIdLst>
             <p14:sldId id="267"/>
             <p14:sldId id="268"/>
+            <p14:sldId id="286"/>
             <p14:sldId id="269"/>
           </p14:sldIdLst>
         </p14:section>
@@ -282,7 +284,7 @@
           <a:p>
             <a:fld id="{0E586627-511B-45A1-B9CA-4576DD49B422}" type="datetimeFigureOut">
               <a:rPr lang="it-CH" smtClean="0"/>
-              <a:t>22.05.2019</a:t>
+              <a:t>24.05.2019</a:t>
             </a:fld>
             <a:endParaRPr lang="it-CH"/>
           </a:p>
@@ -886,6 +888,270 @@
 </p:notes>
 </file>
 
+<file path=ppt/notesSlides/notesSlide5.xml><?xml version="1.0" encoding="utf-8"?>
+<p:notes xmlns:a="http://schemas.openxmlformats.org/drawingml/2006/main" xmlns:r="http://schemas.openxmlformats.org/officeDocument/2006/relationships" xmlns:p="http://schemas.openxmlformats.org/presentationml/2006/main">
+  <p:cSld>
+    <p:spTree>
+      <p:nvGrpSpPr>
+        <p:cNvPr id="1" name=""/>
+        <p:cNvGrpSpPr/>
+        <p:nvPr/>
+      </p:nvGrpSpPr>
+      <p:grpSpPr>
+        <a:xfrm>
+          <a:off x="0" y="0"/>
+          <a:ext cx="0" cy="0"/>
+          <a:chOff x="0" y="0"/>
+          <a:chExt cx="0" cy="0"/>
+        </a:xfrm>
+      </p:grpSpPr>
+      <p:sp>
+        <p:nvSpPr>
+          <p:cNvPr id="2" name="Segnaposto immagine diapositiva 1"/>
+          <p:cNvSpPr>
+            <a:spLocks noGrp="1" noRot="1" noChangeAspect="1"/>
+          </p:cNvSpPr>
+          <p:nvPr>
+            <p:ph type="sldImg"/>
+          </p:nvPr>
+        </p:nvSpPr>
+        <p:spPr/>
+      </p:sp>
+      <p:sp>
+        <p:nvSpPr>
+          <p:cNvPr id="3" name="Segnaposto note 2"/>
+          <p:cNvSpPr>
+            <a:spLocks noGrp="1"/>
+          </p:cNvSpPr>
+          <p:nvPr>
+            <p:ph type="body" idx="1"/>
+          </p:nvPr>
+        </p:nvSpPr>
+        <p:spPr/>
+        <p:txBody>
+          <a:bodyPr/>
+          <a:lstStyle/>
+          <a:p>
+            <a:r>
+              <a:rPr lang="it-CH" sz="3200" dirty="0"/>
+              <a:t>Possiamo dividere il lavoro in due grandi </a:t>
+            </a:r>
+            <a:r>
+              <a:rPr lang="it-CH" sz="3200"/>
+              <a:t>gruppi:</a:t>
+            </a:r>
+          </a:p>
+          <a:p>
+            <a:endParaRPr lang="it-CH" sz="3200" dirty="0"/>
+          </a:p>
+          <a:p>
+            <a:pPr marL="171450" indent="-171450">
+              <a:buFont typeface="Arial" panose="020B0604020202020204" pitchFamily="34" charset="0"/>
+              <a:buChar char="•"/>
+            </a:pPr>
+            <a:r>
+              <a:rPr lang="it-CH" sz="3200" dirty="0" err="1"/>
+              <a:t>DroneController</a:t>
+            </a:r>
+            <a:endParaRPr lang="it-CH" sz="3200" dirty="0"/>
+          </a:p>
+          <a:p>
+            <a:pPr marL="628650" lvl="1" indent="-171450">
+              <a:buFont typeface="Arial" panose="020B0604020202020204" pitchFamily="34" charset="0"/>
+              <a:buChar char="•"/>
+            </a:pPr>
+            <a:r>
+              <a:rPr lang="it-CH" sz="3200" dirty="0"/>
+              <a:t>Luca</a:t>
+            </a:r>
+          </a:p>
+          <a:p>
+            <a:pPr marL="628650" lvl="1" indent="-171450">
+              <a:buFont typeface="Arial" panose="020B0604020202020204" pitchFamily="34" charset="0"/>
+              <a:buChar char="•"/>
+            </a:pPr>
+            <a:r>
+              <a:rPr lang="it-CH" sz="3200" dirty="0" err="1"/>
+              <a:t>Fadil</a:t>
+            </a:r>
+            <a:endParaRPr lang="it-CH" sz="3200" dirty="0"/>
+          </a:p>
+          <a:p>
+            <a:pPr marL="457200" lvl="1" indent="0">
+              <a:buFont typeface="Arial" panose="020B0604020202020204" pitchFamily="34" charset="0"/>
+              <a:buNone/>
+            </a:pPr>
+            <a:endParaRPr lang="it-CH" sz="3200" dirty="0"/>
+          </a:p>
+          <a:p>
+            <a:pPr marL="171450" indent="-171450">
+              <a:buFont typeface="Arial" panose="020B0604020202020204" pitchFamily="34" charset="0"/>
+              <a:buChar char="•"/>
+            </a:pPr>
+            <a:r>
+              <a:rPr lang="it-CH" sz="3200" dirty="0" err="1"/>
+              <a:t>DroneSimulator</a:t>
+            </a:r>
+            <a:endParaRPr lang="it-CH" sz="3200" dirty="0"/>
+          </a:p>
+          <a:p>
+            <a:pPr marL="628650" lvl="1" indent="-171450">
+              <a:buFont typeface="Arial" panose="020B0604020202020204" pitchFamily="34" charset="0"/>
+              <a:buChar char="•"/>
+            </a:pPr>
+            <a:r>
+              <a:rPr lang="it-CH" sz="3200" dirty="0" err="1"/>
+              <a:t>Rausone</a:t>
+            </a:r>
+            <a:endParaRPr lang="it-CH" sz="3200" dirty="0"/>
+          </a:p>
+          <a:p>
+            <a:pPr marL="628650" lvl="1" indent="-171450">
+              <a:buFont typeface="Arial" panose="020B0604020202020204" pitchFamily="34" charset="0"/>
+              <a:buChar char="•"/>
+            </a:pPr>
+            <a:r>
+              <a:rPr lang="it-CH" sz="3200" dirty="0" err="1"/>
+              <a:t>Jari</a:t>
+            </a:r>
+            <a:endParaRPr lang="it-CH" sz="3200" dirty="0"/>
+          </a:p>
+        </p:txBody>
+      </p:sp>
+      <p:sp>
+        <p:nvSpPr>
+          <p:cNvPr id="4" name="Segnaposto numero diapositiva 3"/>
+          <p:cNvSpPr>
+            <a:spLocks noGrp="1"/>
+          </p:cNvSpPr>
+          <p:nvPr>
+            <p:ph type="sldNum" sz="quarter" idx="5"/>
+          </p:nvPr>
+        </p:nvSpPr>
+        <p:spPr/>
+        <p:txBody>
+          <a:bodyPr/>
+          <a:lstStyle/>
+          <a:p>
+            <a:fld id="{FD2CFA8D-4E29-41DB-B61B-69A41B9506B3}" type="slidenum">
+              <a:rPr lang="it-CH" smtClean="0"/>
+              <a:t>8</a:t>
+            </a:fld>
+            <a:endParaRPr lang="it-CH"/>
+          </a:p>
+        </p:txBody>
+      </p:sp>
+    </p:spTree>
+    <p:extLst>
+      <p:ext uri="{BB962C8B-B14F-4D97-AF65-F5344CB8AC3E}">
+        <p14:creationId xmlns:p14="http://schemas.microsoft.com/office/powerpoint/2010/main" val="822517740"/>
+      </p:ext>
+    </p:extLst>
+  </p:cSld>
+  <p:clrMapOvr>
+    <a:masterClrMapping/>
+  </p:clrMapOvr>
+</p:notes>
+</file>
+
+<file path=ppt/notesSlides/notesSlide6.xml><?xml version="1.0" encoding="utf-8"?>
+<p:notes xmlns:a="http://schemas.openxmlformats.org/drawingml/2006/main" xmlns:r="http://schemas.openxmlformats.org/officeDocument/2006/relationships" xmlns:p="http://schemas.openxmlformats.org/presentationml/2006/main">
+  <p:cSld>
+    <p:spTree>
+      <p:nvGrpSpPr>
+        <p:cNvPr id="1" name=""/>
+        <p:cNvGrpSpPr/>
+        <p:nvPr/>
+      </p:nvGrpSpPr>
+      <p:grpSpPr>
+        <a:xfrm>
+          <a:off x="0" y="0"/>
+          <a:ext cx="0" cy="0"/>
+          <a:chOff x="0" y="0"/>
+          <a:chExt cx="0" cy="0"/>
+        </a:xfrm>
+      </p:grpSpPr>
+      <p:sp>
+        <p:nvSpPr>
+          <p:cNvPr id="2" name="Segnaposto immagine diapositiva 1"/>
+          <p:cNvSpPr>
+            <a:spLocks noGrp="1" noRot="1" noChangeAspect="1"/>
+          </p:cNvSpPr>
+          <p:nvPr>
+            <p:ph type="sldImg"/>
+          </p:nvPr>
+        </p:nvSpPr>
+        <p:spPr/>
+      </p:sp>
+      <p:sp>
+        <p:nvSpPr>
+          <p:cNvPr id="3" name="Segnaposto note 2"/>
+          <p:cNvSpPr>
+            <a:spLocks noGrp="1"/>
+          </p:cNvSpPr>
+          <p:nvPr>
+            <p:ph type="body" idx="1"/>
+          </p:nvPr>
+        </p:nvSpPr>
+        <p:spPr/>
+        <p:txBody>
+          <a:bodyPr/>
+          <a:lstStyle/>
+          <a:p>
+            <a:r>
+              <a:rPr lang="it-CH" dirty="0" err="1"/>
+              <a:t>DroneController</a:t>
+            </a:r>
+            <a:r>
+              <a:rPr lang="it-CH" dirty="0"/>
+              <a:t> </a:t>
+            </a:r>
+            <a:r>
+              <a:rPr lang="it-CH" dirty="0">
+                <a:sym typeface="Wingdings" panose="05000000000000000000" pitchFamily="2" charset="2"/>
+              </a:rPr>
+              <a:t> Fulcro di tutto il programma (del controller)</a:t>
+            </a:r>
+            <a:endParaRPr lang="it-CH" dirty="0"/>
+          </a:p>
+        </p:txBody>
+      </p:sp>
+      <p:sp>
+        <p:nvSpPr>
+          <p:cNvPr id="4" name="Segnaposto numero diapositiva 3"/>
+          <p:cNvSpPr>
+            <a:spLocks noGrp="1"/>
+          </p:cNvSpPr>
+          <p:nvPr>
+            <p:ph type="sldNum" sz="quarter" idx="5"/>
+          </p:nvPr>
+        </p:nvSpPr>
+        <p:spPr/>
+        <p:txBody>
+          <a:bodyPr/>
+          <a:lstStyle/>
+          <a:p>
+            <a:fld id="{FD2CFA8D-4E29-41DB-B61B-69A41B9506B3}" type="slidenum">
+              <a:rPr lang="it-CH" smtClean="0"/>
+              <a:t>9</a:t>
+            </a:fld>
+            <a:endParaRPr lang="it-CH"/>
+          </a:p>
+        </p:txBody>
+      </p:sp>
+    </p:spTree>
+    <p:extLst>
+      <p:ext uri="{BB962C8B-B14F-4D97-AF65-F5344CB8AC3E}">
+        <p14:creationId xmlns:p14="http://schemas.microsoft.com/office/powerpoint/2010/main" val="1983135393"/>
+      </p:ext>
+    </p:extLst>
+  </p:cSld>
+  <p:clrMapOvr>
+    <a:masterClrMapping/>
+  </p:clrMapOvr>
+</p:notes>
+</file>
+
 <file path=ppt/slideLayouts/slideLayout1.xml><?xml version="1.0" encoding="utf-8"?>
 <p:sldLayout xmlns:a="http://schemas.openxmlformats.org/drawingml/2006/main" xmlns:r="http://schemas.openxmlformats.org/officeDocument/2006/relationships" xmlns:p="http://schemas.openxmlformats.org/presentationml/2006/main" showMasterSp="0" preserve="1" userDrawn="1">
   <p:cSld name="Title Slide">
@@ -964,7 +1230,7 @@
           <a:p>
             <a:fld id="{63937D59-5EDB-4C39-B697-625748F703B6}" type="datetimeFigureOut">
               <a:rPr lang="en-US" smtClean="0"/>
-              <a:t>5/22/2019</a:t>
+              <a:t>5/24/2019</a:t>
             </a:fld>
             <a:endParaRPr lang="en-US"/>
           </a:p>
@@ -1239,7 +1505,7 @@
           <a:p>
             <a:fld id="{63937D59-5EDB-4C39-B697-625748F703B6}" type="datetimeFigureOut">
               <a:rPr lang="en-US" smtClean="0"/>
-              <a:t>5/22/2019</a:t>
+              <a:t>5/24/2019</a:t>
             </a:fld>
             <a:endParaRPr lang="en-US"/>
           </a:p>
@@ -1491,7 +1757,7 @@
           <a:p>
             <a:fld id="{63937D59-5EDB-4C39-B697-625748F703B6}" type="datetimeFigureOut">
               <a:rPr lang="en-US" smtClean="0"/>
-              <a:t>5/22/2019</a:t>
+              <a:t>5/24/2019</a:t>
             </a:fld>
             <a:endParaRPr lang="en-US"/>
           </a:p>
@@ -1659,7 +1925,7 @@
           <a:p>
             <a:fld id="{63937D59-5EDB-4C39-B697-625748F703B6}" type="datetimeFigureOut">
               <a:rPr lang="en-US" smtClean="0"/>
-              <a:t>5/22/2019</a:t>
+              <a:t>5/24/2019</a:t>
             </a:fld>
             <a:endParaRPr lang="en-US"/>
           </a:p>
@@ -1837,7 +2103,7 @@
           <a:p>
             <a:fld id="{63937D59-5EDB-4C39-B697-625748F703B6}" type="datetimeFigureOut">
               <a:rPr lang="en-US" smtClean="0"/>
-              <a:t>5/22/2019</a:t>
+              <a:t>5/24/2019</a:t>
             </a:fld>
             <a:endParaRPr lang="en-US"/>
           </a:p>
@@ -2433,7 +2699,7 @@
           <a:p>
             <a:fld id="{63937D59-5EDB-4C39-B697-625748F703B6}" type="datetimeFigureOut">
               <a:rPr lang="en-US" smtClean="0"/>
-              <a:t>5/22/2019</a:t>
+              <a:t>5/24/2019</a:t>
             </a:fld>
             <a:endParaRPr lang="en-US"/>
           </a:p>
@@ -2601,7 +2867,7 @@
           <a:p>
             <a:fld id="{63937D59-5EDB-4C39-B697-625748F703B6}" type="datetimeFigureOut">
               <a:rPr lang="en-US" smtClean="0"/>
-              <a:t>5/22/2019</a:t>
+              <a:t>5/24/2019</a:t>
             </a:fld>
             <a:endParaRPr lang="en-US"/>
           </a:p>
@@ -2846,7 +3112,7 @@
           <a:p>
             <a:fld id="{63937D59-5EDB-4C39-B697-625748F703B6}" type="datetimeFigureOut">
               <a:rPr lang="en-US" smtClean="0"/>
-              <a:t>5/22/2019</a:t>
+              <a:t>5/24/2019</a:t>
             </a:fld>
             <a:endParaRPr lang="en-US"/>
           </a:p>
@@ -3131,7 +3397,7 @@
           <a:p>
             <a:fld id="{63937D59-5EDB-4C39-B697-625748F703B6}" type="datetimeFigureOut">
               <a:rPr lang="en-US" smtClean="0"/>
-              <a:t>5/22/2019</a:t>
+              <a:t>5/24/2019</a:t>
             </a:fld>
             <a:endParaRPr lang="en-US"/>
           </a:p>
@@ -3550,7 +3816,7 @@
           <a:p>
             <a:fld id="{63937D59-5EDB-4C39-B697-625748F703B6}" type="datetimeFigureOut">
               <a:rPr lang="en-US" smtClean="0"/>
-              <a:t>5/22/2019</a:t>
+              <a:t>5/24/2019</a:t>
             </a:fld>
             <a:endParaRPr lang="en-US"/>
           </a:p>
@@ -3667,7 +3933,7 @@
           <a:p>
             <a:fld id="{63937D59-5EDB-4C39-B697-625748F703B6}" type="datetimeFigureOut">
               <a:rPr lang="en-US" smtClean="0"/>
-              <a:t>5/22/2019</a:t>
+              <a:t>5/24/2019</a:t>
             </a:fld>
             <a:endParaRPr lang="en-US"/>
           </a:p>
@@ -4169,7 +4435,7 @@
           <a:p>
             <a:fld id="{63937D59-5EDB-4C39-B697-625748F703B6}" type="datetimeFigureOut">
               <a:rPr lang="en-US" smtClean="0"/>
-              <a:t>5/22/2019</a:t>
+              <a:t>5/24/2019</a:t>
             </a:fld>
             <a:endParaRPr lang="en-US"/>
           </a:p>
@@ -4857,6 +5123,79 @@
 <file path=ppt/slides/slide10.xml><?xml version="1.0" encoding="utf-8"?>
 <p:sld xmlns:a="http://schemas.openxmlformats.org/drawingml/2006/main" xmlns:r="http://schemas.openxmlformats.org/officeDocument/2006/relationships" xmlns:p="http://schemas.openxmlformats.org/presentationml/2006/main">
   <p:cSld>
+    <p:spTree>
+      <p:nvGrpSpPr>
+        <p:cNvPr id="1" name=""/>
+        <p:cNvGrpSpPr/>
+        <p:nvPr/>
+      </p:nvGrpSpPr>
+      <p:grpSpPr>
+        <a:xfrm>
+          <a:off x="0" y="0"/>
+          <a:ext cx="0" cy="0"/>
+          <a:chOff x="0" y="0"/>
+          <a:chExt cx="0" cy="0"/>
+        </a:xfrm>
+      </p:grpSpPr>
+      <p:sp>
+        <p:nvSpPr>
+          <p:cNvPr id="2" name="CasellaDiTesto 1">
+            <a:extLst>
+              <a:ext uri="{FF2B5EF4-FFF2-40B4-BE49-F238E27FC236}">
+                <a16:creationId xmlns:a16="http://schemas.microsoft.com/office/drawing/2014/main" id="{DF28166C-8E73-4EE8-AFBA-89D1898088EA}"/>
+              </a:ext>
+            </a:extLst>
+          </p:cNvPr>
+          <p:cNvSpPr txBox="1"/>
+          <p:nvPr/>
+        </p:nvSpPr>
+        <p:spPr>
+          <a:xfrm>
+            <a:off x="899592" y="1203598"/>
+            <a:ext cx="7344816" cy="2554545"/>
+          </a:xfrm>
+          <a:prstGeom prst="rect">
+            <a:avLst/>
+          </a:prstGeom>
+          <a:noFill/>
+        </p:spPr>
+        <p:txBody>
+          <a:bodyPr wrap="square" rtlCol="0">
+            <a:spAutoFit/>
+          </a:bodyPr>
+          <a:lstStyle/>
+          <a:p>
+            <a:pPr algn="ctr"/>
+            <a:r>
+              <a:rPr lang="it-CH" sz="8000" dirty="0"/>
+              <a:t>AGGIORNARE </a:t>
+            </a:r>
+          </a:p>
+          <a:p>
+            <a:pPr algn="ctr"/>
+            <a:r>
+              <a:rPr lang="it-CH" sz="8000" dirty="0"/>
+              <a:t>UML</a:t>
+            </a:r>
+          </a:p>
+        </p:txBody>
+      </p:sp>
+    </p:spTree>
+    <p:extLst>
+      <p:ext uri="{BB962C8B-B14F-4D97-AF65-F5344CB8AC3E}">
+        <p14:creationId xmlns:p14="http://schemas.microsoft.com/office/powerpoint/2010/main" val="1595527845"/>
+      </p:ext>
+    </p:extLst>
+  </p:cSld>
+  <p:clrMapOvr>
+    <a:masterClrMapping/>
+  </p:clrMapOvr>
+</p:sld>
+</file>
+
+<file path=ppt/slides/slide11.xml><?xml version="1.0" encoding="utf-8"?>
+<p:sld xmlns:a="http://schemas.openxmlformats.org/drawingml/2006/main" xmlns:r="http://schemas.openxmlformats.org/officeDocument/2006/relationships" xmlns:p="http://schemas.openxmlformats.org/presentationml/2006/main">
+  <p:cSld>
     <p:bg>
       <p:bgPr>
         <a:solidFill>
@@ -4928,7 +5267,7 @@
 </p:sld>
 </file>
 
-<file path=ppt/slides/slide11.xml><?xml version="1.0" encoding="utf-8"?>
+<file path=ppt/slides/slide12.xml><?xml version="1.0" encoding="utf-8"?>
 <p:sld xmlns:a="http://schemas.openxmlformats.org/drawingml/2006/main" xmlns:r="http://schemas.openxmlformats.org/officeDocument/2006/relationships" xmlns:p="http://schemas.openxmlformats.org/presentationml/2006/main">
   <p:cSld>
     <p:spTree>
@@ -4993,7 +5332,7 @@
 </p:sld>
 </file>
 
-<file path=ppt/slides/slide12.xml><?xml version="1.0" encoding="utf-8"?>
+<file path=ppt/slides/slide13.xml><?xml version="1.0" encoding="utf-8"?>
 <p:sld xmlns:a="http://schemas.openxmlformats.org/drawingml/2006/main" xmlns:r="http://schemas.openxmlformats.org/officeDocument/2006/relationships" xmlns:p="http://schemas.openxmlformats.org/presentationml/2006/main">
   <p:cSld>
     <p:spTree>
@@ -5133,7 +5472,7 @@
 </p:sld>
 </file>
 
-<file path=ppt/slides/slide13.xml><?xml version="1.0" encoding="utf-8"?>
+<file path=ppt/slides/slide14.xml><?xml version="1.0" encoding="utf-8"?>
 <p:sld xmlns:a="http://schemas.openxmlformats.org/drawingml/2006/main" xmlns:r="http://schemas.openxmlformats.org/officeDocument/2006/relationships" xmlns:p="http://schemas.openxmlformats.org/presentationml/2006/main">
   <p:cSld>
     <p:bg>
@@ -5510,7 +5849,7 @@
 </p:sld>
 </file>
 
-<file path=ppt/slides/slide14.xml><?xml version="1.0" encoding="utf-8"?>
+<file path=ppt/slides/slide15.xml><?xml version="1.0" encoding="utf-8"?>
 <p:sld xmlns:a="http://schemas.openxmlformats.org/drawingml/2006/main" xmlns:r="http://schemas.openxmlformats.org/officeDocument/2006/relationships" xmlns:p="http://schemas.openxmlformats.org/presentationml/2006/main">
   <p:cSld>
     <p:spTree>
@@ -5614,123 +5953,6 @@
 </p:sld>
 </file>
 
-<file path=ppt/slides/slide15.xml><?xml version="1.0" encoding="utf-8"?>
-<p:sld xmlns:a="http://schemas.openxmlformats.org/drawingml/2006/main" xmlns:r="http://schemas.openxmlformats.org/officeDocument/2006/relationships" xmlns:p="http://schemas.openxmlformats.org/presentationml/2006/main">
-  <p:cSld>
-    <p:spTree>
-      <p:nvGrpSpPr>
-        <p:cNvPr id="1" name=""/>
-        <p:cNvGrpSpPr/>
-        <p:nvPr/>
-      </p:nvGrpSpPr>
-      <p:grpSpPr>
-        <a:xfrm>
-          <a:off x="0" y="0"/>
-          <a:ext cx="0" cy="0"/>
-          <a:chOff x="0" y="0"/>
-          <a:chExt cx="0" cy="0"/>
-        </a:xfrm>
-      </p:grpSpPr>
-      <p:sp>
-        <p:nvSpPr>
-          <p:cNvPr id="2" name="Titolo 1">
-            <a:extLst>
-              <a:ext uri="{FF2B5EF4-FFF2-40B4-BE49-F238E27FC236}">
-                <a16:creationId xmlns:a16="http://schemas.microsoft.com/office/drawing/2014/main" id="{D9D1A5C6-17BF-4092-A0E1-85A255481368}"/>
-              </a:ext>
-            </a:extLst>
-          </p:cNvPr>
-          <p:cNvSpPr>
-            <a:spLocks noGrp="1"/>
-          </p:cNvSpPr>
-          <p:nvPr>
-            <p:ph type="title"/>
-          </p:nvPr>
-        </p:nvSpPr>
-        <p:spPr>
-          <a:xfrm>
-            <a:off x="323528" y="123478"/>
-            <a:ext cx="9144000" cy="1285096"/>
-          </a:xfrm>
-        </p:spPr>
-        <p:txBody>
-          <a:bodyPr/>
-          <a:lstStyle/>
-          <a:p>
-            <a:r>
-              <a:rPr lang="it-CH" sz="5400" dirty="0"/>
-              <a:t>IMPLEMENTAZIONE</a:t>
-            </a:r>
-          </a:p>
-        </p:txBody>
-      </p:sp>
-      <p:sp>
-        <p:nvSpPr>
-          <p:cNvPr id="4" name="Segnaposto contenuto 3">
-            <a:extLst>
-              <a:ext uri="{FF2B5EF4-FFF2-40B4-BE49-F238E27FC236}">
-                <a16:creationId xmlns:a16="http://schemas.microsoft.com/office/drawing/2014/main" id="{009804A4-6B3D-4E19-A2EB-87BD64193F1A}"/>
-              </a:ext>
-            </a:extLst>
-          </p:cNvPr>
-          <p:cNvSpPr>
-            <a:spLocks noGrp="1"/>
-          </p:cNvSpPr>
-          <p:nvPr>
-            <p:ph idx="10"/>
-          </p:nvPr>
-        </p:nvSpPr>
-        <p:spPr>
-          <a:xfrm>
-            <a:off x="323528" y="1272952"/>
-            <a:ext cx="8496944" cy="2995737"/>
-          </a:xfrm>
-        </p:spPr>
-        <p:txBody>
-          <a:bodyPr/>
-          <a:lstStyle/>
-          <a:p>
-            <a:pPr marL="457200" indent="-457200">
-              <a:lnSpc>
-                <a:spcPct val="250000"/>
-              </a:lnSpc>
-              <a:buFont typeface="Arial" panose="020B0604020202020204" pitchFamily="34" charset="0"/>
-              <a:buChar char="•"/>
-            </a:pPr>
-            <a:r>
-              <a:rPr lang="it-CH" sz="2800" dirty="0" err="1"/>
-              <a:t>DroneController</a:t>
-            </a:r>
-            <a:endParaRPr lang="it-CH" sz="2800" dirty="0"/>
-          </a:p>
-          <a:p>
-            <a:pPr marL="457200" indent="-457200">
-              <a:lnSpc>
-                <a:spcPct val="250000"/>
-              </a:lnSpc>
-              <a:buFont typeface="Arial" panose="020B0604020202020204" pitchFamily="34" charset="0"/>
-              <a:buChar char="•"/>
-            </a:pPr>
-            <a:r>
-              <a:rPr lang="it-CH" sz="2800" dirty="0"/>
-              <a:t>Drone simulator</a:t>
-            </a:r>
-          </a:p>
-        </p:txBody>
-      </p:sp>
-    </p:spTree>
-    <p:extLst>
-      <p:ext uri="{BB962C8B-B14F-4D97-AF65-F5344CB8AC3E}">
-        <p14:creationId xmlns:p14="http://schemas.microsoft.com/office/powerpoint/2010/main" val="2631092496"/>
-      </p:ext>
-    </p:extLst>
-  </p:cSld>
-  <p:clrMapOvr>
-    <a:masterClrMapping/>
-  </p:clrMapOvr>
-</p:sld>
-</file>
-
 <file path=ppt/slides/slide16.xml><?xml version="1.0" encoding="utf-8"?>
 <p:sld xmlns:a="http://schemas.openxmlformats.org/drawingml/2006/main" xmlns:r="http://schemas.openxmlformats.org/officeDocument/2006/relationships" xmlns:p="http://schemas.openxmlformats.org/presentationml/2006/main">
   <p:cSld>
@@ -5753,7 +5975,7 @@
           <p:cNvPr id="2" name="Titolo 1">
             <a:extLst>
               <a:ext uri="{FF2B5EF4-FFF2-40B4-BE49-F238E27FC236}">
-                <a16:creationId xmlns:a16="http://schemas.microsoft.com/office/drawing/2014/main" id="{1C9728DE-DCC3-47F3-A9A7-4840BBF3A649}"/>
+                <a16:creationId xmlns:a16="http://schemas.microsoft.com/office/drawing/2014/main" id="{D9D1A5C6-17BF-4092-A0E1-85A255481368}"/>
               </a:ext>
             </a:extLst>
           </p:cNvPr>
@@ -5764,25 +5986,29 @@
             <p:ph type="title"/>
           </p:nvPr>
         </p:nvSpPr>
-        <p:spPr/>
-        <p:txBody>
-          <a:bodyPr/>
-          <a:lstStyle/>
-          <a:p>
-            <a:r>
-              <a:rPr lang="it-CH" dirty="0" err="1"/>
-              <a:t>DroneController</a:t>
-            </a:r>
-            <a:endParaRPr lang="it-CH" dirty="0"/>
-          </a:p>
-        </p:txBody>
-      </p:sp>
-      <p:sp>
-        <p:nvSpPr>
-          <p:cNvPr id="3" name="Segnaposto contenuto 2">
+        <p:spPr>
+          <a:xfrm>
+            <a:off x="323528" y="123478"/>
+            <a:ext cx="9144000" cy="1285096"/>
+          </a:xfrm>
+        </p:spPr>
+        <p:txBody>
+          <a:bodyPr/>
+          <a:lstStyle/>
+          <a:p>
+            <a:r>
+              <a:rPr lang="it-CH" sz="5400" dirty="0"/>
+              <a:t>IMPLEMENTAZIONE</a:t>
+            </a:r>
+          </a:p>
+        </p:txBody>
+      </p:sp>
+      <p:sp>
+        <p:nvSpPr>
+          <p:cNvPr id="4" name="Segnaposto contenuto 3">
             <a:extLst>
               <a:ext uri="{FF2B5EF4-FFF2-40B4-BE49-F238E27FC236}">
-                <a16:creationId xmlns:a16="http://schemas.microsoft.com/office/drawing/2014/main" id="{A9782E92-4646-4216-BC0B-9AFBD5130E30}"/>
+                <a16:creationId xmlns:a16="http://schemas.microsoft.com/office/drawing/2014/main" id="{009804A4-6B3D-4E19-A2EB-87BD64193F1A}"/>
               </a:ext>
             </a:extLst>
           </p:cNvPr>
@@ -5790,133 +6016,51 @@
             <a:spLocks noGrp="1"/>
           </p:cNvSpPr>
           <p:nvPr>
-            <p:ph idx="1"/>
+            <p:ph idx="10"/>
           </p:nvPr>
         </p:nvSpPr>
         <p:spPr>
           <a:xfrm>
-            <a:off x="2000747" y="884466"/>
-            <a:ext cx="6912768" cy="460648"/>
+            <a:off x="323528" y="1272952"/>
+            <a:ext cx="8496944" cy="2995737"/>
           </a:xfrm>
         </p:spPr>
         <p:txBody>
           <a:bodyPr/>
           <a:lstStyle/>
           <a:p>
-            <a:r>
-              <a:rPr lang="it-CH" sz="2800" dirty="0"/>
-              <a:t>Classe </a:t>
-            </a:r>
-            <a:r>
-              <a:rPr lang="it-CH" sz="2800" dirty="0" err="1"/>
-              <a:t>DroneController</a:t>
-            </a:r>
-            <a:endParaRPr lang="it-CH" sz="2800" dirty="0"/>
-          </a:p>
-        </p:txBody>
-      </p:sp>
-      <p:sp>
-        <p:nvSpPr>
-          <p:cNvPr id="4" name="Segnaposto contenuto 3">
-            <a:extLst>
-              <a:ext uri="{FF2B5EF4-FFF2-40B4-BE49-F238E27FC236}">
-                <a16:creationId xmlns:a16="http://schemas.microsoft.com/office/drawing/2014/main" id="{13544A92-8328-4004-96C8-B60363828F13}"/>
-              </a:ext>
-            </a:extLst>
-          </p:cNvPr>
-          <p:cNvSpPr>
-            <a:spLocks noGrp="1"/>
-          </p:cNvSpPr>
-          <p:nvPr>
-            <p:ph idx="10"/>
-          </p:nvPr>
-        </p:nvSpPr>
-        <p:spPr>
-          <a:xfrm>
-            <a:off x="1990056" y="1664245"/>
-            <a:ext cx="6912768" cy="2995737"/>
-          </a:xfrm>
-        </p:spPr>
-        <p:txBody>
-          <a:bodyPr/>
-          <a:lstStyle/>
-          <a:p>
-            <a:pPr marL="285750" indent="-285750">
+            <a:pPr marL="457200" indent="-457200">
               <a:lnSpc>
-                <a:spcPct val="150000"/>
+                <a:spcPct val="250000"/>
               </a:lnSpc>
               <a:buFont typeface="Arial" panose="020B0604020202020204" pitchFamily="34" charset="0"/>
               <a:buChar char="•"/>
             </a:pPr>
             <a:r>
-              <a:rPr lang="it-CH" sz="2000" dirty="0"/>
-              <a:t>Leggere comandi </a:t>
-            </a:r>
-            <a:r>
-              <a:rPr lang="it-CH" sz="2000" dirty="0" err="1"/>
-              <a:t>LeapMotion</a:t>
-            </a:r>
-            <a:endParaRPr lang="it-CH" sz="2000" dirty="0"/>
-          </a:p>
-          <a:p>
-            <a:pPr marL="1028700" lvl="1">
+              <a:rPr lang="it-CH" sz="2800" dirty="0" err="1"/>
+              <a:t>DroneController</a:t>
+            </a:r>
+            <a:endParaRPr lang="it-CH" sz="2800" dirty="0"/>
+          </a:p>
+          <a:p>
+            <a:pPr marL="457200" indent="-457200">
               <a:lnSpc>
-                <a:spcPct val="150000"/>
+                <a:spcPct val="250000"/>
               </a:lnSpc>
               <a:buFont typeface="Arial" panose="020B0604020202020204" pitchFamily="34" charset="0"/>
               <a:buChar char="•"/>
             </a:pPr>
             <a:r>
-              <a:rPr lang="it-CH" sz="2000" dirty="0"/>
-              <a:t>Altezza</a:t>
-            </a:r>
-          </a:p>
-          <a:p>
-            <a:pPr marL="1028700" lvl="1">
-              <a:lnSpc>
-                <a:spcPct val="150000"/>
-              </a:lnSpc>
-              <a:buFont typeface="Arial" panose="020B0604020202020204" pitchFamily="34" charset="0"/>
-              <a:buChar char="•"/>
-            </a:pPr>
-            <a:r>
-              <a:rPr lang="it-CH" sz="2000" dirty="0"/>
-              <a:t>Rollio, beccheggio ed imbardata</a:t>
-            </a:r>
-          </a:p>
-          <a:p>
-            <a:pPr marL="285750" indent="-285750">
-              <a:lnSpc>
-                <a:spcPct val="150000"/>
-              </a:lnSpc>
-              <a:buFont typeface="Arial" panose="020B0604020202020204" pitchFamily="34" charset="0"/>
-              <a:buChar char="•"/>
-            </a:pPr>
-            <a:r>
-              <a:rPr lang="it-CH" sz="2000" dirty="0"/>
-              <a:t>Inviati al Drone</a:t>
-            </a:r>
-          </a:p>
-          <a:p>
-            <a:pPr marL="1028700" lvl="1">
-              <a:lnSpc>
-                <a:spcPct val="150000"/>
-              </a:lnSpc>
-              <a:buFont typeface="Arial" panose="020B0604020202020204" pitchFamily="34" charset="0"/>
-              <a:buChar char="•"/>
-            </a:pPr>
-            <a:r>
-              <a:rPr lang="it-CH" sz="2000" dirty="0" err="1"/>
-              <a:t>CommandManager</a:t>
-            </a:r>
-            <a:endParaRPr lang="it-CH" sz="2000" dirty="0"/>
+              <a:rPr lang="it-CH" sz="2800" dirty="0"/>
+              <a:t>Drone simulator</a:t>
+            </a:r>
           </a:p>
         </p:txBody>
       </p:sp>
     </p:spTree>
     <p:extLst>
       <p:ext uri="{BB962C8B-B14F-4D97-AF65-F5344CB8AC3E}">
-        <p14:creationId xmlns:p14="http://schemas.microsoft.com/office/powerpoint/2010/main" val="1615021837"/>
+        <p14:creationId xmlns:p14="http://schemas.microsoft.com/office/powerpoint/2010/main" val="2631092496"/>
       </p:ext>
     </p:extLst>
   </p:cSld>
@@ -6003,12 +6147,8 @@
               <a:t>Classe </a:t>
             </a:r>
             <a:r>
-              <a:rPr lang="it-IT" sz="2800" dirty="0" err="1"/>
-              <a:t>DroneControllerMonitor</a:t>
-            </a:r>
-            <a:r>
-              <a:rPr lang="it-IT" sz="2800" dirty="0"/>
-              <a:t> </a:t>
+              <a:rPr lang="it-CH" sz="2800" dirty="0" err="1"/>
+              <a:t>DroneController</a:t>
             </a:r>
             <a:endParaRPr lang="it-CH" sz="2800" dirty="0"/>
           </a:p>
@@ -6049,8 +6189,13 @@
             </a:pPr>
             <a:r>
               <a:rPr lang="it-CH" sz="2000" dirty="0"/>
-              <a:t>GUI</a:t>
-            </a:r>
+              <a:t>Leggere comandi </a:t>
+            </a:r>
+            <a:r>
+              <a:rPr lang="it-CH" sz="2000" dirty="0" err="1"/>
+              <a:t>LeapMotion</a:t>
+            </a:r>
+            <a:endParaRPr lang="it-CH" sz="2000" dirty="0"/>
           </a:p>
           <a:p>
             <a:pPr marL="1028700" lvl="1">
@@ -6062,7 +6207,7 @@
             </a:pPr>
             <a:r>
               <a:rPr lang="it-CH" sz="2000" dirty="0"/>
-              <a:t>Controllo drone </a:t>
+              <a:t>Altezza</a:t>
             </a:r>
           </a:p>
           <a:p>
@@ -6075,7 +6220,20 @@
             </a:pPr>
             <a:r>
               <a:rPr lang="it-CH" sz="2000" dirty="0"/>
-              <a:t>Recording</a:t>
+              <a:t>Rollio, beccheggio ed imbardata</a:t>
+            </a:r>
+          </a:p>
+          <a:p>
+            <a:pPr marL="285750" indent="-285750">
+              <a:lnSpc>
+                <a:spcPct val="150000"/>
+              </a:lnSpc>
+              <a:buFont typeface="Arial" panose="020B0604020202020204" pitchFamily="34" charset="0"/>
+              <a:buChar char="•"/>
+            </a:pPr>
+            <a:r>
+              <a:rPr lang="it-CH" sz="2000" dirty="0"/>
+              <a:t>Inviati al Drone</a:t>
             </a:r>
           </a:p>
           <a:p>
@@ -6088,29 +6246,16 @@
             </a:pPr>
             <a:r>
               <a:rPr lang="it-CH" sz="2000" dirty="0" err="1"/>
-              <a:t>Config</a:t>
+              <a:t>CommandManager</a:t>
             </a:r>
             <a:endParaRPr lang="it-CH" sz="2000" dirty="0"/>
-          </a:p>
-          <a:p>
-            <a:pPr marL="1028700" lvl="1">
-              <a:lnSpc>
-                <a:spcPct val="150000"/>
-              </a:lnSpc>
-              <a:buFont typeface="Arial" panose="020B0604020202020204" pitchFamily="34" charset="0"/>
-              <a:buChar char="•"/>
-            </a:pPr>
-            <a:r>
-              <a:rPr lang="it-CH" sz="2000" dirty="0"/>
-              <a:t>Log</a:t>
-            </a:r>
           </a:p>
         </p:txBody>
       </p:sp>
     </p:spTree>
     <p:extLst>
       <p:ext uri="{BB962C8B-B14F-4D97-AF65-F5344CB8AC3E}">
-        <p14:creationId xmlns:p14="http://schemas.microsoft.com/office/powerpoint/2010/main" val="2586380990"/>
+        <p14:creationId xmlns:p14="http://schemas.microsoft.com/office/powerpoint/2010/main" val="1615021837"/>
       </p:ext>
     </p:extLst>
   </p:cSld>
@@ -6198,7 +6343,7 @@
             </a:r>
             <a:r>
               <a:rPr lang="it-IT" sz="2800" dirty="0" err="1"/>
-              <a:t>CommandManager</a:t>
+              <a:t>DroneControllerMonitor</a:t>
             </a:r>
             <a:r>
               <a:rPr lang="it-IT" sz="2800" dirty="0"/>
@@ -6236,118 +6381,75 @@
           <a:p>
             <a:pPr marL="285750" indent="-285750">
               <a:lnSpc>
-                <a:spcPct val="200000"/>
+                <a:spcPct val="150000"/>
               </a:lnSpc>
               <a:buFont typeface="Arial" panose="020B0604020202020204" pitchFamily="34" charset="0"/>
               <a:buChar char="•"/>
             </a:pPr>
             <a:r>
               <a:rPr lang="it-CH" sz="2000" dirty="0"/>
-              <a:t>Invio </a:t>
-            </a:r>
-            <a:r>
-              <a:rPr lang="it-CH" sz="2000" dirty="0">
-                <a:solidFill>
-                  <a:schemeClr val="tx1"/>
-                </a:solidFill>
-                <a:latin typeface="+mn-lt"/>
-                <a:cs typeface="+mn-cs"/>
-              </a:rPr>
-              <a:t>comandi </a:t>
-            </a:r>
-            <a:r>
-              <a:rPr lang="it-CH" sz="2000" dirty="0">
-                <a:solidFill>
-                  <a:schemeClr val="tx1"/>
-                </a:solidFill>
-                <a:latin typeface="+mn-lt"/>
-                <a:cs typeface="+mn-cs"/>
-                <a:sym typeface="Wingdings" panose="05000000000000000000" pitchFamily="2" charset="2"/>
-              </a:rPr>
-              <a:t> </a:t>
-            </a:r>
-            <a:r>
-              <a:rPr lang="it-CH" sz="2000" dirty="0" err="1">
-                <a:solidFill>
-                  <a:schemeClr val="tx1"/>
-                </a:solidFill>
-                <a:latin typeface="+mn-lt"/>
-                <a:cs typeface="+mn-cs"/>
-                <a:sym typeface="Wingdings" panose="05000000000000000000" pitchFamily="2" charset="2"/>
-              </a:rPr>
-              <a:t>Socket</a:t>
-            </a:r>
-            <a:endParaRPr lang="it-CH" sz="2000" dirty="0">
-              <a:solidFill>
-                <a:schemeClr val="tx1"/>
-              </a:solidFill>
-              <a:latin typeface="+mn-lt"/>
-              <a:cs typeface="+mn-cs"/>
-              <a:sym typeface="Wingdings" panose="05000000000000000000" pitchFamily="2" charset="2"/>
-            </a:endParaRPr>
-          </a:p>
-          <a:p>
-            <a:pPr marL="285750" indent="-285750">
+              <a:t>GUI</a:t>
+            </a:r>
+          </a:p>
+          <a:p>
+            <a:pPr marL="1028700" lvl="1">
               <a:lnSpc>
-                <a:spcPct val="200000"/>
+                <a:spcPct val="150000"/>
               </a:lnSpc>
               <a:buFont typeface="Arial" panose="020B0604020202020204" pitchFamily="34" charset="0"/>
               <a:buChar char="•"/>
             </a:pPr>
             <a:r>
-              <a:rPr lang="it-CH" sz="2000" dirty="0">
-                <a:solidFill>
-                  <a:schemeClr val="tx1"/>
-                </a:solidFill>
-                <a:latin typeface="+mn-lt"/>
-                <a:cs typeface="+mn-cs"/>
-                <a:sym typeface="Wingdings" panose="05000000000000000000" pitchFamily="2" charset="2"/>
-              </a:rPr>
-              <a:t>Utilizzato da:</a:t>
+              <a:rPr lang="it-CH" sz="2000" dirty="0"/>
+              <a:t>Controllo drone </a:t>
             </a:r>
           </a:p>
           <a:p>
             <a:pPr marL="1028700" lvl="1">
               <a:lnSpc>
-                <a:spcPct val="200000"/>
+                <a:spcPct val="150000"/>
               </a:lnSpc>
               <a:buFont typeface="Arial" panose="020B0604020202020204" pitchFamily="34" charset="0"/>
               <a:buChar char="•"/>
             </a:pPr>
             <a:r>
-              <a:rPr lang="it-CH" sz="2000" dirty="0" err="1">
-                <a:sym typeface="Wingdings" panose="05000000000000000000" pitchFamily="2" charset="2"/>
-              </a:rPr>
-              <a:t>DroneController</a:t>
-            </a:r>
-            <a:endParaRPr lang="it-CH" sz="2000" dirty="0">
-              <a:sym typeface="Wingdings" panose="05000000000000000000" pitchFamily="2" charset="2"/>
-            </a:endParaRPr>
+              <a:rPr lang="it-CH" sz="2000" dirty="0"/>
+              <a:t>Recording</a:t>
+            </a:r>
           </a:p>
           <a:p>
             <a:pPr marL="1028700" lvl="1">
               <a:lnSpc>
-                <a:spcPct val="200000"/>
+                <a:spcPct val="150000"/>
               </a:lnSpc>
               <a:buFont typeface="Arial" panose="020B0604020202020204" pitchFamily="34" charset="0"/>
               <a:buChar char="•"/>
             </a:pPr>
             <a:r>
-              <a:rPr lang="it-CH" sz="2000" dirty="0" err="1">
-                <a:sym typeface="Wingdings" panose="05000000000000000000" pitchFamily="2" charset="2"/>
-              </a:rPr>
-              <a:t>DroneControllerMonitor</a:t>
-            </a:r>
-            <a:endParaRPr lang="it-CH" sz="2000" dirty="0">
-              <a:sym typeface="Wingdings" panose="05000000000000000000" pitchFamily="2" charset="2"/>
-            </a:endParaRPr>
+              <a:rPr lang="it-CH" sz="2000" dirty="0" err="1"/>
+              <a:t>Config</a:t>
+            </a:r>
+            <a:endParaRPr lang="it-CH" sz="2000" dirty="0"/>
+          </a:p>
+          <a:p>
+            <a:pPr marL="1028700" lvl="1">
+              <a:lnSpc>
+                <a:spcPct val="150000"/>
+              </a:lnSpc>
+              <a:buFont typeface="Arial" panose="020B0604020202020204" pitchFamily="34" charset="0"/>
+              <a:buChar char="•"/>
+            </a:pPr>
+            <a:r>
+              <a:rPr lang="it-CH" sz="2000" dirty="0"/>
+              <a:t>Log</a:t>
+            </a:r>
           </a:p>
         </p:txBody>
       </p:sp>
     </p:spTree>
     <p:extLst>
       <p:ext uri="{BB962C8B-B14F-4D97-AF65-F5344CB8AC3E}">
-        <p14:creationId xmlns:p14="http://schemas.microsoft.com/office/powerpoint/2010/main" val="3679172245"/>
+        <p14:creationId xmlns:p14="http://schemas.microsoft.com/office/powerpoint/2010/main" val="2586380990"/>
       </p:ext>
     </p:extLst>
   </p:cSld>
@@ -6434,8 +6536,8 @@
               <a:t>Classe </a:t>
             </a:r>
             <a:r>
-              <a:rPr lang="it-CH" sz="2800" dirty="0" err="1"/>
-              <a:t>FlightRecorder</a:t>
+              <a:rPr lang="it-IT" sz="2800" dirty="0" err="1"/>
+              <a:t>CommandManager</a:t>
             </a:r>
             <a:r>
               <a:rPr lang="it-IT" sz="2800" dirty="0"/>
@@ -6473,60 +6575,118 @@
           <a:p>
             <a:pPr marL="285750" indent="-285750">
               <a:lnSpc>
-                <a:spcPct val="250000"/>
+                <a:spcPct val="200000"/>
               </a:lnSpc>
               <a:buFont typeface="Arial" panose="020B0604020202020204" pitchFamily="34" charset="0"/>
               <a:buChar char="•"/>
             </a:pPr>
             <a:r>
+              <a:rPr lang="it-CH" sz="2000" dirty="0"/>
+              <a:t>Invio </a:t>
+            </a:r>
+            <a:r>
               <a:rPr lang="it-CH" sz="2000" dirty="0">
+                <a:solidFill>
+                  <a:schemeClr val="tx1"/>
+                </a:solidFill>
+                <a:latin typeface="+mn-lt"/>
+                <a:cs typeface="+mn-cs"/>
+              </a:rPr>
+              <a:t>comandi </a:t>
+            </a:r>
+            <a:r>
+              <a:rPr lang="it-CH" sz="2000" dirty="0">
+                <a:solidFill>
+                  <a:schemeClr val="tx1"/>
+                </a:solidFill>
+                <a:latin typeface="+mn-lt"/>
+                <a:cs typeface="+mn-cs"/>
                 <a:sym typeface="Wingdings" panose="05000000000000000000" pitchFamily="2" charset="2"/>
               </a:rPr>
-              <a:t>Utilizza </a:t>
+              <a:t> </a:t>
             </a:r>
             <a:r>
               <a:rPr lang="it-CH" sz="2000" dirty="0" err="1">
+                <a:solidFill>
+                  <a:schemeClr val="tx1"/>
+                </a:solidFill>
+                <a:latin typeface="+mn-lt"/>
+                <a:cs typeface="+mn-cs"/>
                 <a:sym typeface="Wingdings" panose="05000000000000000000" pitchFamily="2" charset="2"/>
               </a:rPr>
-              <a:t>CommandBuffer</a:t>
-            </a:r>
-            <a:r>
-              <a:rPr lang="it-CH" sz="2000" dirty="0">
-                <a:sym typeface="Wingdings" panose="05000000000000000000" pitchFamily="2" charset="2"/>
-              </a:rPr>
-              <a:t> + </a:t>
-            </a:r>
-            <a:r>
-              <a:rPr lang="it-CH" sz="2000" dirty="0" err="1">
-                <a:sym typeface="Wingdings" panose="05000000000000000000" pitchFamily="2" charset="2"/>
-              </a:rPr>
-              <a:t>CommandRecord</a:t>
+              <a:t>Socket</a:t>
             </a:r>
             <a:endParaRPr lang="it-CH" sz="2000" dirty="0">
+              <a:solidFill>
+                <a:schemeClr val="tx1"/>
+              </a:solidFill>
+              <a:latin typeface="+mn-lt"/>
+              <a:cs typeface="+mn-cs"/>
               <a:sym typeface="Wingdings" panose="05000000000000000000" pitchFamily="2" charset="2"/>
             </a:endParaRPr>
           </a:p>
           <a:p>
             <a:pPr marL="285750" indent="-285750">
               <a:lnSpc>
-                <a:spcPct val="250000"/>
+                <a:spcPct val="200000"/>
               </a:lnSpc>
               <a:buFont typeface="Arial" panose="020B0604020202020204" pitchFamily="34" charset="0"/>
               <a:buChar char="•"/>
             </a:pPr>
             <a:r>
               <a:rPr lang="it-CH" sz="2000" dirty="0">
+                <a:solidFill>
+                  <a:schemeClr val="tx1"/>
+                </a:solidFill>
+                <a:latin typeface="+mn-lt"/>
+                <a:cs typeface="+mn-cs"/>
                 <a:sym typeface="Wingdings" panose="05000000000000000000" pitchFamily="2" charset="2"/>
               </a:rPr>
-              <a:t>Genera + Salva la registrazione</a:t>
-            </a:r>
+              <a:t>Utilizzato da:</a:t>
+            </a:r>
+          </a:p>
+          <a:p>
+            <a:pPr marL="1028700" lvl="1">
+              <a:lnSpc>
+                <a:spcPct val="200000"/>
+              </a:lnSpc>
+              <a:buFont typeface="Arial" panose="020B0604020202020204" pitchFamily="34" charset="0"/>
+              <a:buChar char="•"/>
+            </a:pPr>
+            <a:r>
+              <a:rPr lang="it-CH" sz="2000" dirty="0" err="1">
+                <a:sym typeface="Wingdings" panose="05000000000000000000" pitchFamily="2" charset="2"/>
+              </a:rPr>
+              <a:t>DroneController</a:t>
+            </a:r>
+            <a:endParaRPr lang="it-CH" sz="2000" dirty="0">
+              <a:sym typeface="Wingdings" panose="05000000000000000000" pitchFamily="2" charset="2"/>
+            </a:endParaRPr>
+          </a:p>
+          <a:p>
+            <a:pPr marL="1028700" lvl="1">
+              <a:lnSpc>
+                <a:spcPct val="200000"/>
+              </a:lnSpc>
+              <a:buFont typeface="Arial" panose="020B0604020202020204" pitchFamily="34" charset="0"/>
+              <a:buChar char="•"/>
+            </a:pPr>
+            <a:r>
+              <a:rPr lang="it-CH" sz="2000" dirty="0" err="1">
+                <a:sym typeface="Wingdings" panose="05000000000000000000" pitchFamily="2" charset="2"/>
+              </a:rPr>
+              <a:t>DroneControllerMonitor</a:t>
+            </a:r>
+            <a:endParaRPr lang="it-CH" sz="2000" dirty="0">
+              <a:sym typeface="Wingdings" panose="05000000000000000000" pitchFamily="2" charset="2"/>
+            </a:endParaRPr>
           </a:p>
         </p:txBody>
       </p:sp>
     </p:spTree>
     <p:extLst>
       <p:ext uri="{BB962C8B-B14F-4D97-AF65-F5344CB8AC3E}">
-        <p14:creationId xmlns:p14="http://schemas.microsoft.com/office/powerpoint/2010/main" val="4176927173"/>
+        <p14:creationId xmlns:p14="http://schemas.microsoft.com/office/powerpoint/2010/main" val="3679172245"/>
       </p:ext>
     </p:extLst>
   </p:cSld>
@@ -6719,7 +6879,7 @@
           <a:p>
             <a:r>
               <a:rPr lang="it-CH" dirty="0" err="1"/>
-              <a:t>DroneSimulator</a:t>
+              <a:t>DroneController</a:t>
             </a:r>
             <a:endParaRPr lang="it-CH" dirty="0"/>
           </a:p>
@@ -6753,7 +6913,11 @@
           <a:p>
             <a:r>
               <a:rPr lang="it-CH" sz="2800" dirty="0"/>
-              <a:t>Classe Simulator</a:t>
+              <a:t>Classe </a:t>
+            </a:r>
+            <a:r>
+              <a:rPr lang="it-CH" sz="2800" dirty="0" err="1"/>
+              <a:t>FlightRecorder</a:t>
             </a:r>
             <a:r>
               <a:rPr lang="it-IT" sz="2800" dirty="0"/>
@@ -6791,7 +6955,7 @@
           <a:p>
             <a:pPr marL="285750" indent="-285750">
               <a:lnSpc>
-                <a:spcPct val="300000"/>
+                <a:spcPct val="250000"/>
               </a:lnSpc>
               <a:buFont typeface="Arial" panose="020B0604020202020204" pitchFamily="34" charset="0"/>
               <a:buChar char="•"/>
@@ -6800,13 +6964,25 @@
               <a:rPr lang="it-CH" sz="2000" dirty="0">
                 <a:sym typeface="Wingdings" panose="05000000000000000000" pitchFamily="2" charset="2"/>
               </a:rPr>
-              <a:t>Riceve comandi  </a:t>
+              <a:t>Utilizza </a:t>
             </a:r>
             <a:r>
               <a:rPr lang="it-CH" sz="2000" dirty="0" err="1">
                 <a:sym typeface="Wingdings" panose="05000000000000000000" pitchFamily="2" charset="2"/>
               </a:rPr>
-              <a:t>Socket</a:t>
+              <a:t>CommandBuffer</a:t>
+            </a:r>
+            <a:r>
+              <a:rPr lang="it-CH" sz="2000" dirty="0">
+                <a:sym typeface="Wingdings" panose="05000000000000000000" pitchFamily="2" charset="2"/>
+              </a:rPr>
+              <a:t> + </a:t>
+            </a:r>
+            <a:r>
+              <a:rPr lang="it-CH" sz="2000" dirty="0" err="1">
+                <a:sym typeface="Wingdings" panose="05000000000000000000" pitchFamily="2" charset="2"/>
+              </a:rPr>
+              <a:t>CommandRecord</a:t>
             </a:r>
             <a:endParaRPr lang="it-CH" sz="2000" dirty="0">
               <a:sym typeface="Wingdings" panose="05000000000000000000" pitchFamily="2" charset="2"/>
@@ -6815,7 +6991,7 @@
           <a:p>
             <a:pPr marL="285750" indent="-285750">
               <a:lnSpc>
-                <a:spcPct val="300000"/>
+                <a:spcPct val="250000"/>
               </a:lnSpc>
               <a:buFont typeface="Arial" panose="020B0604020202020204" pitchFamily="34" charset="0"/>
               <a:buChar char="•"/>
@@ -6824,24 +7000,15 @@
               <a:rPr lang="it-CH" sz="2000" dirty="0">
                 <a:sym typeface="Wingdings" panose="05000000000000000000" pitchFamily="2" charset="2"/>
               </a:rPr>
-              <a:t>Inoltro comandi  </a:t>
-            </a:r>
-            <a:r>
-              <a:rPr lang="it-CH" sz="2000" dirty="0" err="1">
-                <a:sym typeface="Wingdings" panose="05000000000000000000" pitchFamily="2" charset="2"/>
-              </a:rPr>
-              <a:t>CommandReader</a:t>
-            </a:r>
-            <a:endParaRPr lang="it-CH" sz="2000" dirty="0">
-              <a:sym typeface="Wingdings" panose="05000000000000000000" pitchFamily="2" charset="2"/>
-            </a:endParaRPr>
+              <a:t>Genera + Salva la registrazione</a:t>
+            </a:r>
           </a:p>
         </p:txBody>
       </p:sp>
     </p:spTree>
     <p:extLst>
       <p:ext uri="{BB962C8B-B14F-4D97-AF65-F5344CB8AC3E}">
-        <p14:creationId xmlns:p14="http://schemas.microsoft.com/office/powerpoint/2010/main" val="2078199158"/>
+        <p14:creationId xmlns:p14="http://schemas.microsoft.com/office/powerpoint/2010/main" val="4176927173"/>
       </p:ext>
     </p:extLst>
   </p:cSld>
@@ -6925,11 +7092,7 @@
           <a:p>
             <a:r>
               <a:rPr lang="it-CH" sz="2800" dirty="0"/>
-              <a:t>Classe </a:t>
-            </a:r>
-            <a:r>
-              <a:rPr lang="it-CH" sz="2800" dirty="0" err="1"/>
-              <a:t>CommandReader</a:t>
+              <a:t>Classe Simulator</a:t>
             </a:r>
             <a:r>
               <a:rPr lang="it-IT" sz="2800" dirty="0"/>
@@ -6965,49 +7128,59 @@
           <a:bodyPr/>
           <a:lstStyle/>
           <a:p>
-            <a:r>
-              <a:rPr lang="it-IT" sz="2000" dirty="0"/>
-              <a:t>Riceve i comandi dalla classe Simulator.</a:t>
-            </a:r>
-          </a:p>
-          <a:p>
-            <a:endParaRPr lang="it-IT" sz="2000" dirty="0"/>
-          </a:p>
-          <a:p>
-            <a:r>
-              <a:rPr lang="it-IT" sz="2000" dirty="0"/>
-              <a:t>Simula i comandi della SDK di Tello. </a:t>
-            </a:r>
-          </a:p>
-          <a:p>
-            <a:endParaRPr lang="it-IT" sz="2000" dirty="0"/>
-          </a:p>
-          <a:p>
-            <a:r>
-              <a:rPr lang="it-IT" sz="2000" dirty="0"/>
-              <a:t>Aggiorna le variabili contenenti informazioni su</a:t>
-            </a:r>
-            <a:br>
-              <a:rPr lang="it-IT" sz="2000" dirty="0"/>
-            </a:br>
-            <a:r>
-              <a:rPr lang="it-IT" sz="2000" dirty="0"/>
-              <a:t>Posizione e rotazione del drone.</a:t>
-            </a:r>
-          </a:p>
-          <a:p>
-            <a:pPr marL="342900" indent="-342900">
+            <a:pPr marL="285750" indent="-285750">
+              <a:lnSpc>
+                <a:spcPct val="300000"/>
+              </a:lnSpc>
               <a:buFont typeface="Arial" panose="020B0604020202020204" pitchFamily="34" charset="0"/>
               <a:buChar char="•"/>
             </a:pPr>
-            <a:endParaRPr lang="it-IT" sz="2000" dirty="0"/>
+            <a:r>
+              <a:rPr lang="it-CH" sz="2000" dirty="0">
+                <a:sym typeface="Wingdings" panose="05000000000000000000" pitchFamily="2" charset="2"/>
+              </a:rPr>
+              <a:t>Riceve comandi  </a:t>
+            </a:r>
+            <a:r>
+              <a:rPr lang="it-CH" sz="2000" dirty="0" err="1">
+                <a:sym typeface="Wingdings" panose="05000000000000000000" pitchFamily="2" charset="2"/>
+              </a:rPr>
+              <a:t>Socket</a:t>
+            </a:r>
+            <a:endParaRPr lang="it-CH" sz="2000" dirty="0">
+              <a:sym typeface="Wingdings" panose="05000000000000000000" pitchFamily="2" charset="2"/>
+            </a:endParaRPr>
+          </a:p>
+          <a:p>
+            <a:pPr marL="285750" indent="-285750">
+              <a:lnSpc>
+                <a:spcPct val="300000"/>
+              </a:lnSpc>
+              <a:buFont typeface="Arial" panose="020B0604020202020204" pitchFamily="34" charset="0"/>
+              <a:buChar char="•"/>
+            </a:pPr>
+            <a:r>
+              <a:rPr lang="it-CH" sz="2000" dirty="0">
+                <a:sym typeface="Wingdings" panose="05000000000000000000" pitchFamily="2" charset="2"/>
+              </a:rPr>
+              <a:t>Inoltro comandi  </a:t>
+            </a:r>
+            <a:r>
+              <a:rPr lang="it-CH" sz="2000" dirty="0" err="1">
+                <a:sym typeface="Wingdings" panose="05000000000000000000" pitchFamily="2" charset="2"/>
+              </a:rPr>
+              <a:t>CommandReader</a:t>
+            </a:r>
+            <a:endParaRPr lang="it-CH" sz="2000" dirty="0">
+              <a:sym typeface="Wingdings" panose="05000000000000000000" pitchFamily="2" charset="2"/>
+            </a:endParaRPr>
           </a:p>
         </p:txBody>
       </p:sp>
     </p:spTree>
     <p:extLst>
       <p:ext uri="{BB962C8B-B14F-4D97-AF65-F5344CB8AC3E}">
-        <p14:creationId xmlns:p14="http://schemas.microsoft.com/office/powerpoint/2010/main" val="422939601"/>
+        <p14:creationId xmlns:p14="http://schemas.microsoft.com/office/powerpoint/2010/main" val="2078199158"/>
       </p:ext>
     </p:extLst>
   </p:cSld>
@@ -7094,6 +7267,172 @@
               <a:t>Classe </a:t>
             </a:r>
             <a:r>
+              <a:rPr lang="it-CH" sz="2800" dirty="0" err="1"/>
+              <a:t>CommandReader</a:t>
+            </a:r>
+            <a:r>
+              <a:rPr lang="it-IT" sz="2800" dirty="0"/>
+              <a:t> </a:t>
+            </a:r>
+            <a:endParaRPr lang="it-CH" sz="2800" dirty="0"/>
+          </a:p>
+        </p:txBody>
+      </p:sp>
+      <p:sp>
+        <p:nvSpPr>
+          <p:cNvPr id="4" name="Segnaposto contenuto 3">
+            <a:extLst>
+              <a:ext uri="{FF2B5EF4-FFF2-40B4-BE49-F238E27FC236}">
+                <a16:creationId xmlns:a16="http://schemas.microsoft.com/office/drawing/2014/main" id="{13544A92-8328-4004-96C8-B60363828F13}"/>
+              </a:ext>
+            </a:extLst>
+          </p:cNvPr>
+          <p:cNvSpPr>
+            <a:spLocks noGrp="1"/>
+          </p:cNvSpPr>
+          <p:nvPr>
+            <p:ph idx="10"/>
+          </p:nvPr>
+        </p:nvSpPr>
+        <p:spPr>
+          <a:xfrm>
+            <a:off x="1990056" y="1664245"/>
+            <a:ext cx="6912768" cy="2995737"/>
+          </a:xfrm>
+        </p:spPr>
+        <p:txBody>
+          <a:bodyPr/>
+          <a:lstStyle/>
+          <a:p>
+            <a:r>
+              <a:rPr lang="it-IT" sz="2000" dirty="0"/>
+              <a:t>Riceve i comandi dalla classe Simulator.</a:t>
+            </a:r>
+          </a:p>
+          <a:p>
+            <a:endParaRPr lang="it-IT" sz="2000" dirty="0"/>
+          </a:p>
+          <a:p>
+            <a:r>
+              <a:rPr lang="it-IT" sz="2000" dirty="0"/>
+              <a:t>Simula i comandi della SDK di Tello. </a:t>
+            </a:r>
+          </a:p>
+          <a:p>
+            <a:endParaRPr lang="it-IT" sz="2000" dirty="0"/>
+          </a:p>
+          <a:p>
+            <a:r>
+              <a:rPr lang="it-IT" sz="2000" dirty="0"/>
+              <a:t>Aggiorna le variabili contenenti informazioni su</a:t>
+            </a:r>
+            <a:br>
+              <a:rPr lang="it-IT" sz="2000" dirty="0"/>
+            </a:br>
+            <a:r>
+              <a:rPr lang="it-IT" sz="2000" dirty="0"/>
+              <a:t>Posizione e rotazione del drone.</a:t>
+            </a:r>
+          </a:p>
+          <a:p>
+            <a:pPr marL="342900" indent="-342900">
+              <a:buFont typeface="Arial" panose="020B0604020202020204" pitchFamily="34" charset="0"/>
+              <a:buChar char="•"/>
+            </a:pPr>
+            <a:endParaRPr lang="it-IT" sz="2000" dirty="0"/>
+          </a:p>
+        </p:txBody>
+      </p:sp>
+    </p:spTree>
+    <p:extLst>
+      <p:ext uri="{BB962C8B-B14F-4D97-AF65-F5344CB8AC3E}">
+        <p14:creationId xmlns:p14="http://schemas.microsoft.com/office/powerpoint/2010/main" val="422939601"/>
+      </p:ext>
+    </p:extLst>
+  </p:cSld>
+  <p:clrMapOvr>
+    <a:masterClrMapping/>
+  </p:clrMapOvr>
+</p:sld>
+</file>
+
+<file path=ppt/slides/slide23.xml><?xml version="1.0" encoding="utf-8"?>
+<p:sld xmlns:a="http://schemas.openxmlformats.org/drawingml/2006/main" xmlns:r="http://schemas.openxmlformats.org/officeDocument/2006/relationships" xmlns:p="http://schemas.openxmlformats.org/presentationml/2006/main">
+  <p:cSld>
+    <p:spTree>
+      <p:nvGrpSpPr>
+        <p:cNvPr id="1" name=""/>
+        <p:cNvGrpSpPr/>
+        <p:nvPr/>
+      </p:nvGrpSpPr>
+      <p:grpSpPr>
+        <a:xfrm>
+          <a:off x="0" y="0"/>
+          <a:ext cx="0" cy="0"/>
+          <a:chOff x="0" y="0"/>
+          <a:chExt cx="0" cy="0"/>
+        </a:xfrm>
+      </p:grpSpPr>
+      <p:sp>
+        <p:nvSpPr>
+          <p:cNvPr id="2" name="Titolo 1">
+            <a:extLst>
+              <a:ext uri="{FF2B5EF4-FFF2-40B4-BE49-F238E27FC236}">
+                <a16:creationId xmlns:a16="http://schemas.microsoft.com/office/drawing/2014/main" id="{1C9728DE-DCC3-47F3-A9A7-4840BBF3A649}"/>
+              </a:ext>
+            </a:extLst>
+          </p:cNvPr>
+          <p:cNvSpPr>
+            <a:spLocks noGrp="1"/>
+          </p:cNvSpPr>
+          <p:nvPr>
+            <p:ph type="title"/>
+          </p:nvPr>
+        </p:nvSpPr>
+        <p:spPr/>
+        <p:txBody>
+          <a:bodyPr/>
+          <a:lstStyle/>
+          <a:p>
+            <a:r>
+              <a:rPr lang="it-CH" dirty="0" err="1"/>
+              <a:t>DroneSimulator</a:t>
+            </a:r>
+            <a:endParaRPr lang="it-CH" dirty="0"/>
+          </a:p>
+        </p:txBody>
+      </p:sp>
+      <p:sp>
+        <p:nvSpPr>
+          <p:cNvPr id="3" name="Segnaposto contenuto 2">
+            <a:extLst>
+              <a:ext uri="{FF2B5EF4-FFF2-40B4-BE49-F238E27FC236}">
+                <a16:creationId xmlns:a16="http://schemas.microsoft.com/office/drawing/2014/main" id="{A9782E92-4646-4216-BC0B-9AFBD5130E30}"/>
+              </a:ext>
+            </a:extLst>
+          </p:cNvPr>
+          <p:cNvSpPr>
+            <a:spLocks noGrp="1"/>
+          </p:cNvSpPr>
+          <p:nvPr>
+            <p:ph idx="1"/>
+          </p:nvPr>
+        </p:nvSpPr>
+        <p:spPr>
+          <a:xfrm>
+            <a:off x="2000747" y="884466"/>
+            <a:ext cx="6912768" cy="460648"/>
+          </a:xfrm>
+        </p:spPr>
+        <p:txBody>
+          <a:bodyPr/>
+          <a:lstStyle/>
+          <a:p>
+            <a:r>
+              <a:rPr lang="it-CH" sz="2800" dirty="0"/>
+              <a:t>Classe </a:t>
+            </a:r>
+            <a:r>
               <a:rPr lang="it-IT" sz="2800" dirty="0" err="1"/>
               <a:t>TelloChartFrame</a:t>
             </a:r>
@@ -7185,7 +7524,7 @@
 </p:sld>
 </file>
 
-<file path=ppt/slides/slide23.xml><?xml version="1.0" encoding="utf-8"?>
+<file path=ppt/slides/slide24.xml><?xml version="1.0" encoding="utf-8"?>
 <p:sld xmlns:a="http://schemas.openxmlformats.org/drawingml/2006/main" xmlns:r="http://schemas.openxmlformats.org/officeDocument/2006/relationships" xmlns:p="http://schemas.openxmlformats.org/presentationml/2006/main">
   <p:cSld>
     <p:spTree>
@@ -7836,41 +8175,6 @@
       </p:sp>
       <p:pic>
         <p:nvPicPr>
-          <p:cNvPr id="5" name="Segnaposto contenuto 4">
-            <a:extLst>
-              <a:ext uri="{FF2B5EF4-FFF2-40B4-BE49-F238E27FC236}">
-                <a16:creationId xmlns:a16="http://schemas.microsoft.com/office/drawing/2014/main" id="{898D7E89-0043-4101-8223-BD420A471666}"/>
-              </a:ext>
-            </a:extLst>
-          </p:cNvPr>
-          <p:cNvPicPr>
-            <a:picLocks noGrp="1" noChangeAspect="1"/>
-          </p:cNvPicPr>
-          <p:nvPr>
-            <p:ph idx="10"/>
-          </p:nvPr>
-        </p:nvPicPr>
-        <p:blipFill>
-          <a:blip r:embed="rId3" cstate="print">
-            <a:extLst>
-              <a:ext uri="{28A0092B-C50C-407E-A947-70E740481C1C}">
-                <a14:useLocalDpi xmlns:a14="http://schemas.microsoft.com/office/drawing/2010/main" val="0"/>
-              </a:ext>
-            </a:extLst>
-          </a:blip>
-          <a:stretch>
-            <a:fillRect/>
-          </a:stretch>
-        </p:blipFill>
-        <p:spPr>
-          <a:xfrm>
-            <a:off x="1627909" y="1059582"/>
-            <a:ext cx="7065506" cy="3313821"/>
-          </a:xfrm>
-        </p:spPr>
-      </p:pic>
-      <p:pic>
-        <p:nvPicPr>
           <p:cNvPr id="2050" name="Picture 2" descr="Risultati immagini per finish race icon">
             <a:extLst>
               <a:ext uri="{FF2B5EF4-FFF2-40B4-BE49-F238E27FC236}">
@@ -7884,7 +8188,7 @@
           <p:nvPr/>
         </p:nvPicPr>
         <p:blipFill>
-          <a:blip r:embed="rId4" cstate="print">
+          <a:blip r:embed="rId3" cstate="print">
             <a:extLst>
               <a:ext uri="{28A0092B-C50C-407E-A947-70E740481C1C}">
                 <a14:useLocalDpi xmlns:a14="http://schemas.microsoft.com/office/drawing/2010/main" val="0"/>
@@ -7914,6 +8218,41 @@
               </a14:hiddenFill>
             </a:ext>
           </a:extLst>
+        </p:spPr>
+      </p:pic>
+      <p:pic>
+        <p:nvPicPr>
+          <p:cNvPr id="8" name="Segnaposto contenuto 7">
+            <a:extLst>
+              <a:ext uri="{FF2B5EF4-FFF2-40B4-BE49-F238E27FC236}">
+                <a16:creationId xmlns:a16="http://schemas.microsoft.com/office/drawing/2014/main" id="{16008C45-EC87-4F77-BE82-735D4DE54469}"/>
+              </a:ext>
+            </a:extLst>
+          </p:cNvPr>
+          <p:cNvPicPr>
+            <a:picLocks noGrp="1" noChangeAspect="1"/>
+          </p:cNvPicPr>
+          <p:nvPr>
+            <p:ph idx="10"/>
+          </p:nvPr>
+        </p:nvPicPr>
+        <p:blipFill>
+          <a:blip r:embed="rId4" cstate="print">
+            <a:extLst>
+              <a:ext uri="{28A0092B-C50C-407E-A947-70E740481C1C}">
+                <a14:useLocalDpi xmlns:a14="http://schemas.microsoft.com/office/drawing/2010/main" val="0"/>
+              </a:ext>
+            </a:extLst>
+          </a:blip>
+          <a:stretch>
+            <a:fillRect/>
+          </a:stretch>
+        </p:blipFill>
+        <p:spPr>
+          <a:xfrm>
+            <a:off x="1691680" y="1093104"/>
+            <a:ext cx="7066800" cy="3316765"/>
+          </a:xfrm>
         </p:spPr>
       </p:pic>
     </p:spTree>
@@ -7968,7 +8307,7 @@
           <a:lstStyle/>
           <a:p>
             <a:r>
-              <a:rPr lang="it-CH" dirty="0"/>
+              <a:rPr lang="it-CH" sz="4000" dirty="0"/>
               <a:t>GANTT: DIFFERENZE</a:t>
             </a:r>
           </a:p>
@@ -7995,7 +8334,50 @@
           <a:bodyPr/>
           <a:lstStyle/>
           <a:p>
-            <a:endParaRPr lang="it-CH"/>
+            <a:pPr marL="285750" indent="-285750">
+              <a:lnSpc>
+                <a:spcPct val="200000"/>
+              </a:lnSpc>
+              <a:buFont typeface="Arial" panose="020B0604020202020204" pitchFamily="34" charset="0"/>
+              <a:buChar char="•"/>
+            </a:pPr>
+            <a:r>
+              <a:rPr lang="it-CH" sz="2800" dirty="0"/>
+              <a:t>Progettazione + Implementazione</a:t>
+            </a:r>
+          </a:p>
+          <a:p>
+            <a:pPr marL="1028700" lvl="1">
+              <a:lnSpc>
+                <a:spcPct val="200000"/>
+              </a:lnSpc>
+              <a:buFont typeface="Arial" panose="020B0604020202020204" pitchFamily="34" charset="0"/>
+              <a:buChar char="•"/>
+            </a:pPr>
+            <a:r>
+              <a:rPr lang="it-CH" sz="2400" dirty="0"/>
+              <a:t>Informazioni</a:t>
+            </a:r>
+          </a:p>
+          <a:p>
+            <a:pPr marL="1028700" lvl="1">
+              <a:lnSpc>
+                <a:spcPct val="200000"/>
+              </a:lnSpc>
+              <a:buFont typeface="Arial" panose="020B0604020202020204" pitchFamily="34" charset="0"/>
+              <a:buChar char="•"/>
+            </a:pPr>
+            <a:r>
+              <a:rPr lang="it-CH" sz="2400" dirty="0"/>
+              <a:t>Lavoro</a:t>
+            </a:r>
+          </a:p>
+          <a:p>
+            <a:pPr marL="285750" indent="-285750">
+              <a:buFont typeface="Arial" panose="020B0604020202020204" pitchFamily="34" charset="0"/>
+              <a:buChar char="•"/>
+            </a:pPr>
+            <a:endParaRPr lang="it-CH" dirty="0"/>
           </a:p>
         </p:txBody>
       </p:sp>
@@ -8132,7 +8514,7 @@
           <p:nvPr/>
         </p:nvPicPr>
         <p:blipFill>
-          <a:blip r:embed="rId2">
+          <a:blip r:embed="rId3">
             <a:extLst>
               <a:ext uri="{28A0092B-C50C-407E-A947-70E740481C1C}">
                 <a14:useLocalDpi xmlns:a14="http://schemas.microsoft.com/office/drawing/2010/main" val="0"/>
@@ -8217,7 +8599,7 @@
           <p:nvPr/>
         </p:nvPicPr>
         <p:blipFill rotWithShape="1">
-          <a:blip r:embed="rId2">
+          <a:blip r:embed="rId3">
             <a:extLst>
               <a:ext uri="{28A0092B-C50C-407E-A947-70E740481C1C}">
                 <a14:useLocalDpi xmlns:a14="http://schemas.microsoft.com/office/drawing/2010/main" val="0"/>

--- a/docs/Presentazione.pptx
+++ b/docs/Presentazione.pptx
@@ -6,33 +6,36 @@
     <p:sldMasterId id="2147483661" r:id="rId2"/>
   </p:sldMasterIdLst>
   <p:notesMasterIdLst>
-    <p:notesMasterId r:id="rId27"/>
+    <p:notesMasterId r:id="rId30"/>
   </p:notesMasterIdLst>
   <p:sldIdLst>
     <p:sldId id="256" r:id="rId3"/>
-    <p:sldId id="260" r:id="rId4"/>
-    <p:sldId id="262" r:id="rId5"/>
-    <p:sldId id="263" r:id="rId6"/>
-    <p:sldId id="264" r:id="rId7"/>
-    <p:sldId id="265" r:id="rId8"/>
-    <p:sldId id="266" r:id="rId9"/>
-    <p:sldId id="267" r:id="rId10"/>
-    <p:sldId id="268" r:id="rId11"/>
-    <p:sldId id="286" r:id="rId12"/>
-    <p:sldId id="269" r:id="rId13"/>
-    <p:sldId id="270" r:id="rId14"/>
-    <p:sldId id="271" r:id="rId15"/>
-    <p:sldId id="272" r:id="rId16"/>
-    <p:sldId id="273" r:id="rId17"/>
-    <p:sldId id="274" r:id="rId18"/>
-    <p:sldId id="279" r:id="rId19"/>
-    <p:sldId id="280" r:id="rId20"/>
-    <p:sldId id="281" r:id="rId21"/>
-    <p:sldId id="282" r:id="rId22"/>
-    <p:sldId id="283" r:id="rId23"/>
-    <p:sldId id="284" r:id="rId24"/>
-    <p:sldId id="285" r:id="rId25"/>
-    <p:sldId id="278" r:id="rId26"/>
+    <p:sldId id="287" r:id="rId4"/>
+    <p:sldId id="288" r:id="rId5"/>
+    <p:sldId id="260" r:id="rId6"/>
+    <p:sldId id="262" r:id="rId7"/>
+    <p:sldId id="263" r:id="rId8"/>
+    <p:sldId id="264" r:id="rId9"/>
+    <p:sldId id="265" r:id="rId10"/>
+    <p:sldId id="266" r:id="rId11"/>
+    <p:sldId id="267" r:id="rId12"/>
+    <p:sldId id="286" r:id="rId13"/>
+    <p:sldId id="268" r:id="rId14"/>
+    <p:sldId id="269" r:id="rId15"/>
+    <p:sldId id="270" r:id="rId16"/>
+    <p:sldId id="271" r:id="rId17"/>
+    <p:sldId id="272" r:id="rId18"/>
+    <p:sldId id="289" r:id="rId19"/>
+    <p:sldId id="273" r:id="rId20"/>
+    <p:sldId id="274" r:id="rId21"/>
+    <p:sldId id="279" r:id="rId22"/>
+    <p:sldId id="280" r:id="rId23"/>
+    <p:sldId id="281" r:id="rId24"/>
+    <p:sldId id="282" r:id="rId25"/>
+    <p:sldId id="283" r:id="rId26"/>
+    <p:sldId id="284" r:id="rId27"/>
+    <p:sldId id="285" r:id="rId28"/>
+    <p:sldId id="278" r:id="rId29"/>
   </p:sldIdLst>
   <p:sldSz cx="9144000" cy="5143500" type="screen16x9"/>
   <p:notesSz cx="6858000" cy="9144000"/>
@@ -137,6 +140,16 @@
         <p14:section name="Sezione predefinita" id="{E93016D2-4A54-46BD-9580-BA284C61135F}">
           <p14:sldIdLst>
             <p14:sldId id="256"/>
+          </p14:sldIdLst>
+        </p14:section>
+        <p14:section name="Presentazione team" id="{9BAE740A-50AD-4FFE-8735-F46BBB89AE41}">
+          <p14:sldIdLst>
+            <p14:sldId id="287"/>
+            <p14:sldId id="288"/>
+          </p14:sldIdLst>
+        </p14:section>
+        <p14:section name="Main" id="{D29ACBA6-7550-4D55-B417-422E478B75FE}">
+          <p14:sldIdLst>
             <p14:sldId id="260"/>
             <p14:sldId id="262"/>
             <p14:sldId id="263"/>
@@ -152,8 +165,8 @@
         <p14:section name="Architettura sistema" id="{CB31D9CA-8A6D-4830-8CFE-2A53A7B6A2DA}">
           <p14:sldIdLst>
             <p14:sldId id="267"/>
+            <p14:sldId id="286"/>
             <p14:sldId id="268"/>
-            <p14:sldId id="286"/>
             <p14:sldId id="269"/>
           </p14:sldIdLst>
         </p14:section>
@@ -162,6 +175,7 @@
             <p14:sldId id="270"/>
             <p14:sldId id="271"/>
             <p14:sldId id="272"/>
+            <p14:sldId id="289"/>
             <p14:sldId id="273"/>
           </p14:sldIdLst>
         </p14:section>
@@ -617,7 +631,7 @@
           <a:p>
             <a:fld id="{FD2CFA8D-4E29-41DB-B61B-69A41B9506B3}" type="slidenum">
               <a:rPr lang="it-CH" smtClean="0"/>
-              <a:t>3</a:t>
+              <a:t>5</a:t>
             </a:fld>
             <a:endParaRPr lang="it-CH"/>
           </a:p>
@@ -701,7 +715,7 @@
           <a:p>
             <a:fld id="{FD2CFA8D-4E29-41DB-B61B-69A41B9506B3}" type="slidenum">
               <a:rPr lang="it-CH" smtClean="0"/>
-              <a:t>4</a:t>
+              <a:t>6</a:t>
             </a:fld>
             <a:endParaRPr lang="it-CH"/>
           </a:p>
@@ -785,7 +799,7 @@
           <a:p>
             <a:fld id="{FD2CFA8D-4E29-41DB-B61B-69A41B9506B3}" type="slidenum">
               <a:rPr lang="it-CH" smtClean="0"/>
-              <a:t>5</a:t>
+              <a:t>7</a:t>
             </a:fld>
             <a:endParaRPr lang="it-CH"/>
           </a:p>
@@ -869,7 +883,7 @@
           <a:p>
             <a:fld id="{FD2CFA8D-4E29-41DB-B61B-69A41B9506B3}" type="slidenum">
               <a:rPr lang="it-CH" smtClean="0"/>
-              <a:t>6</a:t>
+              <a:t>8</a:t>
             </a:fld>
             <a:endParaRPr lang="it-CH"/>
           </a:p>
@@ -934,11 +948,7 @@
           <a:p>
             <a:r>
               <a:rPr lang="it-CH" sz="3200" dirty="0"/>
-              <a:t>Possiamo dividere il lavoro in due grandi </a:t>
-            </a:r>
-            <a:r>
-              <a:rPr lang="it-CH" sz="3200"/>
-              <a:t>gruppi:</a:t>
+              <a:t>Possiamo dividere il lavoro in due grandi gruppi:</a:t>
             </a:r>
           </a:p>
           <a:p>
@@ -1035,7 +1045,7 @@
           <a:p>
             <a:fld id="{FD2CFA8D-4E29-41DB-B61B-69A41B9506B3}" type="slidenum">
               <a:rPr lang="it-CH" smtClean="0"/>
-              <a:t>8</a:t>
+              <a:t>10</a:t>
             </a:fld>
             <a:endParaRPr lang="it-CH"/>
           </a:p>
@@ -1133,7 +1143,7 @@
           <a:p>
             <a:fld id="{FD2CFA8D-4E29-41DB-B61B-69A41B9506B3}" type="slidenum">
               <a:rPr lang="it-CH" smtClean="0"/>
-              <a:t>9</a:t>
+              <a:t>12</a:t>
             </a:fld>
             <a:endParaRPr lang="it-CH"/>
           </a:p>
@@ -1143,6 +1153,174 @@
     <p:extLst>
       <p:ext uri="{BB962C8B-B14F-4D97-AF65-F5344CB8AC3E}">
         <p14:creationId xmlns:p14="http://schemas.microsoft.com/office/powerpoint/2010/main" val="1983135393"/>
+      </p:ext>
+    </p:extLst>
+  </p:cSld>
+  <p:clrMapOvr>
+    <a:masterClrMapping/>
+  </p:clrMapOvr>
+</p:notes>
+</file>
+
+<file path=ppt/notesSlides/notesSlide7.xml><?xml version="1.0" encoding="utf-8"?>
+<p:notes xmlns:a="http://schemas.openxmlformats.org/drawingml/2006/main" xmlns:r="http://schemas.openxmlformats.org/officeDocument/2006/relationships" xmlns:p="http://schemas.openxmlformats.org/presentationml/2006/main">
+  <p:cSld>
+    <p:spTree>
+      <p:nvGrpSpPr>
+        <p:cNvPr id="1" name=""/>
+        <p:cNvGrpSpPr/>
+        <p:nvPr/>
+      </p:nvGrpSpPr>
+      <p:grpSpPr>
+        <a:xfrm>
+          <a:off x="0" y="0"/>
+          <a:ext cx="0" cy="0"/>
+          <a:chOff x="0" y="0"/>
+          <a:chExt cx="0" cy="0"/>
+        </a:xfrm>
+      </p:grpSpPr>
+      <p:sp>
+        <p:nvSpPr>
+          <p:cNvPr id="2" name="Segnaposto immagine diapositiva 1"/>
+          <p:cNvSpPr>
+            <a:spLocks noGrp="1" noRot="1" noChangeAspect="1"/>
+          </p:cNvSpPr>
+          <p:nvPr>
+            <p:ph type="sldImg"/>
+          </p:nvPr>
+        </p:nvSpPr>
+        <p:spPr/>
+      </p:sp>
+      <p:sp>
+        <p:nvSpPr>
+          <p:cNvPr id="3" name="Segnaposto note 2"/>
+          <p:cNvSpPr>
+            <a:spLocks noGrp="1"/>
+          </p:cNvSpPr>
+          <p:nvPr>
+            <p:ph type="body" idx="1"/>
+          </p:nvPr>
+        </p:nvSpPr>
+        <p:spPr/>
+        <p:txBody>
+          <a:bodyPr/>
+          <a:lstStyle/>
+          <a:p>
+            <a:endParaRPr lang="it-CH" dirty="0"/>
+          </a:p>
+        </p:txBody>
+      </p:sp>
+      <p:sp>
+        <p:nvSpPr>
+          <p:cNvPr id="4" name="Segnaposto numero diapositiva 3"/>
+          <p:cNvSpPr>
+            <a:spLocks noGrp="1"/>
+          </p:cNvSpPr>
+          <p:nvPr>
+            <p:ph type="sldNum" sz="quarter" idx="5"/>
+          </p:nvPr>
+        </p:nvSpPr>
+        <p:spPr/>
+        <p:txBody>
+          <a:bodyPr/>
+          <a:lstStyle/>
+          <a:p>
+            <a:fld id="{FD2CFA8D-4E29-41DB-B61B-69A41B9506B3}" type="slidenum">
+              <a:rPr lang="it-CH" smtClean="0"/>
+              <a:t>14</a:t>
+            </a:fld>
+            <a:endParaRPr lang="it-CH"/>
+          </a:p>
+        </p:txBody>
+      </p:sp>
+    </p:spTree>
+    <p:extLst>
+      <p:ext uri="{BB962C8B-B14F-4D97-AF65-F5344CB8AC3E}">
+        <p14:creationId xmlns:p14="http://schemas.microsoft.com/office/powerpoint/2010/main" val="1529703415"/>
+      </p:ext>
+    </p:extLst>
+  </p:cSld>
+  <p:clrMapOvr>
+    <a:masterClrMapping/>
+  </p:clrMapOvr>
+</p:notes>
+</file>
+
+<file path=ppt/notesSlides/notesSlide8.xml><?xml version="1.0" encoding="utf-8"?>
+<p:notes xmlns:a="http://schemas.openxmlformats.org/drawingml/2006/main" xmlns:r="http://schemas.openxmlformats.org/officeDocument/2006/relationships" xmlns:p="http://schemas.openxmlformats.org/presentationml/2006/main">
+  <p:cSld>
+    <p:spTree>
+      <p:nvGrpSpPr>
+        <p:cNvPr id="1" name=""/>
+        <p:cNvGrpSpPr/>
+        <p:nvPr/>
+      </p:nvGrpSpPr>
+      <p:grpSpPr>
+        <a:xfrm>
+          <a:off x="0" y="0"/>
+          <a:ext cx="0" cy="0"/>
+          <a:chOff x="0" y="0"/>
+          <a:chExt cx="0" cy="0"/>
+        </a:xfrm>
+      </p:grpSpPr>
+      <p:sp>
+        <p:nvSpPr>
+          <p:cNvPr id="2" name="Segnaposto immagine diapositiva 1"/>
+          <p:cNvSpPr>
+            <a:spLocks noGrp="1" noRot="1" noChangeAspect="1"/>
+          </p:cNvSpPr>
+          <p:nvPr>
+            <p:ph type="sldImg"/>
+          </p:nvPr>
+        </p:nvSpPr>
+        <p:spPr/>
+      </p:sp>
+      <p:sp>
+        <p:nvSpPr>
+          <p:cNvPr id="3" name="Segnaposto note 2"/>
+          <p:cNvSpPr>
+            <a:spLocks noGrp="1"/>
+          </p:cNvSpPr>
+          <p:nvPr>
+            <p:ph type="body" idx="1"/>
+          </p:nvPr>
+        </p:nvSpPr>
+        <p:spPr/>
+        <p:txBody>
+          <a:bodyPr/>
+          <a:lstStyle/>
+          <a:p>
+            <a:endParaRPr lang="it-CH" dirty="0"/>
+          </a:p>
+        </p:txBody>
+      </p:sp>
+      <p:sp>
+        <p:nvSpPr>
+          <p:cNvPr id="4" name="Segnaposto numero diapositiva 3"/>
+          <p:cNvSpPr>
+            <a:spLocks noGrp="1"/>
+          </p:cNvSpPr>
+          <p:nvPr>
+            <p:ph type="sldNum" sz="quarter" idx="5"/>
+          </p:nvPr>
+        </p:nvSpPr>
+        <p:spPr/>
+        <p:txBody>
+          <a:bodyPr/>
+          <a:lstStyle/>
+          <a:p>
+            <a:fld id="{FD2CFA8D-4E29-41DB-B61B-69A41B9506B3}" type="slidenum">
+              <a:rPr lang="it-CH" smtClean="0"/>
+              <a:t>19</a:t>
+            </a:fld>
+            <a:endParaRPr lang="it-CH"/>
+          </a:p>
+        </p:txBody>
+      </p:sp>
+    </p:spTree>
+    <p:extLst>
+      <p:ext uri="{BB962C8B-B14F-4D97-AF65-F5344CB8AC3E}">
+        <p14:creationId xmlns:p14="http://schemas.microsoft.com/office/powerpoint/2010/main" val="3419030429"/>
       </p:ext>
     </p:extLst>
   </p:cSld>
@@ -5139,6 +5317,171 @@
       </p:grpSpPr>
       <p:sp>
         <p:nvSpPr>
+          <p:cNvPr id="2" name="Titolo 1">
+            <a:extLst>
+              <a:ext uri="{FF2B5EF4-FFF2-40B4-BE49-F238E27FC236}">
+                <a16:creationId xmlns:a16="http://schemas.microsoft.com/office/drawing/2014/main" id="{43E3691C-E7C5-4E7F-886F-719EBDEB9EFA}"/>
+              </a:ext>
+            </a:extLst>
+          </p:cNvPr>
+          <p:cNvSpPr>
+            <a:spLocks noGrp="1"/>
+          </p:cNvSpPr>
+          <p:nvPr>
+            <p:ph type="title"/>
+          </p:nvPr>
+        </p:nvSpPr>
+        <p:spPr>
+          <a:xfrm>
+            <a:off x="1619672" y="-20781"/>
+            <a:ext cx="7524328" cy="884466"/>
+          </a:xfrm>
+        </p:spPr>
+        <p:txBody>
+          <a:bodyPr/>
+          <a:lstStyle/>
+          <a:p>
+            <a:r>
+              <a:rPr lang="it-CH" dirty="0"/>
+              <a:t>ARCHITETTURA DEL SISTEMA</a:t>
+            </a:r>
+          </a:p>
+        </p:txBody>
+      </p:sp>
+      <p:sp>
+        <p:nvSpPr>
+          <p:cNvPr id="3" name="Segnaposto contenuto 2">
+            <a:extLst>
+              <a:ext uri="{FF2B5EF4-FFF2-40B4-BE49-F238E27FC236}">
+                <a16:creationId xmlns:a16="http://schemas.microsoft.com/office/drawing/2014/main" id="{115FDC09-7D9E-4775-A49D-99C41027671D}"/>
+              </a:ext>
+            </a:extLst>
+          </p:cNvPr>
+          <p:cNvSpPr>
+            <a:spLocks noGrp="1"/>
+          </p:cNvSpPr>
+          <p:nvPr>
+            <p:ph idx="1"/>
+          </p:nvPr>
+        </p:nvSpPr>
+        <p:spPr>
+          <a:xfrm>
+            <a:off x="1925452" y="1635646"/>
+            <a:ext cx="6912768" cy="1388933"/>
+          </a:xfrm>
+        </p:spPr>
+        <p:txBody>
+          <a:bodyPr/>
+          <a:lstStyle/>
+          <a:p>
+            <a:pPr marL="342900" indent="-342900">
+              <a:lnSpc>
+                <a:spcPct val="300000"/>
+              </a:lnSpc>
+              <a:buFont typeface="Arial" panose="020B0604020202020204" pitchFamily="34" charset="0"/>
+              <a:buChar char="•"/>
+            </a:pPr>
+            <a:r>
+              <a:rPr lang="it-CH" sz="2800" dirty="0" err="1"/>
+              <a:t>DroneController</a:t>
+            </a:r>
+            <a:endParaRPr lang="it-CH" sz="2800" dirty="0"/>
+          </a:p>
+          <a:p>
+            <a:pPr marL="342900" indent="-342900">
+              <a:lnSpc>
+                <a:spcPct val="300000"/>
+              </a:lnSpc>
+              <a:buFont typeface="Arial" panose="020B0604020202020204" pitchFamily="34" charset="0"/>
+              <a:buChar char="•"/>
+            </a:pPr>
+            <a:r>
+              <a:rPr lang="it-CH" sz="2800" dirty="0" err="1"/>
+              <a:t>DroneSimulator</a:t>
+            </a:r>
+            <a:endParaRPr lang="it-CH" sz="2800" dirty="0"/>
+          </a:p>
+        </p:txBody>
+      </p:sp>
+      <p:pic>
+        <p:nvPicPr>
+          <p:cNvPr id="11" name="Picture 2" descr="Risultati immagini per drawing compass icon png">
+            <a:extLst>
+              <a:ext uri="{FF2B5EF4-FFF2-40B4-BE49-F238E27FC236}">
+                <a16:creationId xmlns:a16="http://schemas.microsoft.com/office/drawing/2014/main" id="{86E9AE74-996D-4422-87C9-670486194E12}"/>
+              </a:ext>
+            </a:extLst>
+          </p:cNvPr>
+          <p:cNvPicPr>
+            <a:picLocks noChangeAspect="1" noChangeArrowheads="1"/>
+          </p:cNvPicPr>
+          <p:nvPr/>
+        </p:nvPicPr>
+        <p:blipFill>
+          <a:blip r:embed="rId3">
+            <a:extLst>
+              <a:ext uri="{28A0092B-C50C-407E-A947-70E740481C1C}">
+                <a14:useLocalDpi xmlns:a14="http://schemas.microsoft.com/office/drawing/2010/main" val="0"/>
+              </a:ext>
+            </a:extLst>
+          </a:blip>
+          <a:srcRect/>
+          <a:stretch>
+            <a:fillRect/>
+          </a:stretch>
+        </p:blipFill>
+        <p:spPr bwMode="auto">
+          <a:xfrm>
+            <a:off x="5624872" y="1200983"/>
+            <a:ext cx="3078832" cy="3078832"/>
+          </a:xfrm>
+          <a:prstGeom prst="rect">
+            <a:avLst/>
+          </a:prstGeom>
+          <a:noFill/>
+          <a:extLst>
+            <a:ext uri="{909E8E84-426E-40DD-AFC4-6F175D3DCCD1}">
+              <a14:hiddenFill xmlns:a14="http://schemas.microsoft.com/office/drawing/2010/main">
+                <a:solidFill>
+                  <a:srgbClr val="FFFFFF"/>
+                </a:solidFill>
+              </a14:hiddenFill>
+            </a:ext>
+          </a:extLst>
+        </p:spPr>
+      </p:pic>
+    </p:spTree>
+    <p:extLst>
+      <p:ext uri="{BB962C8B-B14F-4D97-AF65-F5344CB8AC3E}">
+        <p14:creationId xmlns:p14="http://schemas.microsoft.com/office/powerpoint/2010/main" val="1664982484"/>
+      </p:ext>
+    </p:extLst>
+  </p:cSld>
+  <p:clrMapOvr>
+    <a:masterClrMapping/>
+  </p:clrMapOvr>
+</p:sld>
+</file>
+
+<file path=ppt/slides/slide11.xml><?xml version="1.0" encoding="utf-8"?>
+<p:sld xmlns:a="http://schemas.openxmlformats.org/drawingml/2006/main" xmlns:r="http://schemas.openxmlformats.org/officeDocument/2006/relationships" xmlns:p="http://schemas.openxmlformats.org/presentationml/2006/main">
+  <p:cSld>
+    <p:spTree>
+      <p:nvGrpSpPr>
+        <p:cNvPr id="1" name=""/>
+        <p:cNvGrpSpPr/>
+        <p:nvPr/>
+      </p:nvGrpSpPr>
+      <p:grpSpPr>
+        <a:xfrm>
+          <a:off x="0" y="0"/>
+          <a:ext cx="0" cy="0"/>
+          <a:chOff x="0" y="0"/>
+          <a:chExt cx="0" cy="0"/>
+        </a:xfrm>
+      </p:grpSpPr>
+      <p:sp>
+        <p:nvSpPr>
           <p:cNvPr id="2" name="CasellaDiTesto 1">
             <a:extLst>
               <a:ext uri="{FF2B5EF4-FFF2-40B4-BE49-F238E27FC236}">
@@ -5193,7 +5536,80 @@
 </p:sld>
 </file>
 
-<file path=ppt/slides/slide11.xml><?xml version="1.0" encoding="utf-8"?>
+<file path=ppt/slides/slide12.xml><?xml version="1.0" encoding="utf-8"?>
+<p:sld xmlns:a="http://schemas.openxmlformats.org/drawingml/2006/main" xmlns:r="http://schemas.openxmlformats.org/officeDocument/2006/relationships" xmlns:p="http://schemas.openxmlformats.org/presentationml/2006/main">
+  <p:cSld>
+    <p:bg>
+      <p:bgPr>
+        <a:solidFill>
+          <a:schemeClr val="bg1"/>
+        </a:solidFill>
+        <a:effectLst/>
+      </p:bgPr>
+    </p:bg>
+    <p:spTree>
+      <p:nvGrpSpPr>
+        <p:cNvPr id="1" name=""/>
+        <p:cNvGrpSpPr/>
+        <p:nvPr/>
+      </p:nvGrpSpPr>
+      <p:grpSpPr>
+        <a:xfrm>
+          <a:off x="0" y="0"/>
+          <a:ext cx="0" cy="0"/>
+          <a:chOff x="0" y="0"/>
+          <a:chExt cx="0" cy="0"/>
+        </a:xfrm>
+      </p:grpSpPr>
+      <p:pic>
+        <p:nvPicPr>
+          <p:cNvPr id="2" name="Segnaposto contenuto 4">
+            <a:extLst>
+              <a:ext uri="{FF2B5EF4-FFF2-40B4-BE49-F238E27FC236}">
+                <a16:creationId xmlns:a16="http://schemas.microsoft.com/office/drawing/2014/main" id="{2801C223-7BF2-4933-A8B8-AF25E7E23AC9}"/>
+              </a:ext>
+            </a:extLst>
+          </p:cNvPr>
+          <p:cNvPicPr>
+            <a:picLocks noChangeAspect="1"/>
+          </p:cNvPicPr>
+          <p:nvPr/>
+        </p:nvPicPr>
+        <p:blipFill rotWithShape="1">
+          <a:blip r:embed="rId3">
+            <a:extLst>
+              <a:ext uri="{28A0092B-C50C-407E-A947-70E740481C1C}">
+                <a14:useLocalDpi xmlns:a14="http://schemas.microsoft.com/office/drawing/2010/main" val="0"/>
+              </a:ext>
+            </a:extLst>
+          </a:blip>
+          <a:srcRect b="4661"/>
+          <a:stretch/>
+        </p:blipFill>
+        <p:spPr>
+          <a:xfrm>
+            <a:off x="19" y="0"/>
+            <a:ext cx="9143999" cy="5143500"/>
+          </a:xfrm>
+          <a:prstGeom prst="rect">
+            <a:avLst/>
+          </a:prstGeom>
+        </p:spPr>
+      </p:pic>
+    </p:spTree>
+    <p:extLst>
+      <p:ext uri="{BB962C8B-B14F-4D97-AF65-F5344CB8AC3E}">
+        <p14:creationId xmlns:p14="http://schemas.microsoft.com/office/powerpoint/2010/main" val="2068215019"/>
+      </p:ext>
+    </p:extLst>
+  </p:cSld>
+  <p:clrMapOvr>
+    <a:masterClrMapping/>
+  </p:clrMapOvr>
+</p:sld>
+</file>
+
+<file path=ppt/slides/slide13.xml><?xml version="1.0" encoding="utf-8"?>
 <p:sld xmlns:a="http://schemas.openxmlformats.org/drawingml/2006/main" xmlns:r="http://schemas.openxmlformats.org/officeDocument/2006/relationships" xmlns:p="http://schemas.openxmlformats.org/presentationml/2006/main">
   <p:cSld>
     <p:bg>
@@ -5267,7 +5683,7 @@
 </p:sld>
 </file>
 
-<file path=ppt/slides/slide12.xml><?xml version="1.0" encoding="utf-8"?>
+<file path=ppt/slides/slide14.xml><?xml version="1.0" encoding="utf-8"?>
 <p:sld xmlns:a="http://schemas.openxmlformats.org/drawingml/2006/main" xmlns:r="http://schemas.openxmlformats.org/officeDocument/2006/relationships" xmlns:p="http://schemas.openxmlformats.org/presentationml/2006/main">
   <p:cSld>
     <p:spTree>
@@ -5301,7 +5717,7 @@
           </p:nvPr>
         </p:nvPicPr>
         <p:blipFill>
-          <a:blip r:embed="rId2">
+          <a:blip r:embed="rId3">
             <a:extLst>
               <a:ext uri="{28A0092B-C50C-407E-A947-70E740481C1C}">
                 <a14:useLocalDpi xmlns:a14="http://schemas.microsoft.com/office/drawing/2010/main" val="0"/>
@@ -5332,7 +5748,7 @@
 </p:sld>
 </file>
 
-<file path=ppt/slides/slide13.xml><?xml version="1.0" encoding="utf-8"?>
+<file path=ppt/slides/slide15.xml><?xml version="1.0" encoding="utf-8"?>
 <p:sld xmlns:a="http://schemas.openxmlformats.org/drawingml/2006/main" xmlns:r="http://schemas.openxmlformats.org/officeDocument/2006/relationships" xmlns:p="http://schemas.openxmlformats.org/presentationml/2006/main">
   <p:cSld>
     <p:spTree>
@@ -5472,7 +5888,7 @@
 </p:sld>
 </file>
 
-<file path=ppt/slides/slide14.xml><?xml version="1.0" encoding="utf-8"?>
+<file path=ppt/slides/slide16.xml><?xml version="1.0" encoding="utf-8"?>
 <p:sld xmlns:a="http://schemas.openxmlformats.org/drawingml/2006/main" xmlns:r="http://schemas.openxmlformats.org/officeDocument/2006/relationships" xmlns:p="http://schemas.openxmlformats.org/presentationml/2006/main">
   <p:cSld>
     <p:bg>
@@ -5849,7 +6265,292 @@
 </p:sld>
 </file>
 
-<file path=ppt/slides/slide15.xml><?xml version="1.0" encoding="utf-8"?>
+<file path=ppt/slides/slide17.xml><?xml version="1.0" encoding="utf-8"?>
+<p:sld xmlns:a="http://schemas.openxmlformats.org/drawingml/2006/main" xmlns:r="http://schemas.openxmlformats.org/officeDocument/2006/relationships" xmlns:p="http://schemas.openxmlformats.org/presentationml/2006/main">
+  <p:cSld>
+    <p:bg>
+      <p:bgPr>
+        <a:solidFill>
+          <a:schemeClr val="bg1"/>
+        </a:solidFill>
+        <a:effectLst/>
+      </p:bgPr>
+    </p:bg>
+    <p:spTree>
+      <p:nvGrpSpPr>
+        <p:cNvPr id="1" name=""/>
+        <p:cNvGrpSpPr/>
+        <p:nvPr/>
+      </p:nvGrpSpPr>
+      <p:grpSpPr>
+        <a:xfrm>
+          <a:off x="0" y="0"/>
+          <a:ext cx="0" cy="0"/>
+          <a:chOff x="0" y="0"/>
+          <a:chExt cx="0" cy="0"/>
+        </a:xfrm>
+      </p:grpSpPr>
+      <p:sp>
+        <p:nvSpPr>
+          <p:cNvPr id="11" name="Titolo 1">
+            <a:extLst>
+              <a:ext uri="{FF2B5EF4-FFF2-40B4-BE49-F238E27FC236}">
+                <a16:creationId xmlns:a16="http://schemas.microsoft.com/office/drawing/2014/main" id="{D929E7EF-A7BB-487F-B14C-09078E1EAFF1}"/>
+              </a:ext>
+            </a:extLst>
+          </p:cNvPr>
+          <p:cNvSpPr>
+            <a:spLocks noGrp="1"/>
+          </p:cNvSpPr>
+          <p:nvPr>
+            <p:ph type="title"/>
+          </p:nvPr>
+        </p:nvSpPr>
+        <p:spPr>
+          <a:xfrm>
+            <a:off x="350043" y="364332"/>
+            <a:ext cx="2880955" cy="2577628"/>
+          </a:xfrm>
+        </p:spPr>
+        <p:txBody>
+          <a:bodyPr vert="horz" lIns="91440" tIns="45720" rIns="91440" bIns="45720" rtlCol="0" anchor="b">
+            <a:normAutofit/>
+          </a:bodyPr>
+          <a:lstStyle/>
+          <a:p>
+            <a:pPr algn="r" latinLnBrk="0">
+              <a:lnSpc>
+                <a:spcPct val="90000"/>
+              </a:lnSpc>
+            </a:pPr>
+            <a:r>
+              <a:rPr lang="en-US" sz="2400" kern="1200" dirty="0" err="1">
+                <a:solidFill>
+                  <a:schemeClr val="tx1"/>
+                </a:solidFill>
+                <a:latin typeface="+mj-lt"/>
+                <a:ea typeface="+mj-ea"/>
+                <a:cs typeface="+mj-cs"/>
+              </a:rPr>
+              <a:t>Risultato</a:t>
+            </a:r>
+            <a:endParaRPr lang="en-US" sz="2400" kern="1200" dirty="0">
+              <a:solidFill>
+                <a:schemeClr val="tx1"/>
+              </a:solidFill>
+              <a:latin typeface="+mj-lt"/>
+              <a:ea typeface="+mj-ea"/>
+              <a:cs typeface="+mj-cs"/>
+            </a:endParaRPr>
+          </a:p>
+        </p:txBody>
+      </p:sp>
+      <p:pic>
+        <p:nvPicPr>
+          <p:cNvPr id="3" name="Immagine 2">
+            <a:extLst>
+              <a:ext uri="{FF2B5EF4-FFF2-40B4-BE49-F238E27FC236}">
+                <a16:creationId xmlns:a16="http://schemas.microsoft.com/office/drawing/2014/main" id="{9CEE29CA-5665-406C-ACF4-FC34D55E29B1}"/>
+              </a:ext>
+            </a:extLst>
+          </p:cNvPr>
+          <p:cNvPicPr>
+            <a:picLocks noChangeAspect="1"/>
+          </p:cNvPicPr>
+          <p:nvPr/>
+        </p:nvPicPr>
+        <p:blipFill rotWithShape="1">
+          <a:blip r:embed="rId2">
+            <a:extLst>
+              <a:ext uri="{28A0092B-C50C-407E-A947-70E740481C1C}">
+                <a14:useLocalDpi xmlns:a14="http://schemas.microsoft.com/office/drawing/2010/main" val="0"/>
+              </a:ext>
+            </a:extLst>
+          </a:blip>
+          <a:srcRect r="6145" b="-5"/>
+          <a:stretch/>
+        </p:blipFill>
+        <p:spPr>
+          <a:xfrm>
+            <a:off x="3472299" y="364331"/>
+            <a:ext cx="2041007" cy="4421981"/>
+          </a:xfrm>
+          <a:prstGeom prst="rect">
+            <a:avLst/>
+          </a:prstGeom>
+        </p:spPr>
+      </p:pic>
+      <p:pic>
+        <p:nvPicPr>
+          <p:cNvPr id="12" name="Immagine 11">
+            <a:extLst>
+              <a:ext uri="{FF2B5EF4-FFF2-40B4-BE49-F238E27FC236}">
+                <a16:creationId xmlns:a16="http://schemas.microsoft.com/office/drawing/2014/main" id="{E490454E-B6A2-46F0-9748-7A822759B935}"/>
+              </a:ext>
+            </a:extLst>
+          </p:cNvPr>
+          <p:cNvPicPr>
+            <a:picLocks noChangeAspect="1"/>
+          </p:cNvPicPr>
+          <p:nvPr/>
+        </p:nvPicPr>
+        <p:blipFill rotWithShape="1">
+          <a:blip r:embed="rId3" cstate="print">
+            <a:extLst>
+              <a:ext uri="{28A0092B-C50C-407E-A947-70E740481C1C}">
+                <a14:useLocalDpi xmlns:a14="http://schemas.microsoft.com/office/drawing/2010/main" val="0"/>
+              </a:ext>
+            </a:extLst>
+          </a:blip>
+          <a:srcRect t="15649" b="14261"/>
+          <a:stretch/>
+        </p:blipFill>
+        <p:spPr>
+          <a:xfrm>
+            <a:off x="5637501" y="364331"/>
+            <a:ext cx="1511187" cy="2150664"/>
+          </a:xfrm>
+          <a:prstGeom prst="rect">
+            <a:avLst/>
+          </a:prstGeom>
+        </p:spPr>
+      </p:pic>
+      <p:pic>
+        <p:nvPicPr>
+          <p:cNvPr id="15" name="Immagine 14">
+            <a:extLst>
+              <a:ext uri="{FF2B5EF4-FFF2-40B4-BE49-F238E27FC236}">
+                <a16:creationId xmlns:a16="http://schemas.microsoft.com/office/drawing/2014/main" id="{7C1E3C87-BBA8-4968-A8E8-B29E1BDE815B}"/>
+              </a:ext>
+            </a:extLst>
+          </p:cNvPr>
+          <p:cNvPicPr>
+            <a:picLocks noChangeAspect="1"/>
+          </p:cNvPicPr>
+          <p:nvPr/>
+        </p:nvPicPr>
+        <p:blipFill rotWithShape="1">
+          <a:blip r:embed="rId4" cstate="print">
+            <a:extLst>
+              <a:ext uri="{28A0092B-C50C-407E-A947-70E740481C1C}">
+                <a14:useLocalDpi xmlns:a14="http://schemas.microsoft.com/office/drawing/2010/main" val="0"/>
+              </a:ext>
+            </a:extLst>
+          </a:blip>
+          <a:srcRect t="6421" b="23488"/>
+          <a:stretch/>
+        </p:blipFill>
+        <p:spPr>
+          <a:xfrm>
+            <a:off x="7269338" y="364331"/>
+            <a:ext cx="1511188" cy="2150664"/>
+          </a:xfrm>
+          <a:prstGeom prst="rect">
+            <a:avLst/>
+          </a:prstGeom>
+        </p:spPr>
+      </p:pic>
+      <p:cxnSp>
+        <p:nvCxnSpPr>
+          <p:cNvPr id="20" name="Straight Connector 19">
+            <a:extLst>
+              <a:ext uri="{FF2B5EF4-FFF2-40B4-BE49-F238E27FC236}">
+                <a16:creationId xmlns:a16="http://schemas.microsoft.com/office/drawing/2014/main" id="{C55FEAF7-BB1D-4E09-B4C3-19C310A96116}"/>
+              </a:ext>
+              <a:ext uri="{C183D7F6-B498-43B3-948B-1728B52AA6E4}">
+                <adec:decorative xmlns:adec="http://schemas.microsoft.com/office/drawing/2017/decorative" val="1"/>
+              </a:ext>
+            </a:extLst>
+          </p:cNvPr>
+          <p:cNvCxnSpPr>
+            <a:cxnSpLocks noGrp="1" noRot="1" noChangeAspect="1" noMove="1" noResize="1" noEditPoints="1" noAdjustHandles="1" noChangeArrowheads="1" noChangeShapeType="1"/>
+          </p:cNvCxnSpPr>
+          <p:nvPr>
+            <p:extLst>
+              <p:ext uri="{386F3935-93C4-4BCD-93E2-E3B085C9AB24}">
+                <p16:designElem xmlns:p16="http://schemas.microsoft.com/office/powerpoint/2015/main" val="1"/>
+              </p:ext>
+            </p:extLst>
+          </p:nvPr>
+        </p:nvCxnSpPr>
+        <p:spPr>
+          <a:xfrm>
+            <a:off x="622184" y="3002284"/>
+            <a:ext cx="2537460" cy="0"/>
+          </a:xfrm>
+          <a:prstGeom prst="line">
+            <a:avLst/>
+          </a:prstGeom>
+          <a:ln w="19050">
+            <a:solidFill>
+              <a:srgbClr val="0D85FF"/>
+            </a:solidFill>
+          </a:ln>
+        </p:spPr>
+        <p:style>
+          <a:lnRef idx="1">
+            <a:schemeClr val="accent1"/>
+          </a:lnRef>
+          <a:fillRef idx="0">
+            <a:schemeClr val="accent1"/>
+          </a:fillRef>
+          <a:effectRef idx="0">
+            <a:schemeClr val="accent1"/>
+          </a:effectRef>
+          <a:fontRef idx="minor">
+            <a:schemeClr val="tx1"/>
+          </a:fontRef>
+        </p:style>
+      </p:cxnSp>
+      <p:pic>
+        <p:nvPicPr>
+          <p:cNvPr id="6" name="Immagine 5">
+            <a:extLst>
+              <a:ext uri="{FF2B5EF4-FFF2-40B4-BE49-F238E27FC236}">
+                <a16:creationId xmlns:a16="http://schemas.microsoft.com/office/drawing/2014/main" id="{281B7CBD-C1A1-40DE-9BF2-024F42661CAC}"/>
+              </a:ext>
+            </a:extLst>
+          </p:cNvPr>
+          <p:cNvPicPr>
+            <a:picLocks noChangeAspect="1"/>
+          </p:cNvPicPr>
+          <p:nvPr/>
+        </p:nvPicPr>
+        <p:blipFill rotWithShape="1">
+          <a:blip r:embed="rId5">
+            <a:extLst>
+              <a:ext uri="{28A0092B-C50C-407E-A947-70E740481C1C}">
+                <a14:useLocalDpi xmlns:a14="http://schemas.microsoft.com/office/drawing/2010/main" val="0"/>
+              </a:ext>
+            </a:extLst>
+          </a:blip>
+          <a:srcRect t="20549" r="5" b="45853"/>
+          <a:stretch/>
+        </p:blipFill>
+        <p:spPr>
+          <a:xfrm>
+            <a:off x="5635728" y="2635647"/>
+            <a:ext cx="3144798" cy="2148546"/>
+          </a:xfrm>
+          <a:prstGeom prst="rect">
+            <a:avLst/>
+          </a:prstGeom>
+        </p:spPr>
+      </p:pic>
+    </p:spTree>
+    <p:extLst>
+      <p:ext uri="{BB962C8B-B14F-4D97-AF65-F5344CB8AC3E}">
+        <p14:creationId xmlns:p14="http://schemas.microsoft.com/office/powerpoint/2010/main" val="2500313548"/>
+      </p:ext>
+    </p:extLst>
+  </p:cSld>
+  <p:clrMapOvr>
+    <a:masterClrMapping/>
+  </p:clrMapOvr>
+</p:sld>
+</file>
+
+<file path=ppt/slides/slide18.xml><?xml version="1.0" encoding="utf-8"?>
 <p:sld xmlns:a="http://schemas.openxmlformats.org/drawingml/2006/main" xmlns:r="http://schemas.openxmlformats.org/officeDocument/2006/relationships" xmlns:p="http://schemas.openxmlformats.org/presentationml/2006/main">
   <p:cSld>
     <p:spTree>
@@ -5953,512 +6654,6 @@
 </p:sld>
 </file>
 
-<file path=ppt/slides/slide16.xml><?xml version="1.0" encoding="utf-8"?>
-<p:sld xmlns:a="http://schemas.openxmlformats.org/drawingml/2006/main" xmlns:r="http://schemas.openxmlformats.org/officeDocument/2006/relationships" xmlns:p="http://schemas.openxmlformats.org/presentationml/2006/main">
-  <p:cSld>
-    <p:spTree>
-      <p:nvGrpSpPr>
-        <p:cNvPr id="1" name=""/>
-        <p:cNvGrpSpPr/>
-        <p:nvPr/>
-      </p:nvGrpSpPr>
-      <p:grpSpPr>
-        <a:xfrm>
-          <a:off x="0" y="0"/>
-          <a:ext cx="0" cy="0"/>
-          <a:chOff x="0" y="0"/>
-          <a:chExt cx="0" cy="0"/>
-        </a:xfrm>
-      </p:grpSpPr>
-      <p:sp>
-        <p:nvSpPr>
-          <p:cNvPr id="2" name="Titolo 1">
-            <a:extLst>
-              <a:ext uri="{FF2B5EF4-FFF2-40B4-BE49-F238E27FC236}">
-                <a16:creationId xmlns:a16="http://schemas.microsoft.com/office/drawing/2014/main" id="{D9D1A5C6-17BF-4092-A0E1-85A255481368}"/>
-              </a:ext>
-            </a:extLst>
-          </p:cNvPr>
-          <p:cNvSpPr>
-            <a:spLocks noGrp="1"/>
-          </p:cNvSpPr>
-          <p:nvPr>
-            <p:ph type="title"/>
-          </p:nvPr>
-        </p:nvSpPr>
-        <p:spPr>
-          <a:xfrm>
-            <a:off x="323528" y="123478"/>
-            <a:ext cx="9144000" cy="1285096"/>
-          </a:xfrm>
-        </p:spPr>
-        <p:txBody>
-          <a:bodyPr/>
-          <a:lstStyle/>
-          <a:p>
-            <a:r>
-              <a:rPr lang="it-CH" sz="5400" dirty="0"/>
-              <a:t>IMPLEMENTAZIONE</a:t>
-            </a:r>
-          </a:p>
-        </p:txBody>
-      </p:sp>
-      <p:sp>
-        <p:nvSpPr>
-          <p:cNvPr id="4" name="Segnaposto contenuto 3">
-            <a:extLst>
-              <a:ext uri="{FF2B5EF4-FFF2-40B4-BE49-F238E27FC236}">
-                <a16:creationId xmlns:a16="http://schemas.microsoft.com/office/drawing/2014/main" id="{009804A4-6B3D-4E19-A2EB-87BD64193F1A}"/>
-              </a:ext>
-            </a:extLst>
-          </p:cNvPr>
-          <p:cNvSpPr>
-            <a:spLocks noGrp="1"/>
-          </p:cNvSpPr>
-          <p:nvPr>
-            <p:ph idx="10"/>
-          </p:nvPr>
-        </p:nvSpPr>
-        <p:spPr>
-          <a:xfrm>
-            <a:off x="323528" y="1272952"/>
-            <a:ext cx="8496944" cy="2995737"/>
-          </a:xfrm>
-        </p:spPr>
-        <p:txBody>
-          <a:bodyPr/>
-          <a:lstStyle/>
-          <a:p>
-            <a:pPr marL="457200" indent="-457200">
-              <a:lnSpc>
-                <a:spcPct val="250000"/>
-              </a:lnSpc>
-              <a:buFont typeface="Arial" panose="020B0604020202020204" pitchFamily="34" charset="0"/>
-              <a:buChar char="•"/>
-            </a:pPr>
-            <a:r>
-              <a:rPr lang="it-CH" sz="2800" dirty="0" err="1"/>
-              <a:t>DroneController</a:t>
-            </a:r>
-            <a:endParaRPr lang="it-CH" sz="2800" dirty="0"/>
-          </a:p>
-          <a:p>
-            <a:pPr marL="457200" indent="-457200">
-              <a:lnSpc>
-                <a:spcPct val="250000"/>
-              </a:lnSpc>
-              <a:buFont typeface="Arial" panose="020B0604020202020204" pitchFamily="34" charset="0"/>
-              <a:buChar char="•"/>
-            </a:pPr>
-            <a:r>
-              <a:rPr lang="it-CH" sz="2800" dirty="0"/>
-              <a:t>Drone simulator</a:t>
-            </a:r>
-          </a:p>
-        </p:txBody>
-      </p:sp>
-    </p:spTree>
-    <p:extLst>
-      <p:ext uri="{BB962C8B-B14F-4D97-AF65-F5344CB8AC3E}">
-        <p14:creationId xmlns:p14="http://schemas.microsoft.com/office/powerpoint/2010/main" val="2631092496"/>
-      </p:ext>
-    </p:extLst>
-  </p:cSld>
-  <p:clrMapOvr>
-    <a:masterClrMapping/>
-  </p:clrMapOvr>
-</p:sld>
-</file>
-
-<file path=ppt/slides/slide17.xml><?xml version="1.0" encoding="utf-8"?>
-<p:sld xmlns:a="http://schemas.openxmlformats.org/drawingml/2006/main" xmlns:r="http://schemas.openxmlformats.org/officeDocument/2006/relationships" xmlns:p="http://schemas.openxmlformats.org/presentationml/2006/main">
-  <p:cSld>
-    <p:spTree>
-      <p:nvGrpSpPr>
-        <p:cNvPr id="1" name=""/>
-        <p:cNvGrpSpPr/>
-        <p:nvPr/>
-      </p:nvGrpSpPr>
-      <p:grpSpPr>
-        <a:xfrm>
-          <a:off x="0" y="0"/>
-          <a:ext cx="0" cy="0"/>
-          <a:chOff x="0" y="0"/>
-          <a:chExt cx="0" cy="0"/>
-        </a:xfrm>
-      </p:grpSpPr>
-      <p:sp>
-        <p:nvSpPr>
-          <p:cNvPr id="2" name="Titolo 1">
-            <a:extLst>
-              <a:ext uri="{FF2B5EF4-FFF2-40B4-BE49-F238E27FC236}">
-                <a16:creationId xmlns:a16="http://schemas.microsoft.com/office/drawing/2014/main" id="{1C9728DE-DCC3-47F3-A9A7-4840BBF3A649}"/>
-              </a:ext>
-            </a:extLst>
-          </p:cNvPr>
-          <p:cNvSpPr>
-            <a:spLocks noGrp="1"/>
-          </p:cNvSpPr>
-          <p:nvPr>
-            <p:ph type="title"/>
-          </p:nvPr>
-        </p:nvSpPr>
-        <p:spPr/>
-        <p:txBody>
-          <a:bodyPr/>
-          <a:lstStyle/>
-          <a:p>
-            <a:r>
-              <a:rPr lang="it-CH" dirty="0" err="1"/>
-              <a:t>DroneController</a:t>
-            </a:r>
-            <a:endParaRPr lang="it-CH" dirty="0"/>
-          </a:p>
-        </p:txBody>
-      </p:sp>
-      <p:sp>
-        <p:nvSpPr>
-          <p:cNvPr id="3" name="Segnaposto contenuto 2">
-            <a:extLst>
-              <a:ext uri="{FF2B5EF4-FFF2-40B4-BE49-F238E27FC236}">
-                <a16:creationId xmlns:a16="http://schemas.microsoft.com/office/drawing/2014/main" id="{A9782E92-4646-4216-BC0B-9AFBD5130E30}"/>
-              </a:ext>
-            </a:extLst>
-          </p:cNvPr>
-          <p:cNvSpPr>
-            <a:spLocks noGrp="1"/>
-          </p:cNvSpPr>
-          <p:nvPr>
-            <p:ph idx="1"/>
-          </p:nvPr>
-        </p:nvSpPr>
-        <p:spPr>
-          <a:xfrm>
-            <a:off x="2000747" y="884466"/>
-            <a:ext cx="6912768" cy="460648"/>
-          </a:xfrm>
-        </p:spPr>
-        <p:txBody>
-          <a:bodyPr/>
-          <a:lstStyle/>
-          <a:p>
-            <a:r>
-              <a:rPr lang="it-CH" sz="2800" dirty="0"/>
-              <a:t>Classe </a:t>
-            </a:r>
-            <a:r>
-              <a:rPr lang="it-CH" sz="2800" dirty="0" err="1"/>
-              <a:t>DroneController</a:t>
-            </a:r>
-            <a:endParaRPr lang="it-CH" sz="2800" dirty="0"/>
-          </a:p>
-        </p:txBody>
-      </p:sp>
-      <p:sp>
-        <p:nvSpPr>
-          <p:cNvPr id="4" name="Segnaposto contenuto 3">
-            <a:extLst>
-              <a:ext uri="{FF2B5EF4-FFF2-40B4-BE49-F238E27FC236}">
-                <a16:creationId xmlns:a16="http://schemas.microsoft.com/office/drawing/2014/main" id="{13544A92-8328-4004-96C8-B60363828F13}"/>
-              </a:ext>
-            </a:extLst>
-          </p:cNvPr>
-          <p:cNvSpPr>
-            <a:spLocks noGrp="1"/>
-          </p:cNvSpPr>
-          <p:nvPr>
-            <p:ph idx="10"/>
-          </p:nvPr>
-        </p:nvSpPr>
-        <p:spPr>
-          <a:xfrm>
-            <a:off x="1990056" y="1664245"/>
-            <a:ext cx="6912768" cy="2995737"/>
-          </a:xfrm>
-        </p:spPr>
-        <p:txBody>
-          <a:bodyPr/>
-          <a:lstStyle/>
-          <a:p>
-            <a:pPr marL="285750" indent="-285750">
-              <a:lnSpc>
-                <a:spcPct val="150000"/>
-              </a:lnSpc>
-              <a:buFont typeface="Arial" panose="020B0604020202020204" pitchFamily="34" charset="0"/>
-              <a:buChar char="•"/>
-            </a:pPr>
-            <a:r>
-              <a:rPr lang="it-CH" sz="2000" dirty="0"/>
-              <a:t>Leggere comandi </a:t>
-            </a:r>
-            <a:r>
-              <a:rPr lang="it-CH" sz="2000" dirty="0" err="1"/>
-              <a:t>LeapMotion</a:t>
-            </a:r>
-            <a:endParaRPr lang="it-CH" sz="2000" dirty="0"/>
-          </a:p>
-          <a:p>
-            <a:pPr marL="1028700" lvl="1">
-              <a:lnSpc>
-                <a:spcPct val="150000"/>
-              </a:lnSpc>
-              <a:buFont typeface="Arial" panose="020B0604020202020204" pitchFamily="34" charset="0"/>
-              <a:buChar char="•"/>
-            </a:pPr>
-            <a:r>
-              <a:rPr lang="it-CH" sz="2000" dirty="0"/>
-              <a:t>Altezza</a:t>
-            </a:r>
-          </a:p>
-          <a:p>
-            <a:pPr marL="1028700" lvl="1">
-              <a:lnSpc>
-                <a:spcPct val="150000"/>
-              </a:lnSpc>
-              <a:buFont typeface="Arial" panose="020B0604020202020204" pitchFamily="34" charset="0"/>
-              <a:buChar char="•"/>
-            </a:pPr>
-            <a:r>
-              <a:rPr lang="it-CH" sz="2000" dirty="0"/>
-              <a:t>Rollio, beccheggio ed imbardata</a:t>
-            </a:r>
-          </a:p>
-          <a:p>
-            <a:pPr marL="285750" indent="-285750">
-              <a:lnSpc>
-                <a:spcPct val="150000"/>
-              </a:lnSpc>
-              <a:buFont typeface="Arial" panose="020B0604020202020204" pitchFamily="34" charset="0"/>
-              <a:buChar char="•"/>
-            </a:pPr>
-            <a:r>
-              <a:rPr lang="it-CH" sz="2000" dirty="0"/>
-              <a:t>Inviati al Drone</a:t>
-            </a:r>
-          </a:p>
-          <a:p>
-            <a:pPr marL="1028700" lvl="1">
-              <a:lnSpc>
-                <a:spcPct val="150000"/>
-              </a:lnSpc>
-              <a:buFont typeface="Arial" panose="020B0604020202020204" pitchFamily="34" charset="0"/>
-              <a:buChar char="•"/>
-            </a:pPr>
-            <a:r>
-              <a:rPr lang="it-CH" sz="2000" dirty="0" err="1"/>
-              <a:t>CommandManager</a:t>
-            </a:r>
-            <a:endParaRPr lang="it-CH" sz="2000" dirty="0"/>
-          </a:p>
-        </p:txBody>
-      </p:sp>
-    </p:spTree>
-    <p:extLst>
-      <p:ext uri="{BB962C8B-B14F-4D97-AF65-F5344CB8AC3E}">
-        <p14:creationId xmlns:p14="http://schemas.microsoft.com/office/powerpoint/2010/main" val="1615021837"/>
-      </p:ext>
-    </p:extLst>
-  </p:cSld>
-  <p:clrMapOvr>
-    <a:masterClrMapping/>
-  </p:clrMapOvr>
-</p:sld>
-</file>
-
-<file path=ppt/slides/slide18.xml><?xml version="1.0" encoding="utf-8"?>
-<p:sld xmlns:a="http://schemas.openxmlformats.org/drawingml/2006/main" xmlns:r="http://schemas.openxmlformats.org/officeDocument/2006/relationships" xmlns:p="http://schemas.openxmlformats.org/presentationml/2006/main">
-  <p:cSld>
-    <p:spTree>
-      <p:nvGrpSpPr>
-        <p:cNvPr id="1" name=""/>
-        <p:cNvGrpSpPr/>
-        <p:nvPr/>
-      </p:nvGrpSpPr>
-      <p:grpSpPr>
-        <a:xfrm>
-          <a:off x="0" y="0"/>
-          <a:ext cx="0" cy="0"/>
-          <a:chOff x="0" y="0"/>
-          <a:chExt cx="0" cy="0"/>
-        </a:xfrm>
-      </p:grpSpPr>
-      <p:sp>
-        <p:nvSpPr>
-          <p:cNvPr id="2" name="Titolo 1">
-            <a:extLst>
-              <a:ext uri="{FF2B5EF4-FFF2-40B4-BE49-F238E27FC236}">
-                <a16:creationId xmlns:a16="http://schemas.microsoft.com/office/drawing/2014/main" id="{1C9728DE-DCC3-47F3-A9A7-4840BBF3A649}"/>
-              </a:ext>
-            </a:extLst>
-          </p:cNvPr>
-          <p:cNvSpPr>
-            <a:spLocks noGrp="1"/>
-          </p:cNvSpPr>
-          <p:nvPr>
-            <p:ph type="title"/>
-          </p:nvPr>
-        </p:nvSpPr>
-        <p:spPr/>
-        <p:txBody>
-          <a:bodyPr/>
-          <a:lstStyle/>
-          <a:p>
-            <a:r>
-              <a:rPr lang="it-CH" dirty="0" err="1"/>
-              <a:t>DroneController</a:t>
-            </a:r>
-            <a:endParaRPr lang="it-CH" dirty="0"/>
-          </a:p>
-        </p:txBody>
-      </p:sp>
-      <p:sp>
-        <p:nvSpPr>
-          <p:cNvPr id="3" name="Segnaposto contenuto 2">
-            <a:extLst>
-              <a:ext uri="{FF2B5EF4-FFF2-40B4-BE49-F238E27FC236}">
-                <a16:creationId xmlns:a16="http://schemas.microsoft.com/office/drawing/2014/main" id="{A9782E92-4646-4216-BC0B-9AFBD5130E30}"/>
-              </a:ext>
-            </a:extLst>
-          </p:cNvPr>
-          <p:cNvSpPr>
-            <a:spLocks noGrp="1"/>
-          </p:cNvSpPr>
-          <p:nvPr>
-            <p:ph idx="1"/>
-          </p:nvPr>
-        </p:nvSpPr>
-        <p:spPr>
-          <a:xfrm>
-            <a:off x="2000747" y="884466"/>
-            <a:ext cx="6912768" cy="460648"/>
-          </a:xfrm>
-        </p:spPr>
-        <p:txBody>
-          <a:bodyPr/>
-          <a:lstStyle/>
-          <a:p>
-            <a:r>
-              <a:rPr lang="it-CH" sz="2800" dirty="0"/>
-              <a:t>Classe </a:t>
-            </a:r>
-            <a:r>
-              <a:rPr lang="it-IT" sz="2800" dirty="0" err="1"/>
-              <a:t>DroneControllerMonitor</a:t>
-            </a:r>
-            <a:r>
-              <a:rPr lang="it-IT" sz="2800" dirty="0"/>
-              <a:t> </a:t>
-            </a:r>
-            <a:endParaRPr lang="it-CH" sz="2800" dirty="0"/>
-          </a:p>
-        </p:txBody>
-      </p:sp>
-      <p:sp>
-        <p:nvSpPr>
-          <p:cNvPr id="4" name="Segnaposto contenuto 3">
-            <a:extLst>
-              <a:ext uri="{FF2B5EF4-FFF2-40B4-BE49-F238E27FC236}">
-                <a16:creationId xmlns:a16="http://schemas.microsoft.com/office/drawing/2014/main" id="{13544A92-8328-4004-96C8-B60363828F13}"/>
-              </a:ext>
-            </a:extLst>
-          </p:cNvPr>
-          <p:cNvSpPr>
-            <a:spLocks noGrp="1"/>
-          </p:cNvSpPr>
-          <p:nvPr>
-            <p:ph idx="10"/>
-          </p:nvPr>
-        </p:nvSpPr>
-        <p:spPr>
-          <a:xfrm>
-            <a:off x="1990056" y="1664245"/>
-            <a:ext cx="6912768" cy="2995737"/>
-          </a:xfrm>
-        </p:spPr>
-        <p:txBody>
-          <a:bodyPr/>
-          <a:lstStyle/>
-          <a:p>
-            <a:pPr marL="285750" indent="-285750">
-              <a:lnSpc>
-                <a:spcPct val="150000"/>
-              </a:lnSpc>
-              <a:buFont typeface="Arial" panose="020B0604020202020204" pitchFamily="34" charset="0"/>
-              <a:buChar char="•"/>
-            </a:pPr>
-            <a:r>
-              <a:rPr lang="it-CH" sz="2000" dirty="0"/>
-              <a:t>GUI</a:t>
-            </a:r>
-          </a:p>
-          <a:p>
-            <a:pPr marL="1028700" lvl="1">
-              <a:lnSpc>
-                <a:spcPct val="150000"/>
-              </a:lnSpc>
-              <a:buFont typeface="Arial" panose="020B0604020202020204" pitchFamily="34" charset="0"/>
-              <a:buChar char="•"/>
-            </a:pPr>
-            <a:r>
-              <a:rPr lang="it-CH" sz="2000" dirty="0"/>
-              <a:t>Controllo drone </a:t>
-            </a:r>
-          </a:p>
-          <a:p>
-            <a:pPr marL="1028700" lvl="1">
-              <a:lnSpc>
-                <a:spcPct val="150000"/>
-              </a:lnSpc>
-              <a:buFont typeface="Arial" panose="020B0604020202020204" pitchFamily="34" charset="0"/>
-              <a:buChar char="•"/>
-            </a:pPr>
-            <a:r>
-              <a:rPr lang="it-CH" sz="2000" dirty="0"/>
-              <a:t>Recording</a:t>
-            </a:r>
-          </a:p>
-          <a:p>
-            <a:pPr marL="1028700" lvl="1">
-              <a:lnSpc>
-                <a:spcPct val="150000"/>
-              </a:lnSpc>
-              <a:buFont typeface="Arial" panose="020B0604020202020204" pitchFamily="34" charset="0"/>
-              <a:buChar char="•"/>
-            </a:pPr>
-            <a:r>
-              <a:rPr lang="it-CH" sz="2000" dirty="0" err="1"/>
-              <a:t>Config</a:t>
-            </a:r>
-            <a:endParaRPr lang="it-CH" sz="2000" dirty="0"/>
-          </a:p>
-          <a:p>
-            <a:pPr marL="1028700" lvl="1">
-              <a:lnSpc>
-                <a:spcPct val="150000"/>
-              </a:lnSpc>
-              <a:buFont typeface="Arial" panose="020B0604020202020204" pitchFamily="34" charset="0"/>
-              <a:buChar char="•"/>
-            </a:pPr>
-            <a:r>
-              <a:rPr lang="it-CH" sz="2000" dirty="0"/>
-              <a:t>Log</a:t>
-            </a:r>
-          </a:p>
-        </p:txBody>
-      </p:sp>
-    </p:spTree>
-    <p:extLst>
-      <p:ext uri="{BB962C8B-B14F-4D97-AF65-F5344CB8AC3E}">
-        <p14:creationId xmlns:p14="http://schemas.microsoft.com/office/powerpoint/2010/main" val="2586380990"/>
-      </p:ext>
-    </p:extLst>
-  </p:cSld>
-  <p:clrMapOvr>
-    <a:masterClrMapping/>
-  </p:clrMapOvr>
-</p:sld>
-</file>
-
 <file path=ppt/slides/slide19.xml><?xml version="1.0" encoding="utf-8"?>
 <p:sld xmlns:a="http://schemas.openxmlformats.org/drawingml/2006/main" xmlns:r="http://schemas.openxmlformats.org/officeDocument/2006/relationships" xmlns:p="http://schemas.openxmlformats.org/presentationml/2006/main">
   <p:cSld>
@@ -6481,7 +6676,7 @@
           <p:cNvPr id="2" name="Titolo 1">
             <a:extLst>
               <a:ext uri="{FF2B5EF4-FFF2-40B4-BE49-F238E27FC236}">
-                <a16:creationId xmlns:a16="http://schemas.microsoft.com/office/drawing/2014/main" id="{1C9728DE-DCC3-47F3-A9A7-4840BBF3A649}"/>
+                <a16:creationId xmlns:a16="http://schemas.microsoft.com/office/drawing/2014/main" id="{D9D1A5C6-17BF-4092-A0E1-85A255481368}"/>
               </a:ext>
             </a:extLst>
           </p:cNvPr>
@@ -6492,25 +6687,29 @@
             <p:ph type="title"/>
           </p:nvPr>
         </p:nvSpPr>
-        <p:spPr/>
-        <p:txBody>
-          <a:bodyPr/>
-          <a:lstStyle/>
-          <a:p>
-            <a:r>
-              <a:rPr lang="it-CH" dirty="0" err="1"/>
-              <a:t>DroneController</a:t>
-            </a:r>
-            <a:endParaRPr lang="it-CH" dirty="0"/>
-          </a:p>
-        </p:txBody>
-      </p:sp>
-      <p:sp>
-        <p:nvSpPr>
-          <p:cNvPr id="3" name="Segnaposto contenuto 2">
+        <p:spPr>
+          <a:xfrm>
+            <a:off x="323528" y="123478"/>
+            <a:ext cx="9144000" cy="1285096"/>
+          </a:xfrm>
+        </p:spPr>
+        <p:txBody>
+          <a:bodyPr/>
+          <a:lstStyle/>
+          <a:p>
+            <a:r>
+              <a:rPr lang="it-CH" sz="5400" dirty="0"/>
+              <a:t>IMPLEMENTAZIONE</a:t>
+            </a:r>
+          </a:p>
+        </p:txBody>
+      </p:sp>
+      <p:sp>
+        <p:nvSpPr>
+          <p:cNvPr id="4" name="Segnaposto contenuto 3">
             <a:extLst>
               <a:ext uri="{FF2B5EF4-FFF2-40B4-BE49-F238E27FC236}">
-                <a16:creationId xmlns:a16="http://schemas.microsoft.com/office/drawing/2014/main" id="{A9782E92-4646-4216-BC0B-9AFBD5130E30}"/>
+                <a16:creationId xmlns:a16="http://schemas.microsoft.com/office/drawing/2014/main" id="{009804A4-6B3D-4E19-A2EB-87BD64193F1A}"/>
               </a:ext>
             </a:extLst>
           </p:cNvPr>
@@ -6518,62 +6717,20 @@
             <a:spLocks noGrp="1"/>
           </p:cNvSpPr>
           <p:nvPr>
-            <p:ph idx="1"/>
+            <p:ph idx="10"/>
           </p:nvPr>
         </p:nvSpPr>
         <p:spPr>
           <a:xfrm>
-            <a:off x="2000747" y="884466"/>
-            <a:ext cx="6912768" cy="460648"/>
+            <a:off x="323528" y="1131590"/>
+            <a:ext cx="8496944" cy="3315022"/>
           </a:xfrm>
         </p:spPr>
         <p:txBody>
           <a:bodyPr/>
           <a:lstStyle/>
           <a:p>
-            <a:r>
-              <a:rPr lang="it-CH" sz="2800" dirty="0"/>
-              <a:t>Classe </a:t>
-            </a:r>
-            <a:r>
-              <a:rPr lang="it-IT" sz="2800" dirty="0" err="1"/>
-              <a:t>CommandManager</a:t>
-            </a:r>
-            <a:r>
-              <a:rPr lang="it-IT" sz="2800" dirty="0"/>
-              <a:t> </a:t>
-            </a:r>
-            <a:endParaRPr lang="it-CH" sz="2800" dirty="0"/>
-          </a:p>
-        </p:txBody>
-      </p:sp>
-      <p:sp>
-        <p:nvSpPr>
-          <p:cNvPr id="4" name="Segnaposto contenuto 3">
-            <a:extLst>
-              <a:ext uri="{FF2B5EF4-FFF2-40B4-BE49-F238E27FC236}">
-                <a16:creationId xmlns:a16="http://schemas.microsoft.com/office/drawing/2014/main" id="{13544A92-8328-4004-96C8-B60363828F13}"/>
-              </a:ext>
-            </a:extLst>
-          </p:cNvPr>
-          <p:cNvSpPr>
-            <a:spLocks noGrp="1"/>
-          </p:cNvSpPr>
-          <p:nvPr>
-            <p:ph idx="10"/>
-          </p:nvPr>
-        </p:nvSpPr>
-        <p:spPr>
-          <a:xfrm>
-            <a:off x="1990056" y="1664245"/>
-            <a:ext cx="6912768" cy="2995737"/>
-          </a:xfrm>
-        </p:spPr>
-        <p:txBody>
-          <a:bodyPr/>
-          <a:lstStyle/>
-          <a:p>
-            <a:pPr marL="285750" indent="-285750">
+            <a:pPr marL="457200" indent="-457200">
               <a:lnSpc>
                 <a:spcPct val="200000"/>
               </a:lnSpc>
@@ -6581,52 +6738,13 @@
               <a:buChar char="•"/>
             </a:pPr>
             <a:r>
-              <a:rPr lang="it-CH" sz="2000" dirty="0"/>
-              <a:t>Invio </a:t>
-            </a:r>
-            <a:r>
-              <a:rPr lang="it-CH" sz="2000" dirty="0">
-                <a:solidFill>
-                  <a:schemeClr val="tx1"/>
-                </a:solidFill>
-                <a:latin typeface="+mn-lt"/>
-                <a:cs typeface="+mn-cs"/>
-              </a:rPr>
-              <a:t>comandi </a:t>
-            </a:r>
-            <a:r>
-              <a:rPr lang="it-CH" sz="2000" dirty="0">
-                <a:solidFill>
-                  <a:schemeClr val="tx1"/>
-                </a:solidFill>
-                <a:latin typeface="+mn-lt"/>
-                <a:cs typeface="+mn-cs"/>
-                <a:sym typeface="Wingdings" panose="05000000000000000000" pitchFamily="2" charset="2"/>
-              </a:rPr>
-              <a:t> </a:t>
-            </a:r>
-            <a:r>
-              <a:rPr lang="it-CH" sz="2000" dirty="0" err="1">
-                <a:solidFill>
-                  <a:schemeClr val="tx1"/>
-                </a:solidFill>
-                <a:latin typeface="+mn-lt"/>
-                <a:cs typeface="+mn-cs"/>
-                <a:sym typeface="Wingdings" panose="05000000000000000000" pitchFamily="2" charset="2"/>
-              </a:rPr>
-              <a:t>Socket</a:t>
-            </a:r>
-            <a:endParaRPr lang="it-CH" sz="2000" dirty="0">
-              <a:solidFill>
-                <a:schemeClr val="tx1"/>
-              </a:solidFill>
-              <a:latin typeface="+mn-lt"/>
-              <a:cs typeface="+mn-cs"/>
-              <a:sym typeface="Wingdings" panose="05000000000000000000" pitchFamily="2" charset="2"/>
-            </a:endParaRPr>
-          </a:p>
-          <a:p>
-            <a:pPr marL="285750" indent="-285750">
+              <a:rPr lang="it-CH" sz="2800" dirty="0" err="1"/>
+              <a:t>DroneController</a:t>
+            </a:r>
+            <a:endParaRPr lang="it-CH" sz="2800" dirty="0"/>
+          </a:p>
+          <a:p>
+            <a:pPr marL="1200150" lvl="1" indent="-457200">
               <a:lnSpc>
                 <a:spcPct val="200000"/>
               </a:lnSpc>
@@ -6634,19 +6752,17 @@
               <a:buChar char="•"/>
             </a:pPr>
             <a:r>
-              <a:rPr lang="it-CH" sz="2000" dirty="0">
-                <a:solidFill>
-                  <a:schemeClr val="tx1"/>
-                </a:solidFill>
-                <a:latin typeface="+mn-lt"/>
-                <a:cs typeface="+mn-cs"/>
-                <a:sym typeface="Wingdings" panose="05000000000000000000" pitchFamily="2" charset="2"/>
-              </a:rPr>
-              <a:t>Utilizzato da:</a:t>
-            </a:r>
-          </a:p>
-          <a:p>
-            <a:pPr marL="1028700" lvl="1">
+              <a:rPr lang="it-CH" sz="2400" dirty="0"/>
+              <a:t>Luca &amp; </a:t>
+            </a:r>
+            <a:r>
+              <a:rPr lang="it-CH" sz="2400" dirty="0" err="1"/>
+              <a:t>Fadil</a:t>
+            </a:r>
+            <a:endParaRPr lang="it-CH" sz="6000" dirty="0"/>
+          </a:p>
+          <a:p>
+            <a:pPr marL="457200" indent="-457200">
               <a:lnSpc>
                 <a:spcPct val="200000"/>
               </a:lnSpc>
@@ -6654,17 +6770,12 @@
               <a:buChar char="•"/>
             </a:pPr>
             <a:r>
-              <a:rPr lang="it-CH" sz="2000" dirty="0" err="1">
-                <a:sym typeface="Wingdings" panose="05000000000000000000" pitchFamily="2" charset="2"/>
-              </a:rPr>
-              <a:t>DroneController</a:t>
-            </a:r>
-            <a:endParaRPr lang="it-CH" sz="2000" dirty="0">
-              <a:sym typeface="Wingdings" panose="05000000000000000000" pitchFamily="2" charset="2"/>
-            </a:endParaRPr>
-          </a:p>
-          <a:p>
-            <a:pPr marL="1028700" lvl="1">
+              <a:rPr lang="it-CH" sz="2800" dirty="0"/>
+              <a:t>Drone simulator</a:t>
+            </a:r>
+          </a:p>
+          <a:p>
+            <a:pPr marL="1200150" lvl="1" indent="-457200">
               <a:lnSpc>
                 <a:spcPct val="200000"/>
               </a:lnSpc>
@@ -6672,21 +6783,20 @@
               <a:buChar char="•"/>
             </a:pPr>
             <a:r>
-              <a:rPr lang="it-CH" sz="2000" dirty="0" err="1">
-                <a:sym typeface="Wingdings" panose="05000000000000000000" pitchFamily="2" charset="2"/>
-              </a:rPr>
-              <a:t>DroneControllerMonitor</a:t>
-            </a:r>
-            <a:endParaRPr lang="it-CH" sz="2000" dirty="0">
-              <a:sym typeface="Wingdings" panose="05000000000000000000" pitchFamily="2" charset="2"/>
-            </a:endParaRPr>
+              <a:rPr lang="it-CH" sz="2400" dirty="0" err="1"/>
+              <a:t>Jari</a:t>
+            </a:r>
+            <a:r>
+              <a:rPr lang="it-CH" sz="2400" dirty="0"/>
+              <a:t> &amp; Andrea</a:t>
+            </a:r>
           </a:p>
         </p:txBody>
       </p:sp>
     </p:spTree>
     <p:extLst>
       <p:ext uri="{BB962C8B-B14F-4D97-AF65-F5344CB8AC3E}">
-        <p14:creationId xmlns:p14="http://schemas.microsoft.com/office/powerpoint/2010/main" val="3679172245"/>
+        <p14:creationId xmlns:p14="http://schemas.microsoft.com/office/powerpoint/2010/main" val="2631092496"/>
       </p:ext>
     </p:extLst>
   </p:cSld>
@@ -6715,42 +6825,10 @@
       </p:grpSpPr>
       <p:sp>
         <p:nvSpPr>
-          <p:cNvPr id="3" name="Title 2"/>
-          <p:cNvSpPr>
-            <a:spLocks noGrp="1"/>
-          </p:cNvSpPr>
-          <p:nvPr>
-            <p:ph type="title"/>
-          </p:nvPr>
-        </p:nvSpPr>
-        <p:spPr>
-          <a:xfrm>
-            <a:off x="35496" y="123478"/>
-            <a:ext cx="9144000" cy="884466"/>
-          </a:xfrm>
-        </p:spPr>
-        <p:txBody>
-          <a:bodyPr/>
-          <a:lstStyle/>
-          <a:p>
-            <a:r>
-              <a:rPr lang="en-US" sz="6000" dirty="0"/>
-              <a:t> </a:t>
-            </a:r>
-            <a:r>
-              <a:rPr lang="en-US" altLang="ko-KR" sz="6000" dirty="0" err="1"/>
-              <a:t>Indice</a:t>
-            </a:r>
-            <a:endParaRPr lang="en-US" sz="6000" dirty="0"/>
-          </a:p>
-        </p:txBody>
-      </p:sp>
-      <p:sp>
-        <p:nvSpPr>
-          <p:cNvPr id="6" name="Segnaposto contenuto 5">
+          <p:cNvPr id="2" name="Titolo 1">
             <a:extLst>
               <a:ext uri="{FF2B5EF4-FFF2-40B4-BE49-F238E27FC236}">
-                <a16:creationId xmlns:a16="http://schemas.microsoft.com/office/drawing/2014/main" id="{5B6072DA-2CA4-4D2D-9FE3-87C81F48EC48}"/>
+                <a16:creationId xmlns:a16="http://schemas.microsoft.com/office/drawing/2014/main" id="{1F4EF76E-72FB-49D5-9299-592E62BF06B2}"/>
               </a:ext>
             </a:extLst>
           </p:cNvPr>
@@ -6758,78 +6836,114 @@
             <a:spLocks noGrp="1"/>
           </p:cNvSpPr>
           <p:nvPr>
+            <p:ph type="title"/>
+          </p:nvPr>
+        </p:nvSpPr>
+        <p:spPr/>
+        <p:txBody>
+          <a:bodyPr/>
+          <a:lstStyle/>
+          <a:p>
+            <a:r>
+              <a:rPr lang="it-CH" dirty="0"/>
+              <a:t>CHI SIAMO</a:t>
+            </a:r>
+          </a:p>
+        </p:txBody>
+      </p:sp>
+      <p:sp>
+        <p:nvSpPr>
+          <p:cNvPr id="4" name="Segnaposto contenuto 3">
+            <a:extLst>
+              <a:ext uri="{FF2B5EF4-FFF2-40B4-BE49-F238E27FC236}">
+                <a16:creationId xmlns:a16="http://schemas.microsoft.com/office/drawing/2014/main" id="{FB91016C-8169-45ED-B54B-B80E87645789}"/>
+              </a:ext>
+            </a:extLst>
+          </p:cNvPr>
+          <p:cNvSpPr>
+            <a:spLocks noGrp="1"/>
+          </p:cNvSpPr>
+          <p:nvPr>
             <p:ph idx="10"/>
           </p:nvPr>
         </p:nvSpPr>
         <p:spPr>
           <a:xfrm>
-            <a:off x="359024" y="1131590"/>
-            <a:ext cx="8496944" cy="3600400"/>
+            <a:off x="405880" y="884467"/>
+            <a:ext cx="8496944" cy="3775516"/>
           </a:xfrm>
         </p:spPr>
         <p:txBody>
           <a:bodyPr/>
           <a:lstStyle/>
           <a:p>
-            <a:pPr marL="285750" indent="-285750">
+            <a:pPr marL="628650" indent="-342900">
               <a:buFont typeface="Arial" panose="020B0604020202020204" pitchFamily="34" charset="0"/>
               <a:buChar char="•"/>
             </a:pPr>
             <a:r>
-              <a:rPr lang="it-IT" sz="3200" dirty="0"/>
-              <a:t>Scopo </a:t>
-            </a:r>
-          </a:p>
-          <a:p>
-            <a:pPr marL="285750" indent="-285750">
+              <a:rPr lang="it-CH" sz="3200" dirty="0"/>
+              <a:t>Luca Di Bello</a:t>
+            </a:r>
+          </a:p>
+          <a:p>
+            <a:pPr marL="1371600" lvl="1" indent="-342900">
               <a:buFont typeface="Arial" panose="020B0604020202020204" pitchFamily="34" charset="0"/>
               <a:buChar char="•"/>
             </a:pPr>
             <a:r>
-              <a:rPr lang="it-IT" sz="3200" dirty="0"/>
-              <a:t>Analisi</a:t>
-            </a:r>
-          </a:p>
-          <a:p>
-            <a:pPr marL="285750" indent="-285750">
+              <a:rPr lang="it-CH" sz="3800" dirty="0">
+                <a:hlinkClick r:id="rId2"/>
+              </a:rPr>
+              <a:t>luca.dibello@samtrevano.ch</a:t>
+            </a:r>
+            <a:endParaRPr lang="it-CH" sz="3800" dirty="0"/>
+          </a:p>
+          <a:p>
+            <a:pPr marL="1371600" lvl="1" indent="-342900">
               <a:buFont typeface="Arial" panose="020B0604020202020204" pitchFamily="34" charset="0"/>
               <a:buChar char="•"/>
             </a:pPr>
-            <a:r>
-              <a:rPr lang="it-IT" sz="3200" dirty="0" err="1"/>
-              <a:t>Gantt</a:t>
-            </a:r>
-            <a:endParaRPr lang="it-IT" sz="3200" dirty="0"/>
-          </a:p>
-          <a:p>
-            <a:pPr marL="285750" indent="-285750">
+            <a:endParaRPr lang="it-CH" sz="3800" dirty="0"/>
+          </a:p>
+          <a:p>
+            <a:pPr marL="628650" indent="-342900">
               <a:buFont typeface="Arial" panose="020B0604020202020204" pitchFamily="34" charset="0"/>
               <a:buChar char="•"/>
             </a:pPr>
             <a:r>
-              <a:rPr lang="it-IT" sz="3200" dirty="0"/>
-              <a:t>Progettazione</a:t>
-            </a:r>
-          </a:p>
-          <a:p>
-            <a:pPr marL="285750" indent="-285750">
+              <a:rPr lang="it-CH" sz="3600" dirty="0" err="1"/>
+              <a:t>Fadil</a:t>
+            </a:r>
+            <a:r>
+              <a:rPr lang="it-CH" sz="3600" dirty="0"/>
+              <a:t> </a:t>
+            </a:r>
+            <a:r>
+              <a:rPr lang="it-CH" sz="3600" dirty="0" err="1"/>
+              <a:t>Smajilbasic</a:t>
+            </a:r>
+            <a:endParaRPr lang="it-CH" sz="3600" dirty="0"/>
+          </a:p>
+          <a:p>
+            <a:pPr marL="1371600" lvl="1" indent="-342900">
               <a:buFont typeface="Arial" panose="020B0604020202020204" pitchFamily="34" charset="0"/>
               <a:buChar char="•"/>
             </a:pPr>
             <a:r>
-              <a:rPr lang="it-IT" sz="3200" dirty="0"/>
-              <a:t>Implementazione</a:t>
-            </a:r>
-          </a:p>
-          <a:p>
-            <a:endParaRPr lang="it-CH" dirty="0"/>
+              <a:rPr lang="it-CH" sz="3600" dirty="0">
+                <a:hlinkClick r:id="rId3"/>
+              </a:rPr>
+              <a:t>fadil.smajilbasic@samtrevano.ch</a:t>
+            </a:r>
+            <a:endParaRPr lang="it-CH" sz="3600" dirty="0"/>
           </a:p>
         </p:txBody>
       </p:sp>
     </p:spTree>
     <p:extLst>
       <p:ext uri="{BB962C8B-B14F-4D97-AF65-F5344CB8AC3E}">
-        <p14:creationId xmlns:p14="http://schemas.microsoft.com/office/powerpoint/2010/main" val="1191993170"/>
+        <p14:creationId xmlns:p14="http://schemas.microsoft.com/office/powerpoint/2010/main" val="1267420435"/>
       </p:ext>
     </p:extLst>
   </p:cSld>
@@ -6917,11 +7031,7 @@
             </a:r>
             <a:r>
               <a:rPr lang="it-CH" sz="2800" dirty="0" err="1"/>
-              <a:t>FlightRecorder</a:t>
-            </a:r>
-            <a:r>
-              <a:rPr lang="it-IT" sz="2800" dirty="0"/>
-              <a:t> </a:t>
+              <a:t>DroneController</a:t>
             </a:r>
             <a:endParaRPr lang="it-CH" sz="2800" dirty="0"/>
           </a:p>
@@ -6955,60 +7065,80 @@
           <a:p>
             <a:pPr marL="285750" indent="-285750">
               <a:lnSpc>
-                <a:spcPct val="250000"/>
+                <a:spcPct val="150000"/>
               </a:lnSpc>
               <a:buFont typeface="Arial" panose="020B0604020202020204" pitchFamily="34" charset="0"/>
               <a:buChar char="•"/>
             </a:pPr>
             <a:r>
-              <a:rPr lang="it-CH" sz="2000" dirty="0">
-                <a:sym typeface="Wingdings" panose="05000000000000000000" pitchFamily="2" charset="2"/>
-              </a:rPr>
-              <a:t>Utilizza </a:t>
-            </a:r>
-            <a:r>
-              <a:rPr lang="it-CH" sz="2000" dirty="0" err="1">
-                <a:sym typeface="Wingdings" panose="05000000000000000000" pitchFamily="2" charset="2"/>
-              </a:rPr>
-              <a:t>CommandBuffer</a:t>
-            </a:r>
-            <a:r>
-              <a:rPr lang="it-CH" sz="2000" dirty="0">
-                <a:sym typeface="Wingdings" panose="05000000000000000000" pitchFamily="2" charset="2"/>
-              </a:rPr>
-              <a:t> + </a:t>
-            </a:r>
-            <a:r>
-              <a:rPr lang="it-CH" sz="2000" dirty="0" err="1">
-                <a:sym typeface="Wingdings" panose="05000000000000000000" pitchFamily="2" charset="2"/>
-              </a:rPr>
-              <a:t>CommandRecord</a:t>
-            </a:r>
-            <a:endParaRPr lang="it-CH" sz="2000" dirty="0">
-              <a:sym typeface="Wingdings" panose="05000000000000000000" pitchFamily="2" charset="2"/>
-            </a:endParaRPr>
-          </a:p>
-          <a:p>
-            <a:pPr marL="285750" indent="-285750">
+              <a:rPr lang="it-CH" sz="2000" dirty="0"/>
+              <a:t>Leggere comandi </a:t>
+            </a:r>
+            <a:r>
+              <a:rPr lang="it-CH" sz="2000" dirty="0" err="1"/>
+              <a:t>LeapMotion</a:t>
+            </a:r>
+            <a:endParaRPr lang="it-CH" sz="2000" dirty="0"/>
+          </a:p>
+          <a:p>
+            <a:pPr marL="1028700" lvl="1">
               <a:lnSpc>
-                <a:spcPct val="250000"/>
+                <a:spcPct val="150000"/>
               </a:lnSpc>
               <a:buFont typeface="Arial" panose="020B0604020202020204" pitchFamily="34" charset="0"/>
               <a:buChar char="•"/>
             </a:pPr>
             <a:r>
-              <a:rPr lang="it-CH" sz="2000" dirty="0">
-                <a:sym typeface="Wingdings" panose="05000000000000000000" pitchFamily="2" charset="2"/>
-              </a:rPr>
-              <a:t>Genera + Salva la registrazione</a:t>
-            </a:r>
+              <a:rPr lang="it-CH" sz="2000" dirty="0"/>
+              <a:t>Altezza</a:t>
+            </a:r>
+          </a:p>
+          <a:p>
+            <a:pPr marL="1028700" lvl="1">
+              <a:lnSpc>
+                <a:spcPct val="150000"/>
+              </a:lnSpc>
+              <a:buFont typeface="Arial" panose="020B0604020202020204" pitchFamily="34" charset="0"/>
+              <a:buChar char="•"/>
+            </a:pPr>
+            <a:r>
+              <a:rPr lang="it-CH" sz="2000" dirty="0"/>
+              <a:t>Rollio, beccheggio ed imbardata</a:t>
+            </a:r>
+          </a:p>
+          <a:p>
+            <a:pPr marL="285750" indent="-285750">
+              <a:lnSpc>
+                <a:spcPct val="150000"/>
+              </a:lnSpc>
+              <a:buFont typeface="Arial" panose="020B0604020202020204" pitchFamily="34" charset="0"/>
+              <a:buChar char="•"/>
+            </a:pPr>
+            <a:r>
+              <a:rPr lang="it-CH" sz="2000" dirty="0"/>
+              <a:t>Inviati al Drone</a:t>
+            </a:r>
+          </a:p>
+          <a:p>
+            <a:pPr marL="1028700" lvl="1">
+              <a:lnSpc>
+                <a:spcPct val="150000"/>
+              </a:lnSpc>
+              <a:buFont typeface="Arial" panose="020B0604020202020204" pitchFamily="34" charset="0"/>
+              <a:buChar char="•"/>
+            </a:pPr>
+            <a:r>
+              <a:rPr lang="it-CH" sz="2000" dirty="0" err="1"/>
+              <a:t>CommandManager</a:t>
+            </a:r>
+            <a:endParaRPr lang="it-CH" sz="2000" dirty="0"/>
           </a:p>
         </p:txBody>
       </p:sp>
     </p:spTree>
     <p:extLst>
       <p:ext uri="{BB962C8B-B14F-4D97-AF65-F5344CB8AC3E}">
-        <p14:creationId xmlns:p14="http://schemas.microsoft.com/office/powerpoint/2010/main" val="4176927173"/>
+        <p14:creationId xmlns:p14="http://schemas.microsoft.com/office/powerpoint/2010/main" val="1615021837"/>
       </p:ext>
     </p:extLst>
   </p:cSld>
@@ -7058,7 +7188,7 @@
           <a:p>
             <a:r>
               <a:rPr lang="it-CH" dirty="0" err="1"/>
-              <a:t>DroneSimulator</a:t>
+              <a:t>DroneController</a:t>
             </a:r>
             <a:endParaRPr lang="it-CH" dirty="0"/>
           </a:p>
@@ -7092,7 +7222,11 @@
           <a:p>
             <a:r>
               <a:rPr lang="it-CH" sz="2800" dirty="0"/>
-              <a:t>Classe Simulator</a:t>
+              <a:t>Classe </a:t>
+            </a:r>
+            <a:r>
+              <a:rPr lang="it-IT" sz="2800" dirty="0" err="1"/>
+              <a:t>DroneControllerMonitor</a:t>
             </a:r>
             <a:r>
               <a:rPr lang="it-IT" sz="2800" dirty="0"/>
@@ -7130,57 +7264,75 @@
           <a:p>
             <a:pPr marL="285750" indent="-285750">
               <a:lnSpc>
-                <a:spcPct val="300000"/>
+                <a:spcPct val="150000"/>
               </a:lnSpc>
               <a:buFont typeface="Arial" panose="020B0604020202020204" pitchFamily="34" charset="0"/>
               <a:buChar char="•"/>
             </a:pPr>
             <a:r>
-              <a:rPr lang="it-CH" sz="2000" dirty="0">
-                <a:sym typeface="Wingdings" panose="05000000000000000000" pitchFamily="2" charset="2"/>
-              </a:rPr>
-              <a:t>Riceve comandi  </a:t>
-            </a:r>
-            <a:r>
-              <a:rPr lang="it-CH" sz="2000" dirty="0" err="1">
-                <a:sym typeface="Wingdings" panose="05000000000000000000" pitchFamily="2" charset="2"/>
-              </a:rPr>
-              <a:t>Socket</a:t>
-            </a:r>
-            <a:endParaRPr lang="it-CH" sz="2000" dirty="0">
-              <a:sym typeface="Wingdings" panose="05000000000000000000" pitchFamily="2" charset="2"/>
-            </a:endParaRPr>
-          </a:p>
-          <a:p>
-            <a:pPr marL="285750" indent="-285750">
+              <a:rPr lang="it-CH" sz="2000" dirty="0"/>
+              <a:t>GUI</a:t>
+            </a:r>
+          </a:p>
+          <a:p>
+            <a:pPr marL="1028700" lvl="1">
               <a:lnSpc>
-                <a:spcPct val="300000"/>
+                <a:spcPct val="150000"/>
               </a:lnSpc>
               <a:buFont typeface="Arial" panose="020B0604020202020204" pitchFamily="34" charset="0"/>
               <a:buChar char="•"/>
             </a:pPr>
             <a:r>
-              <a:rPr lang="it-CH" sz="2000" dirty="0">
-                <a:sym typeface="Wingdings" panose="05000000000000000000" pitchFamily="2" charset="2"/>
-              </a:rPr>
-              <a:t>Inoltro comandi  </a:t>
-            </a:r>
-            <a:r>
-              <a:rPr lang="it-CH" sz="2000" dirty="0" err="1">
-                <a:sym typeface="Wingdings" panose="05000000000000000000" pitchFamily="2" charset="2"/>
-              </a:rPr>
-              <a:t>CommandReader</a:t>
-            </a:r>
-            <a:endParaRPr lang="it-CH" sz="2000" dirty="0">
-              <a:sym typeface="Wingdings" panose="05000000000000000000" pitchFamily="2" charset="2"/>
-            </a:endParaRPr>
+              <a:rPr lang="it-CH" sz="2000" dirty="0"/>
+              <a:t>Controllo drone </a:t>
+            </a:r>
+          </a:p>
+          <a:p>
+            <a:pPr marL="1028700" lvl="1">
+              <a:lnSpc>
+                <a:spcPct val="150000"/>
+              </a:lnSpc>
+              <a:buFont typeface="Arial" panose="020B0604020202020204" pitchFamily="34" charset="0"/>
+              <a:buChar char="•"/>
+            </a:pPr>
+            <a:r>
+              <a:rPr lang="it-CH" sz="2000" dirty="0"/>
+              <a:t>Recording</a:t>
+            </a:r>
+          </a:p>
+          <a:p>
+            <a:pPr marL="1028700" lvl="1">
+              <a:lnSpc>
+                <a:spcPct val="150000"/>
+              </a:lnSpc>
+              <a:buFont typeface="Arial" panose="020B0604020202020204" pitchFamily="34" charset="0"/>
+              <a:buChar char="•"/>
+            </a:pPr>
+            <a:r>
+              <a:rPr lang="it-CH" sz="2000" dirty="0" err="1"/>
+              <a:t>Config</a:t>
+            </a:r>
+            <a:endParaRPr lang="it-CH" sz="2000" dirty="0"/>
+          </a:p>
+          <a:p>
+            <a:pPr marL="1028700" lvl="1">
+              <a:lnSpc>
+                <a:spcPct val="150000"/>
+              </a:lnSpc>
+              <a:buFont typeface="Arial" panose="020B0604020202020204" pitchFamily="34" charset="0"/>
+              <a:buChar char="•"/>
+            </a:pPr>
+            <a:r>
+              <a:rPr lang="it-CH" sz="2000" dirty="0"/>
+              <a:t>Log</a:t>
+            </a:r>
           </a:p>
         </p:txBody>
       </p:sp>
     </p:spTree>
     <p:extLst>
       <p:ext uri="{BB962C8B-B14F-4D97-AF65-F5344CB8AC3E}">
-        <p14:creationId xmlns:p14="http://schemas.microsoft.com/office/powerpoint/2010/main" val="2078199158"/>
+        <p14:creationId xmlns:p14="http://schemas.microsoft.com/office/powerpoint/2010/main" val="2586380990"/>
       </p:ext>
     </p:extLst>
   </p:cSld>
@@ -7230,7 +7382,7 @@
           <a:p>
             <a:r>
               <a:rPr lang="it-CH" dirty="0" err="1"/>
-              <a:t>DroneSimulator</a:t>
+              <a:t>DroneController</a:t>
             </a:r>
             <a:endParaRPr lang="it-CH" dirty="0"/>
           </a:p>
@@ -7267,8 +7419,8 @@
               <a:t>Classe </a:t>
             </a:r>
             <a:r>
-              <a:rPr lang="it-CH" sz="2800" dirty="0" err="1"/>
-              <a:t>CommandReader</a:t>
+              <a:rPr lang="it-IT" sz="2800" dirty="0" err="1"/>
+              <a:t>CommandManager</a:t>
             </a:r>
             <a:r>
               <a:rPr lang="it-IT" sz="2800" dirty="0"/>
@@ -7304,49 +7456,120 @@
           <a:bodyPr/>
           <a:lstStyle/>
           <a:p>
-            <a:r>
-              <a:rPr lang="it-IT" sz="2000" dirty="0"/>
-              <a:t>Riceve i comandi dalla classe Simulator.</a:t>
-            </a:r>
-          </a:p>
-          <a:p>
-            <a:endParaRPr lang="it-IT" sz="2000" dirty="0"/>
-          </a:p>
-          <a:p>
-            <a:r>
-              <a:rPr lang="it-IT" sz="2000" dirty="0"/>
-              <a:t>Simula i comandi della SDK di Tello. </a:t>
-            </a:r>
-          </a:p>
-          <a:p>
-            <a:endParaRPr lang="it-IT" sz="2000" dirty="0"/>
-          </a:p>
-          <a:p>
-            <a:r>
-              <a:rPr lang="it-IT" sz="2000" dirty="0"/>
-              <a:t>Aggiorna le variabili contenenti informazioni su</a:t>
-            </a:r>
-            <a:br>
-              <a:rPr lang="it-IT" sz="2000" dirty="0"/>
-            </a:br>
-            <a:r>
-              <a:rPr lang="it-IT" sz="2000" dirty="0"/>
-              <a:t>Posizione e rotazione del drone.</a:t>
-            </a:r>
-          </a:p>
-          <a:p>
-            <a:pPr marL="342900" indent="-342900">
+            <a:pPr marL="285750" indent="-285750">
+              <a:lnSpc>
+                <a:spcPct val="200000"/>
+              </a:lnSpc>
               <a:buFont typeface="Arial" panose="020B0604020202020204" pitchFamily="34" charset="0"/>
               <a:buChar char="•"/>
             </a:pPr>
-            <a:endParaRPr lang="it-IT" sz="2000" dirty="0"/>
+            <a:r>
+              <a:rPr lang="it-CH" sz="2000" dirty="0"/>
+              <a:t>Invio </a:t>
+            </a:r>
+            <a:r>
+              <a:rPr lang="it-CH" sz="2000" dirty="0">
+                <a:solidFill>
+                  <a:schemeClr val="tx1"/>
+                </a:solidFill>
+                <a:latin typeface="+mn-lt"/>
+                <a:cs typeface="+mn-cs"/>
+              </a:rPr>
+              <a:t>comandi </a:t>
+            </a:r>
+            <a:r>
+              <a:rPr lang="it-CH" sz="2000" dirty="0">
+                <a:solidFill>
+                  <a:schemeClr val="tx1"/>
+                </a:solidFill>
+                <a:latin typeface="+mn-lt"/>
+                <a:cs typeface="+mn-cs"/>
+                <a:sym typeface="Wingdings" panose="05000000000000000000" pitchFamily="2" charset="2"/>
+              </a:rPr>
+              <a:t> </a:t>
+            </a:r>
+            <a:r>
+              <a:rPr lang="it-CH" sz="2000" dirty="0" err="1">
+                <a:solidFill>
+                  <a:schemeClr val="tx1"/>
+                </a:solidFill>
+                <a:latin typeface="+mn-lt"/>
+                <a:cs typeface="+mn-cs"/>
+                <a:sym typeface="Wingdings" panose="05000000000000000000" pitchFamily="2" charset="2"/>
+              </a:rPr>
+              <a:t>Socket</a:t>
+            </a:r>
+            <a:endParaRPr lang="it-CH" sz="2000" dirty="0">
+              <a:solidFill>
+                <a:schemeClr val="tx1"/>
+              </a:solidFill>
+              <a:latin typeface="+mn-lt"/>
+              <a:cs typeface="+mn-cs"/>
+              <a:sym typeface="Wingdings" panose="05000000000000000000" pitchFamily="2" charset="2"/>
+            </a:endParaRPr>
+          </a:p>
+          <a:p>
+            <a:pPr marL="285750" indent="-285750">
+              <a:lnSpc>
+                <a:spcPct val="200000"/>
+              </a:lnSpc>
+              <a:buFont typeface="Arial" panose="020B0604020202020204" pitchFamily="34" charset="0"/>
+              <a:buChar char="•"/>
+            </a:pPr>
+            <a:r>
+              <a:rPr lang="it-CH" sz="2000" dirty="0">
+                <a:solidFill>
+                  <a:schemeClr val="tx1"/>
+                </a:solidFill>
+                <a:latin typeface="+mn-lt"/>
+                <a:cs typeface="+mn-cs"/>
+                <a:sym typeface="Wingdings" panose="05000000000000000000" pitchFamily="2" charset="2"/>
+              </a:rPr>
+              <a:t>Utilizzato da:</a:t>
+            </a:r>
+          </a:p>
+          <a:p>
+            <a:pPr marL="1028700" lvl="1">
+              <a:lnSpc>
+                <a:spcPct val="200000"/>
+              </a:lnSpc>
+              <a:buFont typeface="Arial" panose="020B0604020202020204" pitchFamily="34" charset="0"/>
+              <a:buChar char="•"/>
+            </a:pPr>
+            <a:r>
+              <a:rPr lang="it-CH" sz="2000" dirty="0" err="1">
+                <a:sym typeface="Wingdings" panose="05000000000000000000" pitchFamily="2" charset="2"/>
+              </a:rPr>
+              <a:t>DroneController</a:t>
+            </a:r>
+            <a:endParaRPr lang="it-CH" sz="2000" dirty="0">
+              <a:sym typeface="Wingdings" panose="05000000000000000000" pitchFamily="2" charset="2"/>
+            </a:endParaRPr>
+          </a:p>
+          <a:p>
+            <a:pPr marL="1028700" lvl="1">
+              <a:lnSpc>
+                <a:spcPct val="200000"/>
+              </a:lnSpc>
+              <a:buFont typeface="Arial" panose="020B0604020202020204" pitchFamily="34" charset="0"/>
+              <a:buChar char="•"/>
+            </a:pPr>
+            <a:r>
+              <a:rPr lang="it-CH" sz="2000" dirty="0" err="1">
+                <a:sym typeface="Wingdings" panose="05000000000000000000" pitchFamily="2" charset="2"/>
+              </a:rPr>
+              <a:t>DroneControllerMonitor</a:t>
+            </a:r>
+            <a:endParaRPr lang="it-CH" sz="2000" dirty="0">
+              <a:sym typeface="Wingdings" panose="05000000000000000000" pitchFamily="2" charset="2"/>
+            </a:endParaRPr>
           </a:p>
         </p:txBody>
       </p:sp>
     </p:spTree>
     <p:extLst>
       <p:ext uri="{BB962C8B-B14F-4D97-AF65-F5344CB8AC3E}">
-        <p14:creationId xmlns:p14="http://schemas.microsoft.com/office/powerpoint/2010/main" val="422939601"/>
+        <p14:creationId xmlns:p14="http://schemas.microsoft.com/office/powerpoint/2010/main" val="3679172245"/>
       </p:ext>
     </p:extLst>
   </p:cSld>
@@ -7396,6 +7619,523 @@
           <a:p>
             <a:r>
               <a:rPr lang="it-CH" dirty="0" err="1"/>
+              <a:t>DroneController</a:t>
+            </a:r>
+            <a:endParaRPr lang="it-CH" dirty="0"/>
+          </a:p>
+        </p:txBody>
+      </p:sp>
+      <p:sp>
+        <p:nvSpPr>
+          <p:cNvPr id="3" name="Segnaposto contenuto 2">
+            <a:extLst>
+              <a:ext uri="{FF2B5EF4-FFF2-40B4-BE49-F238E27FC236}">
+                <a16:creationId xmlns:a16="http://schemas.microsoft.com/office/drawing/2014/main" id="{A9782E92-4646-4216-BC0B-9AFBD5130E30}"/>
+              </a:ext>
+            </a:extLst>
+          </p:cNvPr>
+          <p:cNvSpPr>
+            <a:spLocks noGrp="1"/>
+          </p:cNvSpPr>
+          <p:nvPr>
+            <p:ph idx="1"/>
+          </p:nvPr>
+        </p:nvSpPr>
+        <p:spPr>
+          <a:xfrm>
+            <a:off x="2000747" y="884466"/>
+            <a:ext cx="6912768" cy="460648"/>
+          </a:xfrm>
+        </p:spPr>
+        <p:txBody>
+          <a:bodyPr/>
+          <a:lstStyle/>
+          <a:p>
+            <a:r>
+              <a:rPr lang="it-CH" sz="2800" dirty="0"/>
+              <a:t>Classe </a:t>
+            </a:r>
+            <a:r>
+              <a:rPr lang="it-CH" sz="2800" dirty="0" err="1"/>
+              <a:t>FlightRecorder</a:t>
+            </a:r>
+            <a:r>
+              <a:rPr lang="it-IT" sz="2800" dirty="0"/>
+              <a:t> </a:t>
+            </a:r>
+            <a:endParaRPr lang="it-CH" sz="2800" dirty="0"/>
+          </a:p>
+        </p:txBody>
+      </p:sp>
+      <p:sp>
+        <p:nvSpPr>
+          <p:cNvPr id="4" name="Segnaposto contenuto 3">
+            <a:extLst>
+              <a:ext uri="{FF2B5EF4-FFF2-40B4-BE49-F238E27FC236}">
+                <a16:creationId xmlns:a16="http://schemas.microsoft.com/office/drawing/2014/main" id="{13544A92-8328-4004-96C8-B60363828F13}"/>
+              </a:ext>
+            </a:extLst>
+          </p:cNvPr>
+          <p:cNvSpPr>
+            <a:spLocks noGrp="1"/>
+          </p:cNvSpPr>
+          <p:nvPr>
+            <p:ph idx="10"/>
+          </p:nvPr>
+        </p:nvSpPr>
+        <p:spPr>
+          <a:xfrm>
+            <a:off x="1990056" y="1664245"/>
+            <a:ext cx="6912768" cy="2995737"/>
+          </a:xfrm>
+        </p:spPr>
+        <p:txBody>
+          <a:bodyPr/>
+          <a:lstStyle/>
+          <a:p>
+            <a:pPr marL="285750" indent="-285750">
+              <a:lnSpc>
+                <a:spcPct val="250000"/>
+              </a:lnSpc>
+              <a:buFont typeface="Arial" panose="020B0604020202020204" pitchFamily="34" charset="0"/>
+              <a:buChar char="•"/>
+            </a:pPr>
+            <a:r>
+              <a:rPr lang="it-CH" sz="2000" dirty="0">
+                <a:sym typeface="Wingdings" panose="05000000000000000000" pitchFamily="2" charset="2"/>
+              </a:rPr>
+              <a:t>Utilizza </a:t>
+            </a:r>
+            <a:r>
+              <a:rPr lang="it-CH" sz="2000" dirty="0" err="1">
+                <a:sym typeface="Wingdings" panose="05000000000000000000" pitchFamily="2" charset="2"/>
+              </a:rPr>
+              <a:t>CommandBuffer</a:t>
+            </a:r>
+            <a:r>
+              <a:rPr lang="it-CH" sz="2000" dirty="0">
+                <a:sym typeface="Wingdings" panose="05000000000000000000" pitchFamily="2" charset="2"/>
+              </a:rPr>
+              <a:t> + </a:t>
+            </a:r>
+            <a:r>
+              <a:rPr lang="it-CH" sz="2000" dirty="0" err="1">
+                <a:sym typeface="Wingdings" panose="05000000000000000000" pitchFamily="2" charset="2"/>
+              </a:rPr>
+              <a:t>CommandRecord</a:t>
+            </a:r>
+            <a:endParaRPr lang="it-CH" sz="2000" dirty="0">
+              <a:sym typeface="Wingdings" panose="05000000000000000000" pitchFamily="2" charset="2"/>
+            </a:endParaRPr>
+          </a:p>
+          <a:p>
+            <a:pPr marL="285750" indent="-285750">
+              <a:lnSpc>
+                <a:spcPct val="250000"/>
+              </a:lnSpc>
+              <a:buFont typeface="Arial" panose="020B0604020202020204" pitchFamily="34" charset="0"/>
+              <a:buChar char="•"/>
+            </a:pPr>
+            <a:r>
+              <a:rPr lang="it-CH" sz="2000" dirty="0">
+                <a:sym typeface="Wingdings" panose="05000000000000000000" pitchFamily="2" charset="2"/>
+              </a:rPr>
+              <a:t>Genera + Salva la registrazione</a:t>
+            </a:r>
+          </a:p>
+        </p:txBody>
+      </p:sp>
+    </p:spTree>
+    <p:extLst>
+      <p:ext uri="{BB962C8B-B14F-4D97-AF65-F5344CB8AC3E}">
+        <p14:creationId xmlns:p14="http://schemas.microsoft.com/office/powerpoint/2010/main" val="4176927173"/>
+      </p:ext>
+    </p:extLst>
+  </p:cSld>
+  <p:clrMapOvr>
+    <a:masterClrMapping/>
+  </p:clrMapOvr>
+</p:sld>
+</file>
+
+<file path=ppt/slides/slide24.xml><?xml version="1.0" encoding="utf-8"?>
+<p:sld xmlns:a="http://schemas.openxmlformats.org/drawingml/2006/main" xmlns:r="http://schemas.openxmlformats.org/officeDocument/2006/relationships" xmlns:p="http://schemas.openxmlformats.org/presentationml/2006/main">
+  <p:cSld>
+    <p:spTree>
+      <p:nvGrpSpPr>
+        <p:cNvPr id="1" name=""/>
+        <p:cNvGrpSpPr/>
+        <p:nvPr/>
+      </p:nvGrpSpPr>
+      <p:grpSpPr>
+        <a:xfrm>
+          <a:off x="0" y="0"/>
+          <a:ext cx="0" cy="0"/>
+          <a:chOff x="0" y="0"/>
+          <a:chExt cx="0" cy="0"/>
+        </a:xfrm>
+      </p:grpSpPr>
+      <p:sp>
+        <p:nvSpPr>
+          <p:cNvPr id="2" name="Titolo 1">
+            <a:extLst>
+              <a:ext uri="{FF2B5EF4-FFF2-40B4-BE49-F238E27FC236}">
+                <a16:creationId xmlns:a16="http://schemas.microsoft.com/office/drawing/2014/main" id="{1C9728DE-DCC3-47F3-A9A7-4840BBF3A649}"/>
+              </a:ext>
+            </a:extLst>
+          </p:cNvPr>
+          <p:cNvSpPr>
+            <a:spLocks noGrp="1"/>
+          </p:cNvSpPr>
+          <p:nvPr>
+            <p:ph type="title"/>
+          </p:nvPr>
+        </p:nvSpPr>
+        <p:spPr/>
+        <p:txBody>
+          <a:bodyPr/>
+          <a:lstStyle/>
+          <a:p>
+            <a:r>
+              <a:rPr lang="it-CH" dirty="0" err="1"/>
+              <a:t>DroneSimulator</a:t>
+            </a:r>
+            <a:endParaRPr lang="it-CH" dirty="0"/>
+          </a:p>
+        </p:txBody>
+      </p:sp>
+      <p:sp>
+        <p:nvSpPr>
+          <p:cNvPr id="3" name="Segnaposto contenuto 2">
+            <a:extLst>
+              <a:ext uri="{FF2B5EF4-FFF2-40B4-BE49-F238E27FC236}">
+                <a16:creationId xmlns:a16="http://schemas.microsoft.com/office/drawing/2014/main" id="{A9782E92-4646-4216-BC0B-9AFBD5130E30}"/>
+              </a:ext>
+            </a:extLst>
+          </p:cNvPr>
+          <p:cNvSpPr>
+            <a:spLocks noGrp="1"/>
+          </p:cNvSpPr>
+          <p:nvPr>
+            <p:ph idx="1"/>
+          </p:nvPr>
+        </p:nvSpPr>
+        <p:spPr>
+          <a:xfrm>
+            <a:off x="2000747" y="884466"/>
+            <a:ext cx="6912768" cy="460648"/>
+          </a:xfrm>
+        </p:spPr>
+        <p:txBody>
+          <a:bodyPr/>
+          <a:lstStyle/>
+          <a:p>
+            <a:r>
+              <a:rPr lang="it-CH" sz="2800" dirty="0"/>
+              <a:t>Classe Simulator</a:t>
+            </a:r>
+            <a:r>
+              <a:rPr lang="it-IT" sz="2800" dirty="0"/>
+              <a:t> </a:t>
+            </a:r>
+            <a:endParaRPr lang="it-CH" sz="2800" dirty="0"/>
+          </a:p>
+        </p:txBody>
+      </p:sp>
+      <p:sp>
+        <p:nvSpPr>
+          <p:cNvPr id="4" name="Segnaposto contenuto 3">
+            <a:extLst>
+              <a:ext uri="{FF2B5EF4-FFF2-40B4-BE49-F238E27FC236}">
+                <a16:creationId xmlns:a16="http://schemas.microsoft.com/office/drawing/2014/main" id="{13544A92-8328-4004-96C8-B60363828F13}"/>
+              </a:ext>
+            </a:extLst>
+          </p:cNvPr>
+          <p:cNvSpPr>
+            <a:spLocks noGrp="1"/>
+          </p:cNvSpPr>
+          <p:nvPr>
+            <p:ph idx="10"/>
+          </p:nvPr>
+        </p:nvSpPr>
+        <p:spPr>
+          <a:xfrm>
+            <a:off x="1990056" y="1664245"/>
+            <a:ext cx="6912768" cy="2995737"/>
+          </a:xfrm>
+        </p:spPr>
+        <p:txBody>
+          <a:bodyPr/>
+          <a:lstStyle/>
+          <a:p>
+            <a:pPr marL="285750" indent="-285750">
+              <a:lnSpc>
+                <a:spcPct val="300000"/>
+              </a:lnSpc>
+              <a:buFont typeface="Arial" panose="020B0604020202020204" pitchFamily="34" charset="0"/>
+              <a:buChar char="•"/>
+            </a:pPr>
+            <a:r>
+              <a:rPr lang="it-CH" sz="2000" dirty="0">
+                <a:sym typeface="Wingdings" panose="05000000000000000000" pitchFamily="2" charset="2"/>
+              </a:rPr>
+              <a:t>Riceve comandi  </a:t>
+            </a:r>
+            <a:r>
+              <a:rPr lang="it-CH" sz="2000" dirty="0" err="1">
+                <a:sym typeface="Wingdings" panose="05000000000000000000" pitchFamily="2" charset="2"/>
+              </a:rPr>
+              <a:t>Socket</a:t>
+            </a:r>
+            <a:endParaRPr lang="it-CH" sz="2000" dirty="0">
+              <a:sym typeface="Wingdings" panose="05000000000000000000" pitchFamily="2" charset="2"/>
+            </a:endParaRPr>
+          </a:p>
+          <a:p>
+            <a:pPr marL="285750" indent="-285750">
+              <a:lnSpc>
+                <a:spcPct val="300000"/>
+              </a:lnSpc>
+              <a:buFont typeface="Arial" panose="020B0604020202020204" pitchFamily="34" charset="0"/>
+              <a:buChar char="•"/>
+            </a:pPr>
+            <a:r>
+              <a:rPr lang="it-CH" sz="2000" dirty="0">
+                <a:sym typeface="Wingdings" panose="05000000000000000000" pitchFamily="2" charset="2"/>
+              </a:rPr>
+              <a:t>Inoltro comandi  </a:t>
+            </a:r>
+            <a:r>
+              <a:rPr lang="it-CH" sz="2000" dirty="0" err="1">
+                <a:sym typeface="Wingdings" panose="05000000000000000000" pitchFamily="2" charset="2"/>
+              </a:rPr>
+              <a:t>CommandReader</a:t>
+            </a:r>
+            <a:endParaRPr lang="it-CH" sz="2000" dirty="0">
+              <a:sym typeface="Wingdings" panose="05000000000000000000" pitchFamily="2" charset="2"/>
+            </a:endParaRPr>
+          </a:p>
+        </p:txBody>
+      </p:sp>
+    </p:spTree>
+    <p:extLst>
+      <p:ext uri="{BB962C8B-B14F-4D97-AF65-F5344CB8AC3E}">
+        <p14:creationId xmlns:p14="http://schemas.microsoft.com/office/powerpoint/2010/main" val="2078199158"/>
+      </p:ext>
+    </p:extLst>
+  </p:cSld>
+  <p:clrMapOvr>
+    <a:masterClrMapping/>
+  </p:clrMapOvr>
+</p:sld>
+</file>
+
+<file path=ppt/slides/slide25.xml><?xml version="1.0" encoding="utf-8"?>
+<p:sld xmlns:a="http://schemas.openxmlformats.org/drawingml/2006/main" xmlns:r="http://schemas.openxmlformats.org/officeDocument/2006/relationships" xmlns:p="http://schemas.openxmlformats.org/presentationml/2006/main">
+  <p:cSld>
+    <p:spTree>
+      <p:nvGrpSpPr>
+        <p:cNvPr id="1" name=""/>
+        <p:cNvGrpSpPr/>
+        <p:nvPr/>
+      </p:nvGrpSpPr>
+      <p:grpSpPr>
+        <a:xfrm>
+          <a:off x="0" y="0"/>
+          <a:ext cx="0" cy="0"/>
+          <a:chOff x="0" y="0"/>
+          <a:chExt cx="0" cy="0"/>
+        </a:xfrm>
+      </p:grpSpPr>
+      <p:sp>
+        <p:nvSpPr>
+          <p:cNvPr id="2" name="Titolo 1">
+            <a:extLst>
+              <a:ext uri="{FF2B5EF4-FFF2-40B4-BE49-F238E27FC236}">
+                <a16:creationId xmlns:a16="http://schemas.microsoft.com/office/drawing/2014/main" id="{1C9728DE-DCC3-47F3-A9A7-4840BBF3A649}"/>
+              </a:ext>
+            </a:extLst>
+          </p:cNvPr>
+          <p:cNvSpPr>
+            <a:spLocks noGrp="1"/>
+          </p:cNvSpPr>
+          <p:nvPr>
+            <p:ph type="title"/>
+          </p:nvPr>
+        </p:nvSpPr>
+        <p:spPr/>
+        <p:txBody>
+          <a:bodyPr/>
+          <a:lstStyle/>
+          <a:p>
+            <a:r>
+              <a:rPr lang="it-CH" dirty="0" err="1"/>
+              <a:t>DroneSimulator</a:t>
+            </a:r>
+            <a:endParaRPr lang="it-CH" dirty="0"/>
+          </a:p>
+        </p:txBody>
+      </p:sp>
+      <p:sp>
+        <p:nvSpPr>
+          <p:cNvPr id="3" name="Segnaposto contenuto 2">
+            <a:extLst>
+              <a:ext uri="{FF2B5EF4-FFF2-40B4-BE49-F238E27FC236}">
+                <a16:creationId xmlns:a16="http://schemas.microsoft.com/office/drawing/2014/main" id="{A9782E92-4646-4216-BC0B-9AFBD5130E30}"/>
+              </a:ext>
+            </a:extLst>
+          </p:cNvPr>
+          <p:cNvSpPr>
+            <a:spLocks noGrp="1"/>
+          </p:cNvSpPr>
+          <p:nvPr>
+            <p:ph idx="1"/>
+          </p:nvPr>
+        </p:nvSpPr>
+        <p:spPr>
+          <a:xfrm>
+            <a:off x="2000747" y="884466"/>
+            <a:ext cx="6912768" cy="460648"/>
+          </a:xfrm>
+        </p:spPr>
+        <p:txBody>
+          <a:bodyPr/>
+          <a:lstStyle/>
+          <a:p>
+            <a:r>
+              <a:rPr lang="it-CH" sz="2800" dirty="0"/>
+              <a:t>Classe </a:t>
+            </a:r>
+            <a:r>
+              <a:rPr lang="it-CH" sz="2800" dirty="0" err="1"/>
+              <a:t>CommandReader</a:t>
+            </a:r>
+            <a:r>
+              <a:rPr lang="it-IT" sz="2800" dirty="0"/>
+              <a:t> </a:t>
+            </a:r>
+            <a:endParaRPr lang="it-CH" sz="2800" dirty="0"/>
+          </a:p>
+        </p:txBody>
+      </p:sp>
+      <p:sp>
+        <p:nvSpPr>
+          <p:cNvPr id="4" name="Segnaposto contenuto 3">
+            <a:extLst>
+              <a:ext uri="{FF2B5EF4-FFF2-40B4-BE49-F238E27FC236}">
+                <a16:creationId xmlns:a16="http://schemas.microsoft.com/office/drawing/2014/main" id="{13544A92-8328-4004-96C8-B60363828F13}"/>
+              </a:ext>
+            </a:extLst>
+          </p:cNvPr>
+          <p:cNvSpPr>
+            <a:spLocks noGrp="1"/>
+          </p:cNvSpPr>
+          <p:nvPr>
+            <p:ph idx="10"/>
+          </p:nvPr>
+        </p:nvSpPr>
+        <p:spPr>
+          <a:xfrm>
+            <a:off x="1990056" y="1664245"/>
+            <a:ext cx="6912768" cy="2995737"/>
+          </a:xfrm>
+        </p:spPr>
+        <p:txBody>
+          <a:bodyPr/>
+          <a:lstStyle/>
+          <a:p>
+            <a:r>
+              <a:rPr lang="it-IT" sz="2000" dirty="0"/>
+              <a:t>Riceve i comandi dalla classe Simulator.</a:t>
+            </a:r>
+          </a:p>
+          <a:p>
+            <a:endParaRPr lang="it-IT" sz="2000" dirty="0"/>
+          </a:p>
+          <a:p>
+            <a:r>
+              <a:rPr lang="it-IT" sz="2000" dirty="0"/>
+              <a:t>Simula i comandi della SDK di Tello. </a:t>
+            </a:r>
+          </a:p>
+          <a:p>
+            <a:endParaRPr lang="it-IT" sz="2000" dirty="0"/>
+          </a:p>
+          <a:p>
+            <a:r>
+              <a:rPr lang="it-IT" sz="2000" dirty="0"/>
+              <a:t>Aggiorna le variabili contenenti informazioni su</a:t>
+            </a:r>
+            <a:br>
+              <a:rPr lang="it-IT" sz="2000" dirty="0"/>
+            </a:br>
+            <a:r>
+              <a:rPr lang="it-IT" sz="2000" dirty="0"/>
+              <a:t>Posizione e rotazione del drone.</a:t>
+            </a:r>
+          </a:p>
+          <a:p>
+            <a:pPr marL="342900" indent="-342900">
+              <a:buFont typeface="Arial" panose="020B0604020202020204" pitchFamily="34" charset="0"/>
+              <a:buChar char="•"/>
+            </a:pPr>
+            <a:endParaRPr lang="it-IT" sz="2000" dirty="0"/>
+          </a:p>
+        </p:txBody>
+      </p:sp>
+    </p:spTree>
+    <p:extLst>
+      <p:ext uri="{BB962C8B-B14F-4D97-AF65-F5344CB8AC3E}">
+        <p14:creationId xmlns:p14="http://schemas.microsoft.com/office/powerpoint/2010/main" val="422939601"/>
+      </p:ext>
+    </p:extLst>
+  </p:cSld>
+  <p:clrMapOvr>
+    <a:masterClrMapping/>
+  </p:clrMapOvr>
+</p:sld>
+</file>
+
+<file path=ppt/slides/slide26.xml><?xml version="1.0" encoding="utf-8"?>
+<p:sld xmlns:a="http://schemas.openxmlformats.org/drawingml/2006/main" xmlns:r="http://schemas.openxmlformats.org/officeDocument/2006/relationships" xmlns:p="http://schemas.openxmlformats.org/presentationml/2006/main">
+  <p:cSld>
+    <p:spTree>
+      <p:nvGrpSpPr>
+        <p:cNvPr id="1" name=""/>
+        <p:cNvGrpSpPr/>
+        <p:nvPr/>
+      </p:nvGrpSpPr>
+      <p:grpSpPr>
+        <a:xfrm>
+          <a:off x="0" y="0"/>
+          <a:ext cx="0" cy="0"/>
+          <a:chOff x="0" y="0"/>
+          <a:chExt cx="0" cy="0"/>
+        </a:xfrm>
+      </p:grpSpPr>
+      <p:sp>
+        <p:nvSpPr>
+          <p:cNvPr id="2" name="Titolo 1">
+            <a:extLst>
+              <a:ext uri="{FF2B5EF4-FFF2-40B4-BE49-F238E27FC236}">
+                <a16:creationId xmlns:a16="http://schemas.microsoft.com/office/drawing/2014/main" id="{1C9728DE-DCC3-47F3-A9A7-4840BBF3A649}"/>
+              </a:ext>
+            </a:extLst>
+          </p:cNvPr>
+          <p:cNvSpPr>
+            <a:spLocks noGrp="1"/>
+          </p:cNvSpPr>
+          <p:nvPr>
+            <p:ph type="title"/>
+          </p:nvPr>
+        </p:nvSpPr>
+        <p:spPr/>
+        <p:txBody>
+          <a:bodyPr/>
+          <a:lstStyle/>
+          <a:p>
+            <a:r>
+              <a:rPr lang="it-CH" dirty="0" err="1"/>
               <a:t>DroneSimulator</a:t>
             </a:r>
             <a:endParaRPr lang="it-CH" dirty="0"/>
@@ -7524,7 +8264,7 @@
 </p:sld>
 </file>
 
-<file path=ppt/slides/slide24.xml><?xml version="1.0" encoding="utf-8"?>
+<file path=ppt/slides/slide27.xml><?xml version="1.0" encoding="utf-8"?>
 <p:sld xmlns:a="http://schemas.openxmlformats.org/drawingml/2006/main" xmlns:r="http://schemas.openxmlformats.org/officeDocument/2006/relationships" xmlns:p="http://schemas.openxmlformats.org/presentationml/2006/main">
   <p:cSld>
     <p:spTree>
@@ -7610,7 +8350,7 @@
           <p:cNvPr id="2" name="Titolo 1">
             <a:extLst>
               <a:ext uri="{FF2B5EF4-FFF2-40B4-BE49-F238E27FC236}">
-                <a16:creationId xmlns:a16="http://schemas.microsoft.com/office/drawing/2014/main" id="{82887461-6D43-4CEB-A6A1-119545323645}"/>
+                <a16:creationId xmlns:a16="http://schemas.microsoft.com/office/drawing/2014/main" id="{1F4EF76E-72FB-49D5-9299-592E62BF06B2}"/>
               </a:ext>
             </a:extLst>
           </p:cNvPr>
@@ -7627,8 +8367,8 @@
           <a:lstStyle/>
           <a:p>
             <a:r>
-              <a:rPr lang="it-CH" sz="4800" dirty="0"/>
-              <a:t>SCOPO</a:t>
+              <a:rPr lang="it-CH" dirty="0"/>
+              <a:t>CHI SIAMO</a:t>
             </a:r>
           </a:p>
         </p:txBody>
@@ -7638,7 +8378,7 @@
           <p:cNvPr id="4" name="Segnaposto contenuto 3">
             <a:extLst>
               <a:ext uri="{FF2B5EF4-FFF2-40B4-BE49-F238E27FC236}">
-                <a16:creationId xmlns:a16="http://schemas.microsoft.com/office/drawing/2014/main" id="{9DA94BF7-4EDC-403E-A893-A547CC60B810}"/>
+                <a16:creationId xmlns:a16="http://schemas.microsoft.com/office/drawing/2014/main" id="{FB91016C-8169-45ED-B54B-B80E87645789}"/>
               </a:ext>
             </a:extLst>
           </p:cNvPr>
@@ -7651,62 +8391,86 @@
         </p:nvSpPr>
         <p:spPr>
           <a:xfrm>
-            <a:off x="1990056" y="987575"/>
-            <a:ext cx="6912768" cy="3672408"/>
+            <a:off x="405880" y="884467"/>
+            <a:ext cx="8496944" cy="3775516"/>
           </a:xfrm>
         </p:spPr>
         <p:txBody>
           <a:bodyPr/>
           <a:lstStyle/>
           <a:p>
-            <a:pPr marL="285750" indent="-285750">
-              <a:lnSpc>
-                <a:spcPct val="200000"/>
-              </a:lnSpc>
+            <a:pPr marL="628650" indent="-342900">
               <a:buFont typeface="Arial" panose="020B0604020202020204" pitchFamily="34" charset="0"/>
               <a:buChar char="•"/>
             </a:pPr>
             <a:r>
+              <a:rPr lang="it-CH" sz="3200" dirty="0" err="1"/>
+              <a:t>Jari</a:t>
+            </a:r>
+            <a:r>
               <a:rPr lang="it-CH" sz="3200" dirty="0"/>
-              <a:t>Controllo DJI Tello</a:t>
-            </a:r>
-          </a:p>
-          <a:p>
-            <a:pPr marL="285750" indent="-285750">
-              <a:lnSpc>
-                <a:spcPct val="200000"/>
-              </a:lnSpc>
+              <a:t> </a:t>
+            </a:r>
+            <a:r>
+              <a:rPr lang="it-CH" sz="3200" dirty="0" err="1"/>
+              <a:t>Näser</a:t>
+            </a:r>
+            <a:endParaRPr lang="it-CH" sz="3200" dirty="0"/>
+          </a:p>
+          <a:p>
+            <a:pPr marL="1371600" lvl="1" indent="-342900">
               <a:buFont typeface="Arial" panose="020B0604020202020204" pitchFamily="34" charset="0"/>
               <a:buChar char="•"/>
             </a:pPr>
             <a:r>
-              <a:rPr lang="it-CH" sz="3200" dirty="0" err="1"/>
-              <a:t>Leap</a:t>
-            </a:r>
-            <a:r>
-              <a:rPr lang="it-CH" sz="3200" dirty="0"/>
-              <a:t> Motion</a:t>
-            </a:r>
-          </a:p>
-          <a:p>
-            <a:pPr marL="285750" indent="-285750">
-              <a:lnSpc>
-                <a:spcPct val="200000"/>
-              </a:lnSpc>
+              <a:rPr lang="it-CH" sz="3800" dirty="0">
+                <a:hlinkClick r:id="rId2"/>
+              </a:rPr>
+              <a:t>jari.naeser@samtrevano.ch</a:t>
+            </a:r>
+            <a:endParaRPr lang="it-CH" sz="3800" dirty="0"/>
+          </a:p>
+          <a:p>
+            <a:pPr marL="1371600" lvl="1" indent="-342900">
               <a:buFont typeface="Arial" panose="020B0604020202020204" pitchFamily="34" charset="0"/>
               <a:buChar char="•"/>
             </a:pPr>
-            <a:r>
-              <a:rPr lang="it-CH" sz="3200" dirty="0"/>
-              <a:t>Simulatore</a:t>
-            </a:r>
+            <a:endParaRPr lang="it-CH" sz="3800" dirty="0"/>
+          </a:p>
+          <a:p>
+            <a:pPr marL="628650" indent="-342900">
+              <a:buFont typeface="Arial" panose="020B0604020202020204" pitchFamily="34" charset="0"/>
+              <a:buChar char="•"/>
+            </a:pPr>
+            <a:r>
+              <a:rPr lang="it-CH" sz="3600" dirty="0"/>
+              <a:t>Andrea </a:t>
+            </a:r>
+            <a:r>
+              <a:rPr lang="it-CH" sz="3600" dirty="0" err="1"/>
+              <a:t>Rauso</a:t>
+            </a:r>
+            <a:endParaRPr lang="it-CH" sz="3600" dirty="0"/>
+          </a:p>
+          <a:p>
+            <a:pPr marL="1371600" lvl="1" indent="-342900">
+              <a:buFont typeface="Arial" panose="020B0604020202020204" pitchFamily="34" charset="0"/>
+              <a:buChar char="•"/>
+            </a:pPr>
+            <a:r>
+              <a:rPr lang="it-CH" sz="3600" dirty="0">
+                <a:hlinkClick r:id="rId3"/>
+              </a:rPr>
+              <a:t>andrea.rauso@samtrevano.ch</a:t>
+            </a:r>
+            <a:endParaRPr lang="it-CH" sz="3600" dirty="0"/>
           </a:p>
         </p:txBody>
       </p:sp>
     </p:spTree>
     <p:extLst>
       <p:ext uri="{BB962C8B-B14F-4D97-AF65-F5344CB8AC3E}">
-        <p14:creationId xmlns:p14="http://schemas.microsoft.com/office/powerpoint/2010/main" val="2969328257"/>
+        <p14:creationId xmlns:p14="http://schemas.microsoft.com/office/powerpoint/2010/main" val="790960300"/>
       </p:ext>
     </p:extLst>
   </p:cSld>
@@ -7735,6 +8499,149 @@
       </p:grpSpPr>
       <p:sp>
         <p:nvSpPr>
+          <p:cNvPr id="3" name="Title 2"/>
+          <p:cNvSpPr>
+            <a:spLocks noGrp="1"/>
+          </p:cNvSpPr>
+          <p:nvPr>
+            <p:ph type="title"/>
+          </p:nvPr>
+        </p:nvSpPr>
+        <p:spPr>
+          <a:xfrm>
+            <a:off x="35496" y="123478"/>
+            <a:ext cx="9144000" cy="884466"/>
+          </a:xfrm>
+        </p:spPr>
+        <p:txBody>
+          <a:bodyPr/>
+          <a:lstStyle/>
+          <a:p>
+            <a:r>
+              <a:rPr lang="en-US" sz="6000" dirty="0"/>
+              <a:t> </a:t>
+            </a:r>
+            <a:r>
+              <a:rPr lang="en-US" altLang="ko-KR" sz="6000" dirty="0" err="1"/>
+              <a:t>Indice</a:t>
+            </a:r>
+            <a:endParaRPr lang="en-US" sz="6000" dirty="0"/>
+          </a:p>
+        </p:txBody>
+      </p:sp>
+      <p:sp>
+        <p:nvSpPr>
+          <p:cNvPr id="6" name="Segnaposto contenuto 5">
+            <a:extLst>
+              <a:ext uri="{FF2B5EF4-FFF2-40B4-BE49-F238E27FC236}">
+                <a16:creationId xmlns:a16="http://schemas.microsoft.com/office/drawing/2014/main" id="{5B6072DA-2CA4-4D2D-9FE3-87C81F48EC48}"/>
+              </a:ext>
+            </a:extLst>
+          </p:cNvPr>
+          <p:cNvSpPr>
+            <a:spLocks noGrp="1"/>
+          </p:cNvSpPr>
+          <p:nvPr>
+            <p:ph idx="10"/>
+          </p:nvPr>
+        </p:nvSpPr>
+        <p:spPr>
+          <a:xfrm>
+            <a:off x="359024" y="1131590"/>
+            <a:ext cx="8496944" cy="3600400"/>
+          </a:xfrm>
+        </p:spPr>
+        <p:txBody>
+          <a:bodyPr/>
+          <a:lstStyle/>
+          <a:p>
+            <a:pPr marL="285750" indent="-285750">
+              <a:buFont typeface="Arial" panose="020B0604020202020204" pitchFamily="34" charset="0"/>
+              <a:buChar char="•"/>
+            </a:pPr>
+            <a:r>
+              <a:rPr lang="it-IT" sz="3200" dirty="0"/>
+              <a:t>Scopo </a:t>
+            </a:r>
+          </a:p>
+          <a:p>
+            <a:pPr marL="285750" indent="-285750">
+              <a:buFont typeface="Arial" panose="020B0604020202020204" pitchFamily="34" charset="0"/>
+              <a:buChar char="•"/>
+            </a:pPr>
+            <a:r>
+              <a:rPr lang="it-IT" sz="3200" dirty="0"/>
+              <a:t>Analisi</a:t>
+            </a:r>
+          </a:p>
+          <a:p>
+            <a:pPr marL="285750" indent="-285750">
+              <a:buFont typeface="Arial" panose="020B0604020202020204" pitchFamily="34" charset="0"/>
+              <a:buChar char="•"/>
+            </a:pPr>
+            <a:r>
+              <a:rPr lang="it-IT" sz="3200" dirty="0" err="1"/>
+              <a:t>Gantt</a:t>
+            </a:r>
+            <a:endParaRPr lang="it-IT" sz="3200" dirty="0"/>
+          </a:p>
+          <a:p>
+            <a:pPr marL="285750" indent="-285750">
+              <a:buFont typeface="Arial" panose="020B0604020202020204" pitchFamily="34" charset="0"/>
+              <a:buChar char="•"/>
+            </a:pPr>
+            <a:r>
+              <a:rPr lang="it-IT" sz="3200" dirty="0"/>
+              <a:t>Progettazione</a:t>
+            </a:r>
+          </a:p>
+          <a:p>
+            <a:pPr marL="285750" indent="-285750">
+              <a:buFont typeface="Arial" panose="020B0604020202020204" pitchFamily="34" charset="0"/>
+              <a:buChar char="•"/>
+            </a:pPr>
+            <a:r>
+              <a:rPr lang="it-IT" sz="3200" dirty="0"/>
+              <a:t>Implementazione</a:t>
+            </a:r>
+          </a:p>
+          <a:p>
+            <a:endParaRPr lang="it-CH" dirty="0"/>
+          </a:p>
+        </p:txBody>
+      </p:sp>
+    </p:spTree>
+    <p:extLst>
+      <p:ext uri="{BB962C8B-B14F-4D97-AF65-F5344CB8AC3E}">
+        <p14:creationId xmlns:p14="http://schemas.microsoft.com/office/powerpoint/2010/main" val="1191993170"/>
+      </p:ext>
+    </p:extLst>
+  </p:cSld>
+  <p:clrMapOvr>
+    <a:masterClrMapping/>
+  </p:clrMapOvr>
+</p:sld>
+</file>
+
+<file path=ppt/slides/slide5.xml><?xml version="1.0" encoding="utf-8"?>
+<p:sld xmlns:a="http://schemas.openxmlformats.org/drawingml/2006/main" xmlns:r="http://schemas.openxmlformats.org/officeDocument/2006/relationships" xmlns:p="http://schemas.openxmlformats.org/presentationml/2006/main">
+  <p:cSld>
+    <p:spTree>
+      <p:nvGrpSpPr>
+        <p:cNvPr id="1" name=""/>
+        <p:cNvGrpSpPr/>
+        <p:nvPr/>
+      </p:nvGrpSpPr>
+      <p:grpSpPr>
+        <a:xfrm>
+          <a:off x="0" y="0"/>
+          <a:ext cx="0" cy="0"/>
+          <a:chOff x="0" y="0"/>
+          <a:chExt cx="0" cy="0"/>
+        </a:xfrm>
+      </p:grpSpPr>
+      <p:sp>
+        <p:nvSpPr>
           <p:cNvPr id="2" name="Titolo 1">
             <a:extLst>
               <a:ext uri="{FF2B5EF4-FFF2-40B4-BE49-F238E27FC236}">
@@ -7749,19 +8656,14 @@
             <p:ph type="title"/>
           </p:nvPr>
         </p:nvSpPr>
-        <p:spPr>
-          <a:xfrm>
-            <a:off x="1619672" y="0"/>
-            <a:ext cx="7524328" cy="884466"/>
-          </a:xfrm>
-        </p:spPr>
+        <p:spPr/>
         <p:txBody>
           <a:bodyPr/>
           <a:lstStyle/>
           <a:p>
             <a:r>
               <a:rPr lang="it-CH" sz="4800" dirty="0"/>
-              <a:t>ANALISI DEI MEZZI</a:t>
+              <a:t>SCOPO</a:t>
             </a:r>
           </a:p>
         </p:txBody>
@@ -7792,6 +8694,139 @@
           <a:bodyPr/>
           <a:lstStyle/>
           <a:p>
+            <a:pPr marL="285750" indent="-285750">
+              <a:lnSpc>
+                <a:spcPct val="200000"/>
+              </a:lnSpc>
+              <a:buFont typeface="Arial" panose="020B0604020202020204" pitchFamily="34" charset="0"/>
+              <a:buChar char="•"/>
+            </a:pPr>
+            <a:r>
+              <a:rPr lang="it-CH" sz="3200" dirty="0"/>
+              <a:t>Controllo DJI Tello</a:t>
+            </a:r>
+          </a:p>
+          <a:p>
+            <a:pPr marL="285750" indent="-285750">
+              <a:lnSpc>
+                <a:spcPct val="200000"/>
+              </a:lnSpc>
+              <a:buFont typeface="Arial" panose="020B0604020202020204" pitchFamily="34" charset="0"/>
+              <a:buChar char="•"/>
+            </a:pPr>
+            <a:r>
+              <a:rPr lang="it-CH" sz="3200" dirty="0" err="1"/>
+              <a:t>Leap</a:t>
+            </a:r>
+            <a:r>
+              <a:rPr lang="it-CH" sz="3200" dirty="0"/>
+              <a:t> Motion</a:t>
+            </a:r>
+          </a:p>
+          <a:p>
+            <a:pPr marL="285750" indent="-285750">
+              <a:lnSpc>
+                <a:spcPct val="200000"/>
+              </a:lnSpc>
+              <a:buFont typeface="Arial" panose="020B0604020202020204" pitchFamily="34" charset="0"/>
+              <a:buChar char="•"/>
+            </a:pPr>
+            <a:r>
+              <a:rPr lang="it-CH" sz="3200" dirty="0"/>
+              <a:t>Simulatore</a:t>
+            </a:r>
+          </a:p>
+        </p:txBody>
+      </p:sp>
+    </p:spTree>
+    <p:extLst>
+      <p:ext uri="{BB962C8B-B14F-4D97-AF65-F5344CB8AC3E}">
+        <p14:creationId xmlns:p14="http://schemas.microsoft.com/office/powerpoint/2010/main" val="2969328257"/>
+      </p:ext>
+    </p:extLst>
+  </p:cSld>
+  <p:clrMapOvr>
+    <a:masterClrMapping/>
+  </p:clrMapOvr>
+</p:sld>
+</file>
+
+<file path=ppt/slides/slide6.xml><?xml version="1.0" encoding="utf-8"?>
+<p:sld xmlns:a="http://schemas.openxmlformats.org/drawingml/2006/main" xmlns:r="http://schemas.openxmlformats.org/officeDocument/2006/relationships" xmlns:p="http://schemas.openxmlformats.org/presentationml/2006/main">
+  <p:cSld>
+    <p:spTree>
+      <p:nvGrpSpPr>
+        <p:cNvPr id="1" name=""/>
+        <p:cNvGrpSpPr/>
+        <p:nvPr/>
+      </p:nvGrpSpPr>
+      <p:grpSpPr>
+        <a:xfrm>
+          <a:off x="0" y="0"/>
+          <a:ext cx="0" cy="0"/>
+          <a:chOff x="0" y="0"/>
+          <a:chExt cx="0" cy="0"/>
+        </a:xfrm>
+      </p:grpSpPr>
+      <p:sp>
+        <p:nvSpPr>
+          <p:cNvPr id="2" name="Titolo 1">
+            <a:extLst>
+              <a:ext uri="{FF2B5EF4-FFF2-40B4-BE49-F238E27FC236}">
+                <a16:creationId xmlns:a16="http://schemas.microsoft.com/office/drawing/2014/main" id="{82887461-6D43-4CEB-A6A1-119545323645}"/>
+              </a:ext>
+            </a:extLst>
+          </p:cNvPr>
+          <p:cNvSpPr>
+            <a:spLocks noGrp="1"/>
+          </p:cNvSpPr>
+          <p:nvPr>
+            <p:ph type="title"/>
+          </p:nvPr>
+        </p:nvSpPr>
+        <p:spPr>
+          <a:xfrm>
+            <a:off x="1619672" y="0"/>
+            <a:ext cx="7524328" cy="884466"/>
+          </a:xfrm>
+        </p:spPr>
+        <p:txBody>
+          <a:bodyPr/>
+          <a:lstStyle/>
+          <a:p>
+            <a:r>
+              <a:rPr lang="it-CH" sz="4800" dirty="0"/>
+              <a:t>ANALISI DEI MEZZI</a:t>
+            </a:r>
+          </a:p>
+        </p:txBody>
+      </p:sp>
+      <p:sp>
+        <p:nvSpPr>
+          <p:cNvPr id="4" name="Segnaposto contenuto 3">
+            <a:extLst>
+              <a:ext uri="{FF2B5EF4-FFF2-40B4-BE49-F238E27FC236}">
+                <a16:creationId xmlns:a16="http://schemas.microsoft.com/office/drawing/2014/main" id="{9DA94BF7-4EDC-403E-A893-A547CC60B810}"/>
+              </a:ext>
+            </a:extLst>
+          </p:cNvPr>
+          <p:cNvSpPr>
+            <a:spLocks noGrp="1"/>
+          </p:cNvSpPr>
+          <p:nvPr>
+            <p:ph idx="10"/>
+          </p:nvPr>
+        </p:nvSpPr>
+        <p:spPr>
+          <a:xfrm>
+            <a:off x="1990056" y="987575"/>
+            <a:ext cx="6912768" cy="3672408"/>
+          </a:xfrm>
+        </p:spPr>
+        <p:txBody>
+          <a:bodyPr/>
+          <a:lstStyle/>
+          <a:p>
             <a:pPr marL="457200" indent="-457200">
               <a:buFont typeface="Arial" panose="020B0604020202020204" pitchFamily="34" charset="0"/>
               <a:buChar char="•"/>
@@ -7831,21 +8866,21 @@
               <a:buChar char="•"/>
             </a:pPr>
             <a:r>
-              <a:rPr lang="it-IT" sz="1600" dirty="0">
+              <a:rPr lang="it-IT" sz="1800" dirty="0">
                 <a:latin typeface="Arial" panose="020B0604020202020204" pitchFamily="34" charset="0"/>
                 <a:cs typeface="Arial" panose="020B0604020202020204" pitchFamily="34" charset="0"/>
               </a:rPr>
               <a:t>Apple </a:t>
             </a:r>
             <a:r>
-              <a:rPr lang="it-IT" sz="1600" dirty="0" err="1">
+              <a:rPr lang="it-IT" sz="1800" dirty="0" err="1">
                 <a:latin typeface="Arial" panose="020B0604020202020204" pitchFamily="34" charset="0"/>
                 <a:cs typeface="Arial" panose="020B0604020202020204" pitchFamily="34" charset="0"/>
               </a:rPr>
               <a:t>MacBook</a:t>
             </a:r>
             <a:r>
-              <a:rPr lang="it-IT" sz="1600" dirty="0">
+              <a:rPr lang="it-IT" sz="1800" dirty="0">
                 <a:latin typeface="Arial" panose="020B0604020202020204" pitchFamily="34" charset="0"/>
                 <a:cs typeface="Arial" panose="020B0604020202020204" pitchFamily="34" charset="0"/>
               </a:rPr>
@@ -7858,21 +8893,21 @@
               <a:buChar char="•"/>
             </a:pPr>
             <a:r>
-              <a:rPr lang="en-US" sz="1600" dirty="0">
+              <a:rPr lang="en-US" sz="1800" dirty="0">
                 <a:latin typeface="Arial" panose="020B0604020202020204" pitchFamily="34" charset="0"/>
                 <a:cs typeface="Arial" panose="020B0604020202020204" pitchFamily="34" charset="0"/>
               </a:rPr>
               <a:t>Asus </a:t>
             </a:r>
             <a:r>
-              <a:rPr lang="en-US" sz="1600" dirty="0" err="1">
+              <a:rPr lang="en-US" sz="1800" dirty="0" err="1">
                 <a:latin typeface="Arial" panose="020B0604020202020204" pitchFamily="34" charset="0"/>
                 <a:cs typeface="Arial" panose="020B0604020202020204" pitchFamily="34" charset="0"/>
               </a:rPr>
               <a:t>VivoBook</a:t>
             </a:r>
             <a:r>
-              <a:rPr lang="en-US" sz="1600" dirty="0">
+              <a:rPr lang="en-US" sz="1800" dirty="0">
                 <a:latin typeface="Arial" panose="020B0604020202020204" pitchFamily="34" charset="0"/>
                 <a:cs typeface="Arial" panose="020B0604020202020204" pitchFamily="34" charset="0"/>
               </a:rPr>
@@ -7885,7 +8920,7 @@
               <a:buChar char="•"/>
             </a:pPr>
             <a:r>
-              <a:rPr lang="en-US" sz="1600" dirty="0">
+              <a:rPr lang="en-US" sz="1800" dirty="0">
                 <a:latin typeface="Arial" panose="020B0604020202020204" pitchFamily="34" charset="0"/>
                 <a:cs typeface="Arial" panose="020B0604020202020204" pitchFamily="34" charset="0"/>
               </a:rPr>
@@ -7898,13 +8933,13 @@
               <a:buChar char="•"/>
             </a:pPr>
             <a:r>
-              <a:rPr lang="en-US" sz="1600" dirty="0">
+              <a:rPr lang="en-US" sz="1800" dirty="0">
                 <a:latin typeface="Arial" panose="020B0604020202020204" pitchFamily="34" charset="0"/>
                 <a:cs typeface="Arial" panose="020B0604020202020204" pitchFamily="34" charset="0"/>
               </a:rPr>
               <a:t>HP Pavilion CS-0800NZ</a:t>
             </a:r>
-            <a:endParaRPr lang="it-IT" sz="1600" dirty="0">
+            <a:endParaRPr lang="it-IT" sz="1800" dirty="0">
               <a:latin typeface="Arial" panose="020B0604020202020204" pitchFamily="34" charset="0"/>
               <a:cs typeface="Arial" panose="020B0604020202020204" pitchFamily="34" charset="0"/>
             </a:endParaRPr>
@@ -7978,7 +9013,7 @@
 </p:sld>
 </file>
 
-<file path=ppt/slides/slide5.xml><?xml version="1.0" encoding="utf-8"?>
+<file path=ppt/slides/slide7.xml><?xml version="1.0" encoding="utf-8"?>
 <p:sld xmlns:a="http://schemas.openxmlformats.org/drawingml/2006/main" xmlns:r="http://schemas.openxmlformats.org/officeDocument/2006/relationships" xmlns:p="http://schemas.openxmlformats.org/presentationml/2006/main">
   <p:cSld>
     <p:spTree>
@@ -8123,7 +9158,7 @@
 </p:sld>
 </file>
 
-<file path=ppt/slides/slide6.xml><?xml version="1.0" encoding="utf-8"?>
+<file path=ppt/slides/slide8.xml><?xml version="1.0" encoding="utf-8"?>
 <p:sld xmlns:a="http://schemas.openxmlformats.org/drawingml/2006/main" xmlns:r="http://schemas.openxmlformats.org/officeDocument/2006/relationships" xmlns:p="http://schemas.openxmlformats.org/presentationml/2006/main">
   <p:cSld>
     <p:spTree>
@@ -8268,7 +9303,7 @@
 </p:sld>
 </file>
 
-<file path=ppt/slides/slide7.xml><?xml version="1.0" encoding="utf-8"?>
+<file path=ppt/slides/slide9.xml><?xml version="1.0" encoding="utf-8"?>
 <p:sld xmlns:a="http://schemas.openxmlformats.org/drawingml/2006/main" xmlns:r="http://schemas.openxmlformats.org/officeDocument/2006/relationships" xmlns:p="http://schemas.openxmlformats.org/presentationml/2006/main">
   <p:cSld>
     <p:spTree>
@@ -8329,7 +9364,12 @@
             <p:ph idx="10"/>
           </p:nvPr>
         </p:nvSpPr>
-        <p:spPr/>
+        <p:spPr>
+          <a:xfrm>
+            <a:off x="1925452" y="1347614"/>
+            <a:ext cx="6912768" cy="2995737"/>
+          </a:xfrm>
+        </p:spPr>
         <p:txBody>
           <a:bodyPr/>
           <a:lstStyle/>
@@ -8385,244 +9425,6 @@
     <p:extLst>
       <p:ext uri="{BB962C8B-B14F-4D97-AF65-F5344CB8AC3E}">
         <p14:creationId xmlns:p14="http://schemas.microsoft.com/office/powerpoint/2010/main" val="225920913"/>
-      </p:ext>
-    </p:extLst>
-  </p:cSld>
-  <p:clrMapOvr>
-    <a:masterClrMapping/>
-  </p:clrMapOvr>
-</p:sld>
-</file>
-
-<file path=ppt/slides/slide8.xml><?xml version="1.0" encoding="utf-8"?>
-<p:sld xmlns:a="http://schemas.openxmlformats.org/drawingml/2006/main" xmlns:r="http://schemas.openxmlformats.org/officeDocument/2006/relationships" xmlns:p="http://schemas.openxmlformats.org/presentationml/2006/main">
-  <p:cSld>
-    <p:spTree>
-      <p:nvGrpSpPr>
-        <p:cNvPr id="1" name=""/>
-        <p:cNvGrpSpPr/>
-        <p:nvPr/>
-      </p:nvGrpSpPr>
-      <p:grpSpPr>
-        <a:xfrm>
-          <a:off x="0" y="0"/>
-          <a:ext cx="0" cy="0"/>
-          <a:chOff x="0" y="0"/>
-          <a:chExt cx="0" cy="0"/>
-        </a:xfrm>
-      </p:grpSpPr>
-      <p:sp>
-        <p:nvSpPr>
-          <p:cNvPr id="2" name="Titolo 1">
-            <a:extLst>
-              <a:ext uri="{FF2B5EF4-FFF2-40B4-BE49-F238E27FC236}">
-                <a16:creationId xmlns:a16="http://schemas.microsoft.com/office/drawing/2014/main" id="{43E3691C-E7C5-4E7F-886F-719EBDEB9EFA}"/>
-              </a:ext>
-            </a:extLst>
-          </p:cNvPr>
-          <p:cNvSpPr>
-            <a:spLocks noGrp="1"/>
-          </p:cNvSpPr>
-          <p:nvPr>
-            <p:ph type="title"/>
-          </p:nvPr>
-        </p:nvSpPr>
-        <p:spPr>
-          <a:xfrm>
-            <a:off x="1619672" y="-20781"/>
-            <a:ext cx="7524328" cy="884466"/>
-          </a:xfrm>
-        </p:spPr>
-        <p:txBody>
-          <a:bodyPr/>
-          <a:lstStyle/>
-          <a:p>
-            <a:r>
-              <a:rPr lang="it-CH" dirty="0"/>
-              <a:t>ARCHITETTURA DEL SISTEMA</a:t>
-            </a:r>
-          </a:p>
-        </p:txBody>
-      </p:sp>
-      <p:sp>
-        <p:nvSpPr>
-          <p:cNvPr id="3" name="Segnaposto contenuto 2">
-            <a:extLst>
-              <a:ext uri="{FF2B5EF4-FFF2-40B4-BE49-F238E27FC236}">
-                <a16:creationId xmlns:a16="http://schemas.microsoft.com/office/drawing/2014/main" id="{115FDC09-7D9E-4775-A49D-99C41027671D}"/>
-              </a:ext>
-            </a:extLst>
-          </p:cNvPr>
-          <p:cNvSpPr>
-            <a:spLocks noGrp="1"/>
-          </p:cNvSpPr>
-          <p:nvPr>
-            <p:ph idx="1"/>
-          </p:nvPr>
-        </p:nvSpPr>
-        <p:spPr>
-          <a:xfrm>
-            <a:off x="1925452" y="1635646"/>
-            <a:ext cx="6912768" cy="1388933"/>
-          </a:xfrm>
-        </p:spPr>
-        <p:txBody>
-          <a:bodyPr/>
-          <a:lstStyle/>
-          <a:p>
-            <a:pPr marL="342900" indent="-342900">
-              <a:lnSpc>
-                <a:spcPct val="300000"/>
-              </a:lnSpc>
-              <a:buFont typeface="Arial" panose="020B0604020202020204" pitchFamily="34" charset="0"/>
-              <a:buChar char="•"/>
-            </a:pPr>
-            <a:r>
-              <a:rPr lang="it-CH" sz="2800" dirty="0" err="1"/>
-              <a:t>DroneController</a:t>
-            </a:r>
-            <a:endParaRPr lang="it-CH" sz="2800" dirty="0"/>
-          </a:p>
-          <a:p>
-            <a:pPr marL="342900" indent="-342900">
-              <a:lnSpc>
-                <a:spcPct val="300000"/>
-              </a:lnSpc>
-              <a:buFont typeface="Arial" panose="020B0604020202020204" pitchFamily="34" charset="0"/>
-              <a:buChar char="•"/>
-            </a:pPr>
-            <a:r>
-              <a:rPr lang="it-CH" sz="2800" dirty="0" err="1"/>
-              <a:t>DroneSimulator</a:t>
-            </a:r>
-            <a:endParaRPr lang="it-CH" sz="2800" dirty="0"/>
-          </a:p>
-        </p:txBody>
-      </p:sp>
-      <p:pic>
-        <p:nvPicPr>
-          <p:cNvPr id="11" name="Picture 2" descr="Risultati immagini per drawing compass icon png">
-            <a:extLst>
-              <a:ext uri="{FF2B5EF4-FFF2-40B4-BE49-F238E27FC236}">
-                <a16:creationId xmlns:a16="http://schemas.microsoft.com/office/drawing/2014/main" id="{86E9AE74-996D-4422-87C9-670486194E12}"/>
-              </a:ext>
-            </a:extLst>
-          </p:cNvPr>
-          <p:cNvPicPr>
-            <a:picLocks noChangeAspect="1" noChangeArrowheads="1"/>
-          </p:cNvPicPr>
-          <p:nvPr/>
-        </p:nvPicPr>
-        <p:blipFill>
-          <a:blip r:embed="rId3">
-            <a:extLst>
-              <a:ext uri="{28A0092B-C50C-407E-A947-70E740481C1C}">
-                <a14:useLocalDpi xmlns:a14="http://schemas.microsoft.com/office/drawing/2010/main" val="0"/>
-              </a:ext>
-            </a:extLst>
-          </a:blip>
-          <a:srcRect/>
-          <a:stretch>
-            <a:fillRect/>
-          </a:stretch>
-        </p:blipFill>
-        <p:spPr bwMode="auto">
-          <a:xfrm>
-            <a:off x="5624872" y="1200983"/>
-            <a:ext cx="3078832" cy="3078832"/>
-          </a:xfrm>
-          <a:prstGeom prst="rect">
-            <a:avLst/>
-          </a:prstGeom>
-          <a:noFill/>
-          <a:extLst>
-            <a:ext uri="{909E8E84-426E-40DD-AFC4-6F175D3DCCD1}">
-              <a14:hiddenFill xmlns:a14="http://schemas.microsoft.com/office/drawing/2010/main">
-                <a:solidFill>
-                  <a:srgbClr val="FFFFFF"/>
-                </a:solidFill>
-              </a14:hiddenFill>
-            </a:ext>
-          </a:extLst>
-        </p:spPr>
-      </p:pic>
-    </p:spTree>
-    <p:extLst>
-      <p:ext uri="{BB962C8B-B14F-4D97-AF65-F5344CB8AC3E}">
-        <p14:creationId xmlns:p14="http://schemas.microsoft.com/office/powerpoint/2010/main" val="1664982484"/>
-      </p:ext>
-    </p:extLst>
-  </p:cSld>
-  <p:clrMapOvr>
-    <a:masterClrMapping/>
-  </p:clrMapOvr>
-</p:sld>
-</file>
-
-<file path=ppt/slides/slide9.xml><?xml version="1.0" encoding="utf-8"?>
-<p:sld xmlns:a="http://schemas.openxmlformats.org/drawingml/2006/main" xmlns:r="http://schemas.openxmlformats.org/officeDocument/2006/relationships" xmlns:p="http://schemas.openxmlformats.org/presentationml/2006/main">
-  <p:cSld>
-    <p:bg>
-      <p:bgPr>
-        <a:solidFill>
-          <a:schemeClr val="bg1"/>
-        </a:solidFill>
-        <a:effectLst/>
-      </p:bgPr>
-    </p:bg>
-    <p:spTree>
-      <p:nvGrpSpPr>
-        <p:cNvPr id="1" name=""/>
-        <p:cNvGrpSpPr/>
-        <p:nvPr/>
-      </p:nvGrpSpPr>
-      <p:grpSpPr>
-        <a:xfrm>
-          <a:off x="0" y="0"/>
-          <a:ext cx="0" cy="0"/>
-          <a:chOff x="0" y="0"/>
-          <a:chExt cx="0" cy="0"/>
-        </a:xfrm>
-      </p:grpSpPr>
-      <p:pic>
-        <p:nvPicPr>
-          <p:cNvPr id="2" name="Segnaposto contenuto 4">
-            <a:extLst>
-              <a:ext uri="{FF2B5EF4-FFF2-40B4-BE49-F238E27FC236}">
-                <a16:creationId xmlns:a16="http://schemas.microsoft.com/office/drawing/2014/main" id="{2801C223-7BF2-4933-A8B8-AF25E7E23AC9}"/>
-              </a:ext>
-            </a:extLst>
-          </p:cNvPr>
-          <p:cNvPicPr>
-            <a:picLocks noChangeAspect="1"/>
-          </p:cNvPicPr>
-          <p:nvPr/>
-        </p:nvPicPr>
-        <p:blipFill rotWithShape="1">
-          <a:blip r:embed="rId3">
-            <a:extLst>
-              <a:ext uri="{28A0092B-C50C-407E-A947-70E740481C1C}">
-                <a14:useLocalDpi xmlns:a14="http://schemas.microsoft.com/office/drawing/2010/main" val="0"/>
-              </a:ext>
-            </a:extLst>
-          </a:blip>
-          <a:srcRect b="4661"/>
-          <a:stretch/>
-        </p:blipFill>
-        <p:spPr>
-          <a:xfrm>
-            <a:off x="19" y="0"/>
-            <a:ext cx="9143999" cy="5143500"/>
-          </a:xfrm>
-          <a:prstGeom prst="rect">
-            <a:avLst/>
-          </a:prstGeom>
-        </p:spPr>
-      </p:pic>
-    </p:spTree>
-    <p:extLst>
-      <p:ext uri="{BB962C8B-B14F-4D97-AF65-F5344CB8AC3E}">
-        <p14:creationId xmlns:p14="http://schemas.microsoft.com/office/powerpoint/2010/main" val="2068215019"/>
       </p:ext>
     </p:extLst>
   </p:cSld>

--- a/docs/Presentazione.pptx
+++ b/docs/Presentazione.pptx
@@ -6,7 +6,7 @@
     <p:sldMasterId id="2147483661" r:id="rId2"/>
   </p:sldMasterIdLst>
   <p:notesMasterIdLst>
-    <p:notesMasterId r:id="rId30"/>
+    <p:notesMasterId r:id="rId36"/>
   </p:notesMasterIdLst>
   <p:sldIdLst>
     <p:sldId id="256" r:id="rId3"/>
@@ -30,12 +30,18 @@
     <p:sldId id="274" r:id="rId21"/>
     <p:sldId id="279" r:id="rId22"/>
     <p:sldId id="280" r:id="rId23"/>
-    <p:sldId id="281" r:id="rId24"/>
-    <p:sldId id="282" r:id="rId25"/>
-    <p:sldId id="283" r:id="rId26"/>
-    <p:sldId id="284" r:id="rId27"/>
-    <p:sldId id="285" r:id="rId28"/>
-    <p:sldId id="278" r:id="rId29"/>
+    <p:sldId id="294" r:id="rId24"/>
+    <p:sldId id="293" r:id="rId25"/>
+    <p:sldId id="292" r:id="rId26"/>
+    <p:sldId id="291" r:id="rId27"/>
+    <p:sldId id="297" r:id="rId28"/>
+    <p:sldId id="281" r:id="rId29"/>
+    <p:sldId id="290" r:id="rId30"/>
+    <p:sldId id="282" r:id="rId31"/>
+    <p:sldId id="283" r:id="rId32"/>
+    <p:sldId id="284" r:id="rId33"/>
+    <p:sldId id="285" r:id="rId34"/>
+    <p:sldId id="278" r:id="rId35"/>
   </p:sldIdLst>
   <p:sldSz cx="9144000" cy="5143500" type="screen16x9"/>
   <p:notesSz cx="6858000" cy="9144000"/>
@@ -179,13 +185,23 @@
             <p14:sldId id="273"/>
           </p14:sldIdLst>
         </p14:section>
-        <p14:section name="Implementazione" id="{F9ED6073-3648-48AA-AA84-0EE682246350}">
+        <p14:section name="Implementazione Luca + Fadil" id="{F9ED6073-3648-48AA-AA84-0EE682246350}">
           <p14:sldIdLst>
             <p14:sldId id="274"/>
             <p14:sldId id="279"/>
             <p14:sldId id="280"/>
+            <p14:sldId id="294"/>
+            <p14:sldId id="293"/>
+            <p14:sldId id="292"/>
+            <p14:sldId id="291"/>
+            <p14:sldId id="297"/>
             <p14:sldId id="281"/>
+            <p14:sldId id="290"/>
             <p14:sldId id="282"/>
+          </p14:sldIdLst>
+        </p14:section>
+        <p14:section name="Implementazione Rausone + Jari" id="{447BF589-D1E8-4DBB-9501-24CE99D53C44}">
+          <p14:sldIdLst>
             <p14:sldId id="283"/>
             <p14:sldId id="284"/>
             <p14:sldId id="285"/>
@@ -631,7 +647,7 @@
           <a:p>
             <a:fld id="{FD2CFA8D-4E29-41DB-B61B-69A41B9506B3}" type="slidenum">
               <a:rPr lang="it-CH" smtClean="0"/>
-              <a:t>5</a:t>
+              <a:t>3</a:t>
             </a:fld>
             <a:endParaRPr lang="it-CH"/>
           </a:p>
@@ -640,7 +656,1287 @@
     </p:spTree>
     <p:extLst>
       <p:ext uri="{BB962C8B-B14F-4D97-AF65-F5344CB8AC3E}">
-        <p14:creationId xmlns:p14="http://schemas.microsoft.com/office/powerpoint/2010/main" val="3396993358"/>
+        <p14:creationId xmlns:p14="http://schemas.microsoft.com/office/powerpoint/2010/main" val="2928962743"/>
+      </p:ext>
+    </p:extLst>
+  </p:cSld>
+  <p:clrMapOvr>
+    <a:masterClrMapping/>
+  </p:clrMapOvr>
+</p:notes>
+</file>
+
+<file path=ppt/notesSlides/notesSlide10.xml><?xml version="1.0" encoding="utf-8"?>
+<p:notes xmlns:a="http://schemas.openxmlformats.org/drawingml/2006/main" xmlns:r="http://schemas.openxmlformats.org/officeDocument/2006/relationships" xmlns:p="http://schemas.openxmlformats.org/presentationml/2006/main">
+  <p:cSld>
+    <p:spTree>
+      <p:nvGrpSpPr>
+        <p:cNvPr id="1" name=""/>
+        <p:cNvGrpSpPr/>
+        <p:nvPr/>
+      </p:nvGrpSpPr>
+      <p:grpSpPr>
+        <a:xfrm>
+          <a:off x="0" y="0"/>
+          <a:ext cx="0" cy="0"/>
+          <a:chOff x="0" y="0"/>
+          <a:chExt cx="0" cy="0"/>
+        </a:xfrm>
+      </p:grpSpPr>
+      <p:sp>
+        <p:nvSpPr>
+          <p:cNvPr id="2" name="Segnaposto immagine diapositiva 1"/>
+          <p:cNvSpPr>
+            <a:spLocks noGrp="1" noRot="1" noChangeAspect="1"/>
+          </p:cNvSpPr>
+          <p:nvPr>
+            <p:ph type="sldImg"/>
+          </p:nvPr>
+        </p:nvSpPr>
+        <p:spPr/>
+      </p:sp>
+      <p:sp>
+        <p:nvSpPr>
+          <p:cNvPr id="3" name="Segnaposto note 2"/>
+          <p:cNvSpPr>
+            <a:spLocks noGrp="1"/>
+          </p:cNvSpPr>
+          <p:nvPr>
+            <p:ph type="body" idx="1"/>
+          </p:nvPr>
+        </p:nvSpPr>
+        <p:spPr/>
+        <p:txBody>
+          <a:bodyPr/>
+          <a:lstStyle/>
+          <a:p>
+            <a:endParaRPr lang="it-CH" dirty="0"/>
+          </a:p>
+        </p:txBody>
+      </p:sp>
+      <p:sp>
+        <p:nvSpPr>
+          <p:cNvPr id="4" name="Segnaposto numero diapositiva 3"/>
+          <p:cNvSpPr>
+            <a:spLocks noGrp="1"/>
+          </p:cNvSpPr>
+          <p:nvPr>
+            <p:ph type="sldNum" sz="quarter" idx="5"/>
+          </p:nvPr>
+        </p:nvSpPr>
+        <p:spPr/>
+        <p:txBody>
+          <a:bodyPr/>
+          <a:lstStyle/>
+          <a:p>
+            <a:fld id="{FD2CFA8D-4E29-41DB-B61B-69A41B9506B3}" type="slidenum">
+              <a:rPr lang="it-CH" smtClean="0"/>
+              <a:t>14</a:t>
+            </a:fld>
+            <a:endParaRPr lang="it-CH"/>
+          </a:p>
+        </p:txBody>
+      </p:sp>
+    </p:spTree>
+    <p:extLst>
+      <p:ext uri="{BB962C8B-B14F-4D97-AF65-F5344CB8AC3E}">
+        <p14:creationId xmlns:p14="http://schemas.microsoft.com/office/powerpoint/2010/main" val="1529703415"/>
+      </p:ext>
+    </p:extLst>
+  </p:cSld>
+  <p:clrMapOvr>
+    <a:masterClrMapping/>
+  </p:clrMapOvr>
+</p:notes>
+</file>
+
+<file path=ppt/notesSlides/notesSlide11.xml><?xml version="1.0" encoding="utf-8"?>
+<p:notes xmlns:a="http://schemas.openxmlformats.org/drawingml/2006/main" xmlns:r="http://schemas.openxmlformats.org/officeDocument/2006/relationships" xmlns:p="http://schemas.openxmlformats.org/presentationml/2006/main">
+  <p:cSld>
+    <p:spTree>
+      <p:nvGrpSpPr>
+        <p:cNvPr id="1" name=""/>
+        <p:cNvGrpSpPr/>
+        <p:nvPr/>
+      </p:nvGrpSpPr>
+      <p:grpSpPr>
+        <a:xfrm>
+          <a:off x="0" y="0"/>
+          <a:ext cx="0" cy="0"/>
+          <a:chOff x="0" y="0"/>
+          <a:chExt cx="0" cy="0"/>
+        </a:xfrm>
+      </p:grpSpPr>
+      <p:sp>
+        <p:nvSpPr>
+          <p:cNvPr id="2" name="Segnaposto immagine diapositiva 1"/>
+          <p:cNvSpPr>
+            <a:spLocks noGrp="1" noRot="1" noChangeAspect="1"/>
+          </p:cNvSpPr>
+          <p:nvPr>
+            <p:ph type="sldImg"/>
+          </p:nvPr>
+        </p:nvSpPr>
+        <p:spPr/>
+      </p:sp>
+      <p:sp>
+        <p:nvSpPr>
+          <p:cNvPr id="3" name="Segnaposto note 2"/>
+          <p:cNvSpPr>
+            <a:spLocks noGrp="1"/>
+          </p:cNvSpPr>
+          <p:nvPr>
+            <p:ph type="body" idx="1"/>
+          </p:nvPr>
+        </p:nvSpPr>
+        <p:spPr/>
+        <p:txBody>
+          <a:bodyPr/>
+          <a:lstStyle/>
+          <a:p>
+            <a:endParaRPr lang="it-CH" dirty="0"/>
+          </a:p>
+        </p:txBody>
+      </p:sp>
+      <p:sp>
+        <p:nvSpPr>
+          <p:cNvPr id="4" name="Segnaposto numero diapositiva 3"/>
+          <p:cNvSpPr>
+            <a:spLocks noGrp="1"/>
+          </p:cNvSpPr>
+          <p:nvPr>
+            <p:ph type="sldNum" sz="quarter" idx="5"/>
+          </p:nvPr>
+        </p:nvSpPr>
+        <p:spPr/>
+        <p:txBody>
+          <a:bodyPr/>
+          <a:lstStyle/>
+          <a:p>
+            <a:fld id="{FD2CFA8D-4E29-41DB-B61B-69A41B9506B3}" type="slidenum">
+              <a:rPr lang="it-CH" smtClean="0"/>
+              <a:t>19</a:t>
+            </a:fld>
+            <a:endParaRPr lang="it-CH"/>
+          </a:p>
+        </p:txBody>
+      </p:sp>
+    </p:spTree>
+    <p:extLst>
+      <p:ext uri="{BB962C8B-B14F-4D97-AF65-F5344CB8AC3E}">
+        <p14:creationId xmlns:p14="http://schemas.microsoft.com/office/powerpoint/2010/main" val="3419030429"/>
+      </p:ext>
+    </p:extLst>
+  </p:cSld>
+  <p:clrMapOvr>
+    <a:masterClrMapping/>
+  </p:clrMapOvr>
+</p:notes>
+</file>
+
+<file path=ppt/notesSlides/notesSlide12.xml><?xml version="1.0" encoding="utf-8"?>
+<p:notes xmlns:a="http://schemas.openxmlformats.org/drawingml/2006/main" xmlns:r="http://schemas.openxmlformats.org/officeDocument/2006/relationships" xmlns:p="http://schemas.openxmlformats.org/presentationml/2006/main">
+  <p:cSld>
+    <p:spTree>
+      <p:nvGrpSpPr>
+        <p:cNvPr id="1" name=""/>
+        <p:cNvGrpSpPr/>
+        <p:nvPr/>
+      </p:nvGrpSpPr>
+      <p:grpSpPr>
+        <a:xfrm>
+          <a:off x="0" y="0"/>
+          <a:ext cx="0" cy="0"/>
+          <a:chOff x="0" y="0"/>
+          <a:chExt cx="0" cy="0"/>
+        </a:xfrm>
+      </p:grpSpPr>
+      <p:sp>
+        <p:nvSpPr>
+          <p:cNvPr id="2" name="Segnaposto immagine diapositiva 1"/>
+          <p:cNvSpPr>
+            <a:spLocks noGrp="1" noRot="1" noChangeAspect="1"/>
+          </p:cNvSpPr>
+          <p:nvPr>
+            <p:ph type="sldImg"/>
+          </p:nvPr>
+        </p:nvSpPr>
+        <p:spPr/>
+      </p:sp>
+      <p:sp>
+        <p:nvSpPr>
+          <p:cNvPr id="3" name="Segnaposto note 2"/>
+          <p:cNvSpPr>
+            <a:spLocks noGrp="1"/>
+          </p:cNvSpPr>
+          <p:nvPr>
+            <p:ph type="body" idx="1"/>
+          </p:nvPr>
+        </p:nvSpPr>
+        <p:spPr/>
+        <p:txBody>
+          <a:bodyPr/>
+          <a:lstStyle/>
+          <a:p>
+            <a:r>
+              <a:rPr lang="it-CH" dirty="0"/>
+              <a:t>Fulcro del programma, utilizza tutte le classi</a:t>
+            </a:r>
+          </a:p>
+        </p:txBody>
+      </p:sp>
+      <p:sp>
+        <p:nvSpPr>
+          <p:cNvPr id="4" name="Segnaposto numero diapositiva 3"/>
+          <p:cNvSpPr>
+            <a:spLocks noGrp="1"/>
+          </p:cNvSpPr>
+          <p:nvPr>
+            <p:ph type="sldNum" sz="quarter" idx="5"/>
+          </p:nvPr>
+        </p:nvSpPr>
+        <p:spPr/>
+        <p:txBody>
+          <a:bodyPr/>
+          <a:lstStyle/>
+          <a:p>
+            <a:fld id="{FD2CFA8D-4E29-41DB-B61B-69A41B9506B3}" type="slidenum">
+              <a:rPr lang="it-CH" smtClean="0"/>
+              <a:t>20</a:t>
+            </a:fld>
+            <a:endParaRPr lang="it-CH"/>
+          </a:p>
+        </p:txBody>
+      </p:sp>
+    </p:spTree>
+    <p:extLst>
+      <p:ext uri="{BB962C8B-B14F-4D97-AF65-F5344CB8AC3E}">
+        <p14:creationId xmlns:p14="http://schemas.microsoft.com/office/powerpoint/2010/main" val="1616808292"/>
+      </p:ext>
+    </p:extLst>
+  </p:cSld>
+  <p:clrMapOvr>
+    <a:masterClrMapping/>
+  </p:clrMapOvr>
+</p:notes>
+</file>
+
+<file path=ppt/notesSlides/notesSlide13.xml><?xml version="1.0" encoding="utf-8"?>
+<p:notes xmlns:a="http://schemas.openxmlformats.org/drawingml/2006/main" xmlns:r="http://schemas.openxmlformats.org/officeDocument/2006/relationships" xmlns:p="http://schemas.openxmlformats.org/presentationml/2006/main">
+  <p:cSld>
+    <p:spTree>
+      <p:nvGrpSpPr>
+        <p:cNvPr id="1" name=""/>
+        <p:cNvGrpSpPr/>
+        <p:nvPr/>
+      </p:nvGrpSpPr>
+      <p:grpSpPr>
+        <a:xfrm>
+          <a:off x="0" y="0"/>
+          <a:ext cx="0" cy="0"/>
+          <a:chOff x="0" y="0"/>
+          <a:chExt cx="0" cy="0"/>
+        </a:xfrm>
+      </p:grpSpPr>
+      <p:sp>
+        <p:nvSpPr>
+          <p:cNvPr id="2" name="Segnaposto immagine diapositiva 1"/>
+          <p:cNvSpPr>
+            <a:spLocks noGrp="1" noRot="1" noChangeAspect="1"/>
+          </p:cNvSpPr>
+          <p:nvPr>
+            <p:ph type="sldImg"/>
+          </p:nvPr>
+        </p:nvSpPr>
+        <p:spPr/>
+      </p:sp>
+      <p:sp>
+        <p:nvSpPr>
+          <p:cNvPr id="3" name="Segnaposto note 2"/>
+          <p:cNvSpPr>
+            <a:spLocks noGrp="1"/>
+          </p:cNvSpPr>
+          <p:nvPr>
+            <p:ph type="body" idx="1"/>
+          </p:nvPr>
+        </p:nvSpPr>
+        <p:spPr/>
+        <p:txBody>
+          <a:bodyPr/>
+          <a:lstStyle/>
+          <a:p>
+            <a:r>
+              <a:rPr lang="it-CH" dirty="0"/>
+              <a:t>Come visto prima </a:t>
+            </a:r>
+            <a:r>
+              <a:rPr lang="it-CH" dirty="0">
+                <a:sym typeface="Wingdings" panose="05000000000000000000" pitchFamily="2" charset="2"/>
+              </a:rPr>
+              <a:t> Divisa in 4 pannelli dove ogni pannello ha una funzione specifica</a:t>
+            </a:r>
+          </a:p>
+          <a:p>
+            <a:endParaRPr lang="it-CH" dirty="0">
+              <a:sym typeface="Wingdings" panose="05000000000000000000" pitchFamily="2" charset="2"/>
+            </a:endParaRPr>
+          </a:p>
+          <a:p>
+            <a:pPr marL="628650" lvl="1" indent="-171450">
+              <a:buFont typeface="Arial" panose="020B0604020202020204" pitchFamily="34" charset="0"/>
+              <a:buChar char="•"/>
+            </a:pPr>
+            <a:endParaRPr lang="it-CH" dirty="0">
+              <a:sym typeface="Wingdings" panose="05000000000000000000" pitchFamily="2" charset="2"/>
+            </a:endParaRPr>
+          </a:p>
+          <a:p>
+            <a:pPr marL="171450" lvl="0" indent="-171450">
+              <a:buFont typeface="Arial" panose="020B0604020202020204" pitchFamily="34" charset="0"/>
+              <a:buChar char="•"/>
+            </a:pPr>
+            <a:endParaRPr lang="it-CH" dirty="0">
+              <a:sym typeface="Wingdings" panose="05000000000000000000" pitchFamily="2" charset="2"/>
+            </a:endParaRPr>
+          </a:p>
+        </p:txBody>
+      </p:sp>
+      <p:sp>
+        <p:nvSpPr>
+          <p:cNvPr id="4" name="Segnaposto numero diapositiva 3"/>
+          <p:cNvSpPr>
+            <a:spLocks noGrp="1"/>
+          </p:cNvSpPr>
+          <p:nvPr>
+            <p:ph type="sldNum" sz="quarter" idx="5"/>
+          </p:nvPr>
+        </p:nvSpPr>
+        <p:spPr/>
+        <p:txBody>
+          <a:bodyPr/>
+          <a:lstStyle/>
+          <a:p>
+            <a:fld id="{FD2CFA8D-4E29-41DB-B61B-69A41B9506B3}" type="slidenum">
+              <a:rPr lang="it-CH" smtClean="0"/>
+              <a:t>21</a:t>
+            </a:fld>
+            <a:endParaRPr lang="it-CH"/>
+          </a:p>
+        </p:txBody>
+      </p:sp>
+    </p:spTree>
+    <p:extLst>
+      <p:ext uri="{BB962C8B-B14F-4D97-AF65-F5344CB8AC3E}">
+        <p14:creationId xmlns:p14="http://schemas.microsoft.com/office/powerpoint/2010/main" val="1406728456"/>
+      </p:ext>
+    </p:extLst>
+  </p:cSld>
+  <p:clrMapOvr>
+    <a:masterClrMapping/>
+  </p:clrMapOvr>
+</p:notes>
+</file>
+
+<file path=ppt/notesSlides/notesSlide14.xml><?xml version="1.0" encoding="utf-8"?>
+<p:notes xmlns:a="http://schemas.openxmlformats.org/drawingml/2006/main" xmlns:r="http://schemas.openxmlformats.org/officeDocument/2006/relationships" xmlns:p="http://schemas.openxmlformats.org/presentationml/2006/main">
+  <p:cSld>
+    <p:spTree>
+      <p:nvGrpSpPr>
+        <p:cNvPr id="1" name=""/>
+        <p:cNvGrpSpPr/>
+        <p:nvPr/>
+      </p:nvGrpSpPr>
+      <p:grpSpPr>
+        <a:xfrm>
+          <a:off x="0" y="0"/>
+          <a:ext cx="0" cy="0"/>
+          <a:chOff x="0" y="0"/>
+          <a:chExt cx="0" cy="0"/>
+        </a:xfrm>
+      </p:grpSpPr>
+      <p:sp>
+        <p:nvSpPr>
+          <p:cNvPr id="2" name="Segnaposto immagine diapositiva 1"/>
+          <p:cNvSpPr>
+            <a:spLocks noGrp="1" noRot="1" noChangeAspect="1"/>
+          </p:cNvSpPr>
+          <p:nvPr>
+            <p:ph type="sldImg"/>
+          </p:nvPr>
+        </p:nvSpPr>
+        <p:spPr/>
+      </p:sp>
+      <p:sp>
+        <p:nvSpPr>
+          <p:cNvPr id="3" name="Segnaposto note 2"/>
+          <p:cNvSpPr>
+            <a:spLocks noGrp="1"/>
+          </p:cNvSpPr>
+          <p:nvPr>
+            <p:ph type="body" idx="1"/>
+          </p:nvPr>
+        </p:nvSpPr>
+        <p:spPr/>
+        <p:txBody>
+          <a:bodyPr/>
+          <a:lstStyle/>
+          <a:p>
+            <a:pPr marL="171450" indent="-171450">
+              <a:buFont typeface="Arial" panose="020B0604020202020204" pitchFamily="34" charset="0"/>
+              <a:buChar char="•"/>
+            </a:pPr>
+            <a:r>
+              <a:rPr lang="it-CH" dirty="0">
+                <a:sym typeface="Wingdings" panose="05000000000000000000" pitchFamily="2" charset="2"/>
+              </a:rPr>
+              <a:t>Controllo drone</a:t>
+            </a:r>
+          </a:p>
+          <a:p>
+            <a:pPr marL="628650" lvl="1" indent="-171450">
+              <a:buFont typeface="Arial" panose="020B0604020202020204" pitchFamily="34" charset="0"/>
+              <a:buChar char="•"/>
+            </a:pPr>
+            <a:r>
+              <a:rPr lang="it-CH" dirty="0">
+                <a:sym typeface="Wingdings" panose="05000000000000000000" pitchFamily="2" charset="2"/>
+              </a:rPr>
+              <a:t>Pulsanti per controllo tramite GUI</a:t>
+            </a:r>
+          </a:p>
+        </p:txBody>
+      </p:sp>
+      <p:sp>
+        <p:nvSpPr>
+          <p:cNvPr id="4" name="Segnaposto numero diapositiva 3"/>
+          <p:cNvSpPr>
+            <a:spLocks noGrp="1"/>
+          </p:cNvSpPr>
+          <p:nvPr>
+            <p:ph type="sldNum" sz="quarter" idx="5"/>
+          </p:nvPr>
+        </p:nvSpPr>
+        <p:spPr/>
+        <p:txBody>
+          <a:bodyPr/>
+          <a:lstStyle/>
+          <a:p>
+            <a:fld id="{FD2CFA8D-4E29-41DB-B61B-69A41B9506B3}" type="slidenum">
+              <a:rPr lang="it-CH" smtClean="0"/>
+              <a:t>22</a:t>
+            </a:fld>
+            <a:endParaRPr lang="it-CH"/>
+          </a:p>
+        </p:txBody>
+      </p:sp>
+    </p:spTree>
+    <p:extLst>
+      <p:ext uri="{BB962C8B-B14F-4D97-AF65-F5344CB8AC3E}">
+        <p14:creationId xmlns:p14="http://schemas.microsoft.com/office/powerpoint/2010/main" val="1381731034"/>
+      </p:ext>
+    </p:extLst>
+  </p:cSld>
+  <p:clrMapOvr>
+    <a:masterClrMapping/>
+  </p:clrMapOvr>
+</p:notes>
+</file>
+
+<file path=ppt/notesSlides/notesSlide15.xml><?xml version="1.0" encoding="utf-8"?>
+<p:notes xmlns:a="http://schemas.openxmlformats.org/drawingml/2006/main" xmlns:r="http://schemas.openxmlformats.org/officeDocument/2006/relationships" xmlns:p="http://schemas.openxmlformats.org/presentationml/2006/main">
+  <p:cSld>
+    <p:spTree>
+      <p:nvGrpSpPr>
+        <p:cNvPr id="1" name=""/>
+        <p:cNvGrpSpPr/>
+        <p:nvPr/>
+      </p:nvGrpSpPr>
+      <p:grpSpPr>
+        <a:xfrm>
+          <a:off x="0" y="0"/>
+          <a:ext cx="0" cy="0"/>
+          <a:chOff x="0" y="0"/>
+          <a:chExt cx="0" cy="0"/>
+        </a:xfrm>
+      </p:grpSpPr>
+      <p:sp>
+        <p:nvSpPr>
+          <p:cNvPr id="2" name="Segnaposto immagine diapositiva 1"/>
+          <p:cNvSpPr>
+            <a:spLocks noGrp="1" noRot="1" noChangeAspect="1"/>
+          </p:cNvSpPr>
+          <p:nvPr>
+            <p:ph type="sldImg"/>
+          </p:nvPr>
+        </p:nvSpPr>
+        <p:spPr/>
+      </p:sp>
+      <p:sp>
+        <p:nvSpPr>
+          <p:cNvPr id="3" name="Segnaposto note 2"/>
+          <p:cNvSpPr>
+            <a:spLocks noGrp="1"/>
+          </p:cNvSpPr>
+          <p:nvPr>
+            <p:ph type="body" idx="1"/>
+          </p:nvPr>
+        </p:nvSpPr>
+        <p:spPr/>
+        <p:txBody>
+          <a:bodyPr/>
+          <a:lstStyle/>
+          <a:p>
+            <a:pPr marL="171450" lvl="0" indent="-171450">
+              <a:buFont typeface="Arial" panose="020B0604020202020204" pitchFamily="34" charset="0"/>
+              <a:buChar char="•"/>
+            </a:pPr>
+            <a:r>
+              <a:rPr lang="it-CH" dirty="0">
+                <a:sym typeface="Wingdings" panose="05000000000000000000" pitchFamily="2" charset="2"/>
+              </a:rPr>
+              <a:t>Log</a:t>
+            </a:r>
+          </a:p>
+          <a:p>
+            <a:pPr marL="628650" lvl="1" indent="-171450">
+              <a:buFont typeface="Arial" panose="020B0604020202020204" pitchFamily="34" charset="0"/>
+              <a:buChar char="•"/>
+            </a:pPr>
+            <a:r>
+              <a:rPr lang="it-CH" dirty="0">
+                <a:sym typeface="Wingdings" panose="05000000000000000000" pitchFamily="2" charset="2"/>
+              </a:rPr>
+              <a:t>Casella di testo con log</a:t>
+            </a:r>
+          </a:p>
+          <a:p>
+            <a:pPr marL="628650" lvl="1" indent="-171450">
+              <a:buFont typeface="Arial" panose="020B0604020202020204" pitchFamily="34" charset="0"/>
+              <a:buChar char="•"/>
+            </a:pPr>
+            <a:r>
+              <a:rPr lang="it-CH" dirty="0">
+                <a:sym typeface="Wingdings" panose="05000000000000000000" pitchFamily="2" charset="2"/>
+              </a:rPr>
+              <a:t>Mostra messaggi utili</a:t>
+            </a:r>
+          </a:p>
+        </p:txBody>
+      </p:sp>
+      <p:sp>
+        <p:nvSpPr>
+          <p:cNvPr id="4" name="Segnaposto numero diapositiva 3"/>
+          <p:cNvSpPr>
+            <a:spLocks noGrp="1"/>
+          </p:cNvSpPr>
+          <p:nvPr>
+            <p:ph type="sldNum" sz="quarter" idx="5"/>
+          </p:nvPr>
+        </p:nvSpPr>
+        <p:spPr/>
+        <p:txBody>
+          <a:bodyPr/>
+          <a:lstStyle/>
+          <a:p>
+            <a:fld id="{FD2CFA8D-4E29-41DB-B61B-69A41B9506B3}" type="slidenum">
+              <a:rPr lang="it-CH" smtClean="0"/>
+              <a:t>23</a:t>
+            </a:fld>
+            <a:endParaRPr lang="it-CH"/>
+          </a:p>
+        </p:txBody>
+      </p:sp>
+    </p:spTree>
+    <p:extLst>
+      <p:ext uri="{BB962C8B-B14F-4D97-AF65-F5344CB8AC3E}">
+        <p14:creationId xmlns:p14="http://schemas.microsoft.com/office/powerpoint/2010/main" val="1110740037"/>
+      </p:ext>
+    </p:extLst>
+  </p:cSld>
+  <p:clrMapOvr>
+    <a:masterClrMapping/>
+  </p:clrMapOvr>
+</p:notes>
+</file>
+
+<file path=ppt/notesSlides/notesSlide16.xml><?xml version="1.0" encoding="utf-8"?>
+<p:notes xmlns:a="http://schemas.openxmlformats.org/drawingml/2006/main" xmlns:r="http://schemas.openxmlformats.org/officeDocument/2006/relationships" xmlns:p="http://schemas.openxmlformats.org/presentationml/2006/main">
+  <p:cSld>
+    <p:spTree>
+      <p:nvGrpSpPr>
+        <p:cNvPr id="1" name=""/>
+        <p:cNvGrpSpPr/>
+        <p:nvPr/>
+      </p:nvGrpSpPr>
+      <p:grpSpPr>
+        <a:xfrm>
+          <a:off x="0" y="0"/>
+          <a:ext cx="0" cy="0"/>
+          <a:chOff x="0" y="0"/>
+          <a:chExt cx="0" cy="0"/>
+        </a:xfrm>
+      </p:grpSpPr>
+      <p:sp>
+        <p:nvSpPr>
+          <p:cNvPr id="2" name="Segnaposto immagine diapositiva 1"/>
+          <p:cNvSpPr>
+            <a:spLocks noGrp="1" noRot="1" noChangeAspect="1"/>
+          </p:cNvSpPr>
+          <p:nvPr>
+            <p:ph type="sldImg"/>
+          </p:nvPr>
+        </p:nvSpPr>
+        <p:spPr/>
+      </p:sp>
+      <p:sp>
+        <p:nvSpPr>
+          <p:cNvPr id="3" name="Segnaposto note 2"/>
+          <p:cNvSpPr>
+            <a:spLocks noGrp="1"/>
+          </p:cNvSpPr>
+          <p:nvPr>
+            <p:ph type="body" idx="1"/>
+          </p:nvPr>
+        </p:nvSpPr>
+        <p:spPr/>
+        <p:txBody>
+          <a:bodyPr/>
+          <a:lstStyle/>
+          <a:p>
+            <a:pPr marL="628650" lvl="1" indent="-171450">
+              <a:buFont typeface="Arial" panose="020B0604020202020204" pitchFamily="34" charset="0"/>
+              <a:buChar char="•"/>
+            </a:pPr>
+            <a:endParaRPr lang="it-CH" dirty="0">
+              <a:sym typeface="Wingdings" panose="05000000000000000000" pitchFamily="2" charset="2"/>
+            </a:endParaRPr>
+          </a:p>
+          <a:p>
+            <a:pPr marL="171450" lvl="0" indent="-171450">
+              <a:buFont typeface="Arial" panose="020B0604020202020204" pitchFamily="34" charset="0"/>
+              <a:buChar char="•"/>
+            </a:pPr>
+            <a:r>
+              <a:rPr lang="it-CH" dirty="0">
+                <a:sym typeface="Wingdings" panose="05000000000000000000" pitchFamily="2" charset="2"/>
+              </a:rPr>
+              <a:t>Recording</a:t>
+            </a:r>
+          </a:p>
+          <a:p>
+            <a:pPr marL="628650" lvl="1" indent="-171450">
+              <a:buFont typeface="Arial" panose="020B0604020202020204" pitchFamily="34" charset="0"/>
+              <a:buChar char="•"/>
+            </a:pPr>
+            <a:r>
+              <a:rPr lang="it-CH" dirty="0">
+                <a:sym typeface="Wingdings" panose="05000000000000000000" pitchFamily="2" charset="2"/>
+              </a:rPr>
+              <a:t>Gestione registrazione dei voli ed esecuzione dei voli registrati</a:t>
+            </a:r>
+          </a:p>
+        </p:txBody>
+      </p:sp>
+      <p:sp>
+        <p:nvSpPr>
+          <p:cNvPr id="4" name="Segnaposto numero diapositiva 3"/>
+          <p:cNvSpPr>
+            <a:spLocks noGrp="1"/>
+          </p:cNvSpPr>
+          <p:nvPr>
+            <p:ph type="sldNum" sz="quarter" idx="5"/>
+          </p:nvPr>
+        </p:nvSpPr>
+        <p:spPr/>
+        <p:txBody>
+          <a:bodyPr/>
+          <a:lstStyle/>
+          <a:p>
+            <a:fld id="{FD2CFA8D-4E29-41DB-B61B-69A41B9506B3}" type="slidenum">
+              <a:rPr lang="it-CH" smtClean="0"/>
+              <a:t>24</a:t>
+            </a:fld>
+            <a:endParaRPr lang="it-CH"/>
+          </a:p>
+        </p:txBody>
+      </p:sp>
+    </p:spTree>
+    <p:extLst>
+      <p:ext uri="{BB962C8B-B14F-4D97-AF65-F5344CB8AC3E}">
+        <p14:creationId xmlns:p14="http://schemas.microsoft.com/office/powerpoint/2010/main" val="3107206508"/>
+      </p:ext>
+    </p:extLst>
+  </p:cSld>
+  <p:clrMapOvr>
+    <a:masterClrMapping/>
+  </p:clrMapOvr>
+</p:notes>
+</file>
+
+<file path=ppt/notesSlides/notesSlide17.xml><?xml version="1.0" encoding="utf-8"?>
+<p:notes xmlns:a="http://schemas.openxmlformats.org/drawingml/2006/main" xmlns:r="http://schemas.openxmlformats.org/officeDocument/2006/relationships" xmlns:p="http://schemas.openxmlformats.org/presentationml/2006/main">
+  <p:cSld>
+    <p:spTree>
+      <p:nvGrpSpPr>
+        <p:cNvPr id="1" name=""/>
+        <p:cNvGrpSpPr/>
+        <p:nvPr/>
+      </p:nvGrpSpPr>
+      <p:grpSpPr>
+        <a:xfrm>
+          <a:off x="0" y="0"/>
+          <a:ext cx="0" cy="0"/>
+          <a:chOff x="0" y="0"/>
+          <a:chExt cx="0" cy="0"/>
+        </a:xfrm>
+      </p:grpSpPr>
+      <p:sp>
+        <p:nvSpPr>
+          <p:cNvPr id="2" name="Segnaposto immagine diapositiva 1"/>
+          <p:cNvSpPr>
+            <a:spLocks noGrp="1" noRot="1" noChangeAspect="1"/>
+          </p:cNvSpPr>
+          <p:nvPr>
+            <p:ph type="sldImg"/>
+          </p:nvPr>
+        </p:nvSpPr>
+        <p:spPr/>
+      </p:sp>
+      <p:sp>
+        <p:nvSpPr>
+          <p:cNvPr id="3" name="Segnaposto note 2"/>
+          <p:cNvSpPr>
+            <a:spLocks noGrp="1"/>
+          </p:cNvSpPr>
+          <p:nvPr>
+            <p:ph type="body" idx="1"/>
+          </p:nvPr>
+        </p:nvSpPr>
+        <p:spPr/>
+        <p:txBody>
+          <a:bodyPr/>
+          <a:lstStyle/>
+          <a:p>
+            <a:pPr marL="171450" lvl="0" indent="-171450">
+              <a:buFont typeface="Arial" panose="020B0604020202020204" pitchFamily="34" charset="0"/>
+              <a:buChar char="•"/>
+            </a:pPr>
+            <a:r>
+              <a:rPr lang="it-CH" dirty="0" err="1">
+                <a:sym typeface="Wingdings" panose="05000000000000000000" pitchFamily="2" charset="2"/>
+              </a:rPr>
+              <a:t>Config</a:t>
+            </a:r>
+            <a:endParaRPr lang="it-CH" dirty="0">
+              <a:sym typeface="Wingdings" panose="05000000000000000000" pitchFamily="2" charset="2"/>
+            </a:endParaRPr>
+          </a:p>
+          <a:p>
+            <a:pPr marL="628650" lvl="1" indent="-171450">
+              <a:buFont typeface="Arial" panose="020B0604020202020204" pitchFamily="34" charset="0"/>
+              <a:buChar char="•"/>
+            </a:pPr>
+            <a:r>
+              <a:rPr lang="it-CH" dirty="0">
+                <a:sym typeface="Wingdings" panose="05000000000000000000" pitchFamily="2" charset="2"/>
+              </a:rPr>
+              <a:t>Gestione delle impostazioni «On-Air» tramite evento</a:t>
+            </a:r>
+          </a:p>
+        </p:txBody>
+      </p:sp>
+      <p:sp>
+        <p:nvSpPr>
+          <p:cNvPr id="4" name="Segnaposto numero diapositiva 3"/>
+          <p:cNvSpPr>
+            <a:spLocks noGrp="1"/>
+          </p:cNvSpPr>
+          <p:nvPr>
+            <p:ph type="sldNum" sz="quarter" idx="5"/>
+          </p:nvPr>
+        </p:nvSpPr>
+        <p:spPr/>
+        <p:txBody>
+          <a:bodyPr/>
+          <a:lstStyle/>
+          <a:p>
+            <a:fld id="{FD2CFA8D-4E29-41DB-B61B-69A41B9506B3}" type="slidenum">
+              <a:rPr lang="it-CH" smtClean="0"/>
+              <a:t>25</a:t>
+            </a:fld>
+            <a:endParaRPr lang="it-CH"/>
+          </a:p>
+        </p:txBody>
+      </p:sp>
+    </p:spTree>
+    <p:extLst>
+      <p:ext uri="{BB962C8B-B14F-4D97-AF65-F5344CB8AC3E}">
+        <p14:creationId xmlns:p14="http://schemas.microsoft.com/office/powerpoint/2010/main" val="4290196408"/>
+      </p:ext>
+    </p:extLst>
+  </p:cSld>
+  <p:clrMapOvr>
+    <a:masterClrMapping/>
+  </p:clrMapOvr>
+</p:notes>
+</file>
+
+<file path=ppt/notesSlides/notesSlide18.xml><?xml version="1.0" encoding="utf-8"?>
+<p:notes xmlns:a="http://schemas.openxmlformats.org/drawingml/2006/main" xmlns:r="http://schemas.openxmlformats.org/officeDocument/2006/relationships" xmlns:p="http://schemas.openxmlformats.org/presentationml/2006/main">
+  <p:cSld>
+    <p:spTree>
+      <p:nvGrpSpPr>
+        <p:cNvPr id="1" name=""/>
+        <p:cNvGrpSpPr/>
+        <p:nvPr/>
+      </p:nvGrpSpPr>
+      <p:grpSpPr>
+        <a:xfrm>
+          <a:off x="0" y="0"/>
+          <a:ext cx="0" cy="0"/>
+          <a:chOff x="0" y="0"/>
+          <a:chExt cx="0" cy="0"/>
+        </a:xfrm>
+      </p:grpSpPr>
+      <p:sp>
+        <p:nvSpPr>
+          <p:cNvPr id="2" name="Segnaposto immagine diapositiva 1"/>
+          <p:cNvSpPr>
+            <a:spLocks noGrp="1" noRot="1" noChangeAspect="1"/>
+          </p:cNvSpPr>
+          <p:nvPr>
+            <p:ph type="sldImg"/>
+          </p:nvPr>
+        </p:nvSpPr>
+        <p:spPr/>
+      </p:sp>
+      <p:sp>
+        <p:nvSpPr>
+          <p:cNvPr id="3" name="Segnaposto note 2"/>
+          <p:cNvSpPr>
+            <a:spLocks noGrp="1"/>
+          </p:cNvSpPr>
+          <p:nvPr>
+            <p:ph type="body" idx="1"/>
+          </p:nvPr>
+        </p:nvSpPr>
+        <p:spPr/>
+        <p:txBody>
+          <a:bodyPr/>
+          <a:lstStyle/>
+          <a:p>
+            <a:r>
+              <a:rPr lang="it-CH" dirty="0"/>
+              <a:t>TC </a:t>
+            </a:r>
+            <a:r>
+              <a:rPr lang="it-CH" dirty="0">
+                <a:sym typeface="Wingdings" panose="05000000000000000000" pitchFamily="2" charset="2"/>
+              </a:rPr>
+              <a:t> Test Case</a:t>
+            </a:r>
+          </a:p>
+          <a:p>
+            <a:endParaRPr lang="it-CH" dirty="0">
+              <a:sym typeface="Wingdings" panose="05000000000000000000" pitchFamily="2" charset="2"/>
+            </a:endParaRPr>
+          </a:p>
+          <a:p>
+            <a:pPr marL="0" marR="0" lvl="0" indent="0" algn="l" defTabSz="914400" rtl="0" eaLnBrk="1" fontAlgn="auto" latinLnBrk="0" hangingPunct="1">
+              <a:lnSpc>
+                <a:spcPct val="100000"/>
+              </a:lnSpc>
+              <a:spcBef>
+                <a:spcPts val="0"/>
+              </a:spcBef>
+              <a:spcAft>
+                <a:spcPts val="0"/>
+              </a:spcAft>
+              <a:buClrTx/>
+              <a:buSzTx/>
+              <a:buFontTx/>
+              <a:buNone/>
+              <a:tabLst/>
+              <a:defRPr/>
+            </a:pPr>
+            <a:r>
+              <a:rPr lang="it-CH" dirty="0">
+                <a:sym typeface="Wingdings" panose="05000000000000000000" pitchFamily="2" charset="2"/>
+              </a:rPr>
+              <a:t>TC-003: </a:t>
+            </a:r>
+            <a:r>
+              <a:rPr lang="it-IT" sz="1200" b="0" kern="1200" dirty="0">
+                <a:solidFill>
+                  <a:schemeClr val="tx1"/>
+                </a:solidFill>
+                <a:effectLst/>
+                <a:latin typeface="+mn-lt"/>
+                <a:ea typeface="+mn-ea"/>
+                <a:cs typeface="+mn-cs"/>
+              </a:rPr>
+              <a:t>Pagina Web con stream video dal Drone</a:t>
+            </a:r>
+          </a:p>
+          <a:p>
+            <a:pPr marL="0" marR="0" lvl="0" indent="0" algn="l" defTabSz="914400" rtl="0" eaLnBrk="1" fontAlgn="auto" latinLnBrk="0" hangingPunct="1">
+              <a:lnSpc>
+                <a:spcPct val="100000"/>
+              </a:lnSpc>
+              <a:spcBef>
+                <a:spcPts val="0"/>
+              </a:spcBef>
+              <a:spcAft>
+                <a:spcPts val="0"/>
+              </a:spcAft>
+              <a:buClrTx/>
+              <a:buSzTx/>
+              <a:buFontTx/>
+              <a:buNone/>
+              <a:tabLst/>
+              <a:defRPr/>
+            </a:pPr>
+            <a:r>
+              <a:rPr lang="it-CH" dirty="0"/>
+              <a:t>TC-005: </a:t>
+            </a:r>
+            <a:r>
+              <a:rPr lang="it-IT" sz="1200" b="0" kern="1200" dirty="0">
+                <a:solidFill>
+                  <a:schemeClr val="tx1"/>
+                </a:solidFill>
+                <a:effectLst/>
+                <a:latin typeface="+mn-lt"/>
+                <a:ea typeface="+mn-ea"/>
+                <a:cs typeface="+mn-cs"/>
+              </a:rPr>
+              <a:t>Pagina Web con statistiche del volo</a:t>
+            </a:r>
+            <a:endParaRPr lang="it-CH" sz="1200" b="0" kern="1200" dirty="0">
+              <a:solidFill>
+                <a:schemeClr val="tx1"/>
+              </a:solidFill>
+              <a:effectLst/>
+              <a:latin typeface="+mn-lt"/>
+              <a:ea typeface="+mn-ea"/>
+              <a:cs typeface="+mn-cs"/>
+            </a:endParaRPr>
+          </a:p>
+          <a:p>
+            <a:pPr marL="0" marR="0" lvl="0" indent="0" algn="l" defTabSz="914400" rtl="0" eaLnBrk="1" fontAlgn="auto" latinLnBrk="0" hangingPunct="1">
+              <a:lnSpc>
+                <a:spcPct val="100000"/>
+              </a:lnSpc>
+              <a:spcBef>
+                <a:spcPts val="0"/>
+              </a:spcBef>
+              <a:spcAft>
+                <a:spcPts val="0"/>
+              </a:spcAft>
+              <a:buClrTx/>
+              <a:buSzTx/>
+              <a:buFontTx/>
+              <a:buNone/>
+              <a:tabLst/>
+              <a:defRPr/>
+            </a:pPr>
+            <a:endParaRPr lang="it-CH" sz="1200" b="0" kern="1200" dirty="0">
+              <a:solidFill>
+                <a:schemeClr val="tx1"/>
+              </a:solidFill>
+              <a:effectLst/>
+              <a:latin typeface="+mn-lt"/>
+              <a:ea typeface="+mn-ea"/>
+              <a:cs typeface="+mn-cs"/>
+            </a:endParaRPr>
+          </a:p>
+          <a:p>
+            <a:pPr marL="0" marR="0" lvl="0" indent="0" algn="l" defTabSz="914400" rtl="0" eaLnBrk="1" fontAlgn="auto" latinLnBrk="0" hangingPunct="1">
+              <a:lnSpc>
+                <a:spcPct val="100000"/>
+              </a:lnSpc>
+              <a:spcBef>
+                <a:spcPts val="0"/>
+              </a:spcBef>
+              <a:spcAft>
+                <a:spcPts val="0"/>
+              </a:spcAft>
+              <a:buClrTx/>
+              <a:buSzTx/>
+              <a:buFontTx/>
+              <a:buNone/>
+              <a:tabLst/>
+              <a:defRPr/>
+            </a:pPr>
+            <a:r>
+              <a:rPr lang="it-CH" sz="1200" b="0" kern="1200" dirty="0">
+                <a:solidFill>
+                  <a:schemeClr val="tx1"/>
+                </a:solidFill>
+                <a:effectLst/>
+                <a:latin typeface="+mn-lt"/>
+                <a:ea typeface="+mn-ea"/>
+                <a:cs typeface="+mn-cs"/>
+              </a:rPr>
+              <a:t>Restante:</a:t>
+            </a:r>
+          </a:p>
+          <a:p>
+            <a:pPr marL="171450" marR="0" lvl="0" indent="-171450" algn="l" defTabSz="914400" rtl="0" eaLnBrk="1" fontAlgn="auto" latinLnBrk="0" hangingPunct="1">
+              <a:lnSpc>
+                <a:spcPct val="100000"/>
+              </a:lnSpc>
+              <a:spcBef>
+                <a:spcPts val="0"/>
+              </a:spcBef>
+              <a:spcAft>
+                <a:spcPts val="0"/>
+              </a:spcAft>
+              <a:buClrTx/>
+              <a:buSzTx/>
+              <a:buFont typeface="Arial" panose="020B0604020202020204" pitchFamily="34" charset="0"/>
+              <a:buChar char="•"/>
+              <a:tabLst/>
+              <a:defRPr/>
+            </a:pPr>
+            <a:r>
+              <a:rPr lang="it-CH" sz="1200" b="0" kern="1200" dirty="0">
+                <a:solidFill>
+                  <a:schemeClr val="tx1"/>
+                </a:solidFill>
+                <a:effectLst/>
+                <a:latin typeface="+mn-lt"/>
+                <a:ea typeface="+mn-ea"/>
+                <a:cs typeface="+mn-cs"/>
+              </a:rPr>
+              <a:t>Test Case relativi a </a:t>
+            </a:r>
+          </a:p>
+          <a:p>
+            <a:pPr marL="628650" marR="0" lvl="1" indent="-171450" algn="l" defTabSz="914400" rtl="0" eaLnBrk="1" fontAlgn="auto" latinLnBrk="0" hangingPunct="1">
+              <a:lnSpc>
+                <a:spcPct val="100000"/>
+              </a:lnSpc>
+              <a:spcBef>
+                <a:spcPts val="0"/>
+              </a:spcBef>
+              <a:spcAft>
+                <a:spcPts val="0"/>
+              </a:spcAft>
+              <a:buClrTx/>
+              <a:buSzTx/>
+              <a:buFont typeface="Arial" panose="020B0604020202020204" pitchFamily="34" charset="0"/>
+              <a:buChar char="•"/>
+              <a:tabLst/>
+              <a:defRPr/>
+            </a:pPr>
+            <a:r>
+              <a:rPr lang="it-CH" sz="1200" b="0" kern="1200" dirty="0">
+                <a:solidFill>
+                  <a:schemeClr val="tx1"/>
+                </a:solidFill>
+                <a:effectLst/>
+                <a:latin typeface="+mn-lt"/>
+                <a:ea typeface="+mn-ea"/>
+                <a:cs typeface="+mn-cs"/>
+              </a:rPr>
+              <a:t>VOLO</a:t>
+            </a:r>
+          </a:p>
+          <a:p>
+            <a:pPr marL="628650" marR="0" lvl="1" indent="-171450" algn="l" defTabSz="914400" rtl="0" eaLnBrk="1" fontAlgn="auto" latinLnBrk="0" hangingPunct="1">
+              <a:lnSpc>
+                <a:spcPct val="100000"/>
+              </a:lnSpc>
+              <a:spcBef>
+                <a:spcPts val="0"/>
+              </a:spcBef>
+              <a:spcAft>
+                <a:spcPts val="0"/>
+              </a:spcAft>
+              <a:buClrTx/>
+              <a:buSzTx/>
+              <a:buFont typeface="Arial" panose="020B0604020202020204" pitchFamily="34" charset="0"/>
+              <a:buChar char="•"/>
+              <a:tabLst/>
+              <a:defRPr/>
+            </a:pPr>
+            <a:r>
+              <a:rPr lang="it-CH" sz="1200" b="0" kern="1200" dirty="0">
+                <a:solidFill>
+                  <a:schemeClr val="tx1"/>
+                </a:solidFill>
+                <a:effectLst/>
+                <a:latin typeface="+mn-lt"/>
+                <a:ea typeface="+mn-ea"/>
+                <a:cs typeface="+mn-cs"/>
+              </a:rPr>
+              <a:t>SIMULAZIONE</a:t>
+            </a:r>
+          </a:p>
+          <a:p>
+            <a:pPr marL="628650" marR="0" lvl="1" indent="-171450" algn="l" defTabSz="914400" rtl="0" eaLnBrk="1" fontAlgn="auto" latinLnBrk="0" hangingPunct="1">
+              <a:lnSpc>
+                <a:spcPct val="100000"/>
+              </a:lnSpc>
+              <a:spcBef>
+                <a:spcPts val="0"/>
+              </a:spcBef>
+              <a:spcAft>
+                <a:spcPts val="0"/>
+              </a:spcAft>
+              <a:buClrTx/>
+              <a:buSzTx/>
+              <a:buFont typeface="Arial" panose="020B0604020202020204" pitchFamily="34" charset="0"/>
+              <a:buChar char="•"/>
+              <a:tabLst/>
+              <a:defRPr/>
+            </a:pPr>
+            <a:r>
+              <a:rPr lang="it-CH" sz="1200" b="0" kern="1200" dirty="0">
+                <a:solidFill>
+                  <a:schemeClr val="tx1"/>
+                </a:solidFill>
+                <a:effectLst/>
+                <a:latin typeface="+mn-lt"/>
+                <a:ea typeface="+mn-ea"/>
+                <a:cs typeface="+mn-cs"/>
+              </a:rPr>
+              <a:t>PROTOCOLLO DI COMUNICAZIONE</a:t>
+            </a:r>
+            <a:endParaRPr lang="it-IT" sz="1200" b="0" kern="1200" dirty="0">
+              <a:solidFill>
+                <a:schemeClr val="tx1"/>
+              </a:solidFill>
+              <a:effectLst/>
+              <a:latin typeface="+mn-lt"/>
+              <a:ea typeface="+mn-ea"/>
+              <a:cs typeface="+mn-cs"/>
+            </a:endParaRPr>
+          </a:p>
+        </p:txBody>
+      </p:sp>
+      <p:sp>
+        <p:nvSpPr>
+          <p:cNvPr id="4" name="Segnaposto numero diapositiva 3"/>
+          <p:cNvSpPr>
+            <a:spLocks noGrp="1"/>
+          </p:cNvSpPr>
+          <p:nvPr>
+            <p:ph type="sldNum" sz="quarter" idx="5"/>
+          </p:nvPr>
+        </p:nvSpPr>
+        <p:spPr/>
+        <p:txBody>
+          <a:bodyPr/>
+          <a:lstStyle/>
+          <a:p>
+            <a:fld id="{FD2CFA8D-4E29-41DB-B61B-69A41B9506B3}" type="slidenum">
+              <a:rPr lang="it-CH" smtClean="0"/>
+              <a:t>26</a:t>
+            </a:fld>
+            <a:endParaRPr lang="it-CH"/>
+          </a:p>
+        </p:txBody>
+      </p:sp>
+    </p:spTree>
+    <p:extLst>
+      <p:ext uri="{BB962C8B-B14F-4D97-AF65-F5344CB8AC3E}">
+        <p14:creationId xmlns:p14="http://schemas.microsoft.com/office/powerpoint/2010/main" val="3849565120"/>
+      </p:ext>
+    </p:extLst>
+  </p:cSld>
+  <p:clrMapOvr>
+    <a:masterClrMapping/>
+  </p:clrMapOvr>
+</p:notes>
+</file>
+
+<file path=ppt/notesSlides/notesSlide19.xml><?xml version="1.0" encoding="utf-8"?>
+<p:notes xmlns:a="http://schemas.openxmlformats.org/drawingml/2006/main" xmlns:r="http://schemas.openxmlformats.org/officeDocument/2006/relationships" xmlns:p="http://schemas.openxmlformats.org/presentationml/2006/main">
+  <p:cSld>
+    <p:spTree>
+      <p:nvGrpSpPr>
+        <p:cNvPr id="1" name=""/>
+        <p:cNvGrpSpPr/>
+        <p:nvPr/>
+      </p:nvGrpSpPr>
+      <p:grpSpPr>
+        <a:xfrm>
+          <a:off x="0" y="0"/>
+          <a:ext cx="0" cy="0"/>
+          <a:chOff x="0" y="0"/>
+          <a:chExt cx="0" cy="0"/>
+        </a:xfrm>
+      </p:grpSpPr>
+      <p:sp>
+        <p:nvSpPr>
+          <p:cNvPr id="2" name="Segnaposto immagine diapositiva 1"/>
+          <p:cNvSpPr>
+            <a:spLocks noGrp="1" noRot="1" noChangeAspect="1"/>
+          </p:cNvSpPr>
+          <p:nvPr>
+            <p:ph type="sldImg"/>
+          </p:nvPr>
+        </p:nvSpPr>
+        <p:spPr/>
+      </p:sp>
+      <p:sp>
+        <p:nvSpPr>
+          <p:cNvPr id="3" name="Segnaposto note 2"/>
+          <p:cNvSpPr>
+            <a:spLocks noGrp="1"/>
+          </p:cNvSpPr>
+          <p:nvPr>
+            <p:ph type="body" idx="1"/>
+          </p:nvPr>
+        </p:nvSpPr>
+        <p:spPr/>
+        <p:txBody>
+          <a:bodyPr/>
+          <a:lstStyle/>
+          <a:p>
+            <a:r>
+              <a:rPr lang="it-CH" dirty="0"/>
+              <a:t>Gestisce la comunicazione CONTROLLER </a:t>
+            </a:r>
+            <a:r>
+              <a:rPr lang="it-CH" dirty="0">
+                <a:sym typeface="Wingdings" panose="05000000000000000000" pitchFamily="2" charset="2"/>
+              </a:rPr>
+              <a:t> DRONE e viceversa</a:t>
+            </a:r>
+            <a:endParaRPr lang="it-CH" dirty="0"/>
+          </a:p>
+        </p:txBody>
+      </p:sp>
+      <p:sp>
+        <p:nvSpPr>
+          <p:cNvPr id="4" name="Segnaposto numero diapositiva 3"/>
+          <p:cNvSpPr>
+            <a:spLocks noGrp="1"/>
+          </p:cNvSpPr>
+          <p:nvPr>
+            <p:ph type="sldNum" sz="quarter" idx="5"/>
+          </p:nvPr>
+        </p:nvSpPr>
+        <p:spPr/>
+        <p:txBody>
+          <a:bodyPr/>
+          <a:lstStyle/>
+          <a:p>
+            <a:fld id="{FD2CFA8D-4E29-41DB-B61B-69A41B9506B3}" type="slidenum">
+              <a:rPr lang="it-CH" smtClean="0"/>
+              <a:t>27</a:t>
+            </a:fld>
+            <a:endParaRPr lang="it-CH"/>
+          </a:p>
+        </p:txBody>
+      </p:sp>
+    </p:spTree>
+    <p:extLst>
+      <p:ext uri="{BB962C8B-B14F-4D97-AF65-F5344CB8AC3E}">
+        <p14:creationId xmlns:p14="http://schemas.microsoft.com/office/powerpoint/2010/main" val="918256988"/>
       </p:ext>
     </p:extLst>
   </p:cSld>
@@ -715,7 +2011,7 @@
           <a:p>
             <a:fld id="{FD2CFA8D-4E29-41DB-B61B-69A41B9506B3}" type="slidenum">
               <a:rPr lang="it-CH" smtClean="0"/>
-              <a:t>6</a:t>
+              <a:t>4</a:t>
             </a:fld>
             <a:endParaRPr lang="it-CH"/>
           </a:p>
@@ -724,7 +2020,417 @@
     </p:spTree>
     <p:extLst>
       <p:ext uri="{BB962C8B-B14F-4D97-AF65-F5344CB8AC3E}">
-        <p14:creationId xmlns:p14="http://schemas.microsoft.com/office/powerpoint/2010/main" val="3385343768"/>
+        <p14:creationId xmlns:p14="http://schemas.microsoft.com/office/powerpoint/2010/main" val="1292887407"/>
+      </p:ext>
+    </p:extLst>
+  </p:cSld>
+  <p:clrMapOvr>
+    <a:masterClrMapping/>
+  </p:clrMapOvr>
+</p:notes>
+</file>
+
+<file path=ppt/notesSlides/notesSlide20.xml><?xml version="1.0" encoding="utf-8"?>
+<p:notes xmlns:a="http://schemas.openxmlformats.org/drawingml/2006/main" xmlns:r="http://schemas.openxmlformats.org/officeDocument/2006/relationships" xmlns:p="http://schemas.openxmlformats.org/presentationml/2006/main">
+  <p:cSld>
+    <p:spTree>
+      <p:nvGrpSpPr>
+        <p:cNvPr id="1" name=""/>
+        <p:cNvGrpSpPr/>
+        <p:nvPr/>
+      </p:nvGrpSpPr>
+      <p:grpSpPr>
+        <a:xfrm>
+          <a:off x="0" y="0"/>
+          <a:ext cx="0" cy="0"/>
+          <a:chOff x="0" y="0"/>
+          <a:chExt cx="0" cy="0"/>
+        </a:xfrm>
+      </p:grpSpPr>
+      <p:sp>
+        <p:nvSpPr>
+          <p:cNvPr id="2" name="Segnaposto immagine diapositiva 1"/>
+          <p:cNvSpPr>
+            <a:spLocks noGrp="1" noRot="1" noChangeAspect="1"/>
+          </p:cNvSpPr>
+          <p:nvPr>
+            <p:ph type="sldImg"/>
+          </p:nvPr>
+        </p:nvSpPr>
+        <p:spPr/>
+      </p:sp>
+      <p:sp>
+        <p:nvSpPr>
+          <p:cNvPr id="3" name="Segnaposto note 2"/>
+          <p:cNvSpPr>
+            <a:spLocks noGrp="1"/>
+          </p:cNvSpPr>
+          <p:nvPr>
+            <p:ph type="body" idx="1"/>
+          </p:nvPr>
+        </p:nvSpPr>
+        <p:spPr/>
+        <p:txBody>
+          <a:bodyPr/>
+          <a:lstStyle/>
+          <a:p>
+            <a:r>
+              <a:rPr lang="it-CH" dirty="0"/>
+              <a:t>Metodo </a:t>
+            </a:r>
+            <a:r>
+              <a:rPr lang="it-CH" dirty="0" err="1"/>
+              <a:t>sendCommand</a:t>
+            </a:r>
+            <a:r>
+              <a:rPr lang="it-CH" dirty="0"/>
+              <a:t> della classe </a:t>
+            </a:r>
+            <a:r>
+              <a:rPr lang="it-CH" dirty="0" err="1"/>
+              <a:t>DroneController</a:t>
+            </a:r>
+            <a:endParaRPr lang="it-CH" dirty="0"/>
+          </a:p>
+          <a:p>
+            <a:r>
+              <a:rPr lang="it-CH" dirty="0">
+                <a:sym typeface="Wingdings" panose="05000000000000000000" pitchFamily="2" charset="2"/>
+              </a:rPr>
+              <a:t> Parametro «</a:t>
+            </a:r>
+            <a:r>
+              <a:rPr lang="it-CH" dirty="0" err="1">
+                <a:sym typeface="Wingdings" panose="05000000000000000000" pitchFamily="2" charset="2"/>
+              </a:rPr>
+              <a:t>command</a:t>
+            </a:r>
+            <a:r>
+              <a:rPr lang="it-CH" dirty="0">
+                <a:sym typeface="Wingdings" panose="05000000000000000000" pitchFamily="2" charset="2"/>
+              </a:rPr>
+              <a:t>», generato dalla classe «</a:t>
+            </a:r>
+            <a:r>
+              <a:rPr lang="it-CH" dirty="0" err="1">
+                <a:sym typeface="Wingdings" panose="05000000000000000000" pitchFamily="2" charset="2"/>
+              </a:rPr>
+              <a:t>Commands</a:t>
+            </a:r>
+            <a:r>
+              <a:rPr lang="it-CH" dirty="0">
+                <a:sym typeface="Wingdings" panose="05000000000000000000" pitchFamily="2" charset="2"/>
+              </a:rPr>
+              <a:t>»</a:t>
+            </a:r>
+            <a:endParaRPr lang="it-CH" dirty="0"/>
+          </a:p>
+          <a:p>
+            <a:pPr marL="171450" indent="-171450">
+              <a:buFont typeface="Wingdings" panose="05000000000000000000" pitchFamily="2" charset="2"/>
+              <a:buChar char="à"/>
+            </a:pPr>
+            <a:r>
+              <a:rPr lang="it-CH" dirty="0">
+                <a:sym typeface="Wingdings" panose="05000000000000000000" pitchFamily="2" charset="2"/>
+              </a:rPr>
+              <a:t>Usa TCP </a:t>
+            </a:r>
+            <a:r>
+              <a:rPr lang="it-CH" dirty="0" err="1">
+                <a:sym typeface="Wingdings" panose="05000000000000000000" pitchFamily="2" charset="2"/>
+              </a:rPr>
+              <a:t>Socket</a:t>
+            </a:r>
+            <a:endParaRPr lang="it-CH" dirty="0">
+              <a:sym typeface="Wingdings" panose="05000000000000000000" pitchFamily="2" charset="2"/>
+            </a:endParaRPr>
+          </a:p>
+          <a:p>
+            <a:pPr marL="171450" indent="-171450">
+              <a:buFont typeface="Wingdings" panose="05000000000000000000" pitchFamily="2" charset="2"/>
+              <a:buChar char="à"/>
+            </a:pPr>
+            <a:r>
+              <a:rPr lang="it-CH" dirty="0" err="1">
+                <a:sym typeface="Wingdings" panose="05000000000000000000" pitchFamily="2" charset="2"/>
+              </a:rPr>
+              <a:t>Listener</a:t>
+            </a:r>
+            <a:r>
+              <a:rPr lang="it-CH" dirty="0">
+                <a:sym typeface="Wingdings" panose="05000000000000000000" pitchFamily="2" charset="2"/>
+              </a:rPr>
+              <a:t> per notificare</a:t>
+            </a:r>
+          </a:p>
+        </p:txBody>
+      </p:sp>
+      <p:sp>
+        <p:nvSpPr>
+          <p:cNvPr id="4" name="Segnaposto numero diapositiva 3"/>
+          <p:cNvSpPr>
+            <a:spLocks noGrp="1"/>
+          </p:cNvSpPr>
+          <p:nvPr>
+            <p:ph type="sldNum" sz="quarter" idx="5"/>
+          </p:nvPr>
+        </p:nvSpPr>
+        <p:spPr/>
+        <p:txBody>
+          <a:bodyPr/>
+          <a:lstStyle/>
+          <a:p>
+            <a:fld id="{FD2CFA8D-4E29-41DB-B61B-69A41B9506B3}" type="slidenum">
+              <a:rPr lang="it-CH" smtClean="0"/>
+              <a:t>28</a:t>
+            </a:fld>
+            <a:endParaRPr lang="it-CH"/>
+          </a:p>
+        </p:txBody>
+      </p:sp>
+    </p:spTree>
+    <p:extLst>
+      <p:ext uri="{BB962C8B-B14F-4D97-AF65-F5344CB8AC3E}">
+        <p14:creationId xmlns:p14="http://schemas.microsoft.com/office/powerpoint/2010/main" val="2298715815"/>
+      </p:ext>
+    </p:extLst>
+  </p:cSld>
+  <p:clrMapOvr>
+    <a:masterClrMapping/>
+  </p:clrMapOvr>
+</p:notes>
+</file>
+
+<file path=ppt/notesSlides/notesSlide21.xml><?xml version="1.0" encoding="utf-8"?>
+<p:notes xmlns:a="http://schemas.openxmlformats.org/drawingml/2006/main" xmlns:r="http://schemas.openxmlformats.org/officeDocument/2006/relationships" xmlns:p="http://schemas.openxmlformats.org/presentationml/2006/main">
+  <p:cSld>
+    <p:spTree>
+      <p:nvGrpSpPr>
+        <p:cNvPr id="1" name=""/>
+        <p:cNvGrpSpPr/>
+        <p:nvPr/>
+      </p:nvGrpSpPr>
+      <p:grpSpPr>
+        <a:xfrm>
+          <a:off x="0" y="0"/>
+          <a:ext cx="0" cy="0"/>
+          <a:chOff x="0" y="0"/>
+          <a:chExt cx="0" cy="0"/>
+        </a:xfrm>
+      </p:grpSpPr>
+      <p:sp>
+        <p:nvSpPr>
+          <p:cNvPr id="2" name="Segnaposto immagine diapositiva 1"/>
+          <p:cNvSpPr>
+            <a:spLocks noGrp="1" noRot="1" noChangeAspect="1"/>
+          </p:cNvSpPr>
+          <p:nvPr>
+            <p:ph type="sldImg"/>
+          </p:nvPr>
+        </p:nvSpPr>
+        <p:spPr/>
+      </p:sp>
+      <p:sp>
+        <p:nvSpPr>
+          <p:cNvPr id="3" name="Segnaposto note 2"/>
+          <p:cNvSpPr>
+            <a:spLocks noGrp="1"/>
+          </p:cNvSpPr>
+          <p:nvPr>
+            <p:ph type="body" idx="1"/>
+          </p:nvPr>
+        </p:nvSpPr>
+        <p:spPr/>
+        <p:txBody>
+          <a:bodyPr/>
+          <a:lstStyle/>
+          <a:p>
+            <a:endParaRPr lang="it-CH" dirty="0"/>
+          </a:p>
+        </p:txBody>
+      </p:sp>
+      <p:sp>
+        <p:nvSpPr>
+          <p:cNvPr id="4" name="Segnaposto numero diapositiva 3"/>
+          <p:cNvSpPr>
+            <a:spLocks noGrp="1"/>
+          </p:cNvSpPr>
+          <p:nvPr>
+            <p:ph type="sldNum" sz="quarter" idx="5"/>
+          </p:nvPr>
+        </p:nvSpPr>
+        <p:spPr/>
+        <p:txBody>
+          <a:bodyPr/>
+          <a:lstStyle/>
+          <a:p>
+            <a:fld id="{FD2CFA8D-4E29-41DB-B61B-69A41B9506B3}" type="slidenum">
+              <a:rPr lang="it-CH" smtClean="0"/>
+              <a:t>29</a:t>
+            </a:fld>
+            <a:endParaRPr lang="it-CH"/>
+          </a:p>
+        </p:txBody>
+      </p:sp>
+    </p:spTree>
+    <p:extLst>
+      <p:ext uri="{BB962C8B-B14F-4D97-AF65-F5344CB8AC3E}">
+        <p14:creationId xmlns:p14="http://schemas.microsoft.com/office/powerpoint/2010/main" val="1682093913"/>
+      </p:ext>
+    </p:extLst>
+  </p:cSld>
+  <p:clrMapOvr>
+    <a:masterClrMapping/>
+  </p:clrMapOvr>
+</p:notes>
+</file>
+
+<file path=ppt/notesSlides/notesSlide22.xml><?xml version="1.0" encoding="utf-8"?>
+<p:notes xmlns:a="http://schemas.openxmlformats.org/drawingml/2006/main" xmlns:r="http://schemas.openxmlformats.org/officeDocument/2006/relationships" xmlns:p="http://schemas.openxmlformats.org/presentationml/2006/main">
+  <p:cSld>
+    <p:spTree>
+      <p:nvGrpSpPr>
+        <p:cNvPr id="1" name=""/>
+        <p:cNvGrpSpPr/>
+        <p:nvPr/>
+      </p:nvGrpSpPr>
+      <p:grpSpPr>
+        <a:xfrm>
+          <a:off x="0" y="0"/>
+          <a:ext cx="0" cy="0"/>
+          <a:chOff x="0" y="0"/>
+          <a:chExt cx="0" cy="0"/>
+        </a:xfrm>
+      </p:grpSpPr>
+      <p:sp>
+        <p:nvSpPr>
+          <p:cNvPr id="2" name="Segnaposto immagine diapositiva 1"/>
+          <p:cNvSpPr>
+            <a:spLocks noGrp="1" noRot="1" noChangeAspect="1"/>
+          </p:cNvSpPr>
+          <p:nvPr>
+            <p:ph type="sldImg"/>
+          </p:nvPr>
+        </p:nvSpPr>
+        <p:spPr/>
+      </p:sp>
+      <p:sp>
+        <p:nvSpPr>
+          <p:cNvPr id="3" name="Segnaposto note 2"/>
+          <p:cNvSpPr>
+            <a:spLocks noGrp="1"/>
+          </p:cNvSpPr>
+          <p:nvPr>
+            <p:ph type="body" idx="1"/>
+          </p:nvPr>
+        </p:nvSpPr>
+        <p:spPr/>
+        <p:txBody>
+          <a:bodyPr/>
+          <a:lstStyle/>
+          <a:p>
+            <a:r>
+              <a:rPr lang="it-CH" dirty="0"/>
+              <a:t>Riteniamo che:</a:t>
+            </a:r>
+          </a:p>
+          <a:p>
+            <a:endParaRPr lang="it-CH" dirty="0"/>
+          </a:p>
+          <a:p>
+            <a:pPr marL="171450" indent="-171450">
+              <a:buFont typeface="Arial" panose="020B0604020202020204" pitchFamily="34" charset="0"/>
+              <a:buChar char="•"/>
+            </a:pPr>
+            <a:r>
+              <a:rPr lang="it-CH" dirty="0"/>
+              <a:t>Progetto nuovo</a:t>
+            </a:r>
+          </a:p>
+          <a:p>
+            <a:pPr marL="628650" lvl="1" indent="-171450">
+              <a:buFont typeface="Arial" panose="020B0604020202020204" pitchFamily="34" charset="0"/>
+              <a:buChar char="•"/>
+            </a:pPr>
+            <a:r>
+              <a:rPr lang="it-CH" dirty="0"/>
+              <a:t>Mai stato svolto in Java (secondo delle nostre ricerche)</a:t>
+            </a:r>
+          </a:p>
+          <a:p>
+            <a:pPr marL="628650" lvl="1" indent="-171450">
+              <a:buFont typeface="Arial" panose="020B0604020202020204" pitchFamily="34" charset="0"/>
+              <a:buChar char="•"/>
+            </a:pPr>
+            <a:endParaRPr lang="it-CH" dirty="0"/>
+          </a:p>
+          <a:p>
+            <a:pPr marL="171450" lvl="0" indent="-171450">
+              <a:buFont typeface="Arial" panose="020B0604020202020204" pitchFamily="34" charset="0"/>
+              <a:buChar char="•"/>
+            </a:pPr>
+            <a:r>
+              <a:rPr lang="it-CH" dirty="0"/>
+              <a:t>Modo semplice</a:t>
+            </a:r>
+          </a:p>
+          <a:p>
+            <a:pPr marL="628650" lvl="1" indent="-171450">
+              <a:buFont typeface="Arial" panose="020B0604020202020204" pitchFamily="34" charset="0"/>
+              <a:buChar char="•"/>
+            </a:pPr>
+            <a:r>
+              <a:rPr lang="it-CH" dirty="0"/>
+              <a:t>Guidare un drone</a:t>
+            </a:r>
+          </a:p>
+          <a:p>
+            <a:pPr marL="0" lvl="0" indent="0">
+              <a:buFont typeface="Arial" panose="020B0604020202020204" pitchFamily="34" charset="0"/>
+              <a:buNone/>
+            </a:pPr>
+            <a:endParaRPr lang="it-CH" dirty="0"/>
+          </a:p>
+          <a:p>
+            <a:pPr marL="0" lvl="0" indent="0">
+              <a:buFont typeface="Arial" panose="020B0604020202020204" pitchFamily="34" charset="0"/>
+              <a:buNone/>
+            </a:pPr>
+            <a:r>
+              <a:rPr lang="it-CH" dirty="0"/>
+              <a:t>È stato divertente sia lo sviluppo di questo progetto sia il risultato!</a:t>
+            </a:r>
+          </a:p>
+        </p:txBody>
+      </p:sp>
+      <p:sp>
+        <p:nvSpPr>
+          <p:cNvPr id="4" name="Segnaposto numero diapositiva 3"/>
+          <p:cNvSpPr>
+            <a:spLocks noGrp="1"/>
+          </p:cNvSpPr>
+          <p:nvPr>
+            <p:ph type="sldNum" sz="quarter" idx="5"/>
+          </p:nvPr>
+        </p:nvSpPr>
+        <p:spPr/>
+        <p:txBody>
+          <a:bodyPr/>
+          <a:lstStyle/>
+          <a:p>
+            <a:fld id="{FD2CFA8D-4E29-41DB-B61B-69A41B9506B3}" type="slidenum">
+              <a:rPr lang="it-CH" smtClean="0"/>
+              <a:t>33</a:t>
+            </a:fld>
+            <a:endParaRPr lang="it-CH"/>
+          </a:p>
+        </p:txBody>
+      </p:sp>
+    </p:spTree>
+    <p:extLst>
+      <p:ext uri="{BB962C8B-B14F-4D97-AF65-F5344CB8AC3E}">
+        <p14:creationId xmlns:p14="http://schemas.microsoft.com/office/powerpoint/2010/main" val="4241285005"/>
       </p:ext>
     </p:extLst>
   </p:cSld>
@@ -799,7 +2505,7 @@
           <a:p>
             <a:fld id="{FD2CFA8D-4E29-41DB-B61B-69A41B9506B3}" type="slidenum">
               <a:rPr lang="it-CH" smtClean="0"/>
-              <a:t>7</a:t>
+              <a:t>5</a:t>
             </a:fld>
             <a:endParaRPr lang="it-CH"/>
           </a:p>
@@ -808,7 +2514,7 @@
     </p:spTree>
     <p:extLst>
       <p:ext uri="{BB962C8B-B14F-4D97-AF65-F5344CB8AC3E}">
-        <p14:creationId xmlns:p14="http://schemas.microsoft.com/office/powerpoint/2010/main" val="3761628064"/>
+        <p14:creationId xmlns:p14="http://schemas.microsoft.com/office/powerpoint/2010/main" val="3396993358"/>
       </p:ext>
     </p:extLst>
   </p:cSld>
@@ -883,7 +2589,7 @@
           <a:p>
             <a:fld id="{FD2CFA8D-4E29-41DB-B61B-69A41B9506B3}" type="slidenum">
               <a:rPr lang="it-CH" smtClean="0"/>
-              <a:t>8</a:t>
+              <a:t>6</a:t>
             </a:fld>
             <a:endParaRPr lang="it-CH"/>
           </a:p>
@@ -892,7 +2598,7 @@
     </p:spTree>
     <p:extLst>
       <p:ext uri="{BB962C8B-B14F-4D97-AF65-F5344CB8AC3E}">
-        <p14:creationId xmlns:p14="http://schemas.microsoft.com/office/powerpoint/2010/main" val="4002916279"/>
+        <p14:creationId xmlns:p14="http://schemas.microsoft.com/office/powerpoint/2010/main" val="3385343768"/>
       </p:ext>
     </p:extLst>
   </p:cSld>
@@ -946,85 +2652,7 @@
           <a:bodyPr/>
           <a:lstStyle/>
           <a:p>
-            <a:r>
-              <a:rPr lang="it-CH" sz="3200" dirty="0"/>
-              <a:t>Possiamo dividere il lavoro in due grandi gruppi:</a:t>
-            </a:r>
-          </a:p>
-          <a:p>
-            <a:endParaRPr lang="it-CH" sz="3200" dirty="0"/>
-          </a:p>
-          <a:p>
-            <a:pPr marL="171450" indent="-171450">
-              <a:buFont typeface="Arial" panose="020B0604020202020204" pitchFamily="34" charset="0"/>
-              <a:buChar char="•"/>
-            </a:pPr>
-            <a:r>
-              <a:rPr lang="it-CH" sz="3200" dirty="0" err="1"/>
-              <a:t>DroneController</a:t>
-            </a:r>
-            <a:endParaRPr lang="it-CH" sz="3200" dirty="0"/>
-          </a:p>
-          <a:p>
-            <a:pPr marL="628650" lvl="1" indent="-171450">
-              <a:buFont typeface="Arial" panose="020B0604020202020204" pitchFamily="34" charset="0"/>
-              <a:buChar char="•"/>
-            </a:pPr>
-            <a:r>
-              <a:rPr lang="it-CH" sz="3200" dirty="0"/>
-              <a:t>Luca</a:t>
-            </a:r>
-          </a:p>
-          <a:p>
-            <a:pPr marL="628650" lvl="1" indent="-171450">
-              <a:buFont typeface="Arial" panose="020B0604020202020204" pitchFamily="34" charset="0"/>
-              <a:buChar char="•"/>
-            </a:pPr>
-            <a:r>
-              <a:rPr lang="it-CH" sz="3200" dirty="0" err="1"/>
-              <a:t>Fadil</a:t>
-            </a:r>
-            <a:endParaRPr lang="it-CH" sz="3200" dirty="0"/>
-          </a:p>
-          <a:p>
-            <a:pPr marL="457200" lvl="1" indent="0">
-              <a:buFont typeface="Arial" panose="020B0604020202020204" pitchFamily="34" charset="0"/>
-              <a:buNone/>
-            </a:pPr>
-            <a:endParaRPr lang="it-CH" sz="3200" dirty="0"/>
-          </a:p>
-          <a:p>
-            <a:pPr marL="171450" indent="-171450">
-              <a:buFont typeface="Arial" panose="020B0604020202020204" pitchFamily="34" charset="0"/>
-              <a:buChar char="•"/>
-            </a:pPr>
-            <a:r>
-              <a:rPr lang="it-CH" sz="3200" dirty="0" err="1"/>
-              <a:t>DroneSimulator</a:t>
-            </a:r>
-            <a:endParaRPr lang="it-CH" sz="3200" dirty="0"/>
-          </a:p>
-          <a:p>
-            <a:pPr marL="628650" lvl="1" indent="-171450">
-              <a:buFont typeface="Arial" panose="020B0604020202020204" pitchFamily="34" charset="0"/>
-              <a:buChar char="•"/>
-            </a:pPr>
-            <a:r>
-              <a:rPr lang="it-CH" sz="3200" dirty="0" err="1"/>
-              <a:t>Rausone</a:t>
-            </a:r>
-            <a:endParaRPr lang="it-CH" sz="3200" dirty="0"/>
-          </a:p>
-          <a:p>
-            <a:pPr marL="628650" lvl="1" indent="-171450">
-              <a:buFont typeface="Arial" panose="020B0604020202020204" pitchFamily="34" charset="0"/>
-              <a:buChar char="•"/>
-            </a:pPr>
-            <a:r>
-              <a:rPr lang="it-CH" sz="3200" dirty="0" err="1"/>
-              <a:t>Jari</a:t>
-            </a:r>
-            <a:endParaRPr lang="it-CH" sz="3200" dirty="0"/>
+            <a:endParaRPr lang="it-CH" dirty="0"/>
           </a:p>
         </p:txBody>
       </p:sp>
@@ -1045,7 +2673,7 @@
           <a:p>
             <a:fld id="{FD2CFA8D-4E29-41DB-B61B-69A41B9506B3}" type="slidenum">
               <a:rPr lang="it-CH" smtClean="0"/>
-              <a:t>10</a:t>
+              <a:t>7</a:t>
             </a:fld>
             <a:endParaRPr lang="it-CH"/>
           </a:p>
@@ -1054,7 +2682,7 @@
     </p:spTree>
     <p:extLst>
       <p:ext uri="{BB962C8B-B14F-4D97-AF65-F5344CB8AC3E}">
-        <p14:creationId xmlns:p14="http://schemas.microsoft.com/office/powerpoint/2010/main" val="822517740"/>
+        <p14:creationId xmlns:p14="http://schemas.microsoft.com/office/powerpoint/2010/main" val="3761628064"/>
       </p:ext>
     </p:extLst>
   </p:cSld>
@@ -1108,20 +2736,6 @@
           <a:bodyPr/>
           <a:lstStyle/>
           <a:p>
-            <a:r>
-              <a:rPr lang="it-CH" dirty="0" err="1"/>
-              <a:t>DroneController</a:t>
-            </a:r>
-            <a:r>
-              <a:rPr lang="it-CH" dirty="0"/>
-              <a:t> </a:t>
-            </a:r>
-            <a:r>
-              <a:rPr lang="it-CH" dirty="0">
-                <a:sym typeface="Wingdings" panose="05000000000000000000" pitchFamily="2" charset="2"/>
-              </a:rPr>
-              <a:t> Fulcro di tutto il programma (del controller)</a:t>
-            </a:r>
             <a:endParaRPr lang="it-CH" dirty="0"/>
           </a:p>
         </p:txBody>
@@ -1143,7 +2757,7 @@
           <a:p>
             <a:fld id="{FD2CFA8D-4E29-41DB-B61B-69A41B9506B3}" type="slidenum">
               <a:rPr lang="it-CH" smtClean="0"/>
-              <a:t>12</a:t>
+              <a:t>8</a:t>
             </a:fld>
             <a:endParaRPr lang="it-CH"/>
           </a:p>
@@ -1152,7 +2766,7 @@
     </p:spTree>
     <p:extLst>
       <p:ext uri="{BB962C8B-B14F-4D97-AF65-F5344CB8AC3E}">
-        <p14:creationId xmlns:p14="http://schemas.microsoft.com/office/powerpoint/2010/main" val="1983135393"/>
+        <p14:creationId xmlns:p14="http://schemas.microsoft.com/office/powerpoint/2010/main" val="4002916279"/>
       </p:ext>
     </p:extLst>
   </p:cSld>
@@ -1227,7 +2841,7 @@
           <a:p>
             <a:fld id="{FD2CFA8D-4E29-41DB-B61B-69A41B9506B3}" type="slidenum">
               <a:rPr lang="it-CH" smtClean="0"/>
-              <a:t>14</a:t>
+              <a:t>9</a:t>
             </a:fld>
             <a:endParaRPr lang="it-CH"/>
           </a:p>
@@ -1236,7 +2850,7 @@
     </p:spTree>
     <p:extLst>
       <p:ext uri="{BB962C8B-B14F-4D97-AF65-F5344CB8AC3E}">
-        <p14:creationId xmlns:p14="http://schemas.microsoft.com/office/powerpoint/2010/main" val="1529703415"/>
+        <p14:creationId xmlns:p14="http://schemas.microsoft.com/office/powerpoint/2010/main" val="2524988275"/>
       </p:ext>
     </p:extLst>
   </p:cSld>
@@ -1290,7 +2904,85 @@
           <a:bodyPr/>
           <a:lstStyle/>
           <a:p>
-            <a:endParaRPr lang="it-CH" dirty="0"/>
+            <a:r>
+              <a:rPr lang="it-CH" sz="3200" dirty="0"/>
+              <a:t>Possiamo dividere il lavoro in due grandi gruppi:</a:t>
+            </a:r>
+          </a:p>
+          <a:p>
+            <a:endParaRPr lang="it-CH" sz="3200" dirty="0"/>
+          </a:p>
+          <a:p>
+            <a:pPr marL="171450" indent="-171450">
+              <a:buFont typeface="Arial" panose="020B0604020202020204" pitchFamily="34" charset="0"/>
+              <a:buChar char="•"/>
+            </a:pPr>
+            <a:r>
+              <a:rPr lang="it-CH" sz="3200" dirty="0" err="1"/>
+              <a:t>DroneController</a:t>
+            </a:r>
+            <a:endParaRPr lang="it-CH" sz="3200" dirty="0"/>
+          </a:p>
+          <a:p>
+            <a:pPr marL="628650" lvl="1" indent="-171450">
+              <a:buFont typeface="Arial" panose="020B0604020202020204" pitchFamily="34" charset="0"/>
+              <a:buChar char="•"/>
+            </a:pPr>
+            <a:r>
+              <a:rPr lang="it-CH" sz="3200" dirty="0"/>
+              <a:t>Luca</a:t>
+            </a:r>
+          </a:p>
+          <a:p>
+            <a:pPr marL="628650" lvl="1" indent="-171450">
+              <a:buFont typeface="Arial" panose="020B0604020202020204" pitchFamily="34" charset="0"/>
+              <a:buChar char="•"/>
+            </a:pPr>
+            <a:r>
+              <a:rPr lang="it-CH" sz="3200" dirty="0" err="1"/>
+              <a:t>Fadil</a:t>
+            </a:r>
+            <a:endParaRPr lang="it-CH" sz="3200" dirty="0"/>
+          </a:p>
+          <a:p>
+            <a:pPr marL="457200" lvl="1" indent="0">
+              <a:buFont typeface="Arial" panose="020B0604020202020204" pitchFamily="34" charset="0"/>
+              <a:buNone/>
+            </a:pPr>
+            <a:endParaRPr lang="it-CH" sz="3200" dirty="0"/>
+          </a:p>
+          <a:p>
+            <a:pPr marL="171450" indent="-171450">
+              <a:buFont typeface="Arial" panose="020B0604020202020204" pitchFamily="34" charset="0"/>
+              <a:buChar char="•"/>
+            </a:pPr>
+            <a:r>
+              <a:rPr lang="it-CH" sz="3200" dirty="0" err="1"/>
+              <a:t>DroneSimulator</a:t>
+            </a:r>
+            <a:endParaRPr lang="it-CH" sz="3200" dirty="0"/>
+          </a:p>
+          <a:p>
+            <a:pPr marL="628650" lvl="1" indent="-171450">
+              <a:buFont typeface="Arial" panose="020B0604020202020204" pitchFamily="34" charset="0"/>
+              <a:buChar char="•"/>
+            </a:pPr>
+            <a:r>
+              <a:rPr lang="it-CH" sz="3200" dirty="0" err="1"/>
+              <a:t>Rausone</a:t>
+            </a:r>
+            <a:endParaRPr lang="it-CH" sz="3200" dirty="0"/>
+          </a:p>
+          <a:p>
+            <a:pPr marL="628650" lvl="1" indent="-171450">
+              <a:buFont typeface="Arial" panose="020B0604020202020204" pitchFamily="34" charset="0"/>
+              <a:buChar char="•"/>
+            </a:pPr>
+            <a:r>
+              <a:rPr lang="it-CH" sz="3200" dirty="0" err="1"/>
+              <a:t>Jari</a:t>
+            </a:r>
+            <a:endParaRPr lang="it-CH" sz="3200" dirty="0"/>
           </a:p>
         </p:txBody>
       </p:sp>
@@ -1311,7 +3003,7 @@
           <a:p>
             <a:fld id="{FD2CFA8D-4E29-41DB-B61B-69A41B9506B3}" type="slidenum">
               <a:rPr lang="it-CH" smtClean="0"/>
-              <a:t>19</a:t>
+              <a:t>10</a:t>
             </a:fld>
             <a:endParaRPr lang="it-CH"/>
           </a:p>
@@ -1320,7 +3012,105 @@
     </p:spTree>
     <p:extLst>
       <p:ext uri="{BB962C8B-B14F-4D97-AF65-F5344CB8AC3E}">
-        <p14:creationId xmlns:p14="http://schemas.microsoft.com/office/powerpoint/2010/main" val="3419030429"/>
+        <p14:creationId xmlns:p14="http://schemas.microsoft.com/office/powerpoint/2010/main" val="822517740"/>
+      </p:ext>
+    </p:extLst>
+  </p:cSld>
+  <p:clrMapOvr>
+    <a:masterClrMapping/>
+  </p:clrMapOvr>
+</p:notes>
+</file>
+
+<file path=ppt/notesSlides/notesSlide9.xml><?xml version="1.0" encoding="utf-8"?>
+<p:notes xmlns:a="http://schemas.openxmlformats.org/drawingml/2006/main" xmlns:r="http://schemas.openxmlformats.org/officeDocument/2006/relationships" xmlns:p="http://schemas.openxmlformats.org/presentationml/2006/main">
+  <p:cSld>
+    <p:spTree>
+      <p:nvGrpSpPr>
+        <p:cNvPr id="1" name=""/>
+        <p:cNvGrpSpPr/>
+        <p:nvPr/>
+      </p:nvGrpSpPr>
+      <p:grpSpPr>
+        <a:xfrm>
+          <a:off x="0" y="0"/>
+          <a:ext cx="0" cy="0"/>
+          <a:chOff x="0" y="0"/>
+          <a:chExt cx="0" cy="0"/>
+        </a:xfrm>
+      </p:grpSpPr>
+      <p:sp>
+        <p:nvSpPr>
+          <p:cNvPr id="2" name="Segnaposto immagine diapositiva 1"/>
+          <p:cNvSpPr>
+            <a:spLocks noGrp="1" noRot="1" noChangeAspect="1"/>
+          </p:cNvSpPr>
+          <p:nvPr>
+            <p:ph type="sldImg"/>
+          </p:nvPr>
+        </p:nvSpPr>
+        <p:spPr/>
+      </p:sp>
+      <p:sp>
+        <p:nvSpPr>
+          <p:cNvPr id="3" name="Segnaposto note 2"/>
+          <p:cNvSpPr>
+            <a:spLocks noGrp="1"/>
+          </p:cNvSpPr>
+          <p:nvPr>
+            <p:ph type="body" idx="1"/>
+          </p:nvPr>
+        </p:nvSpPr>
+        <p:spPr/>
+        <p:txBody>
+          <a:bodyPr/>
+          <a:lstStyle/>
+          <a:p>
+            <a:r>
+              <a:rPr lang="it-CH" dirty="0" err="1"/>
+              <a:t>DroneController</a:t>
+            </a:r>
+            <a:r>
+              <a:rPr lang="it-CH" dirty="0"/>
+              <a:t> </a:t>
+            </a:r>
+            <a:r>
+              <a:rPr lang="it-CH" dirty="0">
+                <a:sym typeface="Wingdings" panose="05000000000000000000" pitchFamily="2" charset="2"/>
+              </a:rPr>
+              <a:t> Fulcro di tutto il programma (del controller)</a:t>
+            </a:r>
+            <a:endParaRPr lang="it-CH" dirty="0"/>
+          </a:p>
+        </p:txBody>
+      </p:sp>
+      <p:sp>
+        <p:nvSpPr>
+          <p:cNvPr id="4" name="Segnaposto numero diapositiva 3"/>
+          <p:cNvSpPr>
+            <a:spLocks noGrp="1"/>
+          </p:cNvSpPr>
+          <p:nvPr>
+            <p:ph type="sldNum" sz="quarter" idx="5"/>
+          </p:nvPr>
+        </p:nvSpPr>
+        <p:spPr/>
+        <p:txBody>
+          <a:bodyPr/>
+          <a:lstStyle/>
+          <a:p>
+            <a:fld id="{FD2CFA8D-4E29-41DB-B61B-69A41B9506B3}" type="slidenum">
+              <a:rPr lang="it-CH" smtClean="0"/>
+              <a:t>12</a:t>
+            </a:fld>
+            <a:endParaRPr lang="it-CH"/>
+          </a:p>
+        </p:txBody>
+      </p:sp>
+    </p:spTree>
+    <p:extLst>
+      <p:ext uri="{BB962C8B-B14F-4D97-AF65-F5344CB8AC3E}">
+        <p14:creationId xmlns:p14="http://schemas.microsoft.com/office/powerpoint/2010/main" val="1983135393"/>
       </p:ext>
     </p:extLst>
   </p:cSld>
@@ -5295,6 +7085,18 @@
   <p:clrMapOvr>
     <a:masterClrMapping/>
   </p:clrMapOvr>
+  <mc:AlternateContent xmlns:mc="http://schemas.openxmlformats.org/markup-compatibility/2006" xmlns:p159="http://schemas.microsoft.com/office/powerpoint/2015/09/main">
+    <mc:Choice Requires="p159">
+      <p:transition xmlns:p14="http://schemas.microsoft.com/office/powerpoint/2010/main" spd="slow" p14:dur="2000">
+        <p159:morph option="byWord"/>
+      </p:transition>
+    </mc:Choice>
+    <mc:Fallback xmlns="">
+      <p:transition spd="slow">
+        <p:fade/>
+      </p:transition>
+    </mc:Fallback>
+  </mc:AlternateContent>
 </p:sld>
 </file>
 
@@ -5460,6 +7262,18 @@
   <p:clrMapOvr>
     <a:masterClrMapping/>
   </p:clrMapOvr>
+  <mc:AlternateContent xmlns:mc="http://schemas.openxmlformats.org/markup-compatibility/2006" xmlns:p159="http://schemas.microsoft.com/office/powerpoint/2015/09/main">
+    <mc:Choice Requires="p159">
+      <p:transition xmlns:p14="http://schemas.microsoft.com/office/powerpoint/2010/main" spd="slow" p14:dur="2000">
+        <p159:morph option="byWord"/>
+      </p:transition>
+    </mc:Choice>
+    <mc:Fallback xmlns="">
+      <p:transition spd="slow">
+        <p:fade/>
+      </p:transition>
+    </mc:Fallback>
+  </mc:AlternateContent>
 </p:sld>
 </file>
 
@@ -5533,6 +7347,18 @@
   <p:clrMapOvr>
     <a:masterClrMapping/>
   </p:clrMapOvr>
+  <mc:AlternateContent xmlns:mc="http://schemas.openxmlformats.org/markup-compatibility/2006" xmlns:p159="http://schemas.microsoft.com/office/powerpoint/2015/09/main">
+    <mc:Choice Requires="p159">
+      <p:transition xmlns:p14="http://schemas.microsoft.com/office/powerpoint/2010/main" spd="slow" p14:dur="2000">
+        <p159:morph option="byWord"/>
+      </p:transition>
+    </mc:Choice>
+    <mc:Fallback xmlns="">
+      <p:transition spd="slow">
+        <p:fade/>
+      </p:transition>
+    </mc:Fallback>
+  </mc:AlternateContent>
 </p:sld>
 </file>
 
@@ -5606,6 +7432,18 @@
   <p:clrMapOvr>
     <a:masterClrMapping/>
   </p:clrMapOvr>
+  <mc:AlternateContent xmlns:mc="http://schemas.openxmlformats.org/markup-compatibility/2006" xmlns:p159="http://schemas.microsoft.com/office/powerpoint/2015/09/main">
+    <mc:Choice Requires="p159">
+      <p:transition xmlns:p14="http://schemas.microsoft.com/office/powerpoint/2010/main" spd="slow" p14:dur="2000">
+        <p159:morph option="byWord"/>
+      </p:transition>
+    </mc:Choice>
+    <mc:Fallback xmlns="">
+      <p:transition spd="slow">
+        <p:fade/>
+      </p:transition>
+    </mc:Fallback>
+  </mc:AlternateContent>
 </p:sld>
 </file>
 
@@ -5680,6 +7518,18 @@
   <p:clrMapOvr>
     <a:masterClrMapping/>
   </p:clrMapOvr>
+  <mc:AlternateContent xmlns:mc="http://schemas.openxmlformats.org/markup-compatibility/2006" xmlns:p159="http://schemas.microsoft.com/office/powerpoint/2015/09/main">
+    <mc:Choice Requires="p159">
+      <p:transition xmlns:p14="http://schemas.microsoft.com/office/powerpoint/2010/main" spd="slow" p14:dur="2000">
+        <p159:morph option="byWord"/>
+      </p:transition>
+    </mc:Choice>
+    <mc:Fallback xmlns="">
+      <p:transition spd="slow">
+        <p:fade/>
+      </p:transition>
+    </mc:Fallback>
+  </mc:AlternateContent>
 </p:sld>
 </file>
 
@@ -5745,6 +7595,18 @@
   <p:clrMapOvr>
     <a:masterClrMapping/>
   </p:clrMapOvr>
+  <mc:AlternateContent xmlns:mc="http://schemas.openxmlformats.org/markup-compatibility/2006" xmlns:p159="http://schemas.microsoft.com/office/powerpoint/2015/09/main">
+    <mc:Choice Requires="p159">
+      <p:transition xmlns:p14="http://schemas.microsoft.com/office/powerpoint/2010/main" spd="slow" p14:dur="2000">
+        <p159:morph option="byWord"/>
+      </p:transition>
+    </mc:Choice>
+    <mc:Fallback xmlns="">
+      <p:transition spd="slow">
+        <p:fade/>
+      </p:transition>
+    </mc:Fallback>
+  </mc:AlternateContent>
 </p:sld>
 </file>
 
@@ -5885,6 +7747,18 @@
   <p:clrMapOvr>
     <a:masterClrMapping/>
   </p:clrMapOvr>
+  <mc:AlternateContent xmlns:mc="http://schemas.openxmlformats.org/markup-compatibility/2006" xmlns:p159="http://schemas.microsoft.com/office/powerpoint/2015/09/main">
+    <mc:Choice Requires="p159">
+      <p:transition xmlns:p14="http://schemas.microsoft.com/office/powerpoint/2010/main" spd="slow" p14:dur="2000">
+        <p159:morph option="byWord"/>
+      </p:transition>
+    </mc:Choice>
+    <mc:Fallback xmlns="">
+      <p:transition spd="slow">
+        <p:fade/>
+      </p:transition>
+    </mc:Fallback>
+  </mc:AlternateContent>
 </p:sld>
 </file>
 
@@ -6262,6 +8136,18 @@
   <p:clrMapOvr>
     <a:masterClrMapping/>
   </p:clrMapOvr>
+  <mc:AlternateContent xmlns:mc="http://schemas.openxmlformats.org/markup-compatibility/2006" xmlns:p159="http://schemas.microsoft.com/office/powerpoint/2015/09/main">
+    <mc:Choice Requires="p159">
+      <p:transition xmlns:p14="http://schemas.microsoft.com/office/powerpoint/2010/main" spd="slow" p14:dur="2000">
+        <p159:morph option="byWord"/>
+      </p:transition>
+    </mc:Choice>
+    <mc:Fallback xmlns="">
+      <p:transition spd="slow">
+        <p:fade/>
+      </p:transition>
+    </mc:Fallback>
+  </mc:AlternateContent>
 </p:sld>
 </file>
 
@@ -6547,6 +8433,18 @@
   <p:clrMapOvr>
     <a:masterClrMapping/>
   </p:clrMapOvr>
+  <mc:AlternateContent xmlns:mc="http://schemas.openxmlformats.org/markup-compatibility/2006" xmlns:p159="http://schemas.microsoft.com/office/powerpoint/2015/09/main">
+    <mc:Choice Requires="p159">
+      <p:transition xmlns:p14="http://schemas.microsoft.com/office/powerpoint/2010/main" spd="slow" p14:dur="2000">
+        <p159:morph option="byWord"/>
+      </p:transition>
+    </mc:Choice>
+    <mc:Fallback xmlns="">
+      <p:transition spd="slow">
+        <p:fade/>
+      </p:transition>
+    </mc:Fallback>
+  </mc:AlternateContent>
 </p:sld>
 </file>
 
@@ -6651,6 +8549,18 @@
   <p:clrMapOvr>
     <a:masterClrMapping/>
   </p:clrMapOvr>
+  <mc:AlternateContent xmlns:mc="http://schemas.openxmlformats.org/markup-compatibility/2006" xmlns:p159="http://schemas.microsoft.com/office/powerpoint/2015/09/main">
+    <mc:Choice Requires="p159">
+      <p:transition xmlns:p14="http://schemas.microsoft.com/office/powerpoint/2010/main" spd="slow" p14:dur="2000">
+        <p159:morph option="byWord"/>
+      </p:transition>
+    </mc:Choice>
+    <mc:Fallback xmlns="">
+      <p:transition spd="slow">
+        <p:fade/>
+      </p:transition>
+    </mc:Fallback>
+  </mc:AlternateContent>
 </p:sld>
 </file>
 
@@ -6803,6 +8713,18 @@
   <p:clrMapOvr>
     <a:masterClrMapping/>
   </p:clrMapOvr>
+  <mc:AlternateContent xmlns:mc="http://schemas.openxmlformats.org/markup-compatibility/2006" xmlns:p159="http://schemas.microsoft.com/office/powerpoint/2015/09/main">
+    <mc:Choice Requires="p159">
+      <p:transition xmlns:p14="http://schemas.microsoft.com/office/powerpoint/2010/main" spd="slow" p14:dur="2000">
+        <p159:morph option="byWord"/>
+      </p:transition>
+    </mc:Choice>
+    <mc:Fallback xmlns="">
+      <p:transition spd="slow">
+        <p:fade/>
+      </p:transition>
+    </mc:Fallback>
+  </mc:AlternateContent>
 </p:sld>
 </file>
 
@@ -6950,6 +8872,18 @@
   <p:clrMapOvr>
     <a:masterClrMapping/>
   </p:clrMapOvr>
+  <mc:AlternateContent xmlns:mc="http://schemas.openxmlformats.org/markup-compatibility/2006" xmlns:p159="http://schemas.microsoft.com/office/powerpoint/2015/09/main">
+    <mc:Choice Requires="p159">
+      <p:transition xmlns:p14="http://schemas.microsoft.com/office/powerpoint/2010/main" spd="slow" p14:dur="2000">
+        <p159:morph option="byWord"/>
+      </p:transition>
+    </mc:Choice>
+    <mc:Fallback xmlns="">
+      <p:transition spd="slow">
+        <p:fade/>
+      </p:transition>
+    </mc:Fallback>
+  </mc:AlternateContent>
 </p:sld>
 </file>
 
@@ -7145,6 +9079,18 @@
   <p:clrMapOvr>
     <a:masterClrMapping/>
   </p:clrMapOvr>
+  <mc:AlternateContent xmlns:mc="http://schemas.openxmlformats.org/markup-compatibility/2006" xmlns:p159="http://schemas.microsoft.com/office/powerpoint/2015/09/main">
+    <mc:Choice Requires="p159">
+      <p:transition xmlns:p14="http://schemas.microsoft.com/office/powerpoint/2010/main" spd="slow" p14:dur="2000">
+        <p159:morph option="byWord"/>
+      </p:transition>
+    </mc:Choice>
+    <mc:Fallback xmlns="">
+      <p:transition spd="slow">
+        <p:fade/>
+      </p:transition>
+    </mc:Fallback>
+  </mc:AlternateContent>
 </p:sld>
 </file>
 
@@ -7254,7 +9200,7 @@
         </p:nvSpPr>
         <p:spPr>
           <a:xfrm>
-            <a:off x="1990056" y="1664245"/>
+            <a:off x="1925452" y="1563638"/>
             <a:ext cx="6912768" cy="2995737"/>
           </a:xfrm>
         </p:spPr>
@@ -7339,6 +9285,18 @@
   <p:clrMapOvr>
     <a:masterClrMapping/>
   </p:clrMapOvr>
+  <mc:AlternateContent xmlns:mc="http://schemas.openxmlformats.org/markup-compatibility/2006" xmlns:p159="http://schemas.microsoft.com/office/powerpoint/2015/09/main">
+    <mc:Choice Requires="p159">
+      <p:transition xmlns:p14="http://schemas.microsoft.com/office/powerpoint/2010/main" spd="slow" p14:dur="2000">
+        <p159:morph option="byWord"/>
+      </p:transition>
+    </mc:Choice>
+    <mc:Fallback xmlns="">
+      <p:transition spd="slow">
+        <p:fade/>
+      </p:transition>
+    </mc:Fallback>
+  </mc:AlternateContent>
 </p:sld>
 </file>
 
@@ -7364,7 +9322,7 @@
           <p:cNvPr id="2" name="Titolo 1">
             <a:extLst>
               <a:ext uri="{FF2B5EF4-FFF2-40B4-BE49-F238E27FC236}">
-                <a16:creationId xmlns:a16="http://schemas.microsoft.com/office/drawing/2014/main" id="{1C9728DE-DCC3-47F3-A9A7-4840BBF3A649}"/>
+                <a16:creationId xmlns:a16="http://schemas.microsoft.com/office/drawing/2014/main" id="{929A8F7E-6DE7-4CF1-8507-D13BF35BA7BD}"/>
               </a:ext>
             </a:extLst>
           </p:cNvPr>
@@ -7375,201 +9333,67 @@
             <p:ph type="title"/>
           </p:nvPr>
         </p:nvSpPr>
-        <p:spPr/>
-        <p:txBody>
-          <a:bodyPr/>
-          <a:lstStyle/>
-          <a:p>
-            <a:r>
-              <a:rPr lang="it-CH" dirty="0" err="1"/>
-              <a:t>DroneController</a:t>
-            </a:r>
-            <a:endParaRPr lang="it-CH" dirty="0"/>
-          </a:p>
-        </p:txBody>
-      </p:sp>
-      <p:sp>
-        <p:nvSpPr>
-          <p:cNvPr id="3" name="Segnaposto contenuto 2">
+        <p:spPr>
+          <a:xfrm>
+            <a:off x="611560" y="1700213"/>
+            <a:ext cx="3008313" cy="871537"/>
+          </a:xfrm>
+        </p:spPr>
+        <p:txBody>
+          <a:bodyPr>
+            <a:normAutofit fontScale="90000"/>
+          </a:bodyPr>
+          <a:lstStyle/>
+          <a:p>
+            <a:pPr algn="ctr"/>
+            <a:r>
+              <a:rPr lang="it-CH" sz="4000" dirty="0">
+                <a:latin typeface="Arial" panose="020B0604020202020204" pitchFamily="34" charset="0"/>
+                <a:cs typeface="Arial" panose="020B0604020202020204" pitchFamily="34" charset="0"/>
+              </a:rPr>
+              <a:t>COMANDI RAPIDI</a:t>
+            </a:r>
+          </a:p>
+        </p:txBody>
+      </p:sp>
+      <p:pic>
+        <p:nvPicPr>
+          <p:cNvPr id="7" name="Segnaposto contenuto 6">
             <a:extLst>
               <a:ext uri="{FF2B5EF4-FFF2-40B4-BE49-F238E27FC236}">
-                <a16:creationId xmlns:a16="http://schemas.microsoft.com/office/drawing/2014/main" id="{A9782E92-4646-4216-BC0B-9AFBD5130E30}"/>
+                <a16:creationId xmlns:a16="http://schemas.microsoft.com/office/drawing/2014/main" id="{2C760AAA-BFC6-4AF6-AC4C-EB880816BB6F}"/>
               </a:ext>
             </a:extLst>
           </p:cNvPr>
-          <p:cNvSpPr>
-            <a:spLocks noGrp="1"/>
-          </p:cNvSpPr>
+          <p:cNvPicPr>
+            <a:picLocks noGrp="1" noChangeAspect="1"/>
+          </p:cNvPicPr>
           <p:nvPr>
             <p:ph idx="1"/>
           </p:nvPr>
-        </p:nvSpPr>
+        </p:nvPicPr>
+        <p:blipFill rotWithShape="1">
+          <a:blip r:embed="rId3">
+            <a:extLst>
+              <a:ext uri="{28A0092B-C50C-407E-A947-70E740481C1C}">
+                <a14:useLocalDpi xmlns:a14="http://schemas.microsoft.com/office/drawing/2010/main" val="0"/>
+              </a:ext>
+            </a:extLst>
+          </a:blip>
+          <a:srcRect b="16547"/>
+          <a:stretch/>
+        </p:blipFill>
         <p:spPr>
           <a:xfrm>
-            <a:off x="2000747" y="884466"/>
-            <a:ext cx="6912768" cy="460648"/>
+            <a:off x="5220072" y="46619"/>
+            <a:ext cx="3008313" cy="5104725"/>
           </a:xfrm>
         </p:spPr>
-        <p:txBody>
-          <a:bodyPr/>
-          <a:lstStyle/>
-          <a:p>
-            <a:r>
-              <a:rPr lang="it-CH" sz="2800" dirty="0"/>
-              <a:t>Classe </a:t>
-            </a:r>
-            <a:r>
-              <a:rPr lang="it-IT" sz="2800" dirty="0" err="1"/>
-              <a:t>CommandManager</a:t>
-            </a:r>
-            <a:r>
-              <a:rPr lang="it-IT" sz="2800" dirty="0"/>
-              <a:t> </a:t>
-            </a:r>
-            <a:endParaRPr lang="it-CH" sz="2800" dirty="0"/>
-          </a:p>
-        </p:txBody>
-      </p:sp>
-      <p:sp>
-        <p:nvSpPr>
-          <p:cNvPr id="4" name="Segnaposto contenuto 3">
-            <a:extLst>
-              <a:ext uri="{FF2B5EF4-FFF2-40B4-BE49-F238E27FC236}">
-                <a16:creationId xmlns:a16="http://schemas.microsoft.com/office/drawing/2014/main" id="{13544A92-8328-4004-96C8-B60363828F13}"/>
-              </a:ext>
-            </a:extLst>
-          </p:cNvPr>
-          <p:cNvSpPr>
-            <a:spLocks noGrp="1"/>
-          </p:cNvSpPr>
-          <p:nvPr>
-            <p:ph idx="10"/>
-          </p:nvPr>
-        </p:nvSpPr>
-        <p:spPr>
-          <a:xfrm>
-            <a:off x="1990056" y="1664245"/>
-            <a:ext cx="6912768" cy="2995737"/>
-          </a:xfrm>
-        </p:spPr>
-        <p:txBody>
-          <a:bodyPr/>
-          <a:lstStyle/>
-          <a:p>
-            <a:pPr marL="285750" indent="-285750">
-              <a:lnSpc>
-                <a:spcPct val="200000"/>
-              </a:lnSpc>
-              <a:buFont typeface="Arial" panose="020B0604020202020204" pitchFamily="34" charset="0"/>
-              <a:buChar char="•"/>
-            </a:pPr>
-            <a:r>
-              <a:rPr lang="it-CH" sz="2000" dirty="0"/>
-              <a:t>Invio </a:t>
-            </a:r>
-            <a:r>
-              <a:rPr lang="it-CH" sz="2000" dirty="0">
-                <a:solidFill>
-                  <a:schemeClr val="tx1"/>
-                </a:solidFill>
-                <a:latin typeface="+mn-lt"/>
-                <a:cs typeface="+mn-cs"/>
-              </a:rPr>
-              <a:t>comandi </a:t>
-            </a:r>
-            <a:r>
-              <a:rPr lang="it-CH" sz="2000" dirty="0">
-                <a:solidFill>
-                  <a:schemeClr val="tx1"/>
-                </a:solidFill>
-                <a:latin typeface="+mn-lt"/>
-                <a:cs typeface="+mn-cs"/>
-                <a:sym typeface="Wingdings" panose="05000000000000000000" pitchFamily="2" charset="2"/>
-              </a:rPr>
-              <a:t> </a:t>
-            </a:r>
-            <a:r>
-              <a:rPr lang="it-CH" sz="2000" dirty="0" err="1">
-                <a:solidFill>
-                  <a:schemeClr val="tx1"/>
-                </a:solidFill>
-                <a:latin typeface="+mn-lt"/>
-                <a:cs typeface="+mn-cs"/>
-                <a:sym typeface="Wingdings" panose="05000000000000000000" pitchFamily="2" charset="2"/>
-              </a:rPr>
-              <a:t>Socket</a:t>
-            </a:r>
-            <a:endParaRPr lang="it-CH" sz="2000" dirty="0">
-              <a:solidFill>
-                <a:schemeClr val="tx1"/>
-              </a:solidFill>
-              <a:latin typeface="+mn-lt"/>
-              <a:cs typeface="+mn-cs"/>
-              <a:sym typeface="Wingdings" panose="05000000000000000000" pitchFamily="2" charset="2"/>
-            </a:endParaRPr>
-          </a:p>
-          <a:p>
-            <a:pPr marL="285750" indent="-285750">
-              <a:lnSpc>
-                <a:spcPct val="200000"/>
-              </a:lnSpc>
-              <a:buFont typeface="Arial" panose="020B0604020202020204" pitchFamily="34" charset="0"/>
-              <a:buChar char="•"/>
-            </a:pPr>
-            <a:r>
-              <a:rPr lang="it-CH" sz="2000" dirty="0">
-                <a:solidFill>
-                  <a:schemeClr val="tx1"/>
-                </a:solidFill>
-                <a:latin typeface="+mn-lt"/>
-                <a:cs typeface="+mn-cs"/>
-                <a:sym typeface="Wingdings" panose="05000000000000000000" pitchFamily="2" charset="2"/>
-              </a:rPr>
-              <a:t>Utilizzato da:</a:t>
-            </a:r>
-          </a:p>
-          <a:p>
-            <a:pPr marL="1028700" lvl="1">
-              <a:lnSpc>
-                <a:spcPct val="200000"/>
-              </a:lnSpc>
-              <a:buFont typeface="Arial" panose="020B0604020202020204" pitchFamily="34" charset="0"/>
-              <a:buChar char="•"/>
-            </a:pPr>
-            <a:r>
-              <a:rPr lang="it-CH" sz="2000" dirty="0" err="1">
-                <a:sym typeface="Wingdings" panose="05000000000000000000" pitchFamily="2" charset="2"/>
-              </a:rPr>
-              <a:t>DroneController</a:t>
-            </a:r>
-            <a:endParaRPr lang="it-CH" sz="2000" dirty="0">
-              <a:sym typeface="Wingdings" panose="05000000000000000000" pitchFamily="2" charset="2"/>
-            </a:endParaRPr>
-          </a:p>
-          <a:p>
-            <a:pPr marL="1028700" lvl="1">
-              <a:lnSpc>
-                <a:spcPct val="200000"/>
-              </a:lnSpc>
-              <a:buFont typeface="Arial" panose="020B0604020202020204" pitchFamily="34" charset="0"/>
-              <a:buChar char="•"/>
-            </a:pPr>
-            <a:r>
-              <a:rPr lang="it-CH" sz="2000" dirty="0" err="1">
-                <a:sym typeface="Wingdings" panose="05000000000000000000" pitchFamily="2" charset="2"/>
-              </a:rPr>
-              <a:t>DroneControllerMonitor</a:t>
-            </a:r>
-            <a:endParaRPr lang="it-CH" sz="2000" dirty="0">
-              <a:sym typeface="Wingdings" panose="05000000000000000000" pitchFamily="2" charset="2"/>
-            </a:endParaRPr>
-          </a:p>
-        </p:txBody>
-      </p:sp>
+      </p:pic>
     </p:spTree>
     <p:extLst>
       <p:ext uri="{BB962C8B-B14F-4D97-AF65-F5344CB8AC3E}">
-        <p14:creationId xmlns:p14="http://schemas.microsoft.com/office/powerpoint/2010/main" val="3679172245"/>
+        <p14:creationId xmlns:p14="http://schemas.microsoft.com/office/powerpoint/2010/main" val="4158655498"/>
       </p:ext>
     </p:extLst>
   </p:cSld>
@@ -7601,7 +9425,7 @@
           <p:cNvPr id="2" name="Titolo 1">
             <a:extLst>
               <a:ext uri="{FF2B5EF4-FFF2-40B4-BE49-F238E27FC236}">
-                <a16:creationId xmlns:a16="http://schemas.microsoft.com/office/drawing/2014/main" id="{1C9728DE-DCC3-47F3-A9A7-4840BBF3A649}"/>
+                <a16:creationId xmlns:a16="http://schemas.microsoft.com/office/drawing/2014/main" id="{929A8F7E-6DE7-4CF1-8507-D13BF35BA7BD}"/>
               </a:ext>
             </a:extLst>
           </p:cNvPr>
@@ -7612,143 +9436,67 @@
             <p:ph type="title"/>
           </p:nvPr>
         </p:nvSpPr>
-        <p:spPr/>
-        <p:txBody>
-          <a:bodyPr/>
-          <a:lstStyle/>
-          <a:p>
-            <a:r>
-              <a:rPr lang="it-CH" dirty="0" err="1"/>
-              <a:t>DroneController</a:t>
-            </a:r>
-            <a:endParaRPr lang="it-CH" dirty="0"/>
-          </a:p>
-        </p:txBody>
-      </p:sp>
-      <p:sp>
-        <p:nvSpPr>
-          <p:cNvPr id="3" name="Segnaposto contenuto 2">
+        <p:spPr>
+          <a:xfrm>
+            <a:off x="611560" y="1491630"/>
+            <a:ext cx="3008313" cy="871537"/>
+          </a:xfrm>
+        </p:spPr>
+        <p:txBody>
+          <a:bodyPr>
+            <a:normAutofit/>
+          </a:bodyPr>
+          <a:lstStyle/>
+          <a:p>
+            <a:pPr algn="ctr"/>
+            <a:r>
+              <a:rPr lang="it-CH" sz="4000" dirty="0">
+                <a:latin typeface="Arial" panose="020B0604020202020204" pitchFamily="34" charset="0"/>
+                <a:cs typeface="Arial" panose="020B0604020202020204" pitchFamily="34" charset="0"/>
+              </a:rPr>
+              <a:t>LOG</a:t>
+            </a:r>
+          </a:p>
+        </p:txBody>
+      </p:sp>
+      <p:pic>
+        <p:nvPicPr>
+          <p:cNvPr id="6" name="Segnaposto contenuto 5">
             <a:extLst>
               <a:ext uri="{FF2B5EF4-FFF2-40B4-BE49-F238E27FC236}">
-                <a16:creationId xmlns:a16="http://schemas.microsoft.com/office/drawing/2014/main" id="{A9782E92-4646-4216-BC0B-9AFBD5130E30}"/>
+                <a16:creationId xmlns:a16="http://schemas.microsoft.com/office/drawing/2014/main" id="{B97A6D36-DB14-4C36-BD13-15CE91E275F7}"/>
               </a:ext>
             </a:extLst>
           </p:cNvPr>
-          <p:cNvSpPr>
-            <a:spLocks noGrp="1"/>
-          </p:cNvSpPr>
+          <p:cNvPicPr>
+            <a:picLocks noGrp="1" noChangeAspect="1"/>
+          </p:cNvPicPr>
           <p:nvPr>
             <p:ph idx="1"/>
           </p:nvPr>
-        </p:nvSpPr>
+        </p:nvPicPr>
+        <p:blipFill rotWithShape="1">
+          <a:blip r:embed="rId3">
+            <a:extLst>
+              <a:ext uri="{28A0092B-C50C-407E-A947-70E740481C1C}">
+                <a14:useLocalDpi xmlns:a14="http://schemas.microsoft.com/office/drawing/2010/main" val="0"/>
+              </a:ext>
+            </a:extLst>
+          </a:blip>
+          <a:srcRect b="41154"/>
+          <a:stretch/>
+        </p:blipFill>
         <p:spPr>
           <a:xfrm>
-            <a:off x="2000747" y="884466"/>
-            <a:ext cx="6912768" cy="460648"/>
+            <a:off x="4572000" y="220037"/>
+            <a:ext cx="4114800" cy="4923463"/>
           </a:xfrm>
         </p:spPr>
-        <p:txBody>
-          <a:bodyPr/>
-          <a:lstStyle/>
-          <a:p>
-            <a:r>
-              <a:rPr lang="it-CH" sz="2800" dirty="0"/>
-              <a:t>Classe </a:t>
-            </a:r>
-            <a:r>
-              <a:rPr lang="it-CH" sz="2800" dirty="0" err="1"/>
-              <a:t>FlightRecorder</a:t>
-            </a:r>
-            <a:r>
-              <a:rPr lang="it-IT" sz="2800" dirty="0"/>
-              <a:t> </a:t>
-            </a:r>
-            <a:endParaRPr lang="it-CH" sz="2800" dirty="0"/>
-          </a:p>
-        </p:txBody>
-      </p:sp>
-      <p:sp>
-        <p:nvSpPr>
-          <p:cNvPr id="4" name="Segnaposto contenuto 3">
-            <a:extLst>
-              <a:ext uri="{FF2B5EF4-FFF2-40B4-BE49-F238E27FC236}">
-                <a16:creationId xmlns:a16="http://schemas.microsoft.com/office/drawing/2014/main" id="{13544A92-8328-4004-96C8-B60363828F13}"/>
-              </a:ext>
-            </a:extLst>
-          </p:cNvPr>
-          <p:cNvSpPr>
-            <a:spLocks noGrp="1"/>
-          </p:cNvSpPr>
-          <p:nvPr>
-            <p:ph idx="10"/>
-          </p:nvPr>
-        </p:nvSpPr>
-        <p:spPr>
-          <a:xfrm>
-            <a:off x="1990056" y="1664245"/>
-            <a:ext cx="6912768" cy="2995737"/>
-          </a:xfrm>
-        </p:spPr>
-        <p:txBody>
-          <a:bodyPr/>
-          <a:lstStyle/>
-          <a:p>
-            <a:pPr marL="285750" indent="-285750">
-              <a:lnSpc>
-                <a:spcPct val="250000"/>
-              </a:lnSpc>
-              <a:buFont typeface="Arial" panose="020B0604020202020204" pitchFamily="34" charset="0"/>
-              <a:buChar char="•"/>
-            </a:pPr>
-            <a:r>
-              <a:rPr lang="it-CH" sz="2000" dirty="0">
-                <a:sym typeface="Wingdings" panose="05000000000000000000" pitchFamily="2" charset="2"/>
-              </a:rPr>
-              <a:t>Utilizza </a:t>
-            </a:r>
-            <a:r>
-              <a:rPr lang="it-CH" sz="2000" dirty="0" err="1">
-                <a:sym typeface="Wingdings" panose="05000000000000000000" pitchFamily="2" charset="2"/>
-              </a:rPr>
-              <a:t>CommandBuffer</a:t>
-            </a:r>
-            <a:r>
-              <a:rPr lang="it-CH" sz="2000" dirty="0">
-                <a:sym typeface="Wingdings" panose="05000000000000000000" pitchFamily="2" charset="2"/>
-              </a:rPr>
-              <a:t> + </a:t>
-            </a:r>
-            <a:r>
-              <a:rPr lang="it-CH" sz="2000" dirty="0" err="1">
-                <a:sym typeface="Wingdings" panose="05000000000000000000" pitchFamily="2" charset="2"/>
-              </a:rPr>
-              <a:t>CommandRecord</a:t>
-            </a:r>
-            <a:endParaRPr lang="it-CH" sz="2000" dirty="0">
-              <a:sym typeface="Wingdings" panose="05000000000000000000" pitchFamily="2" charset="2"/>
-            </a:endParaRPr>
-          </a:p>
-          <a:p>
-            <a:pPr marL="285750" indent="-285750">
-              <a:lnSpc>
-                <a:spcPct val="250000"/>
-              </a:lnSpc>
-              <a:buFont typeface="Arial" panose="020B0604020202020204" pitchFamily="34" charset="0"/>
-              <a:buChar char="•"/>
-            </a:pPr>
-            <a:r>
-              <a:rPr lang="it-CH" sz="2000" dirty="0">
-                <a:sym typeface="Wingdings" panose="05000000000000000000" pitchFamily="2" charset="2"/>
-              </a:rPr>
-              <a:t>Genera + Salva la registrazione</a:t>
-            </a:r>
-          </a:p>
-        </p:txBody>
-      </p:sp>
+      </p:pic>
     </p:spTree>
     <p:extLst>
       <p:ext uri="{BB962C8B-B14F-4D97-AF65-F5344CB8AC3E}">
-        <p14:creationId xmlns:p14="http://schemas.microsoft.com/office/powerpoint/2010/main" val="4176927173"/>
+        <p14:creationId xmlns:p14="http://schemas.microsoft.com/office/powerpoint/2010/main" val="1524865100"/>
       </p:ext>
     </p:extLst>
   </p:cSld>
@@ -7780,7 +9528,7 @@
           <p:cNvPr id="2" name="Titolo 1">
             <a:extLst>
               <a:ext uri="{FF2B5EF4-FFF2-40B4-BE49-F238E27FC236}">
-                <a16:creationId xmlns:a16="http://schemas.microsoft.com/office/drawing/2014/main" id="{1C9728DE-DCC3-47F3-A9A7-4840BBF3A649}"/>
+                <a16:creationId xmlns:a16="http://schemas.microsoft.com/office/drawing/2014/main" id="{929A8F7E-6DE7-4CF1-8507-D13BF35BA7BD}"/>
               </a:ext>
             </a:extLst>
           </p:cNvPr>
@@ -7791,136 +9539,67 @@
             <p:ph type="title"/>
           </p:nvPr>
         </p:nvSpPr>
-        <p:spPr/>
-        <p:txBody>
-          <a:bodyPr/>
-          <a:lstStyle/>
-          <a:p>
-            <a:r>
-              <a:rPr lang="it-CH" dirty="0" err="1"/>
-              <a:t>DroneSimulator</a:t>
-            </a:r>
-            <a:endParaRPr lang="it-CH" dirty="0"/>
-          </a:p>
-        </p:txBody>
-      </p:sp>
-      <p:sp>
-        <p:nvSpPr>
-          <p:cNvPr id="3" name="Segnaposto contenuto 2">
+        <p:spPr>
+          <a:xfrm>
+            <a:off x="611560" y="1491630"/>
+            <a:ext cx="3008313" cy="871537"/>
+          </a:xfrm>
+        </p:spPr>
+        <p:txBody>
+          <a:bodyPr>
+            <a:normAutofit fontScale="90000"/>
+          </a:bodyPr>
+          <a:lstStyle/>
+          <a:p>
+            <a:pPr algn="ctr"/>
+            <a:r>
+              <a:rPr lang="it-CH" sz="4000" dirty="0">
+                <a:latin typeface="Arial" panose="020B0604020202020204" pitchFamily="34" charset="0"/>
+                <a:cs typeface="Arial" panose="020B0604020202020204" pitchFamily="34" charset="0"/>
+              </a:rPr>
+              <a:t>RECORDING</a:t>
+            </a:r>
+          </a:p>
+        </p:txBody>
+      </p:sp>
+      <p:pic>
+        <p:nvPicPr>
+          <p:cNvPr id="7" name="Segnaposto contenuto 6">
             <a:extLst>
               <a:ext uri="{FF2B5EF4-FFF2-40B4-BE49-F238E27FC236}">
-                <a16:creationId xmlns:a16="http://schemas.microsoft.com/office/drawing/2014/main" id="{A9782E92-4646-4216-BC0B-9AFBD5130E30}"/>
+                <a16:creationId xmlns:a16="http://schemas.microsoft.com/office/drawing/2014/main" id="{08CE3365-7158-4311-97F0-0A11BB69C5E9}"/>
               </a:ext>
             </a:extLst>
           </p:cNvPr>
-          <p:cNvSpPr>
-            <a:spLocks noGrp="1"/>
-          </p:cNvSpPr>
+          <p:cNvPicPr>
+            <a:picLocks noGrp="1" noChangeAspect="1"/>
+          </p:cNvPicPr>
           <p:nvPr>
             <p:ph idx="1"/>
           </p:nvPr>
-        </p:nvSpPr>
+        </p:nvPicPr>
+        <p:blipFill rotWithShape="1">
+          <a:blip r:embed="rId3">
+            <a:extLst>
+              <a:ext uri="{28A0092B-C50C-407E-A947-70E740481C1C}">
+                <a14:useLocalDpi xmlns:a14="http://schemas.microsoft.com/office/drawing/2010/main" val="0"/>
+              </a:ext>
+            </a:extLst>
+          </a:blip>
+          <a:srcRect b="28031"/>
+          <a:stretch/>
+        </p:blipFill>
         <p:spPr>
           <a:xfrm>
-            <a:off x="2000747" y="884466"/>
-            <a:ext cx="6912768" cy="460648"/>
+            <a:off x="4860032" y="175356"/>
+            <a:ext cx="3398900" cy="4973874"/>
           </a:xfrm>
         </p:spPr>
-        <p:txBody>
-          <a:bodyPr/>
-          <a:lstStyle/>
-          <a:p>
-            <a:r>
-              <a:rPr lang="it-CH" sz="2800" dirty="0"/>
-              <a:t>Classe Simulator</a:t>
-            </a:r>
-            <a:r>
-              <a:rPr lang="it-IT" sz="2800" dirty="0"/>
-              <a:t> </a:t>
-            </a:r>
-            <a:endParaRPr lang="it-CH" sz="2800" dirty="0"/>
-          </a:p>
-        </p:txBody>
-      </p:sp>
-      <p:sp>
-        <p:nvSpPr>
-          <p:cNvPr id="4" name="Segnaposto contenuto 3">
-            <a:extLst>
-              <a:ext uri="{FF2B5EF4-FFF2-40B4-BE49-F238E27FC236}">
-                <a16:creationId xmlns:a16="http://schemas.microsoft.com/office/drawing/2014/main" id="{13544A92-8328-4004-96C8-B60363828F13}"/>
-              </a:ext>
-            </a:extLst>
-          </p:cNvPr>
-          <p:cNvSpPr>
-            <a:spLocks noGrp="1"/>
-          </p:cNvSpPr>
-          <p:nvPr>
-            <p:ph idx="10"/>
-          </p:nvPr>
-        </p:nvSpPr>
-        <p:spPr>
-          <a:xfrm>
-            <a:off x="1990056" y="1664245"/>
-            <a:ext cx="6912768" cy="2995737"/>
-          </a:xfrm>
-        </p:spPr>
-        <p:txBody>
-          <a:bodyPr/>
-          <a:lstStyle/>
-          <a:p>
-            <a:pPr marL="285750" indent="-285750">
-              <a:lnSpc>
-                <a:spcPct val="300000"/>
-              </a:lnSpc>
-              <a:buFont typeface="Arial" panose="020B0604020202020204" pitchFamily="34" charset="0"/>
-              <a:buChar char="•"/>
-            </a:pPr>
-            <a:r>
-              <a:rPr lang="it-CH" sz="2000" dirty="0">
-                <a:sym typeface="Wingdings" panose="05000000000000000000" pitchFamily="2" charset="2"/>
-              </a:rPr>
-              <a:t>Riceve comandi  </a:t>
-            </a:r>
-            <a:r>
-              <a:rPr lang="it-CH" sz="2000" dirty="0" err="1">
-                <a:sym typeface="Wingdings" panose="05000000000000000000" pitchFamily="2" charset="2"/>
-              </a:rPr>
-              <a:t>Socket</a:t>
-            </a:r>
-            <a:endParaRPr lang="it-CH" sz="2000" dirty="0">
-              <a:sym typeface="Wingdings" panose="05000000000000000000" pitchFamily="2" charset="2"/>
-            </a:endParaRPr>
-          </a:p>
-          <a:p>
-            <a:pPr marL="285750" indent="-285750">
-              <a:lnSpc>
-                <a:spcPct val="300000"/>
-              </a:lnSpc>
-              <a:buFont typeface="Arial" panose="020B0604020202020204" pitchFamily="34" charset="0"/>
-              <a:buChar char="•"/>
-            </a:pPr>
-            <a:r>
-              <a:rPr lang="it-CH" sz="2000" dirty="0">
-                <a:sym typeface="Wingdings" panose="05000000000000000000" pitchFamily="2" charset="2"/>
-              </a:rPr>
-              <a:t>Inoltro comandi  </a:t>
-            </a:r>
-            <a:r>
-              <a:rPr lang="it-CH" sz="2000" dirty="0" err="1">
-                <a:sym typeface="Wingdings" panose="05000000000000000000" pitchFamily="2" charset="2"/>
-              </a:rPr>
-              <a:t>CommandReader</a:t>
-            </a:r>
-            <a:endParaRPr lang="it-CH" sz="2000" dirty="0">
-              <a:sym typeface="Wingdings" panose="05000000000000000000" pitchFamily="2" charset="2"/>
-            </a:endParaRPr>
-          </a:p>
-        </p:txBody>
-      </p:sp>
+      </p:pic>
     </p:spTree>
     <p:extLst>
       <p:ext uri="{BB962C8B-B14F-4D97-AF65-F5344CB8AC3E}">
-        <p14:creationId xmlns:p14="http://schemas.microsoft.com/office/powerpoint/2010/main" val="2078199158"/>
+        <p14:creationId xmlns:p14="http://schemas.microsoft.com/office/powerpoint/2010/main" val="3214516453"/>
       </p:ext>
     </p:extLst>
   </p:cSld>
@@ -7952,7 +9631,7 @@
           <p:cNvPr id="2" name="Titolo 1">
             <a:extLst>
               <a:ext uri="{FF2B5EF4-FFF2-40B4-BE49-F238E27FC236}">
-                <a16:creationId xmlns:a16="http://schemas.microsoft.com/office/drawing/2014/main" id="{1C9728DE-DCC3-47F3-A9A7-4840BBF3A649}"/>
+                <a16:creationId xmlns:a16="http://schemas.microsoft.com/office/drawing/2014/main" id="{929A8F7E-6DE7-4CF1-8507-D13BF35BA7BD}"/>
               </a:ext>
             </a:extLst>
           </p:cNvPr>
@@ -7963,130 +9642,67 @@
             <p:ph type="title"/>
           </p:nvPr>
         </p:nvSpPr>
-        <p:spPr/>
-        <p:txBody>
-          <a:bodyPr/>
-          <a:lstStyle/>
-          <a:p>
-            <a:r>
-              <a:rPr lang="it-CH" dirty="0" err="1"/>
-              <a:t>DroneSimulator</a:t>
-            </a:r>
-            <a:endParaRPr lang="it-CH" dirty="0"/>
-          </a:p>
-        </p:txBody>
-      </p:sp>
-      <p:sp>
-        <p:nvSpPr>
-          <p:cNvPr id="3" name="Segnaposto contenuto 2">
+        <p:spPr>
+          <a:xfrm>
+            <a:off x="611560" y="1491630"/>
+            <a:ext cx="3008313" cy="871537"/>
+          </a:xfrm>
+        </p:spPr>
+        <p:txBody>
+          <a:bodyPr>
+            <a:normAutofit/>
+          </a:bodyPr>
+          <a:lstStyle/>
+          <a:p>
+            <a:pPr algn="ctr"/>
+            <a:r>
+              <a:rPr lang="it-CH" sz="4000" dirty="0">
+                <a:latin typeface="Arial" panose="020B0604020202020204" pitchFamily="34" charset="0"/>
+                <a:cs typeface="Arial" panose="020B0604020202020204" pitchFamily="34" charset="0"/>
+              </a:rPr>
+              <a:t>SETTINGS</a:t>
+            </a:r>
+          </a:p>
+        </p:txBody>
+      </p:sp>
+      <p:pic>
+        <p:nvPicPr>
+          <p:cNvPr id="10" name="Segnaposto contenuto 9">
             <a:extLst>
               <a:ext uri="{FF2B5EF4-FFF2-40B4-BE49-F238E27FC236}">
-                <a16:creationId xmlns:a16="http://schemas.microsoft.com/office/drawing/2014/main" id="{A9782E92-4646-4216-BC0B-9AFBD5130E30}"/>
+                <a16:creationId xmlns:a16="http://schemas.microsoft.com/office/drawing/2014/main" id="{5AD6B1D3-1840-4DF9-8D90-3402003E993D}"/>
               </a:ext>
             </a:extLst>
           </p:cNvPr>
-          <p:cNvSpPr>
-            <a:spLocks noGrp="1"/>
-          </p:cNvSpPr>
+          <p:cNvPicPr>
+            <a:picLocks noGrp="1" noChangeAspect="1"/>
+          </p:cNvPicPr>
           <p:nvPr>
             <p:ph idx="1"/>
           </p:nvPr>
-        </p:nvSpPr>
+        </p:nvPicPr>
+        <p:blipFill rotWithShape="1">
+          <a:blip r:embed="rId3">
+            <a:extLst>
+              <a:ext uri="{28A0092B-C50C-407E-A947-70E740481C1C}">
+                <a14:useLocalDpi xmlns:a14="http://schemas.microsoft.com/office/drawing/2010/main" val="0"/>
+              </a:ext>
+            </a:extLst>
+          </a:blip>
+          <a:srcRect b="46076"/>
+          <a:stretch/>
+        </p:blipFill>
         <p:spPr>
           <a:xfrm>
-            <a:off x="2000747" y="884466"/>
-            <a:ext cx="6912768" cy="460648"/>
+            <a:off x="4355976" y="445915"/>
+            <a:ext cx="4284336" cy="4697585"/>
           </a:xfrm>
         </p:spPr>
-        <p:txBody>
-          <a:bodyPr/>
-          <a:lstStyle/>
-          <a:p>
-            <a:r>
-              <a:rPr lang="it-CH" sz="2800" dirty="0"/>
-              <a:t>Classe </a:t>
-            </a:r>
-            <a:r>
-              <a:rPr lang="it-CH" sz="2800" dirty="0" err="1"/>
-              <a:t>CommandReader</a:t>
-            </a:r>
-            <a:r>
-              <a:rPr lang="it-IT" sz="2800" dirty="0"/>
-              <a:t> </a:t>
-            </a:r>
-            <a:endParaRPr lang="it-CH" sz="2800" dirty="0"/>
-          </a:p>
-        </p:txBody>
-      </p:sp>
-      <p:sp>
-        <p:nvSpPr>
-          <p:cNvPr id="4" name="Segnaposto contenuto 3">
-            <a:extLst>
-              <a:ext uri="{FF2B5EF4-FFF2-40B4-BE49-F238E27FC236}">
-                <a16:creationId xmlns:a16="http://schemas.microsoft.com/office/drawing/2014/main" id="{13544A92-8328-4004-96C8-B60363828F13}"/>
-              </a:ext>
-            </a:extLst>
-          </p:cNvPr>
-          <p:cNvSpPr>
-            <a:spLocks noGrp="1"/>
-          </p:cNvSpPr>
-          <p:nvPr>
-            <p:ph idx="10"/>
-          </p:nvPr>
-        </p:nvSpPr>
-        <p:spPr>
-          <a:xfrm>
-            <a:off x="1990056" y="1664245"/>
-            <a:ext cx="6912768" cy="2995737"/>
-          </a:xfrm>
-        </p:spPr>
-        <p:txBody>
-          <a:bodyPr/>
-          <a:lstStyle/>
-          <a:p>
-            <a:r>
-              <a:rPr lang="it-IT" sz="2000" dirty="0"/>
-              <a:t>Riceve i comandi dalla classe Simulator.</a:t>
-            </a:r>
-          </a:p>
-          <a:p>
-            <a:endParaRPr lang="it-IT" sz="2000" dirty="0"/>
-          </a:p>
-          <a:p>
-            <a:r>
-              <a:rPr lang="it-IT" sz="2000" dirty="0"/>
-              <a:t>Simula i comandi della SDK di Tello. </a:t>
-            </a:r>
-          </a:p>
-          <a:p>
-            <a:endParaRPr lang="it-IT" sz="2000" dirty="0"/>
-          </a:p>
-          <a:p>
-            <a:r>
-              <a:rPr lang="it-IT" sz="2000" dirty="0"/>
-              <a:t>Aggiorna le variabili contenenti informazioni su</a:t>
-            </a:r>
-            <a:br>
-              <a:rPr lang="it-IT" sz="2000" dirty="0"/>
-            </a:br>
-            <a:r>
-              <a:rPr lang="it-IT" sz="2000" dirty="0"/>
-              <a:t>Posizione e rotazione del drone.</a:t>
-            </a:r>
-          </a:p>
-          <a:p>
-            <a:pPr marL="342900" indent="-342900">
-              <a:buFont typeface="Arial" panose="020B0604020202020204" pitchFamily="34" charset="0"/>
-              <a:buChar char="•"/>
-            </a:pPr>
-            <a:endParaRPr lang="it-IT" sz="2000" dirty="0"/>
-          </a:p>
-        </p:txBody>
-      </p:sp>
+      </p:pic>
     </p:spTree>
     <p:extLst>
       <p:ext uri="{BB962C8B-B14F-4D97-AF65-F5344CB8AC3E}">
-        <p14:creationId xmlns:p14="http://schemas.microsoft.com/office/powerpoint/2010/main" val="422939601"/>
+        <p14:creationId xmlns:p14="http://schemas.microsoft.com/office/powerpoint/2010/main" val="2210739306"/>
       </p:ext>
     </p:extLst>
   </p:cSld>
@@ -8118,7 +9734,7 @@
           <p:cNvPr id="2" name="Titolo 1">
             <a:extLst>
               <a:ext uri="{FF2B5EF4-FFF2-40B4-BE49-F238E27FC236}">
-                <a16:creationId xmlns:a16="http://schemas.microsoft.com/office/drawing/2014/main" id="{1C9728DE-DCC3-47F3-A9A7-4840BBF3A649}"/>
+                <a16:creationId xmlns:a16="http://schemas.microsoft.com/office/drawing/2014/main" id="{764A1C8B-D6B4-4868-8C8D-8531F9FA4B44}"/>
               </a:ext>
             </a:extLst>
           </p:cNvPr>
@@ -8135,126 +9751,488 @@
           <a:lstStyle/>
           <a:p>
             <a:r>
-              <a:rPr lang="it-CH" dirty="0" err="1"/>
-              <a:t>DroneSimulator</a:t>
-            </a:r>
-            <a:endParaRPr lang="it-CH" dirty="0"/>
-          </a:p>
-        </p:txBody>
-      </p:sp>
-      <p:sp>
-        <p:nvSpPr>
-          <p:cNvPr id="3" name="Segnaposto contenuto 2">
+              <a:rPr lang="it-CH" sz="4400" dirty="0"/>
+              <a:t>RISULTATI TEST</a:t>
+            </a:r>
+          </a:p>
+        </p:txBody>
+      </p:sp>
+      <p:graphicFrame>
+        <p:nvGraphicFramePr>
+          <p:cNvPr id="5" name="Tabella 4">
             <a:extLst>
               <a:ext uri="{FF2B5EF4-FFF2-40B4-BE49-F238E27FC236}">
-                <a16:creationId xmlns:a16="http://schemas.microsoft.com/office/drawing/2014/main" id="{A9782E92-4646-4216-BC0B-9AFBD5130E30}"/>
+                <a16:creationId xmlns:a16="http://schemas.microsoft.com/office/drawing/2014/main" id="{F55F7FF1-C1A4-4804-B5D0-A5DC5CD3C59F}"/>
               </a:ext>
             </a:extLst>
           </p:cNvPr>
-          <p:cNvSpPr>
-            <a:spLocks noGrp="1"/>
-          </p:cNvSpPr>
-          <p:nvPr>
-            <p:ph idx="1"/>
-          </p:nvPr>
-        </p:nvSpPr>
-        <p:spPr>
-          <a:xfrm>
-            <a:off x="2000747" y="884466"/>
-            <a:ext cx="6912768" cy="460648"/>
-          </a:xfrm>
-        </p:spPr>
-        <p:txBody>
-          <a:bodyPr/>
-          <a:lstStyle/>
-          <a:p>
-            <a:r>
-              <a:rPr lang="it-CH" sz="2800" dirty="0"/>
-              <a:t>Classe </a:t>
-            </a:r>
-            <a:r>
-              <a:rPr lang="it-IT" sz="2800" dirty="0" err="1"/>
-              <a:t>TelloChartFrame</a:t>
-            </a:r>
-            <a:r>
-              <a:rPr lang="it-IT" sz="2800" dirty="0"/>
-              <a:t> </a:t>
-            </a:r>
-            <a:endParaRPr lang="it-CH" sz="2800" dirty="0"/>
-          </a:p>
-        </p:txBody>
-      </p:sp>
-      <p:sp>
-        <p:nvSpPr>
-          <p:cNvPr id="4" name="Segnaposto contenuto 3">
-            <a:extLst>
-              <a:ext uri="{FF2B5EF4-FFF2-40B4-BE49-F238E27FC236}">
-                <a16:creationId xmlns:a16="http://schemas.microsoft.com/office/drawing/2014/main" id="{13544A92-8328-4004-96C8-B60363828F13}"/>
-              </a:ext>
-            </a:extLst>
-          </p:cNvPr>
-          <p:cNvSpPr>
-            <a:spLocks noGrp="1"/>
-          </p:cNvSpPr>
-          <p:nvPr>
-            <p:ph idx="10"/>
-          </p:nvPr>
-        </p:nvSpPr>
-        <p:spPr>
-          <a:xfrm>
-            <a:off x="1990056" y="1664245"/>
-            <a:ext cx="6912768" cy="2995737"/>
-          </a:xfrm>
-        </p:spPr>
-        <p:txBody>
-          <a:bodyPr/>
-          <a:lstStyle/>
-          <a:p>
-            <a:r>
-              <a:rPr lang="it-IT" sz="2000" dirty="0"/>
-              <a:t>Mostra i dati del drone contenuti nella classe Simulator in un </a:t>
-            </a:r>
-            <a:r>
-              <a:rPr lang="it-IT" sz="2000" dirty="0" err="1"/>
-              <a:t>Jframe</a:t>
-            </a:r>
-            <a:r>
-              <a:rPr lang="it-IT" sz="2000" dirty="0"/>
-              <a:t>.</a:t>
-            </a:r>
-          </a:p>
-          <a:p>
-            <a:endParaRPr lang="it-IT" sz="2000" dirty="0"/>
-          </a:p>
-          <a:p>
-            <a:r>
-              <a:rPr lang="it-IT" sz="2000" dirty="0"/>
-              <a:t>Grafici posizione dall’alto e di profilo e di rotazione.</a:t>
-            </a:r>
-          </a:p>
-          <a:p>
-            <a:endParaRPr lang="it-IT" sz="2000" dirty="0"/>
-          </a:p>
-          <a:p>
-            <a:r>
-              <a:rPr lang="it-IT" sz="2000" dirty="0"/>
-              <a:t>Uso della libreria </a:t>
-            </a:r>
-            <a:r>
-              <a:rPr lang="it-IT" sz="2000" dirty="0" err="1"/>
-              <a:t>JFreeChart</a:t>
-            </a:r>
-            <a:r>
-              <a:rPr lang="it-IT" sz="2000" dirty="0"/>
-              <a:t> per la creazione dei grafici.</a:t>
-            </a:r>
-          </a:p>
-        </p:txBody>
-      </p:sp>
+          <p:cNvGraphicFramePr>
+            <a:graphicFrameLocks noGrp="1"/>
+          </p:cNvGraphicFramePr>
+          <p:nvPr>
+            <p:extLst>
+              <p:ext uri="{D42A27DB-BD31-4B8C-83A1-F6EECF244321}">
+                <p14:modId xmlns:p14="http://schemas.microsoft.com/office/powerpoint/2010/main" val="1246664068"/>
+              </p:ext>
+            </p:extLst>
+          </p:nvPr>
+        </p:nvGraphicFramePr>
+        <p:xfrm>
+          <a:off x="1175792" y="1131590"/>
+          <a:ext cx="6792416" cy="3126270"/>
+        </p:xfrm>
+        <a:graphic>
+          <a:graphicData uri="http://schemas.openxmlformats.org/drawingml/2006/table">
+            <a:tbl>
+              <a:tblPr firstRow="1" bandRow="1">
+                <a:tableStyleId>{5C22544A-7EE6-4342-B048-85BDC9FD1C3A}</a:tableStyleId>
+              </a:tblPr>
+              <a:tblGrid>
+                <a:gridCol w="3396208">
+                  <a:extLst>
+                    <a:ext uri="{9D8B030D-6E8A-4147-A177-3AD203B41FA5}">
+                      <a16:colId xmlns:a16="http://schemas.microsoft.com/office/drawing/2014/main" val="2392743453"/>
+                    </a:ext>
+                  </a:extLst>
+                </a:gridCol>
+                <a:gridCol w="3396208">
+                  <a:extLst>
+                    <a:ext uri="{9D8B030D-6E8A-4147-A177-3AD203B41FA5}">
+                      <a16:colId xmlns:a16="http://schemas.microsoft.com/office/drawing/2014/main" val="3716237907"/>
+                    </a:ext>
+                  </a:extLst>
+                </a:gridCol>
+              </a:tblGrid>
+              <a:tr h="386092">
+                <a:tc>
+                  <a:txBody>
+                    <a:bodyPr/>
+                    <a:lstStyle/>
+                    <a:p>
+                      <a:r>
+                        <a:rPr lang="it-CH" dirty="0"/>
+                        <a:t>Protocollo</a:t>
+                      </a:r>
+                    </a:p>
+                  </a:txBody>
+                  <a:tcPr/>
+                </a:tc>
+                <a:tc>
+                  <a:txBody>
+                    <a:bodyPr/>
+                    <a:lstStyle/>
+                    <a:p>
+                      <a:r>
+                        <a:rPr lang="it-CH" dirty="0"/>
+                        <a:t>Risultato</a:t>
+                      </a:r>
+                    </a:p>
+                  </a:txBody>
+                  <a:tcPr/>
+                </a:tc>
+                <a:extLst>
+                  <a:ext uri="{0D108BD9-81ED-4DB2-BD59-A6C34878D82A}">
+                    <a16:rowId xmlns:a16="http://schemas.microsoft.com/office/drawing/2014/main" val="3485924999"/>
+                  </a:ext>
+                </a:extLst>
+              </a:tr>
+              <a:tr h="391454">
+                <a:tc>
+                  <a:txBody>
+                    <a:bodyPr/>
+                    <a:lstStyle/>
+                    <a:p>
+                      <a:r>
+                        <a:rPr lang="it-CH" dirty="0"/>
+                        <a:t>TC-001</a:t>
+                      </a:r>
+                    </a:p>
+                  </a:txBody>
+                  <a:tcPr/>
+                </a:tc>
+                <a:tc>
+                  <a:txBody>
+                    <a:bodyPr/>
+                    <a:lstStyle/>
+                    <a:p>
+                      <a:r>
+                        <a:rPr lang="it-CH" sz="1800" b="0" kern="1200" dirty="0">
+                          <a:solidFill>
+                            <a:srgbClr val="00B050"/>
+                          </a:solidFill>
+                          <a:effectLst/>
+                          <a:latin typeface="+mn-lt"/>
+                          <a:ea typeface="+mn-ea"/>
+                          <a:cs typeface="+mn-cs"/>
+                        </a:rPr>
+                        <a:t>Passato ✔</a:t>
+                      </a:r>
+                    </a:p>
+                  </a:txBody>
+                  <a:tcPr/>
+                </a:tc>
+                <a:extLst>
+                  <a:ext uri="{0D108BD9-81ED-4DB2-BD59-A6C34878D82A}">
+                    <a16:rowId xmlns:a16="http://schemas.microsoft.com/office/drawing/2014/main" val="3718620749"/>
+                  </a:ext>
+                </a:extLst>
+              </a:tr>
+              <a:tr h="391454">
+                <a:tc>
+                  <a:txBody>
+                    <a:bodyPr/>
+                    <a:lstStyle/>
+                    <a:p>
+                      <a:r>
+                        <a:rPr lang="it-CH" dirty="0"/>
+                        <a:t>TC-002</a:t>
+                      </a:r>
+                    </a:p>
+                  </a:txBody>
+                  <a:tcPr/>
+                </a:tc>
+                <a:tc>
+                  <a:txBody>
+                    <a:bodyPr/>
+                    <a:lstStyle/>
+                    <a:p>
+                      <a:pPr marL="0" marR="0" lvl="0" indent="0" algn="l" defTabSz="914400" rtl="0" eaLnBrk="1" fontAlgn="auto" latinLnBrk="1" hangingPunct="1">
+                        <a:lnSpc>
+                          <a:spcPct val="100000"/>
+                        </a:lnSpc>
+                        <a:spcBef>
+                          <a:spcPts val="0"/>
+                        </a:spcBef>
+                        <a:spcAft>
+                          <a:spcPts val="0"/>
+                        </a:spcAft>
+                        <a:buClrTx/>
+                        <a:buSzTx/>
+                        <a:buFontTx/>
+                        <a:buNone/>
+                        <a:tabLst/>
+                        <a:defRPr/>
+                      </a:pPr>
+                      <a:r>
+                        <a:rPr lang="it-CH" sz="1800" b="0" kern="1200" dirty="0">
+                          <a:solidFill>
+                            <a:srgbClr val="00B050"/>
+                          </a:solidFill>
+                          <a:effectLst/>
+                          <a:latin typeface="+mn-lt"/>
+                          <a:ea typeface="+mn-ea"/>
+                          <a:cs typeface="+mn-cs"/>
+                        </a:rPr>
+                        <a:t>Passato ✔</a:t>
+                      </a:r>
+                    </a:p>
+                  </a:txBody>
+                  <a:tcPr/>
+                </a:tc>
+                <a:extLst>
+                  <a:ext uri="{0D108BD9-81ED-4DB2-BD59-A6C34878D82A}">
+                    <a16:rowId xmlns:a16="http://schemas.microsoft.com/office/drawing/2014/main" val="3132356401"/>
+                  </a:ext>
+                </a:extLst>
+              </a:tr>
+              <a:tr h="391454">
+                <a:tc>
+                  <a:txBody>
+                    <a:bodyPr/>
+                    <a:lstStyle/>
+                    <a:p>
+                      <a:r>
+                        <a:rPr lang="it-CH" dirty="0"/>
+                        <a:t>TC-003</a:t>
+                      </a:r>
+                    </a:p>
+                  </a:txBody>
+                  <a:tcPr/>
+                </a:tc>
+                <a:tc>
+                  <a:txBody>
+                    <a:bodyPr/>
+                    <a:lstStyle/>
+                    <a:p>
+                      <a:pPr marL="0" marR="0" lvl="0" indent="0" algn="l" defTabSz="914400" rtl="0" eaLnBrk="1" fontAlgn="auto" latinLnBrk="1" hangingPunct="1">
+                        <a:lnSpc>
+                          <a:spcPct val="100000"/>
+                        </a:lnSpc>
+                        <a:spcBef>
+                          <a:spcPts val="0"/>
+                        </a:spcBef>
+                        <a:spcAft>
+                          <a:spcPts val="0"/>
+                        </a:spcAft>
+                        <a:buClrTx/>
+                        <a:buSzTx/>
+                        <a:buFontTx/>
+                        <a:buNone/>
+                        <a:tabLst/>
+                        <a:defRPr/>
+                      </a:pPr>
+                      <a:r>
+                        <a:rPr lang="it-CH" sz="1800" b="1" kern="1200" dirty="0">
+                          <a:solidFill>
+                            <a:srgbClr val="FF0000"/>
+                          </a:solidFill>
+                          <a:effectLst/>
+                          <a:latin typeface="+mn-lt"/>
+                          <a:ea typeface="+mn-ea"/>
+                          <a:cs typeface="+mn-cs"/>
+                        </a:rPr>
+                        <a:t>Non passato ❌</a:t>
+                      </a:r>
+                    </a:p>
+                  </a:txBody>
+                  <a:tcPr/>
+                </a:tc>
+                <a:extLst>
+                  <a:ext uri="{0D108BD9-81ED-4DB2-BD59-A6C34878D82A}">
+                    <a16:rowId xmlns:a16="http://schemas.microsoft.com/office/drawing/2014/main" val="3113495145"/>
+                  </a:ext>
+                </a:extLst>
+              </a:tr>
+              <a:tr h="391454">
+                <a:tc>
+                  <a:txBody>
+                    <a:bodyPr/>
+                    <a:lstStyle/>
+                    <a:p>
+                      <a:r>
+                        <a:rPr lang="it-CH" dirty="0"/>
+                        <a:t>TC-004</a:t>
+                      </a:r>
+                    </a:p>
+                  </a:txBody>
+                  <a:tcPr/>
+                </a:tc>
+                <a:tc>
+                  <a:txBody>
+                    <a:bodyPr/>
+                    <a:lstStyle/>
+                    <a:p>
+                      <a:pPr marL="0" marR="0" lvl="0" indent="0" algn="l" defTabSz="914400" rtl="0" eaLnBrk="1" fontAlgn="auto" latinLnBrk="1" hangingPunct="1">
+                        <a:lnSpc>
+                          <a:spcPct val="100000"/>
+                        </a:lnSpc>
+                        <a:spcBef>
+                          <a:spcPts val="0"/>
+                        </a:spcBef>
+                        <a:spcAft>
+                          <a:spcPts val="0"/>
+                        </a:spcAft>
+                        <a:buClrTx/>
+                        <a:buSzTx/>
+                        <a:buFontTx/>
+                        <a:buNone/>
+                        <a:tabLst/>
+                        <a:defRPr/>
+                      </a:pPr>
+                      <a:r>
+                        <a:rPr lang="it-CH" sz="1800" b="0" kern="1200" dirty="0">
+                          <a:solidFill>
+                            <a:srgbClr val="00B050"/>
+                          </a:solidFill>
+                          <a:effectLst/>
+                          <a:latin typeface="+mn-lt"/>
+                          <a:ea typeface="+mn-ea"/>
+                          <a:cs typeface="+mn-cs"/>
+                        </a:rPr>
+                        <a:t>Passato ✔</a:t>
+                      </a:r>
+                    </a:p>
+                  </a:txBody>
+                  <a:tcPr/>
+                </a:tc>
+                <a:extLst>
+                  <a:ext uri="{0D108BD9-81ED-4DB2-BD59-A6C34878D82A}">
+                    <a16:rowId xmlns:a16="http://schemas.microsoft.com/office/drawing/2014/main" val="3463852800"/>
+                  </a:ext>
+                </a:extLst>
+              </a:tr>
+              <a:tr h="391454">
+                <a:tc>
+                  <a:txBody>
+                    <a:bodyPr/>
+                    <a:lstStyle/>
+                    <a:p>
+                      <a:r>
+                        <a:rPr lang="it-CH" dirty="0"/>
+                        <a:t>TC-005</a:t>
+                      </a:r>
+                    </a:p>
+                  </a:txBody>
+                  <a:tcPr/>
+                </a:tc>
+                <a:tc>
+                  <a:txBody>
+                    <a:bodyPr/>
+                    <a:lstStyle/>
+                    <a:p>
+                      <a:pPr marL="0" marR="0" lvl="0" indent="0" algn="l" defTabSz="914400" rtl="0" eaLnBrk="1" fontAlgn="auto" latinLnBrk="1" hangingPunct="1">
+                        <a:lnSpc>
+                          <a:spcPct val="100000"/>
+                        </a:lnSpc>
+                        <a:spcBef>
+                          <a:spcPts val="0"/>
+                        </a:spcBef>
+                        <a:spcAft>
+                          <a:spcPts val="0"/>
+                        </a:spcAft>
+                        <a:buClrTx/>
+                        <a:buSzTx/>
+                        <a:buFontTx/>
+                        <a:buNone/>
+                        <a:tabLst/>
+                        <a:defRPr/>
+                      </a:pPr>
+                      <a:r>
+                        <a:rPr lang="it-CH" sz="1800" b="1" kern="1200" dirty="0">
+                          <a:solidFill>
+                            <a:srgbClr val="FF0000"/>
+                          </a:solidFill>
+                          <a:effectLst/>
+                          <a:latin typeface="+mn-lt"/>
+                          <a:ea typeface="+mn-ea"/>
+                          <a:cs typeface="+mn-cs"/>
+                        </a:rPr>
+                        <a:t>Non passato ❌</a:t>
+                      </a:r>
+                    </a:p>
+                  </a:txBody>
+                  <a:tcPr/>
+                </a:tc>
+                <a:extLst>
+                  <a:ext uri="{0D108BD9-81ED-4DB2-BD59-A6C34878D82A}">
+                    <a16:rowId xmlns:a16="http://schemas.microsoft.com/office/drawing/2014/main" val="1181745103"/>
+                  </a:ext>
+                </a:extLst>
+              </a:tr>
+              <a:tr h="391454">
+                <a:tc>
+                  <a:txBody>
+                    <a:bodyPr/>
+                    <a:lstStyle/>
+                    <a:p>
+                      <a:r>
+                        <a:rPr lang="it-CH" dirty="0"/>
+                        <a:t>TC-006</a:t>
+                      </a:r>
+                    </a:p>
+                  </a:txBody>
+                  <a:tcPr/>
+                </a:tc>
+                <a:tc>
+                  <a:txBody>
+                    <a:bodyPr/>
+                    <a:lstStyle/>
+                    <a:p>
+                      <a:pPr marL="0" marR="0" lvl="0" indent="0" algn="l" defTabSz="914400" rtl="0" eaLnBrk="1" fontAlgn="auto" latinLnBrk="1" hangingPunct="1">
+                        <a:lnSpc>
+                          <a:spcPct val="100000"/>
+                        </a:lnSpc>
+                        <a:spcBef>
+                          <a:spcPts val="0"/>
+                        </a:spcBef>
+                        <a:spcAft>
+                          <a:spcPts val="0"/>
+                        </a:spcAft>
+                        <a:buClrTx/>
+                        <a:buSzTx/>
+                        <a:buFontTx/>
+                        <a:buNone/>
+                        <a:tabLst/>
+                        <a:defRPr/>
+                      </a:pPr>
+                      <a:r>
+                        <a:rPr lang="it-CH" sz="1800" b="0" kern="1200" dirty="0">
+                          <a:solidFill>
+                            <a:srgbClr val="00B050"/>
+                          </a:solidFill>
+                          <a:effectLst/>
+                          <a:latin typeface="+mn-lt"/>
+                          <a:ea typeface="+mn-ea"/>
+                          <a:cs typeface="+mn-cs"/>
+                        </a:rPr>
+                        <a:t>Passato ✔</a:t>
+                      </a:r>
+                    </a:p>
+                  </a:txBody>
+                  <a:tcPr/>
+                </a:tc>
+                <a:extLst>
+                  <a:ext uri="{0D108BD9-81ED-4DB2-BD59-A6C34878D82A}">
+                    <a16:rowId xmlns:a16="http://schemas.microsoft.com/office/drawing/2014/main" val="779251828"/>
+                  </a:ext>
+                </a:extLst>
+              </a:tr>
+              <a:tr h="391454">
+                <a:tc>
+                  <a:txBody>
+                    <a:bodyPr/>
+                    <a:lstStyle/>
+                    <a:p>
+                      <a:r>
+                        <a:rPr lang="it-CH" dirty="0"/>
+                        <a:t>TC-007</a:t>
+                      </a:r>
+                    </a:p>
+                  </a:txBody>
+                  <a:tcPr/>
+                </a:tc>
+                <a:tc>
+                  <a:txBody>
+                    <a:bodyPr/>
+                    <a:lstStyle/>
+                    <a:p>
+                      <a:pPr marL="0" marR="0" lvl="0" indent="0" algn="l" defTabSz="914400" rtl="0" eaLnBrk="1" fontAlgn="auto" latinLnBrk="1" hangingPunct="1">
+                        <a:lnSpc>
+                          <a:spcPct val="100000"/>
+                        </a:lnSpc>
+                        <a:spcBef>
+                          <a:spcPts val="0"/>
+                        </a:spcBef>
+                        <a:spcAft>
+                          <a:spcPts val="0"/>
+                        </a:spcAft>
+                        <a:buClrTx/>
+                        <a:buSzTx/>
+                        <a:buFontTx/>
+                        <a:buNone/>
+                        <a:tabLst/>
+                        <a:defRPr/>
+                      </a:pPr>
+                      <a:r>
+                        <a:rPr lang="it-CH" sz="1800" b="0" kern="1200" dirty="0">
+                          <a:solidFill>
+                            <a:srgbClr val="00B050"/>
+                          </a:solidFill>
+                          <a:effectLst/>
+                          <a:latin typeface="+mn-lt"/>
+                          <a:ea typeface="+mn-ea"/>
+                          <a:cs typeface="+mn-cs"/>
+                        </a:rPr>
+                        <a:t>Passato ✔</a:t>
+                      </a:r>
+                    </a:p>
+                  </a:txBody>
+                  <a:tcPr/>
+                </a:tc>
+                <a:extLst>
+                  <a:ext uri="{0D108BD9-81ED-4DB2-BD59-A6C34878D82A}">
+                    <a16:rowId xmlns:a16="http://schemas.microsoft.com/office/drawing/2014/main" val="3755891411"/>
+                  </a:ext>
+                </a:extLst>
+              </a:tr>
+            </a:tbl>
+          </a:graphicData>
+        </a:graphic>
+      </p:graphicFrame>
     </p:spTree>
     <p:extLst>
       <p:ext uri="{BB962C8B-B14F-4D97-AF65-F5344CB8AC3E}">
-        <p14:creationId xmlns:p14="http://schemas.microsoft.com/office/powerpoint/2010/main" val="2580388235"/>
+        <p14:creationId xmlns:p14="http://schemas.microsoft.com/office/powerpoint/2010/main" val="3387862405"/>
       </p:ext>
     </p:extLst>
   </p:cSld>
@@ -8283,10 +10261,10 @@
       </p:grpSpPr>
       <p:sp>
         <p:nvSpPr>
-          <p:cNvPr id="5" name="Titolo 1">
+          <p:cNvPr id="2" name="Titolo 1">
             <a:extLst>
               <a:ext uri="{FF2B5EF4-FFF2-40B4-BE49-F238E27FC236}">
-                <a16:creationId xmlns:a16="http://schemas.microsoft.com/office/drawing/2014/main" id="{292F61BE-0FB3-49B8-B345-CC63DA7985C5}"/>
+                <a16:creationId xmlns:a16="http://schemas.microsoft.com/office/drawing/2014/main" id="{1C9728DE-DCC3-47F3-A9A7-4840BBF3A649}"/>
               </a:ext>
             </a:extLst>
           </p:cNvPr>
@@ -8297,34 +10275,481 @@
             <p:ph type="title"/>
           </p:nvPr>
         </p:nvSpPr>
+        <p:spPr/>
+        <p:txBody>
+          <a:bodyPr/>
+          <a:lstStyle/>
+          <a:p>
+            <a:r>
+              <a:rPr lang="it-CH" dirty="0" err="1"/>
+              <a:t>DroneController</a:t>
+            </a:r>
+            <a:endParaRPr lang="it-CH" dirty="0"/>
+          </a:p>
+        </p:txBody>
+      </p:sp>
+      <p:sp>
+        <p:nvSpPr>
+          <p:cNvPr id="3" name="Segnaposto contenuto 2">
+            <a:extLst>
+              <a:ext uri="{FF2B5EF4-FFF2-40B4-BE49-F238E27FC236}">
+                <a16:creationId xmlns:a16="http://schemas.microsoft.com/office/drawing/2014/main" id="{A9782E92-4646-4216-BC0B-9AFBD5130E30}"/>
+              </a:ext>
+            </a:extLst>
+          </p:cNvPr>
+          <p:cNvSpPr>
+            <a:spLocks noGrp="1"/>
+          </p:cNvSpPr>
+          <p:nvPr>
+            <p:ph idx="1"/>
+          </p:nvPr>
+        </p:nvSpPr>
         <p:spPr>
           <a:xfrm>
-            <a:off x="809836" y="2129517"/>
-            <a:ext cx="7524328" cy="884466"/>
+            <a:off x="2000747" y="884466"/>
+            <a:ext cx="6912768" cy="460648"/>
           </a:xfrm>
         </p:spPr>
         <p:txBody>
           <a:bodyPr/>
           <a:lstStyle/>
           <a:p>
-            <a:pPr algn="ctr"/>
-            <a:r>
-              <a:rPr lang="it-CH" sz="6600" dirty="0"/>
-              <a:t>CONCLUSIONI</a:t>
-            </a:r>
+            <a:r>
+              <a:rPr lang="it-CH" sz="2800" dirty="0"/>
+              <a:t>Classe </a:t>
+            </a:r>
+            <a:r>
+              <a:rPr lang="it-IT" sz="2800" dirty="0" err="1"/>
+              <a:t>CommandManager</a:t>
+            </a:r>
+            <a:r>
+              <a:rPr lang="it-IT" sz="2800" dirty="0"/>
+              <a:t> </a:t>
+            </a:r>
+            <a:endParaRPr lang="it-CH" sz="2800" dirty="0"/>
+          </a:p>
+        </p:txBody>
+      </p:sp>
+      <p:sp>
+        <p:nvSpPr>
+          <p:cNvPr id="4" name="Segnaposto contenuto 3">
+            <a:extLst>
+              <a:ext uri="{FF2B5EF4-FFF2-40B4-BE49-F238E27FC236}">
+                <a16:creationId xmlns:a16="http://schemas.microsoft.com/office/drawing/2014/main" id="{13544A92-8328-4004-96C8-B60363828F13}"/>
+              </a:ext>
+            </a:extLst>
+          </p:cNvPr>
+          <p:cNvSpPr>
+            <a:spLocks noGrp="1"/>
+          </p:cNvSpPr>
+          <p:nvPr>
+            <p:ph idx="10"/>
+          </p:nvPr>
+        </p:nvSpPr>
+        <p:spPr>
+          <a:xfrm>
+            <a:off x="1990056" y="1664245"/>
+            <a:ext cx="6912768" cy="2995737"/>
+          </a:xfrm>
+        </p:spPr>
+        <p:txBody>
+          <a:bodyPr/>
+          <a:lstStyle/>
+          <a:p>
+            <a:pPr marL="285750" indent="-285750">
+              <a:lnSpc>
+                <a:spcPct val="200000"/>
+              </a:lnSpc>
+              <a:buFont typeface="Arial" panose="020B0604020202020204" pitchFamily="34" charset="0"/>
+              <a:buChar char="•"/>
+            </a:pPr>
+            <a:r>
+              <a:rPr lang="it-CH" sz="2000" dirty="0"/>
+              <a:t>Invio </a:t>
+            </a:r>
+            <a:r>
+              <a:rPr lang="it-CH" sz="2000" dirty="0">
+                <a:solidFill>
+                  <a:schemeClr val="tx1"/>
+                </a:solidFill>
+                <a:latin typeface="+mn-lt"/>
+                <a:cs typeface="+mn-cs"/>
+              </a:rPr>
+              <a:t>comandi </a:t>
+            </a:r>
+            <a:r>
+              <a:rPr lang="it-CH" sz="2000" dirty="0">
+                <a:solidFill>
+                  <a:schemeClr val="tx1"/>
+                </a:solidFill>
+                <a:latin typeface="+mn-lt"/>
+                <a:cs typeface="+mn-cs"/>
+                <a:sym typeface="Wingdings" panose="05000000000000000000" pitchFamily="2" charset="2"/>
+              </a:rPr>
+              <a:t> TCP </a:t>
+            </a:r>
+            <a:r>
+              <a:rPr lang="it-CH" sz="2000" dirty="0" err="1">
+                <a:solidFill>
+                  <a:schemeClr val="tx1"/>
+                </a:solidFill>
+                <a:latin typeface="+mn-lt"/>
+                <a:cs typeface="+mn-cs"/>
+                <a:sym typeface="Wingdings" panose="05000000000000000000" pitchFamily="2" charset="2"/>
+              </a:rPr>
+              <a:t>Socket</a:t>
+            </a:r>
+            <a:endParaRPr lang="it-CH" sz="2000" dirty="0">
+              <a:solidFill>
+                <a:schemeClr val="tx1"/>
+              </a:solidFill>
+              <a:latin typeface="+mn-lt"/>
+              <a:cs typeface="+mn-cs"/>
+              <a:sym typeface="Wingdings" panose="05000000000000000000" pitchFamily="2" charset="2"/>
+            </a:endParaRPr>
+          </a:p>
+          <a:p>
+            <a:pPr marL="285750" indent="-285750">
+              <a:lnSpc>
+                <a:spcPct val="200000"/>
+              </a:lnSpc>
+              <a:buFont typeface="Arial" panose="020B0604020202020204" pitchFamily="34" charset="0"/>
+              <a:buChar char="•"/>
+            </a:pPr>
+            <a:r>
+              <a:rPr lang="it-CH" sz="2000" dirty="0">
+                <a:solidFill>
+                  <a:schemeClr val="tx1"/>
+                </a:solidFill>
+                <a:latin typeface="+mn-lt"/>
+                <a:cs typeface="+mn-cs"/>
+                <a:sym typeface="Wingdings" panose="05000000000000000000" pitchFamily="2" charset="2"/>
+              </a:rPr>
+              <a:t>Utilizzato da:</a:t>
+            </a:r>
+          </a:p>
+          <a:p>
+            <a:pPr marL="1028700" lvl="1">
+              <a:lnSpc>
+                <a:spcPct val="200000"/>
+              </a:lnSpc>
+              <a:buFont typeface="Arial" panose="020B0604020202020204" pitchFamily="34" charset="0"/>
+              <a:buChar char="•"/>
+            </a:pPr>
+            <a:r>
+              <a:rPr lang="it-CH" sz="2000" dirty="0" err="1">
+                <a:sym typeface="Wingdings" panose="05000000000000000000" pitchFamily="2" charset="2"/>
+              </a:rPr>
+              <a:t>DroneController</a:t>
+            </a:r>
+            <a:endParaRPr lang="it-CH" sz="2000" dirty="0">
+              <a:sym typeface="Wingdings" panose="05000000000000000000" pitchFamily="2" charset="2"/>
+            </a:endParaRPr>
+          </a:p>
+          <a:p>
+            <a:pPr marL="1028700" lvl="1">
+              <a:lnSpc>
+                <a:spcPct val="200000"/>
+              </a:lnSpc>
+              <a:buFont typeface="Arial" panose="020B0604020202020204" pitchFamily="34" charset="0"/>
+              <a:buChar char="•"/>
+            </a:pPr>
+            <a:r>
+              <a:rPr lang="it-CH" sz="2000" dirty="0" err="1">
+                <a:sym typeface="Wingdings" panose="05000000000000000000" pitchFamily="2" charset="2"/>
+              </a:rPr>
+              <a:t>DroneControllerMonitor</a:t>
+            </a:r>
+            <a:endParaRPr lang="it-CH" sz="2000" dirty="0">
+              <a:sym typeface="Wingdings" panose="05000000000000000000" pitchFamily="2" charset="2"/>
+            </a:endParaRPr>
           </a:p>
         </p:txBody>
       </p:sp>
     </p:spTree>
     <p:extLst>
       <p:ext uri="{BB962C8B-B14F-4D97-AF65-F5344CB8AC3E}">
-        <p14:creationId xmlns:p14="http://schemas.microsoft.com/office/powerpoint/2010/main" val="472541723"/>
+        <p14:creationId xmlns:p14="http://schemas.microsoft.com/office/powerpoint/2010/main" val="3679172245"/>
       </p:ext>
     </p:extLst>
   </p:cSld>
   <p:clrMapOvr>
     <a:masterClrMapping/>
   </p:clrMapOvr>
+  <mc:AlternateContent xmlns:mc="http://schemas.openxmlformats.org/markup-compatibility/2006" xmlns:p159="http://schemas.microsoft.com/office/powerpoint/2015/09/main">
+    <mc:Choice Requires="p159">
+      <p:transition xmlns:p14="http://schemas.microsoft.com/office/powerpoint/2010/main" spd="slow" p14:dur="2000">
+        <p159:morph option="byWord"/>
+      </p:transition>
+    </mc:Choice>
+    <mc:Fallback xmlns="">
+      <p:transition spd="slow">
+        <p:fade/>
+      </p:transition>
+    </mc:Fallback>
+  </mc:AlternateContent>
+</p:sld>
+</file>
+
+<file path=ppt/slides/slide28.xml><?xml version="1.0" encoding="utf-8"?>
+<p:sld xmlns:a="http://schemas.openxmlformats.org/drawingml/2006/main" xmlns:r="http://schemas.openxmlformats.org/officeDocument/2006/relationships" xmlns:p="http://schemas.openxmlformats.org/presentationml/2006/main">
+  <p:cSld>
+    <p:bg>
+      <p:bgPr>
+        <a:solidFill>
+          <a:schemeClr val="tx1">
+            <a:lumMod val="85000"/>
+            <a:lumOff val="15000"/>
+          </a:schemeClr>
+        </a:solidFill>
+        <a:effectLst/>
+      </p:bgPr>
+    </p:bg>
+    <p:spTree>
+      <p:nvGrpSpPr>
+        <p:cNvPr id="1" name=""/>
+        <p:cNvGrpSpPr/>
+        <p:nvPr/>
+      </p:nvGrpSpPr>
+      <p:grpSpPr>
+        <a:xfrm>
+          <a:off x="0" y="0"/>
+          <a:ext cx="0" cy="0"/>
+          <a:chOff x="0" y="0"/>
+          <a:chExt cx="0" cy="0"/>
+        </a:xfrm>
+      </p:grpSpPr>
+      <p:pic>
+        <p:nvPicPr>
+          <p:cNvPr id="4" name="Immagine 3">
+            <a:extLst>
+              <a:ext uri="{FF2B5EF4-FFF2-40B4-BE49-F238E27FC236}">
+                <a16:creationId xmlns:a16="http://schemas.microsoft.com/office/drawing/2014/main" id="{D11CCAD3-0A5B-433F-9423-1A4299050201}"/>
+              </a:ext>
+            </a:extLst>
+          </p:cNvPr>
+          <p:cNvPicPr>
+            <a:picLocks noChangeAspect="1"/>
+          </p:cNvPicPr>
+          <p:nvPr/>
+        </p:nvPicPr>
+        <p:blipFill>
+          <a:blip r:embed="rId3"/>
+          <a:stretch>
+            <a:fillRect/>
+          </a:stretch>
+        </p:blipFill>
+        <p:spPr>
+          <a:xfrm>
+            <a:off x="1763688" y="0"/>
+            <a:ext cx="5143500" cy="5143500"/>
+          </a:xfrm>
+          <a:prstGeom prst="rect">
+            <a:avLst/>
+          </a:prstGeom>
+        </p:spPr>
+      </p:pic>
+    </p:spTree>
+    <p:extLst>
+      <p:ext uri="{BB962C8B-B14F-4D97-AF65-F5344CB8AC3E}">
+        <p14:creationId xmlns:p14="http://schemas.microsoft.com/office/powerpoint/2010/main" val="508207524"/>
+      </p:ext>
+    </p:extLst>
+  </p:cSld>
+  <p:clrMapOvr>
+    <a:masterClrMapping/>
+  </p:clrMapOvr>
+</p:sld>
+</file>
+
+<file path=ppt/slides/slide29.xml><?xml version="1.0" encoding="utf-8"?>
+<p:sld xmlns:a="http://schemas.openxmlformats.org/drawingml/2006/main" xmlns:r="http://schemas.openxmlformats.org/officeDocument/2006/relationships" xmlns:p="http://schemas.openxmlformats.org/presentationml/2006/main">
+  <p:cSld>
+    <p:spTree>
+      <p:nvGrpSpPr>
+        <p:cNvPr id="1" name=""/>
+        <p:cNvGrpSpPr/>
+        <p:nvPr/>
+      </p:nvGrpSpPr>
+      <p:grpSpPr>
+        <a:xfrm>
+          <a:off x="0" y="0"/>
+          <a:ext cx="0" cy="0"/>
+          <a:chOff x="0" y="0"/>
+          <a:chExt cx="0" cy="0"/>
+        </a:xfrm>
+      </p:grpSpPr>
+      <p:sp>
+        <p:nvSpPr>
+          <p:cNvPr id="2" name="Titolo 1">
+            <a:extLst>
+              <a:ext uri="{FF2B5EF4-FFF2-40B4-BE49-F238E27FC236}">
+                <a16:creationId xmlns:a16="http://schemas.microsoft.com/office/drawing/2014/main" id="{1C9728DE-DCC3-47F3-A9A7-4840BBF3A649}"/>
+              </a:ext>
+            </a:extLst>
+          </p:cNvPr>
+          <p:cNvSpPr>
+            <a:spLocks noGrp="1"/>
+          </p:cNvSpPr>
+          <p:nvPr>
+            <p:ph type="title"/>
+          </p:nvPr>
+        </p:nvSpPr>
+        <p:spPr/>
+        <p:txBody>
+          <a:bodyPr/>
+          <a:lstStyle/>
+          <a:p>
+            <a:r>
+              <a:rPr lang="it-CH" dirty="0" err="1"/>
+              <a:t>DroneController</a:t>
+            </a:r>
+            <a:endParaRPr lang="it-CH" dirty="0"/>
+          </a:p>
+        </p:txBody>
+      </p:sp>
+      <p:sp>
+        <p:nvSpPr>
+          <p:cNvPr id="3" name="Segnaposto contenuto 2">
+            <a:extLst>
+              <a:ext uri="{FF2B5EF4-FFF2-40B4-BE49-F238E27FC236}">
+                <a16:creationId xmlns:a16="http://schemas.microsoft.com/office/drawing/2014/main" id="{A9782E92-4646-4216-BC0B-9AFBD5130E30}"/>
+              </a:ext>
+            </a:extLst>
+          </p:cNvPr>
+          <p:cNvSpPr>
+            <a:spLocks noGrp="1"/>
+          </p:cNvSpPr>
+          <p:nvPr>
+            <p:ph idx="1"/>
+          </p:nvPr>
+        </p:nvSpPr>
+        <p:spPr>
+          <a:xfrm>
+            <a:off x="2000747" y="884466"/>
+            <a:ext cx="6912768" cy="460648"/>
+          </a:xfrm>
+        </p:spPr>
+        <p:txBody>
+          <a:bodyPr/>
+          <a:lstStyle/>
+          <a:p>
+            <a:r>
+              <a:rPr lang="it-CH" sz="2800" dirty="0"/>
+              <a:t>Classe </a:t>
+            </a:r>
+            <a:r>
+              <a:rPr lang="it-CH" sz="2800" dirty="0" err="1"/>
+              <a:t>FlightRecorder</a:t>
+            </a:r>
+            <a:r>
+              <a:rPr lang="it-IT" sz="2800" dirty="0"/>
+              <a:t> </a:t>
+            </a:r>
+            <a:endParaRPr lang="it-CH" sz="2800" dirty="0"/>
+          </a:p>
+        </p:txBody>
+      </p:sp>
+      <p:sp>
+        <p:nvSpPr>
+          <p:cNvPr id="4" name="Segnaposto contenuto 3">
+            <a:extLst>
+              <a:ext uri="{FF2B5EF4-FFF2-40B4-BE49-F238E27FC236}">
+                <a16:creationId xmlns:a16="http://schemas.microsoft.com/office/drawing/2014/main" id="{13544A92-8328-4004-96C8-B60363828F13}"/>
+              </a:ext>
+            </a:extLst>
+          </p:cNvPr>
+          <p:cNvSpPr>
+            <a:spLocks noGrp="1"/>
+          </p:cNvSpPr>
+          <p:nvPr>
+            <p:ph idx="10"/>
+          </p:nvPr>
+        </p:nvSpPr>
+        <p:spPr>
+          <a:xfrm>
+            <a:off x="1990056" y="1664245"/>
+            <a:ext cx="6912768" cy="2995737"/>
+          </a:xfrm>
+        </p:spPr>
+        <p:txBody>
+          <a:bodyPr/>
+          <a:lstStyle/>
+          <a:p>
+            <a:pPr marL="285750" indent="-285750">
+              <a:lnSpc>
+                <a:spcPct val="250000"/>
+              </a:lnSpc>
+              <a:buFont typeface="Arial" panose="020B0604020202020204" pitchFamily="34" charset="0"/>
+              <a:buChar char="•"/>
+            </a:pPr>
+            <a:r>
+              <a:rPr lang="it-CH" sz="2000" dirty="0">
+                <a:sym typeface="Wingdings" panose="05000000000000000000" pitchFamily="2" charset="2"/>
+              </a:rPr>
+              <a:t>Utilizza </a:t>
+            </a:r>
+            <a:r>
+              <a:rPr lang="it-CH" sz="2000" dirty="0" err="1">
+                <a:sym typeface="Wingdings" panose="05000000000000000000" pitchFamily="2" charset="2"/>
+              </a:rPr>
+              <a:t>CommandBuffer</a:t>
+            </a:r>
+            <a:r>
+              <a:rPr lang="it-CH" sz="2000" dirty="0">
+                <a:sym typeface="Wingdings" panose="05000000000000000000" pitchFamily="2" charset="2"/>
+              </a:rPr>
+              <a:t> &amp; </a:t>
+            </a:r>
+            <a:r>
+              <a:rPr lang="it-CH" sz="2000" dirty="0" err="1">
+                <a:sym typeface="Wingdings" panose="05000000000000000000" pitchFamily="2" charset="2"/>
+              </a:rPr>
+              <a:t>CommandRecord</a:t>
+            </a:r>
+            <a:endParaRPr lang="it-CH" sz="2000" dirty="0">
+              <a:sym typeface="Wingdings" panose="05000000000000000000" pitchFamily="2" charset="2"/>
+            </a:endParaRPr>
+          </a:p>
+          <a:p>
+            <a:pPr marL="285750" indent="-285750">
+              <a:lnSpc>
+                <a:spcPct val="250000"/>
+              </a:lnSpc>
+              <a:buFont typeface="Arial" panose="020B0604020202020204" pitchFamily="34" charset="0"/>
+              <a:buChar char="•"/>
+            </a:pPr>
+            <a:r>
+              <a:rPr lang="it-CH" sz="2000" dirty="0">
+                <a:sym typeface="Wingdings" panose="05000000000000000000" pitchFamily="2" charset="2"/>
+              </a:rPr>
+              <a:t>Genera &amp; Salva la registrazione</a:t>
+            </a:r>
+          </a:p>
+        </p:txBody>
+      </p:sp>
+    </p:spTree>
+    <p:extLst>
+      <p:ext uri="{BB962C8B-B14F-4D97-AF65-F5344CB8AC3E}">
+        <p14:creationId xmlns:p14="http://schemas.microsoft.com/office/powerpoint/2010/main" val="4176927173"/>
+      </p:ext>
+    </p:extLst>
+  </p:cSld>
+  <p:clrMapOvr>
+    <a:masterClrMapping/>
+  </p:clrMapOvr>
+  <mc:AlternateContent xmlns:mc="http://schemas.openxmlformats.org/markup-compatibility/2006" xmlns:p159="http://schemas.microsoft.com/office/powerpoint/2015/09/main">
+    <mc:Choice Requires="p159">
+      <p:transition xmlns:p14="http://schemas.microsoft.com/office/powerpoint/2010/main" spd="slow" p14:dur="2000">
+        <p159:morph option="byWord"/>
+      </p:transition>
+    </mc:Choice>
+    <mc:Fallback xmlns="">
+      <p:transition spd="slow">
+        <p:fade/>
+      </p:transition>
+    </mc:Fallback>
+  </mc:AlternateContent>
 </p:sld>
 </file>
 
@@ -8424,7 +10849,7 @@
             </a:pPr>
             <a:r>
               <a:rPr lang="it-CH" sz="3800" dirty="0">
-                <a:hlinkClick r:id="rId2"/>
+                <a:hlinkClick r:id="rId3"/>
               </a:rPr>
               <a:t>jari.naeser@samtrevano.ch</a:t>
             </a:r>
@@ -8459,7 +10884,7 @@
             </a:pPr>
             <a:r>
               <a:rPr lang="it-CH" sz="3600" dirty="0">
-                <a:hlinkClick r:id="rId3"/>
+                <a:hlinkClick r:id="rId4"/>
               </a:rPr>
               <a:t>andrea.rauso@samtrevano.ch</a:t>
             </a:r>
@@ -8477,6 +10902,636 @@
   <p:clrMapOvr>
     <a:masterClrMapping/>
   </p:clrMapOvr>
+  <mc:AlternateContent xmlns:mc="http://schemas.openxmlformats.org/markup-compatibility/2006" xmlns:p159="http://schemas.microsoft.com/office/powerpoint/2015/09/main">
+    <mc:Choice Requires="p159">
+      <p:transition xmlns:p14="http://schemas.microsoft.com/office/powerpoint/2010/main" spd="slow" p14:dur="2000">
+        <p159:morph option="byWord"/>
+      </p:transition>
+    </mc:Choice>
+    <mc:Fallback xmlns="">
+      <p:transition spd="slow">
+        <p:fade/>
+      </p:transition>
+    </mc:Fallback>
+  </mc:AlternateContent>
+</p:sld>
+</file>
+
+<file path=ppt/slides/slide30.xml><?xml version="1.0" encoding="utf-8"?>
+<p:sld xmlns:a="http://schemas.openxmlformats.org/drawingml/2006/main" xmlns:r="http://schemas.openxmlformats.org/officeDocument/2006/relationships" xmlns:p="http://schemas.openxmlformats.org/presentationml/2006/main">
+  <p:cSld>
+    <p:spTree>
+      <p:nvGrpSpPr>
+        <p:cNvPr id="1" name=""/>
+        <p:cNvGrpSpPr/>
+        <p:nvPr/>
+      </p:nvGrpSpPr>
+      <p:grpSpPr>
+        <a:xfrm>
+          <a:off x="0" y="0"/>
+          <a:ext cx="0" cy="0"/>
+          <a:chOff x="0" y="0"/>
+          <a:chExt cx="0" cy="0"/>
+        </a:xfrm>
+      </p:grpSpPr>
+      <p:sp>
+        <p:nvSpPr>
+          <p:cNvPr id="2" name="Titolo 1">
+            <a:extLst>
+              <a:ext uri="{FF2B5EF4-FFF2-40B4-BE49-F238E27FC236}">
+                <a16:creationId xmlns:a16="http://schemas.microsoft.com/office/drawing/2014/main" id="{1C9728DE-DCC3-47F3-A9A7-4840BBF3A649}"/>
+              </a:ext>
+            </a:extLst>
+          </p:cNvPr>
+          <p:cNvSpPr>
+            <a:spLocks noGrp="1"/>
+          </p:cNvSpPr>
+          <p:nvPr>
+            <p:ph type="title"/>
+          </p:nvPr>
+        </p:nvSpPr>
+        <p:spPr/>
+        <p:txBody>
+          <a:bodyPr/>
+          <a:lstStyle/>
+          <a:p>
+            <a:r>
+              <a:rPr lang="it-CH" dirty="0" err="1"/>
+              <a:t>DroneSimulator</a:t>
+            </a:r>
+            <a:endParaRPr lang="it-CH" dirty="0"/>
+          </a:p>
+        </p:txBody>
+      </p:sp>
+      <p:sp>
+        <p:nvSpPr>
+          <p:cNvPr id="3" name="Segnaposto contenuto 2">
+            <a:extLst>
+              <a:ext uri="{FF2B5EF4-FFF2-40B4-BE49-F238E27FC236}">
+                <a16:creationId xmlns:a16="http://schemas.microsoft.com/office/drawing/2014/main" id="{A9782E92-4646-4216-BC0B-9AFBD5130E30}"/>
+              </a:ext>
+            </a:extLst>
+          </p:cNvPr>
+          <p:cNvSpPr>
+            <a:spLocks noGrp="1"/>
+          </p:cNvSpPr>
+          <p:nvPr>
+            <p:ph idx="1"/>
+          </p:nvPr>
+        </p:nvSpPr>
+        <p:spPr>
+          <a:xfrm>
+            <a:off x="2000747" y="884466"/>
+            <a:ext cx="6912768" cy="460648"/>
+          </a:xfrm>
+        </p:spPr>
+        <p:txBody>
+          <a:bodyPr/>
+          <a:lstStyle/>
+          <a:p>
+            <a:r>
+              <a:rPr lang="it-CH" sz="2800" dirty="0"/>
+              <a:t>Classe Simulator</a:t>
+            </a:r>
+            <a:r>
+              <a:rPr lang="it-IT" sz="2800" dirty="0"/>
+              <a:t> </a:t>
+            </a:r>
+            <a:endParaRPr lang="it-CH" sz="2800" dirty="0"/>
+          </a:p>
+        </p:txBody>
+      </p:sp>
+      <p:sp>
+        <p:nvSpPr>
+          <p:cNvPr id="4" name="Segnaposto contenuto 3">
+            <a:extLst>
+              <a:ext uri="{FF2B5EF4-FFF2-40B4-BE49-F238E27FC236}">
+                <a16:creationId xmlns:a16="http://schemas.microsoft.com/office/drawing/2014/main" id="{13544A92-8328-4004-96C8-B60363828F13}"/>
+              </a:ext>
+            </a:extLst>
+          </p:cNvPr>
+          <p:cNvSpPr>
+            <a:spLocks noGrp="1"/>
+          </p:cNvSpPr>
+          <p:nvPr>
+            <p:ph idx="10"/>
+          </p:nvPr>
+        </p:nvSpPr>
+        <p:spPr>
+          <a:xfrm>
+            <a:off x="1990056" y="1664245"/>
+            <a:ext cx="6912768" cy="2995737"/>
+          </a:xfrm>
+        </p:spPr>
+        <p:txBody>
+          <a:bodyPr/>
+          <a:lstStyle/>
+          <a:p>
+            <a:pPr marL="285750" indent="-285750">
+              <a:lnSpc>
+                <a:spcPct val="300000"/>
+              </a:lnSpc>
+              <a:buFont typeface="Arial" panose="020B0604020202020204" pitchFamily="34" charset="0"/>
+              <a:buChar char="•"/>
+            </a:pPr>
+            <a:r>
+              <a:rPr lang="it-CH" sz="2000" dirty="0">
+                <a:sym typeface="Wingdings" panose="05000000000000000000" pitchFamily="2" charset="2"/>
+              </a:rPr>
+              <a:t>Riceve comandi  </a:t>
+            </a:r>
+            <a:r>
+              <a:rPr lang="it-CH" sz="2000" dirty="0" err="1">
+                <a:sym typeface="Wingdings" panose="05000000000000000000" pitchFamily="2" charset="2"/>
+              </a:rPr>
+              <a:t>Socket</a:t>
+            </a:r>
+            <a:endParaRPr lang="it-CH" sz="2000" dirty="0">
+              <a:sym typeface="Wingdings" panose="05000000000000000000" pitchFamily="2" charset="2"/>
+            </a:endParaRPr>
+          </a:p>
+          <a:p>
+            <a:pPr marL="285750" indent="-285750">
+              <a:lnSpc>
+                <a:spcPct val="300000"/>
+              </a:lnSpc>
+              <a:buFont typeface="Arial" panose="020B0604020202020204" pitchFamily="34" charset="0"/>
+              <a:buChar char="•"/>
+            </a:pPr>
+            <a:r>
+              <a:rPr lang="it-CH" sz="2000" dirty="0">
+                <a:sym typeface="Wingdings" panose="05000000000000000000" pitchFamily="2" charset="2"/>
+              </a:rPr>
+              <a:t>Inoltro comandi  </a:t>
+            </a:r>
+            <a:r>
+              <a:rPr lang="it-CH" sz="2000" dirty="0" err="1">
+                <a:sym typeface="Wingdings" panose="05000000000000000000" pitchFamily="2" charset="2"/>
+              </a:rPr>
+              <a:t>CommandReader</a:t>
+            </a:r>
+            <a:endParaRPr lang="it-CH" sz="2000" dirty="0">
+              <a:sym typeface="Wingdings" panose="05000000000000000000" pitchFamily="2" charset="2"/>
+            </a:endParaRPr>
+          </a:p>
+        </p:txBody>
+      </p:sp>
+    </p:spTree>
+    <p:extLst>
+      <p:ext uri="{BB962C8B-B14F-4D97-AF65-F5344CB8AC3E}">
+        <p14:creationId xmlns:p14="http://schemas.microsoft.com/office/powerpoint/2010/main" val="2078199158"/>
+      </p:ext>
+    </p:extLst>
+  </p:cSld>
+  <p:clrMapOvr>
+    <a:masterClrMapping/>
+  </p:clrMapOvr>
+  <mc:AlternateContent xmlns:mc="http://schemas.openxmlformats.org/markup-compatibility/2006" xmlns:p159="http://schemas.microsoft.com/office/powerpoint/2015/09/main">
+    <mc:Choice Requires="p159">
+      <p:transition xmlns:p14="http://schemas.microsoft.com/office/powerpoint/2010/main" spd="slow" p14:dur="2000">
+        <p159:morph option="byWord"/>
+      </p:transition>
+    </mc:Choice>
+    <mc:Fallback xmlns="">
+      <p:transition spd="slow">
+        <p:fade/>
+      </p:transition>
+    </mc:Fallback>
+  </mc:AlternateContent>
+</p:sld>
+</file>
+
+<file path=ppt/slides/slide31.xml><?xml version="1.0" encoding="utf-8"?>
+<p:sld xmlns:a="http://schemas.openxmlformats.org/drawingml/2006/main" xmlns:r="http://schemas.openxmlformats.org/officeDocument/2006/relationships" xmlns:p="http://schemas.openxmlformats.org/presentationml/2006/main">
+  <p:cSld>
+    <p:spTree>
+      <p:nvGrpSpPr>
+        <p:cNvPr id="1" name=""/>
+        <p:cNvGrpSpPr/>
+        <p:nvPr/>
+      </p:nvGrpSpPr>
+      <p:grpSpPr>
+        <a:xfrm>
+          <a:off x="0" y="0"/>
+          <a:ext cx="0" cy="0"/>
+          <a:chOff x="0" y="0"/>
+          <a:chExt cx="0" cy="0"/>
+        </a:xfrm>
+      </p:grpSpPr>
+      <p:sp>
+        <p:nvSpPr>
+          <p:cNvPr id="2" name="Titolo 1">
+            <a:extLst>
+              <a:ext uri="{FF2B5EF4-FFF2-40B4-BE49-F238E27FC236}">
+                <a16:creationId xmlns:a16="http://schemas.microsoft.com/office/drawing/2014/main" id="{1C9728DE-DCC3-47F3-A9A7-4840BBF3A649}"/>
+              </a:ext>
+            </a:extLst>
+          </p:cNvPr>
+          <p:cNvSpPr>
+            <a:spLocks noGrp="1"/>
+          </p:cNvSpPr>
+          <p:nvPr>
+            <p:ph type="title"/>
+          </p:nvPr>
+        </p:nvSpPr>
+        <p:spPr/>
+        <p:txBody>
+          <a:bodyPr/>
+          <a:lstStyle/>
+          <a:p>
+            <a:r>
+              <a:rPr lang="it-CH" dirty="0" err="1"/>
+              <a:t>DroneSimulator</a:t>
+            </a:r>
+            <a:endParaRPr lang="it-CH" dirty="0"/>
+          </a:p>
+        </p:txBody>
+      </p:sp>
+      <p:sp>
+        <p:nvSpPr>
+          <p:cNvPr id="3" name="Segnaposto contenuto 2">
+            <a:extLst>
+              <a:ext uri="{FF2B5EF4-FFF2-40B4-BE49-F238E27FC236}">
+                <a16:creationId xmlns:a16="http://schemas.microsoft.com/office/drawing/2014/main" id="{A9782E92-4646-4216-BC0B-9AFBD5130E30}"/>
+              </a:ext>
+            </a:extLst>
+          </p:cNvPr>
+          <p:cNvSpPr>
+            <a:spLocks noGrp="1"/>
+          </p:cNvSpPr>
+          <p:nvPr>
+            <p:ph idx="1"/>
+          </p:nvPr>
+        </p:nvSpPr>
+        <p:spPr>
+          <a:xfrm>
+            <a:off x="2000747" y="884466"/>
+            <a:ext cx="6912768" cy="460648"/>
+          </a:xfrm>
+        </p:spPr>
+        <p:txBody>
+          <a:bodyPr/>
+          <a:lstStyle/>
+          <a:p>
+            <a:r>
+              <a:rPr lang="it-CH" sz="2800" dirty="0"/>
+              <a:t>Classe </a:t>
+            </a:r>
+            <a:r>
+              <a:rPr lang="it-CH" sz="2800" dirty="0" err="1"/>
+              <a:t>CommandReader</a:t>
+            </a:r>
+            <a:r>
+              <a:rPr lang="it-IT" sz="2800" dirty="0"/>
+              <a:t> </a:t>
+            </a:r>
+            <a:endParaRPr lang="it-CH" sz="2800" dirty="0"/>
+          </a:p>
+        </p:txBody>
+      </p:sp>
+      <p:sp>
+        <p:nvSpPr>
+          <p:cNvPr id="4" name="Segnaposto contenuto 3">
+            <a:extLst>
+              <a:ext uri="{FF2B5EF4-FFF2-40B4-BE49-F238E27FC236}">
+                <a16:creationId xmlns:a16="http://schemas.microsoft.com/office/drawing/2014/main" id="{13544A92-8328-4004-96C8-B60363828F13}"/>
+              </a:ext>
+            </a:extLst>
+          </p:cNvPr>
+          <p:cNvSpPr>
+            <a:spLocks noGrp="1"/>
+          </p:cNvSpPr>
+          <p:nvPr>
+            <p:ph idx="10"/>
+          </p:nvPr>
+        </p:nvSpPr>
+        <p:spPr>
+          <a:xfrm>
+            <a:off x="1990056" y="1664245"/>
+            <a:ext cx="6912768" cy="2995737"/>
+          </a:xfrm>
+        </p:spPr>
+        <p:txBody>
+          <a:bodyPr/>
+          <a:lstStyle/>
+          <a:p>
+            <a:r>
+              <a:rPr lang="it-IT" sz="2000" dirty="0"/>
+              <a:t>Riceve i comandi dalla classe Simulator.</a:t>
+            </a:r>
+          </a:p>
+          <a:p>
+            <a:endParaRPr lang="it-IT" sz="2000" dirty="0"/>
+          </a:p>
+          <a:p>
+            <a:r>
+              <a:rPr lang="it-IT" sz="2000" dirty="0"/>
+              <a:t>Simula i comandi della SDK di Tello. </a:t>
+            </a:r>
+          </a:p>
+          <a:p>
+            <a:endParaRPr lang="it-IT" sz="2000" dirty="0"/>
+          </a:p>
+          <a:p>
+            <a:r>
+              <a:rPr lang="it-IT" sz="2000" dirty="0"/>
+              <a:t>Aggiorna le variabili contenenti informazioni su</a:t>
+            </a:r>
+            <a:br>
+              <a:rPr lang="it-IT" sz="2000" dirty="0"/>
+            </a:br>
+            <a:r>
+              <a:rPr lang="it-IT" sz="2000" dirty="0"/>
+              <a:t>Posizione e rotazione del drone.</a:t>
+            </a:r>
+          </a:p>
+          <a:p>
+            <a:pPr marL="342900" indent="-342900">
+              <a:buFont typeface="Arial" panose="020B0604020202020204" pitchFamily="34" charset="0"/>
+              <a:buChar char="•"/>
+            </a:pPr>
+            <a:endParaRPr lang="it-IT" sz="2000" dirty="0"/>
+          </a:p>
+        </p:txBody>
+      </p:sp>
+    </p:spTree>
+    <p:extLst>
+      <p:ext uri="{BB962C8B-B14F-4D97-AF65-F5344CB8AC3E}">
+        <p14:creationId xmlns:p14="http://schemas.microsoft.com/office/powerpoint/2010/main" val="422939601"/>
+      </p:ext>
+    </p:extLst>
+  </p:cSld>
+  <p:clrMapOvr>
+    <a:masterClrMapping/>
+  </p:clrMapOvr>
+  <mc:AlternateContent xmlns:mc="http://schemas.openxmlformats.org/markup-compatibility/2006" xmlns:p159="http://schemas.microsoft.com/office/powerpoint/2015/09/main">
+    <mc:Choice Requires="p159">
+      <p:transition xmlns:p14="http://schemas.microsoft.com/office/powerpoint/2010/main" spd="slow" p14:dur="2000">
+        <p159:morph option="byWord"/>
+      </p:transition>
+    </mc:Choice>
+    <mc:Fallback xmlns="">
+      <p:transition spd="slow">
+        <p:fade/>
+      </p:transition>
+    </mc:Fallback>
+  </mc:AlternateContent>
+</p:sld>
+</file>
+
+<file path=ppt/slides/slide32.xml><?xml version="1.0" encoding="utf-8"?>
+<p:sld xmlns:a="http://schemas.openxmlformats.org/drawingml/2006/main" xmlns:r="http://schemas.openxmlformats.org/officeDocument/2006/relationships" xmlns:p="http://schemas.openxmlformats.org/presentationml/2006/main">
+  <p:cSld>
+    <p:spTree>
+      <p:nvGrpSpPr>
+        <p:cNvPr id="1" name=""/>
+        <p:cNvGrpSpPr/>
+        <p:nvPr/>
+      </p:nvGrpSpPr>
+      <p:grpSpPr>
+        <a:xfrm>
+          <a:off x="0" y="0"/>
+          <a:ext cx="0" cy="0"/>
+          <a:chOff x="0" y="0"/>
+          <a:chExt cx="0" cy="0"/>
+        </a:xfrm>
+      </p:grpSpPr>
+      <p:sp>
+        <p:nvSpPr>
+          <p:cNvPr id="2" name="Titolo 1">
+            <a:extLst>
+              <a:ext uri="{FF2B5EF4-FFF2-40B4-BE49-F238E27FC236}">
+                <a16:creationId xmlns:a16="http://schemas.microsoft.com/office/drawing/2014/main" id="{1C9728DE-DCC3-47F3-A9A7-4840BBF3A649}"/>
+              </a:ext>
+            </a:extLst>
+          </p:cNvPr>
+          <p:cNvSpPr>
+            <a:spLocks noGrp="1"/>
+          </p:cNvSpPr>
+          <p:nvPr>
+            <p:ph type="title"/>
+          </p:nvPr>
+        </p:nvSpPr>
+        <p:spPr/>
+        <p:txBody>
+          <a:bodyPr/>
+          <a:lstStyle/>
+          <a:p>
+            <a:r>
+              <a:rPr lang="it-CH" dirty="0" err="1"/>
+              <a:t>DroneSimulator</a:t>
+            </a:r>
+            <a:endParaRPr lang="it-CH" dirty="0"/>
+          </a:p>
+        </p:txBody>
+      </p:sp>
+      <p:sp>
+        <p:nvSpPr>
+          <p:cNvPr id="3" name="Segnaposto contenuto 2">
+            <a:extLst>
+              <a:ext uri="{FF2B5EF4-FFF2-40B4-BE49-F238E27FC236}">
+                <a16:creationId xmlns:a16="http://schemas.microsoft.com/office/drawing/2014/main" id="{A9782E92-4646-4216-BC0B-9AFBD5130E30}"/>
+              </a:ext>
+            </a:extLst>
+          </p:cNvPr>
+          <p:cNvSpPr>
+            <a:spLocks noGrp="1"/>
+          </p:cNvSpPr>
+          <p:nvPr>
+            <p:ph idx="1"/>
+          </p:nvPr>
+        </p:nvSpPr>
+        <p:spPr>
+          <a:xfrm>
+            <a:off x="2000747" y="884466"/>
+            <a:ext cx="6912768" cy="460648"/>
+          </a:xfrm>
+        </p:spPr>
+        <p:txBody>
+          <a:bodyPr/>
+          <a:lstStyle/>
+          <a:p>
+            <a:r>
+              <a:rPr lang="it-CH" sz="2800" dirty="0"/>
+              <a:t>Classe </a:t>
+            </a:r>
+            <a:r>
+              <a:rPr lang="it-IT" sz="2800" dirty="0" err="1"/>
+              <a:t>TelloChartFrame</a:t>
+            </a:r>
+            <a:r>
+              <a:rPr lang="it-IT" sz="2800" dirty="0"/>
+              <a:t> </a:t>
+            </a:r>
+            <a:endParaRPr lang="it-CH" sz="2800" dirty="0"/>
+          </a:p>
+        </p:txBody>
+      </p:sp>
+      <p:sp>
+        <p:nvSpPr>
+          <p:cNvPr id="4" name="Segnaposto contenuto 3">
+            <a:extLst>
+              <a:ext uri="{FF2B5EF4-FFF2-40B4-BE49-F238E27FC236}">
+                <a16:creationId xmlns:a16="http://schemas.microsoft.com/office/drawing/2014/main" id="{13544A92-8328-4004-96C8-B60363828F13}"/>
+              </a:ext>
+            </a:extLst>
+          </p:cNvPr>
+          <p:cNvSpPr>
+            <a:spLocks noGrp="1"/>
+          </p:cNvSpPr>
+          <p:nvPr>
+            <p:ph idx="10"/>
+          </p:nvPr>
+        </p:nvSpPr>
+        <p:spPr>
+          <a:xfrm>
+            <a:off x="1990056" y="1664245"/>
+            <a:ext cx="6912768" cy="2995737"/>
+          </a:xfrm>
+        </p:spPr>
+        <p:txBody>
+          <a:bodyPr/>
+          <a:lstStyle/>
+          <a:p>
+            <a:r>
+              <a:rPr lang="it-IT" sz="2000" dirty="0"/>
+              <a:t>Mostra i dati del drone contenuti nella classe Simulator in un </a:t>
+            </a:r>
+            <a:r>
+              <a:rPr lang="it-IT" sz="2000" dirty="0" err="1"/>
+              <a:t>Jframe</a:t>
+            </a:r>
+            <a:r>
+              <a:rPr lang="it-IT" sz="2000" dirty="0"/>
+              <a:t>.</a:t>
+            </a:r>
+          </a:p>
+          <a:p>
+            <a:endParaRPr lang="it-IT" sz="2000" dirty="0"/>
+          </a:p>
+          <a:p>
+            <a:r>
+              <a:rPr lang="it-IT" sz="2000" dirty="0"/>
+              <a:t>Grafici posizione dall’alto e di profilo e di rotazione.</a:t>
+            </a:r>
+          </a:p>
+          <a:p>
+            <a:endParaRPr lang="it-IT" sz="2000" dirty="0"/>
+          </a:p>
+          <a:p>
+            <a:r>
+              <a:rPr lang="it-IT" sz="2000" dirty="0"/>
+              <a:t>Uso della libreria </a:t>
+            </a:r>
+            <a:r>
+              <a:rPr lang="it-IT" sz="2000" dirty="0" err="1"/>
+              <a:t>JFreeChart</a:t>
+            </a:r>
+            <a:r>
+              <a:rPr lang="it-IT" sz="2000" dirty="0"/>
+              <a:t> per la creazione dei grafici.</a:t>
+            </a:r>
+          </a:p>
+        </p:txBody>
+      </p:sp>
+    </p:spTree>
+    <p:extLst>
+      <p:ext uri="{BB962C8B-B14F-4D97-AF65-F5344CB8AC3E}">
+        <p14:creationId xmlns:p14="http://schemas.microsoft.com/office/powerpoint/2010/main" val="2580388235"/>
+      </p:ext>
+    </p:extLst>
+  </p:cSld>
+  <p:clrMapOvr>
+    <a:masterClrMapping/>
+  </p:clrMapOvr>
+  <mc:AlternateContent xmlns:mc="http://schemas.openxmlformats.org/markup-compatibility/2006" xmlns:p159="http://schemas.microsoft.com/office/powerpoint/2015/09/main">
+    <mc:Choice Requires="p159">
+      <p:transition xmlns:p14="http://schemas.microsoft.com/office/powerpoint/2010/main" spd="slow" p14:dur="2000">
+        <p159:morph option="byWord"/>
+      </p:transition>
+    </mc:Choice>
+    <mc:Fallback xmlns="">
+      <p:transition spd="slow">
+        <p:fade/>
+      </p:transition>
+    </mc:Fallback>
+  </mc:AlternateContent>
+</p:sld>
+</file>
+
+<file path=ppt/slides/slide33.xml><?xml version="1.0" encoding="utf-8"?>
+<p:sld xmlns:a="http://schemas.openxmlformats.org/drawingml/2006/main" xmlns:r="http://schemas.openxmlformats.org/officeDocument/2006/relationships" xmlns:p="http://schemas.openxmlformats.org/presentationml/2006/main">
+  <p:cSld>
+    <p:spTree>
+      <p:nvGrpSpPr>
+        <p:cNvPr id="1" name=""/>
+        <p:cNvGrpSpPr/>
+        <p:nvPr/>
+      </p:nvGrpSpPr>
+      <p:grpSpPr>
+        <a:xfrm>
+          <a:off x="0" y="0"/>
+          <a:ext cx="0" cy="0"/>
+          <a:chOff x="0" y="0"/>
+          <a:chExt cx="0" cy="0"/>
+        </a:xfrm>
+      </p:grpSpPr>
+      <p:sp>
+        <p:nvSpPr>
+          <p:cNvPr id="5" name="Titolo 1">
+            <a:extLst>
+              <a:ext uri="{FF2B5EF4-FFF2-40B4-BE49-F238E27FC236}">
+                <a16:creationId xmlns:a16="http://schemas.microsoft.com/office/drawing/2014/main" id="{292F61BE-0FB3-49B8-B345-CC63DA7985C5}"/>
+              </a:ext>
+            </a:extLst>
+          </p:cNvPr>
+          <p:cNvSpPr>
+            <a:spLocks noGrp="1"/>
+          </p:cNvSpPr>
+          <p:nvPr>
+            <p:ph type="title"/>
+          </p:nvPr>
+        </p:nvSpPr>
+        <p:spPr>
+          <a:xfrm>
+            <a:off x="809836" y="2129517"/>
+            <a:ext cx="7524328" cy="884466"/>
+          </a:xfrm>
+        </p:spPr>
+        <p:txBody>
+          <a:bodyPr/>
+          <a:lstStyle/>
+          <a:p>
+            <a:pPr algn="ctr"/>
+            <a:r>
+              <a:rPr lang="it-CH" sz="6600" dirty="0"/>
+              <a:t>CONCLUSIONI</a:t>
+            </a:r>
+          </a:p>
+        </p:txBody>
+      </p:sp>
+    </p:spTree>
+    <p:extLst>
+      <p:ext uri="{BB962C8B-B14F-4D97-AF65-F5344CB8AC3E}">
+        <p14:creationId xmlns:p14="http://schemas.microsoft.com/office/powerpoint/2010/main" val="472541723"/>
+      </p:ext>
+    </p:extLst>
+  </p:cSld>
+  <p:clrMapOvr>
+    <a:masterClrMapping/>
+  </p:clrMapOvr>
+  <mc:AlternateContent xmlns:mc="http://schemas.openxmlformats.org/markup-compatibility/2006" xmlns:p159="http://schemas.microsoft.com/office/powerpoint/2015/09/main">
+    <mc:Choice Requires="p159">
+      <p:transition xmlns:p14="http://schemas.microsoft.com/office/powerpoint/2010/main" spd="slow" p14:dur="2000">
+        <p159:morph option="byWord"/>
+      </p:transition>
+    </mc:Choice>
+    <mc:Fallback xmlns="">
+      <p:transition spd="slow">
+        <p:fade/>
+      </p:transition>
+    </mc:Fallback>
+  </mc:AlternateContent>
 </p:sld>
 </file>
 
@@ -8620,6 +11675,18 @@
   <p:clrMapOvr>
     <a:masterClrMapping/>
   </p:clrMapOvr>
+  <mc:AlternateContent xmlns:mc="http://schemas.openxmlformats.org/markup-compatibility/2006" xmlns:p159="http://schemas.microsoft.com/office/powerpoint/2015/09/main">
+    <mc:Choice Requires="p159">
+      <p:transition xmlns:p14="http://schemas.microsoft.com/office/powerpoint/2010/main" spd="slow" p14:dur="2000">
+        <p159:morph option="byWord"/>
+      </p:transition>
+    </mc:Choice>
+    <mc:Fallback xmlns="">
+      <p:transition spd="slow">
+        <p:fade/>
+      </p:transition>
+    </mc:Fallback>
+  </mc:AlternateContent>
 </p:sld>
 </file>
 
@@ -8748,6 +11815,18 @@
   <p:clrMapOvr>
     <a:masterClrMapping/>
   </p:clrMapOvr>
+  <mc:AlternateContent xmlns:mc="http://schemas.openxmlformats.org/markup-compatibility/2006" xmlns:p159="http://schemas.microsoft.com/office/powerpoint/2015/09/main">
+    <mc:Choice Requires="p159">
+      <p:transition xmlns:p14="http://schemas.microsoft.com/office/powerpoint/2010/main" spd="slow" p14:dur="2000">
+        <p159:morph option="byWord"/>
+      </p:transition>
+    </mc:Choice>
+    <mc:Fallback xmlns="">
+      <p:transition spd="slow">
+        <p:fade/>
+      </p:transition>
+    </mc:Fallback>
+  </mc:AlternateContent>
 </p:sld>
 </file>
 
@@ -9010,6 +12089,18 @@
   <p:clrMapOvr>
     <a:masterClrMapping/>
   </p:clrMapOvr>
+  <mc:AlternateContent xmlns:mc="http://schemas.openxmlformats.org/markup-compatibility/2006" xmlns:p159="http://schemas.microsoft.com/office/powerpoint/2015/09/main">
+    <mc:Choice Requires="p159">
+      <p:transition xmlns:p14="http://schemas.microsoft.com/office/powerpoint/2010/main" spd="slow" p14:dur="2000">
+        <p159:morph option="byWord"/>
+      </p:transition>
+    </mc:Choice>
+    <mc:Fallback xmlns="">
+      <p:transition spd="slow">
+        <p:fade/>
+      </p:transition>
+    </mc:Fallback>
+  </mc:AlternateContent>
 </p:sld>
 </file>
 
@@ -9155,6 +12246,18 @@
   <p:clrMapOvr>
     <a:masterClrMapping/>
   </p:clrMapOvr>
+  <mc:AlternateContent xmlns:mc="http://schemas.openxmlformats.org/markup-compatibility/2006" xmlns:p159="http://schemas.microsoft.com/office/powerpoint/2015/09/main">
+    <mc:Choice Requires="p159">
+      <p:transition xmlns:p14="http://schemas.microsoft.com/office/powerpoint/2010/main" spd="slow" p14:dur="2000">
+        <p159:morph option="byWord"/>
+      </p:transition>
+    </mc:Choice>
+    <mc:Fallback xmlns="">
+      <p:transition spd="slow">
+        <p:fade/>
+      </p:transition>
+    </mc:Fallback>
+  </mc:AlternateContent>
 </p:sld>
 </file>
 
@@ -9257,10 +12360,10 @@
       </p:pic>
       <p:pic>
         <p:nvPicPr>
-          <p:cNvPr id="8" name="Segnaposto contenuto 7">
+          <p:cNvPr id="6" name="Segnaposto contenuto 5">
             <a:extLst>
               <a:ext uri="{FF2B5EF4-FFF2-40B4-BE49-F238E27FC236}">
-                <a16:creationId xmlns:a16="http://schemas.microsoft.com/office/drawing/2014/main" id="{16008C45-EC87-4F77-BE82-735D4DE54469}"/>
+                <a16:creationId xmlns:a16="http://schemas.microsoft.com/office/drawing/2014/main" id="{340539DE-1D21-492C-BA50-AD02818970A6}"/>
               </a:ext>
             </a:extLst>
           </p:cNvPr>
@@ -9272,7 +12375,7 @@
           </p:nvPr>
         </p:nvPicPr>
         <p:blipFill>
-          <a:blip r:embed="rId4" cstate="print">
+          <a:blip r:embed="rId4">
             <a:extLst>
               <a:ext uri="{28A0092B-C50C-407E-A947-70E740481C1C}">
                 <a14:useLocalDpi xmlns:a14="http://schemas.microsoft.com/office/drawing/2010/main" val="0"/>
@@ -9285,8 +12388,8 @@
         </p:blipFill>
         <p:spPr>
           <a:xfrm>
-            <a:off x="1691680" y="1093104"/>
-            <a:ext cx="7066800" cy="3316765"/>
+            <a:off x="1619672" y="1275606"/>
+            <a:ext cx="7342055" cy="2952328"/>
           </a:xfrm>
         </p:spPr>
       </p:pic>
@@ -9300,6 +12403,18 @@
   <p:clrMapOvr>
     <a:masterClrMapping/>
   </p:clrMapOvr>
+  <mc:AlternateContent xmlns:mc="http://schemas.openxmlformats.org/markup-compatibility/2006" xmlns:p159="http://schemas.microsoft.com/office/powerpoint/2015/09/main">
+    <mc:Choice Requires="p159">
+      <p:transition xmlns:p14="http://schemas.microsoft.com/office/powerpoint/2010/main" spd="slow" p14:dur="2000">
+        <p159:morph option="byWord"/>
+      </p:transition>
+    </mc:Choice>
+    <mc:Fallback xmlns="">
+      <p:transition spd="slow">
+        <p:fade/>
+      </p:transition>
+    </mc:Fallback>
+  </mc:AlternateContent>
 </p:sld>
 </file>
 
@@ -9366,13 +12481,26 @@
         </p:nvSpPr>
         <p:spPr>
           <a:xfrm>
-            <a:off x="1925452" y="1347614"/>
+            <a:off x="1925452" y="1073881"/>
             <a:ext cx="6912768" cy="2995737"/>
           </a:xfrm>
         </p:spPr>
         <p:txBody>
           <a:bodyPr/>
           <a:lstStyle/>
+          <a:p>
+            <a:pPr marL="285750" indent="-285750">
+              <a:lnSpc>
+                <a:spcPct val="200000"/>
+              </a:lnSpc>
+              <a:buFont typeface="Arial" panose="020B0604020202020204" pitchFamily="34" charset="0"/>
+              <a:buChar char="•"/>
+            </a:pPr>
+            <a:r>
+              <a:rPr lang="it-CH" sz="2800" dirty="0"/>
+              <a:t>Documentazione</a:t>
+            </a:r>
+          </a:p>
           <a:p>
             <a:pPr marL="285750" indent="-285750">
               <a:lnSpc>
@@ -9431,6 +12559,18 @@
   <p:clrMapOvr>
     <a:masterClrMapping/>
   </p:clrMapOvr>
+  <mc:AlternateContent xmlns:mc="http://schemas.openxmlformats.org/markup-compatibility/2006" xmlns:p159="http://schemas.microsoft.com/office/powerpoint/2015/09/main">
+    <mc:Choice Requires="p159">
+      <p:transition xmlns:p14="http://schemas.microsoft.com/office/powerpoint/2010/main" spd="slow" p14:dur="2000">
+        <p159:morph option="byWord"/>
+      </p:transition>
+    </mc:Choice>
+    <mc:Fallback xmlns="">
+      <p:transition spd="slow">
+        <p:fade/>
+      </p:transition>
+    </mc:Fallback>
+  </mc:AlternateContent>
 </p:sld>
 </file>
 

--- a/docs/Presentazione.pptx
+++ b/docs/Presentazione.pptx
@@ -6,7 +6,7 @@
     <p:sldMasterId id="2147483661" r:id="rId2"/>
   </p:sldMasterIdLst>
   <p:notesMasterIdLst>
-    <p:notesMasterId r:id="rId36"/>
+    <p:notesMasterId r:id="rId39"/>
   </p:notesMasterIdLst>
   <p:sldIdLst>
     <p:sldId id="256" r:id="rId3"/>
@@ -34,14 +34,17 @@
     <p:sldId id="293" r:id="rId25"/>
     <p:sldId id="292" r:id="rId26"/>
     <p:sldId id="291" r:id="rId27"/>
-    <p:sldId id="297" r:id="rId28"/>
-    <p:sldId id="281" r:id="rId29"/>
-    <p:sldId id="290" r:id="rId30"/>
-    <p:sldId id="282" r:id="rId31"/>
-    <p:sldId id="283" r:id="rId32"/>
-    <p:sldId id="284" r:id="rId33"/>
-    <p:sldId id="285" r:id="rId34"/>
-    <p:sldId id="278" r:id="rId35"/>
+    <p:sldId id="281" r:id="rId28"/>
+    <p:sldId id="290" r:id="rId29"/>
+    <p:sldId id="282" r:id="rId30"/>
+    <p:sldId id="283" r:id="rId31"/>
+    <p:sldId id="284" r:id="rId32"/>
+    <p:sldId id="285" r:id="rId33"/>
+    <p:sldId id="301" r:id="rId34"/>
+    <p:sldId id="303" r:id="rId35"/>
+    <p:sldId id="304" r:id="rId36"/>
+    <p:sldId id="297" r:id="rId37"/>
+    <p:sldId id="278" r:id="rId38"/>
   </p:sldIdLst>
   <p:sldSz cx="9144000" cy="5143500" type="screen16x9"/>
   <p:notesSz cx="6858000" cy="9144000"/>
@@ -194,7 +197,6 @@
             <p14:sldId id="293"/>
             <p14:sldId id="292"/>
             <p14:sldId id="291"/>
-            <p14:sldId id="297"/>
             <p14:sldId id="281"/>
             <p14:sldId id="290"/>
             <p14:sldId id="282"/>
@@ -205,10 +207,14 @@
             <p14:sldId id="283"/>
             <p14:sldId id="284"/>
             <p14:sldId id="285"/>
+            <p14:sldId id="301"/>
+            <p14:sldId id="303"/>
+            <p14:sldId id="304"/>
           </p14:sldIdLst>
         </p14:section>
         <p14:section name="Conclusione" id="{1ABA82D0-EB08-4736-9CA5-C32C294E57F9}">
           <p14:sldIdLst>
+            <p14:sldId id="297"/>
             <p14:sldId id="278"/>
           </p14:sldIdLst>
         </p14:section>
@@ -314,7 +320,7 @@
           <a:p>
             <a:fld id="{0E586627-511B-45A1-B9CA-4576DD49B422}" type="datetimeFigureOut">
               <a:rPr lang="it-CH" smtClean="0"/>
-              <a:t>24.05.2019</a:t>
+              <a:t>24.05.19</a:t>
             </a:fld>
             <a:endParaRPr lang="it-CH"/>
           </a:p>
@@ -473,7 +479,7 @@
           <a:p>
             <a:fld id="{FD2CFA8D-4E29-41DB-B61B-69A41B9506B3}" type="slidenum">
               <a:rPr lang="it-CH" smtClean="0"/>
-              <a:t>‹N›</a:t>
+              <a:t>‹#›</a:t>
             </a:fld>
             <a:endParaRPr lang="it-CH"/>
           </a:p>
@@ -1527,292 +1533,15 @@
           <a:p>
             <a:r>
               <a:rPr lang="it-CH" dirty="0"/>
-              <a:t>TC </a:t>
+              <a:t>Gestisce la comunicazione CONTROLLER </a:t>
             </a:r>
             <a:r>
               <a:rPr lang="it-CH" dirty="0">
                 <a:sym typeface="Wingdings" panose="05000000000000000000" pitchFamily="2" charset="2"/>
               </a:rPr>
-              <a:t> Test Case</a:t>
-            </a:r>
-          </a:p>
-          <a:p>
-            <a:endParaRPr lang="it-CH" dirty="0">
-              <a:sym typeface="Wingdings" panose="05000000000000000000" pitchFamily="2" charset="2"/>
-            </a:endParaRPr>
-          </a:p>
-          <a:p>
-            <a:pPr marL="0" marR="0" lvl="0" indent="0" algn="l" defTabSz="914400" rtl="0" eaLnBrk="1" fontAlgn="auto" latinLnBrk="0" hangingPunct="1">
-              <a:lnSpc>
-                <a:spcPct val="100000"/>
-              </a:lnSpc>
-              <a:spcBef>
-                <a:spcPts val="0"/>
-              </a:spcBef>
-              <a:spcAft>
-                <a:spcPts val="0"/>
-              </a:spcAft>
-              <a:buClrTx/>
-              <a:buSzTx/>
-              <a:buFontTx/>
-              <a:buNone/>
-              <a:tabLst/>
-              <a:defRPr/>
-            </a:pPr>
-            <a:r>
-              <a:rPr lang="it-CH" dirty="0">
-                <a:sym typeface="Wingdings" panose="05000000000000000000" pitchFamily="2" charset="2"/>
-              </a:rPr>
-              <a:t>TC-003: </a:t>
-            </a:r>
-            <a:r>
-              <a:rPr lang="it-IT" sz="1200" b="0" kern="1200" dirty="0">
-                <a:solidFill>
-                  <a:schemeClr val="tx1"/>
-                </a:solidFill>
-                <a:effectLst/>
-                <a:latin typeface="+mn-lt"/>
-                <a:ea typeface="+mn-ea"/>
-                <a:cs typeface="+mn-cs"/>
-              </a:rPr>
-              <a:t>Pagina Web con stream video dal Drone</a:t>
-            </a:r>
-          </a:p>
-          <a:p>
-            <a:pPr marL="0" marR="0" lvl="0" indent="0" algn="l" defTabSz="914400" rtl="0" eaLnBrk="1" fontAlgn="auto" latinLnBrk="0" hangingPunct="1">
-              <a:lnSpc>
-                <a:spcPct val="100000"/>
-              </a:lnSpc>
-              <a:spcBef>
-                <a:spcPts val="0"/>
-              </a:spcBef>
-              <a:spcAft>
-                <a:spcPts val="0"/>
-              </a:spcAft>
-              <a:buClrTx/>
-              <a:buSzTx/>
-              <a:buFontTx/>
-              <a:buNone/>
-              <a:tabLst/>
-              <a:defRPr/>
-            </a:pPr>
-            <a:r>
-              <a:rPr lang="it-CH" dirty="0"/>
-              <a:t>TC-005: </a:t>
-            </a:r>
-            <a:r>
-              <a:rPr lang="it-IT" sz="1200" b="0" kern="1200" dirty="0">
-                <a:solidFill>
-                  <a:schemeClr val="tx1"/>
-                </a:solidFill>
-                <a:effectLst/>
-                <a:latin typeface="+mn-lt"/>
-                <a:ea typeface="+mn-ea"/>
-                <a:cs typeface="+mn-cs"/>
-              </a:rPr>
-              <a:t>Pagina Web con statistiche del volo</a:t>
-            </a:r>
-            <a:endParaRPr lang="it-CH" sz="1200" b="0" kern="1200" dirty="0">
-              <a:solidFill>
-                <a:schemeClr val="tx1"/>
-              </a:solidFill>
-              <a:effectLst/>
-              <a:latin typeface="+mn-lt"/>
-              <a:ea typeface="+mn-ea"/>
-              <a:cs typeface="+mn-cs"/>
-            </a:endParaRPr>
-          </a:p>
-          <a:p>
-            <a:pPr marL="0" marR="0" lvl="0" indent="0" algn="l" defTabSz="914400" rtl="0" eaLnBrk="1" fontAlgn="auto" latinLnBrk="0" hangingPunct="1">
-              <a:lnSpc>
-                <a:spcPct val="100000"/>
-              </a:lnSpc>
-              <a:spcBef>
-                <a:spcPts val="0"/>
-              </a:spcBef>
-              <a:spcAft>
-                <a:spcPts val="0"/>
-              </a:spcAft>
-              <a:buClrTx/>
-              <a:buSzTx/>
-              <a:buFontTx/>
-              <a:buNone/>
-              <a:tabLst/>
-              <a:defRPr/>
-            </a:pPr>
-            <a:endParaRPr lang="it-CH" sz="1200" b="0" kern="1200" dirty="0">
-              <a:solidFill>
-                <a:schemeClr val="tx1"/>
-              </a:solidFill>
-              <a:effectLst/>
-              <a:latin typeface="+mn-lt"/>
-              <a:ea typeface="+mn-ea"/>
-              <a:cs typeface="+mn-cs"/>
-            </a:endParaRPr>
-          </a:p>
-          <a:p>
-            <a:pPr marL="0" marR="0" lvl="0" indent="0" algn="l" defTabSz="914400" rtl="0" eaLnBrk="1" fontAlgn="auto" latinLnBrk="0" hangingPunct="1">
-              <a:lnSpc>
-                <a:spcPct val="100000"/>
-              </a:lnSpc>
-              <a:spcBef>
-                <a:spcPts val="0"/>
-              </a:spcBef>
-              <a:spcAft>
-                <a:spcPts val="0"/>
-              </a:spcAft>
-              <a:buClrTx/>
-              <a:buSzTx/>
-              <a:buFontTx/>
-              <a:buNone/>
-              <a:tabLst/>
-              <a:defRPr/>
-            </a:pPr>
-            <a:r>
-              <a:rPr lang="it-CH" sz="1200" b="0" kern="1200" dirty="0">
-                <a:solidFill>
-                  <a:schemeClr val="tx1"/>
-                </a:solidFill>
-                <a:effectLst/>
-                <a:latin typeface="+mn-lt"/>
-                <a:ea typeface="+mn-ea"/>
-                <a:cs typeface="+mn-cs"/>
-              </a:rPr>
-              <a:t>Restante:</a:t>
-            </a:r>
-          </a:p>
-          <a:p>
-            <a:pPr marL="171450" marR="0" lvl="0" indent="-171450" algn="l" defTabSz="914400" rtl="0" eaLnBrk="1" fontAlgn="auto" latinLnBrk="0" hangingPunct="1">
-              <a:lnSpc>
-                <a:spcPct val="100000"/>
-              </a:lnSpc>
-              <a:spcBef>
-                <a:spcPts val="0"/>
-              </a:spcBef>
-              <a:spcAft>
-                <a:spcPts val="0"/>
-              </a:spcAft>
-              <a:buClrTx/>
-              <a:buSzTx/>
-              <a:buFont typeface="Arial" panose="020B0604020202020204" pitchFamily="34" charset="0"/>
-              <a:buChar char="•"/>
-              <a:tabLst/>
-              <a:defRPr/>
-            </a:pPr>
-            <a:r>
-              <a:rPr lang="it-CH" sz="1200" b="0" kern="1200" dirty="0">
-                <a:solidFill>
-                  <a:schemeClr val="tx1"/>
-                </a:solidFill>
-                <a:effectLst/>
-                <a:latin typeface="+mn-lt"/>
-                <a:ea typeface="+mn-ea"/>
-                <a:cs typeface="+mn-cs"/>
-              </a:rPr>
-              <a:t>Test Case relativi a </a:t>
-            </a:r>
-          </a:p>
-          <a:p>
-            <a:pPr marL="628650" marR="0" lvl="1" indent="-171450" algn="l" defTabSz="914400" rtl="0" eaLnBrk="1" fontAlgn="auto" latinLnBrk="0" hangingPunct="1">
-              <a:lnSpc>
-                <a:spcPct val="100000"/>
-              </a:lnSpc>
-              <a:spcBef>
-                <a:spcPts val="0"/>
-              </a:spcBef>
-              <a:spcAft>
-                <a:spcPts val="0"/>
-              </a:spcAft>
-              <a:buClrTx/>
-              <a:buSzTx/>
-              <a:buFont typeface="Arial" panose="020B0604020202020204" pitchFamily="34" charset="0"/>
-              <a:buChar char="•"/>
-              <a:tabLst/>
-              <a:defRPr/>
-            </a:pPr>
-            <a:r>
-              <a:rPr lang="it-CH" sz="1200" b="0" kern="1200" dirty="0">
-                <a:solidFill>
-                  <a:schemeClr val="tx1"/>
-                </a:solidFill>
-                <a:effectLst/>
-                <a:latin typeface="+mn-lt"/>
-                <a:ea typeface="+mn-ea"/>
-                <a:cs typeface="+mn-cs"/>
-              </a:rPr>
-              <a:t>VOLO</a:t>
-            </a:r>
-          </a:p>
-          <a:p>
-            <a:pPr marL="628650" marR="0" lvl="1" indent="-171450" algn="l" defTabSz="914400" rtl="0" eaLnBrk="1" fontAlgn="auto" latinLnBrk="0" hangingPunct="1">
-              <a:lnSpc>
-                <a:spcPct val="100000"/>
-              </a:lnSpc>
-              <a:spcBef>
-                <a:spcPts val="0"/>
-              </a:spcBef>
-              <a:spcAft>
-                <a:spcPts val="0"/>
-              </a:spcAft>
-              <a:buClrTx/>
-              <a:buSzTx/>
-              <a:buFont typeface="Arial" panose="020B0604020202020204" pitchFamily="34" charset="0"/>
-              <a:buChar char="•"/>
-              <a:tabLst/>
-              <a:defRPr/>
-            </a:pPr>
-            <a:r>
-              <a:rPr lang="it-CH" sz="1200" b="0" kern="1200" dirty="0">
-                <a:solidFill>
-                  <a:schemeClr val="tx1"/>
-                </a:solidFill>
-                <a:effectLst/>
-                <a:latin typeface="+mn-lt"/>
-                <a:ea typeface="+mn-ea"/>
-                <a:cs typeface="+mn-cs"/>
-              </a:rPr>
-              <a:t>SIMULAZIONE</a:t>
-            </a:r>
-          </a:p>
-          <a:p>
-            <a:pPr marL="628650" marR="0" lvl="1" indent="-171450" algn="l" defTabSz="914400" rtl="0" eaLnBrk="1" fontAlgn="auto" latinLnBrk="0" hangingPunct="1">
-              <a:lnSpc>
-                <a:spcPct val="100000"/>
-              </a:lnSpc>
-              <a:spcBef>
-                <a:spcPts val="0"/>
-              </a:spcBef>
-              <a:spcAft>
-                <a:spcPts val="0"/>
-              </a:spcAft>
-              <a:buClrTx/>
-              <a:buSzTx/>
-              <a:buFont typeface="Arial" panose="020B0604020202020204" pitchFamily="34" charset="0"/>
-              <a:buChar char="•"/>
-              <a:tabLst/>
-              <a:defRPr/>
-            </a:pPr>
-            <a:r>
-              <a:rPr lang="it-CH" sz="1200" b="0" kern="1200" dirty="0">
-                <a:solidFill>
-                  <a:schemeClr val="tx1"/>
-                </a:solidFill>
-                <a:effectLst/>
-                <a:latin typeface="+mn-lt"/>
-                <a:ea typeface="+mn-ea"/>
-                <a:cs typeface="+mn-cs"/>
-              </a:rPr>
-              <a:t>PROTOCOLLO DI COMUNICAZIONE</a:t>
-            </a:r>
-            <a:endParaRPr lang="it-IT" sz="1200" b="0" kern="1200" dirty="0">
-              <a:solidFill>
-                <a:schemeClr val="tx1"/>
-              </a:solidFill>
-              <a:effectLst/>
-              <a:latin typeface="+mn-lt"/>
-              <a:ea typeface="+mn-ea"/>
-              <a:cs typeface="+mn-cs"/>
-            </a:endParaRPr>
+              <a:t> DRONE e viceversa</a:t>
+            </a:r>
+            <a:endParaRPr lang="it-CH" dirty="0"/>
           </a:p>
         </p:txBody>
       </p:sp>
@@ -1842,7 +1571,7 @@
     </p:spTree>
     <p:extLst>
       <p:ext uri="{BB962C8B-B14F-4D97-AF65-F5344CB8AC3E}">
-        <p14:creationId xmlns:p14="http://schemas.microsoft.com/office/powerpoint/2010/main" val="3849565120"/>
+        <p14:creationId xmlns:p14="http://schemas.microsoft.com/office/powerpoint/2010/main" val="918256988"/>
       </p:ext>
     </p:extLst>
   </p:cSld>
@@ -1898,15 +1627,93 @@
           <a:p>
             <a:r>
               <a:rPr lang="it-CH" dirty="0"/>
-              <a:t>Gestisce la comunicazione CONTROLLER </a:t>
-            </a:r>
+              <a:t>Metodo </a:t>
+            </a:r>
+            <a:r>
+              <a:rPr lang="it-CH" dirty="0" err="1"/>
+              <a:t>sendCommand</a:t>
+            </a:r>
+            <a:r>
+              <a:rPr lang="it-CH" dirty="0"/>
+              <a:t> della classe </a:t>
+            </a:r>
+            <a:r>
+              <a:rPr lang="it-CH" dirty="0" err="1"/>
+              <a:t>DroneController</a:t>
+            </a:r>
+            <a:endParaRPr lang="it-CH" dirty="0"/>
+          </a:p>
+          <a:p>
             <a:r>
               <a:rPr lang="it-CH" dirty="0">
                 <a:sym typeface="Wingdings" panose="05000000000000000000" pitchFamily="2" charset="2"/>
               </a:rPr>
-              <a:t> DRONE e viceversa</a:t>
+              <a:t> Parametro «</a:t>
+            </a:r>
+            <a:r>
+              <a:rPr lang="it-CH" dirty="0" err="1">
+                <a:sym typeface="Wingdings" panose="05000000000000000000" pitchFamily="2" charset="2"/>
+              </a:rPr>
+              <a:t>command</a:t>
+            </a:r>
+            <a:r>
+              <a:rPr lang="it-CH" dirty="0">
+                <a:sym typeface="Wingdings" panose="05000000000000000000" pitchFamily="2" charset="2"/>
+              </a:rPr>
+              <a:t>», generato dalla classe «</a:t>
+            </a:r>
+            <a:r>
+              <a:rPr lang="it-CH" dirty="0" err="1">
+                <a:sym typeface="Wingdings" panose="05000000000000000000" pitchFamily="2" charset="2"/>
+              </a:rPr>
+              <a:t>Commands</a:t>
+            </a:r>
+            <a:r>
+              <a:rPr lang="it-CH" dirty="0">
+                <a:sym typeface="Wingdings" panose="05000000000000000000" pitchFamily="2" charset="2"/>
+              </a:rPr>
+              <a:t>»</a:t>
             </a:r>
             <a:endParaRPr lang="it-CH" dirty="0"/>
+          </a:p>
+          <a:p>
+            <a:pPr marL="171450" indent="-171450">
+              <a:buFont typeface="Wingdings" panose="05000000000000000000" pitchFamily="2" charset="2"/>
+              <a:buChar char="à"/>
+            </a:pPr>
+            <a:r>
+              <a:rPr lang="it-CH" dirty="0">
+                <a:sym typeface="Wingdings" panose="05000000000000000000" pitchFamily="2" charset="2"/>
+              </a:rPr>
+              <a:t>Usa TCP </a:t>
+            </a:r>
+            <a:r>
+              <a:rPr lang="it-CH" dirty="0" err="1">
+                <a:sym typeface="Wingdings" panose="05000000000000000000" pitchFamily="2" charset="2"/>
+              </a:rPr>
+              <a:t>Socket</a:t>
+            </a:r>
+            <a:endParaRPr lang="it-CH" dirty="0">
+              <a:sym typeface="Wingdings" panose="05000000000000000000" pitchFamily="2" charset="2"/>
+            </a:endParaRPr>
+          </a:p>
+          <a:p>
+            <a:pPr marL="171450" indent="-171450">
+              <a:buFont typeface="Wingdings" panose="05000000000000000000" pitchFamily="2" charset="2"/>
+              <a:buChar char="à"/>
+            </a:pPr>
+            <a:r>
+              <a:rPr lang="it-CH" dirty="0" err="1">
+                <a:sym typeface="Wingdings" panose="05000000000000000000" pitchFamily="2" charset="2"/>
+              </a:rPr>
+              <a:t>Listener</a:t>
+            </a:r>
+            <a:r>
+              <a:rPr lang="it-CH" dirty="0">
+                <a:sym typeface="Wingdings" panose="05000000000000000000" pitchFamily="2" charset="2"/>
+              </a:rPr>
+              <a:t> per notificare</a:t>
+            </a:r>
           </a:p>
         </p:txBody>
       </p:sp>
@@ -1936,7 +1743,7 @@
     </p:spTree>
     <p:extLst>
       <p:ext uri="{BB962C8B-B14F-4D97-AF65-F5344CB8AC3E}">
-        <p14:creationId xmlns:p14="http://schemas.microsoft.com/office/powerpoint/2010/main" val="918256988"/>
+        <p14:creationId xmlns:p14="http://schemas.microsoft.com/office/powerpoint/2010/main" val="2298715815"/>
       </p:ext>
     </p:extLst>
   </p:cSld>
@@ -2074,95 +1881,7 @@
           <a:bodyPr/>
           <a:lstStyle/>
           <a:p>
-            <a:r>
-              <a:rPr lang="it-CH" dirty="0"/>
-              <a:t>Metodo </a:t>
-            </a:r>
-            <a:r>
-              <a:rPr lang="it-CH" dirty="0" err="1"/>
-              <a:t>sendCommand</a:t>
-            </a:r>
-            <a:r>
-              <a:rPr lang="it-CH" dirty="0"/>
-              <a:t> della classe </a:t>
-            </a:r>
-            <a:r>
-              <a:rPr lang="it-CH" dirty="0" err="1"/>
-              <a:t>DroneController</a:t>
-            </a:r>
             <a:endParaRPr lang="it-CH" dirty="0"/>
-          </a:p>
-          <a:p>
-            <a:r>
-              <a:rPr lang="it-CH" dirty="0">
-                <a:sym typeface="Wingdings" panose="05000000000000000000" pitchFamily="2" charset="2"/>
-              </a:rPr>
-              <a:t> Parametro «</a:t>
-            </a:r>
-            <a:r>
-              <a:rPr lang="it-CH" dirty="0" err="1">
-                <a:sym typeface="Wingdings" panose="05000000000000000000" pitchFamily="2" charset="2"/>
-              </a:rPr>
-              <a:t>command</a:t>
-            </a:r>
-            <a:r>
-              <a:rPr lang="it-CH" dirty="0">
-                <a:sym typeface="Wingdings" panose="05000000000000000000" pitchFamily="2" charset="2"/>
-              </a:rPr>
-              <a:t>», generato dalla classe «</a:t>
-            </a:r>
-            <a:r>
-              <a:rPr lang="it-CH" dirty="0" err="1">
-                <a:sym typeface="Wingdings" panose="05000000000000000000" pitchFamily="2" charset="2"/>
-              </a:rPr>
-              <a:t>Commands</a:t>
-            </a:r>
-            <a:r>
-              <a:rPr lang="it-CH" dirty="0">
-                <a:sym typeface="Wingdings" panose="05000000000000000000" pitchFamily="2" charset="2"/>
-              </a:rPr>
-              <a:t>»</a:t>
-            </a:r>
-            <a:endParaRPr lang="it-CH" dirty="0"/>
-          </a:p>
-          <a:p>
-            <a:pPr marL="171450" indent="-171450">
-              <a:buFont typeface="Wingdings" panose="05000000000000000000" pitchFamily="2" charset="2"/>
-              <a:buChar char="à"/>
-            </a:pPr>
-            <a:r>
-              <a:rPr lang="it-CH" dirty="0">
-                <a:sym typeface="Wingdings" panose="05000000000000000000" pitchFamily="2" charset="2"/>
-              </a:rPr>
-              <a:t>Usa TCP </a:t>
-            </a:r>
-            <a:r>
-              <a:rPr lang="it-CH" dirty="0" err="1">
-                <a:sym typeface="Wingdings" panose="05000000000000000000" pitchFamily="2" charset="2"/>
-              </a:rPr>
-              <a:t>Socket</a:t>
-            </a:r>
-            <a:endParaRPr lang="it-CH" dirty="0">
-              <a:sym typeface="Wingdings" panose="05000000000000000000" pitchFamily="2" charset="2"/>
-            </a:endParaRPr>
-          </a:p>
-          <a:p>
-            <a:pPr marL="171450" indent="-171450">
-              <a:buFont typeface="Wingdings" panose="05000000000000000000" pitchFamily="2" charset="2"/>
-              <a:buChar char="à"/>
-            </a:pPr>
-            <a:r>
-              <a:rPr lang="it-CH" dirty="0" err="1">
-                <a:sym typeface="Wingdings" panose="05000000000000000000" pitchFamily="2" charset="2"/>
-              </a:rPr>
-              <a:t>Listener</a:t>
-            </a:r>
-            <a:r>
-              <a:rPr lang="it-CH" dirty="0">
-                <a:sym typeface="Wingdings" panose="05000000000000000000" pitchFamily="2" charset="2"/>
-              </a:rPr>
-              <a:t> per notificare</a:t>
-            </a:r>
           </a:p>
         </p:txBody>
       </p:sp>
@@ -2192,7 +1911,7 @@
     </p:spTree>
     <p:extLst>
       <p:ext uri="{BB962C8B-B14F-4D97-AF65-F5344CB8AC3E}">
-        <p14:creationId xmlns:p14="http://schemas.microsoft.com/office/powerpoint/2010/main" val="2298715815"/>
+        <p14:creationId xmlns:p14="http://schemas.microsoft.com/office/powerpoint/2010/main" val="1682093913"/>
       </p:ext>
     </p:extLst>
   </p:cSld>
@@ -2246,7 +1965,37 @@
           <a:bodyPr/>
           <a:lstStyle/>
           <a:p>
-            <a:endParaRPr lang="it-CH" dirty="0"/>
+            <a:pPr marL="628650" lvl="1" indent="-171450">
+              <a:buFont typeface="Arial" panose="020B0604020202020204" pitchFamily="34" charset="0"/>
+              <a:buChar char="•"/>
+            </a:pPr>
+            <a:endParaRPr lang="it-CH" dirty="0">
+              <a:sym typeface="Wingdings" panose="05000000000000000000" pitchFamily="2" charset="2"/>
+            </a:endParaRPr>
+          </a:p>
+          <a:p>
+            <a:pPr marL="171450" lvl="0" indent="-171450">
+              <a:buFont typeface="Arial" panose="020B0604020202020204" pitchFamily="34" charset="0"/>
+              <a:buChar char="•"/>
+            </a:pPr>
+            <a:r>
+              <a:rPr lang="it-CH" dirty="0">
+                <a:sym typeface="Wingdings" panose="05000000000000000000" pitchFamily="2" charset="2"/>
+              </a:rPr>
+              <a:t>Recording</a:t>
+            </a:r>
+          </a:p>
+          <a:p>
+            <a:pPr marL="628650" lvl="1" indent="-171450">
+              <a:buFont typeface="Arial" panose="020B0604020202020204" pitchFamily="34" charset="0"/>
+              <a:buChar char="•"/>
+            </a:pPr>
+            <a:r>
+              <a:rPr lang="it-CH" dirty="0">
+                <a:sym typeface="Wingdings" panose="05000000000000000000" pitchFamily="2" charset="2"/>
+              </a:rPr>
+              <a:t>Gestione registrazione dei voli ed esecuzione dei voli registrati</a:t>
+            </a:r>
           </a:p>
         </p:txBody>
       </p:sp>
@@ -2267,7 +2016,7 @@
           <a:p>
             <a:fld id="{FD2CFA8D-4E29-41DB-B61B-69A41B9506B3}" type="slidenum">
               <a:rPr lang="it-CH" smtClean="0"/>
-              <a:t>29</a:t>
+              <a:t>32</a:t>
             </a:fld>
             <a:endParaRPr lang="it-CH"/>
           </a:p>
@@ -2276,7 +2025,7 @@
     </p:spTree>
     <p:extLst>
       <p:ext uri="{BB962C8B-B14F-4D97-AF65-F5344CB8AC3E}">
-        <p14:creationId xmlns:p14="http://schemas.microsoft.com/office/powerpoint/2010/main" val="1682093913"/>
+        <p14:creationId xmlns:p14="http://schemas.microsoft.com/office/powerpoint/2010/main" val="1665204916"/>
       </p:ext>
     </p:extLst>
   </p:cSld>
@@ -2330,6 +2079,605 @@
           <a:bodyPr/>
           <a:lstStyle/>
           <a:p>
+            <a:pPr marL="628650" lvl="1" indent="-171450">
+              <a:buFont typeface="Arial" panose="020B0604020202020204" pitchFamily="34" charset="0"/>
+              <a:buChar char="•"/>
+            </a:pPr>
+            <a:endParaRPr lang="it-CH" dirty="0">
+              <a:sym typeface="Wingdings" panose="05000000000000000000" pitchFamily="2" charset="2"/>
+            </a:endParaRPr>
+          </a:p>
+          <a:p>
+            <a:pPr marL="171450" lvl="0" indent="-171450">
+              <a:buFont typeface="Arial" panose="020B0604020202020204" pitchFamily="34" charset="0"/>
+              <a:buChar char="•"/>
+            </a:pPr>
+            <a:r>
+              <a:rPr lang="it-CH" dirty="0">
+                <a:sym typeface="Wingdings" panose="05000000000000000000" pitchFamily="2" charset="2"/>
+              </a:rPr>
+              <a:t>Recording</a:t>
+            </a:r>
+          </a:p>
+          <a:p>
+            <a:pPr marL="628650" lvl="1" indent="-171450">
+              <a:buFont typeface="Arial" panose="020B0604020202020204" pitchFamily="34" charset="0"/>
+              <a:buChar char="•"/>
+            </a:pPr>
+            <a:r>
+              <a:rPr lang="it-CH" dirty="0">
+                <a:sym typeface="Wingdings" panose="05000000000000000000" pitchFamily="2" charset="2"/>
+              </a:rPr>
+              <a:t>Gestione registrazione dei voli ed esecuzione dei voli registrati</a:t>
+            </a:r>
+          </a:p>
+        </p:txBody>
+      </p:sp>
+      <p:sp>
+        <p:nvSpPr>
+          <p:cNvPr id="4" name="Segnaposto numero diapositiva 3"/>
+          <p:cNvSpPr>
+            <a:spLocks noGrp="1"/>
+          </p:cNvSpPr>
+          <p:nvPr>
+            <p:ph type="sldNum" sz="quarter" idx="5"/>
+          </p:nvPr>
+        </p:nvSpPr>
+        <p:spPr/>
+        <p:txBody>
+          <a:bodyPr/>
+          <a:lstStyle/>
+          <a:p>
+            <a:fld id="{FD2CFA8D-4E29-41DB-B61B-69A41B9506B3}" type="slidenum">
+              <a:rPr lang="it-CH" smtClean="0"/>
+              <a:t>33</a:t>
+            </a:fld>
+            <a:endParaRPr lang="it-CH"/>
+          </a:p>
+        </p:txBody>
+      </p:sp>
+    </p:spTree>
+    <p:extLst>
+      <p:ext uri="{BB962C8B-B14F-4D97-AF65-F5344CB8AC3E}">
+        <p14:creationId xmlns:p14="http://schemas.microsoft.com/office/powerpoint/2010/main" val="478034945"/>
+      </p:ext>
+    </p:extLst>
+  </p:cSld>
+  <p:clrMapOvr>
+    <a:masterClrMapping/>
+  </p:clrMapOvr>
+</p:notes>
+</file>
+
+<file path=ppt/notesSlides/notesSlide23.xml><?xml version="1.0" encoding="utf-8"?>
+<p:notes xmlns:a="http://schemas.openxmlformats.org/drawingml/2006/main" xmlns:r="http://schemas.openxmlformats.org/officeDocument/2006/relationships" xmlns:p="http://schemas.openxmlformats.org/presentationml/2006/main">
+  <p:cSld>
+    <p:spTree>
+      <p:nvGrpSpPr>
+        <p:cNvPr id="1" name=""/>
+        <p:cNvGrpSpPr/>
+        <p:nvPr/>
+      </p:nvGrpSpPr>
+      <p:grpSpPr>
+        <a:xfrm>
+          <a:off x="0" y="0"/>
+          <a:ext cx="0" cy="0"/>
+          <a:chOff x="0" y="0"/>
+          <a:chExt cx="0" cy="0"/>
+        </a:xfrm>
+      </p:grpSpPr>
+      <p:sp>
+        <p:nvSpPr>
+          <p:cNvPr id="2" name="Segnaposto immagine diapositiva 1"/>
+          <p:cNvSpPr>
+            <a:spLocks noGrp="1" noRot="1" noChangeAspect="1"/>
+          </p:cNvSpPr>
+          <p:nvPr>
+            <p:ph type="sldImg"/>
+          </p:nvPr>
+        </p:nvSpPr>
+        <p:spPr/>
+      </p:sp>
+      <p:sp>
+        <p:nvSpPr>
+          <p:cNvPr id="3" name="Segnaposto note 2"/>
+          <p:cNvSpPr>
+            <a:spLocks noGrp="1"/>
+          </p:cNvSpPr>
+          <p:nvPr>
+            <p:ph type="body" idx="1"/>
+          </p:nvPr>
+        </p:nvSpPr>
+        <p:spPr/>
+        <p:txBody>
+          <a:bodyPr/>
+          <a:lstStyle/>
+          <a:p>
+            <a:pPr marL="628650" lvl="1" indent="-171450">
+              <a:buFont typeface="Arial" panose="020B0604020202020204" pitchFamily="34" charset="0"/>
+              <a:buChar char="•"/>
+            </a:pPr>
+            <a:endParaRPr lang="it-CH" dirty="0">
+              <a:sym typeface="Wingdings" panose="05000000000000000000" pitchFamily="2" charset="2"/>
+            </a:endParaRPr>
+          </a:p>
+          <a:p>
+            <a:pPr marL="171450" lvl="0" indent="-171450">
+              <a:buFont typeface="Arial" panose="020B0604020202020204" pitchFamily="34" charset="0"/>
+              <a:buChar char="•"/>
+            </a:pPr>
+            <a:r>
+              <a:rPr lang="it-CH" dirty="0">
+                <a:sym typeface="Wingdings" panose="05000000000000000000" pitchFamily="2" charset="2"/>
+              </a:rPr>
+              <a:t>Recording</a:t>
+            </a:r>
+          </a:p>
+          <a:p>
+            <a:pPr marL="628650" lvl="1" indent="-171450">
+              <a:buFont typeface="Arial" panose="020B0604020202020204" pitchFamily="34" charset="0"/>
+              <a:buChar char="•"/>
+            </a:pPr>
+            <a:r>
+              <a:rPr lang="it-CH" dirty="0">
+                <a:sym typeface="Wingdings" panose="05000000000000000000" pitchFamily="2" charset="2"/>
+              </a:rPr>
+              <a:t>Gestione registrazione dei voli ed esecuzione dei voli registrati</a:t>
+            </a:r>
+          </a:p>
+        </p:txBody>
+      </p:sp>
+      <p:sp>
+        <p:nvSpPr>
+          <p:cNvPr id="4" name="Segnaposto numero diapositiva 3"/>
+          <p:cNvSpPr>
+            <a:spLocks noGrp="1"/>
+          </p:cNvSpPr>
+          <p:nvPr>
+            <p:ph type="sldNum" sz="quarter" idx="5"/>
+          </p:nvPr>
+        </p:nvSpPr>
+        <p:spPr/>
+        <p:txBody>
+          <a:bodyPr/>
+          <a:lstStyle/>
+          <a:p>
+            <a:fld id="{FD2CFA8D-4E29-41DB-B61B-69A41B9506B3}" type="slidenum">
+              <a:rPr lang="it-CH" smtClean="0"/>
+              <a:t>34</a:t>
+            </a:fld>
+            <a:endParaRPr lang="it-CH"/>
+          </a:p>
+        </p:txBody>
+      </p:sp>
+    </p:spTree>
+    <p:extLst>
+      <p:ext uri="{BB962C8B-B14F-4D97-AF65-F5344CB8AC3E}">
+        <p14:creationId xmlns:p14="http://schemas.microsoft.com/office/powerpoint/2010/main" val="1983228458"/>
+      </p:ext>
+    </p:extLst>
+  </p:cSld>
+  <p:clrMapOvr>
+    <a:masterClrMapping/>
+  </p:clrMapOvr>
+</p:notes>
+</file>
+
+<file path=ppt/notesSlides/notesSlide24.xml><?xml version="1.0" encoding="utf-8"?>
+<p:notes xmlns:a="http://schemas.openxmlformats.org/drawingml/2006/main" xmlns:r="http://schemas.openxmlformats.org/officeDocument/2006/relationships" xmlns:p="http://schemas.openxmlformats.org/presentationml/2006/main">
+  <p:cSld>
+    <p:spTree>
+      <p:nvGrpSpPr>
+        <p:cNvPr id="1" name=""/>
+        <p:cNvGrpSpPr/>
+        <p:nvPr/>
+      </p:nvGrpSpPr>
+      <p:grpSpPr>
+        <a:xfrm>
+          <a:off x="0" y="0"/>
+          <a:ext cx="0" cy="0"/>
+          <a:chOff x="0" y="0"/>
+          <a:chExt cx="0" cy="0"/>
+        </a:xfrm>
+      </p:grpSpPr>
+      <p:sp>
+        <p:nvSpPr>
+          <p:cNvPr id="2" name="Segnaposto immagine diapositiva 1"/>
+          <p:cNvSpPr>
+            <a:spLocks noGrp="1" noRot="1" noChangeAspect="1"/>
+          </p:cNvSpPr>
+          <p:nvPr>
+            <p:ph type="sldImg"/>
+          </p:nvPr>
+        </p:nvSpPr>
+        <p:spPr/>
+      </p:sp>
+      <p:sp>
+        <p:nvSpPr>
+          <p:cNvPr id="3" name="Segnaposto note 2"/>
+          <p:cNvSpPr>
+            <a:spLocks noGrp="1"/>
+          </p:cNvSpPr>
+          <p:nvPr>
+            <p:ph type="body" idx="1"/>
+          </p:nvPr>
+        </p:nvSpPr>
+        <p:spPr/>
+        <p:txBody>
+          <a:bodyPr/>
+          <a:lstStyle/>
+          <a:p>
+            <a:r>
+              <a:rPr lang="it-CH" dirty="0"/>
+              <a:t>TC </a:t>
+            </a:r>
+            <a:r>
+              <a:rPr lang="it-CH" dirty="0">
+                <a:sym typeface="Wingdings" panose="05000000000000000000" pitchFamily="2" charset="2"/>
+              </a:rPr>
+              <a:t> Test Case</a:t>
+            </a:r>
+          </a:p>
+          <a:p>
+            <a:endParaRPr lang="it-CH" dirty="0">
+              <a:sym typeface="Wingdings" panose="05000000000000000000" pitchFamily="2" charset="2"/>
+            </a:endParaRPr>
+          </a:p>
+          <a:p>
+            <a:pPr marL="0" marR="0" lvl="0" indent="0" algn="l" defTabSz="914400" rtl="0" eaLnBrk="1" fontAlgn="auto" latinLnBrk="0" hangingPunct="1">
+              <a:lnSpc>
+                <a:spcPct val="100000"/>
+              </a:lnSpc>
+              <a:spcBef>
+                <a:spcPts val="0"/>
+              </a:spcBef>
+              <a:spcAft>
+                <a:spcPts val="0"/>
+              </a:spcAft>
+              <a:buClrTx/>
+              <a:buSzTx/>
+              <a:buFontTx/>
+              <a:buNone/>
+              <a:tabLst/>
+              <a:defRPr/>
+            </a:pPr>
+            <a:r>
+              <a:rPr lang="it-CH" dirty="0">
+                <a:sym typeface="Wingdings" panose="05000000000000000000" pitchFamily="2" charset="2"/>
+              </a:rPr>
+              <a:t>TC-003: </a:t>
+            </a:r>
+            <a:r>
+              <a:rPr lang="it-IT" sz="1200" b="0" kern="1200" dirty="0">
+                <a:solidFill>
+                  <a:schemeClr val="tx1"/>
+                </a:solidFill>
+                <a:effectLst/>
+                <a:latin typeface="+mn-lt"/>
+                <a:ea typeface="+mn-ea"/>
+                <a:cs typeface="+mn-cs"/>
+              </a:rPr>
+              <a:t>Pagina Web con stream video dal Drone</a:t>
+            </a:r>
+          </a:p>
+          <a:p>
+            <a:pPr marL="0" marR="0" lvl="0" indent="0" algn="l" defTabSz="914400" rtl="0" eaLnBrk="1" fontAlgn="auto" latinLnBrk="0" hangingPunct="1">
+              <a:lnSpc>
+                <a:spcPct val="100000"/>
+              </a:lnSpc>
+              <a:spcBef>
+                <a:spcPts val="0"/>
+              </a:spcBef>
+              <a:spcAft>
+                <a:spcPts val="0"/>
+              </a:spcAft>
+              <a:buClrTx/>
+              <a:buSzTx/>
+              <a:buFontTx/>
+              <a:buNone/>
+              <a:tabLst/>
+              <a:defRPr/>
+            </a:pPr>
+            <a:r>
+              <a:rPr lang="it-CH" dirty="0"/>
+              <a:t>TC-005: </a:t>
+            </a:r>
+            <a:r>
+              <a:rPr lang="it-IT" sz="1200" b="0" kern="1200" dirty="0">
+                <a:solidFill>
+                  <a:schemeClr val="tx1"/>
+                </a:solidFill>
+                <a:effectLst/>
+                <a:latin typeface="+mn-lt"/>
+                <a:ea typeface="+mn-ea"/>
+                <a:cs typeface="+mn-cs"/>
+              </a:rPr>
+              <a:t>Pagina Web con statistiche del volo</a:t>
+            </a:r>
+            <a:endParaRPr lang="it-CH" sz="1200" b="0" kern="1200" dirty="0">
+              <a:solidFill>
+                <a:schemeClr val="tx1"/>
+              </a:solidFill>
+              <a:effectLst/>
+              <a:latin typeface="+mn-lt"/>
+              <a:ea typeface="+mn-ea"/>
+              <a:cs typeface="+mn-cs"/>
+            </a:endParaRPr>
+          </a:p>
+          <a:p>
+            <a:pPr marL="0" marR="0" lvl="0" indent="0" algn="l" defTabSz="914400" rtl="0" eaLnBrk="1" fontAlgn="auto" latinLnBrk="0" hangingPunct="1">
+              <a:lnSpc>
+                <a:spcPct val="100000"/>
+              </a:lnSpc>
+              <a:spcBef>
+                <a:spcPts val="0"/>
+              </a:spcBef>
+              <a:spcAft>
+                <a:spcPts val="0"/>
+              </a:spcAft>
+              <a:buClrTx/>
+              <a:buSzTx/>
+              <a:buFontTx/>
+              <a:buNone/>
+              <a:tabLst/>
+              <a:defRPr/>
+            </a:pPr>
+            <a:endParaRPr lang="it-CH" sz="1200" b="0" kern="1200" dirty="0">
+              <a:solidFill>
+                <a:schemeClr val="tx1"/>
+              </a:solidFill>
+              <a:effectLst/>
+              <a:latin typeface="+mn-lt"/>
+              <a:ea typeface="+mn-ea"/>
+              <a:cs typeface="+mn-cs"/>
+            </a:endParaRPr>
+          </a:p>
+          <a:p>
+            <a:pPr marL="0" marR="0" lvl="0" indent="0" algn="l" defTabSz="914400" rtl="0" eaLnBrk="1" fontAlgn="auto" latinLnBrk="0" hangingPunct="1">
+              <a:lnSpc>
+                <a:spcPct val="100000"/>
+              </a:lnSpc>
+              <a:spcBef>
+                <a:spcPts val="0"/>
+              </a:spcBef>
+              <a:spcAft>
+                <a:spcPts val="0"/>
+              </a:spcAft>
+              <a:buClrTx/>
+              <a:buSzTx/>
+              <a:buFontTx/>
+              <a:buNone/>
+              <a:tabLst/>
+              <a:defRPr/>
+            </a:pPr>
+            <a:r>
+              <a:rPr lang="it-CH" sz="1200" b="0" kern="1200" dirty="0">
+                <a:solidFill>
+                  <a:schemeClr val="tx1"/>
+                </a:solidFill>
+                <a:effectLst/>
+                <a:latin typeface="+mn-lt"/>
+                <a:ea typeface="+mn-ea"/>
+                <a:cs typeface="+mn-cs"/>
+              </a:rPr>
+              <a:t>Restante:</a:t>
+            </a:r>
+          </a:p>
+          <a:p>
+            <a:pPr marL="171450" marR="0" lvl="0" indent="-171450" algn="l" defTabSz="914400" rtl="0" eaLnBrk="1" fontAlgn="auto" latinLnBrk="0" hangingPunct="1">
+              <a:lnSpc>
+                <a:spcPct val="100000"/>
+              </a:lnSpc>
+              <a:spcBef>
+                <a:spcPts val="0"/>
+              </a:spcBef>
+              <a:spcAft>
+                <a:spcPts val="0"/>
+              </a:spcAft>
+              <a:buClrTx/>
+              <a:buSzTx/>
+              <a:buFont typeface="Arial" panose="020B0604020202020204" pitchFamily="34" charset="0"/>
+              <a:buChar char="•"/>
+              <a:tabLst/>
+              <a:defRPr/>
+            </a:pPr>
+            <a:r>
+              <a:rPr lang="it-CH" sz="1200" b="0" kern="1200" dirty="0">
+                <a:solidFill>
+                  <a:schemeClr val="tx1"/>
+                </a:solidFill>
+                <a:effectLst/>
+                <a:latin typeface="+mn-lt"/>
+                <a:ea typeface="+mn-ea"/>
+                <a:cs typeface="+mn-cs"/>
+              </a:rPr>
+              <a:t>Test Case relativi a </a:t>
+            </a:r>
+          </a:p>
+          <a:p>
+            <a:pPr marL="628650" marR="0" lvl="1" indent="-171450" algn="l" defTabSz="914400" rtl="0" eaLnBrk="1" fontAlgn="auto" latinLnBrk="0" hangingPunct="1">
+              <a:lnSpc>
+                <a:spcPct val="100000"/>
+              </a:lnSpc>
+              <a:spcBef>
+                <a:spcPts val="0"/>
+              </a:spcBef>
+              <a:spcAft>
+                <a:spcPts val="0"/>
+              </a:spcAft>
+              <a:buClrTx/>
+              <a:buSzTx/>
+              <a:buFont typeface="Arial" panose="020B0604020202020204" pitchFamily="34" charset="0"/>
+              <a:buChar char="•"/>
+              <a:tabLst/>
+              <a:defRPr/>
+            </a:pPr>
+            <a:r>
+              <a:rPr lang="it-CH" sz="1200" b="0" kern="1200" dirty="0">
+                <a:solidFill>
+                  <a:schemeClr val="tx1"/>
+                </a:solidFill>
+                <a:effectLst/>
+                <a:latin typeface="+mn-lt"/>
+                <a:ea typeface="+mn-ea"/>
+                <a:cs typeface="+mn-cs"/>
+              </a:rPr>
+              <a:t>VOLO</a:t>
+            </a:r>
+          </a:p>
+          <a:p>
+            <a:pPr marL="628650" marR="0" lvl="1" indent="-171450" algn="l" defTabSz="914400" rtl="0" eaLnBrk="1" fontAlgn="auto" latinLnBrk="0" hangingPunct="1">
+              <a:lnSpc>
+                <a:spcPct val="100000"/>
+              </a:lnSpc>
+              <a:spcBef>
+                <a:spcPts val="0"/>
+              </a:spcBef>
+              <a:spcAft>
+                <a:spcPts val="0"/>
+              </a:spcAft>
+              <a:buClrTx/>
+              <a:buSzTx/>
+              <a:buFont typeface="Arial" panose="020B0604020202020204" pitchFamily="34" charset="0"/>
+              <a:buChar char="•"/>
+              <a:tabLst/>
+              <a:defRPr/>
+            </a:pPr>
+            <a:r>
+              <a:rPr lang="it-CH" sz="1200" b="0" kern="1200" dirty="0">
+                <a:solidFill>
+                  <a:schemeClr val="tx1"/>
+                </a:solidFill>
+                <a:effectLst/>
+                <a:latin typeface="+mn-lt"/>
+                <a:ea typeface="+mn-ea"/>
+                <a:cs typeface="+mn-cs"/>
+              </a:rPr>
+              <a:t>SIMULAZIONE</a:t>
+            </a:r>
+          </a:p>
+          <a:p>
+            <a:pPr marL="628650" marR="0" lvl="1" indent="-171450" algn="l" defTabSz="914400" rtl="0" eaLnBrk="1" fontAlgn="auto" latinLnBrk="0" hangingPunct="1">
+              <a:lnSpc>
+                <a:spcPct val="100000"/>
+              </a:lnSpc>
+              <a:spcBef>
+                <a:spcPts val="0"/>
+              </a:spcBef>
+              <a:spcAft>
+                <a:spcPts val="0"/>
+              </a:spcAft>
+              <a:buClrTx/>
+              <a:buSzTx/>
+              <a:buFont typeface="Arial" panose="020B0604020202020204" pitchFamily="34" charset="0"/>
+              <a:buChar char="•"/>
+              <a:tabLst/>
+              <a:defRPr/>
+            </a:pPr>
+            <a:r>
+              <a:rPr lang="it-CH" sz="1200" b="0" kern="1200" dirty="0">
+                <a:solidFill>
+                  <a:schemeClr val="tx1"/>
+                </a:solidFill>
+                <a:effectLst/>
+                <a:latin typeface="+mn-lt"/>
+                <a:ea typeface="+mn-ea"/>
+                <a:cs typeface="+mn-cs"/>
+              </a:rPr>
+              <a:t>PROTOCOLLO DI COMUNICAZIONE</a:t>
+            </a:r>
+            <a:endParaRPr lang="it-IT" sz="1200" b="0" kern="1200" dirty="0">
+              <a:solidFill>
+                <a:schemeClr val="tx1"/>
+              </a:solidFill>
+              <a:effectLst/>
+              <a:latin typeface="+mn-lt"/>
+              <a:ea typeface="+mn-ea"/>
+              <a:cs typeface="+mn-cs"/>
+            </a:endParaRPr>
+          </a:p>
+        </p:txBody>
+      </p:sp>
+      <p:sp>
+        <p:nvSpPr>
+          <p:cNvPr id="4" name="Segnaposto numero diapositiva 3"/>
+          <p:cNvSpPr>
+            <a:spLocks noGrp="1"/>
+          </p:cNvSpPr>
+          <p:nvPr>
+            <p:ph type="sldNum" sz="quarter" idx="5"/>
+          </p:nvPr>
+        </p:nvSpPr>
+        <p:spPr/>
+        <p:txBody>
+          <a:bodyPr/>
+          <a:lstStyle/>
+          <a:p>
+            <a:fld id="{FD2CFA8D-4E29-41DB-B61B-69A41B9506B3}" type="slidenum">
+              <a:rPr lang="it-CH" smtClean="0"/>
+              <a:t>35</a:t>
+            </a:fld>
+            <a:endParaRPr lang="it-CH"/>
+          </a:p>
+        </p:txBody>
+      </p:sp>
+    </p:spTree>
+    <p:extLst>
+      <p:ext uri="{BB962C8B-B14F-4D97-AF65-F5344CB8AC3E}">
+        <p14:creationId xmlns:p14="http://schemas.microsoft.com/office/powerpoint/2010/main" val="3849565120"/>
+      </p:ext>
+    </p:extLst>
+  </p:cSld>
+  <p:clrMapOvr>
+    <a:masterClrMapping/>
+  </p:clrMapOvr>
+</p:notes>
+</file>
+
+<file path=ppt/notesSlides/notesSlide25.xml><?xml version="1.0" encoding="utf-8"?>
+<p:notes xmlns:a="http://schemas.openxmlformats.org/drawingml/2006/main" xmlns:r="http://schemas.openxmlformats.org/officeDocument/2006/relationships" xmlns:p="http://schemas.openxmlformats.org/presentationml/2006/main">
+  <p:cSld>
+    <p:spTree>
+      <p:nvGrpSpPr>
+        <p:cNvPr id="1" name=""/>
+        <p:cNvGrpSpPr/>
+        <p:nvPr/>
+      </p:nvGrpSpPr>
+      <p:grpSpPr>
+        <a:xfrm>
+          <a:off x="0" y="0"/>
+          <a:ext cx="0" cy="0"/>
+          <a:chOff x="0" y="0"/>
+          <a:chExt cx="0" cy="0"/>
+        </a:xfrm>
+      </p:grpSpPr>
+      <p:sp>
+        <p:nvSpPr>
+          <p:cNvPr id="2" name="Segnaposto immagine diapositiva 1"/>
+          <p:cNvSpPr>
+            <a:spLocks noGrp="1" noRot="1" noChangeAspect="1"/>
+          </p:cNvSpPr>
+          <p:nvPr>
+            <p:ph type="sldImg"/>
+          </p:nvPr>
+        </p:nvSpPr>
+        <p:spPr/>
+      </p:sp>
+      <p:sp>
+        <p:nvSpPr>
+          <p:cNvPr id="3" name="Segnaposto note 2"/>
+          <p:cNvSpPr>
+            <a:spLocks noGrp="1"/>
+          </p:cNvSpPr>
+          <p:nvPr>
+            <p:ph type="body" idx="1"/>
+          </p:nvPr>
+        </p:nvSpPr>
+        <p:spPr/>
+        <p:txBody>
+          <a:bodyPr/>
+          <a:lstStyle/>
+          <a:p>
             <a:r>
               <a:rPr lang="it-CH" dirty="0"/>
               <a:t>Riteniamo che:</a:t>
@@ -2421,7 +2769,7 @@
           <a:p>
             <a:fld id="{FD2CFA8D-4E29-41DB-B61B-69A41B9506B3}" type="slidenum">
               <a:rPr lang="it-CH" smtClean="0"/>
-              <a:t>33</a:t>
+              <a:t>36</a:t>
             </a:fld>
             <a:endParaRPr lang="it-CH"/>
           </a:p>
@@ -3165,6 +3513,123 @@
 </file>
 
 <file path=ppt/slideLayouts/slideLayout10.xml><?xml version="1.0" encoding="utf-8"?>
+<p:sldLayout xmlns:a="http://schemas.openxmlformats.org/drawingml/2006/main" xmlns:r="http://schemas.openxmlformats.org/officeDocument/2006/relationships" xmlns:p="http://schemas.openxmlformats.org/presentationml/2006/main" type="titleOnly" preserve="1">
+  <p:cSld name="Title Only">
+    <p:spTree>
+      <p:nvGrpSpPr>
+        <p:cNvPr id="1" name=""/>
+        <p:cNvGrpSpPr/>
+        <p:nvPr/>
+      </p:nvGrpSpPr>
+      <p:grpSpPr>
+        <a:xfrm>
+          <a:off x="0" y="0"/>
+          <a:ext cx="0" cy="0"/>
+          <a:chOff x="0" y="0"/>
+          <a:chExt cx="0" cy="0"/>
+        </a:xfrm>
+      </p:grpSpPr>
+      <p:sp>
+        <p:nvSpPr>
+          <p:cNvPr id="2" name="Title 1"/>
+          <p:cNvSpPr>
+            <a:spLocks noGrp="1"/>
+          </p:cNvSpPr>
+          <p:nvPr>
+            <p:ph type="title"/>
+          </p:nvPr>
+        </p:nvSpPr>
+        <p:spPr/>
+        <p:txBody>
+          <a:bodyPr/>
+          <a:lstStyle/>
+          <a:p>
+            <a:r>
+              <a:rPr lang="en-US"/>
+              <a:t>Click to edit Master title style</a:t>
+            </a:r>
+          </a:p>
+        </p:txBody>
+      </p:sp>
+      <p:sp>
+        <p:nvSpPr>
+          <p:cNvPr id="3" name="Date Placeholder 2"/>
+          <p:cNvSpPr>
+            <a:spLocks noGrp="1"/>
+          </p:cNvSpPr>
+          <p:nvPr>
+            <p:ph type="dt" sz="half" idx="10"/>
+          </p:nvPr>
+        </p:nvSpPr>
+        <p:spPr/>
+        <p:txBody>
+          <a:bodyPr/>
+          <a:lstStyle/>
+          <a:p>
+            <a:fld id="{63937D59-5EDB-4C39-B697-625748F703B6}" type="datetimeFigureOut">
+              <a:rPr lang="en-US" smtClean="0"/>
+              <a:t>5/24/19</a:t>
+            </a:fld>
+            <a:endParaRPr lang="en-US"/>
+          </a:p>
+        </p:txBody>
+      </p:sp>
+      <p:sp>
+        <p:nvSpPr>
+          <p:cNvPr id="4" name="Footer Placeholder 3"/>
+          <p:cNvSpPr>
+            <a:spLocks noGrp="1"/>
+          </p:cNvSpPr>
+          <p:nvPr>
+            <p:ph type="ftr" sz="quarter" idx="11"/>
+          </p:nvPr>
+        </p:nvSpPr>
+        <p:spPr/>
+        <p:txBody>
+          <a:bodyPr/>
+          <a:lstStyle/>
+          <a:p>
+            <a:endParaRPr lang="en-US"/>
+          </a:p>
+        </p:txBody>
+      </p:sp>
+      <p:sp>
+        <p:nvSpPr>
+          <p:cNvPr id="5" name="Slide Number Placeholder 4"/>
+          <p:cNvSpPr>
+            <a:spLocks noGrp="1"/>
+          </p:cNvSpPr>
+          <p:nvPr>
+            <p:ph type="sldNum" sz="quarter" idx="12"/>
+          </p:nvPr>
+        </p:nvSpPr>
+        <p:spPr/>
+        <p:txBody>
+          <a:bodyPr/>
+          <a:lstStyle/>
+          <a:p>
+            <a:fld id="{0F31DC1F-5561-484E-AB46-68C682854F61}" type="slidenum">
+              <a:rPr lang="en-US" smtClean="0"/>
+              <a:t>‹#›</a:t>
+            </a:fld>
+            <a:endParaRPr lang="en-US"/>
+          </a:p>
+        </p:txBody>
+      </p:sp>
+    </p:spTree>
+    <p:extLst>
+      <p:ext uri="{BB962C8B-B14F-4D97-AF65-F5344CB8AC3E}">
+        <p14:creationId xmlns:p14="http://schemas.microsoft.com/office/powerpoint/2010/main" val="1150510990"/>
+      </p:ext>
+    </p:extLst>
+  </p:cSld>
+  <p:clrMapOvr>
+    <a:masterClrMapping/>
+  </p:clrMapOvr>
+</p:sldLayout>
+</file>
+
+<file path=ppt/slideLayouts/slideLayout11.xml><?xml version="1.0" encoding="utf-8"?>
 <p:sldLayout xmlns:a="http://schemas.openxmlformats.org/drawingml/2006/main" xmlns:r="http://schemas.openxmlformats.org/officeDocument/2006/relationships" xmlns:p="http://schemas.openxmlformats.org/presentationml/2006/main" type="blank" preserve="1">
   <p:cSld name="Blank">
     <p:spTree>
@@ -3198,7 +3663,7 @@
           <a:p>
             <a:fld id="{63937D59-5EDB-4C39-B697-625748F703B6}" type="datetimeFigureOut">
               <a:rPr lang="en-US" smtClean="0"/>
-              <a:t>5/24/2019</a:t>
+              <a:t>5/24/19</a:t>
             </a:fld>
             <a:endParaRPr lang="en-US"/>
           </a:p>
@@ -3240,7 +3705,7 @@
           <a:p>
             <a:fld id="{0F31DC1F-5561-484E-AB46-68C682854F61}" type="slidenum">
               <a:rPr lang="en-US" smtClean="0"/>
-              <a:t>‹N›</a:t>
+              <a:t>‹#›</a:t>
             </a:fld>
             <a:endParaRPr lang="en-US"/>
           </a:p>
@@ -3259,7 +3724,7 @@
 </p:sldLayout>
 </file>
 
-<file path=ppt/slideLayouts/slideLayout11.xml><?xml version="1.0" encoding="utf-8"?>
+<file path=ppt/slideLayouts/slideLayout12.xml><?xml version="1.0" encoding="utf-8"?>
 <p:sldLayout xmlns:a="http://schemas.openxmlformats.org/drawingml/2006/main" xmlns:r="http://schemas.openxmlformats.org/officeDocument/2006/relationships" xmlns:p="http://schemas.openxmlformats.org/presentationml/2006/main" type="objTx" preserve="1">
   <p:cSld name="Content with Caption">
     <p:spTree>
@@ -3473,7 +3938,7 @@
           <a:p>
             <a:fld id="{63937D59-5EDB-4C39-B697-625748F703B6}" type="datetimeFigureOut">
               <a:rPr lang="en-US" smtClean="0"/>
-              <a:t>5/24/2019</a:t>
+              <a:t>5/24/19</a:t>
             </a:fld>
             <a:endParaRPr lang="en-US"/>
           </a:p>
@@ -3515,7 +3980,7 @@
           <a:p>
             <a:fld id="{0F31DC1F-5561-484E-AB46-68C682854F61}" type="slidenum">
               <a:rPr lang="en-US" smtClean="0"/>
-              <a:t>‹N›</a:t>
+              <a:t>‹#›</a:t>
             </a:fld>
             <a:endParaRPr lang="en-US"/>
           </a:p>
@@ -3534,7 +3999,7 @@
 </p:sldLayout>
 </file>
 
-<file path=ppt/slideLayouts/slideLayout12.xml><?xml version="1.0" encoding="utf-8"?>
+<file path=ppt/slideLayouts/slideLayout13.xml><?xml version="1.0" encoding="utf-8"?>
 <p:sldLayout xmlns:a="http://schemas.openxmlformats.org/drawingml/2006/main" xmlns:r="http://schemas.openxmlformats.org/officeDocument/2006/relationships" xmlns:p="http://schemas.openxmlformats.org/presentationml/2006/main" type="picTx" preserve="1">
   <p:cSld name="Picture with Caption">
     <p:spTree>
@@ -3725,7 +4190,7 @@
           <a:p>
             <a:fld id="{63937D59-5EDB-4C39-B697-625748F703B6}" type="datetimeFigureOut">
               <a:rPr lang="en-US" smtClean="0"/>
-              <a:t>5/24/2019</a:t>
+              <a:t>5/24/19</a:t>
             </a:fld>
             <a:endParaRPr lang="en-US"/>
           </a:p>
@@ -3767,7 +4232,7 @@
           <a:p>
             <a:fld id="{0F31DC1F-5561-484E-AB46-68C682854F61}" type="slidenum">
               <a:rPr lang="en-US" smtClean="0"/>
-              <a:t>‹N›</a:t>
+              <a:t>‹#›</a:t>
             </a:fld>
             <a:endParaRPr lang="en-US"/>
           </a:p>
@@ -3786,7 +4251,7 @@
 </p:sldLayout>
 </file>
 
-<file path=ppt/slideLayouts/slideLayout13.xml><?xml version="1.0" encoding="utf-8"?>
+<file path=ppt/slideLayouts/slideLayout14.xml><?xml version="1.0" encoding="utf-8"?>
 <p:sldLayout xmlns:a="http://schemas.openxmlformats.org/drawingml/2006/main" xmlns:r="http://schemas.openxmlformats.org/officeDocument/2006/relationships" xmlns:p="http://schemas.openxmlformats.org/presentationml/2006/main" type="vertTx" preserve="1">
   <p:cSld name="Title and Vertical Text">
     <p:spTree>
@@ -3893,7 +4358,7 @@
           <a:p>
             <a:fld id="{63937D59-5EDB-4C39-B697-625748F703B6}" type="datetimeFigureOut">
               <a:rPr lang="en-US" smtClean="0"/>
-              <a:t>5/24/2019</a:t>
+              <a:t>5/24/19</a:t>
             </a:fld>
             <a:endParaRPr lang="en-US"/>
           </a:p>
@@ -3935,7 +4400,7 @@
           <a:p>
             <a:fld id="{0F31DC1F-5561-484E-AB46-68C682854F61}" type="slidenum">
               <a:rPr lang="en-US" smtClean="0"/>
-              <a:t>‹N›</a:t>
+              <a:t>‹#›</a:t>
             </a:fld>
             <a:endParaRPr lang="en-US"/>
           </a:p>
@@ -3954,7 +4419,7 @@
 </p:sldLayout>
 </file>
 
-<file path=ppt/slideLayouts/slideLayout14.xml><?xml version="1.0" encoding="utf-8"?>
+<file path=ppt/slideLayouts/slideLayout15.xml><?xml version="1.0" encoding="utf-8"?>
 <p:sldLayout xmlns:a="http://schemas.openxmlformats.org/drawingml/2006/main" xmlns:r="http://schemas.openxmlformats.org/officeDocument/2006/relationships" xmlns:p="http://schemas.openxmlformats.org/presentationml/2006/main" type="vertTitleAndTx" preserve="1">
   <p:cSld name="Vertical Title and Text">
     <p:spTree>
@@ -4071,7 +4536,7 @@
           <a:p>
             <a:fld id="{63937D59-5EDB-4C39-B697-625748F703B6}" type="datetimeFigureOut">
               <a:rPr lang="en-US" smtClean="0"/>
-              <a:t>5/24/2019</a:t>
+              <a:t>5/24/19</a:t>
             </a:fld>
             <a:endParaRPr lang="en-US"/>
           </a:p>
@@ -4113,7 +4578,7 @@
           <a:p>
             <a:fld id="{0F31DC1F-5561-484E-AB46-68C682854F61}" type="slidenum">
               <a:rPr lang="en-US" smtClean="0"/>
-              <a:t>‹N›</a:t>
+              <a:t>‹#›</a:t>
             </a:fld>
             <a:endParaRPr lang="en-US"/>
           </a:p>
@@ -4489,6 +4954,314 @@
 </file>
 
 <file path=ppt/slideLayouts/slideLayout4.xml><?xml version="1.0" encoding="utf-8"?>
+<p:sldLayout xmlns:a="http://schemas.openxmlformats.org/drawingml/2006/main" xmlns:r="http://schemas.openxmlformats.org/officeDocument/2006/relationships" xmlns:p="http://schemas.openxmlformats.org/presentationml/2006/main" type="objTx">
+  <p:cSld name="Content with Caption">
+    <p:spTree>
+      <p:nvGrpSpPr>
+        <p:cNvPr id="1" name=""/>
+        <p:cNvGrpSpPr/>
+        <p:nvPr/>
+      </p:nvGrpSpPr>
+      <p:grpSpPr>
+        <a:xfrm>
+          <a:off x="0" y="0"/>
+          <a:ext cx="0" cy="0"/>
+          <a:chOff x="0" y="0"/>
+          <a:chExt cx="0" cy="0"/>
+        </a:xfrm>
+      </p:grpSpPr>
+      <p:sp>
+        <p:nvSpPr>
+          <p:cNvPr id="2" name="Title 1"/>
+          <p:cNvSpPr>
+            <a:spLocks noGrp="1"/>
+          </p:cNvSpPr>
+          <p:nvPr>
+            <p:ph type="title"/>
+          </p:nvPr>
+        </p:nvSpPr>
+        <p:spPr>
+          <a:xfrm>
+            <a:off x="457200" y="204788"/>
+            <a:ext cx="3008313" cy="871537"/>
+          </a:xfrm>
+          <a:prstGeom prst="rect">
+            <a:avLst/>
+          </a:prstGeom>
+        </p:spPr>
+        <p:txBody>
+          <a:bodyPr anchor="b"/>
+          <a:lstStyle>
+            <a:lvl1pPr algn="l">
+              <a:defRPr sz="2000" b="1"/>
+            </a:lvl1pPr>
+          </a:lstStyle>
+          <a:p>
+            <a:r>
+              <a:rPr lang="en-US"/>
+              <a:t>Click to edit Master title style</a:t>
+            </a:r>
+          </a:p>
+        </p:txBody>
+      </p:sp>
+      <p:sp>
+        <p:nvSpPr>
+          <p:cNvPr id="3" name="Content Placeholder 2"/>
+          <p:cNvSpPr>
+            <a:spLocks noGrp="1"/>
+          </p:cNvSpPr>
+          <p:nvPr>
+            <p:ph idx="1"/>
+          </p:nvPr>
+        </p:nvSpPr>
+        <p:spPr>
+          <a:xfrm>
+            <a:off x="3575050" y="204788"/>
+            <a:ext cx="5111750" cy="4389437"/>
+          </a:xfrm>
+          <a:prstGeom prst="rect">
+            <a:avLst/>
+          </a:prstGeom>
+        </p:spPr>
+        <p:txBody>
+          <a:bodyPr/>
+          <a:lstStyle>
+            <a:lvl1pPr>
+              <a:defRPr sz="3200"/>
+            </a:lvl1pPr>
+            <a:lvl2pPr>
+              <a:defRPr sz="2800"/>
+            </a:lvl2pPr>
+            <a:lvl3pPr>
+              <a:defRPr sz="2400"/>
+            </a:lvl3pPr>
+            <a:lvl4pPr>
+              <a:defRPr sz="2000"/>
+            </a:lvl4pPr>
+            <a:lvl5pPr>
+              <a:defRPr sz="2000"/>
+            </a:lvl5pPr>
+            <a:lvl6pPr>
+              <a:defRPr sz="2000"/>
+            </a:lvl6pPr>
+            <a:lvl7pPr>
+              <a:defRPr sz="2000"/>
+            </a:lvl7pPr>
+            <a:lvl8pPr>
+              <a:defRPr sz="2000"/>
+            </a:lvl8pPr>
+            <a:lvl9pPr>
+              <a:defRPr sz="2000"/>
+            </a:lvl9pPr>
+          </a:lstStyle>
+          <a:p>
+            <a:pPr lvl="0"/>
+            <a:r>
+              <a:rPr lang="en-US"/>
+              <a:t>Click to edit Master text styles</a:t>
+            </a:r>
+          </a:p>
+          <a:p>
+            <a:pPr lvl="1"/>
+            <a:r>
+              <a:rPr lang="en-US"/>
+              <a:t>Second level</a:t>
+            </a:r>
+          </a:p>
+          <a:p>
+            <a:pPr lvl="2"/>
+            <a:r>
+              <a:rPr lang="en-US"/>
+              <a:t>Third level</a:t>
+            </a:r>
+          </a:p>
+          <a:p>
+            <a:pPr lvl="3"/>
+            <a:r>
+              <a:rPr lang="en-US"/>
+              <a:t>Fourth level</a:t>
+            </a:r>
+          </a:p>
+          <a:p>
+            <a:pPr lvl="4"/>
+            <a:r>
+              <a:rPr lang="en-US"/>
+              <a:t>Fifth level</a:t>
+            </a:r>
+          </a:p>
+        </p:txBody>
+      </p:sp>
+      <p:sp>
+        <p:nvSpPr>
+          <p:cNvPr id="4" name="Text Placeholder 3"/>
+          <p:cNvSpPr>
+            <a:spLocks noGrp="1"/>
+          </p:cNvSpPr>
+          <p:nvPr>
+            <p:ph type="body" sz="half" idx="2"/>
+          </p:nvPr>
+        </p:nvSpPr>
+        <p:spPr>
+          <a:xfrm>
+            <a:off x="457200" y="1076325"/>
+            <a:ext cx="3008313" cy="3517900"/>
+          </a:xfrm>
+          <a:prstGeom prst="rect">
+            <a:avLst/>
+          </a:prstGeom>
+        </p:spPr>
+        <p:txBody>
+          <a:bodyPr/>
+          <a:lstStyle>
+            <a:lvl1pPr marL="0" indent="0">
+              <a:buNone/>
+              <a:defRPr sz="1400"/>
+            </a:lvl1pPr>
+            <a:lvl2pPr marL="457200" indent="0">
+              <a:buNone/>
+              <a:defRPr sz="1200"/>
+            </a:lvl2pPr>
+            <a:lvl3pPr marL="914400" indent="0">
+              <a:buNone/>
+              <a:defRPr sz="1000"/>
+            </a:lvl3pPr>
+            <a:lvl4pPr marL="1371600" indent="0">
+              <a:buNone/>
+              <a:defRPr sz="900"/>
+            </a:lvl4pPr>
+            <a:lvl5pPr marL="1828800" indent="0">
+              <a:buNone/>
+              <a:defRPr sz="900"/>
+            </a:lvl5pPr>
+            <a:lvl6pPr marL="2286000" indent="0">
+              <a:buNone/>
+              <a:defRPr sz="900"/>
+            </a:lvl6pPr>
+            <a:lvl7pPr marL="2743200" indent="0">
+              <a:buNone/>
+              <a:defRPr sz="900"/>
+            </a:lvl7pPr>
+            <a:lvl8pPr marL="3200400" indent="0">
+              <a:buNone/>
+              <a:defRPr sz="900"/>
+            </a:lvl8pPr>
+            <a:lvl9pPr marL="3657600" indent="0">
+              <a:buNone/>
+              <a:defRPr sz="900"/>
+            </a:lvl9pPr>
+          </a:lstStyle>
+          <a:p>
+            <a:pPr lvl="0"/>
+            <a:r>
+              <a:rPr lang="en-US"/>
+              <a:t>Click to edit Master text styles</a:t>
+            </a:r>
+          </a:p>
+        </p:txBody>
+      </p:sp>
+      <p:sp>
+        <p:nvSpPr>
+          <p:cNvPr id="5" name="Date Placeholder 4"/>
+          <p:cNvSpPr>
+            <a:spLocks noGrp="1"/>
+          </p:cNvSpPr>
+          <p:nvPr>
+            <p:ph type="dt" sz="half" idx="10"/>
+          </p:nvPr>
+        </p:nvSpPr>
+        <p:spPr>
+          <a:xfrm>
+            <a:off x="457200" y="4767263"/>
+            <a:ext cx="2133600" cy="274637"/>
+          </a:xfrm>
+          <a:prstGeom prst="rect">
+            <a:avLst/>
+          </a:prstGeom>
+        </p:spPr>
+        <p:txBody>
+          <a:bodyPr/>
+          <a:lstStyle/>
+          <a:p>
+            <a:fld id="{63937D59-5EDB-4C39-B697-625748F703B6}" type="datetimeFigureOut">
+              <a:rPr lang="en-US" smtClean="0"/>
+              <a:t>5/24/19</a:t>
+            </a:fld>
+            <a:endParaRPr lang="en-US"/>
+          </a:p>
+        </p:txBody>
+      </p:sp>
+      <p:sp>
+        <p:nvSpPr>
+          <p:cNvPr id="6" name="Footer Placeholder 5"/>
+          <p:cNvSpPr>
+            <a:spLocks noGrp="1"/>
+          </p:cNvSpPr>
+          <p:nvPr>
+            <p:ph type="ftr" sz="quarter" idx="11"/>
+          </p:nvPr>
+        </p:nvSpPr>
+        <p:spPr>
+          <a:xfrm>
+            <a:off x="3124200" y="4767263"/>
+            <a:ext cx="2895600" cy="274637"/>
+          </a:xfrm>
+          <a:prstGeom prst="rect">
+            <a:avLst/>
+          </a:prstGeom>
+        </p:spPr>
+        <p:txBody>
+          <a:bodyPr/>
+          <a:lstStyle/>
+          <a:p>
+            <a:endParaRPr lang="en-US"/>
+          </a:p>
+        </p:txBody>
+      </p:sp>
+      <p:sp>
+        <p:nvSpPr>
+          <p:cNvPr id="7" name="Slide Number Placeholder 6"/>
+          <p:cNvSpPr>
+            <a:spLocks noGrp="1"/>
+          </p:cNvSpPr>
+          <p:nvPr>
+            <p:ph type="sldNum" sz="quarter" idx="12"/>
+          </p:nvPr>
+        </p:nvSpPr>
+        <p:spPr>
+          <a:xfrm>
+            <a:off x="6553200" y="4767263"/>
+            <a:ext cx="2133600" cy="274637"/>
+          </a:xfrm>
+          <a:prstGeom prst="rect">
+            <a:avLst/>
+          </a:prstGeom>
+        </p:spPr>
+        <p:txBody>
+          <a:bodyPr/>
+          <a:lstStyle/>
+          <a:p>
+            <a:fld id="{0F31DC1F-5561-484E-AB46-68C682854F61}" type="slidenum">
+              <a:rPr lang="en-US" smtClean="0"/>
+              <a:t>‹#›</a:t>
+            </a:fld>
+            <a:endParaRPr lang="en-US"/>
+          </a:p>
+        </p:txBody>
+      </p:sp>
+    </p:spTree>
+    <p:extLst>
+      <p:ext uri="{BB962C8B-B14F-4D97-AF65-F5344CB8AC3E}">
+        <p14:creationId xmlns:p14="http://schemas.microsoft.com/office/powerpoint/2010/main" val="1369602726"/>
+      </p:ext>
+    </p:extLst>
+  </p:cSld>
+  <p:clrMapOvr>
+    <a:masterClrMapping/>
+  </p:clrMapOvr>
+</p:sldLayout>
+</file>
+
+<file path=ppt/slideLayouts/slideLayout5.xml><?xml version="1.0" encoding="utf-8"?>
 <p:sldLayout xmlns:a="http://schemas.openxmlformats.org/drawingml/2006/main" xmlns:r="http://schemas.openxmlformats.org/officeDocument/2006/relationships" xmlns:p="http://schemas.openxmlformats.org/presentationml/2006/main" type="title" preserve="1">
   <p:cSld name="Title Slide">
     <p:spTree>
@@ -4667,7 +5440,7 @@
           <a:p>
             <a:fld id="{63937D59-5EDB-4C39-B697-625748F703B6}" type="datetimeFigureOut">
               <a:rPr lang="en-US" smtClean="0"/>
-              <a:t>5/24/2019</a:t>
+              <a:t>5/24/19</a:t>
             </a:fld>
             <a:endParaRPr lang="en-US"/>
           </a:p>
@@ -4709,7 +5482,7 @@
           <a:p>
             <a:fld id="{0F31DC1F-5561-484E-AB46-68C682854F61}" type="slidenum">
               <a:rPr lang="en-US" smtClean="0"/>
-              <a:t>‹N›</a:t>
+              <a:t>‹#›</a:t>
             </a:fld>
             <a:endParaRPr lang="en-US"/>
           </a:p>
@@ -4728,7 +5501,7 @@
 </p:sldLayout>
 </file>
 
-<file path=ppt/slideLayouts/slideLayout5.xml><?xml version="1.0" encoding="utf-8"?>
+<file path=ppt/slideLayouts/slideLayout6.xml><?xml version="1.0" encoding="utf-8"?>
 <p:sldLayout xmlns:a="http://schemas.openxmlformats.org/drawingml/2006/main" xmlns:r="http://schemas.openxmlformats.org/officeDocument/2006/relationships" xmlns:p="http://schemas.openxmlformats.org/presentationml/2006/main" type="obj" preserve="1">
   <p:cSld name="Title and Content">
     <p:spTree>
@@ -4835,7 +5608,7 @@
           <a:p>
             <a:fld id="{63937D59-5EDB-4C39-B697-625748F703B6}" type="datetimeFigureOut">
               <a:rPr lang="en-US" smtClean="0"/>
-              <a:t>5/24/2019</a:t>
+              <a:t>5/24/19</a:t>
             </a:fld>
             <a:endParaRPr lang="en-US"/>
           </a:p>
@@ -4877,7 +5650,7 @@
           <a:p>
             <a:fld id="{0F31DC1F-5561-484E-AB46-68C682854F61}" type="slidenum">
               <a:rPr lang="en-US" smtClean="0"/>
-              <a:t>‹N›</a:t>
+              <a:t>‹#›</a:t>
             </a:fld>
             <a:endParaRPr lang="en-US"/>
           </a:p>
@@ -4896,7 +5669,7 @@
 </p:sldLayout>
 </file>
 
-<file path=ppt/slideLayouts/slideLayout6.xml><?xml version="1.0" encoding="utf-8"?>
+<file path=ppt/slideLayouts/slideLayout7.xml><?xml version="1.0" encoding="utf-8"?>
 <p:sldLayout xmlns:a="http://schemas.openxmlformats.org/drawingml/2006/main" xmlns:r="http://schemas.openxmlformats.org/officeDocument/2006/relationships" xmlns:p="http://schemas.openxmlformats.org/presentationml/2006/main" type="secHead" preserve="1">
   <p:cSld name="Section Header">
     <p:spTree>
@@ -5080,7 +5853,7 @@
           <a:p>
             <a:fld id="{63937D59-5EDB-4C39-B697-625748F703B6}" type="datetimeFigureOut">
               <a:rPr lang="en-US" smtClean="0"/>
-              <a:t>5/24/2019</a:t>
+              <a:t>5/24/19</a:t>
             </a:fld>
             <a:endParaRPr lang="en-US"/>
           </a:p>
@@ -5122,7 +5895,7 @@
           <a:p>
             <a:fld id="{0F31DC1F-5561-484E-AB46-68C682854F61}" type="slidenum">
               <a:rPr lang="en-US" smtClean="0"/>
-              <a:t>‹N›</a:t>
+              <a:t>‹#›</a:t>
             </a:fld>
             <a:endParaRPr lang="en-US"/>
           </a:p>
@@ -5141,7 +5914,7 @@
 </p:sldLayout>
 </file>
 
-<file path=ppt/slideLayouts/slideLayout7.xml><?xml version="1.0" encoding="utf-8"?>
+<file path=ppt/slideLayouts/slideLayout8.xml><?xml version="1.0" encoding="utf-8"?>
 <p:sldLayout xmlns:a="http://schemas.openxmlformats.org/drawingml/2006/main" xmlns:r="http://schemas.openxmlformats.org/officeDocument/2006/relationships" xmlns:p="http://schemas.openxmlformats.org/presentationml/2006/main" type="twoObj" preserve="1">
   <p:cSld name="Two Content">
     <p:spTree>
@@ -5365,7 +6138,7 @@
           <a:p>
             <a:fld id="{63937D59-5EDB-4C39-B697-625748F703B6}" type="datetimeFigureOut">
               <a:rPr lang="en-US" smtClean="0"/>
-              <a:t>5/24/2019</a:t>
+              <a:t>5/24/19</a:t>
             </a:fld>
             <a:endParaRPr lang="en-US"/>
           </a:p>
@@ -5407,7 +6180,7 @@
           <a:p>
             <a:fld id="{0F31DC1F-5561-484E-AB46-68C682854F61}" type="slidenum">
               <a:rPr lang="en-US" smtClean="0"/>
-              <a:t>‹N›</a:t>
+              <a:t>‹#›</a:t>
             </a:fld>
             <a:endParaRPr lang="en-US"/>
           </a:p>
@@ -5426,7 +6199,7 @@
 </p:sldLayout>
 </file>
 
-<file path=ppt/slideLayouts/slideLayout8.xml><?xml version="1.0" encoding="utf-8"?>
+<file path=ppt/slideLayouts/slideLayout9.xml><?xml version="1.0" encoding="utf-8"?>
 <p:sldLayout xmlns:a="http://schemas.openxmlformats.org/drawingml/2006/main" xmlns:r="http://schemas.openxmlformats.org/officeDocument/2006/relationships" xmlns:p="http://schemas.openxmlformats.org/presentationml/2006/main" type="twoTxTwoObj" preserve="1">
   <p:cSld name="Comparison">
     <p:spTree>
@@ -5784,7 +6557,7 @@
           <a:p>
             <a:fld id="{63937D59-5EDB-4C39-B697-625748F703B6}" type="datetimeFigureOut">
               <a:rPr lang="en-US" smtClean="0"/>
-              <a:t>5/24/2019</a:t>
+              <a:t>5/24/19</a:t>
             </a:fld>
             <a:endParaRPr lang="en-US"/>
           </a:p>
@@ -5826,7 +6599,7 @@
           <a:p>
             <a:fld id="{0F31DC1F-5561-484E-AB46-68C682854F61}" type="slidenum">
               <a:rPr lang="en-US" smtClean="0"/>
-              <a:t>‹N›</a:t>
+              <a:t>‹#›</a:t>
             </a:fld>
             <a:endParaRPr lang="en-US"/>
           </a:p>
@@ -5836,123 +6609,6 @@
     <p:extLst>
       <p:ext uri="{BB962C8B-B14F-4D97-AF65-F5344CB8AC3E}">
         <p14:creationId xmlns:p14="http://schemas.microsoft.com/office/powerpoint/2010/main" val="3538794029"/>
-      </p:ext>
-    </p:extLst>
-  </p:cSld>
-  <p:clrMapOvr>
-    <a:masterClrMapping/>
-  </p:clrMapOvr>
-</p:sldLayout>
-</file>
-
-<file path=ppt/slideLayouts/slideLayout9.xml><?xml version="1.0" encoding="utf-8"?>
-<p:sldLayout xmlns:a="http://schemas.openxmlformats.org/drawingml/2006/main" xmlns:r="http://schemas.openxmlformats.org/officeDocument/2006/relationships" xmlns:p="http://schemas.openxmlformats.org/presentationml/2006/main" type="titleOnly" preserve="1">
-  <p:cSld name="Title Only">
-    <p:spTree>
-      <p:nvGrpSpPr>
-        <p:cNvPr id="1" name=""/>
-        <p:cNvGrpSpPr/>
-        <p:nvPr/>
-      </p:nvGrpSpPr>
-      <p:grpSpPr>
-        <a:xfrm>
-          <a:off x="0" y="0"/>
-          <a:ext cx="0" cy="0"/>
-          <a:chOff x="0" y="0"/>
-          <a:chExt cx="0" cy="0"/>
-        </a:xfrm>
-      </p:grpSpPr>
-      <p:sp>
-        <p:nvSpPr>
-          <p:cNvPr id="2" name="Title 1"/>
-          <p:cNvSpPr>
-            <a:spLocks noGrp="1"/>
-          </p:cNvSpPr>
-          <p:nvPr>
-            <p:ph type="title"/>
-          </p:nvPr>
-        </p:nvSpPr>
-        <p:spPr/>
-        <p:txBody>
-          <a:bodyPr/>
-          <a:lstStyle/>
-          <a:p>
-            <a:r>
-              <a:rPr lang="en-US"/>
-              <a:t>Click to edit Master title style</a:t>
-            </a:r>
-          </a:p>
-        </p:txBody>
-      </p:sp>
-      <p:sp>
-        <p:nvSpPr>
-          <p:cNvPr id="3" name="Date Placeholder 2"/>
-          <p:cNvSpPr>
-            <a:spLocks noGrp="1"/>
-          </p:cNvSpPr>
-          <p:nvPr>
-            <p:ph type="dt" sz="half" idx="10"/>
-          </p:nvPr>
-        </p:nvSpPr>
-        <p:spPr/>
-        <p:txBody>
-          <a:bodyPr/>
-          <a:lstStyle/>
-          <a:p>
-            <a:fld id="{63937D59-5EDB-4C39-B697-625748F703B6}" type="datetimeFigureOut">
-              <a:rPr lang="en-US" smtClean="0"/>
-              <a:t>5/24/2019</a:t>
-            </a:fld>
-            <a:endParaRPr lang="en-US"/>
-          </a:p>
-        </p:txBody>
-      </p:sp>
-      <p:sp>
-        <p:nvSpPr>
-          <p:cNvPr id="4" name="Footer Placeholder 3"/>
-          <p:cNvSpPr>
-            <a:spLocks noGrp="1"/>
-          </p:cNvSpPr>
-          <p:nvPr>
-            <p:ph type="ftr" sz="quarter" idx="11"/>
-          </p:nvPr>
-        </p:nvSpPr>
-        <p:spPr/>
-        <p:txBody>
-          <a:bodyPr/>
-          <a:lstStyle/>
-          <a:p>
-            <a:endParaRPr lang="en-US"/>
-          </a:p>
-        </p:txBody>
-      </p:sp>
-      <p:sp>
-        <p:nvSpPr>
-          <p:cNvPr id="5" name="Slide Number Placeholder 4"/>
-          <p:cNvSpPr>
-            <a:spLocks noGrp="1"/>
-          </p:cNvSpPr>
-          <p:nvPr>
-            <p:ph type="sldNum" sz="quarter" idx="12"/>
-          </p:nvPr>
-        </p:nvSpPr>
-        <p:spPr/>
-        <p:txBody>
-          <a:bodyPr/>
-          <a:lstStyle/>
-          <a:p>
-            <a:fld id="{0F31DC1F-5561-484E-AB46-68C682854F61}" type="slidenum">
-              <a:rPr lang="en-US" smtClean="0"/>
-              <a:t>‹N›</a:t>
-            </a:fld>
-            <a:endParaRPr lang="en-US"/>
-          </a:p>
-        </p:txBody>
-      </p:sp>
-    </p:spTree>
-    <p:extLst>
-      <p:ext uri="{BB962C8B-B14F-4D97-AF65-F5344CB8AC3E}">
-        <p14:creationId xmlns:p14="http://schemas.microsoft.com/office/powerpoint/2010/main" val="1150510990"/>
       </p:ext>
     </p:extLst>
   </p:cSld>
@@ -5999,6 +6655,7 @@
     <p:sldLayoutId id="2147483649" r:id="rId1"/>
     <p:sldLayoutId id="2147483650" r:id="rId2"/>
     <p:sldLayoutId id="2147483660" r:id="rId3"/>
+    <p:sldLayoutId id="2147483673" r:id="rId4"/>
   </p:sldLayoutIdLst>
   <p:txStyles>
     <p:titleStyle>
@@ -6403,7 +7060,7 @@
           <a:p>
             <a:fld id="{63937D59-5EDB-4C39-B697-625748F703B6}" type="datetimeFigureOut">
               <a:rPr lang="en-US" smtClean="0"/>
-              <a:t>5/24/2019</a:t>
+              <a:t>5/24/19</a:t>
             </a:fld>
             <a:endParaRPr lang="en-US"/>
           </a:p>
@@ -6481,7 +7138,7 @@
           <a:p>
             <a:fld id="{0F31DC1F-5561-484E-AB46-68C682854F61}" type="slidenum">
               <a:rPr lang="en-US" smtClean="0"/>
-              <a:t>‹N›</a:t>
+              <a:t>‹#›</a:t>
             </a:fld>
             <a:endParaRPr lang="en-US"/>
           </a:p>
@@ -7085,13 +7742,13 @@
   <p:clrMapOvr>
     <a:masterClrMapping/>
   </p:clrMapOvr>
-  <mc:AlternateContent xmlns:mc="http://schemas.openxmlformats.org/markup-compatibility/2006" xmlns:p159="http://schemas.microsoft.com/office/powerpoint/2015/09/main">
-    <mc:Choice Requires="p159">
+  <mc:AlternateContent xmlns:mc="http://schemas.openxmlformats.org/markup-compatibility/2006">
+    <mc:Choice xmlns:p159="http://schemas.microsoft.com/office/powerpoint/2015/09/main" xmlns="" Requires="p159">
       <p:transition xmlns:p14="http://schemas.microsoft.com/office/powerpoint/2010/main" spd="slow" p14:dur="2000">
         <p159:morph option="byWord"/>
       </p:transition>
     </mc:Choice>
-    <mc:Fallback xmlns="">
+    <mc:Fallback>
       <p:transition spd="slow">
         <p:fade/>
       </p:transition>
@@ -7122,7 +7779,7 @@
           <p:cNvPr id="2" name="Titolo 1">
             <a:extLst>
               <a:ext uri="{FF2B5EF4-FFF2-40B4-BE49-F238E27FC236}">
-                <a16:creationId xmlns:a16="http://schemas.microsoft.com/office/drawing/2014/main" id="{43E3691C-E7C5-4E7F-886F-719EBDEB9EFA}"/>
+                <a16:creationId xmlns:a16="http://schemas.microsoft.com/office/drawing/2014/main" xmlns="" id="{43E3691C-E7C5-4E7F-886F-719EBDEB9EFA}"/>
               </a:ext>
             </a:extLst>
           </p:cNvPr>
@@ -7155,7 +7812,7 @@
           <p:cNvPr id="3" name="Segnaposto contenuto 2">
             <a:extLst>
               <a:ext uri="{FF2B5EF4-FFF2-40B4-BE49-F238E27FC236}">
-                <a16:creationId xmlns:a16="http://schemas.microsoft.com/office/drawing/2014/main" id="{115FDC09-7D9E-4775-A49D-99C41027671D}"/>
+                <a16:creationId xmlns:a16="http://schemas.microsoft.com/office/drawing/2014/main" xmlns="" id="{115FDC09-7D9E-4775-A49D-99C41027671D}"/>
               </a:ext>
             </a:extLst>
           </p:cNvPr>
@@ -7210,7 +7867,7 @@
           <p:cNvPr id="11" name="Picture 2" descr="Risultati immagini per drawing compass icon png">
             <a:extLst>
               <a:ext uri="{FF2B5EF4-FFF2-40B4-BE49-F238E27FC236}">
-                <a16:creationId xmlns:a16="http://schemas.microsoft.com/office/drawing/2014/main" id="{86E9AE74-996D-4422-87C9-670486194E12}"/>
+                <a16:creationId xmlns:a16="http://schemas.microsoft.com/office/drawing/2014/main" xmlns="" id="{86E9AE74-996D-4422-87C9-670486194E12}"/>
               </a:ext>
             </a:extLst>
           </p:cNvPr>
@@ -7262,13 +7919,13 @@
   <p:clrMapOvr>
     <a:masterClrMapping/>
   </p:clrMapOvr>
-  <mc:AlternateContent xmlns:mc="http://schemas.openxmlformats.org/markup-compatibility/2006" xmlns:p159="http://schemas.microsoft.com/office/powerpoint/2015/09/main">
-    <mc:Choice Requires="p159">
+  <mc:AlternateContent xmlns:mc="http://schemas.openxmlformats.org/markup-compatibility/2006">
+    <mc:Choice xmlns:p159="http://schemas.microsoft.com/office/powerpoint/2015/09/main" xmlns="" Requires="p159">
       <p:transition xmlns:p14="http://schemas.microsoft.com/office/powerpoint/2010/main" spd="slow" p14:dur="2000">
         <p159:morph option="byWord"/>
       </p:transition>
     </mc:Choice>
-    <mc:Fallback xmlns="">
+    <mc:Fallback>
       <p:transition spd="slow">
         <p:fade/>
       </p:transition>
@@ -7299,7 +7956,7 @@
           <p:cNvPr id="2" name="CasellaDiTesto 1">
             <a:extLst>
               <a:ext uri="{FF2B5EF4-FFF2-40B4-BE49-F238E27FC236}">
-                <a16:creationId xmlns:a16="http://schemas.microsoft.com/office/drawing/2014/main" id="{DF28166C-8E73-4EE8-AFBA-89D1898088EA}"/>
+                <a16:creationId xmlns:a16="http://schemas.microsoft.com/office/drawing/2014/main" xmlns="" id="{DF28166C-8E73-4EE8-AFBA-89D1898088EA}"/>
               </a:ext>
             </a:extLst>
           </p:cNvPr>
@@ -7347,13 +8004,13 @@
   <p:clrMapOvr>
     <a:masterClrMapping/>
   </p:clrMapOvr>
-  <mc:AlternateContent xmlns:mc="http://schemas.openxmlformats.org/markup-compatibility/2006" xmlns:p159="http://schemas.microsoft.com/office/powerpoint/2015/09/main">
-    <mc:Choice Requires="p159">
+  <mc:AlternateContent xmlns:mc="http://schemas.openxmlformats.org/markup-compatibility/2006">
+    <mc:Choice xmlns:p159="http://schemas.microsoft.com/office/powerpoint/2015/09/main" xmlns="" Requires="p159">
       <p:transition xmlns:p14="http://schemas.microsoft.com/office/powerpoint/2010/main" spd="slow" p14:dur="2000">
         <p159:morph option="byWord"/>
       </p:transition>
     </mc:Choice>
-    <mc:Fallback xmlns="">
+    <mc:Fallback>
       <p:transition spd="slow">
         <p:fade/>
       </p:transition>
@@ -7392,7 +8049,7 @@
           <p:cNvPr id="2" name="Segnaposto contenuto 4">
             <a:extLst>
               <a:ext uri="{FF2B5EF4-FFF2-40B4-BE49-F238E27FC236}">
-                <a16:creationId xmlns:a16="http://schemas.microsoft.com/office/drawing/2014/main" id="{2801C223-7BF2-4933-A8B8-AF25E7E23AC9}"/>
+                <a16:creationId xmlns:a16="http://schemas.microsoft.com/office/drawing/2014/main" xmlns="" id="{2801C223-7BF2-4933-A8B8-AF25E7E23AC9}"/>
               </a:ext>
             </a:extLst>
           </p:cNvPr>
@@ -7432,13 +8089,13 @@
   <p:clrMapOvr>
     <a:masterClrMapping/>
   </p:clrMapOvr>
-  <mc:AlternateContent xmlns:mc="http://schemas.openxmlformats.org/markup-compatibility/2006" xmlns:p159="http://schemas.microsoft.com/office/powerpoint/2015/09/main">
-    <mc:Choice Requires="p159">
+  <mc:AlternateContent xmlns:mc="http://schemas.openxmlformats.org/markup-compatibility/2006">
+    <mc:Choice xmlns:p159="http://schemas.microsoft.com/office/powerpoint/2015/09/main" xmlns="" Requires="p159">
       <p:transition xmlns:p14="http://schemas.microsoft.com/office/powerpoint/2010/main" spd="slow" p14:dur="2000">
         <p159:morph option="byWord"/>
       </p:transition>
     </mc:Choice>
-    <mc:Fallback xmlns="">
+    <mc:Fallback>
       <p:transition spd="slow">
         <p:fade/>
       </p:transition>
@@ -7477,7 +8134,7 @@
           <p:cNvPr id="2" name="Segnaposto contenuto 6">
             <a:extLst>
               <a:ext uri="{FF2B5EF4-FFF2-40B4-BE49-F238E27FC236}">
-                <a16:creationId xmlns:a16="http://schemas.microsoft.com/office/drawing/2014/main" id="{8A7B6934-FC8E-418A-88F9-489CDDD1CCAE}"/>
+                <a16:creationId xmlns:a16="http://schemas.microsoft.com/office/drawing/2014/main" xmlns="" id="{8A7B6934-FC8E-418A-88F9-489CDDD1CCAE}"/>
               </a:ext>
             </a:extLst>
           </p:cNvPr>
@@ -7518,13 +8175,13 @@
   <p:clrMapOvr>
     <a:masterClrMapping/>
   </p:clrMapOvr>
-  <mc:AlternateContent xmlns:mc="http://schemas.openxmlformats.org/markup-compatibility/2006" xmlns:p159="http://schemas.microsoft.com/office/powerpoint/2015/09/main">
-    <mc:Choice Requires="p159">
+  <mc:AlternateContent xmlns:mc="http://schemas.openxmlformats.org/markup-compatibility/2006">
+    <mc:Choice xmlns:p159="http://schemas.microsoft.com/office/powerpoint/2015/09/main" xmlns="" Requires="p159">
       <p:transition xmlns:p14="http://schemas.microsoft.com/office/powerpoint/2010/main" spd="slow" p14:dur="2000">
         <p159:morph option="byWord"/>
       </p:transition>
     </mc:Choice>
-    <mc:Fallback xmlns="">
+    <mc:Fallback>
       <p:transition spd="slow">
         <p:fade/>
       </p:transition>
@@ -7555,7 +8212,7 @@
           <p:cNvPr id="4" name="Segnaposto contenuto 4">
             <a:extLst>
               <a:ext uri="{FF2B5EF4-FFF2-40B4-BE49-F238E27FC236}">
-                <a16:creationId xmlns:a16="http://schemas.microsoft.com/office/drawing/2014/main" id="{06724221-2A70-4FF3-AF58-4AD43A923749}"/>
+                <a16:creationId xmlns:a16="http://schemas.microsoft.com/office/drawing/2014/main" xmlns="" id="{06724221-2A70-4FF3-AF58-4AD43A923749}"/>
               </a:ext>
             </a:extLst>
           </p:cNvPr>
@@ -7595,13 +8252,13 @@
   <p:clrMapOvr>
     <a:masterClrMapping/>
   </p:clrMapOvr>
-  <mc:AlternateContent xmlns:mc="http://schemas.openxmlformats.org/markup-compatibility/2006" xmlns:p159="http://schemas.microsoft.com/office/powerpoint/2015/09/main">
-    <mc:Choice Requires="p159">
+  <mc:AlternateContent xmlns:mc="http://schemas.openxmlformats.org/markup-compatibility/2006">
+    <mc:Choice xmlns:p159="http://schemas.microsoft.com/office/powerpoint/2015/09/main" xmlns="" Requires="p159">
       <p:transition xmlns:p14="http://schemas.microsoft.com/office/powerpoint/2010/main" spd="slow" p14:dur="2000">
         <p159:morph option="byWord"/>
       </p:transition>
     </mc:Choice>
-    <mc:Fallback xmlns="">
+    <mc:Fallback>
       <p:transition spd="slow">
         <p:fade/>
       </p:transition>
@@ -7632,7 +8289,7 @@
           <p:cNvPr id="5" name="Segnaposto contenuto 4">
             <a:extLst>
               <a:ext uri="{FF2B5EF4-FFF2-40B4-BE49-F238E27FC236}">
-                <a16:creationId xmlns:a16="http://schemas.microsoft.com/office/drawing/2014/main" id="{804BB337-DB27-4533-84B9-CB800299E362}"/>
+                <a16:creationId xmlns:a16="http://schemas.microsoft.com/office/drawing/2014/main" xmlns="" id="{804BB337-DB27-4533-84B9-CB800299E362}"/>
               </a:ext>
             </a:extLst>
           </p:cNvPr>
@@ -7668,7 +8325,7 @@
           <p:cNvPr id="6" name="Immagine 5">
             <a:extLst>
               <a:ext uri="{FF2B5EF4-FFF2-40B4-BE49-F238E27FC236}">
-                <a16:creationId xmlns:a16="http://schemas.microsoft.com/office/drawing/2014/main" id="{192E8AA8-A80B-40A8-AD93-2590B71A07AB}"/>
+                <a16:creationId xmlns:a16="http://schemas.microsoft.com/office/drawing/2014/main" xmlns="" id="{192E8AA8-A80B-40A8-AD93-2590B71A07AB}"/>
               </a:ext>
             </a:extLst>
           </p:cNvPr>
@@ -7703,7 +8360,7 @@
           <p:cNvPr id="9" name="Titolo 1">
             <a:extLst>
               <a:ext uri="{FF2B5EF4-FFF2-40B4-BE49-F238E27FC236}">
-                <a16:creationId xmlns:a16="http://schemas.microsoft.com/office/drawing/2014/main" id="{03D1E91E-02F1-4511-A01C-D0B212221FDD}"/>
+                <a16:creationId xmlns:a16="http://schemas.microsoft.com/office/drawing/2014/main" xmlns="" id="{03D1E91E-02F1-4511-A01C-D0B212221FDD}"/>
               </a:ext>
             </a:extLst>
           </p:cNvPr>
@@ -7747,13 +8404,13 @@
   <p:clrMapOvr>
     <a:masterClrMapping/>
   </p:clrMapOvr>
-  <mc:AlternateContent xmlns:mc="http://schemas.openxmlformats.org/markup-compatibility/2006" xmlns:p159="http://schemas.microsoft.com/office/powerpoint/2015/09/main">
-    <mc:Choice Requires="p159">
+  <mc:AlternateContent xmlns:mc="http://schemas.openxmlformats.org/markup-compatibility/2006">
+    <mc:Choice xmlns:p159="http://schemas.microsoft.com/office/powerpoint/2015/09/main" xmlns="" Requires="p159">
       <p:transition xmlns:p14="http://schemas.microsoft.com/office/powerpoint/2010/main" spd="slow" p14:dur="2000">
         <p159:morph option="byWord"/>
       </p:transition>
     </mc:Choice>
-    <mc:Fallback xmlns="">
+    <mc:Fallback>
       <p:transition spd="slow">
         <p:fade/>
       </p:transition>
@@ -7792,7 +8449,7 @@
           <p:cNvPr id="8" name="Immagine 7" descr="Immagine che contiene screenshot&#10;&#10;Descrizione generata con affidabilità molto elevata">
             <a:extLst>
               <a:ext uri="{FF2B5EF4-FFF2-40B4-BE49-F238E27FC236}">
-                <a16:creationId xmlns:a16="http://schemas.microsoft.com/office/drawing/2014/main" id="{7DA299B0-DDA3-44F6-9B72-80222BFF4D38}"/>
+                <a16:creationId xmlns:a16="http://schemas.microsoft.com/office/drawing/2014/main" xmlns="" id="{7DA299B0-DDA3-44F6-9B72-80222BFF4D38}"/>
               </a:ext>
             </a:extLst>
           </p:cNvPr>
@@ -7828,10 +8485,10 @@
           <p:cNvPr id="14" name="Straight Connector 13">
             <a:extLst>
               <a:ext uri="{FF2B5EF4-FFF2-40B4-BE49-F238E27FC236}">
-                <a16:creationId xmlns:a16="http://schemas.microsoft.com/office/drawing/2014/main" id="{50DA1EB8-87CF-4588-A1FD-4756F9A28F6B}"/>
+                <a16:creationId xmlns:a16="http://schemas.microsoft.com/office/drawing/2014/main" xmlns="" id="{50DA1EB8-87CF-4588-A1FD-4756F9A28F6B}"/>
               </a:ext>
               <a:ext uri="{C183D7F6-B498-43B3-948B-1728B52AA6E4}">
-                <adec:decorative xmlns:adec="http://schemas.microsoft.com/office/drawing/2017/decorative" val="1"/>
+                <adec:decorative xmlns:adec="http://schemas.microsoft.com/office/drawing/2017/decorative" xmlns="" val="1"/>
               </a:ext>
             </a:extLst>
           </p:cNvPr>
@@ -7841,7 +8498,7 @@
           <p:nvPr>
             <p:extLst>
               <p:ext uri="{386F3935-93C4-4BCD-93E2-E3B085C9AB24}">
-                <p16:designElem xmlns:p16="http://schemas.microsoft.com/office/powerpoint/2015/main" val="1"/>
+                <p16:designElem xmlns:p16="http://schemas.microsoft.com/office/powerpoint/2015/main" xmlns="" val="1"/>
               </p:ext>
             </p:extLst>
           </p:nvPr>
@@ -7880,7 +8537,7 @@
           <p:cNvPr id="4" name="Immagine 3" descr="Immagine che contiene screenshot&#10;&#10;Descrizione generata con affidabilità molto elevata">
             <a:extLst>
               <a:ext uri="{FF2B5EF4-FFF2-40B4-BE49-F238E27FC236}">
-                <a16:creationId xmlns:a16="http://schemas.microsoft.com/office/drawing/2014/main" id="{82C66964-43AC-41F6-BA80-FBE58CA9B01B}"/>
+                <a16:creationId xmlns:a16="http://schemas.microsoft.com/office/drawing/2014/main" xmlns="" id="{82C66964-43AC-41F6-BA80-FBE58CA9B01B}"/>
               </a:ext>
             </a:extLst>
           </p:cNvPr>
@@ -7916,10 +8573,10 @@
           <p:cNvPr id="16" name="Straight Connector 15">
             <a:extLst>
               <a:ext uri="{FF2B5EF4-FFF2-40B4-BE49-F238E27FC236}">
-                <a16:creationId xmlns:a16="http://schemas.microsoft.com/office/drawing/2014/main" id="{D7A4E378-EA57-47B9-B1EB-58B998F6CFFB}"/>
+                <a16:creationId xmlns:a16="http://schemas.microsoft.com/office/drawing/2014/main" xmlns="" id="{D7A4E378-EA57-47B9-B1EB-58B998F6CFFB}"/>
               </a:ext>
               <a:ext uri="{C183D7F6-B498-43B3-948B-1728B52AA6E4}">
-                <adec:decorative xmlns:adec="http://schemas.microsoft.com/office/drawing/2017/decorative" val="1"/>
+                <adec:decorative xmlns:adec="http://schemas.microsoft.com/office/drawing/2017/decorative" xmlns="" val="1"/>
               </a:ext>
             </a:extLst>
           </p:cNvPr>
@@ -7929,7 +8586,7 @@
           <p:nvPr>
             <p:extLst>
               <p:ext uri="{386F3935-93C4-4BCD-93E2-E3B085C9AB24}">
-                <p16:designElem xmlns:p16="http://schemas.microsoft.com/office/powerpoint/2015/main" val="1"/>
+                <p16:designElem xmlns:p16="http://schemas.microsoft.com/office/powerpoint/2015/main" xmlns="" val="1"/>
               </p:ext>
             </p:extLst>
           </p:nvPr>
@@ -7968,7 +8625,7 @@
           <p:cNvPr id="9" name="Immagine 8" descr="Immagine che contiene screenshot&#10;&#10;Descrizione generata con affidabilità molto elevata">
             <a:extLst>
               <a:ext uri="{FF2B5EF4-FFF2-40B4-BE49-F238E27FC236}">
-                <a16:creationId xmlns:a16="http://schemas.microsoft.com/office/drawing/2014/main" id="{836DA3D5-DDA6-4CE7-A78E-28031D04955D}"/>
+                <a16:creationId xmlns:a16="http://schemas.microsoft.com/office/drawing/2014/main" xmlns="" id="{836DA3D5-DDA6-4CE7-A78E-28031D04955D}"/>
               </a:ext>
             </a:extLst>
           </p:cNvPr>
@@ -8004,10 +8661,10 @@
           <p:cNvPr id="18" name="Straight Connector 17">
             <a:extLst>
               <a:ext uri="{FF2B5EF4-FFF2-40B4-BE49-F238E27FC236}">
-                <a16:creationId xmlns:a16="http://schemas.microsoft.com/office/drawing/2014/main" id="{D2B31ED6-76F0-425A-9A41-C947AEF9C145}"/>
+                <a16:creationId xmlns:a16="http://schemas.microsoft.com/office/drawing/2014/main" xmlns="" id="{D2B31ED6-76F0-425A-9A41-C947AEF9C145}"/>
               </a:ext>
               <a:ext uri="{C183D7F6-B498-43B3-948B-1728B52AA6E4}">
-                <adec:decorative xmlns:adec="http://schemas.microsoft.com/office/drawing/2017/decorative" val="1"/>
+                <adec:decorative xmlns:adec="http://schemas.microsoft.com/office/drawing/2017/decorative" xmlns="" val="1"/>
               </a:ext>
             </a:extLst>
           </p:cNvPr>
@@ -8017,7 +8674,7 @@
           <p:nvPr>
             <p:extLst>
               <p:ext uri="{386F3935-93C4-4BCD-93E2-E3B085C9AB24}">
-                <p16:designElem xmlns:p16="http://schemas.microsoft.com/office/powerpoint/2015/main" val="1"/>
+                <p16:designElem xmlns:p16="http://schemas.microsoft.com/office/powerpoint/2015/main" xmlns="" val="1"/>
               </p:ext>
             </p:extLst>
           </p:nvPr>
@@ -8056,7 +8713,7 @@
           <p:cNvPr id="7" name="Immagine 6" descr="Immagine che contiene screenshot&#10;&#10;Descrizione generata con affidabilità molto elevata">
             <a:extLst>
               <a:ext uri="{FF2B5EF4-FFF2-40B4-BE49-F238E27FC236}">
-                <a16:creationId xmlns:a16="http://schemas.microsoft.com/office/drawing/2014/main" id="{28249DBB-DE52-4089-9A76-2243FE313FEA}"/>
+                <a16:creationId xmlns:a16="http://schemas.microsoft.com/office/drawing/2014/main" xmlns="" id="{28249DBB-DE52-4089-9A76-2243FE313FEA}"/>
               </a:ext>
             </a:extLst>
           </p:cNvPr>
@@ -8092,7 +8749,7 @@
           <p:cNvPr id="11" name="Titolo 1">
             <a:extLst>
               <a:ext uri="{FF2B5EF4-FFF2-40B4-BE49-F238E27FC236}">
-                <a16:creationId xmlns:a16="http://schemas.microsoft.com/office/drawing/2014/main" id="{D929E7EF-A7BB-487F-B14C-09078E1EAFF1}"/>
+                <a16:creationId xmlns:a16="http://schemas.microsoft.com/office/drawing/2014/main" xmlns="" id="{D929E7EF-A7BB-487F-B14C-09078E1EAFF1}"/>
               </a:ext>
             </a:extLst>
           </p:cNvPr>
@@ -8136,13 +8793,13 @@
   <p:clrMapOvr>
     <a:masterClrMapping/>
   </p:clrMapOvr>
-  <mc:AlternateContent xmlns:mc="http://schemas.openxmlformats.org/markup-compatibility/2006" xmlns:p159="http://schemas.microsoft.com/office/powerpoint/2015/09/main">
-    <mc:Choice Requires="p159">
+  <mc:AlternateContent xmlns:mc="http://schemas.openxmlformats.org/markup-compatibility/2006">
+    <mc:Choice xmlns:p159="http://schemas.microsoft.com/office/powerpoint/2015/09/main" xmlns="" Requires="p159">
       <p:transition xmlns:p14="http://schemas.microsoft.com/office/powerpoint/2010/main" spd="slow" p14:dur="2000">
         <p159:morph option="byWord"/>
       </p:transition>
     </mc:Choice>
-    <mc:Fallback xmlns="">
+    <mc:Fallback>
       <p:transition spd="slow">
         <p:fade/>
       </p:transition>
@@ -8181,7 +8838,7 @@
           <p:cNvPr id="11" name="Titolo 1">
             <a:extLst>
               <a:ext uri="{FF2B5EF4-FFF2-40B4-BE49-F238E27FC236}">
-                <a16:creationId xmlns:a16="http://schemas.microsoft.com/office/drawing/2014/main" id="{D929E7EF-A7BB-487F-B14C-09078E1EAFF1}"/>
+                <a16:creationId xmlns:a16="http://schemas.microsoft.com/office/drawing/2014/main" xmlns="" id="{D929E7EF-A7BB-487F-B14C-09078E1EAFF1}"/>
               </a:ext>
             </a:extLst>
           </p:cNvPr>
@@ -8236,7 +8893,7 @@
           <p:cNvPr id="3" name="Immagine 2">
             <a:extLst>
               <a:ext uri="{FF2B5EF4-FFF2-40B4-BE49-F238E27FC236}">
-                <a16:creationId xmlns:a16="http://schemas.microsoft.com/office/drawing/2014/main" id="{9CEE29CA-5665-406C-ACF4-FC34D55E29B1}"/>
+                <a16:creationId xmlns:a16="http://schemas.microsoft.com/office/drawing/2014/main" xmlns="" id="{9CEE29CA-5665-406C-ACF4-FC34D55E29B1}"/>
               </a:ext>
             </a:extLst>
           </p:cNvPr>
@@ -8271,7 +8928,7 @@
           <p:cNvPr id="12" name="Immagine 11">
             <a:extLst>
               <a:ext uri="{FF2B5EF4-FFF2-40B4-BE49-F238E27FC236}">
-                <a16:creationId xmlns:a16="http://schemas.microsoft.com/office/drawing/2014/main" id="{E490454E-B6A2-46F0-9748-7A822759B935}"/>
+                <a16:creationId xmlns:a16="http://schemas.microsoft.com/office/drawing/2014/main" xmlns="" id="{E490454E-B6A2-46F0-9748-7A822759B935}"/>
               </a:ext>
             </a:extLst>
           </p:cNvPr>
@@ -8306,7 +8963,7 @@
           <p:cNvPr id="15" name="Immagine 14">
             <a:extLst>
               <a:ext uri="{FF2B5EF4-FFF2-40B4-BE49-F238E27FC236}">
-                <a16:creationId xmlns:a16="http://schemas.microsoft.com/office/drawing/2014/main" id="{7C1E3C87-BBA8-4968-A8E8-B29E1BDE815B}"/>
+                <a16:creationId xmlns:a16="http://schemas.microsoft.com/office/drawing/2014/main" xmlns="" id="{7C1E3C87-BBA8-4968-A8E8-B29E1BDE815B}"/>
               </a:ext>
             </a:extLst>
           </p:cNvPr>
@@ -8341,10 +8998,10 @@
           <p:cNvPr id="20" name="Straight Connector 19">
             <a:extLst>
               <a:ext uri="{FF2B5EF4-FFF2-40B4-BE49-F238E27FC236}">
-                <a16:creationId xmlns:a16="http://schemas.microsoft.com/office/drawing/2014/main" id="{C55FEAF7-BB1D-4E09-B4C3-19C310A96116}"/>
+                <a16:creationId xmlns:a16="http://schemas.microsoft.com/office/drawing/2014/main" xmlns="" id="{C55FEAF7-BB1D-4E09-B4C3-19C310A96116}"/>
               </a:ext>
               <a:ext uri="{C183D7F6-B498-43B3-948B-1728B52AA6E4}">
-                <adec:decorative xmlns:adec="http://schemas.microsoft.com/office/drawing/2017/decorative" val="1"/>
+                <adec:decorative xmlns:adec="http://schemas.microsoft.com/office/drawing/2017/decorative" xmlns="" val="1"/>
               </a:ext>
             </a:extLst>
           </p:cNvPr>
@@ -8354,7 +9011,7 @@
           <p:nvPr>
             <p:extLst>
               <p:ext uri="{386F3935-93C4-4BCD-93E2-E3B085C9AB24}">
-                <p16:designElem xmlns:p16="http://schemas.microsoft.com/office/powerpoint/2015/main" val="1"/>
+                <p16:designElem xmlns:p16="http://schemas.microsoft.com/office/powerpoint/2015/main" xmlns="" val="1"/>
               </p:ext>
             </p:extLst>
           </p:nvPr>
@@ -8393,7 +9050,7 @@
           <p:cNvPr id="6" name="Immagine 5">
             <a:extLst>
               <a:ext uri="{FF2B5EF4-FFF2-40B4-BE49-F238E27FC236}">
-                <a16:creationId xmlns:a16="http://schemas.microsoft.com/office/drawing/2014/main" id="{281B7CBD-C1A1-40DE-9BF2-024F42661CAC}"/>
+                <a16:creationId xmlns:a16="http://schemas.microsoft.com/office/drawing/2014/main" xmlns="" id="{281B7CBD-C1A1-40DE-9BF2-024F42661CAC}"/>
               </a:ext>
             </a:extLst>
           </p:cNvPr>
@@ -8433,13 +9090,13 @@
   <p:clrMapOvr>
     <a:masterClrMapping/>
   </p:clrMapOvr>
-  <mc:AlternateContent xmlns:mc="http://schemas.openxmlformats.org/markup-compatibility/2006" xmlns:p159="http://schemas.microsoft.com/office/powerpoint/2015/09/main">
-    <mc:Choice Requires="p159">
+  <mc:AlternateContent xmlns:mc="http://schemas.openxmlformats.org/markup-compatibility/2006">
+    <mc:Choice xmlns:p159="http://schemas.microsoft.com/office/powerpoint/2015/09/main" xmlns="" Requires="p159">
       <p:transition xmlns:p14="http://schemas.microsoft.com/office/powerpoint/2010/main" spd="slow" p14:dur="2000">
         <p159:morph option="byWord"/>
       </p:transition>
     </mc:Choice>
-    <mc:Fallback xmlns="">
+    <mc:Fallback>
       <p:transition spd="slow">
         <p:fade/>
       </p:transition>
@@ -8465,12 +9122,51 @@
           <a:chExt cx="0" cy="0"/>
         </a:xfrm>
       </p:grpSpPr>
+      <p:sp>
+        <p:nvSpPr>
+          <p:cNvPr id="11" name="Titolo 1">
+            <a:extLst>
+              <a:ext uri="{FF2B5EF4-FFF2-40B4-BE49-F238E27FC236}">
+                <a16:creationId xmlns:a16="http://schemas.microsoft.com/office/drawing/2014/main" xmlns="" id="{D929E7EF-A7BB-487F-B14C-09078E1EAFF1}"/>
+              </a:ext>
+            </a:extLst>
+          </p:cNvPr>
+          <p:cNvSpPr>
+            <a:spLocks noGrp="1"/>
+          </p:cNvSpPr>
+          <p:nvPr>
+            <p:ph type="title"/>
+          </p:nvPr>
+        </p:nvSpPr>
+        <p:spPr>
+          <a:xfrm>
+            <a:off x="35496" y="140391"/>
+            <a:ext cx="7524328" cy="884466"/>
+          </a:xfrm>
+        </p:spPr>
+        <p:txBody>
+          <a:bodyPr/>
+          <a:lstStyle/>
+          <a:p>
+            <a:pPr algn="ctr"/>
+            <a:r>
+              <a:rPr lang="it-CH" dirty="0"/>
+              <a:t>DESIGN </a:t>
+            </a:r>
+            <a:r>
+              <a:rPr lang="it-IT" dirty="0"/>
+              <a:t>PROCEDURALE</a:t>
+            </a:r>
+            <a:endParaRPr lang="it-CH" dirty="0"/>
+          </a:p>
+        </p:txBody>
+      </p:sp>
       <p:pic>
         <p:nvPicPr>
           <p:cNvPr id="10" name="Segnaposto contenuto 4">
             <a:extLst>
               <a:ext uri="{FF2B5EF4-FFF2-40B4-BE49-F238E27FC236}">
-                <a16:creationId xmlns:a16="http://schemas.microsoft.com/office/drawing/2014/main" id="{4896C94A-6ACC-4235-B469-54AC90F39A54}"/>
+                <a16:creationId xmlns:a16="http://schemas.microsoft.com/office/drawing/2014/main" xmlns="" id="{4896C94A-6ACC-4235-B469-54AC90F39A54}"/>
               </a:ext>
             </a:extLst>
           </p:cNvPr>
@@ -8495,50 +9191,11 @@
         </p:blipFill>
         <p:spPr>
           <a:xfrm>
-            <a:off x="1187624" y="33526"/>
-            <a:ext cx="7524329" cy="4527350"/>
+            <a:off x="1547664" y="915566"/>
+            <a:ext cx="5893310" cy="3545976"/>
           </a:xfrm>
         </p:spPr>
       </p:pic>
-      <p:sp>
-        <p:nvSpPr>
-          <p:cNvPr id="11" name="Titolo 1">
-            <a:extLst>
-              <a:ext uri="{FF2B5EF4-FFF2-40B4-BE49-F238E27FC236}">
-                <a16:creationId xmlns:a16="http://schemas.microsoft.com/office/drawing/2014/main" id="{D929E7EF-A7BB-487F-B14C-09078E1EAFF1}"/>
-              </a:ext>
-            </a:extLst>
-          </p:cNvPr>
-          <p:cNvSpPr>
-            <a:spLocks noGrp="1"/>
-          </p:cNvSpPr>
-          <p:nvPr>
-            <p:ph type="title"/>
-          </p:nvPr>
-        </p:nvSpPr>
-        <p:spPr>
-          <a:xfrm>
-            <a:off x="35496" y="140391"/>
-            <a:ext cx="7524328" cy="884466"/>
-          </a:xfrm>
-        </p:spPr>
-        <p:txBody>
-          <a:bodyPr/>
-          <a:lstStyle/>
-          <a:p>
-            <a:pPr algn="ctr"/>
-            <a:r>
-              <a:rPr lang="it-CH" dirty="0"/>
-              <a:t>DESIGN </a:t>
-            </a:r>
-            <a:r>
-              <a:rPr lang="it-IT" dirty="0"/>
-              <a:t>PROCEDURALE</a:t>
-            </a:r>
-            <a:endParaRPr lang="it-CH" dirty="0"/>
-          </a:p>
-        </p:txBody>
-      </p:sp>
     </p:spTree>
     <p:extLst>
       <p:ext uri="{BB962C8B-B14F-4D97-AF65-F5344CB8AC3E}">
@@ -8549,13 +9206,13 @@
   <p:clrMapOvr>
     <a:masterClrMapping/>
   </p:clrMapOvr>
-  <mc:AlternateContent xmlns:mc="http://schemas.openxmlformats.org/markup-compatibility/2006" xmlns:p159="http://schemas.microsoft.com/office/powerpoint/2015/09/main">
-    <mc:Choice Requires="p159">
+  <mc:AlternateContent xmlns:mc="http://schemas.openxmlformats.org/markup-compatibility/2006">
+    <mc:Choice xmlns:p159="http://schemas.microsoft.com/office/powerpoint/2015/09/main" xmlns="" Requires="p159">
       <p:transition xmlns:p14="http://schemas.microsoft.com/office/powerpoint/2010/main" spd="slow" p14:dur="2000">
         <p159:morph option="byWord"/>
       </p:transition>
     </mc:Choice>
-    <mc:Fallback xmlns="">
+    <mc:Fallback>
       <p:transition spd="slow">
         <p:fade/>
       </p:transition>
@@ -8586,7 +9243,7 @@
           <p:cNvPr id="2" name="Titolo 1">
             <a:extLst>
               <a:ext uri="{FF2B5EF4-FFF2-40B4-BE49-F238E27FC236}">
-                <a16:creationId xmlns:a16="http://schemas.microsoft.com/office/drawing/2014/main" id="{D9D1A5C6-17BF-4092-A0E1-85A255481368}"/>
+                <a16:creationId xmlns:a16="http://schemas.microsoft.com/office/drawing/2014/main" xmlns="" id="{D9D1A5C6-17BF-4092-A0E1-85A255481368}"/>
               </a:ext>
             </a:extLst>
           </p:cNvPr>
@@ -8619,7 +9276,7 @@
           <p:cNvPr id="4" name="Segnaposto contenuto 3">
             <a:extLst>
               <a:ext uri="{FF2B5EF4-FFF2-40B4-BE49-F238E27FC236}">
-                <a16:creationId xmlns:a16="http://schemas.microsoft.com/office/drawing/2014/main" id="{009804A4-6B3D-4E19-A2EB-87BD64193F1A}"/>
+                <a16:creationId xmlns:a16="http://schemas.microsoft.com/office/drawing/2014/main" xmlns="" id="{009804A4-6B3D-4E19-A2EB-87BD64193F1A}"/>
               </a:ext>
             </a:extLst>
           </p:cNvPr>
@@ -8627,7 +9284,7 @@
             <a:spLocks noGrp="1"/>
           </p:cNvSpPr>
           <p:nvPr>
-            <p:ph idx="10"/>
+            <p:ph idx="1"/>
           </p:nvPr>
         </p:nvSpPr>
         <p:spPr>
@@ -8680,9 +9337,10 @@
               <a:buChar char="•"/>
             </a:pPr>
             <a:r>
-              <a:rPr lang="it-CH" sz="2800" dirty="0"/>
-              <a:t>Drone simulator</a:t>
-            </a:r>
+              <a:rPr lang="it-CH" sz="2800" dirty="0" smtClean="0"/>
+              <a:t>DroneSimulator</a:t>
+            </a:r>
+            <a:endParaRPr lang="it-CH" sz="2800" dirty="0"/>
           </a:p>
           <a:p>
             <a:pPr marL="1200150" lvl="1" indent="-457200">
@@ -8713,13 +9371,13 @@
   <p:clrMapOvr>
     <a:masterClrMapping/>
   </p:clrMapOvr>
-  <mc:AlternateContent xmlns:mc="http://schemas.openxmlformats.org/markup-compatibility/2006" xmlns:p159="http://schemas.microsoft.com/office/powerpoint/2015/09/main">
-    <mc:Choice Requires="p159">
+  <mc:AlternateContent xmlns:mc="http://schemas.openxmlformats.org/markup-compatibility/2006">
+    <mc:Choice xmlns:p159="http://schemas.microsoft.com/office/powerpoint/2015/09/main" xmlns="" Requires="p159">
       <p:transition xmlns:p14="http://schemas.microsoft.com/office/powerpoint/2010/main" spd="slow" p14:dur="2000">
         <p159:morph option="byWord"/>
       </p:transition>
     </mc:Choice>
-    <mc:Fallback xmlns="">
+    <mc:Fallback>
       <p:transition spd="slow">
         <p:fade/>
       </p:transition>
@@ -8750,7 +9408,7 @@
           <p:cNvPr id="2" name="Titolo 1">
             <a:extLst>
               <a:ext uri="{FF2B5EF4-FFF2-40B4-BE49-F238E27FC236}">
-                <a16:creationId xmlns:a16="http://schemas.microsoft.com/office/drawing/2014/main" id="{1F4EF76E-72FB-49D5-9299-592E62BF06B2}"/>
+                <a16:creationId xmlns:a16="http://schemas.microsoft.com/office/drawing/2014/main" xmlns="" id="{1F4EF76E-72FB-49D5-9299-592E62BF06B2}"/>
               </a:ext>
             </a:extLst>
           </p:cNvPr>
@@ -8778,7 +9436,7 @@
           <p:cNvPr id="4" name="Segnaposto contenuto 3">
             <a:extLst>
               <a:ext uri="{FF2B5EF4-FFF2-40B4-BE49-F238E27FC236}">
-                <a16:creationId xmlns:a16="http://schemas.microsoft.com/office/drawing/2014/main" id="{FB91016C-8169-45ED-B54B-B80E87645789}"/>
+                <a16:creationId xmlns:a16="http://schemas.microsoft.com/office/drawing/2014/main" xmlns="" id="{FB91016C-8169-45ED-B54B-B80E87645789}"/>
               </a:ext>
             </a:extLst>
           </p:cNvPr>
@@ -8786,7 +9444,7 @@
             <a:spLocks noGrp="1"/>
           </p:cNvSpPr>
           <p:nvPr>
-            <p:ph idx="10"/>
+            <p:ph idx="1"/>
           </p:nvPr>
         </p:nvSpPr>
         <p:spPr>
@@ -8872,13 +9530,13 @@
   <p:clrMapOvr>
     <a:masterClrMapping/>
   </p:clrMapOvr>
-  <mc:AlternateContent xmlns:mc="http://schemas.openxmlformats.org/markup-compatibility/2006" xmlns:p159="http://schemas.microsoft.com/office/powerpoint/2015/09/main">
-    <mc:Choice Requires="p159">
+  <mc:AlternateContent xmlns:mc="http://schemas.openxmlformats.org/markup-compatibility/2006">
+    <mc:Choice xmlns:p159="http://schemas.microsoft.com/office/powerpoint/2015/09/main" xmlns="" Requires="p159">
       <p:transition xmlns:p14="http://schemas.microsoft.com/office/powerpoint/2010/main" spd="slow" p14:dur="2000">
         <p159:morph option="byWord"/>
       </p:transition>
     </mc:Choice>
-    <mc:Fallback xmlns="">
+    <mc:Fallback>
       <p:transition spd="slow">
         <p:fade/>
       </p:transition>
@@ -8909,7 +9567,7 @@
           <p:cNvPr id="2" name="Titolo 1">
             <a:extLst>
               <a:ext uri="{FF2B5EF4-FFF2-40B4-BE49-F238E27FC236}">
-                <a16:creationId xmlns:a16="http://schemas.microsoft.com/office/drawing/2014/main" id="{1C9728DE-DCC3-47F3-A9A7-4840BBF3A649}"/>
+                <a16:creationId xmlns:a16="http://schemas.microsoft.com/office/drawing/2014/main" xmlns="" id="{1C9728DE-DCC3-47F3-A9A7-4840BBF3A649}"/>
               </a:ext>
             </a:extLst>
           </p:cNvPr>
@@ -8938,7 +9596,7 @@
           <p:cNvPr id="3" name="Segnaposto contenuto 2">
             <a:extLst>
               <a:ext uri="{FF2B5EF4-FFF2-40B4-BE49-F238E27FC236}">
-                <a16:creationId xmlns:a16="http://schemas.microsoft.com/office/drawing/2014/main" id="{A9782E92-4646-4216-BC0B-9AFBD5130E30}"/>
+                <a16:creationId xmlns:a16="http://schemas.microsoft.com/office/drawing/2014/main" xmlns="" id="{A9782E92-4646-4216-BC0B-9AFBD5130E30}"/>
               </a:ext>
             </a:extLst>
           </p:cNvPr>
@@ -8976,7 +9634,7 @@
           <p:cNvPr id="4" name="Segnaposto contenuto 3">
             <a:extLst>
               <a:ext uri="{FF2B5EF4-FFF2-40B4-BE49-F238E27FC236}">
-                <a16:creationId xmlns:a16="http://schemas.microsoft.com/office/drawing/2014/main" id="{13544A92-8328-4004-96C8-B60363828F13}"/>
+                <a16:creationId xmlns:a16="http://schemas.microsoft.com/office/drawing/2014/main" xmlns="" id="{13544A92-8328-4004-96C8-B60363828F13}"/>
               </a:ext>
             </a:extLst>
           </p:cNvPr>
@@ -8987,12 +9645,7 @@
             <p:ph idx="10"/>
           </p:nvPr>
         </p:nvSpPr>
-        <p:spPr>
-          <a:xfrm>
-            <a:off x="1990056" y="1664245"/>
-            <a:ext cx="6912768" cy="2995737"/>
-          </a:xfrm>
-        </p:spPr>
+        <p:spPr/>
         <p:txBody>
           <a:bodyPr/>
           <a:lstStyle/>
@@ -9079,13 +9732,13 @@
   <p:clrMapOvr>
     <a:masterClrMapping/>
   </p:clrMapOvr>
-  <mc:AlternateContent xmlns:mc="http://schemas.openxmlformats.org/markup-compatibility/2006" xmlns:p159="http://schemas.microsoft.com/office/powerpoint/2015/09/main">
-    <mc:Choice Requires="p159">
+  <mc:AlternateContent xmlns:mc="http://schemas.openxmlformats.org/markup-compatibility/2006">
+    <mc:Choice xmlns:p159="http://schemas.microsoft.com/office/powerpoint/2015/09/main" xmlns="" Requires="p159">
       <p:transition xmlns:p14="http://schemas.microsoft.com/office/powerpoint/2010/main" spd="slow" p14:dur="2000">
         <p159:morph option="byWord"/>
       </p:transition>
     </mc:Choice>
-    <mc:Fallback xmlns="">
+    <mc:Fallback>
       <p:transition spd="slow">
         <p:fade/>
       </p:transition>
@@ -9116,7 +9769,7 @@
           <p:cNvPr id="2" name="Titolo 1">
             <a:extLst>
               <a:ext uri="{FF2B5EF4-FFF2-40B4-BE49-F238E27FC236}">
-                <a16:creationId xmlns:a16="http://schemas.microsoft.com/office/drawing/2014/main" id="{1C9728DE-DCC3-47F3-A9A7-4840BBF3A649}"/>
+                <a16:creationId xmlns:a16="http://schemas.microsoft.com/office/drawing/2014/main" xmlns="" id="{1C9728DE-DCC3-47F3-A9A7-4840BBF3A649}"/>
               </a:ext>
             </a:extLst>
           </p:cNvPr>
@@ -9145,7 +9798,7 @@
           <p:cNvPr id="3" name="Segnaposto contenuto 2">
             <a:extLst>
               <a:ext uri="{FF2B5EF4-FFF2-40B4-BE49-F238E27FC236}">
-                <a16:creationId xmlns:a16="http://schemas.microsoft.com/office/drawing/2014/main" id="{A9782E92-4646-4216-BC0B-9AFBD5130E30}"/>
+                <a16:creationId xmlns:a16="http://schemas.microsoft.com/office/drawing/2014/main" xmlns="" id="{A9782E92-4646-4216-BC0B-9AFBD5130E30}"/>
               </a:ext>
             </a:extLst>
           </p:cNvPr>
@@ -9187,7 +9840,7 @@
           <p:cNvPr id="4" name="Segnaposto contenuto 3">
             <a:extLst>
               <a:ext uri="{FF2B5EF4-FFF2-40B4-BE49-F238E27FC236}">
-                <a16:creationId xmlns:a16="http://schemas.microsoft.com/office/drawing/2014/main" id="{13544A92-8328-4004-96C8-B60363828F13}"/>
+                <a16:creationId xmlns:a16="http://schemas.microsoft.com/office/drawing/2014/main" xmlns="" id="{13544A92-8328-4004-96C8-B60363828F13}"/>
               </a:ext>
             </a:extLst>
           </p:cNvPr>
@@ -9285,13 +9938,13 @@
   <p:clrMapOvr>
     <a:masterClrMapping/>
   </p:clrMapOvr>
-  <mc:AlternateContent xmlns:mc="http://schemas.openxmlformats.org/markup-compatibility/2006" xmlns:p159="http://schemas.microsoft.com/office/powerpoint/2015/09/main">
-    <mc:Choice Requires="p159">
+  <mc:AlternateContent xmlns:mc="http://schemas.openxmlformats.org/markup-compatibility/2006">
+    <mc:Choice xmlns:p159="http://schemas.microsoft.com/office/powerpoint/2015/09/main" xmlns="" Requires="p159">
       <p:transition xmlns:p14="http://schemas.microsoft.com/office/powerpoint/2010/main" spd="slow" p14:dur="2000">
         <p159:morph option="byWord"/>
       </p:transition>
     </mc:Choice>
-    <mc:Fallback xmlns="">
+    <mc:Fallback>
       <p:transition spd="slow">
         <p:fade/>
       </p:transition>
@@ -9322,7 +9975,7 @@
           <p:cNvPr id="2" name="Titolo 1">
             <a:extLst>
               <a:ext uri="{FF2B5EF4-FFF2-40B4-BE49-F238E27FC236}">
-                <a16:creationId xmlns:a16="http://schemas.microsoft.com/office/drawing/2014/main" id="{929A8F7E-6DE7-4CF1-8507-D13BF35BA7BD}"/>
+                <a16:creationId xmlns:a16="http://schemas.microsoft.com/office/drawing/2014/main" xmlns="" id="{929A8F7E-6DE7-4CF1-8507-D13BF35BA7BD}"/>
               </a:ext>
             </a:extLst>
           </p:cNvPr>
@@ -9361,7 +10014,7 @@
           <p:cNvPr id="7" name="Segnaposto contenuto 6">
             <a:extLst>
               <a:ext uri="{FF2B5EF4-FFF2-40B4-BE49-F238E27FC236}">
-                <a16:creationId xmlns:a16="http://schemas.microsoft.com/office/drawing/2014/main" id="{2C760AAA-BFC6-4AF6-AC4C-EB880816BB6F}"/>
+                <a16:creationId xmlns:a16="http://schemas.microsoft.com/office/drawing/2014/main" xmlns="" id="{2C760AAA-BFC6-4AF6-AC4C-EB880816BB6F}"/>
               </a:ext>
             </a:extLst>
           </p:cNvPr>
@@ -9425,7 +10078,7 @@
           <p:cNvPr id="2" name="Titolo 1">
             <a:extLst>
               <a:ext uri="{FF2B5EF4-FFF2-40B4-BE49-F238E27FC236}">
-                <a16:creationId xmlns:a16="http://schemas.microsoft.com/office/drawing/2014/main" id="{929A8F7E-6DE7-4CF1-8507-D13BF35BA7BD}"/>
+                <a16:creationId xmlns:a16="http://schemas.microsoft.com/office/drawing/2014/main" xmlns="" id="{929A8F7E-6DE7-4CF1-8507-D13BF35BA7BD}"/>
               </a:ext>
             </a:extLst>
           </p:cNvPr>
@@ -9464,7 +10117,7 @@
           <p:cNvPr id="6" name="Segnaposto contenuto 5">
             <a:extLst>
               <a:ext uri="{FF2B5EF4-FFF2-40B4-BE49-F238E27FC236}">
-                <a16:creationId xmlns:a16="http://schemas.microsoft.com/office/drawing/2014/main" id="{B97A6D36-DB14-4C36-BD13-15CE91E275F7}"/>
+                <a16:creationId xmlns:a16="http://schemas.microsoft.com/office/drawing/2014/main" xmlns="" id="{B97A6D36-DB14-4C36-BD13-15CE91E275F7}"/>
               </a:ext>
             </a:extLst>
           </p:cNvPr>
@@ -9528,7 +10181,7 @@
           <p:cNvPr id="2" name="Titolo 1">
             <a:extLst>
               <a:ext uri="{FF2B5EF4-FFF2-40B4-BE49-F238E27FC236}">
-                <a16:creationId xmlns:a16="http://schemas.microsoft.com/office/drawing/2014/main" id="{929A8F7E-6DE7-4CF1-8507-D13BF35BA7BD}"/>
+                <a16:creationId xmlns:a16="http://schemas.microsoft.com/office/drawing/2014/main" xmlns="" id="{929A8F7E-6DE7-4CF1-8507-D13BF35BA7BD}"/>
               </a:ext>
             </a:extLst>
           </p:cNvPr>
@@ -9567,7 +10220,7 @@
           <p:cNvPr id="7" name="Segnaposto contenuto 6">
             <a:extLst>
               <a:ext uri="{FF2B5EF4-FFF2-40B4-BE49-F238E27FC236}">
-                <a16:creationId xmlns:a16="http://schemas.microsoft.com/office/drawing/2014/main" id="{08CE3365-7158-4311-97F0-0A11BB69C5E9}"/>
+                <a16:creationId xmlns:a16="http://schemas.microsoft.com/office/drawing/2014/main" xmlns="" id="{08CE3365-7158-4311-97F0-0A11BB69C5E9}"/>
               </a:ext>
             </a:extLst>
           </p:cNvPr>
@@ -9631,7 +10284,7 @@
           <p:cNvPr id="2" name="Titolo 1">
             <a:extLst>
               <a:ext uri="{FF2B5EF4-FFF2-40B4-BE49-F238E27FC236}">
-                <a16:creationId xmlns:a16="http://schemas.microsoft.com/office/drawing/2014/main" id="{929A8F7E-6DE7-4CF1-8507-D13BF35BA7BD}"/>
+                <a16:creationId xmlns:a16="http://schemas.microsoft.com/office/drawing/2014/main" xmlns="" id="{929A8F7E-6DE7-4CF1-8507-D13BF35BA7BD}"/>
               </a:ext>
             </a:extLst>
           </p:cNvPr>
@@ -9670,7 +10323,7 @@
           <p:cNvPr id="10" name="Segnaposto contenuto 9">
             <a:extLst>
               <a:ext uri="{FF2B5EF4-FFF2-40B4-BE49-F238E27FC236}">
-                <a16:creationId xmlns:a16="http://schemas.microsoft.com/office/drawing/2014/main" id="{5AD6B1D3-1840-4DF9-8D90-3402003E993D}"/>
+                <a16:creationId xmlns:a16="http://schemas.microsoft.com/office/drawing/2014/main" xmlns="" id="{5AD6B1D3-1840-4DF9-8D90-3402003E993D}"/>
               </a:ext>
             </a:extLst>
           </p:cNvPr>
@@ -9734,7 +10387,1520 @@
           <p:cNvPr id="2" name="Titolo 1">
             <a:extLst>
               <a:ext uri="{FF2B5EF4-FFF2-40B4-BE49-F238E27FC236}">
-                <a16:creationId xmlns:a16="http://schemas.microsoft.com/office/drawing/2014/main" id="{764A1C8B-D6B4-4868-8C8D-8531F9FA4B44}"/>
+                <a16:creationId xmlns:a16="http://schemas.microsoft.com/office/drawing/2014/main" xmlns="" id="{1C9728DE-DCC3-47F3-A9A7-4840BBF3A649}"/>
+              </a:ext>
+            </a:extLst>
+          </p:cNvPr>
+          <p:cNvSpPr>
+            <a:spLocks noGrp="1"/>
+          </p:cNvSpPr>
+          <p:nvPr>
+            <p:ph type="title"/>
+          </p:nvPr>
+        </p:nvSpPr>
+        <p:spPr/>
+        <p:txBody>
+          <a:bodyPr/>
+          <a:lstStyle/>
+          <a:p>
+            <a:r>
+              <a:rPr lang="it-CH" dirty="0" err="1"/>
+              <a:t>DroneController</a:t>
+            </a:r>
+            <a:endParaRPr lang="it-CH" dirty="0"/>
+          </a:p>
+        </p:txBody>
+      </p:sp>
+      <p:sp>
+        <p:nvSpPr>
+          <p:cNvPr id="3" name="Segnaposto contenuto 2">
+            <a:extLst>
+              <a:ext uri="{FF2B5EF4-FFF2-40B4-BE49-F238E27FC236}">
+                <a16:creationId xmlns:a16="http://schemas.microsoft.com/office/drawing/2014/main" xmlns="" id="{A9782E92-4646-4216-BC0B-9AFBD5130E30}"/>
+              </a:ext>
+            </a:extLst>
+          </p:cNvPr>
+          <p:cNvSpPr>
+            <a:spLocks noGrp="1"/>
+          </p:cNvSpPr>
+          <p:nvPr>
+            <p:ph idx="1"/>
+          </p:nvPr>
+        </p:nvSpPr>
+        <p:spPr>
+          <a:xfrm>
+            <a:off x="2000747" y="884466"/>
+            <a:ext cx="6912768" cy="460648"/>
+          </a:xfrm>
+        </p:spPr>
+        <p:txBody>
+          <a:bodyPr/>
+          <a:lstStyle/>
+          <a:p>
+            <a:r>
+              <a:rPr lang="it-CH" sz="2800" dirty="0"/>
+              <a:t>Classe </a:t>
+            </a:r>
+            <a:r>
+              <a:rPr lang="it-IT" sz="2800" dirty="0" err="1"/>
+              <a:t>CommandManager</a:t>
+            </a:r>
+            <a:r>
+              <a:rPr lang="it-IT" sz="2800" dirty="0"/>
+              <a:t> </a:t>
+            </a:r>
+            <a:endParaRPr lang="it-CH" sz="2800" dirty="0"/>
+          </a:p>
+        </p:txBody>
+      </p:sp>
+      <p:sp>
+        <p:nvSpPr>
+          <p:cNvPr id="4" name="Segnaposto contenuto 3">
+            <a:extLst>
+              <a:ext uri="{FF2B5EF4-FFF2-40B4-BE49-F238E27FC236}">
+                <a16:creationId xmlns:a16="http://schemas.microsoft.com/office/drawing/2014/main" xmlns="" id="{13544A92-8328-4004-96C8-B60363828F13}"/>
+              </a:ext>
+            </a:extLst>
+          </p:cNvPr>
+          <p:cNvSpPr>
+            <a:spLocks noGrp="1"/>
+          </p:cNvSpPr>
+          <p:nvPr>
+            <p:ph idx="10"/>
+          </p:nvPr>
+        </p:nvSpPr>
+        <p:spPr/>
+        <p:txBody>
+          <a:bodyPr/>
+          <a:lstStyle/>
+          <a:p>
+            <a:pPr marL="285750" indent="-285750">
+              <a:lnSpc>
+                <a:spcPct val="200000"/>
+              </a:lnSpc>
+              <a:buFont typeface="Arial" panose="020B0604020202020204" pitchFamily="34" charset="0"/>
+              <a:buChar char="•"/>
+            </a:pPr>
+            <a:r>
+              <a:rPr lang="it-CH" sz="2000" dirty="0"/>
+              <a:t>Invio </a:t>
+            </a:r>
+            <a:r>
+              <a:rPr lang="it-CH" sz="2000" dirty="0">
+                <a:solidFill>
+                  <a:schemeClr val="tx1"/>
+                </a:solidFill>
+                <a:latin typeface="+mn-lt"/>
+                <a:cs typeface="+mn-cs"/>
+              </a:rPr>
+              <a:t>comandi </a:t>
+            </a:r>
+            <a:r>
+              <a:rPr lang="it-CH" sz="2000" dirty="0">
+                <a:solidFill>
+                  <a:schemeClr val="tx1"/>
+                </a:solidFill>
+                <a:latin typeface="+mn-lt"/>
+                <a:cs typeface="+mn-cs"/>
+                <a:sym typeface="Wingdings" panose="05000000000000000000" pitchFamily="2" charset="2"/>
+              </a:rPr>
+              <a:t> </a:t>
+            </a:r>
+            <a:r>
+              <a:rPr lang="it-CH" sz="2000" dirty="0" smtClean="0">
+                <a:solidFill>
+                  <a:schemeClr val="tx1"/>
+                </a:solidFill>
+                <a:latin typeface="+mn-lt"/>
+                <a:cs typeface="+mn-cs"/>
+                <a:sym typeface="Wingdings" panose="05000000000000000000" pitchFamily="2" charset="2"/>
+              </a:rPr>
+              <a:t>UDP</a:t>
+            </a:r>
+            <a:r>
+              <a:rPr lang="it-CH" sz="2000" dirty="0" smtClean="0">
+                <a:solidFill>
+                  <a:schemeClr val="tx1"/>
+                </a:solidFill>
+                <a:latin typeface="+mn-lt"/>
+                <a:cs typeface="+mn-cs"/>
+                <a:sym typeface="Wingdings" panose="05000000000000000000" pitchFamily="2" charset="2"/>
+              </a:rPr>
+              <a:t> </a:t>
+            </a:r>
+            <a:r>
+              <a:rPr lang="it-CH" sz="2000" dirty="0">
+                <a:solidFill>
+                  <a:schemeClr val="tx1"/>
+                </a:solidFill>
+                <a:latin typeface="+mn-lt"/>
+                <a:cs typeface="+mn-cs"/>
+                <a:sym typeface="Wingdings" panose="05000000000000000000" pitchFamily="2" charset="2"/>
+              </a:rPr>
+              <a:t>Socket</a:t>
+            </a:r>
+          </a:p>
+          <a:p>
+            <a:pPr marL="285750" indent="-285750">
+              <a:lnSpc>
+                <a:spcPct val="200000"/>
+              </a:lnSpc>
+              <a:buFont typeface="Arial" panose="020B0604020202020204" pitchFamily="34" charset="0"/>
+              <a:buChar char="•"/>
+            </a:pPr>
+            <a:r>
+              <a:rPr lang="it-CH" sz="2000" dirty="0">
+                <a:solidFill>
+                  <a:schemeClr val="tx1"/>
+                </a:solidFill>
+                <a:latin typeface="+mn-lt"/>
+                <a:cs typeface="+mn-cs"/>
+                <a:sym typeface="Wingdings" panose="05000000000000000000" pitchFamily="2" charset="2"/>
+              </a:rPr>
+              <a:t>Utilizzato da:</a:t>
+            </a:r>
+          </a:p>
+          <a:p>
+            <a:pPr marL="1028700" lvl="1">
+              <a:lnSpc>
+                <a:spcPct val="200000"/>
+              </a:lnSpc>
+              <a:buFont typeface="Arial" panose="020B0604020202020204" pitchFamily="34" charset="0"/>
+              <a:buChar char="•"/>
+            </a:pPr>
+            <a:r>
+              <a:rPr lang="it-CH" sz="2000" dirty="0" err="1">
+                <a:sym typeface="Wingdings" panose="05000000000000000000" pitchFamily="2" charset="2"/>
+              </a:rPr>
+              <a:t>DroneController</a:t>
+            </a:r>
+            <a:endParaRPr lang="it-CH" sz="2000" dirty="0">
+              <a:sym typeface="Wingdings" panose="05000000000000000000" pitchFamily="2" charset="2"/>
+            </a:endParaRPr>
+          </a:p>
+          <a:p>
+            <a:pPr marL="1028700" lvl="1">
+              <a:lnSpc>
+                <a:spcPct val="200000"/>
+              </a:lnSpc>
+              <a:buFont typeface="Arial" panose="020B0604020202020204" pitchFamily="34" charset="0"/>
+              <a:buChar char="•"/>
+            </a:pPr>
+            <a:r>
+              <a:rPr lang="it-CH" sz="2000" dirty="0" err="1">
+                <a:sym typeface="Wingdings" panose="05000000000000000000" pitchFamily="2" charset="2"/>
+              </a:rPr>
+              <a:t>DroneControllerMonitor</a:t>
+            </a:r>
+            <a:endParaRPr lang="it-CH" sz="2000" dirty="0">
+              <a:sym typeface="Wingdings" panose="05000000000000000000" pitchFamily="2" charset="2"/>
+            </a:endParaRPr>
+          </a:p>
+        </p:txBody>
+      </p:sp>
+    </p:spTree>
+    <p:extLst>
+      <p:ext uri="{BB962C8B-B14F-4D97-AF65-F5344CB8AC3E}">
+        <p14:creationId xmlns:p14="http://schemas.microsoft.com/office/powerpoint/2010/main" val="3679172245"/>
+      </p:ext>
+    </p:extLst>
+  </p:cSld>
+  <p:clrMapOvr>
+    <a:masterClrMapping/>
+  </p:clrMapOvr>
+  <mc:AlternateContent xmlns:mc="http://schemas.openxmlformats.org/markup-compatibility/2006">
+    <mc:Choice xmlns:p159="http://schemas.microsoft.com/office/powerpoint/2015/09/main" xmlns="" Requires="p159">
+      <p:transition xmlns:p14="http://schemas.microsoft.com/office/powerpoint/2010/main" spd="slow" p14:dur="2000">
+        <p159:morph option="byWord"/>
+      </p:transition>
+    </mc:Choice>
+    <mc:Fallback>
+      <p:transition spd="slow">
+        <p:fade/>
+      </p:transition>
+    </mc:Fallback>
+  </mc:AlternateContent>
+</p:sld>
+</file>
+
+<file path=ppt/slides/slide27.xml><?xml version="1.0" encoding="utf-8"?>
+<p:sld xmlns:a="http://schemas.openxmlformats.org/drawingml/2006/main" xmlns:r="http://schemas.openxmlformats.org/officeDocument/2006/relationships" xmlns:p="http://schemas.openxmlformats.org/presentationml/2006/main">
+  <p:cSld>
+    <p:bg>
+      <p:bgPr>
+        <a:solidFill>
+          <a:schemeClr val="tx1">
+            <a:lumMod val="85000"/>
+            <a:lumOff val="15000"/>
+          </a:schemeClr>
+        </a:solidFill>
+        <a:effectLst/>
+      </p:bgPr>
+    </p:bg>
+    <p:spTree>
+      <p:nvGrpSpPr>
+        <p:cNvPr id="1" name=""/>
+        <p:cNvGrpSpPr/>
+        <p:nvPr/>
+      </p:nvGrpSpPr>
+      <p:grpSpPr>
+        <a:xfrm>
+          <a:off x="0" y="0"/>
+          <a:ext cx="0" cy="0"/>
+          <a:chOff x="0" y="0"/>
+          <a:chExt cx="0" cy="0"/>
+        </a:xfrm>
+      </p:grpSpPr>
+      <p:pic>
+        <p:nvPicPr>
+          <p:cNvPr id="4" name="Immagine 3">
+            <a:extLst>
+              <a:ext uri="{FF2B5EF4-FFF2-40B4-BE49-F238E27FC236}">
+                <a16:creationId xmlns:a16="http://schemas.microsoft.com/office/drawing/2014/main" xmlns="" id="{D11CCAD3-0A5B-433F-9423-1A4299050201}"/>
+              </a:ext>
+            </a:extLst>
+          </p:cNvPr>
+          <p:cNvPicPr>
+            <a:picLocks noChangeAspect="1"/>
+          </p:cNvPicPr>
+          <p:nvPr/>
+        </p:nvPicPr>
+        <p:blipFill>
+          <a:blip r:embed="rId3"/>
+          <a:stretch>
+            <a:fillRect/>
+          </a:stretch>
+        </p:blipFill>
+        <p:spPr>
+          <a:xfrm>
+            <a:off x="1763688" y="0"/>
+            <a:ext cx="5143500" cy="5143500"/>
+          </a:xfrm>
+          <a:prstGeom prst="rect">
+            <a:avLst/>
+          </a:prstGeom>
+        </p:spPr>
+      </p:pic>
+    </p:spTree>
+    <p:extLst>
+      <p:ext uri="{BB962C8B-B14F-4D97-AF65-F5344CB8AC3E}">
+        <p14:creationId xmlns:p14="http://schemas.microsoft.com/office/powerpoint/2010/main" val="508207524"/>
+      </p:ext>
+    </p:extLst>
+  </p:cSld>
+  <p:clrMapOvr>
+    <a:masterClrMapping/>
+  </p:clrMapOvr>
+</p:sld>
+</file>
+
+<file path=ppt/slides/slide28.xml><?xml version="1.0" encoding="utf-8"?>
+<p:sld xmlns:a="http://schemas.openxmlformats.org/drawingml/2006/main" xmlns:r="http://schemas.openxmlformats.org/officeDocument/2006/relationships" xmlns:p="http://schemas.openxmlformats.org/presentationml/2006/main">
+  <p:cSld>
+    <p:spTree>
+      <p:nvGrpSpPr>
+        <p:cNvPr id="1" name=""/>
+        <p:cNvGrpSpPr/>
+        <p:nvPr/>
+      </p:nvGrpSpPr>
+      <p:grpSpPr>
+        <a:xfrm>
+          <a:off x="0" y="0"/>
+          <a:ext cx="0" cy="0"/>
+          <a:chOff x="0" y="0"/>
+          <a:chExt cx="0" cy="0"/>
+        </a:xfrm>
+      </p:grpSpPr>
+      <p:sp>
+        <p:nvSpPr>
+          <p:cNvPr id="2" name="Titolo 1">
+            <a:extLst>
+              <a:ext uri="{FF2B5EF4-FFF2-40B4-BE49-F238E27FC236}">
+                <a16:creationId xmlns:a16="http://schemas.microsoft.com/office/drawing/2014/main" xmlns="" id="{1C9728DE-DCC3-47F3-A9A7-4840BBF3A649}"/>
+              </a:ext>
+            </a:extLst>
+          </p:cNvPr>
+          <p:cNvSpPr>
+            <a:spLocks noGrp="1"/>
+          </p:cNvSpPr>
+          <p:nvPr>
+            <p:ph type="title"/>
+          </p:nvPr>
+        </p:nvSpPr>
+        <p:spPr/>
+        <p:txBody>
+          <a:bodyPr/>
+          <a:lstStyle/>
+          <a:p>
+            <a:r>
+              <a:rPr lang="it-CH" dirty="0" err="1"/>
+              <a:t>DroneController</a:t>
+            </a:r>
+            <a:endParaRPr lang="it-CH" dirty="0"/>
+          </a:p>
+        </p:txBody>
+      </p:sp>
+      <p:sp>
+        <p:nvSpPr>
+          <p:cNvPr id="3" name="Segnaposto contenuto 2">
+            <a:extLst>
+              <a:ext uri="{FF2B5EF4-FFF2-40B4-BE49-F238E27FC236}">
+                <a16:creationId xmlns:a16="http://schemas.microsoft.com/office/drawing/2014/main" xmlns="" id="{A9782E92-4646-4216-BC0B-9AFBD5130E30}"/>
+              </a:ext>
+            </a:extLst>
+          </p:cNvPr>
+          <p:cNvSpPr>
+            <a:spLocks noGrp="1"/>
+          </p:cNvSpPr>
+          <p:nvPr>
+            <p:ph idx="1"/>
+          </p:nvPr>
+        </p:nvSpPr>
+        <p:spPr>
+          <a:xfrm>
+            <a:off x="2000747" y="884466"/>
+            <a:ext cx="6912768" cy="460648"/>
+          </a:xfrm>
+        </p:spPr>
+        <p:txBody>
+          <a:bodyPr/>
+          <a:lstStyle/>
+          <a:p>
+            <a:r>
+              <a:rPr lang="it-CH" sz="2800" dirty="0"/>
+              <a:t>Classe </a:t>
+            </a:r>
+            <a:r>
+              <a:rPr lang="it-CH" sz="2800" dirty="0" err="1"/>
+              <a:t>FlightRecorder</a:t>
+            </a:r>
+            <a:r>
+              <a:rPr lang="it-IT" sz="2800" dirty="0"/>
+              <a:t> </a:t>
+            </a:r>
+            <a:endParaRPr lang="it-CH" sz="2800" dirty="0"/>
+          </a:p>
+        </p:txBody>
+      </p:sp>
+      <p:sp>
+        <p:nvSpPr>
+          <p:cNvPr id="4" name="Segnaposto contenuto 3">
+            <a:extLst>
+              <a:ext uri="{FF2B5EF4-FFF2-40B4-BE49-F238E27FC236}">
+                <a16:creationId xmlns:a16="http://schemas.microsoft.com/office/drawing/2014/main" xmlns="" id="{13544A92-8328-4004-96C8-B60363828F13}"/>
+              </a:ext>
+            </a:extLst>
+          </p:cNvPr>
+          <p:cNvSpPr>
+            <a:spLocks noGrp="1"/>
+          </p:cNvSpPr>
+          <p:nvPr>
+            <p:ph idx="10"/>
+          </p:nvPr>
+        </p:nvSpPr>
+        <p:spPr/>
+        <p:txBody>
+          <a:bodyPr/>
+          <a:lstStyle/>
+          <a:p>
+            <a:pPr marL="285750" indent="-285750">
+              <a:lnSpc>
+                <a:spcPct val="250000"/>
+              </a:lnSpc>
+              <a:buFont typeface="Arial" panose="020B0604020202020204" pitchFamily="34" charset="0"/>
+              <a:buChar char="•"/>
+            </a:pPr>
+            <a:r>
+              <a:rPr lang="it-CH" sz="2000" dirty="0">
+                <a:sym typeface="Wingdings" panose="05000000000000000000" pitchFamily="2" charset="2"/>
+              </a:rPr>
+              <a:t>Utilizza </a:t>
+            </a:r>
+            <a:r>
+              <a:rPr lang="it-CH" sz="2000" dirty="0" err="1">
+                <a:sym typeface="Wingdings" panose="05000000000000000000" pitchFamily="2" charset="2"/>
+              </a:rPr>
+              <a:t>CommandBuffer</a:t>
+            </a:r>
+            <a:r>
+              <a:rPr lang="it-CH" sz="2000" dirty="0">
+                <a:sym typeface="Wingdings" panose="05000000000000000000" pitchFamily="2" charset="2"/>
+              </a:rPr>
+              <a:t> &amp; </a:t>
+            </a:r>
+            <a:r>
+              <a:rPr lang="it-CH" sz="2000" dirty="0" err="1">
+                <a:sym typeface="Wingdings" panose="05000000000000000000" pitchFamily="2" charset="2"/>
+              </a:rPr>
+              <a:t>CommandRecord</a:t>
+            </a:r>
+            <a:endParaRPr lang="it-CH" sz="2000" dirty="0">
+              <a:sym typeface="Wingdings" panose="05000000000000000000" pitchFamily="2" charset="2"/>
+            </a:endParaRPr>
+          </a:p>
+          <a:p>
+            <a:pPr marL="285750" indent="-285750">
+              <a:lnSpc>
+                <a:spcPct val="250000"/>
+              </a:lnSpc>
+              <a:buFont typeface="Arial" panose="020B0604020202020204" pitchFamily="34" charset="0"/>
+              <a:buChar char="•"/>
+            </a:pPr>
+            <a:r>
+              <a:rPr lang="it-CH" sz="2000" dirty="0">
+                <a:sym typeface="Wingdings" panose="05000000000000000000" pitchFamily="2" charset="2"/>
+              </a:rPr>
+              <a:t>Genera &amp; Salva la registrazione</a:t>
+            </a:r>
+          </a:p>
+        </p:txBody>
+      </p:sp>
+    </p:spTree>
+    <p:extLst>
+      <p:ext uri="{BB962C8B-B14F-4D97-AF65-F5344CB8AC3E}">
+        <p14:creationId xmlns:p14="http://schemas.microsoft.com/office/powerpoint/2010/main" val="4176927173"/>
+      </p:ext>
+    </p:extLst>
+  </p:cSld>
+  <p:clrMapOvr>
+    <a:masterClrMapping/>
+  </p:clrMapOvr>
+  <mc:AlternateContent xmlns:mc="http://schemas.openxmlformats.org/markup-compatibility/2006">
+    <mc:Choice xmlns:p159="http://schemas.microsoft.com/office/powerpoint/2015/09/main" xmlns="" Requires="p159">
+      <p:transition xmlns:p14="http://schemas.microsoft.com/office/powerpoint/2010/main" spd="slow" p14:dur="2000">
+        <p159:morph option="byWord"/>
+      </p:transition>
+    </mc:Choice>
+    <mc:Fallback>
+      <p:transition spd="slow">
+        <p:fade/>
+      </p:transition>
+    </mc:Fallback>
+  </mc:AlternateContent>
+</p:sld>
+</file>
+
+<file path=ppt/slides/slide29.xml><?xml version="1.0" encoding="utf-8"?>
+<p:sld xmlns:a="http://schemas.openxmlformats.org/drawingml/2006/main" xmlns:r="http://schemas.openxmlformats.org/officeDocument/2006/relationships" xmlns:p="http://schemas.openxmlformats.org/presentationml/2006/main">
+  <p:cSld>
+    <p:spTree>
+      <p:nvGrpSpPr>
+        <p:cNvPr id="1" name=""/>
+        <p:cNvGrpSpPr/>
+        <p:nvPr/>
+      </p:nvGrpSpPr>
+      <p:grpSpPr>
+        <a:xfrm>
+          <a:off x="0" y="0"/>
+          <a:ext cx="0" cy="0"/>
+          <a:chOff x="0" y="0"/>
+          <a:chExt cx="0" cy="0"/>
+        </a:xfrm>
+      </p:grpSpPr>
+      <p:sp>
+        <p:nvSpPr>
+          <p:cNvPr id="2" name="Titolo 1">
+            <a:extLst>
+              <a:ext uri="{FF2B5EF4-FFF2-40B4-BE49-F238E27FC236}">
+                <a16:creationId xmlns:a16="http://schemas.microsoft.com/office/drawing/2014/main" xmlns="" id="{1C9728DE-DCC3-47F3-A9A7-4840BBF3A649}"/>
+              </a:ext>
+            </a:extLst>
+          </p:cNvPr>
+          <p:cNvSpPr>
+            <a:spLocks noGrp="1"/>
+          </p:cNvSpPr>
+          <p:nvPr>
+            <p:ph type="title"/>
+          </p:nvPr>
+        </p:nvSpPr>
+        <p:spPr/>
+        <p:txBody>
+          <a:bodyPr/>
+          <a:lstStyle/>
+          <a:p>
+            <a:r>
+              <a:rPr lang="it-CH" dirty="0" err="1"/>
+              <a:t>DroneSimulator</a:t>
+            </a:r>
+            <a:endParaRPr lang="it-CH" dirty="0"/>
+          </a:p>
+        </p:txBody>
+      </p:sp>
+      <p:sp>
+        <p:nvSpPr>
+          <p:cNvPr id="3" name="Segnaposto contenuto 2">
+            <a:extLst>
+              <a:ext uri="{FF2B5EF4-FFF2-40B4-BE49-F238E27FC236}">
+                <a16:creationId xmlns:a16="http://schemas.microsoft.com/office/drawing/2014/main" xmlns="" id="{A9782E92-4646-4216-BC0B-9AFBD5130E30}"/>
+              </a:ext>
+            </a:extLst>
+          </p:cNvPr>
+          <p:cNvSpPr>
+            <a:spLocks noGrp="1"/>
+          </p:cNvSpPr>
+          <p:nvPr>
+            <p:ph idx="1"/>
+          </p:nvPr>
+        </p:nvSpPr>
+        <p:spPr>
+          <a:xfrm>
+            <a:off x="2000747" y="884466"/>
+            <a:ext cx="6912768" cy="460648"/>
+          </a:xfrm>
+        </p:spPr>
+        <p:txBody>
+          <a:bodyPr/>
+          <a:lstStyle/>
+          <a:p>
+            <a:r>
+              <a:rPr lang="it-CH" sz="2800" dirty="0"/>
+              <a:t>Classe Simulator</a:t>
+            </a:r>
+            <a:r>
+              <a:rPr lang="it-IT" sz="2800" dirty="0"/>
+              <a:t> </a:t>
+            </a:r>
+            <a:endParaRPr lang="it-CH" sz="2800" dirty="0"/>
+          </a:p>
+        </p:txBody>
+      </p:sp>
+      <p:sp>
+        <p:nvSpPr>
+          <p:cNvPr id="4" name="Segnaposto contenuto 3">
+            <a:extLst>
+              <a:ext uri="{FF2B5EF4-FFF2-40B4-BE49-F238E27FC236}">
+                <a16:creationId xmlns:a16="http://schemas.microsoft.com/office/drawing/2014/main" xmlns="" id="{13544A92-8328-4004-96C8-B60363828F13}"/>
+              </a:ext>
+            </a:extLst>
+          </p:cNvPr>
+          <p:cNvSpPr>
+            <a:spLocks noGrp="1"/>
+          </p:cNvSpPr>
+          <p:nvPr>
+            <p:ph idx="10"/>
+          </p:nvPr>
+        </p:nvSpPr>
+        <p:spPr/>
+        <p:txBody>
+          <a:bodyPr/>
+          <a:lstStyle/>
+          <a:p>
+            <a:pPr marL="285750" indent="-285750">
+              <a:lnSpc>
+                <a:spcPct val="300000"/>
+              </a:lnSpc>
+              <a:buFont typeface="Arial" panose="020B0604020202020204" pitchFamily="34" charset="0"/>
+              <a:buChar char="•"/>
+            </a:pPr>
+            <a:r>
+              <a:rPr lang="it-CH" sz="2000" dirty="0">
+                <a:sym typeface="Wingdings" panose="05000000000000000000" pitchFamily="2" charset="2"/>
+              </a:rPr>
+              <a:t>Riceve comandi  </a:t>
+            </a:r>
+            <a:r>
+              <a:rPr lang="it-CH" sz="2000" dirty="0" smtClean="0">
+                <a:sym typeface="Wingdings" panose="05000000000000000000" pitchFamily="2" charset="2"/>
+              </a:rPr>
+              <a:t>Socket UDP</a:t>
+            </a:r>
+            <a:endParaRPr lang="it-CH" sz="2000" dirty="0">
+              <a:sym typeface="Wingdings" panose="05000000000000000000" pitchFamily="2" charset="2"/>
+            </a:endParaRPr>
+          </a:p>
+          <a:p>
+            <a:pPr marL="285750" indent="-285750">
+              <a:lnSpc>
+                <a:spcPct val="300000"/>
+              </a:lnSpc>
+              <a:buFont typeface="Arial" panose="020B0604020202020204" pitchFamily="34" charset="0"/>
+              <a:buChar char="•"/>
+            </a:pPr>
+            <a:r>
+              <a:rPr lang="it-CH" sz="2000" dirty="0" smtClean="0">
+                <a:sym typeface="Wingdings" panose="05000000000000000000" pitchFamily="2" charset="2"/>
+              </a:rPr>
+              <a:t>Inoltra </a:t>
+            </a:r>
+            <a:r>
+              <a:rPr lang="it-CH" sz="2000" dirty="0">
+                <a:sym typeface="Wingdings" panose="05000000000000000000" pitchFamily="2" charset="2"/>
+              </a:rPr>
+              <a:t>comandi  CommandReader</a:t>
+            </a:r>
+          </a:p>
+        </p:txBody>
+      </p:sp>
+    </p:spTree>
+    <p:extLst>
+      <p:ext uri="{BB962C8B-B14F-4D97-AF65-F5344CB8AC3E}">
+        <p14:creationId xmlns:p14="http://schemas.microsoft.com/office/powerpoint/2010/main" val="2078199158"/>
+      </p:ext>
+    </p:extLst>
+  </p:cSld>
+  <p:clrMapOvr>
+    <a:masterClrMapping/>
+  </p:clrMapOvr>
+  <mc:AlternateContent xmlns:mc="http://schemas.openxmlformats.org/markup-compatibility/2006">
+    <mc:Choice xmlns:p159="http://schemas.microsoft.com/office/powerpoint/2015/09/main" xmlns="" Requires="p159">
+      <p:transition xmlns:p14="http://schemas.microsoft.com/office/powerpoint/2010/main" spd="slow" p14:dur="2000">
+        <p159:morph option="byWord"/>
+      </p:transition>
+    </mc:Choice>
+    <mc:Fallback>
+      <p:transition spd="slow">
+        <p:fade/>
+      </p:transition>
+    </mc:Fallback>
+  </mc:AlternateContent>
+</p:sld>
+</file>
+
+<file path=ppt/slides/slide3.xml><?xml version="1.0" encoding="utf-8"?>
+<p:sld xmlns:a="http://schemas.openxmlformats.org/drawingml/2006/main" xmlns:r="http://schemas.openxmlformats.org/officeDocument/2006/relationships" xmlns:p="http://schemas.openxmlformats.org/presentationml/2006/main">
+  <p:cSld>
+    <p:spTree>
+      <p:nvGrpSpPr>
+        <p:cNvPr id="1" name=""/>
+        <p:cNvGrpSpPr/>
+        <p:nvPr/>
+      </p:nvGrpSpPr>
+      <p:grpSpPr>
+        <a:xfrm>
+          <a:off x="0" y="0"/>
+          <a:ext cx="0" cy="0"/>
+          <a:chOff x="0" y="0"/>
+          <a:chExt cx="0" cy="0"/>
+        </a:xfrm>
+      </p:grpSpPr>
+      <p:sp>
+        <p:nvSpPr>
+          <p:cNvPr id="2" name="Titolo 1">
+            <a:extLst>
+              <a:ext uri="{FF2B5EF4-FFF2-40B4-BE49-F238E27FC236}">
+                <a16:creationId xmlns:a16="http://schemas.microsoft.com/office/drawing/2014/main" xmlns="" id="{1F4EF76E-72FB-49D5-9299-592E62BF06B2}"/>
+              </a:ext>
+            </a:extLst>
+          </p:cNvPr>
+          <p:cNvSpPr>
+            <a:spLocks noGrp="1"/>
+          </p:cNvSpPr>
+          <p:nvPr>
+            <p:ph type="title"/>
+          </p:nvPr>
+        </p:nvSpPr>
+        <p:spPr/>
+        <p:txBody>
+          <a:bodyPr/>
+          <a:lstStyle/>
+          <a:p>
+            <a:r>
+              <a:rPr lang="it-CH" dirty="0"/>
+              <a:t>CHI SIAMO</a:t>
+            </a:r>
+          </a:p>
+        </p:txBody>
+      </p:sp>
+      <p:sp>
+        <p:nvSpPr>
+          <p:cNvPr id="4" name="Segnaposto contenuto 3">
+            <a:extLst>
+              <a:ext uri="{FF2B5EF4-FFF2-40B4-BE49-F238E27FC236}">
+                <a16:creationId xmlns:a16="http://schemas.microsoft.com/office/drawing/2014/main" xmlns="" id="{FB91016C-8169-45ED-B54B-B80E87645789}"/>
+              </a:ext>
+            </a:extLst>
+          </p:cNvPr>
+          <p:cNvSpPr>
+            <a:spLocks noGrp="1"/>
+          </p:cNvSpPr>
+          <p:nvPr>
+            <p:ph idx="1"/>
+          </p:nvPr>
+        </p:nvSpPr>
+        <p:spPr>
+          <a:xfrm>
+            <a:off x="405880" y="884467"/>
+            <a:ext cx="8496944" cy="3775516"/>
+          </a:xfrm>
+        </p:spPr>
+        <p:txBody>
+          <a:bodyPr/>
+          <a:lstStyle/>
+          <a:p>
+            <a:pPr marL="628650" indent="-342900">
+              <a:buFont typeface="Arial" panose="020B0604020202020204" pitchFamily="34" charset="0"/>
+              <a:buChar char="•"/>
+            </a:pPr>
+            <a:r>
+              <a:rPr lang="it-CH" sz="3200" dirty="0" err="1"/>
+              <a:t>Jari</a:t>
+            </a:r>
+            <a:r>
+              <a:rPr lang="it-CH" sz="3200" dirty="0"/>
+              <a:t> </a:t>
+            </a:r>
+            <a:r>
+              <a:rPr lang="it-CH" sz="3200" dirty="0" err="1"/>
+              <a:t>Näser</a:t>
+            </a:r>
+            <a:endParaRPr lang="it-CH" sz="3200" dirty="0"/>
+          </a:p>
+          <a:p>
+            <a:pPr marL="1371600" lvl="1" indent="-342900">
+              <a:buFont typeface="Arial" panose="020B0604020202020204" pitchFamily="34" charset="0"/>
+              <a:buChar char="•"/>
+            </a:pPr>
+            <a:r>
+              <a:rPr lang="it-CH" sz="3800" dirty="0">
+                <a:hlinkClick r:id="rId3"/>
+              </a:rPr>
+              <a:t>jari.naeser@samtrevano.ch</a:t>
+            </a:r>
+            <a:endParaRPr lang="it-CH" sz="3800" dirty="0"/>
+          </a:p>
+          <a:p>
+            <a:pPr marL="1371600" lvl="1" indent="-342900">
+              <a:buFont typeface="Arial" panose="020B0604020202020204" pitchFamily="34" charset="0"/>
+              <a:buChar char="•"/>
+            </a:pPr>
+            <a:endParaRPr lang="it-CH" sz="3800" dirty="0"/>
+          </a:p>
+          <a:p>
+            <a:pPr marL="628650" indent="-342900">
+              <a:buFont typeface="Arial" panose="020B0604020202020204" pitchFamily="34" charset="0"/>
+              <a:buChar char="•"/>
+            </a:pPr>
+            <a:r>
+              <a:rPr lang="it-CH" sz="3600" dirty="0"/>
+              <a:t>Andrea </a:t>
+            </a:r>
+            <a:r>
+              <a:rPr lang="it-CH" sz="3600" dirty="0" err="1"/>
+              <a:t>Rauso</a:t>
+            </a:r>
+            <a:endParaRPr lang="it-CH" sz="3600" dirty="0"/>
+          </a:p>
+          <a:p>
+            <a:pPr marL="1371600" lvl="1" indent="-342900">
+              <a:buFont typeface="Arial" panose="020B0604020202020204" pitchFamily="34" charset="0"/>
+              <a:buChar char="•"/>
+            </a:pPr>
+            <a:r>
+              <a:rPr lang="it-CH" sz="3600" dirty="0">
+                <a:hlinkClick r:id="rId4"/>
+              </a:rPr>
+              <a:t>andrea.rauso@samtrevano.ch</a:t>
+            </a:r>
+            <a:endParaRPr lang="it-CH" sz="3600" dirty="0"/>
+          </a:p>
+        </p:txBody>
+      </p:sp>
+    </p:spTree>
+    <p:extLst>
+      <p:ext uri="{BB962C8B-B14F-4D97-AF65-F5344CB8AC3E}">
+        <p14:creationId xmlns:p14="http://schemas.microsoft.com/office/powerpoint/2010/main" val="790960300"/>
+      </p:ext>
+    </p:extLst>
+  </p:cSld>
+  <p:clrMapOvr>
+    <a:masterClrMapping/>
+  </p:clrMapOvr>
+  <mc:AlternateContent xmlns:mc="http://schemas.openxmlformats.org/markup-compatibility/2006">
+    <mc:Choice xmlns:p159="http://schemas.microsoft.com/office/powerpoint/2015/09/main" xmlns="" Requires="p159">
+      <p:transition xmlns:p14="http://schemas.microsoft.com/office/powerpoint/2010/main" spd="slow" p14:dur="2000">
+        <p159:morph option="byWord"/>
+      </p:transition>
+    </mc:Choice>
+    <mc:Fallback>
+      <p:transition spd="slow">
+        <p:fade/>
+      </p:transition>
+    </mc:Fallback>
+  </mc:AlternateContent>
+</p:sld>
+</file>
+
+<file path=ppt/slides/slide30.xml><?xml version="1.0" encoding="utf-8"?>
+<p:sld xmlns:a="http://schemas.openxmlformats.org/drawingml/2006/main" xmlns:r="http://schemas.openxmlformats.org/officeDocument/2006/relationships" xmlns:p="http://schemas.openxmlformats.org/presentationml/2006/main">
+  <p:cSld>
+    <p:spTree>
+      <p:nvGrpSpPr>
+        <p:cNvPr id="1" name=""/>
+        <p:cNvGrpSpPr/>
+        <p:nvPr/>
+      </p:nvGrpSpPr>
+      <p:grpSpPr>
+        <a:xfrm>
+          <a:off x="0" y="0"/>
+          <a:ext cx="0" cy="0"/>
+          <a:chOff x="0" y="0"/>
+          <a:chExt cx="0" cy="0"/>
+        </a:xfrm>
+      </p:grpSpPr>
+      <p:sp>
+        <p:nvSpPr>
+          <p:cNvPr id="2" name="Titolo 1">
+            <a:extLst>
+              <a:ext uri="{FF2B5EF4-FFF2-40B4-BE49-F238E27FC236}">
+                <a16:creationId xmlns:a16="http://schemas.microsoft.com/office/drawing/2014/main" xmlns="" id="{1C9728DE-DCC3-47F3-A9A7-4840BBF3A649}"/>
+              </a:ext>
+            </a:extLst>
+          </p:cNvPr>
+          <p:cNvSpPr>
+            <a:spLocks noGrp="1"/>
+          </p:cNvSpPr>
+          <p:nvPr>
+            <p:ph type="title"/>
+          </p:nvPr>
+        </p:nvSpPr>
+        <p:spPr/>
+        <p:txBody>
+          <a:bodyPr/>
+          <a:lstStyle/>
+          <a:p>
+            <a:r>
+              <a:rPr lang="it-CH" dirty="0" err="1"/>
+              <a:t>DroneSimulator</a:t>
+            </a:r>
+            <a:endParaRPr lang="it-CH" dirty="0"/>
+          </a:p>
+        </p:txBody>
+      </p:sp>
+      <p:sp>
+        <p:nvSpPr>
+          <p:cNvPr id="3" name="Segnaposto contenuto 2">
+            <a:extLst>
+              <a:ext uri="{FF2B5EF4-FFF2-40B4-BE49-F238E27FC236}">
+                <a16:creationId xmlns:a16="http://schemas.microsoft.com/office/drawing/2014/main" xmlns="" id="{A9782E92-4646-4216-BC0B-9AFBD5130E30}"/>
+              </a:ext>
+            </a:extLst>
+          </p:cNvPr>
+          <p:cNvSpPr>
+            <a:spLocks noGrp="1"/>
+          </p:cNvSpPr>
+          <p:nvPr>
+            <p:ph idx="1"/>
+          </p:nvPr>
+        </p:nvSpPr>
+        <p:spPr>
+          <a:xfrm>
+            <a:off x="2000747" y="884466"/>
+            <a:ext cx="6912768" cy="460648"/>
+          </a:xfrm>
+        </p:spPr>
+        <p:txBody>
+          <a:bodyPr/>
+          <a:lstStyle/>
+          <a:p>
+            <a:r>
+              <a:rPr lang="it-CH" sz="2800" dirty="0"/>
+              <a:t>Classe </a:t>
+            </a:r>
+            <a:r>
+              <a:rPr lang="it-CH" sz="2800" dirty="0" err="1"/>
+              <a:t>CommandReader</a:t>
+            </a:r>
+            <a:r>
+              <a:rPr lang="it-IT" sz="2800" dirty="0"/>
+              <a:t> </a:t>
+            </a:r>
+            <a:endParaRPr lang="it-CH" sz="2800" dirty="0"/>
+          </a:p>
+        </p:txBody>
+      </p:sp>
+      <p:sp>
+        <p:nvSpPr>
+          <p:cNvPr id="4" name="Segnaposto contenuto 3">
+            <a:extLst>
+              <a:ext uri="{FF2B5EF4-FFF2-40B4-BE49-F238E27FC236}">
+                <a16:creationId xmlns:a16="http://schemas.microsoft.com/office/drawing/2014/main" xmlns="" id="{13544A92-8328-4004-96C8-B60363828F13}"/>
+              </a:ext>
+            </a:extLst>
+          </p:cNvPr>
+          <p:cNvSpPr>
+            <a:spLocks noGrp="1"/>
+          </p:cNvSpPr>
+          <p:nvPr>
+            <p:ph idx="10"/>
+          </p:nvPr>
+        </p:nvSpPr>
+        <p:spPr/>
+        <p:txBody>
+          <a:bodyPr/>
+          <a:lstStyle/>
+          <a:p>
+            <a:r>
+              <a:rPr lang="it-IT" sz="2000" dirty="0"/>
+              <a:t>Riceve i comandi dalla classe Simulator.</a:t>
+            </a:r>
+          </a:p>
+          <a:p>
+            <a:endParaRPr lang="it-IT" sz="2000" dirty="0"/>
+          </a:p>
+          <a:p>
+            <a:r>
+              <a:rPr lang="it-IT" sz="2000" dirty="0"/>
+              <a:t>Simula i comandi della SDK di Tello. </a:t>
+            </a:r>
+          </a:p>
+          <a:p>
+            <a:endParaRPr lang="it-IT" sz="2000" dirty="0"/>
+          </a:p>
+          <a:p>
+            <a:r>
+              <a:rPr lang="it-IT" sz="2000" dirty="0"/>
+              <a:t>Aggiorna le variabili contenenti informazioni su</a:t>
+            </a:r>
+            <a:br>
+              <a:rPr lang="it-IT" sz="2000" dirty="0"/>
+            </a:br>
+            <a:r>
+              <a:rPr lang="it-IT" sz="2000" dirty="0"/>
+              <a:t>Posizione e rotazione del drone.</a:t>
+            </a:r>
+          </a:p>
+          <a:p>
+            <a:pPr marL="342900" indent="-342900">
+              <a:buFont typeface="Arial" panose="020B0604020202020204" pitchFamily="34" charset="0"/>
+              <a:buChar char="•"/>
+            </a:pPr>
+            <a:endParaRPr lang="it-IT" sz="2000" dirty="0"/>
+          </a:p>
+        </p:txBody>
+      </p:sp>
+    </p:spTree>
+    <p:extLst>
+      <p:ext uri="{BB962C8B-B14F-4D97-AF65-F5344CB8AC3E}">
+        <p14:creationId xmlns:p14="http://schemas.microsoft.com/office/powerpoint/2010/main" val="422939601"/>
+      </p:ext>
+    </p:extLst>
+  </p:cSld>
+  <p:clrMapOvr>
+    <a:masterClrMapping/>
+  </p:clrMapOvr>
+  <mc:AlternateContent xmlns:mc="http://schemas.openxmlformats.org/markup-compatibility/2006">
+    <mc:Choice xmlns:p159="http://schemas.microsoft.com/office/powerpoint/2015/09/main" xmlns="" Requires="p159">
+      <p:transition xmlns:p14="http://schemas.microsoft.com/office/powerpoint/2010/main" spd="slow" p14:dur="2000">
+        <p159:morph option="byWord"/>
+      </p:transition>
+    </mc:Choice>
+    <mc:Fallback>
+      <p:transition spd="slow">
+        <p:fade/>
+      </p:transition>
+    </mc:Fallback>
+  </mc:AlternateContent>
+</p:sld>
+</file>
+
+<file path=ppt/slides/slide31.xml><?xml version="1.0" encoding="utf-8"?>
+<p:sld xmlns:a="http://schemas.openxmlformats.org/drawingml/2006/main" xmlns:r="http://schemas.openxmlformats.org/officeDocument/2006/relationships" xmlns:p="http://schemas.openxmlformats.org/presentationml/2006/main">
+  <p:cSld>
+    <p:spTree>
+      <p:nvGrpSpPr>
+        <p:cNvPr id="1" name=""/>
+        <p:cNvGrpSpPr/>
+        <p:nvPr/>
+      </p:nvGrpSpPr>
+      <p:grpSpPr>
+        <a:xfrm>
+          <a:off x="0" y="0"/>
+          <a:ext cx="0" cy="0"/>
+          <a:chOff x="0" y="0"/>
+          <a:chExt cx="0" cy="0"/>
+        </a:xfrm>
+      </p:grpSpPr>
+      <p:sp>
+        <p:nvSpPr>
+          <p:cNvPr id="2" name="Titolo 1">
+            <a:extLst>
+              <a:ext uri="{FF2B5EF4-FFF2-40B4-BE49-F238E27FC236}">
+                <a16:creationId xmlns:a16="http://schemas.microsoft.com/office/drawing/2014/main" xmlns="" id="{1C9728DE-DCC3-47F3-A9A7-4840BBF3A649}"/>
+              </a:ext>
+            </a:extLst>
+          </p:cNvPr>
+          <p:cNvSpPr>
+            <a:spLocks noGrp="1"/>
+          </p:cNvSpPr>
+          <p:nvPr>
+            <p:ph type="title"/>
+          </p:nvPr>
+        </p:nvSpPr>
+        <p:spPr/>
+        <p:txBody>
+          <a:bodyPr/>
+          <a:lstStyle/>
+          <a:p>
+            <a:r>
+              <a:rPr lang="it-CH" dirty="0" err="1"/>
+              <a:t>DroneSimulator</a:t>
+            </a:r>
+            <a:endParaRPr lang="it-CH" dirty="0"/>
+          </a:p>
+        </p:txBody>
+      </p:sp>
+      <p:sp>
+        <p:nvSpPr>
+          <p:cNvPr id="3" name="Segnaposto contenuto 2">
+            <a:extLst>
+              <a:ext uri="{FF2B5EF4-FFF2-40B4-BE49-F238E27FC236}">
+                <a16:creationId xmlns:a16="http://schemas.microsoft.com/office/drawing/2014/main" xmlns="" id="{A9782E92-4646-4216-BC0B-9AFBD5130E30}"/>
+              </a:ext>
+            </a:extLst>
+          </p:cNvPr>
+          <p:cNvSpPr>
+            <a:spLocks noGrp="1"/>
+          </p:cNvSpPr>
+          <p:nvPr>
+            <p:ph idx="1"/>
+          </p:nvPr>
+        </p:nvSpPr>
+        <p:spPr>
+          <a:xfrm>
+            <a:off x="2000747" y="884466"/>
+            <a:ext cx="6912768" cy="460648"/>
+          </a:xfrm>
+        </p:spPr>
+        <p:txBody>
+          <a:bodyPr/>
+          <a:lstStyle/>
+          <a:p>
+            <a:r>
+              <a:rPr lang="it-CH" sz="2800" dirty="0"/>
+              <a:t>Classe </a:t>
+            </a:r>
+            <a:r>
+              <a:rPr lang="it-IT" sz="2800" dirty="0" err="1"/>
+              <a:t>TelloChartFrame</a:t>
+            </a:r>
+            <a:r>
+              <a:rPr lang="it-IT" sz="2800" dirty="0"/>
+              <a:t> </a:t>
+            </a:r>
+            <a:endParaRPr lang="it-CH" sz="2800" dirty="0"/>
+          </a:p>
+        </p:txBody>
+      </p:sp>
+      <p:sp>
+        <p:nvSpPr>
+          <p:cNvPr id="4" name="Segnaposto contenuto 3">
+            <a:extLst>
+              <a:ext uri="{FF2B5EF4-FFF2-40B4-BE49-F238E27FC236}">
+                <a16:creationId xmlns:a16="http://schemas.microsoft.com/office/drawing/2014/main" xmlns="" id="{13544A92-8328-4004-96C8-B60363828F13}"/>
+              </a:ext>
+            </a:extLst>
+          </p:cNvPr>
+          <p:cNvSpPr>
+            <a:spLocks noGrp="1"/>
+          </p:cNvSpPr>
+          <p:nvPr>
+            <p:ph idx="10"/>
+          </p:nvPr>
+        </p:nvSpPr>
+        <p:spPr/>
+        <p:txBody>
+          <a:bodyPr/>
+          <a:lstStyle/>
+          <a:p>
+            <a:r>
+              <a:rPr lang="it-IT" sz="2000" dirty="0"/>
+              <a:t>Mostra i dati del drone contenuti nella classe Simulator in </a:t>
+            </a:r>
+            <a:r>
+              <a:rPr lang="it-IT" sz="2000" dirty="0" smtClean="0"/>
+              <a:t>un </a:t>
+            </a:r>
+            <a:r>
+              <a:rPr lang="it-IT" sz="2000" dirty="0" err="1" smtClean="0"/>
+              <a:t>JFrame</a:t>
+            </a:r>
+            <a:r>
+              <a:rPr lang="it-IT" sz="2000" dirty="0"/>
+              <a:t>.</a:t>
+            </a:r>
+          </a:p>
+          <a:p>
+            <a:endParaRPr lang="it-IT" sz="2000" dirty="0"/>
+          </a:p>
+          <a:p>
+            <a:r>
+              <a:rPr lang="it-IT" sz="2000" dirty="0"/>
+              <a:t>Grafici posizione dall’alto e di profilo e di rotazione.</a:t>
+            </a:r>
+          </a:p>
+          <a:p>
+            <a:endParaRPr lang="it-IT" sz="2000" dirty="0"/>
+          </a:p>
+          <a:p>
+            <a:r>
+              <a:rPr lang="it-IT" sz="2000" dirty="0"/>
+              <a:t>Uso della libreria </a:t>
+            </a:r>
+            <a:r>
+              <a:rPr lang="it-IT" sz="2000" dirty="0" err="1"/>
+              <a:t>JFreeChart</a:t>
+            </a:r>
+            <a:r>
+              <a:rPr lang="it-IT" sz="2000" dirty="0"/>
+              <a:t> per la creazione dei grafici.</a:t>
+            </a:r>
+          </a:p>
+        </p:txBody>
+      </p:sp>
+    </p:spTree>
+    <p:extLst>
+      <p:ext uri="{BB962C8B-B14F-4D97-AF65-F5344CB8AC3E}">
+        <p14:creationId xmlns:p14="http://schemas.microsoft.com/office/powerpoint/2010/main" val="2580388235"/>
+      </p:ext>
+    </p:extLst>
+  </p:cSld>
+  <p:clrMapOvr>
+    <a:masterClrMapping/>
+  </p:clrMapOvr>
+  <mc:AlternateContent xmlns:mc="http://schemas.openxmlformats.org/markup-compatibility/2006">
+    <mc:Choice xmlns:p159="http://schemas.microsoft.com/office/powerpoint/2015/09/main" xmlns="" Requires="p159">
+      <p:transition xmlns:p14="http://schemas.microsoft.com/office/powerpoint/2010/main" spd="slow" p14:dur="2000">
+        <p159:morph option="byWord"/>
+      </p:transition>
+    </mc:Choice>
+    <mc:Fallback>
+      <p:transition spd="slow">
+        <p:fade/>
+      </p:transition>
+    </mc:Fallback>
+  </mc:AlternateContent>
+</p:sld>
+</file>
+
+<file path=ppt/slides/slide32.xml><?xml version="1.0" encoding="utf-8"?>
+<p:sld xmlns:a="http://schemas.openxmlformats.org/drawingml/2006/main" xmlns:r="http://schemas.openxmlformats.org/officeDocument/2006/relationships" xmlns:p="http://schemas.openxmlformats.org/presentationml/2006/main">
+  <p:cSld>
+    <p:spTree>
+      <p:nvGrpSpPr>
+        <p:cNvPr id="1" name=""/>
+        <p:cNvGrpSpPr/>
+        <p:nvPr/>
+      </p:nvGrpSpPr>
+      <p:grpSpPr>
+        <a:xfrm>
+          <a:off x="0" y="0"/>
+          <a:ext cx="0" cy="0"/>
+          <a:chOff x="0" y="0"/>
+          <a:chExt cx="0" cy="0"/>
+        </a:xfrm>
+      </p:grpSpPr>
+      <p:sp>
+        <p:nvSpPr>
+          <p:cNvPr id="2" name="Titolo 1">
+            <a:extLst>
+              <a:ext uri="{FF2B5EF4-FFF2-40B4-BE49-F238E27FC236}">
+                <a16:creationId xmlns:a16="http://schemas.microsoft.com/office/drawing/2014/main" xmlns="" id="{929A8F7E-6DE7-4CF1-8507-D13BF35BA7BD}"/>
+              </a:ext>
+            </a:extLst>
+          </p:cNvPr>
+          <p:cNvSpPr>
+            <a:spLocks noGrp="1"/>
+          </p:cNvSpPr>
+          <p:nvPr>
+            <p:ph type="title"/>
+          </p:nvPr>
+        </p:nvSpPr>
+        <p:spPr>
+          <a:xfrm>
+            <a:off x="18372" y="1923678"/>
+            <a:ext cx="3672408" cy="871537"/>
+          </a:xfrm>
+        </p:spPr>
+        <p:txBody>
+          <a:bodyPr>
+            <a:normAutofit/>
+          </a:bodyPr>
+          <a:lstStyle/>
+          <a:p>
+            <a:pPr algn="ctr"/>
+            <a:r>
+              <a:rPr lang="it-CH" sz="3200" dirty="0" smtClean="0">
+                <a:latin typeface="Arial" panose="020B0604020202020204" pitchFamily="34" charset="0"/>
+                <a:cs typeface="Arial" panose="020B0604020202020204" pitchFamily="34" charset="0"/>
+              </a:rPr>
+              <a:t>VISTA PROFILO</a:t>
+            </a:r>
+            <a:endParaRPr lang="it-CH" sz="3200" dirty="0">
+              <a:latin typeface="Arial" panose="020B0604020202020204" pitchFamily="34" charset="0"/>
+              <a:cs typeface="Arial" panose="020B0604020202020204" pitchFamily="34" charset="0"/>
+            </a:endParaRPr>
+          </a:p>
+        </p:txBody>
+      </p:sp>
+      <p:pic>
+        <p:nvPicPr>
+          <p:cNvPr id="4" name="Content Placeholder 3"/>
+          <p:cNvPicPr>
+            <a:picLocks noGrp="1" noChangeAspect="1"/>
+          </p:cNvPicPr>
+          <p:nvPr>
+            <p:ph idx="1"/>
+          </p:nvPr>
+        </p:nvPicPr>
+        <p:blipFill>
+          <a:blip r:embed="rId3">
+            <a:extLst>
+              <a:ext uri="{28A0092B-C50C-407E-A947-70E740481C1C}">
+                <a14:useLocalDpi xmlns:a14="http://schemas.microsoft.com/office/drawing/2010/main" val="0"/>
+              </a:ext>
+            </a:extLst>
+          </a:blip>
+          <a:stretch>
+            <a:fillRect/>
+          </a:stretch>
+        </p:blipFill>
+        <p:spPr>
+          <a:xfrm>
+            <a:off x="3664737" y="699542"/>
+            <a:ext cx="5111750" cy="3984911"/>
+          </a:xfrm>
+        </p:spPr>
+      </p:pic>
+    </p:spTree>
+    <p:extLst>
+      <p:ext uri="{BB962C8B-B14F-4D97-AF65-F5344CB8AC3E}">
+        <p14:creationId xmlns:p14="http://schemas.microsoft.com/office/powerpoint/2010/main" val="1630634994"/>
+      </p:ext>
+    </p:extLst>
+  </p:cSld>
+  <p:clrMapOvr>
+    <a:masterClrMapping/>
+  </p:clrMapOvr>
+</p:sld>
+</file>
+
+<file path=ppt/slides/slide33.xml><?xml version="1.0" encoding="utf-8"?>
+<p:sld xmlns:a="http://schemas.openxmlformats.org/drawingml/2006/main" xmlns:r="http://schemas.openxmlformats.org/officeDocument/2006/relationships" xmlns:p="http://schemas.openxmlformats.org/presentationml/2006/main">
+  <p:cSld>
+    <p:spTree>
+      <p:nvGrpSpPr>
+        <p:cNvPr id="1" name=""/>
+        <p:cNvGrpSpPr/>
+        <p:nvPr/>
+      </p:nvGrpSpPr>
+      <p:grpSpPr>
+        <a:xfrm>
+          <a:off x="0" y="0"/>
+          <a:ext cx="0" cy="0"/>
+          <a:chOff x="0" y="0"/>
+          <a:chExt cx="0" cy="0"/>
+        </a:xfrm>
+      </p:grpSpPr>
+      <p:sp>
+        <p:nvSpPr>
+          <p:cNvPr id="2" name="Titolo 1">
+            <a:extLst>
+              <a:ext uri="{FF2B5EF4-FFF2-40B4-BE49-F238E27FC236}">
+                <a16:creationId xmlns:a16="http://schemas.microsoft.com/office/drawing/2014/main" xmlns="" id="{929A8F7E-6DE7-4CF1-8507-D13BF35BA7BD}"/>
+              </a:ext>
+            </a:extLst>
+          </p:cNvPr>
+          <p:cNvSpPr>
+            <a:spLocks noGrp="1"/>
+          </p:cNvSpPr>
+          <p:nvPr>
+            <p:ph type="title"/>
+          </p:nvPr>
+        </p:nvSpPr>
+        <p:spPr>
+          <a:xfrm>
+            <a:off x="18372" y="1923678"/>
+            <a:ext cx="3672408" cy="871537"/>
+          </a:xfrm>
+        </p:spPr>
+        <p:txBody>
+          <a:bodyPr>
+            <a:normAutofit fontScale="90000"/>
+          </a:bodyPr>
+          <a:lstStyle/>
+          <a:p>
+            <a:pPr algn="ctr"/>
+            <a:r>
+              <a:rPr lang="it-CH" sz="3200" dirty="0" smtClean="0">
+                <a:latin typeface="Arial" panose="020B0604020202020204" pitchFamily="34" charset="0"/>
+                <a:cs typeface="Arial" panose="020B0604020202020204" pitchFamily="34" charset="0"/>
+              </a:rPr>
+              <a:t>VISTA ROTAZIONE</a:t>
+            </a:r>
+            <a:endParaRPr lang="it-CH" sz="3200" dirty="0">
+              <a:latin typeface="Arial" panose="020B0604020202020204" pitchFamily="34" charset="0"/>
+              <a:cs typeface="Arial" panose="020B0604020202020204" pitchFamily="34" charset="0"/>
+            </a:endParaRPr>
+          </a:p>
+        </p:txBody>
+      </p:sp>
+      <p:pic>
+        <p:nvPicPr>
+          <p:cNvPr id="5" name="Content Placeholder 4"/>
+          <p:cNvPicPr>
+            <a:picLocks noGrp="1" noChangeAspect="1"/>
+          </p:cNvPicPr>
+          <p:nvPr>
+            <p:ph idx="1"/>
+          </p:nvPr>
+        </p:nvPicPr>
+        <p:blipFill>
+          <a:blip r:embed="rId3">
+            <a:extLst>
+              <a:ext uri="{28A0092B-C50C-407E-A947-70E740481C1C}">
+                <a14:useLocalDpi xmlns:a14="http://schemas.microsoft.com/office/drawing/2010/main" val="0"/>
+              </a:ext>
+            </a:extLst>
+          </a:blip>
+          <a:stretch>
+            <a:fillRect/>
+          </a:stretch>
+        </p:blipFill>
+        <p:spPr>
+          <a:xfrm>
+            <a:off x="3667829" y="627534"/>
+            <a:ext cx="5111750" cy="3976941"/>
+          </a:xfrm>
+        </p:spPr>
+      </p:pic>
+    </p:spTree>
+    <p:extLst>
+      <p:ext uri="{BB962C8B-B14F-4D97-AF65-F5344CB8AC3E}">
+        <p14:creationId xmlns:p14="http://schemas.microsoft.com/office/powerpoint/2010/main" val="1282648518"/>
+      </p:ext>
+    </p:extLst>
+  </p:cSld>
+  <p:clrMapOvr>
+    <a:masterClrMapping/>
+  </p:clrMapOvr>
+</p:sld>
+</file>
+
+<file path=ppt/slides/slide34.xml><?xml version="1.0" encoding="utf-8"?>
+<p:sld xmlns:a="http://schemas.openxmlformats.org/drawingml/2006/main" xmlns:r="http://schemas.openxmlformats.org/officeDocument/2006/relationships" xmlns:p="http://schemas.openxmlformats.org/presentationml/2006/main">
+  <p:cSld>
+    <p:spTree>
+      <p:nvGrpSpPr>
+        <p:cNvPr id="1" name=""/>
+        <p:cNvGrpSpPr/>
+        <p:nvPr/>
+      </p:nvGrpSpPr>
+      <p:grpSpPr>
+        <a:xfrm>
+          <a:off x="0" y="0"/>
+          <a:ext cx="0" cy="0"/>
+          <a:chOff x="0" y="0"/>
+          <a:chExt cx="0" cy="0"/>
+        </a:xfrm>
+      </p:grpSpPr>
+      <p:sp>
+        <p:nvSpPr>
+          <p:cNvPr id="2" name="Titolo 1">
+            <a:extLst>
+              <a:ext uri="{FF2B5EF4-FFF2-40B4-BE49-F238E27FC236}">
+                <a16:creationId xmlns:a16="http://schemas.microsoft.com/office/drawing/2014/main" xmlns="" id="{929A8F7E-6DE7-4CF1-8507-D13BF35BA7BD}"/>
+              </a:ext>
+            </a:extLst>
+          </p:cNvPr>
+          <p:cNvSpPr>
+            <a:spLocks noGrp="1"/>
+          </p:cNvSpPr>
+          <p:nvPr>
+            <p:ph type="title"/>
+          </p:nvPr>
+        </p:nvSpPr>
+        <p:spPr>
+          <a:xfrm>
+            <a:off x="18372" y="1923678"/>
+            <a:ext cx="3672408" cy="871537"/>
+          </a:xfrm>
+        </p:spPr>
+        <p:txBody>
+          <a:bodyPr>
+            <a:normAutofit/>
+          </a:bodyPr>
+          <a:lstStyle/>
+          <a:p>
+            <a:pPr algn="ctr"/>
+            <a:r>
+              <a:rPr lang="it-CH" sz="3200" dirty="0" smtClean="0">
+                <a:latin typeface="Arial" panose="020B0604020202020204" pitchFamily="34" charset="0"/>
+                <a:cs typeface="Arial" panose="020B0604020202020204" pitchFamily="34" charset="0"/>
+              </a:rPr>
+              <a:t>VISTA ALTO</a:t>
+            </a:r>
+            <a:endParaRPr lang="it-CH" sz="3200" dirty="0">
+              <a:latin typeface="Arial" panose="020B0604020202020204" pitchFamily="34" charset="0"/>
+              <a:cs typeface="Arial" panose="020B0604020202020204" pitchFamily="34" charset="0"/>
+            </a:endParaRPr>
+          </a:p>
+        </p:txBody>
+      </p:sp>
+      <p:pic>
+        <p:nvPicPr>
+          <p:cNvPr id="5" name="Content Placeholder 4"/>
+          <p:cNvPicPr>
+            <a:picLocks noGrp="1" noChangeAspect="1"/>
+          </p:cNvPicPr>
+          <p:nvPr>
+            <p:ph idx="1"/>
+          </p:nvPr>
+        </p:nvPicPr>
+        <p:blipFill>
+          <a:blip r:embed="rId3">
+            <a:extLst>
+              <a:ext uri="{28A0092B-C50C-407E-A947-70E740481C1C}">
+                <a14:useLocalDpi xmlns:a14="http://schemas.microsoft.com/office/drawing/2010/main" val="0"/>
+              </a:ext>
+            </a:extLst>
+          </a:blip>
+          <a:stretch>
+            <a:fillRect/>
+          </a:stretch>
+        </p:blipFill>
+        <p:spPr>
+          <a:xfrm>
+            <a:off x="3657244" y="627534"/>
+            <a:ext cx="5111750" cy="3976941"/>
+          </a:xfrm>
+        </p:spPr>
+      </p:pic>
+    </p:spTree>
+    <p:extLst>
+      <p:ext uri="{BB962C8B-B14F-4D97-AF65-F5344CB8AC3E}">
+        <p14:creationId xmlns:p14="http://schemas.microsoft.com/office/powerpoint/2010/main" val="1353436873"/>
+      </p:ext>
+    </p:extLst>
+  </p:cSld>
+  <p:clrMapOvr>
+    <a:masterClrMapping/>
+  </p:clrMapOvr>
+</p:sld>
+</file>
+
+<file path=ppt/slides/slide35.xml><?xml version="1.0" encoding="utf-8"?>
+<p:sld xmlns:a="http://schemas.openxmlformats.org/drawingml/2006/main" xmlns:r="http://schemas.openxmlformats.org/officeDocument/2006/relationships" xmlns:p="http://schemas.openxmlformats.org/presentationml/2006/main">
+  <p:cSld>
+    <p:spTree>
+      <p:nvGrpSpPr>
+        <p:cNvPr id="1" name=""/>
+        <p:cNvGrpSpPr/>
+        <p:nvPr/>
+      </p:nvGrpSpPr>
+      <p:grpSpPr>
+        <a:xfrm>
+          <a:off x="0" y="0"/>
+          <a:ext cx="0" cy="0"/>
+          <a:chOff x="0" y="0"/>
+          <a:chExt cx="0" cy="0"/>
+        </a:xfrm>
+      </p:grpSpPr>
+      <p:sp>
+        <p:nvSpPr>
+          <p:cNvPr id="2" name="Titolo 1">
+            <a:extLst>
+              <a:ext uri="{FF2B5EF4-FFF2-40B4-BE49-F238E27FC236}">
+                <a16:creationId xmlns:a16="http://schemas.microsoft.com/office/drawing/2014/main" xmlns="" id="{764A1C8B-D6B4-4868-8C8D-8531F9FA4B44}"/>
               </a:ext>
             </a:extLst>
           </p:cNvPr>
@@ -9762,7 +11928,7 @@
           <p:cNvPr id="5" name="Tabella 4">
             <a:extLst>
               <a:ext uri="{FF2B5EF4-FFF2-40B4-BE49-F238E27FC236}">
-                <a16:creationId xmlns:a16="http://schemas.microsoft.com/office/drawing/2014/main" id="{F55F7FF1-C1A4-4804-B5D0-A5DC5CD3C59F}"/>
+                <a16:creationId xmlns:a16="http://schemas.microsoft.com/office/drawing/2014/main" xmlns="" id="{F55F7FF1-C1A4-4804-B5D0-A5DC5CD3C59F}"/>
               </a:ext>
             </a:extLst>
           </p:cNvPr>
@@ -9791,14 +11957,14 @@
                 <a:gridCol w="3396208">
                   <a:extLst>
                     <a:ext uri="{9D8B030D-6E8A-4147-A177-3AD203B41FA5}">
-                      <a16:colId xmlns:a16="http://schemas.microsoft.com/office/drawing/2014/main" val="2392743453"/>
+                      <a16:colId xmlns:a16="http://schemas.microsoft.com/office/drawing/2014/main" xmlns="" val="2392743453"/>
                     </a:ext>
                   </a:extLst>
                 </a:gridCol>
                 <a:gridCol w="3396208">
                   <a:extLst>
                     <a:ext uri="{9D8B030D-6E8A-4147-A177-3AD203B41FA5}">
-                      <a16:colId xmlns:a16="http://schemas.microsoft.com/office/drawing/2014/main" val="3716237907"/>
+                      <a16:colId xmlns:a16="http://schemas.microsoft.com/office/drawing/2014/main" xmlns="" val="3716237907"/>
                     </a:ext>
                   </a:extLst>
                 </a:gridCol>
@@ -9832,7 +11998,7 @@
                 </a:tc>
                 <a:extLst>
                   <a:ext uri="{0D108BD9-81ED-4DB2-BD59-A6C34878D82A}">
-                    <a16:rowId xmlns:a16="http://schemas.microsoft.com/office/drawing/2014/main" val="3485924999"/>
+                    <a16:rowId xmlns:a16="http://schemas.microsoft.com/office/drawing/2014/main" xmlns="" val="3485924999"/>
                   </a:ext>
                 </a:extLst>
               </a:tr>
@@ -9873,7 +12039,7 @@
                 </a:tc>
                 <a:extLst>
                   <a:ext uri="{0D108BD9-81ED-4DB2-BD59-A6C34878D82A}">
-                    <a16:rowId xmlns:a16="http://schemas.microsoft.com/office/drawing/2014/main" val="3718620749"/>
+                    <a16:rowId xmlns:a16="http://schemas.microsoft.com/office/drawing/2014/main" xmlns="" val="3718620749"/>
                   </a:ext>
                 </a:extLst>
               </a:tr>
@@ -9931,7 +12097,7 @@
                 </a:tc>
                 <a:extLst>
                   <a:ext uri="{0D108BD9-81ED-4DB2-BD59-A6C34878D82A}">
-                    <a16:rowId xmlns:a16="http://schemas.microsoft.com/office/drawing/2014/main" val="3132356401"/>
+                    <a16:rowId xmlns:a16="http://schemas.microsoft.com/office/drawing/2014/main" xmlns="" val="3132356401"/>
                   </a:ext>
                 </a:extLst>
               </a:tr>
@@ -9989,7 +12155,7 @@
                 </a:tc>
                 <a:extLst>
                   <a:ext uri="{0D108BD9-81ED-4DB2-BD59-A6C34878D82A}">
-                    <a16:rowId xmlns:a16="http://schemas.microsoft.com/office/drawing/2014/main" val="3113495145"/>
+                    <a16:rowId xmlns:a16="http://schemas.microsoft.com/office/drawing/2014/main" xmlns="" val="3113495145"/>
                   </a:ext>
                 </a:extLst>
               </a:tr>
@@ -10047,7 +12213,7 @@
                 </a:tc>
                 <a:extLst>
                   <a:ext uri="{0D108BD9-81ED-4DB2-BD59-A6C34878D82A}">
-                    <a16:rowId xmlns:a16="http://schemas.microsoft.com/office/drawing/2014/main" val="3463852800"/>
+                    <a16:rowId xmlns:a16="http://schemas.microsoft.com/office/drawing/2014/main" xmlns="" val="3463852800"/>
                   </a:ext>
                 </a:extLst>
               </a:tr>
@@ -10105,7 +12271,7 @@
                 </a:tc>
                 <a:extLst>
                   <a:ext uri="{0D108BD9-81ED-4DB2-BD59-A6C34878D82A}">
-                    <a16:rowId xmlns:a16="http://schemas.microsoft.com/office/drawing/2014/main" val="1181745103"/>
+                    <a16:rowId xmlns:a16="http://schemas.microsoft.com/office/drawing/2014/main" xmlns="" val="1181745103"/>
                   </a:ext>
                 </a:extLst>
               </a:tr>
@@ -10163,7 +12329,7 @@
                 </a:tc>
                 <a:extLst>
                   <a:ext uri="{0D108BD9-81ED-4DB2-BD59-A6C34878D82A}">
-                    <a16:rowId xmlns:a16="http://schemas.microsoft.com/office/drawing/2014/main" val="779251828"/>
+                    <a16:rowId xmlns:a16="http://schemas.microsoft.com/office/drawing/2014/main" xmlns="" val="779251828"/>
                   </a:ext>
                 </a:extLst>
               </a:tr>
@@ -10221,7 +12387,7 @@
                 </a:tc>
                 <a:extLst>
                   <a:ext uri="{0D108BD9-81ED-4DB2-BD59-A6C34878D82A}">
-                    <a16:rowId xmlns:a16="http://schemas.microsoft.com/office/drawing/2014/main" val="3755891411"/>
+                    <a16:rowId xmlns:a16="http://schemas.microsoft.com/office/drawing/2014/main" xmlns="" val="3755891411"/>
                   </a:ext>
                 </a:extLst>
               </a:tr>
@@ -10242,7 +12408,7 @@
 </p:sld>
 </file>
 
-<file path=ppt/slides/slide27.xml><?xml version="1.0" encoding="utf-8"?>
+<file path=ppt/slides/slide36.xml><?xml version="1.0" encoding="utf-8"?>
 <p:sld xmlns:a="http://schemas.openxmlformats.org/drawingml/2006/main" xmlns:r="http://schemas.openxmlformats.org/officeDocument/2006/relationships" xmlns:p="http://schemas.openxmlformats.org/presentationml/2006/main">
   <p:cSld>
     <p:spTree>
@@ -10261,1227 +12427,10 @@
       </p:grpSpPr>
       <p:sp>
         <p:nvSpPr>
-          <p:cNvPr id="2" name="Titolo 1">
-            <a:extLst>
-              <a:ext uri="{FF2B5EF4-FFF2-40B4-BE49-F238E27FC236}">
-                <a16:creationId xmlns:a16="http://schemas.microsoft.com/office/drawing/2014/main" id="{1C9728DE-DCC3-47F3-A9A7-4840BBF3A649}"/>
-              </a:ext>
-            </a:extLst>
-          </p:cNvPr>
-          <p:cNvSpPr>
-            <a:spLocks noGrp="1"/>
-          </p:cNvSpPr>
-          <p:nvPr>
-            <p:ph type="title"/>
-          </p:nvPr>
-        </p:nvSpPr>
-        <p:spPr/>
-        <p:txBody>
-          <a:bodyPr/>
-          <a:lstStyle/>
-          <a:p>
-            <a:r>
-              <a:rPr lang="it-CH" dirty="0" err="1"/>
-              <a:t>DroneController</a:t>
-            </a:r>
-            <a:endParaRPr lang="it-CH" dirty="0"/>
-          </a:p>
-        </p:txBody>
-      </p:sp>
-      <p:sp>
-        <p:nvSpPr>
-          <p:cNvPr id="3" name="Segnaposto contenuto 2">
-            <a:extLst>
-              <a:ext uri="{FF2B5EF4-FFF2-40B4-BE49-F238E27FC236}">
-                <a16:creationId xmlns:a16="http://schemas.microsoft.com/office/drawing/2014/main" id="{A9782E92-4646-4216-BC0B-9AFBD5130E30}"/>
-              </a:ext>
-            </a:extLst>
-          </p:cNvPr>
-          <p:cNvSpPr>
-            <a:spLocks noGrp="1"/>
-          </p:cNvSpPr>
-          <p:nvPr>
-            <p:ph idx="1"/>
-          </p:nvPr>
-        </p:nvSpPr>
-        <p:spPr>
-          <a:xfrm>
-            <a:off x="2000747" y="884466"/>
-            <a:ext cx="6912768" cy="460648"/>
-          </a:xfrm>
-        </p:spPr>
-        <p:txBody>
-          <a:bodyPr/>
-          <a:lstStyle/>
-          <a:p>
-            <a:r>
-              <a:rPr lang="it-CH" sz="2800" dirty="0"/>
-              <a:t>Classe </a:t>
-            </a:r>
-            <a:r>
-              <a:rPr lang="it-IT" sz="2800" dirty="0" err="1"/>
-              <a:t>CommandManager</a:t>
-            </a:r>
-            <a:r>
-              <a:rPr lang="it-IT" sz="2800" dirty="0"/>
-              <a:t> </a:t>
-            </a:r>
-            <a:endParaRPr lang="it-CH" sz="2800" dirty="0"/>
-          </a:p>
-        </p:txBody>
-      </p:sp>
-      <p:sp>
-        <p:nvSpPr>
-          <p:cNvPr id="4" name="Segnaposto contenuto 3">
-            <a:extLst>
-              <a:ext uri="{FF2B5EF4-FFF2-40B4-BE49-F238E27FC236}">
-                <a16:creationId xmlns:a16="http://schemas.microsoft.com/office/drawing/2014/main" id="{13544A92-8328-4004-96C8-B60363828F13}"/>
-              </a:ext>
-            </a:extLst>
-          </p:cNvPr>
-          <p:cNvSpPr>
-            <a:spLocks noGrp="1"/>
-          </p:cNvSpPr>
-          <p:nvPr>
-            <p:ph idx="10"/>
-          </p:nvPr>
-        </p:nvSpPr>
-        <p:spPr>
-          <a:xfrm>
-            <a:off x="1990056" y="1664245"/>
-            <a:ext cx="6912768" cy="2995737"/>
-          </a:xfrm>
-        </p:spPr>
-        <p:txBody>
-          <a:bodyPr/>
-          <a:lstStyle/>
-          <a:p>
-            <a:pPr marL="285750" indent="-285750">
-              <a:lnSpc>
-                <a:spcPct val="200000"/>
-              </a:lnSpc>
-              <a:buFont typeface="Arial" panose="020B0604020202020204" pitchFamily="34" charset="0"/>
-              <a:buChar char="•"/>
-            </a:pPr>
-            <a:r>
-              <a:rPr lang="it-CH" sz="2000" dirty="0"/>
-              <a:t>Invio </a:t>
-            </a:r>
-            <a:r>
-              <a:rPr lang="it-CH" sz="2000" dirty="0">
-                <a:solidFill>
-                  <a:schemeClr val="tx1"/>
-                </a:solidFill>
-                <a:latin typeface="+mn-lt"/>
-                <a:cs typeface="+mn-cs"/>
-              </a:rPr>
-              <a:t>comandi </a:t>
-            </a:r>
-            <a:r>
-              <a:rPr lang="it-CH" sz="2000" dirty="0">
-                <a:solidFill>
-                  <a:schemeClr val="tx1"/>
-                </a:solidFill>
-                <a:latin typeface="+mn-lt"/>
-                <a:cs typeface="+mn-cs"/>
-                <a:sym typeface="Wingdings" panose="05000000000000000000" pitchFamily="2" charset="2"/>
-              </a:rPr>
-              <a:t> TCP </a:t>
-            </a:r>
-            <a:r>
-              <a:rPr lang="it-CH" sz="2000" dirty="0" err="1">
-                <a:solidFill>
-                  <a:schemeClr val="tx1"/>
-                </a:solidFill>
-                <a:latin typeface="+mn-lt"/>
-                <a:cs typeface="+mn-cs"/>
-                <a:sym typeface="Wingdings" panose="05000000000000000000" pitchFamily="2" charset="2"/>
-              </a:rPr>
-              <a:t>Socket</a:t>
-            </a:r>
-            <a:endParaRPr lang="it-CH" sz="2000" dirty="0">
-              <a:solidFill>
-                <a:schemeClr val="tx1"/>
-              </a:solidFill>
-              <a:latin typeface="+mn-lt"/>
-              <a:cs typeface="+mn-cs"/>
-              <a:sym typeface="Wingdings" panose="05000000000000000000" pitchFamily="2" charset="2"/>
-            </a:endParaRPr>
-          </a:p>
-          <a:p>
-            <a:pPr marL="285750" indent="-285750">
-              <a:lnSpc>
-                <a:spcPct val="200000"/>
-              </a:lnSpc>
-              <a:buFont typeface="Arial" panose="020B0604020202020204" pitchFamily="34" charset="0"/>
-              <a:buChar char="•"/>
-            </a:pPr>
-            <a:r>
-              <a:rPr lang="it-CH" sz="2000" dirty="0">
-                <a:solidFill>
-                  <a:schemeClr val="tx1"/>
-                </a:solidFill>
-                <a:latin typeface="+mn-lt"/>
-                <a:cs typeface="+mn-cs"/>
-                <a:sym typeface="Wingdings" panose="05000000000000000000" pitchFamily="2" charset="2"/>
-              </a:rPr>
-              <a:t>Utilizzato da:</a:t>
-            </a:r>
-          </a:p>
-          <a:p>
-            <a:pPr marL="1028700" lvl="1">
-              <a:lnSpc>
-                <a:spcPct val="200000"/>
-              </a:lnSpc>
-              <a:buFont typeface="Arial" panose="020B0604020202020204" pitchFamily="34" charset="0"/>
-              <a:buChar char="•"/>
-            </a:pPr>
-            <a:r>
-              <a:rPr lang="it-CH" sz="2000" dirty="0" err="1">
-                <a:sym typeface="Wingdings" panose="05000000000000000000" pitchFamily="2" charset="2"/>
-              </a:rPr>
-              <a:t>DroneController</a:t>
-            </a:r>
-            <a:endParaRPr lang="it-CH" sz="2000" dirty="0">
-              <a:sym typeface="Wingdings" panose="05000000000000000000" pitchFamily="2" charset="2"/>
-            </a:endParaRPr>
-          </a:p>
-          <a:p>
-            <a:pPr marL="1028700" lvl="1">
-              <a:lnSpc>
-                <a:spcPct val="200000"/>
-              </a:lnSpc>
-              <a:buFont typeface="Arial" panose="020B0604020202020204" pitchFamily="34" charset="0"/>
-              <a:buChar char="•"/>
-            </a:pPr>
-            <a:r>
-              <a:rPr lang="it-CH" sz="2000" dirty="0" err="1">
-                <a:sym typeface="Wingdings" panose="05000000000000000000" pitchFamily="2" charset="2"/>
-              </a:rPr>
-              <a:t>DroneControllerMonitor</a:t>
-            </a:r>
-            <a:endParaRPr lang="it-CH" sz="2000" dirty="0">
-              <a:sym typeface="Wingdings" panose="05000000000000000000" pitchFamily="2" charset="2"/>
-            </a:endParaRPr>
-          </a:p>
-        </p:txBody>
-      </p:sp>
-    </p:spTree>
-    <p:extLst>
-      <p:ext uri="{BB962C8B-B14F-4D97-AF65-F5344CB8AC3E}">
-        <p14:creationId xmlns:p14="http://schemas.microsoft.com/office/powerpoint/2010/main" val="3679172245"/>
-      </p:ext>
-    </p:extLst>
-  </p:cSld>
-  <p:clrMapOvr>
-    <a:masterClrMapping/>
-  </p:clrMapOvr>
-  <mc:AlternateContent xmlns:mc="http://schemas.openxmlformats.org/markup-compatibility/2006" xmlns:p159="http://schemas.microsoft.com/office/powerpoint/2015/09/main">
-    <mc:Choice Requires="p159">
-      <p:transition xmlns:p14="http://schemas.microsoft.com/office/powerpoint/2010/main" spd="slow" p14:dur="2000">
-        <p159:morph option="byWord"/>
-      </p:transition>
-    </mc:Choice>
-    <mc:Fallback xmlns="">
-      <p:transition spd="slow">
-        <p:fade/>
-      </p:transition>
-    </mc:Fallback>
-  </mc:AlternateContent>
-</p:sld>
-</file>
-
-<file path=ppt/slides/slide28.xml><?xml version="1.0" encoding="utf-8"?>
-<p:sld xmlns:a="http://schemas.openxmlformats.org/drawingml/2006/main" xmlns:r="http://schemas.openxmlformats.org/officeDocument/2006/relationships" xmlns:p="http://schemas.openxmlformats.org/presentationml/2006/main">
-  <p:cSld>
-    <p:bg>
-      <p:bgPr>
-        <a:solidFill>
-          <a:schemeClr val="tx1">
-            <a:lumMod val="85000"/>
-            <a:lumOff val="15000"/>
-          </a:schemeClr>
-        </a:solidFill>
-        <a:effectLst/>
-      </p:bgPr>
-    </p:bg>
-    <p:spTree>
-      <p:nvGrpSpPr>
-        <p:cNvPr id="1" name=""/>
-        <p:cNvGrpSpPr/>
-        <p:nvPr/>
-      </p:nvGrpSpPr>
-      <p:grpSpPr>
-        <a:xfrm>
-          <a:off x="0" y="0"/>
-          <a:ext cx="0" cy="0"/>
-          <a:chOff x="0" y="0"/>
-          <a:chExt cx="0" cy="0"/>
-        </a:xfrm>
-      </p:grpSpPr>
-      <p:pic>
-        <p:nvPicPr>
-          <p:cNvPr id="4" name="Immagine 3">
-            <a:extLst>
-              <a:ext uri="{FF2B5EF4-FFF2-40B4-BE49-F238E27FC236}">
-                <a16:creationId xmlns:a16="http://schemas.microsoft.com/office/drawing/2014/main" id="{D11CCAD3-0A5B-433F-9423-1A4299050201}"/>
-              </a:ext>
-            </a:extLst>
-          </p:cNvPr>
-          <p:cNvPicPr>
-            <a:picLocks noChangeAspect="1"/>
-          </p:cNvPicPr>
-          <p:nvPr/>
-        </p:nvPicPr>
-        <p:blipFill>
-          <a:blip r:embed="rId3"/>
-          <a:stretch>
-            <a:fillRect/>
-          </a:stretch>
-        </p:blipFill>
-        <p:spPr>
-          <a:xfrm>
-            <a:off x="1763688" y="0"/>
-            <a:ext cx="5143500" cy="5143500"/>
-          </a:xfrm>
-          <a:prstGeom prst="rect">
-            <a:avLst/>
-          </a:prstGeom>
-        </p:spPr>
-      </p:pic>
-    </p:spTree>
-    <p:extLst>
-      <p:ext uri="{BB962C8B-B14F-4D97-AF65-F5344CB8AC3E}">
-        <p14:creationId xmlns:p14="http://schemas.microsoft.com/office/powerpoint/2010/main" val="508207524"/>
-      </p:ext>
-    </p:extLst>
-  </p:cSld>
-  <p:clrMapOvr>
-    <a:masterClrMapping/>
-  </p:clrMapOvr>
-</p:sld>
-</file>
-
-<file path=ppt/slides/slide29.xml><?xml version="1.0" encoding="utf-8"?>
-<p:sld xmlns:a="http://schemas.openxmlformats.org/drawingml/2006/main" xmlns:r="http://schemas.openxmlformats.org/officeDocument/2006/relationships" xmlns:p="http://schemas.openxmlformats.org/presentationml/2006/main">
-  <p:cSld>
-    <p:spTree>
-      <p:nvGrpSpPr>
-        <p:cNvPr id="1" name=""/>
-        <p:cNvGrpSpPr/>
-        <p:nvPr/>
-      </p:nvGrpSpPr>
-      <p:grpSpPr>
-        <a:xfrm>
-          <a:off x="0" y="0"/>
-          <a:ext cx="0" cy="0"/>
-          <a:chOff x="0" y="0"/>
-          <a:chExt cx="0" cy="0"/>
-        </a:xfrm>
-      </p:grpSpPr>
-      <p:sp>
-        <p:nvSpPr>
-          <p:cNvPr id="2" name="Titolo 1">
-            <a:extLst>
-              <a:ext uri="{FF2B5EF4-FFF2-40B4-BE49-F238E27FC236}">
-                <a16:creationId xmlns:a16="http://schemas.microsoft.com/office/drawing/2014/main" id="{1C9728DE-DCC3-47F3-A9A7-4840BBF3A649}"/>
-              </a:ext>
-            </a:extLst>
-          </p:cNvPr>
-          <p:cNvSpPr>
-            <a:spLocks noGrp="1"/>
-          </p:cNvSpPr>
-          <p:nvPr>
-            <p:ph type="title"/>
-          </p:nvPr>
-        </p:nvSpPr>
-        <p:spPr/>
-        <p:txBody>
-          <a:bodyPr/>
-          <a:lstStyle/>
-          <a:p>
-            <a:r>
-              <a:rPr lang="it-CH" dirty="0" err="1"/>
-              <a:t>DroneController</a:t>
-            </a:r>
-            <a:endParaRPr lang="it-CH" dirty="0"/>
-          </a:p>
-        </p:txBody>
-      </p:sp>
-      <p:sp>
-        <p:nvSpPr>
-          <p:cNvPr id="3" name="Segnaposto contenuto 2">
-            <a:extLst>
-              <a:ext uri="{FF2B5EF4-FFF2-40B4-BE49-F238E27FC236}">
-                <a16:creationId xmlns:a16="http://schemas.microsoft.com/office/drawing/2014/main" id="{A9782E92-4646-4216-BC0B-9AFBD5130E30}"/>
-              </a:ext>
-            </a:extLst>
-          </p:cNvPr>
-          <p:cNvSpPr>
-            <a:spLocks noGrp="1"/>
-          </p:cNvSpPr>
-          <p:nvPr>
-            <p:ph idx="1"/>
-          </p:nvPr>
-        </p:nvSpPr>
-        <p:spPr>
-          <a:xfrm>
-            <a:off x="2000747" y="884466"/>
-            <a:ext cx="6912768" cy="460648"/>
-          </a:xfrm>
-        </p:spPr>
-        <p:txBody>
-          <a:bodyPr/>
-          <a:lstStyle/>
-          <a:p>
-            <a:r>
-              <a:rPr lang="it-CH" sz="2800" dirty="0"/>
-              <a:t>Classe </a:t>
-            </a:r>
-            <a:r>
-              <a:rPr lang="it-CH" sz="2800" dirty="0" err="1"/>
-              <a:t>FlightRecorder</a:t>
-            </a:r>
-            <a:r>
-              <a:rPr lang="it-IT" sz="2800" dirty="0"/>
-              <a:t> </a:t>
-            </a:r>
-            <a:endParaRPr lang="it-CH" sz="2800" dirty="0"/>
-          </a:p>
-        </p:txBody>
-      </p:sp>
-      <p:sp>
-        <p:nvSpPr>
-          <p:cNvPr id="4" name="Segnaposto contenuto 3">
-            <a:extLst>
-              <a:ext uri="{FF2B5EF4-FFF2-40B4-BE49-F238E27FC236}">
-                <a16:creationId xmlns:a16="http://schemas.microsoft.com/office/drawing/2014/main" id="{13544A92-8328-4004-96C8-B60363828F13}"/>
-              </a:ext>
-            </a:extLst>
-          </p:cNvPr>
-          <p:cNvSpPr>
-            <a:spLocks noGrp="1"/>
-          </p:cNvSpPr>
-          <p:nvPr>
-            <p:ph idx="10"/>
-          </p:nvPr>
-        </p:nvSpPr>
-        <p:spPr>
-          <a:xfrm>
-            <a:off x="1990056" y="1664245"/>
-            <a:ext cx="6912768" cy="2995737"/>
-          </a:xfrm>
-        </p:spPr>
-        <p:txBody>
-          <a:bodyPr/>
-          <a:lstStyle/>
-          <a:p>
-            <a:pPr marL="285750" indent="-285750">
-              <a:lnSpc>
-                <a:spcPct val="250000"/>
-              </a:lnSpc>
-              <a:buFont typeface="Arial" panose="020B0604020202020204" pitchFamily="34" charset="0"/>
-              <a:buChar char="•"/>
-            </a:pPr>
-            <a:r>
-              <a:rPr lang="it-CH" sz="2000" dirty="0">
-                <a:sym typeface="Wingdings" panose="05000000000000000000" pitchFamily="2" charset="2"/>
-              </a:rPr>
-              <a:t>Utilizza </a:t>
-            </a:r>
-            <a:r>
-              <a:rPr lang="it-CH" sz="2000" dirty="0" err="1">
-                <a:sym typeface="Wingdings" panose="05000000000000000000" pitchFamily="2" charset="2"/>
-              </a:rPr>
-              <a:t>CommandBuffer</a:t>
-            </a:r>
-            <a:r>
-              <a:rPr lang="it-CH" sz="2000" dirty="0">
-                <a:sym typeface="Wingdings" panose="05000000000000000000" pitchFamily="2" charset="2"/>
-              </a:rPr>
-              <a:t> &amp; </a:t>
-            </a:r>
-            <a:r>
-              <a:rPr lang="it-CH" sz="2000" dirty="0" err="1">
-                <a:sym typeface="Wingdings" panose="05000000000000000000" pitchFamily="2" charset="2"/>
-              </a:rPr>
-              <a:t>CommandRecord</a:t>
-            </a:r>
-            <a:endParaRPr lang="it-CH" sz="2000" dirty="0">
-              <a:sym typeface="Wingdings" panose="05000000000000000000" pitchFamily="2" charset="2"/>
-            </a:endParaRPr>
-          </a:p>
-          <a:p>
-            <a:pPr marL="285750" indent="-285750">
-              <a:lnSpc>
-                <a:spcPct val="250000"/>
-              </a:lnSpc>
-              <a:buFont typeface="Arial" panose="020B0604020202020204" pitchFamily="34" charset="0"/>
-              <a:buChar char="•"/>
-            </a:pPr>
-            <a:r>
-              <a:rPr lang="it-CH" sz="2000" dirty="0">
-                <a:sym typeface="Wingdings" panose="05000000000000000000" pitchFamily="2" charset="2"/>
-              </a:rPr>
-              <a:t>Genera &amp; Salva la registrazione</a:t>
-            </a:r>
-          </a:p>
-        </p:txBody>
-      </p:sp>
-    </p:spTree>
-    <p:extLst>
-      <p:ext uri="{BB962C8B-B14F-4D97-AF65-F5344CB8AC3E}">
-        <p14:creationId xmlns:p14="http://schemas.microsoft.com/office/powerpoint/2010/main" val="4176927173"/>
-      </p:ext>
-    </p:extLst>
-  </p:cSld>
-  <p:clrMapOvr>
-    <a:masterClrMapping/>
-  </p:clrMapOvr>
-  <mc:AlternateContent xmlns:mc="http://schemas.openxmlformats.org/markup-compatibility/2006" xmlns:p159="http://schemas.microsoft.com/office/powerpoint/2015/09/main">
-    <mc:Choice Requires="p159">
-      <p:transition xmlns:p14="http://schemas.microsoft.com/office/powerpoint/2010/main" spd="slow" p14:dur="2000">
-        <p159:morph option="byWord"/>
-      </p:transition>
-    </mc:Choice>
-    <mc:Fallback xmlns="">
-      <p:transition spd="slow">
-        <p:fade/>
-      </p:transition>
-    </mc:Fallback>
-  </mc:AlternateContent>
-</p:sld>
-</file>
-
-<file path=ppt/slides/slide3.xml><?xml version="1.0" encoding="utf-8"?>
-<p:sld xmlns:a="http://schemas.openxmlformats.org/drawingml/2006/main" xmlns:r="http://schemas.openxmlformats.org/officeDocument/2006/relationships" xmlns:p="http://schemas.openxmlformats.org/presentationml/2006/main">
-  <p:cSld>
-    <p:spTree>
-      <p:nvGrpSpPr>
-        <p:cNvPr id="1" name=""/>
-        <p:cNvGrpSpPr/>
-        <p:nvPr/>
-      </p:nvGrpSpPr>
-      <p:grpSpPr>
-        <a:xfrm>
-          <a:off x="0" y="0"/>
-          <a:ext cx="0" cy="0"/>
-          <a:chOff x="0" y="0"/>
-          <a:chExt cx="0" cy="0"/>
-        </a:xfrm>
-      </p:grpSpPr>
-      <p:sp>
-        <p:nvSpPr>
-          <p:cNvPr id="2" name="Titolo 1">
-            <a:extLst>
-              <a:ext uri="{FF2B5EF4-FFF2-40B4-BE49-F238E27FC236}">
-                <a16:creationId xmlns:a16="http://schemas.microsoft.com/office/drawing/2014/main" id="{1F4EF76E-72FB-49D5-9299-592E62BF06B2}"/>
-              </a:ext>
-            </a:extLst>
-          </p:cNvPr>
-          <p:cNvSpPr>
-            <a:spLocks noGrp="1"/>
-          </p:cNvSpPr>
-          <p:nvPr>
-            <p:ph type="title"/>
-          </p:nvPr>
-        </p:nvSpPr>
-        <p:spPr/>
-        <p:txBody>
-          <a:bodyPr/>
-          <a:lstStyle/>
-          <a:p>
-            <a:r>
-              <a:rPr lang="it-CH" dirty="0"/>
-              <a:t>CHI SIAMO</a:t>
-            </a:r>
-          </a:p>
-        </p:txBody>
-      </p:sp>
-      <p:sp>
-        <p:nvSpPr>
-          <p:cNvPr id="4" name="Segnaposto contenuto 3">
-            <a:extLst>
-              <a:ext uri="{FF2B5EF4-FFF2-40B4-BE49-F238E27FC236}">
-                <a16:creationId xmlns:a16="http://schemas.microsoft.com/office/drawing/2014/main" id="{FB91016C-8169-45ED-B54B-B80E87645789}"/>
-              </a:ext>
-            </a:extLst>
-          </p:cNvPr>
-          <p:cNvSpPr>
-            <a:spLocks noGrp="1"/>
-          </p:cNvSpPr>
-          <p:nvPr>
-            <p:ph idx="10"/>
-          </p:nvPr>
-        </p:nvSpPr>
-        <p:spPr>
-          <a:xfrm>
-            <a:off x="405880" y="884467"/>
-            <a:ext cx="8496944" cy="3775516"/>
-          </a:xfrm>
-        </p:spPr>
-        <p:txBody>
-          <a:bodyPr/>
-          <a:lstStyle/>
-          <a:p>
-            <a:pPr marL="628650" indent="-342900">
-              <a:buFont typeface="Arial" panose="020B0604020202020204" pitchFamily="34" charset="0"/>
-              <a:buChar char="•"/>
-            </a:pPr>
-            <a:r>
-              <a:rPr lang="it-CH" sz="3200" dirty="0" err="1"/>
-              <a:t>Jari</a:t>
-            </a:r>
-            <a:r>
-              <a:rPr lang="it-CH" sz="3200" dirty="0"/>
-              <a:t> </a:t>
-            </a:r>
-            <a:r>
-              <a:rPr lang="it-CH" sz="3200" dirty="0" err="1"/>
-              <a:t>Näser</a:t>
-            </a:r>
-            <a:endParaRPr lang="it-CH" sz="3200" dirty="0"/>
-          </a:p>
-          <a:p>
-            <a:pPr marL="1371600" lvl="1" indent="-342900">
-              <a:buFont typeface="Arial" panose="020B0604020202020204" pitchFamily="34" charset="0"/>
-              <a:buChar char="•"/>
-            </a:pPr>
-            <a:r>
-              <a:rPr lang="it-CH" sz="3800" dirty="0">
-                <a:hlinkClick r:id="rId3"/>
-              </a:rPr>
-              <a:t>jari.naeser@samtrevano.ch</a:t>
-            </a:r>
-            <a:endParaRPr lang="it-CH" sz="3800" dirty="0"/>
-          </a:p>
-          <a:p>
-            <a:pPr marL="1371600" lvl="1" indent="-342900">
-              <a:buFont typeface="Arial" panose="020B0604020202020204" pitchFamily="34" charset="0"/>
-              <a:buChar char="•"/>
-            </a:pPr>
-            <a:endParaRPr lang="it-CH" sz="3800" dirty="0"/>
-          </a:p>
-          <a:p>
-            <a:pPr marL="628650" indent="-342900">
-              <a:buFont typeface="Arial" panose="020B0604020202020204" pitchFamily="34" charset="0"/>
-              <a:buChar char="•"/>
-            </a:pPr>
-            <a:r>
-              <a:rPr lang="it-CH" sz="3600" dirty="0"/>
-              <a:t>Andrea </a:t>
-            </a:r>
-            <a:r>
-              <a:rPr lang="it-CH" sz="3600" dirty="0" err="1"/>
-              <a:t>Rauso</a:t>
-            </a:r>
-            <a:endParaRPr lang="it-CH" sz="3600" dirty="0"/>
-          </a:p>
-          <a:p>
-            <a:pPr marL="1371600" lvl="1" indent="-342900">
-              <a:buFont typeface="Arial" panose="020B0604020202020204" pitchFamily="34" charset="0"/>
-              <a:buChar char="•"/>
-            </a:pPr>
-            <a:r>
-              <a:rPr lang="it-CH" sz="3600" dirty="0">
-                <a:hlinkClick r:id="rId4"/>
-              </a:rPr>
-              <a:t>andrea.rauso@samtrevano.ch</a:t>
-            </a:r>
-            <a:endParaRPr lang="it-CH" sz="3600" dirty="0"/>
-          </a:p>
-        </p:txBody>
-      </p:sp>
-    </p:spTree>
-    <p:extLst>
-      <p:ext uri="{BB962C8B-B14F-4D97-AF65-F5344CB8AC3E}">
-        <p14:creationId xmlns:p14="http://schemas.microsoft.com/office/powerpoint/2010/main" val="790960300"/>
-      </p:ext>
-    </p:extLst>
-  </p:cSld>
-  <p:clrMapOvr>
-    <a:masterClrMapping/>
-  </p:clrMapOvr>
-  <mc:AlternateContent xmlns:mc="http://schemas.openxmlformats.org/markup-compatibility/2006" xmlns:p159="http://schemas.microsoft.com/office/powerpoint/2015/09/main">
-    <mc:Choice Requires="p159">
-      <p:transition xmlns:p14="http://schemas.microsoft.com/office/powerpoint/2010/main" spd="slow" p14:dur="2000">
-        <p159:morph option="byWord"/>
-      </p:transition>
-    </mc:Choice>
-    <mc:Fallback xmlns="">
-      <p:transition spd="slow">
-        <p:fade/>
-      </p:transition>
-    </mc:Fallback>
-  </mc:AlternateContent>
-</p:sld>
-</file>
-
-<file path=ppt/slides/slide30.xml><?xml version="1.0" encoding="utf-8"?>
-<p:sld xmlns:a="http://schemas.openxmlformats.org/drawingml/2006/main" xmlns:r="http://schemas.openxmlformats.org/officeDocument/2006/relationships" xmlns:p="http://schemas.openxmlformats.org/presentationml/2006/main">
-  <p:cSld>
-    <p:spTree>
-      <p:nvGrpSpPr>
-        <p:cNvPr id="1" name=""/>
-        <p:cNvGrpSpPr/>
-        <p:nvPr/>
-      </p:nvGrpSpPr>
-      <p:grpSpPr>
-        <a:xfrm>
-          <a:off x="0" y="0"/>
-          <a:ext cx="0" cy="0"/>
-          <a:chOff x="0" y="0"/>
-          <a:chExt cx="0" cy="0"/>
-        </a:xfrm>
-      </p:grpSpPr>
-      <p:sp>
-        <p:nvSpPr>
-          <p:cNvPr id="2" name="Titolo 1">
-            <a:extLst>
-              <a:ext uri="{FF2B5EF4-FFF2-40B4-BE49-F238E27FC236}">
-                <a16:creationId xmlns:a16="http://schemas.microsoft.com/office/drawing/2014/main" id="{1C9728DE-DCC3-47F3-A9A7-4840BBF3A649}"/>
-              </a:ext>
-            </a:extLst>
-          </p:cNvPr>
-          <p:cNvSpPr>
-            <a:spLocks noGrp="1"/>
-          </p:cNvSpPr>
-          <p:nvPr>
-            <p:ph type="title"/>
-          </p:nvPr>
-        </p:nvSpPr>
-        <p:spPr/>
-        <p:txBody>
-          <a:bodyPr/>
-          <a:lstStyle/>
-          <a:p>
-            <a:r>
-              <a:rPr lang="it-CH" dirty="0" err="1"/>
-              <a:t>DroneSimulator</a:t>
-            </a:r>
-            <a:endParaRPr lang="it-CH" dirty="0"/>
-          </a:p>
-        </p:txBody>
-      </p:sp>
-      <p:sp>
-        <p:nvSpPr>
-          <p:cNvPr id="3" name="Segnaposto contenuto 2">
-            <a:extLst>
-              <a:ext uri="{FF2B5EF4-FFF2-40B4-BE49-F238E27FC236}">
-                <a16:creationId xmlns:a16="http://schemas.microsoft.com/office/drawing/2014/main" id="{A9782E92-4646-4216-BC0B-9AFBD5130E30}"/>
-              </a:ext>
-            </a:extLst>
-          </p:cNvPr>
-          <p:cNvSpPr>
-            <a:spLocks noGrp="1"/>
-          </p:cNvSpPr>
-          <p:nvPr>
-            <p:ph idx="1"/>
-          </p:nvPr>
-        </p:nvSpPr>
-        <p:spPr>
-          <a:xfrm>
-            <a:off x="2000747" y="884466"/>
-            <a:ext cx="6912768" cy="460648"/>
-          </a:xfrm>
-        </p:spPr>
-        <p:txBody>
-          <a:bodyPr/>
-          <a:lstStyle/>
-          <a:p>
-            <a:r>
-              <a:rPr lang="it-CH" sz="2800" dirty="0"/>
-              <a:t>Classe Simulator</a:t>
-            </a:r>
-            <a:r>
-              <a:rPr lang="it-IT" sz="2800" dirty="0"/>
-              <a:t> </a:t>
-            </a:r>
-            <a:endParaRPr lang="it-CH" sz="2800" dirty="0"/>
-          </a:p>
-        </p:txBody>
-      </p:sp>
-      <p:sp>
-        <p:nvSpPr>
-          <p:cNvPr id="4" name="Segnaposto contenuto 3">
-            <a:extLst>
-              <a:ext uri="{FF2B5EF4-FFF2-40B4-BE49-F238E27FC236}">
-                <a16:creationId xmlns:a16="http://schemas.microsoft.com/office/drawing/2014/main" id="{13544A92-8328-4004-96C8-B60363828F13}"/>
-              </a:ext>
-            </a:extLst>
-          </p:cNvPr>
-          <p:cNvSpPr>
-            <a:spLocks noGrp="1"/>
-          </p:cNvSpPr>
-          <p:nvPr>
-            <p:ph idx="10"/>
-          </p:nvPr>
-        </p:nvSpPr>
-        <p:spPr>
-          <a:xfrm>
-            <a:off x="1990056" y="1664245"/>
-            <a:ext cx="6912768" cy="2995737"/>
-          </a:xfrm>
-        </p:spPr>
-        <p:txBody>
-          <a:bodyPr/>
-          <a:lstStyle/>
-          <a:p>
-            <a:pPr marL="285750" indent="-285750">
-              <a:lnSpc>
-                <a:spcPct val="300000"/>
-              </a:lnSpc>
-              <a:buFont typeface="Arial" panose="020B0604020202020204" pitchFamily="34" charset="0"/>
-              <a:buChar char="•"/>
-            </a:pPr>
-            <a:r>
-              <a:rPr lang="it-CH" sz="2000" dirty="0">
-                <a:sym typeface="Wingdings" panose="05000000000000000000" pitchFamily="2" charset="2"/>
-              </a:rPr>
-              <a:t>Riceve comandi  </a:t>
-            </a:r>
-            <a:r>
-              <a:rPr lang="it-CH" sz="2000" dirty="0" err="1">
-                <a:sym typeface="Wingdings" panose="05000000000000000000" pitchFamily="2" charset="2"/>
-              </a:rPr>
-              <a:t>Socket</a:t>
-            </a:r>
-            <a:endParaRPr lang="it-CH" sz="2000" dirty="0">
-              <a:sym typeface="Wingdings" panose="05000000000000000000" pitchFamily="2" charset="2"/>
-            </a:endParaRPr>
-          </a:p>
-          <a:p>
-            <a:pPr marL="285750" indent="-285750">
-              <a:lnSpc>
-                <a:spcPct val="300000"/>
-              </a:lnSpc>
-              <a:buFont typeface="Arial" panose="020B0604020202020204" pitchFamily="34" charset="0"/>
-              <a:buChar char="•"/>
-            </a:pPr>
-            <a:r>
-              <a:rPr lang="it-CH" sz="2000" dirty="0">
-                <a:sym typeface="Wingdings" panose="05000000000000000000" pitchFamily="2" charset="2"/>
-              </a:rPr>
-              <a:t>Inoltro comandi  </a:t>
-            </a:r>
-            <a:r>
-              <a:rPr lang="it-CH" sz="2000" dirty="0" err="1">
-                <a:sym typeface="Wingdings" panose="05000000000000000000" pitchFamily="2" charset="2"/>
-              </a:rPr>
-              <a:t>CommandReader</a:t>
-            </a:r>
-            <a:endParaRPr lang="it-CH" sz="2000" dirty="0">
-              <a:sym typeface="Wingdings" panose="05000000000000000000" pitchFamily="2" charset="2"/>
-            </a:endParaRPr>
-          </a:p>
-        </p:txBody>
-      </p:sp>
-    </p:spTree>
-    <p:extLst>
-      <p:ext uri="{BB962C8B-B14F-4D97-AF65-F5344CB8AC3E}">
-        <p14:creationId xmlns:p14="http://schemas.microsoft.com/office/powerpoint/2010/main" val="2078199158"/>
-      </p:ext>
-    </p:extLst>
-  </p:cSld>
-  <p:clrMapOvr>
-    <a:masterClrMapping/>
-  </p:clrMapOvr>
-  <mc:AlternateContent xmlns:mc="http://schemas.openxmlformats.org/markup-compatibility/2006" xmlns:p159="http://schemas.microsoft.com/office/powerpoint/2015/09/main">
-    <mc:Choice Requires="p159">
-      <p:transition xmlns:p14="http://schemas.microsoft.com/office/powerpoint/2010/main" spd="slow" p14:dur="2000">
-        <p159:morph option="byWord"/>
-      </p:transition>
-    </mc:Choice>
-    <mc:Fallback xmlns="">
-      <p:transition spd="slow">
-        <p:fade/>
-      </p:transition>
-    </mc:Fallback>
-  </mc:AlternateContent>
-</p:sld>
-</file>
-
-<file path=ppt/slides/slide31.xml><?xml version="1.0" encoding="utf-8"?>
-<p:sld xmlns:a="http://schemas.openxmlformats.org/drawingml/2006/main" xmlns:r="http://schemas.openxmlformats.org/officeDocument/2006/relationships" xmlns:p="http://schemas.openxmlformats.org/presentationml/2006/main">
-  <p:cSld>
-    <p:spTree>
-      <p:nvGrpSpPr>
-        <p:cNvPr id="1" name=""/>
-        <p:cNvGrpSpPr/>
-        <p:nvPr/>
-      </p:nvGrpSpPr>
-      <p:grpSpPr>
-        <a:xfrm>
-          <a:off x="0" y="0"/>
-          <a:ext cx="0" cy="0"/>
-          <a:chOff x="0" y="0"/>
-          <a:chExt cx="0" cy="0"/>
-        </a:xfrm>
-      </p:grpSpPr>
-      <p:sp>
-        <p:nvSpPr>
-          <p:cNvPr id="2" name="Titolo 1">
-            <a:extLst>
-              <a:ext uri="{FF2B5EF4-FFF2-40B4-BE49-F238E27FC236}">
-                <a16:creationId xmlns:a16="http://schemas.microsoft.com/office/drawing/2014/main" id="{1C9728DE-DCC3-47F3-A9A7-4840BBF3A649}"/>
-              </a:ext>
-            </a:extLst>
-          </p:cNvPr>
-          <p:cNvSpPr>
-            <a:spLocks noGrp="1"/>
-          </p:cNvSpPr>
-          <p:nvPr>
-            <p:ph type="title"/>
-          </p:nvPr>
-        </p:nvSpPr>
-        <p:spPr/>
-        <p:txBody>
-          <a:bodyPr/>
-          <a:lstStyle/>
-          <a:p>
-            <a:r>
-              <a:rPr lang="it-CH" dirty="0" err="1"/>
-              <a:t>DroneSimulator</a:t>
-            </a:r>
-            <a:endParaRPr lang="it-CH" dirty="0"/>
-          </a:p>
-        </p:txBody>
-      </p:sp>
-      <p:sp>
-        <p:nvSpPr>
-          <p:cNvPr id="3" name="Segnaposto contenuto 2">
-            <a:extLst>
-              <a:ext uri="{FF2B5EF4-FFF2-40B4-BE49-F238E27FC236}">
-                <a16:creationId xmlns:a16="http://schemas.microsoft.com/office/drawing/2014/main" id="{A9782E92-4646-4216-BC0B-9AFBD5130E30}"/>
-              </a:ext>
-            </a:extLst>
-          </p:cNvPr>
-          <p:cNvSpPr>
-            <a:spLocks noGrp="1"/>
-          </p:cNvSpPr>
-          <p:nvPr>
-            <p:ph idx="1"/>
-          </p:nvPr>
-        </p:nvSpPr>
-        <p:spPr>
-          <a:xfrm>
-            <a:off x="2000747" y="884466"/>
-            <a:ext cx="6912768" cy="460648"/>
-          </a:xfrm>
-        </p:spPr>
-        <p:txBody>
-          <a:bodyPr/>
-          <a:lstStyle/>
-          <a:p>
-            <a:r>
-              <a:rPr lang="it-CH" sz="2800" dirty="0"/>
-              <a:t>Classe </a:t>
-            </a:r>
-            <a:r>
-              <a:rPr lang="it-CH" sz="2800" dirty="0" err="1"/>
-              <a:t>CommandReader</a:t>
-            </a:r>
-            <a:r>
-              <a:rPr lang="it-IT" sz="2800" dirty="0"/>
-              <a:t> </a:t>
-            </a:r>
-            <a:endParaRPr lang="it-CH" sz="2800" dirty="0"/>
-          </a:p>
-        </p:txBody>
-      </p:sp>
-      <p:sp>
-        <p:nvSpPr>
-          <p:cNvPr id="4" name="Segnaposto contenuto 3">
-            <a:extLst>
-              <a:ext uri="{FF2B5EF4-FFF2-40B4-BE49-F238E27FC236}">
-                <a16:creationId xmlns:a16="http://schemas.microsoft.com/office/drawing/2014/main" id="{13544A92-8328-4004-96C8-B60363828F13}"/>
-              </a:ext>
-            </a:extLst>
-          </p:cNvPr>
-          <p:cNvSpPr>
-            <a:spLocks noGrp="1"/>
-          </p:cNvSpPr>
-          <p:nvPr>
-            <p:ph idx="10"/>
-          </p:nvPr>
-        </p:nvSpPr>
-        <p:spPr>
-          <a:xfrm>
-            <a:off x="1990056" y="1664245"/>
-            <a:ext cx="6912768" cy="2995737"/>
-          </a:xfrm>
-        </p:spPr>
-        <p:txBody>
-          <a:bodyPr/>
-          <a:lstStyle/>
-          <a:p>
-            <a:r>
-              <a:rPr lang="it-IT" sz="2000" dirty="0"/>
-              <a:t>Riceve i comandi dalla classe Simulator.</a:t>
-            </a:r>
-          </a:p>
-          <a:p>
-            <a:endParaRPr lang="it-IT" sz="2000" dirty="0"/>
-          </a:p>
-          <a:p>
-            <a:r>
-              <a:rPr lang="it-IT" sz="2000" dirty="0"/>
-              <a:t>Simula i comandi della SDK di Tello. </a:t>
-            </a:r>
-          </a:p>
-          <a:p>
-            <a:endParaRPr lang="it-IT" sz="2000" dirty="0"/>
-          </a:p>
-          <a:p>
-            <a:r>
-              <a:rPr lang="it-IT" sz="2000" dirty="0"/>
-              <a:t>Aggiorna le variabili contenenti informazioni su</a:t>
-            </a:r>
-            <a:br>
-              <a:rPr lang="it-IT" sz="2000" dirty="0"/>
-            </a:br>
-            <a:r>
-              <a:rPr lang="it-IT" sz="2000" dirty="0"/>
-              <a:t>Posizione e rotazione del drone.</a:t>
-            </a:r>
-          </a:p>
-          <a:p>
-            <a:pPr marL="342900" indent="-342900">
-              <a:buFont typeface="Arial" panose="020B0604020202020204" pitchFamily="34" charset="0"/>
-              <a:buChar char="•"/>
-            </a:pPr>
-            <a:endParaRPr lang="it-IT" sz="2000" dirty="0"/>
-          </a:p>
-        </p:txBody>
-      </p:sp>
-    </p:spTree>
-    <p:extLst>
-      <p:ext uri="{BB962C8B-B14F-4D97-AF65-F5344CB8AC3E}">
-        <p14:creationId xmlns:p14="http://schemas.microsoft.com/office/powerpoint/2010/main" val="422939601"/>
-      </p:ext>
-    </p:extLst>
-  </p:cSld>
-  <p:clrMapOvr>
-    <a:masterClrMapping/>
-  </p:clrMapOvr>
-  <mc:AlternateContent xmlns:mc="http://schemas.openxmlformats.org/markup-compatibility/2006" xmlns:p159="http://schemas.microsoft.com/office/powerpoint/2015/09/main">
-    <mc:Choice Requires="p159">
-      <p:transition xmlns:p14="http://schemas.microsoft.com/office/powerpoint/2010/main" spd="slow" p14:dur="2000">
-        <p159:morph option="byWord"/>
-      </p:transition>
-    </mc:Choice>
-    <mc:Fallback xmlns="">
-      <p:transition spd="slow">
-        <p:fade/>
-      </p:transition>
-    </mc:Fallback>
-  </mc:AlternateContent>
-</p:sld>
-</file>
-
-<file path=ppt/slides/slide32.xml><?xml version="1.0" encoding="utf-8"?>
-<p:sld xmlns:a="http://schemas.openxmlformats.org/drawingml/2006/main" xmlns:r="http://schemas.openxmlformats.org/officeDocument/2006/relationships" xmlns:p="http://schemas.openxmlformats.org/presentationml/2006/main">
-  <p:cSld>
-    <p:spTree>
-      <p:nvGrpSpPr>
-        <p:cNvPr id="1" name=""/>
-        <p:cNvGrpSpPr/>
-        <p:nvPr/>
-      </p:nvGrpSpPr>
-      <p:grpSpPr>
-        <a:xfrm>
-          <a:off x="0" y="0"/>
-          <a:ext cx="0" cy="0"/>
-          <a:chOff x="0" y="0"/>
-          <a:chExt cx="0" cy="0"/>
-        </a:xfrm>
-      </p:grpSpPr>
-      <p:sp>
-        <p:nvSpPr>
-          <p:cNvPr id="2" name="Titolo 1">
-            <a:extLst>
-              <a:ext uri="{FF2B5EF4-FFF2-40B4-BE49-F238E27FC236}">
-                <a16:creationId xmlns:a16="http://schemas.microsoft.com/office/drawing/2014/main" id="{1C9728DE-DCC3-47F3-A9A7-4840BBF3A649}"/>
-              </a:ext>
-            </a:extLst>
-          </p:cNvPr>
-          <p:cNvSpPr>
-            <a:spLocks noGrp="1"/>
-          </p:cNvSpPr>
-          <p:nvPr>
-            <p:ph type="title"/>
-          </p:nvPr>
-        </p:nvSpPr>
-        <p:spPr/>
-        <p:txBody>
-          <a:bodyPr/>
-          <a:lstStyle/>
-          <a:p>
-            <a:r>
-              <a:rPr lang="it-CH" dirty="0" err="1"/>
-              <a:t>DroneSimulator</a:t>
-            </a:r>
-            <a:endParaRPr lang="it-CH" dirty="0"/>
-          </a:p>
-        </p:txBody>
-      </p:sp>
-      <p:sp>
-        <p:nvSpPr>
-          <p:cNvPr id="3" name="Segnaposto contenuto 2">
-            <a:extLst>
-              <a:ext uri="{FF2B5EF4-FFF2-40B4-BE49-F238E27FC236}">
-                <a16:creationId xmlns:a16="http://schemas.microsoft.com/office/drawing/2014/main" id="{A9782E92-4646-4216-BC0B-9AFBD5130E30}"/>
-              </a:ext>
-            </a:extLst>
-          </p:cNvPr>
-          <p:cNvSpPr>
-            <a:spLocks noGrp="1"/>
-          </p:cNvSpPr>
-          <p:nvPr>
-            <p:ph idx="1"/>
-          </p:nvPr>
-        </p:nvSpPr>
-        <p:spPr>
-          <a:xfrm>
-            <a:off x="2000747" y="884466"/>
-            <a:ext cx="6912768" cy="460648"/>
-          </a:xfrm>
-        </p:spPr>
-        <p:txBody>
-          <a:bodyPr/>
-          <a:lstStyle/>
-          <a:p>
-            <a:r>
-              <a:rPr lang="it-CH" sz="2800" dirty="0"/>
-              <a:t>Classe </a:t>
-            </a:r>
-            <a:r>
-              <a:rPr lang="it-IT" sz="2800" dirty="0" err="1"/>
-              <a:t>TelloChartFrame</a:t>
-            </a:r>
-            <a:r>
-              <a:rPr lang="it-IT" sz="2800" dirty="0"/>
-              <a:t> </a:t>
-            </a:r>
-            <a:endParaRPr lang="it-CH" sz="2800" dirty="0"/>
-          </a:p>
-        </p:txBody>
-      </p:sp>
-      <p:sp>
-        <p:nvSpPr>
-          <p:cNvPr id="4" name="Segnaposto contenuto 3">
-            <a:extLst>
-              <a:ext uri="{FF2B5EF4-FFF2-40B4-BE49-F238E27FC236}">
-                <a16:creationId xmlns:a16="http://schemas.microsoft.com/office/drawing/2014/main" id="{13544A92-8328-4004-96C8-B60363828F13}"/>
-              </a:ext>
-            </a:extLst>
-          </p:cNvPr>
-          <p:cNvSpPr>
-            <a:spLocks noGrp="1"/>
-          </p:cNvSpPr>
-          <p:nvPr>
-            <p:ph idx="10"/>
-          </p:nvPr>
-        </p:nvSpPr>
-        <p:spPr>
-          <a:xfrm>
-            <a:off x="1990056" y="1664245"/>
-            <a:ext cx="6912768" cy="2995737"/>
-          </a:xfrm>
-        </p:spPr>
-        <p:txBody>
-          <a:bodyPr/>
-          <a:lstStyle/>
-          <a:p>
-            <a:r>
-              <a:rPr lang="it-IT" sz="2000" dirty="0"/>
-              <a:t>Mostra i dati del drone contenuti nella classe Simulator in un </a:t>
-            </a:r>
-            <a:r>
-              <a:rPr lang="it-IT" sz="2000" dirty="0" err="1"/>
-              <a:t>Jframe</a:t>
-            </a:r>
-            <a:r>
-              <a:rPr lang="it-IT" sz="2000" dirty="0"/>
-              <a:t>.</a:t>
-            </a:r>
-          </a:p>
-          <a:p>
-            <a:endParaRPr lang="it-IT" sz="2000" dirty="0"/>
-          </a:p>
-          <a:p>
-            <a:r>
-              <a:rPr lang="it-IT" sz="2000" dirty="0"/>
-              <a:t>Grafici posizione dall’alto e di profilo e di rotazione.</a:t>
-            </a:r>
-          </a:p>
-          <a:p>
-            <a:endParaRPr lang="it-IT" sz="2000" dirty="0"/>
-          </a:p>
-          <a:p>
-            <a:r>
-              <a:rPr lang="it-IT" sz="2000" dirty="0"/>
-              <a:t>Uso della libreria </a:t>
-            </a:r>
-            <a:r>
-              <a:rPr lang="it-IT" sz="2000" dirty="0" err="1"/>
-              <a:t>JFreeChart</a:t>
-            </a:r>
-            <a:r>
-              <a:rPr lang="it-IT" sz="2000" dirty="0"/>
-              <a:t> per la creazione dei grafici.</a:t>
-            </a:r>
-          </a:p>
-        </p:txBody>
-      </p:sp>
-    </p:spTree>
-    <p:extLst>
-      <p:ext uri="{BB962C8B-B14F-4D97-AF65-F5344CB8AC3E}">
-        <p14:creationId xmlns:p14="http://schemas.microsoft.com/office/powerpoint/2010/main" val="2580388235"/>
-      </p:ext>
-    </p:extLst>
-  </p:cSld>
-  <p:clrMapOvr>
-    <a:masterClrMapping/>
-  </p:clrMapOvr>
-  <mc:AlternateContent xmlns:mc="http://schemas.openxmlformats.org/markup-compatibility/2006" xmlns:p159="http://schemas.microsoft.com/office/powerpoint/2015/09/main">
-    <mc:Choice Requires="p159">
-      <p:transition xmlns:p14="http://schemas.microsoft.com/office/powerpoint/2010/main" spd="slow" p14:dur="2000">
-        <p159:morph option="byWord"/>
-      </p:transition>
-    </mc:Choice>
-    <mc:Fallback xmlns="">
-      <p:transition spd="slow">
-        <p:fade/>
-      </p:transition>
-    </mc:Fallback>
-  </mc:AlternateContent>
-</p:sld>
-</file>
-
-<file path=ppt/slides/slide33.xml><?xml version="1.0" encoding="utf-8"?>
-<p:sld xmlns:a="http://schemas.openxmlformats.org/drawingml/2006/main" xmlns:r="http://schemas.openxmlformats.org/officeDocument/2006/relationships" xmlns:p="http://schemas.openxmlformats.org/presentationml/2006/main">
-  <p:cSld>
-    <p:spTree>
-      <p:nvGrpSpPr>
-        <p:cNvPr id="1" name=""/>
-        <p:cNvGrpSpPr/>
-        <p:nvPr/>
-      </p:nvGrpSpPr>
-      <p:grpSpPr>
-        <a:xfrm>
-          <a:off x="0" y="0"/>
-          <a:ext cx="0" cy="0"/>
-          <a:chOff x="0" y="0"/>
-          <a:chExt cx="0" cy="0"/>
-        </a:xfrm>
-      </p:grpSpPr>
-      <p:sp>
-        <p:nvSpPr>
           <p:cNvPr id="5" name="Titolo 1">
             <a:extLst>
               <a:ext uri="{FF2B5EF4-FFF2-40B4-BE49-F238E27FC236}">
-                <a16:creationId xmlns:a16="http://schemas.microsoft.com/office/drawing/2014/main" id="{292F61BE-0FB3-49B8-B345-CC63DA7985C5}"/>
+                <a16:creationId xmlns:a16="http://schemas.microsoft.com/office/drawing/2014/main" xmlns="" id="{292F61BE-0FB3-49B8-B345-CC63DA7985C5}"/>
               </a:ext>
             </a:extLst>
           </p:cNvPr>
@@ -11520,13 +12469,13 @@
   <p:clrMapOvr>
     <a:masterClrMapping/>
   </p:clrMapOvr>
-  <mc:AlternateContent xmlns:mc="http://schemas.openxmlformats.org/markup-compatibility/2006" xmlns:p159="http://schemas.microsoft.com/office/powerpoint/2015/09/main">
-    <mc:Choice Requires="p159">
+  <mc:AlternateContent xmlns:mc="http://schemas.openxmlformats.org/markup-compatibility/2006">
+    <mc:Choice xmlns:p159="http://schemas.microsoft.com/office/powerpoint/2015/09/main" xmlns="" Requires="p159">
       <p:transition xmlns:p14="http://schemas.microsoft.com/office/powerpoint/2010/main" spd="slow" p14:dur="2000">
         <p159:morph option="byWord"/>
       </p:transition>
     </mc:Choice>
-    <mc:Fallback xmlns="">
+    <mc:Fallback>
       <p:transition spd="slow">
         <p:fade/>
       </p:transition>
@@ -11589,7 +12538,7 @@
           <p:cNvPr id="6" name="Segnaposto contenuto 5">
             <a:extLst>
               <a:ext uri="{FF2B5EF4-FFF2-40B4-BE49-F238E27FC236}">
-                <a16:creationId xmlns:a16="http://schemas.microsoft.com/office/drawing/2014/main" id="{5B6072DA-2CA4-4D2D-9FE3-87C81F48EC48}"/>
+                <a16:creationId xmlns:a16="http://schemas.microsoft.com/office/drawing/2014/main" xmlns="" id="{5B6072DA-2CA4-4D2D-9FE3-87C81F48EC48}"/>
               </a:ext>
             </a:extLst>
           </p:cNvPr>
@@ -11597,7 +12546,7 @@
             <a:spLocks noGrp="1"/>
           </p:cNvSpPr>
           <p:nvPr>
-            <p:ph idx="10"/>
+            <p:ph idx="1"/>
           </p:nvPr>
         </p:nvSpPr>
         <p:spPr>
@@ -11675,13 +12624,13 @@
   <p:clrMapOvr>
     <a:masterClrMapping/>
   </p:clrMapOvr>
-  <mc:AlternateContent xmlns:mc="http://schemas.openxmlformats.org/markup-compatibility/2006" xmlns:p159="http://schemas.microsoft.com/office/powerpoint/2015/09/main">
-    <mc:Choice Requires="p159">
+  <mc:AlternateContent xmlns:mc="http://schemas.openxmlformats.org/markup-compatibility/2006">
+    <mc:Choice xmlns:p159="http://schemas.microsoft.com/office/powerpoint/2015/09/main" xmlns="" Requires="p159">
       <p:transition xmlns:p14="http://schemas.microsoft.com/office/powerpoint/2010/main" spd="slow" p14:dur="2000">
         <p159:morph option="byWord"/>
       </p:transition>
     </mc:Choice>
-    <mc:Fallback xmlns="">
+    <mc:Fallback>
       <p:transition spd="slow">
         <p:fade/>
       </p:transition>
@@ -11712,7 +12661,7 @@
           <p:cNvPr id="2" name="Titolo 1">
             <a:extLst>
               <a:ext uri="{FF2B5EF4-FFF2-40B4-BE49-F238E27FC236}">
-                <a16:creationId xmlns:a16="http://schemas.microsoft.com/office/drawing/2014/main" id="{82887461-6D43-4CEB-A6A1-119545323645}"/>
+                <a16:creationId xmlns:a16="http://schemas.microsoft.com/office/drawing/2014/main" xmlns="" id="{82887461-6D43-4CEB-A6A1-119545323645}"/>
               </a:ext>
             </a:extLst>
           </p:cNvPr>
@@ -11740,7 +12689,7 @@
           <p:cNvPr id="4" name="Segnaposto contenuto 3">
             <a:extLst>
               <a:ext uri="{FF2B5EF4-FFF2-40B4-BE49-F238E27FC236}">
-                <a16:creationId xmlns:a16="http://schemas.microsoft.com/office/drawing/2014/main" id="{9DA94BF7-4EDC-403E-A893-A547CC60B810}"/>
+                <a16:creationId xmlns:a16="http://schemas.microsoft.com/office/drawing/2014/main" xmlns="" id="{9DA94BF7-4EDC-403E-A893-A547CC60B810}"/>
               </a:ext>
             </a:extLst>
           </p:cNvPr>
@@ -11748,7 +12697,7 @@
             <a:spLocks noGrp="1"/>
           </p:cNvSpPr>
           <p:nvPr>
-            <p:ph idx="10"/>
+            <p:ph idx="1"/>
           </p:nvPr>
         </p:nvSpPr>
         <p:spPr>
@@ -11815,13 +12764,13 @@
   <p:clrMapOvr>
     <a:masterClrMapping/>
   </p:clrMapOvr>
-  <mc:AlternateContent xmlns:mc="http://schemas.openxmlformats.org/markup-compatibility/2006" xmlns:p159="http://schemas.microsoft.com/office/powerpoint/2015/09/main">
-    <mc:Choice Requires="p159">
+  <mc:AlternateContent xmlns:mc="http://schemas.openxmlformats.org/markup-compatibility/2006">
+    <mc:Choice xmlns:p159="http://schemas.microsoft.com/office/powerpoint/2015/09/main" xmlns="" Requires="p159">
       <p:transition xmlns:p14="http://schemas.microsoft.com/office/powerpoint/2010/main" spd="slow" p14:dur="2000">
         <p159:morph option="byWord"/>
       </p:transition>
     </mc:Choice>
-    <mc:Fallback xmlns="">
+    <mc:Fallback>
       <p:transition spd="slow">
         <p:fade/>
       </p:transition>
@@ -11852,7 +12801,7 @@
           <p:cNvPr id="2" name="Titolo 1">
             <a:extLst>
               <a:ext uri="{FF2B5EF4-FFF2-40B4-BE49-F238E27FC236}">
-                <a16:creationId xmlns:a16="http://schemas.microsoft.com/office/drawing/2014/main" id="{82887461-6D43-4CEB-A6A1-119545323645}"/>
+                <a16:creationId xmlns:a16="http://schemas.microsoft.com/office/drawing/2014/main" xmlns="" id="{82887461-6D43-4CEB-A6A1-119545323645}"/>
               </a:ext>
             </a:extLst>
           </p:cNvPr>
@@ -11863,12 +12812,7 @@
             <p:ph type="title"/>
           </p:nvPr>
         </p:nvSpPr>
-        <p:spPr>
-          <a:xfrm>
-            <a:off x="1619672" y="0"/>
-            <a:ext cx="7524328" cy="884466"/>
-          </a:xfrm>
-        </p:spPr>
+        <p:spPr/>
         <p:txBody>
           <a:bodyPr/>
           <a:lstStyle/>
@@ -11885,7 +12829,7 @@
           <p:cNvPr id="4" name="Segnaposto contenuto 3">
             <a:extLst>
               <a:ext uri="{FF2B5EF4-FFF2-40B4-BE49-F238E27FC236}">
-                <a16:creationId xmlns:a16="http://schemas.microsoft.com/office/drawing/2014/main" id="{9DA94BF7-4EDC-403E-A893-A547CC60B810}"/>
+                <a16:creationId xmlns:a16="http://schemas.microsoft.com/office/drawing/2014/main" xmlns="" id="{9DA94BF7-4EDC-403E-A893-A547CC60B810}"/>
               </a:ext>
             </a:extLst>
           </p:cNvPr>
@@ -11893,7 +12837,7 @@
             <a:spLocks noGrp="1"/>
           </p:cNvSpPr>
           <p:nvPr>
-            <p:ph idx="10"/>
+            <p:ph idx="1"/>
           </p:nvPr>
         </p:nvSpPr>
         <p:spPr>
@@ -12030,7 +12974,7 @@
           <p:cNvPr id="1026" name="Picture 2" descr="Risultati immagini per bus icon png">
             <a:extLst>
               <a:ext uri="{FF2B5EF4-FFF2-40B4-BE49-F238E27FC236}">
-                <a16:creationId xmlns:a16="http://schemas.microsoft.com/office/drawing/2014/main" id="{0B3E46AC-3C49-45E4-9E3F-CEF6C3C7158A}"/>
+                <a16:creationId xmlns:a16="http://schemas.microsoft.com/office/drawing/2014/main" xmlns="" id="{0B3E46AC-3C49-45E4-9E3F-CEF6C3C7158A}"/>
               </a:ext>
             </a:extLst>
           </p:cNvPr>
@@ -12089,13 +13033,13 @@
   <p:clrMapOvr>
     <a:masterClrMapping/>
   </p:clrMapOvr>
-  <mc:AlternateContent xmlns:mc="http://schemas.openxmlformats.org/markup-compatibility/2006" xmlns:p159="http://schemas.microsoft.com/office/powerpoint/2015/09/main">
-    <mc:Choice Requires="p159">
+  <mc:AlternateContent xmlns:mc="http://schemas.openxmlformats.org/markup-compatibility/2006">
+    <mc:Choice xmlns:p159="http://schemas.microsoft.com/office/powerpoint/2015/09/main" xmlns="" Requires="p159">
       <p:transition xmlns:p14="http://schemas.microsoft.com/office/powerpoint/2010/main" spd="slow" p14:dur="2000">
         <p159:morph option="byWord"/>
       </p:transition>
     </mc:Choice>
-    <mc:Fallback xmlns="">
+    <mc:Fallback>
       <p:transition spd="slow">
         <p:fade/>
       </p:transition>
@@ -12126,7 +13070,7 @@
           <p:cNvPr id="2" name="Titolo 1">
             <a:extLst>
               <a:ext uri="{FF2B5EF4-FFF2-40B4-BE49-F238E27FC236}">
-                <a16:creationId xmlns:a16="http://schemas.microsoft.com/office/drawing/2014/main" id="{82887461-6D43-4CEB-A6A1-119545323645}"/>
+                <a16:creationId xmlns:a16="http://schemas.microsoft.com/office/drawing/2014/main" xmlns="" id="{82887461-6D43-4CEB-A6A1-119545323645}"/>
               </a:ext>
             </a:extLst>
           </p:cNvPr>
@@ -12137,12 +13081,7 @@
             <p:ph type="title"/>
           </p:nvPr>
         </p:nvSpPr>
-        <p:spPr>
-          <a:xfrm>
-            <a:off x="1619672" y="0"/>
-            <a:ext cx="7524328" cy="884466"/>
-          </a:xfrm>
-        </p:spPr>
+        <p:spPr/>
         <p:txBody>
           <a:bodyPr/>
           <a:lstStyle/>
@@ -12159,7 +13098,7 @@
           <p:cNvPr id="5" name="Segnaposto contenuto 4">
             <a:extLst>
               <a:ext uri="{FF2B5EF4-FFF2-40B4-BE49-F238E27FC236}">
-                <a16:creationId xmlns:a16="http://schemas.microsoft.com/office/drawing/2014/main" id="{898D7E89-0043-4101-8223-BD420A471666}"/>
+                <a16:creationId xmlns:a16="http://schemas.microsoft.com/office/drawing/2014/main" xmlns="" id="{898D7E89-0043-4101-8223-BD420A471666}"/>
               </a:ext>
             </a:extLst>
           </p:cNvPr>
@@ -12167,7 +13106,7 @@
             <a:picLocks noGrp="1" noChangeAspect="1"/>
           </p:cNvPicPr>
           <p:nvPr>
-            <p:ph idx="10"/>
+            <p:ph idx="1"/>
           </p:nvPr>
         </p:nvPicPr>
         <p:blipFill>
@@ -12194,7 +13133,7 @@
           <p:cNvPr id="3076" name="Picture 4" descr="Risultati immagini per start race icon">
             <a:extLst>
               <a:ext uri="{FF2B5EF4-FFF2-40B4-BE49-F238E27FC236}">
-                <a16:creationId xmlns:a16="http://schemas.microsoft.com/office/drawing/2014/main" id="{2EF36095-34AE-44D9-B34A-DBEBF300D4D3}"/>
+                <a16:creationId xmlns:a16="http://schemas.microsoft.com/office/drawing/2014/main" xmlns="" id="{2EF36095-34AE-44D9-B34A-DBEBF300D4D3}"/>
               </a:ext>
             </a:extLst>
           </p:cNvPr>
@@ -12246,13 +13185,13 @@
   <p:clrMapOvr>
     <a:masterClrMapping/>
   </p:clrMapOvr>
-  <mc:AlternateContent xmlns:mc="http://schemas.openxmlformats.org/markup-compatibility/2006" xmlns:p159="http://schemas.microsoft.com/office/powerpoint/2015/09/main">
-    <mc:Choice Requires="p159">
+  <mc:AlternateContent xmlns:mc="http://schemas.openxmlformats.org/markup-compatibility/2006">
+    <mc:Choice xmlns:p159="http://schemas.microsoft.com/office/powerpoint/2015/09/main" xmlns="" Requires="p159">
       <p:transition xmlns:p14="http://schemas.microsoft.com/office/powerpoint/2010/main" spd="slow" p14:dur="2000">
         <p159:morph option="byWord"/>
       </p:transition>
     </mc:Choice>
-    <mc:Fallback xmlns="">
+    <mc:Fallback>
       <p:transition spd="slow">
         <p:fade/>
       </p:transition>
@@ -12283,7 +13222,7 @@
           <p:cNvPr id="2" name="Titolo 1">
             <a:extLst>
               <a:ext uri="{FF2B5EF4-FFF2-40B4-BE49-F238E27FC236}">
-                <a16:creationId xmlns:a16="http://schemas.microsoft.com/office/drawing/2014/main" id="{82887461-6D43-4CEB-A6A1-119545323645}"/>
+                <a16:creationId xmlns:a16="http://schemas.microsoft.com/office/drawing/2014/main" xmlns="" id="{82887461-6D43-4CEB-A6A1-119545323645}"/>
               </a:ext>
             </a:extLst>
           </p:cNvPr>
@@ -12294,29 +13233,59 @@
             <p:ph type="title"/>
           </p:nvPr>
         </p:nvSpPr>
+        <p:spPr/>
+        <p:txBody>
+          <a:bodyPr/>
+          <a:lstStyle/>
+          <a:p>
+            <a:r>
+              <a:rPr lang="it-CH" sz="4800" dirty="0"/>
+              <a:t>GANTT CONSUNTIVO</a:t>
+            </a:r>
+          </a:p>
+        </p:txBody>
+      </p:sp>
+      <p:pic>
+        <p:nvPicPr>
+          <p:cNvPr id="6" name="Segnaposto contenuto 5">
+            <a:extLst>
+              <a:ext uri="{FF2B5EF4-FFF2-40B4-BE49-F238E27FC236}">
+                <a16:creationId xmlns:a16="http://schemas.microsoft.com/office/drawing/2014/main" xmlns="" id="{340539DE-1D21-492C-BA50-AD02818970A6}"/>
+              </a:ext>
+            </a:extLst>
+          </p:cNvPr>
+          <p:cNvPicPr>
+            <a:picLocks noGrp="1" noChangeAspect="1"/>
+          </p:cNvPicPr>
+          <p:nvPr>
+            <p:ph idx="1"/>
+          </p:nvPr>
+        </p:nvPicPr>
+        <p:blipFill>
+          <a:blip r:embed="rId3">
+            <a:extLst>
+              <a:ext uri="{28A0092B-C50C-407E-A947-70E740481C1C}">
+                <a14:useLocalDpi xmlns:a14="http://schemas.microsoft.com/office/drawing/2010/main" val="0"/>
+              </a:ext>
+            </a:extLst>
+          </a:blip>
+          <a:stretch>
+            <a:fillRect/>
+          </a:stretch>
+        </p:blipFill>
         <p:spPr>
           <a:xfrm>
-            <a:off x="1619672" y="0"/>
-            <a:ext cx="7524328" cy="884466"/>
+            <a:off x="1619672" y="1275606"/>
+            <a:ext cx="7342055" cy="2952328"/>
           </a:xfrm>
         </p:spPr>
-        <p:txBody>
-          <a:bodyPr/>
-          <a:lstStyle/>
-          <a:p>
-            <a:r>
-              <a:rPr lang="it-CH" sz="4800" dirty="0"/>
-              <a:t>GANTT CONSUNTIVO</a:t>
-            </a:r>
-          </a:p>
-        </p:txBody>
-      </p:sp>
+      </p:pic>
       <p:pic>
         <p:nvPicPr>
           <p:cNvPr id="2050" name="Picture 2" descr="Risultati immagini per finish race icon">
             <a:extLst>
               <a:ext uri="{FF2B5EF4-FFF2-40B4-BE49-F238E27FC236}">
-                <a16:creationId xmlns:a16="http://schemas.microsoft.com/office/drawing/2014/main" id="{A0F9E2C9-C414-4016-A6E8-E8846A39B789}"/>
+                <a16:creationId xmlns:a16="http://schemas.microsoft.com/office/drawing/2014/main" xmlns="" id="{A0F9E2C9-C414-4016-A6E8-E8846A39B789}"/>
               </a:ext>
             </a:extLst>
           </p:cNvPr>
@@ -12326,7 +13295,7 @@
           <p:nvPr/>
         </p:nvPicPr>
         <p:blipFill>
-          <a:blip r:embed="rId3" cstate="print">
+          <a:blip r:embed="rId4" cstate="print">
             <a:extLst>
               <a:ext uri="{28A0092B-C50C-407E-A947-70E740481C1C}">
                 <a14:useLocalDpi xmlns:a14="http://schemas.microsoft.com/office/drawing/2010/main" val="0"/>
@@ -12358,41 +13327,6 @@
           </a:extLst>
         </p:spPr>
       </p:pic>
-      <p:pic>
-        <p:nvPicPr>
-          <p:cNvPr id="6" name="Segnaposto contenuto 5">
-            <a:extLst>
-              <a:ext uri="{FF2B5EF4-FFF2-40B4-BE49-F238E27FC236}">
-                <a16:creationId xmlns:a16="http://schemas.microsoft.com/office/drawing/2014/main" id="{340539DE-1D21-492C-BA50-AD02818970A6}"/>
-              </a:ext>
-            </a:extLst>
-          </p:cNvPr>
-          <p:cNvPicPr>
-            <a:picLocks noGrp="1" noChangeAspect="1"/>
-          </p:cNvPicPr>
-          <p:nvPr>
-            <p:ph idx="10"/>
-          </p:nvPr>
-        </p:nvPicPr>
-        <p:blipFill>
-          <a:blip r:embed="rId4">
-            <a:extLst>
-              <a:ext uri="{28A0092B-C50C-407E-A947-70E740481C1C}">
-                <a14:useLocalDpi xmlns:a14="http://schemas.microsoft.com/office/drawing/2010/main" val="0"/>
-              </a:ext>
-            </a:extLst>
-          </a:blip>
-          <a:stretch>
-            <a:fillRect/>
-          </a:stretch>
-        </p:blipFill>
-        <p:spPr>
-          <a:xfrm>
-            <a:off x="1619672" y="1275606"/>
-            <a:ext cx="7342055" cy="2952328"/>
-          </a:xfrm>
-        </p:spPr>
-      </p:pic>
     </p:spTree>
     <p:extLst>
       <p:ext uri="{BB962C8B-B14F-4D97-AF65-F5344CB8AC3E}">
@@ -12403,13 +13337,13 @@
   <p:clrMapOvr>
     <a:masterClrMapping/>
   </p:clrMapOvr>
-  <mc:AlternateContent xmlns:mc="http://schemas.openxmlformats.org/markup-compatibility/2006" xmlns:p159="http://schemas.microsoft.com/office/powerpoint/2015/09/main">
-    <mc:Choice Requires="p159">
+  <mc:AlternateContent xmlns:mc="http://schemas.openxmlformats.org/markup-compatibility/2006">
+    <mc:Choice xmlns:p159="http://schemas.microsoft.com/office/powerpoint/2015/09/main" xmlns="" Requires="p159">
       <p:transition xmlns:p14="http://schemas.microsoft.com/office/powerpoint/2010/main" spd="slow" p14:dur="2000">
         <p159:morph option="byWord"/>
       </p:transition>
     </mc:Choice>
-    <mc:Fallback xmlns="">
+    <mc:Fallback>
       <p:transition spd="slow">
         <p:fade/>
       </p:transition>
@@ -12440,7 +13374,7 @@
           <p:cNvPr id="2" name="Titolo 1">
             <a:extLst>
               <a:ext uri="{FF2B5EF4-FFF2-40B4-BE49-F238E27FC236}">
-                <a16:creationId xmlns:a16="http://schemas.microsoft.com/office/drawing/2014/main" id="{0879F506-BBEC-49B7-B953-469DFDB5281D}"/>
+                <a16:creationId xmlns:a16="http://schemas.microsoft.com/office/drawing/2014/main" xmlns="" id="{0879F506-BBEC-49B7-B953-469DFDB5281D}"/>
               </a:ext>
             </a:extLst>
           </p:cNvPr>
@@ -12468,7 +13402,7 @@
           <p:cNvPr id="5" name="Segnaposto contenuto 4">
             <a:extLst>
               <a:ext uri="{FF2B5EF4-FFF2-40B4-BE49-F238E27FC236}">
-                <a16:creationId xmlns:a16="http://schemas.microsoft.com/office/drawing/2014/main" id="{85786041-B85D-4E2A-9B30-58605398387F}"/>
+                <a16:creationId xmlns:a16="http://schemas.microsoft.com/office/drawing/2014/main" xmlns="" id="{85786041-B85D-4E2A-9B30-58605398387F}"/>
               </a:ext>
             </a:extLst>
           </p:cNvPr>
@@ -12476,7 +13410,7 @@
             <a:spLocks noGrp="1"/>
           </p:cNvSpPr>
           <p:nvPr>
-            <p:ph idx="10"/>
+            <p:ph idx="1"/>
           </p:nvPr>
         </p:nvSpPr>
         <p:spPr>
@@ -12559,13 +13493,13 @@
   <p:clrMapOvr>
     <a:masterClrMapping/>
   </p:clrMapOvr>
-  <mc:AlternateContent xmlns:mc="http://schemas.openxmlformats.org/markup-compatibility/2006" xmlns:p159="http://schemas.microsoft.com/office/powerpoint/2015/09/main">
-    <mc:Choice Requires="p159">
+  <mc:AlternateContent xmlns:mc="http://schemas.openxmlformats.org/markup-compatibility/2006">
+    <mc:Choice xmlns:p159="http://schemas.microsoft.com/office/powerpoint/2015/09/main" xmlns="" Requires="p159">
       <p:transition xmlns:p14="http://schemas.microsoft.com/office/powerpoint/2010/main" spd="slow" p14:dur="2000">
         <p159:morph option="byWord"/>
       </p:transition>
     </mc:Choice>
-    <mc:Fallback xmlns="">
+    <mc:Fallback>
       <p:transition spd="slow">
         <p:fade/>
       </p:transition>

--- a/docs/Presentazione.pptx
+++ b/docs/Presentazione.pptx
@@ -6,7 +6,7 @@
     <p:sldMasterId id="2147483661" r:id="rId2"/>
   </p:sldMasterIdLst>
   <p:notesMasterIdLst>
-    <p:notesMasterId r:id="rId39"/>
+    <p:notesMasterId r:id="rId42"/>
   </p:notesMasterIdLst>
   <p:sldIdLst>
     <p:sldId id="256" r:id="rId3"/>
@@ -19,32 +19,35 @@
     <p:sldId id="265" r:id="rId10"/>
     <p:sldId id="266" r:id="rId11"/>
     <p:sldId id="267" r:id="rId12"/>
-    <p:sldId id="286" r:id="rId13"/>
-    <p:sldId id="268" r:id="rId14"/>
-    <p:sldId id="269" r:id="rId15"/>
-    <p:sldId id="270" r:id="rId16"/>
-    <p:sldId id="271" r:id="rId17"/>
-    <p:sldId id="272" r:id="rId18"/>
-    <p:sldId id="289" r:id="rId19"/>
-    <p:sldId id="273" r:id="rId20"/>
-    <p:sldId id="274" r:id="rId21"/>
-    <p:sldId id="279" r:id="rId22"/>
-    <p:sldId id="280" r:id="rId23"/>
-    <p:sldId id="294" r:id="rId24"/>
-    <p:sldId id="293" r:id="rId25"/>
-    <p:sldId id="292" r:id="rId26"/>
-    <p:sldId id="291" r:id="rId27"/>
-    <p:sldId id="281" r:id="rId28"/>
-    <p:sldId id="290" r:id="rId29"/>
-    <p:sldId id="282" r:id="rId30"/>
-    <p:sldId id="283" r:id="rId31"/>
-    <p:sldId id="284" r:id="rId32"/>
-    <p:sldId id="285" r:id="rId33"/>
-    <p:sldId id="301" r:id="rId34"/>
-    <p:sldId id="303" r:id="rId35"/>
-    <p:sldId id="304" r:id="rId36"/>
-    <p:sldId id="297" r:id="rId37"/>
-    <p:sldId id="278" r:id="rId38"/>
+    <p:sldId id="298" r:id="rId13"/>
+    <p:sldId id="300" r:id="rId14"/>
+    <p:sldId id="305" r:id="rId15"/>
+    <p:sldId id="302" r:id="rId16"/>
+    <p:sldId id="306" r:id="rId17"/>
+    <p:sldId id="269" r:id="rId18"/>
+    <p:sldId id="270" r:id="rId19"/>
+    <p:sldId id="271" r:id="rId20"/>
+    <p:sldId id="272" r:id="rId21"/>
+    <p:sldId id="289" r:id="rId22"/>
+    <p:sldId id="273" r:id="rId23"/>
+    <p:sldId id="274" r:id="rId24"/>
+    <p:sldId id="279" r:id="rId25"/>
+    <p:sldId id="280" r:id="rId26"/>
+    <p:sldId id="294" r:id="rId27"/>
+    <p:sldId id="293" r:id="rId28"/>
+    <p:sldId id="292" r:id="rId29"/>
+    <p:sldId id="291" r:id="rId30"/>
+    <p:sldId id="281" r:id="rId31"/>
+    <p:sldId id="290" r:id="rId32"/>
+    <p:sldId id="282" r:id="rId33"/>
+    <p:sldId id="283" r:id="rId34"/>
+    <p:sldId id="284" r:id="rId35"/>
+    <p:sldId id="285" r:id="rId36"/>
+    <p:sldId id="301" r:id="rId37"/>
+    <p:sldId id="303" r:id="rId38"/>
+    <p:sldId id="304" r:id="rId39"/>
+    <p:sldId id="297" r:id="rId40"/>
+    <p:sldId id="278" r:id="rId41"/>
   </p:sldIdLst>
   <p:sldSz cx="9144000" cy="5143500" type="screen16x9"/>
   <p:notesSz cx="6858000" cy="9144000"/>
@@ -174,8 +177,11 @@
         <p14:section name="Architettura sistema" id="{CB31D9CA-8A6D-4830-8CFE-2A53A7B6A2DA}">
           <p14:sldIdLst>
             <p14:sldId id="267"/>
-            <p14:sldId id="286"/>
-            <p14:sldId id="268"/>
+            <p14:sldId id="298"/>
+            <p14:sldId id="300"/>
+            <p14:sldId id="305"/>
+            <p14:sldId id="302"/>
+            <p14:sldId id="306"/>
             <p14:sldId id="269"/>
           </p14:sldIdLst>
         </p14:section>
@@ -320,7 +326,7 @@
           <a:p>
             <a:fld id="{0E586627-511B-45A1-B9CA-4576DD49B422}" type="datetimeFigureOut">
               <a:rPr lang="it-CH" smtClean="0"/>
-              <a:t>24.05.19</a:t>
+              <a:t>24.05.2019</a:t>
             </a:fld>
             <a:endParaRPr lang="it-CH"/>
           </a:p>
@@ -479,7 +485,7 @@
           <a:p>
             <a:fld id="{FD2CFA8D-4E29-41DB-B61B-69A41B9506B3}" type="slidenum">
               <a:rPr lang="it-CH" smtClean="0"/>
-              <a:t>‹#›</a:t>
+              <a:t>‹N›</a:t>
             </a:fld>
             <a:endParaRPr lang="it-CH"/>
           </a:p>
@@ -737,7 +743,7 @@
           <a:p>
             <a:fld id="{FD2CFA8D-4E29-41DB-B61B-69A41B9506B3}" type="slidenum">
               <a:rPr lang="it-CH" smtClean="0"/>
-              <a:t>14</a:t>
+              <a:t>16</a:t>
             </a:fld>
             <a:endParaRPr lang="it-CH"/>
           </a:p>
@@ -746,7 +752,7 @@
     </p:spTree>
     <p:extLst>
       <p:ext uri="{BB962C8B-B14F-4D97-AF65-F5344CB8AC3E}">
-        <p14:creationId xmlns:p14="http://schemas.microsoft.com/office/powerpoint/2010/main" val="1529703415"/>
+        <p14:creationId xmlns:p14="http://schemas.microsoft.com/office/powerpoint/2010/main" val="576594222"/>
       </p:ext>
     </p:extLst>
   </p:cSld>
@@ -821,7 +827,7 @@
           <a:p>
             <a:fld id="{FD2CFA8D-4E29-41DB-B61B-69A41B9506B3}" type="slidenum">
               <a:rPr lang="it-CH" smtClean="0"/>
-              <a:t>19</a:t>
+              <a:t>17</a:t>
             </a:fld>
             <a:endParaRPr lang="it-CH"/>
           </a:p>
@@ -830,7 +836,7 @@
     </p:spTree>
     <p:extLst>
       <p:ext uri="{BB962C8B-B14F-4D97-AF65-F5344CB8AC3E}">
-        <p14:creationId xmlns:p14="http://schemas.microsoft.com/office/powerpoint/2010/main" val="3419030429"/>
+        <p14:creationId xmlns:p14="http://schemas.microsoft.com/office/powerpoint/2010/main" val="1529703415"/>
       </p:ext>
     </p:extLst>
   </p:cSld>
@@ -884,10 +890,7 @@
           <a:bodyPr/>
           <a:lstStyle/>
           <a:p>
-            <a:r>
-              <a:rPr lang="it-CH" dirty="0"/>
-              <a:t>Fulcro del programma, utilizza tutte le classi</a:t>
-            </a:r>
+            <a:endParaRPr lang="it-CH" dirty="0"/>
           </a:p>
         </p:txBody>
       </p:sp>
@@ -908,7 +911,7 @@
           <a:p>
             <a:fld id="{FD2CFA8D-4E29-41DB-B61B-69A41B9506B3}" type="slidenum">
               <a:rPr lang="it-CH" smtClean="0"/>
-              <a:t>20</a:t>
+              <a:t>22</a:t>
             </a:fld>
             <a:endParaRPr lang="it-CH"/>
           </a:p>
@@ -917,7 +920,7 @@
     </p:spTree>
     <p:extLst>
       <p:ext uri="{BB962C8B-B14F-4D97-AF65-F5344CB8AC3E}">
-        <p14:creationId xmlns:p14="http://schemas.microsoft.com/office/powerpoint/2010/main" val="1616808292"/>
+        <p14:creationId xmlns:p14="http://schemas.microsoft.com/office/powerpoint/2010/main" val="3419030429"/>
       </p:ext>
     </p:extLst>
   </p:cSld>
@@ -973,37 +976,8 @@
           <a:p>
             <a:r>
               <a:rPr lang="it-CH" dirty="0"/>
-              <a:t>Come visto prima </a:t>
-            </a:r>
-            <a:r>
-              <a:rPr lang="it-CH" dirty="0">
-                <a:sym typeface="Wingdings" panose="05000000000000000000" pitchFamily="2" charset="2"/>
-              </a:rPr>
-              <a:t> Divisa in 4 pannelli dove ogni pannello ha una funzione specifica</a:t>
-            </a:r>
-          </a:p>
-          <a:p>
-            <a:endParaRPr lang="it-CH" dirty="0">
-              <a:sym typeface="Wingdings" panose="05000000000000000000" pitchFamily="2" charset="2"/>
-            </a:endParaRPr>
-          </a:p>
-          <a:p>
-            <a:pPr marL="628650" lvl="1" indent="-171450">
-              <a:buFont typeface="Arial" panose="020B0604020202020204" pitchFamily="34" charset="0"/>
-              <a:buChar char="•"/>
-            </a:pPr>
-            <a:endParaRPr lang="it-CH" dirty="0">
-              <a:sym typeface="Wingdings" panose="05000000000000000000" pitchFamily="2" charset="2"/>
-            </a:endParaRPr>
-          </a:p>
-          <a:p>
-            <a:pPr marL="171450" lvl="0" indent="-171450">
-              <a:buFont typeface="Arial" panose="020B0604020202020204" pitchFamily="34" charset="0"/>
-              <a:buChar char="•"/>
-            </a:pPr>
-            <a:endParaRPr lang="it-CH" dirty="0">
-              <a:sym typeface="Wingdings" panose="05000000000000000000" pitchFamily="2" charset="2"/>
-            </a:endParaRPr>
+              <a:t>Fulcro del programma, utilizza tutte le classi</a:t>
+            </a:r>
           </a:p>
         </p:txBody>
       </p:sp>
@@ -1024,7 +998,7 @@
           <a:p>
             <a:fld id="{FD2CFA8D-4E29-41DB-B61B-69A41B9506B3}" type="slidenum">
               <a:rPr lang="it-CH" smtClean="0"/>
-              <a:t>21</a:t>
+              <a:t>23</a:t>
             </a:fld>
             <a:endParaRPr lang="it-CH"/>
           </a:p>
@@ -1033,7 +1007,7 @@
     </p:spTree>
     <p:extLst>
       <p:ext uri="{BB962C8B-B14F-4D97-AF65-F5344CB8AC3E}">
-        <p14:creationId xmlns:p14="http://schemas.microsoft.com/office/powerpoint/2010/main" val="1406728456"/>
+        <p14:creationId xmlns:p14="http://schemas.microsoft.com/office/powerpoint/2010/main" val="1616808292"/>
       </p:ext>
     </p:extLst>
   </p:cSld>
@@ -1087,28 +1061,39 @@
           <a:bodyPr/>
           <a:lstStyle/>
           <a:p>
-            <a:pPr marL="171450" indent="-171450">
-              <a:buFont typeface="Arial" panose="020B0604020202020204" pitchFamily="34" charset="0"/>
-              <a:buChar char="•"/>
-            </a:pPr>
+            <a:r>
+              <a:rPr lang="it-CH" dirty="0"/>
+              <a:t>Come visto prima </a:t>
+            </a:r>
             <a:r>
               <a:rPr lang="it-CH" dirty="0">
                 <a:sym typeface="Wingdings" panose="05000000000000000000" pitchFamily="2" charset="2"/>
               </a:rPr>
-              <a:t>Controllo drone</a:t>
-            </a:r>
+              <a:t> Divisa in 4 pannelli dove ogni pannello ha una funzione specifica</a:t>
+            </a:r>
+          </a:p>
+          <a:p>
+            <a:endParaRPr lang="it-CH" dirty="0">
+              <a:sym typeface="Wingdings" panose="05000000000000000000" pitchFamily="2" charset="2"/>
+            </a:endParaRPr>
           </a:p>
           <a:p>
             <a:pPr marL="628650" lvl="1" indent="-171450">
               <a:buFont typeface="Arial" panose="020B0604020202020204" pitchFamily="34" charset="0"/>
               <a:buChar char="•"/>
             </a:pPr>
-            <a:r>
-              <a:rPr lang="it-CH" dirty="0">
-                <a:sym typeface="Wingdings" panose="05000000000000000000" pitchFamily="2" charset="2"/>
-              </a:rPr>
-              <a:t>Pulsanti per controllo tramite GUI</a:t>
-            </a:r>
+            <a:endParaRPr lang="it-CH" dirty="0">
+              <a:sym typeface="Wingdings" panose="05000000000000000000" pitchFamily="2" charset="2"/>
+            </a:endParaRPr>
+          </a:p>
+          <a:p>
+            <a:pPr marL="171450" lvl="0" indent="-171450">
+              <a:buFont typeface="Arial" panose="020B0604020202020204" pitchFamily="34" charset="0"/>
+              <a:buChar char="•"/>
+            </a:pPr>
+            <a:endParaRPr lang="it-CH" dirty="0">
+              <a:sym typeface="Wingdings" panose="05000000000000000000" pitchFamily="2" charset="2"/>
+            </a:endParaRPr>
           </a:p>
         </p:txBody>
       </p:sp>
@@ -1129,7 +1114,7 @@
           <a:p>
             <a:fld id="{FD2CFA8D-4E29-41DB-B61B-69A41B9506B3}" type="slidenum">
               <a:rPr lang="it-CH" smtClean="0"/>
-              <a:t>22</a:t>
+              <a:t>24</a:t>
             </a:fld>
             <a:endParaRPr lang="it-CH"/>
           </a:p>
@@ -1138,7 +1123,7 @@
     </p:spTree>
     <p:extLst>
       <p:ext uri="{BB962C8B-B14F-4D97-AF65-F5344CB8AC3E}">
-        <p14:creationId xmlns:p14="http://schemas.microsoft.com/office/powerpoint/2010/main" val="1381731034"/>
+        <p14:creationId xmlns:p14="http://schemas.microsoft.com/office/powerpoint/2010/main" val="1406728456"/>
       </p:ext>
     </p:extLst>
   </p:cSld>
@@ -1192,7 +1177,7 @@
           <a:bodyPr/>
           <a:lstStyle/>
           <a:p>
-            <a:pPr marL="171450" lvl="0" indent="-171450">
+            <a:pPr marL="171450" indent="-171450">
               <a:buFont typeface="Arial" panose="020B0604020202020204" pitchFamily="34" charset="0"/>
               <a:buChar char="•"/>
             </a:pPr>
@@ -1200,7 +1185,7 @@
               <a:rPr lang="it-CH" dirty="0">
                 <a:sym typeface="Wingdings" panose="05000000000000000000" pitchFamily="2" charset="2"/>
               </a:rPr>
-              <a:t>Log</a:t>
+              <a:t>Controllo drone</a:t>
             </a:r>
           </a:p>
           <a:p>
@@ -1212,19 +1197,7 @@
               <a:rPr lang="it-CH" dirty="0">
                 <a:sym typeface="Wingdings" panose="05000000000000000000" pitchFamily="2" charset="2"/>
               </a:rPr>
-              <a:t>Casella di testo con log</a:t>
-            </a:r>
-          </a:p>
-          <a:p>
-            <a:pPr marL="628650" lvl="1" indent="-171450">
-              <a:buFont typeface="Arial" panose="020B0604020202020204" pitchFamily="34" charset="0"/>
-              <a:buChar char="•"/>
-            </a:pPr>
-            <a:r>
-              <a:rPr lang="it-CH" dirty="0">
-                <a:sym typeface="Wingdings" panose="05000000000000000000" pitchFamily="2" charset="2"/>
-              </a:rPr>
-              <a:t>Mostra messaggi utili</a:t>
+              <a:t>Pulsanti per controllo tramite GUI</a:t>
             </a:r>
           </a:p>
         </p:txBody>
@@ -1246,7 +1219,7 @@
           <a:p>
             <a:fld id="{FD2CFA8D-4E29-41DB-B61B-69A41B9506B3}" type="slidenum">
               <a:rPr lang="it-CH" smtClean="0"/>
-              <a:t>23</a:t>
+              <a:t>25</a:t>
             </a:fld>
             <a:endParaRPr lang="it-CH"/>
           </a:p>
@@ -1255,7 +1228,7 @@
     </p:spTree>
     <p:extLst>
       <p:ext uri="{BB962C8B-B14F-4D97-AF65-F5344CB8AC3E}">
-        <p14:creationId xmlns:p14="http://schemas.microsoft.com/office/powerpoint/2010/main" val="1110740037"/>
+        <p14:creationId xmlns:p14="http://schemas.microsoft.com/office/powerpoint/2010/main" val="1381731034"/>
       </p:ext>
     </p:extLst>
   </p:cSld>
@@ -1309,24 +1282,27 @@
           <a:bodyPr/>
           <a:lstStyle/>
           <a:p>
+            <a:pPr marL="171450" lvl="0" indent="-171450">
+              <a:buFont typeface="Arial" panose="020B0604020202020204" pitchFamily="34" charset="0"/>
+              <a:buChar char="•"/>
+            </a:pPr>
+            <a:r>
+              <a:rPr lang="it-CH" dirty="0">
+                <a:sym typeface="Wingdings" panose="05000000000000000000" pitchFamily="2" charset="2"/>
+              </a:rPr>
+              <a:t>Log</a:t>
+            </a:r>
+          </a:p>
+          <a:p>
             <a:pPr marL="628650" lvl="1" indent="-171450">
               <a:buFont typeface="Arial" panose="020B0604020202020204" pitchFamily="34" charset="0"/>
               <a:buChar char="•"/>
             </a:pPr>
-            <a:endParaRPr lang="it-CH" dirty="0">
-              <a:sym typeface="Wingdings" panose="05000000000000000000" pitchFamily="2" charset="2"/>
-            </a:endParaRPr>
-          </a:p>
-          <a:p>
-            <a:pPr marL="171450" lvl="0" indent="-171450">
-              <a:buFont typeface="Arial" panose="020B0604020202020204" pitchFamily="34" charset="0"/>
-              <a:buChar char="•"/>
-            </a:pPr>
             <a:r>
               <a:rPr lang="it-CH" dirty="0">
                 <a:sym typeface="Wingdings" panose="05000000000000000000" pitchFamily="2" charset="2"/>
               </a:rPr>
-              <a:t>Recording</a:t>
+              <a:t>Casella di testo con log</a:t>
             </a:r>
           </a:p>
           <a:p>
@@ -1338,7 +1314,7 @@
               <a:rPr lang="it-CH" dirty="0">
                 <a:sym typeface="Wingdings" panose="05000000000000000000" pitchFamily="2" charset="2"/>
               </a:rPr>
-              <a:t>Gestione registrazione dei voli ed esecuzione dei voli registrati</a:t>
+              <a:t>Mostra messaggi utili</a:t>
             </a:r>
           </a:p>
         </p:txBody>
@@ -1360,7 +1336,7 @@
           <a:p>
             <a:fld id="{FD2CFA8D-4E29-41DB-B61B-69A41B9506B3}" type="slidenum">
               <a:rPr lang="it-CH" smtClean="0"/>
-              <a:t>24</a:t>
+              <a:t>26</a:t>
             </a:fld>
             <a:endParaRPr lang="it-CH"/>
           </a:p>
@@ -1369,7 +1345,7 @@
     </p:spTree>
     <p:extLst>
       <p:ext uri="{BB962C8B-B14F-4D97-AF65-F5344CB8AC3E}">
-        <p14:creationId xmlns:p14="http://schemas.microsoft.com/office/powerpoint/2010/main" val="3107206508"/>
+        <p14:creationId xmlns:p14="http://schemas.microsoft.com/office/powerpoint/2010/main" val="1110740037"/>
       </p:ext>
     </p:extLst>
   </p:cSld>
@@ -1423,19 +1399,25 @@
           <a:bodyPr/>
           <a:lstStyle/>
           <a:p>
+            <a:pPr marL="628650" lvl="1" indent="-171450">
+              <a:buFont typeface="Arial" panose="020B0604020202020204" pitchFamily="34" charset="0"/>
+              <a:buChar char="•"/>
+            </a:pPr>
+            <a:endParaRPr lang="it-CH" dirty="0">
+              <a:sym typeface="Wingdings" panose="05000000000000000000" pitchFamily="2" charset="2"/>
+            </a:endParaRPr>
+          </a:p>
+          <a:p>
             <a:pPr marL="171450" lvl="0" indent="-171450">
               <a:buFont typeface="Arial" panose="020B0604020202020204" pitchFamily="34" charset="0"/>
               <a:buChar char="•"/>
             </a:pPr>
             <a:r>
-              <a:rPr lang="it-CH" dirty="0" err="1">
+              <a:rPr lang="it-CH" dirty="0">
                 <a:sym typeface="Wingdings" panose="05000000000000000000" pitchFamily="2" charset="2"/>
               </a:rPr>
-              <a:t>Config</a:t>
-            </a:r>
-            <a:endParaRPr lang="it-CH" dirty="0">
-              <a:sym typeface="Wingdings" panose="05000000000000000000" pitchFamily="2" charset="2"/>
-            </a:endParaRPr>
+              <a:t>Recording</a:t>
+            </a:r>
           </a:p>
           <a:p>
             <a:pPr marL="628650" lvl="1" indent="-171450">
@@ -1446,7 +1428,7 @@
               <a:rPr lang="it-CH" dirty="0">
                 <a:sym typeface="Wingdings" panose="05000000000000000000" pitchFamily="2" charset="2"/>
               </a:rPr>
-              <a:t>Gestione delle impostazioni «On-Air» tramite evento</a:t>
+              <a:t>Gestione registrazione dei voli ed esecuzione dei voli registrati</a:t>
             </a:r>
           </a:p>
         </p:txBody>
@@ -1468,7 +1450,7 @@
           <a:p>
             <a:fld id="{FD2CFA8D-4E29-41DB-B61B-69A41B9506B3}" type="slidenum">
               <a:rPr lang="it-CH" smtClean="0"/>
-              <a:t>25</a:t>
+              <a:t>27</a:t>
             </a:fld>
             <a:endParaRPr lang="it-CH"/>
           </a:p>
@@ -1477,7 +1459,7 @@
     </p:spTree>
     <p:extLst>
       <p:ext uri="{BB962C8B-B14F-4D97-AF65-F5344CB8AC3E}">
-        <p14:creationId xmlns:p14="http://schemas.microsoft.com/office/powerpoint/2010/main" val="4290196408"/>
+        <p14:creationId xmlns:p14="http://schemas.microsoft.com/office/powerpoint/2010/main" val="3107206508"/>
       </p:ext>
     </p:extLst>
   </p:cSld>
@@ -1531,17 +1513,31 @@
           <a:bodyPr/>
           <a:lstStyle/>
           <a:p>
-            <a:r>
-              <a:rPr lang="it-CH" dirty="0"/>
-              <a:t>Gestisce la comunicazione CONTROLLER </a:t>
-            </a:r>
+            <a:pPr marL="171450" lvl="0" indent="-171450">
+              <a:buFont typeface="Arial" panose="020B0604020202020204" pitchFamily="34" charset="0"/>
+              <a:buChar char="•"/>
+            </a:pPr>
+            <a:r>
+              <a:rPr lang="it-CH" dirty="0" err="1">
+                <a:sym typeface="Wingdings" panose="05000000000000000000" pitchFamily="2" charset="2"/>
+              </a:rPr>
+              <a:t>Config</a:t>
+            </a:r>
+            <a:endParaRPr lang="it-CH" dirty="0">
+              <a:sym typeface="Wingdings" panose="05000000000000000000" pitchFamily="2" charset="2"/>
+            </a:endParaRPr>
+          </a:p>
+          <a:p>
+            <a:pPr marL="628650" lvl="1" indent="-171450">
+              <a:buFont typeface="Arial" panose="020B0604020202020204" pitchFamily="34" charset="0"/>
+              <a:buChar char="•"/>
+            </a:pPr>
             <a:r>
               <a:rPr lang="it-CH" dirty="0">
                 <a:sym typeface="Wingdings" panose="05000000000000000000" pitchFamily="2" charset="2"/>
               </a:rPr>
-              <a:t> DRONE e viceversa</a:t>
-            </a:r>
-            <a:endParaRPr lang="it-CH" dirty="0"/>
+              <a:t>Gestione delle impostazioni «On-Air» tramite evento</a:t>
+            </a:r>
           </a:p>
         </p:txBody>
       </p:sp>
@@ -1562,7 +1558,7 @@
           <a:p>
             <a:fld id="{FD2CFA8D-4E29-41DB-B61B-69A41B9506B3}" type="slidenum">
               <a:rPr lang="it-CH" smtClean="0"/>
-              <a:t>26</a:t>
+              <a:t>28</a:t>
             </a:fld>
             <a:endParaRPr lang="it-CH"/>
           </a:p>
@@ -1571,7 +1567,7 @@
     </p:spTree>
     <p:extLst>
       <p:ext uri="{BB962C8B-B14F-4D97-AF65-F5344CB8AC3E}">
-        <p14:creationId xmlns:p14="http://schemas.microsoft.com/office/powerpoint/2010/main" val="918256988"/>
+        <p14:creationId xmlns:p14="http://schemas.microsoft.com/office/powerpoint/2010/main" val="4290196408"/>
       </p:ext>
     </p:extLst>
   </p:cSld>
@@ -1627,93 +1623,15 @@
           <a:p>
             <a:r>
               <a:rPr lang="it-CH" dirty="0"/>
-              <a:t>Metodo </a:t>
-            </a:r>
-            <a:r>
-              <a:rPr lang="it-CH" dirty="0" err="1"/>
-              <a:t>sendCommand</a:t>
-            </a:r>
-            <a:r>
-              <a:rPr lang="it-CH" dirty="0"/>
-              <a:t> della classe </a:t>
-            </a:r>
-            <a:r>
-              <a:rPr lang="it-CH" dirty="0" err="1"/>
-              <a:t>DroneController</a:t>
-            </a:r>
-            <a:endParaRPr lang="it-CH" dirty="0"/>
-          </a:p>
-          <a:p>
+              <a:t>Gestisce la comunicazione CONTROLLER </a:t>
+            </a:r>
             <a:r>
               <a:rPr lang="it-CH" dirty="0">
                 <a:sym typeface="Wingdings" panose="05000000000000000000" pitchFamily="2" charset="2"/>
               </a:rPr>
-              <a:t> Parametro «</a:t>
-            </a:r>
-            <a:r>
-              <a:rPr lang="it-CH" dirty="0" err="1">
-                <a:sym typeface="Wingdings" panose="05000000000000000000" pitchFamily="2" charset="2"/>
-              </a:rPr>
-              <a:t>command</a:t>
-            </a:r>
-            <a:r>
-              <a:rPr lang="it-CH" dirty="0">
-                <a:sym typeface="Wingdings" panose="05000000000000000000" pitchFamily="2" charset="2"/>
-              </a:rPr>
-              <a:t>», generato dalla classe «</a:t>
-            </a:r>
-            <a:r>
-              <a:rPr lang="it-CH" dirty="0" err="1">
-                <a:sym typeface="Wingdings" panose="05000000000000000000" pitchFamily="2" charset="2"/>
-              </a:rPr>
-              <a:t>Commands</a:t>
-            </a:r>
-            <a:r>
-              <a:rPr lang="it-CH" dirty="0">
-                <a:sym typeface="Wingdings" panose="05000000000000000000" pitchFamily="2" charset="2"/>
-              </a:rPr>
-              <a:t>»</a:t>
+              <a:t> DRONE e viceversa</a:t>
             </a:r>
             <a:endParaRPr lang="it-CH" dirty="0"/>
-          </a:p>
-          <a:p>
-            <a:pPr marL="171450" indent="-171450">
-              <a:buFont typeface="Wingdings" panose="05000000000000000000" pitchFamily="2" charset="2"/>
-              <a:buChar char="à"/>
-            </a:pPr>
-            <a:r>
-              <a:rPr lang="it-CH" dirty="0">
-                <a:sym typeface="Wingdings" panose="05000000000000000000" pitchFamily="2" charset="2"/>
-              </a:rPr>
-              <a:t>Usa TCP </a:t>
-            </a:r>
-            <a:r>
-              <a:rPr lang="it-CH" dirty="0" err="1">
-                <a:sym typeface="Wingdings" panose="05000000000000000000" pitchFamily="2" charset="2"/>
-              </a:rPr>
-              <a:t>Socket</a:t>
-            </a:r>
-            <a:endParaRPr lang="it-CH" dirty="0">
-              <a:sym typeface="Wingdings" panose="05000000000000000000" pitchFamily="2" charset="2"/>
-            </a:endParaRPr>
-          </a:p>
-          <a:p>
-            <a:pPr marL="171450" indent="-171450">
-              <a:buFont typeface="Wingdings" panose="05000000000000000000" pitchFamily="2" charset="2"/>
-              <a:buChar char="à"/>
-            </a:pPr>
-            <a:r>
-              <a:rPr lang="it-CH" dirty="0" err="1">
-                <a:sym typeface="Wingdings" panose="05000000000000000000" pitchFamily="2" charset="2"/>
-              </a:rPr>
-              <a:t>Listener</a:t>
-            </a:r>
-            <a:r>
-              <a:rPr lang="it-CH" dirty="0">
-                <a:sym typeface="Wingdings" panose="05000000000000000000" pitchFamily="2" charset="2"/>
-              </a:rPr>
-              <a:t> per notificare</a:t>
-            </a:r>
           </a:p>
         </p:txBody>
       </p:sp>
@@ -1734,7 +1652,7 @@
           <a:p>
             <a:fld id="{FD2CFA8D-4E29-41DB-B61B-69A41B9506B3}" type="slidenum">
               <a:rPr lang="it-CH" smtClean="0"/>
-              <a:t>27</a:t>
+              <a:t>29</a:t>
             </a:fld>
             <a:endParaRPr lang="it-CH"/>
           </a:p>
@@ -1743,7 +1661,7 @@
     </p:spTree>
     <p:extLst>
       <p:ext uri="{BB962C8B-B14F-4D97-AF65-F5344CB8AC3E}">
-        <p14:creationId xmlns:p14="http://schemas.microsoft.com/office/powerpoint/2010/main" val="2298715815"/>
+        <p14:creationId xmlns:p14="http://schemas.microsoft.com/office/powerpoint/2010/main" val="918256988"/>
       </p:ext>
     </p:extLst>
   </p:cSld>
@@ -1881,7 +1799,95 @@
           <a:bodyPr/>
           <a:lstStyle/>
           <a:p>
+            <a:r>
+              <a:rPr lang="it-CH" dirty="0"/>
+              <a:t>Metodo </a:t>
+            </a:r>
+            <a:r>
+              <a:rPr lang="it-CH" dirty="0" err="1"/>
+              <a:t>sendCommand</a:t>
+            </a:r>
+            <a:r>
+              <a:rPr lang="it-CH" dirty="0"/>
+              <a:t> della classe </a:t>
+            </a:r>
+            <a:r>
+              <a:rPr lang="it-CH" dirty="0" err="1"/>
+              <a:t>DroneController</a:t>
+            </a:r>
             <a:endParaRPr lang="it-CH" dirty="0"/>
+          </a:p>
+          <a:p>
+            <a:r>
+              <a:rPr lang="it-CH" dirty="0">
+                <a:sym typeface="Wingdings" panose="05000000000000000000" pitchFamily="2" charset="2"/>
+              </a:rPr>
+              <a:t> Parametro «</a:t>
+            </a:r>
+            <a:r>
+              <a:rPr lang="it-CH" dirty="0" err="1">
+                <a:sym typeface="Wingdings" panose="05000000000000000000" pitchFamily="2" charset="2"/>
+              </a:rPr>
+              <a:t>command</a:t>
+            </a:r>
+            <a:r>
+              <a:rPr lang="it-CH" dirty="0">
+                <a:sym typeface="Wingdings" panose="05000000000000000000" pitchFamily="2" charset="2"/>
+              </a:rPr>
+              <a:t>», generato dalla classe «</a:t>
+            </a:r>
+            <a:r>
+              <a:rPr lang="it-CH" dirty="0" err="1">
+                <a:sym typeface="Wingdings" panose="05000000000000000000" pitchFamily="2" charset="2"/>
+              </a:rPr>
+              <a:t>Commands</a:t>
+            </a:r>
+            <a:r>
+              <a:rPr lang="it-CH" dirty="0">
+                <a:sym typeface="Wingdings" panose="05000000000000000000" pitchFamily="2" charset="2"/>
+              </a:rPr>
+              <a:t>»</a:t>
+            </a:r>
+            <a:endParaRPr lang="it-CH" dirty="0"/>
+          </a:p>
+          <a:p>
+            <a:pPr marL="171450" indent="-171450">
+              <a:buFont typeface="Wingdings" panose="05000000000000000000" pitchFamily="2" charset="2"/>
+              <a:buChar char="à"/>
+            </a:pPr>
+            <a:r>
+              <a:rPr lang="it-CH" dirty="0">
+                <a:sym typeface="Wingdings" panose="05000000000000000000" pitchFamily="2" charset="2"/>
+              </a:rPr>
+              <a:t>Usa TCP </a:t>
+            </a:r>
+            <a:r>
+              <a:rPr lang="it-CH" dirty="0" err="1">
+                <a:sym typeface="Wingdings" panose="05000000000000000000" pitchFamily="2" charset="2"/>
+              </a:rPr>
+              <a:t>Socket</a:t>
+            </a:r>
+            <a:endParaRPr lang="it-CH" dirty="0">
+              <a:sym typeface="Wingdings" panose="05000000000000000000" pitchFamily="2" charset="2"/>
+            </a:endParaRPr>
+          </a:p>
+          <a:p>
+            <a:pPr marL="171450" indent="-171450">
+              <a:buFont typeface="Wingdings" panose="05000000000000000000" pitchFamily="2" charset="2"/>
+              <a:buChar char="à"/>
+            </a:pPr>
+            <a:r>
+              <a:rPr lang="it-CH" dirty="0" err="1">
+                <a:sym typeface="Wingdings" panose="05000000000000000000" pitchFamily="2" charset="2"/>
+              </a:rPr>
+              <a:t>Listener</a:t>
+            </a:r>
+            <a:r>
+              <a:rPr lang="it-CH" dirty="0">
+                <a:sym typeface="Wingdings" panose="05000000000000000000" pitchFamily="2" charset="2"/>
+              </a:rPr>
+              <a:t> per notificare</a:t>
+            </a:r>
           </a:p>
         </p:txBody>
       </p:sp>
@@ -1902,7 +1908,7 @@
           <a:p>
             <a:fld id="{FD2CFA8D-4E29-41DB-B61B-69A41B9506B3}" type="slidenum">
               <a:rPr lang="it-CH" smtClean="0"/>
-              <a:t>28</a:t>
+              <a:t>30</a:t>
             </a:fld>
             <a:endParaRPr lang="it-CH"/>
           </a:p>
@@ -1911,7 +1917,7 @@
     </p:spTree>
     <p:extLst>
       <p:ext uri="{BB962C8B-B14F-4D97-AF65-F5344CB8AC3E}">
-        <p14:creationId xmlns:p14="http://schemas.microsoft.com/office/powerpoint/2010/main" val="1682093913"/>
+        <p14:creationId xmlns:p14="http://schemas.microsoft.com/office/powerpoint/2010/main" val="2298715815"/>
       </p:ext>
     </p:extLst>
   </p:cSld>
@@ -1965,37 +1971,7 @@
           <a:bodyPr/>
           <a:lstStyle/>
           <a:p>
-            <a:pPr marL="628650" lvl="1" indent="-171450">
-              <a:buFont typeface="Arial" panose="020B0604020202020204" pitchFamily="34" charset="0"/>
-              <a:buChar char="•"/>
-            </a:pPr>
-            <a:endParaRPr lang="it-CH" dirty="0">
-              <a:sym typeface="Wingdings" panose="05000000000000000000" pitchFamily="2" charset="2"/>
-            </a:endParaRPr>
-          </a:p>
-          <a:p>
-            <a:pPr marL="171450" lvl="0" indent="-171450">
-              <a:buFont typeface="Arial" panose="020B0604020202020204" pitchFamily="34" charset="0"/>
-              <a:buChar char="•"/>
-            </a:pPr>
-            <a:r>
-              <a:rPr lang="it-CH" dirty="0">
-                <a:sym typeface="Wingdings" panose="05000000000000000000" pitchFamily="2" charset="2"/>
-              </a:rPr>
-              <a:t>Recording</a:t>
-            </a:r>
-          </a:p>
-          <a:p>
-            <a:pPr marL="628650" lvl="1" indent="-171450">
-              <a:buFont typeface="Arial" panose="020B0604020202020204" pitchFamily="34" charset="0"/>
-              <a:buChar char="•"/>
-            </a:pPr>
-            <a:r>
-              <a:rPr lang="it-CH" dirty="0">
-                <a:sym typeface="Wingdings" panose="05000000000000000000" pitchFamily="2" charset="2"/>
-              </a:rPr>
-              <a:t>Gestione registrazione dei voli ed esecuzione dei voli registrati</a:t>
-            </a:r>
+            <a:endParaRPr lang="it-CH" dirty="0"/>
           </a:p>
         </p:txBody>
       </p:sp>
@@ -2016,7 +1992,7 @@
           <a:p>
             <a:fld id="{FD2CFA8D-4E29-41DB-B61B-69A41B9506B3}" type="slidenum">
               <a:rPr lang="it-CH" smtClean="0"/>
-              <a:t>32</a:t>
+              <a:t>31</a:t>
             </a:fld>
             <a:endParaRPr lang="it-CH"/>
           </a:p>
@@ -2025,7 +2001,7 @@
     </p:spTree>
     <p:extLst>
       <p:ext uri="{BB962C8B-B14F-4D97-AF65-F5344CB8AC3E}">
-        <p14:creationId xmlns:p14="http://schemas.microsoft.com/office/powerpoint/2010/main" val="1665204916"/>
+        <p14:creationId xmlns:p14="http://schemas.microsoft.com/office/powerpoint/2010/main" val="1682093913"/>
       </p:ext>
     </p:extLst>
   </p:cSld>
@@ -2130,7 +2106,7 @@
           <a:p>
             <a:fld id="{FD2CFA8D-4E29-41DB-B61B-69A41B9506B3}" type="slidenum">
               <a:rPr lang="it-CH" smtClean="0"/>
-              <a:t>33</a:t>
+              <a:t>35</a:t>
             </a:fld>
             <a:endParaRPr lang="it-CH"/>
           </a:p>
@@ -2139,7 +2115,7 @@
     </p:spTree>
     <p:extLst>
       <p:ext uri="{BB962C8B-B14F-4D97-AF65-F5344CB8AC3E}">
-        <p14:creationId xmlns:p14="http://schemas.microsoft.com/office/powerpoint/2010/main" val="478034945"/>
+        <p14:creationId xmlns:p14="http://schemas.microsoft.com/office/powerpoint/2010/main" val="1665204916"/>
       </p:ext>
     </p:extLst>
   </p:cSld>
@@ -2244,7 +2220,7 @@
           <a:p>
             <a:fld id="{FD2CFA8D-4E29-41DB-B61B-69A41B9506B3}" type="slidenum">
               <a:rPr lang="it-CH" smtClean="0"/>
-              <a:t>34</a:t>
+              <a:t>36</a:t>
             </a:fld>
             <a:endParaRPr lang="it-CH"/>
           </a:p>
@@ -2253,7 +2229,7 @@
     </p:spTree>
     <p:extLst>
       <p:ext uri="{BB962C8B-B14F-4D97-AF65-F5344CB8AC3E}">
-        <p14:creationId xmlns:p14="http://schemas.microsoft.com/office/powerpoint/2010/main" val="1983228458"/>
+        <p14:creationId xmlns:p14="http://schemas.microsoft.com/office/powerpoint/2010/main" val="478034945"/>
       </p:ext>
     </p:extLst>
   </p:cSld>
@@ -2307,6 +2283,120 @@
           <a:bodyPr/>
           <a:lstStyle/>
           <a:p>
+            <a:pPr marL="628650" lvl="1" indent="-171450">
+              <a:buFont typeface="Arial" panose="020B0604020202020204" pitchFamily="34" charset="0"/>
+              <a:buChar char="•"/>
+            </a:pPr>
+            <a:endParaRPr lang="it-CH" dirty="0">
+              <a:sym typeface="Wingdings" panose="05000000000000000000" pitchFamily="2" charset="2"/>
+            </a:endParaRPr>
+          </a:p>
+          <a:p>
+            <a:pPr marL="171450" lvl="0" indent="-171450">
+              <a:buFont typeface="Arial" panose="020B0604020202020204" pitchFamily="34" charset="0"/>
+              <a:buChar char="•"/>
+            </a:pPr>
+            <a:r>
+              <a:rPr lang="it-CH" dirty="0">
+                <a:sym typeface="Wingdings" panose="05000000000000000000" pitchFamily="2" charset="2"/>
+              </a:rPr>
+              <a:t>Recording</a:t>
+            </a:r>
+          </a:p>
+          <a:p>
+            <a:pPr marL="628650" lvl="1" indent="-171450">
+              <a:buFont typeface="Arial" panose="020B0604020202020204" pitchFamily="34" charset="0"/>
+              <a:buChar char="•"/>
+            </a:pPr>
+            <a:r>
+              <a:rPr lang="it-CH" dirty="0">
+                <a:sym typeface="Wingdings" panose="05000000000000000000" pitchFamily="2" charset="2"/>
+              </a:rPr>
+              <a:t>Gestione registrazione dei voli ed esecuzione dei voli registrati</a:t>
+            </a:r>
+          </a:p>
+        </p:txBody>
+      </p:sp>
+      <p:sp>
+        <p:nvSpPr>
+          <p:cNvPr id="4" name="Segnaposto numero diapositiva 3"/>
+          <p:cNvSpPr>
+            <a:spLocks noGrp="1"/>
+          </p:cNvSpPr>
+          <p:nvPr>
+            <p:ph type="sldNum" sz="quarter" idx="5"/>
+          </p:nvPr>
+        </p:nvSpPr>
+        <p:spPr/>
+        <p:txBody>
+          <a:bodyPr/>
+          <a:lstStyle/>
+          <a:p>
+            <a:fld id="{FD2CFA8D-4E29-41DB-B61B-69A41B9506B3}" type="slidenum">
+              <a:rPr lang="it-CH" smtClean="0"/>
+              <a:t>37</a:t>
+            </a:fld>
+            <a:endParaRPr lang="it-CH"/>
+          </a:p>
+        </p:txBody>
+      </p:sp>
+    </p:spTree>
+    <p:extLst>
+      <p:ext uri="{BB962C8B-B14F-4D97-AF65-F5344CB8AC3E}">
+        <p14:creationId xmlns:p14="http://schemas.microsoft.com/office/powerpoint/2010/main" val="1983228458"/>
+      </p:ext>
+    </p:extLst>
+  </p:cSld>
+  <p:clrMapOvr>
+    <a:masterClrMapping/>
+  </p:clrMapOvr>
+</p:notes>
+</file>
+
+<file path=ppt/notesSlides/notesSlide25.xml><?xml version="1.0" encoding="utf-8"?>
+<p:notes xmlns:a="http://schemas.openxmlformats.org/drawingml/2006/main" xmlns:r="http://schemas.openxmlformats.org/officeDocument/2006/relationships" xmlns:p="http://schemas.openxmlformats.org/presentationml/2006/main">
+  <p:cSld>
+    <p:spTree>
+      <p:nvGrpSpPr>
+        <p:cNvPr id="1" name=""/>
+        <p:cNvGrpSpPr/>
+        <p:nvPr/>
+      </p:nvGrpSpPr>
+      <p:grpSpPr>
+        <a:xfrm>
+          <a:off x="0" y="0"/>
+          <a:ext cx="0" cy="0"/>
+          <a:chOff x="0" y="0"/>
+          <a:chExt cx="0" cy="0"/>
+        </a:xfrm>
+      </p:grpSpPr>
+      <p:sp>
+        <p:nvSpPr>
+          <p:cNvPr id="2" name="Segnaposto immagine diapositiva 1"/>
+          <p:cNvSpPr>
+            <a:spLocks noGrp="1" noRot="1" noChangeAspect="1"/>
+          </p:cNvSpPr>
+          <p:nvPr>
+            <p:ph type="sldImg"/>
+          </p:nvPr>
+        </p:nvSpPr>
+        <p:spPr/>
+      </p:sp>
+      <p:sp>
+        <p:nvSpPr>
+          <p:cNvPr id="3" name="Segnaposto note 2"/>
+          <p:cNvSpPr>
+            <a:spLocks noGrp="1"/>
+          </p:cNvSpPr>
+          <p:nvPr>
+            <p:ph type="body" idx="1"/>
+          </p:nvPr>
+        </p:nvSpPr>
+        <p:spPr/>
+        <p:txBody>
+          <a:bodyPr/>
+          <a:lstStyle/>
+          <a:p>
             <a:r>
               <a:rPr lang="it-CH" dirty="0"/>
               <a:t>TC </a:t>
@@ -2615,7 +2705,7 @@
           <a:p>
             <a:fld id="{FD2CFA8D-4E29-41DB-B61B-69A41B9506B3}" type="slidenum">
               <a:rPr lang="it-CH" smtClean="0"/>
-              <a:t>35</a:t>
+              <a:t>38</a:t>
             </a:fld>
             <a:endParaRPr lang="it-CH"/>
           </a:p>
@@ -2634,7 +2724,7 @@
 </p:notes>
 </file>
 
-<file path=ppt/notesSlides/notesSlide25.xml><?xml version="1.0" encoding="utf-8"?>
+<file path=ppt/notesSlides/notesSlide26.xml><?xml version="1.0" encoding="utf-8"?>
 <p:notes xmlns:a="http://schemas.openxmlformats.org/drawingml/2006/main" xmlns:r="http://schemas.openxmlformats.org/officeDocument/2006/relationships" xmlns:p="http://schemas.openxmlformats.org/presentationml/2006/main">
   <p:cSld>
     <p:spTree>
@@ -2769,7 +2859,7 @@
           <a:p>
             <a:fld id="{FD2CFA8D-4E29-41DB-B61B-69A41B9506B3}" type="slidenum">
               <a:rPr lang="it-CH" smtClean="0"/>
-              <a:t>36</a:t>
+              <a:t>39</a:t>
             </a:fld>
             <a:endParaRPr lang="it-CH"/>
           </a:p>
@@ -3449,7 +3539,7 @@
           <a:p>
             <a:fld id="{FD2CFA8D-4E29-41DB-B61B-69A41B9506B3}" type="slidenum">
               <a:rPr lang="it-CH" smtClean="0"/>
-              <a:t>12</a:t>
+              <a:t>11</a:t>
             </a:fld>
             <a:endParaRPr lang="it-CH"/>
           </a:p>
@@ -3458,7 +3548,7 @@
     </p:spTree>
     <p:extLst>
       <p:ext uri="{BB962C8B-B14F-4D97-AF65-F5344CB8AC3E}">
-        <p14:creationId xmlns:p14="http://schemas.microsoft.com/office/powerpoint/2010/main" val="1983135393"/>
+        <p14:creationId xmlns:p14="http://schemas.microsoft.com/office/powerpoint/2010/main" val="2895638655"/>
       </p:ext>
     </p:extLst>
   </p:cSld>
@@ -3568,7 +3658,7 @@
           <a:p>
             <a:fld id="{63937D59-5EDB-4C39-B697-625748F703B6}" type="datetimeFigureOut">
               <a:rPr lang="en-US" smtClean="0"/>
-              <a:t>5/24/19</a:t>
+              <a:t>5/24/2019</a:t>
             </a:fld>
             <a:endParaRPr lang="en-US"/>
           </a:p>
@@ -3610,7 +3700,7 @@
           <a:p>
             <a:fld id="{0F31DC1F-5561-484E-AB46-68C682854F61}" type="slidenum">
               <a:rPr lang="en-US" smtClean="0"/>
-              <a:t>‹#›</a:t>
+              <a:t>‹N›</a:t>
             </a:fld>
             <a:endParaRPr lang="en-US"/>
           </a:p>
@@ -3663,7 +3753,7 @@
           <a:p>
             <a:fld id="{63937D59-5EDB-4C39-B697-625748F703B6}" type="datetimeFigureOut">
               <a:rPr lang="en-US" smtClean="0"/>
-              <a:t>5/24/19</a:t>
+              <a:t>5/24/2019</a:t>
             </a:fld>
             <a:endParaRPr lang="en-US"/>
           </a:p>
@@ -3705,7 +3795,7 @@
           <a:p>
             <a:fld id="{0F31DC1F-5561-484E-AB46-68C682854F61}" type="slidenum">
               <a:rPr lang="en-US" smtClean="0"/>
-              <a:t>‹#›</a:t>
+              <a:t>‹N›</a:t>
             </a:fld>
             <a:endParaRPr lang="en-US"/>
           </a:p>
@@ -3938,7 +4028,7 @@
           <a:p>
             <a:fld id="{63937D59-5EDB-4C39-B697-625748F703B6}" type="datetimeFigureOut">
               <a:rPr lang="en-US" smtClean="0"/>
-              <a:t>5/24/19</a:t>
+              <a:t>5/24/2019</a:t>
             </a:fld>
             <a:endParaRPr lang="en-US"/>
           </a:p>
@@ -3980,7 +4070,7 @@
           <a:p>
             <a:fld id="{0F31DC1F-5561-484E-AB46-68C682854F61}" type="slidenum">
               <a:rPr lang="en-US" smtClean="0"/>
-              <a:t>‹#›</a:t>
+              <a:t>‹N›</a:t>
             </a:fld>
             <a:endParaRPr lang="en-US"/>
           </a:p>
@@ -4190,7 +4280,7 @@
           <a:p>
             <a:fld id="{63937D59-5EDB-4C39-B697-625748F703B6}" type="datetimeFigureOut">
               <a:rPr lang="en-US" smtClean="0"/>
-              <a:t>5/24/19</a:t>
+              <a:t>5/24/2019</a:t>
             </a:fld>
             <a:endParaRPr lang="en-US"/>
           </a:p>
@@ -4232,7 +4322,7 @@
           <a:p>
             <a:fld id="{0F31DC1F-5561-484E-AB46-68C682854F61}" type="slidenum">
               <a:rPr lang="en-US" smtClean="0"/>
-              <a:t>‹#›</a:t>
+              <a:t>‹N›</a:t>
             </a:fld>
             <a:endParaRPr lang="en-US"/>
           </a:p>
@@ -4358,7 +4448,7 @@
           <a:p>
             <a:fld id="{63937D59-5EDB-4C39-B697-625748F703B6}" type="datetimeFigureOut">
               <a:rPr lang="en-US" smtClean="0"/>
-              <a:t>5/24/19</a:t>
+              <a:t>5/24/2019</a:t>
             </a:fld>
             <a:endParaRPr lang="en-US"/>
           </a:p>
@@ -4400,7 +4490,7 @@
           <a:p>
             <a:fld id="{0F31DC1F-5561-484E-AB46-68C682854F61}" type="slidenum">
               <a:rPr lang="en-US" smtClean="0"/>
-              <a:t>‹#›</a:t>
+              <a:t>‹N›</a:t>
             </a:fld>
             <a:endParaRPr lang="en-US"/>
           </a:p>
@@ -4536,7 +4626,7 @@
           <a:p>
             <a:fld id="{63937D59-5EDB-4C39-B697-625748F703B6}" type="datetimeFigureOut">
               <a:rPr lang="en-US" smtClean="0"/>
-              <a:t>5/24/19</a:t>
+              <a:t>5/24/2019</a:t>
             </a:fld>
             <a:endParaRPr lang="en-US"/>
           </a:p>
@@ -4578,7 +4668,7 @@
           <a:p>
             <a:fld id="{0F31DC1F-5561-484E-AB46-68C682854F61}" type="slidenum">
               <a:rPr lang="en-US" smtClean="0"/>
-              <a:t>‹#›</a:t>
+              <a:t>‹N›</a:t>
             </a:fld>
             <a:endParaRPr lang="en-US"/>
           </a:p>
@@ -4588,6 +4678,184 @@
     <p:extLst>
       <p:ext uri="{BB962C8B-B14F-4D97-AF65-F5344CB8AC3E}">
         <p14:creationId xmlns:p14="http://schemas.microsoft.com/office/powerpoint/2010/main" val="4240091250"/>
+      </p:ext>
+    </p:extLst>
+  </p:cSld>
+  <p:clrMapOvr>
+    <a:masterClrMapping/>
+  </p:clrMapOvr>
+</p:sldLayout>
+</file>
+
+<file path=ppt/slideLayouts/slideLayout16.xml><?xml version="1.0" encoding="utf-8"?>
+<p:sldLayout xmlns:a="http://schemas.openxmlformats.org/drawingml/2006/main" xmlns:r="http://schemas.openxmlformats.org/officeDocument/2006/relationships" xmlns:p="http://schemas.openxmlformats.org/presentationml/2006/main" userDrawn="1">
+  <p:cSld name="1_Title and Content">
+    <p:bg>
+      <p:bgPr>
+        <a:blipFill dpi="0" rotWithShape="1">
+          <a:blip r:embed="rId2">
+            <a:lum/>
+          </a:blip>
+          <a:srcRect/>
+          <a:stretch>
+            <a:fillRect/>
+          </a:stretch>
+        </a:blipFill>
+        <a:effectLst/>
+      </p:bgPr>
+    </p:bg>
+    <p:spTree>
+      <p:nvGrpSpPr>
+        <p:cNvPr id="1" name=""/>
+        <p:cNvGrpSpPr/>
+        <p:nvPr/>
+      </p:nvGrpSpPr>
+      <p:grpSpPr>
+        <a:xfrm>
+          <a:off x="0" y="0"/>
+          <a:ext cx="0" cy="0"/>
+          <a:chOff x="0" y="0"/>
+          <a:chExt cx="0" cy="0"/>
+        </a:xfrm>
+      </p:grpSpPr>
+      <p:sp>
+        <p:nvSpPr>
+          <p:cNvPr id="2" name="Title 1"/>
+          <p:cNvSpPr>
+            <a:spLocks noGrp="1"/>
+          </p:cNvSpPr>
+          <p:nvPr>
+            <p:ph type="title" hasCustomPrompt="1"/>
+          </p:nvPr>
+        </p:nvSpPr>
+        <p:spPr>
+          <a:xfrm>
+            <a:off x="1619672" y="0"/>
+            <a:ext cx="7524328" cy="884466"/>
+          </a:xfrm>
+          <a:prstGeom prst="rect">
+            <a:avLst/>
+          </a:prstGeom>
+        </p:spPr>
+        <p:txBody>
+          <a:bodyPr anchor="ctr"/>
+          <a:lstStyle>
+            <a:lvl1pPr algn="l">
+              <a:defRPr>
+                <a:solidFill>
+                  <a:schemeClr val="tx1">
+                    <a:lumMod val="75000"/>
+                    <a:lumOff val="25000"/>
+                  </a:schemeClr>
+                </a:solidFill>
+                <a:latin typeface="Arial" pitchFamily="34" charset="0"/>
+                <a:cs typeface="Arial" pitchFamily="34" charset="0"/>
+              </a:defRPr>
+            </a:lvl1pPr>
+          </a:lstStyle>
+          <a:p>
+            <a:r>
+              <a:rPr lang="en-US" altLang="ko-KR" dirty="0"/>
+              <a:t>Free PPT _ Click to add title</a:t>
+            </a:r>
+            <a:endParaRPr lang="ko-KR" altLang="en-US" dirty="0"/>
+          </a:p>
+        </p:txBody>
+      </p:sp>
+      <p:sp>
+        <p:nvSpPr>
+          <p:cNvPr id="4" name="Content Placeholder 2"/>
+          <p:cNvSpPr>
+            <a:spLocks noGrp="1"/>
+          </p:cNvSpPr>
+          <p:nvPr>
+            <p:ph idx="1"/>
+          </p:nvPr>
+        </p:nvSpPr>
+        <p:spPr>
+          <a:xfrm>
+            <a:off x="1979712" y="987574"/>
+            <a:ext cx="6912768" cy="460648"/>
+          </a:xfrm>
+          <a:prstGeom prst="rect">
+            <a:avLst/>
+          </a:prstGeom>
+        </p:spPr>
+        <p:txBody>
+          <a:bodyPr anchor="ctr"/>
+          <a:lstStyle>
+            <a:lvl1pPr marL="0" indent="0">
+              <a:buNone/>
+              <a:defRPr sz="2000">
+                <a:solidFill>
+                  <a:schemeClr val="tx1">
+                    <a:lumMod val="75000"/>
+                    <a:lumOff val="25000"/>
+                  </a:schemeClr>
+                </a:solidFill>
+                <a:latin typeface="Arial" pitchFamily="34" charset="0"/>
+                <a:cs typeface="Arial" pitchFamily="34" charset="0"/>
+              </a:defRPr>
+            </a:lvl1pPr>
+          </a:lstStyle>
+          <a:p>
+            <a:pPr lvl="0"/>
+            <a:r>
+              <a:rPr lang="en-US" altLang="ko-KR" dirty="0"/>
+              <a:t>Click to edit Master text styles</a:t>
+            </a:r>
+          </a:p>
+        </p:txBody>
+      </p:sp>
+      <p:sp>
+        <p:nvSpPr>
+          <p:cNvPr id="5" name="Content Placeholder 2"/>
+          <p:cNvSpPr>
+            <a:spLocks noGrp="1"/>
+          </p:cNvSpPr>
+          <p:nvPr>
+            <p:ph idx="10"/>
+          </p:nvPr>
+        </p:nvSpPr>
+        <p:spPr>
+          <a:xfrm>
+            <a:off x="1990056" y="1664245"/>
+            <a:ext cx="6912768" cy="2995737"/>
+          </a:xfrm>
+          <a:prstGeom prst="rect">
+            <a:avLst/>
+          </a:prstGeom>
+        </p:spPr>
+        <p:txBody>
+          <a:bodyPr lIns="396000" anchor="t"/>
+          <a:lstStyle>
+            <a:lvl1pPr marL="0" indent="0">
+              <a:buNone/>
+              <a:defRPr sz="1400">
+                <a:solidFill>
+                  <a:schemeClr val="tx1">
+                    <a:lumMod val="75000"/>
+                    <a:lumOff val="25000"/>
+                  </a:schemeClr>
+                </a:solidFill>
+                <a:latin typeface="Arial" pitchFamily="34" charset="0"/>
+                <a:cs typeface="Arial" pitchFamily="34" charset="0"/>
+              </a:defRPr>
+            </a:lvl1pPr>
+          </a:lstStyle>
+          <a:p>
+            <a:pPr lvl="0"/>
+            <a:r>
+              <a:rPr lang="en-US" altLang="ko-KR" dirty="0"/>
+              <a:t>Click to edit Master text styles</a:t>
+            </a:r>
+          </a:p>
+        </p:txBody>
+      </p:sp>
+    </p:spTree>
+    <p:extLst>
+      <p:ext uri="{BB962C8B-B14F-4D97-AF65-F5344CB8AC3E}">
+        <p14:creationId xmlns:p14="http://schemas.microsoft.com/office/powerpoint/2010/main" val="665218549"/>
       </p:ext>
     </p:extLst>
   </p:cSld>
@@ -5184,7 +5452,7 @@
           <a:p>
             <a:fld id="{63937D59-5EDB-4C39-B697-625748F703B6}" type="datetimeFigureOut">
               <a:rPr lang="en-US" smtClean="0"/>
-              <a:t>5/24/19</a:t>
+              <a:t>5/24/2019</a:t>
             </a:fld>
             <a:endParaRPr lang="en-US"/>
           </a:p>
@@ -5242,7 +5510,7 @@
           <a:p>
             <a:fld id="{0F31DC1F-5561-484E-AB46-68C682854F61}" type="slidenum">
               <a:rPr lang="en-US" smtClean="0"/>
-              <a:t>‹#›</a:t>
+              <a:t>‹N›</a:t>
             </a:fld>
             <a:endParaRPr lang="en-US"/>
           </a:p>
@@ -5440,7 +5708,7 @@
           <a:p>
             <a:fld id="{63937D59-5EDB-4C39-B697-625748F703B6}" type="datetimeFigureOut">
               <a:rPr lang="en-US" smtClean="0"/>
-              <a:t>5/24/19</a:t>
+              <a:t>5/24/2019</a:t>
             </a:fld>
             <a:endParaRPr lang="en-US"/>
           </a:p>
@@ -5482,7 +5750,7 @@
           <a:p>
             <a:fld id="{0F31DC1F-5561-484E-AB46-68C682854F61}" type="slidenum">
               <a:rPr lang="en-US" smtClean="0"/>
-              <a:t>‹#›</a:t>
+              <a:t>‹N›</a:t>
             </a:fld>
             <a:endParaRPr lang="en-US"/>
           </a:p>
@@ -5608,7 +5876,7 @@
           <a:p>
             <a:fld id="{63937D59-5EDB-4C39-B697-625748F703B6}" type="datetimeFigureOut">
               <a:rPr lang="en-US" smtClean="0"/>
-              <a:t>5/24/19</a:t>
+              <a:t>5/24/2019</a:t>
             </a:fld>
             <a:endParaRPr lang="en-US"/>
           </a:p>
@@ -5650,7 +5918,7 @@
           <a:p>
             <a:fld id="{0F31DC1F-5561-484E-AB46-68C682854F61}" type="slidenum">
               <a:rPr lang="en-US" smtClean="0"/>
-              <a:t>‹#›</a:t>
+              <a:t>‹N›</a:t>
             </a:fld>
             <a:endParaRPr lang="en-US"/>
           </a:p>
@@ -5853,7 +6121,7 @@
           <a:p>
             <a:fld id="{63937D59-5EDB-4C39-B697-625748F703B6}" type="datetimeFigureOut">
               <a:rPr lang="en-US" smtClean="0"/>
-              <a:t>5/24/19</a:t>
+              <a:t>5/24/2019</a:t>
             </a:fld>
             <a:endParaRPr lang="en-US"/>
           </a:p>
@@ -5895,7 +6163,7 @@
           <a:p>
             <a:fld id="{0F31DC1F-5561-484E-AB46-68C682854F61}" type="slidenum">
               <a:rPr lang="en-US" smtClean="0"/>
-              <a:t>‹#›</a:t>
+              <a:t>‹N›</a:t>
             </a:fld>
             <a:endParaRPr lang="en-US"/>
           </a:p>
@@ -6138,7 +6406,7 @@
           <a:p>
             <a:fld id="{63937D59-5EDB-4C39-B697-625748F703B6}" type="datetimeFigureOut">
               <a:rPr lang="en-US" smtClean="0"/>
-              <a:t>5/24/19</a:t>
+              <a:t>5/24/2019</a:t>
             </a:fld>
             <a:endParaRPr lang="en-US"/>
           </a:p>
@@ -6180,7 +6448,7 @@
           <a:p>
             <a:fld id="{0F31DC1F-5561-484E-AB46-68C682854F61}" type="slidenum">
               <a:rPr lang="en-US" smtClean="0"/>
-              <a:t>‹#›</a:t>
+              <a:t>‹N›</a:t>
             </a:fld>
             <a:endParaRPr lang="en-US"/>
           </a:p>
@@ -6557,7 +6825,7 @@
           <a:p>
             <a:fld id="{63937D59-5EDB-4C39-B697-625748F703B6}" type="datetimeFigureOut">
               <a:rPr lang="en-US" smtClean="0"/>
-              <a:t>5/24/19</a:t>
+              <a:t>5/24/2019</a:t>
             </a:fld>
             <a:endParaRPr lang="en-US"/>
           </a:p>
@@ -6599,7 +6867,7 @@
           <a:p>
             <a:fld id="{0F31DC1F-5561-484E-AB46-68C682854F61}" type="slidenum">
               <a:rPr lang="en-US" smtClean="0"/>
-              <a:t>‹#›</a:t>
+              <a:t>‹N›</a:t>
             </a:fld>
             <a:endParaRPr lang="en-US"/>
           </a:p>
@@ -7060,7 +7328,7 @@
           <a:p>
             <a:fld id="{63937D59-5EDB-4C39-B697-625748F703B6}" type="datetimeFigureOut">
               <a:rPr lang="en-US" smtClean="0"/>
-              <a:t>5/24/19</a:t>
+              <a:t>5/24/2019</a:t>
             </a:fld>
             <a:endParaRPr lang="en-US"/>
           </a:p>
@@ -7138,7 +7406,7 @@
           <a:p>
             <a:fld id="{0F31DC1F-5561-484E-AB46-68C682854F61}" type="slidenum">
               <a:rPr lang="en-US" smtClean="0"/>
-              <a:t>‹#›</a:t>
+              <a:t>‹N›</a:t>
             </a:fld>
             <a:endParaRPr lang="en-US"/>
           </a:p>
@@ -7164,6 +7432,7 @@
     <p:sldLayoutId id="2147483670" r:id="rId9"/>
     <p:sldLayoutId id="2147483671" r:id="rId10"/>
     <p:sldLayoutId id="2147483672" r:id="rId11"/>
+    <p:sldLayoutId id="2147483674" r:id="rId12"/>
   </p:sldLayoutIdLst>
   <p:txStyles>
     <p:titleStyle>
@@ -7469,10 +7738,7 @@
             <a:r>
               <a:rPr kumimoji="0" lang="en-US" altLang="ko-KR" sz="1200" b="1" dirty="0">
                 <a:solidFill>
-                  <a:schemeClr val="tx1">
-                    <a:lumMod val="75000"/>
-                    <a:lumOff val="25000"/>
-                  </a:schemeClr>
+                  <a:schemeClr val="bg1"/>
                 </a:solidFill>
                 <a:latin typeface="Arial" pitchFamily="34" charset="0"/>
                 <a:cs typeface="Arial" pitchFamily="34" charset="0"/>
@@ -7482,10 +7748,7 @@
             <a:r>
               <a:rPr kumimoji="0" lang="en-US" altLang="ko-KR" sz="1200" b="1" dirty="0" err="1">
                 <a:solidFill>
-                  <a:schemeClr val="tx1">
-                    <a:lumMod val="75000"/>
-                    <a:lumOff val="25000"/>
-                  </a:schemeClr>
+                  <a:schemeClr val="bg1"/>
                 </a:solidFill>
                 <a:latin typeface="Arial" pitchFamily="34" charset="0"/>
                 <a:cs typeface="Arial" pitchFamily="34" charset="0"/>
@@ -7495,10 +7758,7 @@
             <a:r>
               <a:rPr lang="en-US" altLang="ko-KR" sz="1200" b="1" dirty="0">
                 <a:solidFill>
-                  <a:schemeClr val="tx1">
-                    <a:lumMod val="75000"/>
-                    <a:lumOff val="25000"/>
-                  </a:schemeClr>
+                  <a:schemeClr val="bg1"/>
                 </a:solidFill>
                 <a:latin typeface="Arial" pitchFamily="34" charset="0"/>
                 <a:cs typeface="Arial" pitchFamily="34" charset="0"/>
@@ -7508,10 +7768,7 @@
             <a:r>
               <a:rPr kumimoji="0" lang="en-US" altLang="ko-KR" sz="1200" b="1" dirty="0">
                 <a:solidFill>
-                  <a:schemeClr val="tx1">
-                    <a:lumMod val="75000"/>
-                    <a:lumOff val="25000"/>
-                  </a:schemeClr>
+                  <a:schemeClr val="bg1"/>
                 </a:solidFill>
                 <a:latin typeface="Arial" pitchFamily="34" charset="0"/>
                 <a:cs typeface="Arial" pitchFamily="34" charset="0"/>
@@ -7521,10 +7778,7 @@
             <a:r>
               <a:rPr kumimoji="0" lang="en-US" altLang="ko-KR" sz="1200" b="1" dirty="0" err="1">
                 <a:solidFill>
-                  <a:schemeClr val="tx1">
-                    <a:lumMod val="75000"/>
-                    <a:lumOff val="25000"/>
-                  </a:schemeClr>
+                  <a:schemeClr val="bg1"/>
                 </a:solidFill>
                 <a:latin typeface="Arial" pitchFamily="34" charset="0"/>
                 <a:cs typeface="Arial" pitchFamily="34" charset="0"/>
@@ -7534,10 +7788,7 @@
             <a:r>
               <a:rPr kumimoji="0" lang="en-US" altLang="ko-KR" sz="1200" b="1" dirty="0">
                 <a:solidFill>
-                  <a:schemeClr val="tx1">
-                    <a:lumMod val="75000"/>
-                    <a:lumOff val="25000"/>
-                  </a:schemeClr>
+                  <a:schemeClr val="bg1"/>
                 </a:solidFill>
                 <a:latin typeface="Arial" pitchFamily="34" charset="0"/>
                 <a:cs typeface="Arial" pitchFamily="34" charset="0"/>
@@ -7547,10 +7798,7 @@
             <a:r>
               <a:rPr kumimoji="0" lang="en-US" altLang="ko-KR" sz="1200" b="1" dirty="0" err="1">
                 <a:solidFill>
-                  <a:schemeClr val="tx1">
-                    <a:lumMod val="75000"/>
-                    <a:lumOff val="25000"/>
-                  </a:schemeClr>
+                  <a:schemeClr val="bg1"/>
                 </a:solidFill>
                 <a:latin typeface="Arial" pitchFamily="34" charset="0"/>
                 <a:cs typeface="Arial" pitchFamily="34" charset="0"/>
@@ -7560,10 +7808,7 @@
             <a:r>
               <a:rPr lang="en-US" altLang="ko-KR" sz="1200" b="1" dirty="0">
                 <a:solidFill>
-                  <a:schemeClr val="tx1">
-                    <a:lumMod val="75000"/>
-                    <a:lumOff val="25000"/>
-                  </a:schemeClr>
+                  <a:schemeClr val="bg1"/>
                 </a:solidFill>
                 <a:latin typeface="Arial" pitchFamily="34" charset="0"/>
                 <a:cs typeface="Arial" pitchFamily="34" charset="0"/>
@@ -7573,10 +7818,7 @@
             <a:r>
               <a:rPr kumimoji="0" lang="en-US" altLang="ko-KR" sz="1200" b="1" dirty="0">
                 <a:solidFill>
-                  <a:schemeClr val="tx1">
-                    <a:lumMod val="75000"/>
-                    <a:lumOff val="25000"/>
-                  </a:schemeClr>
+                  <a:schemeClr val="bg1"/>
                 </a:solidFill>
                 <a:latin typeface="Arial" pitchFamily="34" charset="0"/>
                 <a:cs typeface="Arial" pitchFamily="34" charset="0"/>
@@ -7586,10 +7828,7 @@
             <a:r>
               <a:rPr kumimoji="0" lang="en-US" altLang="ko-KR" sz="1200" b="1" dirty="0" err="1">
                 <a:solidFill>
-                  <a:schemeClr val="tx1">
-                    <a:lumMod val="75000"/>
-                    <a:lumOff val="25000"/>
-                  </a:schemeClr>
+                  <a:schemeClr val="bg1"/>
                 </a:solidFill>
                 <a:latin typeface="Arial" pitchFamily="34" charset="0"/>
                 <a:cs typeface="Arial" pitchFamily="34" charset="0"/>
@@ -7599,10 +7838,7 @@
             <a:r>
               <a:rPr kumimoji="0" lang="en-US" altLang="ko-KR" sz="1200" b="1" dirty="0">
                 <a:solidFill>
-                  <a:schemeClr val="tx1">
-                    <a:lumMod val="75000"/>
-                    <a:lumOff val="25000"/>
-                  </a:schemeClr>
+                  <a:schemeClr val="bg1"/>
                 </a:solidFill>
                 <a:latin typeface="Arial" pitchFamily="34" charset="0"/>
                 <a:cs typeface="Arial" pitchFamily="34" charset="0"/>
@@ -7612,10 +7848,7 @@
             <a:r>
               <a:rPr kumimoji="0" lang="en-US" altLang="ko-KR" sz="1200" b="1" dirty="0" err="1">
                 <a:solidFill>
-                  <a:schemeClr val="tx1">
-                    <a:lumMod val="75000"/>
-                    <a:lumOff val="25000"/>
-                  </a:schemeClr>
+                  <a:schemeClr val="bg1"/>
                 </a:solidFill>
                 <a:latin typeface="Arial" pitchFamily="34" charset="0"/>
                 <a:cs typeface="Arial" pitchFamily="34" charset="0"/>
@@ -7624,10 +7857,7 @@
             </a:r>
             <a:endParaRPr kumimoji="0" lang="en-US" altLang="ko-KR" sz="1200" b="1" dirty="0">
               <a:solidFill>
-                <a:schemeClr val="tx1">
-                  <a:lumMod val="75000"/>
-                  <a:lumOff val="25000"/>
-                </a:schemeClr>
+                <a:schemeClr val="bg1"/>
               </a:solidFill>
               <a:latin typeface="Arial" pitchFamily="34" charset="0"/>
               <a:cs typeface="Arial" pitchFamily="34" charset="0"/>
@@ -7668,10 +7898,7 @@
             <a:r>
               <a:rPr lang="en-US" altLang="ko-KR" sz="3200" b="1" dirty="0">
                 <a:solidFill>
-                  <a:schemeClr val="tx1">
-                    <a:lumMod val="75000"/>
-                    <a:lumOff val="25000"/>
-                  </a:schemeClr>
+                  <a:schemeClr val="bg1"/>
                 </a:solidFill>
                 <a:latin typeface="Arial" pitchFamily="34" charset="0"/>
                 <a:ea typeface="맑은 고딕" pitchFamily="50" charset="-127"/>
@@ -7709,10 +7936,7 @@
             <a:r>
               <a:rPr lang="it-CH" altLang="ko-KR" sz="800" dirty="0">
                 <a:solidFill>
-                  <a:schemeClr val="tx1">
-                    <a:lumMod val="75000"/>
-                    <a:lumOff val="25000"/>
-                  </a:schemeClr>
+                  <a:schemeClr val="bg1"/>
                 </a:solidFill>
                 <a:latin typeface="Arial" pitchFamily="34" charset="0"/>
                 <a:cs typeface="Arial" pitchFamily="34" charset="0"/>
@@ -7721,10 +7945,7 @@
             </a:r>
             <a:endParaRPr lang="ko-KR" altLang="en-US" sz="800" dirty="0">
               <a:solidFill>
-                <a:schemeClr val="tx1">
-                  <a:lumMod val="75000"/>
-                  <a:lumOff val="25000"/>
-                </a:schemeClr>
+                <a:schemeClr val="bg1"/>
               </a:solidFill>
               <a:latin typeface="Arial" pitchFamily="34" charset="0"/>
               <a:cs typeface="Arial" pitchFamily="34" charset="0"/>
@@ -7742,13 +7963,13 @@
   <p:clrMapOvr>
     <a:masterClrMapping/>
   </p:clrMapOvr>
-  <mc:AlternateContent xmlns:mc="http://schemas.openxmlformats.org/markup-compatibility/2006">
-    <mc:Choice xmlns:p159="http://schemas.microsoft.com/office/powerpoint/2015/09/main" xmlns="" Requires="p159">
+  <mc:AlternateContent xmlns:mc="http://schemas.openxmlformats.org/markup-compatibility/2006" xmlns:p159="http://schemas.microsoft.com/office/powerpoint/2015/09/main">
+    <mc:Choice Requires="p159">
       <p:transition xmlns:p14="http://schemas.microsoft.com/office/powerpoint/2010/main" spd="slow" p14:dur="2000">
         <p159:morph option="byWord"/>
       </p:transition>
     </mc:Choice>
-    <mc:Fallback>
+    <mc:Fallback xmlns="">
       <p:transition spd="slow">
         <p:fade/>
       </p:transition>
@@ -7779,7 +8000,7 @@
           <p:cNvPr id="2" name="Titolo 1">
             <a:extLst>
               <a:ext uri="{FF2B5EF4-FFF2-40B4-BE49-F238E27FC236}">
-                <a16:creationId xmlns:a16="http://schemas.microsoft.com/office/drawing/2014/main" xmlns="" id="{43E3691C-E7C5-4E7F-886F-719EBDEB9EFA}"/>
+                <a16:creationId xmlns:a16="http://schemas.microsoft.com/office/drawing/2014/main" id="{43E3691C-E7C5-4E7F-886F-719EBDEB9EFA}"/>
               </a:ext>
             </a:extLst>
           </p:cNvPr>
@@ -7812,7 +8033,7 @@
           <p:cNvPr id="3" name="Segnaposto contenuto 2">
             <a:extLst>
               <a:ext uri="{FF2B5EF4-FFF2-40B4-BE49-F238E27FC236}">
-                <a16:creationId xmlns:a16="http://schemas.microsoft.com/office/drawing/2014/main" xmlns="" id="{115FDC09-7D9E-4775-A49D-99C41027671D}"/>
+                <a16:creationId xmlns:a16="http://schemas.microsoft.com/office/drawing/2014/main" id="{115FDC09-7D9E-4775-A49D-99C41027671D}"/>
               </a:ext>
             </a:extLst>
           </p:cNvPr>
@@ -7867,7 +8088,7 @@
           <p:cNvPr id="11" name="Picture 2" descr="Risultati immagini per drawing compass icon png">
             <a:extLst>
               <a:ext uri="{FF2B5EF4-FFF2-40B4-BE49-F238E27FC236}">
-                <a16:creationId xmlns:a16="http://schemas.microsoft.com/office/drawing/2014/main" xmlns="" id="{86E9AE74-996D-4422-87C9-670486194E12}"/>
+                <a16:creationId xmlns:a16="http://schemas.microsoft.com/office/drawing/2014/main" id="{86E9AE74-996D-4422-87C9-670486194E12}"/>
               </a:ext>
             </a:extLst>
           </p:cNvPr>
@@ -7919,13 +8140,13 @@
   <p:clrMapOvr>
     <a:masterClrMapping/>
   </p:clrMapOvr>
-  <mc:AlternateContent xmlns:mc="http://schemas.openxmlformats.org/markup-compatibility/2006">
-    <mc:Choice xmlns:p159="http://schemas.microsoft.com/office/powerpoint/2015/09/main" xmlns="" Requires="p159">
+  <mc:AlternateContent xmlns:mc="http://schemas.openxmlformats.org/markup-compatibility/2006" xmlns:p159="http://schemas.microsoft.com/office/powerpoint/2015/09/main">
+    <mc:Choice Requires="p159">
       <p:transition xmlns:p14="http://schemas.microsoft.com/office/powerpoint/2010/main" spd="slow" p14:dur="2000">
         <p159:morph option="byWord"/>
       </p:transition>
     </mc:Choice>
-    <mc:Fallback>
+    <mc:Fallback xmlns="">
       <p:transition spd="slow">
         <p:fade/>
       </p:transition>
@@ -7951,66 +8172,59 @@
           <a:chExt cx="0" cy="0"/>
         </a:xfrm>
       </p:grpSpPr>
-      <p:sp>
-        <p:nvSpPr>
-          <p:cNvPr id="2" name="CasellaDiTesto 1">
+      <p:pic>
+        <p:nvPicPr>
+          <p:cNvPr id="4" name="Immagine 3">
             <a:extLst>
               <a:ext uri="{FF2B5EF4-FFF2-40B4-BE49-F238E27FC236}">
-                <a16:creationId xmlns:a16="http://schemas.microsoft.com/office/drawing/2014/main" xmlns="" id="{DF28166C-8E73-4EE8-AFBA-89D1898088EA}"/>
+                <a16:creationId xmlns:a16="http://schemas.microsoft.com/office/drawing/2014/main" id="{2B8F7693-77E0-46D7-A71B-EB51867D50C3}"/>
               </a:ext>
             </a:extLst>
           </p:cNvPr>
-          <p:cNvSpPr txBox="1"/>
+          <p:cNvPicPr>
+            <a:picLocks noChangeAspect="1"/>
+          </p:cNvPicPr>
           <p:nvPr/>
-        </p:nvSpPr>
+        </p:nvPicPr>
+        <p:blipFill>
+          <a:blip r:embed="rId3">
+            <a:extLst>
+              <a:ext uri="{28A0092B-C50C-407E-A947-70E740481C1C}">
+                <a14:useLocalDpi xmlns:a14="http://schemas.microsoft.com/office/drawing/2010/main" val="0"/>
+              </a:ext>
+            </a:extLst>
+          </a:blip>
+          <a:stretch>
+            <a:fillRect/>
+          </a:stretch>
+        </p:blipFill>
         <p:spPr>
           <a:xfrm>
-            <a:off x="899592" y="1203598"/>
-            <a:ext cx="7344816" cy="2554545"/>
+            <a:off x="203190" y="289047"/>
+            <a:ext cx="8737619" cy="4565406"/>
           </a:xfrm>
           <a:prstGeom prst="rect">
             <a:avLst/>
           </a:prstGeom>
-          <a:noFill/>
         </p:spPr>
-        <p:txBody>
-          <a:bodyPr wrap="square" rtlCol="0">
-            <a:spAutoFit/>
-          </a:bodyPr>
-          <a:lstStyle/>
-          <a:p>
-            <a:pPr algn="ctr"/>
-            <a:r>
-              <a:rPr lang="it-CH" sz="8000" dirty="0"/>
-              <a:t>AGGIORNARE </a:t>
-            </a:r>
-          </a:p>
-          <a:p>
-            <a:pPr algn="ctr"/>
-            <a:r>
-              <a:rPr lang="it-CH" sz="8000" dirty="0"/>
-              <a:t>UML</a:t>
-            </a:r>
-          </a:p>
-        </p:txBody>
-      </p:sp>
+      </p:pic>
     </p:spTree>
     <p:extLst>
       <p:ext uri="{BB962C8B-B14F-4D97-AF65-F5344CB8AC3E}">
-        <p14:creationId xmlns:p14="http://schemas.microsoft.com/office/powerpoint/2010/main" val="1595527845"/>
+        <p14:creationId xmlns:p14="http://schemas.microsoft.com/office/powerpoint/2010/main" val="1258452435"/>
       </p:ext>
     </p:extLst>
   </p:cSld>
   <p:clrMapOvr>
     <a:masterClrMapping/>
   </p:clrMapOvr>
-  <mc:AlternateContent xmlns:mc="http://schemas.openxmlformats.org/markup-compatibility/2006">
-    <mc:Choice xmlns:p159="http://schemas.microsoft.com/office/powerpoint/2015/09/main" xmlns="" Requires="p159">
+  <mc:AlternateContent xmlns:mc="http://schemas.openxmlformats.org/markup-compatibility/2006" xmlns:p159="http://schemas.microsoft.com/office/powerpoint/2015/09/main">
+    <mc:Choice Requires="p159">
       <p:transition xmlns:p14="http://schemas.microsoft.com/office/powerpoint/2010/main" spd="slow" p14:dur="2000">
         <p159:morph option="byWord"/>
       </p:transition>
     </mc:Choice>
-    <mc:Fallback>
+    <mc:Fallback xmlns="">
       <p:transition spd="slow">
         <p:fade/>
       </p:transition>
@@ -8022,14 +8236,6 @@
 <file path=ppt/slides/slide12.xml><?xml version="1.0" encoding="utf-8"?>
 <p:sld xmlns:a="http://schemas.openxmlformats.org/drawingml/2006/main" xmlns:r="http://schemas.openxmlformats.org/officeDocument/2006/relationships" xmlns:p="http://schemas.openxmlformats.org/presentationml/2006/main">
   <p:cSld>
-    <p:bg>
-      <p:bgPr>
-        <a:solidFill>
-          <a:schemeClr val="bg1"/>
-        </a:solidFill>
-        <a:effectLst/>
-      </p:bgPr>
-    </p:bg>
     <p:spTree>
       <p:nvGrpSpPr>
         <p:cNvPr id="1" name=""/>
@@ -8046,10 +8252,10 @@
       </p:grpSpPr>
       <p:pic>
         <p:nvPicPr>
-          <p:cNvPr id="2" name="Segnaposto contenuto 4">
+          <p:cNvPr id="5" name="Immagine 4">
             <a:extLst>
               <a:ext uri="{FF2B5EF4-FFF2-40B4-BE49-F238E27FC236}">
-                <a16:creationId xmlns:a16="http://schemas.microsoft.com/office/drawing/2014/main" xmlns="" id="{2801C223-7BF2-4933-A8B8-AF25E7E23AC9}"/>
+                <a16:creationId xmlns:a16="http://schemas.microsoft.com/office/drawing/2014/main" id="{4DE7A639-53AD-4166-AAEA-1439CB9C66FF}"/>
               </a:ext>
             </a:extLst>
           </p:cNvPr>
@@ -8058,21 +8264,163 @@
           </p:cNvPicPr>
           <p:nvPr/>
         </p:nvPicPr>
-        <p:blipFill rotWithShape="1">
-          <a:blip r:embed="rId3">
+        <p:blipFill>
+          <a:blip r:embed="rId2">
             <a:extLst>
               <a:ext uri="{28A0092B-C50C-407E-A947-70E740481C1C}">
                 <a14:useLocalDpi xmlns:a14="http://schemas.microsoft.com/office/drawing/2010/main" val="0"/>
               </a:ext>
             </a:extLst>
           </a:blip>
-          <a:srcRect b="4661"/>
-          <a:stretch/>
+          <a:stretch>
+            <a:fillRect/>
+          </a:stretch>
         </p:blipFill>
         <p:spPr>
           <a:xfrm>
-            <a:off x="19" y="0"/>
-            <a:ext cx="9143999" cy="5143500"/>
+            <a:off x="2987824" y="0"/>
+            <a:ext cx="3384376" cy="5143500"/>
+          </a:xfrm>
+          <a:prstGeom prst="rect">
+            <a:avLst/>
+          </a:prstGeom>
+        </p:spPr>
+      </p:pic>
+      <p:sp>
+        <p:nvSpPr>
+          <p:cNvPr id="6" name="Segnaposto contenuto 2">
+            <a:extLst>
+              <a:ext uri="{FF2B5EF4-FFF2-40B4-BE49-F238E27FC236}">
+                <a16:creationId xmlns:a16="http://schemas.microsoft.com/office/drawing/2014/main" id="{689FCB09-D2DF-40DD-9866-0C7BA1BF3BBA}"/>
+              </a:ext>
+            </a:extLst>
+          </p:cNvPr>
+          <p:cNvSpPr>
+            <a:spLocks noGrp="1"/>
+          </p:cNvSpPr>
+          <p:nvPr>
+            <p:ph idx="1"/>
+          </p:nvPr>
+        </p:nvSpPr>
+        <p:spPr>
+          <a:xfrm>
+            <a:off x="-612576" y="627534"/>
+            <a:ext cx="2736304" cy="5400600"/>
+          </a:xfrm>
+        </p:spPr>
+        <p:txBody>
+          <a:bodyPr vert="wordArtVert"/>
+          <a:lstStyle/>
+          <a:p>
+            <a:r>
+              <a:rPr lang="it-CH" sz="1800" dirty="0">
+                <a:solidFill>
+                  <a:schemeClr val="bg1"/>
+                </a:solidFill>
+              </a:rPr>
+              <a:t>COMMUNICATION</a:t>
+            </a:r>
+          </a:p>
+        </p:txBody>
+      </p:sp>
+    </p:spTree>
+    <p:extLst>
+      <p:ext uri="{BB962C8B-B14F-4D97-AF65-F5344CB8AC3E}">
+        <p14:creationId xmlns:p14="http://schemas.microsoft.com/office/powerpoint/2010/main" val="3344951323"/>
+      </p:ext>
+    </p:extLst>
+  </p:cSld>
+  <p:clrMapOvr>
+    <a:masterClrMapping/>
+  </p:clrMapOvr>
+</p:sld>
+</file>
+
+<file path=ppt/slides/slide13.xml><?xml version="1.0" encoding="utf-8"?>
+<p:sld xmlns:a="http://schemas.openxmlformats.org/drawingml/2006/main" xmlns:r="http://schemas.openxmlformats.org/officeDocument/2006/relationships" xmlns:p="http://schemas.openxmlformats.org/presentationml/2006/main">
+  <p:cSld>
+    <p:spTree>
+      <p:nvGrpSpPr>
+        <p:cNvPr id="1" name=""/>
+        <p:cNvGrpSpPr/>
+        <p:nvPr/>
+      </p:nvGrpSpPr>
+      <p:grpSpPr>
+        <a:xfrm>
+          <a:off x="0" y="0"/>
+          <a:ext cx="0" cy="0"/>
+          <a:chOff x="0" y="0"/>
+          <a:chExt cx="0" cy="0"/>
+        </a:xfrm>
+      </p:grpSpPr>
+      <p:sp>
+        <p:nvSpPr>
+          <p:cNvPr id="6" name="Segnaposto contenuto 2">
+            <a:extLst>
+              <a:ext uri="{FF2B5EF4-FFF2-40B4-BE49-F238E27FC236}">
+                <a16:creationId xmlns:a16="http://schemas.microsoft.com/office/drawing/2014/main" id="{689FCB09-D2DF-40DD-9866-0C7BA1BF3BBA}"/>
+              </a:ext>
+            </a:extLst>
+          </p:cNvPr>
+          <p:cNvSpPr>
+            <a:spLocks noGrp="1"/>
+          </p:cNvSpPr>
+          <p:nvPr>
+            <p:ph idx="1"/>
+          </p:nvPr>
+        </p:nvSpPr>
+        <p:spPr>
+          <a:xfrm>
+            <a:off x="-612576" y="195486"/>
+            <a:ext cx="2736304" cy="4392488"/>
+          </a:xfrm>
+        </p:spPr>
+        <p:txBody>
+          <a:bodyPr vert="wordArtVert"/>
+          <a:lstStyle/>
+          <a:p>
+            <a:pPr algn="ctr"/>
+            <a:r>
+              <a:rPr lang="it-CH" sz="1800" dirty="0">
+                <a:solidFill>
+                  <a:schemeClr val="bg1"/>
+                </a:solidFill>
+              </a:rPr>
+              <a:t>CONTROLLER</a:t>
+            </a:r>
+          </a:p>
+        </p:txBody>
+      </p:sp>
+      <p:pic>
+        <p:nvPicPr>
+          <p:cNvPr id="3" name="Immagine 2">
+            <a:extLst>
+              <a:ext uri="{FF2B5EF4-FFF2-40B4-BE49-F238E27FC236}">
+                <a16:creationId xmlns:a16="http://schemas.microsoft.com/office/drawing/2014/main" id="{F73A68B3-4E6E-4C4C-8B62-FC342F6346B4}"/>
+              </a:ext>
+            </a:extLst>
+          </p:cNvPr>
+          <p:cNvPicPr>
+            <a:picLocks noChangeAspect="1"/>
+          </p:cNvPicPr>
+          <p:nvPr/>
+        </p:nvPicPr>
+        <p:blipFill>
+          <a:blip r:embed="rId2">
+            <a:extLst>
+              <a:ext uri="{28A0092B-C50C-407E-A947-70E740481C1C}">
+                <a14:useLocalDpi xmlns:a14="http://schemas.microsoft.com/office/drawing/2010/main" val="0"/>
+              </a:ext>
+            </a:extLst>
+          </a:blip>
+          <a:stretch>
+            <a:fillRect/>
+          </a:stretch>
+        </p:blipFill>
+        <p:spPr>
+          <a:xfrm>
+            <a:off x="2670258" y="0"/>
+            <a:ext cx="3803483" cy="5143500"/>
           </a:xfrm>
           <a:prstGeom prst="rect">
             <a:avLst/>
@@ -8082,29 +8430,225 @@
     </p:spTree>
     <p:extLst>
       <p:ext uri="{BB962C8B-B14F-4D97-AF65-F5344CB8AC3E}">
-        <p14:creationId xmlns:p14="http://schemas.microsoft.com/office/powerpoint/2010/main" val="2068215019"/>
+        <p14:creationId xmlns:p14="http://schemas.microsoft.com/office/powerpoint/2010/main" val="266128304"/>
       </p:ext>
     </p:extLst>
   </p:cSld>
   <p:clrMapOvr>
     <a:masterClrMapping/>
   </p:clrMapOvr>
-  <mc:AlternateContent xmlns:mc="http://schemas.openxmlformats.org/markup-compatibility/2006">
-    <mc:Choice xmlns:p159="http://schemas.microsoft.com/office/powerpoint/2015/09/main" xmlns="" Requires="p159">
-      <p:transition xmlns:p14="http://schemas.microsoft.com/office/powerpoint/2010/main" spd="slow" p14:dur="2000">
-        <p159:morph option="byWord"/>
-      </p:transition>
-    </mc:Choice>
-    <mc:Fallback>
-      <p:transition spd="slow">
-        <p:fade/>
-      </p:transition>
-    </mc:Fallback>
-  </mc:AlternateContent>
 </p:sld>
 </file>
 
-<file path=ppt/slides/slide13.xml><?xml version="1.0" encoding="utf-8"?>
+<file path=ppt/slides/slide14.xml><?xml version="1.0" encoding="utf-8"?>
+<p:sld xmlns:a="http://schemas.openxmlformats.org/drawingml/2006/main" xmlns:r="http://schemas.openxmlformats.org/officeDocument/2006/relationships" xmlns:p="http://schemas.openxmlformats.org/presentationml/2006/main">
+  <p:cSld>
+    <p:spTree>
+      <p:nvGrpSpPr>
+        <p:cNvPr id="1" name=""/>
+        <p:cNvGrpSpPr/>
+        <p:nvPr/>
+      </p:nvGrpSpPr>
+      <p:grpSpPr>
+        <a:xfrm>
+          <a:off x="0" y="0"/>
+          <a:ext cx="0" cy="0"/>
+          <a:chOff x="0" y="0"/>
+          <a:chExt cx="0" cy="0"/>
+        </a:xfrm>
+      </p:grpSpPr>
+      <p:sp>
+        <p:nvSpPr>
+          <p:cNvPr id="6" name="Segnaposto contenuto 2">
+            <a:extLst>
+              <a:ext uri="{FF2B5EF4-FFF2-40B4-BE49-F238E27FC236}">
+                <a16:creationId xmlns:a16="http://schemas.microsoft.com/office/drawing/2014/main" id="{689FCB09-D2DF-40DD-9866-0C7BA1BF3BBA}"/>
+              </a:ext>
+            </a:extLst>
+          </p:cNvPr>
+          <p:cNvSpPr>
+            <a:spLocks noGrp="1"/>
+          </p:cNvSpPr>
+          <p:nvPr>
+            <p:ph idx="1"/>
+          </p:nvPr>
+        </p:nvSpPr>
+        <p:spPr>
+          <a:xfrm>
+            <a:off x="-612576" y="195486"/>
+            <a:ext cx="2736304" cy="4392488"/>
+          </a:xfrm>
+        </p:spPr>
+        <p:txBody>
+          <a:bodyPr vert="wordArtVert"/>
+          <a:lstStyle/>
+          <a:p>
+            <a:pPr algn="ctr"/>
+            <a:r>
+              <a:rPr lang="it-CH" sz="1800" dirty="0">
+                <a:solidFill>
+                  <a:schemeClr val="bg1"/>
+                </a:solidFill>
+              </a:rPr>
+              <a:t>GUI</a:t>
+            </a:r>
+          </a:p>
+        </p:txBody>
+      </p:sp>
+      <p:pic>
+        <p:nvPicPr>
+          <p:cNvPr id="4" name="Immagine 3">
+            <a:extLst>
+              <a:ext uri="{FF2B5EF4-FFF2-40B4-BE49-F238E27FC236}">
+                <a16:creationId xmlns:a16="http://schemas.microsoft.com/office/drawing/2014/main" id="{B24E6179-B52C-4EF7-8087-3C35AB01D911}"/>
+              </a:ext>
+            </a:extLst>
+          </p:cNvPr>
+          <p:cNvPicPr>
+            <a:picLocks noChangeAspect="1"/>
+          </p:cNvPicPr>
+          <p:nvPr/>
+        </p:nvPicPr>
+        <p:blipFill>
+          <a:blip r:embed="rId2">
+            <a:extLst>
+              <a:ext uri="{28A0092B-C50C-407E-A947-70E740481C1C}">
+                <a14:useLocalDpi xmlns:a14="http://schemas.microsoft.com/office/drawing/2010/main" val="0"/>
+              </a:ext>
+            </a:extLst>
+          </a:blip>
+          <a:stretch>
+            <a:fillRect/>
+          </a:stretch>
+        </p:blipFill>
+        <p:spPr>
+          <a:xfrm>
+            <a:off x="2339752" y="261937"/>
+            <a:ext cx="5534025" cy="4619625"/>
+          </a:xfrm>
+          <a:prstGeom prst="rect">
+            <a:avLst/>
+          </a:prstGeom>
+        </p:spPr>
+      </p:pic>
+    </p:spTree>
+    <p:extLst>
+      <p:ext uri="{BB962C8B-B14F-4D97-AF65-F5344CB8AC3E}">
+        <p14:creationId xmlns:p14="http://schemas.microsoft.com/office/powerpoint/2010/main" val="1978867463"/>
+      </p:ext>
+    </p:extLst>
+  </p:cSld>
+  <p:clrMapOvr>
+    <a:masterClrMapping/>
+  </p:clrMapOvr>
+</p:sld>
+</file>
+
+<file path=ppt/slides/slide15.xml><?xml version="1.0" encoding="utf-8"?>
+<p:sld xmlns:a="http://schemas.openxmlformats.org/drawingml/2006/main" xmlns:r="http://schemas.openxmlformats.org/officeDocument/2006/relationships" xmlns:p="http://schemas.openxmlformats.org/presentationml/2006/main">
+  <p:cSld>
+    <p:spTree>
+      <p:nvGrpSpPr>
+        <p:cNvPr id="1" name=""/>
+        <p:cNvGrpSpPr/>
+        <p:nvPr/>
+      </p:nvGrpSpPr>
+      <p:grpSpPr>
+        <a:xfrm>
+          <a:off x="0" y="0"/>
+          <a:ext cx="0" cy="0"/>
+          <a:chOff x="0" y="0"/>
+          <a:chExt cx="0" cy="0"/>
+        </a:xfrm>
+      </p:grpSpPr>
+      <p:sp>
+        <p:nvSpPr>
+          <p:cNvPr id="6" name="Segnaposto contenuto 2">
+            <a:extLst>
+              <a:ext uri="{FF2B5EF4-FFF2-40B4-BE49-F238E27FC236}">
+                <a16:creationId xmlns:a16="http://schemas.microsoft.com/office/drawing/2014/main" id="{689FCB09-D2DF-40DD-9866-0C7BA1BF3BBA}"/>
+              </a:ext>
+            </a:extLst>
+          </p:cNvPr>
+          <p:cNvSpPr>
+            <a:spLocks noGrp="1"/>
+          </p:cNvSpPr>
+          <p:nvPr>
+            <p:ph idx="1"/>
+          </p:nvPr>
+        </p:nvSpPr>
+        <p:spPr>
+          <a:xfrm>
+            <a:off x="-612576" y="195486"/>
+            <a:ext cx="2736304" cy="4392488"/>
+          </a:xfrm>
+        </p:spPr>
+        <p:txBody>
+          <a:bodyPr vert="wordArtVert"/>
+          <a:lstStyle/>
+          <a:p>
+            <a:pPr algn="ctr"/>
+            <a:r>
+              <a:rPr lang="it-CH" sz="1800" dirty="0">
+                <a:solidFill>
+                  <a:schemeClr val="bg1"/>
+                </a:solidFill>
+              </a:rPr>
+              <a:t>RECORDER</a:t>
+            </a:r>
+          </a:p>
+        </p:txBody>
+      </p:sp>
+      <p:pic>
+        <p:nvPicPr>
+          <p:cNvPr id="3" name="Immagine 2">
+            <a:extLst>
+              <a:ext uri="{FF2B5EF4-FFF2-40B4-BE49-F238E27FC236}">
+                <a16:creationId xmlns:a16="http://schemas.microsoft.com/office/drawing/2014/main" id="{33ED0E58-B42E-427D-9AF6-ABCA77080827}"/>
+              </a:ext>
+            </a:extLst>
+          </p:cNvPr>
+          <p:cNvPicPr>
+            <a:picLocks noChangeAspect="1"/>
+          </p:cNvPicPr>
+          <p:nvPr/>
+        </p:nvPicPr>
+        <p:blipFill>
+          <a:blip r:embed="rId2">
+            <a:extLst>
+              <a:ext uri="{28A0092B-C50C-407E-A947-70E740481C1C}">
+                <a14:useLocalDpi xmlns:a14="http://schemas.microsoft.com/office/drawing/2010/main" val="0"/>
+              </a:ext>
+            </a:extLst>
+          </a:blip>
+          <a:stretch>
+            <a:fillRect/>
+          </a:stretch>
+        </p:blipFill>
+        <p:spPr>
+          <a:xfrm>
+            <a:off x="2771800" y="223809"/>
+            <a:ext cx="5019675" cy="4695825"/>
+          </a:xfrm>
+          <a:prstGeom prst="rect">
+            <a:avLst/>
+          </a:prstGeom>
+        </p:spPr>
+      </p:pic>
+    </p:spTree>
+    <p:extLst>
+      <p:ext uri="{BB962C8B-B14F-4D97-AF65-F5344CB8AC3E}">
+        <p14:creationId xmlns:p14="http://schemas.microsoft.com/office/powerpoint/2010/main" val="2523388772"/>
+      </p:ext>
+    </p:extLst>
+  </p:cSld>
+  <p:clrMapOvr>
+    <a:masterClrMapping/>
+  </p:clrMapOvr>
+</p:sld>
+</file>
+
+<file path=ppt/slides/slide16.xml><?xml version="1.0" encoding="utf-8"?>
 <p:sld xmlns:a="http://schemas.openxmlformats.org/drawingml/2006/main" xmlns:r="http://schemas.openxmlformats.org/officeDocument/2006/relationships" xmlns:p="http://schemas.openxmlformats.org/presentationml/2006/main">
   <p:cSld>
     <p:bg>
@@ -8134,7 +8678,7 @@
           <p:cNvPr id="2" name="Segnaposto contenuto 6">
             <a:extLst>
               <a:ext uri="{FF2B5EF4-FFF2-40B4-BE49-F238E27FC236}">
-                <a16:creationId xmlns:a16="http://schemas.microsoft.com/office/drawing/2014/main" xmlns="" id="{8A7B6934-FC8E-418A-88F9-489CDDD1CCAE}"/>
+                <a16:creationId xmlns:a16="http://schemas.microsoft.com/office/drawing/2014/main" id="{8A7B6934-FC8E-418A-88F9-489CDDD1CCAE}"/>
               </a:ext>
             </a:extLst>
           </p:cNvPr>
@@ -8144,7 +8688,7 @@
           <p:nvPr/>
         </p:nvPicPr>
         <p:blipFill>
-          <a:blip r:embed="rId2">
+          <a:blip r:embed="rId3">
             <a:extLst>
               <a:ext uri="{28A0092B-C50C-407E-A947-70E740481C1C}">
                 <a14:useLocalDpi xmlns:a14="http://schemas.microsoft.com/office/drawing/2010/main" val="0"/>
@@ -8175,13 +8719,13 @@
   <p:clrMapOvr>
     <a:masterClrMapping/>
   </p:clrMapOvr>
-  <mc:AlternateContent xmlns:mc="http://schemas.openxmlformats.org/markup-compatibility/2006">
-    <mc:Choice xmlns:p159="http://schemas.microsoft.com/office/powerpoint/2015/09/main" xmlns="" Requires="p159">
+  <mc:AlternateContent xmlns:mc="http://schemas.openxmlformats.org/markup-compatibility/2006" xmlns:p159="http://schemas.microsoft.com/office/powerpoint/2015/09/main">
+    <mc:Choice Requires="p159">
       <p:transition xmlns:p14="http://schemas.microsoft.com/office/powerpoint/2010/main" spd="slow" p14:dur="2000">
         <p159:morph option="byWord"/>
       </p:transition>
     </mc:Choice>
-    <mc:Fallback>
+    <mc:Fallback xmlns="">
       <p:transition spd="slow">
         <p:fade/>
       </p:transition>
@@ -8190,7 +8734,7 @@
 </p:sld>
 </file>
 
-<file path=ppt/slides/slide14.xml><?xml version="1.0" encoding="utf-8"?>
+<file path=ppt/slides/slide17.xml><?xml version="1.0" encoding="utf-8"?>
 <p:sld xmlns:a="http://schemas.openxmlformats.org/drawingml/2006/main" xmlns:r="http://schemas.openxmlformats.org/officeDocument/2006/relationships" xmlns:p="http://schemas.openxmlformats.org/presentationml/2006/main">
   <p:cSld>
     <p:spTree>
@@ -8212,7 +8756,7 @@
           <p:cNvPr id="4" name="Segnaposto contenuto 4">
             <a:extLst>
               <a:ext uri="{FF2B5EF4-FFF2-40B4-BE49-F238E27FC236}">
-                <a16:creationId xmlns:a16="http://schemas.microsoft.com/office/drawing/2014/main" xmlns="" id="{06724221-2A70-4FF3-AF58-4AD43A923749}"/>
+                <a16:creationId xmlns:a16="http://schemas.microsoft.com/office/drawing/2014/main" id="{06724221-2A70-4FF3-AF58-4AD43A923749}"/>
               </a:ext>
             </a:extLst>
           </p:cNvPr>
@@ -8252,13 +8796,13 @@
   <p:clrMapOvr>
     <a:masterClrMapping/>
   </p:clrMapOvr>
-  <mc:AlternateContent xmlns:mc="http://schemas.openxmlformats.org/markup-compatibility/2006">
-    <mc:Choice xmlns:p159="http://schemas.microsoft.com/office/powerpoint/2015/09/main" xmlns="" Requires="p159">
+  <mc:AlternateContent xmlns:mc="http://schemas.openxmlformats.org/markup-compatibility/2006" xmlns:p159="http://schemas.microsoft.com/office/powerpoint/2015/09/main">
+    <mc:Choice Requires="p159">
       <p:transition xmlns:p14="http://schemas.microsoft.com/office/powerpoint/2010/main" spd="slow" p14:dur="2000">
         <p159:morph option="byWord"/>
       </p:transition>
     </mc:Choice>
-    <mc:Fallback>
+    <mc:Fallback xmlns="">
       <p:transition spd="slow">
         <p:fade/>
       </p:transition>
@@ -8267,7 +8811,7 @@
 </p:sld>
 </file>
 
-<file path=ppt/slides/slide15.xml><?xml version="1.0" encoding="utf-8"?>
+<file path=ppt/slides/slide18.xml><?xml version="1.0" encoding="utf-8"?>
 <p:sld xmlns:a="http://schemas.openxmlformats.org/drawingml/2006/main" xmlns:r="http://schemas.openxmlformats.org/officeDocument/2006/relationships" xmlns:p="http://schemas.openxmlformats.org/presentationml/2006/main">
   <p:cSld>
     <p:spTree>
@@ -8289,7 +8833,7 @@
           <p:cNvPr id="5" name="Segnaposto contenuto 4">
             <a:extLst>
               <a:ext uri="{FF2B5EF4-FFF2-40B4-BE49-F238E27FC236}">
-                <a16:creationId xmlns:a16="http://schemas.microsoft.com/office/drawing/2014/main" xmlns="" id="{804BB337-DB27-4533-84B9-CB800299E362}"/>
+                <a16:creationId xmlns:a16="http://schemas.microsoft.com/office/drawing/2014/main" id="{804BB337-DB27-4533-84B9-CB800299E362}"/>
               </a:ext>
             </a:extLst>
           </p:cNvPr>
@@ -8325,7 +8869,7 @@
           <p:cNvPr id="6" name="Immagine 5">
             <a:extLst>
               <a:ext uri="{FF2B5EF4-FFF2-40B4-BE49-F238E27FC236}">
-                <a16:creationId xmlns:a16="http://schemas.microsoft.com/office/drawing/2014/main" xmlns="" id="{192E8AA8-A80B-40A8-AD93-2590B71A07AB}"/>
+                <a16:creationId xmlns:a16="http://schemas.microsoft.com/office/drawing/2014/main" id="{192E8AA8-A80B-40A8-AD93-2590B71A07AB}"/>
               </a:ext>
             </a:extLst>
           </p:cNvPr>
@@ -8360,7 +8904,7 @@
           <p:cNvPr id="9" name="Titolo 1">
             <a:extLst>
               <a:ext uri="{FF2B5EF4-FFF2-40B4-BE49-F238E27FC236}">
-                <a16:creationId xmlns:a16="http://schemas.microsoft.com/office/drawing/2014/main" xmlns="" id="{03D1E91E-02F1-4511-A01C-D0B212221FDD}"/>
+                <a16:creationId xmlns:a16="http://schemas.microsoft.com/office/drawing/2014/main" id="{03D1E91E-02F1-4511-A01C-D0B212221FDD}"/>
               </a:ext>
             </a:extLst>
           </p:cNvPr>
@@ -8404,13 +8948,13 @@
   <p:clrMapOvr>
     <a:masterClrMapping/>
   </p:clrMapOvr>
-  <mc:AlternateContent xmlns:mc="http://schemas.openxmlformats.org/markup-compatibility/2006">
-    <mc:Choice xmlns:p159="http://schemas.microsoft.com/office/powerpoint/2015/09/main" xmlns="" Requires="p159">
+  <mc:AlternateContent xmlns:mc="http://schemas.openxmlformats.org/markup-compatibility/2006" xmlns:p159="http://schemas.microsoft.com/office/powerpoint/2015/09/main">
+    <mc:Choice Requires="p159">
       <p:transition xmlns:p14="http://schemas.microsoft.com/office/powerpoint/2010/main" spd="slow" p14:dur="2000">
         <p159:morph option="byWord"/>
       </p:transition>
     </mc:Choice>
-    <mc:Fallback>
+    <mc:Fallback xmlns="">
       <p:transition spd="slow">
         <p:fade/>
       </p:transition>
@@ -8419,7 +8963,7 @@
 </p:sld>
 </file>
 
-<file path=ppt/slides/slide16.xml><?xml version="1.0" encoding="utf-8"?>
+<file path=ppt/slides/slide19.xml><?xml version="1.0" encoding="utf-8"?>
 <p:sld xmlns:a="http://schemas.openxmlformats.org/drawingml/2006/main" xmlns:r="http://schemas.openxmlformats.org/officeDocument/2006/relationships" xmlns:p="http://schemas.openxmlformats.org/presentationml/2006/main">
   <p:cSld>
     <p:bg>
@@ -8449,7 +8993,7 @@
           <p:cNvPr id="8" name="Immagine 7" descr="Immagine che contiene screenshot&#10;&#10;Descrizione generata con affidabilità molto elevata">
             <a:extLst>
               <a:ext uri="{FF2B5EF4-FFF2-40B4-BE49-F238E27FC236}">
-                <a16:creationId xmlns:a16="http://schemas.microsoft.com/office/drawing/2014/main" xmlns="" id="{7DA299B0-DDA3-44F6-9B72-80222BFF4D38}"/>
+                <a16:creationId xmlns:a16="http://schemas.microsoft.com/office/drawing/2014/main" id="{7DA299B0-DDA3-44F6-9B72-80222BFF4D38}"/>
               </a:ext>
             </a:extLst>
           </p:cNvPr>
@@ -8485,10 +9029,10 @@
           <p:cNvPr id="14" name="Straight Connector 13">
             <a:extLst>
               <a:ext uri="{FF2B5EF4-FFF2-40B4-BE49-F238E27FC236}">
-                <a16:creationId xmlns:a16="http://schemas.microsoft.com/office/drawing/2014/main" xmlns="" id="{50DA1EB8-87CF-4588-A1FD-4756F9A28F6B}"/>
+                <a16:creationId xmlns:a16="http://schemas.microsoft.com/office/drawing/2014/main" id="{50DA1EB8-87CF-4588-A1FD-4756F9A28F6B}"/>
               </a:ext>
               <a:ext uri="{C183D7F6-B498-43B3-948B-1728B52AA6E4}">
-                <adec:decorative xmlns:adec="http://schemas.microsoft.com/office/drawing/2017/decorative" xmlns="" val="1"/>
+                <adec:decorative xmlns:adec="http://schemas.microsoft.com/office/drawing/2017/decorative" val="1"/>
               </a:ext>
             </a:extLst>
           </p:cNvPr>
@@ -8498,7 +9042,7 @@
           <p:nvPr>
             <p:extLst>
               <p:ext uri="{386F3935-93C4-4BCD-93E2-E3B085C9AB24}">
-                <p16:designElem xmlns:p16="http://schemas.microsoft.com/office/powerpoint/2015/main" xmlns="" val="1"/>
+                <p16:designElem xmlns:p16="http://schemas.microsoft.com/office/powerpoint/2015/main" val="1"/>
               </p:ext>
             </p:extLst>
           </p:nvPr>
@@ -8537,7 +9081,7 @@
           <p:cNvPr id="4" name="Immagine 3" descr="Immagine che contiene screenshot&#10;&#10;Descrizione generata con affidabilità molto elevata">
             <a:extLst>
               <a:ext uri="{FF2B5EF4-FFF2-40B4-BE49-F238E27FC236}">
-                <a16:creationId xmlns:a16="http://schemas.microsoft.com/office/drawing/2014/main" xmlns="" id="{82C66964-43AC-41F6-BA80-FBE58CA9B01B}"/>
+                <a16:creationId xmlns:a16="http://schemas.microsoft.com/office/drawing/2014/main" id="{82C66964-43AC-41F6-BA80-FBE58CA9B01B}"/>
               </a:ext>
             </a:extLst>
           </p:cNvPr>
@@ -8573,10 +9117,10 @@
           <p:cNvPr id="16" name="Straight Connector 15">
             <a:extLst>
               <a:ext uri="{FF2B5EF4-FFF2-40B4-BE49-F238E27FC236}">
-                <a16:creationId xmlns:a16="http://schemas.microsoft.com/office/drawing/2014/main" xmlns="" id="{D7A4E378-EA57-47B9-B1EB-58B998F6CFFB}"/>
+                <a16:creationId xmlns:a16="http://schemas.microsoft.com/office/drawing/2014/main" id="{D7A4E378-EA57-47B9-B1EB-58B998F6CFFB}"/>
               </a:ext>
               <a:ext uri="{C183D7F6-B498-43B3-948B-1728B52AA6E4}">
-                <adec:decorative xmlns:adec="http://schemas.microsoft.com/office/drawing/2017/decorative" xmlns="" val="1"/>
+                <adec:decorative xmlns:adec="http://schemas.microsoft.com/office/drawing/2017/decorative" val="1"/>
               </a:ext>
             </a:extLst>
           </p:cNvPr>
@@ -8586,7 +9130,7 @@
           <p:nvPr>
             <p:extLst>
               <p:ext uri="{386F3935-93C4-4BCD-93E2-E3B085C9AB24}">
-                <p16:designElem xmlns:p16="http://schemas.microsoft.com/office/powerpoint/2015/main" xmlns="" val="1"/>
+                <p16:designElem xmlns:p16="http://schemas.microsoft.com/office/powerpoint/2015/main" val="1"/>
               </p:ext>
             </p:extLst>
           </p:nvPr>
@@ -8625,7 +9169,7 @@
           <p:cNvPr id="9" name="Immagine 8" descr="Immagine che contiene screenshot&#10;&#10;Descrizione generata con affidabilità molto elevata">
             <a:extLst>
               <a:ext uri="{FF2B5EF4-FFF2-40B4-BE49-F238E27FC236}">
-                <a16:creationId xmlns:a16="http://schemas.microsoft.com/office/drawing/2014/main" xmlns="" id="{836DA3D5-DDA6-4CE7-A78E-28031D04955D}"/>
+                <a16:creationId xmlns:a16="http://schemas.microsoft.com/office/drawing/2014/main" id="{836DA3D5-DDA6-4CE7-A78E-28031D04955D}"/>
               </a:ext>
             </a:extLst>
           </p:cNvPr>
@@ -8661,10 +9205,10 @@
           <p:cNvPr id="18" name="Straight Connector 17">
             <a:extLst>
               <a:ext uri="{FF2B5EF4-FFF2-40B4-BE49-F238E27FC236}">
-                <a16:creationId xmlns:a16="http://schemas.microsoft.com/office/drawing/2014/main" xmlns="" id="{D2B31ED6-76F0-425A-9A41-C947AEF9C145}"/>
+                <a16:creationId xmlns:a16="http://schemas.microsoft.com/office/drawing/2014/main" id="{D2B31ED6-76F0-425A-9A41-C947AEF9C145}"/>
               </a:ext>
               <a:ext uri="{C183D7F6-B498-43B3-948B-1728B52AA6E4}">
-                <adec:decorative xmlns:adec="http://schemas.microsoft.com/office/drawing/2017/decorative" xmlns="" val="1"/>
+                <adec:decorative xmlns:adec="http://schemas.microsoft.com/office/drawing/2017/decorative" val="1"/>
               </a:ext>
             </a:extLst>
           </p:cNvPr>
@@ -8674,7 +9218,7 @@
           <p:nvPr>
             <p:extLst>
               <p:ext uri="{386F3935-93C4-4BCD-93E2-E3B085C9AB24}">
-                <p16:designElem xmlns:p16="http://schemas.microsoft.com/office/powerpoint/2015/main" xmlns="" val="1"/>
+                <p16:designElem xmlns:p16="http://schemas.microsoft.com/office/powerpoint/2015/main" val="1"/>
               </p:ext>
             </p:extLst>
           </p:nvPr>
@@ -8713,7 +9257,7 @@
           <p:cNvPr id="7" name="Immagine 6" descr="Immagine che contiene screenshot&#10;&#10;Descrizione generata con affidabilità molto elevata">
             <a:extLst>
               <a:ext uri="{FF2B5EF4-FFF2-40B4-BE49-F238E27FC236}">
-                <a16:creationId xmlns:a16="http://schemas.microsoft.com/office/drawing/2014/main" xmlns="" id="{28249DBB-DE52-4089-9A76-2243FE313FEA}"/>
+                <a16:creationId xmlns:a16="http://schemas.microsoft.com/office/drawing/2014/main" id="{28249DBB-DE52-4089-9A76-2243FE313FEA}"/>
               </a:ext>
             </a:extLst>
           </p:cNvPr>
@@ -8749,7 +9293,7 @@
           <p:cNvPr id="11" name="Titolo 1">
             <a:extLst>
               <a:ext uri="{FF2B5EF4-FFF2-40B4-BE49-F238E27FC236}">
-                <a16:creationId xmlns:a16="http://schemas.microsoft.com/office/drawing/2014/main" xmlns="" id="{D929E7EF-A7BB-487F-B14C-09078E1EAFF1}"/>
+                <a16:creationId xmlns:a16="http://schemas.microsoft.com/office/drawing/2014/main" id="{D929E7EF-A7BB-487F-B14C-09078E1EAFF1}"/>
               </a:ext>
             </a:extLst>
           </p:cNvPr>
@@ -8793,13 +9337,13 @@
   <p:clrMapOvr>
     <a:masterClrMapping/>
   </p:clrMapOvr>
-  <mc:AlternateContent xmlns:mc="http://schemas.openxmlformats.org/markup-compatibility/2006">
-    <mc:Choice xmlns:p159="http://schemas.microsoft.com/office/powerpoint/2015/09/main" xmlns="" Requires="p159">
+  <mc:AlternateContent xmlns:mc="http://schemas.openxmlformats.org/markup-compatibility/2006" xmlns:p159="http://schemas.microsoft.com/office/powerpoint/2015/09/main">
+    <mc:Choice Requires="p159">
       <p:transition xmlns:p14="http://schemas.microsoft.com/office/powerpoint/2010/main" spd="slow" p14:dur="2000">
         <p159:morph option="byWord"/>
       </p:transition>
     </mc:Choice>
-    <mc:Fallback>
+    <mc:Fallback xmlns="">
       <p:transition spd="slow">
         <p:fade/>
       </p:transition>
@@ -8808,7 +9352,166 @@
 </p:sld>
 </file>
 
-<file path=ppt/slides/slide17.xml><?xml version="1.0" encoding="utf-8"?>
+<file path=ppt/slides/slide2.xml><?xml version="1.0" encoding="utf-8"?>
+<p:sld xmlns:a="http://schemas.openxmlformats.org/drawingml/2006/main" xmlns:r="http://schemas.openxmlformats.org/officeDocument/2006/relationships" xmlns:p="http://schemas.openxmlformats.org/presentationml/2006/main">
+  <p:cSld>
+    <p:spTree>
+      <p:nvGrpSpPr>
+        <p:cNvPr id="1" name=""/>
+        <p:cNvGrpSpPr/>
+        <p:nvPr/>
+      </p:nvGrpSpPr>
+      <p:grpSpPr>
+        <a:xfrm>
+          <a:off x="0" y="0"/>
+          <a:ext cx="0" cy="0"/>
+          <a:chOff x="0" y="0"/>
+          <a:chExt cx="0" cy="0"/>
+        </a:xfrm>
+      </p:grpSpPr>
+      <p:sp>
+        <p:nvSpPr>
+          <p:cNvPr id="2" name="Titolo 1">
+            <a:extLst>
+              <a:ext uri="{FF2B5EF4-FFF2-40B4-BE49-F238E27FC236}">
+                <a16:creationId xmlns:a16="http://schemas.microsoft.com/office/drawing/2014/main" id="{1F4EF76E-72FB-49D5-9299-592E62BF06B2}"/>
+              </a:ext>
+            </a:extLst>
+          </p:cNvPr>
+          <p:cNvSpPr>
+            <a:spLocks noGrp="1"/>
+          </p:cNvSpPr>
+          <p:nvPr>
+            <p:ph type="title"/>
+          </p:nvPr>
+        </p:nvSpPr>
+        <p:spPr/>
+        <p:txBody>
+          <a:bodyPr/>
+          <a:lstStyle/>
+          <a:p>
+            <a:r>
+              <a:rPr lang="it-CH" dirty="0"/>
+              <a:t>CHI SIAMO</a:t>
+            </a:r>
+          </a:p>
+        </p:txBody>
+      </p:sp>
+      <p:sp>
+        <p:nvSpPr>
+          <p:cNvPr id="4" name="Segnaposto contenuto 3">
+            <a:extLst>
+              <a:ext uri="{FF2B5EF4-FFF2-40B4-BE49-F238E27FC236}">
+                <a16:creationId xmlns:a16="http://schemas.microsoft.com/office/drawing/2014/main" id="{FB91016C-8169-45ED-B54B-B80E87645789}"/>
+              </a:ext>
+            </a:extLst>
+          </p:cNvPr>
+          <p:cNvSpPr>
+            <a:spLocks noGrp="1"/>
+          </p:cNvSpPr>
+          <p:nvPr>
+            <p:ph idx="1"/>
+          </p:nvPr>
+        </p:nvSpPr>
+        <p:spPr>
+          <a:xfrm>
+            <a:off x="405880" y="884467"/>
+            <a:ext cx="8496944" cy="3775516"/>
+          </a:xfrm>
+        </p:spPr>
+        <p:txBody>
+          <a:bodyPr/>
+          <a:lstStyle/>
+          <a:p>
+            <a:pPr marL="628650" indent="-342900">
+              <a:buFont typeface="Arial" panose="020B0604020202020204" pitchFamily="34" charset="0"/>
+              <a:buChar char="•"/>
+            </a:pPr>
+            <a:r>
+              <a:rPr lang="it-CH" sz="3200" dirty="0"/>
+              <a:t>Luca Di Bello</a:t>
+            </a:r>
+          </a:p>
+          <a:p>
+            <a:pPr marL="1371600" lvl="1" indent="-342900">
+              <a:buFont typeface="Arial" panose="020B0604020202020204" pitchFamily="34" charset="0"/>
+              <a:buChar char="•"/>
+            </a:pPr>
+            <a:r>
+              <a:rPr lang="it-CH" sz="3800" dirty="0">
+                <a:hlinkClick r:id="rId2"/>
+              </a:rPr>
+              <a:t>luca.dibello@samtrevano.ch</a:t>
+            </a:r>
+            <a:endParaRPr lang="it-CH" sz="3800" dirty="0"/>
+          </a:p>
+          <a:p>
+            <a:pPr marL="1371600" lvl="1" indent="-342900">
+              <a:buFont typeface="Arial" panose="020B0604020202020204" pitchFamily="34" charset="0"/>
+              <a:buChar char="•"/>
+            </a:pPr>
+            <a:endParaRPr lang="it-CH" sz="3800" dirty="0"/>
+          </a:p>
+          <a:p>
+            <a:pPr marL="628650" indent="-342900">
+              <a:buFont typeface="Arial" panose="020B0604020202020204" pitchFamily="34" charset="0"/>
+              <a:buChar char="•"/>
+            </a:pPr>
+            <a:r>
+              <a:rPr lang="it-CH" sz="3600" dirty="0" err="1"/>
+              <a:t>Fadil</a:t>
+            </a:r>
+            <a:r>
+              <a:rPr lang="it-CH" sz="3600" dirty="0"/>
+              <a:t> </a:t>
+            </a:r>
+            <a:r>
+              <a:rPr lang="it-CH" sz="3600" dirty="0" err="1"/>
+              <a:t>Smajilbasic</a:t>
+            </a:r>
+            <a:endParaRPr lang="it-CH" sz="3600" dirty="0"/>
+          </a:p>
+          <a:p>
+            <a:pPr marL="1371600" lvl="1" indent="-342900">
+              <a:buFont typeface="Arial" panose="020B0604020202020204" pitchFamily="34" charset="0"/>
+              <a:buChar char="•"/>
+            </a:pPr>
+            <a:r>
+              <a:rPr lang="it-CH" sz="3600" dirty="0">
+                <a:hlinkClick r:id="rId3"/>
+              </a:rPr>
+              <a:t>fadil.smajilbasic@samtrevano.ch</a:t>
+            </a:r>
+            <a:endParaRPr lang="it-CH" sz="3600" dirty="0"/>
+          </a:p>
+        </p:txBody>
+      </p:sp>
+    </p:spTree>
+    <p:extLst>
+      <p:ext uri="{BB962C8B-B14F-4D97-AF65-F5344CB8AC3E}">
+        <p14:creationId xmlns:p14="http://schemas.microsoft.com/office/powerpoint/2010/main" val="1267420435"/>
+      </p:ext>
+    </p:extLst>
+  </p:cSld>
+  <p:clrMapOvr>
+    <a:masterClrMapping/>
+  </p:clrMapOvr>
+  <mc:AlternateContent xmlns:mc="http://schemas.openxmlformats.org/markup-compatibility/2006" xmlns:p159="http://schemas.microsoft.com/office/powerpoint/2015/09/main">
+    <mc:Choice Requires="p159">
+      <p:transition xmlns:p14="http://schemas.microsoft.com/office/powerpoint/2010/main" spd="slow" p14:dur="2000">
+        <p159:morph option="byWord"/>
+      </p:transition>
+    </mc:Choice>
+    <mc:Fallback xmlns="">
+      <p:transition spd="slow">
+        <p:fade/>
+      </p:transition>
+    </mc:Fallback>
+  </mc:AlternateContent>
+</p:sld>
+</file>
+
+<file path=ppt/slides/slide20.xml><?xml version="1.0" encoding="utf-8"?>
 <p:sld xmlns:a="http://schemas.openxmlformats.org/drawingml/2006/main" xmlns:r="http://schemas.openxmlformats.org/officeDocument/2006/relationships" xmlns:p="http://schemas.openxmlformats.org/presentationml/2006/main">
   <p:cSld>
     <p:bg>
@@ -8838,7 +9541,7 @@
           <p:cNvPr id="11" name="Titolo 1">
             <a:extLst>
               <a:ext uri="{FF2B5EF4-FFF2-40B4-BE49-F238E27FC236}">
-                <a16:creationId xmlns:a16="http://schemas.microsoft.com/office/drawing/2014/main" xmlns="" id="{D929E7EF-A7BB-487F-B14C-09078E1EAFF1}"/>
+                <a16:creationId xmlns:a16="http://schemas.microsoft.com/office/drawing/2014/main" id="{D929E7EF-A7BB-487F-B14C-09078E1EAFF1}"/>
               </a:ext>
             </a:extLst>
           </p:cNvPr>
@@ -8893,7 +9596,7 @@
           <p:cNvPr id="3" name="Immagine 2">
             <a:extLst>
               <a:ext uri="{FF2B5EF4-FFF2-40B4-BE49-F238E27FC236}">
-                <a16:creationId xmlns:a16="http://schemas.microsoft.com/office/drawing/2014/main" xmlns="" id="{9CEE29CA-5665-406C-ACF4-FC34D55E29B1}"/>
+                <a16:creationId xmlns:a16="http://schemas.microsoft.com/office/drawing/2014/main" id="{9CEE29CA-5665-406C-ACF4-FC34D55E29B1}"/>
               </a:ext>
             </a:extLst>
           </p:cNvPr>
@@ -8928,7 +9631,7 @@
           <p:cNvPr id="12" name="Immagine 11">
             <a:extLst>
               <a:ext uri="{FF2B5EF4-FFF2-40B4-BE49-F238E27FC236}">
-                <a16:creationId xmlns:a16="http://schemas.microsoft.com/office/drawing/2014/main" xmlns="" id="{E490454E-B6A2-46F0-9748-7A822759B935}"/>
+                <a16:creationId xmlns:a16="http://schemas.microsoft.com/office/drawing/2014/main" id="{E490454E-B6A2-46F0-9748-7A822759B935}"/>
               </a:ext>
             </a:extLst>
           </p:cNvPr>
@@ -8963,7 +9666,7 @@
           <p:cNvPr id="15" name="Immagine 14">
             <a:extLst>
               <a:ext uri="{FF2B5EF4-FFF2-40B4-BE49-F238E27FC236}">
-                <a16:creationId xmlns:a16="http://schemas.microsoft.com/office/drawing/2014/main" xmlns="" id="{7C1E3C87-BBA8-4968-A8E8-B29E1BDE815B}"/>
+                <a16:creationId xmlns:a16="http://schemas.microsoft.com/office/drawing/2014/main" id="{7C1E3C87-BBA8-4968-A8E8-B29E1BDE815B}"/>
               </a:ext>
             </a:extLst>
           </p:cNvPr>
@@ -8998,10 +9701,10 @@
           <p:cNvPr id="20" name="Straight Connector 19">
             <a:extLst>
               <a:ext uri="{FF2B5EF4-FFF2-40B4-BE49-F238E27FC236}">
-                <a16:creationId xmlns:a16="http://schemas.microsoft.com/office/drawing/2014/main" xmlns="" id="{C55FEAF7-BB1D-4E09-B4C3-19C310A96116}"/>
+                <a16:creationId xmlns:a16="http://schemas.microsoft.com/office/drawing/2014/main" id="{C55FEAF7-BB1D-4E09-B4C3-19C310A96116}"/>
               </a:ext>
               <a:ext uri="{C183D7F6-B498-43B3-948B-1728B52AA6E4}">
-                <adec:decorative xmlns:adec="http://schemas.microsoft.com/office/drawing/2017/decorative" xmlns="" val="1"/>
+                <adec:decorative xmlns:adec="http://schemas.microsoft.com/office/drawing/2017/decorative" val="1"/>
               </a:ext>
             </a:extLst>
           </p:cNvPr>
@@ -9011,7 +9714,7 @@
           <p:nvPr>
             <p:extLst>
               <p:ext uri="{386F3935-93C4-4BCD-93E2-E3B085C9AB24}">
-                <p16:designElem xmlns:p16="http://schemas.microsoft.com/office/powerpoint/2015/main" xmlns="" val="1"/>
+                <p16:designElem xmlns:p16="http://schemas.microsoft.com/office/powerpoint/2015/main" val="1"/>
               </p:ext>
             </p:extLst>
           </p:nvPr>
@@ -9050,7 +9753,7 @@
           <p:cNvPr id="6" name="Immagine 5">
             <a:extLst>
               <a:ext uri="{FF2B5EF4-FFF2-40B4-BE49-F238E27FC236}">
-                <a16:creationId xmlns:a16="http://schemas.microsoft.com/office/drawing/2014/main" xmlns="" id="{281B7CBD-C1A1-40DE-9BF2-024F42661CAC}"/>
+                <a16:creationId xmlns:a16="http://schemas.microsoft.com/office/drawing/2014/main" id="{281B7CBD-C1A1-40DE-9BF2-024F42661CAC}"/>
               </a:ext>
             </a:extLst>
           </p:cNvPr>
@@ -9090,13 +9793,13 @@
   <p:clrMapOvr>
     <a:masterClrMapping/>
   </p:clrMapOvr>
-  <mc:AlternateContent xmlns:mc="http://schemas.openxmlformats.org/markup-compatibility/2006">
-    <mc:Choice xmlns:p159="http://schemas.microsoft.com/office/powerpoint/2015/09/main" xmlns="" Requires="p159">
+  <mc:AlternateContent xmlns:mc="http://schemas.openxmlformats.org/markup-compatibility/2006" xmlns:p159="http://schemas.microsoft.com/office/powerpoint/2015/09/main">
+    <mc:Choice Requires="p159">
       <p:transition xmlns:p14="http://schemas.microsoft.com/office/powerpoint/2010/main" spd="slow" p14:dur="2000">
         <p159:morph option="byWord"/>
       </p:transition>
     </mc:Choice>
-    <mc:Fallback>
+    <mc:Fallback xmlns="">
       <p:transition spd="slow">
         <p:fade/>
       </p:transition>
@@ -9105,7 +9808,7 @@
 </p:sld>
 </file>
 
-<file path=ppt/slides/slide18.xml><?xml version="1.0" encoding="utf-8"?>
+<file path=ppt/slides/slide21.xml><?xml version="1.0" encoding="utf-8"?>
 <p:sld xmlns:a="http://schemas.openxmlformats.org/drawingml/2006/main" xmlns:r="http://schemas.openxmlformats.org/officeDocument/2006/relationships" xmlns:p="http://schemas.openxmlformats.org/presentationml/2006/main">
   <p:cSld>
     <p:spTree>
@@ -9127,7 +9830,7 @@
           <p:cNvPr id="11" name="Titolo 1">
             <a:extLst>
               <a:ext uri="{FF2B5EF4-FFF2-40B4-BE49-F238E27FC236}">
-                <a16:creationId xmlns:a16="http://schemas.microsoft.com/office/drawing/2014/main" xmlns="" id="{D929E7EF-A7BB-487F-B14C-09078E1EAFF1}"/>
+                <a16:creationId xmlns:a16="http://schemas.microsoft.com/office/drawing/2014/main" id="{D929E7EF-A7BB-487F-B14C-09078E1EAFF1}"/>
               </a:ext>
             </a:extLst>
           </p:cNvPr>
@@ -9166,7 +9869,7 @@
           <p:cNvPr id="10" name="Segnaposto contenuto 4">
             <a:extLst>
               <a:ext uri="{FF2B5EF4-FFF2-40B4-BE49-F238E27FC236}">
-                <a16:creationId xmlns:a16="http://schemas.microsoft.com/office/drawing/2014/main" xmlns="" id="{4896C94A-6ACC-4235-B469-54AC90F39A54}"/>
+                <a16:creationId xmlns:a16="http://schemas.microsoft.com/office/drawing/2014/main" id="{4896C94A-6ACC-4235-B469-54AC90F39A54}"/>
               </a:ext>
             </a:extLst>
           </p:cNvPr>
@@ -9178,7 +9881,7 @@
           </p:nvPr>
         </p:nvPicPr>
         <p:blipFill>
-          <a:blip r:embed="rId2">
+          <a:blip r:embed="rId2" cstate="print">
             <a:extLst>
               <a:ext uri="{28A0092B-C50C-407E-A947-70E740481C1C}">
                 <a14:useLocalDpi xmlns:a14="http://schemas.microsoft.com/office/drawing/2010/main" val="0"/>
@@ -9206,745 +9909,13 @@
   <p:clrMapOvr>
     <a:masterClrMapping/>
   </p:clrMapOvr>
-  <mc:AlternateContent xmlns:mc="http://schemas.openxmlformats.org/markup-compatibility/2006">
-    <mc:Choice xmlns:p159="http://schemas.microsoft.com/office/powerpoint/2015/09/main" xmlns="" Requires="p159">
+  <mc:AlternateContent xmlns:mc="http://schemas.openxmlformats.org/markup-compatibility/2006" xmlns:p159="http://schemas.microsoft.com/office/powerpoint/2015/09/main">
+    <mc:Choice Requires="p159">
       <p:transition xmlns:p14="http://schemas.microsoft.com/office/powerpoint/2010/main" spd="slow" p14:dur="2000">
         <p159:morph option="byWord"/>
       </p:transition>
     </mc:Choice>
-    <mc:Fallback>
-      <p:transition spd="slow">
-        <p:fade/>
-      </p:transition>
-    </mc:Fallback>
-  </mc:AlternateContent>
-</p:sld>
-</file>
-
-<file path=ppt/slides/slide19.xml><?xml version="1.0" encoding="utf-8"?>
-<p:sld xmlns:a="http://schemas.openxmlformats.org/drawingml/2006/main" xmlns:r="http://schemas.openxmlformats.org/officeDocument/2006/relationships" xmlns:p="http://schemas.openxmlformats.org/presentationml/2006/main">
-  <p:cSld>
-    <p:spTree>
-      <p:nvGrpSpPr>
-        <p:cNvPr id="1" name=""/>
-        <p:cNvGrpSpPr/>
-        <p:nvPr/>
-      </p:nvGrpSpPr>
-      <p:grpSpPr>
-        <a:xfrm>
-          <a:off x="0" y="0"/>
-          <a:ext cx="0" cy="0"/>
-          <a:chOff x="0" y="0"/>
-          <a:chExt cx="0" cy="0"/>
-        </a:xfrm>
-      </p:grpSpPr>
-      <p:sp>
-        <p:nvSpPr>
-          <p:cNvPr id="2" name="Titolo 1">
-            <a:extLst>
-              <a:ext uri="{FF2B5EF4-FFF2-40B4-BE49-F238E27FC236}">
-                <a16:creationId xmlns:a16="http://schemas.microsoft.com/office/drawing/2014/main" xmlns="" id="{D9D1A5C6-17BF-4092-A0E1-85A255481368}"/>
-              </a:ext>
-            </a:extLst>
-          </p:cNvPr>
-          <p:cNvSpPr>
-            <a:spLocks noGrp="1"/>
-          </p:cNvSpPr>
-          <p:nvPr>
-            <p:ph type="title"/>
-          </p:nvPr>
-        </p:nvSpPr>
-        <p:spPr>
-          <a:xfrm>
-            <a:off x="323528" y="123478"/>
-            <a:ext cx="9144000" cy="1285096"/>
-          </a:xfrm>
-        </p:spPr>
-        <p:txBody>
-          <a:bodyPr/>
-          <a:lstStyle/>
-          <a:p>
-            <a:r>
-              <a:rPr lang="it-CH" sz="5400" dirty="0"/>
-              <a:t>IMPLEMENTAZIONE</a:t>
-            </a:r>
-          </a:p>
-        </p:txBody>
-      </p:sp>
-      <p:sp>
-        <p:nvSpPr>
-          <p:cNvPr id="4" name="Segnaposto contenuto 3">
-            <a:extLst>
-              <a:ext uri="{FF2B5EF4-FFF2-40B4-BE49-F238E27FC236}">
-                <a16:creationId xmlns:a16="http://schemas.microsoft.com/office/drawing/2014/main" xmlns="" id="{009804A4-6B3D-4E19-A2EB-87BD64193F1A}"/>
-              </a:ext>
-            </a:extLst>
-          </p:cNvPr>
-          <p:cNvSpPr>
-            <a:spLocks noGrp="1"/>
-          </p:cNvSpPr>
-          <p:nvPr>
-            <p:ph idx="1"/>
-          </p:nvPr>
-        </p:nvSpPr>
-        <p:spPr>
-          <a:xfrm>
-            <a:off x="323528" y="1131590"/>
-            <a:ext cx="8496944" cy="3315022"/>
-          </a:xfrm>
-        </p:spPr>
-        <p:txBody>
-          <a:bodyPr/>
-          <a:lstStyle/>
-          <a:p>
-            <a:pPr marL="457200" indent="-457200">
-              <a:lnSpc>
-                <a:spcPct val="200000"/>
-              </a:lnSpc>
-              <a:buFont typeface="Arial" panose="020B0604020202020204" pitchFamily="34" charset="0"/>
-              <a:buChar char="•"/>
-            </a:pPr>
-            <a:r>
-              <a:rPr lang="it-CH" sz="2800" dirty="0" err="1"/>
-              <a:t>DroneController</a:t>
-            </a:r>
-            <a:endParaRPr lang="it-CH" sz="2800" dirty="0"/>
-          </a:p>
-          <a:p>
-            <a:pPr marL="1200150" lvl="1" indent="-457200">
-              <a:lnSpc>
-                <a:spcPct val="200000"/>
-              </a:lnSpc>
-              <a:buFont typeface="Arial" panose="020B0604020202020204" pitchFamily="34" charset="0"/>
-              <a:buChar char="•"/>
-            </a:pPr>
-            <a:r>
-              <a:rPr lang="it-CH" sz="2400" dirty="0"/>
-              <a:t>Luca &amp; </a:t>
-            </a:r>
-            <a:r>
-              <a:rPr lang="it-CH" sz="2400" dirty="0" err="1"/>
-              <a:t>Fadil</a:t>
-            </a:r>
-            <a:endParaRPr lang="it-CH" sz="6000" dirty="0"/>
-          </a:p>
-          <a:p>
-            <a:pPr marL="457200" indent="-457200">
-              <a:lnSpc>
-                <a:spcPct val="200000"/>
-              </a:lnSpc>
-              <a:buFont typeface="Arial" panose="020B0604020202020204" pitchFamily="34" charset="0"/>
-              <a:buChar char="•"/>
-            </a:pPr>
-            <a:r>
-              <a:rPr lang="it-CH" sz="2800" dirty="0" smtClean="0"/>
-              <a:t>DroneSimulator</a:t>
-            </a:r>
-            <a:endParaRPr lang="it-CH" sz="2800" dirty="0"/>
-          </a:p>
-          <a:p>
-            <a:pPr marL="1200150" lvl="1" indent="-457200">
-              <a:lnSpc>
-                <a:spcPct val="200000"/>
-              </a:lnSpc>
-              <a:buFont typeface="Arial" panose="020B0604020202020204" pitchFamily="34" charset="0"/>
-              <a:buChar char="•"/>
-            </a:pPr>
-            <a:r>
-              <a:rPr lang="it-CH" sz="2400" dirty="0" err="1"/>
-              <a:t>Jari</a:t>
-            </a:r>
-            <a:r>
-              <a:rPr lang="it-CH" sz="2400" dirty="0"/>
-              <a:t> &amp; Andrea</a:t>
-            </a:r>
-          </a:p>
-        </p:txBody>
-      </p:sp>
-    </p:spTree>
-    <p:extLst>
-      <p:ext uri="{BB962C8B-B14F-4D97-AF65-F5344CB8AC3E}">
-        <p14:creationId xmlns:p14="http://schemas.microsoft.com/office/powerpoint/2010/main" val="2631092496"/>
-      </p:ext>
-    </p:extLst>
-  </p:cSld>
-  <p:clrMapOvr>
-    <a:masterClrMapping/>
-  </p:clrMapOvr>
-  <mc:AlternateContent xmlns:mc="http://schemas.openxmlformats.org/markup-compatibility/2006">
-    <mc:Choice xmlns:p159="http://schemas.microsoft.com/office/powerpoint/2015/09/main" xmlns="" Requires="p159">
-      <p:transition xmlns:p14="http://schemas.microsoft.com/office/powerpoint/2010/main" spd="slow" p14:dur="2000">
-        <p159:morph option="byWord"/>
-      </p:transition>
-    </mc:Choice>
-    <mc:Fallback>
-      <p:transition spd="slow">
-        <p:fade/>
-      </p:transition>
-    </mc:Fallback>
-  </mc:AlternateContent>
-</p:sld>
-</file>
-
-<file path=ppt/slides/slide2.xml><?xml version="1.0" encoding="utf-8"?>
-<p:sld xmlns:a="http://schemas.openxmlformats.org/drawingml/2006/main" xmlns:r="http://schemas.openxmlformats.org/officeDocument/2006/relationships" xmlns:p="http://schemas.openxmlformats.org/presentationml/2006/main">
-  <p:cSld>
-    <p:spTree>
-      <p:nvGrpSpPr>
-        <p:cNvPr id="1" name=""/>
-        <p:cNvGrpSpPr/>
-        <p:nvPr/>
-      </p:nvGrpSpPr>
-      <p:grpSpPr>
-        <a:xfrm>
-          <a:off x="0" y="0"/>
-          <a:ext cx="0" cy="0"/>
-          <a:chOff x="0" y="0"/>
-          <a:chExt cx="0" cy="0"/>
-        </a:xfrm>
-      </p:grpSpPr>
-      <p:sp>
-        <p:nvSpPr>
-          <p:cNvPr id="2" name="Titolo 1">
-            <a:extLst>
-              <a:ext uri="{FF2B5EF4-FFF2-40B4-BE49-F238E27FC236}">
-                <a16:creationId xmlns:a16="http://schemas.microsoft.com/office/drawing/2014/main" xmlns="" id="{1F4EF76E-72FB-49D5-9299-592E62BF06B2}"/>
-              </a:ext>
-            </a:extLst>
-          </p:cNvPr>
-          <p:cNvSpPr>
-            <a:spLocks noGrp="1"/>
-          </p:cNvSpPr>
-          <p:nvPr>
-            <p:ph type="title"/>
-          </p:nvPr>
-        </p:nvSpPr>
-        <p:spPr/>
-        <p:txBody>
-          <a:bodyPr/>
-          <a:lstStyle/>
-          <a:p>
-            <a:r>
-              <a:rPr lang="it-CH" dirty="0"/>
-              <a:t>CHI SIAMO</a:t>
-            </a:r>
-          </a:p>
-        </p:txBody>
-      </p:sp>
-      <p:sp>
-        <p:nvSpPr>
-          <p:cNvPr id="4" name="Segnaposto contenuto 3">
-            <a:extLst>
-              <a:ext uri="{FF2B5EF4-FFF2-40B4-BE49-F238E27FC236}">
-                <a16:creationId xmlns:a16="http://schemas.microsoft.com/office/drawing/2014/main" xmlns="" id="{FB91016C-8169-45ED-B54B-B80E87645789}"/>
-              </a:ext>
-            </a:extLst>
-          </p:cNvPr>
-          <p:cNvSpPr>
-            <a:spLocks noGrp="1"/>
-          </p:cNvSpPr>
-          <p:nvPr>
-            <p:ph idx="1"/>
-          </p:nvPr>
-        </p:nvSpPr>
-        <p:spPr>
-          <a:xfrm>
-            <a:off x="405880" y="884467"/>
-            <a:ext cx="8496944" cy="3775516"/>
-          </a:xfrm>
-        </p:spPr>
-        <p:txBody>
-          <a:bodyPr/>
-          <a:lstStyle/>
-          <a:p>
-            <a:pPr marL="628650" indent="-342900">
-              <a:buFont typeface="Arial" panose="020B0604020202020204" pitchFamily="34" charset="0"/>
-              <a:buChar char="•"/>
-            </a:pPr>
-            <a:r>
-              <a:rPr lang="it-CH" sz="3200" dirty="0"/>
-              <a:t>Luca Di Bello</a:t>
-            </a:r>
-          </a:p>
-          <a:p>
-            <a:pPr marL="1371600" lvl="1" indent="-342900">
-              <a:buFont typeface="Arial" panose="020B0604020202020204" pitchFamily="34" charset="0"/>
-              <a:buChar char="•"/>
-            </a:pPr>
-            <a:r>
-              <a:rPr lang="it-CH" sz="3800" dirty="0">
-                <a:hlinkClick r:id="rId2"/>
-              </a:rPr>
-              <a:t>luca.dibello@samtrevano.ch</a:t>
-            </a:r>
-            <a:endParaRPr lang="it-CH" sz="3800" dirty="0"/>
-          </a:p>
-          <a:p>
-            <a:pPr marL="1371600" lvl="1" indent="-342900">
-              <a:buFont typeface="Arial" panose="020B0604020202020204" pitchFamily="34" charset="0"/>
-              <a:buChar char="•"/>
-            </a:pPr>
-            <a:endParaRPr lang="it-CH" sz="3800" dirty="0"/>
-          </a:p>
-          <a:p>
-            <a:pPr marL="628650" indent="-342900">
-              <a:buFont typeface="Arial" panose="020B0604020202020204" pitchFamily="34" charset="0"/>
-              <a:buChar char="•"/>
-            </a:pPr>
-            <a:r>
-              <a:rPr lang="it-CH" sz="3600" dirty="0" err="1"/>
-              <a:t>Fadil</a:t>
-            </a:r>
-            <a:r>
-              <a:rPr lang="it-CH" sz="3600" dirty="0"/>
-              <a:t> </a:t>
-            </a:r>
-            <a:r>
-              <a:rPr lang="it-CH" sz="3600" dirty="0" err="1"/>
-              <a:t>Smajilbasic</a:t>
-            </a:r>
-            <a:endParaRPr lang="it-CH" sz="3600" dirty="0"/>
-          </a:p>
-          <a:p>
-            <a:pPr marL="1371600" lvl="1" indent="-342900">
-              <a:buFont typeface="Arial" panose="020B0604020202020204" pitchFamily="34" charset="0"/>
-              <a:buChar char="•"/>
-            </a:pPr>
-            <a:r>
-              <a:rPr lang="it-CH" sz="3600" dirty="0">
-                <a:hlinkClick r:id="rId3"/>
-              </a:rPr>
-              <a:t>fadil.smajilbasic@samtrevano.ch</a:t>
-            </a:r>
-            <a:endParaRPr lang="it-CH" sz="3600" dirty="0"/>
-          </a:p>
-        </p:txBody>
-      </p:sp>
-    </p:spTree>
-    <p:extLst>
-      <p:ext uri="{BB962C8B-B14F-4D97-AF65-F5344CB8AC3E}">
-        <p14:creationId xmlns:p14="http://schemas.microsoft.com/office/powerpoint/2010/main" val="1267420435"/>
-      </p:ext>
-    </p:extLst>
-  </p:cSld>
-  <p:clrMapOvr>
-    <a:masterClrMapping/>
-  </p:clrMapOvr>
-  <mc:AlternateContent xmlns:mc="http://schemas.openxmlformats.org/markup-compatibility/2006">
-    <mc:Choice xmlns:p159="http://schemas.microsoft.com/office/powerpoint/2015/09/main" xmlns="" Requires="p159">
-      <p:transition xmlns:p14="http://schemas.microsoft.com/office/powerpoint/2010/main" spd="slow" p14:dur="2000">
-        <p159:morph option="byWord"/>
-      </p:transition>
-    </mc:Choice>
-    <mc:Fallback>
-      <p:transition spd="slow">
-        <p:fade/>
-      </p:transition>
-    </mc:Fallback>
-  </mc:AlternateContent>
-</p:sld>
-</file>
-
-<file path=ppt/slides/slide20.xml><?xml version="1.0" encoding="utf-8"?>
-<p:sld xmlns:a="http://schemas.openxmlformats.org/drawingml/2006/main" xmlns:r="http://schemas.openxmlformats.org/officeDocument/2006/relationships" xmlns:p="http://schemas.openxmlformats.org/presentationml/2006/main">
-  <p:cSld>
-    <p:spTree>
-      <p:nvGrpSpPr>
-        <p:cNvPr id="1" name=""/>
-        <p:cNvGrpSpPr/>
-        <p:nvPr/>
-      </p:nvGrpSpPr>
-      <p:grpSpPr>
-        <a:xfrm>
-          <a:off x="0" y="0"/>
-          <a:ext cx="0" cy="0"/>
-          <a:chOff x="0" y="0"/>
-          <a:chExt cx="0" cy="0"/>
-        </a:xfrm>
-      </p:grpSpPr>
-      <p:sp>
-        <p:nvSpPr>
-          <p:cNvPr id="2" name="Titolo 1">
-            <a:extLst>
-              <a:ext uri="{FF2B5EF4-FFF2-40B4-BE49-F238E27FC236}">
-                <a16:creationId xmlns:a16="http://schemas.microsoft.com/office/drawing/2014/main" xmlns="" id="{1C9728DE-DCC3-47F3-A9A7-4840BBF3A649}"/>
-              </a:ext>
-            </a:extLst>
-          </p:cNvPr>
-          <p:cNvSpPr>
-            <a:spLocks noGrp="1"/>
-          </p:cNvSpPr>
-          <p:nvPr>
-            <p:ph type="title"/>
-          </p:nvPr>
-        </p:nvSpPr>
-        <p:spPr/>
-        <p:txBody>
-          <a:bodyPr/>
-          <a:lstStyle/>
-          <a:p>
-            <a:r>
-              <a:rPr lang="it-CH" dirty="0" err="1"/>
-              <a:t>DroneController</a:t>
-            </a:r>
-            <a:endParaRPr lang="it-CH" dirty="0"/>
-          </a:p>
-        </p:txBody>
-      </p:sp>
-      <p:sp>
-        <p:nvSpPr>
-          <p:cNvPr id="3" name="Segnaposto contenuto 2">
-            <a:extLst>
-              <a:ext uri="{FF2B5EF4-FFF2-40B4-BE49-F238E27FC236}">
-                <a16:creationId xmlns:a16="http://schemas.microsoft.com/office/drawing/2014/main" xmlns="" id="{A9782E92-4646-4216-BC0B-9AFBD5130E30}"/>
-              </a:ext>
-            </a:extLst>
-          </p:cNvPr>
-          <p:cNvSpPr>
-            <a:spLocks noGrp="1"/>
-          </p:cNvSpPr>
-          <p:nvPr>
-            <p:ph idx="1"/>
-          </p:nvPr>
-        </p:nvSpPr>
-        <p:spPr>
-          <a:xfrm>
-            <a:off x="2000747" y="884466"/>
-            <a:ext cx="6912768" cy="460648"/>
-          </a:xfrm>
-        </p:spPr>
-        <p:txBody>
-          <a:bodyPr/>
-          <a:lstStyle/>
-          <a:p>
-            <a:r>
-              <a:rPr lang="it-CH" sz="2800" dirty="0"/>
-              <a:t>Classe </a:t>
-            </a:r>
-            <a:r>
-              <a:rPr lang="it-CH" sz="2800" dirty="0" err="1"/>
-              <a:t>DroneController</a:t>
-            </a:r>
-            <a:endParaRPr lang="it-CH" sz="2800" dirty="0"/>
-          </a:p>
-        </p:txBody>
-      </p:sp>
-      <p:sp>
-        <p:nvSpPr>
-          <p:cNvPr id="4" name="Segnaposto contenuto 3">
-            <a:extLst>
-              <a:ext uri="{FF2B5EF4-FFF2-40B4-BE49-F238E27FC236}">
-                <a16:creationId xmlns:a16="http://schemas.microsoft.com/office/drawing/2014/main" xmlns="" id="{13544A92-8328-4004-96C8-B60363828F13}"/>
-              </a:ext>
-            </a:extLst>
-          </p:cNvPr>
-          <p:cNvSpPr>
-            <a:spLocks noGrp="1"/>
-          </p:cNvSpPr>
-          <p:nvPr>
-            <p:ph idx="10"/>
-          </p:nvPr>
-        </p:nvSpPr>
-        <p:spPr/>
-        <p:txBody>
-          <a:bodyPr/>
-          <a:lstStyle/>
-          <a:p>
-            <a:pPr marL="285750" indent="-285750">
-              <a:lnSpc>
-                <a:spcPct val="150000"/>
-              </a:lnSpc>
-              <a:buFont typeface="Arial" panose="020B0604020202020204" pitchFamily="34" charset="0"/>
-              <a:buChar char="•"/>
-            </a:pPr>
-            <a:r>
-              <a:rPr lang="it-CH" sz="2000" dirty="0"/>
-              <a:t>Leggere comandi </a:t>
-            </a:r>
-            <a:r>
-              <a:rPr lang="it-CH" sz="2000" dirty="0" err="1"/>
-              <a:t>LeapMotion</a:t>
-            </a:r>
-            <a:endParaRPr lang="it-CH" sz="2000" dirty="0"/>
-          </a:p>
-          <a:p>
-            <a:pPr marL="1028700" lvl="1">
-              <a:lnSpc>
-                <a:spcPct val="150000"/>
-              </a:lnSpc>
-              <a:buFont typeface="Arial" panose="020B0604020202020204" pitchFamily="34" charset="0"/>
-              <a:buChar char="•"/>
-            </a:pPr>
-            <a:r>
-              <a:rPr lang="it-CH" sz="2000" dirty="0"/>
-              <a:t>Altezza</a:t>
-            </a:r>
-          </a:p>
-          <a:p>
-            <a:pPr marL="1028700" lvl="1">
-              <a:lnSpc>
-                <a:spcPct val="150000"/>
-              </a:lnSpc>
-              <a:buFont typeface="Arial" panose="020B0604020202020204" pitchFamily="34" charset="0"/>
-              <a:buChar char="•"/>
-            </a:pPr>
-            <a:r>
-              <a:rPr lang="it-CH" sz="2000" dirty="0"/>
-              <a:t>Rollio, beccheggio ed imbardata</a:t>
-            </a:r>
-          </a:p>
-          <a:p>
-            <a:pPr marL="285750" indent="-285750">
-              <a:lnSpc>
-                <a:spcPct val="150000"/>
-              </a:lnSpc>
-              <a:buFont typeface="Arial" panose="020B0604020202020204" pitchFamily="34" charset="0"/>
-              <a:buChar char="•"/>
-            </a:pPr>
-            <a:r>
-              <a:rPr lang="it-CH" sz="2000" dirty="0"/>
-              <a:t>Inviati al Drone</a:t>
-            </a:r>
-          </a:p>
-          <a:p>
-            <a:pPr marL="1028700" lvl="1">
-              <a:lnSpc>
-                <a:spcPct val="150000"/>
-              </a:lnSpc>
-              <a:buFont typeface="Arial" panose="020B0604020202020204" pitchFamily="34" charset="0"/>
-              <a:buChar char="•"/>
-            </a:pPr>
-            <a:r>
-              <a:rPr lang="it-CH" sz="2000" dirty="0" err="1"/>
-              <a:t>CommandManager</a:t>
-            </a:r>
-            <a:endParaRPr lang="it-CH" sz="2000" dirty="0"/>
-          </a:p>
-        </p:txBody>
-      </p:sp>
-    </p:spTree>
-    <p:extLst>
-      <p:ext uri="{BB962C8B-B14F-4D97-AF65-F5344CB8AC3E}">
-        <p14:creationId xmlns:p14="http://schemas.microsoft.com/office/powerpoint/2010/main" val="1615021837"/>
-      </p:ext>
-    </p:extLst>
-  </p:cSld>
-  <p:clrMapOvr>
-    <a:masterClrMapping/>
-  </p:clrMapOvr>
-  <mc:AlternateContent xmlns:mc="http://schemas.openxmlformats.org/markup-compatibility/2006">
-    <mc:Choice xmlns:p159="http://schemas.microsoft.com/office/powerpoint/2015/09/main" xmlns="" Requires="p159">
-      <p:transition xmlns:p14="http://schemas.microsoft.com/office/powerpoint/2010/main" spd="slow" p14:dur="2000">
-        <p159:morph option="byWord"/>
-      </p:transition>
-    </mc:Choice>
-    <mc:Fallback>
-      <p:transition spd="slow">
-        <p:fade/>
-      </p:transition>
-    </mc:Fallback>
-  </mc:AlternateContent>
-</p:sld>
-</file>
-
-<file path=ppt/slides/slide21.xml><?xml version="1.0" encoding="utf-8"?>
-<p:sld xmlns:a="http://schemas.openxmlformats.org/drawingml/2006/main" xmlns:r="http://schemas.openxmlformats.org/officeDocument/2006/relationships" xmlns:p="http://schemas.openxmlformats.org/presentationml/2006/main">
-  <p:cSld>
-    <p:spTree>
-      <p:nvGrpSpPr>
-        <p:cNvPr id="1" name=""/>
-        <p:cNvGrpSpPr/>
-        <p:nvPr/>
-      </p:nvGrpSpPr>
-      <p:grpSpPr>
-        <a:xfrm>
-          <a:off x="0" y="0"/>
-          <a:ext cx="0" cy="0"/>
-          <a:chOff x="0" y="0"/>
-          <a:chExt cx="0" cy="0"/>
-        </a:xfrm>
-      </p:grpSpPr>
-      <p:sp>
-        <p:nvSpPr>
-          <p:cNvPr id="2" name="Titolo 1">
-            <a:extLst>
-              <a:ext uri="{FF2B5EF4-FFF2-40B4-BE49-F238E27FC236}">
-                <a16:creationId xmlns:a16="http://schemas.microsoft.com/office/drawing/2014/main" xmlns="" id="{1C9728DE-DCC3-47F3-A9A7-4840BBF3A649}"/>
-              </a:ext>
-            </a:extLst>
-          </p:cNvPr>
-          <p:cNvSpPr>
-            <a:spLocks noGrp="1"/>
-          </p:cNvSpPr>
-          <p:nvPr>
-            <p:ph type="title"/>
-          </p:nvPr>
-        </p:nvSpPr>
-        <p:spPr/>
-        <p:txBody>
-          <a:bodyPr/>
-          <a:lstStyle/>
-          <a:p>
-            <a:r>
-              <a:rPr lang="it-CH" dirty="0" err="1"/>
-              <a:t>DroneController</a:t>
-            </a:r>
-            <a:endParaRPr lang="it-CH" dirty="0"/>
-          </a:p>
-        </p:txBody>
-      </p:sp>
-      <p:sp>
-        <p:nvSpPr>
-          <p:cNvPr id="3" name="Segnaposto contenuto 2">
-            <a:extLst>
-              <a:ext uri="{FF2B5EF4-FFF2-40B4-BE49-F238E27FC236}">
-                <a16:creationId xmlns:a16="http://schemas.microsoft.com/office/drawing/2014/main" xmlns="" id="{A9782E92-4646-4216-BC0B-9AFBD5130E30}"/>
-              </a:ext>
-            </a:extLst>
-          </p:cNvPr>
-          <p:cNvSpPr>
-            <a:spLocks noGrp="1"/>
-          </p:cNvSpPr>
-          <p:nvPr>
-            <p:ph idx="1"/>
-          </p:nvPr>
-        </p:nvSpPr>
-        <p:spPr>
-          <a:xfrm>
-            <a:off x="2000747" y="884466"/>
-            <a:ext cx="6912768" cy="460648"/>
-          </a:xfrm>
-        </p:spPr>
-        <p:txBody>
-          <a:bodyPr/>
-          <a:lstStyle/>
-          <a:p>
-            <a:r>
-              <a:rPr lang="it-CH" sz="2800" dirty="0"/>
-              <a:t>Classe </a:t>
-            </a:r>
-            <a:r>
-              <a:rPr lang="it-IT" sz="2800" dirty="0" err="1"/>
-              <a:t>DroneControllerMonitor</a:t>
-            </a:r>
-            <a:r>
-              <a:rPr lang="it-IT" sz="2800" dirty="0"/>
-              <a:t> </a:t>
-            </a:r>
-            <a:endParaRPr lang="it-CH" sz="2800" dirty="0"/>
-          </a:p>
-        </p:txBody>
-      </p:sp>
-      <p:sp>
-        <p:nvSpPr>
-          <p:cNvPr id="4" name="Segnaposto contenuto 3">
-            <a:extLst>
-              <a:ext uri="{FF2B5EF4-FFF2-40B4-BE49-F238E27FC236}">
-                <a16:creationId xmlns:a16="http://schemas.microsoft.com/office/drawing/2014/main" xmlns="" id="{13544A92-8328-4004-96C8-B60363828F13}"/>
-              </a:ext>
-            </a:extLst>
-          </p:cNvPr>
-          <p:cNvSpPr>
-            <a:spLocks noGrp="1"/>
-          </p:cNvSpPr>
-          <p:nvPr>
-            <p:ph idx="10"/>
-          </p:nvPr>
-        </p:nvSpPr>
-        <p:spPr>
-          <a:xfrm>
-            <a:off x="1925452" y="1563638"/>
-            <a:ext cx="6912768" cy="2995737"/>
-          </a:xfrm>
-        </p:spPr>
-        <p:txBody>
-          <a:bodyPr/>
-          <a:lstStyle/>
-          <a:p>
-            <a:pPr marL="285750" indent="-285750">
-              <a:lnSpc>
-                <a:spcPct val="150000"/>
-              </a:lnSpc>
-              <a:buFont typeface="Arial" panose="020B0604020202020204" pitchFamily="34" charset="0"/>
-              <a:buChar char="•"/>
-            </a:pPr>
-            <a:r>
-              <a:rPr lang="it-CH" sz="2000" dirty="0"/>
-              <a:t>GUI</a:t>
-            </a:r>
-          </a:p>
-          <a:p>
-            <a:pPr marL="1028700" lvl="1">
-              <a:lnSpc>
-                <a:spcPct val="150000"/>
-              </a:lnSpc>
-              <a:buFont typeface="Arial" panose="020B0604020202020204" pitchFamily="34" charset="0"/>
-              <a:buChar char="•"/>
-            </a:pPr>
-            <a:r>
-              <a:rPr lang="it-CH" sz="2000" dirty="0"/>
-              <a:t>Controllo drone </a:t>
-            </a:r>
-          </a:p>
-          <a:p>
-            <a:pPr marL="1028700" lvl="1">
-              <a:lnSpc>
-                <a:spcPct val="150000"/>
-              </a:lnSpc>
-              <a:buFont typeface="Arial" panose="020B0604020202020204" pitchFamily="34" charset="0"/>
-              <a:buChar char="•"/>
-            </a:pPr>
-            <a:r>
-              <a:rPr lang="it-CH" sz="2000" dirty="0"/>
-              <a:t>Recording</a:t>
-            </a:r>
-          </a:p>
-          <a:p>
-            <a:pPr marL="1028700" lvl="1">
-              <a:lnSpc>
-                <a:spcPct val="150000"/>
-              </a:lnSpc>
-              <a:buFont typeface="Arial" panose="020B0604020202020204" pitchFamily="34" charset="0"/>
-              <a:buChar char="•"/>
-            </a:pPr>
-            <a:r>
-              <a:rPr lang="it-CH" sz="2000" dirty="0" err="1"/>
-              <a:t>Config</a:t>
-            </a:r>
-            <a:endParaRPr lang="it-CH" sz="2000" dirty="0"/>
-          </a:p>
-          <a:p>
-            <a:pPr marL="1028700" lvl="1">
-              <a:lnSpc>
-                <a:spcPct val="150000"/>
-              </a:lnSpc>
-              <a:buFont typeface="Arial" panose="020B0604020202020204" pitchFamily="34" charset="0"/>
-              <a:buChar char="•"/>
-            </a:pPr>
-            <a:r>
-              <a:rPr lang="it-CH" sz="2000" dirty="0"/>
-              <a:t>Log</a:t>
-            </a:r>
-          </a:p>
-        </p:txBody>
-      </p:sp>
-    </p:spTree>
-    <p:extLst>
-      <p:ext uri="{BB962C8B-B14F-4D97-AF65-F5344CB8AC3E}">
-        <p14:creationId xmlns:p14="http://schemas.microsoft.com/office/powerpoint/2010/main" val="2586380990"/>
-      </p:ext>
-    </p:extLst>
-  </p:cSld>
-  <p:clrMapOvr>
-    <a:masterClrMapping/>
-  </p:clrMapOvr>
-  <mc:AlternateContent xmlns:mc="http://schemas.openxmlformats.org/markup-compatibility/2006">
-    <mc:Choice xmlns:p159="http://schemas.microsoft.com/office/powerpoint/2015/09/main" xmlns="" Requires="p159">
-      <p:transition xmlns:p14="http://schemas.microsoft.com/office/powerpoint/2010/main" spd="slow" p14:dur="2000">
-        <p159:morph option="byWord"/>
-      </p:transition>
-    </mc:Choice>
-    <mc:Fallback>
+    <mc:Fallback xmlns="">
       <p:transition spd="slow">
         <p:fade/>
       </p:transition>
@@ -9975,7 +9946,579 @@
           <p:cNvPr id="2" name="Titolo 1">
             <a:extLst>
               <a:ext uri="{FF2B5EF4-FFF2-40B4-BE49-F238E27FC236}">
-                <a16:creationId xmlns:a16="http://schemas.microsoft.com/office/drawing/2014/main" xmlns="" id="{929A8F7E-6DE7-4CF1-8507-D13BF35BA7BD}"/>
+                <a16:creationId xmlns:a16="http://schemas.microsoft.com/office/drawing/2014/main" id="{D9D1A5C6-17BF-4092-A0E1-85A255481368}"/>
+              </a:ext>
+            </a:extLst>
+          </p:cNvPr>
+          <p:cNvSpPr>
+            <a:spLocks noGrp="1"/>
+          </p:cNvSpPr>
+          <p:nvPr>
+            <p:ph type="title"/>
+          </p:nvPr>
+        </p:nvSpPr>
+        <p:spPr>
+          <a:xfrm>
+            <a:off x="323528" y="123478"/>
+            <a:ext cx="9144000" cy="1285096"/>
+          </a:xfrm>
+        </p:spPr>
+        <p:txBody>
+          <a:bodyPr/>
+          <a:lstStyle/>
+          <a:p>
+            <a:r>
+              <a:rPr lang="it-CH" sz="5400" dirty="0"/>
+              <a:t>IMPLEMENTAZIONE</a:t>
+            </a:r>
+          </a:p>
+        </p:txBody>
+      </p:sp>
+      <p:sp>
+        <p:nvSpPr>
+          <p:cNvPr id="4" name="Segnaposto contenuto 3">
+            <a:extLst>
+              <a:ext uri="{FF2B5EF4-FFF2-40B4-BE49-F238E27FC236}">
+                <a16:creationId xmlns:a16="http://schemas.microsoft.com/office/drawing/2014/main" id="{009804A4-6B3D-4E19-A2EB-87BD64193F1A}"/>
+              </a:ext>
+            </a:extLst>
+          </p:cNvPr>
+          <p:cNvSpPr>
+            <a:spLocks noGrp="1"/>
+          </p:cNvSpPr>
+          <p:nvPr>
+            <p:ph idx="1"/>
+          </p:nvPr>
+        </p:nvSpPr>
+        <p:spPr>
+          <a:xfrm>
+            <a:off x="323528" y="1131590"/>
+            <a:ext cx="8496944" cy="3315022"/>
+          </a:xfrm>
+        </p:spPr>
+        <p:txBody>
+          <a:bodyPr/>
+          <a:lstStyle/>
+          <a:p>
+            <a:pPr marL="457200" indent="-457200">
+              <a:lnSpc>
+                <a:spcPct val="200000"/>
+              </a:lnSpc>
+              <a:buFont typeface="Arial" panose="020B0604020202020204" pitchFamily="34" charset="0"/>
+              <a:buChar char="•"/>
+            </a:pPr>
+            <a:r>
+              <a:rPr lang="it-CH" sz="2800" dirty="0" err="1"/>
+              <a:t>DroneController</a:t>
+            </a:r>
+            <a:endParaRPr lang="it-CH" sz="2800" dirty="0"/>
+          </a:p>
+          <a:p>
+            <a:pPr marL="1200150" lvl="1" indent="-457200">
+              <a:lnSpc>
+                <a:spcPct val="200000"/>
+              </a:lnSpc>
+              <a:buFont typeface="Arial" panose="020B0604020202020204" pitchFamily="34" charset="0"/>
+              <a:buChar char="•"/>
+            </a:pPr>
+            <a:r>
+              <a:rPr lang="it-CH" sz="2400" dirty="0"/>
+              <a:t>Luca &amp; </a:t>
+            </a:r>
+            <a:r>
+              <a:rPr lang="it-CH" sz="2400" dirty="0" err="1"/>
+              <a:t>Fadil</a:t>
+            </a:r>
+            <a:endParaRPr lang="it-CH" sz="6000" dirty="0"/>
+          </a:p>
+          <a:p>
+            <a:pPr marL="457200" indent="-457200">
+              <a:lnSpc>
+                <a:spcPct val="200000"/>
+              </a:lnSpc>
+              <a:buFont typeface="Arial" panose="020B0604020202020204" pitchFamily="34" charset="0"/>
+              <a:buChar char="•"/>
+            </a:pPr>
+            <a:r>
+              <a:rPr lang="it-CH" sz="2800" dirty="0"/>
+              <a:t>DroneSimulator</a:t>
+            </a:r>
+          </a:p>
+          <a:p>
+            <a:pPr marL="1200150" lvl="1" indent="-457200">
+              <a:lnSpc>
+                <a:spcPct val="200000"/>
+              </a:lnSpc>
+              <a:buFont typeface="Arial" panose="020B0604020202020204" pitchFamily="34" charset="0"/>
+              <a:buChar char="•"/>
+            </a:pPr>
+            <a:r>
+              <a:rPr lang="it-CH" sz="2400" dirty="0" err="1"/>
+              <a:t>Jari</a:t>
+            </a:r>
+            <a:r>
+              <a:rPr lang="it-CH" sz="2400" dirty="0"/>
+              <a:t> &amp; Andrea</a:t>
+            </a:r>
+          </a:p>
+        </p:txBody>
+      </p:sp>
+    </p:spTree>
+    <p:extLst>
+      <p:ext uri="{BB962C8B-B14F-4D97-AF65-F5344CB8AC3E}">
+        <p14:creationId xmlns:p14="http://schemas.microsoft.com/office/powerpoint/2010/main" val="2631092496"/>
+      </p:ext>
+    </p:extLst>
+  </p:cSld>
+  <p:clrMapOvr>
+    <a:masterClrMapping/>
+  </p:clrMapOvr>
+  <mc:AlternateContent xmlns:mc="http://schemas.openxmlformats.org/markup-compatibility/2006" xmlns:p159="http://schemas.microsoft.com/office/powerpoint/2015/09/main">
+    <mc:Choice Requires="p159">
+      <p:transition xmlns:p14="http://schemas.microsoft.com/office/powerpoint/2010/main" spd="slow" p14:dur="2000">
+        <p159:morph option="byWord"/>
+      </p:transition>
+    </mc:Choice>
+    <mc:Fallback xmlns="">
+      <p:transition spd="slow">
+        <p:fade/>
+      </p:transition>
+    </mc:Fallback>
+  </mc:AlternateContent>
+</p:sld>
+</file>
+
+<file path=ppt/slides/slide23.xml><?xml version="1.0" encoding="utf-8"?>
+<p:sld xmlns:a="http://schemas.openxmlformats.org/drawingml/2006/main" xmlns:r="http://schemas.openxmlformats.org/officeDocument/2006/relationships" xmlns:p="http://schemas.openxmlformats.org/presentationml/2006/main">
+  <p:cSld>
+    <p:spTree>
+      <p:nvGrpSpPr>
+        <p:cNvPr id="1" name=""/>
+        <p:cNvGrpSpPr/>
+        <p:nvPr/>
+      </p:nvGrpSpPr>
+      <p:grpSpPr>
+        <a:xfrm>
+          <a:off x="0" y="0"/>
+          <a:ext cx="0" cy="0"/>
+          <a:chOff x="0" y="0"/>
+          <a:chExt cx="0" cy="0"/>
+        </a:xfrm>
+      </p:grpSpPr>
+      <p:sp>
+        <p:nvSpPr>
+          <p:cNvPr id="2" name="Titolo 1">
+            <a:extLst>
+              <a:ext uri="{FF2B5EF4-FFF2-40B4-BE49-F238E27FC236}">
+                <a16:creationId xmlns:a16="http://schemas.microsoft.com/office/drawing/2014/main" id="{1C9728DE-DCC3-47F3-A9A7-4840BBF3A649}"/>
+              </a:ext>
+            </a:extLst>
+          </p:cNvPr>
+          <p:cNvSpPr>
+            <a:spLocks noGrp="1"/>
+          </p:cNvSpPr>
+          <p:nvPr>
+            <p:ph type="title"/>
+          </p:nvPr>
+        </p:nvSpPr>
+        <p:spPr/>
+        <p:txBody>
+          <a:bodyPr/>
+          <a:lstStyle/>
+          <a:p>
+            <a:r>
+              <a:rPr lang="it-CH" dirty="0" err="1"/>
+              <a:t>DroneController</a:t>
+            </a:r>
+            <a:endParaRPr lang="it-CH" dirty="0"/>
+          </a:p>
+        </p:txBody>
+      </p:sp>
+      <p:sp>
+        <p:nvSpPr>
+          <p:cNvPr id="3" name="Segnaposto contenuto 2">
+            <a:extLst>
+              <a:ext uri="{FF2B5EF4-FFF2-40B4-BE49-F238E27FC236}">
+                <a16:creationId xmlns:a16="http://schemas.microsoft.com/office/drawing/2014/main" id="{A9782E92-4646-4216-BC0B-9AFBD5130E30}"/>
+              </a:ext>
+            </a:extLst>
+          </p:cNvPr>
+          <p:cNvSpPr>
+            <a:spLocks noGrp="1"/>
+          </p:cNvSpPr>
+          <p:nvPr>
+            <p:ph idx="1"/>
+          </p:nvPr>
+        </p:nvSpPr>
+        <p:spPr>
+          <a:xfrm>
+            <a:off x="2000747" y="884466"/>
+            <a:ext cx="6912768" cy="460648"/>
+          </a:xfrm>
+        </p:spPr>
+        <p:txBody>
+          <a:bodyPr/>
+          <a:lstStyle/>
+          <a:p>
+            <a:r>
+              <a:rPr lang="it-CH" sz="2800" dirty="0"/>
+              <a:t>Classe </a:t>
+            </a:r>
+            <a:r>
+              <a:rPr lang="it-CH" sz="2800" dirty="0" err="1"/>
+              <a:t>DroneController</a:t>
+            </a:r>
+            <a:endParaRPr lang="it-CH" sz="2800" dirty="0"/>
+          </a:p>
+        </p:txBody>
+      </p:sp>
+      <p:sp>
+        <p:nvSpPr>
+          <p:cNvPr id="4" name="Segnaposto contenuto 3">
+            <a:extLst>
+              <a:ext uri="{FF2B5EF4-FFF2-40B4-BE49-F238E27FC236}">
+                <a16:creationId xmlns:a16="http://schemas.microsoft.com/office/drawing/2014/main" id="{13544A92-8328-4004-96C8-B60363828F13}"/>
+              </a:ext>
+            </a:extLst>
+          </p:cNvPr>
+          <p:cNvSpPr>
+            <a:spLocks noGrp="1"/>
+          </p:cNvSpPr>
+          <p:nvPr>
+            <p:ph idx="10"/>
+          </p:nvPr>
+        </p:nvSpPr>
+        <p:spPr/>
+        <p:txBody>
+          <a:bodyPr/>
+          <a:lstStyle/>
+          <a:p>
+            <a:pPr marL="285750" indent="-285750">
+              <a:lnSpc>
+                <a:spcPct val="150000"/>
+              </a:lnSpc>
+              <a:buFont typeface="Arial" panose="020B0604020202020204" pitchFamily="34" charset="0"/>
+              <a:buChar char="•"/>
+            </a:pPr>
+            <a:r>
+              <a:rPr lang="it-CH" sz="2000" dirty="0"/>
+              <a:t>Leggere comandi </a:t>
+            </a:r>
+            <a:r>
+              <a:rPr lang="it-CH" sz="2000" dirty="0" err="1"/>
+              <a:t>LeapMotion</a:t>
+            </a:r>
+            <a:endParaRPr lang="it-CH" sz="2000" dirty="0"/>
+          </a:p>
+          <a:p>
+            <a:pPr marL="1028700" lvl="1">
+              <a:lnSpc>
+                <a:spcPct val="150000"/>
+              </a:lnSpc>
+              <a:buFont typeface="Arial" panose="020B0604020202020204" pitchFamily="34" charset="0"/>
+              <a:buChar char="•"/>
+            </a:pPr>
+            <a:r>
+              <a:rPr lang="it-CH" sz="2000" dirty="0"/>
+              <a:t>Altezza</a:t>
+            </a:r>
+          </a:p>
+          <a:p>
+            <a:pPr marL="1028700" lvl="1">
+              <a:lnSpc>
+                <a:spcPct val="150000"/>
+              </a:lnSpc>
+              <a:buFont typeface="Arial" panose="020B0604020202020204" pitchFamily="34" charset="0"/>
+              <a:buChar char="•"/>
+            </a:pPr>
+            <a:r>
+              <a:rPr lang="it-CH" sz="2000" dirty="0"/>
+              <a:t>Rollio, beccheggio ed imbardata</a:t>
+            </a:r>
+          </a:p>
+          <a:p>
+            <a:pPr marL="285750" indent="-285750">
+              <a:lnSpc>
+                <a:spcPct val="150000"/>
+              </a:lnSpc>
+              <a:buFont typeface="Arial" panose="020B0604020202020204" pitchFamily="34" charset="0"/>
+              <a:buChar char="•"/>
+            </a:pPr>
+            <a:r>
+              <a:rPr lang="it-CH" sz="2000" dirty="0"/>
+              <a:t>Inviati al Drone</a:t>
+            </a:r>
+          </a:p>
+          <a:p>
+            <a:pPr marL="1028700" lvl="1">
+              <a:lnSpc>
+                <a:spcPct val="150000"/>
+              </a:lnSpc>
+              <a:buFont typeface="Arial" panose="020B0604020202020204" pitchFamily="34" charset="0"/>
+              <a:buChar char="•"/>
+            </a:pPr>
+            <a:r>
+              <a:rPr lang="it-CH" sz="2000" dirty="0" err="1"/>
+              <a:t>CommandManager</a:t>
+            </a:r>
+            <a:endParaRPr lang="it-CH" sz="2000" dirty="0"/>
+          </a:p>
+        </p:txBody>
+      </p:sp>
+    </p:spTree>
+    <p:extLst>
+      <p:ext uri="{BB962C8B-B14F-4D97-AF65-F5344CB8AC3E}">
+        <p14:creationId xmlns:p14="http://schemas.microsoft.com/office/powerpoint/2010/main" val="1615021837"/>
+      </p:ext>
+    </p:extLst>
+  </p:cSld>
+  <p:clrMapOvr>
+    <a:masterClrMapping/>
+  </p:clrMapOvr>
+  <mc:AlternateContent xmlns:mc="http://schemas.openxmlformats.org/markup-compatibility/2006" xmlns:p159="http://schemas.microsoft.com/office/powerpoint/2015/09/main">
+    <mc:Choice Requires="p159">
+      <p:transition xmlns:p14="http://schemas.microsoft.com/office/powerpoint/2010/main" spd="slow" p14:dur="2000">
+        <p159:morph option="byWord"/>
+      </p:transition>
+    </mc:Choice>
+    <mc:Fallback xmlns="">
+      <p:transition spd="slow">
+        <p:fade/>
+      </p:transition>
+    </mc:Fallback>
+  </mc:AlternateContent>
+</p:sld>
+</file>
+
+<file path=ppt/slides/slide24.xml><?xml version="1.0" encoding="utf-8"?>
+<p:sld xmlns:a="http://schemas.openxmlformats.org/drawingml/2006/main" xmlns:r="http://schemas.openxmlformats.org/officeDocument/2006/relationships" xmlns:p="http://schemas.openxmlformats.org/presentationml/2006/main">
+  <p:cSld>
+    <p:spTree>
+      <p:nvGrpSpPr>
+        <p:cNvPr id="1" name=""/>
+        <p:cNvGrpSpPr/>
+        <p:nvPr/>
+      </p:nvGrpSpPr>
+      <p:grpSpPr>
+        <a:xfrm>
+          <a:off x="0" y="0"/>
+          <a:ext cx="0" cy="0"/>
+          <a:chOff x="0" y="0"/>
+          <a:chExt cx="0" cy="0"/>
+        </a:xfrm>
+      </p:grpSpPr>
+      <p:sp>
+        <p:nvSpPr>
+          <p:cNvPr id="2" name="Titolo 1">
+            <a:extLst>
+              <a:ext uri="{FF2B5EF4-FFF2-40B4-BE49-F238E27FC236}">
+                <a16:creationId xmlns:a16="http://schemas.microsoft.com/office/drawing/2014/main" id="{1C9728DE-DCC3-47F3-A9A7-4840BBF3A649}"/>
+              </a:ext>
+            </a:extLst>
+          </p:cNvPr>
+          <p:cNvSpPr>
+            <a:spLocks noGrp="1"/>
+          </p:cNvSpPr>
+          <p:nvPr>
+            <p:ph type="title"/>
+          </p:nvPr>
+        </p:nvSpPr>
+        <p:spPr/>
+        <p:txBody>
+          <a:bodyPr/>
+          <a:lstStyle/>
+          <a:p>
+            <a:r>
+              <a:rPr lang="it-CH" dirty="0" err="1"/>
+              <a:t>DroneController</a:t>
+            </a:r>
+            <a:endParaRPr lang="it-CH" dirty="0"/>
+          </a:p>
+        </p:txBody>
+      </p:sp>
+      <p:sp>
+        <p:nvSpPr>
+          <p:cNvPr id="3" name="Segnaposto contenuto 2">
+            <a:extLst>
+              <a:ext uri="{FF2B5EF4-FFF2-40B4-BE49-F238E27FC236}">
+                <a16:creationId xmlns:a16="http://schemas.microsoft.com/office/drawing/2014/main" id="{A9782E92-4646-4216-BC0B-9AFBD5130E30}"/>
+              </a:ext>
+            </a:extLst>
+          </p:cNvPr>
+          <p:cNvSpPr>
+            <a:spLocks noGrp="1"/>
+          </p:cNvSpPr>
+          <p:nvPr>
+            <p:ph idx="1"/>
+          </p:nvPr>
+        </p:nvSpPr>
+        <p:spPr>
+          <a:xfrm>
+            <a:off x="2000747" y="884466"/>
+            <a:ext cx="6912768" cy="460648"/>
+          </a:xfrm>
+        </p:spPr>
+        <p:txBody>
+          <a:bodyPr/>
+          <a:lstStyle/>
+          <a:p>
+            <a:r>
+              <a:rPr lang="it-CH" sz="2800" dirty="0"/>
+              <a:t>Classe </a:t>
+            </a:r>
+            <a:r>
+              <a:rPr lang="it-IT" sz="2800" dirty="0" err="1"/>
+              <a:t>DroneControllerMonitor</a:t>
+            </a:r>
+            <a:r>
+              <a:rPr lang="it-IT" sz="2800" dirty="0"/>
+              <a:t> </a:t>
+            </a:r>
+            <a:endParaRPr lang="it-CH" sz="2800" dirty="0"/>
+          </a:p>
+        </p:txBody>
+      </p:sp>
+      <p:sp>
+        <p:nvSpPr>
+          <p:cNvPr id="4" name="Segnaposto contenuto 3">
+            <a:extLst>
+              <a:ext uri="{FF2B5EF4-FFF2-40B4-BE49-F238E27FC236}">
+                <a16:creationId xmlns:a16="http://schemas.microsoft.com/office/drawing/2014/main" id="{13544A92-8328-4004-96C8-B60363828F13}"/>
+              </a:ext>
+            </a:extLst>
+          </p:cNvPr>
+          <p:cNvSpPr>
+            <a:spLocks noGrp="1"/>
+          </p:cNvSpPr>
+          <p:nvPr>
+            <p:ph idx="10"/>
+          </p:nvPr>
+        </p:nvSpPr>
+        <p:spPr>
+          <a:xfrm>
+            <a:off x="1925452" y="1563638"/>
+            <a:ext cx="6912768" cy="2995737"/>
+          </a:xfrm>
+        </p:spPr>
+        <p:txBody>
+          <a:bodyPr/>
+          <a:lstStyle/>
+          <a:p>
+            <a:pPr marL="285750" indent="-285750">
+              <a:lnSpc>
+                <a:spcPct val="150000"/>
+              </a:lnSpc>
+              <a:buFont typeface="Arial" panose="020B0604020202020204" pitchFamily="34" charset="0"/>
+              <a:buChar char="•"/>
+            </a:pPr>
+            <a:r>
+              <a:rPr lang="it-CH" sz="2000" dirty="0"/>
+              <a:t>GUI</a:t>
+            </a:r>
+          </a:p>
+          <a:p>
+            <a:pPr marL="1028700" lvl="1">
+              <a:lnSpc>
+                <a:spcPct val="150000"/>
+              </a:lnSpc>
+              <a:buFont typeface="Arial" panose="020B0604020202020204" pitchFamily="34" charset="0"/>
+              <a:buChar char="•"/>
+            </a:pPr>
+            <a:r>
+              <a:rPr lang="it-CH" sz="2000" dirty="0"/>
+              <a:t>Controllo drone </a:t>
+            </a:r>
+          </a:p>
+          <a:p>
+            <a:pPr marL="1028700" lvl="1">
+              <a:lnSpc>
+                <a:spcPct val="150000"/>
+              </a:lnSpc>
+              <a:buFont typeface="Arial" panose="020B0604020202020204" pitchFamily="34" charset="0"/>
+              <a:buChar char="•"/>
+            </a:pPr>
+            <a:r>
+              <a:rPr lang="it-CH" sz="2000" dirty="0"/>
+              <a:t>Recording</a:t>
+            </a:r>
+          </a:p>
+          <a:p>
+            <a:pPr marL="1028700" lvl="1">
+              <a:lnSpc>
+                <a:spcPct val="150000"/>
+              </a:lnSpc>
+              <a:buFont typeface="Arial" panose="020B0604020202020204" pitchFamily="34" charset="0"/>
+              <a:buChar char="•"/>
+            </a:pPr>
+            <a:r>
+              <a:rPr lang="it-CH" sz="2000" dirty="0" err="1"/>
+              <a:t>Config</a:t>
+            </a:r>
+            <a:endParaRPr lang="it-CH" sz="2000" dirty="0"/>
+          </a:p>
+          <a:p>
+            <a:pPr marL="1028700" lvl="1">
+              <a:lnSpc>
+                <a:spcPct val="150000"/>
+              </a:lnSpc>
+              <a:buFont typeface="Arial" panose="020B0604020202020204" pitchFamily="34" charset="0"/>
+              <a:buChar char="•"/>
+            </a:pPr>
+            <a:r>
+              <a:rPr lang="it-CH" sz="2000" dirty="0"/>
+              <a:t>Log</a:t>
+            </a:r>
+          </a:p>
+        </p:txBody>
+      </p:sp>
+    </p:spTree>
+    <p:extLst>
+      <p:ext uri="{BB962C8B-B14F-4D97-AF65-F5344CB8AC3E}">
+        <p14:creationId xmlns:p14="http://schemas.microsoft.com/office/powerpoint/2010/main" val="2586380990"/>
+      </p:ext>
+    </p:extLst>
+  </p:cSld>
+  <p:clrMapOvr>
+    <a:masterClrMapping/>
+  </p:clrMapOvr>
+  <mc:AlternateContent xmlns:mc="http://schemas.openxmlformats.org/markup-compatibility/2006" xmlns:p159="http://schemas.microsoft.com/office/powerpoint/2015/09/main">
+    <mc:Choice Requires="p159">
+      <p:transition xmlns:p14="http://schemas.microsoft.com/office/powerpoint/2010/main" spd="slow" p14:dur="2000">
+        <p159:morph option="byWord"/>
+      </p:transition>
+    </mc:Choice>
+    <mc:Fallback xmlns="">
+      <p:transition spd="slow">
+        <p:fade/>
+      </p:transition>
+    </mc:Fallback>
+  </mc:AlternateContent>
+</p:sld>
+</file>
+
+<file path=ppt/slides/slide25.xml><?xml version="1.0" encoding="utf-8"?>
+<p:sld xmlns:a="http://schemas.openxmlformats.org/drawingml/2006/main" xmlns:r="http://schemas.openxmlformats.org/officeDocument/2006/relationships" xmlns:p="http://schemas.openxmlformats.org/presentationml/2006/main">
+  <p:cSld>
+    <p:spTree>
+      <p:nvGrpSpPr>
+        <p:cNvPr id="1" name=""/>
+        <p:cNvGrpSpPr/>
+        <p:nvPr/>
+      </p:nvGrpSpPr>
+      <p:grpSpPr>
+        <a:xfrm>
+          <a:off x="0" y="0"/>
+          <a:ext cx="0" cy="0"/>
+          <a:chOff x="0" y="0"/>
+          <a:chExt cx="0" cy="0"/>
+        </a:xfrm>
+      </p:grpSpPr>
+      <p:sp>
+        <p:nvSpPr>
+          <p:cNvPr id="2" name="Titolo 1">
+            <a:extLst>
+              <a:ext uri="{FF2B5EF4-FFF2-40B4-BE49-F238E27FC236}">
+                <a16:creationId xmlns:a16="http://schemas.microsoft.com/office/drawing/2014/main" id="{929A8F7E-6DE7-4CF1-8507-D13BF35BA7BD}"/>
               </a:ext>
             </a:extLst>
           </p:cNvPr>
@@ -10014,7 +10557,7 @@
           <p:cNvPr id="7" name="Segnaposto contenuto 6">
             <a:extLst>
               <a:ext uri="{FF2B5EF4-FFF2-40B4-BE49-F238E27FC236}">
-                <a16:creationId xmlns:a16="http://schemas.microsoft.com/office/drawing/2014/main" xmlns="" id="{2C760AAA-BFC6-4AF6-AC4C-EB880816BB6F}"/>
+                <a16:creationId xmlns:a16="http://schemas.microsoft.com/office/drawing/2014/main" id="{2C760AAA-BFC6-4AF6-AC4C-EB880816BB6F}"/>
               </a:ext>
             </a:extLst>
           </p:cNvPr>
@@ -10056,7 +10599,7 @@
 </p:sld>
 </file>
 
-<file path=ppt/slides/slide23.xml><?xml version="1.0" encoding="utf-8"?>
+<file path=ppt/slides/slide26.xml><?xml version="1.0" encoding="utf-8"?>
 <p:sld xmlns:a="http://schemas.openxmlformats.org/drawingml/2006/main" xmlns:r="http://schemas.openxmlformats.org/officeDocument/2006/relationships" xmlns:p="http://schemas.openxmlformats.org/presentationml/2006/main">
   <p:cSld>
     <p:spTree>
@@ -10078,7 +10621,7 @@
           <p:cNvPr id="2" name="Titolo 1">
             <a:extLst>
               <a:ext uri="{FF2B5EF4-FFF2-40B4-BE49-F238E27FC236}">
-                <a16:creationId xmlns:a16="http://schemas.microsoft.com/office/drawing/2014/main" xmlns="" id="{929A8F7E-6DE7-4CF1-8507-D13BF35BA7BD}"/>
+                <a16:creationId xmlns:a16="http://schemas.microsoft.com/office/drawing/2014/main" id="{929A8F7E-6DE7-4CF1-8507-D13BF35BA7BD}"/>
               </a:ext>
             </a:extLst>
           </p:cNvPr>
@@ -10117,7 +10660,7 @@
           <p:cNvPr id="6" name="Segnaposto contenuto 5">
             <a:extLst>
               <a:ext uri="{FF2B5EF4-FFF2-40B4-BE49-F238E27FC236}">
-                <a16:creationId xmlns:a16="http://schemas.microsoft.com/office/drawing/2014/main" xmlns="" id="{B97A6D36-DB14-4C36-BD13-15CE91E275F7}"/>
+                <a16:creationId xmlns:a16="http://schemas.microsoft.com/office/drawing/2014/main" id="{B97A6D36-DB14-4C36-BD13-15CE91E275F7}"/>
               </a:ext>
             </a:extLst>
           </p:cNvPr>
@@ -10159,7 +10702,7 @@
 </p:sld>
 </file>
 
-<file path=ppt/slides/slide24.xml><?xml version="1.0" encoding="utf-8"?>
+<file path=ppt/slides/slide27.xml><?xml version="1.0" encoding="utf-8"?>
 <p:sld xmlns:a="http://schemas.openxmlformats.org/drawingml/2006/main" xmlns:r="http://schemas.openxmlformats.org/officeDocument/2006/relationships" xmlns:p="http://schemas.openxmlformats.org/presentationml/2006/main">
   <p:cSld>
     <p:spTree>
@@ -10181,7 +10724,7 @@
           <p:cNvPr id="2" name="Titolo 1">
             <a:extLst>
               <a:ext uri="{FF2B5EF4-FFF2-40B4-BE49-F238E27FC236}">
-                <a16:creationId xmlns:a16="http://schemas.microsoft.com/office/drawing/2014/main" xmlns="" id="{929A8F7E-6DE7-4CF1-8507-D13BF35BA7BD}"/>
+                <a16:creationId xmlns:a16="http://schemas.microsoft.com/office/drawing/2014/main" id="{929A8F7E-6DE7-4CF1-8507-D13BF35BA7BD}"/>
               </a:ext>
             </a:extLst>
           </p:cNvPr>
@@ -10220,7 +10763,7 @@
           <p:cNvPr id="7" name="Segnaposto contenuto 6">
             <a:extLst>
               <a:ext uri="{FF2B5EF4-FFF2-40B4-BE49-F238E27FC236}">
-                <a16:creationId xmlns:a16="http://schemas.microsoft.com/office/drawing/2014/main" xmlns="" id="{08CE3365-7158-4311-97F0-0A11BB69C5E9}"/>
+                <a16:creationId xmlns:a16="http://schemas.microsoft.com/office/drawing/2014/main" id="{08CE3365-7158-4311-97F0-0A11BB69C5E9}"/>
               </a:ext>
             </a:extLst>
           </p:cNvPr>
@@ -10262,7 +10805,7 @@
 </p:sld>
 </file>
 
-<file path=ppt/slides/slide25.xml><?xml version="1.0" encoding="utf-8"?>
+<file path=ppt/slides/slide28.xml><?xml version="1.0" encoding="utf-8"?>
 <p:sld xmlns:a="http://schemas.openxmlformats.org/drawingml/2006/main" xmlns:r="http://schemas.openxmlformats.org/officeDocument/2006/relationships" xmlns:p="http://schemas.openxmlformats.org/presentationml/2006/main">
   <p:cSld>
     <p:spTree>
@@ -10284,7 +10827,7 @@
           <p:cNvPr id="2" name="Titolo 1">
             <a:extLst>
               <a:ext uri="{FF2B5EF4-FFF2-40B4-BE49-F238E27FC236}">
-                <a16:creationId xmlns:a16="http://schemas.microsoft.com/office/drawing/2014/main" xmlns="" id="{929A8F7E-6DE7-4CF1-8507-D13BF35BA7BD}"/>
+                <a16:creationId xmlns:a16="http://schemas.microsoft.com/office/drawing/2014/main" id="{929A8F7E-6DE7-4CF1-8507-D13BF35BA7BD}"/>
               </a:ext>
             </a:extLst>
           </p:cNvPr>
@@ -10323,7 +10866,7 @@
           <p:cNvPr id="10" name="Segnaposto contenuto 9">
             <a:extLst>
               <a:ext uri="{FF2B5EF4-FFF2-40B4-BE49-F238E27FC236}">
-                <a16:creationId xmlns:a16="http://schemas.microsoft.com/office/drawing/2014/main" xmlns="" id="{5AD6B1D3-1840-4DF9-8D90-3402003E993D}"/>
+                <a16:creationId xmlns:a16="http://schemas.microsoft.com/office/drawing/2014/main" id="{5AD6B1D3-1840-4DF9-8D90-3402003E993D}"/>
               </a:ext>
             </a:extLst>
           </p:cNvPr>
@@ -10365,7 +10908,7 @@
 </p:sld>
 </file>
 
-<file path=ppt/slides/slide26.xml><?xml version="1.0" encoding="utf-8"?>
+<file path=ppt/slides/slide29.xml><?xml version="1.0" encoding="utf-8"?>
 <p:sld xmlns:a="http://schemas.openxmlformats.org/drawingml/2006/main" xmlns:r="http://schemas.openxmlformats.org/officeDocument/2006/relationships" xmlns:p="http://schemas.openxmlformats.org/presentationml/2006/main">
   <p:cSld>
     <p:spTree>
@@ -10387,7 +10930,7 @@
           <p:cNvPr id="2" name="Titolo 1">
             <a:extLst>
               <a:ext uri="{FF2B5EF4-FFF2-40B4-BE49-F238E27FC236}">
-                <a16:creationId xmlns:a16="http://schemas.microsoft.com/office/drawing/2014/main" xmlns="" id="{1C9728DE-DCC3-47F3-A9A7-4840BBF3A649}"/>
+                <a16:creationId xmlns:a16="http://schemas.microsoft.com/office/drawing/2014/main" id="{1C9728DE-DCC3-47F3-A9A7-4840BBF3A649}"/>
               </a:ext>
             </a:extLst>
           </p:cNvPr>
@@ -10416,7 +10959,7 @@
           <p:cNvPr id="3" name="Segnaposto contenuto 2">
             <a:extLst>
               <a:ext uri="{FF2B5EF4-FFF2-40B4-BE49-F238E27FC236}">
-                <a16:creationId xmlns:a16="http://schemas.microsoft.com/office/drawing/2014/main" xmlns="" id="{A9782E92-4646-4216-BC0B-9AFBD5130E30}"/>
+                <a16:creationId xmlns:a16="http://schemas.microsoft.com/office/drawing/2014/main" id="{A9782E92-4646-4216-BC0B-9AFBD5130E30}"/>
               </a:ext>
             </a:extLst>
           </p:cNvPr>
@@ -10458,7 +11001,7 @@
           <p:cNvPr id="4" name="Segnaposto contenuto 3">
             <a:extLst>
               <a:ext uri="{FF2B5EF4-FFF2-40B4-BE49-F238E27FC236}">
-                <a16:creationId xmlns:a16="http://schemas.microsoft.com/office/drawing/2014/main" xmlns="" id="{13544A92-8328-4004-96C8-B60363828F13}"/>
+                <a16:creationId xmlns:a16="http://schemas.microsoft.com/office/drawing/2014/main" id="{13544A92-8328-4004-96C8-B60363828F13}"/>
               </a:ext>
             </a:extLst>
           </p:cNvPr>
@@ -10504,40 +11047,7 @@
                 <a:cs typeface="+mn-cs"/>
                 <a:sym typeface="Wingdings" panose="05000000000000000000" pitchFamily="2" charset="2"/>
               </a:rPr>
-              <a:t> </a:t>
-            </a:r>
-            <a:r>
-              <a:rPr lang="it-CH" sz="2000" dirty="0" smtClean="0">
-                <a:solidFill>
-                  <a:schemeClr val="tx1"/>
-                </a:solidFill>
-                <a:latin typeface="+mn-lt"/>
-                <a:cs typeface="+mn-cs"/>
-                <a:sym typeface="Wingdings" panose="05000000000000000000" pitchFamily="2" charset="2"/>
-              </a:rPr>
-              <a:t>UDP</a:t>
-            </a:r>
-            <a:r>
-              <a:rPr lang="it-CH" sz="2000" dirty="0" smtClean="0">
-                <a:solidFill>
-                  <a:schemeClr val="tx1"/>
-                </a:solidFill>
-                <a:latin typeface="+mn-lt"/>
-                <a:cs typeface="+mn-cs"/>
-                <a:sym typeface="Wingdings" panose="05000000000000000000" pitchFamily="2" charset="2"/>
-              </a:rPr>
-              <a:t> </a:t>
-            </a:r>
-            <a:r>
-              <a:rPr lang="it-CH" sz="2000" dirty="0">
-                <a:solidFill>
-                  <a:schemeClr val="tx1"/>
-                </a:solidFill>
-                <a:latin typeface="+mn-lt"/>
-                <a:cs typeface="+mn-cs"/>
-                <a:sym typeface="Wingdings" panose="05000000000000000000" pitchFamily="2" charset="2"/>
-              </a:rPr>
-              <a:t>Socket</a:t>
+              <a:t> UDP Socket</a:t>
             </a:r>
           </a:p>
           <a:p>
@@ -10608,13 +11118,13 @@
   <p:clrMapOvr>
     <a:masterClrMapping/>
   </p:clrMapOvr>
-  <mc:AlternateContent xmlns:mc="http://schemas.openxmlformats.org/markup-compatibility/2006">
-    <mc:Choice xmlns:p159="http://schemas.microsoft.com/office/powerpoint/2015/09/main" xmlns="" Requires="p159">
+  <mc:AlternateContent xmlns:mc="http://schemas.openxmlformats.org/markup-compatibility/2006" xmlns:p159="http://schemas.microsoft.com/office/powerpoint/2015/09/main">
+    <mc:Choice Requires="p159">
       <p:transition xmlns:p14="http://schemas.microsoft.com/office/powerpoint/2010/main" spd="slow" p14:dur="2000">
         <p159:morph option="byWord"/>
       </p:transition>
     </mc:Choice>
-    <mc:Fallback>
+    <mc:Fallback xmlns="">
       <p:transition spd="slow">
         <p:fade/>
       </p:transition>
@@ -10623,7 +11133,171 @@
 </p:sld>
 </file>
 
-<file path=ppt/slides/slide27.xml><?xml version="1.0" encoding="utf-8"?>
+<file path=ppt/slides/slide3.xml><?xml version="1.0" encoding="utf-8"?>
+<p:sld xmlns:a="http://schemas.openxmlformats.org/drawingml/2006/main" xmlns:r="http://schemas.openxmlformats.org/officeDocument/2006/relationships" xmlns:p="http://schemas.openxmlformats.org/presentationml/2006/main">
+  <p:cSld>
+    <p:spTree>
+      <p:nvGrpSpPr>
+        <p:cNvPr id="1" name=""/>
+        <p:cNvGrpSpPr/>
+        <p:nvPr/>
+      </p:nvGrpSpPr>
+      <p:grpSpPr>
+        <a:xfrm>
+          <a:off x="0" y="0"/>
+          <a:ext cx="0" cy="0"/>
+          <a:chOff x="0" y="0"/>
+          <a:chExt cx="0" cy="0"/>
+        </a:xfrm>
+      </p:grpSpPr>
+      <p:sp>
+        <p:nvSpPr>
+          <p:cNvPr id="2" name="Titolo 1">
+            <a:extLst>
+              <a:ext uri="{FF2B5EF4-FFF2-40B4-BE49-F238E27FC236}">
+                <a16:creationId xmlns:a16="http://schemas.microsoft.com/office/drawing/2014/main" id="{1F4EF76E-72FB-49D5-9299-592E62BF06B2}"/>
+              </a:ext>
+            </a:extLst>
+          </p:cNvPr>
+          <p:cNvSpPr>
+            <a:spLocks noGrp="1"/>
+          </p:cNvSpPr>
+          <p:nvPr>
+            <p:ph type="title"/>
+          </p:nvPr>
+        </p:nvSpPr>
+        <p:spPr/>
+        <p:txBody>
+          <a:bodyPr/>
+          <a:lstStyle/>
+          <a:p>
+            <a:r>
+              <a:rPr lang="it-CH" dirty="0"/>
+              <a:t>CHI SIAMO</a:t>
+            </a:r>
+          </a:p>
+        </p:txBody>
+      </p:sp>
+      <p:sp>
+        <p:nvSpPr>
+          <p:cNvPr id="4" name="Segnaposto contenuto 3">
+            <a:extLst>
+              <a:ext uri="{FF2B5EF4-FFF2-40B4-BE49-F238E27FC236}">
+                <a16:creationId xmlns:a16="http://schemas.microsoft.com/office/drawing/2014/main" id="{FB91016C-8169-45ED-B54B-B80E87645789}"/>
+              </a:ext>
+            </a:extLst>
+          </p:cNvPr>
+          <p:cNvSpPr>
+            <a:spLocks noGrp="1"/>
+          </p:cNvSpPr>
+          <p:nvPr>
+            <p:ph idx="1"/>
+          </p:nvPr>
+        </p:nvSpPr>
+        <p:spPr>
+          <a:xfrm>
+            <a:off x="405880" y="884467"/>
+            <a:ext cx="8496944" cy="3775516"/>
+          </a:xfrm>
+        </p:spPr>
+        <p:txBody>
+          <a:bodyPr/>
+          <a:lstStyle/>
+          <a:p>
+            <a:pPr marL="628650" indent="-342900">
+              <a:buFont typeface="Arial" panose="020B0604020202020204" pitchFamily="34" charset="0"/>
+              <a:buChar char="•"/>
+            </a:pPr>
+            <a:r>
+              <a:rPr lang="it-CH" sz="3200" dirty="0" err="1"/>
+              <a:t>Jari</a:t>
+            </a:r>
+            <a:r>
+              <a:rPr lang="it-CH" sz="3200" dirty="0"/>
+              <a:t> </a:t>
+            </a:r>
+            <a:r>
+              <a:rPr lang="it-CH" sz="3200" dirty="0" err="1"/>
+              <a:t>Näser</a:t>
+            </a:r>
+            <a:endParaRPr lang="it-CH" sz="3200" dirty="0"/>
+          </a:p>
+          <a:p>
+            <a:pPr marL="1371600" lvl="1" indent="-342900">
+              <a:buFont typeface="Arial" panose="020B0604020202020204" pitchFamily="34" charset="0"/>
+              <a:buChar char="•"/>
+            </a:pPr>
+            <a:r>
+              <a:rPr lang="it-CH" sz="3800" dirty="0">
+                <a:hlinkClick r:id="rId3"/>
+              </a:rPr>
+              <a:t>jari.naeser@samtrevano.ch</a:t>
+            </a:r>
+            <a:endParaRPr lang="it-CH" sz="3800" dirty="0"/>
+          </a:p>
+          <a:p>
+            <a:pPr marL="1371600" lvl="1" indent="-342900">
+              <a:buFont typeface="Arial" panose="020B0604020202020204" pitchFamily="34" charset="0"/>
+              <a:buChar char="•"/>
+            </a:pPr>
+            <a:endParaRPr lang="it-CH" sz="3800" dirty="0"/>
+          </a:p>
+          <a:p>
+            <a:pPr marL="628650" indent="-342900">
+              <a:buFont typeface="Arial" panose="020B0604020202020204" pitchFamily="34" charset="0"/>
+              <a:buChar char="•"/>
+            </a:pPr>
+            <a:r>
+              <a:rPr lang="it-CH" sz="3600" dirty="0"/>
+              <a:t>Andrea </a:t>
+            </a:r>
+            <a:r>
+              <a:rPr lang="it-CH" sz="3600" dirty="0" err="1"/>
+              <a:t>Rauso</a:t>
+            </a:r>
+            <a:endParaRPr lang="it-CH" sz="3600" dirty="0"/>
+          </a:p>
+          <a:p>
+            <a:pPr marL="1371600" lvl="1" indent="-342900">
+              <a:buFont typeface="Arial" panose="020B0604020202020204" pitchFamily="34" charset="0"/>
+              <a:buChar char="•"/>
+            </a:pPr>
+            <a:r>
+              <a:rPr lang="it-CH" sz="3600" dirty="0">
+                <a:hlinkClick r:id="rId4"/>
+              </a:rPr>
+              <a:t>andrea.rauso@samtrevano.ch</a:t>
+            </a:r>
+            <a:endParaRPr lang="it-CH" sz="3600" dirty="0"/>
+          </a:p>
+        </p:txBody>
+      </p:sp>
+    </p:spTree>
+    <p:extLst>
+      <p:ext uri="{BB962C8B-B14F-4D97-AF65-F5344CB8AC3E}">
+        <p14:creationId xmlns:p14="http://schemas.microsoft.com/office/powerpoint/2010/main" val="790960300"/>
+      </p:ext>
+    </p:extLst>
+  </p:cSld>
+  <p:clrMapOvr>
+    <a:masterClrMapping/>
+  </p:clrMapOvr>
+  <mc:AlternateContent xmlns:mc="http://schemas.openxmlformats.org/markup-compatibility/2006" xmlns:p159="http://schemas.microsoft.com/office/powerpoint/2015/09/main">
+    <mc:Choice Requires="p159">
+      <p:transition xmlns:p14="http://schemas.microsoft.com/office/powerpoint/2010/main" spd="slow" p14:dur="2000">
+        <p159:morph option="byWord"/>
+      </p:transition>
+    </mc:Choice>
+    <mc:Fallback xmlns="">
+      <p:transition spd="slow">
+        <p:fade/>
+      </p:transition>
+    </mc:Fallback>
+  </mc:AlternateContent>
+</p:sld>
+</file>
+
+<file path=ppt/slides/slide30.xml><?xml version="1.0" encoding="utf-8"?>
 <p:sld xmlns:a="http://schemas.openxmlformats.org/drawingml/2006/main" xmlns:r="http://schemas.openxmlformats.org/officeDocument/2006/relationships" xmlns:p="http://schemas.openxmlformats.org/presentationml/2006/main">
   <p:cSld>
     <p:bg>
@@ -10656,7 +11330,7 @@
           <p:cNvPr id="4" name="Immagine 3">
             <a:extLst>
               <a:ext uri="{FF2B5EF4-FFF2-40B4-BE49-F238E27FC236}">
-                <a16:creationId xmlns:a16="http://schemas.microsoft.com/office/drawing/2014/main" xmlns="" id="{D11CCAD3-0A5B-433F-9423-1A4299050201}"/>
+                <a16:creationId xmlns:a16="http://schemas.microsoft.com/office/drawing/2014/main" id="{D11CCAD3-0A5B-433F-9423-1A4299050201}"/>
               </a:ext>
             </a:extLst>
           </p:cNvPr>
@@ -10694,705 +11368,6 @@
 </p:sld>
 </file>
 
-<file path=ppt/slides/slide28.xml><?xml version="1.0" encoding="utf-8"?>
-<p:sld xmlns:a="http://schemas.openxmlformats.org/drawingml/2006/main" xmlns:r="http://schemas.openxmlformats.org/officeDocument/2006/relationships" xmlns:p="http://schemas.openxmlformats.org/presentationml/2006/main">
-  <p:cSld>
-    <p:spTree>
-      <p:nvGrpSpPr>
-        <p:cNvPr id="1" name=""/>
-        <p:cNvGrpSpPr/>
-        <p:nvPr/>
-      </p:nvGrpSpPr>
-      <p:grpSpPr>
-        <a:xfrm>
-          <a:off x="0" y="0"/>
-          <a:ext cx="0" cy="0"/>
-          <a:chOff x="0" y="0"/>
-          <a:chExt cx="0" cy="0"/>
-        </a:xfrm>
-      </p:grpSpPr>
-      <p:sp>
-        <p:nvSpPr>
-          <p:cNvPr id="2" name="Titolo 1">
-            <a:extLst>
-              <a:ext uri="{FF2B5EF4-FFF2-40B4-BE49-F238E27FC236}">
-                <a16:creationId xmlns:a16="http://schemas.microsoft.com/office/drawing/2014/main" xmlns="" id="{1C9728DE-DCC3-47F3-A9A7-4840BBF3A649}"/>
-              </a:ext>
-            </a:extLst>
-          </p:cNvPr>
-          <p:cNvSpPr>
-            <a:spLocks noGrp="1"/>
-          </p:cNvSpPr>
-          <p:nvPr>
-            <p:ph type="title"/>
-          </p:nvPr>
-        </p:nvSpPr>
-        <p:spPr/>
-        <p:txBody>
-          <a:bodyPr/>
-          <a:lstStyle/>
-          <a:p>
-            <a:r>
-              <a:rPr lang="it-CH" dirty="0" err="1"/>
-              <a:t>DroneController</a:t>
-            </a:r>
-            <a:endParaRPr lang="it-CH" dirty="0"/>
-          </a:p>
-        </p:txBody>
-      </p:sp>
-      <p:sp>
-        <p:nvSpPr>
-          <p:cNvPr id="3" name="Segnaposto contenuto 2">
-            <a:extLst>
-              <a:ext uri="{FF2B5EF4-FFF2-40B4-BE49-F238E27FC236}">
-                <a16:creationId xmlns:a16="http://schemas.microsoft.com/office/drawing/2014/main" xmlns="" id="{A9782E92-4646-4216-BC0B-9AFBD5130E30}"/>
-              </a:ext>
-            </a:extLst>
-          </p:cNvPr>
-          <p:cNvSpPr>
-            <a:spLocks noGrp="1"/>
-          </p:cNvSpPr>
-          <p:nvPr>
-            <p:ph idx="1"/>
-          </p:nvPr>
-        </p:nvSpPr>
-        <p:spPr>
-          <a:xfrm>
-            <a:off x="2000747" y="884466"/>
-            <a:ext cx="6912768" cy="460648"/>
-          </a:xfrm>
-        </p:spPr>
-        <p:txBody>
-          <a:bodyPr/>
-          <a:lstStyle/>
-          <a:p>
-            <a:r>
-              <a:rPr lang="it-CH" sz="2800" dirty="0"/>
-              <a:t>Classe </a:t>
-            </a:r>
-            <a:r>
-              <a:rPr lang="it-CH" sz="2800" dirty="0" err="1"/>
-              <a:t>FlightRecorder</a:t>
-            </a:r>
-            <a:r>
-              <a:rPr lang="it-IT" sz="2800" dirty="0"/>
-              <a:t> </a:t>
-            </a:r>
-            <a:endParaRPr lang="it-CH" sz="2800" dirty="0"/>
-          </a:p>
-        </p:txBody>
-      </p:sp>
-      <p:sp>
-        <p:nvSpPr>
-          <p:cNvPr id="4" name="Segnaposto contenuto 3">
-            <a:extLst>
-              <a:ext uri="{FF2B5EF4-FFF2-40B4-BE49-F238E27FC236}">
-                <a16:creationId xmlns:a16="http://schemas.microsoft.com/office/drawing/2014/main" xmlns="" id="{13544A92-8328-4004-96C8-B60363828F13}"/>
-              </a:ext>
-            </a:extLst>
-          </p:cNvPr>
-          <p:cNvSpPr>
-            <a:spLocks noGrp="1"/>
-          </p:cNvSpPr>
-          <p:nvPr>
-            <p:ph idx="10"/>
-          </p:nvPr>
-        </p:nvSpPr>
-        <p:spPr/>
-        <p:txBody>
-          <a:bodyPr/>
-          <a:lstStyle/>
-          <a:p>
-            <a:pPr marL="285750" indent="-285750">
-              <a:lnSpc>
-                <a:spcPct val="250000"/>
-              </a:lnSpc>
-              <a:buFont typeface="Arial" panose="020B0604020202020204" pitchFamily="34" charset="0"/>
-              <a:buChar char="•"/>
-            </a:pPr>
-            <a:r>
-              <a:rPr lang="it-CH" sz="2000" dirty="0">
-                <a:sym typeface="Wingdings" panose="05000000000000000000" pitchFamily="2" charset="2"/>
-              </a:rPr>
-              <a:t>Utilizza </a:t>
-            </a:r>
-            <a:r>
-              <a:rPr lang="it-CH" sz="2000" dirty="0" err="1">
-                <a:sym typeface="Wingdings" panose="05000000000000000000" pitchFamily="2" charset="2"/>
-              </a:rPr>
-              <a:t>CommandBuffer</a:t>
-            </a:r>
-            <a:r>
-              <a:rPr lang="it-CH" sz="2000" dirty="0">
-                <a:sym typeface="Wingdings" panose="05000000000000000000" pitchFamily="2" charset="2"/>
-              </a:rPr>
-              <a:t> &amp; </a:t>
-            </a:r>
-            <a:r>
-              <a:rPr lang="it-CH" sz="2000" dirty="0" err="1">
-                <a:sym typeface="Wingdings" panose="05000000000000000000" pitchFamily="2" charset="2"/>
-              </a:rPr>
-              <a:t>CommandRecord</a:t>
-            </a:r>
-            <a:endParaRPr lang="it-CH" sz="2000" dirty="0">
-              <a:sym typeface="Wingdings" panose="05000000000000000000" pitchFamily="2" charset="2"/>
-            </a:endParaRPr>
-          </a:p>
-          <a:p>
-            <a:pPr marL="285750" indent="-285750">
-              <a:lnSpc>
-                <a:spcPct val="250000"/>
-              </a:lnSpc>
-              <a:buFont typeface="Arial" panose="020B0604020202020204" pitchFamily="34" charset="0"/>
-              <a:buChar char="•"/>
-            </a:pPr>
-            <a:r>
-              <a:rPr lang="it-CH" sz="2000" dirty="0">
-                <a:sym typeface="Wingdings" panose="05000000000000000000" pitchFamily="2" charset="2"/>
-              </a:rPr>
-              <a:t>Genera &amp; Salva la registrazione</a:t>
-            </a:r>
-          </a:p>
-        </p:txBody>
-      </p:sp>
-    </p:spTree>
-    <p:extLst>
-      <p:ext uri="{BB962C8B-B14F-4D97-AF65-F5344CB8AC3E}">
-        <p14:creationId xmlns:p14="http://schemas.microsoft.com/office/powerpoint/2010/main" val="4176927173"/>
-      </p:ext>
-    </p:extLst>
-  </p:cSld>
-  <p:clrMapOvr>
-    <a:masterClrMapping/>
-  </p:clrMapOvr>
-  <mc:AlternateContent xmlns:mc="http://schemas.openxmlformats.org/markup-compatibility/2006">
-    <mc:Choice xmlns:p159="http://schemas.microsoft.com/office/powerpoint/2015/09/main" xmlns="" Requires="p159">
-      <p:transition xmlns:p14="http://schemas.microsoft.com/office/powerpoint/2010/main" spd="slow" p14:dur="2000">
-        <p159:morph option="byWord"/>
-      </p:transition>
-    </mc:Choice>
-    <mc:Fallback>
-      <p:transition spd="slow">
-        <p:fade/>
-      </p:transition>
-    </mc:Fallback>
-  </mc:AlternateContent>
-</p:sld>
-</file>
-
-<file path=ppt/slides/slide29.xml><?xml version="1.0" encoding="utf-8"?>
-<p:sld xmlns:a="http://schemas.openxmlformats.org/drawingml/2006/main" xmlns:r="http://schemas.openxmlformats.org/officeDocument/2006/relationships" xmlns:p="http://schemas.openxmlformats.org/presentationml/2006/main">
-  <p:cSld>
-    <p:spTree>
-      <p:nvGrpSpPr>
-        <p:cNvPr id="1" name=""/>
-        <p:cNvGrpSpPr/>
-        <p:nvPr/>
-      </p:nvGrpSpPr>
-      <p:grpSpPr>
-        <a:xfrm>
-          <a:off x="0" y="0"/>
-          <a:ext cx="0" cy="0"/>
-          <a:chOff x="0" y="0"/>
-          <a:chExt cx="0" cy="0"/>
-        </a:xfrm>
-      </p:grpSpPr>
-      <p:sp>
-        <p:nvSpPr>
-          <p:cNvPr id="2" name="Titolo 1">
-            <a:extLst>
-              <a:ext uri="{FF2B5EF4-FFF2-40B4-BE49-F238E27FC236}">
-                <a16:creationId xmlns:a16="http://schemas.microsoft.com/office/drawing/2014/main" xmlns="" id="{1C9728DE-DCC3-47F3-A9A7-4840BBF3A649}"/>
-              </a:ext>
-            </a:extLst>
-          </p:cNvPr>
-          <p:cNvSpPr>
-            <a:spLocks noGrp="1"/>
-          </p:cNvSpPr>
-          <p:nvPr>
-            <p:ph type="title"/>
-          </p:nvPr>
-        </p:nvSpPr>
-        <p:spPr/>
-        <p:txBody>
-          <a:bodyPr/>
-          <a:lstStyle/>
-          <a:p>
-            <a:r>
-              <a:rPr lang="it-CH" dirty="0" err="1"/>
-              <a:t>DroneSimulator</a:t>
-            </a:r>
-            <a:endParaRPr lang="it-CH" dirty="0"/>
-          </a:p>
-        </p:txBody>
-      </p:sp>
-      <p:sp>
-        <p:nvSpPr>
-          <p:cNvPr id="3" name="Segnaposto contenuto 2">
-            <a:extLst>
-              <a:ext uri="{FF2B5EF4-FFF2-40B4-BE49-F238E27FC236}">
-                <a16:creationId xmlns:a16="http://schemas.microsoft.com/office/drawing/2014/main" xmlns="" id="{A9782E92-4646-4216-BC0B-9AFBD5130E30}"/>
-              </a:ext>
-            </a:extLst>
-          </p:cNvPr>
-          <p:cNvSpPr>
-            <a:spLocks noGrp="1"/>
-          </p:cNvSpPr>
-          <p:nvPr>
-            <p:ph idx="1"/>
-          </p:nvPr>
-        </p:nvSpPr>
-        <p:spPr>
-          <a:xfrm>
-            <a:off x="2000747" y="884466"/>
-            <a:ext cx="6912768" cy="460648"/>
-          </a:xfrm>
-        </p:spPr>
-        <p:txBody>
-          <a:bodyPr/>
-          <a:lstStyle/>
-          <a:p>
-            <a:r>
-              <a:rPr lang="it-CH" sz="2800" dirty="0"/>
-              <a:t>Classe Simulator</a:t>
-            </a:r>
-            <a:r>
-              <a:rPr lang="it-IT" sz="2800" dirty="0"/>
-              <a:t> </a:t>
-            </a:r>
-            <a:endParaRPr lang="it-CH" sz="2800" dirty="0"/>
-          </a:p>
-        </p:txBody>
-      </p:sp>
-      <p:sp>
-        <p:nvSpPr>
-          <p:cNvPr id="4" name="Segnaposto contenuto 3">
-            <a:extLst>
-              <a:ext uri="{FF2B5EF4-FFF2-40B4-BE49-F238E27FC236}">
-                <a16:creationId xmlns:a16="http://schemas.microsoft.com/office/drawing/2014/main" xmlns="" id="{13544A92-8328-4004-96C8-B60363828F13}"/>
-              </a:ext>
-            </a:extLst>
-          </p:cNvPr>
-          <p:cNvSpPr>
-            <a:spLocks noGrp="1"/>
-          </p:cNvSpPr>
-          <p:nvPr>
-            <p:ph idx="10"/>
-          </p:nvPr>
-        </p:nvSpPr>
-        <p:spPr/>
-        <p:txBody>
-          <a:bodyPr/>
-          <a:lstStyle/>
-          <a:p>
-            <a:pPr marL="285750" indent="-285750">
-              <a:lnSpc>
-                <a:spcPct val="300000"/>
-              </a:lnSpc>
-              <a:buFont typeface="Arial" panose="020B0604020202020204" pitchFamily="34" charset="0"/>
-              <a:buChar char="•"/>
-            </a:pPr>
-            <a:r>
-              <a:rPr lang="it-CH" sz="2000" dirty="0">
-                <a:sym typeface="Wingdings" panose="05000000000000000000" pitchFamily="2" charset="2"/>
-              </a:rPr>
-              <a:t>Riceve comandi  </a:t>
-            </a:r>
-            <a:r>
-              <a:rPr lang="it-CH" sz="2000" dirty="0" smtClean="0">
-                <a:sym typeface="Wingdings" panose="05000000000000000000" pitchFamily="2" charset="2"/>
-              </a:rPr>
-              <a:t>Socket UDP</a:t>
-            </a:r>
-            <a:endParaRPr lang="it-CH" sz="2000" dirty="0">
-              <a:sym typeface="Wingdings" panose="05000000000000000000" pitchFamily="2" charset="2"/>
-            </a:endParaRPr>
-          </a:p>
-          <a:p>
-            <a:pPr marL="285750" indent="-285750">
-              <a:lnSpc>
-                <a:spcPct val="300000"/>
-              </a:lnSpc>
-              <a:buFont typeface="Arial" panose="020B0604020202020204" pitchFamily="34" charset="0"/>
-              <a:buChar char="•"/>
-            </a:pPr>
-            <a:r>
-              <a:rPr lang="it-CH" sz="2000" dirty="0" smtClean="0">
-                <a:sym typeface="Wingdings" panose="05000000000000000000" pitchFamily="2" charset="2"/>
-              </a:rPr>
-              <a:t>Inoltra </a:t>
-            </a:r>
-            <a:r>
-              <a:rPr lang="it-CH" sz="2000" dirty="0">
-                <a:sym typeface="Wingdings" panose="05000000000000000000" pitchFamily="2" charset="2"/>
-              </a:rPr>
-              <a:t>comandi  CommandReader</a:t>
-            </a:r>
-          </a:p>
-        </p:txBody>
-      </p:sp>
-    </p:spTree>
-    <p:extLst>
-      <p:ext uri="{BB962C8B-B14F-4D97-AF65-F5344CB8AC3E}">
-        <p14:creationId xmlns:p14="http://schemas.microsoft.com/office/powerpoint/2010/main" val="2078199158"/>
-      </p:ext>
-    </p:extLst>
-  </p:cSld>
-  <p:clrMapOvr>
-    <a:masterClrMapping/>
-  </p:clrMapOvr>
-  <mc:AlternateContent xmlns:mc="http://schemas.openxmlformats.org/markup-compatibility/2006">
-    <mc:Choice xmlns:p159="http://schemas.microsoft.com/office/powerpoint/2015/09/main" xmlns="" Requires="p159">
-      <p:transition xmlns:p14="http://schemas.microsoft.com/office/powerpoint/2010/main" spd="slow" p14:dur="2000">
-        <p159:morph option="byWord"/>
-      </p:transition>
-    </mc:Choice>
-    <mc:Fallback>
-      <p:transition spd="slow">
-        <p:fade/>
-      </p:transition>
-    </mc:Fallback>
-  </mc:AlternateContent>
-</p:sld>
-</file>
-
-<file path=ppt/slides/slide3.xml><?xml version="1.0" encoding="utf-8"?>
-<p:sld xmlns:a="http://schemas.openxmlformats.org/drawingml/2006/main" xmlns:r="http://schemas.openxmlformats.org/officeDocument/2006/relationships" xmlns:p="http://schemas.openxmlformats.org/presentationml/2006/main">
-  <p:cSld>
-    <p:spTree>
-      <p:nvGrpSpPr>
-        <p:cNvPr id="1" name=""/>
-        <p:cNvGrpSpPr/>
-        <p:nvPr/>
-      </p:nvGrpSpPr>
-      <p:grpSpPr>
-        <a:xfrm>
-          <a:off x="0" y="0"/>
-          <a:ext cx="0" cy="0"/>
-          <a:chOff x="0" y="0"/>
-          <a:chExt cx="0" cy="0"/>
-        </a:xfrm>
-      </p:grpSpPr>
-      <p:sp>
-        <p:nvSpPr>
-          <p:cNvPr id="2" name="Titolo 1">
-            <a:extLst>
-              <a:ext uri="{FF2B5EF4-FFF2-40B4-BE49-F238E27FC236}">
-                <a16:creationId xmlns:a16="http://schemas.microsoft.com/office/drawing/2014/main" xmlns="" id="{1F4EF76E-72FB-49D5-9299-592E62BF06B2}"/>
-              </a:ext>
-            </a:extLst>
-          </p:cNvPr>
-          <p:cNvSpPr>
-            <a:spLocks noGrp="1"/>
-          </p:cNvSpPr>
-          <p:nvPr>
-            <p:ph type="title"/>
-          </p:nvPr>
-        </p:nvSpPr>
-        <p:spPr/>
-        <p:txBody>
-          <a:bodyPr/>
-          <a:lstStyle/>
-          <a:p>
-            <a:r>
-              <a:rPr lang="it-CH" dirty="0"/>
-              <a:t>CHI SIAMO</a:t>
-            </a:r>
-          </a:p>
-        </p:txBody>
-      </p:sp>
-      <p:sp>
-        <p:nvSpPr>
-          <p:cNvPr id="4" name="Segnaposto contenuto 3">
-            <a:extLst>
-              <a:ext uri="{FF2B5EF4-FFF2-40B4-BE49-F238E27FC236}">
-                <a16:creationId xmlns:a16="http://schemas.microsoft.com/office/drawing/2014/main" xmlns="" id="{FB91016C-8169-45ED-B54B-B80E87645789}"/>
-              </a:ext>
-            </a:extLst>
-          </p:cNvPr>
-          <p:cNvSpPr>
-            <a:spLocks noGrp="1"/>
-          </p:cNvSpPr>
-          <p:nvPr>
-            <p:ph idx="1"/>
-          </p:nvPr>
-        </p:nvSpPr>
-        <p:spPr>
-          <a:xfrm>
-            <a:off x="405880" y="884467"/>
-            <a:ext cx="8496944" cy="3775516"/>
-          </a:xfrm>
-        </p:spPr>
-        <p:txBody>
-          <a:bodyPr/>
-          <a:lstStyle/>
-          <a:p>
-            <a:pPr marL="628650" indent="-342900">
-              <a:buFont typeface="Arial" panose="020B0604020202020204" pitchFamily="34" charset="0"/>
-              <a:buChar char="•"/>
-            </a:pPr>
-            <a:r>
-              <a:rPr lang="it-CH" sz="3200" dirty="0" err="1"/>
-              <a:t>Jari</a:t>
-            </a:r>
-            <a:r>
-              <a:rPr lang="it-CH" sz="3200" dirty="0"/>
-              <a:t> </a:t>
-            </a:r>
-            <a:r>
-              <a:rPr lang="it-CH" sz="3200" dirty="0" err="1"/>
-              <a:t>Näser</a:t>
-            </a:r>
-            <a:endParaRPr lang="it-CH" sz="3200" dirty="0"/>
-          </a:p>
-          <a:p>
-            <a:pPr marL="1371600" lvl="1" indent="-342900">
-              <a:buFont typeface="Arial" panose="020B0604020202020204" pitchFamily="34" charset="0"/>
-              <a:buChar char="•"/>
-            </a:pPr>
-            <a:r>
-              <a:rPr lang="it-CH" sz="3800" dirty="0">
-                <a:hlinkClick r:id="rId3"/>
-              </a:rPr>
-              <a:t>jari.naeser@samtrevano.ch</a:t>
-            </a:r>
-            <a:endParaRPr lang="it-CH" sz="3800" dirty="0"/>
-          </a:p>
-          <a:p>
-            <a:pPr marL="1371600" lvl="1" indent="-342900">
-              <a:buFont typeface="Arial" panose="020B0604020202020204" pitchFamily="34" charset="0"/>
-              <a:buChar char="•"/>
-            </a:pPr>
-            <a:endParaRPr lang="it-CH" sz="3800" dirty="0"/>
-          </a:p>
-          <a:p>
-            <a:pPr marL="628650" indent="-342900">
-              <a:buFont typeface="Arial" panose="020B0604020202020204" pitchFamily="34" charset="0"/>
-              <a:buChar char="•"/>
-            </a:pPr>
-            <a:r>
-              <a:rPr lang="it-CH" sz="3600" dirty="0"/>
-              <a:t>Andrea </a:t>
-            </a:r>
-            <a:r>
-              <a:rPr lang="it-CH" sz="3600" dirty="0" err="1"/>
-              <a:t>Rauso</a:t>
-            </a:r>
-            <a:endParaRPr lang="it-CH" sz="3600" dirty="0"/>
-          </a:p>
-          <a:p>
-            <a:pPr marL="1371600" lvl="1" indent="-342900">
-              <a:buFont typeface="Arial" panose="020B0604020202020204" pitchFamily="34" charset="0"/>
-              <a:buChar char="•"/>
-            </a:pPr>
-            <a:r>
-              <a:rPr lang="it-CH" sz="3600" dirty="0">
-                <a:hlinkClick r:id="rId4"/>
-              </a:rPr>
-              <a:t>andrea.rauso@samtrevano.ch</a:t>
-            </a:r>
-            <a:endParaRPr lang="it-CH" sz="3600" dirty="0"/>
-          </a:p>
-        </p:txBody>
-      </p:sp>
-    </p:spTree>
-    <p:extLst>
-      <p:ext uri="{BB962C8B-B14F-4D97-AF65-F5344CB8AC3E}">
-        <p14:creationId xmlns:p14="http://schemas.microsoft.com/office/powerpoint/2010/main" val="790960300"/>
-      </p:ext>
-    </p:extLst>
-  </p:cSld>
-  <p:clrMapOvr>
-    <a:masterClrMapping/>
-  </p:clrMapOvr>
-  <mc:AlternateContent xmlns:mc="http://schemas.openxmlformats.org/markup-compatibility/2006">
-    <mc:Choice xmlns:p159="http://schemas.microsoft.com/office/powerpoint/2015/09/main" xmlns="" Requires="p159">
-      <p:transition xmlns:p14="http://schemas.microsoft.com/office/powerpoint/2010/main" spd="slow" p14:dur="2000">
-        <p159:morph option="byWord"/>
-      </p:transition>
-    </mc:Choice>
-    <mc:Fallback>
-      <p:transition spd="slow">
-        <p:fade/>
-      </p:transition>
-    </mc:Fallback>
-  </mc:AlternateContent>
-</p:sld>
-</file>
-
-<file path=ppt/slides/slide30.xml><?xml version="1.0" encoding="utf-8"?>
-<p:sld xmlns:a="http://schemas.openxmlformats.org/drawingml/2006/main" xmlns:r="http://schemas.openxmlformats.org/officeDocument/2006/relationships" xmlns:p="http://schemas.openxmlformats.org/presentationml/2006/main">
-  <p:cSld>
-    <p:spTree>
-      <p:nvGrpSpPr>
-        <p:cNvPr id="1" name=""/>
-        <p:cNvGrpSpPr/>
-        <p:nvPr/>
-      </p:nvGrpSpPr>
-      <p:grpSpPr>
-        <a:xfrm>
-          <a:off x="0" y="0"/>
-          <a:ext cx="0" cy="0"/>
-          <a:chOff x="0" y="0"/>
-          <a:chExt cx="0" cy="0"/>
-        </a:xfrm>
-      </p:grpSpPr>
-      <p:sp>
-        <p:nvSpPr>
-          <p:cNvPr id="2" name="Titolo 1">
-            <a:extLst>
-              <a:ext uri="{FF2B5EF4-FFF2-40B4-BE49-F238E27FC236}">
-                <a16:creationId xmlns:a16="http://schemas.microsoft.com/office/drawing/2014/main" xmlns="" id="{1C9728DE-DCC3-47F3-A9A7-4840BBF3A649}"/>
-              </a:ext>
-            </a:extLst>
-          </p:cNvPr>
-          <p:cNvSpPr>
-            <a:spLocks noGrp="1"/>
-          </p:cNvSpPr>
-          <p:nvPr>
-            <p:ph type="title"/>
-          </p:nvPr>
-        </p:nvSpPr>
-        <p:spPr/>
-        <p:txBody>
-          <a:bodyPr/>
-          <a:lstStyle/>
-          <a:p>
-            <a:r>
-              <a:rPr lang="it-CH" dirty="0" err="1"/>
-              <a:t>DroneSimulator</a:t>
-            </a:r>
-            <a:endParaRPr lang="it-CH" dirty="0"/>
-          </a:p>
-        </p:txBody>
-      </p:sp>
-      <p:sp>
-        <p:nvSpPr>
-          <p:cNvPr id="3" name="Segnaposto contenuto 2">
-            <a:extLst>
-              <a:ext uri="{FF2B5EF4-FFF2-40B4-BE49-F238E27FC236}">
-                <a16:creationId xmlns:a16="http://schemas.microsoft.com/office/drawing/2014/main" xmlns="" id="{A9782E92-4646-4216-BC0B-9AFBD5130E30}"/>
-              </a:ext>
-            </a:extLst>
-          </p:cNvPr>
-          <p:cNvSpPr>
-            <a:spLocks noGrp="1"/>
-          </p:cNvSpPr>
-          <p:nvPr>
-            <p:ph idx="1"/>
-          </p:nvPr>
-        </p:nvSpPr>
-        <p:spPr>
-          <a:xfrm>
-            <a:off x="2000747" y="884466"/>
-            <a:ext cx="6912768" cy="460648"/>
-          </a:xfrm>
-        </p:spPr>
-        <p:txBody>
-          <a:bodyPr/>
-          <a:lstStyle/>
-          <a:p>
-            <a:r>
-              <a:rPr lang="it-CH" sz="2800" dirty="0"/>
-              <a:t>Classe </a:t>
-            </a:r>
-            <a:r>
-              <a:rPr lang="it-CH" sz="2800" dirty="0" err="1"/>
-              <a:t>CommandReader</a:t>
-            </a:r>
-            <a:r>
-              <a:rPr lang="it-IT" sz="2800" dirty="0"/>
-              <a:t> </a:t>
-            </a:r>
-            <a:endParaRPr lang="it-CH" sz="2800" dirty="0"/>
-          </a:p>
-        </p:txBody>
-      </p:sp>
-      <p:sp>
-        <p:nvSpPr>
-          <p:cNvPr id="4" name="Segnaposto contenuto 3">
-            <a:extLst>
-              <a:ext uri="{FF2B5EF4-FFF2-40B4-BE49-F238E27FC236}">
-                <a16:creationId xmlns:a16="http://schemas.microsoft.com/office/drawing/2014/main" xmlns="" id="{13544A92-8328-4004-96C8-B60363828F13}"/>
-              </a:ext>
-            </a:extLst>
-          </p:cNvPr>
-          <p:cNvSpPr>
-            <a:spLocks noGrp="1"/>
-          </p:cNvSpPr>
-          <p:nvPr>
-            <p:ph idx="10"/>
-          </p:nvPr>
-        </p:nvSpPr>
-        <p:spPr/>
-        <p:txBody>
-          <a:bodyPr/>
-          <a:lstStyle/>
-          <a:p>
-            <a:r>
-              <a:rPr lang="it-IT" sz="2000" dirty="0"/>
-              <a:t>Riceve i comandi dalla classe Simulator.</a:t>
-            </a:r>
-          </a:p>
-          <a:p>
-            <a:endParaRPr lang="it-IT" sz="2000" dirty="0"/>
-          </a:p>
-          <a:p>
-            <a:r>
-              <a:rPr lang="it-IT" sz="2000" dirty="0"/>
-              <a:t>Simula i comandi della SDK di Tello. </a:t>
-            </a:r>
-          </a:p>
-          <a:p>
-            <a:endParaRPr lang="it-IT" sz="2000" dirty="0"/>
-          </a:p>
-          <a:p>
-            <a:r>
-              <a:rPr lang="it-IT" sz="2000" dirty="0"/>
-              <a:t>Aggiorna le variabili contenenti informazioni su</a:t>
-            </a:r>
-            <a:br>
-              <a:rPr lang="it-IT" sz="2000" dirty="0"/>
-            </a:br>
-            <a:r>
-              <a:rPr lang="it-IT" sz="2000" dirty="0"/>
-              <a:t>Posizione e rotazione del drone.</a:t>
-            </a:r>
-          </a:p>
-          <a:p>
-            <a:pPr marL="342900" indent="-342900">
-              <a:buFont typeface="Arial" panose="020B0604020202020204" pitchFamily="34" charset="0"/>
-              <a:buChar char="•"/>
-            </a:pPr>
-            <a:endParaRPr lang="it-IT" sz="2000" dirty="0"/>
-          </a:p>
-        </p:txBody>
-      </p:sp>
-    </p:spTree>
-    <p:extLst>
-      <p:ext uri="{BB962C8B-B14F-4D97-AF65-F5344CB8AC3E}">
-        <p14:creationId xmlns:p14="http://schemas.microsoft.com/office/powerpoint/2010/main" val="422939601"/>
-      </p:ext>
-    </p:extLst>
-  </p:cSld>
-  <p:clrMapOvr>
-    <a:masterClrMapping/>
-  </p:clrMapOvr>
-  <mc:AlternateContent xmlns:mc="http://schemas.openxmlformats.org/markup-compatibility/2006">
-    <mc:Choice xmlns:p159="http://schemas.microsoft.com/office/powerpoint/2015/09/main" xmlns="" Requires="p159">
-      <p:transition xmlns:p14="http://schemas.microsoft.com/office/powerpoint/2010/main" spd="slow" p14:dur="2000">
-        <p159:morph option="byWord"/>
-      </p:transition>
-    </mc:Choice>
-    <mc:Fallback>
-      <p:transition spd="slow">
-        <p:fade/>
-      </p:transition>
-    </mc:Fallback>
-  </mc:AlternateContent>
-</p:sld>
-</file>
-
 <file path=ppt/slides/slide31.xml><?xml version="1.0" encoding="utf-8"?>
 <p:sld xmlns:a="http://schemas.openxmlformats.org/drawingml/2006/main" xmlns:r="http://schemas.openxmlformats.org/officeDocument/2006/relationships" xmlns:p="http://schemas.openxmlformats.org/presentationml/2006/main">
   <p:cSld>
@@ -11415,7 +11390,7 @@
           <p:cNvPr id="2" name="Titolo 1">
             <a:extLst>
               <a:ext uri="{FF2B5EF4-FFF2-40B4-BE49-F238E27FC236}">
-                <a16:creationId xmlns:a16="http://schemas.microsoft.com/office/drawing/2014/main" xmlns="" id="{1C9728DE-DCC3-47F3-A9A7-4840BBF3A649}"/>
+                <a16:creationId xmlns:a16="http://schemas.microsoft.com/office/drawing/2014/main" id="{1C9728DE-DCC3-47F3-A9A7-4840BBF3A649}"/>
               </a:ext>
             </a:extLst>
           </p:cNvPr>
@@ -11433,7 +11408,7 @@
           <a:p>
             <a:r>
               <a:rPr lang="it-CH" dirty="0" err="1"/>
-              <a:t>DroneSimulator</a:t>
+              <a:t>DroneController</a:t>
             </a:r>
             <a:endParaRPr lang="it-CH" dirty="0"/>
           </a:p>
@@ -11444,7 +11419,7 @@
           <p:cNvPr id="3" name="Segnaposto contenuto 2">
             <a:extLst>
               <a:ext uri="{FF2B5EF4-FFF2-40B4-BE49-F238E27FC236}">
-                <a16:creationId xmlns:a16="http://schemas.microsoft.com/office/drawing/2014/main" xmlns="" id="{A9782E92-4646-4216-BC0B-9AFBD5130E30}"/>
+                <a16:creationId xmlns:a16="http://schemas.microsoft.com/office/drawing/2014/main" id="{A9782E92-4646-4216-BC0B-9AFBD5130E30}"/>
               </a:ext>
             </a:extLst>
           </p:cNvPr>
@@ -11470,8 +11445,8 @@
               <a:t>Classe </a:t>
             </a:r>
             <a:r>
-              <a:rPr lang="it-IT" sz="2800" dirty="0" err="1"/>
-              <a:t>TelloChartFrame</a:t>
+              <a:rPr lang="it-CH" sz="2800" dirty="0" err="1"/>
+              <a:t>FlightRecorder</a:t>
             </a:r>
             <a:r>
               <a:rPr lang="it-IT" sz="2800" dirty="0"/>
@@ -11486,7 +11461,7 @@
           <p:cNvPr id="4" name="Segnaposto contenuto 3">
             <a:extLst>
               <a:ext uri="{FF2B5EF4-FFF2-40B4-BE49-F238E27FC236}">
-                <a16:creationId xmlns:a16="http://schemas.microsoft.com/office/drawing/2014/main" xmlns="" id="{13544A92-8328-4004-96C8-B60363828F13}"/>
+                <a16:creationId xmlns:a16="http://schemas.microsoft.com/office/drawing/2014/main" id="{13544A92-8328-4004-96C8-B60363828F13}"/>
               </a:ext>
             </a:extLst>
           </p:cNvPr>
@@ -11502,47 +11477,54 @@
           <a:bodyPr/>
           <a:lstStyle/>
           <a:p>
-            <a:r>
-              <a:rPr lang="it-IT" sz="2000" dirty="0"/>
-              <a:t>Mostra i dati del drone contenuti nella classe Simulator in </a:t>
-            </a:r>
-            <a:r>
-              <a:rPr lang="it-IT" sz="2000" dirty="0" smtClean="0"/>
-              <a:t>un </a:t>
-            </a:r>
-            <a:r>
-              <a:rPr lang="it-IT" sz="2000" dirty="0" err="1" smtClean="0"/>
-              <a:t>JFrame</a:t>
-            </a:r>
-            <a:r>
-              <a:rPr lang="it-IT" sz="2000" dirty="0"/>
-              <a:t>.</a:t>
-            </a:r>
-          </a:p>
-          <a:p>
-            <a:endParaRPr lang="it-IT" sz="2000" dirty="0"/>
-          </a:p>
-          <a:p>
-            <a:r>
-              <a:rPr lang="it-IT" sz="2000" dirty="0"/>
-              <a:t>Grafici posizione dall’alto e di profilo e di rotazione.</a:t>
-            </a:r>
-          </a:p>
-          <a:p>
-            <a:endParaRPr lang="it-IT" sz="2000" dirty="0"/>
-          </a:p>
-          <a:p>
-            <a:r>
-              <a:rPr lang="it-IT" sz="2000" dirty="0"/>
-              <a:t>Uso della libreria </a:t>
-            </a:r>
-            <a:r>
-              <a:rPr lang="it-IT" sz="2000" dirty="0" err="1"/>
-              <a:t>JFreeChart</a:t>
-            </a:r>
-            <a:r>
-              <a:rPr lang="it-IT" sz="2000" dirty="0"/>
-              <a:t> per la creazione dei grafici.</a:t>
+            <a:pPr marL="285750" indent="-285750">
+              <a:lnSpc>
+                <a:spcPct val="250000"/>
+              </a:lnSpc>
+              <a:buFont typeface="Arial" panose="020B0604020202020204" pitchFamily="34" charset="0"/>
+              <a:buChar char="•"/>
+            </a:pPr>
+            <a:r>
+              <a:rPr lang="it-CH" sz="2000" dirty="0">
+                <a:sym typeface="Wingdings" panose="05000000000000000000" pitchFamily="2" charset="2"/>
+              </a:rPr>
+              <a:t>Utilizza </a:t>
+            </a:r>
+            <a:r>
+              <a:rPr lang="it-CH" sz="2000" dirty="0" err="1">
+                <a:sym typeface="Wingdings" panose="05000000000000000000" pitchFamily="2" charset="2"/>
+              </a:rPr>
+              <a:t>CommandBuffer</a:t>
+            </a:r>
+            <a:r>
+              <a:rPr lang="it-CH" sz="2000" dirty="0">
+                <a:sym typeface="Wingdings" panose="05000000000000000000" pitchFamily="2" charset="2"/>
+              </a:rPr>
+              <a:t> &amp; </a:t>
+            </a:r>
+            <a:r>
+              <a:rPr lang="it-CH" sz="2000" dirty="0" err="1">
+                <a:sym typeface="Wingdings" panose="05000000000000000000" pitchFamily="2" charset="2"/>
+              </a:rPr>
+              <a:t>CommandRecord</a:t>
+            </a:r>
+            <a:endParaRPr lang="it-CH" sz="2000" dirty="0">
+              <a:sym typeface="Wingdings" panose="05000000000000000000" pitchFamily="2" charset="2"/>
+            </a:endParaRPr>
+          </a:p>
+          <a:p>
+            <a:pPr marL="285750" indent="-285750">
+              <a:lnSpc>
+                <a:spcPct val="250000"/>
+              </a:lnSpc>
+              <a:buFont typeface="Arial" panose="020B0604020202020204" pitchFamily="34" charset="0"/>
+              <a:buChar char="•"/>
+            </a:pPr>
+            <a:r>
+              <a:rPr lang="it-CH" sz="2000" dirty="0">
+                <a:sym typeface="Wingdings" panose="05000000000000000000" pitchFamily="2" charset="2"/>
+              </a:rPr>
+              <a:t>Genera &amp; Salva la registrazione</a:t>
             </a:r>
           </a:p>
         </p:txBody>
@@ -11550,20 +11532,20 @@
     </p:spTree>
     <p:extLst>
       <p:ext uri="{BB962C8B-B14F-4D97-AF65-F5344CB8AC3E}">
-        <p14:creationId xmlns:p14="http://schemas.microsoft.com/office/powerpoint/2010/main" val="2580388235"/>
+        <p14:creationId xmlns:p14="http://schemas.microsoft.com/office/powerpoint/2010/main" val="4176927173"/>
       </p:ext>
     </p:extLst>
   </p:cSld>
   <p:clrMapOvr>
     <a:masterClrMapping/>
   </p:clrMapOvr>
-  <mc:AlternateContent xmlns:mc="http://schemas.openxmlformats.org/markup-compatibility/2006">
-    <mc:Choice xmlns:p159="http://schemas.microsoft.com/office/powerpoint/2015/09/main" xmlns="" Requires="p159">
+  <mc:AlternateContent xmlns:mc="http://schemas.openxmlformats.org/markup-compatibility/2006" xmlns:p159="http://schemas.microsoft.com/office/powerpoint/2015/09/main">
+    <mc:Choice Requires="p159">
       <p:transition xmlns:p14="http://schemas.microsoft.com/office/powerpoint/2010/main" spd="slow" p14:dur="2000">
         <p159:morph option="byWord"/>
       </p:transition>
     </mc:Choice>
-    <mc:Fallback>
+    <mc:Fallback xmlns="">
       <p:transition spd="slow">
         <p:fade/>
       </p:transition>
@@ -11594,7 +11576,516 @@
           <p:cNvPr id="2" name="Titolo 1">
             <a:extLst>
               <a:ext uri="{FF2B5EF4-FFF2-40B4-BE49-F238E27FC236}">
-                <a16:creationId xmlns:a16="http://schemas.microsoft.com/office/drawing/2014/main" xmlns="" id="{929A8F7E-6DE7-4CF1-8507-D13BF35BA7BD}"/>
+                <a16:creationId xmlns:a16="http://schemas.microsoft.com/office/drawing/2014/main" id="{1C9728DE-DCC3-47F3-A9A7-4840BBF3A649}"/>
+              </a:ext>
+            </a:extLst>
+          </p:cNvPr>
+          <p:cNvSpPr>
+            <a:spLocks noGrp="1"/>
+          </p:cNvSpPr>
+          <p:nvPr>
+            <p:ph type="title"/>
+          </p:nvPr>
+        </p:nvSpPr>
+        <p:spPr/>
+        <p:txBody>
+          <a:bodyPr/>
+          <a:lstStyle/>
+          <a:p>
+            <a:r>
+              <a:rPr lang="it-CH" dirty="0" err="1"/>
+              <a:t>DroneSimulator</a:t>
+            </a:r>
+            <a:endParaRPr lang="it-CH" dirty="0"/>
+          </a:p>
+        </p:txBody>
+      </p:sp>
+      <p:sp>
+        <p:nvSpPr>
+          <p:cNvPr id="3" name="Segnaposto contenuto 2">
+            <a:extLst>
+              <a:ext uri="{FF2B5EF4-FFF2-40B4-BE49-F238E27FC236}">
+                <a16:creationId xmlns:a16="http://schemas.microsoft.com/office/drawing/2014/main" id="{A9782E92-4646-4216-BC0B-9AFBD5130E30}"/>
+              </a:ext>
+            </a:extLst>
+          </p:cNvPr>
+          <p:cNvSpPr>
+            <a:spLocks noGrp="1"/>
+          </p:cNvSpPr>
+          <p:nvPr>
+            <p:ph idx="1"/>
+          </p:nvPr>
+        </p:nvSpPr>
+        <p:spPr>
+          <a:xfrm>
+            <a:off x="2000747" y="884466"/>
+            <a:ext cx="6912768" cy="460648"/>
+          </a:xfrm>
+        </p:spPr>
+        <p:txBody>
+          <a:bodyPr/>
+          <a:lstStyle/>
+          <a:p>
+            <a:r>
+              <a:rPr lang="it-CH" sz="2800" dirty="0"/>
+              <a:t>Classe Simulator</a:t>
+            </a:r>
+            <a:r>
+              <a:rPr lang="it-IT" sz="2800" dirty="0"/>
+              <a:t> </a:t>
+            </a:r>
+            <a:endParaRPr lang="it-CH" sz="2800" dirty="0"/>
+          </a:p>
+        </p:txBody>
+      </p:sp>
+      <p:sp>
+        <p:nvSpPr>
+          <p:cNvPr id="4" name="Segnaposto contenuto 3">
+            <a:extLst>
+              <a:ext uri="{FF2B5EF4-FFF2-40B4-BE49-F238E27FC236}">
+                <a16:creationId xmlns:a16="http://schemas.microsoft.com/office/drawing/2014/main" id="{13544A92-8328-4004-96C8-B60363828F13}"/>
+              </a:ext>
+            </a:extLst>
+          </p:cNvPr>
+          <p:cNvSpPr>
+            <a:spLocks noGrp="1"/>
+          </p:cNvSpPr>
+          <p:nvPr>
+            <p:ph idx="10"/>
+          </p:nvPr>
+        </p:nvSpPr>
+        <p:spPr/>
+        <p:txBody>
+          <a:bodyPr/>
+          <a:lstStyle/>
+          <a:p>
+            <a:pPr marL="285750" indent="-285750">
+              <a:lnSpc>
+                <a:spcPct val="300000"/>
+              </a:lnSpc>
+              <a:buFont typeface="Arial" panose="020B0604020202020204" pitchFamily="34" charset="0"/>
+              <a:buChar char="•"/>
+            </a:pPr>
+            <a:r>
+              <a:rPr lang="it-CH" sz="2000" dirty="0">
+                <a:sym typeface="Wingdings" panose="05000000000000000000" pitchFamily="2" charset="2"/>
+              </a:rPr>
+              <a:t>Riceve comandi  Socket UDP</a:t>
+            </a:r>
+          </a:p>
+          <a:p>
+            <a:pPr marL="285750" indent="-285750">
+              <a:lnSpc>
+                <a:spcPct val="300000"/>
+              </a:lnSpc>
+              <a:buFont typeface="Arial" panose="020B0604020202020204" pitchFamily="34" charset="0"/>
+              <a:buChar char="•"/>
+            </a:pPr>
+            <a:r>
+              <a:rPr lang="it-CH" sz="2000" dirty="0">
+                <a:sym typeface="Wingdings" panose="05000000000000000000" pitchFamily="2" charset="2"/>
+              </a:rPr>
+              <a:t>Inoltra comandi  CommandReader</a:t>
+            </a:r>
+          </a:p>
+        </p:txBody>
+      </p:sp>
+    </p:spTree>
+    <p:extLst>
+      <p:ext uri="{BB962C8B-B14F-4D97-AF65-F5344CB8AC3E}">
+        <p14:creationId xmlns:p14="http://schemas.microsoft.com/office/powerpoint/2010/main" val="2078199158"/>
+      </p:ext>
+    </p:extLst>
+  </p:cSld>
+  <p:clrMapOvr>
+    <a:masterClrMapping/>
+  </p:clrMapOvr>
+  <mc:AlternateContent xmlns:mc="http://schemas.openxmlformats.org/markup-compatibility/2006" xmlns:p159="http://schemas.microsoft.com/office/powerpoint/2015/09/main">
+    <mc:Choice Requires="p159">
+      <p:transition xmlns:p14="http://schemas.microsoft.com/office/powerpoint/2010/main" spd="slow" p14:dur="2000">
+        <p159:morph option="byWord"/>
+      </p:transition>
+    </mc:Choice>
+    <mc:Fallback xmlns="">
+      <p:transition spd="slow">
+        <p:fade/>
+      </p:transition>
+    </mc:Fallback>
+  </mc:AlternateContent>
+</p:sld>
+</file>
+
+<file path=ppt/slides/slide33.xml><?xml version="1.0" encoding="utf-8"?>
+<p:sld xmlns:a="http://schemas.openxmlformats.org/drawingml/2006/main" xmlns:r="http://schemas.openxmlformats.org/officeDocument/2006/relationships" xmlns:p="http://schemas.openxmlformats.org/presentationml/2006/main">
+  <p:cSld>
+    <p:spTree>
+      <p:nvGrpSpPr>
+        <p:cNvPr id="1" name=""/>
+        <p:cNvGrpSpPr/>
+        <p:nvPr/>
+      </p:nvGrpSpPr>
+      <p:grpSpPr>
+        <a:xfrm>
+          <a:off x="0" y="0"/>
+          <a:ext cx="0" cy="0"/>
+          <a:chOff x="0" y="0"/>
+          <a:chExt cx="0" cy="0"/>
+        </a:xfrm>
+      </p:grpSpPr>
+      <p:sp>
+        <p:nvSpPr>
+          <p:cNvPr id="2" name="Titolo 1">
+            <a:extLst>
+              <a:ext uri="{FF2B5EF4-FFF2-40B4-BE49-F238E27FC236}">
+                <a16:creationId xmlns:a16="http://schemas.microsoft.com/office/drawing/2014/main" id="{1C9728DE-DCC3-47F3-A9A7-4840BBF3A649}"/>
+              </a:ext>
+            </a:extLst>
+          </p:cNvPr>
+          <p:cNvSpPr>
+            <a:spLocks noGrp="1"/>
+          </p:cNvSpPr>
+          <p:nvPr>
+            <p:ph type="title"/>
+          </p:nvPr>
+        </p:nvSpPr>
+        <p:spPr/>
+        <p:txBody>
+          <a:bodyPr/>
+          <a:lstStyle/>
+          <a:p>
+            <a:r>
+              <a:rPr lang="it-CH" dirty="0" err="1"/>
+              <a:t>DroneSimulator</a:t>
+            </a:r>
+            <a:endParaRPr lang="it-CH" dirty="0"/>
+          </a:p>
+        </p:txBody>
+      </p:sp>
+      <p:sp>
+        <p:nvSpPr>
+          <p:cNvPr id="3" name="Segnaposto contenuto 2">
+            <a:extLst>
+              <a:ext uri="{FF2B5EF4-FFF2-40B4-BE49-F238E27FC236}">
+                <a16:creationId xmlns:a16="http://schemas.microsoft.com/office/drawing/2014/main" id="{A9782E92-4646-4216-BC0B-9AFBD5130E30}"/>
+              </a:ext>
+            </a:extLst>
+          </p:cNvPr>
+          <p:cNvSpPr>
+            <a:spLocks noGrp="1"/>
+          </p:cNvSpPr>
+          <p:nvPr>
+            <p:ph idx="1"/>
+          </p:nvPr>
+        </p:nvSpPr>
+        <p:spPr>
+          <a:xfrm>
+            <a:off x="2000747" y="884466"/>
+            <a:ext cx="6912768" cy="460648"/>
+          </a:xfrm>
+        </p:spPr>
+        <p:txBody>
+          <a:bodyPr/>
+          <a:lstStyle/>
+          <a:p>
+            <a:r>
+              <a:rPr lang="it-CH" sz="2800" dirty="0"/>
+              <a:t>Classe </a:t>
+            </a:r>
+            <a:r>
+              <a:rPr lang="it-CH" sz="2800" dirty="0" err="1"/>
+              <a:t>CommandReader</a:t>
+            </a:r>
+            <a:r>
+              <a:rPr lang="it-IT" sz="2800" dirty="0"/>
+              <a:t> </a:t>
+            </a:r>
+            <a:endParaRPr lang="it-CH" sz="2800" dirty="0"/>
+          </a:p>
+        </p:txBody>
+      </p:sp>
+      <p:sp>
+        <p:nvSpPr>
+          <p:cNvPr id="4" name="Segnaposto contenuto 3">
+            <a:extLst>
+              <a:ext uri="{FF2B5EF4-FFF2-40B4-BE49-F238E27FC236}">
+                <a16:creationId xmlns:a16="http://schemas.microsoft.com/office/drawing/2014/main" id="{13544A92-8328-4004-96C8-B60363828F13}"/>
+              </a:ext>
+            </a:extLst>
+          </p:cNvPr>
+          <p:cNvSpPr>
+            <a:spLocks noGrp="1"/>
+          </p:cNvSpPr>
+          <p:nvPr>
+            <p:ph idx="10"/>
+          </p:nvPr>
+        </p:nvSpPr>
+        <p:spPr/>
+        <p:txBody>
+          <a:bodyPr/>
+          <a:lstStyle/>
+          <a:p>
+            <a:r>
+              <a:rPr lang="it-IT" sz="2000" dirty="0"/>
+              <a:t>Riceve i comandi dalla classe Simulator.</a:t>
+            </a:r>
+          </a:p>
+          <a:p>
+            <a:endParaRPr lang="it-IT" sz="2000" dirty="0"/>
+          </a:p>
+          <a:p>
+            <a:r>
+              <a:rPr lang="it-IT" sz="2000" dirty="0"/>
+              <a:t>Simula i comandi della SDK di Tello. </a:t>
+            </a:r>
+          </a:p>
+          <a:p>
+            <a:endParaRPr lang="it-IT" sz="2000" dirty="0"/>
+          </a:p>
+          <a:p>
+            <a:r>
+              <a:rPr lang="it-IT" sz="2000" dirty="0"/>
+              <a:t>Aggiorna le variabili contenenti informazioni su</a:t>
+            </a:r>
+            <a:br>
+              <a:rPr lang="it-IT" sz="2000" dirty="0"/>
+            </a:br>
+            <a:r>
+              <a:rPr lang="it-IT" sz="2000" dirty="0"/>
+              <a:t>Posizione e rotazione del drone.</a:t>
+            </a:r>
+          </a:p>
+          <a:p>
+            <a:pPr marL="342900" indent="-342900">
+              <a:buFont typeface="Arial" panose="020B0604020202020204" pitchFamily="34" charset="0"/>
+              <a:buChar char="•"/>
+            </a:pPr>
+            <a:endParaRPr lang="it-IT" sz="2000" dirty="0"/>
+          </a:p>
+        </p:txBody>
+      </p:sp>
+    </p:spTree>
+    <p:extLst>
+      <p:ext uri="{BB962C8B-B14F-4D97-AF65-F5344CB8AC3E}">
+        <p14:creationId xmlns:p14="http://schemas.microsoft.com/office/powerpoint/2010/main" val="422939601"/>
+      </p:ext>
+    </p:extLst>
+  </p:cSld>
+  <p:clrMapOvr>
+    <a:masterClrMapping/>
+  </p:clrMapOvr>
+  <mc:AlternateContent xmlns:mc="http://schemas.openxmlformats.org/markup-compatibility/2006" xmlns:p159="http://schemas.microsoft.com/office/powerpoint/2015/09/main">
+    <mc:Choice Requires="p159">
+      <p:transition xmlns:p14="http://schemas.microsoft.com/office/powerpoint/2010/main" spd="slow" p14:dur="2000">
+        <p159:morph option="byWord"/>
+      </p:transition>
+    </mc:Choice>
+    <mc:Fallback xmlns="">
+      <p:transition spd="slow">
+        <p:fade/>
+      </p:transition>
+    </mc:Fallback>
+  </mc:AlternateContent>
+</p:sld>
+</file>
+
+<file path=ppt/slides/slide34.xml><?xml version="1.0" encoding="utf-8"?>
+<p:sld xmlns:a="http://schemas.openxmlformats.org/drawingml/2006/main" xmlns:r="http://schemas.openxmlformats.org/officeDocument/2006/relationships" xmlns:p="http://schemas.openxmlformats.org/presentationml/2006/main">
+  <p:cSld>
+    <p:spTree>
+      <p:nvGrpSpPr>
+        <p:cNvPr id="1" name=""/>
+        <p:cNvGrpSpPr/>
+        <p:nvPr/>
+      </p:nvGrpSpPr>
+      <p:grpSpPr>
+        <a:xfrm>
+          <a:off x="0" y="0"/>
+          <a:ext cx="0" cy="0"/>
+          <a:chOff x="0" y="0"/>
+          <a:chExt cx="0" cy="0"/>
+        </a:xfrm>
+      </p:grpSpPr>
+      <p:sp>
+        <p:nvSpPr>
+          <p:cNvPr id="2" name="Titolo 1">
+            <a:extLst>
+              <a:ext uri="{FF2B5EF4-FFF2-40B4-BE49-F238E27FC236}">
+                <a16:creationId xmlns:a16="http://schemas.microsoft.com/office/drawing/2014/main" id="{1C9728DE-DCC3-47F3-A9A7-4840BBF3A649}"/>
+              </a:ext>
+            </a:extLst>
+          </p:cNvPr>
+          <p:cNvSpPr>
+            <a:spLocks noGrp="1"/>
+          </p:cNvSpPr>
+          <p:nvPr>
+            <p:ph type="title"/>
+          </p:nvPr>
+        </p:nvSpPr>
+        <p:spPr/>
+        <p:txBody>
+          <a:bodyPr/>
+          <a:lstStyle/>
+          <a:p>
+            <a:r>
+              <a:rPr lang="it-CH" dirty="0" err="1"/>
+              <a:t>DroneSimulator</a:t>
+            </a:r>
+            <a:endParaRPr lang="it-CH" dirty="0"/>
+          </a:p>
+        </p:txBody>
+      </p:sp>
+      <p:sp>
+        <p:nvSpPr>
+          <p:cNvPr id="3" name="Segnaposto contenuto 2">
+            <a:extLst>
+              <a:ext uri="{FF2B5EF4-FFF2-40B4-BE49-F238E27FC236}">
+                <a16:creationId xmlns:a16="http://schemas.microsoft.com/office/drawing/2014/main" id="{A9782E92-4646-4216-BC0B-9AFBD5130E30}"/>
+              </a:ext>
+            </a:extLst>
+          </p:cNvPr>
+          <p:cNvSpPr>
+            <a:spLocks noGrp="1"/>
+          </p:cNvSpPr>
+          <p:nvPr>
+            <p:ph idx="1"/>
+          </p:nvPr>
+        </p:nvSpPr>
+        <p:spPr>
+          <a:xfrm>
+            <a:off x="2000747" y="884466"/>
+            <a:ext cx="6912768" cy="460648"/>
+          </a:xfrm>
+        </p:spPr>
+        <p:txBody>
+          <a:bodyPr/>
+          <a:lstStyle/>
+          <a:p>
+            <a:r>
+              <a:rPr lang="it-CH" sz="2800" dirty="0"/>
+              <a:t>Classe </a:t>
+            </a:r>
+            <a:r>
+              <a:rPr lang="it-IT" sz="2800" dirty="0" err="1"/>
+              <a:t>TelloChartFrame</a:t>
+            </a:r>
+            <a:r>
+              <a:rPr lang="it-IT" sz="2800" dirty="0"/>
+              <a:t> </a:t>
+            </a:r>
+            <a:endParaRPr lang="it-CH" sz="2800" dirty="0"/>
+          </a:p>
+        </p:txBody>
+      </p:sp>
+      <p:sp>
+        <p:nvSpPr>
+          <p:cNvPr id="4" name="Segnaposto contenuto 3">
+            <a:extLst>
+              <a:ext uri="{FF2B5EF4-FFF2-40B4-BE49-F238E27FC236}">
+                <a16:creationId xmlns:a16="http://schemas.microsoft.com/office/drawing/2014/main" id="{13544A92-8328-4004-96C8-B60363828F13}"/>
+              </a:ext>
+            </a:extLst>
+          </p:cNvPr>
+          <p:cNvSpPr>
+            <a:spLocks noGrp="1"/>
+          </p:cNvSpPr>
+          <p:nvPr>
+            <p:ph idx="10"/>
+          </p:nvPr>
+        </p:nvSpPr>
+        <p:spPr/>
+        <p:txBody>
+          <a:bodyPr/>
+          <a:lstStyle/>
+          <a:p>
+            <a:r>
+              <a:rPr lang="it-IT" sz="2000" dirty="0"/>
+              <a:t>Mostra i dati del drone contenuti nella classe Simulator in un </a:t>
+            </a:r>
+            <a:r>
+              <a:rPr lang="it-IT" sz="2000" dirty="0" err="1"/>
+              <a:t>JFrame</a:t>
+            </a:r>
+            <a:r>
+              <a:rPr lang="it-IT" sz="2000" dirty="0"/>
+              <a:t>.</a:t>
+            </a:r>
+          </a:p>
+          <a:p>
+            <a:endParaRPr lang="it-IT" sz="2000" dirty="0"/>
+          </a:p>
+          <a:p>
+            <a:r>
+              <a:rPr lang="it-IT" sz="2000" dirty="0"/>
+              <a:t>Grafici posizione dall’alto e di profilo e di rotazione.</a:t>
+            </a:r>
+          </a:p>
+          <a:p>
+            <a:endParaRPr lang="it-IT" sz="2000" dirty="0"/>
+          </a:p>
+          <a:p>
+            <a:r>
+              <a:rPr lang="it-IT" sz="2000" dirty="0"/>
+              <a:t>Uso della libreria </a:t>
+            </a:r>
+            <a:r>
+              <a:rPr lang="it-IT" sz="2000" dirty="0" err="1"/>
+              <a:t>JFreeChart</a:t>
+            </a:r>
+            <a:r>
+              <a:rPr lang="it-IT" sz="2000" dirty="0"/>
+              <a:t> per la creazione dei grafici.</a:t>
+            </a:r>
+          </a:p>
+        </p:txBody>
+      </p:sp>
+    </p:spTree>
+    <p:extLst>
+      <p:ext uri="{BB962C8B-B14F-4D97-AF65-F5344CB8AC3E}">
+        <p14:creationId xmlns:p14="http://schemas.microsoft.com/office/powerpoint/2010/main" val="2580388235"/>
+      </p:ext>
+    </p:extLst>
+  </p:cSld>
+  <p:clrMapOvr>
+    <a:masterClrMapping/>
+  </p:clrMapOvr>
+  <mc:AlternateContent xmlns:mc="http://schemas.openxmlformats.org/markup-compatibility/2006" xmlns:p159="http://schemas.microsoft.com/office/powerpoint/2015/09/main">
+    <mc:Choice Requires="p159">
+      <p:transition xmlns:p14="http://schemas.microsoft.com/office/powerpoint/2010/main" spd="slow" p14:dur="2000">
+        <p159:morph option="byWord"/>
+      </p:transition>
+    </mc:Choice>
+    <mc:Fallback xmlns="">
+      <p:transition spd="slow">
+        <p:fade/>
+      </p:transition>
+    </mc:Fallback>
+  </mc:AlternateContent>
+</p:sld>
+</file>
+
+<file path=ppt/slides/slide35.xml><?xml version="1.0" encoding="utf-8"?>
+<p:sld xmlns:a="http://schemas.openxmlformats.org/drawingml/2006/main" xmlns:r="http://schemas.openxmlformats.org/officeDocument/2006/relationships" xmlns:p="http://schemas.openxmlformats.org/presentationml/2006/main">
+  <p:cSld>
+    <p:spTree>
+      <p:nvGrpSpPr>
+        <p:cNvPr id="1" name=""/>
+        <p:cNvGrpSpPr/>
+        <p:nvPr/>
+      </p:nvGrpSpPr>
+      <p:grpSpPr>
+        <a:xfrm>
+          <a:off x="0" y="0"/>
+          <a:ext cx="0" cy="0"/>
+          <a:chOff x="0" y="0"/>
+          <a:chExt cx="0" cy="0"/>
+        </a:xfrm>
+      </p:grpSpPr>
+      <p:sp>
+        <p:nvSpPr>
+          <p:cNvPr id="2" name="Titolo 1">
+            <a:extLst>
+              <a:ext uri="{FF2B5EF4-FFF2-40B4-BE49-F238E27FC236}">
+                <a16:creationId xmlns:a16="http://schemas.microsoft.com/office/drawing/2014/main" id="{929A8F7E-6DE7-4CF1-8507-D13BF35BA7BD}"/>
               </a:ext>
             </a:extLst>
           </p:cNvPr>
@@ -11619,16 +12110,12 @@
           <a:p>
             <a:pPr algn="ctr"/>
             <a:r>
-              <a:rPr lang="it-CH" sz="3200" dirty="0" smtClean="0">
+              <a:rPr lang="it-CH" sz="3200" dirty="0">
                 <a:latin typeface="Arial" panose="020B0604020202020204" pitchFamily="34" charset="0"/>
                 <a:cs typeface="Arial" panose="020B0604020202020204" pitchFamily="34" charset="0"/>
               </a:rPr>
               <a:t>VISTA PROFILO</a:t>
             </a:r>
-            <a:endParaRPr lang="it-CH" sz="3200" dirty="0">
-              <a:latin typeface="Arial" panose="020B0604020202020204" pitchFamily="34" charset="0"/>
-              <a:cs typeface="Arial" panose="020B0604020202020204" pitchFamily="34" charset="0"/>
-            </a:endParaRPr>
           </a:p>
         </p:txBody>
       </p:sp>
@@ -11674,7 +12161,7 @@
 </p:sld>
 </file>
 
-<file path=ppt/slides/slide33.xml><?xml version="1.0" encoding="utf-8"?>
+<file path=ppt/slides/slide36.xml><?xml version="1.0" encoding="utf-8"?>
 <p:sld xmlns:a="http://schemas.openxmlformats.org/drawingml/2006/main" xmlns:r="http://schemas.openxmlformats.org/officeDocument/2006/relationships" xmlns:p="http://schemas.openxmlformats.org/presentationml/2006/main">
   <p:cSld>
     <p:spTree>
@@ -11696,7 +12183,7 @@
           <p:cNvPr id="2" name="Titolo 1">
             <a:extLst>
               <a:ext uri="{FF2B5EF4-FFF2-40B4-BE49-F238E27FC236}">
-                <a16:creationId xmlns:a16="http://schemas.microsoft.com/office/drawing/2014/main" xmlns="" id="{929A8F7E-6DE7-4CF1-8507-D13BF35BA7BD}"/>
+                <a16:creationId xmlns:a16="http://schemas.microsoft.com/office/drawing/2014/main" id="{929A8F7E-6DE7-4CF1-8507-D13BF35BA7BD}"/>
               </a:ext>
             </a:extLst>
           </p:cNvPr>
@@ -11721,16 +12208,12 @@
           <a:p>
             <a:pPr algn="ctr"/>
             <a:r>
-              <a:rPr lang="it-CH" sz="3200" dirty="0" smtClean="0">
+              <a:rPr lang="it-CH" sz="3200" dirty="0">
                 <a:latin typeface="Arial" panose="020B0604020202020204" pitchFamily="34" charset="0"/>
                 <a:cs typeface="Arial" panose="020B0604020202020204" pitchFamily="34" charset="0"/>
               </a:rPr>
               <a:t>VISTA ROTAZIONE</a:t>
             </a:r>
-            <a:endParaRPr lang="it-CH" sz="3200" dirty="0">
-              <a:latin typeface="Arial" panose="020B0604020202020204" pitchFamily="34" charset="0"/>
-              <a:cs typeface="Arial" panose="020B0604020202020204" pitchFamily="34" charset="0"/>
-            </a:endParaRPr>
           </a:p>
         </p:txBody>
       </p:sp>
@@ -11776,7 +12259,7 @@
 </p:sld>
 </file>
 
-<file path=ppt/slides/slide34.xml><?xml version="1.0" encoding="utf-8"?>
+<file path=ppt/slides/slide37.xml><?xml version="1.0" encoding="utf-8"?>
 <p:sld xmlns:a="http://schemas.openxmlformats.org/drawingml/2006/main" xmlns:r="http://schemas.openxmlformats.org/officeDocument/2006/relationships" xmlns:p="http://schemas.openxmlformats.org/presentationml/2006/main">
   <p:cSld>
     <p:spTree>
@@ -11798,7 +12281,7 @@
           <p:cNvPr id="2" name="Titolo 1">
             <a:extLst>
               <a:ext uri="{FF2B5EF4-FFF2-40B4-BE49-F238E27FC236}">
-                <a16:creationId xmlns:a16="http://schemas.microsoft.com/office/drawing/2014/main" xmlns="" id="{929A8F7E-6DE7-4CF1-8507-D13BF35BA7BD}"/>
+                <a16:creationId xmlns:a16="http://schemas.microsoft.com/office/drawing/2014/main" id="{929A8F7E-6DE7-4CF1-8507-D13BF35BA7BD}"/>
               </a:ext>
             </a:extLst>
           </p:cNvPr>
@@ -11823,16 +12306,12 @@
           <a:p>
             <a:pPr algn="ctr"/>
             <a:r>
-              <a:rPr lang="it-CH" sz="3200" dirty="0" smtClean="0">
+              <a:rPr lang="it-CH" sz="3200" dirty="0">
                 <a:latin typeface="Arial" panose="020B0604020202020204" pitchFamily="34" charset="0"/>
                 <a:cs typeface="Arial" panose="020B0604020202020204" pitchFamily="34" charset="0"/>
               </a:rPr>
               <a:t>VISTA ALTO</a:t>
             </a:r>
-            <a:endParaRPr lang="it-CH" sz="3200" dirty="0">
-              <a:latin typeface="Arial" panose="020B0604020202020204" pitchFamily="34" charset="0"/>
-              <a:cs typeface="Arial" panose="020B0604020202020204" pitchFamily="34" charset="0"/>
-            </a:endParaRPr>
           </a:p>
         </p:txBody>
       </p:sp>
@@ -11878,7 +12357,7 @@
 </p:sld>
 </file>
 
-<file path=ppt/slides/slide35.xml><?xml version="1.0" encoding="utf-8"?>
+<file path=ppt/slides/slide38.xml><?xml version="1.0" encoding="utf-8"?>
 <p:sld xmlns:a="http://schemas.openxmlformats.org/drawingml/2006/main" xmlns:r="http://schemas.openxmlformats.org/officeDocument/2006/relationships" xmlns:p="http://schemas.openxmlformats.org/presentationml/2006/main">
   <p:cSld>
     <p:spTree>
@@ -11900,7 +12379,7 @@
           <p:cNvPr id="2" name="Titolo 1">
             <a:extLst>
               <a:ext uri="{FF2B5EF4-FFF2-40B4-BE49-F238E27FC236}">
-                <a16:creationId xmlns:a16="http://schemas.microsoft.com/office/drawing/2014/main" xmlns="" id="{764A1C8B-D6B4-4868-8C8D-8531F9FA4B44}"/>
+                <a16:creationId xmlns:a16="http://schemas.microsoft.com/office/drawing/2014/main" id="{764A1C8B-D6B4-4868-8C8D-8531F9FA4B44}"/>
               </a:ext>
             </a:extLst>
           </p:cNvPr>
@@ -11928,7 +12407,7 @@
           <p:cNvPr id="5" name="Tabella 4">
             <a:extLst>
               <a:ext uri="{FF2B5EF4-FFF2-40B4-BE49-F238E27FC236}">
-                <a16:creationId xmlns:a16="http://schemas.microsoft.com/office/drawing/2014/main" xmlns="" id="{F55F7FF1-C1A4-4804-B5D0-A5DC5CD3C59F}"/>
+                <a16:creationId xmlns:a16="http://schemas.microsoft.com/office/drawing/2014/main" id="{F55F7FF1-C1A4-4804-B5D0-A5DC5CD3C59F}"/>
               </a:ext>
             </a:extLst>
           </p:cNvPr>
@@ -11957,14 +12436,14 @@
                 <a:gridCol w="3396208">
                   <a:extLst>
                     <a:ext uri="{9D8B030D-6E8A-4147-A177-3AD203B41FA5}">
-                      <a16:colId xmlns:a16="http://schemas.microsoft.com/office/drawing/2014/main" xmlns="" val="2392743453"/>
+                      <a16:colId xmlns:a16="http://schemas.microsoft.com/office/drawing/2014/main" val="2392743453"/>
                     </a:ext>
                   </a:extLst>
                 </a:gridCol>
                 <a:gridCol w="3396208">
                   <a:extLst>
                     <a:ext uri="{9D8B030D-6E8A-4147-A177-3AD203B41FA5}">
-                      <a16:colId xmlns:a16="http://schemas.microsoft.com/office/drawing/2014/main" xmlns="" val="3716237907"/>
+                      <a16:colId xmlns:a16="http://schemas.microsoft.com/office/drawing/2014/main" val="3716237907"/>
                     </a:ext>
                   </a:extLst>
                 </a:gridCol>
@@ -11998,7 +12477,7 @@
                 </a:tc>
                 <a:extLst>
                   <a:ext uri="{0D108BD9-81ED-4DB2-BD59-A6C34878D82A}">
-                    <a16:rowId xmlns:a16="http://schemas.microsoft.com/office/drawing/2014/main" xmlns="" val="3485924999"/>
+                    <a16:rowId xmlns:a16="http://schemas.microsoft.com/office/drawing/2014/main" val="3485924999"/>
                   </a:ext>
                 </a:extLst>
               </a:tr>
@@ -12039,7 +12518,7 @@
                 </a:tc>
                 <a:extLst>
                   <a:ext uri="{0D108BD9-81ED-4DB2-BD59-A6C34878D82A}">
-                    <a16:rowId xmlns:a16="http://schemas.microsoft.com/office/drawing/2014/main" xmlns="" val="3718620749"/>
+                    <a16:rowId xmlns:a16="http://schemas.microsoft.com/office/drawing/2014/main" val="3718620749"/>
                   </a:ext>
                 </a:extLst>
               </a:tr>
@@ -12097,7 +12576,7 @@
                 </a:tc>
                 <a:extLst>
                   <a:ext uri="{0D108BD9-81ED-4DB2-BD59-A6C34878D82A}">
-                    <a16:rowId xmlns:a16="http://schemas.microsoft.com/office/drawing/2014/main" xmlns="" val="3132356401"/>
+                    <a16:rowId xmlns:a16="http://schemas.microsoft.com/office/drawing/2014/main" val="3132356401"/>
                   </a:ext>
                 </a:extLst>
               </a:tr>
@@ -12155,7 +12634,7 @@
                 </a:tc>
                 <a:extLst>
                   <a:ext uri="{0D108BD9-81ED-4DB2-BD59-A6C34878D82A}">
-                    <a16:rowId xmlns:a16="http://schemas.microsoft.com/office/drawing/2014/main" xmlns="" val="3113495145"/>
+                    <a16:rowId xmlns:a16="http://schemas.microsoft.com/office/drawing/2014/main" val="3113495145"/>
                   </a:ext>
                 </a:extLst>
               </a:tr>
@@ -12213,7 +12692,7 @@
                 </a:tc>
                 <a:extLst>
                   <a:ext uri="{0D108BD9-81ED-4DB2-BD59-A6C34878D82A}">
-                    <a16:rowId xmlns:a16="http://schemas.microsoft.com/office/drawing/2014/main" xmlns="" val="3463852800"/>
+                    <a16:rowId xmlns:a16="http://schemas.microsoft.com/office/drawing/2014/main" val="3463852800"/>
                   </a:ext>
                 </a:extLst>
               </a:tr>
@@ -12271,7 +12750,7 @@
                 </a:tc>
                 <a:extLst>
                   <a:ext uri="{0D108BD9-81ED-4DB2-BD59-A6C34878D82A}">
-                    <a16:rowId xmlns:a16="http://schemas.microsoft.com/office/drawing/2014/main" xmlns="" val="1181745103"/>
+                    <a16:rowId xmlns:a16="http://schemas.microsoft.com/office/drawing/2014/main" val="1181745103"/>
                   </a:ext>
                 </a:extLst>
               </a:tr>
@@ -12329,7 +12808,7 @@
                 </a:tc>
                 <a:extLst>
                   <a:ext uri="{0D108BD9-81ED-4DB2-BD59-A6C34878D82A}">
-                    <a16:rowId xmlns:a16="http://schemas.microsoft.com/office/drawing/2014/main" xmlns="" val="779251828"/>
+                    <a16:rowId xmlns:a16="http://schemas.microsoft.com/office/drawing/2014/main" val="779251828"/>
                   </a:ext>
                 </a:extLst>
               </a:tr>
@@ -12387,7 +12866,7 @@
                 </a:tc>
                 <a:extLst>
                   <a:ext uri="{0D108BD9-81ED-4DB2-BD59-A6C34878D82A}">
-                    <a16:rowId xmlns:a16="http://schemas.microsoft.com/office/drawing/2014/main" xmlns="" val="3755891411"/>
+                    <a16:rowId xmlns:a16="http://schemas.microsoft.com/office/drawing/2014/main" val="3755891411"/>
                   </a:ext>
                 </a:extLst>
               </a:tr>
@@ -12408,7 +12887,7 @@
 </p:sld>
 </file>
 
-<file path=ppt/slides/slide36.xml><?xml version="1.0" encoding="utf-8"?>
+<file path=ppt/slides/slide39.xml><?xml version="1.0" encoding="utf-8"?>
 <p:sld xmlns:a="http://schemas.openxmlformats.org/drawingml/2006/main" xmlns:r="http://schemas.openxmlformats.org/officeDocument/2006/relationships" xmlns:p="http://schemas.openxmlformats.org/presentationml/2006/main">
   <p:cSld>
     <p:spTree>
@@ -12430,7 +12909,7 @@
           <p:cNvPr id="5" name="Titolo 1">
             <a:extLst>
               <a:ext uri="{FF2B5EF4-FFF2-40B4-BE49-F238E27FC236}">
-                <a16:creationId xmlns:a16="http://schemas.microsoft.com/office/drawing/2014/main" xmlns="" id="{292F61BE-0FB3-49B8-B345-CC63DA7985C5}"/>
+                <a16:creationId xmlns:a16="http://schemas.microsoft.com/office/drawing/2014/main" id="{292F61BE-0FB3-49B8-B345-CC63DA7985C5}"/>
               </a:ext>
             </a:extLst>
           </p:cNvPr>
@@ -12469,13 +12948,13 @@
   <p:clrMapOvr>
     <a:masterClrMapping/>
   </p:clrMapOvr>
-  <mc:AlternateContent xmlns:mc="http://schemas.openxmlformats.org/markup-compatibility/2006">
-    <mc:Choice xmlns:p159="http://schemas.microsoft.com/office/powerpoint/2015/09/main" xmlns="" Requires="p159">
+  <mc:AlternateContent xmlns:mc="http://schemas.openxmlformats.org/markup-compatibility/2006" xmlns:p159="http://schemas.microsoft.com/office/powerpoint/2015/09/main">
+    <mc:Choice Requires="p159">
       <p:transition xmlns:p14="http://schemas.microsoft.com/office/powerpoint/2010/main" spd="slow" p14:dur="2000">
         <p159:morph option="byWord"/>
       </p:transition>
     </mc:Choice>
-    <mc:Fallback>
+    <mc:Fallback xmlns="">
       <p:transition spd="slow">
         <p:fade/>
       </p:transition>
@@ -12538,7 +13017,7 @@
           <p:cNvPr id="6" name="Segnaposto contenuto 5">
             <a:extLst>
               <a:ext uri="{FF2B5EF4-FFF2-40B4-BE49-F238E27FC236}">
-                <a16:creationId xmlns:a16="http://schemas.microsoft.com/office/drawing/2014/main" xmlns="" id="{5B6072DA-2CA4-4D2D-9FE3-87C81F48EC48}"/>
+                <a16:creationId xmlns:a16="http://schemas.microsoft.com/office/drawing/2014/main" id="{5B6072DA-2CA4-4D2D-9FE3-87C81F48EC48}"/>
               </a:ext>
             </a:extLst>
           </p:cNvPr>
@@ -12624,13 +13103,13 @@
   <p:clrMapOvr>
     <a:masterClrMapping/>
   </p:clrMapOvr>
-  <mc:AlternateContent xmlns:mc="http://schemas.openxmlformats.org/markup-compatibility/2006">
-    <mc:Choice xmlns:p159="http://schemas.microsoft.com/office/powerpoint/2015/09/main" xmlns="" Requires="p159">
+  <mc:AlternateContent xmlns:mc="http://schemas.openxmlformats.org/markup-compatibility/2006" xmlns:p159="http://schemas.microsoft.com/office/powerpoint/2015/09/main">
+    <mc:Choice Requires="p159">
       <p:transition xmlns:p14="http://schemas.microsoft.com/office/powerpoint/2010/main" spd="slow" p14:dur="2000">
         <p159:morph option="byWord"/>
       </p:transition>
     </mc:Choice>
-    <mc:Fallback>
+    <mc:Fallback xmlns="">
       <p:transition spd="slow">
         <p:fade/>
       </p:transition>
@@ -12661,7 +13140,7 @@
           <p:cNvPr id="2" name="Titolo 1">
             <a:extLst>
               <a:ext uri="{FF2B5EF4-FFF2-40B4-BE49-F238E27FC236}">
-                <a16:creationId xmlns:a16="http://schemas.microsoft.com/office/drawing/2014/main" xmlns="" id="{82887461-6D43-4CEB-A6A1-119545323645}"/>
+                <a16:creationId xmlns:a16="http://schemas.microsoft.com/office/drawing/2014/main" id="{82887461-6D43-4CEB-A6A1-119545323645}"/>
               </a:ext>
             </a:extLst>
           </p:cNvPr>
@@ -12689,7 +13168,7 @@
           <p:cNvPr id="4" name="Segnaposto contenuto 3">
             <a:extLst>
               <a:ext uri="{FF2B5EF4-FFF2-40B4-BE49-F238E27FC236}">
-                <a16:creationId xmlns:a16="http://schemas.microsoft.com/office/drawing/2014/main" xmlns="" id="{9DA94BF7-4EDC-403E-A893-A547CC60B810}"/>
+                <a16:creationId xmlns:a16="http://schemas.microsoft.com/office/drawing/2014/main" id="{9DA94BF7-4EDC-403E-A893-A547CC60B810}"/>
               </a:ext>
             </a:extLst>
           </p:cNvPr>
@@ -12764,13 +13243,13 @@
   <p:clrMapOvr>
     <a:masterClrMapping/>
   </p:clrMapOvr>
-  <mc:AlternateContent xmlns:mc="http://schemas.openxmlformats.org/markup-compatibility/2006">
-    <mc:Choice xmlns:p159="http://schemas.microsoft.com/office/powerpoint/2015/09/main" xmlns="" Requires="p159">
+  <mc:AlternateContent xmlns:mc="http://schemas.openxmlformats.org/markup-compatibility/2006" xmlns:p159="http://schemas.microsoft.com/office/powerpoint/2015/09/main">
+    <mc:Choice Requires="p159">
       <p:transition xmlns:p14="http://schemas.microsoft.com/office/powerpoint/2010/main" spd="slow" p14:dur="2000">
         <p159:morph option="byWord"/>
       </p:transition>
     </mc:Choice>
-    <mc:Fallback>
+    <mc:Fallback xmlns="">
       <p:transition spd="slow">
         <p:fade/>
       </p:transition>
@@ -12801,7 +13280,7 @@
           <p:cNvPr id="2" name="Titolo 1">
             <a:extLst>
               <a:ext uri="{FF2B5EF4-FFF2-40B4-BE49-F238E27FC236}">
-                <a16:creationId xmlns:a16="http://schemas.microsoft.com/office/drawing/2014/main" xmlns="" id="{82887461-6D43-4CEB-A6A1-119545323645}"/>
+                <a16:creationId xmlns:a16="http://schemas.microsoft.com/office/drawing/2014/main" id="{82887461-6D43-4CEB-A6A1-119545323645}"/>
               </a:ext>
             </a:extLst>
           </p:cNvPr>
@@ -12829,7 +13308,7 @@
           <p:cNvPr id="4" name="Segnaposto contenuto 3">
             <a:extLst>
               <a:ext uri="{FF2B5EF4-FFF2-40B4-BE49-F238E27FC236}">
-                <a16:creationId xmlns:a16="http://schemas.microsoft.com/office/drawing/2014/main" xmlns="" id="{9DA94BF7-4EDC-403E-A893-A547CC60B810}"/>
+                <a16:creationId xmlns:a16="http://schemas.microsoft.com/office/drawing/2014/main" id="{9DA94BF7-4EDC-403E-A893-A547CC60B810}"/>
               </a:ext>
             </a:extLst>
           </p:cNvPr>
@@ -12974,7 +13453,7 @@
           <p:cNvPr id="1026" name="Picture 2" descr="Risultati immagini per bus icon png">
             <a:extLst>
               <a:ext uri="{FF2B5EF4-FFF2-40B4-BE49-F238E27FC236}">
-                <a16:creationId xmlns:a16="http://schemas.microsoft.com/office/drawing/2014/main" xmlns="" id="{0B3E46AC-3C49-45E4-9E3F-CEF6C3C7158A}"/>
+                <a16:creationId xmlns:a16="http://schemas.microsoft.com/office/drawing/2014/main" id="{0B3E46AC-3C49-45E4-9E3F-CEF6C3C7158A}"/>
               </a:ext>
             </a:extLst>
           </p:cNvPr>
@@ -13033,13 +13512,13 @@
   <p:clrMapOvr>
     <a:masterClrMapping/>
   </p:clrMapOvr>
-  <mc:AlternateContent xmlns:mc="http://schemas.openxmlformats.org/markup-compatibility/2006">
-    <mc:Choice xmlns:p159="http://schemas.microsoft.com/office/powerpoint/2015/09/main" xmlns="" Requires="p159">
+  <mc:AlternateContent xmlns:mc="http://schemas.openxmlformats.org/markup-compatibility/2006" xmlns:p159="http://schemas.microsoft.com/office/powerpoint/2015/09/main">
+    <mc:Choice Requires="p159">
       <p:transition xmlns:p14="http://schemas.microsoft.com/office/powerpoint/2010/main" spd="slow" p14:dur="2000">
         <p159:morph option="byWord"/>
       </p:transition>
     </mc:Choice>
-    <mc:Fallback>
+    <mc:Fallback xmlns="">
       <p:transition spd="slow">
         <p:fade/>
       </p:transition>
@@ -13070,7 +13549,7 @@
           <p:cNvPr id="2" name="Titolo 1">
             <a:extLst>
               <a:ext uri="{FF2B5EF4-FFF2-40B4-BE49-F238E27FC236}">
-                <a16:creationId xmlns:a16="http://schemas.microsoft.com/office/drawing/2014/main" xmlns="" id="{82887461-6D43-4CEB-A6A1-119545323645}"/>
+                <a16:creationId xmlns:a16="http://schemas.microsoft.com/office/drawing/2014/main" id="{82887461-6D43-4CEB-A6A1-119545323645}"/>
               </a:ext>
             </a:extLst>
           </p:cNvPr>
@@ -13098,7 +13577,7 @@
           <p:cNvPr id="5" name="Segnaposto contenuto 4">
             <a:extLst>
               <a:ext uri="{FF2B5EF4-FFF2-40B4-BE49-F238E27FC236}">
-                <a16:creationId xmlns:a16="http://schemas.microsoft.com/office/drawing/2014/main" xmlns="" id="{898D7E89-0043-4101-8223-BD420A471666}"/>
+                <a16:creationId xmlns:a16="http://schemas.microsoft.com/office/drawing/2014/main" id="{898D7E89-0043-4101-8223-BD420A471666}"/>
               </a:ext>
             </a:extLst>
           </p:cNvPr>
@@ -13133,7 +13612,7 @@
           <p:cNvPr id="3076" name="Picture 4" descr="Risultati immagini per start race icon">
             <a:extLst>
               <a:ext uri="{FF2B5EF4-FFF2-40B4-BE49-F238E27FC236}">
-                <a16:creationId xmlns:a16="http://schemas.microsoft.com/office/drawing/2014/main" xmlns="" id="{2EF36095-34AE-44D9-B34A-DBEBF300D4D3}"/>
+                <a16:creationId xmlns:a16="http://schemas.microsoft.com/office/drawing/2014/main" id="{2EF36095-34AE-44D9-B34A-DBEBF300D4D3}"/>
               </a:ext>
             </a:extLst>
           </p:cNvPr>
@@ -13185,13 +13664,13 @@
   <p:clrMapOvr>
     <a:masterClrMapping/>
   </p:clrMapOvr>
-  <mc:AlternateContent xmlns:mc="http://schemas.openxmlformats.org/markup-compatibility/2006">
-    <mc:Choice xmlns:p159="http://schemas.microsoft.com/office/powerpoint/2015/09/main" xmlns="" Requires="p159">
+  <mc:AlternateContent xmlns:mc="http://schemas.openxmlformats.org/markup-compatibility/2006" xmlns:p159="http://schemas.microsoft.com/office/powerpoint/2015/09/main">
+    <mc:Choice Requires="p159">
       <p:transition xmlns:p14="http://schemas.microsoft.com/office/powerpoint/2010/main" spd="slow" p14:dur="2000">
         <p159:morph option="byWord"/>
       </p:transition>
     </mc:Choice>
-    <mc:Fallback>
+    <mc:Fallback xmlns="">
       <p:transition spd="slow">
         <p:fade/>
       </p:transition>
@@ -13222,7 +13701,7 @@
           <p:cNvPr id="2" name="Titolo 1">
             <a:extLst>
               <a:ext uri="{FF2B5EF4-FFF2-40B4-BE49-F238E27FC236}">
-                <a16:creationId xmlns:a16="http://schemas.microsoft.com/office/drawing/2014/main" xmlns="" id="{82887461-6D43-4CEB-A6A1-119545323645}"/>
+                <a16:creationId xmlns:a16="http://schemas.microsoft.com/office/drawing/2014/main" id="{82887461-6D43-4CEB-A6A1-119545323645}"/>
               </a:ext>
             </a:extLst>
           </p:cNvPr>
@@ -13250,7 +13729,7 @@
           <p:cNvPr id="6" name="Segnaposto contenuto 5">
             <a:extLst>
               <a:ext uri="{FF2B5EF4-FFF2-40B4-BE49-F238E27FC236}">
-                <a16:creationId xmlns:a16="http://schemas.microsoft.com/office/drawing/2014/main" xmlns="" id="{340539DE-1D21-492C-BA50-AD02818970A6}"/>
+                <a16:creationId xmlns:a16="http://schemas.microsoft.com/office/drawing/2014/main" id="{340539DE-1D21-492C-BA50-AD02818970A6}"/>
               </a:ext>
             </a:extLst>
           </p:cNvPr>
@@ -13285,7 +13764,7 @@
           <p:cNvPr id="2050" name="Picture 2" descr="Risultati immagini per finish race icon">
             <a:extLst>
               <a:ext uri="{FF2B5EF4-FFF2-40B4-BE49-F238E27FC236}">
-                <a16:creationId xmlns:a16="http://schemas.microsoft.com/office/drawing/2014/main" xmlns="" id="{A0F9E2C9-C414-4016-A6E8-E8846A39B789}"/>
+                <a16:creationId xmlns:a16="http://schemas.microsoft.com/office/drawing/2014/main" id="{A0F9E2C9-C414-4016-A6E8-E8846A39B789}"/>
               </a:ext>
             </a:extLst>
           </p:cNvPr>
@@ -13337,13 +13816,13 @@
   <p:clrMapOvr>
     <a:masterClrMapping/>
   </p:clrMapOvr>
-  <mc:AlternateContent xmlns:mc="http://schemas.openxmlformats.org/markup-compatibility/2006">
-    <mc:Choice xmlns:p159="http://schemas.microsoft.com/office/powerpoint/2015/09/main" xmlns="" Requires="p159">
+  <mc:AlternateContent xmlns:mc="http://schemas.openxmlformats.org/markup-compatibility/2006" xmlns:p159="http://schemas.microsoft.com/office/powerpoint/2015/09/main">
+    <mc:Choice Requires="p159">
       <p:transition xmlns:p14="http://schemas.microsoft.com/office/powerpoint/2010/main" spd="slow" p14:dur="2000">
         <p159:morph option="byWord"/>
       </p:transition>
     </mc:Choice>
-    <mc:Fallback>
+    <mc:Fallback xmlns="">
       <p:transition spd="slow">
         <p:fade/>
       </p:transition>
@@ -13374,7 +13853,7 @@
           <p:cNvPr id="2" name="Titolo 1">
             <a:extLst>
               <a:ext uri="{FF2B5EF4-FFF2-40B4-BE49-F238E27FC236}">
-                <a16:creationId xmlns:a16="http://schemas.microsoft.com/office/drawing/2014/main" xmlns="" id="{0879F506-BBEC-49B7-B953-469DFDB5281D}"/>
+                <a16:creationId xmlns:a16="http://schemas.microsoft.com/office/drawing/2014/main" id="{0879F506-BBEC-49B7-B953-469DFDB5281D}"/>
               </a:ext>
             </a:extLst>
           </p:cNvPr>
@@ -13402,7 +13881,7 @@
           <p:cNvPr id="5" name="Segnaposto contenuto 4">
             <a:extLst>
               <a:ext uri="{FF2B5EF4-FFF2-40B4-BE49-F238E27FC236}">
-                <a16:creationId xmlns:a16="http://schemas.microsoft.com/office/drawing/2014/main" xmlns="" id="{85786041-B85D-4E2A-9B30-58605398387F}"/>
+                <a16:creationId xmlns:a16="http://schemas.microsoft.com/office/drawing/2014/main" id="{85786041-B85D-4E2A-9B30-58605398387F}"/>
               </a:ext>
             </a:extLst>
           </p:cNvPr>
@@ -13493,13 +13972,13 @@
   <p:clrMapOvr>
     <a:masterClrMapping/>
   </p:clrMapOvr>
-  <mc:AlternateContent xmlns:mc="http://schemas.openxmlformats.org/markup-compatibility/2006">
-    <mc:Choice xmlns:p159="http://schemas.microsoft.com/office/powerpoint/2015/09/main" xmlns="" Requires="p159">
+  <mc:AlternateContent xmlns:mc="http://schemas.openxmlformats.org/markup-compatibility/2006" xmlns:p159="http://schemas.microsoft.com/office/powerpoint/2015/09/main">
+    <mc:Choice Requires="p159">
       <p:transition xmlns:p14="http://schemas.microsoft.com/office/powerpoint/2010/main" spd="slow" p14:dur="2000">
         <p159:morph option="byWord"/>
       </p:transition>
     </mc:Choice>
-    <mc:Fallback>
+    <mc:Fallback xmlns="">
       <p:transition spd="slow">
         <p:fade/>
       </p:transition>

--- a/docs/Presentazione.pptx
+++ b/docs/Presentazione.pptx
@@ -6,48 +6,42 @@
     <p:sldMasterId id="2147483661" r:id="rId2"/>
   </p:sldMasterIdLst>
   <p:notesMasterIdLst>
-    <p:notesMasterId r:id="rId42"/>
+    <p:notesMasterId r:id="rId36"/>
   </p:notesMasterIdLst>
   <p:sldIdLst>
     <p:sldId id="256" r:id="rId3"/>
     <p:sldId id="287" r:id="rId4"/>
     <p:sldId id="288" r:id="rId5"/>
-    <p:sldId id="260" r:id="rId6"/>
-    <p:sldId id="262" r:id="rId7"/>
-    <p:sldId id="263" r:id="rId8"/>
-    <p:sldId id="264" r:id="rId9"/>
-    <p:sldId id="265" r:id="rId10"/>
-    <p:sldId id="266" r:id="rId11"/>
+    <p:sldId id="307" r:id="rId6"/>
+    <p:sldId id="260" r:id="rId7"/>
+    <p:sldId id="262" r:id="rId8"/>
+    <p:sldId id="263" r:id="rId9"/>
+    <p:sldId id="264" r:id="rId10"/>
+    <p:sldId id="265" r:id="rId11"/>
     <p:sldId id="267" r:id="rId12"/>
     <p:sldId id="298" r:id="rId13"/>
-    <p:sldId id="300" r:id="rId14"/>
-    <p:sldId id="305" r:id="rId15"/>
-    <p:sldId id="302" r:id="rId16"/>
-    <p:sldId id="306" r:id="rId17"/>
-    <p:sldId id="269" r:id="rId18"/>
-    <p:sldId id="270" r:id="rId19"/>
-    <p:sldId id="271" r:id="rId20"/>
-    <p:sldId id="272" r:id="rId21"/>
-    <p:sldId id="289" r:id="rId22"/>
-    <p:sldId id="273" r:id="rId23"/>
-    <p:sldId id="274" r:id="rId24"/>
-    <p:sldId id="279" r:id="rId25"/>
-    <p:sldId id="280" r:id="rId26"/>
-    <p:sldId id="294" r:id="rId27"/>
-    <p:sldId id="293" r:id="rId28"/>
-    <p:sldId id="292" r:id="rId29"/>
-    <p:sldId id="291" r:id="rId30"/>
-    <p:sldId id="281" r:id="rId31"/>
-    <p:sldId id="290" r:id="rId32"/>
-    <p:sldId id="282" r:id="rId33"/>
-    <p:sldId id="283" r:id="rId34"/>
-    <p:sldId id="284" r:id="rId35"/>
-    <p:sldId id="285" r:id="rId36"/>
-    <p:sldId id="301" r:id="rId37"/>
-    <p:sldId id="303" r:id="rId38"/>
-    <p:sldId id="304" r:id="rId39"/>
-    <p:sldId id="297" r:id="rId40"/>
-    <p:sldId id="278" r:id="rId41"/>
+    <p:sldId id="269" r:id="rId14"/>
+    <p:sldId id="270" r:id="rId15"/>
+    <p:sldId id="271" r:id="rId16"/>
+    <p:sldId id="272" r:id="rId17"/>
+    <p:sldId id="274" r:id="rId18"/>
+    <p:sldId id="279" r:id="rId19"/>
+    <p:sldId id="280" r:id="rId20"/>
+    <p:sldId id="294" r:id="rId21"/>
+    <p:sldId id="293" r:id="rId22"/>
+    <p:sldId id="292" r:id="rId23"/>
+    <p:sldId id="291" r:id="rId24"/>
+    <p:sldId id="281" r:id="rId25"/>
+    <p:sldId id="290" r:id="rId26"/>
+    <p:sldId id="282" r:id="rId27"/>
+    <p:sldId id="283" r:id="rId28"/>
+    <p:sldId id="284" r:id="rId29"/>
+    <p:sldId id="285" r:id="rId30"/>
+    <p:sldId id="301" r:id="rId31"/>
+    <p:sldId id="303" r:id="rId32"/>
+    <p:sldId id="304" r:id="rId33"/>
+    <p:sldId id="297" r:id="rId34"/>
+    <p:sldId id="278" r:id="rId35"/>
   </p:sldIdLst>
   <p:sldSz cx="9144000" cy="5143500" type="screen16x9"/>
   <p:notesSz cx="6858000" cy="9144000"/>
@@ -158,6 +152,7 @@
           <p14:sldIdLst>
             <p14:sldId id="287"/>
             <p14:sldId id="288"/>
+            <p14:sldId id="307"/>
           </p14:sldIdLst>
         </p14:section>
         <p14:section name="Main" id="{D29ACBA6-7550-4D55-B417-422E478B75FE}">
@@ -171,17 +166,12 @@
           <p14:sldIdLst>
             <p14:sldId id="264"/>
             <p14:sldId id="265"/>
-            <p14:sldId id="266"/>
           </p14:sldIdLst>
         </p14:section>
         <p14:section name="Architettura sistema" id="{CB31D9CA-8A6D-4830-8CFE-2A53A7B6A2DA}">
           <p14:sldIdLst>
             <p14:sldId id="267"/>
             <p14:sldId id="298"/>
-            <p14:sldId id="300"/>
-            <p14:sldId id="305"/>
-            <p14:sldId id="302"/>
-            <p14:sldId id="306"/>
             <p14:sldId id="269"/>
           </p14:sldIdLst>
         </p14:section>
@@ -190,8 +180,6 @@
             <p14:sldId id="270"/>
             <p14:sldId id="271"/>
             <p14:sldId id="272"/>
-            <p14:sldId id="289"/>
-            <p14:sldId id="273"/>
           </p14:sldIdLst>
         </p14:section>
         <p14:section name="Implementazione Luca + Fadil" id="{F9ED6073-3648-48AA-AA84-0EE682246350}">
@@ -326,7 +314,7 @@
           <a:p>
             <a:fld id="{0E586627-511B-45A1-B9CA-4576DD49B422}" type="datetimeFigureOut">
               <a:rPr lang="it-CH" smtClean="0"/>
-              <a:t>24.05.2019</a:t>
+              <a:t>30.05.2019</a:t>
             </a:fld>
             <a:endParaRPr lang="it-CH"/>
           </a:p>
@@ -722,6 +710,10 @@
           <a:bodyPr/>
           <a:lstStyle/>
           <a:p>
+            <a:r>
+              <a:rPr lang="it-CH" dirty="0" smtClean="0"/>
+              <a:t>Drone simulator</a:t>
+            </a:r>
             <a:endParaRPr lang="it-CH" dirty="0"/>
           </a:p>
         </p:txBody>
@@ -743,7 +735,7 @@
           <a:p>
             <a:fld id="{FD2CFA8D-4E29-41DB-B61B-69A41B9506B3}" type="slidenum">
               <a:rPr lang="it-CH" smtClean="0"/>
-              <a:t>16</a:t>
+              <a:t>12</a:t>
             </a:fld>
             <a:endParaRPr lang="it-CH"/>
           </a:p>
@@ -827,7 +819,7 @@
           <a:p>
             <a:fld id="{FD2CFA8D-4E29-41DB-B61B-69A41B9506B3}" type="slidenum">
               <a:rPr lang="it-CH" smtClean="0"/>
-              <a:t>17</a:t>
+              <a:t>13</a:t>
             </a:fld>
             <a:endParaRPr lang="it-CH"/>
           </a:p>
@@ -911,7 +903,7 @@
           <a:p>
             <a:fld id="{FD2CFA8D-4E29-41DB-B61B-69A41B9506B3}" type="slidenum">
               <a:rPr lang="it-CH" smtClean="0"/>
-              <a:t>22</a:t>
+              <a:t>16</a:t>
             </a:fld>
             <a:endParaRPr lang="it-CH"/>
           </a:p>
@@ -998,7 +990,7 @@
           <a:p>
             <a:fld id="{FD2CFA8D-4E29-41DB-B61B-69A41B9506B3}" type="slidenum">
               <a:rPr lang="it-CH" smtClean="0"/>
-              <a:t>23</a:t>
+              <a:t>17</a:t>
             </a:fld>
             <a:endParaRPr lang="it-CH"/>
           </a:p>
@@ -1114,7 +1106,7 @@
           <a:p>
             <a:fld id="{FD2CFA8D-4E29-41DB-B61B-69A41B9506B3}" type="slidenum">
               <a:rPr lang="it-CH" smtClean="0"/>
-              <a:t>24</a:t>
+              <a:t>18</a:t>
             </a:fld>
             <a:endParaRPr lang="it-CH"/>
           </a:p>
@@ -1219,7 +1211,7 @@
           <a:p>
             <a:fld id="{FD2CFA8D-4E29-41DB-B61B-69A41B9506B3}" type="slidenum">
               <a:rPr lang="it-CH" smtClean="0"/>
-              <a:t>25</a:t>
+              <a:t>19</a:t>
             </a:fld>
             <a:endParaRPr lang="it-CH"/>
           </a:p>
@@ -1336,7 +1328,7 @@
           <a:p>
             <a:fld id="{FD2CFA8D-4E29-41DB-B61B-69A41B9506B3}" type="slidenum">
               <a:rPr lang="it-CH" smtClean="0"/>
-              <a:t>26</a:t>
+              <a:t>20</a:t>
             </a:fld>
             <a:endParaRPr lang="it-CH"/>
           </a:p>
@@ -1450,7 +1442,7 @@
           <a:p>
             <a:fld id="{FD2CFA8D-4E29-41DB-B61B-69A41B9506B3}" type="slidenum">
               <a:rPr lang="it-CH" smtClean="0"/>
-              <a:t>27</a:t>
+              <a:t>21</a:t>
             </a:fld>
             <a:endParaRPr lang="it-CH"/>
           </a:p>
@@ -1558,7 +1550,7 @@
           <a:p>
             <a:fld id="{FD2CFA8D-4E29-41DB-B61B-69A41B9506B3}" type="slidenum">
               <a:rPr lang="it-CH" smtClean="0"/>
-              <a:t>28</a:t>
+              <a:t>22</a:t>
             </a:fld>
             <a:endParaRPr lang="it-CH"/>
           </a:p>
@@ -1652,7 +1644,7 @@
           <a:p>
             <a:fld id="{FD2CFA8D-4E29-41DB-B61B-69A41B9506B3}" type="slidenum">
               <a:rPr lang="it-CH" smtClean="0"/>
-              <a:t>29</a:t>
+              <a:t>23</a:t>
             </a:fld>
             <a:endParaRPr lang="it-CH"/>
           </a:p>
@@ -1745,7 +1737,7 @@
     </p:spTree>
     <p:extLst>
       <p:ext uri="{BB962C8B-B14F-4D97-AF65-F5344CB8AC3E}">
-        <p14:creationId xmlns:p14="http://schemas.microsoft.com/office/powerpoint/2010/main" val="1292887407"/>
+        <p14:creationId xmlns:p14="http://schemas.microsoft.com/office/powerpoint/2010/main" val="3923210020"/>
       </p:ext>
     </p:extLst>
   </p:cSld>
@@ -1908,7 +1900,7 @@
           <a:p>
             <a:fld id="{FD2CFA8D-4E29-41DB-B61B-69A41B9506B3}" type="slidenum">
               <a:rPr lang="it-CH" smtClean="0"/>
-              <a:t>30</a:t>
+              <a:t>24</a:t>
             </a:fld>
             <a:endParaRPr lang="it-CH"/>
           </a:p>
@@ -1992,7 +1984,7 @@
           <a:p>
             <a:fld id="{FD2CFA8D-4E29-41DB-B61B-69A41B9506B3}" type="slidenum">
               <a:rPr lang="it-CH" smtClean="0"/>
-              <a:t>31</a:t>
+              <a:t>25</a:t>
             </a:fld>
             <a:endParaRPr lang="it-CH"/>
           </a:p>
@@ -2106,7 +2098,7 @@
           <a:p>
             <a:fld id="{FD2CFA8D-4E29-41DB-B61B-69A41B9506B3}" type="slidenum">
               <a:rPr lang="it-CH" smtClean="0"/>
-              <a:t>35</a:t>
+              <a:t>29</a:t>
             </a:fld>
             <a:endParaRPr lang="it-CH"/>
           </a:p>
@@ -2220,7 +2212,7 @@
           <a:p>
             <a:fld id="{FD2CFA8D-4E29-41DB-B61B-69A41B9506B3}" type="slidenum">
               <a:rPr lang="it-CH" smtClean="0"/>
-              <a:t>36</a:t>
+              <a:t>30</a:t>
             </a:fld>
             <a:endParaRPr lang="it-CH"/>
           </a:p>
@@ -2334,7 +2326,7 @@
           <a:p>
             <a:fld id="{FD2CFA8D-4E29-41DB-B61B-69A41B9506B3}" type="slidenum">
               <a:rPr lang="it-CH" smtClean="0"/>
-              <a:t>37</a:t>
+              <a:t>31</a:t>
             </a:fld>
             <a:endParaRPr lang="it-CH"/>
           </a:p>
@@ -2705,7 +2697,7 @@
           <a:p>
             <a:fld id="{FD2CFA8D-4E29-41DB-B61B-69A41B9506B3}" type="slidenum">
               <a:rPr lang="it-CH" smtClean="0"/>
-              <a:t>38</a:t>
+              <a:t>32</a:t>
             </a:fld>
             <a:endParaRPr lang="it-CH"/>
           </a:p>
@@ -2859,7 +2851,7 @@
           <a:p>
             <a:fld id="{FD2CFA8D-4E29-41DB-B61B-69A41B9506B3}" type="slidenum">
               <a:rPr lang="it-CH" smtClean="0"/>
-              <a:t>39</a:t>
+              <a:t>33</a:t>
             </a:fld>
             <a:endParaRPr lang="it-CH"/>
           </a:p>
@@ -2952,7 +2944,7 @@
     </p:spTree>
     <p:extLst>
       <p:ext uri="{BB962C8B-B14F-4D97-AF65-F5344CB8AC3E}">
-        <p14:creationId xmlns:p14="http://schemas.microsoft.com/office/powerpoint/2010/main" val="3396993358"/>
+        <p14:creationId xmlns:p14="http://schemas.microsoft.com/office/powerpoint/2010/main" val="1292887407"/>
       </p:ext>
     </p:extLst>
   </p:cSld>
@@ -3036,7 +3028,7 @@
     </p:spTree>
     <p:extLst>
       <p:ext uri="{BB962C8B-B14F-4D97-AF65-F5344CB8AC3E}">
-        <p14:creationId xmlns:p14="http://schemas.microsoft.com/office/powerpoint/2010/main" val="3385343768"/>
+        <p14:creationId xmlns:p14="http://schemas.microsoft.com/office/powerpoint/2010/main" val="3396993358"/>
       </p:ext>
     </p:extLst>
   </p:cSld>
@@ -3120,7 +3112,7 @@
     </p:spTree>
     <p:extLst>
       <p:ext uri="{BB962C8B-B14F-4D97-AF65-F5344CB8AC3E}">
-        <p14:creationId xmlns:p14="http://schemas.microsoft.com/office/powerpoint/2010/main" val="3761628064"/>
+        <p14:creationId xmlns:p14="http://schemas.microsoft.com/office/powerpoint/2010/main" val="3385343768"/>
       </p:ext>
     </p:extLst>
   </p:cSld>
@@ -3204,7 +3196,7 @@
     </p:spTree>
     <p:extLst>
       <p:ext uri="{BB962C8B-B14F-4D97-AF65-F5344CB8AC3E}">
-        <p14:creationId xmlns:p14="http://schemas.microsoft.com/office/powerpoint/2010/main" val="4002916279"/>
+        <p14:creationId xmlns:p14="http://schemas.microsoft.com/office/powerpoint/2010/main" val="3761628064"/>
       </p:ext>
     </p:extLst>
   </p:cSld>
@@ -3288,7 +3280,7 @@
     </p:spTree>
     <p:extLst>
       <p:ext uri="{BB962C8B-B14F-4D97-AF65-F5344CB8AC3E}">
-        <p14:creationId xmlns:p14="http://schemas.microsoft.com/office/powerpoint/2010/main" val="2524988275"/>
+        <p14:creationId xmlns:p14="http://schemas.microsoft.com/office/powerpoint/2010/main" val="4002916279"/>
       </p:ext>
     </p:extLst>
   </p:cSld>
@@ -3658,7 +3650,7 @@
           <a:p>
             <a:fld id="{63937D59-5EDB-4C39-B697-625748F703B6}" type="datetimeFigureOut">
               <a:rPr lang="en-US" smtClean="0"/>
-              <a:t>5/24/2019</a:t>
+              <a:t>5/30/2019</a:t>
             </a:fld>
             <a:endParaRPr lang="en-US"/>
           </a:p>
@@ -3753,7 +3745,7 @@
           <a:p>
             <a:fld id="{63937D59-5EDB-4C39-B697-625748F703B6}" type="datetimeFigureOut">
               <a:rPr lang="en-US" smtClean="0"/>
-              <a:t>5/24/2019</a:t>
+              <a:t>5/30/2019</a:t>
             </a:fld>
             <a:endParaRPr lang="en-US"/>
           </a:p>
@@ -4028,7 +4020,7 @@
           <a:p>
             <a:fld id="{63937D59-5EDB-4C39-B697-625748F703B6}" type="datetimeFigureOut">
               <a:rPr lang="en-US" smtClean="0"/>
-              <a:t>5/24/2019</a:t>
+              <a:t>5/30/2019</a:t>
             </a:fld>
             <a:endParaRPr lang="en-US"/>
           </a:p>
@@ -4280,7 +4272,7 @@
           <a:p>
             <a:fld id="{63937D59-5EDB-4C39-B697-625748F703B6}" type="datetimeFigureOut">
               <a:rPr lang="en-US" smtClean="0"/>
-              <a:t>5/24/2019</a:t>
+              <a:t>5/30/2019</a:t>
             </a:fld>
             <a:endParaRPr lang="en-US"/>
           </a:p>
@@ -4448,7 +4440,7 @@
           <a:p>
             <a:fld id="{63937D59-5EDB-4C39-B697-625748F703B6}" type="datetimeFigureOut">
               <a:rPr lang="en-US" smtClean="0"/>
-              <a:t>5/24/2019</a:t>
+              <a:t>5/30/2019</a:t>
             </a:fld>
             <a:endParaRPr lang="en-US"/>
           </a:p>
@@ -4626,7 +4618,7 @@
           <a:p>
             <a:fld id="{63937D59-5EDB-4C39-B697-625748F703B6}" type="datetimeFigureOut">
               <a:rPr lang="en-US" smtClean="0"/>
-              <a:t>5/24/2019</a:t>
+              <a:t>5/30/2019</a:t>
             </a:fld>
             <a:endParaRPr lang="en-US"/>
           </a:p>
@@ -4678,184 +4670,6 @@
     <p:extLst>
       <p:ext uri="{BB962C8B-B14F-4D97-AF65-F5344CB8AC3E}">
         <p14:creationId xmlns:p14="http://schemas.microsoft.com/office/powerpoint/2010/main" val="4240091250"/>
-      </p:ext>
-    </p:extLst>
-  </p:cSld>
-  <p:clrMapOvr>
-    <a:masterClrMapping/>
-  </p:clrMapOvr>
-</p:sldLayout>
-</file>
-
-<file path=ppt/slideLayouts/slideLayout16.xml><?xml version="1.0" encoding="utf-8"?>
-<p:sldLayout xmlns:a="http://schemas.openxmlformats.org/drawingml/2006/main" xmlns:r="http://schemas.openxmlformats.org/officeDocument/2006/relationships" xmlns:p="http://schemas.openxmlformats.org/presentationml/2006/main" userDrawn="1">
-  <p:cSld name="1_Title and Content">
-    <p:bg>
-      <p:bgPr>
-        <a:blipFill dpi="0" rotWithShape="1">
-          <a:blip r:embed="rId2">
-            <a:lum/>
-          </a:blip>
-          <a:srcRect/>
-          <a:stretch>
-            <a:fillRect/>
-          </a:stretch>
-        </a:blipFill>
-        <a:effectLst/>
-      </p:bgPr>
-    </p:bg>
-    <p:spTree>
-      <p:nvGrpSpPr>
-        <p:cNvPr id="1" name=""/>
-        <p:cNvGrpSpPr/>
-        <p:nvPr/>
-      </p:nvGrpSpPr>
-      <p:grpSpPr>
-        <a:xfrm>
-          <a:off x="0" y="0"/>
-          <a:ext cx="0" cy="0"/>
-          <a:chOff x="0" y="0"/>
-          <a:chExt cx="0" cy="0"/>
-        </a:xfrm>
-      </p:grpSpPr>
-      <p:sp>
-        <p:nvSpPr>
-          <p:cNvPr id="2" name="Title 1"/>
-          <p:cNvSpPr>
-            <a:spLocks noGrp="1"/>
-          </p:cNvSpPr>
-          <p:nvPr>
-            <p:ph type="title" hasCustomPrompt="1"/>
-          </p:nvPr>
-        </p:nvSpPr>
-        <p:spPr>
-          <a:xfrm>
-            <a:off x="1619672" y="0"/>
-            <a:ext cx="7524328" cy="884466"/>
-          </a:xfrm>
-          <a:prstGeom prst="rect">
-            <a:avLst/>
-          </a:prstGeom>
-        </p:spPr>
-        <p:txBody>
-          <a:bodyPr anchor="ctr"/>
-          <a:lstStyle>
-            <a:lvl1pPr algn="l">
-              <a:defRPr>
-                <a:solidFill>
-                  <a:schemeClr val="tx1">
-                    <a:lumMod val="75000"/>
-                    <a:lumOff val="25000"/>
-                  </a:schemeClr>
-                </a:solidFill>
-                <a:latin typeface="Arial" pitchFamily="34" charset="0"/>
-                <a:cs typeface="Arial" pitchFamily="34" charset="0"/>
-              </a:defRPr>
-            </a:lvl1pPr>
-          </a:lstStyle>
-          <a:p>
-            <a:r>
-              <a:rPr lang="en-US" altLang="ko-KR" dirty="0"/>
-              <a:t>Free PPT _ Click to add title</a:t>
-            </a:r>
-            <a:endParaRPr lang="ko-KR" altLang="en-US" dirty="0"/>
-          </a:p>
-        </p:txBody>
-      </p:sp>
-      <p:sp>
-        <p:nvSpPr>
-          <p:cNvPr id="4" name="Content Placeholder 2"/>
-          <p:cNvSpPr>
-            <a:spLocks noGrp="1"/>
-          </p:cNvSpPr>
-          <p:nvPr>
-            <p:ph idx="1"/>
-          </p:nvPr>
-        </p:nvSpPr>
-        <p:spPr>
-          <a:xfrm>
-            <a:off x="1979712" y="987574"/>
-            <a:ext cx="6912768" cy="460648"/>
-          </a:xfrm>
-          <a:prstGeom prst="rect">
-            <a:avLst/>
-          </a:prstGeom>
-        </p:spPr>
-        <p:txBody>
-          <a:bodyPr anchor="ctr"/>
-          <a:lstStyle>
-            <a:lvl1pPr marL="0" indent="0">
-              <a:buNone/>
-              <a:defRPr sz="2000">
-                <a:solidFill>
-                  <a:schemeClr val="tx1">
-                    <a:lumMod val="75000"/>
-                    <a:lumOff val="25000"/>
-                  </a:schemeClr>
-                </a:solidFill>
-                <a:latin typeface="Arial" pitchFamily="34" charset="0"/>
-                <a:cs typeface="Arial" pitchFamily="34" charset="0"/>
-              </a:defRPr>
-            </a:lvl1pPr>
-          </a:lstStyle>
-          <a:p>
-            <a:pPr lvl="0"/>
-            <a:r>
-              <a:rPr lang="en-US" altLang="ko-KR" dirty="0"/>
-              <a:t>Click to edit Master text styles</a:t>
-            </a:r>
-          </a:p>
-        </p:txBody>
-      </p:sp>
-      <p:sp>
-        <p:nvSpPr>
-          <p:cNvPr id="5" name="Content Placeholder 2"/>
-          <p:cNvSpPr>
-            <a:spLocks noGrp="1"/>
-          </p:cNvSpPr>
-          <p:nvPr>
-            <p:ph idx="10"/>
-          </p:nvPr>
-        </p:nvSpPr>
-        <p:spPr>
-          <a:xfrm>
-            <a:off x="1990056" y="1664245"/>
-            <a:ext cx="6912768" cy="2995737"/>
-          </a:xfrm>
-          <a:prstGeom prst="rect">
-            <a:avLst/>
-          </a:prstGeom>
-        </p:spPr>
-        <p:txBody>
-          <a:bodyPr lIns="396000" anchor="t"/>
-          <a:lstStyle>
-            <a:lvl1pPr marL="0" indent="0">
-              <a:buNone/>
-              <a:defRPr sz="1400">
-                <a:solidFill>
-                  <a:schemeClr val="tx1">
-                    <a:lumMod val="75000"/>
-                    <a:lumOff val="25000"/>
-                  </a:schemeClr>
-                </a:solidFill>
-                <a:latin typeface="Arial" pitchFamily="34" charset="0"/>
-                <a:cs typeface="Arial" pitchFamily="34" charset="0"/>
-              </a:defRPr>
-            </a:lvl1pPr>
-          </a:lstStyle>
-          <a:p>
-            <a:pPr lvl="0"/>
-            <a:r>
-              <a:rPr lang="en-US" altLang="ko-KR" dirty="0"/>
-              <a:t>Click to edit Master text styles</a:t>
-            </a:r>
-          </a:p>
-        </p:txBody>
-      </p:sp>
-    </p:spTree>
-    <p:extLst>
-      <p:ext uri="{BB962C8B-B14F-4D97-AF65-F5344CB8AC3E}">
-        <p14:creationId xmlns:p14="http://schemas.microsoft.com/office/powerpoint/2010/main" val="665218549"/>
       </p:ext>
     </p:extLst>
   </p:cSld>
@@ -5452,7 +5266,7 @@
           <a:p>
             <a:fld id="{63937D59-5EDB-4C39-B697-625748F703B6}" type="datetimeFigureOut">
               <a:rPr lang="en-US" smtClean="0"/>
-              <a:t>5/24/2019</a:t>
+              <a:t>5/30/2019</a:t>
             </a:fld>
             <a:endParaRPr lang="en-US"/>
           </a:p>
@@ -5708,7 +5522,7 @@
           <a:p>
             <a:fld id="{63937D59-5EDB-4C39-B697-625748F703B6}" type="datetimeFigureOut">
               <a:rPr lang="en-US" smtClean="0"/>
-              <a:t>5/24/2019</a:t>
+              <a:t>5/30/2019</a:t>
             </a:fld>
             <a:endParaRPr lang="en-US"/>
           </a:p>
@@ -5876,7 +5690,7 @@
           <a:p>
             <a:fld id="{63937D59-5EDB-4C39-B697-625748F703B6}" type="datetimeFigureOut">
               <a:rPr lang="en-US" smtClean="0"/>
-              <a:t>5/24/2019</a:t>
+              <a:t>5/30/2019</a:t>
             </a:fld>
             <a:endParaRPr lang="en-US"/>
           </a:p>
@@ -6121,7 +5935,7 @@
           <a:p>
             <a:fld id="{63937D59-5EDB-4C39-B697-625748F703B6}" type="datetimeFigureOut">
               <a:rPr lang="en-US" smtClean="0"/>
-              <a:t>5/24/2019</a:t>
+              <a:t>5/30/2019</a:t>
             </a:fld>
             <a:endParaRPr lang="en-US"/>
           </a:p>
@@ -6406,7 +6220,7 @@
           <a:p>
             <a:fld id="{63937D59-5EDB-4C39-B697-625748F703B6}" type="datetimeFigureOut">
               <a:rPr lang="en-US" smtClean="0"/>
-              <a:t>5/24/2019</a:t>
+              <a:t>5/30/2019</a:t>
             </a:fld>
             <a:endParaRPr lang="en-US"/>
           </a:p>
@@ -6825,7 +6639,7 @@
           <a:p>
             <a:fld id="{63937D59-5EDB-4C39-B697-625748F703B6}" type="datetimeFigureOut">
               <a:rPr lang="en-US" smtClean="0"/>
-              <a:t>5/24/2019</a:t>
+              <a:t>5/30/2019</a:t>
             </a:fld>
             <a:endParaRPr lang="en-US"/>
           </a:p>
@@ -7328,7 +7142,7 @@
           <a:p>
             <a:fld id="{63937D59-5EDB-4C39-B697-625748F703B6}" type="datetimeFigureOut">
               <a:rPr lang="en-US" smtClean="0"/>
-              <a:t>5/24/2019</a:t>
+              <a:t>5/30/2019</a:t>
             </a:fld>
             <a:endParaRPr lang="en-US"/>
           </a:p>
@@ -7432,7 +7246,6 @@
     <p:sldLayoutId id="2147483670" r:id="rId9"/>
     <p:sldLayoutId id="2147483671" r:id="rId10"/>
     <p:sldLayoutId id="2147483672" r:id="rId11"/>
-    <p:sldLayoutId id="2147483674" r:id="rId12"/>
   </p:sldLayoutIdLst>
   <p:txStyles>
     <p:titleStyle>
@@ -7963,13 +7776,13 @@
   <p:clrMapOvr>
     <a:masterClrMapping/>
   </p:clrMapOvr>
-  <mc:AlternateContent xmlns:mc="http://schemas.openxmlformats.org/markup-compatibility/2006" xmlns:p159="http://schemas.microsoft.com/office/powerpoint/2015/09/main">
-    <mc:Choice Requires="p159">
+  <mc:AlternateContent xmlns:mc="http://schemas.openxmlformats.org/markup-compatibility/2006">
+    <mc:Choice xmlns:p159="http://schemas.microsoft.com/office/powerpoint/2015/09/main" xmlns="" Requires="p159">
       <p:transition xmlns:p14="http://schemas.microsoft.com/office/powerpoint/2010/main" spd="slow" p14:dur="2000">
         <p159:morph option="byWord"/>
       </p:transition>
     </mc:Choice>
-    <mc:Fallback xmlns="">
+    <mc:Fallback>
       <p:transition spd="slow">
         <p:fade/>
       </p:transition>
@@ -8000,7 +7813,7 @@
           <p:cNvPr id="2" name="Titolo 1">
             <a:extLst>
               <a:ext uri="{FF2B5EF4-FFF2-40B4-BE49-F238E27FC236}">
-                <a16:creationId xmlns:a16="http://schemas.microsoft.com/office/drawing/2014/main" id="{43E3691C-E7C5-4E7F-886F-719EBDEB9EFA}"/>
+                <a16:creationId xmlns:a16="http://schemas.microsoft.com/office/drawing/2014/main" xmlns="" id="{43E3691C-E7C5-4E7F-886F-719EBDEB9EFA}"/>
               </a:ext>
             </a:extLst>
           </p:cNvPr>
@@ -8022,9 +7835,10 @@
           <a:lstStyle/>
           <a:p>
             <a:r>
-              <a:rPr lang="it-CH" dirty="0"/>
-              <a:t>ARCHITETTURA DEL SISTEMA</a:t>
-            </a:r>
+              <a:rPr lang="it-CH" dirty="0" smtClean="0"/>
+              <a:t>SUDDIVISIONE DEI COMPITI</a:t>
+            </a:r>
+            <a:endParaRPr lang="it-CH" dirty="0"/>
           </a:p>
         </p:txBody>
       </p:sp>
@@ -8033,7 +7847,7 @@
           <p:cNvPr id="3" name="Segnaposto contenuto 2">
             <a:extLst>
               <a:ext uri="{FF2B5EF4-FFF2-40B4-BE49-F238E27FC236}">
-                <a16:creationId xmlns:a16="http://schemas.microsoft.com/office/drawing/2014/main" id="{115FDC09-7D9E-4775-A49D-99C41027671D}"/>
+                <a16:creationId xmlns:a16="http://schemas.microsoft.com/office/drawing/2014/main" xmlns="" id="{115FDC09-7D9E-4775-A49D-99C41027671D}"/>
               </a:ext>
             </a:extLst>
           </p:cNvPr>
@@ -8062,10 +7876,26 @@
               <a:buChar char="•"/>
             </a:pPr>
             <a:r>
-              <a:rPr lang="it-CH" sz="2800" dirty="0" err="1"/>
+              <a:rPr lang="it-CH" sz="2800" dirty="0" err="1" smtClean="0"/>
               <a:t>DroneController</a:t>
             </a:r>
-            <a:endParaRPr lang="it-CH" sz="2800" dirty="0"/>
+            <a:r>
+              <a:rPr lang="it-CH" sz="2800" dirty="0"/>
+              <a:t> </a:t>
+            </a:r>
+            <a:r>
+              <a:rPr lang="it-CH" sz="1800" dirty="0" smtClean="0"/>
+              <a:t>(</a:t>
+            </a:r>
+            <a:r>
+              <a:rPr lang="it-CH" sz="1800" dirty="0" err="1" smtClean="0"/>
+              <a:t>Fadil</a:t>
+            </a:r>
+            <a:r>
+              <a:rPr lang="it-CH" sz="1800" dirty="0" smtClean="0"/>
+              <a:t> e Luca)</a:t>
+            </a:r>
+            <a:endParaRPr lang="it-CH" sz="1800" dirty="0"/>
           </a:p>
           <a:p>
             <a:pPr marL="342900" indent="-342900">
@@ -8076,10 +7906,26 @@
               <a:buChar char="•"/>
             </a:pPr>
             <a:r>
-              <a:rPr lang="it-CH" sz="2800" dirty="0" err="1"/>
+              <a:rPr lang="it-CH" sz="2800" dirty="0" err="1" smtClean="0"/>
               <a:t>DroneSimulator</a:t>
             </a:r>
-            <a:endParaRPr lang="it-CH" sz="2800" dirty="0"/>
+            <a:r>
+              <a:rPr lang="it-CH" sz="2800" dirty="0" smtClean="0"/>
+              <a:t> </a:t>
+            </a:r>
+            <a:r>
+              <a:rPr lang="it-CH" sz="1800" dirty="0" smtClean="0"/>
+              <a:t>(</a:t>
+            </a:r>
+            <a:r>
+              <a:rPr lang="it-CH" sz="1800" dirty="0" err="1" smtClean="0"/>
+              <a:t>Jari</a:t>
+            </a:r>
+            <a:r>
+              <a:rPr lang="it-CH" sz="1800" dirty="0" smtClean="0"/>
+              <a:t> e Andrea)</a:t>
+            </a:r>
+            <a:endParaRPr lang="it-CH" sz="1800" dirty="0"/>
           </a:p>
         </p:txBody>
       </p:sp>
@@ -8088,7 +7934,7 @@
           <p:cNvPr id="11" name="Picture 2" descr="Risultati immagini per drawing compass icon png">
             <a:extLst>
               <a:ext uri="{FF2B5EF4-FFF2-40B4-BE49-F238E27FC236}">
-                <a16:creationId xmlns:a16="http://schemas.microsoft.com/office/drawing/2014/main" id="{86E9AE74-996D-4422-87C9-670486194E12}"/>
+                <a16:creationId xmlns:a16="http://schemas.microsoft.com/office/drawing/2014/main" xmlns="" id="{86E9AE74-996D-4422-87C9-670486194E12}"/>
               </a:ext>
             </a:extLst>
           </p:cNvPr>
@@ -8140,13 +7986,13 @@
   <p:clrMapOvr>
     <a:masterClrMapping/>
   </p:clrMapOvr>
-  <mc:AlternateContent xmlns:mc="http://schemas.openxmlformats.org/markup-compatibility/2006" xmlns:p159="http://schemas.microsoft.com/office/powerpoint/2015/09/main">
-    <mc:Choice Requires="p159">
+  <mc:AlternateContent xmlns:mc="http://schemas.openxmlformats.org/markup-compatibility/2006">
+    <mc:Choice xmlns:p159="http://schemas.microsoft.com/office/powerpoint/2015/09/main" xmlns="" Requires="p159">
       <p:transition xmlns:p14="http://schemas.microsoft.com/office/powerpoint/2010/main" spd="slow" p14:dur="2000">
         <p159:morph option="byWord"/>
       </p:transition>
     </mc:Choice>
-    <mc:Fallback xmlns="">
+    <mc:Fallback>
       <p:transition spd="slow">
         <p:fade/>
       </p:transition>
@@ -8177,7 +8023,7 @@
           <p:cNvPr id="4" name="Immagine 3">
             <a:extLst>
               <a:ext uri="{FF2B5EF4-FFF2-40B4-BE49-F238E27FC236}">
-                <a16:creationId xmlns:a16="http://schemas.microsoft.com/office/drawing/2014/main" id="{2B8F7693-77E0-46D7-A71B-EB51867D50C3}"/>
+                <a16:creationId xmlns:a16="http://schemas.microsoft.com/office/drawing/2014/main" xmlns="" id="{2B8F7693-77E0-46D7-A71B-EB51867D50C3}"/>
               </a:ext>
             </a:extLst>
           </p:cNvPr>
@@ -8218,13 +8064,13 @@
   <p:clrMapOvr>
     <a:masterClrMapping/>
   </p:clrMapOvr>
-  <mc:AlternateContent xmlns:mc="http://schemas.openxmlformats.org/markup-compatibility/2006" xmlns:p159="http://schemas.microsoft.com/office/powerpoint/2015/09/main">
-    <mc:Choice Requires="p159">
+  <mc:AlternateContent xmlns:mc="http://schemas.openxmlformats.org/markup-compatibility/2006">
+    <mc:Choice xmlns:p159="http://schemas.microsoft.com/office/powerpoint/2015/09/main" xmlns="" Requires="p159">
       <p:transition xmlns:p14="http://schemas.microsoft.com/office/powerpoint/2010/main" spd="slow" p14:dur="2000">
         <p159:morph option="byWord"/>
       </p:transition>
     </mc:Choice>
-    <mc:Fallback xmlns="">
+    <mc:Fallback>
       <p:transition spd="slow">
         <p:fade/>
       </p:transition>
@@ -8234,421 +8080,6 @@
 </file>
 
 <file path=ppt/slides/slide12.xml><?xml version="1.0" encoding="utf-8"?>
-<p:sld xmlns:a="http://schemas.openxmlformats.org/drawingml/2006/main" xmlns:r="http://schemas.openxmlformats.org/officeDocument/2006/relationships" xmlns:p="http://schemas.openxmlformats.org/presentationml/2006/main">
-  <p:cSld>
-    <p:spTree>
-      <p:nvGrpSpPr>
-        <p:cNvPr id="1" name=""/>
-        <p:cNvGrpSpPr/>
-        <p:nvPr/>
-      </p:nvGrpSpPr>
-      <p:grpSpPr>
-        <a:xfrm>
-          <a:off x="0" y="0"/>
-          <a:ext cx="0" cy="0"/>
-          <a:chOff x="0" y="0"/>
-          <a:chExt cx="0" cy="0"/>
-        </a:xfrm>
-      </p:grpSpPr>
-      <p:pic>
-        <p:nvPicPr>
-          <p:cNvPr id="5" name="Immagine 4">
-            <a:extLst>
-              <a:ext uri="{FF2B5EF4-FFF2-40B4-BE49-F238E27FC236}">
-                <a16:creationId xmlns:a16="http://schemas.microsoft.com/office/drawing/2014/main" id="{4DE7A639-53AD-4166-AAEA-1439CB9C66FF}"/>
-              </a:ext>
-            </a:extLst>
-          </p:cNvPr>
-          <p:cNvPicPr>
-            <a:picLocks noChangeAspect="1"/>
-          </p:cNvPicPr>
-          <p:nvPr/>
-        </p:nvPicPr>
-        <p:blipFill>
-          <a:blip r:embed="rId2">
-            <a:extLst>
-              <a:ext uri="{28A0092B-C50C-407E-A947-70E740481C1C}">
-                <a14:useLocalDpi xmlns:a14="http://schemas.microsoft.com/office/drawing/2010/main" val="0"/>
-              </a:ext>
-            </a:extLst>
-          </a:blip>
-          <a:stretch>
-            <a:fillRect/>
-          </a:stretch>
-        </p:blipFill>
-        <p:spPr>
-          <a:xfrm>
-            <a:off x="2987824" y="0"/>
-            <a:ext cx="3384376" cy="5143500"/>
-          </a:xfrm>
-          <a:prstGeom prst="rect">
-            <a:avLst/>
-          </a:prstGeom>
-        </p:spPr>
-      </p:pic>
-      <p:sp>
-        <p:nvSpPr>
-          <p:cNvPr id="6" name="Segnaposto contenuto 2">
-            <a:extLst>
-              <a:ext uri="{FF2B5EF4-FFF2-40B4-BE49-F238E27FC236}">
-                <a16:creationId xmlns:a16="http://schemas.microsoft.com/office/drawing/2014/main" id="{689FCB09-D2DF-40DD-9866-0C7BA1BF3BBA}"/>
-              </a:ext>
-            </a:extLst>
-          </p:cNvPr>
-          <p:cNvSpPr>
-            <a:spLocks noGrp="1"/>
-          </p:cNvSpPr>
-          <p:nvPr>
-            <p:ph idx="1"/>
-          </p:nvPr>
-        </p:nvSpPr>
-        <p:spPr>
-          <a:xfrm>
-            <a:off x="-612576" y="627534"/>
-            <a:ext cx="2736304" cy="5400600"/>
-          </a:xfrm>
-        </p:spPr>
-        <p:txBody>
-          <a:bodyPr vert="wordArtVert"/>
-          <a:lstStyle/>
-          <a:p>
-            <a:r>
-              <a:rPr lang="it-CH" sz="1800" dirty="0">
-                <a:solidFill>
-                  <a:schemeClr val="bg1"/>
-                </a:solidFill>
-              </a:rPr>
-              <a:t>COMMUNICATION</a:t>
-            </a:r>
-          </a:p>
-        </p:txBody>
-      </p:sp>
-    </p:spTree>
-    <p:extLst>
-      <p:ext uri="{BB962C8B-B14F-4D97-AF65-F5344CB8AC3E}">
-        <p14:creationId xmlns:p14="http://schemas.microsoft.com/office/powerpoint/2010/main" val="3344951323"/>
-      </p:ext>
-    </p:extLst>
-  </p:cSld>
-  <p:clrMapOvr>
-    <a:masterClrMapping/>
-  </p:clrMapOvr>
-</p:sld>
-</file>
-
-<file path=ppt/slides/slide13.xml><?xml version="1.0" encoding="utf-8"?>
-<p:sld xmlns:a="http://schemas.openxmlformats.org/drawingml/2006/main" xmlns:r="http://schemas.openxmlformats.org/officeDocument/2006/relationships" xmlns:p="http://schemas.openxmlformats.org/presentationml/2006/main">
-  <p:cSld>
-    <p:spTree>
-      <p:nvGrpSpPr>
-        <p:cNvPr id="1" name=""/>
-        <p:cNvGrpSpPr/>
-        <p:nvPr/>
-      </p:nvGrpSpPr>
-      <p:grpSpPr>
-        <a:xfrm>
-          <a:off x="0" y="0"/>
-          <a:ext cx="0" cy="0"/>
-          <a:chOff x="0" y="0"/>
-          <a:chExt cx="0" cy="0"/>
-        </a:xfrm>
-      </p:grpSpPr>
-      <p:sp>
-        <p:nvSpPr>
-          <p:cNvPr id="6" name="Segnaposto contenuto 2">
-            <a:extLst>
-              <a:ext uri="{FF2B5EF4-FFF2-40B4-BE49-F238E27FC236}">
-                <a16:creationId xmlns:a16="http://schemas.microsoft.com/office/drawing/2014/main" id="{689FCB09-D2DF-40DD-9866-0C7BA1BF3BBA}"/>
-              </a:ext>
-            </a:extLst>
-          </p:cNvPr>
-          <p:cNvSpPr>
-            <a:spLocks noGrp="1"/>
-          </p:cNvSpPr>
-          <p:nvPr>
-            <p:ph idx="1"/>
-          </p:nvPr>
-        </p:nvSpPr>
-        <p:spPr>
-          <a:xfrm>
-            <a:off x="-612576" y="195486"/>
-            <a:ext cx="2736304" cy="4392488"/>
-          </a:xfrm>
-        </p:spPr>
-        <p:txBody>
-          <a:bodyPr vert="wordArtVert"/>
-          <a:lstStyle/>
-          <a:p>
-            <a:pPr algn="ctr"/>
-            <a:r>
-              <a:rPr lang="it-CH" sz="1800" dirty="0">
-                <a:solidFill>
-                  <a:schemeClr val="bg1"/>
-                </a:solidFill>
-              </a:rPr>
-              <a:t>CONTROLLER</a:t>
-            </a:r>
-          </a:p>
-        </p:txBody>
-      </p:sp>
-      <p:pic>
-        <p:nvPicPr>
-          <p:cNvPr id="3" name="Immagine 2">
-            <a:extLst>
-              <a:ext uri="{FF2B5EF4-FFF2-40B4-BE49-F238E27FC236}">
-                <a16:creationId xmlns:a16="http://schemas.microsoft.com/office/drawing/2014/main" id="{F73A68B3-4E6E-4C4C-8B62-FC342F6346B4}"/>
-              </a:ext>
-            </a:extLst>
-          </p:cNvPr>
-          <p:cNvPicPr>
-            <a:picLocks noChangeAspect="1"/>
-          </p:cNvPicPr>
-          <p:nvPr/>
-        </p:nvPicPr>
-        <p:blipFill>
-          <a:blip r:embed="rId2">
-            <a:extLst>
-              <a:ext uri="{28A0092B-C50C-407E-A947-70E740481C1C}">
-                <a14:useLocalDpi xmlns:a14="http://schemas.microsoft.com/office/drawing/2010/main" val="0"/>
-              </a:ext>
-            </a:extLst>
-          </a:blip>
-          <a:stretch>
-            <a:fillRect/>
-          </a:stretch>
-        </p:blipFill>
-        <p:spPr>
-          <a:xfrm>
-            <a:off x="2670258" y="0"/>
-            <a:ext cx="3803483" cy="5143500"/>
-          </a:xfrm>
-          <a:prstGeom prst="rect">
-            <a:avLst/>
-          </a:prstGeom>
-        </p:spPr>
-      </p:pic>
-    </p:spTree>
-    <p:extLst>
-      <p:ext uri="{BB962C8B-B14F-4D97-AF65-F5344CB8AC3E}">
-        <p14:creationId xmlns:p14="http://schemas.microsoft.com/office/powerpoint/2010/main" val="266128304"/>
-      </p:ext>
-    </p:extLst>
-  </p:cSld>
-  <p:clrMapOvr>
-    <a:masterClrMapping/>
-  </p:clrMapOvr>
-</p:sld>
-</file>
-
-<file path=ppt/slides/slide14.xml><?xml version="1.0" encoding="utf-8"?>
-<p:sld xmlns:a="http://schemas.openxmlformats.org/drawingml/2006/main" xmlns:r="http://schemas.openxmlformats.org/officeDocument/2006/relationships" xmlns:p="http://schemas.openxmlformats.org/presentationml/2006/main">
-  <p:cSld>
-    <p:spTree>
-      <p:nvGrpSpPr>
-        <p:cNvPr id="1" name=""/>
-        <p:cNvGrpSpPr/>
-        <p:nvPr/>
-      </p:nvGrpSpPr>
-      <p:grpSpPr>
-        <a:xfrm>
-          <a:off x="0" y="0"/>
-          <a:ext cx="0" cy="0"/>
-          <a:chOff x="0" y="0"/>
-          <a:chExt cx="0" cy="0"/>
-        </a:xfrm>
-      </p:grpSpPr>
-      <p:sp>
-        <p:nvSpPr>
-          <p:cNvPr id="6" name="Segnaposto contenuto 2">
-            <a:extLst>
-              <a:ext uri="{FF2B5EF4-FFF2-40B4-BE49-F238E27FC236}">
-                <a16:creationId xmlns:a16="http://schemas.microsoft.com/office/drawing/2014/main" id="{689FCB09-D2DF-40DD-9866-0C7BA1BF3BBA}"/>
-              </a:ext>
-            </a:extLst>
-          </p:cNvPr>
-          <p:cNvSpPr>
-            <a:spLocks noGrp="1"/>
-          </p:cNvSpPr>
-          <p:nvPr>
-            <p:ph idx="1"/>
-          </p:nvPr>
-        </p:nvSpPr>
-        <p:spPr>
-          <a:xfrm>
-            <a:off x="-612576" y="195486"/>
-            <a:ext cx="2736304" cy="4392488"/>
-          </a:xfrm>
-        </p:spPr>
-        <p:txBody>
-          <a:bodyPr vert="wordArtVert"/>
-          <a:lstStyle/>
-          <a:p>
-            <a:pPr algn="ctr"/>
-            <a:r>
-              <a:rPr lang="it-CH" sz="1800" dirty="0">
-                <a:solidFill>
-                  <a:schemeClr val="bg1"/>
-                </a:solidFill>
-              </a:rPr>
-              <a:t>GUI</a:t>
-            </a:r>
-          </a:p>
-        </p:txBody>
-      </p:sp>
-      <p:pic>
-        <p:nvPicPr>
-          <p:cNvPr id="4" name="Immagine 3">
-            <a:extLst>
-              <a:ext uri="{FF2B5EF4-FFF2-40B4-BE49-F238E27FC236}">
-                <a16:creationId xmlns:a16="http://schemas.microsoft.com/office/drawing/2014/main" id="{B24E6179-B52C-4EF7-8087-3C35AB01D911}"/>
-              </a:ext>
-            </a:extLst>
-          </p:cNvPr>
-          <p:cNvPicPr>
-            <a:picLocks noChangeAspect="1"/>
-          </p:cNvPicPr>
-          <p:nvPr/>
-        </p:nvPicPr>
-        <p:blipFill>
-          <a:blip r:embed="rId2">
-            <a:extLst>
-              <a:ext uri="{28A0092B-C50C-407E-A947-70E740481C1C}">
-                <a14:useLocalDpi xmlns:a14="http://schemas.microsoft.com/office/drawing/2010/main" val="0"/>
-              </a:ext>
-            </a:extLst>
-          </a:blip>
-          <a:stretch>
-            <a:fillRect/>
-          </a:stretch>
-        </p:blipFill>
-        <p:spPr>
-          <a:xfrm>
-            <a:off x="2339752" y="261937"/>
-            <a:ext cx="5534025" cy="4619625"/>
-          </a:xfrm>
-          <a:prstGeom prst="rect">
-            <a:avLst/>
-          </a:prstGeom>
-        </p:spPr>
-      </p:pic>
-    </p:spTree>
-    <p:extLst>
-      <p:ext uri="{BB962C8B-B14F-4D97-AF65-F5344CB8AC3E}">
-        <p14:creationId xmlns:p14="http://schemas.microsoft.com/office/powerpoint/2010/main" val="1978867463"/>
-      </p:ext>
-    </p:extLst>
-  </p:cSld>
-  <p:clrMapOvr>
-    <a:masterClrMapping/>
-  </p:clrMapOvr>
-</p:sld>
-</file>
-
-<file path=ppt/slides/slide15.xml><?xml version="1.0" encoding="utf-8"?>
-<p:sld xmlns:a="http://schemas.openxmlformats.org/drawingml/2006/main" xmlns:r="http://schemas.openxmlformats.org/officeDocument/2006/relationships" xmlns:p="http://schemas.openxmlformats.org/presentationml/2006/main">
-  <p:cSld>
-    <p:spTree>
-      <p:nvGrpSpPr>
-        <p:cNvPr id="1" name=""/>
-        <p:cNvGrpSpPr/>
-        <p:nvPr/>
-      </p:nvGrpSpPr>
-      <p:grpSpPr>
-        <a:xfrm>
-          <a:off x="0" y="0"/>
-          <a:ext cx="0" cy="0"/>
-          <a:chOff x="0" y="0"/>
-          <a:chExt cx="0" cy="0"/>
-        </a:xfrm>
-      </p:grpSpPr>
-      <p:sp>
-        <p:nvSpPr>
-          <p:cNvPr id="6" name="Segnaposto contenuto 2">
-            <a:extLst>
-              <a:ext uri="{FF2B5EF4-FFF2-40B4-BE49-F238E27FC236}">
-                <a16:creationId xmlns:a16="http://schemas.microsoft.com/office/drawing/2014/main" id="{689FCB09-D2DF-40DD-9866-0C7BA1BF3BBA}"/>
-              </a:ext>
-            </a:extLst>
-          </p:cNvPr>
-          <p:cNvSpPr>
-            <a:spLocks noGrp="1"/>
-          </p:cNvSpPr>
-          <p:nvPr>
-            <p:ph idx="1"/>
-          </p:nvPr>
-        </p:nvSpPr>
-        <p:spPr>
-          <a:xfrm>
-            <a:off x="-612576" y="195486"/>
-            <a:ext cx="2736304" cy="4392488"/>
-          </a:xfrm>
-        </p:spPr>
-        <p:txBody>
-          <a:bodyPr vert="wordArtVert"/>
-          <a:lstStyle/>
-          <a:p>
-            <a:pPr algn="ctr"/>
-            <a:r>
-              <a:rPr lang="it-CH" sz="1800" dirty="0">
-                <a:solidFill>
-                  <a:schemeClr val="bg1"/>
-                </a:solidFill>
-              </a:rPr>
-              <a:t>RECORDER</a:t>
-            </a:r>
-          </a:p>
-        </p:txBody>
-      </p:sp>
-      <p:pic>
-        <p:nvPicPr>
-          <p:cNvPr id="3" name="Immagine 2">
-            <a:extLst>
-              <a:ext uri="{FF2B5EF4-FFF2-40B4-BE49-F238E27FC236}">
-                <a16:creationId xmlns:a16="http://schemas.microsoft.com/office/drawing/2014/main" id="{33ED0E58-B42E-427D-9AF6-ABCA77080827}"/>
-              </a:ext>
-            </a:extLst>
-          </p:cNvPr>
-          <p:cNvPicPr>
-            <a:picLocks noChangeAspect="1"/>
-          </p:cNvPicPr>
-          <p:nvPr/>
-        </p:nvPicPr>
-        <p:blipFill>
-          <a:blip r:embed="rId2">
-            <a:extLst>
-              <a:ext uri="{28A0092B-C50C-407E-A947-70E740481C1C}">
-                <a14:useLocalDpi xmlns:a14="http://schemas.microsoft.com/office/drawing/2010/main" val="0"/>
-              </a:ext>
-            </a:extLst>
-          </a:blip>
-          <a:stretch>
-            <a:fillRect/>
-          </a:stretch>
-        </p:blipFill>
-        <p:spPr>
-          <a:xfrm>
-            <a:off x="2771800" y="223809"/>
-            <a:ext cx="5019675" cy="4695825"/>
-          </a:xfrm>
-          <a:prstGeom prst="rect">
-            <a:avLst/>
-          </a:prstGeom>
-        </p:spPr>
-      </p:pic>
-    </p:spTree>
-    <p:extLst>
-      <p:ext uri="{BB962C8B-B14F-4D97-AF65-F5344CB8AC3E}">
-        <p14:creationId xmlns:p14="http://schemas.microsoft.com/office/powerpoint/2010/main" val="2523388772"/>
-      </p:ext>
-    </p:extLst>
-  </p:cSld>
-  <p:clrMapOvr>
-    <a:masterClrMapping/>
-  </p:clrMapOvr>
-</p:sld>
-</file>
-
-<file path=ppt/slides/slide16.xml><?xml version="1.0" encoding="utf-8"?>
 <p:sld xmlns:a="http://schemas.openxmlformats.org/drawingml/2006/main" xmlns:r="http://schemas.openxmlformats.org/officeDocument/2006/relationships" xmlns:p="http://schemas.openxmlformats.org/presentationml/2006/main">
   <p:cSld>
     <p:bg>
@@ -8678,7 +8109,7 @@
           <p:cNvPr id="2" name="Segnaposto contenuto 6">
             <a:extLst>
               <a:ext uri="{FF2B5EF4-FFF2-40B4-BE49-F238E27FC236}">
-                <a16:creationId xmlns:a16="http://schemas.microsoft.com/office/drawing/2014/main" id="{8A7B6934-FC8E-418A-88F9-489CDDD1CCAE}"/>
+                <a16:creationId xmlns:a16="http://schemas.microsoft.com/office/drawing/2014/main" xmlns="" id="{8A7B6934-FC8E-418A-88F9-489CDDD1CCAE}"/>
               </a:ext>
             </a:extLst>
           </p:cNvPr>
@@ -8719,13 +8150,13 @@
   <p:clrMapOvr>
     <a:masterClrMapping/>
   </p:clrMapOvr>
-  <mc:AlternateContent xmlns:mc="http://schemas.openxmlformats.org/markup-compatibility/2006" xmlns:p159="http://schemas.microsoft.com/office/powerpoint/2015/09/main">
-    <mc:Choice Requires="p159">
+  <mc:AlternateContent xmlns:mc="http://schemas.openxmlformats.org/markup-compatibility/2006">
+    <mc:Choice xmlns:p159="http://schemas.microsoft.com/office/powerpoint/2015/09/main" xmlns="" Requires="p159">
       <p:transition xmlns:p14="http://schemas.microsoft.com/office/powerpoint/2010/main" spd="slow" p14:dur="2000">
         <p159:morph option="byWord"/>
       </p:transition>
     </mc:Choice>
-    <mc:Fallback xmlns="">
+    <mc:Fallback>
       <p:transition spd="slow">
         <p:fade/>
       </p:transition>
@@ -8734,7 +8165,7 @@
 </p:sld>
 </file>
 
-<file path=ppt/slides/slide17.xml><?xml version="1.0" encoding="utf-8"?>
+<file path=ppt/slides/slide13.xml><?xml version="1.0" encoding="utf-8"?>
 <p:sld xmlns:a="http://schemas.openxmlformats.org/drawingml/2006/main" xmlns:r="http://schemas.openxmlformats.org/officeDocument/2006/relationships" xmlns:p="http://schemas.openxmlformats.org/presentationml/2006/main">
   <p:cSld>
     <p:spTree>
@@ -8756,7 +8187,7 @@
           <p:cNvPr id="4" name="Segnaposto contenuto 4">
             <a:extLst>
               <a:ext uri="{FF2B5EF4-FFF2-40B4-BE49-F238E27FC236}">
-                <a16:creationId xmlns:a16="http://schemas.microsoft.com/office/drawing/2014/main" id="{06724221-2A70-4FF3-AF58-4AD43A923749}"/>
+                <a16:creationId xmlns:a16="http://schemas.microsoft.com/office/drawing/2014/main" xmlns="" id="{06724221-2A70-4FF3-AF58-4AD43A923749}"/>
               </a:ext>
             </a:extLst>
           </p:cNvPr>
@@ -8796,13 +8227,13 @@
   <p:clrMapOvr>
     <a:masterClrMapping/>
   </p:clrMapOvr>
-  <mc:AlternateContent xmlns:mc="http://schemas.openxmlformats.org/markup-compatibility/2006" xmlns:p159="http://schemas.microsoft.com/office/powerpoint/2015/09/main">
-    <mc:Choice Requires="p159">
+  <mc:AlternateContent xmlns:mc="http://schemas.openxmlformats.org/markup-compatibility/2006">
+    <mc:Choice xmlns:p159="http://schemas.microsoft.com/office/powerpoint/2015/09/main" xmlns="" Requires="p159">
       <p:transition xmlns:p14="http://schemas.microsoft.com/office/powerpoint/2010/main" spd="slow" p14:dur="2000">
         <p159:morph option="byWord"/>
       </p:transition>
     </mc:Choice>
-    <mc:Fallback xmlns="">
+    <mc:Fallback>
       <p:transition spd="slow">
         <p:fade/>
       </p:transition>
@@ -8811,7 +8242,7 @@
 </p:sld>
 </file>
 
-<file path=ppt/slides/slide18.xml><?xml version="1.0" encoding="utf-8"?>
+<file path=ppt/slides/slide14.xml><?xml version="1.0" encoding="utf-8"?>
 <p:sld xmlns:a="http://schemas.openxmlformats.org/drawingml/2006/main" xmlns:r="http://schemas.openxmlformats.org/officeDocument/2006/relationships" xmlns:p="http://schemas.openxmlformats.org/presentationml/2006/main">
   <p:cSld>
     <p:spTree>
@@ -8833,7 +8264,7 @@
           <p:cNvPr id="5" name="Segnaposto contenuto 4">
             <a:extLst>
               <a:ext uri="{FF2B5EF4-FFF2-40B4-BE49-F238E27FC236}">
-                <a16:creationId xmlns:a16="http://schemas.microsoft.com/office/drawing/2014/main" id="{804BB337-DB27-4533-84B9-CB800299E362}"/>
+                <a16:creationId xmlns:a16="http://schemas.microsoft.com/office/drawing/2014/main" xmlns="" id="{804BB337-DB27-4533-84B9-CB800299E362}"/>
               </a:ext>
             </a:extLst>
           </p:cNvPr>
@@ -8869,7 +8300,7 @@
           <p:cNvPr id="6" name="Immagine 5">
             <a:extLst>
               <a:ext uri="{FF2B5EF4-FFF2-40B4-BE49-F238E27FC236}">
-                <a16:creationId xmlns:a16="http://schemas.microsoft.com/office/drawing/2014/main" id="{192E8AA8-A80B-40A8-AD93-2590B71A07AB}"/>
+                <a16:creationId xmlns:a16="http://schemas.microsoft.com/office/drawing/2014/main" xmlns="" id="{192E8AA8-A80B-40A8-AD93-2590B71A07AB}"/>
               </a:ext>
             </a:extLst>
           </p:cNvPr>
@@ -8904,7 +8335,7 @@
           <p:cNvPr id="9" name="Titolo 1">
             <a:extLst>
               <a:ext uri="{FF2B5EF4-FFF2-40B4-BE49-F238E27FC236}">
-                <a16:creationId xmlns:a16="http://schemas.microsoft.com/office/drawing/2014/main" id="{03D1E91E-02F1-4511-A01C-D0B212221FDD}"/>
+                <a16:creationId xmlns:a16="http://schemas.microsoft.com/office/drawing/2014/main" xmlns="" id="{03D1E91E-02F1-4511-A01C-D0B212221FDD}"/>
               </a:ext>
             </a:extLst>
           </p:cNvPr>
@@ -8948,13 +8379,13 @@
   <p:clrMapOvr>
     <a:masterClrMapping/>
   </p:clrMapOvr>
-  <mc:AlternateContent xmlns:mc="http://schemas.openxmlformats.org/markup-compatibility/2006" xmlns:p159="http://schemas.microsoft.com/office/powerpoint/2015/09/main">
-    <mc:Choice Requires="p159">
+  <mc:AlternateContent xmlns:mc="http://schemas.openxmlformats.org/markup-compatibility/2006">
+    <mc:Choice xmlns:p159="http://schemas.microsoft.com/office/powerpoint/2015/09/main" xmlns="" Requires="p159">
       <p:transition xmlns:p14="http://schemas.microsoft.com/office/powerpoint/2010/main" spd="slow" p14:dur="2000">
         <p159:morph option="byWord"/>
       </p:transition>
     </mc:Choice>
-    <mc:Fallback xmlns="">
+    <mc:Fallback>
       <p:transition spd="slow">
         <p:fade/>
       </p:transition>
@@ -8963,7 +8394,7 @@
 </p:sld>
 </file>
 
-<file path=ppt/slides/slide19.xml><?xml version="1.0" encoding="utf-8"?>
+<file path=ppt/slides/slide15.xml><?xml version="1.0" encoding="utf-8"?>
 <p:sld xmlns:a="http://schemas.openxmlformats.org/drawingml/2006/main" xmlns:r="http://schemas.openxmlformats.org/officeDocument/2006/relationships" xmlns:p="http://schemas.openxmlformats.org/presentationml/2006/main">
   <p:cSld>
     <p:bg>
@@ -8993,7 +8424,7 @@
           <p:cNvPr id="8" name="Immagine 7" descr="Immagine che contiene screenshot&#10;&#10;Descrizione generata con affidabilità molto elevata">
             <a:extLst>
               <a:ext uri="{FF2B5EF4-FFF2-40B4-BE49-F238E27FC236}">
-                <a16:creationId xmlns:a16="http://schemas.microsoft.com/office/drawing/2014/main" id="{7DA299B0-DDA3-44F6-9B72-80222BFF4D38}"/>
+                <a16:creationId xmlns:a16="http://schemas.microsoft.com/office/drawing/2014/main" xmlns="" id="{7DA299B0-DDA3-44F6-9B72-80222BFF4D38}"/>
               </a:ext>
             </a:extLst>
           </p:cNvPr>
@@ -9029,10 +8460,10 @@
           <p:cNvPr id="14" name="Straight Connector 13">
             <a:extLst>
               <a:ext uri="{FF2B5EF4-FFF2-40B4-BE49-F238E27FC236}">
-                <a16:creationId xmlns:a16="http://schemas.microsoft.com/office/drawing/2014/main" id="{50DA1EB8-87CF-4588-A1FD-4756F9A28F6B}"/>
+                <a16:creationId xmlns:a16="http://schemas.microsoft.com/office/drawing/2014/main" xmlns="" id="{50DA1EB8-87CF-4588-A1FD-4756F9A28F6B}"/>
               </a:ext>
               <a:ext uri="{C183D7F6-B498-43B3-948B-1728B52AA6E4}">
-                <adec:decorative xmlns:adec="http://schemas.microsoft.com/office/drawing/2017/decorative" val="1"/>
+                <adec:decorative xmlns:adec="http://schemas.microsoft.com/office/drawing/2017/decorative" xmlns="" val="1"/>
               </a:ext>
             </a:extLst>
           </p:cNvPr>
@@ -9042,7 +8473,7 @@
           <p:nvPr>
             <p:extLst>
               <p:ext uri="{386F3935-93C4-4BCD-93E2-E3B085C9AB24}">
-                <p16:designElem xmlns:p16="http://schemas.microsoft.com/office/powerpoint/2015/main" val="1"/>
+                <p16:designElem xmlns:p16="http://schemas.microsoft.com/office/powerpoint/2015/main" xmlns="" val="1"/>
               </p:ext>
             </p:extLst>
           </p:nvPr>
@@ -9081,7 +8512,7 @@
           <p:cNvPr id="4" name="Immagine 3" descr="Immagine che contiene screenshot&#10;&#10;Descrizione generata con affidabilità molto elevata">
             <a:extLst>
               <a:ext uri="{FF2B5EF4-FFF2-40B4-BE49-F238E27FC236}">
-                <a16:creationId xmlns:a16="http://schemas.microsoft.com/office/drawing/2014/main" id="{82C66964-43AC-41F6-BA80-FBE58CA9B01B}"/>
+                <a16:creationId xmlns:a16="http://schemas.microsoft.com/office/drawing/2014/main" xmlns="" id="{82C66964-43AC-41F6-BA80-FBE58CA9B01B}"/>
               </a:ext>
             </a:extLst>
           </p:cNvPr>
@@ -9117,10 +8548,10 @@
           <p:cNvPr id="16" name="Straight Connector 15">
             <a:extLst>
               <a:ext uri="{FF2B5EF4-FFF2-40B4-BE49-F238E27FC236}">
-                <a16:creationId xmlns:a16="http://schemas.microsoft.com/office/drawing/2014/main" id="{D7A4E378-EA57-47B9-B1EB-58B998F6CFFB}"/>
+                <a16:creationId xmlns:a16="http://schemas.microsoft.com/office/drawing/2014/main" xmlns="" id="{D7A4E378-EA57-47B9-B1EB-58B998F6CFFB}"/>
               </a:ext>
               <a:ext uri="{C183D7F6-B498-43B3-948B-1728B52AA6E4}">
-                <adec:decorative xmlns:adec="http://schemas.microsoft.com/office/drawing/2017/decorative" val="1"/>
+                <adec:decorative xmlns:adec="http://schemas.microsoft.com/office/drawing/2017/decorative" xmlns="" val="1"/>
               </a:ext>
             </a:extLst>
           </p:cNvPr>
@@ -9130,7 +8561,7 @@
           <p:nvPr>
             <p:extLst>
               <p:ext uri="{386F3935-93C4-4BCD-93E2-E3B085C9AB24}">
-                <p16:designElem xmlns:p16="http://schemas.microsoft.com/office/powerpoint/2015/main" val="1"/>
+                <p16:designElem xmlns:p16="http://schemas.microsoft.com/office/powerpoint/2015/main" xmlns="" val="1"/>
               </p:ext>
             </p:extLst>
           </p:nvPr>
@@ -9169,7 +8600,7 @@
           <p:cNvPr id="9" name="Immagine 8" descr="Immagine che contiene screenshot&#10;&#10;Descrizione generata con affidabilità molto elevata">
             <a:extLst>
               <a:ext uri="{FF2B5EF4-FFF2-40B4-BE49-F238E27FC236}">
-                <a16:creationId xmlns:a16="http://schemas.microsoft.com/office/drawing/2014/main" id="{836DA3D5-DDA6-4CE7-A78E-28031D04955D}"/>
+                <a16:creationId xmlns:a16="http://schemas.microsoft.com/office/drawing/2014/main" xmlns="" id="{836DA3D5-DDA6-4CE7-A78E-28031D04955D}"/>
               </a:ext>
             </a:extLst>
           </p:cNvPr>
@@ -9205,10 +8636,10 @@
           <p:cNvPr id="18" name="Straight Connector 17">
             <a:extLst>
               <a:ext uri="{FF2B5EF4-FFF2-40B4-BE49-F238E27FC236}">
-                <a16:creationId xmlns:a16="http://schemas.microsoft.com/office/drawing/2014/main" id="{D2B31ED6-76F0-425A-9A41-C947AEF9C145}"/>
+                <a16:creationId xmlns:a16="http://schemas.microsoft.com/office/drawing/2014/main" xmlns="" id="{D2B31ED6-76F0-425A-9A41-C947AEF9C145}"/>
               </a:ext>
               <a:ext uri="{C183D7F6-B498-43B3-948B-1728B52AA6E4}">
-                <adec:decorative xmlns:adec="http://schemas.microsoft.com/office/drawing/2017/decorative" val="1"/>
+                <adec:decorative xmlns:adec="http://schemas.microsoft.com/office/drawing/2017/decorative" xmlns="" val="1"/>
               </a:ext>
             </a:extLst>
           </p:cNvPr>
@@ -9218,7 +8649,7 @@
           <p:nvPr>
             <p:extLst>
               <p:ext uri="{386F3935-93C4-4BCD-93E2-E3B085C9AB24}">
-                <p16:designElem xmlns:p16="http://schemas.microsoft.com/office/powerpoint/2015/main" val="1"/>
+                <p16:designElem xmlns:p16="http://schemas.microsoft.com/office/powerpoint/2015/main" xmlns="" val="1"/>
               </p:ext>
             </p:extLst>
           </p:nvPr>
@@ -9257,7 +8688,7 @@
           <p:cNvPr id="7" name="Immagine 6" descr="Immagine che contiene screenshot&#10;&#10;Descrizione generata con affidabilità molto elevata">
             <a:extLst>
               <a:ext uri="{FF2B5EF4-FFF2-40B4-BE49-F238E27FC236}">
-                <a16:creationId xmlns:a16="http://schemas.microsoft.com/office/drawing/2014/main" id="{28249DBB-DE52-4089-9A76-2243FE313FEA}"/>
+                <a16:creationId xmlns:a16="http://schemas.microsoft.com/office/drawing/2014/main" xmlns="" id="{28249DBB-DE52-4089-9A76-2243FE313FEA}"/>
               </a:ext>
             </a:extLst>
           </p:cNvPr>
@@ -9293,7 +8724,7 @@
           <p:cNvPr id="11" name="Titolo 1">
             <a:extLst>
               <a:ext uri="{FF2B5EF4-FFF2-40B4-BE49-F238E27FC236}">
-                <a16:creationId xmlns:a16="http://schemas.microsoft.com/office/drawing/2014/main" id="{D929E7EF-A7BB-487F-B14C-09078E1EAFF1}"/>
+                <a16:creationId xmlns:a16="http://schemas.microsoft.com/office/drawing/2014/main" xmlns="" id="{D929E7EF-A7BB-487F-B14C-09078E1EAFF1}"/>
               </a:ext>
             </a:extLst>
           </p:cNvPr>
@@ -9337,13 +8768,13 @@
   <p:clrMapOvr>
     <a:masterClrMapping/>
   </p:clrMapOvr>
-  <mc:AlternateContent xmlns:mc="http://schemas.openxmlformats.org/markup-compatibility/2006" xmlns:p159="http://schemas.microsoft.com/office/powerpoint/2015/09/main">
-    <mc:Choice Requires="p159">
+  <mc:AlternateContent xmlns:mc="http://schemas.openxmlformats.org/markup-compatibility/2006">
+    <mc:Choice xmlns:p159="http://schemas.microsoft.com/office/powerpoint/2015/09/main" xmlns="" Requires="p159">
       <p:transition xmlns:p14="http://schemas.microsoft.com/office/powerpoint/2010/main" spd="slow" p14:dur="2000">
         <p159:morph option="byWord"/>
       </p:transition>
     </mc:Choice>
-    <mc:Fallback xmlns="">
+    <mc:Fallback>
       <p:transition spd="slow">
         <p:fade/>
       </p:transition>
@@ -9352,7 +8783,7 @@
 </p:sld>
 </file>
 
-<file path=ppt/slides/slide2.xml><?xml version="1.0" encoding="utf-8"?>
+<file path=ppt/slides/slide16.xml><?xml version="1.0" encoding="utf-8"?>
 <p:sld xmlns:a="http://schemas.openxmlformats.org/drawingml/2006/main" xmlns:r="http://schemas.openxmlformats.org/officeDocument/2006/relationships" xmlns:p="http://schemas.openxmlformats.org/presentationml/2006/main">
   <p:cSld>
     <p:spTree>
@@ -9374,7 +8805,7 @@
           <p:cNvPr id="2" name="Titolo 1">
             <a:extLst>
               <a:ext uri="{FF2B5EF4-FFF2-40B4-BE49-F238E27FC236}">
-                <a16:creationId xmlns:a16="http://schemas.microsoft.com/office/drawing/2014/main" id="{1F4EF76E-72FB-49D5-9299-592E62BF06B2}"/>
+                <a16:creationId xmlns:a16="http://schemas.microsoft.com/office/drawing/2014/main" xmlns="" id="{D9D1A5C6-17BF-4092-A0E1-85A255481368}"/>
               </a:ext>
             </a:extLst>
           </p:cNvPr>
@@ -9385,124 +8816,41 @@
             <p:ph type="title"/>
           </p:nvPr>
         </p:nvSpPr>
-        <p:spPr/>
-        <p:txBody>
-          <a:bodyPr/>
-          <a:lstStyle/>
-          <a:p>
-            <a:r>
-              <a:rPr lang="it-CH" dirty="0"/>
-              <a:t>CHI SIAMO</a:t>
-            </a:r>
-          </a:p>
-        </p:txBody>
-      </p:sp>
-      <p:sp>
-        <p:nvSpPr>
-          <p:cNvPr id="4" name="Segnaposto contenuto 3">
-            <a:extLst>
-              <a:ext uri="{FF2B5EF4-FFF2-40B4-BE49-F238E27FC236}">
-                <a16:creationId xmlns:a16="http://schemas.microsoft.com/office/drawing/2014/main" id="{FB91016C-8169-45ED-B54B-B80E87645789}"/>
-              </a:ext>
-            </a:extLst>
-          </p:cNvPr>
-          <p:cNvSpPr>
-            <a:spLocks noGrp="1"/>
-          </p:cNvSpPr>
-          <p:nvPr>
-            <p:ph idx="1"/>
-          </p:nvPr>
-        </p:nvSpPr>
         <p:spPr>
           <a:xfrm>
-            <a:off x="405880" y="884467"/>
-            <a:ext cx="8496944" cy="3775516"/>
+            <a:off x="0" y="0"/>
+            <a:ext cx="9144000" cy="4731990"/>
           </a:xfrm>
         </p:spPr>
         <p:txBody>
           <a:bodyPr/>
           <a:lstStyle/>
           <a:p>
-            <a:pPr marL="628650" indent="-342900">
-              <a:buFont typeface="Arial" panose="020B0604020202020204" pitchFamily="34" charset="0"/>
-              <a:buChar char="•"/>
-            </a:pPr>
-            <a:r>
-              <a:rPr lang="it-CH" sz="3200" dirty="0"/>
-              <a:t>Luca Di Bello</a:t>
-            </a:r>
-          </a:p>
-          <a:p>
-            <a:pPr marL="1371600" lvl="1" indent="-342900">
-              <a:buFont typeface="Arial" panose="020B0604020202020204" pitchFamily="34" charset="0"/>
-              <a:buChar char="•"/>
-            </a:pPr>
-            <a:r>
-              <a:rPr lang="it-CH" sz="3800" dirty="0">
-                <a:hlinkClick r:id="rId2"/>
-              </a:rPr>
-              <a:t>luca.dibello@samtrevano.ch</a:t>
-            </a:r>
-            <a:endParaRPr lang="it-CH" sz="3800" dirty="0"/>
-          </a:p>
-          <a:p>
-            <a:pPr marL="1371600" lvl="1" indent="-342900">
-              <a:buFont typeface="Arial" panose="020B0604020202020204" pitchFamily="34" charset="0"/>
-              <a:buChar char="•"/>
-            </a:pPr>
-            <a:endParaRPr lang="it-CH" sz="3800" dirty="0"/>
-          </a:p>
-          <a:p>
-            <a:pPr marL="628650" indent="-342900">
-              <a:buFont typeface="Arial" panose="020B0604020202020204" pitchFamily="34" charset="0"/>
-              <a:buChar char="•"/>
-            </a:pPr>
-            <a:r>
-              <a:rPr lang="it-CH" sz="3600" dirty="0" err="1"/>
-              <a:t>Fadil</a:t>
-            </a:r>
-            <a:r>
-              <a:rPr lang="it-CH" sz="3600" dirty="0"/>
-              <a:t> </a:t>
-            </a:r>
-            <a:r>
-              <a:rPr lang="it-CH" sz="3600" dirty="0" err="1"/>
-              <a:t>Smajilbasic</a:t>
-            </a:r>
-            <a:endParaRPr lang="it-CH" sz="3600" dirty="0"/>
-          </a:p>
-          <a:p>
-            <a:pPr marL="1371600" lvl="1" indent="-342900">
-              <a:buFont typeface="Arial" panose="020B0604020202020204" pitchFamily="34" charset="0"/>
-              <a:buChar char="•"/>
-            </a:pPr>
-            <a:r>
-              <a:rPr lang="it-CH" sz="3600" dirty="0">
-                <a:hlinkClick r:id="rId3"/>
-              </a:rPr>
-              <a:t>fadil.smajilbasic@samtrevano.ch</a:t>
-            </a:r>
-            <a:endParaRPr lang="it-CH" sz="3600" dirty="0"/>
+            <a:pPr algn="ctr"/>
+            <a:r>
+              <a:rPr lang="it-CH" sz="5400" dirty="0"/>
+              <a:t>IMPLEMENTAZIONE</a:t>
+            </a:r>
           </a:p>
         </p:txBody>
       </p:sp>
     </p:spTree>
     <p:extLst>
       <p:ext uri="{BB962C8B-B14F-4D97-AF65-F5344CB8AC3E}">
-        <p14:creationId xmlns:p14="http://schemas.microsoft.com/office/powerpoint/2010/main" val="1267420435"/>
+        <p14:creationId xmlns:p14="http://schemas.microsoft.com/office/powerpoint/2010/main" val="2631092496"/>
       </p:ext>
     </p:extLst>
   </p:cSld>
   <p:clrMapOvr>
     <a:masterClrMapping/>
   </p:clrMapOvr>
-  <mc:AlternateContent xmlns:mc="http://schemas.openxmlformats.org/markup-compatibility/2006" xmlns:p159="http://schemas.microsoft.com/office/powerpoint/2015/09/main">
-    <mc:Choice Requires="p159">
+  <mc:AlternateContent xmlns:mc="http://schemas.openxmlformats.org/markup-compatibility/2006">
+    <mc:Choice xmlns:p159="http://schemas.microsoft.com/office/powerpoint/2015/09/main" xmlns="" Requires="p159">
       <p:transition xmlns:p14="http://schemas.microsoft.com/office/powerpoint/2010/main" spd="slow" p14:dur="2000">
         <p159:morph option="byWord"/>
       </p:transition>
     </mc:Choice>
-    <mc:Fallback xmlns="">
+    <mc:Fallback>
       <p:transition spd="slow">
         <p:fade/>
       </p:transition>
@@ -9511,304 +8859,7 @@
 </p:sld>
 </file>
 
-<file path=ppt/slides/slide20.xml><?xml version="1.0" encoding="utf-8"?>
-<p:sld xmlns:a="http://schemas.openxmlformats.org/drawingml/2006/main" xmlns:r="http://schemas.openxmlformats.org/officeDocument/2006/relationships" xmlns:p="http://schemas.openxmlformats.org/presentationml/2006/main">
-  <p:cSld>
-    <p:bg>
-      <p:bgPr>
-        <a:solidFill>
-          <a:schemeClr val="bg1"/>
-        </a:solidFill>
-        <a:effectLst/>
-      </p:bgPr>
-    </p:bg>
-    <p:spTree>
-      <p:nvGrpSpPr>
-        <p:cNvPr id="1" name=""/>
-        <p:cNvGrpSpPr/>
-        <p:nvPr/>
-      </p:nvGrpSpPr>
-      <p:grpSpPr>
-        <a:xfrm>
-          <a:off x="0" y="0"/>
-          <a:ext cx="0" cy="0"/>
-          <a:chOff x="0" y="0"/>
-          <a:chExt cx="0" cy="0"/>
-        </a:xfrm>
-      </p:grpSpPr>
-      <p:sp>
-        <p:nvSpPr>
-          <p:cNvPr id="11" name="Titolo 1">
-            <a:extLst>
-              <a:ext uri="{FF2B5EF4-FFF2-40B4-BE49-F238E27FC236}">
-                <a16:creationId xmlns:a16="http://schemas.microsoft.com/office/drawing/2014/main" id="{D929E7EF-A7BB-487F-B14C-09078E1EAFF1}"/>
-              </a:ext>
-            </a:extLst>
-          </p:cNvPr>
-          <p:cNvSpPr>
-            <a:spLocks noGrp="1"/>
-          </p:cNvSpPr>
-          <p:nvPr>
-            <p:ph type="title"/>
-          </p:nvPr>
-        </p:nvSpPr>
-        <p:spPr>
-          <a:xfrm>
-            <a:off x="350043" y="364332"/>
-            <a:ext cx="2880955" cy="2577628"/>
-          </a:xfrm>
-        </p:spPr>
-        <p:txBody>
-          <a:bodyPr vert="horz" lIns="91440" tIns="45720" rIns="91440" bIns="45720" rtlCol="0" anchor="b">
-            <a:normAutofit/>
-          </a:bodyPr>
-          <a:lstStyle/>
-          <a:p>
-            <a:pPr algn="r" latinLnBrk="0">
-              <a:lnSpc>
-                <a:spcPct val="90000"/>
-              </a:lnSpc>
-            </a:pPr>
-            <a:r>
-              <a:rPr lang="en-US" sz="2400" kern="1200" dirty="0" err="1">
-                <a:solidFill>
-                  <a:schemeClr val="tx1"/>
-                </a:solidFill>
-                <a:latin typeface="+mj-lt"/>
-                <a:ea typeface="+mj-ea"/>
-                <a:cs typeface="+mj-cs"/>
-              </a:rPr>
-              <a:t>Risultato</a:t>
-            </a:r>
-            <a:endParaRPr lang="en-US" sz="2400" kern="1200" dirty="0">
-              <a:solidFill>
-                <a:schemeClr val="tx1"/>
-              </a:solidFill>
-              <a:latin typeface="+mj-lt"/>
-              <a:ea typeface="+mj-ea"/>
-              <a:cs typeface="+mj-cs"/>
-            </a:endParaRPr>
-          </a:p>
-        </p:txBody>
-      </p:sp>
-      <p:pic>
-        <p:nvPicPr>
-          <p:cNvPr id="3" name="Immagine 2">
-            <a:extLst>
-              <a:ext uri="{FF2B5EF4-FFF2-40B4-BE49-F238E27FC236}">
-                <a16:creationId xmlns:a16="http://schemas.microsoft.com/office/drawing/2014/main" id="{9CEE29CA-5665-406C-ACF4-FC34D55E29B1}"/>
-              </a:ext>
-            </a:extLst>
-          </p:cNvPr>
-          <p:cNvPicPr>
-            <a:picLocks noChangeAspect="1"/>
-          </p:cNvPicPr>
-          <p:nvPr/>
-        </p:nvPicPr>
-        <p:blipFill rotWithShape="1">
-          <a:blip r:embed="rId2">
-            <a:extLst>
-              <a:ext uri="{28A0092B-C50C-407E-A947-70E740481C1C}">
-                <a14:useLocalDpi xmlns:a14="http://schemas.microsoft.com/office/drawing/2010/main" val="0"/>
-              </a:ext>
-            </a:extLst>
-          </a:blip>
-          <a:srcRect r="6145" b="-5"/>
-          <a:stretch/>
-        </p:blipFill>
-        <p:spPr>
-          <a:xfrm>
-            <a:off x="3472299" y="364331"/>
-            <a:ext cx="2041007" cy="4421981"/>
-          </a:xfrm>
-          <a:prstGeom prst="rect">
-            <a:avLst/>
-          </a:prstGeom>
-        </p:spPr>
-      </p:pic>
-      <p:pic>
-        <p:nvPicPr>
-          <p:cNvPr id="12" name="Immagine 11">
-            <a:extLst>
-              <a:ext uri="{FF2B5EF4-FFF2-40B4-BE49-F238E27FC236}">
-                <a16:creationId xmlns:a16="http://schemas.microsoft.com/office/drawing/2014/main" id="{E490454E-B6A2-46F0-9748-7A822759B935}"/>
-              </a:ext>
-            </a:extLst>
-          </p:cNvPr>
-          <p:cNvPicPr>
-            <a:picLocks noChangeAspect="1"/>
-          </p:cNvPicPr>
-          <p:nvPr/>
-        </p:nvPicPr>
-        <p:blipFill rotWithShape="1">
-          <a:blip r:embed="rId3" cstate="print">
-            <a:extLst>
-              <a:ext uri="{28A0092B-C50C-407E-A947-70E740481C1C}">
-                <a14:useLocalDpi xmlns:a14="http://schemas.microsoft.com/office/drawing/2010/main" val="0"/>
-              </a:ext>
-            </a:extLst>
-          </a:blip>
-          <a:srcRect t="15649" b="14261"/>
-          <a:stretch/>
-        </p:blipFill>
-        <p:spPr>
-          <a:xfrm>
-            <a:off x="5637501" y="364331"/>
-            <a:ext cx="1511187" cy="2150664"/>
-          </a:xfrm>
-          <a:prstGeom prst="rect">
-            <a:avLst/>
-          </a:prstGeom>
-        </p:spPr>
-      </p:pic>
-      <p:pic>
-        <p:nvPicPr>
-          <p:cNvPr id="15" name="Immagine 14">
-            <a:extLst>
-              <a:ext uri="{FF2B5EF4-FFF2-40B4-BE49-F238E27FC236}">
-                <a16:creationId xmlns:a16="http://schemas.microsoft.com/office/drawing/2014/main" id="{7C1E3C87-BBA8-4968-A8E8-B29E1BDE815B}"/>
-              </a:ext>
-            </a:extLst>
-          </p:cNvPr>
-          <p:cNvPicPr>
-            <a:picLocks noChangeAspect="1"/>
-          </p:cNvPicPr>
-          <p:nvPr/>
-        </p:nvPicPr>
-        <p:blipFill rotWithShape="1">
-          <a:blip r:embed="rId4" cstate="print">
-            <a:extLst>
-              <a:ext uri="{28A0092B-C50C-407E-A947-70E740481C1C}">
-                <a14:useLocalDpi xmlns:a14="http://schemas.microsoft.com/office/drawing/2010/main" val="0"/>
-              </a:ext>
-            </a:extLst>
-          </a:blip>
-          <a:srcRect t="6421" b="23488"/>
-          <a:stretch/>
-        </p:blipFill>
-        <p:spPr>
-          <a:xfrm>
-            <a:off x="7269338" y="364331"/>
-            <a:ext cx="1511188" cy="2150664"/>
-          </a:xfrm>
-          <a:prstGeom prst="rect">
-            <a:avLst/>
-          </a:prstGeom>
-        </p:spPr>
-      </p:pic>
-      <p:cxnSp>
-        <p:nvCxnSpPr>
-          <p:cNvPr id="20" name="Straight Connector 19">
-            <a:extLst>
-              <a:ext uri="{FF2B5EF4-FFF2-40B4-BE49-F238E27FC236}">
-                <a16:creationId xmlns:a16="http://schemas.microsoft.com/office/drawing/2014/main" id="{C55FEAF7-BB1D-4E09-B4C3-19C310A96116}"/>
-              </a:ext>
-              <a:ext uri="{C183D7F6-B498-43B3-948B-1728B52AA6E4}">
-                <adec:decorative xmlns:adec="http://schemas.microsoft.com/office/drawing/2017/decorative" val="1"/>
-              </a:ext>
-            </a:extLst>
-          </p:cNvPr>
-          <p:cNvCxnSpPr>
-            <a:cxnSpLocks noGrp="1" noRot="1" noChangeAspect="1" noMove="1" noResize="1" noEditPoints="1" noAdjustHandles="1" noChangeArrowheads="1" noChangeShapeType="1"/>
-          </p:cNvCxnSpPr>
-          <p:nvPr>
-            <p:extLst>
-              <p:ext uri="{386F3935-93C4-4BCD-93E2-E3B085C9AB24}">
-                <p16:designElem xmlns:p16="http://schemas.microsoft.com/office/powerpoint/2015/main" val="1"/>
-              </p:ext>
-            </p:extLst>
-          </p:nvPr>
-        </p:nvCxnSpPr>
-        <p:spPr>
-          <a:xfrm>
-            <a:off x="622184" y="3002284"/>
-            <a:ext cx="2537460" cy="0"/>
-          </a:xfrm>
-          <a:prstGeom prst="line">
-            <a:avLst/>
-          </a:prstGeom>
-          <a:ln w="19050">
-            <a:solidFill>
-              <a:srgbClr val="0D85FF"/>
-            </a:solidFill>
-          </a:ln>
-        </p:spPr>
-        <p:style>
-          <a:lnRef idx="1">
-            <a:schemeClr val="accent1"/>
-          </a:lnRef>
-          <a:fillRef idx="0">
-            <a:schemeClr val="accent1"/>
-          </a:fillRef>
-          <a:effectRef idx="0">
-            <a:schemeClr val="accent1"/>
-          </a:effectRef>
-          <a:fontRef idx="minor">
-            <a:schemeClr val="tx1"/>
-          </a:fontRef>
-        </p:style>
-      </p:cxnSp>
-      <p:pic>
-        <p:nvPicPr>
-          <p:cNvPr id="6" name="Immagine 5">
-            <a:extLst>
-              <a:ext uri="{FF2B5EF4-FFF2-40B4-BE49-F238E27FC236}">
-                <a16:creationId xmlns:a16="http://schemas.microsoft.com/office/drawing/2014/main" id="{281B7CBD-C1A1-40DE-9BF2-024F42661CAC}"/>
-              </a:ext>
-            </a:extLst>
-          </p:cNvPr>
-          <p:cNvPicPr>
-            <a:picLocks noChangeAspect="1"/>
-          </p:cNvPicPr>
-          <p:nvPr/>
-        </p:nvPicPr>
-        <p:blipFill rotWithShape="1">
-          <a:blip r:embed="rId5">
-            <a:extLst>
-              <a:ext uri="{28A0092B-C50C-407E-A947-70E740481C1C}">
-                <a14:useLocalDpi xmlns:a14="http://schemas.microsoft.com/office/drawing/2010/main" val="0"/>
-              </a:ext>
-            </a:extLst>
-          </a:blip>
-          <a:srcRect t="20549" r="5" b="45853"/>
-          <a:stretch/>
-        </p:blipFill>
-        <p:spPr>
-          <a:xfrm>
-            <a:off x="5635728" y="2635647"/>
-            <a:ext cx="3144798" cy="2148546"/>
-          </a:xfrm>
-          <a:prstGeom prst="rect">
-            <a:avLst/>
-          </a:prstGeom>
-        </p:spPr>
-      </p:pic>
-    </p:spTree>
-    <p:extLst>
-      <p:ext uri="{BB962C8B-B14F-4D97-AF65-F5344CB8AC3E}">
-        <p14:creationId xmlns:p14="http://schemas.microsoft.com/office/powerpoint/2010/main" val="2500313548"/>
-      </p:ext>
-    </p:extLst>
-  </p:cSld>
-  <p:clrMapOvr>
-    <a:masterClrMapping/>
-  </p:clrMapOvr>
-  <mc:AlternateContent xmlns:mc="http://schemas.openxmlformats.org/markup-compatibility/2006" xmlns:p159="http://schemas.microsoft.com/office/powerpoint/2015/09/main">
-    <mc:Choice Requires="p159">
-      <p:transition xmlns:p14="http://schemas.microsoft.com/office/powerpoint/2010/main" spd="slow" p14:dur="2000">
-        <p159:morph option="byWord"/>
-      </p:transition>
-    </mc:Choice>
-    <mc:Fallback xmlns="">
-      <p:transition spd="slow">
-        <p:fade/>
-      </p:transition>
-    </mc:Fallback>
-  </mc:AlternateContent>
-</p:sld>
-</file>
-
-<file path=ppt/slides/slide21.xml><?xml version="1.0" encoding="utf-8"?>
+<file path=ppt/slides/slide17.xml><?xml version="1.0" encoding="utf-8"?>
 <p:sld xmlns:a="http://schemas.openxmlformats.org/drawingml/2006/main" xmlns:r="http://schemas.openxmlformats.org/officeDocument/2006/relationships" xmlns:p="http://schemas.openxmlformats.org/presentationml/2006/main">
   <p:cSld>
     <p:spTree>
@@ -9827,10 +8878,10 @@
       </p:grpSpPr>
       <p:sp>
         <p:nvSpPr>
-          <p:cNvPr id="11" name="Titolo 1">
+          <p:cNvPr id="2" name="Titolo 1">
             <a:extLst>
               <a:ext uri="{FF2B5EF4-FFF2-40B4-BE49-F238E27FC236}">
-                <a16:creationId xmlns:a16="http://schemas.microsoft.com/office/drawing/2014/main" id="{D929E7EF-A7BB-487F-B14C-09078E1EAFF1}"/>
+                <a16:creationId xmlns:a16="http://schemas.microsoft.com/office/drawing/2014/main" xmlns="" id="{1C9728DE-DCC3-47F3-A9A7-4840BBF3A649}"/>
               </a:ext>
             </a:extLst>
           </p:cNvPr>
@@ -9841,81 +8892,141 @@
             <p:ph type="title"/>
           </p:nvPr>
         </p:nvSpPr>
-        <p:spPr>
-          <a:xfrm>
-            <a:off x="35496" y="140391"/>
-            <a:ext cx="7524328" cy="884466"/>
-          </a:xfrm>
-        </p:spPr>
-        <p:txBody>
-          <a:bodyPr/>
-          <a:lstStyle/>
-          <a:p>
-            <a:pPr algn="ctr"/>
-            <a:r>
-              <a:rPr lang="it-CH" dirty="0"/>
-              <a:t>DESIGN </a:t>
-            </a:r>
-            <a:r>
-              <a:rPr lang="it-IT" dirty="0"/>
-              <a:t>PROCEDURALE</a:t>
+        <p:spPr/>
+        <p:txBody>
+          <a:bodyPr/>
+          <a:lstStyle/>
+          <a:p>
+            <a:r>
+              <a:rPr lang="it-CH" dirty="0" err="1" smtClean="0"/>
+              <a:t>DroneController</a:t>
             </a:r>
             <a:endParaRPr lang="it-CH" dirty="0"/>
           </a:p>
         </p:txBody>
       </p:sp>
-      <p:pic>
-        <p:nvPicPr>
-          <p:cNvPr id="10" name="Segnaposto contenuto 4">
+      <p:sp>
+        <p:nvSpPr>
+          <p:cNvPr id="3" name="Segnaposto contenuto 2">
             <a:extLst>
               <a:ext uri="{FF2B5EF4-FFF2-40B4-BE49-F238E27FC236}">
-                <a16:creationId xmlns:a16="http://schemas.microsoft.com/office/drawing/2014/main" id="{4896C94A-6ACC-4235-B469-54AC90F39A54}"/>
+                <a16:creationId xmlns:a16="http://schemas.microsoft.com/office/drawing/2014/main" xmlns="" id="{A9782E92-4646-4216-BC0B-9AFBD5130E30}"/>
               </a:ext>
             </a:extLst>
           </p:cNvPr>
-          <p:cNvPicPr>
-            <a:picLocks noGrp="1" noChangeAspect="1"/>
-          </p:cNvPicPr>
+          <p:cNvSpPr>
+            <a:spLocks noGrp="1"/>
+          </p:cNvSpPr>
           <p:nvPr>
             <p:ph idx="1"/>
           </p:nvPr>
-        </p:nvPicPr>
-        <p:blipFill>
-          <a:blip r:embed="rId2" cstate="print">
+        </p:nvSpPr>
+        <p:spPr>
+          <a:xfrm>
+            <a:off x="2000747" y="884466"/>
+            <a:ext cx="6912768" cy="460648"/>
+          </a:xfrm>
+        </p:spPr>
+        <p:txBody>
+          <a:bodyPr/>
+          <a:lstStyle/>
+          <a:p>
+            <a:r>
+              <a:rPr lang="it-CH" sz="2800" dirty="0" smtClean="0"/>
+              <a:t>Classe </a:t>
+            </a:r>
+            <a:r>
+              <a:rPr lang="it-CH" sz="2800" dirty="0" err="1" smtClean="0"/>
+              <a:t>DroneController</a:t>
+            </a:r>
+            <a:endParaRPr lang="it-CH" sz="2800" dirty="0"/>
+          </a:p>
+        </p:txBody>
+      </p:sp>
+      <p:sp>
+        <p:nvSpPr>
+          <p:cNvPr id="4" name="Segnaposto contenuto 3">
             <a:extLst>
-              <a:ext uri="{28A0092B-C50C-407E-A947-70E740481C1C}">
-                <a14:useLocalDpi xmlns:a14="http://schemas.microsoft.com/office/drawing/2010/main" val="0"/>
+              <a:ext uri="{FF2B5EF4-FFF2-40B4-BE49-F238E27FC236}">
+                <a16:creationId xmlns:a16="http://schemas.microsoft.com/office/drawing/2014/main" xmlns="" id="{13544A92-8328-4004-96C8-B60363828F13}"/>
               </a:ext>
             </a:extLst>
-          </a:blip>
-          <a:stretch>
-            <a:fillRect/>
-          </a:stretch>
-        </p:blipFill>
-        <p:spPr>
-          <a:xfrm>
-            <a:off x="1547664" y="915566"/>
-            <a:ext cx="5893310" cy="3545976"/>
-          </a:xfrm>
-        </p:spPr>
-      </p:pic>
+          </p:cNvPr>
+          <p:cNvSpPr>
+            <a:spLocks noGrp="1"/>
+          </p:cNvSpPr>
+          <p:nvPr>
+            <p:ph idx="10"/>
+          </p:nvPr>
+        </p:nvSpPr>
+        <p:spPr/>
+        <p:txBody>
+          <a:bodyPr/>
+          <a:lstStyle/>
+          <a:p>
+            <a:pPr marL="285750" indent="-285750">
+              <a:lnSpc>
+                <a:spcPct val="150000"/>
+              </a:lnSpc>
+              <a:buFont typeface="Arial" panose="020B0604020202020204" pitchFamily="34" charset="0"/>
+              <a:buChar char="•"/>
+            </a:pPr>
+            <a:r>
+              <a:rPr lang="it-CH" sz="2000" dirty="0" smtClean="0"/>
+              <a:t>Legge movimenti attraverso </a:t>
+            </a:r>
+            <a:r>
+              <a:rPr lang="it-CH" sz="2000" dirty="0" err="1" smtClean="0"/>
+              <a:t>LeapMotion</a:t>
+            </a:r>
+            <a:endParaRPr lang="it-CH" sz="2000" dirty="0"/>
+          </a:p>
+          <a:p>
+            <a:pPr marL="285750" indent="-285750">
+              <a:lnSpc>
+                <a:spcPct val="150000"/>
+              </a:lnSpc>
+              <a:buFont typeface="Arial" panose="020B0604020202020204" pitchFamily="34" charset="0"/>
+              <a:buChar char="•"/>
+            </a:pPr>
+            <a:r>
+              <a:rPr lang="it-CH" sz="2000" dirty="0" smtClean="0"/>
+              <a:t>Inviati al Drone</a:t>
+            </a:r>
+          </a:p>
+          <a:p>
+            <a:pPr marL="1028700" lvl="1">
+              <a:lnSpc>
+                <a:spcPct val="150000"/>
+              </a:lnSpc>
+              <a:buFont typeface="Arial" panose="020B0604020202020204" pitchFamily="34" charset="0"/>
+              <a:buChar char="•"/>
+            </a:pPr>
+            <a:r>
+              <a:rPr lang="it-CH" sz="2000" dirty="0" err="1" smtClean="0"/>
+              <a:t>CommandManager</a:t>
+            </a:r>
+            <a:endParaRPr lang="it-CH" sz="2000" dirty="0"/>
+          </a:p>
+        </p:txBody>
+      </p:sp>
     </p:spTree>
     <p:extLst>
       <p:ext uri="{BB962C8B-B14F-4D97-AF65-F5344CB8AC3E}">
-        <p14:creationId xmlns:p14="http://schemas.microsoft.com/office/powerpoint/2010/main" val="3206058071"/>
+        <p14:creationId xmlns:p14="http://schemas.microsoft.com/office/powerpoint/2010/main" val="1615021837"/>
       </p:ext>
     </p:extLst>
   </p:cSld>
   <p:clrMapOvr>
     <a:masterClrMapping/>
   </p:clrMapOvr>
-  <mc:AlternateContent xmlns:mc="http://schemas.openxmlformats.org/markup-compatibility/2006" xmlns:p159="http://schemas.microsoft.com/office/powerpoint/2015/09/main">
-    <mc:Choice Requires="p159">
+  <mc:AlternateContent xmlns:mc="http://schemas.openxmlformats.org/markup-compatibility/2006">
+    <mc:Choice xmlns:p159="http://schemas.microsoft.com/office/powerpoint/2015/09/main" xmlns="" Requires="p159">
       <p:transition xmlns:p14="http://schemas.microsoft.com/office/powerpoint/2010/main" spd="slow" p14:dur="2000">
         <p159:morph option="byWord"/>
       </p:transition>
     </mc:Choice>
-    <mc:Fallback xmlns="">
+    <mc:Fallback>
       <p:transition spd="slow">
         <p:fade/>
       </p:transition>
@@ -9924,7 +9035,7 @@
 </p:sld>
 </file>
 
-<file path=ppt/slides/slide22.xml><?xml version="1.0" encoding="utf-8"?>
+<file path=ppt/slides/slide18.xml><?xml version="1.0" encoding="utf-8"?>
 <p:sld xmlns:a="http://schemas.openxmlformats.org/drawingml/2006/main" xmlns:r="http://schemas.openxmlformats.org/officeDocument/2006/relationships" xmlns:p="http://schemas.openxmlformats.org/presentationml/2006/main">
   <p:cSld>
     <p:spTree>
@@ -9946,7 +9057,7 @@
           <p:cNvPr id="2" name="Titolo 1">
             <a:extLst>
               <a:ext uri="{FF2B5EF4-FFF2-40B4-BE49-F238E27FC236}">
-                <a16:creationId xmlns:a16="http://schemas.microsoft.com/office/drawing/2014/main" id="{D9D1A5C6-17BF-4092-A0E1-85A255481368}"/>
+                <a16:creationId xmlns:a16="http://schemas.microsoft.com/office/drawing/2014/main" xmlns="" id="{1C9728DE-DCC3-47F3-A9A7-4840BBF3A649}"/>
               </a:ext>
             </a:extLst>
           </p:cNvPr>
@@ -9957,10 +9068,39 @@
             <p:ph type="title"/>
           </p:nvPr>
         </p:nvSpPr>
+        <p:spPr/>
+        <p:txBody>
+          <a:bodyPr/>
+          <a:lstStyle/>
+          <a:p>
+            <a:r>
+              <a:rPr lang="it-CH" dirty="0" err="1"/>
+              <a:t>DroneController</a:t>
+            </a:r>
+            <a:endParaRPr lang="it-CH" dirty="0"/>
+          </a:p>
+        </p:txBody>
+      </p:sp>
+      <p:sp>
+        <p:nvSpPr>
+          <p:cNvPr id="3" name="Segnaposto contenuto 2">
+            <a:extLst>
+              <a:ext uri="{FF2B5EF4-FFF2-40B4-BE49-F238E27FC236}">
+                <a16:creationId xmlns:a16="http://schemas.microsoft.com/office/drawing/2014/main" xmlns="" id="{A9782E92-4646-4216-BC0B-9AFBD5130E30}"/>
+              </a:ext>
+            </a:extLst>
+          </p:cNvPr>
+          <p:cNvSpPr>
+            <a:spLocks noGrp="1"/>
+          </p:cNvSpPr>
+          <p:nvPr>
+            <p:ph idx="1"/>
+          </p:nvPr>
+        </p:nvSpPr>
         <p:spPr>
           <a:xfrm>
-            <a:off x="323528" y="123478"/>
-            <a:ext cx="9144000" cy="1285096"/>
+            <a:off x="2000747" y="884466"/>
+            <a:ext cx="6912768" cy="460648"/>
           </a:xfrm>
         </p:spPr>
         <p:txBody>
@@ -9968,9 +9108,18 @@
           <a:lstStyle/>
           <a:p>
             <a:r>
-              <a:rPr lang="it-CH" sz="5400" dirty="0"/>
-              <a:t>IMPLEMENTAZIONE</a:t>
-            </a:r>
+              <a:rPr lang="it-CH" sz="2800" dirty="0"/>
+              <a:t>Classe </a:t>
+            </a:r>
+            <a:r>
+              <a:rPr lang="it-IT" sz="2800" dirty="0" err="1"/>
+              <a:t>DroneControllerMonitor</a:t>
+            </a:r>
+            <a:r>
+              <a:rPr lang="it-IT" sz="2800" dirty="0"/>
+              <a:t> </a:t>
+            </a:r>
+            <a:endParaRPr lang="it-CH" sz="2800" dirty="0"/>
           </a:p>
         </p:txBody>
       </p:sp>
@@ -9979,7 +9128,7 @@
           <p:cNvPr id="4" name="Segnaposto contenuto 3">
             <a:extLst>
               <a:ext uri="{FF2B5EF4-FFF2-40B4-BE49-F238E27FC236}">
-                <a16:creationId xmlns:a16="http://schemas.microsoft.com/office/drawing/2014/main" id="{009804A4-6B3D-4E19-A2EB-87BD64193F1A}"/>
+                <a16:creationId xmlns:a16="http://schemas.microsoft.com/office/drawing/2014/main" xmlns="" id="{13544A92-8328-4004-96C8-B60363828F13}"/>
               </a:ext>
             </a:extLst>
           </p:cNvPr>
@@ -9987,78 +9136,82 @@
             <a:spLocks noGrp="1"/>
           </p:cNvSpPr>
           <p:nvPr>
-            <p:ph idx="1"/>
+            <p:ph idx="10"/>
           </p:nvPr>
         </p:nvSpPr>
         <p:spPr>
           <a:xfrm>
-            <a:off x="323528" y="1131590"/>
-            <a:ext cx="8496944" cy="3315022"/>
+            <a:off x="1925452" y="1563638"/>
+            <a:ext cx="6912768" cy="2995737"/>
           </a:xfrm>
         </p:spPr>
         <p:txBody>
           <a:bodyPr/>
           <a:lstStyle/>
           <a:p>
-            <a:pPr marL="457200" indent="-457200">
+            <a:pPr marL="285750" indent="-285750">
               <a:lnSpc>
-                <a:spcPct val="200000"/>
+                <a:spcPct val="150000"/>
               </a:lnSpc>
               <a:buFont typeface="Arial" panose="020B0604020202020204" pitchFamily="34" charset="0"/>
               <a:buChar char="•"/>
             </a:pPr>
             <a:r>
-              <a:rPr lang="it-CH" sz="2800" dirty="0" err="1"/>
-              <a:t>DroneController</a:t>
-            </a:r>
-            <a:endParaRPr lang="it-CH" sz="2800" dirty="0"/>
-          </a:p>
-          <a:p>
-            <a:pPr marL="1200150" lvl="1" indent="-457200">
+              <a:rPr lang="it-CH" sz="2000" dirty="0"/>
+              <a:t>GUI</a:t>
+            </a:r>
+          </a:p>
+          <a:p>
+            <a:pPr marL="1028700" lvl="1">
               <a:lnSpc>
-                <a:spcPct val="200000"/>
+                <a:spcPct val="150000"/>
               </a:lnSpc>
               <a:buFont typeface="Arial" panose="020B0604020202020204" pitchFamily="34" charset="0"/>
               <a:buChar char="•"/>
             </a:pPr>
             <a:r>
-              <a:rPr lang="it-CH" sz="2400" dirty="0"/>
-              <a:t>Luca &amp; </a:t>
-            </a:r>
-            <a:r>
-              <a:rPr lang="it-CH" sz="2400" dirty="0" err="1"/>
-              <a:t>Fadil</a:t>
-            </a:r>
-            <a:endParaRPr lang="it-CH" sz="6000" dirty="0"/>
-          </a:p>
-          <a:p>
-            <a:pPr marL="457200" indent="-457200">
+              <a:rPr lang="it-CH" sz="2000" dirty="0"/>
+              <a:t>Controllo drone </a:t>
+            </a:r>
+          </a:p>
+          <a:p>
+            <a:pPr marL="1028700" lvl="1">
               <a:lnSpc>
-                <a:spcPct val="200000"/>
+                <a:spcPct val="150000"/>
               </a:lnSpc>
               <a:buFont typeface="Arial" panose="020B0604020202020204" pitchFamily="34" charset="0"/>
               <a:buChar char="•"/>
             </a:pPr>
             <a:r>
-              <a:rPr lang="it-CH" sz="2800" dirty="0"/>
-              <a:t>DroneSimulator</a:t>
-            </a:r>
-          </a:p>
-          <a:p>
-            <a:pPr marL="1200150" lvl="1" indent="-457200">
+              <a:rPr lang="it-CH" sz="2000" dirty="0"/>
+              <a:t>Recording</a:t>
+            </a:r>
+          </a:p>
+          <a:p>
+            <a:pPr marL="1028700" lvl="1">
               <a:lnSpc>
-                <a:spcPct val="200000"/>
+                <a:spcPct val="150000"/>
               </a:lnSpc>
               <a:buFont typeface="Arial" panose="020B0604020202020204" pitchFamily="34" charset="0"/>
               <a:buChar char="•"/>
             </a:pPr>
             <a:r>
-              <a:rPr lang="it-CH" sz="2400" dirty="0" err="1"/>
-              <a:t>Jari</a:t>
-            </a:r>
-            <a:r>
-              <a:rPr lang="it-CH" sz="2400" dirty="0"/>
-              <a:t> &amp; Andrea</a:t>
+              <a:rPr lang="it-CH" sz="2000" dirty="0" err="1"/>
+              <a:t>Config</a:t>
+            </a:r>
+            <a:endParaRPr lang="it-CH" sz="2000" dirty="0"/>
+          </a:p>
+          <a:p>
+            <a:pPr marL="1028700" lvl="1">
+              <a:lnSpc>
+                <a:spcPct val="150000"/>
+              </a:lnSpc>
+              <a:buFont typeface="Arial" panose="020B0604020202020204" pitchFamily="34" charset="0"/>
+              <a:buChar char="•"/>
+            </a:pPr>
+            <a:r>
+              <a:rPr lang="it-CH" sz="2000" dirty="0"/>
+              <a:t>Log</a:t>
             </a:r>
           </a:p>
         </p:txBody>
@@ -10066,20 +9219,20 @@
     </p:spTree>
     <p:extLst>
       <p:ext uri="{BB962C8B-B14F-4D97-AF65-F5344CB8AC3E}">
-        <p14:creationId xmlns:p14="http://schemas.microsoft.com/office/powerpoint/2010/main" val="2631092496"/>
+        <p14:creationId xmlns:p14="http://schemas.microsoft.com/office/powerpoint/2010/main" val="2586380990"/>
       </p:ext>
     </p:extLst>
   </p:cSld>
   <p:clrMapOvr>
     <a:masterClrMapping/>
   </p:clrMapOvr>
-  <mc:AlternateContent xmlns:mc="http://schemas.openxmlformats.org/markup-compatibility/2006" xmlns:p159="http://schemas.microsoft.com/office/powerpoint/2015/09/main">
-    <mc:Choice Requires="p159">
+  <mc:AlternateContent xmlns:mc="http://schemas.openxmlformats.org/markup-compatibility/2006">
+    <mc:Choice xmlns:p159="http://schemas.microsoft.com/office/powerpoint/2015/09/main" xmlns="" Requires="p159">
       <p:transition xmlns:p14="http://schemas.microsoft.com/office/powerpoint/2010/main" spd="slow" p14:dur="2000">
         <p159:morph option="byWord"/>
       </p:transition>
     </mc:Choice>
-    <mc:Fallback xmlns="">
+    <mc:Fallback>
       <p:transition spd="slow">
         <p:fade/>
       </p:transition>
@@ -10088,7 +9241,7 @@
 </p:sld>
 </file>
 
-<file path=ppt/slides/slide23.xml><?xml version="1.0" encoding="utf-8"?>
+<file path=ppt/slides/slide19.xml><?xml version="1.0" encoding="utf-8"?>
 <p:sld xmlns:a="http://schemas.openxmlformats.org/drawingml/2006/main" xmlns:r="http://schemas.openxmlformats.org/officeDocument/2006/relationships" xmlns:p="http://schemas.openxmlformats.org/presentationml/2006/main">
   <p:cSld>
     <p:spTree>
@@ -10110,415 +9263,7 @@
           <p:cNvPr id="2" name="Titolo 1">
             <a:extLst>
               <a:ext uri="{FF2B5EF4-FFF2-40B4-BE49-F238E27FC236}">
-                <a16:creationId xmlns:a16="http://schemas.microsoft.com/office/drawing/2014/main" id="{1C9728DE-DCC3-47F3-A9A7-4840BBF3A649}"/>
-              </a:ext>
-            </a:extLst>
-          </p:cNvPr>
-          <p:cNvSpPr>
-            <a:spLocks noGrp="1"/>
-          </p:cNvSpPr>
-          <p:nvPr>
-            <p:ph type="title"/>
-          </p:nvPr>
-        </p:nvSpPr>
-        <p:spPr/>
-        <p:txBody>
-          <a:bodyPr/>
-          <a:lstStyle/>
-          <a:p>
-            <a:r>
-              <a:rPr lang="it-CH" dirty="0" err="1"/>
-              <a:t>DroneController</a:t>
-            </a:r>
-            <a:endParaRPr lang="it-CH" dirty="0"/>
-          </a:p>
-        </p:txBody>
-      </p:sp>
-      <p:sp>
-        <p:nvSpPr>
-          <p:cNvPr id="3" name="Segnaposto contenuto 2">
-            <a:extLst>
-              <a:ext uri="{FF2B5EF4-FFF2-40B4-BE49-F238E27FC236}">
-                <a16:creationId xmlns:a16="http://schemas.microsoft.com/office/drawing/2014/main" id="{A9782E92-4646-4216-BC0B-9AFBD5130E30}"/>
-              </a:ext>
-            </a:extLst>
-          </p:cNvPr>
-          <p:cNvSpPr>
-            <a:spLocks noGrp="1"/>
-          </p:cNvSpPr>
-          <p:nvPr>
-            <p:ph idx="1"/>
-          </p:nvPr>
-        </p:nvSpPr>
-        <p:spPr>
-          <a:xfrm>
-            <a:off x="2000747" y="884466"/>
-            <a:ext cx="6912768" cy="460648"/>
-          </a:xfrm>
-        </p:spPr>
-        <p:txBody>
-          <a:bodyPr/>
-          <a:lstStyle/>
-          <a:p>
-            <a:r>
-              <a:rPr lang="it-CH" sz="2800" dirty="0"/>
-              <a:t>Classe </a:t>
-            </a:r>
-            <a:r>
-              <a:rPr lang="it-CH" sz="2800" dirty="0" err="1"/>
-              <a:t>DroneController</a:t>
-            </a:r>
-            <a:endParaRPr lang="it-CH" sz="2800" dirty="0"/>
-          </a:p>
-        </p:txBody>
-      </p:sp>
-      <p:sp>
-        <p:nvSpPr>
-          <p:cNvPr id="4" name="Segnaposto contenuto 3">
-            <a:extLst>
-              <a:ext uri="{FF2B5EF4-FFF2-40B4-BE49-F238E27FC236}">
-                <a16:creationId xmlns:a16="http://schemas.microsoft.com/office/drawing/2014/main" id="{13544A92-8328-4004-96C8-B60363828F13}"/>
-              </a:ext>
-            </a:extLst>
-          </p:cNvPr>
-          <p:cNvSpPr>
-            <a:spLocks noGrp="1"/>
-          </p:cNvSpPr>
-          <p:nvPr>
-            <p:ph idx="10"/>
-          </p:nvPr>
-        </p:nvSpPr>
-        <p:spPr/>
-        <p:txBody>
-          <a:bodyPr/>
-          <a:lstStyle/>
-          <a:p>
-            <a:pPr marL="285750" indent="-285750">
-              <a:lnSpc>
-                <a:spcPct val="150000"/>
-              </a:lnSpc>
-              <a:buFont typeface="Arial" panose="020B0604020202020204" pitchFamily="34" charset="0"/>
-              <a:buChar char="•"/>
-            </a:pPr>
-            <a:r>
-              <a:rPr lang="it-CH" sz="2000" dirty="0"/>
-              <a:t>Leggere comandi </a:t>
-            </a:r>
-            <a:r>
-              <a:rPr lang="it-CH" sz="2000" dirty="0" err="1"/>
-              <a:t>LeapMotion</a:t>
-            </a:r>
-            <a:endParaRPr lang="it-CH" sz="2000" dirty="0"/>
-          </a:p>
-          <a:p>
-            <a:pPr marL="1028700" lvl="1">
-              <a:lnSpc>
-                <a:spcPct val="150000"/>
-              </a:lnSpc>
-              <a:buFont typeface="Arial" panose="020B0604020202020204" pitchFamily="34" charset="0"/>
-              <a:buChar char="•"/>
-            </a:pPr>
-            <a:r>
-              <a:rPr lang="it-CH" sz="2000" dirty="0"/>
-              <a:t>Altezza</a:t>
-            </a:r>
-          </a:p>
-          <a:p>
-            <a:pPr marL="1028700" lvl="1">
-              <a:lnSpc>
-                <a:spcPct val="150000"/>
-              </a:lnSpc>
-              <a:buFont typeface="Arial" panose="020B0604020202020204" pitchFamily="34" charset="0"/>
-              <a:buChar char="•"/>
-            </a:pPr>
-            <a:r>
-              <a:rPr lang="it-CH" sz="2000" dirty="0"/>
-              <a:t>Rollio, beccheggio ed imbardata</a:t>
-            </a:r>
-          </a:p>
-          <a:p>
-            <a:pPr marL="285750" indent="-285750">
-              <a:lnSpc>
-                <a:spcPct val="150000"/>
-              </a:lnSpc>
-              <a:buFont typeface="Arial" panose="020B0604020202020204" pitchFamily="34" charset="0"/>
-              <a:buChar char="•"/>
-            </a:pPr>
-            <a:r>
-              <a:rPr lang="it-CH" sz="2000" dirty="0"/>
-              <a:t>Inviati al Drone</a:t>
-            </a:r>
-          </a:p>
-          <a:p>
-            <a:pPr marL="1028700" lvl="1">
-              <a:lnSpc>
-                <a:spcPct val="150000"/>
-              </a:lnSpc>
-              <a:buFont typeface="Arial" panose="020B0604020202020204" pitchFamily="34" charset="0"/>
-              <a:buChar char="•"/>
-            </a:pPr>
-            <a:r>
-              <a:rPr lang="it-CH" sz="2000" dirty="0" err="1"/>
-              <a:t>CommandManager</a:t>
-            </a:r>
-            <a:endParaRPr lang="it-CH" sz="2000" dirty="0"/>
-          </a:p>
-        </p:txBody>
-      </p:sp>
-    </p:spTree>
-    <p:extLst>
-      <p:ext uri="{BB962C8B-B14F-4D97-AF65-F5344CB8AC3E}">
-        <p14:creationId xmlns:p14="http://schemas.microsoft.com/office/powerpoint/2010/main" val="1615021837"/>
-      </p:ext>
-    </p:extLst>
-  </p:cSld>
-  <p:clrMapOvr>
-    <a:masterClrMapping/>
-  </p:clrMapOvr>
-  <mc:AlternateContent xmlns:mc="http://schemas.openxmlformats.org/markup-compatibility/2006" xmlns:p159="http://schemas.microsoft.com/office/powerpoint/2015/09/main">
-    <mc:Choice Requires="p159">
-      <p:transition xmlns:p14="http://schemas.microsoft.com/office/powerpoint/2010/main" spd="slow" p14:dur="2000">
-        <p159:morph option="byWord"/>
-      </p:transition>
-    </mc:Choice>
-    <mc:Fallback xmlns="">
-      <p:transition spd="slow">
-        <p:fade/>
-      </p:transition>
-    </mc:Fallback>
-  </mc:AlternateContent>
-</p:sld>
-</file>
-
-<file path=ppt/slides/slide24.xml><?xml version="1.0" encoding="utf-8"?>
-<p:sld xmlns:a="http://schemas.openxmlformats.org/drawingml/2006/main" xmlns:r="http://schemas.openxmlformats.org/officeDocument/2006/relationships" xmlns:p="http://schemas.openxmlformats.org/presentationml/2006/main">
-  <p:cSld>
-    <p:spTree>
-      <p:nvGrpSpPr>
-        <p:cNvPr id="1" name=""/>
-        <p:cNvGrpSpPr/>
-        <p:nvPr/>
-      </p:nvGrpSpPr>
-      <p:grpSpPr>
-        <a:xfrm>
-          <a:off x="0" y="0"/>
-          <a:ext cx="0" cy="0"/>
-          <a:chOff x="0" y="0"/>
-          <a:chExt cx="0" cy="0"/>
-        </a:xfrm>
-      </p:grpSpPr>
-      <p:sp>
-        <p:nvSpPr>
-          <p:cNvPr id="2" name="Titolo 1">
-            <a:extLst>
-              <a:ext uri="{FF2B5EF4-FFF2-40B4-BE49-F238E27FC236}">
-                <a16:creationId xmlns:a16="http://schemas.microsoft.com/office/drawing/2014/main" id="{1C9728DE-DCC3-47F3-A9A7-4840BBF3A649}"/>
-              </a:ext>
-            </a:extLst>
-          </p:cNvPr>
-          <p:cNvSpPr>
-            <a:spLocks noGrp="1"/>
-          </p:cNvSpPr>
-          <p:nvPr>
-            <p:ph type="title"/>
-          </p:nvPr>
-        </p:nvSpPr>
-        <p:spPr/>
-        <p:txBody>
-          <a:bodyPr/>
-          <a:lstStyle/>
-          <a:p>
-            <a:r>
-              <a:rPr lang="it-CH" dirty="0" err="1"/>
-              <a:t>DroneController</a:t>
-            </a:r>
-            <a:endParaRPr lang="it-CH" dirty="0"/>
-          </a:p>
-        </p:txBody>
-      </p:sp>
-      <p:sp>
-        <p:nvSpPr>
-          <p:cNvPr id="3" name="Segnaposto contenuto 2">
-            <a:extLst>
-              <a:ext uri="{FF2B5EF4-FFF2-40B4-BE49-F238E27FC236}">
-                <a16:creationId xmlns:a16="http://schemas.microsoft.com/office/drawing/2014/main" id="{A9782E92-4646-4216-BC0B-9AFBD5130E30}"/>
-              </a:ext>
-            </a:extLst>
-          </p:cNvPr>
-          <p:cNvSpPr>
-            <a:spLocks noGrp="1"/>
-          </p:cNvSpPr>
-          <p:nvPr>
-            <p:ph idx="1"/>
-          </p:nvPr>
-        </p:nvSpPr>
-        <p:spPr>
-          <a:xfrm>
-            <a:off x="2000747" y="884466"/>
-            <a:ext cx="6912768" cy="460648"/>
-          </a:xfrm>
-        </p:spPr>
-        <p:txBody>
-          <a:bodyPr/>
-          <a:lstStyle/>
-          <a:p>
-            <a:r>
-              <a:rPr lang="it-CH" sz="2800" dirty="0"/>
-              <a:t>Classe </a:t>
-            </a:r>
-            <a:r>
-              <a:rPr lang="it-IT" sz="2800" dirty="0" err="1"/>
-              <a:t>DroneControllerMonitor</a:t>
-            </a:r>
-            <a:r>
-              <a:rPr lang="it-IT" sz="2800" dirty="0"/>
-              <a:t> </a:t>
-            </a:r>
-            <a:endParaRPr lang="it-CH" sz="2800" dirty="0"/>
-          </a:p>
-        </p:txBody>
-      </p:sp>
-      <p:sp>
-        <p:nvSpPr>
-          <p:cNvPr id="4" name="Segnaposto contenuto 3">
-            <a:extLst>
-              <a:ext uri="{FF2B5EF4-FFF2-40B4-BE49-F238E27FC236}">
-                <a16:creationId xmlns:a16="http://schemas.microsoft.com/office/drawing/2014/main" id="{13544A92-8328-4004-96C8-B60363828F13}"/>
-              </a:ext>
-            </a:extLst>
-          </p:cNvPr>
-          <p:cNvSpPr>
-            <a:spLocks noGrp="1"/>
-          </p:cNvSpPr>
-          <p:nvPr>
-            <p:ph idx="10"/>
-          </p:nvPr>
-        </p:nvSpPr>
-        <p:spPr>
-          <a:xfrm>
-            <a:off x="1925452" y="1563638"/>
-            <a:ext cx="6912768" cy="2995737"/>
-          </a:xfrm>
-        </p:spPr>
-        <p:txBody>
-          <a:bodyPr/>
-          <a:lstStyle/>
-          <a:p>
-            <a:pPr marL="285750" indent="-285750">
-              <a:lnSpc>
-                <a:spcPct val="150000"/>
-              </a:lnSpc>
-              <a:buFont typeface="Arial" panose="020B0604020202020204" pitchFamily="34" charset="0"/>
-              <a:buChar char="•"/>
-            </a:pPr>
-            <a:r>
-              <a:rPr lang="it-CH" sz="2000" dirty="0"/>
-              <a:t>GUI</a:t>
-            </a:r>
-          </a:p>
-          <a:p>
-            <a:pPr marL="1028700" lvl="1">
-              <a:lnSpc>
-                <a:spcPct val="150000"/>
-              </a:lnSpc>
-              <a:buFont typeface="Arial" panose="020B0604020202020204" pitchFamily="34" charset="0"/>
-              <a:buChar char="•"/>
-            </a:pPr>
-            <a:r>
-              <a:rPr lang="it-CH" sz="2000" dirty="0"/>
-              <a:t>Controllo drone </a:t>
-            </a:r>
-          </a:p>
-          <a:p>
-            <a:pPr marL="1028700" lvl="1">
-              <a:lnSpc>
-                <a:spcPct val="150000"/>
-              </a:lnSpc>
-              <a:buFont typeface="Arial" panose="020B0604020202020204" pitchFamily="34" charset="0"/>
-              <a:buChar char="•"/>
-            </a:pPr>
-            <a:r>
-              <a:rPr lang="it-CH" sz="2000" dirty="0"/>
-              <a:t>Recording</a:t>
-            </a:r>
-          </a:p>
-          <a:p>
-            <a:pPr marL="1028700" lvl="1">
-              <a:lnSpc>
-                <a:spcPct val="150000"/>
-              </a:lnSpc>
-              <a:buFont typeface="Arial" panose="020B0604020202020204" pitchFamily="34" charset="0"/>
-              <a:buChar char="•"/>
-            </a:pPr>
-            <a:r>
-              <a:rPr lang="it-CH" sz="2000" dirty="0" err="1"/>
-              <a:t>Config</a:t>
-            </a:r>
-            <a:endParaRPr lang="it-CH" sz="2000" dirty="0"/>
-          </a:p>
-          <a:p>
-            <a:pPr marL="1028700" lvl="1">
-              <a:lnSpc>
-                <a:spcPct val="150000"/>
-              </a:lnSpc>
-              <a:buFont typeface="Arial" panose="020B0604020202020204" pitchFamily="34" charset="0"/>
-              <a:buChar char="•"/>
-            </a:pPr>
-            <a:r>
-              <a:rPr lang="it-CH" sz="2000" dirty="0"/>
-              <a:t>Log</a:t>
-            </a:r>
-          </a:p>
-        </p:txBody>
-      </p:sp>
-    </p:spTree>
-    <p:extLst>
-      <p:ext uri="{BB962C8B-B14F-4D97-AF65-F5344CB8AC3E}">
-        <p14:creationId xmlns:p14="http://schemas.microsoft.com/office/powerpoint/2010/main" val="2586380990"/>
-      </p:ext>
-    </p:extLst>
-  </p:cSld>
-  <p:clrMapOvr>
-    <a:masterClrMapping/>
-  </p:clrMapOvr>
-  <mc:AlternateContent xmlns:mc="http://schemas.openxmlformats.org/markup-compatibility/2006" xmlns:p159="http://schemas.microsoft.com/office/powerpoint/2015/09/main">
-    <mc:Choice Requires="p159">
-      <p:transition xmlns:p14="http://schemas.microsoft.com/office/powerpoint/2010/main" spd="slow" p14:dur="2000">
-        <p159:morph option="byWord"/>
-      </p:transition>
-    </mc:Choice>
-    <mc:Fallback xmlns="">
-      <p:transition spd="slow">
-        <p:fade/>
-      </p:transition>
-    </mc:Fallback>
-  </mc:AlternateContent>
-</p:sld>
-</file>
-
-<file path=ppt/slides/slide25.xml><?xml version="1.0" encoding="utf-8"?>
-<p:sld xmlns:a="http://schemas.openxmlformats.org/drawingml/2006/main" xmlns:r="http://schemas.openxmlformats.org/officeDocument/2006/relationships" xmlns:p="http://schemas.openxmlformats.org/presentationml/2006/main">
-  <p:cSld>
-    <p:spTree>
-      <p:nvGrpSpPr>
-        <p:cNvPr id="1" name=""/>
-        <p:cNvGrpSpPr/>
-        <p:nvPr/>
-      </p:nvGrpSpPr>
-      <p:grpSpPr>
-        <a:xfrm>
-          <a:off x="0" y="0"/>
-          <a:ext cx="0" cy="0"/>
-          <a:chOff x="0" y="0"/>
-          <a:chExt cx="0" cy="0"/>
-        </a:xfrm>
-      </p:grpSpPr>
-      <p:sp>
-        <p:nvSpPr>
-          <p:cNvPr id="2" name="Titolo 1">
-            <a:extLst>
-              <a:ext uri="{FF2B5EF4-FFF2-40B4-BE49-F238E27FC236}">
-                <a16:creationId xmlns:a16="http://schemas.microsoft.com/office/drawing/2014/main" id="{929A8F7E-6DE7-4CF1-8507-D13BF35BA7BD}"/>
+                <a16:creationId xmlns:a16="http://schemas.microsoft.com/office/drawing/2014/main" xmlns="" id="{929A8F7E-6DE7-4CF1-8507-D13BF35BA7BD}"/>
               </a:ext>
             </a:extLst>
           </p:cNvPr>
@@ -10557,7 +9302,7 @@
           <p:cNvPr id="7" name="Segnaposto contenuto 6">
             <a:extLst>
               <a:ext uri="{FF2B5EF4-FFF2-40B4-BE49-F238E27FC236}">
-                <a16:creationId xmlns:a16="http://schemas.microsoft.com/office/drawing/2014/main" id="{2C760AAA-BFC6-4AF6-AC4C-EB880816BB6F}"/>
+                <a16:creationId xmlns:a16="http://schemas.microsoft.com/office/drawing/2014/main" xmlns="" id="{2C760AAA-BFC6-4AF6-AC4C-EB880816BB6F}"/>
               </a:ext>
             </a:extLst>
           </p:cNvPr>
@@ -10599,7 +9344,7 @@
 </p:sld>
 </file>
 
-<file path=ppt/slides/slide26.xml><?xml version="1.0" encoding="utf-8"?>
+<file path=ppt/slides/slide2.xml><?xml version="1.0" encoding="utf-8"?>
 <p:sld xmlns:a="http://schemas.openxmlformats.org/drawingml/2006/main" xmlns:r="http://schemas.openxmlformats.org/officeDocument/2006/relationships" xmlns:p="http://schemas.openxmlformats.org/presentationml/2006/main">
   <p:cSld>
     <p:spTree>
@@ -10621,7 +9366,166 @@
           <p:cNvPr id="2" name="Titolo 1">
             <a:extLst>
               <a:ext uri="{FF2B5EF4-FFF2-40B4-BE49-F238E27FC236}">
-                <a16:creationId xmlns:a16="http://schemas.microsoft.com/office/drawing/2014/main" id="{929A8F7E-6DE7-4CF1-8507-D13BF35BA7BD}"/>
+                <a16:creationId xmlns:a16="http://schemas.microsoft.com/office/drawing/2014/main" xmlns="" id="{1F4EF76E-72FB-49D5-9299-592E62BF06B2}"/>
+              </a:ext>
+            </a:extLst>
+          </p:cNvPr>
+          <p:cNvSpPr>
+            <a:spLocks noGrp="1"/>
+          </p:cNvSpPr>
+          <p:nvPr>
+            <p:ph type="title"/>
+          </p:nvPr>
+        </p:nvSpPr>
+        <p:spPr/>
+        <p:txBody>
+          <a:bodyPr/>
+          <a:lstStyle/>
+          <a:p>
+            <a:r>
+              <a:rPr lang="it-CH" dirty="0"/>
+              <a:t>CHI SIAMO</a:t>
+            </a:r>
+          </a:p>
+        </p:txBody>
+      </p:sp>
+      <p:sp>
+        <p:nvSpPr>
+          <p:cNvPr id="4" name="Segnaposto contenuto 3">
+            <a:extLst>
+              <a:ext uri="{FF2B5EF4-FFF2-40B4-BE49-F238E27FC236}">
+                <a16:creationId xmlns:a16="http://schemas.microsoft.com/office/drawing/2014/main" xmlns="" id="{FB91016C-8169-45ED-B54B-B80E87645789}"/>
+              </a:ext>
+            </a:extLst>
+          </p:cNvPr>
+          <p:cNvSpPr>
+            <a:spLocks noGrp="1"/>
+          </p:cNvSpPr>
+          <p:nvPr>
+            <p:ph idx="1"/>
+          </p:nvPr>
+        </p:nvSpPr>
+        <p:spPr>
+          <a:xfrm>
+            <a:off x="405880" y="884467"/>
+            <a:ext cx="8496944" cy="3775516"/>
+          </a:xfrm>
+        </p:spPr>
+        <p:txBody>
+          <a:bodyPr/>
+          <a:lstStyle/>
+          <a:p>
+            <a:pPr marL="628650" indent="-342900">
+              <a:buFont typeface="Arial" panose="020B0604020202020204" pitchFamily="34" charset="0"/>
+              <a:buChar char="•"/>
+            </a:pPr>
+            <a:r>
+              <a:rPr lang="it-CH" sz="3200" dirty="0"/>
+              <a:t>Luca Di Bello</a:t>
+            </a:r>
+          </a:p>
+          <a:p>
+            <a:pPr marL="1371600" lvl="1" indent="-342900">
+              <a:buFont typeface="Arial" panose="020B0604020202020204" pitchFamily="34" charset="0"/>
+              <a:buChar char="•"/>
+            </a:pPr>
+            <a:r>
+              <a:rPr lang="it-CH" sz="3800" dirty="0">
+                <a:hlinkClick r:id="rId2"/>
+              </a:rPr>
+              <a:t>luca.dibello@samtrevano.ch</a:t>
+            </a:r>
+            <a:endParaRPr lang="it-CH" sz="3800" dirty="0"/>
+          </a:p>
+          <a:p>
+            <a:pPr marL="1371600" lvl="1" indent="-342900">
+              <a:buFont typeface="Arial" panose="020B0604020202020204" pitchFamily="34" charset="0"/>
+              <a:buChar char="•"/>
+            </a:pPr>
+            <a:endParaRPr lang="it-CH" sz="3800" dirty="0"/>
+          </a:p>
+          <a:p>
+            <a:pPr marL="628650" indent="-342900">
+              <a:buFont typeface="Arial" panose="020B0604020202020204" pitchFamily="34" charset="0"/>
+              <a:buChar char="•"/>
+            </a:pPr>
+            <a:r>
+              <a:rPr lang="it-CH" sz="3600" dirty="0" err="1"/>
+              <a:t>Fadil</a:t>
+            </a:r>
+            <a:r>
+              <a:rPr lang="it-CH" sz="3600" dirty="0"/>
+              <a:t> </a:t>
+            </a:r>
+            <a:r>
+              <a:rPr lang="it-CH" sz="3600" dirty="0" err="1"/>
+              <a:t>Smajilbasic</a:t>
+            </a:r>
+            <a:endParaRPr lang="it-CH" sz="3600" dirty="0"/>
+          </a:p>
+          <a:p>
+            <a:pPr marL="1371600" lvl="1" indent="-342900">
+              <a:buFont typeface="Arial" panose="020B0604020202020204" pitchFamily="34" charset="0"/>
+              <a:buChar char="•"/>
+            </a:pPr>
+            <a:r>
+              <a:rPr lang="it-CH" sz="3600" dirty="0">
+                <a:hlinkClick r:id="rId3"/>
+              </a:rPr>
+              <a:t>fadil.smajilbasic@samtrevano.ch</a:t>
+            </a:r>
+            <a:endParaRPr lang="it-CH" sz="3600" dirty="0"/>
+          </a:p>
+        </p:txBody>
+      </p:sp>
+    </p:spTree>
+    <p:extLst>
+      <p:ext uri="{BB962C8B-B14F-4D97-AF65-F5344CB8AC3E}">
+        <p14:creationId xmlns:p14="http://schemas.microsoft.com/office/powerpoint/2010/main" val="1267420435"/>
+      </p:ext>
+    </p:extLst>
+  </p:cSld>
+  <p:clrMapOvr>
+    <a:masterClrMapping/>
+  </p:clrMapOvr>
+  <mc:AlternateContent xmlns:mc="http://schemas.openxmlformats.org/markup-compatibility/2006">
+    <mc:Choice xmlns:p159="http://schemas.microsoft.com/office/powerpoint/2015/09/main" xmlns="" Requires="p159">
+      <p:transition xmlns:p14="http://schemas.microsoft.com/office/powerpoint/2010/main" spd="slow" p14:dur="2000">
+        <p159:morph option="byWord"/>
+      </p:transition>
+    </mc:Choice>
+    <mc:Fallback>
+      <p:transition spd="slow">
+        <p:fade/>
+      </p:transition>
+    </mc:Fallback>
+  </mc:AlternateContent>
+</p:sld>
+</file>
+
+<file path=ppt/slides/slide20.xml><?xml version="1.0" encoding="utf-8"?>
+<p:sld xmlns:a="http://schemas.openxmlformats.org/drawingml/2006/main" xmlns:r="http://schemas.openxmlformats.org/officeDocument/2006/relationships" xmlns:p="http://schemas.openxmlformats.org/presentationml/2006/main">
+  <p:cSld>
+    <p:spTree>
+      <p:nvGrpSpPr>
+        <p:cNvPr id="1" name=""/>
+        <p:cNvGrpSpPr/>
+        <p:nvPr/>
+      </p:nvGrpSpPr>
+      <p:grpSpPr>
+        <a:xfrm>
+          <a:off x="0" y="0"/>
+          <a:ext cx="0" cy="0"/>
+          <a:chOff x="0" y="0"/>
+          <a:chExt cx="0" cy="0"/>
+        </a:xfrm>
+      </p:grpSpPr>
+      <p:sp>
+        <p:nvSpPr>
+          <p:cNvPr id="2" name="Titolo 1">
+            <a:extLst>
+              <a:ext uri="{FF2B5EF4-FFF2-40B4-BE49-F238E27FC236}">
+                <a16:creationId xmlns:a16="http://schemas.microsoft.com/office/drawing/2014/main" xmlns="" id="{929A8F7E-6DE7-4CF1-8507-D13BF35BA7BD}"/>
               </a:ext>
             </a:extLst>
           </p:cNvPr>
@@ -10660,7 +9564,7 @@
           <p:cNvPr id="6" name="Segnaposto contenuto 5">
             <a:extLst>
               <a:ext uri="{FF2B5EF4-FFF2-40B4-BE49-F238E27FC236}">
-                <a16:creationId xmlns:a16="http://schemas.microsoft.com/office/drawing/2014/main" id="{B97A6D36-DB14-4C36-BD13-15CE91E275F7}"/>
+                <a16:creationId xmlns:a16="http://schemas.microsoft.com/office/drawing/2014/main" xmlns="" id="{B97A6D36-DB14-4C36-BD13-15CE91E275F7}"/>
               </a:ext>
             </a:extLst>
           </p:cNvPr>
@@ -10702,7 +9606,7 @@
 </p:sld>
 </file>
 
-<file path=ppt/slides/slide27.xml><?xml version="1.0" encoding="utf-8"?>
+<file path=ppt/slides/slide21.xml><?xml version="1.0" encoding="utf-8"?>
 <p:sld xmlns:a="http://schemas.openxmlformats.org/drawingml/2006/main" xmlns:r="http://schemas.openxmlformats.org/officeDocument/2006/relationships" xmlns:p="http://schemas.openxmlformats.org/presentationml/2006/main">
   <p:cSld>
     <p:spTree>
@@ -10724,7 +9628,7 @@
           <p:cNvPr id="2" name="Titolo 1">
             <a:extLst>
               <a:ext uri="{FF2B5EF4-FFF2-40B4-BE49-F238E27FC236}">
-                <a16:creationId xmlns:a16="http://schemas.microsoft.com/office/drawing/2014/main" id="{929A8F7E-6DE7-4CF1-8507-D13BF35BA7BD}"/>
+                <a16:creationId xmlns:a16="http://schemas.microsoft.com/office/drawing/2014/main" xmlns="" id="{929A8F7E-6DE7-4CF1-8507-D13BF35BA7BD}"/>
               </a:ext>
             </a:extLst>
           </p:cNvPr>
@@ -10763,7 +9667,7 @@
           <p:cNvPr id="7" name="Segnaposto contenuto 6">
             <a:extLst>
               <a:ext uri="{FF2B5EF4-FFF2-40B4-BE49-F238E27FC236}">
-                <a16:creationId xmlns:a16="http://schemas.microsoft.com/office/drawing/2014/main" id="{08CE3365-7158-4311-97F0-0A11BB69C5E9}"/>
+                <a16:creationId xmlns:a16="http://schemas.microsoft.com/office/drawing/2014/main" xmlns="" id="{08CE3365-7158-4311-97F0-0A11BB69C5E9}"/>
               </a:ext>
             </a:extLst>
           </p:cNvPr>
@@ -10805,7 +9709,7 @@
 </p:sld>
 </file>
 
-<file path=ppt/slides/slide28.xml><?xml version="1.0" encoding="utf-8"?>
+<file path=ppt/slides/slide22.xml><?xml version="1.0" encoding="utf-8"?>
 <p:sld xmlns:a="http://schemas.openxmlformats.org/drawingml/2006/main" xmlns:r="http://schemas.openxmlformats.org/officeDocument/2006/relationships" xmlns:p="http://schemas.openxmlformats.org/presentationml/2006/main">
   <p:cSld>
     <p:spTree>
@@ -10827,7 +9731,7 @@
           <p:cNvPr id="2" name="Titolo 1">
             <a:extLst>
               <a:ext uri="{FF2B5EF4-FFF2-40B4-BE49-F238E27FC236}">
-                <a16:creationId xmlns:a16="http://schemas.microsoft.com/office/drawing/2014/main" id="{929A8F7E-6DE7-4CF1-8507-D13BF35BA7BD}"/>
+                <a16:creationId xmlns:a16="http://schemas.microsoft.com/office/drawing/2014/main" xmlns="" id="{929A8F7E-6DE7-4CF1-8507-D13BF35BA7BD}"/>
               </a:ext>
             </a:extLst>
           </p:cNvPr>
@@ -10866,7 +9770,7 @@
           <p:cNvPr id="10" name="Segnaposto contenuto 9">
             <a:extLst>
               <a:ext uri="{FF2B5EF4-FFF2-40B4-BE49-F238E27FC236}">
-                <a16:creationId xmlns:a16="http://schemas.microsoft.com/office/drawing/2014/main" id="{5AD6B1D3-1840-4DF9-8D90-3402003E993D}"/>
+                <a16:creationId xmlns:a16="http://schemas.microsoft.com/office/drawing/2014/main" xmlns="" id="{5AD6B1D3-1840-4DF9-8D90-3402003E993D}"/>
               </a:ext>
             </a:extLst>
           </p:cNvPr>
@@ -10908,7 +9812,7 @@
 </p:sld>
 </file>
 
-<file path=ppt/slides/slide29.xml><?xml version="1.0" encoding="utf-8"?>
+<file path=ppt/slides/slide23.xml><?xml version="1.0" encoding="utf-8"?>
 <p:sld xmlns:a="http://schemas.openxmlformats.org/drawingml/2006/main" xmlns:r="http://schemas.openxmlformats.org/officeDocument/2006/relationships" xmlns:p="http://schemas.openxmlformats.org/presentationml/2006/main">
   <p:cSld>
     <p:spTree>
@@ -10930,7 +9834,7 @@
           <p:cNvPr id="2" name="Titolo 1">
             <a:extLst>
               <a:ext uri="{FF2B5EF4-FFF2-40B4-BE49-F238E27FC236}">
-                <a16:creationId xmlns:a16="http://schemas.microsoft.com/office/drawing/2014/main" id="{1C9728DE-DCC3-47F3-A9A7-4840BBF3A649}"/>
+                <a16:creationId xmlns:a16="http://schemas.microsoft.com/office/drawing/2014/main" xmlns="" id="{1C9728DE-DCC3-47F3-A9A7-4840BBF3A649}"/>
               </a:ext>
             </a:extLst>
           </p:cNvPr>
@@ -10959,7 +9863,7 @@
           <p:cNvPr id="3" name="Segnaposto contenuto 2">
             <a:extLst>
               <a:ext uri="{FF2B5EF4-FFF2-40B4-BE49-F238E27FC236}">
-                <a16:creationId xmlns:a16="http://schemas.microsoft.com/office/drawing/2014/main" id="{A9782E92-4646-4216-BC0B-9AFBD5130E30}"/>
+                <a16:creationId xmlns:a16="http://schemas.microsoft.com/office/drawing/2014/main" xmlns="" id="{A9782E92-4646-4216-BC0B-9AFBD5130E30}"/>
               </a:ext>
             </a:extLst>
           </p:cNvPr>
@@ -11001,7 +9905,7 @@
           <p:cNvPr id="4" name="Segnaposto contenuto 3">
             <a:extLst>
               <a:ext uri="{FF2B5EF4-FFF2-40B4-BE49-F238E27FC236}">
-                <a16:creationId xmlns:a16="http://schemas.microsoft.com/office/drawing/2014/main" id="{13544A92-8328-4004-96C8-B60363828F13}"/>
+                <a16:creationId xmlns:a16="http://schemas.microsoft.com/office/drawing/2014/main" xmlns="" id="{13544A92-8328-4004-96C8-B60363828F13}"/>
               </a:ext>
             </a:extLst>
           </p:cNvPr>
@@ -11047,8 +9951,38 @@
                 <a:cs typeface="+mn-cs"/>
                 <a:sym typeface="Wingdings" panose="05000000000000000000" pitchFamily="2" charset="2"/>
               </a:rPr>
-              <a:t> UDP Socket</a:t>
-            </a:r>
+              <a:t> </a:t>
+            </a:r>
+            <a:r>
+              <a:rPr lang="it-CH" sz="2000" dirty="0" err="1" smtClean="0">
+                <a:solidFill>
+                  <a:schemeClr val="tx1"/>
+                </a:solidFill>
+                <a:latin typeface="+mn-lt"/>
+                <a:cs typeface="+mn-cs"/>
+                <a:sym typeface="Wingdings" panose="05000000000000000000" pitchFamily="2" charset="2"/>
+              </a:rPr>
+              <a:t>Socket</a:t>
+            </a:r>
+            <a:r>
+              <a:rPr lang="it-CH" sz="2000" dirty="0" smtClean="0">
+                <a:solidFill>
+                  <a:schemeClr val="tx1"/>
+                </a:solidFill>
+                <a:latin typeface="+mn-lt"/>
+                <a:cs typeface="+mn-cs"/>
+                <a:sym typeface="Wingdings" panose="05000000000000000000" pitchFamily="2" charset="2"/>
+              </a:rPr>
+              <a:t> UDP</a:t>
+            </a:r>
+            <a:endParaRPr lang="it-CH" sz="2000" dirty="0">
+              <a:solidFill>
+                <a:schemeClr val="tx1"/>
+              </a:solidFill>
+              <a:latin typeface="+mn-lt"/>
+              <a:cs typeface="+mn-cs"/>
+              <a:sym typeface="Wingdings" panose="05000000000000000000" pitchFamily="2" charset="2"/>
+            </a:endParaRPr>
           </a:p>
           <a:p>
             <a:pPr marL="285750" indent="-285750">
@@ -11118,13 +10052,13 @@
   <p:clrMapOvr>
     <a:masterClrMapping/>
   </p:clrMapOvr>
-  <mc:AlternateContent xmlns:mc="http://schemas.openxmlformats.org/markup-compatibility/2006" xmlns:p159="http://schemas.microsoft.com/office/powerpoint/2015/09/main">
-    <mc:Choice Requires="p159">
+  <mc:AlternateContent xmlns:mc="http://schemas.openxmlformats.org/markup-compatibility/2006">
+    <mc:Choice xmlns:p159="http://schemas.microsoft.com/office/powerpoint/2015/09/main" xmlns="" Requires="p159">
       <p:transition xmlns:p14="http://schemas.microsoft.com/office/powerpoint/2010/main" spd="slow" p14:dur="2000">
         <p159:morph option="byWord"/>
       </p:transition>
     </mc:Choice>
-    <mc:Fallback xmlns="">
+    <mc:Fallback>
       <p:transition spd="slow">
         <p:fade/>
       </p:transition>
@@ -11133,171 +10067,7 @@
 </p:sld>
 </file>
 
-<file path=ppt/slides/slide3.xml><?xml version="1.0" encoding="utf-8"?>
-<p:sld xmlns:a="http://schemas.openxmlformats.org/drawingml/2006/main" xmlns:r="http://schemas.openxmlformats.org/officeDocument/2006/relationships" xmlns:p="http://schemas.openxmlformats.org/presentationml/2006/main">
-  <p:cSld>
-    <p:spTree>
-      <p:nvGrpSpPr>
-        <p:cNvPr id="1" name=""/>
-        <p:cNvGrpSpPr/>
-        <p:nvPr/>
-      </p:nvGrpSpPr>
-      <p:grpSpPr>
-        <a:xfrm>
-          <a:off x="0" y="0"/>
-          <a:ext cx="0" cy="0"/>
-          <a:chOff x="0" y="0"/>
-          <a:chExt cx="0" cy="0"/>
-        </a:xfrm>
-      </p:grpSpPr>
-      <p:sp>
-        <p:nvSpPr>
-          <p:cNvPr id="2" name="Titolo 1">
-            <a:extLst>
-              <a:ext uri="{FF2B5EF4-FFF2-40B4-BE49-F238E27FC236}">
-                <a16:creationId xmlns:a16="http://schemas.microsoft.com/office/drawing/2014/main" id="{1F4EF76E-72FB-49D5-9299-592E62BF06B2}"/>
-              </a:ext>
-            </a:extLst>
-          </p:cNvPr>
-          <p:cNvSpPr>
-            <a:spLocks noGrp="1"/>
-          </p:cNvSpPr>
-          <p:nvPr>
-            <p:ph type="title"/>
-          </p:nvPr>
-        </p:nvSpPr>
-        <p:spPr/>
-        <p:txBody>
-          <a:bodyPr/>
-          <a:lstStyle/>
-          <a:p>
-            <a:r>
-              <a:rPr lang="it-CH" dirty="0"/>
-              <a:t>CHI SIAMO</a:t>
-            </a:r>
-          </a:p>
-        </p:txBody>
-      </p:sp>
-      <p:sp>
-        <p:nvSpPr>
-          <p:cNvPr id="4" name="Segnaposto contenuto 3">
-            <a:extLst>
-              <a:ext uri="{FF2B5EF4-FFF2-40B4-BE49-F238E27FC236}">
-                <a16:creationId xmlns:a16="http://schemas.microsoft.com/office/drawing/2014/main" id="{FB91016C-8169-45ED-B54B-B80E87645789}"/>
-              </a:ext>
-            </a:extLst>
-          </p:cNvPr>
-          <p:cNvSpPr>
-            <a:spLocks noGrp="1"/>
-          </p:cNvSpPr>
-          <p:nvPr>
-            <p:ph idx="1"/>
-          </p:nvPr>
-        </p:nvSpPr>
-        <p:spPr>
-          <a:xfrm>
-            <a:off x="405880" y="884467"/>
-            <a:ext cx="8496944" cy="3775516"/>
-          </a:xfrm>
-        </p:spPr>
-        <p:txBody>
-          <a:bodyPr/>
-          <a:lstStyle/>
-          <a:p>
-            <a:pPr marL="628650" indent="-342900">
-              <a:buFont typeface="Arial" panose="020B0604020202020204" pitchFamily="34" charset="0"/>
-              <a:buChar char="•"/>
-            </a:pPr>
-            <a:r>
-              <a:rPr lang="it-CH" sz="3200" dirty="0" err="1"/>
-              <a:t>Jari</a:t>
-            </a:r>
-            <a:r>
-              <a:rPr lang="it-CH" sz="3200" dirty="0"/>
-              <a:t> </a:t>
-            </a:r>
-            <a:r>
-              <a:rPr lang="it-CH" sz="3200" dirty="0" err="1"/>
-              <a:t>Näser</a:t>
-            </a:r>
-            <a:endParaRPr lang="it-CH" sz="3200" dirty="0"/>
-          </a:p>
-          <a:p>
-            <a:pPr marL="1371600" lvl="1" indent="-342900">
-              <a:buFont typeface="Arial" panose="020B0604020202020204" pitchFamily="34" charset="0"/>
-              <a:buChar char="•"/>
-            </a:pPr>
-            <a:r>
-              <a:rPr lang="it-CH" sz="3800" dirty="0">
-                <a:hlinkClick r:id="rId3"/>
-              </a:rPr>
-              <a:t>jari.naeser@samtrevano.ch</a:t>
-            </a:r>
-            <a:endParaRPr lang="it-CH" sz="3800" dirty="0"/>
-          </a:p>
-          <a:p>
-            <a:pPr marL="1371600" lvl="1" indent="-342900">
-              <a:buFont typeface="Arial" panose="020B0604020202020204" pitchFamily="34" charset="0"/>
-              <a:buChar char="•"/>
-            </a:pPr>
-            <a:endParaRPr lang="it-CH" sz="3800" dirty="0"/>
-          </a:p>
-          <a:p>
-            <a:pPr marL="628650" indent="-342900">
-              <a:buFont typeface="Arial" panose="020B0604020202020204" pitchFamily="34" charset="0"/>
-              <a:buChar char="•"/>
-            </a:pPr>
-            <a:r>
-              <a:rPr lang="it-CH" sz="3600" dirty="0"/>
-              <a:t>Andrea </a:t>
-            </a:r>
-            <a:r>
-              <a:rPr lang="it-CH" sz="3600" dirty="0" err="1"/>
-              <a:t>Rauso</a:t>
-            </a:r>
-            <a:endParaRPr lang="it-CH" sz="3600" dirty="0"/>
-          </a:p>
-          <a:p>
-            <a:pPr marL="1371600" lvl="1" indent="-342900">
-              <a:buFont typeface="Arial" panose="020B0604020202020204" pitchFamily="34" charset="0"/>
-              <a:buChar char="•"/>
-            </a:pPr>
-            <a:r>
-              <a:rPr lang="it-CH" sz="3600" dirty="0">
-                <a:hlinkClick r:id="rId4"/>
-              </a:rPr>
-              <a:t>andrea.rauso@samtrevano.ch</a:t>
-            </a:r>
-            <a:endParaRPr lang="it-CH" sz="3600" dirty="0"/>
-          </a:p>
-        </p:txBody>
-      </p:sp>
-    </p:spTree>
-    <p:extLst>
-      <p:ext uri="{BB962C8B-B14F-4D97-AF65-F5344CB8AC3E}">
-        <p14:creationId xmlns:p14="http://schemas.microsoft.com/office/powerpoint/2010/main" val="790960300"/>
-      </p:ext>
-    </p:extLst>
-  </p:cSld>
-  <p:clrMapOvr>
-    <a:masterClrMapping/>
-  </p:clrMapOvr>
-  <mc:AlternateContent xmlns:mc="http://schemas.openxmlformats.org/markup-compatibility/2006" xmlns:p159="http://schemas.microsoft.com/office/powerpoint/2015/09/main">
-    <mc:Choice Requires="p159">
-      <p:transition xmlns:p14="http://schemas.microsoft.com/office/powerpoint/2010/main" spd="slow" p14:dur="2000">
-        <p159:morph option="byWord"/>
-      </p:transition>
-    </mc:Choice>
-    <mc:Fallback xmlns="">
-      <p:transition spd="slow">
-        <p:fade/>
-      </p:transition>
-    </mc:Fallback>
-  </mc:AlternateContent>
-</p:sld>
-</file>
-
-<file path=ppt/slides/slide30.xml><?xml version="1.0" encoding="utf-8"?>
+<file path=ppt/slides/slide24.xml><?xml version="1.0" encoding="utf-8"?>
 <p:sld xmlns:a="http://schemas.openxmlformats.org/drawingml/2006/main" xmlns:r="http://schemas.openxmlformats.org/officeDocument/2006/relationships" xmlns:p="http://schemas.openxmlformats.org/presentationml/2006/main">
   <p:cSld>
     <p:bg>
@@ -11330,7 +10100,7 @@
           <p:cNvPr id="4" name="Immagine 3">
             <a:extLst>
               <a:ext uri="{FF2B5EF4-FFF2-40B4-BE49-F238E27FC236}">
-                <a16:creationId xmlns:a16="http://schemas.microsoft.com/office/drawing/2014/main" id="{D11CCAD3-0A5B-433F-9423-1A4299050201}"/>
+                <a16:creationId xmlns:a16="http://schemas.microsoft.com/office/drawing/2014/main" xmlns="" id="{D11CCAD3-0A5B-433F-9423-1A4299050201}"/>
               </a:ext>
             </a:extLst>
           </p:cNvPr>
@@ -11368,7 +10138,7 @@
 </p:sld>
 </file>
 
-<file path=ppt/slides/slide31.xml><?xml version="1.0" encoding="utf-8"?>
+<file path=ppt/slides/slide25.xml><?xml version="1.0" encoding="utf-8"?>
 <p:sld xmlns:a="http://schemas.openxmlformats.org/drawingml/2006/main" xmlns:r="http://schemas.openxmlformats.org/officeDocument/2006/relationships" xmlns:p="http://schemas.openxmlformats.org/presentationml/2006/main">
   <p:cSld>
     <p:spTree>
@@ -11390,7 +10160,7 @@
           <p:cNvPr id="2" name="Titolo 1">
             <a:extLst>
               <a:ext uri="{FF2B5EF4-FFF2-40B4-BE49-F238E27FC236}">
-                <a16:creationId xmlns:a16="http://schemas.microsoft.com/office/drawing/2014/main" id="{1C9728DE-DCC3-47F3-A9A7-4840BBF3A649}"/>
+                <a16:creationId xmlns:a16="http://schemas.microsoft.com/office/drawing/2014/main" xmlns="" id="{1C9728DE-DCC3-47F3-A9A7-4840BBF3A649}"/>
               </a:ext>
             </a:extLst>
           </p:cNvPr>
@@ -11419,7 +10189,7 @@
           <p:cNvPr id="3" name="Segnaposto contenuto 2">
             <a:extLst>
               <a:ext uri="{FF2B5EF4-FFF2-40B4-BE49-F238E27FC236}">
-                <a16:creationId xmlns:a16="http://schemas.microsoft.com/office/drawing/2014/main" id="{A9782E92-4646-4216-BC0B-9AFBD5130E30}"/>
+                <a16:creationId xmlns:a16="http://schemas.microsoft.com/office/drawing/2014/main" xmlns="" id="{A9782E92-4646-4216-BC0B-9AFBD5130E30}"/>
               </a:ext>
             </a:extLst>
           </p:cNvPr>
@@ -11461,7 +10231,7 @@
           <p:cNvPr id="4" name="Segnaposto contenuto 3">
             <a:extLst>
               <a:ext uri="{FF2B5EF4-FFF2-40B4-BE49-F238E27FC236}">
-                <a16:creationId xmlns:a16="http://schemas.microsoft.com/office/drawing/2014/main" id="{13544A92-8328-4004-96C8-B60363828F13}"/>
+                <a16:creationId xmlns:a16="http://schemas.microsoft.com/office/drawing/2014/main" xmlns="" id="{13544A92-8328-4004-96C8-B60363828F13}"/>
               </a:ext>
             </a:extLst>
           </p:cNvPr>
@@ -11524,7 +10294,19 @@
               <a:rPr lang="it-CH" sz="2000" dirty="0">
                 <a:sym typeface="Wingdings" panose="05000000000000000000" pitchFamily="2" charset="2"/>
               </a:rPr>
-              <a:t>Genera &amp; Salva la registrazione</a:t>
+              <a:t>Genera </a:t>
+            </a:r>
+            <a:r>
+              <a:rPr lang="it-CH" sz="2000" dirty="0" smtClean="0">
+                <a:sym typeface="Wingdings" panose="05000000000000000000" pitchFamily="2" charset="2"/>
+              </a:rPr>
+              <a:t>e </a:t>
+            </a:r>
+            <a:r>
+              <a:rPr lang="it-CH" sz="2000" dirty="0">
+                <a:sym typeface="Wingdings" panose="05000000000000000000" pitchFamily="2" charset="2"/>
+              </a:rPr>
+              <a:t>Salva la registrazione</a:t>
             </a:r>
           </a:p>
         </p:txBody>
@@ -11539,13 +10321,13 @@
   <p:clrMapOvr>
     <a:masterClrMapping/>
   </p:clrMapOvr>
-  <mc:AlternateContent xmlns:mc="http://schemas.openxmlformats.org/markup-compatibility/2006" xmlns:p159="http://schemas.microsoft.com/office/powerpoint/2015/09/main">
-    <mc:Choice Requires="p159">
+  <mc:AlternateContent xmlns:mc="http://schemas.openxmlformats.org/markup-compatibility/2006">
+    <mc:Choice xmlns:p159="http://schemas.microsoft.com/office/powerpoint/2015/09/main" xmlns="" Requires="p159">
       <p:transition xmlns:p14="http://schemas.microsoft.com/office/powerpoint/2010/main" spd="slow" p14:dur="2000">
         <p159:morph option="byWord"/>
       </p:transition>
     </mc:Choice>
-    <mc:Fallback xmlns="">
+    <mc:Fallback>
       <p:transition spd="slow">
         <p:fade/>
       </p:transition>
@@ -11554,7 +10336,7 @@
 </p:sld>
 </file>
 
-<file path=ppt/slides/slide32.xml><?xml version="1.0" encoding="utf-8"?>
+<file path=ppt/slides/slide26.xml><?xml version="1.0" encoding="utf-8"?>
 <p:sld xmlns:a="http://schemas.openxmlformats.org/drawingml/2006/main" xmlns:r="http://schemas.openxmlformats.org/officeDocument/2006/relationships" xmlns:p="http://schemas.openxmlformats.org/presentationml/2006/main">
   <p:cSld>
     <p:spTree>
@@ -11576,7 +10358,7 @@
           <p:cNvPr id="2" name="Titolo 1">
             <a:extLst>
               <a:ext uri="{FF2B5EF4-FFF2-40B4-BE49-F238E27FC236}">
-                <a16:creationId xmlns:a16="http://schemas.microsoft.com/office/drawing/2014/main" id="{1C9728DE-DCC3-47F3-A9A7-4840BBF3A649}"/>
+                <a16:creationId xmlns:a16="http://schemas.microsoft.com/office/drawing/2014/main" xmlns="" id="{1C9728DE-DCC3-47F3-A9A7-4840BBF3A649}"/>
               </a:ext>
             </a:extLst>
           </p:cNvPr>
@@ -11605,7 +10387,7 @@
           <p:cNvPr id="3" name="Segnaposto contenuto 2">
             <a:extLst>
               <a:ext uri="{FF2B5EF4-FFF2-40B4-BE49-F238E27FC236}">
-                <a16:creationId xmlns:a16="http://schemas.microsoft.com/office/drawing/2014/main" id="{A9782E92-4646-4216-BC0B-9AFBD5130E30}"/>
+                <a16:creationId xmlns:a16="http://schemas.microsoft.com/office/drawing/2014/main" xmlns="" id="{A9782E92-4646-4216-BC0B-9AFBD5130E30}"/>
               </a:ext>
             </a:extLst>
           </p:cNvPr>
@@ -11643,7 +10425,7 @@
           <p:cNvPr id="4" name="Segnaposto contenuto 3">
             <a:extLst>
               <a:ext uri="{FF2B5EF4-FFF2-40B4-BE49-F238E27FC236}">
-                <a16:creationId xmlns:a16="http://schemas.microsoft.com/office/drawing/2014/main" id="{13544A92-8328-4004-96C8-B60363828F13}"/>
+                <a16:creationId xmlns:a16="http://schemas.microsoft.com/office/drawing/2014/main" xmlns="" id="{13544A92-8328-4004-96C8-B60363828F13}"/>
               </a:ext>
             </a:extLst>
           </p:cNvPr>
@@ -11667,11 +10449,14 @@
               <a:buChar char="•"/>
             </a:pPr>
             <a:r>
-              <a:rPr lang="it-CH" sz="2000" dirty="0">
+              <a:rPr lang="it-CH" sz="2000" dirty="0" smtClean="0">
                 <a:sym typeface="Wingdings" panose="05000000000000000000" pitchFamily="2" charset="2"/>
               </a:rPr>
-              <a:t>Riceve comandi  Socket UDP</a:t>
-            </a:r>
+              <a:t>Ricezione comandi in UDP</a:t>
+            </a:r>
+            <a:endParaRPr lang="it-CH" sz="2000" dirty="0">
+              <a:sym typeface="Wingdings" panose="05000000000000000000" pitchFamily="2" charset="2"/>
+            </a:endParaRPr>
           </a:p>
           <a:p>
             <a:pPr marL="285750" indent="-285750">
@@ -11685,7 +10470,19 @@
               <a:rPr lang="it-CH" sz="2000" dirty="0">
                 <a:sym typeface="Wingdings" panose="05000000000000000000" pitchFamily="2" charset="2"/>
               </a:rPr>
-              <a:t>Inoltra comandi  CommandReader</a:t>
+              <a:t>Inoltra comandi </a:t>
+            </a:r>
+            <a:r>
+              <a:rPr lang="it-CH" sz="2000" dirty="0" smtClean="0">
+                <a:sym typeface="Wingdings" panose="05000000000000000000" pitchFamily="2" charset="2"/>
+              </a:rPr>
+              <a:t>a </a:t>
+            </a:r>
+            <a:r>
+              <a:rPr lang="it-CH" sz="2000" dirty="0">
+                <a:sym typeface="Wingdings" panose="05000000000000000000" pitchFamily="2" charset="2"/>
+              </a:rPr>
+              <a:t>CommandReader</a:t>
             </a:r>
           </a:p>
         </p:txBody>
@@ -11700,13 +10497,13 @@
   <p:clrMapOvr>
     <a:masterClrMapping/>
   </p:clrMapOvr>
-  <mc:AlternateContent xmlns:mc="http://schemas.openxmlformats.org/markup-compatibility/2006" xmlns:p159="http://schemas.microsoft.com/office/powerpoint/2015/09/main">
-    <mc:Choice Requires="p159">
+  <mc:AlternateContent xmlns:mc="http://schemas.openxmlformats.org/markup-compatibility/2006">
+    <mc:Choice xmlns:p159="http://schemas.microsoft.com/office/powerpoint/2015/09/main" xmlns="" Requires="p159">
       <p:transition xmlns:p14="http://schemas.microsoft.com/office/powerpoint/2010/main" spd="slow" p14:dur="2000">
         <p159:morph option="byWord"/>
       </p:transition>
     </mc:Choice>
-    <mc:Fallback xmlns="">
+    <mc:Fallback>
       <p:transition spd="slow">
         <p:fade/>
       </p:transition>
@@ -11715,7 +10512,7 @@
 </p:sld>
 </file>
 
-<file path=ppt/slides/slide33.xml><?xml version="1.0" encoding="utf-8"?>
+<file path=ppt/slides/slide27.xml><?xml version="1.0" encoding="utf-8"?>
 <p:sld xmlns:a="http://schemas.openxmlformats.org/drawingml/2006/main" xmlns:r="http://schemas.openxmlformats.org/officeDocument/2006/relationships" xmlns:p="http://schemas.openxmlformats.org/presentationml/2006/main">
   <p:cSld>
     <p:spTree>
@@ -11737,7 +10534,7 @@
           <p:cNvPr id="2" name="Titolo 1">
             <a:extLst>
               <a:ext uri="{FF2B5EF4-FFF2-40B4-BE49-F238E27FC236}">
-                <a16:creationId xmlns:a16="http://schemas.microsoft.com/office/drawing/2014/main" id="{1C9728DE-DCC3-47F3-A9A7-4840BBF3A649}"/>
+                <a16:creationId xmlns:a16="http://schemas.microsoft.com/office/drawing/2014/main" xmlns="" id="{1C9728DE-DCC3-47F3-A9A7-4840BBF3A649}"/>
               </a:ext>
             </a:extLst>
           </p:cNvPr>
@@ -11766,7 +10563,7 @@
           <p:cNvPr id="3" name="Segnaposto contenuto 2">
             <a:extLst>
               <a:ext uri="{FF2B5EF4-FFF2-40B4-BE49-F238E27FC236}">
-                <a16:creationId xmlns:a16="http://schemas.microsoft.com/office/drawing/2014/main" id="{A9782E92-4646-4216-BC0B-9AFBD5130E30}"/>
+                <a16:creationId xmlns:a16="http://schemas.microsoft.com/office/drawing/2014/main" xmlns="" id="{A9782E92-4646-4216-BC0B-9AFBD5130E30}"/>
               </a:ext>
             </a:extLst>
           </p:cNvPr>
@@ -11808,7 +10605,7 @@
           <p:cNvPr id="4" name="Segnaposto contenuto 3">
             <a:extLst>
               <a:ext uri="{FF2B5EF4-FFF2-40B4-BE49-F238E27FC236}">
-                <a16:creationId xmlns:a16="http://schemas.microsoft.com/office/drawing/2014/main" id="{13544A92-8328-4004-96C8-B60363828F13}"/>
+                <a16:creationId xmlns:a16="http://schemas.microsoft.com/office/drawing/2014/main" xmlns="" id="{13544A92-8328-4004-96C8-B60363828F13}"/>
               </a:ext>
             </a:extLst>
           </p:cNvPr>
@@ -11824,35 +10621,63 @@
           <a:bodyPr/>
           <a:lstStyle/>
           <a:p>
+            <a:pPr marL="342900" indent="-342900">
+              <a:buFont typeface="Arial" panose="020B0604020202020204" pitchFamily="34" charset="0"/>
+              <a:buChar char="•"/>
+            </a:pPr>
             <a:r>
               <a:rPr lang="it-IT" sz="2000" dirty="0"/>
-              <a:t>Riceve i comandi dalla classe Simulator.</a:t>
-            </a:r>
-          </a:p>
-          <a:p>
+              <a:t>Riceve i comandi </a:t>
+            </a:r>
+            <a:r>
+              <a:rPr lang="it-IT" sz="2000" dirty="0" smtClean="0"/>
+              <a:t>da Simulator</a:t>
+            </a:r>
             <a:endParaRPr lang="it-IT" sz="2000" dirty="0"/>
           </a:p>
           <a:p>
+            <a:pPr marL="342900" indent="-342900">
+              <a:buFont typeface="Arial" panose="020B0604020202020204" pitchFamily="34" charset="0"/>
+              <a:buChar char="•"/>
+            </a:pPr>
+            <a:endParaRPr lang="it-IT" sz="2000" dirty="0"/>
+          </a:p>
+          <a:p>
+            <a:pPr marL="342900" indent="-342900">
+              <a:buFont typeface="Arial" panose="020B0604020202020204" pitchFamily="34" charset="0"/>
+              <a:buChar char="•"/>
+            </a:pPr>
             <a:r>
               <a:rPr lang="it-IT" sz="2000" dirty="0"/>
-              <a:t>Simula i comandi della SDK di Tello. </a:t>
-            </a:r>
-          </a:p>
-          <a:p>
+              <a:t>Simula i comandi della SDK di </a:t>
+            </a:r>
+            <a:r>
+              <a:rPr lang="it-IT" sz="2000" dirty="0" smtClean="0"/>
+              <a:t>Tello</a:t>
+            </a:r>
             <a:endParaRPr lang="it-IT" sz="2000" dirty="0"/>
           </a:p>
           <a:p>
+            <a:pPr marL="342900" indent="-342900">
+              <a:buFont typeface="Arial" panose="020B0604020202020204" pitchFamily="34" charset="0"/>
+              <a:buChar char="•"/>
+            </a:pPr>
+            <a:endParaRPr lang="it-IT" sz="2000" dirty="0"/>
+          </a:p>
+          <a:p>
+            <a:pPr marL="342900" indent="-342900">
+              <a:buFont typeface="Arial" panose="020B0604020202020204" pitchFamily="34" charset="0"/>
+              <a:buChar char="•"/>
+            </a:pPr>
             <a:r>
               <a:rPr lang="it-IT" sz="2000" dirty="0"/>
-              <a:t>Aggiorna le variabili contenenti informazioni su</a:t>
-            </a:r>
-            <a:br>
-              <a:rPr lang="it-IT" sz="2000" dirty="0"/>
-            </a:br>
-            <a:r>
-              <a:rPr lang="it-IT" sz="2000" dirty="0"/>
-              <a:t>Posizione e rotazione del drone.</a:t>
-            </a:r>
+              <a:t>Aggiorna le variabili </a:t>
+            </a:r>
+            <a:r>
+              <a:rPr lang="it-IT" sz="2000" dirty="0" smtClean="0"/>
+              <a:t>di posizione</a:t>
+            </a:r>
+            <a:endParaRPr lang="it-IT" sz="2000" dirty="0"/>
           </a:p>
           <a:p>
             <a:pPr marL="342900" indent="-342900">
@@ -11873,13 +10698,13 @@
   <p:clrMapOvr>
     <a:masterClrMapping/>
   </p:clrMapOvr>
-  <mc:AlternateContent xmlns:mc="http://schemas.openxmlformats.org/markup-compatibility/2006" xmlns:p159="http://schemas.microsoft.com/office/powerpoint/2015/09/main">
-    <mc:Choice Requires="p159">
+  <mc:AlternateContent xmlns:mc="http://schemas.openxmlformats.org/markup-compatibility/2006">
+    <mc:Choice xmlns:p159="http://schemas.microsoft.com/office/powerpoint/2015/09/main" xmlns="" Requires="p159">
       <p:transition xmlns:p14="http://schemas.microsoft.com/office/powerpoint/2010/main" spd="slow" p14:dur="2000">
         <p159:morph option="byWord"/>
       </p:transition>
     </mc:Choice>
-    <mc:Fallback xmlns="">
+    <mc:Fallback>
       <p:transition spd="slow">
         <p:fade/>
       </p:transition>
@@ -11888,7 +10713,7 @@
 </p:sld>
 </file>
 
-<file path=ppt/slides/slide34.xml><?xml version="1.0" encoding="utf-8"?>
+<file path=ppt/slides/slide28.xml><?xml version="1.0" encoding="utf-8"?>
 <p:sld xmlns:a="http://schemas.openxmlformats.org/drawingml/2006/main" xmlns:r="http://schemas.openxmlformats.org/officeDocument/2006/relationships" xmlns:p="http://schemas.openxmlformats.org/presentationml/2006/main">
   <p:cSld>
     <p:spTree>
@@ -11910,7 +10735,7 @@
           <p:cNvPr id="2" name="Titolo 1">
             <a:extLst>
               <a:ext uri="{FF2B5EF4-FFF2-40B4-BE49-F238E27FC236}">
-                <a16:creationId xmlns:a16="http://schemas.microsoft.com/office/drawing/2014/main" id="{1C9728DE-DCC3-47F3-A9A7-4840BBF3A649}"/>
+                <a16:creationId xmlns:a16="http://schemas.microsoft.com/office/drawing/2014/main" xmlns="" id="{1C9728DE-DCC3-47F3-A9A7-4840BBF3A649}"/>
               </a:ext>
             </a:extLst>
           </p:cNvPr>
@@ -11939,7 +10764,7 @@
           <p:cNvPr id="3" name="Segnaposto contenuto 2">
             <a:extLst>
               <a:ext uri="{FF2B5EF4-FFF2-40B4-BE49-F238E27FC236}">
-                <a16:creationId xmlns:a16="http://schemas.microsoft.com/office/drawing/2014/main" id="{A9782E92-4646-4216-BC0B-9AFBD5130E30}"/>
+                <a16:creationId xmlns:a16="http://schemas.microsoft.com/office/drawing/2014/main" xmlns="" id="{A9782E92-4646-4216-BC0B-9AFBD5130E30}"/>
               </a:ext>
             </a:extLst>
           </p:cNvPr>
@@ -11981,7 +10806,7 @@
           <p:cNvPr id="4" name="Segnaposto contenuto 3">
             <a:extLst>
               <a:ext uri="{FF2B5EF4-FFF2-40B4-BE49-F238E27FC236}">
-                <a16:creationId xmlns:a16="http://schemas.microsoft.com/office/drawing/2014/main" id="{13544A92-8328-4004-96C8-B60363828F13}"/>
+                <a16:creationId xmlns:a16="http://schemas.microsoft.com/office/drawing/2014/main" xmlns="" id="{13544A92-8328-4004-96C8-B60363828F13}"/>
               </a:ext>
             </a:extLst>
           </p:cNvPr>
@@ -11997,44 +10822,55 @@
           <a:bodyPr/>
           <a:lstStyle/>
           <a:p>
-            <a:r>
-              <a:rPr lang="it-IT" sz="2000" dirty="0"/>
-              <a:t>Mostra i dati del drone contenuti nella classe Simulator in un </a:t>
-            </a:r>
-            <a:r>
-              <a:rPr lang="it-IT" sz="2000" dirty="0" err="1"/>
-              <a:t>JFrame</a:t>
-            </a:r>
-            <a:r>
-              <a:rPr lang="it-IT" sz="2000" dirty="0"/>
-              <a:t>.</a:t>
-            </a:r>
-          </a:p>
-          <a:p>
+            <a:pPr marL="342900" indent="-342900">
+              <a:buFont typeface="Arial" panose="020B0604020202020204" pitchFamily="34" charset="0"/>
+              <a:buChar char="•"/>
+            </a:pPr>
+            <a:r>
+              <a:rPr lang="it-IT" sz="2000" dirty="0" smtClean="0"/>
+              <a:t>Genera tre grafici</a:t>
+            </a:r>
             <a:endParaRPr lang="it-IT" sz="2000" dirty="0"/>
           </a:p>
           <a:p>
-            <a:r>
-              <a:rPr lang="it-IT" sz="2000" dirty="0"/>
-              <a:t>Grafici posizione dall’alto e di profilo e di rotazione.</a:t>
-            </a:r>
-          </a:p>
-          <a:p>
+            <a:pPr marL="342900" indent="-342900">
+              <a:buFont typeface="Arial" panose="020B0604020202020204" pitchFamily="34" charset="0"/>
+              <a:buChar char="•"/>
+            </a:pPr>
             <a:endParaRPr lang="it-IT" sz="2000" dirty="0"/>
           </a:p>
           <a:p>
-            <a:r>
-              <a:rPr lang="it-IT" sz="2000" dirty="0"/>
-              <a:t>Uso della libreria </a:t>
-            </a:r>
-            <a:r>
-              <a:rPr lang="it-IT" sz="2000" dirty="0" err="1"/>
+            <a:pPr marL="342900" indent="-342900">
+              <a:buFont typeface="Arial" panose="020B0604020202020204" pitchFamily="34" charset="0"/>
+              <a:buChar char="•"/>
+            </a:pPr>
+            <a:r>
+              <a:rPr lang="it-IT" sz="2000" dirty="0" smtClean="0"/>
+              <a:t>Simula la posizione e movimenti del drone</a:t>
+            </a:r>
+            <a:endParaRPr lang="it-IT" sz="2000" dirty="0"/>
+          </a:p>
+          <a:p>
+            <a:pPr marL="342900" indent="-342900">
+              <a:buFont typeface="Arial" panose="020B0604020202020204" pitchFamily="34" charset="0"/>
+              <a:buChar char="•"/>
+            </a:pPr>
+            <a:endParaRPr lang="it-IT" sz="2000" dirty="0"/>
+          </a:p>
+          <a:p>
+            <a:pPr marL="342900" indent="-342900">
+              <a:buFont typeface="Arial" panose="020B0604020202020204" pitchFamily="34" charset="0"/>
+              <a:buChar char="•"/>
+            </a:pPr>
+            <a:r>
+              <a:rPr lang="it-IT" sz="2000" dirty="0" smtClean="0"/>
+              <a:t>Usa libreria </a:t>
+            </a:r>
+            <a:r>
+              <a:rPr lang="it-IT" sz="2000" dirty="0" err="1" smtClean="0"/>
               <a:t>JFreeChart</a:t>
             </a:r>
-            <a:r>
-              <a:rPr lang="it-IT" sz="2000" dirty="0"/>
-              <a:t> per la creazione dei grafici.</a:t>
-            </a:r>
+            <a:endParaRPr lang="it-IT" sz="2000" dirty="0"/>
           </a:p>
         </p:txBody>
       </p:sp>
@@ -12048,13 +10884,13 @@
   <p:clrMapOvr>
     <a:masterClrMapping/>
   </p:clrMapOvr>
-  <mc:AlternateContent xmlns:mc="http://schemas.openxmlformats.org/markup-compatibility/2006" xmlns:p159="http://schemas.microsoft.com/office/powerpoint/2015/09/main">
-    <mc:Choice Requires="p159">
+  <mc:AlternateContent xmlns:mc="http://schemas.openxmlformats.org/markup-compatibility/2006">
+    <mc:Choice xmlns:p159="http://schemas.microsoft.com/office/powerpoint/2015/09/main" xmlns="" Requires="p159">
       <p:transition xmlns:p14="http://schemas.microsoft.com/office/powerpoint/2010/main" spd="slow" p14:dur="2000">
         <p159:morph option="byWord"/>
       </p:transition>
     </mc:Choice>
-    <mc:Fallback xmlns="">
+    <mc:Fallback>
       <p:transition spd="slow">
         <p:fade/>
       </p:transition>
@@ -12063,7 +10899,7 @@
 </p:sld>
 </file>
 
-<file path=ppt/slides/slide35.xml><?xml version="1.0" encoding="utf-8"?>
+<file path=ppt/slides/slide29.xml><?xml version="1.0" encoding="utf-8"?>
 <p:sld xmlns:a="http://schemas.openxmlformats.org/drawingml/2006/main" xmlns:r="http://schemas.openxmlformats.org/officeDocument/2006/relationships" xmlns:p="http://schemas.openxmlformats.org/presentationml/2006/main">
   <p:cSld>
     <p:spTree>
@@ -12085,7 +10921,7 @@
           <p:cNvPr id="2" name="Titolo 1">
             <a:extLst>
               <a:ext uri="{FF2B5EF4-FFF2-40B4-BE49-F238E27FC236}">
-                <a16:creationId xmlns:a16="http://schemas.microsoft.com/office/drawing/2014/main" id="{929A8F7E-6DE7-4CF1-8507-D13BF35BA7BD}"/>
+                <a16:creationId xmlns:a16="http://schemas.microsoft.com/office/drawing/2014/main" xmlns="" id="{929A8F7E-6DE7-4CF1-8507-D13BF35BA7BD}"/>
               </a:ext>
             </a:extLst>
           </p:cNvPr>
@@ -12161,7 +10997,7 @@
 </p:sld>
 </file>
 
-<file path=ppt/slides/slide36.xml><?xml version="1.0" encoding="utf-8"?>
+<file path=ppt/slides/slide3.xml><?xml version="1.0" encoding="utf-8"?>
 <p:sld xmlns:a="http://schemas.openxmlformats.org/drawingml/2006/main" xmlns:r="http://schemas.openxmlformats.org/officeDocument/2006/relationships" xmlns:p="http://schemas.openxmlformats.org/presentationml/2006/main">
   <p:cSld>
     <p:spTree>
@@ -12183,7 +11019,171 @@
           <p:cNvPr id="2" name="Titolo 1">
             <a:extLst>
               <a:ext uri="{FF2B5EF4-FFF2-40B4-BE49-F238E27FC236}">
-                <a16:creationId xmlns:a16="http://schemas.microsoft.com/office/drawing/2014/main" id="{929A8F7E-6DE7-4CF1-8507-D13BF35BA7BD}"/>
+                <a16:creationId xmlns:a16="http://schemas.microsoft.com/office/drawing/2014/main" xmlns="" id="{1F4EF76E-72FB-49D5-9299-592E62BF06B2}"/>
+              </a:ext>
+            </a:extLst>
+          </p:cNvPr>
+          <p:cNvSpPr>
+            <a:spLocks noGrp="1"/>
+          </p:cNvSpPr>
+          <p:nvPr>
+            <p:ph type="title"/>
+          </p:nvPr>
+        </p:nvSpPr>
+        <p:spPr/>
+        <p:txBody>
+          <a:bodyPr/>
+          <a:lstStyle/>
+          <a:p>
+            <a:r>
+              <a:rPr lang="it-CH" dirty="0"/>
+              <a:t>CHI SIAMO</a:t>
+            </a:r>
+          </a:p>
+        </p:txBody>
+      </p:sp>
+      <p:sp>
+        <p:nvSpPr>
+          <p:cNvPr id="4" name="Segnaposto contenuto 3">
+            <a:extLst>
+              <a:ext uri="{FF2B5EF4-FFF2-40B4-BE49-F238E27FC236}">
+                <a16:creationId xmlns:a16="http://schemas.microsoft.com/office/drawing/2014/main" xmlns="" id="{FB91016C-8169-45ED-B54B-B80E87645789}"/>
+              </a:ext>
+            </a:extLst>
+          </p:cNvPr>
+          <p:cNvSpPr>
+            <a:spLocks noGrp="1"/>
+          </p:cNvSpPr>
+          <p:nvPr>
+            <p:ph idx="1"/>
+          </p:nvPr>
+        </p:nvSpPr>
+        <p:spPr>
+          <a:xfrm>
+            <a:off x="405880" y="884467"/>
+            <a:ext cx="8496944" cy="3775516"/>
+          </a:xfrm>
+        </p:spPr>
+        <p:txBody>
+          <a:bodyPr/>
+          <a:lstStyle/>
+          <a:p>
+            <a:pPr marL="628650" indent="-342900">
+              <a:buFont typeface="Arial" panose="020B0604020202020204" pitchFamily="34" charset="0"/>
+              <a:buChar char="•"/>
+            </a:pPr>
+            <a:r>
+              <a:rPr lang="it-CH" sz="3200" dirty="0" err="1"/>
+              <a:t>Jari</a:t>
+            </a:r>
+            <a:r>
+              <a:rPr lang="it-CH" sz="3200" dirty="0"/>
+              <a:t> </a:t>
+            </a:r>
+            <a:r>
+              <a:rPr lang="it-CH" sz="3200" dirty="0" err="1"/>
+              <a:t>Näser</a:t>
+            </a:r>
+            <a:endParaRPr lang="it-CH" sz="3200" dirty="0"/>
+          </a:p>
+          <a:p>
+            <a:pPr marL="1371600" lvl="1" indent="-342900">
+              <a:buFont typeface="Arial" panose="020B0604020202020204" pitchFamily="34" charset="0"/>
+              <a:buChar char="•"/>
+            </a:pPr>
+            <a:r>
+              <a:rPr lang="it-CH" sz="3800" dirty="0">
+                <a:hlinkClick r:id="rId3"/>
+              </a:rPr>
+              <a:t>jari.naeser@samtrevano.ch</a:t>
+            </a:r>
+            <a:endParaRPr lang="it-CH" sz="3800" dirty="0"/>
+          </a:p>
+          <a:p>
+            <a:pPr marL="1371600" lvl="1" indent="-342900">
+              <a:buFont typeface="Arial" panose="020B0604020202020204" pitchFamily="34" charset="0"/>
+              <a:buChar char="•"/>
+            </a:pPr>
+            <a:endParaRPr lang="it-CH" sz="3800" dirty="0"/>
+          </a:p>
+          <a:p>
+            <a:pPr marL="628650" indent="-342900">
+              <a:buFont typeface="Arial" panose="020B0604020202020204" pitchFamily="34" charset="0"/>
+              <a:buChar char="•"/>
+            </a:pPr>
+            <a:r>
+              <a:rPr lang="it-CH" sz="3600" dirty="0"/>
+              <a:t>Andrea </a:t>
+            </a:r>
+            <a:r>
+              <a:rPr lang="it-CH" sz="3600" dirty="0" err="1"/>
+              <a:t>Rauso</a:t>
+            </a:r>
+            <a:endParaRPr lang="it-CH" sz="3600" dirty="0"/>
+          </a:p>
+          <a:p>
+            <a:pPr marL="1371600" lvl="1" indent="-342900">
+              <a:buFont typeface="Arial" panose="020B0604020202020204" pitchFamily="34" charset="0"/>
+              <a:buChar char="•"/>
+            </a:pPr>
+            <a:r>
+              <a:rPr lang="it-CH" sz="3600" dirty="0">
+                <a:hlinkClick r:id="rId4"/>
+              </a:rPr>
+              <a:t>andrea.rauso@samtrevano.ch</a:t>
+            </a:r>
+            <a:endParaRPr lang="it-CH" sz="3600" dirty="0"/>
+          </a:p>
+        </p:txBody>
+      </p:sp>
+    </p:spTree>
+    <p:extLst>
+      <p:ext uri="{BB962C8B-B14F-4D97-AF65-F5344CB8AC3E}">
+        <p14:creationId xmlns:p14="http://schemas.microsoft.com/office/powerpoint/2010/main" val="790960300"/>
+      </p:ext>
+    </p:extLst>
+  </p:cSld>
+  <p:clrMapOvr>
+    <a:masterClrMapping/>
+  </p:clrMapOvr>
+  <mc:AlternateContent xmlns:mc="http://schemas.openxmlformats.org/markup-compatibility/2006">
+    <mc:Choice xmlns:p159="http://schemas.microsoft.com/office/powerpoint/2015/09/main" xmlns="" Requires="p159">
+      <p:transition xmlns:p14="http://schemas.microsoft.com/office/powerpoint/2010/main" spd="slow" p14:dur="2000">
+        <p159:morph option="byWord"/>
+      </p:transition>
+    </mc:Choice>
+    <mc:Fallback>
+      <p:transition spd="slow">
+        <p:fade/>
+      </p:transition>
+    </mc:Fallback>
+  </mc:AlternateContent>
+</p:sld>
+</file>
+
+<file path=ppt/slides/slide30.xml><?xml version="1.0" encoding="utf-8"?>
+<p:sld xmlns:a="http://schemas.openxmlformats.org/drawingml/2006/main" xmlns:r="http://schemas.openxmlformats.org/officeDocument/2006/relationships" xmlns:p="http://schemas.openxmlformats.org/presentationml/2006/main">
+  <p:cSld>
+    <p:spTree>
+      <p:nvGrpSpPr>
+        <p:cNvPr id="1" name=""/>
+        <p:cNvGrpSpPr/>
+        <p:nvPr/>
+      </p:nvGrpSpPr>
+      <p:grpSpPr>
+        <a:xfrm>
+          <a:off x="0" y="0"/>
+          <a:ext cx="0" cy="0"/>
+          <a:chOff x="0" y="0"/>
+          <a:chExt cx="0" cy="0"/>
+        </a:xfrm>
+      </p:grpSpPr>
+      <p:sp>
+        <p:nvSpPr>
+          <p:cNvPr id="2" name="Titolo 1">
+            <a:extLst>
+              <a:ext uri="{FF2B5EF4-FFF2-40B4-BE49-F238E27FC236}">
+                <a16:creationId xmlns:a16="http://schemas.microsoft.com/office/drawing/2014/main" xmlns="" id="{929A8F7E-6DE7-4CF1-8507-D13BF35BA7BD}"/>
               </a:ext>
             </a:extLst>
           </p:cNvPr>
@@ -12259,7 +11259,7 @@
 </p:sld>
 </file>
 
-<file path=ppt/slides/slide37.xml><?xml version="1.0" encoding="utf-8"?>
+<file path=ppt/slides/slide31.xml><?xml version="1.0" encoding="utf-8"?>
 <p:sld xmlns:a="http://schemas.openxmlformats.org/drawingml/2006/main" xmlns:r="http://schemas.openxmlformats.org/officeDocument/2006/relationships" xmlns:p="http://schemas.openxmlformats.org/presentationml/2006/main">
   <p:cSld>
     <p:spTree>
@@ -12281,7 +11281,7 @@
           <p:cNvPr id="2" name="Titolo 1">
             <a:extLst>
               <a:ext uri="{FF2B5EF4-FFF2-40B4-BE49-F238E27FC236}">
-                <a16:creationId xmlns:a16="http://schemas.microsoft.com/office/drawing/2014/main" id="{929A8F7E-6DE7-4CF1-8507-D13BF35BA7BD}"/>
+                <a16:creationId xmlns:a16="http://schemas.microsoft.com/office/drawing/2014/main" xmlns="" id="{929A8F7E-6DE7-4CF1-8507-D13BF35BA7BD}"/>
               </a:ext>
             </a:extLst>
           </p:cNvPr>
@@ -12357,7 +11357,7 @@
 </p:sld>
 </file>
 
-<file path=ppt/slides/slide38.xml><?xml version="1.0" encoding="utf-8"?>
+<file path=ppt/slides/slide32.xml><?xml version="1.0" encoding="utf-8"?>
 <p:sld xmlns:a="http://schemas.openxmlformats.org/drawingml/2006/main" xmlns:r="http://schemas.openxmlformats.org/officeDocument/2006/relationships" xmlns:p="http://schemas.openxmlformats.org/presentationml/2006/main">
   <p:cSld>
     <p:spTree>
@@ -12379,7 +11379,7 @@
           <p:cNvPr id="2" name="Titolo 1">
             <a:extLst>
               <a:ext uri="{FF2B5EF4-FFF2-40B4-BE49-F238E27FC236}">
-                <a16:creationId xmlns:a16="http://schemas.microsoft.com/office/drawing/2014/main" id="{764A1C8B-D6B4-4868-8C8D-8531F9FA4B44}"/>
+                <a16:creationId xmlns:a16="http://schemas.microsoft.com/office/drawing/2014/main" xmlns="" id="{764A1C8B-D6B4-4868-8C8D-8531F9FA4B44}"/>
               </a:ext>
             </a:extLst>
           </p:cNvPr>
@@ -12407,7 +11407,7 @@
           <p:cNvPr id="5" name="Tabella 4">
             <a:extLst>
               <a:ext uri="{FF2B5EF4-FFF2-40B4-BE49-F238E27FC236}">
-                <a16:creationId xmlns:a16="http://schemas.microsoft.com/office/drawing/2014/main" id="{F55F7FF1-C1A4-4804-B5D0-A5DC5CD3C59F}"/>
+                <a16:creationId xmlns:a16="http://schemas.microsoft.com/office/drawing/2014/main" xmlns="" id="{F55F7FF1-C1A4-4804-B5D0-A5DC5CD3C59F}"/>
               </a:ext>
             </a:extLst>
           </p:cNvPr>
@@ -12436,14 +11436,14 @@
                 <a:gridCol w="3396208">
                   <a:extLst>
                     <a:ext uri="{9D8B030D-6E8A-4147-A177-3AD203B41FA5}">
-                      <a16:colId xmlns:a16="http://schemas.microsoft.com/office/drawing/2014/main" val="2392743453"/>
+                      <a16:colId xmlns:a16="http://schemas.microsoft.com/office/drawing/2014/main" xmlns="" val="2392743453"/>
                     </a:ext>
                   </a:extLst>
                 </a:gridCol>
                 <a:gridCol w="3396208">
                   <a:extLst>
                     <a:ext uri="{9D8B030D-6E8A-4147-A177-3AD203B41FA5}">
-                      <a16:colId xmlns:a16="http://schemas.microsoft.com/office/drawing/2014/main" val="3716237907"/>
+                      <a16:colId xmlns:a16="http://schemas.microsoft.com/office/drawing/2014/main" xmlns="" val="3716237907"/>
                     </a:ext>
                   </a:extLst>
                 </a:gridCol>
@@ -12477,7 +11477,7 @@
                 </a:tc>
                 <a:extLst>
                   <a:ext uri="{0D108BD9-81ED-4DB2-BD59-A6C34878D82A}">
-                    <a16:rowId xmlns:a16="http://schemas.microsoft.com/office/drawing/2014/main" val="3485924999"/>
+                    <a16:rowId xmlns:a16="http://schemas.microsoft.com/office/drawing/2014/main" xmlns="" val="3485924999"/>
                   </a:ext>
                 </a:extLst>
               </a:tr>
@@ -12518,7 +11518,7 @@
                 </a:tc>
                 <a:extLst>
                   <a:ext uri="{0D108BD9-81ED-4DB2-BD59-A6C34878D82A}">
-                    <a16:rowId xmlns:a16="http://schemas.microsoft.com/office/drawing/2014/main" val="3718620749"/>
+                    <a16:rowId xmlns:a16="http://schemas.microsoft.com/office/drawing/2014/main" xmlns="" val="3718620749"/>
                   </a:ext>
                 </a:extLst>
               </a:tr>
@@ -12576,7 +11576,7 @@
                 </a:tc>
                 <a:extLst>
                   <a:ext uri="{0D108BD9-81ED-4DB2-BD59-A6C34878D82A}">
-                    <a16:rowId xmlns:a16="http://schemas.microsoft.com/office/drawing/2014/main" val="3132356401"/>
+                    <a16:rowId xmlns:a16="http://schemas.microsoft.com/office/drawing/2014/main" xmlns="" val="3132356401"/>
                   </a:ext>
                 </a:extLst>
               </a:tr>
@@ -12634,7 +11634,7 @@
                 </a:tc>
                 <a:extLst>
                   <a:ext uri="{0D108BD9-81ED-4DB2-BD59-A6C34878D82A}">
-                    <a16:rowId xmlns:a16="http://schemas.microsoft.com/office/drawing/2014/main" val="3113495145"/>
+                    <a16:rowId xmlns:a16="http://schemas.microsoft.com/office/drawing/2014/main" xmlns="" val="3113495145"/>
                   </a:ext>
                 </a:extLst>
               </a:tr>
@@ -12692,7 +11692,7 @@
                 </a:tc>
                 <a:extLst>
                   <a:ext uri="{0D108BD9-81ED-4DB2-BD59-A6C34878D82A}">
-                    <a16:rowId xmlns:a16="http://schemas.microsoft.com/office/drawing/2014/main" val="3463852800"/>
+                    <a16:rowId xmlns:a16="http://schemas.microsoft.com/office/drawing/2014/main" xmlns="" val="3463852800"/>
                   </a:ext>
                 </a:extLst>
               </a:tr>
@@ -12750,7 +11750,7 @@
                 </a:tc>
                 <a:extLst>
                   <a:ext uri="{0D108BD9-81ED-4DB2-BD59-A6C34878D82A}">
-                    <a16:rowId xmlns:a16="http://schemas.microsoft.com/office/drawing/2014/main" val="1181745103"/>
+                    <a16:rowId xmlns:a16="http://schemas.microsoft.com/office/drawing/2014/main" xmlns="" val="1181745103"/>
                   </a:ext>
                 </a:extLst>
               </a:tr>
@@ -12808,7 +11808,7 @@
                 </a:tc>
                 <a:extLst>
                   <a:ext uri="{0D108BD9-81ED-4DB2-BD59-A6C34878D82A}">
-                    <a16:rowId xmlns:a16="http://schemas.microsoft.com/office/drawing/2014/main" val="779251828"/>
+                    <a16:rowId xmlns:a16="http://schemas.microsoft.com/office/drawing/2014/main" xmlns="" val="779251828"/>
                   </a:ext>
                 </a:extLst>
               </a:tr>
@@ -12866,7 +11866,7 @@
                 </a:tc>
                 <a:extLst>
                   <a:ext uri="{0D108BD9-81ED-4DB2-BD59-A6C34878D82A}">
-                    <a16:rowId xmlns:a16="http://schemas.microsoft.com/office/drawing/2014/main" val="3755891411"/>
+                    <a16:rowId xmlns:a16="http://schemas.microsoft.com/office/drawing/2014/main" xmlns="" val="3755891411"/>
                   </a:ext>
                 </a:extLst>
               </a:tr>
@@ -12887,7 +11887,7 @@
 </p:sld>
 </file>
 
-<file path=ppt/slides/slide39.xml><?xml version="1.0" encoding="utf-8"?>
+<file path=ppt/slides/slide33.xml><?xml version="1.0" encoding="utf-8"?>
 <p:sld xmlns:a="http://schemas.openxmlformats.org/drawingml/2006/main" xmlns:r="http://schemas.openxmlformats.org/officeDocument/2006/relationships" xmlns:p="http://schemas.openxmlformats.org/presentationml/2006/main">
   <p:cSld>
     <p:spTree>
@@ -12909,7 +11909,7 @@
           <p:cNvPr id="5" name="Titolo 1">
             <a:extLst>
               <a:ext uri="{FF2B5EF4-FFF2-40B4-BE49-F238E27FC236}">
-                <a16:creationId xmlns:a16="http://schemas.microsoft.com/office/drawing/2014/main" id="{292F61BE-0FB3-49B8-B345-CC63DA7985C5}"/>
+                <a16:creationId xmlns:a16="http://schemas.microsoft.com/office/drawing/2014/main" xmlns="" id="{292F61BE-0FB3-49B8-B345-CC63DA7985C5}"/>
               </a:ext>
             </a:extLst>
           </p:cNvPr>
@@ -12948,13 +11948,13 @@
   <p:clrMapOvr>
     <a:masterClrMapping/>
   </p:clrMapOvr>
-  <mc:AlternateContent xmlns:mc="http://schemas.openxmlformats.org/markup-compatibility/2006" xmlns:p159="http://schemas.microsoft.com/office/powerpoint/2015/09/main">
-    <mc:Choice Requires="p159">
+  <mc:AlternateContent xmlns:mc="http://schemas.openxmlformats.org/markup-compatibility/2006">
+    <mc:Choice xmlns:p159="http://schemas.microsoft.com/office/powerpoint/2015/09/main" xmlns="" Requires="p159">
       <p:transition xmlns:p14="http://schemas.microsoft.com/office/powerpoint/2010/main" spd="slow" p14:dur="2000">
         <p159:morph option="byWord"/>
       </p:transition>
     </mc:Choice>
-    <mc:Fallback xmlns="">
+    <mc:Fallback>
       <p:transition spd="slow">
         <p:fade/>
       </p:transition>
@@ -12992,124 +11992,47 @@
         </p:nvSpPr>
         <p:spPr>
           <a:xfrm>
-            <a:off x="35496" y="123478"/>
-            <a:ext cx="9144000" cy="884466"/>
+            <a:off x="35496" y="0"/>
+            <a:ext cx="9073008" cy="4731990"/>
           </a:xfrm>
         </p:spPr>
         <p:txBody>
           <a:bodyPr/>
           <a:lstStyle/>
           <a:p>
-            <a:r>
-              <a:rPr lang="en-US" sz="6000" dirty="0"/>
-              <a:t> </a:t>
-            </a:r>
-            <a:r>
-              <a:rPr lang="en-US" altLang="ko-KR" sz="6000" dirty="0" err="1"/>
-              <a:t>Indice</a:t>
+            <a:pPr algn="ctr"/>
+            <a:r>
+              <a:rPr lang="en-US" sz="6000" dirty="0" smtClean="0"/>
+              <a:t>PERCHÈ IL NOSTRO </a:t>
+            </a:r>
+            <a:br>
+              <a:rPr lang="en-US" sz="6000" dirty="0" smtClean="0"/>
+            </a:br>
+            <a:r>
+              <a:rPr lang="en-US" sz="6000" dirty="0" smtClean="0"/>
+              <a:t>PRODOTTO?</a:t>
             </a:r>
             <a:endParaRPr lang="en-US" sz="6000" dirty="0"/>
-          </a:p>
-        </p:txBody>
-      </p:sp>
-      <p:sp>
-        <p:nvSpPr>
-          <p:cNvPr id="6" name="Segnaposto contenuto 5">
-            <a:extLst>
-              <a:ext uri="{FF2B5EF4-FFF2-40B4-BE49-F238E27FC236}">
-                <a16:creationId xmlns:a16="http://schemas.microsoft.com/office/drawing/2014/main" id="{5B6072DA-2CA4-4D2D-9FE3-87C81F48EC48}"/>
-              </a:ext>
-            </a:extLst>
-          </p:cNvPr>
-          <p:cNvSpPr>
-            <a:spLocks noGrp="1"/>
-          </p:cNvSpPr>
-          <p:nvPr>
-            <p:ph idx="1"/>
-          </p:nvPr>
-        </p:nvSpPr>
-        <p:spPr>
-          <a:xfrm>
-            <a:off x="359024" y="1131590"/>
-            <a:ext cx="8496944" cy="3600400"/>
-          </a:xfrm>
-        </p:spPr>
-        <p:txBody>
-          <a:bodyPr/>
-          <a:lstStyle/>
-          <a:p>
-            <a:pPr marL="285750" indent="-285750">
-              <a:buFont typeface="Arial" panose="020B0604020202020204" pitchFamily="34" charset="0"/>
-              <a:buChar char="•"/>
-            </a:pPr>
-            <a:r>
-              <a:rPr lang="it-IT" sz="3200" dirty="0"/>
-              <a:t>Scopo </a:t>
-            </a:r>
-          </a:p>
-          <a:p>
-            <a:pPr marL="285750" indent="-285750">
-              <a:buFont typeface="Arial" panose="020B0604020202020204" pitchFamily="34" charset="0"/>
-              <a:buChar char="•"/>
-            </a:pPr>
-            <a:r>
-              <a:rPr lang="it-IT" sz="3200" dirty="0"/>
-              <a:t>Analisi</a:t>
-            </a:r>
-          </a:p>
-          <a:p>
-            <a:pPr marL="285750" indent="-285750">
-              <a:buFont typeface="Arial" panose="020B0604020202020204" pitchFamily="34" charset="0"/>
-              <a:buChar char="•"/>
-            </a:pPr>
-            <a:r>
-              <a:rPr lang="it-IT" sz="3200" dirty="0" err="1"/>
-              <a:t>Gantt</a:t>
-            </a:r>
-            <a:endParaRPr lang="it-IT" sz="3200" dirty="0"/>
-          </a:p>
-          <a:p>
-            <a:pPr marL="285750" indent="-285750">
-              <a:buFont typeface="Arial" panose="020B0604020202020204" pitchFamily="34" charset="0"/>
-              <a:buChar char="•"/>
-            </a:pPr>
-            <a:r>
-              <a:rPr lang="it-IT" sz="3200" dirty="0"/>
-              <a:t>Progettazione</a:t>
-            </a:r>
-          </a:p>
-          <a:p>
-            <a:pPr marL="285750" indent="-285750">
-              <a:buFont typeface="Arial" panose="020B0604020202020204" pitchFamily="34" charset="0"/>
-              <a:buChar char="•"/>
-            </a:pPr>
-            <a:r>
-              <a:rPr lang="it-IT" sz="3200" dirty="0"/>
-              <a:t>Implementazione</a:t>
-            </a:r>
-          </a:p>
-          <a:p>
-            <a:endParaRPr lang="it-CH" dirty="0"/>
           </a:p>
         </p:txBody>
       </p:sp>
     </p:spTree>
     <p:extLst>
       <p:ext uri="{BB962C8B-B14F-4D97-AF65-F5344CB8AC3E}">
-        <p14:creationId xmlns:p14="http://schemas.microsoft.com/office/powerpoint/2010/main" val="1191993170"/>
+        <p14:creationId xmlns:p14="http://schemas.microsoft.com/office/powerpoint/2010/main" val="1870739496"/>
       </p:ext>
     </p:extLst>
   </p:cSld>
   <p:clrMapOvr>
     <a:masterClrMapping/>
   </p:clrMapOvr>
-  <mc:AlternateContent xmlns:mc="http://schemas.openxmlformats.org/markup-compatibility/2006" xmlns:p159="http://schemas.microsoft.com/office/powerpoint/2015/09/main">
-    <mc:Choice Requires="p159">
+  <mc:AlternateContent xmlns:mc="http://schemas.openxmlformats.org/markup-compatibility/2006">
+    <mc:Choice xmlns:p159="http://schemas.microsoft.com/office/powerpoint/2015/09/main" xmlns="" Requires="p159">
       <p:transition xmlns:p14="http://schemas.microsoft.com/office/powerpoint/2010/main" spd="slow" p14:dur="2000">
         <p159:morph option="byWord"/>
       </p:transition>
     </mc:Choice>
-    <mc:Fallback xmlns="">
+    <mc:Fallback>
       <p:transition spd="slow">
         <p:fade/>
       </p:transition>
@@ -13137,10 +12060,42 @@
       </p:grpSpPr>
       <p:sp>
         <p:nvSpPr>
-          <p:cNvPr id="2" name="Titolo 1">
+          <p:cNvPr id="3" name="Title 2"/>
+          <p:cNvSpPr>
+            <a:spLocks noGrp="1"/>
+          </p:cNvSpPr>
+          <p:nvPr>
+            <p:ph type="title"/>
+          </p:nvPr>
+        </p:nvSpPr>
+        <p:spPr>
+          <a:xfrm>
+            <a:off x="35496" y="123478"/>
+            <a:ext cx="9144000" cy="884466"/>
+          </a:xfrm>
+        </p:spPr>
+        <p:txBody>
+          <a:bodyPr/>
+          <a:lstStyle/>
+          <a:p>
+            <a:r>
+              <a:rPr lang="en-US" sz="6000" dirty="0"/>
+              <a:t> </a:t>
+            </a:r>
+            <a:r>
+              <a:rPr lang="en-US" altLang="ko-KR" sz="6000" dirty="0" err="1"/>
+              <a:t>Indice</a:t>
+            </a:r>
+            <a:endParaRPr lang="en-US" sz="6000" dirty="0"/>
+          </a:p>
+        </p:txBody>
+      </p:sp>
+      <p:sp>
+        <p:nvSpPr>
+          <p:cNvPr id="6" name="Segnaposto contenuto 5">
             <a:extLst>
               <a:ext uri="{FF2B5EF4-FFF2-40B4-BE49-F238E27FC236}">
-                <a16:creationId xmlns:a16="http://schemas.microsoft.com/office/drawing/2014/main" id="{82887461-6D43-4CEB-A6A1-119545323645}"/>
+                <a16:creationId xmlns:a16="http://schemas.microsoft.com/office/drawing/2014/main" xmlns="" id="{5B6072DA-2CA4-4D2D-9FE3-87C81F48EC48}"/>
               </a:ext>
             </a:extLst>
           </p:cNvPr>
@@ -13148,41 +12103,13 @@
             <a:spLocks noGrp="1"/>
           </p:cNvSpPr>
           <p:nvPr>
-            <p:ph type="title"/>
-          </p:nvPr>
-        </p:nvSpPr>
-        <p:spPr/>
-        <p:txBody>
-          <a:bodyPr/>
-          <a:lstStyle/>
-          <a:p>
-            <a:r>
-              <a:rPr lang="it-CH" sz="4800" dirty="0"/>
-              <a:t>SCOPO</a:t>
-            </a:r>
-          </a:p>
-        </p:txBody>
-      </p:sp>
-      <p:sp>
-        <p:nvSpPr>
-          <p:cNvPr id="4" name="Segnaposto contenuto 3">
-            <a:extLst>
-              <a:ext uri="{FF2B5EF4-FFF2-40B4-BE49-F238E27FC236}">
-                <a16:creationId xmlns:a16="http://schemas.microsoft.com/office/drawing/2014/main" id="{9DA94BF7-4EDC-403E-A893-A547CC60B810}"/>
-              </a:ext>
-            </a:extLst>
-          </p:cNvPr>
-          <p:cNvSpPr>
-            <a:spLocks noGrp="1"/>
-          </p:cNvSpPr>
-          <p:nvPr>
             <p:ph idx="1"/>
           </p:nvPr>
         </p:nvSpPr>
         <p:spPr>
           <a:xfrm>
-            <a:off x="1990056" y="987575"/>
-            <a:ext cx="6912768" cy="3672408"/>
+            <a:off x="359024" y="1131590"/>
+            <a:ext cx="8496944" cy="3600400"/>
           </a:xfrm>
         </p:spPr>
         <p:txBody>
@@ -13190,66 +12117,77 @@
           <a:lstStyle/>
           <a:p>
             <a:pPr marL="285750" indent="-285750">
-              <a:lnSpc>
-                <a:spcPct val="200000"/>
-              </a:lnSpc>
               <a:buFont typeface="Arial" panose="020B0604020202020204" pitchFamily="34" charset="0"/>
               <a:buChar char="•"/>
             </a:pPr>
             <a:r>
-              <a:rPr lang="it-CH" sz="3200" dirty="0"/>
-              <a:t>Controllo DJI Tello</a:t>
+              <a:rPr lang="it-IT" sz="3200" dirty="0"/>
+              <a:t>Scopo </a:t>
             </a:r>
           </a:p>
           <a:p>
             <a:pPr marL="285750" indent="-285750">
-              <a:lnSpc>
-                <a:spcPct val="200000"/>
-              </a:lnSpc>
               <a:buFont typeface="Arial" panose="020B0604020202020204" pitchFamily="34" charset="0"/>
               <a:buChar char="•"/>
             </a:pPr>
             <a:r>
-              <a:rPr lang="it-CH" sz="3200" dirty="0" err="1"/>
-              <a:t>Leap</a:t>
-            </a:r>
-            <a:r>
-              <a:rPr lang="it-CH" sz="3200" dirty="0"/>
-              <a:t> Motion</a:t>
+              <a:rPr lang="it-IT" sz="3200" dirty="0"/>
+              <a:t>Analisi</a:t>
             </a:r>
           </a:p>
           <a:p>
             <a:pPr marL="285750" indent="-285750">
-              <a:lnSpc>
-                <a:spcPct val="200000"/>
-              </a:lnSpc>
               <a:buFont typeface="Arial" panose="020B0604020202020204" pitchFamily="34" charset="0"/>
               <a:buChar char="•"/>
             </a:pPr>
             <a:r>
-              <a:rPr lang="it-CH" sz="3200" dirty="0"/>
-              <a:t>Simulatore</a:t>
-            </a:r>
+              <a:rPr lang="it-IT" sz="3200" dirty="0" err="1"/>
+              <a:t>Gantt</a:t>
+            </a:r>
+            <a:endParaRPr lang="it-IT" sz="3200" dirty="0"/>
+          </a:p>
+          <a:p>
+            <a:pPr marL="285750" indent="-285750">
+              <a:buFont typeface="Arial" panose="020B0604020202020204" pitchFamily="34" charset="0"/>
+              <a:buChar char="•"/>
+            </a:pPr>
+            <a:r>
+              <a:rPr lang="it-IT" sz="3200" dirty="0"/>
+              <a:t>Progettazione</a:t>
+            </a:r>
+          </a:p>
+          <a:p>
+            <a:pPr marL="285750" indent="-285750">
+              <a:buFont typeface="Arial" panose="020B0604020202020204" pitchFamily="34" charset="0"/>
+              <a:buChar char="•"/>
+            </a:pPr>
+            <a:r>
+              <a:rPr lang="it-IT" sz="3200" dirty="0"/>
+              <a:t>Implementazione</a:t>
+            </a:r>
+          </a:p>
+          <a:p>
+            <a:endParaRPr lang="it-CH" dirty="0"/>
           </a:p>
         </p:txBody>
       </p:sp>
     </p:spTree>
     <p:extLst>
       <p:ext uri="{BB962C8B-B14F-4D97-AF65-F5344CB8AC3E}">
-        <p14:creationId xmlns:p14="http://schemas.microsoft.com/office/powerpoint/2010/main" val="2969328257"/>
+        <p14:creationId xmlns:p14="http://schemas.microsoft.com/office/powerpoint/2010/main" val="1191993170"/>
       </p:ext>
     </p:extLst>
   </p:cSld>
   <p:clrMapOvr>
     <a:masterClrMapping/>
   </p:clrMapOvr>
-  <mc:AlternateContent xmlns:mc="http://schemas.openxmlformats.org/markup-compatibility/2006" xmlns:p159="http://schemas.microsoft.com/office/powerpoint/2015/09/main">
-    <mc:Choice Requires="p159">
+  <mc:AlternateContent xmlns:mc="http://schemas.openxmlformats.org/markup-compatibility/2006">
+    <mc:Choice xmlns:p159="http://schemas.microsoft.com/office/powerpoint/2015/09/main" xmlns="" Requires="p159">
       <p:transition xmlns:p14="http://schemas.microsoft.com/office/powerpoint/2010/main" spd="slow" p14:dur="2000">
         <p159:morph option="byWord"/>
       </p:transition>
     </mc:Choice>
-    <mc:Fallback xmlns="">
+    <mc:Fallback>
       <p:transition spd="slow">
         <p:fade/>
       </p:transition>
@@ -13280,7 +12218,7 @@
           <p:cNvPr id="2" name="Titolo 1">
             <a:extLst>
               <a:ext uri="{FF2B5EF4-FFF2-40B4-BE49-F238E27FC236}">
-                <a16:creationId xmlns:a16="http://schemas.microsoft.com/office/drawing/2014/main" id="{82887461-6D43-4CEB-A6A1-119545323645}"/>
+                <a16:creationId xmlns:a16="http://schemas.microsoft.com/office/drawing/2014/main" xmlns="" id="{82887461-6D43-4CEB-A6A1-119545323645}"/>
               </a:ext>
             </a:extLst>
           </p:cNvPr>
@@ -13298,7 +12236,7 @@
           <a:p>
             <a:r>
               <a:rPr lang="it-CH" sz="4800" dirty="0"/>
-              <a:t>ANALISI DEI MEZZI</a:t>
+              <a:t>SCOPO</a:t>
             </a:r>
           </a:p>
         </p:txBody>
@@ -13308,7 +12246,7 @@
           <p:cNvPr id="4" name="Segnaposto contenuto 3">
             <a:extLst>
               <a:ext uri="{FF2B5EF4-FFF2-40B4-BE49-F238E27FC236}">
-                <a16:creationId xmlns:a16="http://schemas.microsoft.com/office/drawing/2014/main" id="{9DA94BF7-4EDC-403E-A893-A547CC60B810}"/>
+                <a16:creationId xmlns:a16="http://schemas.microsoft.com/office/drawing/2014/main" xmlns="" id="{9DA94BF7-4EDC-403E-A893-A547CC60B810}"/>
               </a:ext>
             </a:extLst>
           </p:cNvPr>
@@ -13329,6 +12267,146 @@
           <a:bodyPr/>
           <a:lstStyle/>
           <a:p>
+            <a:pPr marL="285750" indent="-285750">
+              <a:lnSpc>
+                <a:spcPct val="200000"/>
+              </a:lnSpc>
+              <a:buFont typeface="Arial" panose="020B0604020202020204" pitchFamily="34" charset="0"/>
+              <a:buChar char="•"/>
+            </a:pPr>
+            <a:r>
+              <a:rPr lang="it-CH" sz="3200" dirty="0"/>
+              <a:t>Controllo DJI Tello</a:t>
+            </a:r>
+          </a:p>
+          <a:p>
+            <a:pPr marL="285750" indent="-285750">
+              <a:lnSpc>
+                <a:spcPct val="200000"/>
+              </a:lnSpc>
+              <a:buFont typeface="Arial" panose="020B0604020202020204" pitchFamily="34" charset="0"/>
+              <a:buChar char="•"/>
+            </a:pPr>
+            <a:r>
+              <a:rPr lang="it-CH" sz="3200" dirty="0" err="1"/>
+              <a:t>Leap</a:t>
+            </a:r>
+            <a:r>
+              <a:rPr lang="it-CH" sz="3200" dirty="0"/>
+              <a:t> Motion</a:t>
+            </a:r>
+          </a:p>
+          <a:p>
+            <a:pPr marL="285750" indent="-285750">
+              <a:lnSpc>
+                <a:spcPct val="200000"/>
+              </a:lnSpc>
+              <a:buFont typeface="Arial" panose="020B0604020202020204" pitchFamily="34" charset="0"/>
+              <a:buChar char="•"/>
+            </a:pPr>
+            <a:r>
+              <a:rPr lang="it-CH" sz="3200" dirty="0"/>
+              <a:t>Simulatore</a:t>
+            </a:r>
+          </a:p>
+        </p:txBody>
+      </p:sp>
+    </p:spTree>
+    <p:extLst>
+      <p:ext uri="{BB962C8B-B14F-4D97-AF65-F5344CB8AC3E}">
+        <p14:creationId xmlns:p14="http://schemas.microsoft.com/office/powerpoint/2010/main" val="2969328257"/>
+      </p:ext>
+    </p:extLst>
+  </p:cSld>
+  <p:clrMapOvr>
+    <a:masterClrMapping/>
+  </p:clrMapOvr>
+  <mc:AlternateContent xmlns:mc="http://schemas.openxmlformats.org/markup-compatibility/2006">
+    <mc:Choice xmlns:p159="http://schemas.microsoft.com/office/powerpoint/2015/09/main" xmlns="" Requires="p159">
+      <p:transition xmlns:p14="http://schemas.microsoft.com/office/powerpoint/2010/main" spd="slow" p14:dur="2000">
+        <p159:morph option="byWord"/>
+      </p:transition>
+    </mc:Choice>
+    <mc:Fallback>
+      <p:transition spd="slow">
+        <p:fade/>
+      </p:transition>
+    </mc:Fallback>
+  </mc:AlternateContent>
+</p:sld>
+</file>
+
+<file path=ppt/slides/slide7.xml><?xml version="1.0" encoding="utf-8"?>
+<p:sld xmlns:a="http://schemas.openxmlformats.org/drawingml/2006/main" xmlns:r="http://schemas.openxmlformats.org/officeDocument/2006/relationships" xmlns:p="http://schemas.openxmlformats.org/presentationml/2006/main">
+  <p:cSld>
+    <p:spTree>
+      <p:nvGrpSpPr>
+        <p:cNvPr id="1" name=""/>
+        <p:cNvGrpSpPr/>
+        <p:nvPr/>
+      </p:nvGrpSpPr>
+      <p:grpSpPr>
+        <a:xfrm>
+          <a:off x="0" y="0"/>
+          <a:ext cx="0" cy="0"/>
+          <a:chOff x="0" y="0"/>
+          <a:chExt cx="0" cy="0"/>
+        </a:xfrm>
+      </p:grpSpPr>
+      <p:sp>
+        <p:nvSpPr>
+          <p:cNvPr id="2" name="Titolo 1">
+            <a:extLst>
+              <a:ext uri="{FF2B5EF4-FFF2-40B4-BE49-F238E27FC236}">
+                <a16:creationId xmlns:a16="http://schemas.microsoft.com/office/drawing/2014/main" xmlns="" id="{82887461-6D43-4CEB-A6A1-119545323645}"/>
+              </a:ext>
+            </a:extLst>
+          </p:cNvPr>
+          <p:cNvSpPr>
+            <a:spLocks noGrp="1"/>
+          </p:cNvSpPr>
+          <p:nvPr>
+            <p:ph type="title"/>
+          </p:nvPr>
+        </p:nvSpPr>
+        <p:spPr/>
+        <p:txBody>
+          <a:bodyPr/>
+          <a:lstStyle/>
+          <a:p>
+            <a:r>
+              <a:rPr lang="it-CH" sz="4800" dirty="0"/>
+              <a:t>ANALISI DEI MEZZI</a:t>
+            </a:r>
+          </a:p>
+        </p:txBody>
+      </p:sp>
+      <p:sp>
+        <p:nvSpPr>
+          <p:cNvPr id="4" name="Segnaposto contenuto 3">
+            <a:extLst>
+              <a:ext uri="{FF2B5EF4-FFF2-40B4-BE49-F238E27FC236}">
+                <a16:creationId xmlns:a16="http://schemas.microsoft.com/office/drawing/2014/main" xmlns="" id="{9DA94BF7-4EDC-403E-A893-A547CC60B810}"/>
+              </a:ext>
+            </a:extLst>
+          </p:cNvPr>
+          <p:cNvSpPr>
+            <a:spLocks noGrp="1"/>
+          </p:cNvSpPr>
+          <p:nvPr>
+            <p:ph idx="1"/>
+          </p:nvPr>
+        </p:nvSpPr>
+        <p:spPr>
+          <a:xfrm>
+            <a:off x="1990056" y="987575"/>
+            <a:ext cx="6912768" cy="3672408"/>
+          </a:xfrm>
+        </p:spPr>
+        <p:txBody>
+          <a:bodyPr/>
+          <a:lstStyle/>
+          <a:p>
             <a:pPr marL="457200" indent="-457200">
               <a:buFont typeface="Arial" panose="020B0604020202020204" pitchFamily="34" charset="0"/>
               <a:buChar char="•"/>
@@ -13453,7 +12531,7 @@
           <p:cNvPr id="1026" name="Picture 2" descr="Risultati immagini per bus icon png">
             <a:extLst>
               <a:ext uri="{FF2B5EF4-FFF2-40B4-BE49-F238E27FC236}">
-                <a16:creationId xmlns:a16="http://schemas.microsoft.com/office/drawing/2014/main" id="{0B3E46AC-3C49-45E4-9E3F-CEF6C3C7158A}"/>
+                <a16:creationId xmlns:a16="http://schemas.microsoft.com/office/drawing/2014/main" xmlns="" id="{0B3E46AC-3C49-45E4-9E3F-CEF6C3C7158A}"/>
               </a:ext>
             </a:extLst>
           </p:cNvPr>
@@ -13512,13 +12590,13 @@
   <p:clrMapOvr>
     <a:masterClrMapping/>
   </p:clrMapOvr>
-  <mc:AlternateContent xmlns:mc="http://schemas.openxmlformats.org/markup-compatibility/2006" xmlns:p159="http://schemas.microsoft.com/office/powerpoint/2015/09/main">
-    <mc:Choice Requires="p159">
+  <mc:AlternateContent xmlns:mc="http://schemas.openxmlformats.org/markup-compatibility/2006">
+    <mc:Choice xmlns:p159="http://schemas.microsoft.com/office/powerpoint/2015/09/main" xmlns="" Requires="p159">
       <p:transition xmlns:p14="http://schemas.microsoft.com/office/powerpoint/2010/main" spd="slow" p14:dur="2000">
         <p159:morph option="byWord"/>
       </p:transition>
     </mc:Choice>
-    <mc:Fallback xmlns="">
+    <mc:Fallback>
       <p:transition spd="slow">
         <p:fade/>
       </p:transition>
@@ -13527,7 +12605,7 @@
 </p:sld>
 </file>
 
-<file path=ppt/slides/slide7.xml><?xml version="1.0" encoding="utf-8"?>
+<file path=ppt/slides/slide8.xml><?xml version="1.0" encoding="utf-8"?>
 <p:sld xmlns:a="http://schemas.openxmlformats.org/drawingml/2006/main" xmlns:r="http://schemas.openxmlformats.org/officeDocument/2006/relationships" xmlns:p="http://schemas.openxmlformats.org/presentationml/2006/main">
   <p:cSld>
     <p:spTree>
@@ -13549,7 +12627,7 @@
           <p:cNvPr id="2" name="Titolo 1">
             <a:extLst>
               <a:ext uri="{FF2B5EF4-FFF2-40B4-BE49-F238E27FC236}">
-                <a16:creationId xmlns:a16="http://schemas.microsoft.com/office/drawing/2014/main" id="{82887461-6D43-4CEB-A6A1-119545323645}"/>
+                <a16:creationId xmlns:a16="http://schemas.microsoft.com/office/drawing/2014/main" xmlns="" id="{82887461-6D43-4CEB-A6A1-119545323645}"/>
               </a:ext>
             </a:extLst>
           </p:cNvPr>
@@ -13577,7 +12655,7 @@
           <p:cNvPr id="5" name="Segnaposto contenuto 4">
             <a:extLst>
               <a:ext uri="{FF2B5EF4-FFF2-40B4-BE49-F238E27FC236}">
-                <a16:creationId xmlns:a16="http://schemas.microsoft.com/office/drawing/2014/main" id="{898D7E89-0043-4101-8223-BD420A471666}"/>
+                <a16:creationId xmlns:a16="http://schemas.microsoft.com/office/drawing/2014/main" xmlns="" id="{898D7E89-0043-4101-8223-BD420A471666}"/>
               </a:ext>
             </a:extLst>
           </p:cNvPr>
@@ -13612,7 +12690,7 @@
           <p:cNvPr id="3076" name="Picture 4" descr="Risultati immagini per start race icon">
             <a:extLst>
               <a:ext uri="{FF2B5EF4-FFF2-40B4-BE49-F238E27FC236}">
-                <a16:creationId xmlns:a16="http://schemas.microsoft.com/office/drawing/2014/main" id="{2EF36095-34AE-44D9-B34A-DBEBF300D4D3}"/>
+                <a16:creationId xmlns:a16="http://schemas.microsoft.com/office/drawing/2014/main" xmlns="" id="{2EF36095-34AE-44D9-B34A-DBEBF300D4D3}"/>
               </a:ext>
             </a:extLst>
           </p:cNvPr>
@@ -13664,13 +12742,13 @@
   <p:clrMapOvr>
     <a:masterClrMapping/>
   </p:clrMapOvr>
-  <mc:AlternateContent xmlns:mc="http://schemas.openxmlformats.org/markup-compatibility/2006" xmlns:p159="http://schemas.microsoft.com/office/powerpoint/2015/09/main">
-    <mc:Choice Requires="p159">
+  <mc:AlternateContent xmlns:mc="http://schemas.openxmlformats.org/markup-compatibility/2006">
+    <mc:Choice xmlns:p159="http://schemas.microsoft.com/office/powerpoint/2015/09/main" xmlns="" Requires="p159">
       <p:transition xmlns:p14="http://schemas.microsoft.com/office/powerpoint/2010/main" spd="slow" p14:dur="2000">
         <p159:morph option="byWord"/>
       </p:transition>
     </mc:Choice>
-    <mc:Fallback xmlns="">
+    <mc:Fallback>
       <p:transition spd="slow">
         <p:fade/>
       </p:transition>
@@ -13679,7 +12757,7 @@
 </p:sld>
 </file>
 
-<file path=ppt/slides/slide8.xml><?xml version="1.0" encoding="utf-8"?>
+<file path=ppt/slides/slide9.xml><?xml version="1.0" encoding="utf-8"?>
 <p:sld xmlns:a="http://schemas.openxmlformats.org/drawingml/2006/main" xmlns:r="http://schemas.openxmlformats.org/officeDocument/2006/relationships" xmlns:p="http://schemas.openxmlformats.org/presentationml/2006/main">
   <p:cSld>
     <p:spTree>
@@ -13701,7 +12779,7 @@
           <p:cNvPr id="2" name="Titolo 1">
             <a:extLst>
               <a:ext uri="{FF2B5EF4-FFF2-40B4-BE49-F238E27FC236}">
-                <a16:creationId xmlns:a16="http://schemas.microsoft.com/office/drawing/2014/main" id="{82887461-6D43-4CEB-A6A1-119545323645}"/>
+                <a16:creationId xmlns:a16="http://schemas.microsoft.com/office/drawing/2014/main" xmlns="" id="{82887461-6D43-4CEB-A6A1-119545323645}"/>
               </a:ext>
             </a:extLst>
           </p:cNvPr>
@@ -13729,7 +12807,7 @@
           <p:cNvPr id="6" name="Segnaposto contenuto 5">
             <a:extLst>
               <a:ext uri="{FF2B5EF4-FFF2-40B4-BE49-F238E27FC236}">
-                <a16:creationId xmlns:a16="http://schemas.microsoft.com/office/drawing/2014/main" id="{340539DE-1D21-492C-BA50-AD02818970A6}"/>
+                <a16:creationId xmlns:a16="http://schemas.microsoft.com/office/drawing/2014/main" xmlns="" id="{340539DE-1D21-492C-BA50-AD02818970A6}"/>
               </a:ext>
             </a:extLst>
           </p:cNvPr>
@@ -13764,7 +12842,7 @@
           <p:cNvPr id="2050" name="Picture 2" descr="Risultati immagini per finish race icon">
             <a:extLst>
               <a:ext uri="{FF2B5EF4-FFF2-40B4-BE49-F238E27FC236}">
-                <a16:creationId xmlns:a16="http://schemas.microsoft.com/office/drawing/2014/main" id="{A0F9E2C9-C414-4016-A6E8-E8846A39B789}"/>
+                <a16:creationId xmlns:a16="http://schemas.microsoft.com/office/drawing/2014/main" xmlns="" id="{A0F9E2C9-C414-4016-A6E8-E8846A39B789}"/>
               </a:ext>
             </a:extLst>
           </p:cNvPr>
@@ -13816,169 +12894,13 @@
   <p:clrMapOvr>
     <a:masterClrMapping/>
   </p:clrMapOvr>
-  <mc:AlternateContent xmlns:mc="http://schemas.openxmlformats.org/markup-compatibility/2006" xmlns:p159="http://schemas.microsoft.com/office/powerpoint/2015/09/main">
-    <mc:Choice Requires="p159">
+  <mc:AlternateContent xmlns:mc="http://schemas.openxmlformats.org/markup-compatibility/2006">
+    <mc:Choice xmlns:p159="http://schemas.microsoft.com/office/powerpoint/2015/09/main" xmlns="" Requires="p159">
       <p:transition xmlns:p14="http://schemas.microsoft.com/office/powerpoint/2010/main" spd="slow" p14:dur="2000">
         <p159:morph option="byWord"/>
       </p:transition>
     </mc:Choice>
-    <mc:Fallback xmlns="">
-      <p:transition spd="slow">
-        <p:fade/>
-      </p:transition>
-    </mc:Fallback>
-  </mc:AlternateContent>
-</p:sld>
-</file>
-
-<file path=ppt/slides/slide9.xml><?xml version="1.0" encoding="utf-8"?>
-<p:sld xmlns:a="http://schemas.openxmlformats.org/drawingml/2006/main" xmlns:r="http://schemas.openxmlformats.org/officeDocument/2006/relationships" xmlns:p="http://schemas.openxmlformats.org/presentationml/2006/main">
-  <p:cSld>
-    <p:spTree>
-      <p:nvGrpSpPr>
-        <p:cNvPr id="1" name=""/>
-        <p:cNvGrpSpPr/>
-        <p:nvPr/>
-      </p:nvGrpSpPr>
-      <p:grpSpPr>
-        <a:xfrm>
-          <a:off x="0" y="0"/>
-          <a:ext cx="0" cy="0"/>
-          <a:chOff x="0" y="0"/>
-          <a:chExt cx="0" cy="0"/>
-        </a:xfrm>
-      </p:grpSpPr>
-      <p:sp>
-        <p:nvSpPr>
-          <p:cNvPr id="2" name="Titolo 1">
-            <a:extLst>
-              <a:ext uri="{FF2B5EF4-FFF2-40B4-BE49-F238E27FC236}">
-                <a16:creationId xmlns:a16="http://schemas.microsoft.com/office/drawing/2014/main" id="{0879F506-BBEC-49B7-B953-469DFDB5281D}"/>
-              </a:ext>
-            </a:extLst>
-          </p:cNvPr>
-          <p:cNvSpPr>
-            <a:spLocks noGrp="1"/>
-          </p:cNvSpPr>
-          <p:nvPr>
-            <p:ph type="title"/>
-          </p:nvPr>
-        </p:nvSpPr>
-        <p:spPr/>
-        <p:txBody>
-          <a:bodyPr/>
-          <a:lstStyle/>
-          <a:p>
-            <a:r>
-              <a:rPr lang="it-CH" sz="4000" dirty="0"/>
-              <a:t>GANTT: DIFFERENZE</a:t>
-            </a:r>
-          </a:p>
-        </p:txBody>
-      </p:sp>
-      <p:sp>
-        <p:nvSpPr>
-          <p:cNvPr id="5" name="Segnaposto contenuto 4">
-            <a:extLst>
-              <a:ext uri="{FF2B5EF4-FFF2-40B4-BE49-F238E27FC236}">
-                <a16:creationId xmlns:a16="http://schemas.microsoft.com/office/drawing/2014/main" id="{85786041-B85D-4E2A-9B30-58605398387F}"/>
-              </a:ext>
-            </a:extLst>
-          </p:cNvPr>
-          <p:cNvSpPr>
-            <a:spLocks noGrp="1"/>
-          </p:cNvSpPr>
-          <p:nvPr>
-            <p:ph idx="1"/>
-          </p:nvPr>
-        </p:nvSpPr>
-        <p:spPr>
-          <a:xfrm>
-            <a:off x="1925452" y="1073881"/>
-            <a:ext cx="6912768" cy="2995737"/>
-          </a:xfrm>
-        </p:spPr>
-        <p:txBody>
-          <a:bodyPr/>
-          <a:lstStyle/>
-          <a:p>
-            <a:pPr marL="285750" indent="-285750">
-              <a:lnSpc>
-                <a:spcPct val="200000"/>
-              </a:lnSpc>
-              <a:buFont typeface="Arial" panose="020B0604020202020204" pitchFamily="34" charset="0"/>
-              <a:buChar char="•"/>
-            </a:pPr>
-            <a:r>
-              <a:rPr lang="it-CH" sz="2800" dirty="0"/>
-              <a:t>Documentazione</a:t>
-            </a:r>
-          </a:p>
-          <a:p>
-            <a:pPr marL="285750" indent="-285750">
-              <a:lnSpc>
-                <a:spcPct val="200000"/>
-              </a:lnSpc>
-              <a:buFont typeface="Arial" panose="020B0604020202020204" pitchFamily="34" charset="0"/>
-              <a:buChar char="•"/>
-            </a:pPr>
-            <a:r>
-              <a:rPr lang="it-CH" sz="2800" dirty="0"/>
-              <a:t>Progettazione + Implementazione</a:t>
-            </a:r>
-          </a:p>
-          <a:p>
-            <a:pPr marL="1028700" lvl="1">
-              <a:lnSpc>
-                <a:spcPct val="200000"/>
-              </a:lnSpc>
-              <a:buFont typeface="Arial" panose="020B0604020202020204" pitchFamily="34" charset="0"/>
-              <a:buChar char="•"/>
-            </a:pPr>
-            <a:r>
-              <a:rPr lang="it-CH" sz="2400" dirty="0"/>
-              <a:t>Informazioni</a:t>
-            </a:r>
-          </a:p>
-          <a:p>
-            <a:pPr marL="1028700" lvl="1">
-              <a:lnSpc>
-                <a:spcPct val="200000"/>
-              </a:lnSpc>
-              <a:buFont typeface="Arial" panose="020B0604020202020204" pitchFamily="34" charset="0"/>
-              <a:buChar char="•"/>
-            </a:pPr>
-            <a:r>
-              <a:rPr lang="it-CH" sz="2400" dirty="0"/>
-              <a:t>Lavoro</a:t>
-            </a:r>
-          </a:p>
-          <a:p>
-            <a:pPr marL="285750" indent="-285750">
-              <a:buFont typeface="Arial" panose="020B0604020202020204" pitchFamily="34" charset="0"/>
-              <a:buChar char="•"/>
-            </a:pPr>
-            <a:endParaRPr lang="it-CH" dirty="0"/>
-          </a:p>
-        </p:txBody>
-      </p:sp>
-    </p:spTree>
-    <p:extLst>
-      <p:ext uri="{BB962C8B-B14F-4D97-AF65-F5344CB8AC3E}">
-        <p14:creationId xmlns:p14="http://schemas.microsoft.com/office/powerpoint/2010/main" val="225920913"/>
-      </p:ext>
-    </p:extLst>
-  </p:cSld>
-  <p:clrMapOvr>
-    <a:masterClrMapping/>
-  </p:clrMapOvr>
-  <mc:AlternateContent xmlns:mc="http://schemas.openxmlformats.org/markup-compatibility/2006" xmlns:p159="http://schemas.microsoft.com/office/powerpoint/2015/09/main">
-    <mc:Choice Requires="p159">
-      <p:transition xmlns:p14="http://schemas.microsoft.com/office/powerpoint/2010/main" spd="slow" p14:dur="2000">
-        <p159:morph option="byWord"/>
-      </p:transition>
-    </mc:Choice>
-    <mc:Fallback xmlns="">
+    <mc:Fallback>
       <p:transition spd="slow">
         <p:fade/>
       </p:transition>

--- a/docs/Presentazione.pptx
+++ b/docs/Presentazione.pptx
@@ -6,12 +6,12 @@
     <p:sldMasterId id="2147483661" r:id="rId2"/>
   </p:sldMasterIdLst>
   <p:notesMasterIdLst>
-    <p:notesMasterId r:id="rId36"/>
+    <p:notesMasterId r:id="rId37"/>
   </p:notesMasterIdLst>
   <p:sldIdLst>
     <p:sldId id="256" r:id="rId3"/>
-    <p:sldId id="287" r:id="rId4"/>
-    <p:sldId id="288" r:id="rId5"/>
+    <p:sldId id="288" r:id="rId4"/>
+    <p:sldId id="308" r:id="rId5"/>
     <p:sldId id="307" r:id="rId6"/>
     <p:sldId id="260" r:id="rId7"/>
     <p:sldId id="262" r:id="rId8"/>
@@ -19,29 +19,30 @@
     <p:sldId id="264" r:id="rId10"/>
     <p:sldId id="265" r:id="rId11"/>
     <p:sldId id="267" r:id="rId12"/>
-    <p:sldId id="298" r:id="rId13"/>
-    <p:sldId id="269" r:id="rId14"/>
-    <p:sldId id="270" r:id="rId15"/>
-    <p:sldId id="271" r:id="rId16"/>
-    <p:sldId id="272" r:id="rId17"/>
-    <p:sldId id="274" r:id="rId18"/>
-    <p:sldId id="279" r:id="rId19"/>
-    <p:sldId id="280" r:id="rId20"/>
-    <p:sldId id="294" r:id="rId21"/>
-    <p:sldId id="293" r:id="rId22"/>
-    <p:sldId id="292" r:id="rId23"/>
-    <p:sldId id="291" r:id="rId24"/>
-    <p:sldId id="281" r:id="rId25"/>
-    <p:sldId id="290" r:id="rId26"/>
-    <p:sldId id="282" r:id="rId27"/>
+    <p:sldId id="270" r:id="rId13"/>
+    <p:sldId id="271" r:id="rId14"/>
+    <p:sldId id="272" r:id="rId15"/>
+    <p:sldId id="274" r:id="rId16"/>
+    <p:sldId id="298" r:id="rId17"/>
+    <p:sldId id="279" r:id="rId18"/>
+    <p:sldId id="280" r:id="rId19"/>
+    <p:sldId id="294" r:id="rId20"/>
+    <p:sldId id="293" r:id="rId21"/>
+    <p:sldId id="292" r:id="rId22"/>
+    <p:sldId id="291" r:id="rId23"/>
+    <p:sldId id="281" r:id="rId24"/>
+    <p:sldId id="290" r:id="rId25"/>
+    <p:sldId id="282" r:id="rId26"/>
+    <p:sldId id="269" r:id="rId27"/>
     <p:sldId id="283" r:id="rId28"/>
     <p:sldId id="284" r:id="rId29"/>
     <p:sldId id="285" r:id="rId30"/>
     <p:sldId id="301" r:id="rId31"/>
-    <p:sldId id="303" r:id="rId32"/>
-    <p:sldId id="304" r:id="rId33"/>
+    <p:sldId id="304" r:id="rId32"/>
+    <p:sldId id="303" r:id="rId33"/>
     <p:sldId id="297" r:id="rId34"/>
-    <p:sldId id="278" r:id="rId35"/>
+    <p:sldId id="309" r:id="rId35"/>
+    <p:sldId id="278" r:id="rId36"/>
   </p:sldIdLst>
   <p:sldSz cx="9144000" cy="5143500" type="screen16x9"/>
   <p:notesSz cx="6858000" cy="9144000"/>
@@ -150,8 +151,8 @@
         </p14:section>
         <p14:section name="Presentazione team" id="{9BAE740A-50AD-4FFE-8735-F46BBB89AE41}">
           <p14:sldIdLst>
-            <p14:sldId id="287"/>
             <p14:sldId id="288"/>
+            <p14:sldId id="308"/>
             <p14:sldId id="307"/>
           </p14:sldIdLst>
         </p14:section>
@@ -171,8 +172,6 @@
         <p14:section name="Architettura sistema" id="{CB31D9CA-8A6D-4830-8CFE-2A53A7B6A2DA}">
           <p14:sldIdLst>
             <p14:sldId id="267"/>
-            <p14:sldId id="298"/>
-            <p14:sldId id="269"/>
           </p14:sldIdLst>
         </p14:section>
         <p14:section name="Schemi &amp; Design" id="{3337FAC9-64F1-456C-A439-92611CB855E1}">
@@ -185,6 +184,7 @@
         <p14:section name="Implementazione Luca + Fadil" id="{F9ED6073-3648-48AA-AA84-0EE682246350}">
           <p14:sldIdLst>
             <p14:sldId id="274"/>
+            <p14:sldId id="298"/>
             <p14:sldId id="279"/>
             <p14:sldId id="280"/>
             <p14:sldId id="294"/>
@@ -198,17 +198,19 @@
         </p14:section>
         <p14:section name="Implementazione Rausone + Jari" id="{447BF589-D1E8-4DBB-9501-24CE99D53C44}">
           <p14:sldIdLst>
+            <p14:sldId id="269"/>
             <p14:sldId id="283"/>
             <p14:sldId id="284"/>
             <p14:sldId id="285"/>
             <p14:sldId id="301"/>
+            <p14:sldId id="304"/>
             <p14:sldId id="303"/>
-            <p14:sldId id="304"/>
           </p14:sldIdLst>
         </p14:section>
         <p14:section name="Conclusione" id="{1ABA82D0-EB08-4736-9CA5-C32C294E57F9}">
           <p14:sldIdLst>
             <p14:sldId id="297"/>
+            <p14:sldId id="309"/>
             <p14:sldId id="278"/>
           </p14:sldIdLst>
         </p14:section>
@@ -314,7 +316,7 @@
           <a:p>
             <a:fld id="{0E586627-511B-45A1-B9CA-4576DD49B422}" type="datetimeFigureOut">
               <a:rPr lang="it-CH" smtClean="0"/>
-              <a:t>30.05.2019</a:t>
+              <a:t>31.05.2019</a:t>
             </a:fld>
             <a:endParaRPr lang="it-CH"/>
           </a:p>
@@ -626,7 +628,11 @@
           <a:bodyPr/>
           <a:lstStyle/>
           <a:p>
-            <a:endParaRPr lang="it-CH" dirty="0"/>
+            <a:r>
+              <a:rPr lang="it-IT" dirty="0" err="1" smtClean="0"/>
+              <a:t>Jari</a:t>
+            </a:r>
+            <a:endParaRPr lang="en-US" dirty="0"/>
           </a:p>
         </p:txBody>
       </p:sp>
@@ -637,7 +643,7 @@
             <a:spLocks noGrp="1"/>
           </p:cNvSpPr>
           <p:nvPr>
-            <p:ph type="sldNum" sz="quarter" idx="5"/>
+            <p:ph type="sldNum" sz="quarter" idx="10"/>
           </p:nvPr>
         </p:nvSpPr>
         <p:spPr/>
@@ -647,7 +653,7 @@
           <a:p>
             <a:fld id="{FD2CFA8D-4E29-41DB-B61B-69A41B9506B3}" type="slidenum">
               <a:rPr lang="it-CH" smtClean="0"/>
-              <a:t>3</a:t>
+              <a:t>1</a:t>
             </a:fld>
             <a:endParaRPr lang="it-CH"/>
           </a:p>
@@ -656,7 +662,7 @@
     </p:spTree>
     <p:extLst>
       <p:ext uri="{BB962C8B-B14F-4D97-AF65-F5344CB8AC3E}">
-        <p14:creationId xmlns:p14="http://schemas.microsoft.com/office/powerpoint/2010/main" val="2928962743"/>
+        <p14:creationId xmlns:p14="http://schemas.microsoft.com/office/powerpoint/2010/main" val="2477053077"/>
       </p:ext>
     </p:extLst>
   </p:cSld>
@@ -711,10 +717,94 @@
           <a:lstStyle/>
           <a:p>
             <a:r>
-              <a:rPr lang="it-CH" dirty="0" smtClean="0"/>
-              <a:t>Drone simulator</a:t>
-            </a:r>
-            <a:endParaRPr lang="it-CH" dirty="0"/>
+              <a:rPr lang="it-CH" sz="3200" dirty="0" smtClean="0"/>
+              <a:t>Luca</a:t>
+            </a:r>
+          </a:p>
+          <a:p>
+            <a:r>
+              <a:rPr lang="it-CH" sz="3200" dirty="0" smtClean="0"/>
+              <a:t>Possiamo </a:t>
+            </a:r>
+            <a:r>
+              <a:rPr lang="it-CH" sz="3200" dirty="0"/>
+              <a:t>dividere il lavoro in due grandi gruppi:</a:t>
+            </a:r>
+          </a:p>
+          <a:p>
+            <a:endParaRPr lang="it-CH" sz="3200" dirty="0"/>
+          </a:p>
+          <a:p>
+            <a:pPr marL="171450" indent="-171450">
+              <a:buFont typeface="Arial" panose="020B0604020202020204" pitchFamily="34" charset="0"/>
+              <a:buChar char="•"/>
+            </a:pPr>
+            <a:r>
+              <a:rPr lang="it-CH" sz="3200" dirty="0" err="1"/>
+              <a:t>DroneController</a:t>
+            </a:r>
+            <a:endParaRPr lang="it-CH" sz="3200" dirty="0"/>
+          </a:p>
+          <a:p>
+            <a:pPr marL="628650" lvl="1" indent="-171450">
+              <a:buFont typeface="Arial" panose="020B0604020202020204" pitchFamily="34" charset="0"/>
+              <a:buChar char="•"/>
+            </a:pPr>
+            <a:r>
+              <a:rPr lang="it-CH" sz="3200" dirty="0"/>
+              <a:t>Luca</a:t>
+            </a:r>
+          </a:p>
+          <a:p>
+            <a:pPr marL="628650" lvl="1" indent="-171450">
+              <a:buFont typeface="Arial" panose="020B0604020202020204" pitchFamily="34" charset="0"/>
+              <a:buChar char="•"/>
+            </a:pPr>
+            <a:r>
+              <a:rPr lang="it-CH" sz="3200" dirty="0" err="1"/>
+              <a:t>Fadil</a:t>
+            </a:r>
+            <a:endParaRPr lang="it-CH" sz="3200" dirty="0"/>
+          </a:p>
+          <a:p>
+            <a:pPr marL="457200" lvl="1" indent="0">
+              <a:buFont typeface="Arial" panose="020B0604020202020204" pitchFamily="34" charset="0"/>
+              <a:buNone/>
+            </a:pPr>
+            <a:endParaRPr lang="it-CH" sz="3200" dirty="0"/>
+          </a:p>
+          <a:p>
+            <a:pPr marL="171450" indent="-171450">
+              <a:buFont typeface="Arial" panose="020B0604020202020204" pitchFamily="34" charset="0"/>
+              <a:buChar char="•"/>
+            </a:pPr>
+            <a:r>
+              <a:rPr lang="it-CH" sz="3200" dirty="0" err="1"/>
+              <a:t>DroneSimulator</a:t>
+            </a:r>
+            <a:endParaRPr lang="it-CH" sz="3200" dirty="0"/>
+          </a:p>
+          <a:p>
+            <a:pPr marL="628650" lvl="1" indent="-171450">
+              <a:buFont typeface="Arial" panose="020B0604020202020204" pitchFamily="34" charset="0"/>
+              <a:buChar char="•"/>
+            </a:pPr>
+            <a:r>
+              <a:rPr lang="it-CH" sz="3200" dirty="0" err="1"/>
+              <a:t>Rausone</a:t>
+            </a:r>
+            <a:endParaRPr lang="it-CH" sz="3200" dirty="0"/>
+          </a:p>
+          <a:p>
+            <a:pPr marL="628650" lvl="1" indent="-171450">
+              <a:buFont typeface="Arial" panose="020B0604020202020204" pitchFamily="34" charset="0"/>
+              <a:buChar char="•"/>
+            </a:pPr>
+            <a:r>
+              <a:rPr lang="it-CH" sz="3200" dirty="0" err="1"/>
+              <a:t>Jari</a:t>
+            </a:r>
+            <a:endParaRPr lang="it-CH" sz="3200" dirty="0"/>
           </a:p>
         </p:txBody>
       </p:sp>
@@ -735,7 +825,7 @@
           <a:p>
             <a:fld id="{FD2CFA8D-4E29-41DB-B61B-69A41B9506B3}" type="slidenum">
               <a:rPr lang="it-CH" smtClean="0"/>
-              <a:t>12</a:t>
+              <a:t>10</a:t>
             </a:fld>
             <a:endParaRPr lang="it-CH"/>
           </a:p>
@@ -744,7 +834,7 @@
     </p:spTree>
     <p:extLst>
       <p:ext uri="{BB962C8B-B14F-4D97-AF65-F5344CB8AC3E}">
-        <p14:creationId xmlns:p14="http://schemas.microsoft.com/office/powerpoint/2010/main" val="576594222"/>
+        <p14:creationId xmlns:p14="http://schemas.microsoft.com/office/powerpoint/2010/main" val="822517740"/>
       </p:ext>
     </p:extLst>
   </p:cSld>
@@ -798,6 +888,10 @@
           <a:bodyPr/>
           <a:lstStyle/>
           <a:p>
+            <a:r>
+              <a:rPr lang="it-CH" dirty="0" smtClean="0"/>
+              <a:t>Luca</a:t>
+            </a:r>
             <a:endParaRPr lang="it-CH" dirty="0"/>
           </a:p>
         </p:txBody>
@@ -819,7 +913,7 @@
           <a:p>
             <a:fld id="{FD2CFA8D-4E29-41DB-B61B-69A41B9506B3}" type="slidenum">
               <a:rPr lang="it-CH" smtClean="0"/>
-              <a:t>13</a:t>
+              <a:t>11</a:t>
             </a:fld>
             <a:endParaRPr lang="it-CH"/>
           </a:p>
@@ -882,7 +976,11 @@
           <a:bodyPr/>
           <a:lstStyle/>
           <a:p>
-            <a:endParaRPr lang="it-CH" dirty="0"/>
+            <a:r>
+              <a:rPr lang="it-IT" dirty="0" smtClean="0"/>
+              <a:t>Andrea</a:t>
+            </a:r>
+            <a:endParaRPr lang="en-US" dirty="0"/>
           </a:p>
         </p:txBody>
       </p:sp>
@@ -893,7 +991,7 @@
             <a:spLocks noGrp="1"/>
           </p:cNvSpPr>
           <p:nvPr>
-            <p:ph type="sldNum" sz="quarter" idx="5"/>
+            <p:ph type="sldNum" sz="quarter" idx="10"/>
           </p:nvPr>
         </p:nvSpPr>
         <p:spPr/>
@@ -903,7 +1001,7 @@
           <a:p>
             <a:fld id="{FD2CFA8D-4E29-41DB-B61B-69A41B9506B3}" type="slidenum">
               <a:rPr lang="it-CH" smtClean="0"/>
-              <a:t>16</a:t>
+              <a:t>12</a:t>
             </a:fld>
             <a:endParaRPr lang="it-CH"/>
           </a:p>
@@ -912,7 +1010,7 @@
     </p:spTree>
     <p:extLst>
       <p:ext uri="{BB962C8B-B14F-4D97-AF65-F5344CB8AC3E}">
-        <p14:creationId xmlns:p14="http://schemas.microsoft.com/office/powerpoint/2010/main" val="3419030429"/>
+        <p14:creationId xmlns:p14="http://schemas.microsoft.com/office/powerpoint/2010/main" val="2409553395"/>
       </p:ext>
     </p:extLst>
   </p:cSld>
@@ -967,9 +1065,10 @@
           <a:lstStyle/>
           <a:p>
             <a:r>
-              <a:rPr lang="it-CH" dirty="0"/>
-              <a:t>Fulcro del programma, utilizza tutte le classi</a:t>
-            </a:r>
+              <a:rPr lang="it-IT" dirty="0" smtClean="0"/>
+              <a:t>Andrea</a:t>
+            </a:r>
+            <a:endParaRPr lang="en-US" dirty="0"/>
           </a:p>
         </p:txBody>
       </p:sp>
@@ -980,7 +1079,7 @@
             <a:spLocks noGrp="1"/>
           </p:cNvSpPr>
           <p:nvPr>
-            <p:ph type="sldNum" sz="quarter" idx="5"/>
+            <p:ph type="sldNum" sz="quarter" idx="10"/>
           </p:nvPr>
         </p:nvSpPr>
         <p:spPr/>
@@ -990,7 +1089,7 @@
           <a:p>
             <a:fld id="{FD2CFA8D-4E29-41DB-B61B-69A41B9506B3}" type="slidenum">
               <a:rPr lang="it-CH" smtClean="0"/>
-              <a:t>17</a:t>
+              <a:t>13</a:t>
             </a:fld>
             <a:endParaRPr lang="it-CH"/>
           </a:p>
@@ -999,7 +1098,7 @@
     </p:spTree>
     <p:extLst>
       <p:ext uri="{BB962C8B-B14F-4D97-AF65-F5344CB8AC3E}">
-        <p14:creationId xmlns:p14="http://schemas.microsoft.com/office/powerpoint/2010/main" val="1616808292"/>
+        <p14:creationId xmlns:p14="http://schemas.microsoft.com/office/powerpoint/2010/main" val="3393718578"/>
       </p:ext>
     </p:extLst>
   </p:cSld>
@@ -1053,39 +1152,7 @@
           <a:bodyPr/>
           <a:lstStyle/>
           <a:p>
-            <a:r>
-              <a:rPr lang="it-CH" dirty="0"/>
-              <a:t>Come visto prima </a:t>
-            </a:r>
-            <a:r>
-              <a:rPr lang="it-CH" dirty="0">
-                <a:sym typeface="Wingdings" panose="05000000000000000000" pitchFamily="2" charset="2"/>
-              </a:rPr>
-              <a:t> Divisa in 4 pannelli dove ogni pannello ha una funzione specifica</a:t>
-            </a:r>
-          </a:p>
-          <a:p>
-            <a:endParaRPr lang="it-CH" dirty="0">
-              <a:sym typeface="Wingdings" panose="05000000000000000000" pitchFamily="2" charset="2"/>
-            </a:endParaRPr>
-          </a:p>
-          <a:p>
-            <a:pPr marL="628650" lvl="1" indent="-171450">
-              <a:buFont typeface="Arial" panose="020B0604020202020204" pitchFamily="34" charset="0"/>
-              <a:buChar char="•"/>
-            </a:pPr>
-            <a:endParaRPr lang="it-CH" dirty="0">
-              <a:sym typeface="Wingdings" panose="05000000000000000000" pitchFamily="2" charset="2"/>
-            </a:endParaRPr>
-          </a:p>
-          <a:p>
-            <a:pPr marL="171450" lvl="0" indent="-171450">
-              <a:buFont typeface="Arial" panose="020B0604020202020204" pitchFamily="34" charset="0"/>
-              <a:buChar char="•"/>
-            </a:pPr>
-            <a:endParaRPr lang="it-CH" dirty="0">
-              <a:sym typeface="Wingdings" panose="05000000000000000000" pitchFamily="2" charset="2"/>
-            </a:endParaRPr>
+            <a:endParaRPr lang="it-CH" dirty="0"/>
           </a:p>
         </p:txBody>
       </p:sp>
@@ -1106,7 +1173,7 @@
           <a:p>
             <a:fld id="{FD2CFA8D-4E29-41DB-B61B-69A41B9506B3}" type="slidenum">
               <a:rPr lang="it-CH" smtClean="0"/>
-              <a:t>18</a:t>
+              <a:t>14</a:t>
             </a:fld>
             <a:endParaRPr lang="it-CH"/>
           </a:p>
@@ -1115,7 +1182,7 @@
     </p:spTree>
     <p:extLst>
       <p:ext uri="{BB962C8B-B14F-4D97-AF65-F5344CB8AC3E}">
-        <p14:creationId xmlns:p14="http://schemas.microsoft.com/office/powerpoint/2010/main" val="1406728456"/>
+        <p14:creationId xmlns:p14="http://schemas.microsoft.com/office/powerpoint/2010/main" val="3419030429"/>
       </p:ext>
     </p:extLst>
   </p:cSld>
@@ -1169,28 +1236,36 @@
           <a:bodyPr/>
           <a:lstStyle/>
           <a:p>
-            <a:pPr marL="171450" indent="-171450">
-              <a:buFont typeface="Arial" panose="020B0604020202020204" pitchFamily="34" charset="0"/>
-              <a:buChar char="•"/>
-            </a:pPr>
+            <a:r>
+              <a:rPr lang="it-CH" dirty="0"/>
+              <a:t>DroneController </a:t>
+            </a:r>
             <a:r>
               <a:rPr lang="it-CH" dirty="0">
                 <a:sym typeface="Wingdings" panose="05000000000000000000" pitchFamily="2" charset="2"/>
               </a:rPr>
-              <a:t>Controllo drone</a:t>
-            </a:r>
-          </a:p>
-          <a:p>
-            <a:pPr marL="628650" lvl="1" indent="-171450">
-              <a:buFont typeface="Arial" panose="020B0604020202020204" pitchFamily="34" charset="0"/>
-              <a:buChar char="•"/>
-            </a:pPr>
-            <a:r>
-              <a:rPr lang="it-CH" dirty="0">
+              <a:t> Fulcro di tutto il programma (del controller</a:t>
+            </a:r>
+            <a:r>
+              <a:rPr lang="it-CH" dirty="0" smtClean="0">
                 <a:sym typeface="Wingdings" panose="05000000000000000000" pitchFamily="2" charset="2"/>
               </a:rPr>
-              <a:t>Pulsanti per controllo tramite GUI</a:t>
-            </a:r>
+              <a:t>)</a:t>
+            </a:r>
+          </a:p>
+          <a:p>
+            <a:endParaRPr lang="it-CH" dirty="0" smtClean="0">
+              <a:sym typeface="Wingdings" panose="05000000000000000000" pitchFamily="2" charset="2"/>
+            </a:endParaRPr>
+          </a:p>
+          <a:p>
+            <a:r>
+              <a:rPr lang="it-CH" dirty="0" err="1" smtClean="0">
+                <a:sym typeface="Wingdings" panose="05000000000000000000" pitchFamily="2" charset="2"/>
+              </a:rPr>
+              <a:t>Fadil</a:t>
+            </a:r>
+            <a:endParaRPr lang="it-CH" dirty="0"/>
           </a:p>
         </p:txBody>
       </p:sp>
@@ -1211,7 +1286,7 @@
           <a:p>
             <a:fld id="{FD2CFA8D-4E29-41DB-B61B-69A41B9506B3}" type="slidenum">
               <a:rPr lang="it-CH" smtClean="0"/>
-              <a:t>19</a:t>
+              <a:t>15</a:t>
             </a:fld>
             <a:endParaRPr lang="it-CH"/>
           </a:p>
@@ -1220,7 +1295,7 @@
     </p:spTree>
     <p:extLst>
       <p:ext uri="{BB962C8B-B14F-4D97-AF65-F5344CB8AC3E}">
-        <p14:creationId xmlns:p14="http://schemas.microsoft.com/office/powerpoint/2010/main" val="1381731034"/>
+        <p14:creationId xmlns:p14="http://schemas.microsoft.com/office/powerpoint/2010/main" val="2895638655"/>
       </p:ext>
     </p:extLst>
   </p:cSld>
@@ -1274,40 +1349,32 @@
           <a:bodyPr/>
           <a:lstStyle/>
           <a:p>
-            <a:pPr marL="171450" lvl="0" indent="-171450">
-              <a:buFont typeface="Arial" panose="020B0604020202020204" pitchFamily="34" charset="0"/>
-              <a:buChar char="•"/>
-            </a:pPr>
-            <a:r>
-              <a:rPr lang="it-CH" dirty="0">
-                <a:sym typeface="Wingdings" panose="05000000000000000000" pitchFamily="2" charset="2"/>
-              </a:rPr>
-              <a:t>Log</a:t>
-            </a:r>
-          </a:p>
-          <a:p>
-            <a:pPr marL="628650" lvl="1" indent="-171450">
-              <a:buFont typeface="Arial" panose="020B0604020202020204" pitchFamily="34" charset="0"/>
-              <a:buChar char="•"/>
-            </a:pPr>
-            <a:r>
-              <a:rPr lang="it-CH" dirty="0">
-                <a:sym typeface="Wingdings" panose="05000000000000000000" pitchFamily="2" charset="2"/>
-              </a:rPr>
-              <a:t>Casella di testo con log</a:t>
-            </a:r>
-          </a:p>
-          <a:p>
-            <a:pPr marL="628650" lvl="1" indent="-171450">
-              <a:buFont typeface="Arial" panose="020B0604020202020204" pitchFamily="34" charset="0"/>
-              <a:buChar char="•"/>
-            </a:pPr>
-            <a:r>
-              <a:rPr lang="it-CH" dirty="0">
-                <a:sym typeface="Wingdings" panose="05000000000000000000" pitchFamily="2" charset="2"/>
-              </a:rPr>
-              <a:t>Mostra messaggi utili</a:t>
-            </a:r>
+            <a:r>
+              <a:rPr lang="it-CH" dirty="0"/>
+              <a:t>Fulcro del </a:t>
+            </a:r>
+            <a:r>
+              <a:rPr lang="it-CH" dirty="0" smtClean="0"/>
+              <a:t>programma</a:t>
+            </a:r>
+            <a:r>
+              <a:rPr lang="it-CH" dirty="0"/>
+              <a:t>, utilizza tutte le </a:t>
+            </a:r>
+            <a:r>
+              <a:rPr lang="it-CH" dirty="0" smtClean="0"/>
+              <a:t>classi</a:t>
+            </a:r>
+          </a:p>
+          <a:p>
+            <a:endParaRPr lang="it-CH" dirty="0" smtClean="0"/>
+          </a:p>
+          <a:p>
+            <a:r>
+              <a:rPr lang="it-CH" dirty="0" err="1" smtClean="0"/>
+              <a:t>Fadil</a:t>
+            </a:r>
+            <a:endParaRPr lang="it-CH" dirty="0"/>
           </a:p>
         </p:txBody>
       </p:sp>
@@ -1328,7 +1395,7 @@
           <a:p>
             <a:fld id="{FD2CFA8D-4E29-41DB-B61B-69A41B9506B3}" type="slidenum">
               <a:rPr lang="it-CH" smtClean="0"/>
-              <a:t>20</a:t>
+              <a:t>16</a:t>
             </a:fld>
             <a:endParaRPr lang="it-CH"/>
           </a:p>
@@ -1337,7 +1404,7 @@
     </p:spTree>
     <p:extLst>
       <p:ext uri="{BB962C8B-B14F-4D97-AF65-F5344CB8AC3E}">
-        <p14:creationId xmlns:p14="http://schemas.microsoft.com/office/powerpoint/2010/main" val="1110740037"/>
+        <p14:creationId xmlns:p14="http://schemas.microsoft.com/office/powerpoint/2010/main" val="1616808292"/>
       </p:ext>
     </p:extLst>
   </p:cSld>
@@ -1391,6 +1458,45 @@
           <a:bodyPr/>
           <a:lstStyle/>
           <a:p>
+            <a:r>
+              <a:rPr lang="it-CH" dirty="0"/>
+              <a:t>Come visto prima </a:t>
+            </a:r>
+            <a:r>
+              <a:rPr lang="it-CH" dirty="0">
+                <a:sym typeface="Wingdings" panose="05000000000000000000" pitchFamily="2" charset="2"/>
+              </a:rPr>
+              <a:t> Divisa in 4 pannelli dove ogni pannello ha una funzione </a:t>
+            </a:r>
+            <a:r>
+              <a:rPr lang="it-CH" dirty="0" smtClean="0">
+                <a:sym typeface="Wingdings" panose="05000000000000000000" pitchFamily="2" charset="2"/>
+              </a:rPr>
+              <a:t>specifica</a:t>
+            </a:r>
+          </a:p>
+          <a:p>
+            <a:endParaRPr lang="it-CH" dirty="0" smtClean="0">
+              <a:sym typeface="Wingdings" panose="05000000000000000000" pitchFamily="2" charset="2"/>
+            </a:endParaRPr>
+          </a:p>
+          <a:p>
+            <a:r>
+              <a:rPr lang="it-CH" dirty="0" smtClean="0">
+                <a:sym typeface="Wingdings" panose="05000000000000000000" pitchFamily="2" charset="2"/>
+              </a:rPr>
+              <a:t>Luca</a:t>
+            </a:r>
+            <a:endParaRPr lang="it-CH" dirty="0">
+              <a:sym typeface="Wingdings" panose="05000000000000000000" pitchFamily="2" charset="2"/>
+            </a:endParaRPr>
+          </a:p>
+          <a:p>
+            <a:endParaRPr lang="it-CH" dirty="0">
+              <a:sym typeface="Wingdings" panose="05000000000000000000" pitchFamily="2" charset="2"/>
+            </a:endParaRPr>
+          </a:p>
+          <a:p>
             <a:pPr marL="628650" lvl="1" indent="-171450">
               <a:buFont typeface="Arial" panose="020B0604020202020204" pitchFamily="34" charset="0"/>
               <a:buChar char="•"/>
@@ -1404,24 +1510,9 @@
               <a:buFont typeface="Arial" panose="020B0604020202020204" pitchFamily="34" charset="0"/>
               <a:buChar char="•"/>
             </a:pPr>
-            <a:r>
-              <a:rPr lang="it-CH" dirty="0">
-                <a:sym typeface="Wingdings" panose="05000000000000000000" pitchFamily="2" charset="2"/>
-              </a:rPr>
-              <a:t>Recording</a:t>
-            </a:r>
-          </a:p>
-          <a:p>
-            <a:pPr marL="628650" lvl="1" indent="-171450">
-              <a:buFont typeface="Arial" panose="020B0604020202020204" pitchFamily="34" charset="0"/>
-              <a:buChar char="•"/>
-            </a:pPr>
-            <a:r>
-              <a:rPr lang="it-CH" dirty="0">
-                <a:sym typeface="Wingdings" panose="05000000000000000000" pitchFamily="2" charset="2"/>
-              </a:rPr>
-              <a:t>Gestione registrazione dei voli ed esecuzione dei voli registrati</a:t>
-            </a:r>
+            <a:endParaRPr lang="it-CH" dirty="0">
+              <a:sym typeface="Wingdings" panose="05000000000000000000" pitchFamily="2" charset="2"/>
+            </a:endParaRPr>
           </a:p>
         </p:txBody>
       </p:sp>
@@ -1442,7 +1533,7 @@
           <a:p>
             <a:fld id="{FD2CFA8D-4E29-41DB-B61B-69A41B9506B3}" type="slidenum">
               <a:rPr lang="it-CH" smtClean="0"/>
-              <a:t>21</a:t>
+              <a:t>17</a:t>
             </a:fld>
             <a:endParaRPr lang="it-CH"/>
           </a:p>
@@ -1451,7 +1542,7 @@
     </p:spTree>
     <p:extLst>
       <p:ext uri="{BB962C8B-B14F-4D97-AF65-F5344CB8AC3E}">
-        <p14:creationId xmlns:p14="http://schemas.microsoft.com/office/powerpoint/2010/main" val="3107206508"/>
+        <p14:creationId xmlns:p14="http://schemas.microsoft.com/office/powerpoint/2010/main" val="1406728456"/>
       </p:ext>
     </p:extLst>
   </p:cSld>
@@ -1505,19 +1596,16 @@
           <a:bodyPr/>
           <a:lstStyle/>
           <a:p>
-            <a:pPr marL="171450" lvl="0" indent="-171450">
+            <a:pPr marL="171450" indent="-171450">
               <a:buFont typeface="Arial" panose="020B0604020202020204" pitchFamily="34" charset="0"/>
               <a:buChar char="•"/>
             </a:pPr>
             <a:r>
-              <a:rPr lang="it-CH" dirty="0" err="1">
+              <a:rPr lang="it-CH" dirty="0">
                 <a:sym typeface="Wingdings" panose="05000000000000000000" pitchFamily="2" charset="2"/>
               </a:rPr>
-              <a:t>Config</a:t>
-            </a:r>
-            <a:endParaRPr lang="it-CH" dirty="0">
-              <a:sym typeface="Wingdings" panose="05000000000000000000" pitchFamily="2" charset="2"/>
-            </a:endParaRPr>
+              <a:t>Controllo drone</a:t>
+            </a:r>
           </a:p>
           <a:p>
             <a:pPr marL="628650" lvl="1" indent="-171450">
@@ -1528,7 +1616,13 @@
               <a:rPr lang="it-CH" dirty="0">
                 <a:sym typeface="Wingdings" panose="05000000000000000000" pitchFamily="2" charset="2"/>
               </a:rPr>
-              <a:t>Gestione delle impostazioni «On-Air» tramite evento</a:t>
+              <a:t>Pulsanti per controllo tramite </a:t>
+            </a:r>
+            <a:r>
+              <a:rPr lang="it-CH" dirty="0" smtClean="0">
+                <a:sym typeface="Wingdings" panose="05000000000000000000" pitchFamily="2" charset="2"/>
+              </a:rPr>
+              <a:t>GUI</a:t>
             </a:r>
           </a:p>
         </p:txBody>
@@ -1550,7 +1644,7 @@
           <a:p>
             <a:fld id="{FD2CFA8D-4E29-41DB-B61B-69A41B9506B3}" type="slidenum">
               <a:rPr lang="it-CH" smtClean="0"/>
-              <a:t>22</a:t>
+              <a:t>18</a:t>
             </a:fld>
             <a:endParaRPr lang="it-CH"/>
           </a:p>
@@ -1559,7 +1653,7 @@
     </p:spTree>
     <p:extLst>
       <p:ext uri="{BB962C8B-B14F-4D97-AF65-F5344CB8AC3E}">
-        <p14:creationId xmlns:p14="http://schemas.microsoft.com/office/powerpoint/2010/main" val="4290196408"/>
+        <p14:creationId xmlns:p14="http://schemas.microsoft.com/office/powerpoint/2010/main" val="1381731034"/>
       </p:ext>
     </p:extLst>
   </p:cSld>
@@ -1613,17 +1707,40 @@
           <a:bodyPr/>
           <a:lstStyle/>
           <a:p>
-            <a:r>
-              <a:rPr lang="it-CH" dirty="0"/>
-              <a:t>Gestisce la comunicazione CONTROLLER </a:t>
-            </a:r>
+            <a:pPr marL="171450" lvl="0" indent="-171450">
+              <a:buFont typeface="Arial" panose="020B0604020202020204" pitchFamily="34" charset="0"/>
+              <a:buChar char="•"/>
+            </a:pPr>
             <a:r>
               <a:rPr lang="it-CH" dirty="0">
                 <a:sym typeface="Wingdings" panose="05000000000000000000" pitchFamily="2" charset="2"/>
               </a:rPr>
-              <a:t> DRONE e viceversa</a:t>
-            </a:r>
-            <a:endParaRPr lang="it-CH" dirty="0"/>
+              <a:t>Log</a:t>
+            </a:r>
+          </a:p>
+          <a:p>
+            <a:pPr marL="628650" lvl="1" indent="-171450">
+              <a:buFont typeface="Arial" panose="020B0604020202020204" pitchFamily="34" charset="0"/>
+              <a:buChar char="•"/>
+            </a:pPr>
+            <a:r>
+              <a:rPr lang="it-CH" dirty="0">
+                <a:sym typeface="Wingdings" panose="05000000000000000000" pitchFamily="2" charset="2"/>
+              </a:rPr>
+              <a:t>Casella di testo con log</a:t>
+            </a:r>
+          </a:p>
+          <a:p>
+            <a:pPr marL="628650" lvl="1" indent="-171450">
+              <a:buFont typeface="Arial" panose="020B0604020202020204" pitchFamily="34" charset="0"/>
+              <a:buChar char="•"/>
+            </a:pPr>
+            <a:r>
+              <a:rPr lang="it-CH" dirty="0">
+                <a:sym typeface="Wingdings" panose="05000000000000000000" pitchFamily="2" charset="2"/>
+              </a:rPr>
+              <a:t>Mostra messaggi utili</a:t>
+            </a:r>
           </a:p>
         </p:txBody>
       </p:sp>
@@ -1644,7 +1761,7 @@
           <a:p>
             <a:fld id="{FD2CFA8D-4E29-41DB-B61B-69A41B9506B3}" type="slidenum">
               <a:rPr lang="it-CH" smtClean="0"/>
-              <a:t>23</a:t>
+              <a:t>19</a:t>
             </a:fld>
             <a:endParaRPr lang="it-CH"/>
           </a:p>
@@ -1653,7 +1770,7 @@
     </p:spTree>
     <p:extLst>
       <p:ext uri="{BB962C8B-B14F-4D97-AF65-F5344CB8AC3E}">
-        <p14:creationId xmlns:p14="http://schemas.microsoft.com/office/powerpoint/2010/main" val="918256988"/>
+        <p14:creationId xmlns:p14="http://schemas.microsoft.com/office/powerpoint/2010/main" val="1110740037"/>
       </p:ext>
     </p:extLst>
   </p:cSld>
@@ -1707,6 +1824,10 @@
           <a:bodyPr/>
           <a:lstStyle/>
           <a:p>
+            <a:r>
+              <a:rPr lang="it-IT" dirty="0" err="1" smtClean="0"/>
+              <a:t>Jari</a:t>
+            </a:r>
             <a:endParaRPr lang="it-CH" dirty="0"/>
           </a:p>
         </p:txBody>
@@ -1728,7 +1849,7 @@
           <a:p>
             <a:fld id="{FD2CFA8D-4E29-41DB-B61B-69A41B9506B3}" type="slidenum">
               <a:rPr lang="it-CH" smtClean="0"/>
-              <a:t>4</a:t>
+              <a:t>2</a:t>
             </a:fld>
             <a:endParaRPr lang="it-CH"/>
           </a:p>
@@ -1737,7 +1858,7 @@
     </p:spTree>
     <p:extLst>
       <p:ext uri="{BB962C8B-B14F-4D97-AF65-F5344CB8AC3E}">
-        <p14:creationId xmlns:p14="http://schemas.microsoft.com/office/powerpoint/2010/main" val="3923210020"/>
+        <p14:creationId xmlns:p14="http://schemas.microsoft.com/office/powerpoint/2010/main" val="2928962743"/>
       </p:ext>
     </p:extLst>
   </p:cSld>
@@ -1791,94 +1912,36 @@
           <a:bodyPr/>
           <a:lstStyle/>
           <a:p>
-            <a:r>
-              <a:rPr lang="it-CH" dirty="0"/>
-              <a:t>Metodo </a:t>
-            </a:r>
-            <a:r>
-              <a:rPr lang="it-CH" dirty="0" err="1"/>
-              <a:t>sendCommand</a:t>
-            </a:r>
-            <a:r>
-              <a:rPr lang="it-CH" dirty="0"/>
-              <a:t> della classe </a:t>
-            </a:r>
-            <a:r>
-              <a:rPr lang="it-CH" dirty="0" err="1"/>
-              <a:t>DroneController</a:t>
-            </a:r>
-            <a:endParaRPr lang="it-CH" dirty="0"/>
-          </a:p>
-          <a:p>
+            <a:pPr marL="628650" lvl="1" indent="-171450">
+              <a:buFont typeface="Arial" panose="020B0604020202020204" pitchFamily="34" charset="0"/>
+              <a:buChar char="•"/>
+            </a:pPr>
+            <a:endParaRPr lang="it-CH" dirty="0">
+              <a:sym typeface="Wingdings" panose="05000000000000000000" pitchFamily="2" charset="2"/>
+            </a:endParaRPr>
+          </a:p>
+          <a:p>
+            <a:pPr marL="171450" lvl="0" indent="-171450">
+              <a:buFont typeface="Arial" panose="020B0604020202020204" pitchFamily="34" charset="0"/>
+              <a:buChar char="•"/>
+            </a:pPr>
             <a:r>
               <a:rPr lang="it-CH" dirty="0">
                 <a:sym typeface="Wingdings" panose="05000000000000000000" pitchFamily="2" charset="2"/>
               </a:rPr>
-              <a:t> Parametro «</a:t>
-            </a:r>
-            <a:r>
-              <a:rPr lang="it-CH" dirty="0" err="1">
-                <a:sym typeface="Wingdings" panose="05000000000000000000" pitchFamily="2" charset="2"/>
-              </a:rPr>
-              <a:t>command</a:t>
-            </a:r>
+              <a:t>Recording</a:t>
+            </a:r>
+          </a:p>
+          <a:p>
+            <a:pPr marL="628650" lvl="1" indent="-171450">
+              <a:buFont typeface="Arial" panose="020B0604020202020204" pitchFamily="34" charset="0"/>
+              <a:buChar char="•"/>
+            </a:pPr>
             <a:r>
               <a:rPr lang="it-CH" dirty="0">
                 <a:sym typeface="Wingdings" panose="05000000000000000000" pitchFamily="2" charset="2"/>
               </a:rPr>
-              <a:t>», generato dalla classe «</a:t>
-            </a:r>
-            <a:r>
-              <a:rPr lang="it-CH" dirty="0" err="1">
-                <a:sym typeface="Wingdings" panose="05000000000000000000" pitchFamily="2" charset="2"/>
-              </a:rPr>
-              <a:t>Commands</a:t>
-            </a:r>
-            <a:r>
-              <a:rPr lang="it-CH" dirty="0">
-                <a:sym typeface="Wingdings" panose="05000000000000000000" pitchFamily="2" charset="2"/>
-              </a:rPr>
-              <a:t>»</a:t>
-            </a:r>
-            <a:endParaRPr lang="it-CH" dirty="0"/>
-          </a:p>
-          <a:p>
-            <a:pPr marL="171450" indent="-171450">
-              <a:buFont typeface="Wingdings" panose="05000000000000000000" pitchFamily="2" charset="2"/>
-              <a:buChar char="à"/>
-            </a:pPr>
-            <a:r>
-              <a:rPr lang="it-CH" dirty="0">
-                <a:sym typeface="Wingdings" panose="05000000000000000000" pitchFamily="2" charset="2"/>
-              </a:rPr>
-              <a:t>Usa TCP </a:t>
-            </a:r>
-            <a:r>
-              <a:rPr lang="it-CH" dirty="0" err="1">
-                <a:sym typeface="Wingdings" panose="05000000000000000000" pitchFamily="2" charset="2"/>
-              </a:rPr>
-              <a:t>Socket</a:t>
-            </a:r>
-            <a:endParaRPr lang="it-CH" dirty="0">
-              <a:sym typeface="Wingdings" panose="05000000000000000000" pitchFamily="2" charset="2"/>
-            </a:endParaRPr>
-          </a:p>
-          <a:p>
-            <a:pPr marL="171450" indent="-171450">
-              <a:buFont typeface="Wingdings" panose="05000000000000000000" pitchFamily="2" charset="2"/>
-              <a:buChar char="à"/>
-            </a:pPr>
-            <a:r>
-              <a:rPr lang="it-CH" dirty="0" err="1">
-                <a:sym typeface="Wingdings" panose="05000000000000000000" pitchFamily="2" charset="2"/>
-              </a:rPr>
-              <a:t>Listener</a:t>
-            </a:r>
-            <a:r>
-              <a:rPr lang="it-CH" dirty="0">
-                <a:sym typeface="Wingdings" panose="05000000000000000000" pitchFamily="2" charset="2"/>
-              </a:rPr>
-              <a:t> per notificare</a:t>
+              <a:t>Gestione registrazione dei voli ed esecuzione dei voli registrati</a:t>
             </a:r>
           </a:p>
         </p:txBody>
@@ -1900,7 +1963,7 @@
           <a:p>
             <a:fld id="{FD2CFA8D-4E29-41DB-B61B-69A41B9506B3}" type="slidenum">
               <a:rPr lang="it-CH" smtClean="0"/>
-              <a:t>24</a:t>
+              <a:t>20</a:t>
             </a:fld>
             <a:endParaRPr lang="it-CH"/>
           </a:p>
@@ -1909,7 +1972,7 @@
     </p:spTree>
     <p:extLst>
       <p:ext uri="{BB962C8B-B14F-4D97-AF65-F5344CB8AC3E}">
-        <p14:creationId xmlns:p14="http://schemas.microsoft.com/office/powerpoint/2010/main" val="2298715815"/>
+        <p14:creationId xmlns:p14="http://schemas.microsoft.com/office/powerpoint/2010/main" val="3107206508"/>
       </p:ext>
     </p:extLst>
   </p:cSld>
@@ -1963,7 +2026,31 @@
           <a:bodyPr/>
           <a:lstStyle/>
           <a:p>
-            <a:endParaRPr lang="it-CH" dirty="0"/>
+            <a:pPr marL="171450" lvl="0" indent="-171450">
+              <a:buFont typeface="Arial" panose="020B0604020202020204" pitchFamily="34" charset="0"/>
+              <a:buChar char="•"/>
+            </a:pPr>
+            <a:r>
+              <a:rPr lang="it-CH" dirty="0" err="1">
+                <a:sym typeface="Wingdings" panose="05000000000000000000" pitchFamily="2" charset="2"/>
+              </a:rPr>
+              <a:t>Config</a:t>
+            </a:r>
+            <a:endParaRPr lang="it-CH" dirty="0">
+              <a:sym typeface="Wingdings" panose="05000000000000000000" pitchFamily="2" charset="2"/>
+            </a:endParaRPr>
+          </a:p>
+          <a:p>
+            <a:pPr marL="628650" lvl="1" indent="-171450">
+              <a:buFont typeface="Arial" panose="020B0604020202020204" pitchFamily="34" charset="0"/>
+              <a:buChar char="•"/>
+            </a:pPr>
+            <a:r>
+              <a:rPr lang="it-CH" dirty="0">
+                <a:sym typeface="Wingdings" panose="05000000000000000000" pitchFamily="2" charset="2"/>
+              </a:rPr>
+              <a:t>Gestione delle impostazioni «On-Air» tramite evento</a:t>
+            </a:r>
           </a:p>
         </p:txBody>
       </p:sp>
@@ -1984,7 +2071,7 @@
           <a:p>
             <a:fld id="{FD2CFA8D-4E29-41DB-B61B-69A41B9506B3}" type="slidenum">
               <a:rPr lang="it-CH" smtClean="0"/>
-              <a:t>25</a:t>
+              <a:t>21</a:t>
             </a:fld>
             <a:endParaRPr lang="it-CH"/>
           </a:p>
@@ -1993,7 +2080,7 @@
     </p:spTree>
     <p:extLst>
       <p:ext uri="{BB962C8B-B14F-4D97-AF65-F5344CB8AC3E}">
-        <p14:creationId xmlns:p14="http://schemas.microsoft.com/office/powerpoint/2010/main" val="1682093913"/>
+        <p14:creationId xmlns:p14="http://schemas.microsoft.com/office/powerpoint/2010/main" val="4290196408"/>
       </p:ext>
     </p:extLst>
   </p:cSld>
@@ -2047,37 +2134,36 @@
           <a:bodyPr/>
           <a:lstStyle/>
           <a:p>
-            <a:pPr marL="628650" lvl="1" indent="-171450">
-              <a:buFont typeface="Arial" panose="020B0604020202020204" pitchFamily="34" charset="0"/>
-              <a:buChar char="•"/>
-            </a:pPr>
-            <a:endParaRPr lang="it-CH" dirty="0">
-              <a:sym typeface="Wingdings" panose="05000000000000000000" pitchFamily="2" charset="2"/>
-            </a:endParaRPr>
-          </a:p>
-          <a:p>
-            <a:pPr marL="171450" lvl="0" indent="-171450">
-              <a:buFont typeface="Arial" panose="020B0604020202020204" pitchFamily="34" charset="0"/>
-              <a:buChar char="•"/>
-            </a:pPr>
+            <a:r>
+              <a:rPr lang="it-CH" dirty="0"/>
+              <a:t>Gestisce la comunicazione CONTROLLER </a:t>
+            </a:r>
             <a:r>
               <a:rPr lang="it-CH" dirty="0">
                 <a:sym typeface="Wingdings" panose="05000000000000000000" pitchFamily="2" charset="2"/>
               </a:rPr>
-              <a:t>Recording</a:t>
-            </a:r>
-          </a:p>
-          <a:p>
-            <a:pPr marL="628650" lvl="1" indent="-171450">
-              <a:buFont typeface="Arial" panose="020B0604020202020204" pitchFamily="34" charset="0"/>
-              <a:buChar char="•"/>
-            </a:pPr>
-            <a:r>
-              <a:rPr lang="it-CH" dirty="0">
+              <a:t> DRONE e </a:t>
+            </a:r>
+            <a:r>
+              <a:rPr lang="it-CH" dirty="0" smtClean="0">
                 <a:sym typeface="Wingdings" panose="05000000000000000000" pitchFamily="2" charset="2"/>
               </a:rPr>
-              <a:t>Gestione registrazione dei voli ed esecuzione dei voli registrati</a:t>
-            </a:r>
+              <a:t>viceversa</a:t>
+            </a:r>
+          </a:p>
+          <a:p>
+            <a:endParaRPr lang="it-CH" dirty="0" smtClean="0">
+              <a:sym typeface="Wingdings" panose="05000000000000000000" pitchFamily="2" charset="2"/>
+            </a:endParaRPr>
+          </a:p>
+          <a:p>
+            <a:r>
+              <a:rPr lang="it-CH" dirty="0" smtClean="0">
+                <a:sym typeface="Wingdings" panose="05000000000000000000" pitchFamily="2" charset="2"/>
+              </a:rPr>
+              <a:t>Luca</a:t>
+            </a:r>
+            <a:endParaRPr lang="it-CH" dirty="0"/>
           </a:p>
         </p:txBody>
       </p:sp>
@@ -2098,7 +2184,7 @@
           <a:p>
             <a:fld id="{FD2CFA8D-4E29-41DB-B61B-69A41B9506B3}" type="slidenum">
               <a:rPr lang="it-CH" smtClean="0"/>
-              <a:t>29</a:t>
+              <a:t>22</a:t>
             </a:fld>
             <a:endParaRPr lang="it-CH"/>
           </a:p>
@@ -2107,7 +2193,7 @@
     </p:spTree>
     <p:extLst>
       <p:ext uri="{BB962C8B-B14F-4D97-AF65-F5344CB8AC3E}">
-        <p14:creationId xmlns:p14="http://schemas.microsoft.com/office/powerpoint/2010/main" val="1665204916"/>
+        <p14:creationId xmlns:p14="http://schemas.microsoft.com/office/powerpoint/2010/main" val="918256988"/>
       </p:ext>
     </p:extLst>
   </p:cSld>
@@ -2161,37 +2247,125 @@
           <a:bodyPr/>
           <a:lstStyle/>
           <a:p>
-            <a:pPr marL="628650" lvl="1" indent="-171450">
-              <a:buFont typeface="Arial" panose="020B0604020202020204" pitchFamily="34" charset="0"/>
-              <a:buChar char="•"/>
+            <a:r>
+              <a:rPr lang="it-CH" dirty="0"/>
+              <a:t>Metodo </a:t>
+            </a:r>
+            <a:r>
+              <a:rPr lang="it-CH" dirty="0" err="1"/>
+              <a:t>sendCommand</a:t>
+            </a:r>
+            <a:r>
+              <a:rPr lang="it-CH" dirty="0"/>
+              <a:t> della classe </a:t>
+            </a:r>
+            <a:r>
+              <a:rPr lang="it-CH" dirty="0" err="1"/>
+              <a:t>DroneController</a:t>
+            </a:r>
+            <a:endParaRPr lang="it-CH" dirty="0"/>
+          </a:p>
+          <a:p>
+            <a:r>
+              <a:rPr lang="it-CH" dirty="0">
+                <a:sym typeface="Wingdings" panose="05000000000000000000" pitchFamily="2" charset="2"/>
+              </a:rPr>
+              <a:t> Parametro «</a:t>
+            </a:r>
+            <a:r>
+              <a:rPr lang="it-CH" dirty="0" err="1">
+                <a:sym typeface="Wingdings" panose="05000000000000000000" pitchFamily="2" charset="2"/>
+              </a:rPr>
+              <a:t>command</a:t>
+            </a:r>
+            <a:r>
+              <a:rPr lang="it-CH" dirty="0">
+                <a:sym typeface="Wingdings" panose="05000000000000000000" pitchFamily="2" charset="2"/>
+              </a:rPr>
+              <a:t>», generato dalla classe «</a:t>
+            </a:r>
+            <a:r>
+              <a:rPr lang="it-CH" dirty="0" err="1">
+                <a:sym typeface="Wingdings" panose="05000000000000000000" pitchFamily="2" charset="2"/>
+              </a:rPr>
+              <a:t>Commands</a:t>
+            </a:r>
+            <a:r>
+              <a:rPr lang="it-CH" dirty="0">
+                <a:sym typeface="Wingdings" panose="05000000000000000000" pitchFamily="2" charset="2"/>
+              </a:rPr>
+              <a:t>»</a:t>
+            </a:r>
+            <a:endParaRPr lang="it-CH" dirty="0"/>
+          </a:p>
+          <a:p>
+            <a:pPr marL="171450" indent="-171450">
+              <a:buFont typeface="Wingdings" panose="05000000000000000000" pitchFamily="2" charset="2"/>
+              <a:buChar char="à"/>
             </a:pPr>
+            <a:r>
+              <a:rPr lang="it-CH" dirty="0">
+                <a:sym typeface="Wingdings" panose="05000000000000000000" pitchFamily="2" charset="2"/>
+              </a:rPr>
+              <a:t>Usa TCP </a:t>
+            </a:r>
+            <a:r>
+              <a:rPr lang="it-CH" dirty="0" err="1">
+                <a:sym typeface="Wingdings" panose="05000000000000000000" pitchFamily="2" charset="2"/>
+              </a:rPr>
+              <a:t>Socket</a:t>
+            </a:r>
             <a:endParaRPr lang="it-CH" dirty="0">
               <a:sym typeface="Wingdings" panose="05000000000000000000" pitchFamily="2" charset="2"/>
             </a:endParaRPr>
           </a:p>
           <a:p>
-            <a:pPr marL="171450" lvl="0" indent="-171450">
-              <a:buFont typeface="Arial" panose="020B0604020202020204" pitchFamily="34" charset="0"/>
-              <a:buChar char="•"/>
+            <a:pPr marL="171450" indent="-171450">
+              <a:buFont typeface="Wingdings" panose="05000000000000000000" pitchFamily="2" charset="2"/>
+              <a:buChar char="à"/>
             </a:pPr>
+            <a:r>
+              <a:rPr lang="it-CH" dirty="0" err="1">
+                <a:sym typeface="Wingdings" panose="05000000000000000000" pitchFamily="2" charset="2"/>
+              </a:rPr>
+              <a:t>Listener</a:t>
+            </a:r>
             <a:r>
               <a:rPr lang="it-CH" dirty="0">
                 <a:sym typeface="Wingdings" panose="05000000000000000000" pitchFamily="2" charset="2"/>
               </a:rPr>
-              <a:t>Recording</a:t>
-            </a:r>
-          </a:p>
-          <a:p>
-            <a:pPr marL="628650" lvl="1" indent="-171450">
-              <a:buFont typeface="Arial" panose="020B0604020202020204" pitchFamily="34" charset="0"/>
-              <a:buChar char="•"/>
-            </a:pPr>
-            <a:r>
-              <a:rPr lang="it-CH" dirty="0">
+              <a:t> per </a:t>
+            </a:r>
+            <a:r>
+              <a:rPr lang="it-CH" dirty="0" smtClean="0">
                 <a:sym typeface="Wingdings" panose="05000000000000000000" pitchFamily="2" charset="2"/>
               </a:rPr>
-              <a:t>Gestione registrazione dei voli ed esecuzione dei voli registrati</a:t>
-            </a:r>
+              <a:t>notificare</a:t>
+            </a:r>
+          </a:p>
+          <a:p>
+            <a:pPr marL="171450" indent="-171450">
+              <a:buFont typeface="Wingdings" panose="05000000000000000000" pitchFamily="2" charset="2"/>
+              <a:buChar char="à"/>
+            </a:pPr>
+            <a:endParaRPr lang="it-CH" dirty="0" smtClean="0">
+              <a:sym typeface="Wingdings" panose="05000000000000000000" pitchFamily="2" charset="2"/>
+            </a:endParaRPr>
+          </a:p>
+          <a:p>
+            <a:pPr marL="0" indent="0">
+              <a:buFont typeface="Wingdings" panose="05000000000000000000" pitchFamily="2" charset="2"/>
+              <a:buNone/>
+            </a:pPr>
+            <a:r>
+              <a:rPr lang="it-CH" dirty="0" smtClean="0">
+                <a:sym typeface="Wingdings" panose="05000000000000000000" pitchFamily="2" charset="2"/>
+              </a:rPr>
+              <a:t>Luca</a:t>
+            </a:r>
+            <a:endParaRPr lang="it-CH" dirty="0">
+              <a:sym typeface="Wingdings" panose="05000000000000000000" pitchFamily="2" charset="2"/>
+            </a:endParaRPr>
           </a:p>
         </p:txBody>
       </p:sp>
@@ -2212,7 +2386,7 @@
           <a:p>
             <a:fld id="{FD2CFA8D-4E29-41DB-B61B-69A41B9506B3}" type="slidenum">
               <a:rPr lang="it-CH" smtClean="0"/>
-              <a:t>30</a:t>
+              <a:t>23</a:t>
             </a:fld>
             <a:endParaRPr lang="it-CH"/>
           </a:p>
@@ -2221,7 +2395,7 @@
     </p:spTree>
     <p:extLst>
       <p:ext uri="{BB962C8B-B14F-4D97-AF65-F5344CB8AC3E}">
-        <p14:creationId xmlns:p14="http://schemas.microsoft.com/office/powerpoint/2010/main" val="478034945"/>
+        <p14:creationId xmlns:p14="http://schemas.microsoft.com/office/powerpoint/2010/main" val="2298715815"/>
       </p:ext>
     </p:extLst>
   </p:cSld>
@@ -2275,37 +2449,11 @@
           <a:bodyPr/>
           <a:lstStyle/>
           <a:p>
-            <a:pPr marL="628650" lvl="1" indent="-171450">
-              <a:buFont typeface="Arial" panose="020B0604020202020204" pitchFamily="34" charset="0"/>
-              <a:buChar char="•"/>
-            </a:pPr>
-            <a:endParaRPr lang="it-CH" dirty="0">
-              <a:sym typeface="Wingdings" panose="05000000000000000000" pitchFamily="2" charset="2"/>
-            </a:endParaRPr>
-          </a:p>
-          <a:p>
-            <a:pPr marL="171450" lvl="0" indent="-171450">
-              <a:buFont typeface="Arial" panose="020B0604020202020204" pitchFamily="34" charset="0"/>
-              <a:buChar char="•"/>
-            </a:pPr>
-            <a:r>
-              <a:rPr lang="it-CH" dirty="0">
-                <a:sym typeface="Wingdings" panose="05000000000000000000" pitchFamily="2" charset="2"/>
-              </a:rPr>
-              <a:t>Recording</a:t>
-            </a:r>
-          </a:p>
-          <a:p>
-            <a:pPr marL="628650" lvl="1" indent="-171450">
-              <a:buFont typeface="Arial" panose="020B0604020202020204" pitchFamily="34" charset="0"/>
-              <a:buChar char="•"/>
-            </a:pPr>
-            <a:r>
-              <a:rPr lang="it-CH" dirty="0">
-                <a:sym typeface="Wingdings" panose="05000000000000000000" pitchFamily="2" charset="2"/>
-              </a:rPr>
-              <a:t>Gestione registrazione dei voli ed esecuzione dei voli registrati</a:t>
-            </a:r>
+            <a:r>
+              <a:rPr lang="it-CH" dirty="0" smtClean="0"/>
+              <a:t>luca</a:t>
+            </a:r>
+            <a:endParaRPr lang="it-CH" dirty="0"/>
           </a:p>
         </p:txBody>
       </p:sp>
@@ -2326,7 +2474,7 @@
           <a:p>
             <a:fld id="{FD2CFA8D-4E29-41DB-B61B-69A41B9506B3}" type="slidenum">
               <a:rPr lang="it-CH" smtClean="0"/>
-              <a:t>31</a:t>
+              <a:t>24</a:t>
             </a:fld>
             <a:endParaRPr lang="it-CH"/>
           </a:p>
@@ -2335,7 +2483,7 @@
     </p:spTree>
     <p:extLst>
       <p:ext uri="{BB962C8B-B14F-4D97-AF65-F5344CB8AC3E}">
-        <p14:creationId xmlns:p14="http://schemas.microsoft.com/office/powerpoint/2010/main" val="1983228458"/>
+        <p14:creationId xmlns:p14="http://schemas.microsoft.com/office/powerpoint/2010/main" val="1682093913"/>
       </p:ext>
     </p:extLst>
   </p:cSld>
@@ -2390,7 +2538,808 @@
           <a:lstStyle/>
           <a:p>
             <a:r>
-              <a:rPr lang="it-CH" dirty="0"/>
+              <a:rPr lang="it-CH" dirty="0" smtClean="0"/>
+              <a:t>Drone simulator</a:t>
+            </a:r>
+          </a:p>
+          <a:p>
+            <a:endParaRPr lang="it-CH" dirty="0" smtClean="0"/>
+          </a:p>
+          <a:p>
+            <a:r>
+              <a:rPr lang="it-CH" dirty="0" smtClean="0"/>
+              <a:t>Andrea</a:t>
+            </a:r>
+            <a:endParaRPr lang="it-CH" dirty="0"/>
+          </a:p>
+        </p:txBody>
+      </p:sp>
+      <p:sp>
+        <p:nvSpPr>
+          <p:cNvPr id="4" name="Segnaposto numero diapositiva 3"/>
+          <p:cNvSpPr>
+            <a:spLocks noGrp="1"/>
+          </p:cNvSpPr>
+          <p:nvPr>
+            <p:ph type="sldNum" sz="quarter" idx="5"/>
+          </p:nvPr>
+        </p:nvSpPr>
+        <p:spPr/>
+        <p:txBody>
+          <a:bodyPr/>
+          <a:lstStyle/>
+          <a:p>
+            <a:fld id="{FD2CFA8D-4E29-41DB-B61B-69A41B9506B3}" type="slidenum">
+              <a:rPr lang="it-CH" smtClean="0"/>
+              <a:t>25</a:t>
+            </a:fld>
+            <a:endParaRPr lang="it-CH"/>
+          </a:p>
+        </p:txBody>
+      </p:sp>
+    </p:spTree>
+    <p:extLst>
+      <p:ext uri="{BB962C8B-B14F-4D97-AF65-F5344CB8AC3E}">
+        <p14:creationId xmlns:p14="http://schemas.microsoft.com/office/powerpoint/2010/main" val="576594222"/>
+      </p:ext>
+    </p:extLst>
+  </p:cSld>
+  <p:clrMapOvr>
+    <a:masterClrMapping/>
+  </p:clrMapOvr>
+</p:notes>
+</file>
+
+<file path=ppt/notesSlides/notesSlide26.xml><?xml version="1.0" encoding="utf-8"?>
+<p:notes xmlns:a="http://schemas.openxmlformats.org/drawingml/2006/main" xmlns:r="http://schemas.openxmlformats.org/officeDocument/2006/relationships" xmlns:p="http://schemas.openxmlformats.org/presentationml/2006/main">
+  <p:cSld>
+    <p:spTree>
+      <p:nvGrpSpPr>
+        <p:cNvPr id="1" name=""/>
+        <p:cNvGrpSpPr/>
+        <p:nvPr/>
+      </p:nvGrpSpPr>
+      <p:grpSpPr>
+        <a:xfrm>
+          <a:off x="0" y="0"/>
+          <a:ext cx="0" cy="0"/>
+          <a:chOff x="0" y="0"/>
+          <a:chExt cx="0" cy="0"/>
+        </a:xfrm>
+      </p:grpSpPr>
+      <p:sp>
+        <p:nvSpPr>
+          <p:cNvPr id="2" name="Segnaposto immagine diapositiva 1"/>
+          <p:cNvSpPr>
+            <a:spLocks noGrp="1" noRot="1" noChangeAspect="1"/>
+          </p:cNvSpPr>
+          <p:nvPr>
+            <p:ph type="sldImg"/>
+          </p:nvPr>
+        </p:nvSpPr>
+        <p:spPr/>
+      </p:sp>
+      <p:sp>
+        <p:nvSpPr>
+          <p:cNvPr id="3" name="Segnaposto note 2"/>
+          <p:cNvSpPr>
+            <a:spLocks noGrp="1"/>
+          </p:cNvSpPr>
+          <p:nvPr>
+            <p:ph type="body" idx="1"/>
+          </p:nvPr>
+        </p:nvSpPr>
+        <p:spPr/>
+        <p:txBody>
+          <a:bodyPr/>
+          <a:lstStyle/>
+          <a:p>
+            <a:r>
+              <a:rPr lang="it-IT" dirty="0" err="1" smtClean="0"/>
+              <a:t>Jari</a:t>
+            </a:r>
+            <a:endParaRPr lang="en-US" dirty="0"/>
+          </a:p>
+        </p:txBody>
+      </p:sp>
+      <p:sp>
+        <p:nvSpPr>
+          <p:cNvPr id="4" name="Segnaposto numero diapositiva 3"/>
+          <p:cNvSpPr>
+            <a:spLocks noGrp="1"/>
+          </p:cNvSpPr>
+          <p:nvPr>
+            <p:ph type="sldNum" sz="quarter" idx="10"/>
+          </p:nvPr>
+        </p:nvSpPr>
+        <p:spPr/>
+        <p:txBody>
+          <a:bodyPr/>
+          <a:lstStyle/>
+          <a:p>
+            <a:fld id="{FD2CFA8D-4E29-41DB-B61B-69A41B9506B3}" type="slidenum">
+              <a:rPr lang="it-CH" smtClean="0"/>
+              <a:t>26</a:t>
+            </a:fld>
+            <a:endParaRPr lang="it-CH"/>
+          </a:p>
+        </p:txBody>
+      </p:sp>
+    </p:spTree>
+    <p:extLst>
+      <p:ext uri="{BB962C8B-B14F-4D97-AF65-F5344CB8AC3E}">
+        <p14:creationId xmlns:p14="http://schemas.microsoft.com/office/powerpoint/2010/main" val="2557992193"/>
+      </p:ext>
+    </p:extLst>
+  </p:cSld>
+  <p:clrMapOvr>
+    <a:masterClrMapping/>
+  </p:clrMapOvr>
+</p:notes>
+</file>
+
+<file path=ppt/notesSlides/notesSlide27.xml><?xml version="1.0" encoding="utf-8"?>
+<p:notes xmlns:a="http://schemas.openxmlformats.org/drawingml/2006/main" xmlns:r="http://schemas.openxmlformats.org/officeDocument/2006/relationships" xmlns:p="http://schemas.openxmlformats.org/presentationml/2006/main">
+  <p:cSld>
+    <p:spTree>
+      <p:nvGrpSpPr>
+        <p:cNvPr id="1" name=""/>
+        <p:cNvGrpSpPr/>
+        <p:nvPr/>
+      </p:nvGrpSpPr>
+      <p:grpSpPr>
+        <a:xfrm>
+          <a:off x="0" y="0"/>
+          <a:ext cx="0" cy="0"/>
+          <a:chOff x="0" y="0"/>
+          <a:chExt cx="0" cy="0"/>
+        </a:xfrm>
+      </p:grpSpPr>
+      <p:sp>
+        <p:nvSpPr>
+          <p:cNvPr id="2" name="Segnaposto immagine diapositiva 1"/>
+          <p:cNvSpPr>
+            <a:spLocks noGrp="1" noRot="1" noChangeAspect="1"/>
+          </p:cNvSpPr>
+          <p:nvPr>
+            <p:ph type="sldImg"/>
+          </p:nvPr>
+        </p:nvSpPr>
+        <p:spPr/>
+      </p:sp>
+      <p:sp>
+        <p:nvSpPr>
+          <p:cNvPr id="3" name="Segnaposto note 2"/>
+          <p:cNvSpPr>
+            <a:spLocks noGrp="1"/>
+          </p:cNvSpPr>
+          <p:nvPr>
+            <p:ph type="body" idx="1"/>
+          </p:nvPr>
+        </p:nvSpPr>
+        <p:spPr/>
+        <p:txBody>
+          <a:bodyPr/>
+          <a:lstStyle/>
+          <a:p>
+            <a:r>
+              <a:rPr lang="it-IT" dirty="0" err="1" smtClean="0"/>
+              <a:t>Jari</a:t>
+            </a:r>
+            <a:endParaRPr lang="en-US" dirty="0"/>
+          </a:p>
+        </p:txBody>
+      </p:sp>
+      <p:sp>
+        <p:nvSpPr>
+          <p:cNvPr id="4" name="Segnaposto numero diapositiva 3"/>
+          <p:cNvSpPr>
+            <a:spLocks noGrp="1"/>
+          </p:cNvSpPr>
+          <p:nvPr>
+            <p:ph type="sldNum" sz="quarter" idx="10"/>
+          </p:nvPr>
+        </p:nvSpPr>
+        <p:spPr/>
+        <p:txBody>
+          <a:bodyPr/>
+          <a:lstStyle/>
+          <a:p>
+            <a:fld id="{FD2CFA8D-4E29-41DB-B61B-69A41B9506B3}" type="slidenum">
+              <a:rPr lang="it-CH" smtClean="0"/>
+              <a:t>27</a:t>
+            </a:fld>
+            <a:endParaRPr lang="it-CH"/>
+          </a:p>
+        </p:txBody>
+      </p:sp>
+    </p:spTree>
+    <p:extLst>
+      <p:ext uri="{BB962C8B-B14F-4D97-AF65-F5344CB8AC3E}">
+        <p14:creationId xmlns:p14="http://schemas.microsoft.com/office/powerpoint/2010/main" val="1326488329"/>
+      </p:ext>
+    </p:extLst>
+  </p:cSld>
+  <p:clrMapOvr>
+    <a:masterClrMapping/>
+  </p:clrMapOvr>
+</p:notes>
+</file>
+
+<file path=ppt/notesSlides/notesSlide28.xml><?xml version="1.0" encoding="utf-8"?>
+<p:notes xmlns:a="http://schemas.openxmlformats.org/drawingml/2006/main" xmlns:r="http://schemas.openxmlformats.org/officeDocument/2006/relationships" xmlns:p="http://schemas.openxmlformats.org/presentationml/2006/main">
+  <p:cSld>
+    <p:spTree>
+      <p:nvGrpSpPr>
+        <p:cNvPr id="1" name=""/>
+        <p:cNvGrpSpPr/>
+        <p:nvPr/>
+      </p:nvGrpSpPr>
+      <p:grpSpPr>
+        <a:xfrm>
+          <a:off x="0" y="0"/>
+          <a:ext cx="0" cy="0"/>
+          <a:chOff x="0" y="0"/>
+          <a:chExt cx="0" cy="0"/>
+        </a:xfrm>
+      </p:grpSpPr>
+      <p:sp>
+        <p:nvSpPr>
+          <p:cNvPr id="2" name="Segnaposto immagine diapositiva 1"/>
+          <p:cNvSpPr>
+            <a:spLocks noGrp="1" noRot="1" noChangeAspect="1"/>
+          </p:cNvSpPr>
+          <p:nvPr>
+            <p:ph type="sldImg"/>
+          </p:nvPr>
+        </p:nvSpPr>
+        <p:spPr/>
+      </p:sp>
+      <p:sp>
+        <p:nvSpPr>
+          <p:cNvPr id="3" name="Segnaposto note 2"/>
+          <p:cNvSpPr>
+            <a:spLocks noGrp="1"/>
+          </p:cNvSpPr>
+          <p:nvPr>
+            <p:ph type="body" idx="1"/>
+          </p:nvPr>
+        </p:nvSpPr>
+        <p:spPr/>
+        <p:txBody>
+          <a:bodyPr/>
+          <a:lstStyle/>
+          <a:p>
+            <a:r>
+              <a:rPr lang="it-IT" dirty="0" smtClean="0"/>
+              <a:t>Andrea</a:t>
+            </a:r>
+            <a:endParaRPr lang="en-US" dirty="0"/>
+          </a:p>
+        </p:txBody>
+      </p:sp>
+      <p:sp>
+        <p:nvSpPr>
+          <p:cNvPr id="4" name="Segnaposto numero diapositiva 3"/>
+          <p:cNvSpPr>
+            <a:spLocks noGrp="1"/>
+          </p:cNvSpPr>
+          <p:nvPr>
+            <p:ph type="sldNum" sz="quarter" idx="10"/>
+          </p:nvPr>
+        </p:nvSpPr>
+        <p:spPr/>
+        <p:txBody>
+          <a:bodyPr/>
+          <a:lstStyle/>
+          <a:p>
+            <a:fld id="{FD2CFA8D-4E29-41DB-B61B-69A41B9506B3}" type="slidenum">
+              <a:rPr lang="it-CH" smtClean="0"/>
+              <a:t>28</a:t>
+            </a:fld>
+            <a:endParaRPr lang="it-CH"/>
+          </a:p>
+        </p:txBody>
+      </p:sp>
+    </p:spTree>
+    <p:extLst>
+      <p:ext uri="{BB962C8B-B14F-4D97-AF65-F5344CB8AC3E}">
+        <p14:creationId xmlns:p14="http://schemas.microsoft.com/office/powerpoint/2010/main" val="3815842163"/>
+      </p:ext>
+    </p:extLst>
+  </p:cSld>
+  <p:clrMapOvr>
+    <a:masterClrMapping/>
+  </p:clrMapOvr>
+</p:notes>
+</file>
+
+<file path=ppt/notesSlides/notesSlide29.xml><?xml version="1.0" encoding="utf-8"?>
+<p:notes xmlns:a="http://schemas.openxmlformats.org/drawingml/2006/main" xmlns:r="http://schemas.openxmlformats.org/officeDocument/2006/relationships" xmlns:p="http://schemas.openxmlformats.org/presentationml/2006/main">
+  <p:cSld>
+    <p:spTree>
+      <p:nvGrpSpPr>
+        <p:cNvPr id="1" name=""/>
+        <p:cNvGrpSpPr/>
+        <p:nvPr/>
+      </p:nvGrpSpPr>
+      <p:grpSpPr>
+        <a:xfrm>
+          <a:off x="0" y="0"/>
+          <a:ext cx="0" cy="0"/>
+          <a:chOff x="0" y="0"/>
+          <a:chExt cx="0" cy="0"/>
+        </a:xfrm>
+      </p:grpSpPr>
+      <p:sp>
+        <p:nvSpPr>
+          <p:cNvPr id="2" name="Segnaposto immagine diapositiva 1"/>
+          <p:cNvSpPr>
+            <a:spLocks noGrp="1" noRot="1" noChangeAspect="1"/>
+          </p:cNvSpPr>
+          <p:nvPr>
+            <p:ph type="sldImg"/>
+          </p:nvPr>
+        </p:nvSpPr>
+        <p:spPr/>
+      </p:sp>
+      <p:sp>
+        <p:nvSpPr>
+          <p:cNvPr id="3" name="Segnaposto note 2"/>
+          <p:cNvSpPr>
+            <a:spLocks noGrp="1"/>
+          </p:cNvSpPr>
+          <p:nvPr>
+            <p:ph type="body" idx="1"/>
+          </p:nvPr>
+        </p:nvSpPr>
+        <p:spPr/>
+        <p:txBody>
+          <a:bodyPr/>
+          <a:lstStyle/>
+          <a:p>
+            <a:pPr marL="628650" lvl="1" indent="-171450">
+              <a:buFont typeface="Arial" panose="020B0604020202020204" pitchFamily="34" charset="0"/>
+              <a:buChar char="•"/>
+            </a:pPr>
+            <a:endParaRPr lang="it-CH" dirty="0">
+              <a:sym typeface="Wingdings" panose="05000000000000000000" pitchFamily="2" charset="2"/>
+            </a:endParaRPr>
+          </a:p>
+          <a:p>
+            <a:pPr marL="171450" lvl="0" indent="-171450">
+              <a:buFont typeface="Arial" panose="020B0604020202020204" pitchFamily="34" charset="0"/>
+              <a:buChar char="•"/>
+            </a:pPr>
+            <a:r>
+              <a:rPr lang="it-CH" dirty="0">
+                <a:sym typeface="Wingdings" panose="05000000000000000000" pitchFamily="2" charset="2"/>
+              </a:rPr>
+              <a:t>Recording</a:t>
+            </a:r>
+          </a:p>
+          <a:p>
+            <a:pPr marL="628650" lvl="1" indent="-171450">
+              <a:buFont typeface="Arial" panose="020B0604020202020204" pitchFamily="34" charset="0"/>
+              <a:buChar char="•"/>
+            </a:pPr>
+            <a:r>
+              <a:rPr lang="it-CH" dirty="0">
+                <a:sym typeface="Wingdings" panose="05000000000000000000" pitchFamily="2" charset="2"/>
+              </a:rPr>
+              <a:t>Gestione registrazione dei voli ed esecuzione dei voli registrati</a:t>
+            </a:r>
+          </a:p>
+        </p:txBody>
+      </p:sp>
+      <p:sp>
+        <p:nvSpPr>
+          <p:cNvPr id="4" name="Segnaposto numero diapositiva 3"/>
+          <p:cNvSpPr>
+            <a:spLocks noGrp="1"/>
+          </p:cNvSpPr>
+          <p:nvPr>
+            <p:ph type="sldNum" sz="quarter" idx="5"/>
+          </p:nvPr>
+        </p:nvSpPr>
+        <p:spPr/>
+        <p:txBody>
+          <a:bodyPr/>
+          <a:lstStyle/>
+          <a:p>
+            <a:fld id="{FD2CFA8D-4E29-41DB-B61B-69A41B9506B3}" type="slidenum">
+              <a:rPr lang="it-CH" smtClean="0"/>
+              <a:t>29</a:t>
+            </a:fld>
+            <a:endParaRPr lang="it-CH"/>
+          </a:p>
+        </p:txBody>
+      </p:sp>
+    </p:spTree>
+    <p:extLst>
+      <p:ext uri="{BB962C8B-B14F-4D97-AF65-F5344CB8AC3E}">
+        <p14:creationId xmlns:p14="http://schemas.microsoft.com/office/powerpoint/2010/main" val="1665204916"/>
+      </p:ext>
+    </p:extLst>
+  </p:cSld>
+  <p:clrMapOvr>
+    <a:masterClrMapping/>
+  </p:clrMapOvr>
+</p:notes>
+</file>
+
+<file path=ppt/notesSlides/notesSlide3.xml><?xml version="1.0" encoding="utf-8"?>
+<p:notes xmlns:a="http://schemas.openxmlformats.org/drawingml/2006/main" xmlns:r="http://schemas.openxmlformats.org/officeDocument/2006/relationships" xmlns:p="http://schemas.openxmlformats.org/presentationml/2006/main">
+  <p:cSld>
+    <p:spTree>
+      <p:nvGrpSpPr>
+        <p:cNvPr id="1" name=""/>
+        <p:cNvGrpSpPr/>
+        <p:nvPr/>
+      </p:nvGrpSpPr>
+      <p:grpSpPr>
+        <a:xfrm>
+          <a:off x="0" y="0"/>
+          <a:ext cx="0" cy="0"/>
+          <a:chOff x="0" y="0"/>
+          <a:chExt cx="0" cy="0"/>
+        </a:xfrm>
+      </p:grpSpPr>
+      <p:sp>
+        <p:nvSpPr>
+          <p:cNvPr id="2" name="Segnaposto immagine diapositiva 1"/>
+          <p:cNvSpPr>
+            <a:spLocks noGrp="1" noRot="1" noChangeAspect="1"/>
+          </p:cNvSpPr>
+          <p:nvPr>
+            <p:ph type="sldImg"/>
+          </p:nvPr>
+        </p:nvSpPr>
+        <p:spPr/>
+      </p:sp>
+      <p:sp>
+        <p:nvSpPr>
+          <p:cNvPr id="3" name="Segnaposto note 2"/>
+          <p:cNvSpPr>
+            <a:spLocks noGrp="1"/>
+          </p:cNvSpPr>
+          <p:nvPr>
+            <p:ph type="body" idx="1"/>
+          </p:nvPr>
+        </p:nvSpPr>
+        <p:spPr/>
+        <p:txBody>
+          <a:bodyPr/>
+          <a:lstStyle/>
+          <a:p>
+            <a:r>
+              <a:rPr lang="it-IT" dirty="0" err="1" smtClean="0"/>
+              <a:t>Jari</a:t>
+            </a:r>
+            <a:endParaRPr lang="it-CH" dirty="0"/>
+          </a:p>
+        </p:txBody>
+      </p:sp>
+      <p:sp>
+        <p:nvSpPr>
+          <p:cNvPr id="4" name="Segnaposto numero diapositiva 3"/>
+          <p:cNvSpPr>
+            <a:spLocks noGrp="1"/>
+          </p:cNvSpPr>
+          <p:nvPr>
+            <p:ph type="sldNum" sz="quarter" idx="5"/>
+          </p:nvPr>
+        </p:nvSpPr>
+        <p:spPr/>
+        <p:txBody>
+          <a:bodyPr/>
+          <a:lstStyle/>
+          <a:p>
+            <a:fld id="{FD2CFA8D-4E29-41DB-B61B-69A41B9506B3}" type="slidenum">
+              <a:rPr lang="it-CH" smtClean="0"/>
+              <a:t>3</a:t>
+            </a:fld>
+            <a:endParaRPr lang="it-CH"/>
+          </a:p>
+        </p:txBody>
+      </p:sp>
+    </p:spTree>
+    <p:extLst>
+      <p:ext uri="{BB962C8B-B14F-4D97-AF65-F5344CB8AC3E}">
+        <p14:creationId xmlns:p14="http://schemas.microsoft.com/office/powerpoint/2010/main" val="2361201784"/>
+      </p:ext>
+    </p:extLst>
+  </p:cSld>
+  <p:clrMapOvr>
+    <a:masterClrMapping/>
+  </p:clrMapOvr>
+</p:notes>
+</file>
+
+<file path=ppt/notesSlides/notesSlide30.xml><?xml version="1.0" encoding="utf-8"?>
+<p:notes xmlns:a="http://schemas.openxmlformats.org/drawingml/2006/main" xmlns:r="http://schemas.openxmlformats.org/officeDocument/2006/relationships" xmlns:p="http://schemas.openxmlformats.org/presentationml/2006/main">
+  <p:cSld>
+    <p:spTree>
+      <p:nvGrpSpPr>
+        <p:cNvPr id="1" name=""/>
+        <p:cNvGrpSpPr/>
+        <p:nvPr/>
+      </p:nvGrpSpPr>
+      <p:grpSpPr>
+        <a:xfrm>
+          <a:off x="0" y="0"/>
+          <a:ext cx="0" cy="0"/>
+          <a:chOff x="0" y="0"/>
+          <a:chExt cx="0" cy="0"/>
+        </a:xfrm>
+      </p:grpSpPr>
+      <p:sp>
+        <p:nvSpPr>
+          <p:cNvPr id="2" name="Segnaposto immagine diapositiva 1"/>
+          <p:cNvSpPr>
+            <a:spLocks noGrp="1" noRot="1" noChangeAspect="1"/>
+          </p:cNvSpPr>
+          <p:nvPr>
+            <p:ph type="sldImg"/>
+          </p:nvPr>
+        </p:nvSpPr>
+        <p:spPr/>
+      </p:sp>
+      <p:sp>
+        <p:nvSpPr>
+          <p:cNvPr id="3" name="Segnaposto note 2"/>
+          <p:cNvSpPr>
+            <a:spLocks noGrp="1"/>
+          </p:cNvSpPr>
+          <p:nvPr>
+            <p:ph type="body" idx="1"/>
+          </p:nvPr>
+        </p:nvSpPr>
+        <p:spPr/>
+        <p:txBody>
+          <a:bodyPr/>
+          <a:lstStyle/>
+          <a:p>
+            <a:pPr marL="628650" lvl="1" indent="-171450">
+              <a:buFont typeface="Arial" panose="020B0604020202020204" pitchFamily="34" charset="0"/>
+              <a:buChar char="•"/>
+            </a:pPr>
+            <a:endParaRPr lang="it-CH" dirty="0">
+              <a:sym typeface="Wingdings" panose="05000000000000000000" pitchFamily="2" charset="2"/>
+            </a:endParaRPr>
+          </a:p>
+          <a:p>
+            <a:pPr marL="171450" lvl="0" indent="-171450">
+              <a:buFont typeface="Arial" panose="020B0604020202020204" pitchFamily="34" charset="0"/>
+              <a:buChar char="•"/>
+            </a:pPr>
+            <a:r>
+              <a:rPr lang="it-CH" dirty="0">
+                <a:sym typeface="Wingdings" panose="05000000000000000000" pitchFamily="2" charset="2"/>
+              </a:rPr>
+              <a:t>Recording</a:t>
+            </a:r>
+          </a:p>
+          <a:p>
+            <a:pPr marL="628650" lvl="1" indent="-171450">
+              <a:buFont typeface="Arial" panose="020B0604020202020204" pitchFamily="34" charset="0"/>
+              <a:buChar char="•"/>
+            </a:pPr>
+            <a:r>
+              <a:rPr lang="it-CH" dirty="0">
+                <a:sym typeface="Wingdings" panose="05000000000000000000" pitchFamily="2" charset="2"/>
+              </a:rPr>
+              <a:t>Gestione registrazione dei voli ed esecuzione dei voli registrati</a:t>
+            </a:r>
+          </a:p>
+        </p:txBody>
+      </p:sp>
+      <p:sp>
+        <p:nvSpPr>
+          <p:cNvPr id="4" name="Segnaposto numero diapositiva 3"/>
+          <p:cNvSpPr>
+            <a:spLocks noGrp="1"/>
+          </p:cNvSpPr>
+          <p:nvPr>
+            <p:ph type="sldNum" sz="quarter" idx="5"/>
+          </p:nvPr>
+        </p:nvSpPr>
+        <p:spPr/>
+        <p:txBody>
+          <a:bodyPr/>
+          <a:lstStyle/>
+          <a:p>
+            <a:fld id="{FD2CFA8D-4E29-41DB-B61B-69A41B9506B3}" type="slidenum">
+              <a:rPr lang="it-CH" smtClean="0"/>
+              <a:t>30</a:t>
+            </a:fld>
+            <a:endParaRPr lang="it-CH"/>
+          </a:p>
+        </p:txBody>
+      </p:sp>
+    </p:spTree>
+    <p:extLst>
+      <p:ext uri="{BB962C8B-B14F-4D97-AF65-F5344CB8AC3E}">
+        <p14:creationId xmlns:p14="http://schemas.microsoft.com/office/powerpoint/2010/main" val="1983228458"/>
+      </p:ext>
+    </p:extLst>
+  </p:cSld>
+  <p:clrMapOvr>
+    <a:masterClrMapping/>
+  </p:clrMapOvr>
+</p:notes>
+</file>
+
+<file path=ppt/notesSlides/notesSlide31.xml><?xml version="1.0" encoding="utf-8"?>
+<p:notes xmlns:a="http://schemas.openxmlformats.org/drawingml/2006/main" xmlns:r="http://schemas.openxmlformats.org/officeDocument/2006/relationships" xmlns:p="http://schemas.openxmlformats.org/presentationml/2006/main">
+  <p:cSld>
+    <p:spTree>
+      <p:nvGrpSpPr>
+        <p:cNvPr id="1" name=""/>
+        <p:cNvGrpSpPr/>
+        <p:nvPr/>
+      </p:nvGrpSpPr>
+      <p:grpSpPr>
+        <a:xfrm>
+          <a:off x="0" y="0"/>
+          <a:ext cx="0" cy="0"/>
+          <a:chOff x="0" y="0"/>
+          <a:chExt cx="0" cy="0"/>
+        </a:xfrm>
+      </p:grpSpPr>
+      <p:sp>
+        <p:nvSpPr>
+          <p:cNvPr id="2" name="Segnaposto immagine diapositiva 1"/>
+          <p:cNvSpPr>
+            <a:spLocks noGrp="1" noRot="1" noChangeAspect="1"/>
+          </p:cNvSpPr>
+          <p:nvPr>
+            <p:ph type="sldImg"/>
+          </p:nvPr>
+        </p:nvSpPr>
+        <p:spPr/>
+      </p:sp>
+      <p:sp>
+        <p:nvSpPr>
+          <p:cNvPr id="3" name="Segnaposto note 2"/>
+          <p:cNvSpPr>
+            <a:spLocks noGrp="1"/>
+          </p:cNvSpPr>
+          <p:nvPr>
+            <p:ph type="body" idx="1"/>
+          </p:nvPr>
+        </p:nvSpPr>
+        <p:spPr/>
+        <p:txBody>
+          <a:bodyPr/>
+          <a:lstStyle/>
+          <a:p>
+            <a:pPr marL="628650" lvl="1" indent="-171450">
+              <a:buFont typeface="Arial" panose="020B0604020202020204" pitchFamily="34" charset="0"/>
+              <a:buChar char="•"/>
+            </a:pPr>
+            <a:endParaRPr lang="it-CH" dirty="0">
+              <a:sym typeface="Wingdings" panose="05000000000000000000" pitchFamily="2" charset="2"/>
+            </a:endParaRPr>
+          </a:p>
+          <a:p>
+            <a:pPr marL="171450" lvl="0" indent="-171450">
+              <a:buFont typeface="Arial" panose="020B0604020202020204" pitchFamily="34" charset="0"/>
+              <a:buChar char="•"/>
+            </a:pPr>
+            <a:r>
+              <a:rPr lang="it-CH" dirty="0">
+                <a:sym typeface="Wingdings" panose="05000000000000000000" pitchFamily="2" charset="2"/>
+              </a:rPr>
+              <a:t>Recording</a:t>
+            </a:r>
+          </a:p>
+          <a:p>
+            <a:pPr marL="628650" lvl="1" indent="-171450">
+              <a:buFont typeface="Arial" panose="020B0604020202020204" pitchFamily="34" charset="0"/>
+              <a:buChar char="•"/>
+            </a:pPr>
+            <a:r>
+              <a:rPr lang="it-CH" dirty="0">
+                <a:sym typeface="Wingdings" panose="05000000000000000000" pitchFamily="2" charset="2"/>
+              </a:rPr>
+              <a:t>Gestione registrazione dei voli ed esecuzione dei voli registrati</a:t>
+            </a:r>
+          </a:p>
+        </p:txBody>
+      </p:sp>
+      <p:sp>
+        <p:nvSpPr>
+          <p:cNvPr id="4" name="Segnaposto numero diapositiva 3"/>
+          <p:cNvSpPr>
+            <a:spLocks noGrp="1"/>
+          </p:cNvSpPr>
+          <p:nvPr>
+            <p:ph type="sldNum" sz="quarter" idx="5"/>
+          </p:nvPr>
+        </p:nvSpPr>
+        <p:spPr/>
+        <p:txBody>
+          <a:bodyPr/>
+          <a:lstStyle/>
+          <a:p>
+            <a:fld id="{FD2CFA8D-4E29-41DB-B61B-69A41B9506B3}" type="slidenum">
+              <a:rPr lang="it-CH" smtClean="0"/>
+              <a:t>31</a:t>
+            </a:fld>
+            <a:endParaRPr lang="it-CH"/>
+          </a:p>
+        </p:txBody>
+      </p:sp>
+    </p:spTree>
+    <p:extLst>
+      <p:ext uri="{BB962C8B-B14F-4D97-AF65-F5344CB8AC3E}">
+        <p14:creationId xmlns:p14="http://schemas.microsoft.com/office/powerpoint/2010/main" val="478034945"/>
+      </p:ext>
+    </p:extLst>
+  </p:cSld>
+  <p:clrMapOvr>
+    <a:masterClrMapping/>
+  </p:clrMapOvr>
+</p:notes>
+</file>
+
+<file path=ppt/notesSlides/notesSlide32.xml><?xml version="1.0" encoding="utf-8"?>
+<p:notes xmlns:a="http://schemas.openxmlformats.org/drawingml/2006/main" xmlns:r="http://schemas.openxmlformats.org/officeDocument/2006/relationships" xmlns:p="http://schemas.openxmlformats.org/presentationml/2006/main">
+  <p:cSld>
+    <p:spTree>
+      <p:nvGrpSpPr>
+        <p:cNvPr id="1" name=""/>
+        <p:cNvGrpSpPr/>
+        <p:nvPr/>
+      </p:nvGrpSpPr>
+      <p:grpSpPr>
+        <a:xfrm>
+          <a:off x="0" y="0"/>
+          <a:ext cx="0" cy="0"/>
+          <a:chOff x="0" y="0"/>
+          <a:chExt cx="0" cy="0"/>
+        </a:xfrm>
+      </p:grpSpPr>
+      <p:sp>
+        <p:nvSpPr>
+          <p:cNvPr id="2" name="Segnaposto immagine diapositiva 1"/>
+          <p:cNvSpPr>
+            <a:spLocks noGrp="1" noRot="1" noChangeAspect="1"/>
+          </p:cNvSpPr>
+          <p:nvPr>
+            <p:ph type="sldImg"/>
+          </p:nvPr>
+        </p:nvSpPr>
+        <p:spPr/>
+      </p:sp>
+      <p:sp>
+        <p:nvSpPr>
+          <p:cNvPr id="3" name="Segnaposto note 2"/>
+          <p:cNvSpPr>
+            <a:spLocks noGrp="1"/>
+          </p:cNvSpPr>
+          <p:nvPr>
+            <p:ph type="body" idx="1"/>
+          </p:nvPr>
+        </p:nvSpPr>
+        <p:spPr/>
+        <p:txBody>
+          <a:bodyPr/>
+          <a:lstStyle/>
+          <a:p>
+            <a:r>
+              <a:rPr lang="it-CH" dirty="0" err="1" smtClean="0"/>
+              <a:t>Fadil</a:t>
+            </a:r>
+            <a:endParaRPr lang="it-CH" dirty="0" smtClean="0"/>
+          </a:p>
+          <a:p>
+            <a:endParaRPr lang="it-CH" dirty="0" smtClean="0"/>
+          </a:p>
+          <a:p>
+            <a:r>
+              <a:rPr lang="it-CH" dirty="0" smtClean="0"/>
               <a:t>TC </a:t>
             </a:r>
             <a:r>
@@ -2716,7 +3665,7 @@
 </p:notes>
 </file>
 
-<file path=ppt/notesSlides/notesSlide26.xml><?xml version="1.0" encoding="utf-8"?>
+<file path=ppt/notesSlides/notesSlide33.xml><?xml version="1.0" encoding="utf-8"?>
 <p:notes xmlns:a="http://schemas.openxmlformats.org/drawingml/2006/main" xmlns:r="http://schemas.openxmlformats.org/officeDocument/2006/relationships" xmlns:p="http://schemas.openxmlformats.org/presentationml/2006/main">
   <p:cSld>
     <p:spTree>
@@ -2761,76 +3710,32 @@
           <a:lstStyle/>
           <a:p>
             <a:r>
-              <a:rPr lang="it-CH" dirty="0"/>
-              <a:t>Riteniamo che:</a:t>
-            </a:r>
-          </a:p>
-          <a:p>
+              <a:rPr lang="it-CH" dirty="0" smtClean="0"/>
+              <a:t>Sviluppo</a:t>
+            </a:r>
+            <a:r>
+              <a:rPr lang="it-CH" baseline="0" dirty="0" smtClean="0"/>
+              <a:t> per più droni</a:t>
+            </a:r>
+          </a:p>
+          <a:p>
+            <a:endParaRPr lang="it-CH" baseline="0" dirty="0" smtClean="0"/>
+          </a:p>
+          <a:p>
+            <a:r>
+              <a:rPr lang="it-CH" baseline="0" dirty="0" smtClean="0"/>
+              <a:t>Sistema riconoscimento mano migliore</a:t>
+            </a:r>
+          </a:p>
+          <a:p>
+            <a:endParaRPr lang="it-CH" baseline="0" dirty="0" smtClean="0"/>
+          </a:p>
+          <a:p>
+            <a:r>
+              <a:rPr lang="it-CH" baseline="0" dirty="0" err="1" smtClean="0"/>
+              <a:t>Fadil</a:t>
+            </a:r>
             <a:endParaRPr lang="it-CH" dirty="0"/>
-          </a:p>
-          <a:p>
-            <a:pPr marL="171450" indent="-171450">
-              <a:buFont typeface="Arial" panose="020B0604020202020204" pitchFamily="34" charset="0"/>
-              <a:buChar char="•"/>
-            </a:pPr>
-            <a:r>
-              <a:rPr lang="it-CH" dirty="0"/>
-              <a:t>Progetto nuovo</a:t>
-            </a:r>
-          </a:p>
-          <a:p>
-            <a:pPr marL="628650" lvl="1" indent="-171450">
-              <a:buFont typeface="Arial" panose="020B0604020202020204" pitchFamily="34" charset="0"/>
-              <a:buChar char="•"/>
-            </a:pPr>
-            <a:r>
-              <a:rPr lang="it-CH" dirty="0"/>
-              <a:t>Mai stato svolto in Java (secondo delle nostre ricerche)</a:t>
-            </a:r>
-          </a:p>
-          <a:p>
-            <a:pPr marL="628650" lvl="1" indent="-171450">
-              <a:buFont typeface="Arial" panose="020B0604020202020204" pitchFamily="34" charset="0"/>
-              <a:buChar char="•"/>
-            </a:pPr>
-            <a:endParaRPr lang="it-CH" dirty="0"/>
-          </a:p>
-          <a:p>
-            <a:pPr marL="171450" lvl="0" indent="-171450">
-              <a:buFont typeface="Arial" panose="020B0604020202020204" pitchFamily="34" charset="0"/>
-              <a:buChar char="•"/>
-            </a:pPr>
-            <a:r>
-              <a:rPr lang="it-CH" dirty="0"/>
-              <a:t>Modo semplice</a:t>
-            </a:r>
-          </a:p>
-          <a:p>
-            <a:pPr marL="628650" lvl="1" indent="-171450">
-              <a:buFont typeface="Arial" panose="020B0604020202020204" pitchFamily="34" charset="0"/>
-              <a:buChar char="•"/>
-            </a:pPr>
-            <a:r>
-              <a:rPr lang="it-CH" dirty="0"/>
-              <a:t>Guidare un drone</a:t>
-            </a:r>
-          </a:p>
-          <a:p>
-            <a:pPr marL="0" lvl="0" indent="0">
-              <a:buFont typeface="Arial" panose="020B0604020202020204" pitchFamily="34" charset="0"/>
-              <a:buNone/>
-            </a:pPr>
-            <a:endParaRPr lang="it-CH" dirty="0"/>
-          </a:p>
-          <a:p>
-            <a:pPr marL="0" lvl="0" indent="0">
-              <a:buFont typeface="Arial" panose="020B0604020202020204" pitchFamily="34" charset="0"/>
-              <a:buNone/>
-            </a:pPr>
-            <a:r>
-              <a:rPr lang="it-CH" dirty="0"/>
-              <a:t>È stato divertente sia lo sviluppo di questo progetto sia il risultato!</a:t>
-            </a:r>
           </a:p>
         </p:txBody>
       </p:sp>
@@ -2860,7 +3765,7 @@
     </p:spTree>
     <p:extLst>
       <p:ext uri="{BB962C8B-B14F-4D97-AF65-F5344CB8AC3E}">
-        <p14:creationId xmlns:p14="http://schemas.microsoft.com/office/powerpoint/2010/main" val="4241285005"/>
+        <p14:creationId xmlns:p14="http://schemas.microsoft.com/office/powerpoint/2010/main" val="2563674515"/>
       </p:ext>
     </p:extLst>
   </p:cSld>
@@ -2870,7 +3775,7 @@
 </p:notes>
 </file>
 
-<file path=ppt/notesSlides/notesSlide3.xml><?xml version="1.0" encoding="utf-8"?>
+<file path=ppt/notesSlides/notesSlide34.xml><?xml version="1.0" encoding="utf-8"?>
 <p:notes xmlns:a="http://schemas.openxmlformats.org/drawingml/2006/main" xmlns:r="http://schemas.openxmlformats.org/officeDocument/2006/relationships" xmlns:p="http://schemas.openxmlformats.org/presentationml/2006/main">
   <p:cSld>
     <p:spTree>
@@ -2914,7 +3819,90 @@
           <a:bodyPr/>
           <a:lstStyle/>
           <a:p>
+            <a:r>
+              <a:rPr lang="it-CH" dirty="0" smtClean="0"/>
+              <a:t>Luca</a:t>
+            </a:r>
+          </a:p>
+          <a:p>
+            <a:endParaRPr lang="it-CH" dirty="0" smtClean="0"/>
+          </a:p>
+          <a:p>
+            <a:r>
+              <a:rPr lang="it-CH" dirty="0" smtClean="0"/>
+              <a:t>Riteniamo </a:t>
+            </a:r>
+            <a:r>
+              <a:rPr lang="it-CH" dirty="0"/>
+              <a:t>che:</a:t>
+            </a:r>
+          </a:p>
+          <a:p>
             <a:endParaRPr lang="it-CH" dirty="0"/>
+          </a:p>
+          <a:p>
+            <a:pPr marL="171450" indent="-171450">
+              <a:buFont typeface="Arial" panose="020B0604020202020204" pitchFamily="34" charset="0"/>
+              <a:buChar char="•"/>
+            </a:pPr>
+            <a:r>
+              <a:rPr lang="it-CH" dirty="0"/>
+              <a:t>Progetto nuovo</a:t>
+            </a:r>
+          </a:p>
+          <a:p>
+            <a:pPr marL="628650" lvl="1" indent="-171450">
+              <a:buFont typeface="Arial" panose="020B0604020202020204" pitchFamily="34" charset="0"/>
+              <a:buChar char="•"/>
+            </a:pPr>
+            <a:r>
+              <a:rPr lang="it-CH" dirty="0"/>
+              <a:t>Mai stato svolto in Java (secondo delle nostre ricerche)</a:t>
+            </a:r>
+          </a:p>
+          <a:p>
+            <a:pPr marL="628650" lvl="1" indent="-171450">
+              <a:buFont typeface="Arial" panose="020B0604020202020204" pitchFamily="34" charset="0"/>
+              <a:buChar char="•"/>
+            </a:pPr>
+            <a:endParaRPr lang="it-CH" dirty="0"/>
+          </a:p>
+          <a:p>
+            <a:pPr marL="171450" lvl="0" indent="-171450">
+              <a:buFont typeface="Arial" panose="020B0604020202020204" pitchFamily="34" charset="0"/>
+              <a:buChar char="•"/>
+            </a:pPr>
+            <a:r>
+              <a:rPr lang="it-CH" dirty="0"/>
+              <a:t>Modo semplice</a:t>
+            </a:r>
+          </a:p>
+          <a:p>
+            <a:pPr marL="628650" lvl="1" indent="-171450">
+              <a:buFont typeface="Arial" panose="020B0604020202020204" pitchFamily="34" charset="0"/>
+              <a:buChar char="•"/>
+            </a:pPr>
+            <a:r>
+              <a:rPr lang="it-CH" dirty="0"/>
+              <a:t>Guidare un drone</a:t>
+            </a:r>
+          </a:p>
+          <a:p>
+            <a:pPr marL="0" lvl="0" indent="0">
+              <a:buFont typeface="Arial" panose="020B0604020202020204" pitchFamily="34" charset="0"/>
+              <a:buNone/>
+            </a:pPr>
+            <a:endParaRPr lang="it-CH" dirty="0"/>
+          </a:p>
+          <a:p>
+            <a:pPr marL="0" lvl="0" indent="0">
+              <a:buFont typeface="Arial" panose="020B0604020202020204" pitchFamily="34" charset="0"/>
+              <a:buNone/>
+            </a:pPr>
+            <a:r>
+              <a:rPr lang="it-CH" dirty="0"/>
+              <a:t>È stato divertente sia lo sviluppo di questo progetto sia il risultato!</a:t>
+            </a:r>
           </a:p>
         </p:txBody>
       </p:sp>
@@ -2935,7 +3923,7 @@
           <a:p>
             <a:fld id="{FD2CFA8D-4E29-41DB-B61B-69A41B9506B3}" type="slidenum">
               <a:rPr lang="it-CH" smtClean="0"/>
-              <a:t>5</a:t>
+              <a:t>34</a:t>
             </a:fld>
             <a:endParaRPr lang="it-CH"/>
           </a:p>
@@ -2944,7 +3932,7 @@
     </p:spTree>
     <p:extLst>
       <p:ext uri="{BB962C8B-B14F-4D97-AF65-F5344CB8AC3E}">
-        <p14:creationId xmlns:p14="http://schemas.microsoft.com/office/powerpoint/2010/main" val="1292887407"/>
+        <p14:creationId xmlns:p14="http://schemas.microsoft.com/office/powerpoint/2010/main" val="4241285005"/>
       </p:ext>
     </p:extLst>
   </p:cSld>
@@ -2998,6 +3986,10 @@
           <a:bodyPr/>
           <a:lstStyle/>
           <a:p>
+            <a:r>
+              <a:rPr lang="it-IT" dirty="0" err="1" smtClean="0"/>
+              <a:t>Jari</a:t>
+            </a:r>
             <a:endParaRPr lang="it-CH" dirty="0"/>
           </a:p>
         </p:txBody>
@@ -3019,7 +4011,7 @@
           <a:p>
             <a:fld id="{FD2CFA8D-4E29-41DB-B61B-69A41B9506B3}" type="slidenum">
               <a:rPr lang="it-CH" smtClean="0"/>
-              <a:t>6</a:t>
+              <a:t>4</a:t>
             </a:fld>
             <a:endParaRPr lang="it-CH"/>
           </a:p>
@@ -3028,7 +4020,7 @@
     </p:spTree>
     <p:extLst>
       <p:ext uri="{BB962C8B-B14F-4D97-AF65-F5344CB8AC3E}">
-        <p14:creationId xmlns:p14="http://schemas.microsoft.com/office/powerpoint/2010/main" val="3396993358"/>
+        <p14:creationId xmlns:p14="http://schemas.microsoft.com/office/powerpoint/2010/main" val="3923210020"/>
       </p:ext>
     </p:extLst>
   </p:cSld>
@@ -3082,6 +4074,10 @@
           <a:bodyPr/>
           <a:lstStyle/>
           <a:p>
+            <a:r>
+              <a:rPr lang="it-IT" dirty="0" err="1" smtClean="0"/>
+              <a:t>Jari</a:t>
+            </a:r>
             <a:endParaRPr lang="it-CH" dirty="0"/>
           </a:p>
         </p:txBody>
@@ -3103,7 +4099,7 @@
           <a:p>
             <a:fld id="{FD2CFA8D-4E29-41DB-B61B-69A41B9506B3}" type="slidenum">
               <a:rPr lang="it-CH" smtClean="0"/>
-              <a:t>7</a:t>
+              <a:t>5</a:t>
             </a:fld>
             <a:endParaRPr lang="it-CH"/>
           </a:p>
@@ -3112,7 +4108,7 @@
     </p:spTree>
     <p:extLst>
       <p:ext uri="{BB962C8B-B14F-4D97-AF65-F5344CB8AC3E}">
-        <p14:creationId xmlns:p14="http://schemas.microsoft.com/office/powerpoint/2010/main" val="3385343768"/>
+        <p14:creationId xmlns:p14="http://schemas.microsoft.com/office/powerpoint/2010/main" val="1292887407"/>
       </p:ext>
     </p:extLst>
   </p:cSld>
@@ -3166,6 +4162,10 @@
           <a:bodyPr/>
           <a:lstStyle/>
           <a:p>
+            <a:r>
+              <a:rPr lang="it-CH" dirty="0" err="1" smtClean="0"/>
+              <a:t>Fadil</a:t>
+            </a:r>
             <a:endParaRPr lang="it-CH" dirty="0"/>
           </a:p>
         </p:txBody>
@@ -3187,7 +4187,7 @@
           <a:p>
             <a:fld id="{FD2CFA8D-4E29-41DB-B61B-69A41B9506B3}" type="slidenum">
               <a:rPr lang="it-CH" smtClean="0"/>
-              <a:t>8</a:t>
+              <a:t>6</a:t>
             </a:fld>
             <a:endParaRPr lang="it-CH"/>
           </a:p>
@@ -3196,7 +4196,7 @@
     </p:spTree>
     <p:extLst>
       <p:ext uri="{BB962C8B-B14F-4D97-AF65-F5344CB8AC3E}">
-        <p14:creationId xmlns:p14="http://schemas.microsoft.com/office/powerpoint/2010/main" val="3761628064"/>
+        <p14:creationId xmlns:p14="http://schemas.microsoft.com/office/powerpoint/2010/main" val="3396993358"/>
       </p:ext>
     </p:extLst>
   </p:cSld>
@@ -3250,6 +4250,10 @@
           <a:bodyPr/>
           <a:lstStyle/>
           <a:p>
+            <a:r>
+              <a:rPr lang="it-CH" dirty="0" err="1" smtClean="0"/>
+              <a:t>Fadil</a:t>
+            </a:r>
             <a:endParaRPr lang="it-CH" dirty="0"/>
           </a:p>
         </p:txBody>
@@ -3271,7 +4275,7 @@
           <a:p>
             <a:fld id="{FD2CFA8D-4E29-41DB-B61B-69A41B9506B3}" type="slidenum">
               <a:rPr lang="it-CH" smtClean="0"/>
-              <a:t>9</a:t>
+              <a:t>7</a:t>
             </a:fld>
             <a:endParaRPr lang="it-CH"/>
           </a:p>
@@ -3280,7 +4284,7 @@
     </p:spTree>
     <p:extLst>
       <p:ext uri="{BB962C8B-B14F-4D97-AF65-F5344CB8AC3E}">
-        <p14:creationId xmlns:p14="http://schemas.microsoft.com/office/powerpoint/2010/main" val="4002916279"/>
+        <p14:creationId xmlns:p14="http://schemas.microsoft.com/office/powerpoint/2010/main" val="3385343768"/>
       </p:ext>
     </p:extLst>
   </p:cSld>
@@ -3334,85 +4338,7 @@
           <a:bodyPr/>
           <a:lstStyle/>
           <a:p>
-            <a:r>
-              <a:rPr lang="it-CH" sz="3200" dirty="0"/>
-              <a:t>Possiamo dividere il lavoro in due grandi gruppi:</a:t>
-            </a:r>
-          </a:p>
-          <a:p>
-            <a:endParaRPr lang="it-CH" sz="3200" dirty="0"/>
-          </a:p>
-          <a:p>
-            <a:pPr marL="171450" indent="-171450">
-              <a:buFont typeface="Arial" panose="020B0604020202020204" pitchFamily="34" charset="0"/>
-              <a:buChar char="•"/>
-            </a:pPr>
-            <a:r>
-              <a:rPr lang="it-CH" sz="3200" dirty="0" err="1"/>
-              <a:t>DroneController</a:t>
-            </a:r>
-            <a:endParaRPr lang="it-CH" sz="3200" dirty="0"/>
-          </a:p>
-          <a:p>
-            <a:pPr marL="628650" lvl="1" indent="-171450">
-              <a:buFont typeface="Arial" panose="020B0604020202020204" pitchFamily="34" charset="0"/>
-              <a:buChar char="•"/>
-            </a:pPr>
-            <a:r>
-              <a:rPr lang="it-CH" sz="3200" dirty="0"/>
-              <a:t>Luca</a:t>
-            </a:r>
-          </a:p>
-          <a:p>
-            <a:pPr marL="628650" lvl="1" indent="-171450">
-              <a:buFont typeface="Arial" panose="020B0604020202020204" pitchFamily="34" charset="0"/>
-              <a:buChar char="•"/>
-            </a:pPr>
-            <a:r>
-              <a:rPr lang="it-CH" sz="3200" dirty="0" err="1"/>
-              <a:t>Fadil</a:t>
-            </a:r>
-            <a:endParaRPr lang="it-CH" sz="3200" dirty="0"/>
-          </a:p>
-          <a:p>
-            <a:pPr marL="457200" lvl="1" indent="0">
-              <a:buFont typeface="Arial" panose="020B0604020202020204" pitchFamily="34" charset="0"/>
-              <a:buNone/>
-            </a:pPr>
-            <a:endParaRPr lang="it-CH" sz="3200" dirty="0"/>
-          </a:p>
-          <a:p>
-            <a:pPr marL="171450" indent="-171450">
-              <a:buFont typeface="Arial" panose="020B0604020202020204" pitchFamily="34" charset="0"/>
-              <a:buChar char="•"/>
-            </a:pPr>
-            <a:r>
-              <a:rPr lang="it-CH" sz="3200" dirty="0" err="1"/>
-              <a:t>DroneSimulator</a:t>
-            </a:r>
-            <a:endParaRPr lang="it-CH" sz="3200" dirty="0"/>
-          </a:p>
-          <a:p>
-            <a:pPr marL="628650" lvl="1" indent="-171450">
-              <a:buFont typeface="Arial" panose="020B0604020202020204" pitchFamily="34" charset="0"/>
-              <a:buChar char="•"/>
-            </a:pPr>
-            <a:r>
-              <a:rPr lang="it-CH" sz="3200" dirty="0" err="1"/>
-              <a:t>Rausone</a:t>
-            </a:r>
-            <a:endParaRPr lang="it-CH" sz="3200" dirty="0"/>
-          </a:p>
-          <a:p>
-            <a:pPr marL="628650" lvl="1" indent="-171450">
-              <a:buFont typeface="Arial" panose="020B0604020202020204" pitchFamily="34" charset="0"/>
-              <a:buChar char="•"/>
-            </a:pPr>
-            <a:r>
-              <a:rPr lang="it-CH" sz="3200" dirty="0" err="1"/>
-              <a:t>Jari</a:t>
-            </a:r>
-            <a:endParaRPr lang="it-CH" sz="3200" dirty="0"/>
+            <a:endParaRPr lang="it-CH" dirty="0"/>
           </a:p>
         </p:txBody>
       </p:sp>
@@ -3433,7 +4359,7 @@
           <a:p>
             <a:fld id="{FD2CFA8D-4E29-41DB-B61B-69A41B9506B3}" type="slidenum">
               <a:rPr lang="it-CH" smtClean="0"/>
-              <a:t>10</a:t>
+              <a:t>8</a:t>
             </a:fld>
             <a:endParaRPr lang="it-CH"/>
           </a:p>
@@ -3442,7 +4368,7 @@
     </p:spTree>
     <p:extLst>
       <p:ext uri="{BB962C8B-B14F-4D97-AF65-F5344CB8AC3E}">
-        <p14:creationId xmlns:p14="http://schemas.microsoft.com/office/powerpoint/2010/main" val="822517740"/>
+        <p14:creationId xmlns:p14="http://schemas.microsoft.com/office/powerpoint/2010/main" val="3761628064"/>
       </p:ext>
     </p:extLst>
   </p:cSld>
@@ -3497,20 +4423,41 @@
           <a:lstStyle/>
           <a:p>
             <a:r>
-              <a:rPr lang="it-CH" dirty="0" err="1"/>
-              <a:t>DroneController</a:t>
-            </a:r>
-            <a:r>
-              <a:rPr lang="it-CH" dirty="0"/>
-              <a:t> </a:t>
-            </a:r>
-            <a:r>
-              <a:rPr lang="it-CH" dirty="0">
-                <a:sym typeface="Wingdings" panose="05000000000000000000" pitchFamily="2" charset="2"/>
-              </a:rPr>
-              <a:t> Fulcro di tutto il programma (del controller)</a:t>
-            </a:r>
-            <a:endParaRPr lang="it-CH" dirty="0"/>
+              <a:rPr lang="it-CH" sz="1800" dirty="0" smtClean="0"/>
+              <a:t>Durata</a:t>
+            </a:r>
+            <a:r>
+              <a:rPr lang="it-CH" sz="1800" baseline="0" dirty="0" smtClean="0"/>
+              <a:t> doc </a:t>
+            </a:r>
+          </a:p>
+          <a:p>
+            <a:r>
+              <a:rPr lang="it-CH" sz="1800" baseline="0" dirty="0" smtClean="0"/>
+              <a:t>Simulatore – test </a:t>
+            </a:r>
+          </a:p>
+          <a:p>
+            <a:r>
+              <a:rPr lang="it-CH" sz="1800" baseline="0" dirty="0" smtClean="0"/>
+              <a:t>Controller + test</a:t>
+            </a:r>
+          </a:p>
+          <a:p>
+            <a:endParaRPr lang="it-CH" sz="1800" baseline="0" dirty="0" smtClean="0"/>
+          </a:p>
+          <a:p>
+            <a:r>
+              <a:rPr lang="it-CH" sz="1800" baseline="0" dirty="0" smtClean="0"/>
+              <a:t>Implementazione uguale per entrambi</a:t>
+            </a:r>
+          </a:p>
+          <a:p>
+            <a:r>
+              <a:rPr lang="it-CH" sz="1800" baseline="0" dirty="0" err="1" smtClean="0"/>
+              <a:t>Fadil</a:t>
+            </a:r>
+            <a:endParaRPr lang="it-CH" sz="1800" dirty="0"/>
           </a:p>
         </p:txBody>
       </p:sp>
@@ -3531,7 +4478,7 @@
           <a:p>
             <a:fld id="{FD2CFA8D-4E29-41DB-B61B-69A41B9506B3}" type="slidenum">
               <a:rPr lang="it-CH" smtClean="0"/>
-              <a:t>11</a:t>
+              <a:t>9</a:t>
             </a:fld>
             <a:endParaRPr lang="it-CH"/>
           </a:p>
@@ -3540,7 +4487,7 @@
     </p:spTree>
     <p:extLst>
       <p:ext uri="{BB962C8B-B14F-4D97-AF65-F5344CB8AC3E}">
-        <p14:creationId xmlns:p14="http://schemas.microsoft.com/office/powerpoint/2010/main" val="2895638655"/>
+        <p14:creationId xmlns:p14="http://schemas.microsoft.com/office/powerpoint/2010/main" val="4002916279"/>
       </p:ext>
     </p:extLst>
   </p:cSld>
@@ -3650,7 +4597,7 @@
           <a:p>
             <a:fld id="{63937D59-5EDB-4C39-B697-625748F703B6}" type="datetimeFigureOut">
               <a:rPr lang="en-US" smtClean="0"/>
-              <a:t>5/30/2019</a:t>
+              <a:t>5/31/2019</a:t>
             </a:fld>
             <a:endParaRPr lang="en-US"/>
           </a:p>
@@ -3745,7 +4692,7 @@
           <a:p>
             <a:fld id="{63937D59-5EDB-4C39-B697-625748F703B6}" type="datetimeFigureOut">
               <a:rPr lang="en-US" smtClean="0"/>
-              <a:t>5/30/2019</a:t>
+              <a:t>5/31/2019</a:t>
             </a:fld>
             <a:endParaRPr lang="en-US"/>
           </a:p>
@@ -4020,7 +4967,7 @@
           <a:p>
             <a:fld id="{63937D59-5EDB-4C39-B697-625748F703B6}" type="datetimeFigureOut">
               <a:rPr lang="en-US" smtClean="0"/>
-              <a:t>5/30/2019</a:t>
+              <a:t>5/31/2019</a:t>
             </a:fld>
             <a:endParaRPr lang="en-US"/>
           </a:p>
@@ -4272,7 +5219,7 @@
           <a:p>
             <a:fld id="{63937D59-5EDB-4C39-B697-625748F703B6}" type="datetimeFigureOut">
               <a:rPr lang="en-US" smtClean="0"/>
-              <a:t>5/30/2019</a:t>
+              <a:t>5/31/2019</a:t>
             </a:fld>
             <a:endParaRPr lang="en-US"/>
           </a:p>
@@ -4440,7 +5387,7 @@
           <a:p>
             <a:fld id="{63937D59-5EDB-4C39-B697-625748F703B6}" type="datetimeFigureOut">
               <a:rPr lang="en-US" smtClean="0"/>
-              <a:t>5/30/2019</a:t>
+              <a:t>5/31/2019</a:t>
             </a:fld>
             <a:endParaRPr lang="en-US"/>
           </a:p>
@@ -4618,7 +5565,7 @@
           <a:p>
             <a:fld id="{63937D59-5EDB-4C39-B697-625748F703B6}" type="datetimeFigureOut">
               <a:rPr lang="en-US" smtClean="0"/>
-              <a:t>5/30/2019</a:t>
+              <a:t>5/31/2019</a:t>
             </a:fld>
             <a:endParaRPr lang="en-US"/>
           </a:p>
@@ -5266,7 +6213,7 @@
           <a:p>
             <a:fld id="{63937D59-5EDB-4C39-B697-625748F703B6}" type="datetimeFigureOut">
               <a:rPr lang="en-US" smtClean="0"/>
-              <a:t>5/30/2019</a:t>
+              <a:t>5/31/2019</a:t>
             </a:fld>
             <a:endParaRPr lang="en-US"/>
           </a:p>
@@ -5522,7 +6469,7 @@
           <a:p>
             <a:fld id="{63937D59-5EDB-4C39-B697-625748F703B6}" type="datetimeFigureOut">
               <a:rPr lang="en-US" smtClean="0"/>
-              <a:t>5/30/2019</a:t>
+              <a:t>5/31/2019</a:t>
             </a:fld>
             <a:endParaRPr lang="en-US"/>
           </a:p>
@@ -5690,7 +6637,7 @@
           <a:p>
             <a:fld id="{63937D59-5EDB-4C39-B697-625748F703B6}" type="datetimeFigureOut">
               <a:rPr lang="en-US" smtClean="0"/>
-              <a:t>5/30/2019</a:t>
+              <a:t>5/31/2019</a:t>
             </a:fld>
             <a:endParaRPr lang="en-US"/>
           </a:p>
@@ -5935,7 +6882,7 @@
           <a:p>
             <a:fld id="{63937D59-5EDB-4C39-B697-625748F703B6}" type="datetimeFigureOut">
               <a:rPr lang="en-US" smtClean="0"/>
-              <a:t>5/30/2019</a:t>
+              <a:t>5/31/2019</a:t>
             </a:fld>
             <a:endParaRPr lang="en-US"/>
           </a:p>
@@ -6220,7 +7167,7 @@
           <a:p>
             <a:fld id="{63937D59-5EDB-4C39-B697-625748F703B6}" type="datetimeFigureOut">
               <a:rPr lang="en-US" smtClean="0"/>
-              <a:t>5/30/2019</a:t>
+              <a:t>5/31/2019</a:t>
             </a:fld>
             <a:endParaRPr lang="en-US"/>
           </a:p>
@@ -6639,7 +7586,7 @@
           <a:p>
             <a:fld id="{63937D59-5EDB-4C39-B697-625748F703B6}" type="datetimeFigureOut">
               <a:rPr lang="en-US" smtClean="0"/>
-              <a:t>5/30/2019</a:t>
+              <a:t>5/31/2019</a:t>
             </a:fld>
             <a:endParaRPr lang="en-US"/>
           </a:p>
@@ -7142,7 +8089,7 @@
           <a:p>
             <a:fld id="{63937D59-5EDB-4C39-B697-625748F703B6}" type="datetimeFigureOut">
               <a:rPr lang="en-US" smtClean="0"/>
-              <a:t>5/30/2019</a:t>
+              <a:t>5/31/2019</a:t>
             </a:fld>
             <a:endParaRPr lang="en-US"/>
           </a:p>
@@ -7725,7 +8672,7 @@
       <p:sp>
         <p:nvSpPr>
           <p:cNvPr id="7" name="TextBox 6">
-            <a:hlinkClick r:id="rId2"/>
+            <a:hlinkClick r:id="rId3"/>
           </p:cNvPr>
           <p:cNvSpPr txBox="1"/>
           <p:nvPr/>
@@ -7788,6 +8735,13 @@
       </p:transition>
     </mc:Fallback>
   </mc:AlternateContent>
+  <p:timing>
+    <p:tnLst>
+      <p:par>
+        <p:cTn id="1" dur="indefinite" restart="never" nodeType="tmRoot"/>
+      </p:par>
+    </p:tnLst>
+  </p:timing>
 </p:sld>
 </file>
 
@@ -7813,7 +8767,7 @@
           <p:cNvPr id="2" name="Titolo 1">
             <a:extLst>
               <a:ext uri="{FF2B5EF4-FFF2-40B4-BE49-F238E27FC236}">
-                <a16:creationId xmlns:a16="http://schemas.microsoft.com/office/drawing/2014/main" xmlns="" id="{43E3691C-E7C5-4E7F-886F-719EBDEB9EFA}"/>
+                <a16:creationId xmlns:a16="http://schemas.microsoft.com/office/drawing/2014/main" id="{43E3691C-E7C5-4E7F-886F-719EBDEB9EFA}"/>
               </a:ext>
             </a:extLst>
           </p:cNvPr>
@@ -7847,7 +8801,7 @@
           <p:cNvPr id="3" name="Segnaposto contenuto 2">
             <a:extLst>
               <a:ext uri="{FF2B5EF4-FFF2-40B4-BE49-F238E27FC236}">
-                <a16:creationId xmlns:a16="http://schemas.microsoft.com/office/drawing/2014/main" xmlns="" id="{115FDC09-7D9E-4775-A49D-99C41027671D}"/>
+                <a16:creationId xmlns:a16="http://schemas.microsoft.com/office/drawing/2014/main" id="{115FDC09-7D9E-4775-A49D-99C41027671D}"/>
               </a:ext>
             </a:extLst>
           </p:cNvPr>
@@ -7934,7 +8888,7 @@
           <p:cNvPr id="11" name="Picture 2" descr="Risultati immagini per drawing compass icon png">
             <a:extLst>
               <a:ext uri="{FF2B5EF4-FFF2-40B4-BE49-F238E27FC236}">
-                <a16:creationId xmlns:a16="http://schemas.microsoft.com/office/drawing/2014/main" xmlns="" id="{86E9AE74-996D-4422-87C9-670486194E12}"/>
+                <a16:creationId xmlns:a16="http://schemas.microsoft.com/office/drawing/2014/main" id="{86E9AE74-996D-4422-87C9-670486194E12}"/>
               </a:ext>
             </a:extLst>
           </p:cNvPr>
@@ -7998,6 +8952,13 @@
       </p:transition>
     </mc:Fallback>
   </mc:AlternateContent>
+  <p:timing>
+    <p:tnLst>
+      <p:par>
+        <p:cTn id="1" dur="indefinite" restart="never" nodeType="tmRoot"/>
+      </p:par>
+    </p:tnLst>
+  </p:timing>
 </p:sld>
 </file>
 
@@ -8020,10 +8981,922 @@
       </p:grpSpPr>
       <p:pic>
         <p:nvPicPr>
+          <p:cNvPr id="4" name="Segnaposto contenuto 4">
+            <a:extLst>
+              <a:ext uri="{FF2B5EF4-FFF2-40B4-BE49-F238E27FC236}">
+                <a16:creationId xmlns:a16="http://schemas.microsoft.com/office/drawing/2014/main" id="{06724221-2A70-4FF3-AF58-4AD43A923749}"/>
+              </a:ext>
+            </a:extLst>
+          </p:cNvPr>
+          <p:cNvPicPr>
+            <a:picLocks noGrp="1" noChangeAspect="1"/>
+          </p:cNvPicPr>
+          <p:nvPr>
+            <p:ph idx="1"/>
+          </p:nvPr>
+        </p:nvPicPr>
+        <p:blipFill rotWithShape="1">
+          <a:blip r:embed="rId3">
+            <a:extLst>
+              <a:ext uri="{28A0092B-C50C-407E-A947-70E740481C1C}">
+                <a14:useLocalDpi xmlns:a14="http://schemas.microsoft.com/office/drawing/2010/main" val="0"/>
+              </a:ext>
+            </a:extLst>
+          </a:blip>
+          <a:srcRect t="20251"/>
+          <a:stretch/>
+        </p:blipFill>
+        <p:spPr>
+          <a:xfrm>
+            <a:off x="1691680" y="1059582"/>
+            <a:ext cx="7016620" cy="3402768"/>
+          </a:xfrm>
+        </p:spPr>
+      </p:pic>
+      <p:sp>
+        <p:nvSpPr>
+          <p:cNvPr id="2" name="Rettangolo 1"/>
+          <p:cNvSpPr/>
+          <p:nvPr/>
+        </p:nvSpPr>
+        <p:spPr>
+          <a:xfrm>
+            <a:off x="6876256" y="1707654"/>
+            <a:ext cx="1008112" cy="288032"/>
+          </a:xfrm>
+          <a:prstGeom prst="rect">
+            <a:avLst/>
+          </a:prstGeom>
+          <a:solidFill>
+            <a:schemeClr val="bg1"/>
+          </a:solidFill>
+          <a:ln>
+            <a:solidFill>
+              <a:schemeClr val="bg1"/>
+            </a:solidFill>
+          </a:ln>
+        </p:spPr>
+        <p:style>
+          <a:lnRef idx="2">
+            <a:schemeClr val="accent1">
+              <a:shade val="50000"/>
+            </a:schemeClr>
+          </a:lnRef>
+          <a:fillRef idx="1">
+            <a:schemeClr val="accent1"/>
+          </a:fillRef>
+          <a:effectRef idx="0">
+            <a:schemeClr val="accent1"/>
+          </a:effectRef>
+          <a:fontRef idx="minor">
+            <a:schemeClr val="lt1"/>
+          </a:fontRef>
+        </p:style>
+        <p:txBody>
+          <a:bodyPr rtlCol="0" anchor="ctr"/>
+          <a:lstStyle/>
+          <a:p>
+            <a:pPr algn="ctr"/>
+            <a:r>
+              <a:rPr lang="it-IT" sz="1400" dirty="0" smtClean="0">
+                <a:solidFill>
+                  <a:schemeClr val="tx1"/>
+                </a:solidFill>
+              </a:rPr>
+              <a:t>simulator</a:t>
+            </a:r>
+            <a:endParaRPr lang="en-US" dirty="0">
+              <a:solidFill>
+                <a:schemeClr val="tx1"/>
+              </a:solidFill>
+            </a:endParaRPr>
+          </a:p>
+        </p:txBody>
+      </p:sp>
+      <p:sp>
+        <p:nvSpPr>
+          <p:cNvPr id="3" name="Rettangolo 2"/>
+          <p:cNvSpPr/>
+          <p:nvPr/>
+        </p:nvSpPr>
+        <p:spPr>
+          <a:xfrm>
+            <a:off x="6444208" y="2211710"/>
+            <a:ext cx="576064" cy="216024"/>
+          </a:xfrm>
+          <a:prstGeom prst="rect">
+            <a:avLst/>
+          </a:prstGeom>
+          <a:solidFill>
+            <a:schemeClr val="bg1"/>
+          </a:solidFill>
+          <a:ln>
+            <a:solidFill>
+              <a:schemeClr val="bg1"/>
+            </a:solidFill>
+          </a:ln>
+        </p:spPr>
+        <p:style>
+          <a:lnRef idx="2">
+            <a:schemeClr val="accent1">
+              <a:shade val="50000"/>
+            </a:schemeClr>
+          </a:lnRef>
+          <a:fillRef idx="1">
+            <a:schemeClr val="accent1"/>
+          </a:fillRef>
+          <a:effectRef idx="0">
+            <a:schemeClr val="accent1"/>
+          </a:effectRef>
+          <a:fontRef idx="minor">
+            <a:schemeClr val="lt1"/>
+          </a:fontRef>
+        </p:style>
+        <p:txBody>
+          <a:bodyPr rtlCol="0" anchor="ctr"/>
+          <a:lstStyle/>
+          <a:p>
+            <a:pPr algn="ctr"/>
+            <a:endParaRPr lang="en-US"/>
+          </a:p>
+        </p:txBody>
+      </p:sp>
+      <p:sp>
+        <p:nvSpPr>
+          <p:cNvPr id="5" name="Rettangolo 4"/>
+          <p:cNvSpPr/>
+          <p:nvPr/>
+        </p:nvSpPr>
+        <p:spPr>
+          <a:xfrm>
+            <a:off x="4788024" y="3795886"/>
+            <a:ext cx="576064" cy="216024"/>
+          </a:xfrm>
+          <a:prstGeom prst="rect">
+            <a:avLst/>
+          </a:prstGeom>
+          <a:solidFill>
+            <a:schemeClr val="bg1"/>
+          </a:solidFill>
+          <a:ln>
+            <a:solidFill>
+              <a:schemeClr val="bg1"/>
+            </a:solidFill>
+          </a:ln>
+        </p:spPr>
+        <p:style>
+          <a:lnRef idx="2">
+            <a:schemeClr val="accent1">
+              <a:shade val="50000"/>
+            </a:schemeClr>
+          </a:lnRef>
+          <a:fillRef idx="1">
+            <a:schemeClr val="accent1"/>
+          </a:fillRef>
+          <a:effectRef idx="0">
+            <a:schemeClr val="accent1"/>
+          </a:effectRef>
+          <a:fontRef idx="minor">
+            <a:schemeClr val="lt1"/>
+          </a:fontRef>
+        </p:style>
+        <p:txBody>
+          <a:bodyPr rtlCol="0" anchor="ctr"/>
+          <a:lstStyle/>
+          <a:p>
+            <a:pPr algn="ctr"/>
+            <a:endParaRPr lang="en-US"/>
+          </a:p>
+        </p:txBody>
+      </p:sp>
+      <p:sp>
+        <p:nvSpPr>
+          <p:cNvPr id="6" name="Titolo 1">
+            <a:extLst>
+              <a:ext uri="{FF2B5EF4-FFF2-40B4-BE49-F238E27FC236}">
+                <a16:creationId xmlns:a16="http://schemas.microsoft.com/office/drawing/2014/main" id="{03D1E91E-02F1-4511-A01C-D0B212221FDD}"/>
+              </a:ext>
+            </a:extLst>
+          </p:cNvPr>
+          <p:cNvSpPr>
+            <a:spLocks noGrp="1"/>
+          </p:cNvSpPr>
+          <p:nvPr>
+            <p:ph type="title"/>
+          </p:nvPr>
+        </p:nvSpPr>
+        <p:spPr>
+          <a:xfrm>
+            <a:off x="1184229" y="198409"/>
+            <a:ext cx="7524328" cy="884466"/>
+          </a:xfrm>
+        </p:spPr>
+        <p:txBody>
+          <a:bodyPr/>
+          <a:lstStyle/>
+          <a:p>
+            <a:pPr algn="ctr"/>
+            <a:r>
+              <a:rPr lang="it-CH" dirty="0" smtClean="0"/>
+              <a:t>ARCHITETTURA DEL SISTEMA</a:t>
+            </a:r>
+            <a:endParaRPr lang="it-CH" dirty="0"/>
+          </a:p>
+        </p:txBody>
+      </p:sp>
+    </p:spTree>
+    <p:extLst>
+      <p:ext uri="{BB962C8B-B14F-4D97-AF65-F5344CB8AC3E}">
+        <p14:creationId xmlns:p14="http://schemas.microsoft.com/office/powerpoint/2010/main" val="31495657"/>
+      </p:ext>
+    </p:extLst>
+  </p:cSld>
+  <p:clrMapOvr>
+    <a:masterClrMapping/>
+  </p:clrMapOvr>
+  <mc:AlternateContent xmlns:mc="http://schemas.openxmlformats.org/markup-compatibility/2006">
+    <mc:Choice xmlns:p159="http://schemas.microsoft.com/office/powerpoint/2015/09/main" xmlns="" Requires="p159">
+      <p:transition xmlns:p14="http://schemas.microsoft.com/office/powerpoint/2010/main" spd="slow" p14:dur="2000">
+        <p159:morph option="byWord"/>
+      </p:transition>
+    </mc:Choice>
+    <mc:Fallback>
+      <p:transition spd="slow">
+        <p:fade/>
+      </p:transition>
+    </mc:Fallback>
+  </mc:AlternateContent>
+  <p:timing>
+    <p:tnLst>
+      <p:par>
+        <p:cTn id="1" dur="indefinite" restart="never" nodeType="tmRoot"/>
+      </p:par>
+    </p:tnLst>
+  </p:timing>
+</p:sld>
+</file>
+
+<file path=ppt/slides/slide12.xml><?xml version="1.0" encoding="utf-8"?>
+<p:sld xmlns:a="http://schemas.openxmlformats.org/drawingml/2006/main" xmlns:r="http://schemas.openxmlformats.org/officeDocument/2006/relationships" xmlns:p="http://schemas.openxmlformats.org/presentationml/2006/main">
+  <p:cSld>
+    <p:spTree>
+      <p:nvGrpSpPr>
+        <p:cNvPr id="1" name=""/>
+        <p:cNvGrpSpPr/>
+        <p:nvPr/>
+      </p:nvGrpSpPr>
+      <p:grpSpPr>
+        <a:xfrm>
+          <a:off x="0" y="0"/>
+          <a:ext cx="0" cy="0"/>
+          <a:chOff x="0" y="0"/>
+          <a:chExt cx="0" cy="0"/>
+        </a:xfrm>
+      </p:grpSpPr>
+      <p:pic>
+        <p:nvPicPr>
+          <p:cNvPr id="5" name="Segnaposto contenuto 4">
+            <a:extLst>
+              <a:ext uri="{FF2B5EF4-FFF2-40B4-BE49-F238E27FC236}">
+                <a16:creationId xmlns:a16="http://schemas.microsoft.com/office/drawing/2014/main" id="{804BB337-DB27-4533-84B9-CB800299E362}"/>
+              </a:ext>
+            </a:extLst>
+          </p:cNvPr>
+          <p:cNvPicPr>
+            <a:picLocks noChangeAspect="1"/>
+          </p:cNvPicPr>
+          <p:nvPr/>
+        </p:nvPicPr>
+        <p:blipFill>
+          <a:blip r:embed="rId3">
+            <a:extLst>
+              <a:ext uri="{28A0092B-C50C-407E-A947-70E740481C1C}">
+                <a14:useLocalDpi xmlns:a14="http://schemas.microsoft.com/office/drawing/2010/main" val="0"/>
+              </a:ext>
+            </a:extLst>
+          </a:blip>
+          <a:stretch>
+            <a:fillRect/>
+          </a:stretch>
+        </p:blipFill>
+        <p:spPr>
+          <a:xfrm>
+            <a:off x="505968" y="1088429"/>
+            <a:ext cx="3968749" cy="2966640"/>
+          </a:xfrm>
+          <a:prstGeom prst="rect">
+            <a:avLst/>
+          </a:prstGeom>
+        </p:spPr>
+      </p:pic>
+      <p:pic>
+        <p:nvPicPr>
+          <p:cNvPr id="6" name="Immagine 5">
+            <a:extLst>
+              <a:ext uri="{FF2B5EF4-FFF2-40B4-BE49-F238E27FC236}">
+                <a16:creationId xmlns:a16="http://schemas.microsoft.com/office/drawing/2014/main" id="{192E8AA8-A80B-40A8-AD93-2590B71A07AB}"/>
+              </a:ext>
+            </a:extLst>
+          </p:cNvPr>
+          <p:cNvPicPr>
+            <a:picLocks noChangeAspect="1"/>
+          </p:cNvPicPr>
+          <p:nvPr/>
+        </p:nvPicPr>
+        <p:blipFill rotWithShape="1">
+          <a:blip r:embed="rId4">
+            <a:extLst>
+              <a:ext uri="{28A0092B-C50C-407E-A947-70E740481C1C}">
+                <a14:useLocalDpi xmlns:a14="http://schemas.microsoft.com/office/drawing/2010/main" val="0"/>
+              </a:ext>
+            </a:extLst>
+          </a:blip>
+          <a:srcRect l="2145" t="3659" r="2618" b="2944"/>
+          <a:stretch/>
+        </p:blipFill>
+        <p:spPr>
+          <a:xfrm>
+            <a:off x="4716016" y="1117087"/>
+            <a:ext cx="3968751" cy="2909325"/>
+          </a:xfrm>
+          <a:prstGeom prst="rect">
+            <a:avLst/>
+          </a:prstGeom>
+        </p:spPr>
+      </p:pic>
+      <p:sp>
+        <p:nvSpPr>
+          <p:cNvPr id="9" name="Titolo 1">
+            <a:extLst>
+              <a:ext uri="{FF2B5EF4-FFF2-40B4-BE49-F238E27FC236}">
+                <a16:creationId xmlns:a16="http://schemas.microsoft.com/office/drawing/2014/main" id="{03D1E91E-02F1-4511-A01C-D0B212221FDD}"/>
+              </a:ext>
+            </a:extLst>
+          </p:cNvPr>
+          <p:cNvSpPr>
+            <a:spLocks noGrp="1"/>
+          </p:cNvSpPr>
+          <p:nvPr>
+            <p:ph type="title"/>
+          </p:nvPr>
+        </p:nvSpPr>
+        <p:spPr>
+          <a:xfrm>
+            <a:off x="809836" y="201329"/>
+            <a:ext cx="7524328" cy="884466"/>
+          </a:xfrm>
+        </p:spPr>
+        <p:txBody>
+          <a:bodyPr/>
+          <a:lstStyle/>
+          <a:p>
+            <a:pPr algn="ctr"/>
+            <a:r>
+              <a:rPr lang="it-CH" dirty="0"/>
+              <a:t>DESIGN - </a:t>
+            </a:r>
+            <a:r>
+              <a:rPr lang="it-CH" dirty="0" err="1"/>
+              <a:t>DroneSimulator</a:t>
+            </a:r>
+            <a:endParaRPr lang="it-CH" dirty="0"/>
+          </a:p>
+        </p:txBody>
+      </p:sp>
+    </p:spTree>
+    <p:extLst>
+      <p:ext uri="{BB962C8B-B14F-4D97-AF65-F5344CB8AC3E}">
+        <p14:creationId xmlns:p14="http://schemas.microsoft.com/office/powerpoint/2010/main" val="2226349106"/>
+      </p:ext>
+    </p:extLst>
+  </p:cSld>
+  <p:clrMapOvr>
+    <a:masterClrMapping/>
+  </p:clrMapOvr>
+  <mc:AlternateContent xmlns:mc="http://schemas.openxmlformats.org/markup-compatibility/2006">
+    <mc:Choice xmlns:p159="http://schemas.microsoft.com/office/powerpoint/2015/09/main" xmlns="" Requires="p159">
+      <p:transition xmlns:p14="http://schemas.microsoft.com/office/powerpoint/2010/main" spd="slow" p14:dur="2000">
+        <p159:morph option="byWord"/>
+      </p:transition>
+    </mc:Choice>
+    <mc:Fallback>
+      <p:transition spd="slow">
+        <p:fade/>
+      </p:transition>
+    </mc:Fallback>
+  </mc:AlternateContent>
+  <p:timing>
+    <p:tnLst>
+      <p:par>
+        <p:cTn id="1" dur="indefinite" restart="never" nodeType="tmRoot"/>
+      </p:par>
+    </p:tnLst>
+  </p:timing>
+</p:sld>
+</file>
+
+<file path=ppt/slides/slide13.xml><?xml version="1.0" encoding="utf-8"?>
+<p:sld xmlns:a="http://schemas.openxmlformats.org/drawingml/2006/main" xmlns:r="http://schemas.openxmlformats.org/officeDocument/2006/relationships" xmlns:p="http://schemas.openxmlformats.org/presentationml/2006/main">
+  <p:cSld>
+    <p:bg>
+      <p:bgPr>
+        <a:solidFill>
+          <a:schemeClr val="bg1"/>
+        </a:solidFill>
+        <a:effectLst/>
+      </p:bgPr>
+    </p:bg>
+    <p:spTree>
+      <p:nvGrpSpPr>
+        <p:cNvPr id="1" name=""/>
+        <p:cNvGrpSpPr/>
+        <p:nvPr/>
+      </p:nvGrpSpPr>
+      <p:grpSpPr>
+        <a:xfrm>
+          <a:off x="0" y="0"/>
+          <a:ext cx="0" cy="0"/>
+          <a:chOff x="0" y="0"/>
+          <a:chExt cx="0" cy="0"/>
+        </a:xfrm>
+      </p:grpSpPr>
+      <p:pic>
+        <p:nvPicPr>
+          <p:cNvPr id="8" name="Immagine 7" descr="Immagine che contiene screenshot&#10;&#10;Descrizione generata con affidabilità molto elevata">
+            <a:extLst>
+              <a:ext uri="{FF2B5EF4-FFF2-40B4-BE49-F238E27FC236}">
+                <a16:creationId xmlns:a16="http://schemas.microsoft.com/office/drawing/2014/main" id="{7DA299B0-DDA3-44F6-9B72-80222BFF4D38}"/>
+              </a:ext>
+            </a:extLst>
+          </p:cNvPr>
+          <p:cNvPicPr>
+            <a:picLocks noChangeAspect="1"/>
+          </p:cNvPicPr>
+          <p:nvPr/>
+        </p:nvPicPr>
+        <p:blipFill>
+          <a:blip r:embed="rId3">
+            <a:extLst>
+              <a:ext uri="{28A0092B-C50C-407E-A947-70E740481C1C}">
+                <a14:useLocalDpi xmlns:a14="http://schemas.microsoft.com/office/drawing/2010/main" val="0"/>
+              </a:ext>
+            </a:extLst>
+          </a:blip>
+          <a:stretch>
+            <a:fillRect/>
+          </a:stretch>
+        </p:blipFill>
+        <p:spPr>
+          <a:xfrm>
+            <a:off x="363474" y="1326413"/>
+            <a:ext cx="1920240" cy="2486064"/>
+          </a:xfrm>
+          <a:prstGeom prst="rect">
+            <a:avLst/>
+          </a:prstGeom>
+        </p:spPr>
+      </p:pic>
+      <p:cxnSp>
+        <p:nvCxnSpPr>
+          <p:cNvPr id="14" name="Straight Connector 13">
+            <a:extLst>
+              <a:ext uri="{FF2B5EF4-FFF2-40B4-BE49-F238E27FC236}">
+                <a16:creationId xmlns:a16="http://schemas.microsoft.com/office/drawing/2014/main" id="{50DA1EB8-87CF-4588-A1FD-4756F9A28F6B}"/>
+              </a:ext>
+              <a:ext uri="{C183D7F6-B498-43B3-948B-1728B52AA6E4}">
+                <adec:decorative xmlns:adec="http://schemas.microsoft.com/office/drawing/2017/decorative" xmlns="" val="1"/>
+              </a:ext>
+            </a:extLst>
+          </p:cNvPr>
+          <p:cNvCxnSpPr>
+            <a:cxnSpLocks noGrp="1" noRot="1" noChangeAspect="1" noMove="1" noResize="1" noEditPoints="1" noAdjustHandles="1" noChangeArrowheads="1" noChangeShapeType="1"/>
+          </p:cNvCxnSpPr>
+          <p:nvPr>
+            <p:extLst>
+              <p:ext uri="{386F3935-93C4-4BCD-93E2-E3B085C9AB24}">
+                <p16:designElem xmlns:p16="http://schemas.microsoft.com/office/powerpoint/2015/main" val="1"/>
+              </p:ext>
+            </p:extLst>
+          </p:nvPr>
+        </p:nvCxnSpPr>
+        <p:spPr>
+          <a:xfrm>
+            <a:off x="2407559" y="1180415"/>
+            <a:ext cx="0" cy="2782670"/>
+          </a:xfrm>
+          <a:prstGeom prst="line">
+            <a:avLst/>
+          </a:prstGeom>
+          <a:ln w="19050">
+            <a:solidFill>
+              <a:srgbClr val="7F7F7F"/>
+            </a:solidFill>
+          </a:ln>
+        </p:spPr>
+        <p:style>
+          <a:lnRef idx="1">
+            <a:schemeClr val="accent1"/>
+          </a:lnRef>
+          <a:fillRef idx="0">
+            <a:schemeClr val="accent1"/>
+          </a:fillRef>
+          <a:effectRef idx="0">
+            <a:schemeClr val="accent1"/>
+          </a:effectRef>
+          <a:fontRef idx="minor">
+            <a:schemeClr val="tx1"/>
+          </a:fontRef>
+        </p:style>
+      </p:cxnSp>
+      <p:pic>
+        <p:nvPicPr>
+          <p:cNvPr id="4" name="Immagine 3" descr="Immagine che contiene screenshot&#10;&#10;Descrizione generata con affidabilità molto elevata">
+            <a:extLst>
+              <a:ext uri="{FF2B5EF4-FFF2-40B4-BE49-F238E27FC236}">
+                <a16:creationId xmlns:a16="http://schemas.microsoft.com/office/drawing/2014/main" id="{82C66964-43AC-41F6-BA80-FBE58CA9B01B}"/>
+              </a:ext>
+            </a:extLst>
+          </p:cNvPr>
+          <p:cNvPicPr>
+            <a:picLocks noChangeAspect="1"/>
+          </p:cNvPicPr>
+          <p:nvPr/>
+        </p:nvPicPr>
+        <p:blipFill>
+          <a:blip r:embed="rId4">
+            <a:extLst>
+              <a:ext uri="{28A0092B-C50C-407E-A947-70E740481C1C}">
+                <a14:useLocalDpi xmlns:a14="http://schemas.microsoft.com/office/drawing/2010/main" val="0"/>
+              </a:ext>
+            </a:extLst>
+          </a:blip>
+          <a:stretch>
+            <a:fillRect/>
+          </a:stretch>
+        </p:blipFill>
+        <p:spPr>
+          <a:xfrm>
+            <a:off x="2515973" y="1330580"/>
+            <a:ext cx="1920240" cy="2477729"/>
+          </a:xfrm>
+          <a:prstGeom prst="rect">
+            <a:avLst/>
+          </a:prstGeom>
+        </p:spPr>
+      </p:pic>
+      <p:cxnSp>
+        <p:nvCxnSpPr>
+          <p:cNvPr id="16" name="Straight Connector 15">
+            <a:extLst>
+              <a:ext uri="{FF2B5EF4-FFF2-40B4-BE49-F238E27FC236}">
+                <a16:creationId xmlns:a16="http://schemas.microsoft.com/office/drawing/2014/main" id="{D7A4E378-EA57-47B9-B1EB-58B998F6CFFB}"/>
+              </a:ext>
+              <a:ext uri="{C183D7F6-B498-43B3-948B-1728B52AA6E4}">
+                <adec:decorative xmlns:adec="http://schemas.microsoft.com/office/drawing/2017/decorative" xmlns="" val="1"/>
+              </a:ext>
+            </a:extLst>
+          </p:cNvPr>
+          <p:cNvCxnSpPr>
+            <a:cxnSpLocks noGrp="1" noRot="1" noChangeAspect="1" noMove="1" noResize="1" noEditPoints="1" noAdjustHandles="1" noChangeArrowheads="1" noChangeShapeType="1"/>
+          </p:cNvCxnSpPr>
+          <p:nvPr>
+            <p:extLst>
+              <p:ext uri="{386F3935-93C4-4BCD-93E2-E3B085C9AB24}">
+                <p16:designElem xmlns:p16="http://schemas.microsoft.com/office/powerpoint/2015/main" val="1"/>
+              </p:ext>
+            </p:extLst>
+          </p:nvPr>
+        </p:nvCxnSpPr>
+        <p:spPr>
+          <a:xfrm>
+            <a:off x="4554446" y="1180415"/>
+            <a:ext cx="0" cy="2782670"/>
+          </a:xfrm>
+          <a:prstGeom prst="line">
+            <a:avLst/>
+          </a:prstGeom>
+          <a:ln w="19050">
+            <a:solidFill>
+              <a:srgbClr val="7F7F7F"/>
+            </a:solidFill>
+          </a:ln>
+        </p:spPr>
+        <p:style>
+          <a:lnRef idx="1">
+            <a:schemeClr val="accent1"/>
+          </a:lnRef>
+          <a:fillRef idx="0">
+            <a:schemeClr val="accent1"/>
+          </a:fillRef>
+          <a:effectRef idx="0">
+            <a:schemeClr val="accent1"/>
+          </a:effectRef>
+          <a:fontRef idx="minor">
+            <a:schemeClr val="tx1"/>
+          </a:fontRef>
+        </p:style>
+      </p:cxnSp>
+      <p:pic>
+        <p:nvPicPr>
+          <p:cNvPr id="9" name="Immagine 8" descr="Immagine che contiene screenshot&#10;&#10;Descrizione generata con affidabilità molto elevata">
+            <a:extLst>
+              <a:ext uri="{FF2B5EF4-FFF2-40B4-BE49-F238E27FC236}">
+                <a16:creationId xmlns:a16="http://schemas.microsoft.com/office/drawing/2014/main" id="{836DA3D5-DDA6-4CE7-A78E-28031D04955D}"/>
+              </a:ext>
+            </a:extLst>
+          </p:cNvPr>
+          <p:cNvPicPr>
+            <a:picLocks noChangeAspect="1"/>
+          </p:cNvPicPr>
+          <p:nvPr/>
+        </p:nvPicPr>
+        <p:blipFill>
+          <a:blip r:embed="rId5">
+            <a:extLst>
+              <a:ext uri="{28A0092B-C50C-407E-A947-70E740481C1C}">
+                <a14:useLocalDpi xmlns:a14="http://schemas.microsoft.com/office/drawing/2010/main" val="0"/>
+              </a:ext>
+            </a:extLst>
+          </a:blip>
+          <a:stretch>
+            <a:fillRect/>
+          </a:stretch>
+        </p:blipFill>
+        <p:spPr>
+          <a:xfrm>
+            <a:off x="4676794" y="1330868"/>
+            <a:ext cx="1920240" cy="2477154"/>
+          </a:xfrm>
+          <a:prstGeom prst="rect">
+            <a:avLst/>
+          </a:prstGeom>
+        </p:spPr>
+      </p:pic>
+      <p:cxnSp>
+        <p:nvCxnSpPr>
+          <p:cNvPr id="18" name="Straight Connector 17">
+            <a:extLst>
+              <a:ext uri="{FF2B5EF4-FFF2-40B4-BE49-F238E27FC236}">
+                <a16:creationId xmlns:a16="http://schemas.microsoft.com/office/drawing/2014/main" id="{D2B31ED6-76F0-425A-9A41-C947AEF9C145}"/>
+              </a:ext>
+              <a:ext uri="{C183D7F6-B498-43B3-948B-1728B52AA6E4}">
+                <adec:decorative xmlns:adec="http://schemas.microsoft.com/office/drawing/2017/decorative" xmlns="" val="1"/>
+              </a:ext>
+            </a:extLst>
+          </p:cNvPr>
+          <p:cNvCxnSpPr>
+            <a:cxnSpLocks noGrp="1" noRot="1" noChangeAspect="1" noMove="1" noResize="1" noEditPoints="1" noAdjustHandles="1" noChangeArrowheads="1" noChangeShapeType="1"/>
+          </p:cNvCxnSpPr>
+          <p:nvPr>
+            <p:extLst>
+              <p:ext uri="{386F3935-93C4-4BCD-93E2-E3B085C9AB24}">
+                <p16:designElem xmlns:p16="http://schemas.microsoft.com/office/powerpoint/2015/main" val="1"/>
+              </p:ext>
+            </p:extLst>
+          </p:nvPr>
+        </p:nvCxnSpPr>
+        <p:spPr>
+          <a:xfrm>
+            <a:off x="6717465" y="1180415"/>
+            <a:ext cx="0" cy="2782670"/>
+          </a:xfrm>
+          <a:prstGeom prst="line">
+            <a:avLst/>
+          </a:prstGeom>
+          <a:ln w="19050">
+            <a:solidFill>
+              <a:srgbClr val="7F7F7F"/>
+            </a:solidFill>
+          </a:ln>
+        </p:spPr>
+        <p:style>
+          <a:lnRef idx="1">
+            <a:schemeClr val="accent1"/>
+          </a:lnRef>
+          <a:fillRef idx="0">
+            <a:schemeClr val="accent1"/>
+          </a:fillRef>
+          <a:effectRef idx="0">
+            <a:schemeClr val="accent1"/>
+          </a:effectRef>
+          <a:fontRef idx="minor">
+            <a:schemeClr val="tx1"/>
+          </a:fontRef>
+        </p:style>
+      </p:cxnSp>
+      <p:pic>
+        <p:nvPicPr>
+          <p:cNvPr id="7" name="Immagine 6" descr="Immagine che contiene screenshot&#10;&#10;Descrizione generata con affidabilità molto elevata">
+            <a:extLst>
+              <a:ext uri="{FF2B5EF4-FFF2-40B4-BE49-F238E27FC236}">
+                <a16:creationId xmlns:a16="http://schemas.microsoft.com/office/drawing/2014/main" id="{28249DBB-DE52-4089-9A76-2243FE313FEA}"/>
+              </a:ext>
+            </a:extLst>
+          </p:cNvPr>
+          <p:cNvPicPr>
+            <a:picLocks noChangeAspect="1"/>
+          </p:cNvPicPr>
+          <p:nvPr/>
+        </p:nvPicPr>
+        <p:blipFill>
+          <a:blip r:embed="rId6">
+            <a:extLst>
+              <a:ext uri="{28A0092B-C50C-407E-A947-70E740481C1C}">
+                <a14:useLocalDpi xmlns:a14="http://schemas.microsoft.com/office/drawing/2010/main" val="0"/>
+              </a:ext>
+            </a:extLst>
+          </a:blip>
+          <a:stretch>
+            <a:fillRect/>
+          </a:stretch>
+        </p:blipFill>
+        <p:spPr>
+          <a:xfrm>
+            <a:off x="6840496" y="1333096"/>
+            <a:ext cx="1920240" cy="2472698"/>
+          </a:xfrm>
+          <a:prstGeom prst="rect">
+            <a:avLst/>
+          </a:prstGeom>
+        </p:spPr>
+      </p:pic>
+      <p:sp>
+        <p:nvSpPr>
+          <p:cNvPr id="11" name="Titolo 1">
+            <a:extLst>
+              <a:ext uri="{FF2B5EF4-FFF2-40B4-BE49-F238E27FC236}">
+                <a16:creationId xmlns:a16="http://schemas.microsoft.com/office/drawing/2014/main" id="{D929E7EF-A7BB-487F-B14C-09078E1EAFF1}"/>
+              </a:ext>
+            </a:extLst>
+          </p:cNvPr>
+          <p:cNvSpPr>
+            <a:spLocks noGrp="1"/>
+          </p:cNvSpPr>
+          <p:nvPr>
+            <p:ph type="title"/>
+          </p:nvPr>
+        </p:nvSpPr>
+        <p:spPr>
+          <a:xfrm>
+            <a:off x="809836" y="123478"/>
+            <a:ext cx="7524328" cy="884466"/>
+          </a:xfrm>
+        </p:spPr>
+        <p:txBody>
+          <a:bodyPr/>
+          <a:lstStyle/>
+          <a:p>
+            <a:pPr algn="ctr"/>
+            <a:r>
+              <a:rPr lang="it-CH" dirty="0"/>
+              <a:t>DESIGN - </a:t>
+            </a:r>
+            <a:r>
+              <a:rPr lang="it-IT" dirty="0" err="1"/>
+              <a:t>DroneController</a:t>
+            </a:r>
+            <a:endParaRPr lang="it-CH" dirty="0"/>
+          </a:p>
+        </p:txBody>
+      </p:sp>
+    </p:spTree>
+    <p:extLst>
+      <p:ext uri="{BB962C8B-B14F-4D97-AF65-F5344CB8AC3E}">
+        <p14:creationId xmlns:p14="http://schemas.microsoft.com/office/powerpoint/2010/main" val="1219349396"/>
+      </p:ext>
+    </p:extLst>
+  </p:cSld>
+  <p:clrMapOvr>
+    <a:masterClrMapping/>
+  </p:clrMapOvr>
+  <mc:AlternateContent xmlns:mc="http://schemas.openxmlformats.org/markup-compatibility/2006">
+    <mc:Choice xmlns:p159="http://schemas.microsoft.com/office/powerpoint/2015/09/main" xmlns="" Requires="p159">
+      <p:transition xmlns:p14="http://schemas.microsoft.com/office/powerpoint/2010/main" spd="slow" p14:dur="2000">
+        <p159:morph option="byWord"/>
+      </p:transition>
+    </mc:Choice>
+    <mc:Fallback>
+      <p:transition spd="slow">
+        <p:fade/>
+      </p:transition>
+    </mc:Fallback>
+  </mc:AlternateContent>
+  <p:timing>
+    <p:tnLst>
+      <p:par>
+        <p:cTn id="1" dur="indefinite" restart="never" nodeType="tmRoot"/>
+      </p:par>
+    </p:tnLst>
+  </p:timing>
+</p:sld>
+</file>
+
+<file path=ppt/slides/slide14.xml><?xml version="1.0" encoding="utf-8"?>
+<p:sld xmlns:a="http://schemas.openxmlformats.org/drawingml/2006/main" xmlns:r="http://schemas.openxmlformats.org/officeDocument/2006/relationships" xmlns:p="http://schemas.openxmlformats.org/presentationml/2006/main">
+  <p:cSld>
+    <p:spTree>
+      <p:nvGrpSpPr>
+        <p:cNvPr id="1" name=""/>
+        <p:cNvGrpSpPr/>
+        <p:nvPr/>
+      </p:nvGrpSpPr>
+      <p:grpSpPr>
+        <a:xfrm>
+          <a:off x="0" y="0"/>
+          <a:ext cx="0" cy="0"/>
+          <a:chOff x="0" y="0"/>
+          <a:chExt cx="0" cy="0"/>
+        </a:xfrm>
+      </p:grpSpPr>
+      <p:sp>
+        <p:nvSpPr>
+          <p:cNvPr id="2" name="Titolo 1">
+            <a:extLst>
+              <a:ext uri="{FF2B5EF4-FFF2-40B4-BE49-F238E27FC236}">
+                <a16:creationId xmlns:a16="http://schemas.microsoft.com/office/drawing/2014/main" id="{D9D1A5C6-17BF-4092-A0E1-85A255481368}"/>
+              </a:ext>
+            </a:extLst>
+          </p:cNvPr>
+          <p:cNvSpPr>
+            <a:spLocks noGrp="1"/>
+          </p:cNvSpPr>
+          <p:nvPr>
+            <p:ph type="title"/>
+          </p:nvPr>
+        </p:nvSpPr>
+        <p:spPr>
+          <a:xfrm>
+            <a:off x="0" y="0"/>
+            <a:ext cx="9144000" cy="4731990"/>
+          </a:xfrm>
+        </p:spPr>
+        <p:txBody>
+          <a:bodyPr/>
+          <a:lstStyle/>
+          <a:p>
+            <a:pPr algn="ctr"/>
+            <a:r>
+              <a:rPr lang="it-CH" sz="5400" dirty="0"/>
+              <a:t>IMPLEMENTAZIONE</a:t>
+            </a:r>
+          </a:p>
+        </p:txBody>
+      </p:sp>
+    </p:spTree>
+    <p:extLst>
+      <p:ext uri="{BB962C8B-B14F-4D97-AF65-F5344CB8AC3E}">
+        <p14:creationId xmlns:p14="http://schemas.microsoft.com/office/powerpoint/2010/main" val="2631092496"/>
+      </p:ext>
+    </p:extLst>
+  </p:cSld>
+  <p:clrMapOvr>
+    <a:masterClrMapping/>
+  </p:clrMapOvr>
+  <mc:AlternateContent xmlns:mc="http://schemas.openxmlformats.org/markup-compatibility/2006">
+    <mc:Choice xmlns:p159="http://schemas.microsoft.com/office/powerpoint/2015/09/main" xmlns="" Requires="p159">
+      <p:transition xmlns:p14="http://schemas.microsoft.com/office/powerpoint/2010/main" spd="slow" p14:dur="2000">
+        <p159:morph option="byWord"/>
+      </p:transition>
+    </mc:Choice>
+    <mc:Fallback>
+      <p:transition spd="slow">
+        <p:fade/>
+      </p:transition>
+    </mc:Fallback>
+  </mc:AlternateContent>
+  <p:timing>
+    <p:tnLst>
+      <p:par>
+        <p:cTn id="1" dur="indefinite" restart="never" nodeType="tmRoot"/>
+      </p:par>
+    </p:tnLst>
+  </p:timing>
+</p:sld>
+</file>
+
+<file path=ppt/slides/slide15.xml><?xml version="1.0" encoding="utf-8"?>
+<p:sld xmlns:a="http://schemas.openxmlformats.org/drawingml/2006/main" xmlns:r="http://schemas.openxmlformats.org/officeDocument/2006/relationships" xmlns:p="http://schemas.openxmlformats.org/presentationml/2006/main">
+  <p:cSld>
+    <p:spTree>
+      <p:nvGrpSpPr>
+        <p:cNvPr id="1" name=""/>
+        <p:cNvGrpSpPr/>
+        <p:nvPr/>
+      </p:nvGrpSpPr>
+      <p:grpSpPr>
+        <a:xfrm>
+          <a:off x="0" y="0"/>
+          <a:ext cx="0" cy="0"/>
+          <a:chOff x="0" y="0"/>
+          <a:chExt cx="0" cy="0"/>
+        </a:xfrm>
+      </p:grpSpPr>
+      <p:pic>
+        <p:nvPicPr>
           <p:cNvPr id="4" name="Immagine 3">
             <a:extLst>
               <a:ext uri="{FF2B5EF4-FFF2-40B4-BE49-F238E27FC236}">
-                <a16:creationId xmlns:a16="http://schemas.microsoft.com/office/drawing/2014/main" xmlns="" id="{2B8F7693-77E0-46D7-A71B-EB51867D50C3}"/>
+                <a16:creationId xmlns:a16="http://schemas.microsoft.com/office/drawing/2014/main" id="{2B8F7693-77E0-46D7-A71B-EB51867D50C3}"/>
               </a:ext>
             </a:extLst>
           </p:cNvPr>
@@ -8076,10 +9949,1565 @@
       </p:transition>
     </mc:Fallback>
   </mc:AlternateContent>
+  <p:timing>
+    <p:tnLst>
+      <p:par>
+        <p:cTn id="1" dur="indefinite" restart="never" nodeType="tmRoot"/>
+      </p:par>
+    </p:tnLst>
+  </p:timing>
 </p:sld>
 </file>
 
-<file path=ppt/slides/slide12.xml><?xml version="1.0" encoding="utf-8"?>
+<file path=ppt/slides/slide16.xml><?xml version="1.0" encoding="utf-8"?>
+<p:sld xmlns:a="http://schemas.openxmlformats.org/drawingml/2006/main" xmlns:r="http://schemas.openxmlformats.org/officeDocument/2006/relationships" xmlns:p="http://schemas.openxmlformats.org/presentationml/2006/main">
+  <p:cSld>
+    <p:spTree>
+      <p:nvGrpSpPr>
+        <p:cNvPr id="1" name=""/>
+        <p:cNvGrpSpPr/>
+        <p:nvPr/>
+      </p:nvGrpSpPr>
+      <p:grpSpPr>
+        <a:xfrm>
+          <a:off x="0" y="0"/>
+          <a:ext cx="0" cy="0"/>
+          <a:chOff x="0" y="0"/>
+          <a:chExt cx="0" cy="0"/>
+        </a:xfrm>
+      </p:grpSpPr>
+      <p:sp>
+        <p:nvSpPr>
+          <p:cNvPr id="2" name="Titolo 1">
+            <a:extLst>
+              <a:ext uri="{FF2B5EF4-FFF2-40B4-BE49-F238E27FC236}">
+                <a16:creationId xmlns:a16="http://schemas.microsoft.com/office/drawing/2014/main" id="{1C9728DE-DCC3-47F3-A9A7-4840BBF3A649}"/>
+              </a:ext>
+            </a:extLst>
+          </p:cNvPr>
+          <p:cNvSpPr>
+            <a:spLocks noGrp="1"/>
+          </p:cNvSpPr>
+          <p:nvPr>
+            <p:ph type="title"/>
+          </p:nvPr>
+        </p:nvSpPr>
+        <p:spPr/>
+        <p:txBody>
+          <a:bodyPr/>
+          <a:lstStyle/>
+          <a:p>
+            <a:r>
+              <a:rPr lang="it-CH" dirty="0" err="1" smtClean="0"/>
+              <a:t>DroneController</a:t>
+            </a:r>
+            <a:endParaRPr lang="it-CH" dirty="0"/>
+          </a:p>
+        </p:txBody>
+      </p:sp>
+      <p:sp>
+        <p:nvSpPr>
+          <p:cNvPr id="3" name="Segnaposto contenuto 2">
+            <a:extLst>
+              <a:ext uri="{FF2B5EF4-FFF2-40B4-BE49-F238E27FC236}">
+                <a16:creationId xmlns:a16="http://schemas.microsoft.com/office/drawing/2014/main" id="{A9782E92-4646-4216-BC0B-9AFBD5130E30}"/>
+              </a:ext>
+            </a:extLst>
+          </p:cNvPr>
+          <p:cNvSpPr>
+            <a:spLocks noGrp="1"/>
+          </p:cNvSpPr>
+          <p:nvPr>
+            <p:ph idx="1"/>
+          </p:nvPr>
+        </p:nvSpPr>
+        <p:spPr>
+          <a:xfrm>
+            <a:off x="2000747" y="884466"/>
+            <a:ext cx="6912768" cy="460648"/>
+          </a:xfrm>
+        </p:spPr>
+        <p:txBody>
+          <a:bodyPr/>
+          <a:lstStyle/>
+          <a:p>
+            <a:r>
+              <a:rPr lang="it-CH" sz="2800" dirty="0" smtClean="0"/>
+              <a:t>Classe </a:t>
+            </a:r>
+            <a:r>
+              <a:rPr lang="it-CH" sz="2800" dirty="0" err="1" smtClean="0"/>
+              <a:t>DroneController</a:t>
+            </a:r>
+            <a:endParaRPr lang="it-CH" sz="2800" dirty="0"/>
+          </a:p>
+        </p:txBody>
+      </p:sp>
+      <p:sp>
+        <p:nvSpPr>
+          <p:cNvPr id="4" name="Segnaposto contenuto 3">
+            <a:extLst>
+              <a:ext uri="{FF2B5EF4-FFF2-40B4-BE49-F238E27FC236}">
+                <a16:creationId xmlns:a16="http://schemas.microsoft.com/office/drawing/2014/main" id="{13544A92-8328-4004-96C8-B60363828F13}"/>
+              </a:ext>
+            </a:extLst>
+          </p:cNvPr>
+          <p:cNvSpPr>
+            <a:spLocks noGrp="1"/>
+          </p:cNvSpPr>
+          <p:nvPr>
+            <p:ph idx="10"/>
+          </p:nvPr>
+        </p:nvSpPr>
+        <p:spPr/>
+        <p:txBody>
+          <a:bodyPr/>
+          <a:lstStyle/>
+          <a:p>
+            <a:pPr marL="285750" indent="-285750">
+              <a:lnSpc>
+                <a:spcPct val="150000"/>
+              </a:lnSpc>
+              <a:buFont typeface="Arial" panose="020B0604020202020204" pitchFamily="34" charset="0"/>
+              <a:buChar char="•"/>
+            </a:pPr>
+            <a:r>
+              <a:rPr lang="it-CH" sz="2000" dirty="0" smtClean="0"/>
+              <a:t>Legge movimenti attraverso </a:t>
+            </a:r>
+            <a:r>
+              <a:rPr lang="it-CH" sz="2000" dirty="0" err="1" smtClean="0"/>
+              <a:t>LeapMotion</a:t>
+            </a:r>
+            <a:endParaRPr lang="it-CH" sz="2000" dirty="0"/>
+          </a:p>
+          <a:p>
+            <a:pPr marL="285750" indent="-285750">
+              <a:lnSpc>
+                <a:spcPct val="150000"/>
+              </a:lnSpc>
+              <a:buFont typeface="Arial" panose="020B0604020202020204" pitchFamily="34" charset="0"/>
+              <a:buChar char="•"/>
+            </a:pPr>
+            <a:r>
+              <a:rPr lang="it-CH" sz="2000" dirty="0" smtClean="0"/>
+              <a:t>Inviati al Drone</a:t>
+            </a:r>
+          </a:p>
+          <a:p>
+            <a:pPr marL="1028700" lvl="1">
+              <a:lnSpc>
+                <a:spcPct val="150000"/>
+              </a:lnSpc>
+              <a:buFont typeface="Arial" panose="020B0604020202020204" pitchFamily="34" charset="0"/>
+              <a:buChar char="•"/>
+            </a:pPr>
+            <a:r>
+              <a:rPr lang="it-CH" sz="2000" dirty="0" err="1" smtClean="0"/>
+              <a:t>CommandManager</a:t>
+            </a:r>
+            <a:endParaRPr lang="it-CH" sz="2000" dirty="0"/>
+          </a:p>
+        </p:txBody>
+      </p:sp>
+    </p:spTree>
+    <p:extLst>
+      <p:ext uri="{BB962C8B-B14F-4D97-AF65-F5344CB8AC3E}">
+        <p14:creationId xmlns:p14="http://schemas.microsoft.com/office/powerpoint/2010/main" val="1615021837"/>
+      </p:ext>
+    </p:extLst>
+  </p:cSld>
+  <p:clrMapOvr>
+    <a:masterClrMapping/>
+  </p:clrMapOvr>
+  <mc:AlternateContent xmlns:mc="http://schemas.openxmlformats.org/markup-compatibility/2006">
+    <mc:Choice xmlns:p159="http://schemas.microsoft.com/office/powerpoint/2015/09/main" xmlns="" Requires="p159">
+      <p:transition xmlns:p14="http://schemas.microsoft.com/office/powerpoint/2010/main" spd="slow" p14:dur="2000">
+        <p159:morph option="byWord"/>
+      </p:transition>
+    </mc:Choice>
+    <mc:Fallback>
+      <p:transition spd="slow">
+        <p:fade/>
+      </p:transition>
+    </mc:Fallback>
+  </mc:AlternateContent>
+  <p:timing>
+    <p:tnLst>
+      <p:par>
+        <p:cTn id="1" dur="indefinite" restart="never" nodeType="tmRoot"/>
+      </p:par>
+    </p:tnLst>
+  </p:timing>
+</p:sld>
+</file>
+
+<file path=ppt/slides/slide17.xml><?xml version="1.0" encoding="utf-8"?>
+<p:sld xmlns:a="http://schemas.openxmlformats.org/drawingml/2006/main" xmlns:r="http://schemas.openxmlformats.org/officeDocument/2006/relationships" xmlns:p="http://schemas.openxmlformats.org/presentationml/2006/main">
+  <p:cSld>
+    <p:spTree>
+      <p:nvGrpSpPr>
+        <p:cNvPr id="1" name=""/>
+        <p:cNvGrpSpPr/>
+        <p:nvPr/>
+      </p:nvGrpSpPr>
+      <p:grpSpPr>
+        <a:xfrm>
+          <a:off x="0" y="0"/>
+          <a:ext cx="0" cy="0"/>
+          <a:chOff x="0" y="0"/>
+          <a:chExt cx="0" cy="0"/>
+        </a:xfrm>
+      </p:grpSpPr>
+      <p:sp>
+        <p:nvSpPr>
+          <p:cNvPr id="2" name="Titolo 1">
+            <a:extLst>
+              <a:ext uri="{FF2B5EF4-FFF2-40B4-BE49-F238E27FC236}">
+                <a16:creationId xmlns:a16="http://schemas.microsoft.com/office/drawing/2014/main" id="{1C9728DE-DCC3-47F3-A9A7-4840BBF3A649}"/>
+              </a:ext>
+            </a:extLst>
+          </p:cNvPr>
+          <p:cNvSpPr>
+            <a:spLocks noGrp="1"/>
+          </p:cNvSpPr>
+          <p:nvPr>
+            <p:ph type="title"/>
+          </p:nvPr>
+        </p:nvSpPr>
+        <p:spPr/>
+        <p:txBody>
+          <a:bodyPr/>
+          <a:lstStyle/>
+          <a:p>
+            <a:r>
+              <a:rPr lang="it-CH" dirty="0" err="1"/>
+              <a:t>DroneController</a:t>
+            </a:r>
+            <a:endParaRPr lang="it-CH" dirty="0"/>
+          </a:p>
+        </p:txBody>
+      </p:sp>
+      <p:sp>
+        <p:nvSpPr>
+          <p:cNvPr id="3" name="Segnaposto contenuto 2">
+            <a:extLst>
+              <a:ext uri="{FF2B5EF4-FFF2-40B4-BE49-F238E27FC236}">
+                <a16:creationId xmlns:a16="http://schemas.microsoft.com/office/drawing/2014/main" id="{A9782E92-4646-4216-BC0B-9AFBD5130E30}"/>
+              </a:ext>
+            </a:extLst>
+          </p:cNvPr>
+          <p:cNvSpPr>
+            <a:spLocks noGrp="1"/>
+          </p:cNvSpPr>
+          <p:nvPr>
+            <p:ph idx="1"/>
+          </p:nvPr>
+        </p:nvSpPr>
+        <p:spPr>
+          <a:xfrm>
+            <a:off x="2000747" y="884466"/>
+            <a:ext cx="6912768" cy="460648"/>
+          </a:xfrm>
+        </p:spPr>
+        <p:txBody>
+          <a:bodyPr/>
+          <a:lstStyle/>
+          <a:p>
+            <a:r>
+              <a:rPr lang="it-CH" sz="2800" dirty="0"/>
+              <a:t>Classe </a:t>
+            </a:r>
+            <a:r>
+              <a:rPr lang="it-IT" sz="2800" dirty="0" err="1"/>
+              <a:t>DroneControllerMonitor</a:t>
+            </a:r>
+            <a:r>
+              <a:rPr lang="it-IT" sz="2800" dirty="0"/>
+              <a:t> </a:t>
+            </a:r>
+            <a:endParaRPr lang="it-CH" sz="2800" dirty="0"/>
+          </a:p>
+        </p:txBody>
+      </p:sp>
+      <p:sp>
+        <p:nvSpPr>
+          <p:cNvPr id="4" name="Segnaposto contenuto 3">
+            <a:extLst>
+              <a:ext uri="{FF2B5EF4-FFF2-40B4-BE49-F238E27FC236}">
+                <a16:creationId xmlns:a16="http://schemas.microsoft.com/office/drawing/2014/main" id="{13544A92-8328-4004-96C8-B60363828F13}"/>
+              </a:ext>
+            </a:extLst>
+          </p:cNvPr>
+          <p:cNvSpPr>
+            <a:spLocks noGrp="1"/>
+          </p:cNvSpPr>
+          <p:nvPr>
+            <p:ph idx="10"/>
+          </p:nvPr>
+        </p:nvSpPr>
+        <p:spPr>
+          <a:xfrm>
+            <a:off x="1925452" y="1563638"/>
+            <a:ext cx="6912768" cy="2995737"/>
+          </a:xfrm>
+        </p:spPr>
+        <p:txBody>
+          <a:bodyPr/>
+          <a:lstStyle/>
+          <a:p>
+            <a:pPr marL="285750" indent="-285750">
+              <a:lnSpc>
+                <a:spcPct val="150000"/>
+              </a:lnSpc>
+              <a:buFont typeface="Arial" panose="020B0604020202020204" pitchFamily="34" charset="0"/>
+              <a:buChar char="•"/>
+            </a:pPr>
+            <a:r>
+              <a:rPr lang="it-CH" sz="2000" dirty="0"/>
+              <a:t>GUI</a:t>
+            </a:r>
+          </a:p>
+          <a:p>
+            <a:pPr marL="1028700" lvl="1">
+              <a:lnSpc>
+                <a:spcPct val="150000"/>
+              </a:lnSpc>
+              <a:buFont typeface="Arial" panose="020B0604020202020204" pitchFamily="34" charset="0"/>
+              <a:buChar char="•"/>
+            </a:pPr>
+            <a:r>
+              <a:rPr lang="it-CH" sz="2000" dirty="0"/>
+              <a:t>Controllo drone </a:t>
+            </a:r>
+          </a:p>
+          <a:p>
+            <a:pPr marL="1028700" lvl="1">
+              <a:lnSpc>
+                <a:spcPct val="150000"/>
+              </a:lnSpc>
+              <a:buFont typeface="Arial" panose="020B0604020202020204" pitchFamily="34" charset="0"/>
+              <a:buChar char="•"/>
+            </a:pPr>
+            <a:r>
+              <a:rPr lang="it-CH" sz="2000" dirty="0"/>
+              <a:t>Recording</a:t>
+            </a:r>
+          </a:p>
+          <a:p>
+            <a:pPr marL="1028700" lvl="1">
+              <a:lnSpc>
+                <a:spcPct val="150000"/>
+              </a:lnSpc>
+              <a:buFont typeface="Arial" panose="020B0604020202020204" pitchFamily="34" charset="0"/>
+              <a:buChar char="•"/>
+            </a:pPr>
+            <a:r>
+              <a:rPr lang="it-CH" sz="2000" dirty="0" err="1"/>
+              <a:t>Config</a:t>
+            </a:r>
+            <a:endParaRPr lang="it-CH" sz="2000" dirty="0"/>
+          </a:p>
+          <a:p>
+            <a:pPr marL="1028700" lvl="1">
+              <a:lnSpc>
+                <a:spcPct val="150000"/>
+              </a:lnSpc>
+              <a:buFont typeface="Arial" panose="020B0604020202020204" pitchFamily="34" charset="0"/>
+              <a:buChar char="•"/>
+            </a:pPr>
+            <a:r>
+              <a:rPr lang="it-CH" sz="2000" dirty="0"/>
+              <a:t>Log</a:t>
+            </a:r>
+          </a:p>
+        </p:txBody>
+      </p:sp>
+    </p:spTree>
+    <p:extLst>
+      <p:ext uri="{BB962C8B-B14F-4D97-AF65-F5344CB8AC3E}">
+        <p14:creationId xmlns:p14="http://schemas.microsoft.com/office/powerpoint/2010/main" val="2586380990"/>
+      </p:ext>
+    </p:extLst>
+  </p:cSld>
+  <p:clrMapOvr>
+    <a:masterClrMapping/>
+  </p:clrMapOvr>
+  <mc:AlternateContent xmlns:mc="http://schemas.openxmlformats.org/markup-compatibility/2006">
+    <mc:Choice xmlns:p159="http://schemas.microsoft.com/office/powerpoint/2015/09/main" xmlns="" Requires="p159">
+      <p:transition xmlns:p14="http://schemas.microsoft.com/office/powerpoint/2010/main" spd="slow" p14:dur="2000">
+        <p159:morph option="byWord"/>
+      </p:transition>
+    </mc:Choice>
+    <mc:Fallback>
+      <p:transition spd="slow">
+        <p:fade/>
+      </p:transition>
+    </mc:Fallback>
+  </mc:AlternateContent>
+  <p:timing>
+    <p:tnLst>
+      <p:par>
+        <p:cTn id="1" dur="indefinite" restart="never" nodeType="tmRoot"/>
+      </p:par>
+    </p:tnLst>
+  </p:timing>
+</p:sld>
+</file>
+
+<file path=ppt/slides/slide18.xml><?xml version="1.0" encoding="utf-8"?>
+<p:sld xmlns:a="http://schemas.openxmlformats.org/drawingml/2006/main" xmlns:r="http://schemas.openxmlformats.org/officeDocument/2006/relationships" xmlns:p="http://schemas.openxmlformats.org/presentationml/2006/main">
+  <p:cSld>
+    <p:spTree>
+      <p:nvGrpSpPr>
+        <p:cNvPr id="1" name=""/>
+        <p:cNvGrpSpPr/>
+        <p:nvPr/>
+      </p:nvGrpSpPr>
+      <p:grpSpPr>
+        <a:xfrm>
+          <a:off x="0" y="0"/>
+          <a:ext cx="0" cy="0"/>
+          <a:chOff x="0" y="0"/>
+          <a:chExt cx="0" cy="0"/>
+        </a:xfrm>
+      </p:grpSpPr>
+      <p:sp>
+        <p:nvSpPr>
+          <p:cNvPr id="2" name="Titolo 1">
+            <a:extLst>
+              <a:ext uri="{FF2B5EF4-FFF2-40B4-BE49-F238E27FC236}">
+                <a16:creationId xmlns:a16="http://schemas.microsoft.com/office/drawing/2014/main" id="{929A8F7E-6DE7-4CF1-8507-D13BF35BA7BD}"/>
+              </a:ext>
+            </a:extLst>
+          </p:cNvPr>
+          <p:cNvSpPr>
+            <a:spLocks noGrp="1"/>
+          </p:cNvSpPr>
+          <p:nvPr>
+            <p:ph type="title"/>
+          </p:nvPr>
+        </p:nvSpPr>
+        <p:spPr>
+          <a:xfrm>
+            <a:off x="611560" y="1700213"/>
+            <a:ext cx="3008313" cy="871537"/>
+          </a:xfrm>
+        </p:spPr>
+        <p:txBody>
+          <a:bodyPr>
+            <a:normAutofit fontScale="90000"/>
+          </a:bodyPr>
+          <a:lstStyle/>
+          <a:p>
+            <a:pPr algn="ctr"/>
+            <a:r>
+              <a:rPr lang="it-CH" sz="4000" dirty="0">
+                <a:latin typeface="Arial" panose="020B0604020202020204" pitchFamily="34" charset="0"/>
+                <a:cs typeface="Arial" panose="020B0604020202020204" pitchFamily="34" charset="0"/>
+              </a:rPr>
+              <a:t>COMANDI RAPIDI</a:t>
+            </a:r>
+          </a:p>
+        </p:txBody>
+      </p:sp>
+      <p:pic>
+        <p:nvPicPr>
+          <p:cNvPr id="7" name="Segnaposto contenuto 6">
+            <a:extLst>
+              <a:ext uri="{FF2B5EF4-FFF2-40B4-BE49-F238E27FC236}">
+                <a16:creationId xmlns:a16="http://schemas.microsoft.com/office/drawing/2014/main" id="{2C760AAA-BFC6-4AF6-AC4C-EB880816BB6F}"/>
+              </a:ext>
+            </a:extLst>
+          </p:cNvPr>
+          <p:cNvPicPr>
+            <a:picLocks noGrp="1" noChangeAspect="1"/>
+          </p:cNvPicPr>
+          <p:nvPr>
+            <p:ph idx="1"/>
+          </p:nvPr>
+        </p:nvPicPr>
+        <p:blipFill rotWithShape="1">
+          <a:blip r:embed="rId3">
+            <a:extLst>
+              <a:ext uri="{28A0092B-C50C-407E-A947-70E740481C1C}">
+                <a14:useLocalDpi xmlns:a14="http://schemas.microsoft.com/office/drawing/2010/main" val="0"/>
+              </a:ext>
+            </a:extLst>
+          </a:blip>
+          <a:srcRect b="16547"/>
+          <a:stretch/>
+        </p:blipFill>
+        <p:spPr>
+          <a:xfrm>
+            <a:off x="5220072" y="46619"/>
+            <a:ext cx="3008313" cy="5104725"/>
+          </a:xfrm>
+        </p:spPr>
+      </p:pic>
+    </p:spTree>
+    <p:extLst>
+      <p:ext uri="{BB962C8B-B14F-4D97-AF65-F5344CB8AC3E}">
+        <p14:creationId xmlns:p14="http://schemas.microsoft.com/office/powerpoint/2010/main" val="4158655498"/>
+      </p:ext>
+    </p:extLst>
+  </p:cSld>
+  <p:clrMapOvr>
+    <a:masterClrMapping/>
+  </p:clrMapOvr>
+  <p:timing>
+    <p:tnLst>
+      <p:par>
+        <p:cTn id="1" dur="indefinite" restart="never" nodeType="tmRoot"/>
+      </p:par>
+    </p:tnLst>
+  </p:timing>
+</p:sld>
+</file>
+
+<file path=ppt/slides/slide19.xml><?xml version="1.0" encoding="utf-8"?>
+<p:sld xmlns:a="http://schemas.openxmlformats.org/drawingml/2006/main" xmlns:r="http://schemas.openxmlformats.org/officeDocument/2006/relationships" xmlns:p="http://schemas.openxmlformats.org/presentationml/2006/main">
+  <p:cSld>
+    <p:spTree>
+      <p:nvGrpSpPr>
+        <p:cNvPr id="1" name=""/>
+        <p:cNvGrpSpPr/>
+        <p:nvPr/>
+      </p:nvGrpSpPr>
+      <p:grpSpPr>
+        <a:xfrm>
+          <a:off x="0" y="0"/>
+          <a:ext cx="0" cy="0"/>
+          <a:chOff x="0" y="0"/>
+          <a:chExt cx="0" cy="0"/>
+        </a:xfrm>
+      </p:grpSpPr>
+      <p:sp>
+        <p:nvSpPr>
+          <p:cNvPr id="2" name="Titolo 1">
+            <a:extLst>
+              <a:ext uri="{FF2B5EF4-FFF2-40B4-BE49-F238E27FC236}">
+                <a16:creationId xmlns:a16="http://schemas.microsoft.com/office/drawing/2014/main" id="{929A8F7E-6DE7-4CF1-8507-D13BF35BA7BD}"/>
+              </a:ext>
+            </a:extLst>
+          </p:cNvPr>
+          <p:cNvSpPr>
+            <a:spLocks noGrp="1"/>
+          </p:cNvSpPr>
+          <p:nvPr>
+            <p:ph type="title"/>
+          </p:nvPr>
+        </p:nvSpPr>
+        <p:spPr>
+          <a:xfrm>
+            <a:off x="611560" y="1491630"/>
+            <a:ext cx="3008313" cy="871537"/>
+          </a:xfrm>
+        </p:spPr>
+        <p:txBody>
+          <a:bodyPr>
+            <a:normAutofit/>
+          </a:bodyPr>
+          <a:lstStyle/>
+          <a:p>
+            <a:pPr algn="ctr"/>
+            <a:r>
+              <a:rPr lang="it-CH" sz="4000" dirty="0">
+                <a:latin typeface="Arial" panose="020B0604020202020204" pitchFamily="34" charset="0"/>
+                <a:cs typeface="Arial" panose="020B0604020202020204" pitchFamily="34" charset="0"/>
+              </a:rPr>
+              <a:t>LOG</a:t>
+            </a:r>
+          </a:p>
+        </p:txBody>
+      </p:sp>
+      <p:pic>
+        <p:nvPicPr>
+          <p:cNvPr id="6" name="Segnaposto contenuto 5">
+            <a:extLst>
+              <a:ext uri="{FF2B5EF4-FFF2-40B4-BE49-F238E27FC236}">
+                <a16:creationId xmlns:a16="http://schemas.microsoft.com/office/drawing/2014/main" id="{B97A6D36-DB14-4C36-BD13-15CE91E275F7}"/>
+              </a:ext>
+            </a:extLst>
+          </p:cNvPr>
+          <p:cNvPicPr>
+            <a:picLocks noGrp="1" noChangeAspect="1"/>
+          </p:cNvPicPr>
+          <p:nvPr>
+            <p:ph idx="1"/>
+          </p:nvPr>
+        </p:nvPicPr>
+        <p:blipFill rotWithShape="1">
+          <a:blip r:embed="rId3">
+            <a:extLst>
+              <a:ext uri="{28A0092B-C50C-407E-A947-70E740481C1C}">
+                <a14:useLocalDpi xmlns:a14="http://schemas.microsoft.com/office/drawing/2010/main" val="0"/>
+              </a:ext>
+            </a:extLst>
+          </a:blip>
+          <a:srcRect b="41154"/>
+          <a:stretch/>
+        </p:blipFill>
+        <p:spPr>
+          <a:xfrm>
+            <a:off x="4572000" y="220037"/>
+            <a:ext cx="4114800" cy="4923463"/>
+          </a:xfrm>
+        </p:spPr>
+      </p:pic>
+    </p:spTree>
+    <p:extLst>
+      <p:ext uri="{BB962C8B-B14F-4D97-AF65-F5344CB8AC3E}">
+        <p14:creationId xmlns:p14="http://schemas.microsoft.com/office/powerpoint/2010/main" val="1524865100"/>
+      </p:ext>
+    </p:extLst>
+  </p:cSld>
+  <p:clrMapOvr>
+    <a:masterClrMapping/>
+  </p:clrMapOvr>
+  <p:timing>
+    <p:tnLst>
+      <p:par>
+        <p:cTn id="1" dur="indefinite" restart="never" nodeType="tmRoot"/>
+      </p:par>
+    </p:tnLst>
+  </p:timing>
+</p:sld>
+</file>
+
+<file path=ppt/slides/slide2.xml><?xml version="1.0" encoding="utf-8"?>
+<p:sld xmlns:a="http://schemas.openxmlformats.org/drawingml/2006/main" xmlns:r="http://schemas.openxmlformats.org/officeDocument/2006/relationships" xmlns:p="http://schemas.openxmlformats.org/presentationml/2006/main">
+  <p:cSld>
+    <p:spTree>
+      <p:nvGrpSpPr>
+        <p:cNvPr id="1" name=""/>
+        <p:cNvGrpSpPr/>
+        <p:nvPr/>
+      </p:nvGrpSpPr>
+      <p:grpSpPr>
+        <a:xfrm>
+          <a:off x="0" y="0"/>
+          <a:ext cx="0" cy="0"/>
+          <a:chOff x="0" y="0"/>
+          <a:chExt cx="0" cy="0"/>
+        </a:xfrm>
+      </p:grpSpPr>
+      <p:sp>
+        <p:nvSpPr>
+          <p:cNvPr id="2" name="Titolo 1">
+            <a:extLst>
+              <a:ext uri="{FF2B5EF4-FFF2-40B4-BE49-F238E27FC236}">
+                <a16:creationId xmlns:a16="http://schemas.microsoft.com/office/drawing/2014/main" id="{1F4EF76E-72FB-49D5-9299-592E62BF06B2}"/>
+              </a:ext>
+            </a:extLst>
+          </p:cNvPr>
+          <p:cNvSpPr>
+            <a:spLocks noGrp="1"/>
+          </p:cNvSpPr>
+          <p:nvPr>
+            <p:ph type="title"/>
+          </p:nvPr>
+        </p:nvSpPr>
+        <p:spPr/>
+        <p:txBody>
+          <a:bodyPr/>
+          <a:lstStyle/>
+          <a:p>
+            <a:r>
+              <a:rPr lang="it-CH" dirty="0"/>
+              <a:t>CHI SIAMO</a:t>
+            </a:r>
+          </a:p>
+        </p:txBody>
+      </p:sp>
+      <p:sp>
+        <p:nvSpPr>
+          <p:cNvPr id="4" name="Segnaposto contenuto 3">
+            <a:extLst>
+              <a:ext uri="{FF2B5EF4-FFF2-40B4-BE49-F238E27FC236}">
+                <a16:creationId xmlns:a16="http://schemas.microsoft.com/office/drawing/2014/main" id="{FB91016C-8169-45ED-B54B-B80E87645789}"/>
+              </a:ext>
+            </a:extLst>
+          </p:cNvPr>
+          <p:cNvSpPr>
+            <a:spLocks noGrp="1"/>
+          </p:cNvSpPr>
+          <p:nvPr>
+            <p:ph idx="1"/>
+          </p:nvPr>
+        </p:nvSpPr>
+        <p:spPr>
+          <a:xfrm>
+            <a:off x="405880" y="884467"/>
+            <a:ext cx="8496944" cy="3775516"/>
+          </a:xfrm>
+        </p:spPr>
+        <p:txBody>
+          <a:bodyPr/>
+          <a:lstStyle/>
+          <a:p>
+            <a:pPr marL="628650" indent="-342900">
+              <a:buFont typeface="Arial" panose="020B0604020202020204" pitchFamily="34" charset="0"/>
+              <a:buChar char="•"/>
+            </a:pPr>
+            <a:r>
+              <a:rPr lang="it-CH" sz="4000" dirty="0" err="1"/>
+              <a:t>Jari</a:t>
+            </a:r>
+            <a:r>
+              <a:rPr lang="it-CH" sz="4000" dirty="0"/>
+              <a:t> </a:t>
+            </a:r>
+            <a:r>
+              <a:rPr lang="it-CH" sz="4000" dirty="0" err="1" smtClean="0"/>
+              <a:t>Näser</a:t>
+            </a:r>
+            <a:endParaRPr lang="it-CH" sz="4000" dirty="0"/>
+          </a:p>
+          <a:p>
+            <a:pPr marL="628650" indent="-342900">
+              <a:buFont typeface="Arial" panose="020B0604020202020204" pitchFamily="34" charset="0"/>
+              <a:buChar char="•"/>
+            </a:pPr>
+            <a:r>
+              <a:rPr lang="it-CH" sz="4000" dirty="0" smtClean="0"/>
+              <a:t>Luca Di Bello</a:t>
+            </a:r>
+          </a:p>
+          <a:p>
+            <a:pPr marL="628650" indent="-342900">
+              <a:buFont typeface="Arial" panose="020B0604020202020204" pitchFamily="34" charset="0"/>
+              <a:buChar char="•"/>
+            </a:pPr>
+            <a:r>
+              <a:rPr lang="it-CH" sz="4000" dirty="0" err="1" smtClean="0"/>
+              <a:t>Fadil</a:t>
+            </a:r>
+            <a:r>
+              <a:rPr lang="it-CH" sz="4000" dirty="0" smtClean="0"/>
+              <a:t> </a:t>
+            </a:r>
+            <a:r>
+              <a:rPr lang="it-CH" sz="4000" dirty="0" err="1" smtClean="0"/>
+              <a:t>Smajilbasic</a:t>
+            </a:r>
+            <a:endParaRPr lang="it-CH" sz="4400" dirty="0"/>
+          </a:p>
+          <a:p>
+            <a:pPr marL="628650" indent="-342900">
+              <a:buFont typeface="Arial" panose="020B0604020202020204" pitchFamily="34" charset="0"/>
+              <a:buChar char="•"/>
+            </a:pPr>
+            <a:r>
+              <a:rPr lang="it-CH" sz="4400" dirty="0"/>
+              <a:t>Andrea </a:t>
+            </a:r>
+            <a:r>
+              <a:rPr lang="it-CH" sz="4400" dirty="0" smtClean="0"/>
+              <a:t>Rauso</a:t>
+            </a:r>
+            <a:endParaRPr lang="it-CH" sz="4400" dirty="0"/>
+          </a:p>
+        </p:txBody>
+      </p:sp>
+    </p:spTree>
+    <p:extLst>
+      <p:ext uri="{BB962C8B-B14F-4D97-AF65-F5344CB8AC3E}">
+        <p14:creationId xmlns:p14="http://schemas.microsoft.com/office/powerpoint/2010/main" val="790960300"/>
+      </p:ext>
+    </p:extLst>
+  </p:cSld>
+  <p:clrMapOvr>
+    <a:masterClrMapping/>
+  </p:clrMapOvr>
+  <mc:AlternateContent xmlns:mc="http://schemas.openxmlformats.org/markup-compatibility/2006">
+    <mc:Choice xmlns:p159="http://schemas.microsoft.com/office/powerpoint/2015/09/main" xmlns="" Requires="p159">
+      <p:transition xmlns:p14="http://schemas.microsoft.com/office/powerpoint/2010/main" spd="slow" p14:dur="2000">
+        <p159:morph option="byWord"/>
+      </p:transition>
+    </mc:Choice>
+    <mc:Fallback>
+      <p:transition spd="slow">
+        <p:fade/>
+      </p:transition>
+    </mc:Fallback>
+  </mc:AlternateContent>
+  <p:timing>
+    <p:tnLst>
+      <p:par>
+        <p:cTn id="1" dur="indefinite" restart="never" nodeType="tmRoot"/>
+      </p:par>
+    </p:tnLst>
+  </p:timing>
+</p:sld>
+</file>
+
+<file path=ppt/slides/slide20.xml><?xml version="1.0" encoding="utf-8"?>
+<p:sld xmlns:a="http://schemas.openxmlformats.org/drawingml/2006/main" xmlns:r="http://schemas.openxmlformats.org/officeDocument/2006/relationships" xmlns:p="http://schemas.openxmlformats.org/presentationml/2006/main">
+  <p:cSld>
+    <p:spTree>
+      <p:nvGrpSpPr>
+        <p:cNvPr id="1" name=""/>
+        <p:cNvGrpSpPr/>
+        <p:nvPr/>
+      </p:nvGrpSpPr>
+      <p:grpSpPr>
+        <a:xfrm>
+          <a:off x="0" y="0"/>
+          <a:ext cx="0" cy="0"/>
+          <a:chOff x="0" y="0"/>
+          <a:chExt cx="0" cy="0"/>
+        </a:xfrm>
+      </p:grpSpPr>
+      <p:sp>
+        <p:nvSpPr>
+          <p:cNvPr id="2" name="Titolo 1">
+            <a:extLst>
+              <a:ext uri="{FF2B5EF4-FFF2-40B4-BE49-F238E27FC236}">
+                <a16:creationId xmlns:a16="http://schemas.microsoft.com/office/drawing/2014/main" id="{929A8F7E-6DE7-4CF1-8507-D13BF35BA7BD}"/>
+              </a:ext>
+            </a:extLst>
+          </p:cNvPr>
+          <p:cNvSpPr>
+            <a:spLocks noGrp="1"/>
+          </p:cNvSpPr>
+          <p:nvPr>
+            <p:ph type="title"/>
+          </p:nvPr>
+        </p:nvSpPr>
+        <p:spPr>
+          <a:xfrm>
+            <a:off x="611560" y="1491630"/>
+            <a:ext cx="3008313" cy="871537"/>
+          </a:xfrm>
+        </p:spPr>
+        <p:txBody>
+          <a:bodyPr>
+            <a:normAutofit fontScale="90000"/>
+          </a:bodyPr>
+          <a:lstStyle/>
+          <a:p>
+            <a:pPr algn="ctr"/>
+            <a:r>
+              <a:rPr lang="it-CH" sz="4000" dirty="0">
+                <a:latin typeface="Arial" panose="020B0604020202020204" pitchFamily="34" charset="0"/>
+                <a:cs typeface="Arial" panose="020B0604020202020204" pitchFamily="34" charset="0"/>
+              </a:rPr>
+              <a:t>RECORDING</a:t>
+            </a:r>
+          </a:p>
+        </p:txBody>
+      </p:sp>
+      <p:pic>
+        <p:nvPicPr>
+          <p:cNvPr id="7" name="Segnaposto contenuto 6">
+            <a:extLst>
+              <a:ext uri="{FF2B5EF4-FFF2-40B4-BE49-F238E27FC236}">
+                <a16:creationId xmlns:a16="http://schemas.microsoft.com/office/drawing/2014/main" id="{08CE3365-7158-4311-97F0-0A11BB69C5E9}"/>
+              </a:ext>
+            </a:extLst>
+          </p:cNvPr>
+          <p:cNvPicPr>
+            <a:picLocks noGrp="1" noChangeAspect="1"/>
+          </p:cNvPicPr>
+          <p:nvPr>
+            <p:ph idx="1"/>
+          </p:nvPr>
+        </p:nvPicPr>
+        <p:blipFill rotWithShape="1">
+          <a:blip r:embed="rId3">
+            <a:extLst>
+              <a:ext uri="{28A0092B-C50C-407E-A947-70E740481C1C}">
+                <a14:useLocalDpi xmlns:a14="http://schemas.microsoft.com/office/drawing/2010/main" val="0"/>
+              </a:ext>
+            </a:extLst>
+          </a:blip>
+          <a:srcRect b="28031"/>
+          <a:stretch/>
+        </p:blipFill>
+        <p:spPr>
+          <a:xfrm>
+            <a:off x="4860032" y="175356"/>
+            <a:ext cx="3398900" cy="4973874"/>
+          </a:xfrm>
+        </p:spPr>
+      </p:pic>
+    </p:spTree>
+    <p:extLst>
+      <p:ext uri="{BB962C8B-B14F-4D97-AF65-F5344CB8AC3E}">
+        <p14:creationId xmlns:p14="http://schemas.microsoft.com/office/powerpoint/2010/main" val="3214516453"/>
+      </p:ext>
+    </p:extLst>
+  </p:cSld>
+  <p:clrMapOvr>
+    <a:masterClrMapping/>
+  </p:clrMapOvr>
+  <p:timing>
+    <p:tnLst>
+      <p:par>
+        <p:cTn id="1" dur="indefinite" restart="never" nodeType="tmRoot"/>
+      </p:par>
+    </p:tnLst>
+  </p:timing>
+</p:sld>
+</file>
+
+<file path=ppt/slides/slide21.xml><?xml version="1.0" encoding="utf-8"?>
+<p:sld xmlns:a="http://schemas.openxmlformats.org/drawingml/2006/main" xmlns:r="http://schemas.openxmlformats.org/officeDocument/2006/relationships" xmlns:p="http://schemas.openxmlformats.org/presentationml/2006/main">
+  <p:cSld>
+    <p:spTree>
+      <p:nvGrpSpPr>
+        <p:cNvPr id="1" name=""/>
+        <p:cNvGrpSpPr/>
+        <p:nvPr/>
+      </p:nvGrpSpPr>
+      <p:grpSpPr>
+        <a:xfrm>
+          <a:off x="0" y="0"/>
+          <a:ext cx="0" cy="0"/>
+          <a:chOff x="0" y="0"/>
+          <a:chExt cx="0" cy="0"/>
+        </a:xfrm>
+      </p:grpSpPr>
+      <p:sp>
+        <p:nvSpPr>
+          <p:cNvPr id="2" name="Titolo 1">
+            <a:extLst>
+              <a:ext uri="{FF2B5EF4-FFF2-40B4-BE49-F238E27FC236}">
+                <a16:creationId xmlns:a16="http://schemas.microsoft.com/office/drawing/2014/main" id="{929A8F7E-6DE7-4CF1-8507-D13BF35BA7BD}"/>
+              </a:ext>
+            </a:extLst>
+          </p:cNvPr>
+          <p:cNvSpPr>
+            <a:spLocks noGrp="1"/>
+          </p:cNvSpPr>
+          <p:nvPr>
+            <p:ph type="title"/>
+          </p:nvPr>
+        </p:nvSpPr>
+        <p:spPr>
+          <a:xfrm>
+            <a:off x="611560" y="1491630"/>
+            <a:ext cx="3008313" cy="871537"/>
+          </a:xfrm>
+        </p:spPr>
+        <p:txBody>
+          <a:bodyPr>
+            <a:normAutofit/>
+          </a:bodyPr>
+          <a:lstStyle/>
+          <a:p>
+            <a:pPr algn="ctr"/>
+            <a:r>
+              <a:rPr lang="it-CH" sz="4000" dirty="0">
+                <a:latin typeface="Arial" panose="020B0604020202020204" pitchFamily="34" charset="0"/>
+                <a:cs typeface="Arial" panose="020B0604020202020204" pitchFamily="34" charset="0"/>
+              </a:rPr>
+              <a:t>SETTINGS</a:t>
+            </a:r>
+          </a:p>
+        </p:txBody>
+      </p:sp>
+      <p:pic>
+        <p:nvPicPr>
+          <p:cNvPr id="10" name="Segnaposto contenuto 9">
+            <a:extLst>
+              <a:ext uri="{FF2B5EF4-FFF2-40B4-BE49-F238E27FC236}">
+                <a16:creationId xmlns:a16="http://schemas.microsoft.com/office/drawing/2014/main" id="{5AD6B1D3-1840-4DF9-8D90-3402003E993D}"/>
+              </a:ext>
+            </a:extLst>
+          </p:cNvPr>
+          <p:cNvPicPr>
+            <a:picLocks noGrp="1" noChangeAspect="1"/>
+          </p:cNvPicPr>
+          <p:nvPr>
+            <p:ph idx="1"/>
+          </p:nvPr>
+        </p:nvPicPr>
+        <p:blipFill rotWithShape="1">
+          <a:blip r:embed="rId3">
+            <a:extLst>
+              <a:ext uri="{28A0092B-C50C-407E-A947-70E740481C1C}">
+                <a14:useLocalDpi xmlns:a14="http://schemas.microsoft.com/office/drawing/2010/main" val="0"/>
+              </a:ext>
+            </a:extLst>
+          </a:blip>
+          <a:srcRect b="46076"/>
+          <a:stretch/>
+        </p:blipFill>
+        <p:spPr>
+          <a:xfrm>
+            <a:off x="4355976" y="445915"/>
+            <a:ext cx="4284336" cy="4697585"/>
+          </a:xfrm>
+        </p:spPr>
+      </p:pic>
+    </p:spTree>
+    <p:extLst>
+      <p:ext uri="{BB962C8B-B14F-4D97-AF65-F5344CB8AC3E}">
+        <p14:creationId xmlns:p14="http://schemas.microsoft.com/office/powerpoint/2010/main" val="2210739306"/>
+      </p:ext>
+    </p:extLst>
+  </p:cSld>
+  <p:clrMapOvr>
+    <a:masterClrMapping/>
+  </p:clrMapOvr>
+  <p:timing>
+    <p:tnLst>
+      <p:par>
+        <p:cTn id="1" dur="indefinite" restart="never" nodeType="tmRoot"/>
+      </p:par>
+    </p:tnLst>
+  </p:timing>
+</p:sld>
+</file>
+
+<file path=ppt/slides/slide22.xml><?xml version="1.0" encoding="utf-8"?>
+<p:sld xmlns:a="http://schemas.openxmlformats.org/drawingml/2006/main" xmlns:r="http://schemas.openxmlformats.org/officeDocument/2006/relationships" xmlns:p="http://schemas.openxmlformats.org/presentationml/2006/main">
+  <p:cSld>
+    <p:spTree>
+      <p:nvGrpSpPr>
+        <p:cNvPr id="1" name=""/>
+        <p:cNvGrpSpPr/>
+        <p:nvPr/>
+      </p:nvGrpSpPr>
+      <p:grpSpPr>
+        <a:xfrm>
+          <a:off x="0" y="0"/>
+          <a:ext cx="0" cy="0"/>
+          <a:chOff x="0" y="0"/>
+          <a:chExt cx="0" cy="0"/>
+        </a:xfrm>
+      </p:grpSpPr>
+      <p:sp>
+        <p:nvSpPr>
+          <p:cNvPr id="2" name="Titolo 1">
+            <a:extLst>
+              <a:ext uri="{FF2B5EF4-FFF2-40B4-BE49-F238E27FC236}">
+                <a16:creationId xmlns:a16="http://schemas.microsoft.com/office/drawing/2014/main" id="{1C9728DE-DCC3-47F3-A9A7-4840BBF3A649}"/>
+              </a:ext>
+            </a:extLst>
+          </p:cNvPr>
+          <p:cNvSpPr>
+            <a:spLocks noGrp="1"/>
+          </p:cNvSpPr>
+          <p:nvPr>
+            <p:ph type="title"/>
+          </p:nvPr>
+        </p:nvSpPr>
+        <p:spPr/>
+        <p:txBody>
+          <a:bodyPr/>
+          <a:lstStyle/>
+          <a:p>
+            <a:r>
+              <a:rPr lang="it-CH" dirty="0" err="1"/>
+              <a:t>DroneController</a:t>
+            </a:r>
+            <a:endParaRPr lang="it-CH" dirty="0"/>
+          </a:p>
+        </p:txBody>
+      </p:sp>
+      <p:sp>
+        <p:nvSpPr>
+          <p:cNvPr id="3" name="Segnaposto contenuto 2">
+            <a:extLst>
+              <a:ext uri="{FF2B5EF4-FFF2-40B4-BE49-F238E27FC236}">
+                <a16:creationId xmlns:a16="http://schemas.microsoft.com/office/drawing/2014/main" id="{A9782E92-4646-4216-BC0B-9AFBD5130E30}"/>
+              </a:ext>
+            </a:extLst>
+          </p:cNvPr>
+          <p:cNvSpPr>
+            <a:spLocks noGrp="1"/>
+          </p:cNvSpPr>
+          <p:nvPr>
+            <p:ph idx="1"/>
+          </p:nvPr>
+        </p:nvSpPr>
+        <p:spPr>
+          <a:xfrm>
+            <a:off x="2000747" y="884466"/>
+            <a:ext cx="6912768" cy="460648"/>
+          </a:xfrm>
+        </p:spPr>
+        <p:txBody>
+          <a:bodyPr/>
+          <a:lstStyle/>
+          <a:p>
+            <a:r>
+              <a:rPr lang="it-CH" sz="2800" dirty="0"/>
+              <a:t>Classe </a:t>
+            </a:r>
+            <a:r>
+              <a:rPr lang="it-IT" sz="2800" dirty="0" err="1"/>
+              <a:t>CommandManager</a:t>
+            </a:r>
+            <a:r>
+              <a:rPr lang="it-IT" sz="2800" dirty="0"/>
+              <a:t> </a:t>
+            </a:r>
+            <a:endParaRPr lang="it-CH" sz="2800" dirty="0"/>
+          </a:p>
+        </p:txBody>
+      </p:sp>
+      <p:sp>
+        <p:nvSpPr>
+          <p:cNvPr id="4" name="Segnaposto contenuto 3">
+            <a:extLst>
+              <a:ext uri="{FF2B5EF4-FFF2-40B4-BE49-F238E27FC236}">
+                <a16:creationId xmlns:a16="http://schemas.microsoft.com/office/drawing/2014/main" id="{13544A92-8328-4004-96C8-B60363828F13}"/>
+              </a:ext>
+            </a:extLst>
+          </p:cNvPr>
+          <p:cNvSpPr>
+            <a:spLocks noGrp="1"/>
+          </p:cNvSpPr>
+          <p:nvPr>
+            <p:ph idx="10"/>
+          </p:nvPr>
+        </p:nvSpPr>
+        <p:spPr/>
+        <p:txBody>
+          <a:bodyPr/>
+          <a:lstStyle/>
+          <a:p>
+            <a:pPr marL="285750" indent="-285750">
+              <a:lnSpc>
+                <a:spcPct val="200000"/>
+              </a:lnSpc>
+              <a:buFont typeface="Arial" panose="020B0604020202020204" pitchFamily="34" charset="0"/>
+              <a:buChar char="•"/>
+            </a:pPr>
+            <a:r>
+              <a:rPr lang="it-CH" sz="2000" dirty="0"/>
+              <a:t>Invio </a:t>
+            </a:r>
+            <a:r>
+              <a:rPr lang="it-CH" sz="2000" dirty="0">
+                <a:solidFill>
+                  <a:schemeClr val="tx1"/>
+                </a:solidFill>
+                <a:latin typeface="+mn-lt"/>
+                <a:cs typeface="+mn-cs"/>
+              </a:rPr>
+              <a:t>comandi </a:t>
+            </a:r>
+            <a:r>
+              <a:rPr lang="it-CH" sz="2000" dirty="0">
+                <a:solidFill>
+                  <a:schemeClr val="tx1"/>
+                </a:solidFill>
+                <a:latin typeface="+mn-lt"/>
+                <a:cs typeface="+mn-cs"/>
+                <a:sym typeface="Wingdings" panose="05000000000000000000" pitchFamily="2" charset="2"/>
+              </a:rPr>
+              <a:t> </a:t>
+            </a:r>
+            <a:r>
+              <a:rPr lang="it-CH" sz="2000" dirty="0" err="1" smtClean="0">
+                <a:solidFill>
+                  <a:schemeClr val="tx1"/>
+                </a:solidFill>
+                <a:latin typeface="+mn-lt"/>
+                <a:cs typeface="+mn-cs"/>
+                <a:sym typeface="Wingdings" panose="05000000000000000000" pitchFamily="2" charset="2"/>
+              </a:rPr>
+              <a:t>Socket</a:t>
+            </a:r>
+            <a:r>
+              <a:rPr lang="it-CH" sz="2000" dirty="0" smtClean="0">
+                <a:solidFill>
+                  <a:schemeClr val="tx1"/>
+                </a:solidFill>
+                <a:latin typeface="+mn-lt"/>
+                <a:cs typeface="+mn-cs"/>
+                <a:sym typeface="Wingdings" panose="05000000000000000000" pitchFamily="2" charset="2"/>
+              </a:rPr>
+              <a:t> UDP</a:t>
+            </a:r>
+            <a:endParaRPr lang="it-CH" sz="2000" dirty="0">
+              <a:solidFill>
+                <a:schemeClr val="tx1"/>
+              </a:solidFill>
+              <a:latin typeface="+mn-lt"/>
+              <a:cs typeface="+mn-cs"/>
+              <a:sym typeface="Wingdings" panose="05000000000000000000" pitchFamily="2" charset="2"/>
+            </a:endParaRPr>
+          </a:p>
+          <a:p>
+            <a:pPr marL="285750" indent="-285750">
+              <a:lnSpc>
+                <a:spcPct val="200000"/>
+              </a:lnSpc>
+              <a:buFont typeface="Arial" panose="020B0604020202020204" pitchFamily="34" charset="0"/>
+              <a:buChar char="•"/>
+            </a:pPr>
+            <a:r>
+              <a:rPr lang="it-CH" sz="2000" dirty="0">
+                <a:solidFill>
+                  <a:schemeClr val="tx1"/>
+                </a:solidFill>
+                <a:latin typeface="+mn-lt"/>
+                <a:cs typeface="+mn-cs"/>
+                <a:sym typeface="Wingdings" panose="05000000000000000000" pitchFamily="2" charset="2"/>
+              </a:rPr>
+              <a:t>Utilizzato da:</a:t>
+            </a:r>
+          </a:p>
+          <a:p>
+            <a:pPr marL="1028700" lvl="1">
+              <a:lnSpc>
+                <a:spcPct val="200000"/>
+              </a:lnSpc>
+              <a:buFont typeface="Arial" panose="020B0604020202020204" pitchFamily="34" charset="0"/>
+              <a:buChar char="•"/>
+            </a:pPr>
+            <a:r>
+              <a:rPr lang="it-CH" sz="2000" dirty="0" err="1">
+                <a:sym typeface="Wingdings" panose="05000000000000000000" pitchFamily="2" charset="2"/>
+              </a:rPr>
+              <a:t>DroneController</a:t>
+            </a:r>
+            <a:endParaRPr lang="it-CH" sz="2000" dirty="0">
+              <a:sym typeface="Wingdings" panose="05000000000000000000" pitchFamily="2" charset="2"/>
+            </a:endParaRPr>
+          </a:p>
+          <a:p>
+            <a:pPr marL="1028700" lvl="1">
+              <a:lnSpc>
+                <a:spcPct val="200000"/>
+              </a:lnSpc>
+              <a:buFont typeface="Arial" panose="020B0604020202020204" pitchFamily="34" charset="0"/>
+              <a:buChar char="•"/>
+            </a:pPr>
+            <a:r>
+              <a:rPr lang="it-CH" sz="2000" dirty="0" err="1">
+                <a:sym typeface="Wingdings" panose="05000000000000000000" pitchFamily="2" charset="2"/>
+              </a:rPr>
+              <a:t>DroneControllerMonitor</a:t>
+            </a:r>
+            <a:endParaRPr lang="it-CH" sz="2000" dirty="0">
+              <a:sym typeface="Wingdings" panose="05000000000000000000" pitchFamily="2" charset="2"/>
+            </a:endParaRPr>
+          </a:p>
+        </p:txBody>
+      </p:sp>
+    </p:spTree>
+    <p:extLst>
+      <p:ext uri="{BB962C8B-B14F-4D97-AF65-F5344CB8AC3E}">
+        <p14:creationId xmlns:p14="http://schemas.microsoft.com/office/powerpoint/2010/main" val="3679172245"/>
+      </p:ext>
+    </p:extLst>
+  </p:cSld>
+  <p:clrMapOvr>
+    <a:masterClrMapping/>
+  </p:clrMapOvr>
+  <mc:AlternateContent xmlns:mc="http://schemas.openxmlformats.org/markup-compatibility/2006">
+    <mc:Choice xmlns:p159="http://schemas.microsoft.com/office/powerpoint/2015/09/main" xmlns="" Requires="p159">
+      <p:transition xmlns:p14="http://schemas.microsoft.com/office/powerpoint/2010/main" spd="slow" p14:dur="2000">
+        <p159:morph option="byWord"/>
+      </p:transition>
+    </mc:Choice>
+    <mc:Fallback>
+      <p:transition spd="slow">
+        <p:fade/>
+      </p:transition>
+    </mc:Fallback>
+  </mc:AlternateContent>
+  <p:timing>
+    <p:tnLst>
+      <p:par>
+        <p:cTn id="1" dur="indefinite" restart="never" nodeType="tmRoot"/>
+      </p:par>
+    </p:tnLst>
+  </p:timing>
+</p:sld>
+</file>
+
+<file path=ppt/slides/slide23.xml><?xml version="1.0" encoding="utf-8"?>
+<p:sld xmlns:a="http://schemas.openxmlformats.org/drawingml/2006/main" xmlns:r="http://schemas.openxmlformats.org/officeDocument/2006/relationships" xmlns:p="http://schemas.openxmlformats.org/presentationml/2006/main">
+  <p:cSld>
+    <p:bg>
+      <p:bgPr>
+        <a:solidFill>
+          <a:schemeClr val="tx1">
+            <a:lumMod val="85000"/>
+            <a:lumOff val="15000"/>
+          </a:schemeClr>
+        </a:solidFill>
+        <a:effectLst/>
+      </p:bgPr>
+    </p:bg>
+    <p:spTree>
+      <p:nvGrpSpPr>
+        <p:cNvPr id="1" name=""/>
+        <p:cNvGrpSpPr/>
+        <p:nvPr/>
+      </p:nvGrpSpPr>
+      <p:grpSpPr>
+        <a:xfrm>
+          <a:off x="0" y="0"/>
+          <a:ext cx="0" cy="0"/>
+          <a:chOff x="0" y="0"/>
+          <a:chExt cx="0" cy="0"/>
+        </a:xfrm>
+      </p:grpSpPr>
+      <p:pic>
+        <p:nvPicPr>
+          <p:cNvPr id="4" name="Immagine 3">
+            <a:extLst>
+              <a:ext uri="{FF2B5EF4-FFF2-40B4-BE49-F238E27FC236}">
+                <a16:creationId xmlns:a16="http://schemas.microsoft.com/office/drawing/2014/main" id="{D11CCAD3-0A5B-433F-9423-1A4299050201}"/>
+              </a:ext>
+            </a:extLst>
+          </p:cNvPr>
+          <p:cNvPicPr>
+            <a:picLocks noChangeAspect="1"/>
+          </p:cNvPicPr>
+          <p:nvPr/>
+        </p:nvPicPr>
+        <p:blipFill>
+          <a:blip r:embed="rId3"/>
+          <a:stretch>
+            <a:fillRect/>
+          </a:stretch>
+        </p:blipFill>
+        <p:spPr>
+          <a:xfrm>
+            <a:off x="1763688" y="0"/>
+            <a:ext cx="5143500" cy="5143500"/>
+          </a:xfrm>
+          <a:prstGeom prst="rect">
+            <a:avLst/>
+          </a:prstGeom>
+        </p:spPr>
+      </p:pic>
+    </p:spTree>
+    <p:extLst>
+      <p:ext uri="{BB962C8B-B14F-4D97-AF65-F5344CB8AC3E}">
+        <p14:creationId xmlns:p14="http://schemas.microsoft.com/office/powerpoint/2010/main" val="508207524"/>
+      </p:ext>
+    </p:extLst>
+  </p:cSld>
+  <p:clrMapOvr>
+    <a:masterClrMapping/>
+  </p:clrMapOvr>
+  <p:timing>
+    <p:tnLst>
+      <p:par>
+        <p:cTn id="1" dur="indefinite" restart="never" nodeType="tmRoot"/>
+      </p:par>
+    </p:tnLst>
+  </p:timing>
+</p:sld>
+</file>
+
+<file path=ppt/slides/slide24.xml><?xml version="1.0" encoding="utf-8"?>
+<p:sld xmlns:a="http://schemas.openxmlformats.org/drawingml/2006/main" xmlns:r="http://schemas.openxmlformats.org/officeDocument/2006/relationships" xmlns:p="http://schemas.openxmlformats.org/presentationml/2006/main">
+  <p:cSld>
+    <p:spTree>
+      <p:nvGrpSpPr>
+        <p:cNvPr id="1" name=""/>
+        <p:cNvGrpSpPr/>
+        <p:nvPr/>
+      </p:nvGrpSpPr>
+      <p:grpSpPr>
+        <a:xfrm>
+          <a:off x="0" y="0"/>
+          <a:ext cx="0" cy="0"/>
+          <a:chOff x="0" y="0"/>
+          <a:chExt cx="0" cy="0"/>
+        </a:xfrm>
+      </p:grpSpPr>
+      <p:sp>
+        <p:nvSpPr>
+          <p:cNvPr id="2" name="Titolo 1">
+            <a:extLst>
+              <a:ext uri="{FF2B5EF4-FFF2-40B4-BE49-F238E27FC236}">
+                <a16:creationId xmlns:a16="http://schemas.microsoft.com/office/drawing/2014/main" id="{1C9728DE-DCC3-47F3-A9A7-4840BBF3A649}"/>
+              </a:ext>
+            </a:extLst>
+          </p:cNvPr>
+          <p:cNvSpPr>
+            <a:spLocks noGrp="1"/>
+          </p:cNvSpPr>
+          <p:nvPr>
+            <p:ph type="title"/>
+          </p:nvPr>
+        </p:nvSpPr>
+        <p:spPr/>
+        <p:txBody>
+          <a:bodyPr/>
+          <a:lstStyle/>
+          <a:p>
+            <a:r>
+              <a:rPr lang="it-CH" dirty="0" err="1"/>
+              <a:t>DroneController</a:t>
+            </a:r>
+            <a:endParaRPr lang="it-CH" dirty="0"/>
+          </a:p>
+        </p:txBody>
+      </p:sp>
+      <p:sp>
+        <p:nvSpPr>
+          <p:cNvPr id="3" name="Segnaposto contenuto 2">
+            <a:extLst>
+              <a:ext uri="{FF2B5EF4-FFF2-40B4-BE49-F238E27FC236}">
+                <a16:creationId xmlns:a16="http://schemas.microsoft.com/office/drawing/2014/main" id="{A9782E92-4646-4216-BC0B-9AFBD5130E30}"/>
+              </a:ext>
+            </a:extLst>
+          </p:cNvPr>
+          <p:cNvSpPr>
+            <a:spLocks noGrp="1"/>
+          </p:cNvSpPr>
+          <p:nvPr>
+            <p:ph idx="1"/>
+          </p:nvPr>
+        </p:nvSpPr>
+        <p:spPr>
+          <a:xfrm>
+            <a:off x="2000747" y="884466"/>
+            <a:ext cx="6912768" cy="460648"/>
+          </a:xfrm>
+        </p:spPr>
+        <p:txBody>
+          <a:bodyPr/>
+          <a:lstStyle/>
+          <a:p>
+            <a:r>
+              <a:rPr lang="it-CH" sz="2800" dirty="0"/>
+              <a:t>Classe </a:t>
+            </a:r>
+            <a:r>
+              <a:rPr lang="it-CH" sz="2800" dirty="0" err="1"/>
+              <a:t>FlightRecorder</a:t>
+            </a:r>
+            <a:r>
+              <a:rPr lang="it-IT" sz="2800" dirty="0"/>
+              <a:t> </a:t>
+            </a:r>
+            <a:endParaRPr lang="it-CH" sz="2800" dirty="0"/>
+          </a:p>
+        </p:txBody>
+      </p:sp>
+      <p:sp>
+        <p:nvSpPr>
+          <p:cNvPr id="4" name="Segnaposto contenuto 3">
+            <a:extLst>
+              <a:ext uri="{FF2B5EF4-FFF2-40B4-BE49-F238E27FC236}">
+                <a16:creationId xmlns:a16="http://schemas.microsoft.com/office/drawing/2014/main" id="{13544A92-8328-4004-96C8-B60363828F13}"/>
+              </a:ext>
+            </a:extLst>
+          </p:cNvPr>
+          <p:cNvSpPr>
+            <a:spLocks noGrp="1"/>
+          </p:cNvSpPr>
+          <p:nvPr>
+            <p:ph idx="10"/>
+          </p:nvPr>
+        </p:nvSpPr>
+        <p:spPr/>
+        <p:txBody>
+          <a:bodyPr/>
+          <a:lstStyle/>
+          <a:p>
+            <a:pPr marL="285750" indent="-285750">
+              <a:lnSpc>
+                <a:spcPct val="250000"/>
+              </a:lnSpc>
+              <a:buFont typeface="Arial" panose="020B0604020202020204" pitchFamily="34" charset="0"/>
+              <a:buChar char="•"/>
+            </a:pPr>
+            <a:r>
+              <a:rPr lang="it-CH" sz="2000" dirty="0">
+                <a:sym typeface="Wingdings" panose="05000000000000000000" pitchFamily="2" charset="2"/>
+              </a:rPr>
+              <a:t>Utilizza </a:t>
+            </a:r>
+            <a:r>
+              <a:rPr lang="it-CH" sz="2000" dirty="0" err="1">
+                <a:sym typeface="Wingdings" panose="05000000000000000000" pitchFamily="2" charset="2"/>
+              </a:rPr>
+              <a:t>CommandBuffer</a:t>
+            </a:r>
+            <a:r>
+              <a:rPr lang="it-CH" sz="2000" dirty="0">
+                <a:sym typeface="Wingdings" panose="05000000000000000000" pitchFamily="2" charset="2"/>
+              </a:rPr>
+              <a:t> &amp; </a:t>
+            </a:r>
+            <a:r>
+              <a:rPr lang="it-CH" sz="2000" dirty="0" err="1">
+                <a:sym typeface="Wingdings" panose="05000000000000000000" pitchFamily="2" charset="2"/>
+              </a:rPr>
+              <a:t>CommandRecord</a:t>
+            </a:r>
+            <a:endParaRPr lang="it-CH" sz="2000" dirty="0">
+              <a:sym typeface="Wingdings" panose="05000000000000000000" pitchFamily="2" charset="2"/>
+            </a:endParaRPr>
+          </a:p>
+          <a:p>
+            <a:pPr marL="285750" indent="-285750">
+              <a:lnSpc>
+                <a:spcPct val="250000"/>
+              </a:lnSpc>
+              <a:buFont typeface="Arial" panose="020B0604020202020204" pitchFamily="34" charset="0"/>
+              <a:buChar char="•"/>
+            </a:pPr>
+            <a:r>
+              <a:rPr lang="it-CH" sz="2000" dirty="0">
+                <a:sym typeface="Wingdings" panose="05000000000000000000" pitchFamily="2" charset="2"/>
+              </a:rPr>
+              <a:t>Genera </a:t>
+            </a:r>
+            <a:r>
+              <a:rPr lang="it-CH" sz="2000" dirty="0" smtClean="0">
+                <a:sym typeface="Wingdings" panose="05000000000000000000" pitchFamily="2" charset="2"/>
+              </a:rPr>
+              <a:t>e </a:t>
+            </a:r>
+            <a:r>
+              <a:rPr lang="it-CH" sz="2000" dirty="0">
+                <a:sym typeface="Wingdings" panose="05000000000000000000" pitchFamily="2" charset="2"/>
+              </a:rPr>
+              <a:t>Salva la registrazione</a:t>
+            </a:r>
+          </a:p>
+        </p:txBody>
+      </p:sp>
+    </p:spTree>
+    <p:extLst>
+      <p:ext uri="{BB962C8B-B14F-4D97-AF65-F5344CB8AC3E}">
+        <p14:creationId xmlns:p14="http://schemas.microsoft.com/office/powerpoint/2010/main" val="4176927173"/>
+      </p:ext>
+    </p:extLst>
+  </p:cSld>
+  <p:clrMapOvr>
+    <a:masterClrMapping/>
+  </p:clrMapOvr>
+  <mc:AlternateContent xmlns:mc="http://schemas.openxmlformats.org/markup-compatibility/2006">
+    <mc:Choice xmlns:p159="http://schemas.microsoft.com/office/powerpoint/2015/09/main" xmlns="" Requires="p159">
+      <p:transition xmlns:p14="http://schemas.microsoft.com/office/powerpoint/2010/main" spd="slow" p14:dur="2000">
+        <p159:morph option="byWord"/>
+      </p:transition>
+    </mc:Choice>
+    <mc:Fallback>
+      <p:transition spd="slow">
+        <p:fade/>
+      </p:transition>
+    </mc:Fallback>
+  </mc:AlternateContent>
+  <p:timing>
+    <p:tnLst>
+      <p:par>
+        <p:cTn id="1" dur="indefinite" restart="never" nodeType="tmRoot"/>
+      </p:par>
+    </p:tnLst>
+  </p:timing>
+</p:sld>
+</file>
+
+<file path=ppt/slides/slide25.xml><?xml version="1.0" encoding="utf-8"?>
 <p:sld xmlns:a="http://schemas.openxmlformats.org/drawingml/2006/main" xmlns:r="http://schemas.openxmlformats.org/officeDocument/2006/relationships" xmlns:p="http://schemas.openxmlformats.org/presentationml/2006/main">
   <p:cSld>
     <p:bg>
@@ -8109,7 +11537,7 @@
           <p:cNvPr id="2" name="Segnaposto contenuto 6">
             <a:extLst>
               <a:ext uri="{FF2B5EF4-FFF2-40B4-BE49-F238E27FC236}">
-                <a16:creationId xmlns:a16="http://schemas.microsoft.com/office/drawing/2014/main" xmlns="" id="{8A7B6934-FC8E-418A-88F9-489CDDD1CCAE}"/>
+                <a16:creationId xmlns:a16="http://schemas.microsoft.com/office/drawing/2014/main" id="{8A7B6934-FC8E-418A-88F9-489CDDD1CCAE}"/>
               </a:ext>
             </a:extLst>
           </p:cNvPr>
@@ -8162,2177 +11590,13 @@
       </p:transition>
     </mc:Fallback>
   </mc:AlternateContent>
-</p:sld>
-</file>
-
-<file path=ppt/slides/slide13.xml><?xml version="1.0" encoding="utf-8"?>
-<p:sld xmlns:a="http://schemas.openxmlformats.org/drawingml/2006/main" xmlns:r="http://schemas.openxmlformats.org/officeDocument/2006/relationships" xmlns:p="http://schemas.openxmlformats.org/presentationml/2006/main">
-  <p:cSld>
-    <p:spTree>
-      <p:nvGrpSpPr>
-        <p:cNvPr id="1" name=""/>
-        <p:cNvGrpSpPr/>
-        <p:nvPr/>
-      </p:nvGrpSpPr>
-      <p:grpSpPr>
-        <a:xfrm>
-          <a:off x="0" y="0"/>
-          <a:ext cx="0" cy="0"/>
-          <a:chOff x="0" y="0"/>
-          <a:chExt cx="0" cy="0"/>
-        </a:xfrm>
-      </p:grpSpPr>
-      <p:pic>
-        <p:nvPicPr>
-          <p:cNvPr id="4" name="Segnaposto contenuto 4">
-            <a:extLst>
-              <a:ext uri="{FF2B5EF4-FFF2-40B4-BE49-F238E27FC236}">
-                <a16:creationId xmlns:a16="http://schemas.microsoft.com/office/drawing/2014/main" xmlns="" id="{06724221-2A70-4FF3-AF58-4AD43A923749}"/>
-              </a:ext>
-            </a:extLst>
-          </p:cNvPr>
-          <p:cNvPicPr>
-            <a:picLocks noGrp="1" noChangeAspect="1"/>
-          </p:cNvPicPr>
-          <p:nvPr>
-            <p:ph idx="1"/>
-          </p:nvPr>
-        </p:nvPicPr>
-        <p:blipFill>
-          <a:blip r:embed="rId3">
-            <a:extLst>
-              <a:ext uri="{28A0092B-C50C-407E-A947-70E740481C1C}">
-                <a14:useLocalDpi xmlns:a14="http://schemas.microsoft.com/office/drawing/2010/main" val="0"/>
-              </a:ext>
-            </a:extLst>
-          </a:blip>
-          <a:stretch>
-            <a:fillRect/>
-          </a:stretch>
-        </p:blipFill>
-        <p:spPr>
-          <a:xfrm>
-            <a:off x="1691680" y="195486"/>
-            <a:ext cx="7016620" cy="4266864"/>
-          </a:xfrm>
-        </p:spPr>
-      </p:pic>
-    </p:spTree>
-    <p:extLst>
-      <p:ext uri="{BB962C8B-B14F-4D97-AF65-F5344CB8AC3E}">
-        <p14:creationId xmlns:p14="http://schemas.microsoft.com/office/powerpoint/2010/main" val="31495657"/>
-      </p:ext>
-    </p:extLst>
-  </p:cSld>
-  <p:clrMapOvr>
-    <a:masterClrMapping/>
-  </p:clrMapOvr>
-  <mc:AlternateContent xmlns:mc="http://schemas.openxmlformats.org/markup-compatibility/2006">
-    <mc:Choice xmlns:p159="http://schemas.microsoft.com/office/powerpoint/2015/09/main" xmlns="" Requires="p159">
-      <p:transition xmlns:p14="http://schemas.microsoft.com/office/powerpoint/2010/main" spd="slow" p14:dur="2000">
-        <p159:morph option="byWord"/>
-      </p:transition>
-    </mc:Choice>
-    <mc:Fallback>
-      <p:transition spd="slow">
-        <p:fade/>
-      </p:transition>
-    </mc:Fallback>
-  </mc:AlternateContent>
-</p:sld>
-</file>
-
-<file path=ppt/slides/slide14.xml><?xml version="1.0" encoding="utf-8"?>
-<p:sld xmlns:a="http://schemas.openxmlformats.org/drawingml/2006/main" xmlns:r="http://schemas.openxmlformats.org/officeDocument/2006/relationships" xmlns:p="http://schemas.openxmlformats.org/presentationml/2006/main">
-  <p:cSld>
-    <p:spTree>
-      <p:nvGrpSpPr>
-        <p:cNvPr id="1" name=""/>
-        <p:cNvGrpSpPr/>
-        <p:nvPr/>
-      </p:nvGrpSpPr>
-      <p:grpSpPr>
-        <a:xfrm>
-          <a:off x="0" y="0"/>
-          <a:ext cx="0" cy="0"/>
-          <a:chOff x="0" y="0"/>
-          <a:chExt cx="0" cy="0"/>
-        </a:xfrm>
-      </p:grpSpPr>
-      <p:pic>
-        <p:nvPicPr>
-          <p:cNvPr id="5" name="Segnaposto contenuto 4">
-            <a:extLst>
-              <a:ext uri="{FF2B5EF4-FFF2-40B4-BE49-F238E27FC236}">
-                <a16:creationId xmlns:a16="http://schemas.microsoft.com/office/drawing/2014/main" xmlns="" id="{804BB337-DB27-4533-84B9-CB800299E362}"/>
-              </a:ext>
-            </a:extLst>
-          </p:cNvPr>
-          <p:cNvPicPr>
-            <a:picLocks noChangeAspect="1"/>
-          </p:cNvPicPr>
-          <p:nvPr/>
-        </p:nvPicPr>
-        <p:blipFill>
-          <a:blip r:embed="rId2">
-            <a:extLst>
-              <a:ext uri="{28A0092B-C50C-407E-A947-70E740481C1C}">
-                <a14:useLocalDpi xmlns:a14="http://schemas.microsoft.com/office/drawing/2010/main" val="0"/>
-              </a:ext>
-            </a:extLst>
-          </a:blip>
-          <a:stretch>
-            <a:fillRect/>
-          </a:stretch>
-        </p:blipFill>
-        <p:spPr>
-          <a:xfrm>
-            <a:off x="505968" y="1088429"/>
-            <a:ext cx="3968749" cy="2966640"/>
-          </a:xfrm>
-          <a:prstGeom prst="rect">
-            <a:avLst/>
-          </a:prstGeom>
-        </p:spPr>
-      </p:pic>
-      <p:pic>
-        <p:nvPicPr>
-          <p:cNvPr id="6" name="Immagine 5">
-            <a:extLst>
-              <a:ext uri="{FF2B5EF4-FFF2-40B4-BE49-F238E27FC236}">
-                <a16:creationId xmlns:a16="http://schemas.microsoft.com/office/drawing/2014/main" xmlns="" id="{192E8AA8-A80B-40A8-AD93-2590B71A07AB}"/>
-              </a:ext>
-            </a:extLst>
-          </p:cNvPr>
-          <p:cNvPicPr>
-            <a:picLocks noChangeAspect="1"/>
-          </p:cNvPicPr>
-          <p:nvPr/>
-        </p:nvPicPr>
-        <p:blipFill rotWithShape="1">
-          <a:blip r:embed="rId3">
-            <a:extLst>
-              <a:ext uri="{28A0092B-C50C-407E-A947-70E740481C1C}">
-                <a14:useLocalDpi xmlns:a14="http://schemas.microsoft.com/office/drawing/2010/main" val="0"/>
-              </a:ext>
-            </a:extLst>
-          </a:blip>
-          <a:srcRect l="2145" t="3659" r="2618" b="2944"/>
-          <a:stretch/>
-        </p:blipFill>
-        <p:spPr>
-          <a:xfrm>
-            <a:off x="4716016" y="1117087"/>
-            <a:ext cx="3968751" cy="2909325"/>
-          </a:xfrm>
-          <a:prstGeom prst="rect">
-            <a:avLst/>
-          </a:prstGeom>
-        </p:spPr>
-      </p:pic>
-      <p:sp>
-        <p:nvSpPr>
-          <p:cNvPr id="9" name="Titolo 1">
-            <a:extLst>
-              <a:ext uri="{FF2B5EF4-FFF2-40B4-BE49-F238E27FC236}">
-                <a16:creationId xmlns:a16="http://schemas.microsoft.com/office/drawing/2014/main" xmlns="" id="{03D1E91E-02F1-4511-A01C-D0B212221FDD}"/>
-              </a:ext>
-            </a:extLst>
-          </p:cNvPr>
-          <p:cNvSpPr>
-            <a:spLocks noGrp="1"/>
-          </p:cNvSpPr>
-          <p:nvPr>
-            <p:ph type="title"/>
-          </p:nvPr>
-        </p:nvSpPr>
-        <p:spPr>
-          <a:xfrm>
-            <a:off x="809836" y="201329"/>
-            <a:ext cx="7524328" cy="884466"/>
-          </a:xfrm>
-        </p:spPr>
-        <p:txBody>
-          <a:bodyPr/>
-          <a:lstStyle/>
-          <a:p>
-            <a:pPr algn="ctr"/>
-            <a:r>
-              <a:rPr lang="it-CH" dirty="0"/>
-              <a:t>DESIGN - </a:t>
-            </a:r>
-            <a:r>
-              <a:rPr lang="it-CH" dirty="0" err="1"/>
-              <a:t>DroneSimulator</a:t>
-            </a:r>
-            <a:endParaRPr lang="it-CH" dirty="0"/>
-          </a:p>
-        </p:txBody>
-      </p:sp>
-    </p:spTree>
-    <p:extLst>
-      <p:ext uri="{BB962C8B-B14F-4D97-AF65-F5344CB8AC3E}">
-        <p14:creationId xmlns:p14="http://schemas.microsoft.com/office/powerpoint/2010/main" val="2226349106"/>
-      </p:ext>
-    </p:extLst>
-  </p:cSld>
-  <p:clrMapOvr>
-    <a:masterClrMapping/>
-  </p:clrMapOvr>
-  <mc:AlternateContent xmlns:mc="http://schemas.openxmlformats.org/markup-compatibility/2006">
-    <mc:Choice xmlns:p159="http://schemas.microsoft.com/office/powerpoint/2015/09/main" xmlns="" Requires="p159">
-      <p:transition xmlns:p14="http://schemas.microsoft.com/office/powerpoint/2010/main" spd="slow" p14:dur="2000">
-        <p159:morph option="byWord"/>
-      </p:transition>
-    </mc:Choice>
-    <mc:Fallback>
-      <p:transition spd="slow">
-        <p:fade/>
-      </p:transition>
-    </mc:Fallback>
-  </mc:AlternateContent>
-</p:sld>
-</file>
-
-<file path=ppt/slides/slide15.xml><?xml version="1.0" encoding="utf-8"?>
-<p:sld xmlns:a="http://schemas.openxmlformats.org/drawingml/2006/main" xmlns:r="http://schemas.openxmlformats.org/officeDocument/2006/relationships" xmlns:p="http://schemas.openxmlformats.org/presentationml/2006/main">
-  <p:cSld>
-    <p:bg>
-      <p:bgPr>
-        <a:solidFill>
-          <a:schemeClr val="bg1"/>
-        </a:solidFill>
-        <a:effectLst/>
-      </p:bgPr>
-    </p:bg>
-    <p:spTree>
-      <p:nvGrpSpPr>
-        <p:cNvPr id="1" name=""/>
-        <p:cNvGrpSpPr/>
-        <p:nvPr/>
-      </p:nvGrpSpPr>
-      <p:grpSpPr>
-        <a:xfrm>
-          <a:off x="0" y="0"/>
-          <a:ext cx="0" cy="0"/>
-          <a:chOff x="0" y="0"/>
-          <a:chExt cx="0" cy="0"/>
-        </a:xfrm>
-      </p:grpSpPr>
-      <p:pic>
-        <p:nvPicPr>
-          <p:cNvPr id="8" name="Immagine 7" descr="Immagine che contiene screenshot&#10;&#10;Descrizione generata con affidabilità molto elevata">
-            <a:extLst>
-              <a:ext uri="{FF2B5EF4-FFF2-40B4-BE49-F238E27FC236}">
-                <a16:creationId xmlns:a16="http://schemas.microsoft.com/office/drawing/2014/main" xmlns="" id="{7DA299B0-DDA3-44F6-9B72-80222BFF4D38}"/>
-              </a:ext>
-            </a:extLst>
-          </p:cNvPr>
-          <p:cNvPicPr>
-            <a:picLocks noChangeAspect="1"/>
-          </p:cNvPicPr>
-          <p:nvPr/>
-        </p:nvPicPr>
-        <p:blipFill>
-          <a:blip r:embed="rId2">
-            <a:extLst>
-              <a:ext uri="{28A0092B-C50C-407E-A947-70E740481C1C}">
-                <a14:useLocalDpi xmlns:a14="http://schemas.microsoft.com/office/drawing/2010/main" val="0"/>
-              </a:ext>
-            </a:extLst>
-          </a:blip>
-          <a:stretch>
-            <a:fillRect/>
-          </a:stretch>
-        </p:blipFill>
-        <p:spPr>
-          <a:xfrm>
-            <a:off x="363474" y="1326413"/>
-            <a:ext cx="1920240" cy="2486064"/>
-          </a:xfrm>
-          <a:prstGeom prst="rect">
-            <a:avLst/>
-          </a:prstGeom>
-        </p:spPr>
-      </p:pic>
-      <p:cxnSp>
-        <p:nvCxnSpPr>
-          <p:cNvPr id="14" name="Straight Connector 13">
-            <a:extLst>
-              <a:ext uri="{FF2B5EF4-FFF2-40B4-BE49-F238E27FC236}">
-                <a16:creationId xmlns:a16="http://schemas.microsoft.com/office/drawing/2014/main" xmlns="" id="{50DA1EB8-87CF-4588-A1FD-4756F9A28F6B}"/>
-              </a:ext>
-              <a:ext uri="{C183D7F6-B498-43B3-948B-1728B52AA6E4}">
-                <adec:decorative xmlns:adec="http://schemas.microsoft.com/office/drawing/2017/decorative" xmlns="" val="1"/>
-              </a:ext>
-            </a:extLst>
-          </p:cNvPr>
-          <p:cNvCxnSpPr>
-            <a:cxnSpLocks noGrp="1" noRot="1" noChangeAspect="1" noMove="1" noResize="1" noEditPoints="1" noAdjustHandles="1" noChangeArrowheads="1" noChangeShapeType="1"/>
-          </p:cNvCxnSpPr>
-          <p:nvPr>
-            <p:extLst>
-              <p:ext uri="{386F3935-93C4-4BCD-93E2-E3B085C9AB24}">
-                <p16:designElem xmlns:p16="http://schemas.microsoft.com/office/powerpoint/2015/main" xmlns="" val="1"/>
-              </p:ext>
-            </p:extLst>
-          </p:nvPr>
-        </p:nvCxnSpPr>
-        <p:spPr>
-          <a:xfrm>
-            <a:off x="2407559" y="1180415"/>
-            <a:ext cx="0" cy="2782670"/>
-          </a:xfrm>
-          <a:prstGeom prst="line">
-            <a:avLst/>
-          </a:prstGeom>
-          <a:ln w="19050">
-            <a:solidFill>
-              <a:srgbClr val="7F7F7F"/>
-            </a:solidFill>
-          </a:ln>
-        </p:spPr>
-        <p:style>
-          <a:lnRef idx="1">
-            <a:schemeClr val="accent1"/>
-          </a:lnRef>
-          <a:fillRef idx="0">
-            <a:schemeClr val="accent1"/>
-          </a:fillRef>
-          <a:effectRef idx="0">
-            <a:schemeClr val="accent1"/>
-          </a:effectRef>
-          <a:fontRef idx="minor">
-            <a:schemeClr val="tx1"/>
-          </a:fontRef>
-        </p:style>
-      </p:cxnSp>
-      <p:pic>
-        <p:nvPicPr>
-          <p:cNvPr id="4" name="Immagine 3" descr="Immagine che contiene screenshot&#10;&#10;Descrizione generata con affidabilità molto elevata">
-            <a:extLst>
-              <a:ext uri="{FF2B5EF4-FFF2-40B4-BE49-F238E27FC236}">
-                <a16:creationId xmlns:a16="http://schemas.microsoft.com/office/drawing/2014/main" xmlns="" id="{82C66964-43AC-41F6-BA80-FBE58CA9B01B}"/>
-              </a:ext>
-            </a:extLst>
-          </p:cNvPr>
-          <p:cNvPicPr>
-            <a:picLocks noChangeAspect="1"/>
-          </p:cNvPicPr>
-          <p:nvPr/>
-        </p:nvPicPr>
-        <p:blipFill>
-          <a:blip r:embed="rId3">
-            <a:extLst>
-              <a:ext uri="{28A0092B-C50C-407E-A947-70E740481C1C}">
-                <a14:useLocalDpi xmlns:a14="http://schemas.microsoft.com/office/drawing/2010/main" val="0"/>
-              </a:ext>
-            </a:extLst>
-          </a:blip>
-          <a:stretch>
-            <a:fillRect/>
-          </a:stretch>
-        </p:blipFill>
-        <p:spPr>
-          <a:xfrm>
-            <a:off x="2515973" y="1330580"/>
-            <a:ext cx="1920240" cy="2477729"/>
-          </a:xfrm>
-          <a:prstGeom prst="rect">
-            <a:avLst/>
-          </a:prstGeom>
-        </p:spPr>
-      </p:pic>
-      <p:cxnSp>
-        <p:nvCxnSpPr>
-          <p:cNvPr id="16" name="Straight Connector 15">
-            <a:extLst>
-              <a:ext uri="{FF2B5EF4-FFF2-40B4-BE49-F238E27FC236}">
-                <a16:creationId xmlns:a16="http://schemas.microsoft.com/office/drawing/2014/main" xmlns="" id="{D7A4E378-EA57-47B9-B1EB-58B998F6CFFB}"/>
-              </a:ext>
-              <a:ext uri="{C183D7F6-B498-43B3-948B-1728B52AA6E4}">
-                <adec:decorative xmlns:adec="http://schemas.microsoft.com/office/drawing/2017/decorative" xmlns="" val="1"/>
-              </a:ext>
-            </a:extLst>
-          </p:cNvPr>
-          <p:cNvCxnSpPr>
-            <a:cxnSpLocks noGrp="1" noRot="1" noChangeAspect="1" noMove="1" noResize="1" noEditPoints="1" noAdjustHandles="1" noChangeArrowheads="1" noChangeShapeType="1"/>
-          </p:cNvCxnSpPr>
-          <p:nvPr>
-            <p:extLst>
-              <p:ext uri="{386F3935-93C4-4BCD-93E2-E3B085C9AB24}">
-                <p16:designElem xmlns:p16="http://schemas.microsoft.com/office/powerpoint/2015/main" xmlns="" val="1"/>
-              </p:ext>
-            </p:extLst>
-          </p:nvPr>
-        </p:nvCxnSpPr>
-        <p:spPr>
-          <a:xfrm>
-            <a:off x="4554446" y="1180415"/>
-            <a:ext cx="0" cy="2782670"/>
-          </a:xfrm>
-          <a:prstGeom prst="line">
-            <a:avLst/>
-          </a:prstGeom>
-          <a:ln w="19050">
-            <a:solidFill>
-              <a:srgbClr val="7F7F7F"/>
-            </a:solidFill>
-          </a:ln>
-        </p:spPr>
-        <p:style>
-          <a:lnRef idx="1">
-            <a:schemeClr val="accent1"/>
-          </a:lnRef>
-          <a:fillRef idx="0">
-            <a:schemeClr val="accent1"/>
-          </a:fillRef>
-          <a:effectRef idx="0">
-            <a:schemeClr val="accent1"/>
-          </a:effectRef>
-          <a:fontRef idx="minor">
-            <a:schemeClr val="tx1"/>
-          </a:fontRef>
-        </p:style>
-      </p:cxnSp>
-      <p:pic>
-        <p:nvPicPr>
-          <p:cNvPr id="9" name="Immagine 8" descr="Immagine che contiene screenshot&#10;&#10;Descrizione generata con affidabilità molto elevata">
-            <a:extLst>
-              <a:ext uri="{FF2B5EF4-FFF2-40B4-BE49-F238E27FC236}">
-                <a16:creationId xmlns:a16="http://schemas.microsoft.com/office/drawing/2014/main" xmlns="" id="{836DA3D5-DDA6-4CE7-A78E-28031D04955D}"/>
-              </a:ext>
-            </a:extLst>
-          </p:cNvPr>
-          <p:cNvPicPr>
-            <a:picLocks noChangeAspect="1"/>
-          </p:cNvPicPr>
-          <p:nvPr/>
-        </p:nvPicPr>
-        <p:blipFill>
-          <a:blip r:embed="rId4">
-            <a:extLst>
-              <a:ext uri="{28A0092B-C50C-407E-A947-70E740481C1C}">
-                <a14:useLocalDpi xmlns:a14="http://schemas.microsoft.com/office/drawing/2010/main" val="0"/>
-              </a:ext>
-            </a:extLst>
-          </a:blip>
-          <a:stretch>
-            <a:fillRect/>
-          </a:stretch>
-        </p:blipFill>
-        <p:spPr>
-          <a:xfrm>
-            <a:off x="4676794" y="1330868"/>
-            <a:ext cx="1920240" cy="2477154"/>
-          </a:xfrm>
-          <a:prstGeom prst="rect">
-            <a:avLst/>
-          </a:prstGeom>
-        </p:spPr>
-      </p:pic>
-      <p:cxnSp>
-        <p:nvCxnSpPr>
-          <p:cNvPr id="18" name="Straight Connector 17">
-            <a:extLst>
-              <a:ext uri="{FF2B5EF4-FFF2-40B4-BE49-F238E27FC236}">
-                <a16:creationId xmlns:a16="http://schemas.microsoft.com/office/drawing/2014/main" xmlns="" id="{D2B31ED6-76F0-425A-9A41-C947AEF9C145}"/>
-              </a:ext>
-              <a:ext uri="{C183D7F6-B498-43B3-948B-1728B52AA6E4}">
-                <adec:decorative xmlns:adec="http://schemas.microsoft.com/office/drawing/2017/decorative" xmlns="" val="1"/>
-              </a:ext>
-            </a:extLst>
-          </p:cNvPr>
-          <p:cNvCxnSpPr>
-            <a:cxnSpLocks noGrp="1" noRot="1" noChangeAspect="1" noMove="1" noResize="1" noEditPoints="1" noAdjustHandles="1" noChangeArrowheads="1" noChangeShapeType="1"/>
-          </p:cNvCxnSpPr>
-          <p:nvPr>
-            <p:extLst>
-              <p:ext uri="{386F3935-93C4-4BCD-93E2-E3B085C9AB24}">
-                <p16:designElem xmlns:p16="http://schemas.microsoft.com/office/powerpoint/2015/main" xmlns="" val="1"/>
-              </p:ext>
-            </p:extLst>
-          </p:nvPr>
-        </p:nvCxnSpPr>
-        <p:spPr>
-          <a:xfrm>
-            <a:off x="6717465" y="1180415"/>
-            <a:ext cx="0" cy="2782670"/>
-          </a:xfrm>
-          <a:prstGeom prst="line">
-            <a:avLst/>
-          </a:prstGeom>
-          <a:ln w="19050">
-            <a:solidFill>
-              <a:srgbClr val="7F7F7F"/>
-            </a:solidFill>
-          </a:ln>
-        </p:spPr>
-        <p:style>
-          <a:lnRef idx="1">
-            <a:schemeClr val="accent1"/>
-          </a:lnRef>
-          <a:fillRef idx="0">
-            <a:schemeClr val="accent1"/>
-          </a:fillRef>
-          <a:effectRef idx="0">
-            <a:schemeClr val="accent1"/>
-          </a:effectRef>
-          <a:fontRef idx="minor">
-            <a:schemeClr val="tx1"/>
-          </a:fontRef>
-        </p:style>
-      </p:cxnSp>
-      <p:pic>
-        <p:nvPicPr>
-          <p:cNvPr id="7" name="Immagine 6" descr="Immagine che contiene screenshot&#10;&#10;Descrizione generata con affidabilità molto elevata">
-            <a:extLst>
-              <a:ext uri="{FF2B5EF4-FFF2-40B4-BE49-F238E27FC236}">
-                <a16:creationId xmlns:a16="http://schemas.microsoft.com/office/drawing/2014/main" xmlns="" id="{28249DBB-DE52-4089-9A76-2243FE313FEA}"/>
-              </a:ext>
-            </a:extLst>
-          </p:cNvPr>
-          <p:cNvPicPr>
-            <a:picLocks noChangeAspect="1"/>
-          </p:cNvPicPr>
-          <p:nvPr/>
-        </p:nvPicPr>
-        <p:blipFill>
-          <a:blip r:embed="rId5">
-            <a:extLst>
-              <a:ext uri="{28A0092B-C50C-407E-A947-70E740481C1C}">
-                <a14:useLocalDpi xmlns:a14="http://schemas.microsoft.com/office/drawing/2010/main" val="0"/>
-              </a:ext>
-            </a:extLst>
-          </a:blip>
-          <a:stretch>
-            <a:fillRect/>
-          </a:stretch>
-        </p:blipFill>
-        <p:spPr>
-          <a:xfrm>
-            <a:off x="6840496" y="1333096"/>
-            <a:ext cx="1920240" cy="2472698"/>
-          </a:xfrm>
-          <a:prstGeom prst="rect">
-            <a:avLst/>
-          </a:prstGeom>
-        </p:spPr>
-      </p:pic>
-      <p:sp>
-        <p:nvSpPr>
-          <p:cNvPr id="11" name="Titolo 1">
-            <a:extLst>
-              <a:ext uri="{FF2B5EF4-FFF2-40B4-BE49-F238E27FC236}">
-                <a16:creationId xmlns:a16="http://schemas.microsoft.com/office/drawing/2014/main" xmlns="" id="{D929E7EF-A7BB-487F-B14C-09078E1EAFF1}"/>
-              </a:ext>
-            </a:extLst>
-          </p:cNvPr>
-          <p:cNvSpPr>
-            <a:spLocks noGrp="1"/>
-          </p:cNvSpPr>
-          <p:nvPr>
-            <p:ph type="title"/>
-          </p:nvPr>
-        </p:nvSpPr>
-        <p:spPr>
-          <a:xfrm>
-            <a:off x="809836" y="123478"/>
-            <a:ext cx="7524328" cy="884466"/>
-          </a:xfrm>
-        </p:spPr>
-        <p:txBody>
-          <a:bodyPr/>
-          <a:lstStyle/>
-          <a:p>
-            <a:pPr algn="ctr"/>
-            <a:r>
-              <a:rPr lang="it-CH" dirty="0"/>
-              <a:t>DESIGN - </a:t>
-            </a:r>
-            <a:r>
-              <a:rPr lang="it-IT" dirty="0" err="1"/>
-              <a:t>DroneController</a:t>
-            </a:r>
-            <a:endParaRPr lang="it-CH" dirty="0"/>
-          </a:p>
-        </p:txBody>
-      </p:sp>
-    </p:spTree>
-    <p:extLst>
-      <p:ext uri="{BB962C8B-B14F-4D97-AF65-F5344CB8AC3E}">
-        <p14:creationId xmlns:p14="http://schemas.microsoft.com/office/powerpoint/2010/main" val="1219349396"/>
-      </p:ext>
-    </p:extLst>
-  </p:cSld>
-  <p:clrMapOvr>
-    <a:masterClrMapping/>
-  </p:clrMapOvr>
-  <mc:AlternateContent xmlns:mc="http://schemas.openxmlformats.org/markup-compatibility/2006">
-    <mc:Choice xmlns:p159="http://schemas.microsoft.com/office/powerpoint/2015/09/main" xmlns="" Requires="p159">
-      <p:transition xmlns:p14="http://schemas.microsoft.com/office/powerpoint/2010/main" spd="slow" p14:dur="2000">
-        <p159:morph option="byWord"/>
-      </p:transition>
-    </mc:Choice>
-    <mc:Fallback>
-      <p:transition spd="slow">
-        <p:fade/>
-      </p:transition>
-    </mc:Fallback>
-  </mc:AlternateContent>
-</p:sld>
-</file>
-
-<file path=ppt/slides/slide16.xml><?xml version="1.0" encoding="utf-8"?>
-<p:sld xmlns:a="http://schemas.openxmlformats.org/drawingml/2006/main" xmlns:r="http://schemas.openxmlformats.org/officeDocument/2006/relationships" xmlns:p="http://schemas.openxmlformats.org/presentationml/2006/main">
-  <p:cSld>
-    <p:spTree>
-      <p:nvGrpSpPr>
-        <p:cNvPr id="1" name=""/>
-        <p:cNvGrpSpPr/>
-        <p:nvPr/>
-      </p:nvGrpSpPr>
-      <p:grpSpPr>
-        <a:xfrm>
-          <a:off x="0" y="0"/>
-          <a:ext cx="0" cy="0"/>
-          <a:chOff x="0" y="0"/>
-          <a:chExt cx="0" cy="0"/>
-        </a:xfrm>
-      </p:grpSpPr>
-      <p:sp>
-        <p:nvSpPr>
-          <p:cNvPr id="2" name="Titolo 1">
-            <a:extLst>
-              <a:ext uri="{FF2B5EF4-FFF2-40B4-BE49-F238E27FC236}">
-                <a16:creationId xmlns:a16="http://schemas.microsoft.com/office/drawing/2014/main" xmlns="" id="{D9D1A5C6-17BF-4092-A0E1-85A255481368}"/>
-              </a:ext>
-            </a:extLst>
-          </p:cNvPr>
-          <p:cNvSpPr>
-            <a:spLocks noGrp="1"/>
-          </p:cNvSpPr>
-          <p:nvPr>
-            <p:ph type="title"/>
-          </p:nvPr>
-        </p:nvSpPr>
-        <p:spPr>
-          <a:xfrm>
-            <a:off x="0" y="0"/>
-            <a:ext cx="9144000" cy="4731990"/>
-          </a:xfrm>
-        </p:spPr>
-        <p:txBody>
-          <a:bodyPr/>
-          <a:lstStyle/>
-          <a:p>
-            <a:pPr algn="ctr"/>
-            <a:r>
-              <a:rPr lang="it-CH" sz="5400" dirty="0"/>
-              <a:t>IMPLEMENTAZIONE</a:t>
-            </a:r>
-          </a:p>
-        </p:txBody>
-      </p:sp>
-    </p:spTree>
-    <p:extLst>
-      <p:ext uri="{BB962C8B-B14F-4D97-AF65-F5344CB8AC3E}">
-        <p14:creationId xmlns:p14="http://schemas.microsoft.com/office/powerpoint/2010/main" val="2631092496"/>
-      </p:ext>
-    </p:extLst>
-  </p:cSld>
-  <p:clrMapOvr>
-    <a:masterClrMapping/>
-  </p:clrMapOvr>
-  <mc:AlternateContent xmlns:mc="http://schemas.openxmlformats.org/markup-compatibility/2006">
-    <mc:Choice xmlns:p159="http://schemas.microsoft.com/office/powerpoint/2015/09/main" xmlns="" Requires="p159">
-      <p:transition xmlns:p14="http://schemas.microsoft.com/office/powerpoint/2010/main" spd="slow" p14:dur="2000">
-        <p159:morph option="byWord"/>
-      </p:transition>
-    </mc:Choice>
-    <mc:Fallback>
-      <p:transition spd="slow">
-        <p:fade/>
-      </p:transition>
-    </mc:Fallback>
-  </mc:AlternateContent>
-</p:sld>
-</file>
-
-<file path=ppt/slides/slide17.xml><?xml version="1.0" encoding="utf-8"?>
-<p:sld xmlns:a="http://schemas.openxmlformats.org/drawingml/2006/main" xmlns:r="http://schemas.openxmlformats.org/officeDocument/2006/relationships" xmlns:p="http://schemas.openxmlformats.org/presentationml/2006/main">
-  <p:cSld>
-    <p:spTree>
-      <p:nvGrpSpPr>
-        <p:cNvPr id="1" name=""/>
-        <p:cNvGrpSpPr/>
-        <p:nvPr/>
-      </p:nvGrpSpPr>
-      <p:grpSpPr>
-        <a:xfrm>
-          <a:off x="0" y="0"/>
-          <a:ext cx="0" cy="0"/>
-          <a:chOff x="0" y="0"/>
-          <a:chExt cx="0" cy="0"/>
-        </a:xfrm>
-      </p:grpSpPr>
-      <p:sp>
-        <p:nvSpPr>
-          <p:cNvPr id="2" name="Titolo 1">
-            <a:extLst>
-              <a:ext uri="{FF2B5EF4-FFF2-40B4-BE49-F238E27FC236}">
-                <a16:creationId xmlns:a16="http://schemas.microsoft.com/office/drawing/2014/main" xmlns="" id="{1C9728DE-DCC3-47F3-A9A7-4840BBF3A649}"/>
-              </a:ext>
-            </a:extLst>
-          </p:cNvPr>
-          <p:cNvSpPr>
-            <a:spLocks noGrp="1"/>
-          </p:cNvSpPr>
-          <p:nvPr>
-            <p:ph type="title"/>
-          </p:nvPr>
-        </p:nvSpPr>
-        <p:spPr/>
-        <p:txBody>
-          <a:bodyPr/>
-          <a:lstStyle/>
-          <a:p>
-            <a:r>
-              <a:rPr lang="it-CH" dirty="0" err="1" smtClean="0"/>
-              <a:t>DroneController</a:t>
-            </a:r>
-            <a:endParaRPr lang="it-CH" dirty="0"/>
-          </a:p>
-        </p:txBody>
-      </p:sp>
-      <p:sp>
-        <p:nvSpPr>
-          <p:cNvPr id="3" name="Segnaposto contenuto 2">
-            <a:extLst>
-              <a:ext uri="{FF2B5EF4-FFF2-40B4-BE49-F238E27FC236}">
-                <a16:creationId xmlns:a16="http://schemas.microsoft.com/office/drawing/2014/main" xmlns="" id="{A9782E92-4646-4216-BC0B-9AFBD5130E30}"/>
-              </a:ext>
-            </a:extLst>
-          </p:cNvPr>
-          <p:cNvSpPr>
-            <a:spLocks noGrp="1"/>
-          </p:cNvSpPr>
-          <p:nvPr>
-            <p:ph idx="1"/>
-          </p:nvPr>
-        </p:nvSpPr>
-        <p:spPr>
-          <a:xfrm>
-            <a:off x="2000747" y="884466"/>
-            <a:ext cx="6912768" cy="460648"/>
-          </a:xfrm>
-        </p:spPr>
-        <p:txBody>
-          <a:bodyPr/>
-          <a:lstStyle/>
-          <a:p>
-            <a:r>
-              <a:rPr lang="it-CH" sz="2800" dirty="0" smtClean="0"/>
-              <a:t>Classe </a:t>
-            </a:r>
-            <a:r>
-              <a:rPr lang="it-CH" sz="2800" dirty="0" err="1" smtClean="0"/>
-              <a:t>DroneController</a:t>
-            </a:r>
-            <a:endParaRPr lang="it-CH" sz="2800" dirty="0"/>
-          </a:p>
-        </p:txBody>
-      </p:sp>
-      <p:sp>
-        <p:nvSpPr>
-          <p:cNvPr id="4" name="Segnaposto contenuto 3">
-            <a:extLst>
-              <a:ext uri="{FF2B5EF4-FFF2-40B4-BE49-F238E27FC236}">
-                <a16:creationId xmlns:a16="http://schemas.microsoft.com/office/drawing/2014/main" xmlns="" id="{13544A92-8328-4004-96C8-B60363828F13}"/>
-              </a:ext>
-            </a:extLst>
-          </p:cNvPr>
-          <p:cNvSpPr>
-            <a:spLocks noGrp="1"/>
-          </p:cNvSpPr>
-          <p:nvPr>
-            <p:ph idx="10"/>
-          </p:nvPr>
-        </p:nvSpPr>
-        <p:spPr/>
-        <p:txBody>
-          <a:bodyPr/>
-          <a:lstStyle/>
-          <a:p>
-            <a:pPr marL="285750" indent="-285750">
-              <a:lnSpc>
-                <a:spcPct val="150000"/>
-              </a:lnSpc>
-              <a:buFont typeface="Arial" panose="020B0604020202020204" pitchFamily="34" charset="0"/>
-              <a:buChar char="•"/>
-            </a:pPr>
-            <a:r>
-              <a:rPr lang="it-CH" sz="2000" dirty="0" smtClean="0"/>
-              <a:t>Legge movimenti attraverso </a:t>
-            </a:r>
-            <a:r>
-              <a:rPr lang="it-CH" sz="2000" dirty="0" err="1" smtClean="0"/>
-              <a:t>LeapMotion</a:t>
-            </a:r>
-            <a:endParaRPr lang="it-CH" sz="2000" dirty="0"/>
-          </a:p>
-          <a:p>
-            <a:pPr marL="285750" indent="-285750">
-              <a:lnSpc>
-                <a:spcPct val="150000"/>
-              </a:lnSpc>
-              <a:buFont typeface="Arial" panose="020B0604020202020204" pitchFamily="34" charset="0"/>
-              <a:buChar char="•"/>
-            </a:pPr>
-            <a:r>
-              <a:rPr lang="it-CH" sz="2000" dirty="0" smtClean="0"/>
-              <a:t>Inviati al Drone</a:t>
-            </a:r>
-          </a:p>
-          <a:p>
-            <a:pPr marL="1028700" lvl="1">
-              <a:lnSpc>
-                <a:spcPct val="150000"/>
-              </a:lnSpc>
-              <a:buFont typeface="Arial" panose="020B0604020202020204" pitchFamily="34" charset="0"/>
-              <a:buChar char="•"/>
-            </a:pPr>
-            <a:r>
-              <a:rPr lang="it-CH" sz="2000" dirty="0" err="1" smtClean="0"/>
-              <a:t>CommandManager</a:t>
-            </a:r>
-            <a:endParaRPr lang="it-CH" sz="2000" dirty="0"/>
-          </a:p>
-        </p:txBody>
-      </p:sp>
-    </p:spTree>
-    <p:extLst>
-      <p:ext uri="{BB962C8B-B14F-4D97-AF65-F5344CB8AC3E}">
-        <p14:creationId xmlns:p14="http://schemas.microsoft.com/office/powerpoint/2010/main" val="1615021837"/>
-      </p:ext>
-    </p:extLst>
-  </p:cSld>
-  <p:clrMapOvr>
-    <a:masterClrMapping/>
-  </p:clrMapOvr>
-  <mc:AlternateContent xmlns:mc="http://schemas.openxmlformats.org/markup-compatibility/2006">
-    <mc:Choice xmlns:p159="http://schemas.microsoft.com/office/powerpoint/2015/09/main" xmlns="" Requires="p159">
-      <p:transition xmlns:p14="http://schemas.microsoft.com/office/powerpoint/2010/main" spd="slow" p14:dur="2000">
-        <p159:morph option="byWord"/>
-      </p:transition>
-    </mc:Choice>
-    <mc:Fallback>
-      <p:transition spd="slow">
-        <p:fade/>
-      </p:transition>
-    </mc:Fallback>
-  </mc:AlternateContent>
-</p:sld>
-</file>
-
-<file path=ppt/slides/slide18.xml><?xml version="1.0" encoding="utf-8"?>
-<p:sld xmlns:a="http://schemas.openxmlformats.org/drawingml/2006/main" xmlns:r="http://schemas.openxmlformats.org/officeDocument/2006/relationships" xmlns:p="http://schemas.openxmlformats.org/presentationml/2006/main">
-  <p:cSld>
-    <p:spTree>
-      <p:nvGrpSpPr>
-        <p:cNvPr id="1" name=""/>
-        <p:cNvGrpSpPr/>
-        <p:nvPr/>
-      </p:nvGrpSpPr>
-      <p:grpSpPr>
-        <a:xfrm>
-          <a:off x="0" y="0"/>
-          <a:ext cx="0" cy="0"/>
-          <a:chOff x="0" y="0"/>
-          <a:chExt cx="0" cy="0"/>
-        </a:xfrm>
-      </p:grpSpPr>
-      <p:sp>
-        <p:nvSpPr>
-          <p:cNvPr id="2" name="Titolo 1">
-            <a:extLst>
-              <a:ext uri="{FF2B5EF4-FFF2-40B4-BE49-F238E27FC236}">
-                <a16:creationId xmlns:a16="http://schemas.microsoft.com/office/drawing/2014/main" xmlns="" id="{1C9728DE-DCC3-47F3-A9A7-4840BBF3A649}"/>
-              </a:ext>
-            </a:extLst>
-          </p:cNvPr>
-          <p:cNvSpPr>
-            <a:spLocks noGrp="1"/>
-          </p:cNvSpPr>
-          <p:nvPr>
-            <p:ph type="title"/>
-          </p:nvPr>
-        </p:nvSpPr>
-        <p:spPr/>
-        <p:txBody>
-          <a:bodyPr/>
-          <a:lstStyle/>
-          <a:p>
-            <a:r>
-              <a:rPr lang="it-CH" dirty="0" err="1"/>
-              <a:t>DroneController</a:t>
-            </a:r>
-            <a:endParaRPr lang="it-CH" dirty="0"/>
-          </a:p>
-        </p:txBody>
-      </p:sp>
-      <p:sp>
-        <p:nvSpPr>
-          <p:cNvPr id="3" name="Segnaposto contenuto 2">
-            <a:extLst>
-              <a:ext uri="{FF2B5EF4-FFF2-40B4-BE49-F238E27FC236}">
-                <a16:creationId xmlns:a16="http://schemas.microsoft.com/office/drawing/2014/main" xmlns="" id="{A9782E92-4646-4216-BC0B-9AFBD5130E30}"/>
-              </a:ext>
-            </a:extLst>
-          </p:cNvPr>
-          <p:cNvSpPr>
-            <a:spLocks noGrp="1"/>
-          </p:cNvSpPr>
-          <p:nvPr>
-            <p:ph idx="1"/>
-          </p:nvPr>
-        </p:nvSpPr>
-        <p:spPr>
-          <a:xfrm>
-            <a:off x="2000747" y="884466"/>
-            <a:ext cx="6912768" cy="460648"/>
-          </a:xfrm>
-        </p:spPr>
-        <p:txBody>
-          <a:bodyPr/>
-          <a:lstStyle/>
-          <a:p>
-            <a:r>
-              <a:rPr lang="it-CH" sz="2800" dirty="0"/>
-              <a:t>Classe </a:t>
-            </a:r>
-            <a:r>
-              <a:rPr lang="it-IT" sz="2800" dirty="0" err="1"/>
-              <a:t>DroneControllerMonitor</a:t>
-            </a:r>
-            <a:r>
-              <a:rPr lang="it-IT" sz="2800" dirty="0"/>
-              <a:t> </a:t>
-            </a:r>
-            <a:endParaRPr lang="it-CH" sz="2800" dirty="0"/>
-          </a:p>
-        </p:txBody>
-      </p:sp>
-      <p:sp>
-        <p:nvSpPr>
-          <p:cNvPr id="4" name="Segnaposto contenuto 3">
-            <a:extLst>
-              <a:ext uri="{FF2B5EF4-FFF2-40B4-BE49-F238E27FC236}">
-                <a16:creationId xmlns:a16="http://schemas.microsoft.com/office/drawing/2014/main" xmlns="" id="{13544A92-8328-4004-96C8-B60363828F13}"/>
-              </a:ext>
-            </a:extLst>
-          </p:cNvPr>
-          <p:cNvSpPr>
-            <a:spLocks noGrp="1"/>
-          </p:cNvSpPr>
-          <p:nvPr>
-            <p:ph idx="10"/>
-          </p:nvPr>
-        </p:nvSpPr>
-        <p:spPr>
-          <a:xfrm>
-            <a:off x="1925452" y="1563638"/>
-            <a:ext cx="6912768" cy="2995737"/>
-          </a:xfrm>
-        </p:spPr>
-        <p:txBody>
-          <a:bodyPr/>
-          <a:lstStyle/>
-          <a:p>
-            <a:pPr marL="285750" indent="-285750">
-              <a:lnSpc>
-                <a:spcPct val="150000"/>
-              </a:lnSpc>
-              <a:buFont typeface="Arial" panose="020B0604020202020204" pitchFamily="34" charset="0"/>
-              <a:buChar char="•"/>
-            </a:pPr>
-            <a:r>
-              <a:rPr lang="it-CH" sz="2000" dirty="0"/>
-              <a:t>GUI</a:t>
-            </a:r>
-          </a:p>
-          <a:p>
-            <a:pPr marL="1028700" lvl="1">
-              <a:lnSpc>
-                <a:spcPct val="150000"/>
-              </a:lnSpc>
-              <a:buFont typeface="Arial" panose="020B0604020202020204" pitchFamily="34" charset="0"/>
-              <a:buChar char="•"/>
-            </a:pPr>
-            <a:r>
-              <a:rPr lang="it-CH" sz="2000" dirty="0"/>
-              <a:t>Controllo drone </a:t>
-            </a:r>
-          </a:p>
-          <a:p>
-            <a:pPr marL="1028700" lvl="1">
-              <a:lnSpc>
-                <a:spcPct val="150000"/>
-              </a:lnSpc>
-              <a:buFont typeface="Arial" panose="020B0604020202020204" pitchFamily="34" charset="0"/>
-              <a:buChar char="•"/>
-            </a:pPr>
-            <a:r>
-              <a:rPr lang="it-CH" sz="2000" dirty="0"/>
-              <a:t>Recording</a:t>
-            </a:r>
-          </a:p>
-          <a:p>
-            <a:pPr marL="1028700" lvl="1">
-              <a:lnSpc>
-                <a:spcPct val="150000"/>
-              </a:lnSpc>
-              <a:buFont typeface="Arial" panose="020B0604020202020204" pitchFamily="34" charset="0"/>
-              <a:buChar char="•"/>
-            </a:pPr>
-            <a:r>
-              <a:rPr lang="it-CH" sz="2000" dirty="0" err="1"/>
-              <a:t>Config</a:t>
-            </a:r>
-            <a:endParaRPr lang="it-CH" sz="2000" dirty="0"/>
-          </a:p>
-          <a:p>
-            <a:pPr marL="1028700" lvl="1">
-              <a:lnSpc>
-                <a:spcPct val="150000"/>
-              </a:lnSpc>
-              <a:buFont typeface="Arial" panose="020B0604020202020204" pitchFamily="34" charset="0"/>
-              <a:buChar char="•"/>
-            </a:pPr>
-            <a:r>
-              <a:rPr lang="it-CH" sz="2000" dirty="0"/>
-              <a:t>Log</a:t>
-            </a:r>
-          </a:p>
-        </p:txBody>
-      </p:sp>
-    </p:spTree>
-    <p:extLst>
-      <p:ext uri="{BB962C8B-B14F-4D97-AF65-F5344CB8AC3E}">
-        <p14:creationId xmlns:p14="http://schemas.microsoft.com/office/powerpoint/2010/main" val="2586380990"/>
-      </p:ext>
-    </p:extLst>
-  </p:cSld>
-  <p:clrMapOvr>
-    <a:masterClrMapping/>
-  </p:clrMapOvr>
-  <mc:AlternateContent xmlns:mc="http://schemas.openxmlformats.org/markup-compatibility/2006">
-    <mc:Choice xmlns:p159="http://schemas.microsoft.com/office/powerpoint/2015/09/main" xmlns="" Requires="p159">
-      <p:transition xmlns:p14="http://schemas.microsoft.com/office/powerpoint/2010/main" spd="slow" p14:dur="2000">
-        <p159:morph option="byWord"/>
-      </p:transition>
-    </mc:Choice>
-    <mc:Fallback>
-      <p:transition spd="slow">
-        <p:fade/>
-      </p:transition>
-    </mc:Fallback>
-  </mc:AlternateContent>
-</p:sld>
-</file>
-
-<file path=ppt/slides/slide19.xml><?xml version="1.0" encoding="utf-8"?>
-<p:sld xmlns:a="http://schemas.openxmlformats.org/drawingml/2006/main" xmlns:r="http://schemas.openxmlformats.org/officeDocument/2006/relationships" xmlns:p="http://schemas.openxmlformats.org/presentationml/2006/main">
-  <p:cSld>
-    <p:spTree>
-      <p:nvGrpSpPr>
-        <p:cNvPr id="1" name=""/>
-        <p:cNvGrpSpPr/>
-        <p:nvPr/>
-      </p:nvGrpSpPr>
-      <p:grpSpPr>
-        <a:xfrm>
-          <a:off x="0" y="0"/>
-          <a:ext cx="0" cy="0"/>
-          <a:chOff x="0" y="0"/>
-          <a:chExt cx="0" cy="0"/>
-        </a:xfrm>
-      </p:grpSpPr>
-      <p:sp>
-        <p:nvSpPr>
-          <p:cNvPr id="2" name="Titolo 1">
-            <a:extLst>
-              <a:ext uri="{FF2B5EF4-FFF2-40B4-BE49-F238E27FC236}">
-                <a16:creationId xmlns:a16="http://schemas.microsoft.com/office/drawing/2014/main" xmlns="" id="{929A8F7E-6DE7-4CF1-8507-D13BF35BA7BD}"/>
-              </a:ext>
-            </a:extLst>
-          </p:cNvPr>
-          <p:cNvSpPr>
-            <a:spLocks noGrp="1"/>
-          </p:cNvSpPr>
-          <p:nvPr>
-            <p:ph type="title"/>
-          </p:nvPr>
-        </p:nvSpPr>
-        <p:spPr>
-          <a:xfrm>
-            <a:off x="611560" y="1700213"/>
-            <a:ext cx="3008313" cy="871537"/>
-          </a:xfrm>
-        </p:spPr>
-        <p:txBody>
-          <a:bodyPr>
-            <a:normAutofit fontScale="90000"/>
-          </a:bodyPr>
-          <a:lstStyle/>
-          <a:p>
-            <a:pPr algn="ctr"/>
-            <a:r>
-              <a:rPr lang="it-CH" sz="4000" dirty="0">
-                <a:latin typeface="Arial" panose="020B0604020202020204" pitchFamily="34" charset="0"/>
-                <a:cs typeface="Arial" panose="020B0604020202020204" pitchFamily="34" charset="0"/>
-              </a:rPr>
-              <a:t>COMANDI RAPIDI</a:t>
-            </a:r>
-          </a:p>
-        </p:txBody>
-      </p:sp>
-      <p:pic>
-        <p:nvPicPr>
-          <p:cNvPr id="7" name="Segnaposto contenuto 6">
-            <a:extLst>
-              <a:ext uri="{FF2B5EF4-FFF2-40B4-BE49-F238E27FC236}">
-                <a16:creationId xmlns:a16="http://schemas.microsoft.com/office/drawing/2014/main" xmlns="" id="{2C760AAA-BFC6-4AF6-AC4C-EB880816BB6F}"/>
-              </a:ext>
-            </a:extLst>
-          </p:cNvPr>
-          <p:cNvPicPr>
-            <a:picLocks noGrp="1" noChangeAspect="1"/>
-          </p:cNvPicPr>
-          <p:nvPr>
-            <p:ph idx="1"/>
-          </p:nvPr>
-        </p:nvPicPr>
-        <p:blipFill rotWithShape="1">
-          <a:blip r:embed="rId3">
-            <a:extLst>
-              <a:ext uri="{28A0092B-C50C-407E-A947-70E740481C1C}">
-                <a14:useLocalDpi xmlns:a14="http://schemas.microsoft.com/office/drawing/2010/main" val="0"/>
-              </a:ext>
-            </a:extLst>
-          </a:blip>
-          <a:srcRect b="16547"/>
-          <a:stretch/>
-        </p:blipFill>
-        <p:spPr>
-          <a:xfrm>
-            <a:off x="5220072" y="46619"/>
-            <a:ext cx="3008313" cy="5104725"/>
-          </a:xfrm>
-        </p:spPr>
-      </p:pic>
-    </p:spTree>
-    <p:extLst>
-      <p:ext uri="{BB962C8B-B14F-4D97-AF65-F5344CB8AC3E}">
-        <p14:creationId xmlns:p14="http://schemas.microsoft.com/office/powerpoint/2010/main" val="4158655498"/>
-      </p:ext>
-    </p:extLst>
-  </p:cSld>
-  <p:clrMapOvr>
-    <a:masterClrMapping/>
-  </p:clrMapOvr>
-</p:sld>
-</file>
-
-<file path=ppt/slides/slide2.xml><?xml version="1.0" encoding="utf-8"?>
-<p:sld xmlns:a="http://schemas.openxmlformats.org/drawingml/2006/main" xmlns:r="http://schemas.openxmlformats.org/officeDocument/2006/relationships" xmlns:p="http://schemas.openxmlformats.org/presentationml/2006/main">
-  <p:cSld>
-    <p:spTree>
-      <p:nvGrpSpPr>
-        <p:cNvPr id="1" name=""/>
-        <p:cNvGrpSpPr/>
-        <p:nvPr/>
-      </p:nvGrpSpPr>
-      <p:grpSpPr>
-        <a:xfrm>
-          <a:off x="0" y="0"/>
-          <a:ext cx="0" cy="0"/>
-          <a:chOff x="0" y="0"/>
-          <a:chExt cx="0" cy="0"/>
-        </a:xfrm>
-      </p:grpSpPr>
-      <p:sp>
-        <p:nvSpPr>
-          <p:cNvPr id="2" name="Titolo 1">
-            <a:extLst>
-              <a:ext uri="{FF2B5EF4-FFF2-40B4-BE49-F238E27FC236}">
-                <a16:creationId xmlns:a16="http://schemas.microsoft.com/office/drawing/2014/main" xmlns="" id="{1F4EF76E-72FB-49D5-9299-592E62BF06B2}"/>
-              </a:ext>
-            </a:extLst>
-          </p:cNvPr>
-          <p:cNvSpPr>
-            <a:spLocks noGrp="1"/>
-          </p:cNvSpPr>
-          <p:nvPr>
-            <p:ph type="title"/>
-          </p:nvPr>
-        </p:nvSpPr>
-        <p:spPr/>
-        <p:txBody>
-          <a:bodyPr/>
-          <a:lstStyle/>
-          <a:p>
-            <a:r>
-              <a:rPr lang="it-CH" dirty="0"/>
-              <a:t>CHI SIAMO</a:t>
-            </a:r>
-          </a:p>
-        </p:txBody>
-      </p:sp>
-      <p:sp>
-        <p:nvSpPr>
-          <p:cNvPr id="4" name="Segnaposto contenuto 3">
-            <a:extLst>
-              <a:ext uri="{FF2B5EF4-FFF2-40B4-BE49-F238E27FC236}">
-                <a16:creationId xmlns:a16="http://schemas.microsoft.com/office/drawing/2014/main" xmlns="" id="{FB91016C-8169-45ED-B54B-B80E87645789}"/>
-              </a:ext>
-            </a:extLst>
-          </p:cNvPr>
-          <p:cNvSpPr>
-            <a:spLocks noGrp="1"/>
-          </p:cNvSpPr>
-          <p:nvPr>
-            <p:ph idx="1"/>
-          </p:nvPr>
-        </p:nvSpPr>
-        <p:spPr>
-          <a:xfrm>
-            <a:off x="405880" y="884467"/>
-            <a:ext cx="8496944" cy="3775516"/>
-          </a:xfrm>
-        </p:spPr>
-        <p:txBody>
-          <a:bodyPr/>
-          <a:lstStyle/>
-          <a:p>
-            <a:pPr marL="628650" indent="-342900">
-              <a:buFont typeface="Arial" panose="020B0604020202020204" pitchFamily="34" charset="0"/>
-              <a:buChar char="•"/>
-            </a:pPr>
-            <a:r>
-              <a:rPr lang="it-CH" sz="3200" dirty="0"/>
-              <a:t>Luca Di Bello</a:t>
-            </a:r>
-          </a:p>
-          <a:p>
-            <a:pPr marL="1371600" lvl="1" indent="-342900">
-              <a:buFont typeface="Arial" panose="020B0604020202020204" pitchFamily="34" charset="0"/>
-              <a:buChar char="•"/>
-            </a:pPr>
-            <a:r>
-              <a:rPr lang="it-CH" sz="3800" dirty="0">
-                <a:hlinkClick r:id="rId2"/>
-              </a:rPr>
-              <a:t>luca.dibello@samtrevano.ch</a:t>
-            </a:r>
-            <a:endParaRPr lang="it-CH" sz="3800" dirty="0"/>
-          </a:p>
-          <a:p>
-            <a:pPr marL="1371600" lvl="1" indent="-342900">
-              <a:buFont typeface="Arial" panose="020B0604020202020204" pitchFamily="34" charset="0"/>
-              <a:buChar char="•"/>
-            </a:pPr>
-            <a:endParaRPr lang="it-CH" sz="3800" dirty="0"/>
-          </a:p>
-          <a:p>
-            <a:pPr marL="628650" indent="-342900">
-              <a:buFont typeface="Arial" panose="020B0604020202020204" pitchFamily="34" charset="0"/>
-              <a:buChar char="•"/>
-            </a:pPr>
-            <a:r>
-              <a:rPr lang="it-CH" sz="3600" dirty="0" err="1"/>
-              <a:t>Fadil</a:t>
-            </a:r>
-            <a:r>
-              <a:rPr lang="it-CH" sz="3600" dirty="0"/>
-              <a:t> </a:t>
-            </a:r>
-            <a:r>
-              <a:rPr lang="it-CH" sz="3600" dirty="0" err="1"/>
-              <a:t>Smajilbasic</a:t>
-            </a:r>
-            <a:endParaRPr lang="it-CH" sz="3600" dirty="0"/>
-          </a:p>
-          <a:p>
-            <a:pPr marL="1371600" lvl="1" indent="-342900">
-              <a:buFont typeface="Arial" panose="020B0604020202020204" pitchFamily="34" charset="0"/>
-              <a:buChar char="•"/>
-            </a:pPr>
-            <a:r>
-              <a:rPr lang="it-CH" sz="3600" dirty="0">
-                <a:hlinkClick r:id="rId3"/>
-              </a:rPr>
-              <a:t>fadil.smajilbasic@samtrevano.ch</a:t>
-            </a:r>
-            <a:endParaRPr lang="it-CH" sz="3600" dirty="0"/>
-          </a:p>
-        </p:txBody>
-      </p:sp>
-    </p:spTree>
-    <p:extLst>
-      <p:ext uri="{BB962C8B-B14F-4D97-AF65-F5344CB8AC3E}">
-        <p14:creationId xmlns:p14="http://schemas.microsoft.com/office/powerpoint/2010/main" val="1267420435"/>
-      </p:ext>
-    </p:extLst>
-  </p:cSld>
-  <p:clrMapOvr>
-    <a:masterClrMapping/>
-  </p:clrMapOvr>
-  <mc:AlternateContent xmlns:mc="http://schemas.openxmlformats.org/markup-compatibility/2006">
-    <mc:Choice xmlns:p159="http://schemas.microsoft.com/office/powerpoint/2015/09/main" xmlns="" Requires="p159">
-      <p:transition xmlns:p14="http://schemas.microsoft.com/office/powerpoint/2010/main" spd="slow" p14:dur="2000">
-        <p159:morph option="byWord"/>
-      </p:transition>
-    </mc:Choice>
-    <mc:Fallback>
-      <p:transition spd="slow">
-        <p:fade/>
-      </p:transition>
-    </mc:Fallback>
-  </mc:AlternateContent>
-</p:sld>
-</file>
-
-<file path=ppt/slides/slide20.xml><?xml version="1.0" encoding="utf-8"?>
-<p:sld xmlns:a="http://schemas.openxmlformats.org/drawingml/2006/main" xmlns:r="http://schemas.openxmlformats.org/officeDocument/2006/relationships" xmlns:p="http://schemas.openxmlformats.org/presentationml/2006/main">
-  <p:cSld>
-    <p:spTree>
-      <p:nvGrpSpPr>
-        <p:cNvPr id="1" name=""/>
-        <p:cNvGrpSpPr/>
-        <p:nvPr/>
-      </p:nvGrpSpPr>
-      <p:grpSpPr>
-        <a:xfrm>
-          <a:off x="0" y="0"/>
-          <a:ext cx="0" cy="0"/>
-          <a:chOff x="0" y="0"/>
-          <a:chExt cx="0" cy="0"/>
-        </a:xfrm>
-      </p:grpSpPr>
-      <p:sp>
-        <p:nvSpPr>
-          <p:cNvPr id="2" name="Titolo 1">
-            <a:extLst>
-              <a:ext uri="{FF2B5EF4-FFF2-40B4-BE49-F238E27FC236}">
-                <a16:creationId xmlns:a16="http://schemas.microsoft.com/office/drawing/2014/main" xmlns="" id="{929A8F7E-6DE7-4CF1-8507-D13BF35BA7BD}"/>
-              </a:ext>
-            </a:extLst>
-          </p:cNvPr>
-          <p:cNvSpPr>
-            <a:spLocks noGrp="1"/>
-          </p:cNvSpPr>
-          <p:nvPr>
-            <p:ph type="title"/>
-          </p:nvPr>
-        </p:nvSpPr>
-        <p:spPr>
-          <a:xfrm>
-            <a:off x="611560" y="1491630"/>
-            <a:ext cx="3008313" cy="871537"/>
-          </a:xfrm>
-        </p:spPr>
-        <p:txBody>
-          <a:bodyPr>
-            <a:normAutofit/>
-          </a:bodyPr>
-          <a:lstStyle/>
-          <a:p>
-            <a:pPr algn="ctr"/>
-            <a:r>
-              <a:rPr lang="it-CH" sz="4000" dirty="0">
-                <a:latin typeface="Arial" panose="020B0604020202020204" pitchFamily="34" charset="0"/>
-                <a:cs typeface="Arial" panose="020B0604020202020204" pitchFamily="34" charset="0"/>
-              </a:rPr>
-              <a:t>LOG</a:t>
-            </a:r>
-          </a:p>
-        </p:txBody>
-      </p:sp>
-      <p:pic>
-        <p:nvPicPr>
-          <p:cNvPr id="6" name="Segnaposto contenuto 5">
-            <a:extLst>
-              <a:ext uri="{FF2B5EF4-FFF2-40B4-BE49-F238E27FC236}">
-                <a16:creationId xmlns:a16="http://schemas.microsoft.com/office/drawing/2014/main" xmlns="" id="{B97A6D36-DB14-4C36-BD13-15CE91E275F7}"/>
-              </a:ext>
-            </a:extLst>
-          </p:cNvPr>
-          <p:cNvPicPr>
-            <a:picLocks noGrp="1" noChangeAspect="1"/>
-          </p:cNvPicPr>
-          <p:nvPr>
-            <p:ph idx="1"/>
-          </p:nvPr>
-        </p:nvPicPr>
-        <p:blipFill rotWithShape="1">
-          <a:blip r:embed="rId3">
-            <a:extLst>
-              <a:ext uri="{28A0092B-C50C-407E-A947-70E740481C1C}">
-                <a14:useLocalDpi xmlns:a14="http://schemas.microsoft.com/office/drawing/2010/main" val="0"/>
-              </a:ext>
-            </a:extLst>
-          </a:blip>
-          <a:srcRect b="41154"/>
-          <a:stretch/>
-        </p:blipFill>
-        <p:spPr>
-          <a:xfrm>
-            <a:off x="4572000" y="220037"/>
-            <a:ext cx="4114800" cy="4923463"/>
-          </a:xfrm>
-        </p:spPr>
-      </p:pic>
-    </p:spTree>
-    <p:extLst>
-      <p:ext uri="{BB962C8B-B14F-4D97-AF65-F5344CB8AC3E}">
-        <p14:creationId xmlns:p14="http://schemas.microsoft.com/office/powerpoint/2010/main" val="1524865100"/>
-      </p:ext>
-    </p:extLst>
-  </p:cSld>
-  <p:clrMapOvr>
-    <a:masterClrMapping/>
-  </p:clrMapOvr>
-</p:sld>
-</file>
-
-<file path=ppt/slides/slide21.xml><?xml version="1.0" encoding="utf-8"?>
-<p:sld xmlns:a="http://schemas.openxmlformats.org/drawingml/2006/main" xmlns:r="http://schemas.openxmlformats.org/officeDocument/2006/relationships" xmlns:p="http://schemas.openxmlformats.org/presentationml/2006/main">
-  <p:cSld>
-    <p:spTree>
-      <p:nvGrpSpPr>
-        <p:cNvPr id="1" name=""/>
-        <p:cNvGrpSpPr/>
-        <p:nvPr/>
-      </p:nvGrpSpPr>
-      <p:grpSpPr>
-        <a:xfrm>
-          <a:off x="0" y="0"/>
-          <a:ext cx="0" cy="0"/>
-          <a:chOff x="0" y="0"/>
-          <a:chExt cx="0" cy="0"/>
-        </a:xfrm>
-      </p:grpSpPr>
-      <p:sp>
-        <p:nvSpPr>
-          <p:cNvPr id="2" name="Titolo 1">
-            <a:extLst>
-              <a:ext uri="{FF2B5EF4-FFF2-40B4-BE49-F238E27FC236}">
-                <a16:creationId xmlns:a16="http://schemas.microsoft.com/office/drawing/2014/main" xmlns="" id="{929A8F7E-6DE7-4CF1-8507-D13BF35BA7BD}"/>
-              </a:ext>
-            </a:extLst>
-          </p:cNvPr>
-          <p:cNvSpPr>
-            <a:spLocks noGrp="1"/>
-          </p:cNvSpPr>
-          <p:nvPr>
-            <p:ph type="title"/>
-          </p:nvPr>
-        </p:nvSpPr>
-        <p:spPr>
-          <a:xfrm>
-            <a:off x="611560" y="1491630"/>
-            <a:ext cx="3008313" cy="871537"/>
-          </a:xfrm>
-        </p:spPr>
-        <p:txBody>
-          <a:bodyPr>
-            <a:normAutofit fontScale="90000"/>
-          </a:bodyPr>
-          <a:lstStyle/>
-          <a:p>
-            <a:pPr algn="ctr"/>
-            <a:r>
-              <a:rPr lang="it-CH" sz="4000" dirty="0">
-                <a:latin typeface="Arial" panose="020B0604020202020204" pitchFamily="34" charset="0"/>
-                <a:cs typeface="Arial" panose="020B0604020202020204" pitchFamily="34" charset="0"/>
-              </a:rPr>
-              <a:t>RECORDING</a:t>
-            </a:r>
-          </a:p>
-        </p:txBody>
-      </p:sp>
-      <p:pic>
-        <p:nvPicPr>
-          <p:cNvPr id="7" name="Segnaposto contenuto 6">
-            <a:extLst>
-              <a:ext uri="{FF2B5EF4-FFF2-40B4-BE49-F238E27FC236}">
-                <a16:creationId xmlns:a16="http://schemas.microsoft.com/office/drawing/2014/main" xmlns="" id="{08CE3365-7158-4311-97F0-0A11BB69C5E9}"/>
-              </a:ext>
-            </a:extLst>
-          </p:cNvPr>
-          <p:cNvPicPr>
-            <a:picLocks noGrp="1" noChangeAspect="1"/>
-          </p:cNvPicPr>
-          <p:nvPr>
-            <p:ph idx="1"/>
-          </p:nvPr>
-        </p:nvPicPr>
-        <p:blipFill rotWithShape="1">
-          <a:blip r:embed="rId3">
-            <a:extLst>
-              <a:ext uri="{28A0092B-C50C-407E-A947-70E740481C1C}">
-                <a14:useLocalDpi xmlns:a14="http://schemas.microsoft.com/office/drawing/2010/main" val="0"/>
-              </a:ext>
-            </a:extLst>
-          </a:blip>
-          <a:srcRect b="28031"/>
-          <a:stretch/>
-        </p:blipFill>
-        <p:spPr>
-          <a:xfrm>
-            <a:off x="4860032" y="175356"/>
-            <a:ext cx="3398900" cy="4973874"/>
-          </a:xfrm>
-        </p:spPr>
-      </p:pic>
-    </p:spTree>
-    <p:extLst>
-      <p:ext uri="{BB962C8B-B14F-4D97-AF65-F5344CB8AC3E}">
-        <p14:creationId xmlns:p14="http://schemas.microsoft.com/office/powerpoint/2010/main" val="3214516453"/>
-      </p:ext>
-    </p:extLst>
-  </p:cSld>
-  <p:clrMapOvr>
-    <a:masterClrMapping/>
-  </p:clrMapOvr>
-</p:sld>
-</file>
-
-<file path=ppt/slides/slide22.xml><?xml version="1.0" encoding="utf-8"?>
-<p:sld xmlns:a="http://schemas.openxmlformats.org/drawingml/2006/main" xmlns:r="http://schemas.openxmlformats.org/officeDocument/2006/relationships" xmlns:p="http://schemas.openxmlformats.org/presentationml/2006/main">
-  <p:cSld>
-    <p:spTree>
-      <p:nvGrpSpPr>
-        <p:cNvPr id="1" name=""/>
-        <p:cNvGrpSpPr/>
-        <p:nvPr/>
-      </p:nvGrpSpPr>
-      <p:grpSpPr>
-        <a:xfrm>
-          <a:off x="0" y="0"/>
-          <a:ext cx="0" cy="0"/>
-          <a:chOff x="0" y="0"/>
-          <a:chExt cx="0" cy="0"/>
-        </a:xfrm>
-      </p:grpSpPr>
-      <p:sp>
-        <p:nvSpPr>
-          <p:cNvPr id="2" name="Titolo 1">
-            <a:extLst>
-              <a:ext uri="{FF2B5EF4-FFF2-40B4-BE49-F238E27FC236}">
-                <a16:creationId xmlns:a16="http://schemas.microsoft.com/office/drawing/2014/main" xmlns="" id="{929A8F7E-6DE7-4CF1-8507-D13BF35BA7BD}"/>
-              </a:ext>
-            </a:extLst>
-          </p:cNvPr>
-          <p:cNvSpPr>
-            <a:spLocks noGrp="1"/>
-          </p:cNvSpPr>
-          <p:nvPr>
-            <p:ph type="title"/>
-          </p:nvPr>
-        </p:nvSpPr>
-        <p:spPr>
-          <a:xfrm>
-            <a:off x="611560" y="1491630"/>
-            <a:ext cx="3008313" cy="871537"/>
-          </a:xfrm>
-        </p:spPr>
-        <p:txBody>
-          <a:bodyPr>
-            <a:normAutofit/>
-          </a:bodyPr>
-          <a:lstStyle/>
-          <a:p>
-            <a:pPr algn="ctr"/>
-            <a:r>
-              <a:rPr lang="it-CH" sz="4000" dirty="0">
-                <a:latin typeface="Arial" panose="020B0604020202020204" pitchFamily="34" charset="0"/>
-                <a:cs typeface="Arial" panose="020B0604020202020204" pitchFamily="34" charset="0"/>
-              </a:rPr>
-              <a:t>SETTINGS</a:t>
-            </a:r>
-          </a:p>
-        </p:txBody>
-      </p:sp>
-      <p:pic>
-        <p:nvPicPr>
-          <p:cNvPr id="10" name="Segnaposto contenuto 9">
-            <a:extLst>
-              <a:ext uri="{FF2B5EF4-FFF2-40B4-BE49-F238E27FC236}">
-                <a16:creationId xmlns:a16="http://schemas.microsoft.com/office/drawing/2014/main" xmlns="" id="{5AD6B1D3-1840-4DF9-8D90-3402003E993D}"/>
-              </a:ext>
-            </a:extLst>
-          </p:cNvPr>
-          <p:cNvPicPr>
-            <a:picLocks noGrp="1" noChangeAspect="1"/>
-          </p:cNvPicPr>
-          <p:nvPr>
-            <p:ph idx="1"/>
-          </p:nvPr>
-        </p:nvPicPr>
-        <p:blipFill rotWithShape="1">
-          <a:blip r:embed="rId3">
-            <a:extLst>
-              <a:ext uri="{28A0092B-C50C-407E-A947-70E740481C1C}">
-                <a14:useLocalDpi xmlns:a14="http://schemas.microsoft.com/office/drawing/2010/main" val="0"/>
-              </a:ext>
-            </a:extLst>
-          </a:blip>
-          <a:srcRect b="46076"/>
-          <a:stretch/>
-        </p:blipFill>
-        <p:spPr>
-          <a:xfrm>
-            <a:off x="4355976" y="445915"/>
-            <a:ext cx="4284336" cy="4697585"/>
-          </a:xfrm>
-        </p:spPr>
-      </p:pic>
-    </p:spTree>
-    <p:extLst>
-      <p:ext uri="{BB962C8B-B14F-4D97-AF65-F5344CB8AC3E}">
-        <p14:creationId xmlns:p14="http://schemas.microsoft.com/office/powerpoint/2010/main" val="2210739306"/>
-      </p:ext>
-    </p:extLst>
-  </p:cSld>
-  <p:clrMapOvr>
-    <a:masterClrMapping/>
-  </p:clrMapOvr>
-</p:sld>
-</file>
-
-<file path=ppt/slides/slide23.xml><?xml version="1.0" encoding="utf-8"?>
-<p:sld xmlns:a="http://schemas.openxmlformats.org/drawingml/2006/main" xmlns:r="http://schemas.openxmlformats.org/officeDocument/2006/relationships" xmlns:p="http://schemas.openxmlformats.org/presentationml/2006/main">
-  <p:cSld>
-    <p:spTree>
-      <p:nvGrpSpPr>
-        <p:cNvPr id="1" name=""/>
-        <p:cNvGrpSpPr/>
-        <p:nvPr/>
-      </p:nvGrpSpPr>
-      <p:grpSpPr>
-        <a:xfrm>
-          <a:off x="0" y="0"/>
-          <a:ext cx="0" cy="0"/>
-          <a:chOff x="0" y="0"/>
-          <a:chExt cx="0" cy="0"/>
-        </a:xfrm>
-      </p:grpSpPr>
-      <p:sp>
-        <p:nvSpPr>
-          <p:cNvPr id="2" name="Titolo 1">
-            <a:extLst>
-              <a:ext uri="{FF2B5EF4-FFF2-40B4-BE49-F238E27FC236}">
-                <a16:creationId xmlns:a16="http://schemas.microsoft.com/office/drawing/2014/main" xmlns="" id="{1C9728DE-DCC3-47F3-A9A7-4840BBF3A649}"/>
-              </a:ext>
-            </a:extLst>
-          </p:cNvPr>
-          <p:cNvSpPr>
-            <a:spLocks noGrp="1"/>
-          </p:cNvSpPr>
-          <p:nvPr>
-            <p:ph type="title"/>
-          </p:nvPr>
-        </p:nvSpPr>
-        <p:spPr/>
-        <p:txBody>
-          <a:bodyPr/>
-          <a:lstStyle/>
-          <a:p>
-            <a:r>
-              <a:rPr lang="it-CH" dirty="0" err="1"/>
-              <a:t>DroneController</a:t>
-            </a:r>
-            <a:endParaRPr lang="it-CH" dirty="0"/>
-          </a:p>
-        </p:txBody>
-      </p:sp>
-      <p:sp>
-        <p:nvSpPr>
-          <p:cNvPr id="3" name="Segnaposto contenuto 2">
-            <a:extLst>
-              <a:ext uri="{FF2B5EF4-FFF2-40B4-BE49-F238E27FC236}">
-                <a16:creationId xmlns:a16="http://schemas.microsoft.com/office/drawing/2014/main" xmlns="" id="{A9782E92-4646-4216-BC0B-9AFBD5130E30}"/>
-              </a:ext>
-            </a:extLst>
-          </p:cNvPr>
-          <p:cNvSpPr>
-            <a:spLocks noGrp="1"/>
-          </p:cNvSpPr>
-          <p:nvPr>
-            <p:ph idx="1"/>
-          </p:nvPr>
-        </p:nvSpPr>
-        <p:spPr>
-          <a:xfrm>
-            <a:off x="2000747" y="884466"/>
-            <a:ext cx="6912768" cy="460648"/>
-          </a:xfrm>
-        </p:spPr>
-        <p:txBody>
-          <a:bodyPr/>
-          <a:lstStyle/>
-          <a:p>
-            <a:r>
-              <a:rPr lang="it-CH" sz="2800" dirty="0"/>
-              <a:t>Classe </a:t>
-            </a:r>
-            <a:r>
-              <a:rPr lang="it-IT" sz="2800" dirty="0" err="1"/>
-              <a:t>CommandManager</a:t>
-            </a:r>
-            <a:r>
-              <a:rPr lang="it-IT" sz="2800" dirty="0"/>
-              <a:t> </a:t>
-            </a:r>
-            <a:endParaRPr lang="it-CH" sz="2800" dirty="0"/>
-          </a:p>
-        </p:txBody>
-      </p:sp>
-      <p:sp>
-        <p:nvSpPr>
-          <p:cNvPr id="4" name="Segnaposto contenuto 3">
-            <a:extLst>
-              <a:ext uri="{FF2B5EF4-FFF2-40B4-BE49-F238E27FC236}">
-                <a16:creationId xmlns:a16="http://schemas.microsoft.com/office/drawing/2014/main" xmlns="" id="{13544A92-8328-4004-96C8-B60363828F13}"/>
-              </a:ext>
-            </a:extLst>
-          </p:cNvPr>
-          <p:cNvSpPr>
-            <a:spLocks noGrp="1"/>
-          </p:cNvSpPr>
-          <p:nvPr>
-            <p:ph idx="10"/>
-          </p:nvPr>
-        </p:nvSpPr>
-        <p:spPr/>
-        <p:txBody>
-          <a:bodyPr/>
-          <a:lstStyle/>
-          <a:p>
-            <a:pPr marL="285750" indent="-285750">
-              <a:lnSpc>
-                <a:spcPct val="200000"/>
-              </a:lnSpc>
-              <a:buFont typeface="Arial" panose="020B0604020202020204" pitchFamily="34" charset="0"/>
-              <a:buChar char="•"/>
-            </a:pPr>
-            <a:r>
-              <a:rPr lang="it-CH" sz="2000" dirty="0"/>
-              <a:t>Invio </a:t>
-            </a:r>
-            <a:r>
-              <a:rPr lang="it-CH" sz="2000" dirty="0">
-                <a:solidFill>
-                  <a:schemeClr val="tx1"/>
-                </a:solidFill>
-                <a:latin typeface="+mn-lt"/>
-                <a:cs typeface="+mn-cs"/>
-              </a:rPr>
-              <a:t>comandi </a:t>
-            </a:r>
-            <a:r>
-              <a:rPr lang="it-CH" sz="2000" dirty="0">
-                <a:solidFill>
-                  <a:schemeClr val="tx1"/>
-                </a:solidFill>
-                <a:latin typeface="+mn-lt"/>
-                <a:cs typeface="+mn-cs"/>
-                <a:sym typeface="Wingdings" panose="05000000000000000000" pitchFamily="2" charset="2"/>
-              </a:rPr>
-              <a:t> </a:t>
-            </a:r>
-            <a:r>
-              <a:rPr lang="it-CH" sz="2000" dirty="0" err="1" smtClean="0">
-                <a:solidFill>
-                  <a:schemeClr val="tx1"/>
-                </a:solidFill>
-                <a:latin typeface="+mn-lt"/>
-                <a:cs typeface="+mn-cs"/>
-                <a:sym typeface="Wingdings" panose="05000000000000000000" pitchFamily="2" charset="2"/>
-              </a:rPr>
-              <a:t>Socket</a:t>
-            </a:r>
-            <a:r>
-              <a:rPr lang="it-CH" sz="2000" dirty="0" smtClean="0">
-                <a:solidFill>
-                  <a:schemeClr val="tx1"/>
-                </a:solidFill>
-                <a:latin typeface="+mn-lt"/>
-                <a:cs typeface="+mn-cs"/>
-                <a:sym typeface="Wingdings" panose="05000000000000000000" pitchFamily="2" charset="2"/>
-              </a:rPr>
-              <a:t> UDP</a:t>
-            </a:r>
-            <a:endParaRPr lang="it-CH" sz="2000" dirty="0">
-              <a:solidFill>
-                <a:schemeClr val="tx1"/>
-              </a:solidFill>
-              <a:latin typeface="+mn-lt"/>
-              <a:cs typeface="+mn-cs"/>
-              <a:sym typeface="Wingdings" panose="05000000000000000000" pitchFamily="2" charset="2"/>
-            </a:endParaRPr>
-          </a:p>
-          <a:p>
-            <a:pPr marL="285750" indent="-285750">
-              <a:lnSpc>
-                <a:spcPct val="200000"/>
-              </a:lnSpc>
-              <a:buFont typeface="Arial" panose="020B0604020202020204" pitchFamily="34" charset="0"/>
-              <a:buChar char="•"/>
-            </a:pPr>
-            <a:r>
-              <a:rPr lang="it-CH" sz="2000" dirty="0">
-                <a:solidFill>
-                  <a:schemeClr val="tx1"/>
-                </a:solidFill>
-                <a:latin typeface="+mn-lt"/>
-                <a:cs typeface="+mn-cs"/>
-                <a:sym typeface="Wingdings" panose="05000000000000000000" pitchFamily="2" charset="2"/>
-              </a:rPr>
-              <a:t>Utilizzato da:</a:t>
-            </a:r>
-          </a:p>
-          <a:p>
-            <a:pPr marL="1028700" lvl="1">
-              <a:lnSpc>
-                <a:spcPct val="200000"/>
-              </a:lnSpc>
-              <a:buFont typeface="Arial" panose="020B0604020202020204" pitchFamily="34" charset="0"/>
-              <a:buChar char="•"/>
-            </a:pPr>
-            <a:r>
-              <a:rPr lang="it-CH" sz="2000" dirty="0" err="1">
-                <a:sym typeface="Wingdings" panose="05000000000000000000" pitchFamily="2" charset="2"/>
-              </a:rPr>
-              <a:t>DroneController</a:t>
-            </a:r>
-            <a:endParaRPr lang="it-CH" sz="2000" dirty="0">
-              <a:sym typeface="Wingdings" panose="05000000000000000000" pitchFamily="2" charset="2"/>
-            </a:endParaRPr>
-          </a:p>
-          <a:p>
-            <a:pPr marL="1028700" lvl="1">
-              <a:lnSpc>
-                <a:spcPct val="200000"/>
-              </a:lnSpc>
-              <a:buFont typeface="Arial" panose="020B0604020202020204" pitchFamily="34" charset="0"/>
-              <a:buChar char="•"/>
-            </a:pPr>
-            <a:r>
-              <a:rPr lang="it-CH" sz="2000" dirty="0" err="1">
-                <a:sym typeface="Wingdings" panose="05000000000000000000" pitchFamily="2" charset="2"/>
-              </a:rPr>
-              <a:t>DroneControllerMonitor</a:t>
-            </a:r>
-            <a:endParaRPr lang="it-CH" sz="2000" dirty="0">
-              <a:sym typeface="Wingdings" panose="05000000000000000000" pitchFamily="2" charset="2"/>
-            </a:endParaRPr>
-          </a:p>
-        </p:txBody>
-      </p:sp>
-    </p:spTree>
-    <p:extLst>
-      <p:ext uri="{BB962C8B-B14F-4D97-AF65-F5344CB8AC3E}">
-        <p14:creationId xmlns:p14="http://schemas.microsoft.com/office/powerpoint/2010/main" val="3679172245"/>
-      </p:ext>
-    </p:extLst>
-  </p:cSld>
-  <p:clrMapOvr>
-    <a:masterClrMapping/>
-  </p:clrMapOvr>
-  <mc:AlternateContent xmlns:mc="http://schemas.openxmlformats.org/markup-compatibility/2006">
-    <mc:Choice xmlns:p159="http://schemas.microsoft.com/office/powerpoint/2015/09/main" xmlns="" Requires="p159">
-      <p:transition xmlns:p14="http://schemas.microsoft.com/office/powerpoint/2010/main" spd="slow" p14:dur="2000">
-        <p159:morph option="byWord"/>
-      </p:transition>
-    </mc:Choice>
-    <mc:Fallback>
-      <p:transition spd="slow">
-        <p:fade/>
-      </p:transition>
-    </mc:Fallback>
-  </mc:AlternateContent>
-</p:sld>
-</file>
-
-<file path=ppt/slides/slide24.xml><?xml version="1.0" encoding="utf-8"?>
-<p:sld xmlns:a="http://schemas.openxmlformats.org/drawingml/2006/main" xmlns:r="http://schemas.openxmlformats.org/officeDocument/2006/relationships" xmlns:p="http://schemas.openxmlformats.org/presentationml/2006/main">
-  <p:cSld>
-    <p:bg>
-      <p:bgPr>
-        <a:solidFill>
-          <a:schemeClr val="tx1">
-            <a:lumMod val="85000"/>
-            <a:lumOff val="15000"/>
-          </a:schemeClr>
-        </a:solidFill>
-        <a:effectLst/>
-      </p:bgPr>
-    </p:bg>
-    <p:spTree>
-      <p:nvGrpSpPr>
-        <p:cNvPr id="1" name=""/>
-        <p:cNvGrpSpPr/>
-        <p:nvPr/>
-      </p:nvGrpSpPr>
-      <p:grpSpPr>
-        <a:xfrm>
-          <a:off x="0" y="0"/>
-          <a:ext cx="0" cy="0"/>
-          <a:chOff x="0" y="0"/>
-          <a:chExt cx="0" cy="0"/>
-        </a:xfrm>
-      </p:grpSpPr>
-      <p:pic>
-        <p:nvPicPr>
-          <p:cNvPr id="4" name="Immagine 3">
-            <a:extLst>
-              <a:ext uri="{FF2B5EF4-FFF2-40B4-BE49-F238E27FC236}">
-                <a16:creationId xmlns:a16="http://schemas.microsoft.com/office/drawing/2014/main" xmlns="" id="{D11CCAD3-0A5B-433F-9423-1A4299050201}"/>
-              </a:ext>
-            </a:extLst>
-          </p:cNvPr>
-          <p:cNvPicPr>
-            <a:picLocks noChangeAspect="1"/>
-          </p:cNvPicPr>
-          <p:nvPr/>
-        </p:nvPicPr>
-        <p:blipFill>
-          <a:blip r:embed="rId3"/>
-          <a:stretch>
-            <a:fillRect/>
-          </a:stretch>
-        </p:blipFill>
-        <p:spPr>
-          <a:xfrm>
-            <a:off x="1763688" y="0"/>
-            <a:ext cx="5143500" cy="5143500"/>
-          </a:xfrm>
-          <a:prstGeom prst="rect">
-            <a:avLst/>
-          </a:prstGeom>
-        </p:spPr>
-      </p:pic>
-    </p:spTree>
-    <p:extLst>
-      <p:ext uri="{BB962C8B-B14F-4D97-AF65-F5344CB8AC3E}">
-        <p14:creationId xmlns:p14="http://schemas.microsoft.com/office/powerpoint/2010/main" val="508207524"/>
-      </p:ext>
-    </p:extLst>
-  </p:cSld>
-  <p:clrMapOvr>
-    <a:masterClrMapping/>
-  </p:clrMapOvr>
-</p:sld>
-</file>
-
-<file path=ppt/slides/slide25.xml><?xml version="1.0" encoding="utf-8"?>
-<p:sld xmlns:a="http://schemas.openxmlformats.org/drawingml/2006/main" xmlns:r="http://schemas.openxmlformats.org/officeDocument/2006/relationships" xmlns:p="http://schemas.openxmlformats.org/presentationml/2006/main">
-  <p:cSld>
-    <p:spTree>
-      <p:nvGrpSpPr>
-        <p:cNvPr id="1" name=""/>
-        <p:cNvGrpSpPr/>
-        <p:nvPr/>
-      </p:nvGrpSpPr>
-      <p:grpSpPr>
-        <a:xfrm>
-          <a:off x="0" y="0"/>
-          <a:ext cx="0" cy="0"/>
-          <a:chOff x="0" y="0"/>
-          <a:chExt cx="0" cy="0"/>
-        </a:xfrm>
-      </p:grpSpPr>
-      <p:sp>
-        <p:nvSpPr>
-          <p:cNvPr id="2" name="Titolo 1">
-            <a:extLst>
-              <a:ext uri="{FF2B5EF4-FFF2-40B4-BE49-F238E27FC236}">
-                <a16:creationId xmlns:a16="http://schemas.microsoft.com/office/drawing/2014/main" xmlns="" id="{1C9728DE-DCC3-47F3-A9A7-4840BBF3A649}"/>
-              </a:ext>
-            </a:extLst>
-          </p:cNvPr>
-          <p:cNvSpPr>
-            <a:spLocks noGrp="1"/>
-          </p:cNvSpPr>
-          <p:nvPr>
-            <p:ph type="title"/>
-          </p:nvPr>
-        </p:nvSpPr>
-        <p:spPr/>
-        <p:txBody>
-          <a:bodyPr/>
-          <a:lstStyle/>
-          <a:p>
-            <a:r>
-              <a:rPr lang="it-CH" dirty="0" err="1"/>
-              <a:t>DroneController</a:t>
-            </a:r>
-            <a:endParaRPr lang="it-CH" dirty="0"/>
-          </a:p>
-        </p:txBody>
-      </p:sp>
-      <p:sp>
-        <p:nvSpPr>
-          <p:cNvPr id="3" name="Segnaposto contenuto 2">
-            <a:extLst>
-              <a:ext uri="{FF2B5EF4-FFF2-40B4-BE49-F238E27FC236}">
-                <a16:creationId xmlns:a16="http://schemas.microsoft.com/office/drawing/2014/main" xmlns="" id="{A9782E92-4646-4216-BC0B-9AFBD5130E30}"/>
-              </a:ext>
-            </a:extLst>
-          </p:cNvPr>
-          <p:cNvSpPr>
-            <a:spLocks noGrp="1"/>
-          </p:cNvSpPr>
-          <p:nvPr>
-            <p:ph idx="1"/>
-          </p:nvPr>
-        </p:nvSpPr>
-        <p:spPr>
-          <a:xfrm>
-            <a:off x="2000747" y="884466"/>
-            <a:ext cx="6912768" cy="460648"/>
-          </a:xfrm>
-        </p:spPr>
-        <p:txBody>
-          <a:bodyPr/>
-          <a:lstStyle/>
-          <a:p>
-            <a:r>
-              <a:rPr lang="it-CH" sz="2800" dirty="0"/>
-              <a:t>Classe </a:t>
-            </a:r>
-            <a:r>
-              <a:rPr lang="it-CH" sz="2800" dirty="0" err="1"/>
-              <a:t>FlightRecorder</a:t>
-            </a:r>
-            <a:r>
-              <a:rPr lang="it-IT" sz="2800" dirty="0"/>
-              <a:t> </a:t>
-            </a:r>
-            <a:endParaRPr lang="it-CH" sz="2800" dirty="0"/>
-          </a:p>
-        </p:txBody>
-      </p:sp>
-      <p:sp>
-        <p:nvSpPr>
-          <p:cNvPr id="4" name="Segnaposto contenuto 3">
-            <a:extLst>
-              <a:ext uri="{FF2B5EF4-FFF2-40B4-BE49-F238E27FC236}">
-                <a16:creationId xmlns:a16="http://schemas.microsoft.com/office/drawing/2014/main" xmlns="" id="{13544A92-8328-4004-96C8-B60363828F13}"/>
-              </a:ext>
-            </a:extLst>
-          </p:cNvPr>
-          <p:cNvSpPr>
-            <a:spLocks noGrp="1"/>
-          </p:cNvSpPr>
-          <p:nvPr>
-            <p:ph idx="10"/>
-          </p:nvPr>
-        </p:nvSpPr>
-        <p:spPr/>
-        <p:txBody>
-          <a:bodyPr/>
-          <a:lstStyle/>
-          <a:p>
-            <a:pPr marL="285750" indent="-285750">
-              <a:lnSpc>
-                <a:spcPct val="250000"/>
-              </a:lnSpc>
-              <a:buFont typeface="Arial" panose="020B0604020202020204" pitchFamily="34" charset="0"/>
-              <a:buChar char="•"/>
-            </a:pPr>
-            <a:r>
-              <a:rPr lang="it-CH" sz="2000" dirty="0">
-                <a:sym typeface="Wingdings" panose="05000000000000000000" pitchFamily="2" charset="2"/>
-              </a:rPr>
-              <a:t>Utilizza </a:t>
-            </a:r>
-            <a:r>
-              <a:rPr lang="it-CH" sz="2000" dirty="0" err="1">
-                <a:sym typeface="Wingdings" panose="05000000000000000000" pitchFamily="2" charset="2"/>
-              </a:rPr>
-              <a:t>CommandBuffer</a:t>
-            </a:r>
-            <a:r>
-              <a:rPr lang="it-CH" sz="2000" dirty="0">
-                <a:sym typeface="Wingdings" panose="05000000000000000000" pitchFamily="2" charset="2"/>
-              </a:rPr>
-              <a:t> &amp; </a:t>
-            </a:r>
-            <a:r>
-              <a:rPr lang="it-CH" sz="2000" dirty="0" err="1">
-                <a:sym typeface="Wingdings" panose="05000000000000000000" pitchFamily="2" charset="2"/>
-              </a:rPr>
-              <a:t>CommandRecord</a:t>
-            </a:r>
-            <a:endParaRPr lang="it-CH" sz="2000" dirty="0">
-              <a:sym typeface="Wingdings" panose="05000000000000000000" pitchFamily="2" charset="2"/>
-            </a:endParaRPr>
-          </a:p>
-          <a:p>
-            <a:pPr marL="285750" indent="-285750">
-              <a:lnSpc>
-                <a:spcPct val="250000"/>
-              </a:lnSpc>
-              <a:buFont typeface="Arial" panose="020B0604020202020204" pitchFamily="34" charset="0"/>
-              <a:buChar char="•"/>
-            </a:pPr>
-            <a:r>
-              <a:rPr lang="it-CH" sz="2000" dirty="0">
-                <a:sym typeface="Wingdings" panose="05000000000000000000" pitchFamily="2" charset="2"/>
-              </a:rPr>
-              <a:t>Genera </a:t>
-            </a:r>
-            <a:r>
-              <a:rPr lang="it-CH" sz="2000" dirty="0" smtClean="0">
-                <a:sym typeface="Wingdings" panose="05000000000000000000" pitchFamily="2" charset="2"/>
-              </a:rPr>
-              <a:t>e </a:t>
-            </a:r>
-            <a:r>
-              <a:rPr lang="it-CH" sz="2000" dirty="0">
-                <a:sym typeface="Wingdings" panose="05000000000000000000" pitchFamily="2" charset="2"/>
-              </a:rPr>
-              <a:t>Salva la registrazione</a:t>
-            </a:r>
-          </a:p>
-        </p:txBody>
-      </p:sp>
-    </p:spTree>
-    <p:extLst>
-      <p:ext uri="{BB962C8B-B14F-4D97-AF65-F5344CB8AC3E}">
-        <p14:creationId xmlns:p14="http://schemas.microsoft.com/office/powerpoint/2010/main" val="4176927173"/>
-      </p:ext>
-    </p:extLst>
-  </p:cSld>
-  <p:clrMapOvr>
-    <a:masterClrMapping/>
-  </p:clrMapOvr>
-  <mc:AlternateContent xmlns:mc="http://schemas.openxmlformats.org/markup-compatibility/2006">
-    <mc:Choice xmlns:p159="http://schemas.microsoft.com/office/powerpoint/2015/09/main" xmlns="" Requires="p159">
-      <p:transition xmlns:p14="http://schemas.microsoft.com/office/powerpoint/2010/main" spd="slow" p14:dur="2000">
-        <p159:morph option="byWord"/>
-      </p:transition>
-    </mc:Choice>
-    <mc:Fallback>
-      <p:transition spd="slow">
-        <p:fade/>
-      </p:transition>
-    </mc:Fallback>
-  </mc:AlternateContent>
+  <p:timing>
+    <p:tnLst>
+      <p:par>
+        <p:cTn id="1" dur="indefinite" restart="never" nodeType="tmRoot"/>
+      </p:par>
+    </p:tnLst>
+  </p:timing>
 </p:sld>
 </file>
 
@@ -10358,7 +11622,7 @@
           <p:cNvPr id="2" name="Titolo 1">
             <a:extLst>
               <a:ext uri="{FF2B5EF4-FFF2-40B4-BE49-F238E27FC236}">
-                <a16:creationId xmlns:a16="http://schemas.microsoft.com/office/drawing/2014/main" xmlns="" id="{1C9728DE-DCC3-47F3-A9A7-4840BBF3A649}"/>
+                <a16:creationId xmlns:a16="http://schemas.microsoft.com/office/drawing/2014/main" id="{1C9728DE-DCC3-47F3-A9A7-4840BBF3A649}"/>
               </a:ext>
             </a:extLst>
           </p:cNvPr>
@@ -10387,7 +11651,7 @@
           <p:cNvPr id="3" name="Segnaposto contenuto 2">
             <a:extLst>
               <a:ext uri="{FF2B5EF4-FFF2-40B4-BE49-F238E27FC236}">
-                <a16:creationId xmlns:a16="http://schemas.microsoft.com/office/drawing/2014/main" xmlns="" id="{A9782E92-4646-4216-BC0B-9AFBD5130E30}"/>
+                <a16:creationId xmlns:a16="http://schemas.microsoft.com/office/drawing/2014/main" id="{A9782E92-4646-4216-BC0B-9AFBD5130E30}"/>
               </a:ext>
             </a:extLst>
           </p:cNvPr>
@@ -10425,7 +11689,7 @@
           <p:cNvPr id="4" name="Segnaposto contenuto 3">
             <a:extLst>
               <a:ext uri="{FF2B5EF4-FFF2-40B4-BE49-F238E27FC236}">
-                <a16:creationId xmlns:a16="http://schemas.microsoft.com/office/drawing/2014/main" xmlns="" id="{13544A92-8328-4004-96C8-B60363828F13}"/>
+                <a16:creationId xmlns:a16="http://schemas.microsoft.com/office/drawing/2014/main" id="{13544A92-8328-4004-96C8-B60363828F13}"/>
               </a:ext>
             </a:extLst>
           </p:cNvPr>
@@ -10509,6 +11773,13 @@
       </p:transition>
     </mc:Fallback>
   </mc:AlternateContent>
+  <p:timing>
+    <p:tnLst>
+      <p:par>
+        <p:cTn id="1" dur="indefinite" restart="never" nodeType="tmRoot"/>
+      </p:par>
+    </p:tnLst>
+  </p:timing>
 </p:sld>
 </file>
 
@@ -10534,7 +11805,7 @@
           <p:cNvPr id="2" name="Titolo 1">
             <a:extLst>
               <a:ext uri="{FF2B5EF4-FFF2-40B4-BE49-F238E27FC236}">
-                <a16:creationId xmlns:a16="http://schemas.microsoft.com/office/drawing/2014/main" xmlns="" id="{1C9728DE-DCC3-47F3-A9A7-4840BBF3A649}"/>
+                <a16:creationId xmlns:a16="http://schemas.microsoft.com/office/drawing/2014/main" id="{1C9728DE-DCC3-47F3-A9A7-4840BBF3A649}"/>
               </a:ext>
             </a:extLst>
           </p:cNvPr>
@@ -10563,7 +11834,7 @@
           <p:cNvPr id="3" name="Segnaposto contenuto 2">
             <a:extLst>
               <a:ext uri="{FF2B5EF4-FFF2-40B4-BE49-F238E27FC236}">
-                <a16:creationId xmlns:a16="http://schemas.microsoft.com/office/drawing/2014/main" xmlns="" id="{A9782E92-4646-4216-BC0B-9AFBD5130E30}"/>
+                <a16:creationId xmlns:a16="http://schemas.microsoft.com/office/drawing/2014/main" id="{A9782E92-4646-4216-BC0B-9AFBD5130E30}"/>
               </a:ext>
             </a:extLst>
           </p:cNvPr>
@@ -10605,7 +11876,7 @@
           <p:cNvPr id="4" name="Segnaposto contenuto 3">
             <a:extLst>
               <a:ext uri="{FF2B5EF4-FFF2-40B4-BE49-F238E27FC236}">
-                <a16:creationId xmlns:a16="http://schemas.microsoft.com/office/drawing/2014/main" xmlns="" id="{13544A92-8328-4004-96C8-B60363828F13}"/>
+                <a16:creationId xmlns:a16="http://schemas.microsoft.com/office/drawing/2014/main" id="{13544A92-8328-4004-96C8-B60363828F13}"/>
               </a:ext>
             </a:extLst>
           </p:cNvPr>
@@ -10625,31 +11896,20 @@
               <a:buFont typeface="Arial" panose="020B0604020202020204" pitchFamily="34" charset="0"/>
               <a:buChar char="•"/>
             </a:pPr>
-            <a:r>
-              <a:rPr lang="it-IT" sz="2000" dirty="0"/>
-              <a:t>Riceve i comandi </a:t>
-            </a:r>
-            <a:r>
-              <a:rPr lang="it-IT" sz="2000" dirty="0" smtClean="0"/>
-              <a:t>da Simulator</a:t>
-            </a:r>
-            <a:endParaRPr lang="it-IT" sz="2000" dirty="0"/>
+            <a:endParaRPr lang="it-IT" sz="2000" dirty="0" smtClean="0"/>
           </a:p>
           <a:p>
             <a:pPr marL="342900" indent="-342900">
               <a:buFont typeface="Arial" panose="020B0604020202020204" pitchFamily="34" charset="0"/>
               <a:buChar char="•"/>
             </a:pPr>
-            <a:endParaRPr lang="it-IT" sz="2000" dirty="0"/>
-          </a:p>
-          <a:p>
-            <a:pPr marL="342900" indent="-342900">
-              <a:buFont typeface="Arial" panose="020B0604020202020204" pitchFamily="34" charset="0"/>
-              <a:buChar char="•"/>
-            </a:pPr>
+            <a:r>
+              <a:rPr lang="it-IT" sz="2000" dirty="0" smtClean="0"/>
+              <a:t>Simula </a:t>
+            </a:r>
             <a:r>
               <a:rPr lang="it-IT" sz="2000" dirty="0"/>
-              <a:t>Simula i comandi della SDK di </a:t>
+              <a:t>i comandi della SDK di </a:t>
             </a:r>
             <a:r>
               <a:rPr lang="it-IT" sz="2000" dirty="0" smtClean="0"/>
@@ -10710,6 +11970,13 @@
       </p:transition>
     </mc:Fallback>
   </mc:AlternateContent>
+  <p:timing>
+    <p:tnLst>
+      <p:par>
+        <p:cTn id="1" dur="indefinite" restart="never" nodeType="tmRoot"/>
+      </p:par>
+    </p:tnLst>
+  </p:timing>
 </p:sld>
 </file>
 
@@ -10735,7 +12002,7 @@
           <p:cNvPr id="2" name="Titolo 1">
             <a:extLst>
               <a:ext uri="{FF2B5EF4-FFF2-40B4-BE49-F238E27FC236}">
-                <a16:creationId xmlns:a16="http://schemas.microsoft.com/office/drawing/2014/main" xmlns="" id="{1C9728DE-DCC3-47F3-A9A7-4840BBF3A649}"/>
+                <a16:creationId xmlns:a16="http://schemas.microsoft.com/office/drawing/2014/main" id="{1C9728DE-DCC3-47F3-A9A7-4840BBF3A649}"/>
               </a:ext>
             </a:extLst>
           </p:cNvPr>
@@ -10764,7 +12031,7 @@
           <p:cNvPr id="3" name="Segnaposto contenuto 2">
             <a:extLst>
               <a:ext uri="{FF2B5EF4-FFF2-40B4-BE49-F238E27FC236}">
-                <a16:creationId xmlns:a16="http://schemas.microsoft.com/office/drawing/2014/main" xmlns="" id="{A9782E92-4646-4216-BC0B-9AFBD5130E30}"/>
+                <a16:creationId xmlns:a16="http://schemas.microsoft.com/office/drawing/2014/main" id="{A9782E92-4646-4216-BC0B-9AFBD5130E30}"/>
               </a:ext>
             </a:extLst>
           </p:cNvPr>
@@ -10806,7 +12073,7 @@
           <p:cNvPr id="4" name="Segnaposto contenuto 3">
             <a:extLst>
               <a:ext uri="{FF2B5EF4-FFF2-40B4-BE49-F238E27FC236}">
-                <a16:creationId xmlns:a16="http://schemas.microsoft.com/office/drawing/2014/main" xmlns="" id="{13544A92-8328-4004-96C8-B60363828F13}"/>
+                <a16:creationId xmlns:a16="http://schemas.microsoft.com/office/drawing/2014/main" id="{13544A92-8328-4004-96C8-B60363828F13}"/>
               </a:ext>
             </a:extLst>
           </p:cNvPr>
@@ -10896,6 +12163,13 @@
       </p:transition>
     </mc:Fallback>
   </mc:AlternateContent>
+  <p:timing>
+    <p:tnLst>
+      <p:par>
+        <p:cTn id="1" dur="indefinite" restart="never" nodeType="tmRoot"/>
+      </p:par>
+    </p:tnLst>
+  </p:timing>
 </p:sld>
 </file>
 
@@ -10921,7 +12195,7 @@
           <p:cNvPr id="2" name="Titolo 1">
             <a:extLst>
               <a:ext uri="{FF2B5EF4-FFF2-40B4-BE49-F238E27FC236}">
-                <a16:creationId xmlns:a16="http://schemas.microsoft.com/office/drawing/2014/main" xmlns="" id="{929A8F7E-6DE7-4CF1-8507-D13BF35BA7BD}"/>
+                <a16:creationId xmlns:a16="http://schemas.microsoft.com/office/drawing/2014/main" id="{929A8F7E-6DE7-4CF1-8507-D13BF35BA7BD}"/>
               </a:ext>
             </a:extLst>
           </p:cNvPr>
@@ -10994,6 +12268,13 @@
   <p:clrMapOvr>
     <a:masterClrMapping/>
   </p:clrMapOvr>
+  <p:timing>
+    <p:tnLst>
+      <p:par>
+        <p:cTn id="1" dur="indefinite" restart="never" nodeType="tmRoot"/>
+      </p:par>
+    </p:tnLst>
+  </p:timing>
 </p:sld>
 </file>
 
@@ -11019,7 +12300,7 @@
           <p:cNvPr id="2" name="Titolo 1">
             <a:extLst>
               <a:ext uri="{FF2B5EF4-FFF2-40B4-BE49-F238E27FC236}">
-                <a16:creationId xmlns:a16="http://schemas.microsoft.com/office/drawing/2014/main" xmlns="" id="{1F4EF76E-72FB-49D5-9299-592E62BF06B2}"/>
+                <a16:creationId xmlns:a16="http://schemas.microsoft.com/office/drawing/2014/main" id="{1F4EF76E-72FB-49D5-9299-592E62BF06B2}"/>
               </a:ext>
             </a:extLst>
           </p:cNvPr>
@@ -11036,9 +12317,10 @@
           <a:lstStyle/>
           <a:p>
             <a:r>
-              <a:rPr lang="it-CH" dirty="0"/>
-              <a:t>CHI SIAMO</a:t>
-            </a:r>
+              <a:rPr lang="it-CH" dirty="0" smtClean="0"/>
+              <a:t>CONTATTI</a:t>
+            </a:r>
+            <a:endParaRPr lang="it-CH" dirty="0"/>
           </a:p>
         </p:txBody>
       </p:sp>
@@ -11047,7 +12329,7 @@
           <p:cNvPr id="4" name="Segnaposto contenuto 3">
             <a:extLst>
               <a:ext uri="{FF2B5EF4-FFF2-40B4-BE49-F238E27FC236}">
-                <a16:creationId xmlns:a16="http://schemas.microsoft.com/office/drawing/2014/main" xmlns="" id="{FB91016C-8169-45ED-B54B-B80E87645789}"/>
+                <a16:creationId xmlns:a16="http://schemas.microsoft.com/office/drawing/2014/main" id="{FB91016C-8169-45ED-B54B-B80E87645789}"/>
               </a:ext>
             </a:extLst>
           </p:cNvPr>
@@ -11073,38 +12355,12 @@
               <a:buChar char="•"/>
             </a:pPr>
             <a:r>
-              <a:rPr lang="it-CH" sz="3200" dirty="0" err="1"/>
-              <a:t>Jari</a:t>
-            </a:r>
-            <a:r>
-              <a:rPr lang="it-CH" sz="3200" dirty="0"/>
-              <a:t> </a:t>
-            </a:r>
-            <a:r>
-              <a:rPr lang="it-CH" sz="3200" dirty="0" err="1"/>
-              <a:t>Näser</a:t>
-            </a:r>
-            <a:endParaRPr lang="it-CH" sz="3200" dirty="0"/>
-          </a:p>
-          <a:p>
-            <a:pPr marL="1371600" lvl="1" indent="-342900">
-              <a:buFont typeface="Arial" panose="020B0604020202020204" pitchFamily="34" charset="0"/>
-              <a:buChar char="•"/>
-            </a:pPr>
-            <a:r>
-              <a:rPr lang="it-CH" sz="3800" dirty="0">
+              <a:rPr lang="it-CH" sz="3600" dirty="0">
                 <a:hlinkClick r:id="rId3"/>
               </a:rPr>
               <a:t>jari.naeser@samtrevano.ch</a:t>
             </a:r>
-            <a:endParaRPr lang="it-CH" sz="3800" dirty="0"/>
-          </a:p>
-          <a:p>
-            <a:pPr marL="1371600" lvl="1" indent="-342900">
-              <a:buFont typeface="Arial" panose="020B0604020202020204" pitchFamily="34" charset="0"/>
-              <a:buChar char="•"/>
-            </a:pPr>
-            <a:endParaRPr lang="it-CH" sz="3800" dirty="0"/>
+            <a:endParaRPr lang="it-CH" sz="3600" dirty="0"/>
           </a:p>
           <a:p>
             <a:pPr marL="628650" indent="-342900">
@@ -11112,23 +12368,40 @@
               <a:buChar char="•"/>
             </a:pPr>
             <a:r>
-              <a:rPr lang="it-CH" sz="3600" dirty="0"/>
-              <a:t>Andrea </a:t>
-            </a:r>
-            <a:r>
-              <a:rPr lang="it-CH" sz="3600" dirty="0" err="1"/>
-              <a:t>Rauso</a:t>
-            </a:r>
-            <a:endParaRPr lang="it-CH" sz="3600" dirty="0"/>
-          </a:p>
-          <a:p>
-            <a:pPr marL="1371600" lvl="1" indent="-342900">
+              <a:rPr lang="it-CH" sz="3600" dirty="0" smtClean="0">
+                <a:hlinkClick r:id="rId4"/>
+              </a:rPr>
+              <a:t>luca.dibello@samtrevano.ch</a:t>
+            </a:r>
+            <a:endParaRPr lang="it-CH" sz="3600" dirty="0" smtClean="0"/>
+          </a:p>
+          <a:p>
+            <a:pPr marL="628650" indent="-342900">
               <a:buFont typeface="Arial" panose="020B0604020202020204" pitchFamily="34" charset="0"/>
               <a:buChar char="•"/>
             </a:pPr>
             <a:r>
               <a:rPr lang="it-CH" sz="3600" dirty="0">
-                <a:hlinkClick r:id="rId4"/>
+                <a:hlinkClick r:id="rId5"/>
+              </a:rPr>
+              <a:t>f</a:t>
+            </a:r>
+            <a:r>
+              <a:rPr lang="it-CH" sz="3600" dirty="0" smtClean="0">
+                <a:hlinkClick r:id="rId5"/>
+              </a:rPr>
+              <a:t>adil.smajilbasic@samtrevano.ch</a:t>
+            </a:r>
+            <a:endParaRPr lang="it-CH" sz="4400" dirty="0"/>
+          </a:p>
+          <a:p>
+            <a:pPr marL="628650" indent="-342900">
+              <a:buFont typeface="Arial" panose="020B0604020202020204" pitchFamily="34" charset="0"/>
+              <a:buChar char="•"/>
+            </a:pPr>
+            <a:r>
+              <a:rPr lang="it-CH" sz="3600" dirty="0">
+                <a:hlinkClick r:id="rId6"/>
               </a:rPr>
               <a:t>andrea.rauso@samtrevano.ch</a:t>
             </a:r>
@@ -11139,7 +12412,7 @@
     </p:spTree>
     <p:extLst>
       <p:ext uri="{BB962C8B-B14F-4D97-AF65-F5344CB8AC3E}">
-        <p14:creationId xmlns:p14="http://schemas.microsoft.com/office/powerpoint/2010/main" val="790960300"/>
+        <p14:creationId xmlns:p14="http://schemas.microsoft.com/office/powerpoint/2010/main" val="421370633"/>
       </p:ext>
     </p:extLst>
   </p:cSld>
@@ -11158,6 +12431,13 @@
       </p:transition>
     </mc:Fallback>
   </mc:AlternateContent>
+  <p:timing>
+    <p:tnLst>
+      <p:par>
+        <p:cTn id="1" dur="indefinite" restart="never" nodeType="tmRoot"/>
+      </p:par>
+    </p:tnLst>
+  </p:timing>
 </p:sld>
 </file>
 
@@ -11183,7 +12463,112 @@
           <p:cNvPr id="2" name="Titolo 1">
             <a:extLst>
               <a:ext uri="{FF2B5EF4-FFF2-40B4-BE49-F238E27FC236}">
-                <a16:creationId xmlns:a16="http://schemas.microsoft.com/office/drawing/2014/main" xmlns="" id="{929A8F7E-6DE7-4CF1-8507-D13BF35BA7BD}"/>
+                <a16:creationId xmlns:a16="http://schemas.microsoft.com/office/drawing/2014/main" id="{929A8F7E-6DE7-4CF1-8507-D13BF35BA7BD}"/>
+              </a:ext>
+            </a:extLst>
+          </p:cNvPr>
+          <p:cNvSpPr>
+            <a:spLocks noGrp="1"/>
+          </p:cNvSpPr>
+          <p:nvPr>
+            <p:ph type="title"/>
+          </p:nvPr>
+        </p:nvSpPr>
+        <p:spPr>
+          <a:xfrm>
+            <a:off x="18372" y="1923678"/>
+            <a:ext cx="3672408" cy="871537"/>
+          </a:xfrm>
+        </p:spPr>
+        <p:txBody>
+          <a:bodyPr>
+            <a:normAutofit/>
+          </a:bodyPr>
+          <a:lstStyle/>
+          <a:p>
+            <a:pPr algn="ctr"/>
+            <a:r>
+              <a:rPr lang="it-CH" sz="3200" dirty="0">
+                <a:latin typeface="Arial" panose="020B0604020202020204" pitchFamily="34" charset="0"/>
+                <a:cs typeface="Arial" panose="020B0604020202020204" pitchFamily="34" charset="0"/>
+              </a:rPr>
+              <a:t>VISTA ALTO</a:t>
+            </a:r>
+          </a:p>
+        </p:txBody>
+      </p:sp>
+      <p:pic>
+        <p:nvPicPr>
+          <p:cNvPr id="5" name="Content Placeholder 4"/>
+          <p:cNvPicPr>
+            <a:picLocks noGrp="1" noChangeAspect="1"/>
+          </p:cNvPicPr>
+          <p:nvPr>
+            <p:ph idx="1"/>
+          </p:nvPr>
+        </p:nvPicPr>
+        <p:blipFill>
+          <a:blip r:embed="rId3">
+            <a:extLst>
+              <a:ext uri="{28A0092B-C50C-407E-A947-70E740481C1C}">
+                <a14:useLocalDpi xmlns:a14="http://schemas.microsoft.com/office/drawing/2010/main" val="0"/>
+              </a:ext>
+            </a:extLst>
+          </a:blip>
+          <a:stretch>
+            <a:fillRect/>
+          </a:stretch>
+        </p:blipFill>
+        <p:spPr>
+          <a:xfrm>
+            <a:off x="3657244" y="627534"/>
+            <a:ext cx="5111750" cy="3976941"/>
+          </a:xfrm>
+        </p:spPr>
+      </p:pic>
+    </p:spTree>
+    <p:extLst>
+      <p:ext uri="{BB962C8B-B14F-4D97-AF65-F5344CB8AC3E}">
+        <p14:creationId xmlns:p14="http://schemas.microsoft.com/office/powerpoint/2010/main" val="1353436873"/>
+      </p:ext>
+    </p:extLst>
+  </p:cSld>
+  <p:clrMapOvr>
+    <a:masterClrMapping/>
+  </p:clrMapOvr>
+  <p:timing>
+    <p:tnLst>
+      <p:par>
+        <p:cTn id="1" dur="indefinite" restart="never" nodeType="tmRoot"/>
+      </p:par>
+    </p:tnLst>
+  </p:timing>
+</p:sld>
+</file>
+
+<file path=ppt/slides/slide31.xml><?xml version="1.0" encoding="utf-8"?>
+<p:sld xmlns:a="http://schemas.openxmlformats.org/drawingml/2006/main" xmlns:r="http://schemas.openxmlformats.org/officeDocument/2006/relationships" xmlns:p="http://schemas.openxmlformats.org/presentationml/2006/main">
+  <p:cSld>
+    <p:spTree>
+      <p:nvGrpSpPr>
+        <p:cNvPr id="1" name=""/>
+        <p:cNvGrpSpPr/>
+        <p:nvPr/>
+      </p:nvGrpSpPr>
+      <p:grpSpPr>
+        <a:xfrm>
+          <a:off x="0" y="0"/>
+          <a:ext cx="0" cy="0"/>
+          <a:chOff x="0" y="0"/>
+          <a:chExt cx="0" cy="0"/>
+        </a:xfrm>
+      </p:grpSpPr>
+      <p:sp>
+        <p:nvSpPr>
+          <p:cNvPr id="2" name="Titolo 1">
+            <a:extLst>
+              <a:ext uri="{FF2B5EF4-FFF2-40B4-BE49-F238E27FC236}">
+                <a16:creationId xmlns:a16="http://schemas.microsoft.com/office/drawing/2014/main" id="{929A8F7E-6DE7-4CF1-8507-D13BF35BA7BD}"/>
               </a:ext>
             </a:extLst>
           </p:cNvPr>
@@ -11256,104 +12641,13 @@
   <p:clrMapOvr>
     <a:masterClrMapping/>
   </p:clrMapOvr>
-</p:sld>
-</file>
-
-<file path=ppt/slides/slide31.xml><?xml version="1.0" encoding="utf-8"?>
-<p:sld xmlns:a="http://schemas.openxmlformats.org/drawingml/2006/main" xmlns:r="http://schemas.openxmlformats.org/officeDocument/2006/relationships" xmlns:p="http://schemas.openxmlformats.org/presentationml/2006/main">
-  <p:cSld>
-    <p:spTree>
-      <p:nvGrpSpPr>
-        <p:cNvPr id="1" name=""/>
-        <p:cNvGrpSpPr/>
-        <p:nvPr/>
-      </p:nvGrpSpPr>
-      <p:grpSpPr>
-        <a:xfrm>
-          <a:off x="0" y="0"/>
-          <a:ext cx="0" cy="0"/>
-          <a:chOff x="0" y="0"/>
-          <a:chExt cx="0" cy="0"/>
-        </a:xfrm>
-      </p:grpSpPr>
-      <p:sp>
-        <p:nvSpPr>
-          <p:cNvPr id="2" name="Titolo 1">
-            <a:extLst>
-              <a:ext uri="{FF2B5EF4-FFF2-40B4-BE49-F238E27FC236}">
-                <a16:creationId xmlns:a16="http://schemas.microsoft.com/office/drawing/2014/main" xmlns="" id="{929A8F7E-6DE7-4CF1-8507-D13BF35BA7BD}"/>
-              </a:ext>
-            </a:extLst>
-          </p:cNvPr>
-          <p:cNvSpPr>
-            <a:spLocks noGrp="1"/>
-          </p:cNvSpPr>
-          <p:nvPr>
-            <p:ph type="title"/>
-          </p:nvPr>
-        </p:nvSpPr>
-        <p:spPr>
-          <a:xfrm>
-            <a:off x="18372" y="1923678"/>
-            <a:ext cx="3672408" cy="871537"/>
-          </a:xfrm>
-        </p:spPr>
-        <p:txBody>
-          <a:bodyPr>
-            <a:normAutofit/>
-          </a:bodyPr>
-          <a:lstStyle/>
-          <a:p>
-            <a:pPr algn="ctr"/>
-            <a:r>
-              <a:rPr lang="it-CH" sz="3200" dirty="0">
-                <a:latin typeface="Arial" panose="020B0604020202020204" pitchFamily="34" charset="0"/>
-                <a:cs typeface="Arial" panose="020B0604020202020204" pitchFamily="34" charset="0"/>
-              </a:rPr>
-              <a:t>VISTA ALTO</a:t>
-            </a:r>
-          </a:p>
-        </p:txBody>
-      </p:sp>
-      <p:pic>
-        <p:nvPicPr>
-          <p:cNvPr id="5" name="Content Placeholder 4"/>
-          <p:cNvPicPr>
-            <a:picLocks noGrp="1" noChangeAspect="1"/>
-          </p:cNvPicPr>
-          <p:nvPr>
-            <p:ph idx="1"/>
-          </p:nvPr>
-        </p:nvPicPr>
-        <p:blipFill>
-          <a:blip r:embed="rId3">
-            <a:extLst>
-              <a:ext uri="{28A0092B-C50C-407E-A947-70E740481C1C}">
-                <a14:useLocalDpi xmlns:a14="http://schemas.microsoft.com/office/drawing/2010/main" val="0"/>
-              </a:ext>
-            </a:extLst>
-          </a:blip>
-          <a:stretch>
-            <a:fillRect/>
-          </a:stretch>
-        </p:blipFill>
-        <p:spPr>
-          <a:xfrm>
-            <a:off x="3657244" y="627534"/>
-            <a:ext cx="5111750" cy="3976941"/>
-          </a:xfrm>
-        </p:spPr>
-      </p:pic>
-    </p:spTree>
-    <p:extLst>
-      <p:ext uri="{BB962C8B-B14F-4D97-AF65-F5344CB8AC3E}">
-        <p14:creationId xmlns:p14="http://schemas.microsoft.com/office/powerpoint/2010/main" val="1353436873"/>
-      </p:ext>
-    </p:extLst>
-  </p:cSld>
-  <p:clrMapOvr>
-    <a:masterClrMapping/>
-  </p:clrMapOvr>
+  <p:timing>
+    <p:tnLst>
+      <p:par>
+        <p:cTn id="1" dur="indefinite" restart="never" nodeType="tmRoot"/>
+      </p:par>
+    </p:tnLst>
+  </p:timing>
 </p:sld>
 </file>
 
@@ -11379,7 +12673,7 @@
           <p:cNvPr id="2" name="Titolo 1">
             <a:extLst>
               <a:ext uri="{FF2B5EF4-FFF2-40B4-BE49-F238E27FC236}">
-                <a16:creationId xmlns:a16="http://schemas.microsoft.com/office/drawing/2014/main" xmlns="" id="{764A1C8B-D6B4-4868-8C8D-8531F9FA4B44}"/>
+                <a16:creationId xmlns:a16="http://schemas.microsoft.com/office/drawing/2014/main" id="{764A1C8B-D6B4-4868-8C8D-8531F9FA4B44}"/>
               </a:ext>
             </a:extLst>
           </p:cNvPr>
@@ -11407,7 +12701,7 @@
           <p:cNvPr id="5" name="Tabella 4">
             <a:extLst>
               <a:ext uri="{FF2B5EF4-FFF2-40B4-BE49-F238E27FC236}">
-                <a16:creationId xmlns:a16="http://schemas.microsoft.com/office/drawing/2014/main" xmlns="" id="{F55F7FF1-C1A4-4804-B5D0-A5DC5CD3C59F}"/>
+                <a16:creationId xmlns:a16="http://schemas.microsoft.com/office/drawing/2014/main" id="{F55F7FF1-C1A4-4804-B5D0-A5DC5CD3C59F}"/>
               </a:ext>
             </a:extLst>
           </p:cNvPr>
@@ -11436,14 +12730,14 @@
                 <a:gridCol w="3396208">
                   <a:extLst>
                     <a:ext uri="{9D8B030D-6E8A-4147-A177-3AD203B41FA5}">
-                      <a16:colId xmlns:a16="http://schemas.microsoft.com/office/drawing/2014/main" xmlns="" val="2392743453"/>
+                      <a16:colId xmlns:a16="http://schemas.microsoft.com/office/drawing/2014/main" val="2392743453"/>
                     </a:ext>
                   </a:extLst>
                 </a:gridCol>
                 <a:gridCol w="3396208">
                   <a:extLst>
                     <a:ext uri="{9D8B030D-6E8A-4147-A177-3AD203B41FA5}">
-                      <a16:colId xmlns:a16="http://schemas.microsoft.com/office/drawing/2014/main" xmlns="" val="3716237907"/>
+                      <a16:colId xmlns:a16="http://schemas.microsoft.com/office/drawing/2014/main" val="3716237907"/>
                     </a:ext>
                   </a:extLst>
                 </a:gridCol>
@@ -11477,7 +12771,7 @@
                 </a:tc>
                 <a:extLst>
                   <a:ext uri="{0D108BD9-81ED-4DB2-BD59-A6C34878D82A}">
-                    <a16:rowId xmlns:a16="http://schemas.microsoft.com/office/drawing/2014/main" xmlns="" val="3485924999"/>
+                    <a16:rowId xmlns:a16="http://schemas.microsoft.com/office/drawing/2014/main" val="3485924999"/>
                   </a:ext>
                 </a:extLst>
               </a:tr>
@@ -11518,7 +12812,7 @@
                 </a:tc>
                 <a:extLst>
                   <a:ext uri="{0D108BD9-81ED-4DB2-BD59-A6C34878D82A}">
-                    <a16:rowId xmlns:a16="http://schemas.microsoft.com/office/drawing/2014/main" xmlns="" val="3718620749"/>
+                    <a16:rowId xmlns:a16="http://schemas.microsoft.com/office/drawing/2014/main" val="3718620749"/>
                   </a:ext>
                 </a:extLst>
               </a:tr>
@@ -11576,7 +12870,7 @@
                 </a:tc>
                 <a:extLst>
                   <a:ext uri="{0D108BD9-81ED-4DB2-BD59-A6C34878D82A}">
-                    <a16:rowId xmlns:a16="http://schemas.microsoft.com/office/drawing/2014/main" xmlns="" val="3132356401"/>
+                    <a16:rowId xmlns:a16="http://schemas.microsoft.com/office/drawing/2014/main" val="3132356401"/>
                   </a:ext>
                 </a:extLst>
               </a:tr>
@@ -11634,7 +12928,7 @@
                 </a:tc>
                 <a:extLst>
                   <a:ext uri="{0D108BD9-81ED-4DB2-BD59-A6C34878D82A}">
-                    <a16:rowId xmlns:a16="http://schemas.microsoft.com/office/drawing/2014/main" xmlns="" val="3113495145"/>
+                    <a16:rowId xmlns:a16="http://schemas.microsoft.com/office/drawing/2014/main" val="3113495145"/>
                   </a:ext>
                 </a:extLst>
               </a:tr>
@@ -11692,7 +12986,7 @@
                 </a:tc>
                 <a:extLst>
                   <a:ext uri="{0D108BD9-81ED-4DB2-BD59-A6C34878D82A}">
-                    <a16:rowId xmlns:a16="http://schemas.microsoft.com/office/drawing/2014/main" xmlns="" val="3463852800"/>
+                    <a16:rowId xmlns:a16="http://schemas.microsoft.com/office/drawing/2014/main" val="3463852800"/>
                   </a:ext>
                 </a:extLst>
               </a:tr>
@@ -11750,7 +13044,7 @@
                 </a:tc>
                 <a:extLst>
                   <a:ext uri="{0D108BD9-81ED-4DB2-BD59-A6C34878D82A}">
-                    <a16:rowId xmlns:a16="http://schemas.microsoft.com/office/drawing/2014/main" xmlns="" val="1181745103"/>
+                    <a16:rowId xmlns:a16="http://schemas.microsoft.com/office/drawing/2014/main" val="1181745103"/>
                   </a:ext>
                 </a:extLst>
               </a:tr>
@@ -11808,7 +13102,7 @@
                 </a:tc>
                 <a:extLst>
                   <a:ext uri="{0D108BD9-81ED-4DB2-BD59-A6C34878D82A}">
-                    <a16:rowId xmlns:a16="http://schemas.microsoft.com/office/drawing/2014/main" xmlns="" val="779251828"/>
+                    <a16:rowId xmlns:a16="http://schemas.microsoft.com/office/drawing/2014/main" val="779251828"/>
                   </a:ext>
                 </a:extLst>
               </a:tr>
@@ -11866,7 +13160,7 @@
                 </a:tc>
                 <a:extLst>
                   <a:ext uri="{0D108BD9-81ED-4DB2-BD59-A6C34878D82A}">
-                    <a16:rowId xmlns:a16="http://schemas.microsoft.com/office/drawing/2014/main" xmlns="" val="3755891411"/>
+                    <a16:rowId xmlns:a16="http://schemas.microsoft.com/office/drawing/2014/main" val="3755891411"/>
                   </a:ext>
                 </a:extLst>
               </a:tr>
@@ -11884,6 +13178,13 @@
   <p:clrMapOvr>
     <a:masterClrMapping/>
   </p:clrMapOvr>
+  <p:timing>
+    <p:tnLst>
+      <p:par>
+        <p:cTn id="1" dur="indefinite" restart="never" nodeType="tmRoot"/>
+      </p:par>
+    </p:tnLst>
+  </p:timing>
 </p:sld>
 </file>
 
@@ -11909,7 +13210,91 @@
           <p:cNvPr id="5" name="Titolo 1">
             <a:extLst>
               <a:ext uri="{FF2B5EF4-FFF2-40B4-BE49-F238E27FC236}">
-                <a16:creationId xmlns:a16="http://schemas.microsoft.com/office/drawing/2014/main" xmlns="" id="{292F61BE-0FB3-49B8-B345-CC63DA7985C5}"/>
+                <a16:creationId xmlns:a16="http://schemas.microsoft.com/office/drawing/2014/main" id="{292F61BE-0FB3-49B8-B345-CC63DA7985C5}"/>
+              </a:ext>
+            </a:extLst>
+          </p:cNvPr>
+          <p:cNvSpPr>
+            <a:spLocks noGrp="1"/>
+          </p:cNvSpPr>
+          <p:nvPr>
+            <p:ph type="title"/>
+          </p:nvPr>
+        </p:nvSpPr>
+        <p:spPr>
+          <a:xfrm>
+            <a:off x="827584" y="1995686"/>
+            <a:ext cx="7524328" cy="884466"/>
+          </a:xfrm>
+        </p:spPr>
+        <p:txBody>
+          <a:bodyPr/>
+          <a:lstStyle/>
+          <a:p>
+            <a:pPr algn="ctr"/>
+            <a:r>
+              <a:rPr lang="it-CH" sz="6600" dirty="0" smtClean="0"/>
+              <a:t>SVILUPPI FUTURI</a:t>
+            </a:r>
+            <a:endParaRPr lang="it-CH" sz="6600" dirty="0"/>
+          </a:p>
+        </p:txBody>
+      </p:sp>
+    </p:spTree>
+    <p:extLst>
+      <p:ext uri="{BB962C8B-B14F-4D97-AF65-F5344CB8AC3E}">
+        <p14:creationId xmlns:p14="http://schemas.microsoft.com/office/powerpoint/2010/main" val="2978275015"/>
+      </p:ext>
+    </p:extLst>
+  </p:cSld>
+  <p:clrMapOvr>
+    <a:masterClrMapping/>
+  </p:clrMapOvr>
+  <mc:AlternateContent xmlns:mc="http://schemas.openxmlformats.org/markup-compatibility/2006">
+    <mc:Choice xmlns:p159="http://schemas.microsoft.com/office/powerpoint/2015/09/main" xmlns="" Requires="p159">
+      <p:transition xmlns:p14="http://schemas.microsoft.com/office/powerpoint/2010/main" spd="slow" p14:dur="2000">
+        <p159:morph option="byWord"/>
+      </p:transition>
+    </mc:Choice>
+    <mc:Fallback>
+      <p:transition spd="slow">
+        <p:fade/>
+      </p:transition>
+    </mc:Fallback>
+  </mc:AlternateContent>
+  <p:timing>
+    <p:tnLst>
+      <p:par>
+        <p:cTn id="1" dur="indefinite" restart="never" nodeType="tmRoot"/>
+      </p:par>
+    </p:tnLst>
+  </p:timing>
+</p:sld>
+</file>
+
+<file path=ppt/slides/slide34.xml><?xml version="1.0" encoding="utf-8"?>
+<p:sld xmlns:a="http://schemas.openxmlformats.org/drawingml/2006/main" xmlns:r="http://schemas.openxmlformats.org/officeDocument/2006/relationships" xmlns:p="http://schemas.openxmlformats.org/presentationml/2006/main">
+  <p:cSld>
+    <p:spTree>
+      <p:nvGrpSpPr>
+        <p:cNvPr id="1" name=""/>
+        <p:cNvGrpSpPr/>
+        <p:nvPr/>
+      </p:nvGrpSpPr>
+      <p:grpSpPr>
+        <a:xfrm>
+          <a:off x="0" y="0"/>
+          <a:ext cx="0" cy="0"/>
+          <a:chOff x="0" y="0"/>
+          <a:chExt cx="0" cy="0"/>
+        </a:xfrm>
+      </p:grpSpPr>
+      <p:sp>
+        <p:nvSpPr>
+          <p:cNvPr id="5" name="Titolo 1">
+            <a:extLst>
+              <a:ext uri="{FF2B5EF4-FFF2-40B4-BE49-F238E27FC236}">
+                <a16:creationId xmlns:a16="http://schemas.microsoft.com/office/drawing/2014/main" id="{292F61BE-0FB3-49B8-B345-CC63DA7985C5}"/>
               </a:ext>
             </a:extLst>
           </p:cNvPr>
@@ -11960,6 +13345,13 @@
       </p:transition>
     </mc:Fallback>
   </mc:AlternateContent>
+  <p:timing>
+    <p:tnLst>
+      <p:par>
+        <p:cTn id="1" dur="indefinite" restart="never" nodeType="tmRoot"/>
+      </p:par>
+    </p:tnLst>
+  </p:timing>
 </p:sld>
 </file>
 
@@ -12038,6 +13430,13 @@
       </p:transition>
     </mc:Fallback>
   </mc:AlternateContent>
+  <p:timing>
+    <p:tnLst>
+      <p:par>
+        <p:cTn id="1" dur="indefinite" restart="never" nodeType="tmRoot"/>
+      </p:par>
+    </p:tnLst>
+  </p:timing>
 </p:sld>
 </file>
 
@@ -12095,7 +13494,7 @@
           <p:cNvPr id="6" name="Segnaposto contenuto 5">
             <a:extLst>
               <a:ext uri="{FF2B5EF4-FFF2-40B4-BE49-F238E27FC236}">
-                <a16:creationId xmlns:a16="http://schemas.microsoft.com/office/drawing/2014/main" xmlns="" id="{5B6072DA-2CA4-4D2D-9FE3-87C81F48EC48}"/>
+                <a16:creationId xmlns:a16="http://schemas.microsoft.com/office/drawing/2014/main" id="{5B6072DA-2CA4-4D2D-9FE3-87C81F48EC48}"/>
               </a:ext>
             </a:extLst>
           </p:cNvPr>
@@ -12193,6 +13592,13 @@
       </p:transition>
     </mc:Fallback>
   </mc:AlternateContent>
+  <p:timing>
+    <p:tnLst>
+      <p:par>
+        <p:cTn id="1" dur="indefinite" restart="never" nodeType="tmRoot"/>
+      </p:par>
+    </p:tnLst>
+  </p:timing>
 </p:sld>
 </file>
 
@@ -12218,7 +13624,7 @@
           <p:cNvPr id="2" name="Titolo 1">
             <a:extLst>
               <a:ext uri="{FF2B5EF4-FFF2-40B4-BE49-F238E27FC236}">
-                <a16:creationId xmlns:a16="http://schemas.microsoft.com/office/drawing/2014/main" xmlns="" id="{82887461-6D43-4CEB-A6A1-119545323645}"/>
+                <a16:creationId xmlns:a16="http://schemas.microsoft.com/office/drawing/2014/main" id="{82887461-6D43-4CEB-A6A1-119545323645}"/>
               </a:ext>
             </a:extLst>
           </p:cNvPr>
@@ -12246,7 +13652,7 @@
           <p:cNvPr id="4" name="Segnaposto contenuto 3">
             <a:extLst>
               <a:ext uri="{FF2B5EF4-FFF2-40B4-BE49-F238E27FC236}">
-                <a16:creationId xmlns:a16="http://schemas.microsoft.com/office/drawing/2014/main" xmlns="" id="{9DA94BF7-4EDC-403E-A893-A547CC60B810}"/>
+                <a16:creationId xmlns:a16="http://schemas.microsoft.com/office/drawing/2014/main" id="{9DA94BF7-4EDC-403E-A893-A547CC60B810}"/>
               </a:ext>
             </a:extLst>
           </p:cNvPr>
@@ -12333,6 +13739,13 @@
       </p:transition>
     </mc:Fallback>
   </mc:AlternateContent>
+  <p:timing>
+    <p:tnLst>
+      <p:par>
+        <p:cTn id="1" dur="indefinite" restart="never" nodeType="tmRoot"/>
+      </p:par>
+    </p:tnLst>
+  </p:timing>
 </p:sld>
 </file>
 
@@ -12358,7 +13771,7 @@
           <p:cNvPr id="2" name="Titolo 1">
             <a:extLst>
               <a:ext uri="{FF2B5EF4-FFF2-40B4-BE49-F238E27FC236}">
-                <a16:creationId xmlns:a16="http://schemas.microsoft.com/office/drawing/2014/main" xmlns="" id="{82887461-6D43-4CEB-A6A1-119545323645}"/>
+                <a16:creationId xmlns:a16="http://schemas.microsoft.com/office/drawing/2014/main" id="{82887461-6D43-4CEB-A6A1-119545323645}"/>
               </a:ext>
             </a:extLst>
           </p:cNvPr>
@@ -12386,7 +13799,7 @@
           <p:cNvPr id="4" name="Segnaposto contenuto 3">
             <a:extLst>
               <a:ext uri="{FF2B5EF4-FFF2-40B4-BE49-F238E27FC236}">
-                <a16:creationId xmlns:a16="http://schemas.microsoft.com/office/drawing/2014/main" xmlns="" id="{9DA94BF7-4EDC-403E-A893-A547CC60B810}"/>
+                <a16:creationId xmlns:a16="http://schemas.microsoft.com/office/drawing/2014/main" id="{9DA94BF7-4EDC-403E-A893-A547CC60B810}"/>
               </a:ext>
             </a:extLst>
           </p:cNvPr>
@@ -12531,7 +13944,7 @@
           <p:cNvPr id="1026" name="Picture 2" descr="Risultati immagini per bus icon png">
             <a:extLst>
               <a:ext uri="{FF2B5EF4-FFF2-40B4-BE49-F238E27FC236}">
-                <a16:creationId xmlns:a16="http://schemas.microsoft.com/office/drawing/2014/main" xmlns="" id="{0B3E46AC-3C49-45E4-9E3F-CEF6C3C7158A}"/>
+                <a16:creationId xmlns:a16="http://schemas.microsoft.com/office/drawing/2014/main" id="{0B3E46AC-3C49-45E4-9E3F-CEF6C3C7158A}"/>
               </a:ext>
             </a:extLst>
           </p:cNvPr>
@@ -12602,6 +14015,13 @@
       </p:transition>
     </mc:Fallback>
   </mc:AlternateContent>
+  <p:timing>
+    <p:tnLst>
+      <p:par>
+        <p:cTn id="1" dur="indefinite" restart="never" nodeType="tmRoot"/>
+      </p:par>
+    </p:tnLst>
+  </p:timing>
 </p:sld>
 </file>
 
@@ -12627,7 +14047,7 @@
           <p:cNvPr id="2" name="Titolo 1">
             <a:extLst>
               <a:ext uri="{FF2B5EF4-FFF2-40B4-BE49-F238E27FC236}">
-                <a16:creationId xmlns:a16="http://schemas.microsoft.com/office/drawing/2014/main" xmlns="" id="{82887461-6D43-4CEB-A6A1-119545323645}"/>
+                <a16:creationId xmlns:a16="http://schemas.microsoft.com/office/drawing/2014/main" id="{82887461-6D43-4CEB-A6A1-119545323645}"/>
               </a:ext>
             </a:extLst>
           </p:cNvPr>
@@ -12655,7 +14075,7 @@
           <p:cNvPr id="5" name="Segnaposto contenuto 4">
             <a:extLst>
               <a:ext uri="{FF2B5EF4-FFF2-40B4-BE49-F238E27FC236}">
-                <a16:creationId xmlns:a16="http://schemas.microsoft.com/office/drawing/2014/main" xmlns="" id="{898D7E89-0043-4101-8223-BD420A471666}"/>
+                <a16:creationId xmlns:a16="http://schemas.microsoft.com/office/drawing/2014/main" id="{898D7E89-0043-4101-8223-BD420A471666}"/>
               </a:ext>
             </a:extLst>
           </p:cNvPr>
@@ -12690,7 +14110,7 @@
           <p:cNvPr id="3076" name="Picture 4" descr="Risultati immagini per start race icon">
             <a:extLst>
               <a:ext uri="{FF2B5EF4-FFF2-40B4-BE49-F238E27FC236}">
-                <a16:creationId xmlns:a16="http://schemas.microsoft.com/office/drawing/2014/main" xmlns="" id="{2EF36095-34AE-44D9-B34A-DBEBF300D4D3}"/>
+                <a16:creationId xmlns:a16="http://schemas.microsoft.com/office/drawing/2014/main" id="{2EF36095-34AE-44D9-B34A-DBEBF300D4D3}"/>
               </a:ext>
             </a:extLst>
           </p:cNvPr>
@@ -12754,6 +14174,13 @@
       </p:transition>
     </mc:Fallback>
   </mc:AlternateContent>
+  <p:timing>
+    <p:tnLst>
+      <p:par>
+        <p:cTn id="1" dur="indefinite" restart="never" nodeType="tmRoot"/>
+      </p:par>
+    </p:tnLst>
+  </p:timing>
 </p:sld>
 </file>
 
@@ -12779,7 +14206,7 @@
           <p:cNvPr id="2" name="Titolo 1">
             <a:extLst>
               <a:ext uri="{FF2B5EF4-FFF2-40B4-BE49-F238E27FC236}">
-                <a16:creationId xmlns:a16="http://schemas.microsoft.com/office/drawing/2014/main" xmlns="" id="{82887461-6D43-4CEB-A6A1-119545323645}"/>
+                <a16:creationId xmlns:a16="http://schemas.microsoft.com/office/drawing/2014/main" id="{82887461-6D43-4CEB-A6A1-119545323645}"/>
               </a:ext>
             </a:extLst>
           </p:cNvPr>
@@ -12807,7 +14234,7 @@
           <p:cNvPr id="6" name="Segnaposto contenuto 5">
             <a:extLst>
               <a:ext uri="{FF2B5EF4-FFF2-40B4-BE49-F238E27FC236}">
-                <a16:creationId xmlns:a16="http://schemas.microsoft.com/office/drawing/2014/main" xmlns="" id="{340539DE-1D21-492C-BA50-AD02818970A6}"/>
+                <a16:creationId xmlns:a16="http://schemas.microsoft.com/office/drawing/2014/main" id="{340539DE-1D21-492C-BA50-AD02818970A6}"/>
               </a:ext>
             </a:extLst>
           </p:cNvPr>
@@ -12842,7 +14269,7 @@
           <p:cNvPr id="2050" name="Picture 2" descr="Risultati immagini per finish race icon">
             <a:extLst>
               <a:ext uri="{FF2B5EF4-FFF2-40B4-BE49-F238E27FC236}">
-                <a16:creationId xmlns:a16="http://schemas.microsoft.com/office/drawing/2014/main" xmlns="" id="{A0F9E2C9-C414-4016-A6E8-E8846A39B789}"/>
+                <a16:creationId xmlns:a16="http://schemas.microsoft.com/office/drawing/2014/main" id="{A0F9E2C9-C414-4016-A6E8-E8846A39B789}"/>
               </a:ext>
             </a:extLst>
           </p:cNvPr>
@@ -12906,6 +14333,13 @@
       </p:transition>
     </mc:Fallback>
   </mc:AlternateContent>
+  <p:timing>
+    <p:tnLst>
+      <p:par>
+        <p:cTn id="1" dur="indefinite" restart="never" nodeType="tmRoot"/>
+      </p:par>
+    </p:tnLst>
+  </p:timing>
 </p:sld>
 </file>
 
